--- a/Presentation/lesson-11-linq.pptx
+++ b/Presentation/lesson-11-linq.pptx
@@ -10,7 +10,7 @@
   <p:sldIdLst>
     <p:sldId id="256" r:id="rId2"/>
     <p:sldId id="257" r:id="rId3"/>
-    <p:sldId id="258" r:id="rId4"/>
+    <p:sldId id="269" r:id="rId4"/>
     <p:sldId id="266" r:id="rId5"/>
     <p:sldId id="259" r:id="rId6"/>
     <p:sldId id="265" r:id="rId7"/>
@@ -204,7 +204,7 @@
           <a:p>
             <a:fld id="{B24A7054-7FFB-49F4-A126-5DF6E687FF53}" type="datetimeFigureOut">
               <a:rPr lang="ru-RU" smtClean="0"/>
-              <a:t>05.03.2013</a:t>
+              <a:t>27.03.2013</a:t>
             </a:fld>
             <a:endParaRPr lang="ru-RU"/>
           </a:p>
@@ -1486,7 +1486,7 @@
           <a:p>
             <a:fld id="{8E6E6A2A-E9D3-4A0D-B04A-ABDD367A1E08}" type="datetimeFigureOut">
               <a:rPr lang="ru-RU" smtClean="0"/>
-              <a:t>05.03.2013</a:t>
+              <a:t>27.03.2013</a:t>
             </a:fld>
             <a:endParaRPr lang="ru-RU"/>
           </a:p>
@@ -2931,7 +2931,7 @@
           <a:p>
             <a:fld id="{AC3D3127-B7C4-45E3-9797-C527EC9FDD78}" type="datetimeFigureOut">
               <a:rPr lang="ru-RU" smtClean="0"/>
-              <a:t>05.03.2013</a:t>
+              <a:t>27.03.2013</a:t>
             </a:fld>
             <a:endParaRPr lang="ru-RU"/>
           </a:p>
@@ -8508,59 +8508,162 @@
       </p:grpSpPr>
       <p:sp>
         <p:nvSpPr>
-          <p:cNvPr id="3" name="Rectangle 2"/>
-          <p:cNvSpPr/>
-          <p:nvPr/>
+          <p:cNvPr id="2" name="Title 1"/>
+          <p:cNvSpPr>
+            <a:spLocks noGrp="1"/>
+          </p:cNvSpPr>
+          <p:nvPr>
+            <p:ph type="title"/>
+          </p:nvPr>
         </p:nvSpPr>
-        <p:spPr>
-          <a:xfrm>
-            <a:off x="251520" y="3136613"/>
-            <a:ext cx="8640960" cy="584775"/>
-          </a:xfrm>
-          <a:prstGeom prst="rect">
-            <a:avLst/>
-          </a:prstGeom>
-        </p:spPr>
+        <p:spPr/>
         <p:txBody>
-          <a:bodyPr wrap="square">
-            <a:spAutoFit/>
-          </a:bodyPr>
+          <a:bodyPr/>
           <a:lstStyle/>
           <a:p>
-            <a:pPr lvl="0" algn="ctr"/>
-            <a:r>
-              <a:rPr lang="en-US" sz="3200" dirty="0">
+            <a:r>
+              <a:rPr lang="ru-RU" dirty="0">
                 <a:solidFill>
                   <a:schemeClr val="bg1"/>
                 </a:solidFill>
               </a:rPr>
-              <a:t>https://github.com/bazile/Training</a:t>
-            </a:r>
-            <a:endParaRPr lang="en-US" sz="3200" dirty="0" smtClean="0">
+              <a:t>Материалы для обучения</a:t>
+            </a:r>
+            <a:endParaRPr lang="en-US" dirty="0">
               <a:solidFill>
                 <a:schemeClr val="bg1"/>
               </a:solidFill>
             </a:endParaRPr>
+          </a:p>
+        </p:txBody>
+      </p:sp>
+      <p:sp>
+        <p:nvSpPr>
+          <p:cNvPr id="3" name="Content Placeholder 2"/>
+          <p:cNvSpPr>
+            <a:spLocks noGrp="1"/>
+          </p:cNvSpPr>
+          <p:nvPr>
+            <p:ph idx="1"/>
+          </p:nvPr>
+        </p:nvSpPr>
+        <p:spPr/>
+        <p:txBody>
+          <a:bodyPr/>
+          <a:lstStyle/>
+          <a:p>
+            <a:r>
+              <a:rPr lang="en-US" dirty="0">
+                <a:solidFill>
+                  <a:schemeClr val="bg1"/>
+                </a:solidFill>
+                <a:hlinkClick r:id="rId2"/>
+              </a:rPr>
+              <a:t>https://</a:t>
+            </a:r>
+            <a:r>
+              <a:rPr lang="en-US" dirty="0" smtClean="0">
+                <a:solidFill>
+                  <a:schemeClr val="bg1"/>
+                </a:solidFill>
+                <a:hlinkClick r:id="rId2"/>
+              </a:rPr>
+              <a:t>github.com/bazile/Training</a:t>
+            </a:r>
+            <a:r>
+              <a:rPr lang="en-US" dirty="0" smtClean="0">
+                <a:solidFill>
+                  <a:schemeClr val="bg1"/>
+                </a:solidFill>
+              </a:rPr>
+              <a:t/>
+            </a:r>
+            <a:br>
+              <a:rPr lang="en-US" dirty="0" smtClean="0">
+                <a:solidFill>
+                  <a:schemeClr val="bg1"/>
+                </a:solidFill>
+              </a:rPr>
+            </a:br>
+            <a:r>
+              <a:rPr lang="ru-RU" dirty="0" smtClean="0">
+                <a:solidFill>
+                  <a:schemeClr val="bg1"/>
+                </a:solidFill>
+              </a:rPr>
+              <a:t>Презентации и примеры кода используемые во время занятия</a:t>
+            </a:r>
+          </a:p>
+          <a:p>
+            <a:endParaRPr lang="ru-RU" dirty="0" smtClean="0">
+              <a:solidFill>
+                <a:schemeClr val="bg1"/>
+              </a:solidFill>
+            </a:endParaRPr>
+          </a:p>
+          <a:p>
+            <a:r>
+              <a:rPr lang="en-US" dirty="0">
+                <a:solidFill>
+                  <a:schemeClr val="bg1"/>
+                </a:solidFill>
+                <a:hlinkClick r:id="rId3"/>
+              </a:rPr>
+              <a:t>http://belhard.nullptr.ru</a:t>
+            </a:r>
+            <a:r>
+              <a:rPr lang="en-US" dirty="0" smtClean="0">
+                <a:solidFill>
+                  <a:schemeClr val="bg1"/>
+                </a:solidFill>
+                <a:hlinkClick r:id="rId3"/>
+              </a:rPr>
+              <a:t>/</a:t>
+            </a:r>
+            <a:r>
+              <a:rPr lang="ru-RU" dirty="0" smtClean="0">
+                <a:solidFill>
+                  <a:schemeClr val="bg1"/>
+                </a:solidFill>
+              </a:rPr>
+              <a:t/>
+            </a:r>
+            <a:br>
+              <a:rPr lang="ru-RU" dirty="0" smtClean="0">
+                <a:solidFill>
+                  <a:schemeClr val="bg1"/>
+                </a:solidFill>
+              </a:rPr>
+            </a:br>
+            <a:r>
+              <a:rPr lang="ru-RU" dirty="0" smtClean="0">
+                <a:solidFill>
+                  <a:schemeClr val="bg1"/>
+                </a:solidFill>
+              </a:rPr>
+              <a:t>Книги, примеры к ним и другие полезные файлы.</a:t>
+            </a:r>
+            <a:endParaRPr lang="ru-RU" dirty="0">
+              <a:solidFill>
+                <a:schemeClr val="bg1"/>
+              </a:solidFill>
+            </a:endParaRPr>
+          </a:p>
+          <a:p>
+            <a:endParaRPr lang="en-US" dirty="0"/>
           </a:p>
         </p:txBody>
       </p:sp>
     </p:spTree>
     <p:extLst>
       <p:ext uri="{BB962C8B-B14F-4D97-AF65-F5344CB8AC3E}">
-        <p14:creationId xmlns:p14="http://schemas.microsoft.com/office/powerpoint/2010/main" val="2205986701"/>
+        <p14:creationId xmlns:p14="http://schemas.microsoft.com/office/powerpoint/2010/main" val="655218848"/>
       </p:ext>
     </p:extLst>
   </p:cSld>
   <p:clrMapOvr>
     <a:masterClrMapping/>
   </p:clrMapOvr>
-  <p:timing>
-    <p:tnLst>
-      <p:par>
-        <p:cTn id="1" dur="indefinite" restart="never" nodeType="tmRoot"/>
-      </p:par>
-    </p:tnLst>
-  </p:timing>
 </p:sld>
 </file>
 
@@ -9416,7 +9519,6 @@
               <a:rPr lang="ru-RU" dirty="0" smtClean="0"/>
               <a:t>.</a:t>
             </a:r>
-            <a:endParaRPr lang="ru-RU" dirty="0" smtClean="0"/>
           </a:p>
           <a:p>
             <a:pPr marL="0" indent="0">

--- a/Presentation/lesson-11-linq.pptx
+++ b/Presentation/lesson-11-linq.pptx
@@ -5,7 +5,7 @@
     <p:sldMasterId id="2147483648" r:id="rId1"/>
   </p:sldMasterIdLst>
   <p:notesMasterIdLst>
-    <p:notesMasterId r:id="rId15"/>
+    <p:notesMasterId r:id="rId17"/>
   </p:notesMasterIdLst>
   <p:sldIdLst>
     <p:sldId id="256" r:id="rId2"/>
@@ -13,14 +13,16 @@
     <p:sldId id="269" r:id="rId4"/>
     <p:sldId id="266" r:id="rId5"/>
     <p:sldId id="259" r:id="rId6"/>
-    <p:sldId id="265" r:id="rId7"/>
-    <p:sldId id="267" r:id="rId8"/>
-    <p:sldId id="261" r:id="rId9"/>
-    <p:sldId id="268" r:id="rId10"/>
-    <p:sldId id="260" r:id="rId11"/>
-    <p:sldId id="264" r:id="rId12"/>
-    <p:sldId id="262" r:id="rId13"/>
-    <p:sldId id="263" r:id="rId14"/>
+    <p:sldId id="270" r:id="rId7"/>
+    <p:sldId id="271" r:id="rId8"/>
+    <p:sldId id="265" r:id="rId9"/>
+    <p:sldId id="267" r:id="rId10"/>
+    <p:sldId id="261" r:id="rId11"/>
+    <p:sldId id="268" r:id="rId12"/>
+    <p:sldId id="260" r:id="rId13"/>
+    <p:sldId id="264" r:id="rId14"/>
+    <p:sldId id="262" r:id="rId15"/>
+    <p:sldId id="263" r:id="rId16"/>
   </p:sldIdLst>
   <p:sldSz cx="9144000" cy="6858000" type="screen4x3"/>
   <p:notesSz cx="6858000" cy="9144000"/>
@@ -204,7 +206,7 @@
           <a:p>
             <a:fld id="{B24A7054-7FFB-49F4-A126-5DF6E687FF53}" type="datetimeFigureOut">
               <a:rPr lang="ru-RU" smtClean="0"/>
-              <a:t>27.03.2013</a:t>
+              <a:t>24.06.2013</a:t>
             </a:fld>
             <a:endParaRPr lang="ru-RU"/>
           </a:p>
@@ -1486,7 +1488,7 @@
           <a:p>
             <a:fld id="{8E6E6A2A-E9D3-4A0D-B04A-ABDD367A1E08}" type="datetimeFigureOut">
               <a:rPr lang="ru-RU" smtClean="0"/>
-              <a:t>27.03.2013</a:t>
+              <a:t>24.06.2013</a:t>
             </a:fld>
             <a:endParaRPr lang="ru-RU"/>
           </a:p>
@@ -2931,7 +2933,7 @@
           <a:p>
             <a:fld id="{AC3D3127-B7C4-45E3-9797-C527EC9FDD78}" type="datetimeFigureOut">
               <a:rPr lang="ru-RU" smtClean="0"/>
-              <a:t>27.03.2013</a:t>
+              <a:t>24.06.2013</a:t>
             </a:fld>
             <a:endParaRPr lang="ru-RU"/>
           </a:p>
@@ -3520,6 +3522,422 @@
 <file path=ppt/slides/slide10.xml><?xml version="1.0" encoding="utf-8"?>
 <p:sld xmlns:a="http://schemas.openxmlformats.org/drawingml/2006/main" xmlns:r="http://schemas.openxmlformats.org/officeDocument/2006/relationships" xmlns:p="http://schemas.openxmlformats.org/presentationml/2006/main">
   <p:cSld>
+    <p:spTree>
+      <p:nvGrpSpPr>
+        <p:cNvPr id="1" name=""/>
+        <p:cNvGrpSpPr/>
+        <p:nvPr/>
+      </p:nvGrpSpPr>
+      <p:grpSpPr>
+        <a:xfrm>
+          <a:off x="0" y="0"/>
+          <a:ext cx="0" cy="0"/>
+          <a:chOff x="0" y="0"/>
+          <a:chExt cx="0" cy="0"/>
+        </a:xfrm>
+      </p:grpSpPr>
+      <p:sp>
+        <p:nvSpPr>
+          <p:cNvPr id="2" name="Title 1"/>
+          <p:cNvSpPr>
+            <a:spLocks noGrp="1"/>
+          </p:cNvSpPr>
+          <p:nvPr>
+            <p:ph type="title"/>
+          </p:nvPr>
+        </p:nvSpPr>
+        <p:spPr/>
+        <p:txBody>
+          <a:bodyPr/>
+          <a:lstStyle/>
+          <a:p>
+            <a:r>
+              <a:rPr lang="ru-RU" dirty="0" smtClean="0"/>
+              <a:t>Класс </a:t>
+            </a:r>
+            <a:r>
+              <a:rPr lang="en-US" dirty="0" err="1" smtClean="0"/>
+              <a:t>System.Linq.Enumerable</a:t>
+            </a:r>
+            <a:endParaRPr lang="en-US" dirty="0"/>
+          </a:p>
+        </p:txBody>
+      </p:sp>
+      <p:sp>
+        <p:nvSpPr>
+          <p:cNvPr id="3" name="Content Placeholder 2"/>
+          <p:cNvSpPr>
+            <a:spLocks noGrp="1"/>
+          </p:cNvSpPr>
+          <p:nvPr>
+            <p:ph idx="1"/>
+          </p:nvPr>
+        </p:nvSpPr>
+        <p:spPr/>
+        <p:txBody>
+          <a:bodyPr>
+            <a:normAutofit/>
+          </a:bodyPr>
+          <a:lstStyle/>
+          <a:p>
+            <a:pPr marL="0" indent="0">
+              <a:buNone/>
+            </a:pPr>
+            <a:r>
+              <a:rPr lang="ru-RU" dirty="0" smtClean="0"/>
+              <a:t>Содержит множество полезных </a:t>
+            </a:r>
+            <a:r>
+              <a:rPr lang="en-US" dirty="0" smtClean="0"/>
+              <a:t>extension </a:t>
+            </a:r>
+            <a:r>
+              <a:rPr lang="ru-RU" dirty="0" smtClean="0"/>
+              <a:t>методов для </a:t>
+            </a:r>
+            <a:r>
+              <a:rPr lang="en-US" dirty="0" smtClean="0"/>
+              <a:t>LINQ</a:t>
+            </a:r>
+            <a:r>
+              <a:rPr lang="ru-RU" dirty="0" smtClean="0"/>
+              <a:t>.</a:t>
+            </a:r>
+          </a:p>
+          <a:p>
+            <a:pPr marL="0" indent="0">
+              <a:buNone/>
+            </a:pPr>
+            <a:endParaRPr lang="en-US" dirty="0"/>
+          </a:p>
+        </p:txBody>
+      </p:sp>
+    </p:spTree>
+    <p:extLst>
+      <p:ext uri="{BB962C8B-B14F-4D97-AF65-F5344CB8AC3E}">
+        <p14:creationId xmlns:p14="http://schemas.microsoft.com/office/powerpoint/2010/main" val="2250229024"/>
+      </p:ext>
+    </p:extLst>
+  </p:cSld>
+  <p:clrMapOvr>
+    <a:masterClrMapping/>
+  </p:clrMapOvr>
+  <p:timing>
+    <p:tnLst>
+      <p:par>
+        <p:cTn id="1" dur="indefinite" restart="never" nodeType="tmRoot"/>
+      </p:par>
+    </p:tnLst>
+  </p:timing>
+</p:sld>
+</file>
+
+<file path=ppt/slides/slide11.xml><?xml version="1.0" encoding="utf-8"?>
+<p:sld xmlns:a="http://schemas.openxmlformats.org/drawingml/2006/main" xmlns:r="http://schemas.openxmlformats.org/officeDocument/2006/relationships" xmlns:p="http://schemas.openxmlformats.org/presentationml/2006/main">
+  <p:cSld>
+    <p:spTree>
+      <p:nvGrpSpPr>
+        <p:cNvPr id="1" name=""/>
+        <p:cNvGrpSpPr/>
+        <p:nvPr/>
+      </p:nvGrpSpPr>
+      <p:grpSpPr>
+        <a:xfrm>
+          <a:off x="0" y="0"/>
+          <a:ext cx="0" cy="0"/>
+          <a:chOff x="0" y="0"/>
+          <a:chExt cx="0" cy="0"/>
+        </a:xfrm>
+      </p:grpSpPr>
+      <p:sp>
+        <p:nvSpPr>
+          <p:cNvPr id="2" name="Title 1"/>
+          <p:cNvSpPr>
+            <a:spLocks noGrp="1"/>
+          </p:cNvSpPr>
+          <p:nvPr>
+            <p:ph type="title"/>
+          </p:nvPr>
+        </p:nvSpPr>
+        <p:spPr/>
+        <p:txBody>
+          <a:bodyPr/>
+          <a:lstStyle/>
+          <a:p>
+            <a:r>
+              <a:rPr lang="en-US" dirty="0" smtClean="0"/>
+              <a:t>Enumerable: First() </a:t>
+            </a:r>
+            <a:r>
+              <a:rPr lang="ru-RU" dirty="0" smtClean="0"/>
+              <a:t>и </a:t>
+            </a:r>
+            <a:r>
+              <a:rPr lang="en-US" dirty="0" smtClean="0"/>
+              <a:t>Single()</a:t>
+            </a:r>
+            <a:endParaRPr lang="en-US" dirty="0"/>
+          </a:p>
+        </p:txBody>
+      </p:sp>
+      <p:sp>
+        <p:nvSpPr>
+          <p:cNvPr id="3" name="Content Placeholder 2"/>
+          <p:cNvSpPr>
+            <a:spLocks noGrp="1"/>
+          </p:cNvSpPr>
+          <p:nvPr>
+            <p:ph idx="1"/>
+          </p:nvPr>
+        </p:nvSpPr>
+        <p:spPr/>
+        <p:txBody>
+          <a:bodyPr/>
+          <a:lstStyle/>
+          <a:p>
+            <a:pPr marL="0" indent="0">
+              <a:buNone/>
+            </a:pPr>
+            <a:r>
+              <a:rPr lang="en-US" dirty="0"/>
+              <a:t>First</a:t>
+            </a:r>
+            <a:r>
+              <a:rPr lang="en-US" dirty="0" smtClean="0"/>
+              <a:t>()</a:t>
+            </a:r>
+            <a:r>
+              <a:rPr lang="ru-RU" dirty="0" smtClean="0"/>
+              <a:t> </a:t>
+            </a:r>
+            <a:r>
+              <a:rPr lang="en-US" dirty="0" smtClean="0"/>
+              <a:t>/</a:t>
+            </a:r>
+            <a:r>
+              <a:rPr lang="ru-RU" dirty="0" smtClean="0"/>
+              <a:t> </a:t>
+            </a:r>
+            <a:r>
+              <a:rPr lang="en-US" dirty="0" smtClean="0"/>
+              <a:t>First(</a:t>
+            </a:r>
+            <a:r>
+              <a:rPr lang="en-US" dirty="0" err="1" smtClean="0"/>
+              <a:t>Func</a:t>
+            </a:r>
+            <a:r>
+              <a:rPr lang="en-US" dirty="0" smtClean="0"/>
+              <a:t>&lt;</a:t>
+            </a:r>
+            <a:r>
+              <a:rPr lang="en-US" dirty="0" err="1" smtClean="0"/>
+              <a:t>TSource</a:t>
+            </a:r>
+            <a:r>
+              <a:rPr lang="en-US" dirty="0"/>
+              <a:t>, </a:t>
+            </a:r>
+            <a:r>
+              <a:rPr lang="en-US" dirty="0" err="1"/>
+              <a:t>bool</a:t>
+            </a:r>
+            <a:r>
+              <a:rPr lang="en-US" dirty="0"/>
+              <a:t>&gt;)</a:t>
+            </a:r>
+          </a:p>
+          <a:p>
+            <a:pPr marL="0" indent="0">
+              <a:buNone/>
+            </a:pPr>
+            <a:r>
+              <a:rPr lang="en-US" dirty="0" err="1"/>
+              <a:t>FirstOrDefault</a:t>
+            </a:r>
+            <a:r>
+              <a:rPr lang="en-US" dirty="0" smtClean="0"/>
+              <a:t>()</a:t>
+            </a:r>
+            <a:r>
+              <a:rPr lang="ru-RU" dirty="0" smtClean="0"/>
+              <a:t> </a:t>
+            </a:r>
+            <a:r>
+              <a:rPr lang="en-US" dirty="0" smtClean="0"/>
+              <a:t>/</a:t>
+            </a:r>
+            <a:r>
+              <a:rPr lang="ru-RU" dirty="0" smtClean="0"/>
+              <a:t> </a:t>
+            </a:r>
+            <a:r>
+              <a:rPr lang="en-US" dirty="0" err="1" smtClean="0"/>
+              <a:t>FirstOrDefault</a:t>
+            </a:r>
+            <a:r>
+              <a:rPr lang="en-US" dirty="0" smtClean="0"/>
+              <a:t>(</a:t>
+            </a:r>
+            <a:r>
+              <a:rPr lang="en-US" dirty="0" err="1" smtClean="0"/>
+              <a:t>Func</a:t>
+            </a:r>
+            <a:r>
+              <a:rPr lang="en-US" dirty="0" smtClean="0"/>
+              <a:t>&lt;</a:t>
+            </a:r>
+            <a:r>
+              <a:rPr lang="en-US" dirty="0" err="1" smtClean="0"/>
+              <a:t>TSource</a:t>
+            </a:r>
+            <a:r>
+              <a:rPr lang="en-US" dirty="0"/>
+              <a:t>, </a:t>
+            </a:r>
+            <a:r>
+              <a:rPr lang="en-US" dirty="0" err="1"/>
+              <a:t>bool</a:t>
+            </a:r>
+            <a:r>
+              <a:rPr lang="en-US" dirty="0"/>
+              <a:t>&gt;)</a:t>
+            </a:r>
+          </a:p>
+          <a:p>
+            <a:pPr marL="0" indent="0">
+              <a:buNone/>
+            </a:pPr>
+            <a:r>
+              <a:rPr lang="en-US" dirty="0"/>
+              <a:t>Single</a:t>
+            </a:r>
+            <a:r>
+              <a:rPr lang="en-US" dirty="0" smtClean="0"/>
+              <a:t>()</a:t>
+            </a:r>
+            <a:r>
+              <a:rPr lang="ru-RU" dirty="0" smtClean="0"/>
+              <a:t> </a:t>
+            </a:r>
+            <a:r>
+              <a:rPr lang="en-US" dirty="0" smtClean="0"/>
+              <a:t>/</a:t>
+            </a:r>
+            <a:r>
+              <a:rPr lang="ru-RU" dirty="0" smtClean="0"/>
+              <a:t> </a:t>
+            </a:r>
+            <a:r>
+              <a:rPr lang="en-US" dirty="0" smtClean="0"/>
+              <a:t>Single(</a:t>
+            </a:r>
+            <a:r>
+              <a:rPr lang="en-US" dirty="0" err="1" smtClean="0"/>
+              <a:t>Func</a:t>
+            </a:r>
+            <a:r>
+              <a:rPr lang="en-US" dirty="0" smtClean="0"/>
+              <a:t>&lt;</a:t>
+            </a:r>
+            <a:r>
+              <a:rPr lang="en-US" dirty="0" err="1" smtClean="0"/>
+              <a:t>TSource</a:t>
+            </a:r>
+            <a:r>
+              <a:rPr lang="en-US" dirty="0"/>
+              <a:t>, </a:t>
+            </a:r>
+            <a:r>
+              <a:rPr lang="en-US" dirty="0" err="1"/>
+              <a:t>bool</a:t>
+            </a:r>
+            <a:r>
+              <a:rPr lang="en-US" dirty="0"/>
+              <a:t>&gt;)</a:t>
+            </a:r>
+          </a:p>
+          <a:p>
+            <a:pPr marL="0" indent="0">
+              <a:buNone/>
+            </a:pPr>
+            <a:r>
+              <a:rPr lang="en-US" dirty="0" err="1"/>
+              <a:t>SingleOrDefault</a:t>
+            </a:r>
+            <a:r>
+              <a:rPr lang="en-US" dirty="0" smtClean="0"/>
+              <a:t>()</a:t>
+            </a:r>
+            <a:r>
+              <a:rPr lang="ru-RU" dirty="0" smtClean="0"/>
+              <a:t> </a:t>
+            </a:r>
+            <a:r>
+              <a:rPr lang="en-US" dirty="0" smtClean="0"/>
+              <a:t>/</a:t>
+            </a:r>
+            <a:r>
+              <a:rPr lang="ru-RU" dirty="0" smtClean="0"/>
+              <a:t> </a:t>
+            </a:r>
+            <a:r>
+              <a:rPr lang="en-US" dirty="0" err="1" smtClean="0"/>
+              <a:t>SingleOrDefault</a:t>
+            </a:r>
+            <a:r>
+              <a:rPr lang="en-US" dirty="0" smtClean="0"/>
+              <a:t>(</a:t>
+            </a:r>
+            <a:r>
+              <a:rPr lang="en-US" dirty="0" err="1" smtClean="0"/>
+              <a:t>Func</a:t>
+            </a:r>
+            <a:r>
+              <a:rPr lang="en-US" dirty="0" smtClean="0"/>
+              <a:t>&lt;</a:t>
+            </a:r>
+            <a:r>
+              <a:rPr lang="en-US" dirty="0" err="1" smtClean="0"/>
+              <a:t>TSource</a:t>
+            </a:r>
+            <a:r>
+              <a:rPr lang="en-US" dirty="0"/>
+              <a:t>, </a:t>
+            </a:r>
+            <a:r>
+              <a:rPr lang="en-US" dirty="0" err="1"/>
+              <a:t>bool</a:t>
+            </a:r>
+            <a:r>
+              <a:rPr lang="en-US" dirty="0"/>
+              <a:t>&gt;)</a:t>
+            </a:r>
+          </a:p>
+          <a:p>
+            <a:pPr marL="0" indent="0">
+              <a:buNone/>
+            </a:pPr>
+            <a:endParaRPr lang="en-US" dirty="0"/>
+          </a:p>
+        </p:txBody>
+      </p:sp>
+    </p:spTree>
+    <p:extLst>
+      <p:ext uri="{BB962C8B-B14F-4D97-AF65-F5344CB8AC3E}">
+        <p14:creationId xmlns:p14="http://schemas.microsoft.com/office/powerpoint/2010/main" val="1166576302"/>
+      </p:ext>
+    </p:extLst>
+  </p:cSld>
+  <p:clrMapOvr>
+    <a:masterClrMapping/>
+  </p:clrMapOvr>
+</p:sld>
+</file>
+
+<file path=ppt/slides/slide12.xml><?xml version="1.0" encoding="utf-8"?>
+<p:sld xmlns:a="http://schemas.openxmlformats.org/drawingml/2006/main" xmlns:r="http://schemas.openxmlformats.org/officeDocument/2006/relationships" xmlns:p="http://schemas.openxmlformats.org/presentationml/2006/main">
+  <p:cSld>
     <p:bg>
       <p:bgPr>
         <a:solidFill>
@@ -3626,7 +4044,7 @@
 </p:sld>
 </file>
 
-<file path=ppt/slides/slide11.xml><?xml version="1.0" encoding="utf-8"?>
+<file path=ppt/slides/slide13.xml><?xml version="1.0" encoding="utf-8"?>
 <p:sld xmlns:a="http://schemas.openxmlformats.org/drawingml/2006/main" xmlns:r="http://schemas.openxmlformats.org/officeDocument/2006/relationships" xmlns:p="http://schemas.openxmlformats.org/presentationml/2006/main">
   <p:cSld>
     <p:spTree>
@@ -3785,7 +4203,7 @@
 </p:sld>
 </file>
 
-<file path=ppt/slides/slide12.xml><?xml version="1.0" encoding="utf-8"?>
+<file path=ppt/slides/slide14.xml><?xml version="1.0" encoding="utf-8"?>
 <p:sld xmlns:a="http://schemas.openxmlformats.org/drawingml/2006/main" xmlns:r="http://schemas.openxmlformats.org/officeDocument/2006/relationships" xmlns:p="http://schemas.openxmlformats.org/presentationml/2006/main">
   <p:cSld>
     <p:spTree>
@@ -6417,7 +6835,7 @@
 </p:sld>
 </file>
 
-<file path=ppt/slides/slide13.xml><?xml version="1.0" encoding="utf-8"?>
+<file path=ppt/slides/slide15.xml><?xml version="1.0" encoding="utf-8"?>
 <p:sld xmlns:a="http://schemas.openxmlformats.org/drawingml/2006/main" xmlns:r="http://schemas.openxmlformats.org/officeDocument/2006/relationships" xmlns:p="http://schemas.openxmlformats.org/presentationml/2006/main">
   <p:cSld>
     <p:spTree>
@@ -8969,12 +9387,8 @@
           <a:lstStyle/>
           <a:p>
             <a:r>
-              <a:rPr lang="en-US" dirty="0" smtClean="0"/>
-              <a:t>Extension </a:t>
-            </a:r>
-            <a:r>
               <a:rPr lang="ru-RU" dirty="0" smtClean="0"/>
-              <a:t>методы</a:t>
+              <a:t>Итераторы</a:t>
             </a:r>
             <a:endParaRPr lang="en-US" dirty="0"/>
           </a:p>
@@ -8990,10 +9404,14 @@
             <p:ph idx="1"/>
           </p:nvPr>
         </p:nvSpPr>
-        <p:spPr/>
+        <p:spPr>
+          <a:solidFill>
+            <a:schemeClr val="bg1"/>
+          </a:solidFill>
+        </p:spPr>
         <p:txBody>
           <a:bodyPr>
-            <a:normAutofit fontScale="92500" lnSpcReduction="20000"/>
+            <a:normAutofit/>
           </a:bodyPr>
           <a:lstStyle/>
           <a:p>
@@ -9001,227 +9419,339 @@
               <a:buNone/>
             </a:pPr>
             <a:r>
-              <a:rPr lang="ru-RU" dirty="0" smtClean="0"/>
-              <a:t>Позволяют добавлять методы к уже существующим классам без нарушения инкапсуляции.</a:t>
+              <a:rPr lang="en-US" sz="1500" dirty="0">
+                <a:solidFill>
+                  <a:srgbClr val="0000FF"/>
+                </a:solidFill>
+                <a:latin typeface="Consolas"/>
+              </a:rPr>
+              <a:t>public</a:t>
+            </a:r>
+            <a:r>
+              <a:rPr lang="en-US" sz="1500" dirty="0">
+                <a:solidFill>
+                  <a:srgbClr val="000000"/>
+                </a:solidFill>
+                <a:latin typeface="Consolas"/>
+              </a:rPr>
+              <a:t> </a:t>
+            </a:r>
+            <a:r>
+              <a:rPr lang="en-US" sz="1500" dirty="0">
+                <a:solidFill>
+                  <a:srgbClr val="0000FF"/>
+                </a:solidFill>
+                <a:latin typeface="Consolas"/>
+              </a:rPr>
+              <a:t>static</a:t>
+            </a:r>
+            <a:r>
+              <a:rPr lang="en-US" sz="1500" dirty="0">
+                <a:solidFill>
+                  <a:srgbClr val="000000"/>
+                </a:solidFill>
+                <a:latin typeface="Consolas"/>
+              </a:rPr>
+              <a:t> </a:t>
+            </a:r>
+            <a:r>
+              <a:rPr lang="en-US" sz="1500" dirty="0" err="1">
+                <a:solidFill>
+                  <a:srgbClr val="0000FF"/>
+                </a:solidFill>
+                <a:latin typeface="Consolas"/>
+              </a:rPr>
+              <a:t>int</a:t>
+            </a:r>
+            <a:r>
+              <a:rPr lang="en-US" sz="1500" dirty="0">
+                <a:solidFill>
+                  <a:srgbClr val="000000"/>
+                </a:solidFill>
+                <a:latin typeface="Consolas"/>
+              </a:rPr>
+              <a:t>[] </a:t>
+            </a:r>
+            <a:r>
+              <a:rPr lang="en-US" sz="1500" dirty="0" err="1">
+                <a:solidFill>
+                  <a:srgbClr val="000000"/>
+                </a:solidFill>
+                <a:latin typeface="Consolas"/>
+              </a:rPr>
+              <a:t>ArithmeticProgression</a:t>
+            </a:r>
+            <a:r>
+              <a:rPr lang="en-US" sz="1500" dirty="0">
+                <a:solidFill>
+                  <a:srgbClr val="000000"/>
+                </a:solidFill>
+                <a:latin typeface="Consolas"/>
+              </a:rPr>
+              <a:t>(</a:t>
+            </a:r>
+            <a:r>
+              <a:rPr lang="en-US" sz="1500" dirty="0" err="1">
+                <a:solidFill>
+                  <a:srgbClr val="0000FF"/>
+                </a:solidFill>
+                <a:latin typeface="Consolas"/>
+              </a:rPr>
+              <a:t>int</a:t>
+            </a:r>
+            <a:r>
+              <a:rPr lang="en-US" sz="1500" dirty="0">
+                <a:solidFill>
+                  <a:srgbClr val="000000"/>
+                </a:solidFill>
+                <a:latin typeface="Consolas"/>
+              </a:rPr>
+              <a:t> start, </a:t>
+            </a:r>
+            <a:r>
+              <a:rPr lang="en-US" sz="1500" dirty="0" err="1">
+                <a:solidFill>
+                  <a:srgbClr val="0000FF"/>
+                </a:solidFill>
+                <a:latin typeface="Consolas"/>
+              </a:rPr>
+              <a:t>int</a:t>
+            </a:r>
+            <a:r>
+              <a:rPr lang="en-US" sz="1500" dirty="0">
+                <a:solidFill>
+                  <a:srgbClr val="000000"/>
+                </a:solidFill>
+                <a:latin typeface="Consolas"/>
+              </a:rPr>
+              <a:t> step, </a:t>
+            </a:r>
+            <a:r>
+              <a:rPr lang="en-US" sz="1500" dirty="0" err="1">
+                <a:solidFill>
+                  <a:srgbClr val="0000FF"/>
+                </a:solidFill>
+                <a:latin typeface="Consolas"/>
+              </a:rPr>
+              <a:t>int</a:t>
+            </a:r>
+            <a:r>
+              <a:rPr lang="en-US" sz="1500" dirty="0">
+                <a:solidFill>
+                  <a:srgbClr val="000000"/>
+                </a:solidFill>
+                <a:latin typeface="Consolas"/>
+              </a:rPr>
+              <a:t> count)</a:t>
             </a:r>
           </a:p>
           <a:p>
             <a:pPr marL="0" indent="0">
               <a:buNone/>
             </a:pPr>
-            <a:endParaRPr lang="ru-RU" dirty="0"/>
+            <a:r>
+              <a:rPr lang="en-US" sz="1500" dirty="0">
+                <a:solidFill>
+                  <a:srgbClr val="000000"/>
+                </a:solidFill>
+                <a:latin typeface="Consolas"/>
+              </a:rPr>
+              <a:t>{</a:t>
+            </a:r>
           </a:p>
           <a:p>
             <a:pPr marL="0" indent="0">
               <a:buNone/>
             </a:pPr>
             <a:r>
-              <a:rPr lang="en-US" sz="1600" dirty="0" smtClean="0">
-                <a:solidFill>
-                  <a:srgbClr val="FFFF00"/>
-                </a:solidFill>
-                <a:latin typeface="Courier New" pitchFamily="49" charset="0"/>
-                <a:cs typeface="Courier New" pitchFamily="49" charset="0"/>
-              </a:rPr>
-              <a:t>static</a:t>
-            </a:r>
-            <a:r>
-              <a:rPr lang="en-US" sz="1600" dirty="0" smtClean="0">
-                <a:latin typeface="Courier New" pitchFamily="49" charset="0"/>
-                <a:cs typeface="Courier New" pitchFamily="49" charset="0"/>
-              </a:rPr>
-              <a:t> class </a:t>
-            </a:r>
-            <a:r>
-              <a:rPr lang="en-US" sz="1600" dirty="0" err="1" smtClean="0">
-                <a:latin typeface="Courier New" pitchFamily="49" charset="0"/>
-                <a:cs typeface="Courier New" pitchFamily="49" charset="0"/>
-              </a:rPr>
-              <a:t>DateTime</a:t>
-            </a:r>
-            <a:r>
-              <a:rPr lang="en-US" sz="1600" dirty="0" err="1" smtClean="0">
-                <a:solidFill>
-                  <a:srgbClr val="FFFF00"/>
-                </a:solidFill>
-                <a:latin typeface="Courier New" pitchFamily="49" charset="0"/>
-                <a:cs typeface="Courier New" pitchFamily="49" charset="0"/>
-              </a:rPr>
-              <a:t>Extensions</a:t>
-            </a:r>
-            <a:r>
-              <a:rPr lang="en-US" sz="1600" dirty="0" smtClean="0">
-                <a:latin typeface="Courier New" pitchFamily="49" charset="0"/>
-                <a:cs typeface="Courier New" pitchFamily="49" charset="0"/>
-              </a:rPr>
-              <a:t/>
-            </a:r>
-            <a:br>
-              <a:rPr lang="en-US" sz="1600" dirty="0" smtClean="0">
-                <a:latin typeface="Courier New" pitchFamily="49" charset="0"/>
-                <a:cs typeface="Courier New" pitchFamily="49" charset="0"/>
-              </a:rPr>
-            </a:br>
-            <a:r>
-              <a:rPr lang="en-US" sz="1600" dirty="0" smtClean="0">
-                <a:latin typeface="Courier New" pitchFamily="49" charset="0"/>
-                <a:cs typeface="Courier New" pitchFamily="49" charset="0"/>
-              </a:rPr>
-              <a:t>{</a:t>
-            </a:r>
-            <a:br>
-              <a:rPr lang="en-US" sz="1600" dirty="0" smtClean="0">
-                <a:latin typeface="Courier New" pitchFamily="49" charset="0"/>
-                <a:cs typeface="Courier New" pitchFamily="49" charset="0"/>
-              </a:rPr>
-            </a:br>
-            <a:r>
-              <a:rPr lang="en-US" sz="1600" dirty="0" smtClean="0">
-                <a:latin typeface="Courier New" pitchFamily="49" charset="0"/>
-                <a:cs typeface="Courier New" pitchFamily="49" charset="0"/>
-              </a:rPr>
-              <a:t>    ///&lt;summary&gt;</a:t>
-            </a:r>
-            <a:br>
-              <a:rPr lang="en-US" sz="1600" dirty="0" smtClean="0">
-                <a:latin typeface="Courier New" pitchFamily="49" charset="0"/>
-                <a:cs typeface="Courier New" pitchFamily="49" charset="0"/>
-              </a:rPr>
-            </a:br>
-            <a:r>
-              <a:rPr lang="en-US" sz="1600" dirty="0" smtClean="0">
-                <a:latin typeface="Courier New" pitchFamily="49" charset="0"/>
-                <a:cs typeface="Courier New" pitchFamily="49" charset="0"/>
-              </a:rPr>
-              <a:t>    ///</a:t>
-            </a:r>
-            <a:r>
-              <a:rPr lang="ru-RU" sz="1600" dirty="0" smtClean="0">
-                <a:latin typeface="Courier New" pitchFamily="49" charset="0"/>
-                <a:cs typeface="Courier New" pitchFamily="49" charset="0"/>
-              </a:rPr>
-              <a:t>Вернет строку вида </a:t>
-            </a:r>
-            <a:r>
-              <a:rPr lang="en-US" sz="1600" dirty="0">
-                <a:latin typeface="Courier New" pitchFamily="49" charset="0"/>
-                <a:cs typeface="Courier New" pitchFamily="49" charset="0"/>
-              </a:rPr>
-              <a:t>2008-04-10T06:30:00</a:t>
-            </a:r>
-            <a:endParaRPr lang="en-US" sz="1600" dirty="0" smtClean="0">
-              <a:latin typeface="Courier New" pitchFamily="49" charset="0"/>
-              <a:cs typeface="Courier New" pitchFamily="49" charset="0"/>
-            </a:endParaRPr>
+              <a:rPr lang="ru-RU" sz="1500" dirty="0" smtClean="0">
+                <a:solidFill>
+                  <a:srgbClr val="0000FF"/>
+                </a:solidFill>
+                <a:latin typeface="Consolas"/>
+              </a:rPr>
+              <a:t>    </a:t>
+            </a:r>
+            <a:r>
+              <a:rPr lang="en-US" sz="1500" dirty="0" err="1" smtClean="0">
+                <a:solidFill>
+                  <a:srgbClr val="0000FF"/>
+                </a:solidFill>
+                <a:latin typeface="Consolas"/>
+              </a:rPr>
+              <a:t>int</a:t>
+            </a:r>
+            <a:r>
+              <a:rPr lang="en-US" sz="1500" dirty="0">
+                <a:solidFill>
+                  <a:srgbClr val="000000"/>
+                </a:solidFill>
+                <a:latin typeface="Consolas"/>
+              </a:rPr>
+              <a:t>[] numbers = </a:t>
+            </a:r>
+            <a:r>
+              <a:rPr lang="en-US" sz="1500" dirty="0">
+                <a:solidFill>
+                  <a:srgbClr val="0000FF"/>
+                </a:solidFill>
+                <a:latin typeface="Consolas"/>
+              </a:rPr>
+              <a:t>new</a:t>
+            </a:r>
+            <a:r>
+              <a:rPr lang="en-US" sz="1500" dirty="0">
+                <a:solidFill>
+                  <a:srgbClr val="000000"/>
+                </a:solidFill>
+                <a:latin typeface="Consolas"/>
+              </a:rPr>
+              <a:t> </a:t>
+            </a:r>
+            <a:r>
+              <a:rPr lang="en-US" sz="1500" dirty="0" err="1">
+                <a:solidFill>
+                  <a:srgbClr val="0000FF"/>
+                </a:solidFill>
+                <a:latin typeface="Consolas"/>
+              </a:rPr>
+              <a:t>int</a:t>
+            </a:r>
+            <a:r>
+              <a:rPr lang="en-US" sz="1500" dirty="0">
+                <a:solidFill>
+                  <a:srgbClr val="000000"/>
+                </a:solidFill>
+                <a:latin typeface="Consolas"/>
+              </a:rPr>
+              <a:t>[count];</a:t>
+            </a:r>
           </a:p>
           <a:p>
             <a:pPr marL="0" indent="0">
               <a:buNone/>
             </a:pPr>
             <a:r>
-              <a:rPr lang="en-US" sz="1600" dirty="0" smtClean="0">
-                <a:latin typeface="Courier New" pitchFamily="49" charset="0"/>
-                <a:cs typeface="Courier New" pitchFamily="49" charset="0"/>
-              </a:rPr>
-              <a:t>    ///&lt;/summary</a:t>
-            </a:r>
-            <a:r>
-              <a:rPr lang="en-US" sz="1600" dirty="0">
-                <a:latin typeface="Courier New" pitchFamily="49" charset="0"/>
-                <a:cs typeface="Courier New" pitchFamily="49" charset="0"/>
-              </a:rPr>
-              <a:t>&gt;</a:t>
-            </a:r>
-            <a:endParaRPr lang="en-US" sz="1600" dirty="0" smtClean="0">
-              <a:latin typeface="Courier New" pitchFamily="49" charset="0"/>
-              <a:cs typeface="Courier New" pitchFamily="49" charset="0"/>
-            </a:endParaRPr>
+              <a:rPr lang="ru-RU" sz="1500" dirty="0">
+                <a:solidFill>
+                  <a:srgbClr val="0000FF"/>
+                </a:solidFill>
+                <a:latin typeface="Consolas"/>
+              </a:rPr>
+              <a:t> </a:t>
+            </a:r>
+            <a:r>
+              <a:rPr lang="ru-RU" sz="1500" dirty="0" smtClean="0">
+                <a:solidFill>
+                  <a:srgbClr val="0000FF"/>
+                </a:solidFill>
+                <a:latin typeface="Consolas"/>
+              </a:rPr>
+              <a:t>   </a:t>
+            </a:r>
+            <a:r>
+              <a:rPr lang="en-US" sz="1500" dirty="0" smtClean="0">
+                <a:solidFill>
+                  <a:srgbClr val="000000"/>
+                </a:solidFill>
+                <a:latin typeface="Consolas"/>
+              </a:rPr>
+              <a:t>numbers[</a:t>
+            </a:r>
+            <a:r>
+              <a:rPr lang="en-US" sz="1500" dirty="0" smtClean="0">
+                <a:solidFill>
+                  <a:srgbClr val="C81EFA"/>
+                </a:solidFill>
+                <a:latin typeface="Consolas"/>
+              </a:rPr>
+              <a:t>0</a:t>
+            </a:r>
+            <a:r>
+              <a:rPr lang="en-US" sz="1500" dirty="0">
+                <a:solidFill>
+                  <a:srgbClr val="000000"/>
+                </a:solidFill>
+                <a:latin typeface="Consolas"/>
+              </a:rPr>
+              <a:t>] = start;</a:t>
+            </a:r>
           </a:p>
           <a:p>
             <a:pPr marL="0" indent="0">
               <a:buNone/>
             </a:pPr>
             <a:r>
-              <a:rPr lang="en-US" sz="1600" dirty="0" smtClean="0">
-                <a:latin typeface="Courier New" pitchFamily="49" charset="0"/>
-                <a:cs typeface="Courier New" pitchFamily="49" charset="0"/>
-              </a:rPr>
-              <a:t>    public </a:t>
-            </a:r>
-            <a:r>
-              <a:rPr lang="en-US" sz="1600" dirty="0" smtClean="0">
-                <a:solidFill>
-                  <a:srgbClr val="FFFF00"/>
-                </a:solidFill>
-                <a:latin typeface="Courier New" pitchFamily="49" charset="0"/>
-                <a:cs typeface="Courier New" pitchFamily="49" charset="0"/>
-              </a:rPr>
-              <a:t>static</a:t>
-            </a:r>
-            <a:r>
-              <a:rPr lang="en-US" sz="1600" dirty="0" smtClean="0">
-                <a:latin typeface="Courier New" pitchFamily="49" charset="0"/>
-                <a:cs typeface="Courier New" pitchFamily="49" charset="0"/>
-              </a:rPr>
-              <a:t> string ToIso8601String(</a:t>
-            </a:r>
-            <a:r>
-              <a:rPr lang="en-US" sz="1600" dirty="0" smtClean="0">
-                <a:solidFill>
-                  <a:srgbClr val="FFFF00"/>
-                </a:solidFill>
-                <a:latin typeface="Courier New" pitchFamily="49" charset="0"/>
-                <a:cs typeface="Courier New" pitchFamily="49" charset="0"/>
-              </a:rPr>
-              <a:t>this</a:t>
-            </a:r>
-            <a:r>
-              <a:rPr lang="en-US" sz="1600" dirty="0" smtClean="0">
-                <a:latin typeface="Courier New" pitchFamily="49" charset="0"/>
-                <a:cs typeface="Courier New" pitchFamily="49" charset="0"/>
+              <a:rPr lang="ru-RU" sz="1500" dirty="0" smtClean="0">
+                <a:solidFill>
+                  <a:srgbClr val="0000FF"/>
+                </a:solidFill>
+                <a:latin typeface="Consolas"/>
+              </a:rPr>
+              <a:t>    </a:t>
+            </a:r>
+            <a:r>
+              <a:rPr lang="nn-NO" sz="1500" dirty="0" smtClean="0">
+                <a:solidFill>
+                  <a:srgbClr val="0000FF"/>
+                </a:solidFill>
+                <a:latin typeface="Consolas"/>
+              </a:rPr>
+              <a:t>for</a:t>
+            </a:r>
+            <a:r>
+              <a:rPr lang="nn-NO" sz="1500" dirty="0" smtClean="0">
+                <a:solidFill>
+                  <a:srgbClr val="000000"/>
+                </a:solidFill>
+                <a:latin typeface="Consolas"/>
               </a:rPr>
               <a:t> </a:t>
             </a:r>
             <a:r>
-              <a:rPr lang="en-US" sz="1600" dirty="0" err="1" smtClean="0">
-                <a:latin typeface="Courier New" pitchFamily="49" charset="0"/>
-                <a:cs typeface="Courier New" pitchFamily="49" charset="0"/>
-              </a:rPr>
-              <a:t>DateTime</a:t>
-            </a:r>
-            <a:r>
-              <a:rPr lang="en-US" sz="1600" dirty="0" smtClean="0">
-                <a:latin typeface="Courier New" pitchFamily="49" charset="0"/>
-                <a:cs typeface="Courier New" pitchFamily="49" charset="0"/>
-              </a:rPr>
-              <a:t> </a:t>
-            </a:r>
-            <a:r>
-              <a:rPr lang="en-US" sz="1600" dirty="0" err="1" smtClean="0">
-                <a:latin typeface="Courier New" pitchFamily="49" charset="0"/>
-                <a:cs typeface="Courier New" pitchFamily="49" charset="0"/>
-              </a:rPr>
-              <a:t>dt</a:t>
-            </a:r>
-            <a:r>
-              <a:rPr lang="en-US" sz="1600" dirty="0" smtClean="0">
-                <a:latin typeface="Courier New" pitchFamily="49" charset="0"/>
-                <a:cs typeface="Courier New" pitchFamily="49" charset="0"/>
-              </a:rPr>
-              <a:t>)</a:t>
-            </a:r>
-            <a:br>
-              <a:rPr lang="en-US" sz="1600" dirty="0" smtClean="0">
-                <a:latin typeface="Courier New" pitchFamily="49" charset="0"/>
-                <a:cs typeface="Courier New" pitchFamily="49" charset="0"/>
-              </a:rPr>
-            </a:br>
-            <a:r>
-              <a:rPr lang="en-US" sz="1600" dirty="0" smtClean="0">
-                <a:latin typeface="Courier New" pitchFamily="49" charset="0"/>
-                <a:cs typeface="Courier New" pitchFamily="49" charset="0"/>
-              </a:rPr>
-              <a:t>    {</a:t>
+              <a:rPr lang="nn-NO" sz="1500" dirty="0">
+                <a:solidFill>
+                  <a:srgbClr val="000000"/>
+                </a:solidFill>
+                <a:latin typeface="Consolas"/>
+              </a:rPr>
+              <a:t>(</a:t>
+            </a:r>
+            <a:r>
+              <a:rPr lang="nn-NO" sz="1500" dirty="0">
+                <a:solidFill>
+                  <a:srgbClr val="0000FF"/>
+                </a:solidFill>
+                <a:latin typeface="Consolas"/>
+              </a:rPr>
+              <a:t>int</a:t>
+            </a:r>
+            <a:r>
+              <a:rPr lang="nn-NO" sz="1500" dirty="0">
+                <a:solidFill>
+                  <a:srgbClr val="000000"/>
+                </a:solidFill>
+                <a:latin typeface="Consolas"/>
+              </a:rPr>
+              <a:t> i=</a:t>
+            </a:r>
+            <a:r>
+              <a:rPr lang="nn-NO" sz="1500" dirty="0">
+                <a:solidFill>
+                  <a:srgbClr val="C81EFA"/>
+                </a:solidFill>
+                <a:latin typeface="Consolas"/>
+              </a:rPr>
+              <a:t>1</a:t>
+            </a:r>
+            <a:r>
+              <a:rPr lang="nn-NO" sz="1500" dirty="0">
+                <a:solidFill>
+                  <a:srgbClr val="000000"/>
+                </a:solidFill>
+                <a:latin typeface="Consolas"/>
+              </a:rPr>
+              <a:t>; i&lt;count; i++)</a:t>
             </a:r>
           </a:p>
           <a:p>
@@ -9229,58 +9759,87 @@
               <a:buNone/>
             </a:pPr>
             <a:r>
-              <a:rPr lang="en-US" sz="1600" dirty="0">
-                <a:latin typeface="Courier New" pitchFamily="49" charset="0"/>
-                <a:cs typeface="Courier New" pitchFamily="49" charset="0"/>
-              </a:rPr>
-              <a:t> </a:t>
-            </a:r>
-            <a:r>
-              <a:rPr lang="en-US" sz="1600" dirty="0" smtClean="0">
-                <a:latin typeface="Courier New" pitchFamily="49" charset="0"/>
-                <a:cs typeface="Courier New" pitchFamily="49" charset="0"/>
-              </a:rPr>
-              <a:t>       return </a:t>
-            </a:r>
-            <a:r>
-              <a:rPr lang="en-US" sz="1600" dirty="0" err="1" smtClean="0">
-                <a:latin typeface="Courier New" pitchFamily="49" charset="0"/>
-                <a:cs typeface="Courier New" pitchFamily="49" charset="0"/>
-              </a:rPr>
-              <a:t>dt.ToString</a:t>
-            </a:r>
-            <a:r>
-              <a:rPr lang="en-US" sz="1600" dirty="0">
-                <a:latin typeface="Courier New" pitchFamily="49" charset="0"/>
-                <a:cs typeface="Courier New" pitchFamily="49" charset="0"/>
-              </a:rPr>
-              <a:t>("</a:t>
-            </a:r>
-            <a:r>
-              <a:rPr lang="en-US" sz="1600" dirty="0" smtClean="0">
-                <a:latin typeface="Courier New" pitchFamily="49" charset="0"/>
-                <a:cs typeface="Courier New" pitchFamily="49" charset="0"/>
-              </a:rPr>
-              <a:t>s");</a:t>
-            </a:r>
+              <a:rPr lang="ru-RU" sz="1500" dirty="0" smtClean="0">
+                <a:solidFill>
+                  <a:srgbClr val="000000"/>
+                </a:solidFill>
+                <a:latin typeface="Consolas"/>
+              </a:rPr>
+              <a:t>    </a:t>
+            </a:r>
+            <a:r>
+              <a:rPr lang="en-US" sz="1500" dirty="0" smtClean="0">
+                <a:solidFill>
+                  <a:srgbClr val="000000"/>
+                </a:solidFill>
+                <a:latin typeface="Consolas"/>
+              </a:rPr>
+              <a:t>{</a:t>
+            </a:r>
+            <a:endParaRPr lang="en-US" sz="1500" dirty="0">
+              <a:solidFill>
+                <a:srgbClr val="000000"/>
+              </a:solidFill>
+              <a:latin typeface="Consolas"/>
+            </a:endParaRPr>
           </a:p>
           <a:p>
             <a:pPr marL="0" indent="0">
               <a:buNone/>
             </a:pPr>
             <a:r>
-              <a:rPr lang="en-US" sz="1600" dirty="0">
-                <a:latin typeface="Courier New" pitchFamily="49" charset="0"/>
-                <a:cs typeface="Courier New" pitchFamily="49" charset="0"/>
-              </a:rPr>
-              <a:t> </a:t>
-            </a:r>
-            <a:r>
-              <a:rPr lang="en-US" sz="1600" dirty="0" smtClean="0">
-                <a:latin typeface="Courier New" pitchFamily="49" charset="0"/>
-                <a:cs typeface="Courier New" pitchFamily="49" charset="0"/>
-              </a:rPr>
-              <a:t>   }</a:t>
+              <a:rPr lang="ru-RU" sz="1500" dirty="0" smtClean="0">
+                <a:solidFill>
+                  <a:srgbClr val="000000"/>
+                </a:solidFill>
+                <a:latin typeface="Consolas"/>
+              </a:rPr>
+              <a:t>         </a:t>
+            </a:r>
+            <a:r>
+              <a:rPr lang="en-US" sz="1500" dirty="0" smtClean="0">
+                <a:solidFill>
+                  <a:srgbClr val="000000"/>
+                </a:solidFill>
+                <a:latin typeface="Consolas"/>
+              </a:rPr>
+              <a:t>numbers[</a:t>
+            </a:r>
+            <a:r>
+              <a:rPr lang="en-US" sz="1500" dirty="0" err="1" smtClean="0">
+                <a:solidFill>
+                  <a:srgbClr val="000000"/>
+                </a:solidFill>
+                <a:latin typeface="Consolas"/>
+              </a:rPr>
+              <a:t>i</a:t>
+            </a:r>
+            <a:r>
+              <a:rPr lang="en-US" sz="1500" dirty="0">
+                <a:solidFill>
+                  <a:srgbClr val="000000"/>
+                </a:solidFill>
+                <a:latin typeface="Consolas"/>
+              </a:rPr>
+              <a:t>] = numbers[i-</a:t>
+            </a:r>
+            <a:r>
+              <a:rPr lang="en-US" sz="1500" dirty="0">
+                <a:solidFill>
+                  <a:srgbClr val="C81EFA"/>
+                </a:solidFill>
+                <a:latin typeface="Consolas"/>
+              </a:rPr>
+              <a:t>1</a:t>
+            </a:r>
+            <a:r>
+              <a:rPr lang="en-US" sz="1500" dirty="0">
+                <a:solidFill>
+                  <a:srgbClr val="000000"/>
+                </a:solidFill>
+                <a:latin typeface="Consolas"/>
+              </a:rPr>
+              <a:t>] + step;</a:t>
             </a:r>
           </a:p>
           <a:p>
@@ -9288,57 +9847,347 @@
               <a:buNone/>
             </a:pPr>
             <a:r>
-              <a:rPr lang="en-US" sz="1600" dirty="0" smtClean="0">
-                <a:latin typeface="Courier New" pitchFamily="49" charset="0"/>
-                <a:cs typeface="Courier New" pitchFamily="49" charset="0"/>
+              <a:rPr lang="ru-RU" sz="1500" dirty="0" smtClean="0">
+                <a:solidFill>
+                  <a:srgbClr val="000000"/>
+                </a:solidFill>
+                <a:latin typeface="Consolas"/>
+              </a:rPr>
+              <a:t>    </a:t>
+            </a:r>
+            <a:r>
+              <a:rPr lang="en-US" sz="1500" dirty="0" smtClean="0">
+                <a:solidFill>
+                  <a:srgbClr val="000000"/>
+                </a:solidFill>
+                <a:latin typeface="Consolas"/>
               </a:rPr>
               <a:t>}</a:t>
             </a:r>
+            <a:endParaRPr lang="en-US" sz="1500" dirty="0">
+              <a:solidFill>
+                <a:srgbClr val="000000"/>
+              </a:solidFill>
+              <a:latin typeface="Consolas"/>
+            </a:endParaRPr>
           </a:p>
           <a:p>
             <a:pPr marL="0" indent="0">
               <a:buNone/>
             </a:pPr>
-            <a:endParaRPr lang="en-US" sz="1600" dirty="0" smtClean="0">
-              <a:latin typeface="Courier New" pitchFamily="49" charset="0"/>
-              <a:cs typeface="Courier New" pitchFamily="49" charset="0"/>
-            </a:endParaRPr>
+            <a:r>
+              <a:rPr lang="ru-RU" sz="1500" dirty="0" smtClean="0">
+                <a:solidFill>
+                  <a:srgbClr val="0000FF"/>
+                </a:solidFill>
+                <a:latin typeface="Consolas"/>
+              </a:rPr>
+              <a:t>    </a:t>
+            </a:r>
+            <a:r>
+              <a:rPr lang="en-US" sz="1500" dirty="0" smtClean="0">
+                <a:solidFill>
+                  <a:srgbClr val="0000FF"/>
+                </a:solidFill>
+                <a:latin typeface="Consolas"/>
+              </a:rPr>
+              <a:t>return</a:t>
+            </a:r>
+            <a:r>
+              <a:rPr lang="en-US" sz="1500" dirty="0" smtClean="0">
+                <a:solidFill>
+                  <a:srgbClr val="000000"/>
+                </a:solidFill>
+                <a:latin typeface="Consolas"/>
+              </a:rPr>
+              <a:t> </a:t>
+            </a:r>
+            <a:r>
+              <a:rPr lang="en-US" sz="1500" dirty="0">
+                <a:solidFill>
+                  <a:srgbClr val="000000"/>
+                </a:solidFill>
+                <a:latin typeface="Consolas"/>
+              </a:rPr>
+              <a:t>numbers;</a:t>
+            </a:r>
           </a:p>
           <a:p>
             <a:pPr marL="0" indent="0">
               <a:buNone/>
             </a:pPr>
             <a:r>
-              <a:rPr lang="en-US" sz="1600" dirty="0" smtClean="0">
-                <a:latin typeface="Courier New" pitchFamily="49" charset="0"/>
-                <a:cs typeface="Courier New" pitchFamily="49" charset="0"/>
-              </a:rPr>
-              <a:t>string today = DateTime.UtcNow.ToIso8601String();</a:t>
-            </a:r>
-            <a:endParaRPr lang="en-US" sz="1600" dirty="0">
-              <a:latin typeface="Courier New" pitchFamily="49" charset="0"/>
-              <a:cs typeface="Courier New" pitchFamily="49" charset="0"/>
+              <a:rPr lang="en-US" sz="1500" dirty="0" smtClean="0">
+                <a:solidFill>
+                  <a:srgbClr val="000000"/>
+                </a:solidFill>
+                <a:latin typeface="Consolas"/>
+              </a:rPr>
+              <a:t>}</a:t>
+            </a:r>
+          </a:p>
+          <a:p>
+            <a:pPr marL="0" indent="0">
+              <a:buNone/>
+            </a:pPr>
+            <a:endParaRPr lang="en-US" sz="1500" dirty="0" smtClean="0">
+              <a:solidFill>
+                <a:srgbClr val="000000"/>
+              </a:solidFill>
+              <a:latin typeface="Consolas"/>
             </a:endParaRPr>
+          </a:p>
+          <a:p>
+            <a:pPr marL="0" indent="0">
+              <a:buNone/>
+            </a:pPr>
+            <a:r>
+              <a:rPr lang="en-US" sz="1500" dirty="0" err="1">
+                <a:solidFill>
+                  <a:srgbClr val="0000FF"/>
+                </a:solidFill>
+                <a:latin typeface="Consolas"/>
+              </a:rPr>
+              <a:t>foreach</a:t>
+            </a:r>
+            <a:r>
+              <a:rPr lang="en-US" sz="1500" dirty="0">
+                <a:solidFill>
+                  <a:srgbClr val="000000"/>
+                </a:solidFill>
+                <a:latin typeface="Consolas"/>
+              </a:rPr>
+              <a:t> (</a:t>
+            </a:r>
+            <a:r>
+              <a:rPr lang="en-US" sz="1500" dirty="0" err="1">
+                <a:solidFill>
+                  <a:srgbClr val="0000FF"/>
+                </a:solidFill>
+                <a:latin typeface="Consolas"/>
+              </a:rPr>
+              <a:t>int</a:t>
+            </a:r>
+            <a:r>
+              <a:rPr lang="en-US" sz="1500" dirty="0">
+                <a:solidFill>
+                  <a:srgbClr val="000000"/>
+                </a:solidFill>
+                <a:latin typeface="Consolas"/>
+              </a:rPr>
+              <a:t> </a:t>
+            </a:r>
+            <a:r>
+              <a:rPr lang="en-US" sz="1500" dirty="0" err="1">
+                <a:solidFill>
+                  <a:srgbClr val="000000"/>
+                </a:solidFill>
+                <a:latin typeface="Consolas"/>
+              </a:rPr>
+              <a:t>num</a:t>
+            </a:r>
+            <a:r>
+              <a:rPr lang="en-US" sz="1500" dirty="0">
+                <a:solidFill>
+                  <a:srgbClr val="000000"/>
+                </a:solidFill>
+                <a:latin typeface="Consolas"/>
+              </a:rPr>
+              <a:t> </a:t>
+            </a:r>
+            <a:r>
+              <a:rPr lang="en-US" sz="1500" dirty="0">
+                <a:solidFill>
+                  <a:srgbClr val="0000FF"/>
+                </a:solidFill>
+                <a:latin typeface="Consolas"/>
+              </a:rPr>
+              <a:t>in</a:t>
+            </a:r>
+            <a:r>
+              <a:rPr lang="en-US" sz="1500" dirty="0">
+                <a:solidFill>
+                  <a:srgbClr val="000000"/>
+                </a:solidFill>
+                <a:latin typeface="Consolas"/>
+              </a:rPr>
+              <a:t> </a:t>
+            </a:r>
+            <a:r>
+              <a:rPr lang="en-US" sz="1500" dirty="0" err="1">
+                <a:solidFill>
+                  <a:srgbClr val="000000"/>
+                </a:solidFill>
+                <a:latin typeface="Consolas"/>
+              </a:rPr>
+              <a:t>ArithmeticProgression</a:t>
+            </a:r>
+            <a:r>
+              <a:rPr lang="en-US" sz="1500" dirty="0">
+                <a:solidFill>
+                  <a:srgbClr val="000000"/>
+                </a:solidFill>
+                <a:latin typeface="Consolas"/>
+              </a:rPr>
+              <a:t>(</a:t>
+            </a:r>
+            <a:r>
+              <a:rPr lang="en-US" sz="1500" dirty="0">
+                <a:solidFill>
+                  <a:srgbClr val="C81EFA"/>
+                </a:solidFill>
+                <a:latin typeface="Consolas"/>
+              </a:rPr>
+              <a:t>1</a:t>
+            </a:r>
+            <a:r>
+              <a:rPr lang="en-US" sz="1500" dirty="0">
+                <a:solidFill>
+                  <a:srgbClr val="000000"/>
+                </a:solidFill>
+                <a:latin typeface="Consolas"/>
+              </a:rPr>
+              <a:t>, </a:t>
+            </a:r>
+            <a:r>
+              <a:rPr lang="en-US" sz="1500" dirty="0">
+                <a:solidFill>
+                  <a:srgbClr val="C81EFA"/>
+                </a:solidFill>
+                <a:latin typeface="Consolas"/>
+              </a:rPr>
+              <a:t>3</a:t>
+            </a:r>
+            <a:r>
+              <a:rPr lang="en-US" sz="1500" dirty="0">
+                <a:solidFill>
+                  <a:srgbClr val="000000"/>
+                </a:solidFill>
+                <a:latin typeface="Consolas"/>
+              </a:rPr>
+              <a:t>, </a:t>
+            </a:r>
+            <a:r>
+              <a:rPr lang="en-US" sz="1500" dirty="0">
+                <a:solidFill>
+                  <a:srgbClr val="C81EFA"/>
+                </a:solidFill>
+                <a:latin typeface="Consolas"/>
+              </a:rPr>
+              <a:t>10</a:t>
+            </a:r>
+            <a:r>
+              <a:rPr lang="en-US" sz="1500" dirty="0" smtClean="0">
+                <a:solidFill>
+                  <a:srgbClr val="000000"/>
+                </a:solidFill>
+                <a:latin typeface="Consolas"/>
+              </a:rPr>
+              <a:t>))</a:t>
+            </a:r>
+            <a:endParaRPr lang="en-US" sz="1500" dirty="0">
+              <a:solidFill>
+                <a:srgbClr val="000000"/>
+              </a:solidFill>
+              <a:latin typeface="Consolas"/>
+            </a:endParaRPr>
+          </a:p>
+          <a:p>
+            <a:pPr marL="0" indent="0">
+              <a:buNone/>
+            </a:pPr>
+            <a:r>
+              <a:rPr lang="en-US" sz="1500" dirty="0">
+                <a:solidFill>
+                  <a:srgbClr val="000000"/>
+                </a:solidFill>
+                <a:latin typeface="Consolas"/>
+              </a:rPr>
+              <a:t>{</a:t>
+            </a:r>
+          </a:p>
+          <a:p>
+            <a:pPr marL="0" indent="0">
+              <a:buNone/>
+            </a:pPr>
+            <a:r>
+              <a:rPr lang="en-US" sz="1500" dirty="0" smtClean="0">
+                <a:solidFill>
+                  <a:srgbClr val="000000"/>
+                </a:solidFill>
+                <a:latin typeface="Consolas"/>
+              </a:rPr>
+              <a:t>    </a:t>
+            </a:r>
+            <a:r>
+              <a:rPr lang="en-US" sz="1500" dirty="0" err="1" smtClean="0">
+                <a:solidFill>
+                  <a:srgbClr val="000000"/>
+                </a:solidFill>
+                <a:latin typeface="Consolas"/>
+              </a:rPr>
+              <a:t>Console.WriteLine</a:t>
+            </a:r>
+            <a:r>
+              <a:rPr lang="en-US" sz="1500" dirty="0" smtClean="0">
+                <a:solidFill>
+                  <a:srgbClr val="000000"/>
+                </a:solidFill>
+                <a:latin typeface="Consolas"/>
+              </a:rPr>
+              <a:t>(</a:t>
+            </a:r>
+            <a:r>
+              <a:rPr lang="en-US" sz="1500" dirty="0" err="1" smtClean="0">
+                <a:solidFill>
+                  <a:srgbClr val="000000"/>
+                </a:solidFill>
+                <a:latin typeface="Consolas"/>
+              </a:rPr>
+              <a:t>num</a:t>
+            </a:r>
+            <a:r>
+              <a:rPr lang="en-US" sz="1500" dirty="0">
+                <a:solidFill>
+                  <a:srgbClr val="000000"/>
+                </a:solidFill>
+                <a:latin typeface="Consolas"/>
+              </a:rPr>
+              <a:t>);</a:t>
+            </a:r>
+          </a:p>
+          <a:p>
+            <a:pPr marL="0" indent="0">
+              <a:buNone/>
+            </a:pPr>
+            <a:r>
+              <a:rPr lang="en-US" sz="1500" dirty="0">
+                <a:solidFill>
+                  <a:srgbClr val="000000"/>
+                </a:solidFill>
+                <a:latin typeface="Consolas"/>
+              </a:rPr>
+              <a:t>}</a:t>
+            </a:r>
+          </a:p>
+          <a:p>
+            <a:pPr marL="0" indent="0">
+              <a:buNone/>
+            </a:pPr>
+            <a:endParaRPr lang="en-US" dirty="0"/>
           </a:p>
         </p:txBody>
       </p:sp>
     </p:spTree>
     <p:extLst>
       <p:ext uri="{BB962C8B-B14F-4D97-AF65-F5344CB8AC3E}">
-        <p14:creationId xmlns:p14="http://schemas.microsoft.com/office/powerpoint/2010/main" val="3545898277"/>
+        <p14:creationId xmlns:p14="http://schemas.microsoft.com/office/powerpoint/2010/main" val="1735524147"/>
       </p:ext>
     </p:extLst>
   </p:cSld>
   <p:clrMapOvr>
     <a:masterClrMapping/>
   </p:clrMapOvr>
-  <p:timing>
-    <p:tnLst>
-      <p:par>
-        <p:cTn id="1" dur="indefinite" restart="never" nodeType="tmRoot"/>
-      </p:par>
-    </p:tnLst>
-  </p:timing>
 </p:sld>
 </file>
 
@@ -9371,35 +10220,25 @@
         </p:nvSpPr>
         <p:spPr/>
         <p:txBody>
-          <a:bodyPr>
-            <a:normAutofit fontScale="90000"/>
-          </a:bodyPr>
+          <a:bodyPr/>
           <a:lstStyle/>
           <a:p>
             <a:r>
               <a:rPr lang="ru-RU" dirty="0" smtClean="0"/>
-              <a:t>Лямбда</a:t>
-            </a:r>
-            <a:r>
-              <a:rPr lang="en-US" dirty="0" smtClean="0"/>
-              <a:t>-</a:t>
+              <a:t>Итераторы</a:t>
+            </a:r>
+            <a:r>
+              <a:rPr lang="en-US" dirty="0"/>
+              <a:t> </a:t>
             </a:r>
             <a:r>
               <a:rPr lang="ru-RU" dirty="0" smtClean="0"/>
-              <a:t>выражения</a:t>
-            </a:r>
-            <a:r>
-              <a:rPr lang="en-US" dirty="0" smtClean="0"/>
-              <a:t/>
-            </a:r>
-            <a:br>
-              <a:rPr lang="en-US" dirty="0" smtClean="0"/>
-            </a:br>
-            <a:r>
-              <a:rPr lang="en-US" dirty="0" smtClean="0"/>
-              <a:t>(lambda expressions)</a:t>
-            </a:r>
-            <a:endParaRPr lang="en-US" dirty="0"/>
+              <a:t>и </a:t>
+            </a:r>
+            <a:r>
+              <a:rPr lang="en-US" dirty="0"/>
+              <a:t>yield</a:t>
+            </a:r>
           </a:p>
         </p:txBody>
       </p:sp>
@@ -9413,19 +10252,629 @@
             <p:ph idx="1"/>
           </p:nvPr>
         </p:nvSpPr>
-        <p:spPr/>
+        <p:spPr>
+          <a:xfrm>
+            <a:off x="457200" y="1600201"/>
+            <a:ext cx="8229600" cy="3412975"/>
+          </a:xfrm>
+          <a:solidFill>
+            <a:schemeClr val="bg1"/>
+          </a:solidFill>
+        </p:spPr>
         <p:txBody>
-          <a:bodyPr/>
+          <a:bodyPr>
+            <a:normAutofit/>
+          </a:bodyPr>
           <a:lstStyle/>
           <a:p>
+            <a:pPr marL="0" indent="0">
+              <a:buNone/>
+            </a:pPr>
+            <a:r>
+              <a:rPr lang="en-US" sz="1500" dirty="0">
+                <a:solidFill>
+                  <a:srgbClr val="0000FF"/>
+                </a:solidFill>
+                <a:latin typeface="Consolas"/>
+              </a:rPr>
+              <a:t>public</a:t>
+            </a:r>
+            <a:r>
+              <a:rPr lang="en-US" sz="1500" dirty="0">
+                <a:solidFill>
+                  <a:srgbClr val="000000"/>
+                </a:solidFill>
+                <a:latin typeface="Consolas"/>
+              </a:rPr>
+              <a:t> </a:t>
+            </a:r>
+            <a:r>
+              <a:rPr lang="en-US" sz="1500" dirty="0">
+                <a:solidFill>
+                  <a:srgbClr val="0000FF"/>
+                </a:solidFill>
+                <a:latin typeface="Consolas"/>
+              </a:rPr>
+              <a:t>static</a:t>
+            </a:r>
+            <a:r>
+              <a:rPr lang="en-US" sz="1500" dirty="0">
+                <a:solidFill>
+                  <a:srgbClr val="000000"/>
+                </a:solidFill>
+                <a:latin typeface="Consolas"/>
+              </a:rPr>
+              <a:t> </a:t>
+            </a:r>
+            <a:r>
+              <a:rPr lang="en-US" sz="1500" dirty="0" err="1" smtClean="0">
+                <a:solidFill>
+                  <a:srgbClr val="000000"/>
+                </a:solidFill>
+                <a:latin typeface="Consolas"/>
+              </a:rPr>
+              <a:t>IEnumerable</a:t>
+            </a:r>
+            <a:r>
+              <a:rPr lang="en-US" sz="1500" dirty="0" smtClean="0">
+                <a:solidFill>
+                  <a:srgbClr val="000000"/>
+                </a:solidFill>
+                <a:latin typeface="Consolas"/>
+              </a:rPr>
+              <a:t>&lt;</a:t>
+            </a:r>
+            <a:r>
+              <a:rPr lang="en-US" sz="1500" dirty="0" err="1" smtClean="0">
+                <a:solidFill>
+                  <a:srgbClr val="0000FF"/>
+                </a:solidFill>
+                <a:latin typeface="Consolas"/>
+              </a:rPr>
+              <a:t>int</a:t>
+            </a:r>
+            <a:r>
+              <a:rPr lang="en-US" sz="1500" dirty="0" smtClean="0">
+                <a:solidFill>
+                  <a:srgbClr val="0000FF"/>
+                </a:solidFill>
+                <a:latin typeface="Consolas"/>
+              </a:rPr>
+              <a:t>&gt;</a:t>
+            </a:r>
+            <a:r>
+              <a:rPr lang="en-US" sz="1500" dirty="0" smtClean="0">
+                <a:solidFill>
+                  <a:srgbClr val="000000"/>
+                </a:solidFill>
+                <a:latin typeface="Consolas"/>
+              </a:rPr>
+              <a:t> </a:t>
+            </a:r>
+            <a:r>
+              <a:rPr lang="en-US" sz="1500" dirty="0" err="1">
+                <a:solidFill>
+                  <a:srgbClr val="000000"/>
+                </a:solidFill>
+                <a:latin typeface="Consolas"/>
+              </a:rPr>
+              <a:t>ArithmeticProgression</a:t>
+            </a:r>
+            <a:r>
+              <a:rPr lang="en-US" sz="1500" dirty="0">
+                <a:solidFill>
+                  <a:srgbClr val="000000"/>
+                </a:solidFill>
+                <a:latin typeface="Consolas"/>
+              </a:rPr>
+              <a:t>(</a:t>
+            </a:r>
+            <a:r>
+              <a:rPr lang="en-US" sz="1500" dirty="0" err="1">
+                <a:solidFill>
+                  <a:srgbClr val="0000FF"/>
+                </a:solidFill>
+                <a:latin typeface="Consolas"/>
+              </a:rPr>
+              <a:t>int</a:t>
+            </a:r>
+            <a:r>
+              <a:rPr lang="en-US" sz="1500" dirty="0">
+                <a:solidFill>
+                  <a:srgbClr val="000000"/>
+                </a:solidFill>
+                <a:latin typeface="Consolas"/>
+              </a:rPr>
+              <a:t> start, </a:t>
+            </a:r>
+            <a:r>
+              <a:rPr lang="en-US" sz="1500" dirty="0" err="1">
+                <a:solidFill>
+                  <a:srgbClr val="0000FF"/>
+                </a:solidFill>
+                <a:latin typeface="Consolas"/>
+              </a:rPr>
+              <a:t>int</a:t>
+            </a:r>
+            <a:r>
+              <a:rPr lang="en-US" sz="1500" dirty="0">
+                <a:solidFill>
+                  <a:srgbClr val="000000"/>
+                </a:solidFill>
+                <a:latin typeface="Consolas"/>
+              </a:rPr>
+              <a:t> </a:t>
+            </a:r>
+            <a:r>
+              <a:rPr lang="en-US" sz="1500" dirty="0" smtClean="0">
+                <a:solidFill>
+                  <a:srgbClr val="000000"/>
+                </a:solidFill>
+                <a:latin typeface="Consolas"/>
+              </a:rPr>
+              <a:t>step)</a:t>
+            </a:r>
+            <a:endParaRPr lang="en-US" sz="1500" dirty="0">
+              <a:solidFill>
+                <a:srgbClr val="000000"/>
+              </a:solidFill>
+              <a:latin typeface="Consolas"/>
+            </a:endParaRPr>
+          </a:p>
+          <a:p>
+            <a:pPr marL="0" indent="0">
+              <a:buNone/>
+            </a:pPr>
+            <a:r>
+              <a:rPr lang="en-US" sz="1500" dirty="0">
+                <a:solidFill>
+                  <a:srgbClr val="000000"/>
+                </a:solidFill>
+                <a:latin typeface="Consolas"/>
+              </a:rPr>
+              <a:t>{</a:t>
+            </a:r>
+          </a:p>
+          <a:p>
+            <a:pPr marL="0" indent="0">
+              <a:buNone/>
+            </a:pPr>
+            <a:r>
+              <a:rPr lang="en-US" sz="1600" dirty="0" smtClean="0">
+                <a:solidFill>
+                  <a:srgbClr val="0000FF"/>
+                </a:solidFill>
+                <a:latin typeface="Consolas"/>
+              </a:rPr>
+              <a:t>    for</a:t>
+            </a:r>
+            <a:r>
+              <a:rPr lang="en-US" sz="1600" dirty="0" smtClean="0">
+                <a:solidFill>
+                  <a:srgbClr val="000000"/>
+                </a:solidFill>
+                <a:latin typeface="Consolas"/>
+              </a:rPr>
+              <a:t> </a:t>
+            </a:r>
+            <a:r>
+              <a:rPr lang="en-US" sz="1600" dirty="0">
+                <a:solidFill>
+                  <a:srgbClr val="000000"/>
+                </a:solidFill>
+                <a:latin typeface="Consolas"/>
+              </a:rPr>
+              <a:t>(</a:t>
+            </a:r>
+            <a:r>
+              <a:rPr lang="en-US" sz="1600" dirty="0" err="1">
+                <a:solidFill>
+                  <a:srgbClr val="0000FF"/>
+                </a:solidFill>
+                <a:latin typeface="Consolas"/>
+              </a:rPr>
+              <a:t>int</a:t>
+            </a:r>
+            <a:r>
+              <a:rPr lang="en-US" sz="1600" dirty="0">
+                <a:solidFill>
+                  <a:srgbClr val="000000"/>
+                </a:solidFill>
+                <a:latin typeface="Consolas"/>
+              </a:rPr>
+              <a:t> current=start; ; current += step)</a:t>
+            </a:r>
+          </a:p>
+          <a:p>
+            <a:pPr marL="0" indent="0">
+              <a:buNone/>
+            </a:pPr>
+            <a:r>
+              <a:rPr lang="en-US" sz="1600" dirty="0" smtClean="0">
+                <a:solidFill>
+                  <a:srgbClr val="000000"/>
+                </a:solidFill>
+                <a:latin typeface="Consolas"/>
+              </a:rPr>
+              <a:t>    {</a:t>
+            </a:r>
+            <a:endParaRPr lang="en-US" sz="1600" dirty="0">
+              <a:solidFill>
+                <a:srgbClr val="000000"/>
+              </a:solidFill>
+              <a:latin typeface="Consolas"/>
+            </a:endParaRPr>
+          </a:p>
+          <a:p>
+            <a:pPr marL="0" indent="0">
+              <a:buNone/>
+            </a:pPr>
+            <a:r>
+              <a:rPr lang="en-US" sz="1600" dirty="0" smtClean="0">
+                <a:solidFill>
+                  <a:srgbClr val="0000FF"/>
+                </a:solidFill>
+                <a:latin typeface="Consolas"/>
+              </a:rPr>
+              <a:t>        yield</a:t>
+            </a:r>
+            <a:r>
+              <a:rPr lang="en-US" sz="1600" dirty="0" smtClean="0">
+                <a:solidFill>
+                  <a:srgbClr val="000000"/>
+                </a:solidFill>
+                <a:latin typeface="Consolas"/>
+              </a:rPr>
+              <a:t> </a:t>
+            </a:r>
+            <a:r>
+              <a:rPr lang="en-US" sz="1600" dirty="0">
+                <a:solidFill>
+                  <a:srgbClr val="0000FF"/>
+                </a:solidFill>
+                <a:latin typeface="Consolas"/>
+              </a:rPr>
+              <a:t>return</a:t>
+            </a:r>
+            <a:r>
+              <a:rPr lang="en-US" sz="1600" dirty="0">
+                <a:solidFill>
+                  <a:srgbClr val="000000"/>
+                </a:solidFill>
+                <a:latin typeface="Consolas"/>
+              </a:rPr>
+              <a:t> current;</a:t>
+            </a:r>
+          </a:p>
+          <a:p>
+            <a:pPr marL="0" indent="0">
+              <a:buNone/>
+            </a:pPr>
+            <a:r>
+              <a:rPr lang="en-US" sz="1600" dirty="0" smtClean="0">
+                <a:solidFill>
+                  <a:srgbClr val="000000"/>
+                </a:solidFill>
+                <a:latin typeface="Consolas"/>
+              </a:rPr>
+              <a:t>    }</a:t>
+            </a:r>
+            <a:endParaRPr lang="en-US" sz="1600" dirty="0">
+              <a:solidFill>
+                <a:srgbClr val="000000"/>
+              </a:solidFill>
+              <a:latin typeface="Consolas"/>
+            </a:endParaRPr>
+          </a:p>
+          <a:p>
+            <a:pPr marL="0" indent="0">
+              <a:buNone/>
+            </a:pPr>
+            <a:r>
+              <a:rPr lang="en-US" sz="1500" dirty="0" smtClean="0">
+                <a:solidFill>
+                  <a:srgbClr val="000000"/>
+                </a:solidFill>
+                <a:latin typeface="Consolas"/>
+              </a:rPr>
+              <a:t>}</a:t>
+            </a:r>
+          </a:p>
+          <a:p>
+            <a:pPr marL="0" indent="0">
+              <a:buNone/>
+            </a:pPr>
+            <a:endParaRPr lang="en-US" sz="1500" dirty="0" smtClean="0">
+              <a:solidFill>
+                <a:srgbClr val="000000"/>
+              </a:solidFill>
+              <a:latin typeface="Consolas"/>
+            </a:endParaRPr>
+          </a:p>
+          <a:p>
+            <a:pPr marL="0" indent="0">
+              <a:buNone/>
+            </a:pPr>
+            <a:r>
+              <a:rPr lang="en-US" sz="1500" dirty="0" err="1">
+                <a:solidFill>
+                  <a:srgbClr val="0000FF"/>
+                </a:solidFill>
+                <a:latin typeface="Consolas"/>
+              </a:rPr>
+              <a:t>foreach</a:t>
+            </a:r>
+            <a:r>
+              <a:rPr lang="en-US" sz="1500" dirty="0">
+                <a:solidFill>
+                  <a:srgbClr val="000000"/>
+                </a:solidFill>
+                <a:latin typeface="Consolas"/>
+              </a:rPr>
+              <a:t> (</a:t>
+            </a:r>
+            <a:r>
+              <a:rPr lang="en-US" sz="1500" dirty="0" err="1">
+                <a:solidFill>
+                  <a:srgbClr val="0000FF"/>
+                </a:solidFill>
+                <a:latin typeface="Consolas"/>
+              </a:rPr>
+              <a:t>int</a:t>
+            </a:r>
+            <a:r>
+              <a:rPr lang="en-US" sz="1500" dirty="0">
+                <a:solidFill>
+                  <a:srgbClr val="000000"/>
+                </a:solidFill>
+                <a:latin typeface="Consolas"/>
+              </a:rPr>
+              <a:t> </a:t>
+            </a:r>
+            <a:r>
+              <a:rPr lang="en-US" sz="1500" dirty="0" err="1">
+                <a:solidFill>
+                  <a:srgbClr val="000000"/>
+                </a:solidFill>
+                <a:latin typeface="Consolas"/>
+              </a:rPr>
+              <a:t>num</a:t>
+            </a:r>
+            <a:r>
+              <a:rPr lang="en-US" sz="1500" dirty="0">
+                <a:solidFill>
+                  <a:srgbClr val="000000"/>
+                </a:solidFill>
+                <a:latin typeface="Consolas"/>
+              </a:rPr>
+              <a:t> </a:t>
+            </a:r>
+            <a:r>
+              <a:rPr lang="en-US" sz="1500" dirty="0">
+                <a:solidFill>
+                  <a:srgbClr val="0000FF"/>
+                </a:solidFill>
+                <a:latin typeface="Consolas"/>
+              </a:rPr>
+              <a:t>in</a:t>
+            </a:r>
+            <a:r>
+              <a:rPr lang="en-US" sz="1500" dirty="0">
+                <a:solidFill>
+                  <a:srgbClr val="000000"/>
+                </a:solidFill>
+                <a:latin typeface="Consolas"/>
+              </a:rPr>
+              <a:t> </a:t>
+            </a:r>
+            <a:r>
+              <a:rPr lang="en-US" sz="1500" dirty="0" err="1">
+                <a:solidFill>
+                  <a:srgbClr val="000000"/>
+                </a:solidFill>
+                <a:latin typeface="Consolas"/>
+              </a:rPr>
+              <a:t>ArithmeticProgression</a:t>
+            </a:r>
+            <a:r>
+              <a:rPr lang="en-US" sz="1500" dirty="0">
+                <a:solidFill>
+                  <a:srgbClr val="000000"/>
+                </a:solidFill>
+                <a:latin typeface="Consolas"/>
+              </a:rPr>
+              <a:t>(</a:t>
+            </a:r>
+            <a:r>
+              <a:rPr lang="en-US" sz="1500" dirty="0">
+                <a:solidFill>
+                  <a:srgbClr val="C81EFA"/>
+                </a:solidFill>
+                <a:latin typeface="Consolas"/>
+              </a:rPr>
+              <a:t>1</a:t>
+            </a:r>
+            <a:r>
+              <a:rPr lang="en-US" sz="1500" dirty="0">
+                <a:solidFill>
+                  <a:srgbClr val="000000"/>
+                </a:solidFill>
+                <a:latin typeface="Consolas"/>
+              </a:rPr>
+              <a:t>, </a:t>
+            </a:r>
+            <a:r>
+              <a:rPr lang="en-US" sz="1500" dirty="0" smtClean="0">
+                <a:solidFill>
+                  <a:srgbClr val="C81EFA"/>
+                </a:solidFill>
+                <a:latin typeface="Consolas"/>
+              </a:rPr>
+              <a:t>3</a:t>
+            </a:r>
+            <a:r>
+              <a:rPr lang="en-US" sz="1500" dirty="0" smtClean="0">
+                <a:solidFill>
+                  <a:srgbClr val="000000"/>
+                </a:solidFill>
+                <a:latin typeface="Consolas"/>
+              </a:rPr>
+              <a:t>).Take(10))</a:t>
+            </a:r>
+            <a:endParaRPr lang="en-US" sz="1500" dirty="0">
+              <a:solidFill>
+                <a:srgbClr val="000000"/>
+              </a:solidFill>
+              <a:latin typeface="Consolas"/>
+            </a:endParaRPr>
+          </a:p>
+          <a:p>
+            <a:pPr marL="0" indent="0">
+              <a:buNone/>
+            </a:pPr>
+            <a:r>
+              <a:rPr lang="en-US" sz="1500" dirty="0">
+                <a:solidFill>
+                  <a:srgbClr val="000000"/>
+                </a:solidFill>
+                <a:latin typeface="Consolas"/>
+              </a:rPr>
+              <a:t>{</a:t>
+            </a:r>
+          </a:p>
+          <a:p>
+            <a:pPr marL="0" indent="0">
+              <a:buNone/>
+            </a:pPr>
+            <a:r>
+              <a:rPr lang="en-US" sz="1500" dirty="0" smtClean="0">
+                <a:solidFill>
+                  <a:srgbClr val="000000"/>
+                </a:solidFill>
+                <a:latin typeface="Consolas"/>
+              </a:rPr>
+              <a:t>    </a:t>
+            </a:r>
+            <a:r>
+              <a:rPr lang="en-US" sz="1500" dirty="0" err="1" smtClean="0">
+                <a:solidFill>
+                  <a:srgbClr val="000000"/>
+                </a:solidFill>
+                <a:latin typeface="Consolas"/>
+              </a:rPr>
+              <a:t>Console.WriteLine</a:t>
+            </a:r>
+            <a:r>
+              <a:rPr lang="en-US" sz="1500" dirty="0" smtClean="0">
+                <a:solidFill>
+                  <a:srgbClr val="000000"/>
+                </a:solidFill>
+                <a:latin typeface="Consolas"/>
+              </a:rPr>
+              <a:t>(</a:t>
+            </a:r>
+            <a:r>
+              <a:rPr lang="en-US" sz="1500" dirty="0" err="1" smtClean="0">
+                <a:solidFill>
+                  <a:srgbClr val="000000"/>
+                </a:solidFill>
+                <a:latin typeface="Consolas"/>
+              </a:rPr>
+              <a:t>num</a:t>
+            </a:r>
+            <a:r>
+              <a:rPr lang="en-US" sz="1500" dirty="0">
+                <a:solidFill>
+                  <a:srgbClr val="000000"/>
+                </a:solidFill>
+                <a:latin typeface="Consolas"/>
+              </a:rPr>
+              <a:t>);</a:t>
+            </a:r>
+          </a:p>
+          <a:p>
+            <a:pPr marL="0" indent="0">
+              <a:buNone/>
+            </a:pPr>
+            <a:r>
+              <a:rPr lang="en-US" sz="1500" dirty="0">
+                <a:solidFill>
+                  <a:srgbClr val="000000"/>
+                </a:solidFill>
+                <a:latin typeface="Consolas"/>
+              </a:rPr>
+              <a:t>}</a:t>
+            </a:r>
+          </a:p>
+          <a:p>
+            <a:pPr marL="0" indent="0">
+              <a:buNone/>
+            </a:pPr>
             <a:endParaRPr lang="en-US" dirty="0"/>
+          </a:p>
+        </p:txBody>
+      </p:sp>
+      <p:sp>
+        <p:nvSpPr>
+          <p:cNvPr id="4" name="TextBox 3"/>
+          <p:cNvSpPr txBox="1"/>
+          <p:nvPr/>
+        </p:nvSpPr>
+        <p:spPr>
+          <a:xfrm>
+            <a:off x="467544" y="5157192"/>
+            <a:ext cx="8280920" cy="830997"/>
+          </a:xfrm>
+          <a:prstGeom prst="rect">
+            <a:avLst/>
+          </a:prstGeom>
+          <a:noFill/>
+        </p:spPr>
+        <p:txBody>
+          <a:bodyPr wrap="square" rtlCol="0">
+            <a:spAutoFit/>
+          </a:bodyPr>
+          <a:lstStyle/>
+          <a:p>
+            <a:pPr marL="285750" indent="-285750">
+              <a:buFont typeface="Arial" pitchFamily="34" charset="0"/>
+              <a:buChar char="•"/>
+            </a:pPr>
+            <a:r>
+              <a:rPr lang="en-US" sz="1600" dirty="0" smtClean="0"/>
+              <a:t>yield return </a:t>
+            </a:r>
+            <a:r>
+              <a:rPr lang="ru-RU" sz="1600" dirty="0" smtClean="0"/>
+              <a:t>возращает текущее значение из итерации. При следующеем обращении выполнение продолжится </a:t>
+            </a:r>
+            <a:r>
+              <a:rPr lang="ru-RU" sz="1600" smtClean="0"/>
+              <a:t>с последнего места.</a:t>
+            </a:r>
+            <a:endParaRPr lang="en-US" sz="1600" dirty="0" smtClean="0"/>
+          </a:p>
+          <a:p>
+            <a:pPr marL="285750" indent="-285750">
+              <a:buFont typeface="Arial" pitchFamily="34" charset="0"/>
+              <a:buChar char="•"/>
+            </a:pPr>
+            <a:r>
+              <a:rPr lang="en-US" sz="1600" dirty="0" smtClean="0"/>
+              <a:t>yield break </a:t>
+            </a:r>
+            <a:r>
+              <a:rPr lang="ru-RU" sz="1600" dirty="0" smtClean="0"/>
+              <a:t>служит сигналом конца последовательности.</a:t>
+            </a:r>
+            <a:endParaRPr lang="en-US" sz="1600" dirty="0" smtClean="0"/>
           </a:p>
         </p:txBody>
       </p:sp>
     </p:spTree>
     <p:extLst>
       <p:ext uri="{BB962C8B-B14F-4D97-AF65-F5344CB8AC3E}">
-        <p14:creationId xmlns:p14="http://schemas.microsoft.com/office/powerpoint/2010/main" val="375333521"/>
+        <p14:creationId xmlns:p14="http://schemas.microsoft.com/office/powerpoint/2010/main" val="844285275"/>
       </p:ext>
     </p:extLst>
   </p:cSld>
@@ -9468,12 +10917,12 @@
           <a:lstStyle/>
           <a:p>
             <a:r>
+              <a:rPr lang="en-US" dirty="0" smtClean="0"/>
+              <a:t>Extension </a:t>
+            </a:r>
+            <a:r>
               <a:rPr lang="ru-RU" dirty="0" smtClean="0"/>
-              <a:t>Класс </a:t>
-            </a:r>
-            <a:r>
-              <a:rPr lang="en-US" dirty="0" err="1" smtClean="0"/>
-              <a:t>System.Linq.Enumerable</a:t>
+              <a:t>методы</a:t>
             </a:r>
             <a:endParaRPr lang="en-US" dirty="0"/>
           </a:p>
@@ -9492,7 +10941,7 @@
         <p:spPr/>
         <p:txBody>
           <a:bodyPr>
-            <a:normAutofit/>
+            <a:normAutofit fontScale="92500" lnSpcReduction="20000"/>
           </a:bodyPr>
           <a:lstStyle/>
           <a:p>
@@ -9501,37 +10950,330 @@
             </a:pPr>
             <a:r>
               <a:rPr lang="ru-RU" dirty="0" smtClean="0"/>
-              <a:t>Содержит множество полезных </a:t>
-            </a:r>
-            <a:r>
-              <a:rPr lang="en-US" dirty="0" smtClean="0"/>
-              <a:t>extension </a:t>
-            </a:r>
-            <a:r>
-              <a:rPr lang="ru-RU" dirty="0" smtClean="0"/>
-              <a:t>методов для </a:t>
-            </a:r>
-            <a:r>
-              <a:rPr lang="en-US" dirty="0" smtClean="0"/>
-              <a:t>LINQ</a:t>
-            </a:r>
-            <a:r>
-              <a:rPr lang="ru-RU" dirty="0" smtClean="0"/>
-              <a:t>.</a:t>
+              <a:t>Позволяют добавлять методы к уже существующим классам без нарушения инкапсуляции.</a:t>
             </a:r>
           </a:p>
           <a:p>
             <a:pPr marL="0" indent="0">
               <a:buNone/>
             </a:pPr>
-            <a:endParaRPr lang="en-US" dirty="0"/>
+            <a:endParaRPr lang="ru-RU" dirty="0"/>
+          </a:p>
+          <a:p>
+            <a:pPr marL="0" indent="0">
+              <a:buNone/>
+            </a:pPr>
+            <a:r>
+              <a:rPr lang="en-US" sz="1600" dirty="0" smtClean="0">
+                <a:solidFill>
+                  <a:srgbClr val="FFFF00"/>
+                </a:solidFill>
+                <a:latin typeface="Courier New" pitchFamily="49" charset="0"/>
+                <a:cs typeface="Courier New" pitchFamily="49" charset="0"/>
+              </a:rPr>
+              <a:t>static</a:t>
+            </a:r>
+            <a:r>
+              <a:rPr lang="en-US" sz="1600" dirty="0" smtClean="0">
+                <a:latin typeface="Courier New" pitchFamily="49" charset="0"/>
+                <a:cs typeface="Courier New" pitchFamily="49" charset="0"/>
+              </a:rPr>
+              <a:t> class </a:t>
+            </a:r>
+            <a:r>
+              <a:rPr lang="en-US" sz="1600" dirty="0" err="1" smtClean="0">
+                <a:latin typeface="Courier New" pitchFamily="49" charset="0"/>
+                <a:cs typeface="Courier New" pitchFamily="49" charset="0"/>
+              </a:rPr>
+              <a:t>DateTime</a:t>
+            </a:r>
+            <a:r>
+              <a:rPr lang="en-US" sz="1600" dirty="0" err="1" smtClean="0">
+                <a:solidFill>
+                  <a:srgbClr val="FFFF00"/>
+                </a:solidFill>
+                <a:latin typeface="Courier New" pitchFamily="49" charset="0"/>
+                <a:cs typeface="Courier New" pitchFamily="49" charset="0"/>
+              </a:rPr>
+              <a:t>Extensions</a:t>
+            </a:r>
+            <a:r>
+              <a:rPr lang="en-US" sz="1600" dirty="0" smtClean="0">
+                <a:latin typeface="Courier New" pitchFamily="49" charset="0"/>
+                <a:cs typeface="Courier New" pitchFamily="49" charset="0"/>
+              </a:rPr>
+              <a:t/>
+            </a:r>
+            <a:br>
+              <a:rPr lang="en-US" sz="1600" dirty="0" smtClean="0">
+                <a:latin typeface="Courier New" pitchFamily="49" charset="0"/>
+                <a:cs typeface="Courier New" pitchFamily="49" charset="0"/>
+              </a:rPr>
+            </a:br>
+            <a:r>
+              <a:rPr lang="en-US" sz="1600" dirty="0" smtClean="0">
+                <a:latin typeface="Courier New" pitchFamily="49" charset="0"/>
+                <a:cs typeface="Courier New" pitchFamily="49" charset="0"/>
+              </a:rPr>
+              <a:t>{</a:t>
+            </a:r>
+            <a:br>
+              <a:rPr lang="en-US" sz="1600" dirty="0" smtClean="0">
+                <a:latin typeface="Courier New" pitchFamily="49" charset="0"/>
+                <a:cs typeface="Courier New" pitchFamily="49" charset="0"/>
+              </a:rPr>
+            </a:br>
+            <a:r>
+              <a:rPr lang="en-US" sz="1600" dirty="0" smtClean="0">
+                <a:latin typeface="Courier New" pitchFamily="49" charset="0"/>
+                <a:cs typeface="Courier New" pitchFamily="49" charset="0"/>
+              </a:rPr>
+              <a:t>    ///&lt;summary&gt;</a:t>
+            </a:r>
+            <a:br>
+              <a:rPr lang="en-US" sz="1600" dirty="0" smtClean="0">
+                <a:latin typeface="Courier New" pitchFamily="49" charset="0"/>
+                <a:cs typeface="Courier New" pitchFamily="49" charset="0"/>
+              </a:rPr>
+            </a:br>
+            <a:r>
+              <a:rPr lang="en-US" sz="1600" dirty="0" smtClean="0">
+                <a:latin typeface="Courier New" pitchFamily="49" charset="0"/>
+                <a:cs typeface="Courier New" pitchFamily="49" charset="0"/>
+              </a:rPr>
+              <a:t>    ///</a:t>
+            </a:r>
+            <a:r>
+              <a:rPr lang="ru-RU" sz="1600" dirty="0" smtClean="0">
+                <a:latin typeface="Courier New" pitchFamily="49" charset="0"/>
+                <a:cs typeface="Courier New" pitchFamily="49" charset="0"/>
+              </a:rPr>
+              <a:t>Вернет строку вида </a:t>
+            </a:r>
+            <a:r>
+              <a:rPr lang="en-US" sz="1600" dirty="0">
+                <a:latin typeface="Courier New" pitchFamily="49" charset="0"/>
+                <a:cs typeface="Courier New" pitchFamily="49" charset="0"/>
+              </a:rPr>
+              <a:t>2008-04-10T06:30:00</a:t>
+            </a:r>
+            <a:endParaRPr lang="en-US" sz="1600" dirty="0" smtClean="0">
+              <a:latin typeface="Courier New" pitchFamily="49" charset="0"/>
+              <a:cs typeface="Courier New" pitchFamily="49" charset="0"/>
+            </a:endParaRPr>
+          </a:p>
+          <a:p>
+            <a:pPr marL="0" indent="0">
+              <a:buNone/>
+            </a:pPr>
+            <a:r>
+              <a:rPr lang="en-US" sz="1600" dirty="0" smtClean="0">
+                <a:latin typeface="Courier New" pitchFamily="49" charset="0"/>
+                <a:cs typeface="Courier New" pitchFamily="49" charset="0"/>
+              </a:rPr>
+              <a:t>    ///&lt;/summary</a:t>
+            </a:r>
+            <a:r>
+              <a:rPr lang="en-US" sz="1600" dirty="0">
+                <a:latin typeface="Courier New" pitchFamily="49" charset="0"/>
+                <a:cs typeface="Courier New" pitchFamily="49" charset="0"/>
+              </a:rPr>
+              <a:t>&gt;</a:t>
+            </a:r>
+            <a:endParaRPr lang="en-US" sz="1600" dirty="0" smtClean="0">
+              <a:latin typeface="Courier New" pitchFamily="49" charset="0"/>
+              <a:cs typeface="Courier New" pitchFamily="49" charset="0"/>
+            </a:endParaRPr>
+          </a:p>
+          <a:p>
+            <a:pPr marL="0" indent="0">
+              <a:buNone/>
+            </a:pPr>
+            <a:r>
+              <a:rPr lang="en-US" sz="1600" dirty="0" smtClean="0">
+                <a:latin typeface="Courier New" pitchFamily="49" charset="0"/>
+                <a:cs typeface="Courier New" pitchFamily="49" charset="0"/>
+              </a:rPr>
+              <a:t>    public </a:t>
+            </a:r>
+            <a:r>
+              <a:rPr lang="en-US" sz="1600" dirty="0" smtClean="0">
+                <a:solidFill>
+                  <a:srgbClr val="FFFF00"/>
+                </a:solidFill>
+                <a:latin typeface="Courier New" pitchFamily="49" charset="0"/>
+                <a:cs typeface="Courier New" pitchFamily="49" charset="0"/>
+              </a:rPr>
+              <a:t>static</a:t>
+            </a:r>
+            <a:r>
+              <a:rPr lang="en-US" sz="1600" dirty="0" smtClean="0">
+                <a:latin typeface="Courier New" pitchFamily="49" charset="0"/>
+                <a:cs typeface="Courier New" pitchFamily="49" charset="0"/>
+              </a:rPr>
+              <a:t> string ToIso8601String(</a:t>
+            </a:r>
+            <a:r>
+              <a:rPr lang="en-US" sz="1600" dirty="0" smtClean="0">
+                <a:solidFill>
+                  <a:srgbClr val="FFFF00"/>
+                </a:solidFill>
+                <a:latin typeface="Courier New" pitchFamily="49" charset="0"/>
+                <a:cs typeface="Courier New" pitchFamily="49" charset="0"/>
+              </a:rPr>
+              <a:t>this</a:t>
+            </a:r>
+            <a:r>
+              <a:rPr lang="en-US" sz="1600" dirty="0" smtClean="0">
+                <a:latin typeface="Courier New" pitchFamily="49" charset="0"/>
+                <a:cs typeface="Courier New" pitchFamily="49" charset="0"/>
+              </a:rPr>
+              <a:t> </a:t>
+            </a:r>
+            <a:r>
+              <a:rPr lang="en-US" sz="1600" dirty="0" err="1" smtClean="0">
+                <a:latin typeface="Courier New" pitchFamily="49" charset="0"/>
+                <a:cs typeface="Courier New" pitchFamily="49" charset="0"/>
+              </a:rPr>
+              <a:t>DateTime</a:t>
+            </a:r>
+            <a:r>
+              <a:rPr lang="en-US" sz="1600" dirty="0" smtClean="0">
+                <a:latin typeface="Courier New" pitchFamily="49" charset="0"/>
+                <a:cs typeface="Courier New" pitchFamily="49" charset="0"/>
+              </a:rPr>
+              <a:t> </a:t>
+            </a:r>
+            <a:r>
+              <a:rPr lang="en-US" sz="1600" dirty="0" err="1" smtClean="0">
+                <a:latin typeface="Courier New" pitchFamily="49" charset="0"/>
+                <a:cs typeface="Courier New" pitchFamily="49" charset="0"/>
+              </a:rPr>
+              <a:t>dt</a:t>
+            </a:r>
+            <a:r>
+              <a:rPr lang="en-US" sz="1600" dirty="0" smtClean="0">
+                <a:latin typeface="Courier New" pitchFamily="49" charset="0"/>
+                <a:cs typeface="Courier New" pitchFamily="49" charset="0"/>
+              </a:rPr>
+              <a:t>)</a:t>
+            </a:r>
+            <a:br>
+              <a:rPr lang="en-US" sz="1600" dirty="0" smtClean="0">
+                <a:latin typeface="Courier New" pitchFamily="49" charset="0"/>
+                <a:cs typeface="Courier New" pitchFamily="49" charset="0"/>
+              </a:rPr>
+            </a:br>
+            <a:r>
+              <a:rPr lang="en-US" sz="1600" dirty="0" smtClean="0">
+                <a:latin typeface="Courier New" pitchFamily="49" charset="0"/>
+                <a:cs typeface="Courier New" pitchFamily="49" charset="0"/>
+              </a:rPr>
+              <a:t>    {</a:t>
+            </a:r>
+          </a:p>
+          <a:p>
+            <a:pPr marL="0" indent="0">
+              <a:buNone/>
+            </a:pPr>
+            <a:r>
+              <a:rPr lang="en-US" sz="1600" dirty="0">
+                <a:latin typeface="Courier New" pitchFamily="49" charset="0"/>
+                <a:cs typeface="Courier New" pitchFamily="49" charset="0"/>
+              </a:rPr>
+              <a:t> </a:t>
+            </a:r>
+            <a:r>
+              <a:rPr lang="en-US" sz="1600" dirty="0" smtClean="0">
+                <a:latin typeface="Courier New" pitchFamily="49" charset="0"/>
+                <a:cs typeface="Courier New" pitchFamily="49" charset="0"/>
+              </a:rPr>
+              <a:t>       return </a:t>
+            </a:r>
+            <a:r>
+              <a:rPr lang="en-US" sz="1600" dirty="0" err="1" smtClean="0">
+                <a:latin typeface="Courier New" pitchFamily="49" charset="0"/>
+                <a:cs typeface="Courier New" pitchFamily="49" charset="0"/>
+              </a:rPr>
+              <a:t>dt.ToString</a:t>
+            </a:r>
+            <a:r>
+              <a:rPr lang="en-US" sz="1600" dirty="0">
+                <a:latin typeface="Courier New" pitchFamily="49" charset="0"/>
+                <a:cs typeface="Courier New" pitchFamily="49" charset="0"/>
+              </a:rPr>
+              <a:t>("</a:t>
+            </a:r>
+            <a:r>
+              <a:rPr lang="en-US" sz="1600" dirty="0" smtClean="0">
+                <a:latin typeface="Courier New" pitchFamily="49" charset="0"/>
+                <a:cs typeface="Courier New" pitchFamily="49" charset="0"/>
+              </a:rPr>
+              <a:t>s");</a:t>
+            </a:r>
+          </a:p>
+          <a:p>
+            <a:pPr marL="0" indent="0">
+              <a:buNone/>
+            </a:pPr>
+            <a:r>
+              <a:rPr lang="en-US" sz="1600" dirty="0">
+                <a:latin typeface="Courier New" pitchFamily="49" charset="0"/>
+                <a:cs typeface="Courier New" pitchFamily="49" charset="0"/>
+              </a:rPr>
+              <a:t> </a:t>
+            </a:r>
+            <a:r>
+              <a:rPr lang="en-US" sz="1600" dirty="0" smtClean="0">
+                <a:latin typeface="Courier New" pitchFamily="49" charset="0"/>
+                <a:cs typeface="Courier New" pitchFamily="49" charset="0"/>
+              </a:rPr>
+              <a:t>   }</a:t>
+            </a:r>
+          </a:p>
+          <a:p>
+            <a:pPr marL="0" indent="0">
+              <a:buNone/>
+            </a:pPr>
+            <a:r>
+              <a:rPr lang="en-US" sz="1600" dirty="0" smtClean="0">
+                <a:latin typeface="Courier New" pitchFamily="49" charset="0"/>
+                <a:cs typeface="Courier New" pitchFamily="49" charset="0"/>
+              </a:rPr>
+              <a:t>}</a:t>
+            </a:r>
+          </a:p>
+          <a:p>
+            <a:pPr marL="0" indent="0">
+              <a:buNone/>
+            </a:pPr>
+            <a:endParaRPr lang="en-US" sz="1600" dirty="0" smtClean="0">
+              <a:latin typeface="Courier New" pitchFamily="49" charset="0"/>
+              <a:cs typeface="Courier New" pitchFamily="49" charset="0"/>
+            </a:endParaRPr>
+          </a:p>
+          <a:p>
+            <a:pPr marL="0" indent="0">
+              <a:buNone/>
+            </a:pPr>
+            <a:r>
+              <a:rPr lang="en-US" sz="1600" dirty="0" smtClean="0">
+                <a:latin typeface="Courier New" pitchFamily="49" charset="0"/>
+                <a:cs typeface="Courier New" pitchFamily="49" charset="0"/>
+              </a:rPr>
+              <a:t>string today = DateTime.UtcNow.ToIso8601String();</a:t>
+            </a:r>
+            <a:endParaRPr lang="en-US" sz="1600" dirty="0">
+              <a:latin typeface="Courier New" pitchFamily="49" charset="0"/>
+              <a:cs typeface="Courier New" pitchFamily="49" charset="0"/>
+            </a:endParaRPr>
           </a:p>
         </p:txBody>
       </p:sp>
     </p:spTree>
     <p:extLst>
       <p:ext uri="{BB962C8B-B14F-4D97-AF65-F5344CB8AC3E}">
-        <p14:creationId xmlns:p14="http://schemas.microsoft.com/office/powerpoint/2010/main" val="2250229024"/>
+        <p14:creationId xmlns:p14="http://schemas.microsoft.com/office/powerpoint/2010/main" val="3545898277"/>
       </p:ext>
     </p:extLst>
   </p:cSld>
@@ -9577,20 +11319,33 @@
         </p:nvSpPr>
         <p:spPr/>
         <p:txBody>
-          <a:bodyPr/>
+          <a:bodyPr>
+            <a:normAutofit fontScale="90000"/>
+          </a:bodyPr>
           <a:lstStyle/>
           <a:p>
             <a:r>
+              <a:rPr lang="ru-RU" dirty="0" smtClean="0"/>
+              <a:t>Лямбда</a:t>
+            </a:r>
+            <a:r>
               <a:rPr lang="en-US" dirty="0" smtClean="0"/>
-              <a:t>Enumerable: First() </a:t>
+              <a:t>-</a:t>
             </a:r>
             <a:r>
               <a:rPr lang="ru-RU" dirty="0" smtClean="0"/>
-              <a:t>и </a:t>
+              <a:t>выражения</a:t>
             </a:r>
             <a:r>
               <a:rPr lang="en-US" dirty="0" smtClean="0"/>
-              <a:t>Single()</a:t>
+              <a:t/>
+            </a:r>
+            <a:br>
+              <a:rPr lang="en-US" dirty="0" smtClean="0"/>
+            </a:br>
+            <a:r>
+              <a:rPr lang="en-US" dirty="0" smtClean="0"/>
+              <a:t>(lambda expressions)</a:t>
             </a:r>
             <a:endParaRPr lang="en-US" dirty="0"/>
           </a:p>
@@ -9611,229 +11366,6 @@
           <a:bodyPr/>
           <a:lstStyle/>
           <a:p>
-            <a:pPr marL="0" indent="0">
-              <a:buNone/>
-            </a:pPr>
-            <a:r>
-              <a:rPr lang="en-US" dirty="0"/>
-              <a:t>First</a:t>
-            </a:r>
-            <a:r>
-              <a:rPr lang="en-US" dirty="0" smtClean="0"/>
-              <a:t>()</a:t>
-            </a:r>
-            <a:r>
-              <a:rPr lang="ru-RU" dirty="0" smtClean="0"/>
-              <a:t> </a:t>
-            </a:r>
-            <a:r>
-              <a:rPr lang="en-US" dirty="0" smtClean="0"/>
-              <a:t>/</a:t>
-            </a:r>
-            <a:r>
-              <a:rPr lang="ru-RU" dirty="0" smtClean="0"/>
-              <a:t> </a:t>
-            </a:r>
-            <a:r>
-              <a:rPr lang="en-US" dirty="0" smtClean="0"/>
-              <a:t>First(</a:t>
-            </a:r>
-            <a:r>
-              <a:rPr lang="en-US" dirty="0" err="1" smtClean="0"/>
-              <a:t>Func</a:t>
-            </a:r>
-            <a:r>
-              <a:rPr lang="en-US" dirty="0" smtClean="0"/>
-              <a:t>&lt;</a:t>
-            </a:r>
-            <a:r>
-              <a:rPr lang="en-US" dirty="0" err="1" smtClean="0"/>
-              <a:t>TSource</a:t>
-            </a:r>
-            <a:r>
-              <a:rPr lang="en-US" dirty="0"/>
-              <a:t>, </a:t>
-            </a:r>
-            <a:r>
-              <a:rPr lang="en-US" dirty="0" err="1"/>
-              <a:t>bool</a:t>
-            </a:r>
-            <a:r>
-              <a:rPr lang="en-US" dirty="0"/>
-              <a:t>&gt;)</a:t>
-            </a:r>
-          </a:p>
-          <a:p>
-            <a:pPr marL="0" indent="0">
-              <a:buNone/>
-            </a:pPr>
-            <a:r>
-              <a:rPr lang="en-US" dirty="0" err="1"/>
-              <a:t>FirstOrDefault</a:t>
-            </a:r>
-            <a:r>
-              <a:rPr lang="en-US" dirty="0" smtClean="0"/>
-              <a:t>()</a:t>
-            </a:r>
-            <a:r>
-              <a:rPr lang="ru-RU" dirty="0" smtClean="0"/>
-              <a:t> </a:t>
-            </a:r>
-            <a:r>
-              <a:rPr lang="en-US" dirty="0" smtClean="0"/>
-              <a:t>/</a:t>
-            </a:r>
-            <a:r>
-              <a:rPr lang="ru-RU" dirty="0" smtClean="0"/>
-              <a:t> </a:t>
-            </a:r>
-            <a:r>
-              <a:rPr lang="en-US" dirty="0" err="1" smtClean="0"/>
-              <a:t>FirstOrDefault</a:t>
-            </a:r>
-            <a:r>
-              <a:rPr lang="en-US" dirty="0" smtClean="0"/>
-              <a:t>(</a:t>
-            </a:r>
-            <a:r>
-              <a:rPr lang="en-US" dirty="0" err="1" smtClean="0"/>
-              <a:t>Func</a:t>
-            </a:r>
-            <a:r>
-              <a:rPr lang="en-US" dirty="0" smtClean="0"/>
-              <a:t>&lt;</a:t>
-            </a:r>
-            <a:r>
-              <a:rPr lang="en-US" dirty="0" err="1" smtClean="0"/>
-              <a:t>TSource</a:t>
-            </a:r>
-            <a:r>
-              <a:rPr lang="en-US" dirty="0"/>
-              <a:t>, </a:t>
-            </a:r>
-            <a:r>
-              <a:rPr lang="en-US" dirty="0" err="1"/>
-              <a:t>bool</a:t>
-            </a:r>
-            <a:r>
-              <a:rPr lang="en-US" dirty="0"/>
-              <a:t>&gt;)</a:t>
-            </a:r>
-          </a:p>
-          <a:p>
-            <a:pPr marL="0" indent="0">
-              <a:buNone/>
-            </a:pPr>
-            <a:r>
-              <a:rPr lang="en-US" dirty="0"/>
-              <a:t>Single</a:t>
-            </a:r>
-            <a:r>
-              <a:rPr lang="en-US" dirty="0" smtClean="0"/>
-              <a:t>()</a:t>
-            </a:r>
-            <a:r>
-              <a:rPr lang="ru-RU" dirty="0" smtClean="0"/>
-              <a:t> </a:t>
-            </a:r>
-            <a:r>
-              <a:rPr lang="en-US" dirty="0" smtClean="0"/>
-              <a:t>/</a:t>
-            </a:r>
-            <a:r>
-              <a:rPr lang="ru-RU" dirty="0" smtClean="0"/>
-              <a:t> </a:t>
-            </a:r>
-            <a:r>
-              <a:rPr lang="en-US" dirty="0" smtClean="0"/>
-              <a:t>Single(</a:t>
-            </a:r>
-            <a:r>
-              <a:rPr lang="en-US" dirty="0" err="1" smtClean="0"/>
-              <a:t>Func</a:t>
-            </a:r>
-            <a:r>
-              <a:rPr lang="en-US" dirty="0" smtClean="0"/>
-              <a:t>&lt;</a:t>
-            </a:r>
-            <a:r>
-              <a:rPr lang="en-US" dirty="0" err="1" smtClean="0"/>
-              <a:t>TSource</a:t>
-            </a:r>
-            <a:r>
-              <a:rPr lang="en-US" dirty="0"/>
-              <a:t>, </a:t>
-            </a:r>
-            <a:r>
-              <a:rPr lang="en-US" dirty="0" err="1"/>
-              <a:t>bool</a:t>
-            </a:r>
-            <a:r>
-              <a:rPr lang="en-US" dirty="0"/>
-              <a:t>&gt;)</a:t>
-            </a:r>
-          </a:p>
-          <a:p>
-            <a:pPr marL="0" indent="0">
-              <a:buNone/>
-            </a:pPr>
-            <a:r>
-              <a:rPr lang="en-US" dirty="0" err="1"/>
-              <a:t>SingleOrDefault</a:t>
-            </a:r>
-            <a:r>
-              <a:rPr lang="en-US" dirty="0" smtClean="0"/>
-              <a:t>()</a:t>
-            </a:r>
-            <a:r>
-              <a:rPr lang="ru-RU" dirty="0" smtClean="0"/>
-              <a:t> </a:t>
-            </a:r>
-            <a:r>
-              <a:rPr lang="en-US" dirty="0" smtClean="0"/>
-              <a:t>/</a:t>
-            </a:r>
-            <a:r>
-              <a:rPr lang="ru-RU" dirty="0" smtClean="0"/>
-              <a:t> </a:t>
-            </a:r>
-            <a:r>
-              <a:rPr lang="en-US" dirty="0" err="1" smtClean="0"/>
-              <a:t>SingleOrDefault</a:t>
-            </a:r>
-            <a:r>
-              <a:rPr lang="en-US" dirty="0" smtClean="0"/>
-              <a:t>(</a:t>
-            </a:r>
-            <a:r>
-              <a:rPr lang="en-US" dirty="0" err="1" smtClean="0"/>
-              <a:t>Func</a:t>
-            </a:r>
-            <a:r>
-              <a:rPr lang="en-US" dirty="0" smtClean="0"/>
-              <a:t>&lt;</a:t>
-            </a:r>
-            <a:r>
-              <a:rPr lang="en-US" dirty="0" err="1" smtClean="0"/>
-              <a:t>TSource</a:t>
-            </a:r>
-            <a:r>
-              <a:rPr lang="en-US" dirty="0"/>
-              <a:t>, </a:t>
-            </a:r>
-            <a:r>
-              <a:rPr lang="en-US" dirty="0" err="1"/>
-              <a:t>bool</a:t>
-            </a:r>
-            <a:r>
-              <a:rPr lang="en-US" dirty="0"/>
-              <a:t>&gt;)</a:t>
-            </a:r>
-          </a:p>
-          <a:p>
-            <a:pPr marL="0" indent="0">
-              <a:buNone/>
-            </a:pPr>
             <a:endParaRPr lang="en-US" dirty="0"/>
           </a:p>
         </p:txBody>
@@ -9841,7 +11373,7 @@
     </p:spTree>
     <p:extLst>
       <p:ext uri="{BB962C8B-B14F-4D97-AF65-F5344CB8AC3E}">
-        <p14:creationId xmlns:p14="http://schemas.microsoft.com/office/powerpoint/2010/main" val="1166576302"/>
+        <p14:creationId xmlns:p14="http://schemas.microsoft.com/office/powerpoint/2010/main" val="375333521"/>
       </p:ext>
     </p:extLst>
   </p:cSld>

--- a/Presentation/lesson-11-linq.pptx
+++ b/Presentation/lesson-11-linq.pptx
@@ -5,7 +5,7 @@
     <p:sldMasterId id="2147483648" r:id="rId1"/>
   </p:sldMasterIdLst>
   <p:notesMasterIdLst>
-    <p:notesMasterId r:id="rId17"/>
+    <p:notesMasterId r:id="rId18"/>
   </p:notesMasterIdLst>
   <p:sldIdLst>
     <p:sldId id="256" r:id="rId2"/>
@@ -16,13 +16,14 @@
     <p:sldId id="270" r:id="rId7"/>
     <p:sldId id="271" r:id="rId8"/>
     <p:sldId id="265" r:id="rId9"/>
-    <p:sldId id="267" r:id="rId10"/>
-    <p:sldId id="261" r:id="rId11"/>
-    <p:sldId id="268" r:id="rId12"/>
-    <p:sldId id="260" r:id="rId13"/>
-    <p:sldId id="264" r:id="rId14"/>
-    <p:sldId id="262" r:id="rId15"/>
-    <p:sldId id="263" r:id="rId16"/>
+    <p:sldId id="272" r:id="rId10"/>
+    <p:sldId id="267" r:id="rId11"/>
+    <p:sldId id="261" r:id="rId12"/>
+    <p:sldId id="268" r:id="rId13"/>
+    <p:sldId id="260" r:id="rId14"/>
+    <p:sldId id="264" r:id="rId15"/>
+    <p:sldId id="262" r:id="rId16"/>
+    <p:sldId id="263" r:id="rId17"/>
   </p:sldIdLst>
   <p:sldSz cx="9144000" cy="6858000" type="screen4x3"/>
   <p:notesSz cx="6858000" cy="9144000"/>
@@ -206,7 +207,7 @@
           <a:p>
             <a:fld id="{B24A7054-7FFB-49F4-A126-5DF6E687FF53}" type="datetimeFigureOut">
               <a:rPr lang="ru-RU" smtClean="0"/>
-              <a:t>24.06.2013</a:t>
+              <a:t>10.10.2013</a:t>
             </a:fld>
             <a:endParaRPr lang="ru-RU"/>
           </a:p>
@@ -1488,7 +1489,7 @@
           <a:p>
             <a:fld id="{8E6E6A2A-E9D3-4A0D-B04A-ABDD367A1E08}" type="datetimeFigureOut">
               <a:rPr lang="ru-RU" smtClean="0"/>
-              <a:t>24.06.2013</a:t>
+              <a:t>10.10.2013</a:t>
             </a:fld>
             <a:endParaRPr lang="ru-RU"/>
           </a:p>
@@ -2933,7 +2934,7 @@
           <a:p>
             <a:fld id="{AC3D3127-B7C4-45E3-9797-C527EC9FDD78}" type="datetimeFigureOut">
               <a:rPr lang="ru-RU" smtClean="0"/>
-              <a:t>24.06.2013</a:t>
+              <a:t>10.10.2013</a:t>
             </a:fld>
             <a:endParaRPr lang="ru-RU"/>
           </a:p>
@@ -3548,16 +3549,33 @@
         </p:nvSpPr>
         <p:spPr/>
         <p:txBody>
-          <a:bodyPr/>
+          <a:bodyPr>
+            <a:normAutofit fontScale="90000"/>
+          </a:bodyPr>
           <a:lstStyle/>
           <a:p>
             <a:r>
               <a:rPr lang="ru-RU" dirty="0" smtClean="0"/>
-              <a:t>Класс </a:t>
-            </a:r>
-            <a:r>
-              <a:rPr lang="en-US" dirty="0" err="1" smtClean="0"/>
-              <a:t>System.Linq.Enumerable</a:t>
+              <a:t>Лямбда</a:t>
+            </a:r>
+            <a:r>
+              <a:rPr lang="en-US" dirty="0" smtClean="0"/>
+              <a:t>-</a:t>
+            </a:r>
+            <a:r>
+              <a:rPr lang="ru-RU" dirty="0" smtClean="0"/>
+              <a:t>выражения</a:t>
+            </a:r>
+            <a:r>
+              <a:rPr lang="en-US" dirty="0" smtClean="0"/>
+              <a:t/>
+            </a:r>
+            <a:br>
+              <a:rPr lang="en-US" dirty="0" smtClean="0"/>
+            </a:br>
+            <a:r>
+              <a:rPr lang="en-US" dirty="0" smtClean="0"/>
+              <a:t>(lambda expressions)</a:t>
             </a:r>
             <a:endParaRPr lang="en-US" dirty="0"/>
           </a:p>
@@ -3575,39 +3593,9 @@
         </p:nvSpPr>
         <p:spPr/>
         <p:txBody>
-          <a:bodyPr>
-            <a:normAutofit/>
-          </a:bodyPr>
+          <a:bodyPr/>
           <a:lstStyle/>
           <a:p>
-            <a:pPr marL="0" indent="0">
-              <a:buNone/>
-            </a:pPr>
-            <a:r>
-              <a:rPr lang="ru-RU" dirty="0" smtClean="0"/>
-              <a:t>Содержит множество полезных </a:t>
-            </a:r>
-            <a:r>
-              <a:rPr lang="en-US" dirty="0" smtClean="0"/>
-              <a:t>extension </a:t>
-            </a:r>
-            <a:r>
-              <a:rPr lang="ru-RU" dirty="0" smtClean="0"/>
-              <a:t>методов для </a:t>
-            </a:r>
-            <a:r>
-              <a:rPr lang="en-US" dirty="0" smtClean="0"/>
-              <a:t>LINQ</a:t>
-            </a:r>
-            <a:r>
-              <a:rPr lang="ru-RU" dirty="0" smtClean="0"/>
-              <a:t>.</a:t>
-            </a:r>
-          </a:p>
-          <a:p>
-            <a:pPr marL="0" indent="0">
-              <a:buNone/>
-            </a:pPr>
             <a:endParaRPr lang="en-US" dirty="0"/>
           </a:p>
         </p:txBody>
@@ -3615,20 +3603,13 @@
     </p:spTree>
     <p:extLst>
       <p:ext uri="{BB962C8B-B14F-4D97-AF65-F5344CB8AC3E}">
-        <p14:creationId xmlns:p14="http://schemas.microsoft.com/office/powerpoint/2010/main" val="2250229024"/>
+        <p14:creationId xmlns:p14="http://schemas.microsoft.com/office/powerpoint/2010/main" val="375333521"/>
       </p:ext>
     </p:extLst>
   </p:cSld>
   <p:clrMapOvr>
     <a:masterClrMapping/>
   </p:clrMapOvr>
-  <p:timing>
-    <p:tnLst>
-      <p:par>
-        <p:cTn id="1" dur="indefinite" restart="never" nodeType="tmRoot"/>
-      </p:par>
-    </p:tnLst>
-  </p:timing>
 </p:sld>
 </file>
 
@@ -3665,6 +3646,119 @@
           <a:lstStyle/>
           <a:p>
             <a:r>
+              <a:rPr lang="ru-RU" dirty="0" smtClean="0"/>
+              <a:t>Класс </a:t>
+            </a:r>
+            <a:r>
+              <a:rPr lang="en-US" dirty="0" err="1" smtClean="0"/>
+              <a:t>System.Linq.Enumerable</a:t>
+            </a:r>
+            <a:endParaRPr lang="en-US" dirty="0"/>
+          </a:p>
+        </p:txBody>
+      </p:sp>
+      <p:sp>
+        <p:nvSpPr>
+          <p:cNvPr id="3" name="Content Placeholder 2"/>
+          <p:cNvSpPr>
+            <a:spLocks noGrp="1"/>
+          </p:cNvSpPr>
+          <p:nvPr>
+            <p:ph idx="1"/>
+          </p:nvPr>
+        </p:nvSpPr>
+        <p:spPr/>
+        <p:txBody>
+          <a:bodyPr>
+            <a:normAutofit/>
+          </a:bodyPr>
+          <a:lstStyle/>
+          <a:p>
+            <a:pPr marL="0" indent="0">
+              <a:buNone/>
+            </a:pPr>
+            <a:r>
+              <a:rPr lang="ru-RU" dirty="0" smtClean="0"/>
+              <a:t>Содержит множество полезных </a:t>
+            </a:r>
+            <a:r>
+              <a:rPr lang="en-US" dirty="0" smtClean="0"/>
+              <a:t>extension </a:t>
+            </a:r>
+            <a:r>
+              <a:rPr lang="ru-RU" dirty="0" smtClean="0"/>
+              <a:t>методов для </a:t>
+            </a:r>
+            <a:r>
+              <a:rPr lang="en-US" dirty="0" smtClean="0"/>
+              <a:t>LINQ</a:t>
+            </a:r>
+            <a:r>
+              <a:rPr lang="ru-RU" dirty="0" smtClean="0"/>
+              <a:t>.</a:t>
+            </a:r>
+          </a:p>
+          <a:p>
+            <a:pPr marL="0" indent="0">
+              <a:buNone/>
+            </a:pPr>
+            <a:endParaRPr lang="en-US" dirty="0"/>
+          </a:p>
+        </p:txBody>
+      </p:sp>
+    </p:spTree>
+    <p:extLst>
+      <p:ext uri="{BB962C8B-B14F-4D97-AF65-F5344CB8AC3E}">
+        <p14:creationId xmlns:p14="http://schemas.microsoft.com/office/powerpoint/2010/main" val="2250229024"/>
+      </p:ext>
+    </p:extLst>
+  </p:cSld>
+  <p:clrMapOvr>
+    <a:masterClrMapping/>
+  </p:clrMapOvr>
+  <p:timing>
+    <p:tnLst>
+      <p:par>
+        <p:cTn id="1" dur="indefinite" restart="never" nodeType="tmRoot"/>
+      </p:par>
+    </p:tnLst>
+  </p:timing>
+</p:sld>
+</file>
+
+<file path=ppt/slides/slide12.xml><?xml version="1.0" encoding="utf-8"?>
+<p:sld xmlns:a="http://schemas.openxmlformats.org/drawingml/2006/main" xmlns:r="http://schemas.openxmlformats.org/officeDocument/2006/relationships" xmlns:p="http://schemas.openxmlformats.org/presentationml/2006/main">
+  <p:cSld>
+    <p:spTree>
+      <p:nvGrpSpPr>
+        <p:cNvPr id="1" name=""/>
+        <p:cNvGrpSpPr/>
+        <p:nvPr/>
+      </p:nvGrpSpPr>
+      <p:grpSpPr>
+        <a:xfrm>
+          <a:off x="0" y="0"/>
+          <a:ext cx="0" cy="0"/>
+          <a:chOff x="0" y="0"/>
+          <a:chExt cx="0" cy="0"/>
+        </a:xfrm>
+      </p:grpSpPr>
+      <p:sp>
+        <p:nvSpPr>
+          <p:cNvPr id="2" name="Title 1"/>
+          <p:cNvSpPr>
+            <a:spLocks noGrp="1"/>
+          </p:cNvSpPr>
+          <p:nvPr>
+            <p:ph type="title"/>
+          </p:nvPr>
+        </p:nvSpPr>
+        <p:spPr/>
+        <p:txBody>
+          <a:bodyPr/>
+          <a:lstStyle/>
+          <a:p>
+            <a:r>
               <a:rPr lang="en-US" dirty="0" smtClean="0"/>
               <a:t>Enumerable: First() </a:t>
             </a:r>
@@ -3935,7 +4029,7 @@
 </p:sld>
 </file>
 
-<file path=ppt/slides/slide12.xml><?xml version="1.0" encoding="utf-8"?>
+<file path=ppt/slides/slide13.xml><?xml version="1.0" encoding="utf-8"?>
 <p:sld xmlns:a="http://schemas.openxmlformats.org/drawingml/2006/main" xmlns:r="http://schemas.openxmlformats.org/officeDocument/2006/relationships" xmlns:p="http://schemas.openxmlformats.org/presentationml/2006/main">
   <p:cSld>
     <p:bg>
@@ -4044,7 +4138,7 @@
 </p:sld>
 </file>
 
-<file path=ppt/slides/slide13.xml><?xml version="1.0" encoding="utf-8"?>
+<file path=ppt/slides/slide14.xml><?xml version="1.0" encoding="utf-8"?>
 <p:sld xmlns:a="http://schemas.openxmlformats.org/drawingml/2006/main" xmlns:r="http://schemas.openxmlformats.org/officeDocument/2006/relationships" xmlns:p="http://schemas.openxmlformats.org/presentationml/2006/main">
   <p:cSld>
     <p:spTree>
@@ -4203,7 +4297,7 @@
 </p:sld>
 </file>
 
-<file path=ppt/slides/slide14.xml><?xml version="1.0" encoding="utf-8"?>
+<file path=ppt/slides/slide15.xml><?xml version="1.0" encoding="utf-8"?>
 <p:sld xmlns:a="http://schemas.openxmlformats.org/drawingml/2006/main" xmlns:r="http://schemas.openxmlformats.org/officeDocument/2006/relationships" xmlns:p="http://schemas.openxmlformats.org/presentationml/2006/main">
   <p:cSld>
     <p:spTree>
@@ -6835,7 +6929,7 @@
 </p:sld>
 </file>
 
-<file path=ppt/slides/slide15.xml><?xml version="1.0" encoding="utf-8"?>
+<file path=ppt/slides/slide16.xml><?xml version="1.0" encoding="utf-8"?>
 <p:sld xmlns:a="http://schemas.openxmlformats.org/drawingml/2006/main" xmlns:r="http://schemas.openxmlformats.org/officeDocument/2006/relationships" xmlns:p="http://schemas.openxmlformats.org/presentationml/2006/main">
   <p:cSld>
     <p:spTree>
@@ -11293,6 +11387,14 @@
 <file path=ppt/slides/slide9.xml><?xml version="1.0" encoding="utf-8"?>
 <p:sld xmlns:a="http://schemas.openxmlformats.org/drawingml/2006/main" xmlns:r="http://schemas.openxmlformats.org/officeDocument/2006/relationships" xmlns:p="http://schemas.openxmlformats.org/presentationml/2006/main">
   <p:cSld>
+    <p:bg>
+      <p:bgPr>
+        <a:solidFill>
+          <a:srgbClr val="6600CC"/>
+        </a:solidFill>
+        <a:effectLst/>
+      </p:bgPr>
+    </p:bg>
     <p:spTree>
       <p:nvGrpSpPr>
         <p:cNvPr id="1" name=""/>
@@ -11319,33 +11421,17 @@
         </p:nvSpPr>
         <p:spPr/>
         <p:txBody>
-          <a:bodyPr>
-            <a:normAutofit fontScale="90000"/>
-          </a:bodyPr>
+          <a:bodyPr/>
           <a:lstStyle/>
           <a:p>
             <a:r>
-              <a:rPr lang="ru-RU" dirty="0" smtClean="0"/>
-              <a:t>Лямбда</a:t>
-            </a:r>
-            <a:r>
-              <a:rPr lang="en-US" dirty="0" smtClean="0"/>
-              <a:t>-</a:t>
-            </a:r>
-            <a:r>
-              <a:rPr lang="ru-RU" dirty="0" smtClean="0"/>
-              <a:t>выражения</a:t>
-            </a:r>
-            <a:r>
-              <a:rPr lang="en-US" dirty="0" smtClean="0"/>
-              <a:t/>
-            </a:r>
-            <a:br>
-              <a:rPr lang="en-US" dirty="0" smtClean="0"/>
-            </a:br>
-            <a:r>
-              <a:rPr lang="en-US" dirty="0" smtClean="0"/>
-              <a:t>(lambda expressions)</a:t>
+              <a:rPr lang="ru-RU" b="1" dirty="0">
+                <a:solidFill>
+                  <a:schemeClr val="bg1"/>
+                </a:solidFill>
+                <a:cs typeface="Times New Roman" pitchFamily="18" charset="0"/>
+              </a:rPr>
+              <a:t>Самостоятельное задание</a:t>
             </a:r>
             <a:endParaRPr lang="en-US" dirty="0"/>
           </a:p>
@@ -11363,9 +11449,94 @@
         </p:nvSpPr>
         <p:spPr/>
         <p:txBody>
-          <a:bodyPr/>
+          <a:bodyPr>
+            <a:normAutofit/>
+          </a:bodyPr>
           <a:lstStyle/>
           <a:p>
+            <a:pPr marL="0" indent="0">
+              <a:buNone/>
+            </a:pPr>
+            <a:r>
+              <a:rPr lang="ru-RU" dirty="0" smtClean="0"/>
+              <a:t>Напишите </a:t>
+            </a:r>
+            <a:r>
+              <a:rPr lang="en-US" dirty="0" smtClean="0"/>
+              <a:t>extension </a:t>
+            </a:r>
+            <a:r>
+              <a:rPr lang="ru-RU" dirty="0" smtClean="0"/>
+              <a:t>методы для класса </a:t>
+            </a:r>
+            <a:r>
+              <a:rPr lang="en-US" dirty="0" err="1" smtClean="0"/>
+              <a:t>StringBuilder</a:t>
+            </a:r>
+            <a:r>
+              <a:rPr lang="en-US" dirty="0" smtClean="0"/>
+              <a:t>:</a:t>
+            </a:r>
+          </a:p>
+          <a:p>
+            <a:r>
+              <a:rPr lang="en-US" dirty="0" err="1" smtClean="0"/>
+              <a:t>AppendLine</a:t>
+            </a:r>
+            <a:r>
+              <a:rPr lang="en-US" dirty="0" smtClean="0"/>
+              <a:t>() – </a:t>
+            </a:r>
+            <a:r>
+              <a:rPr lang="ru-RU" dirty="0" smtClean="0"/>
+              <a:t>добавляет перевод строки</a:t>
+            </a:r>
+            <a:endParaRPr lang="en-US" dirty="0" smtClean="0"/>
+          </a:p>
+          <a:p>
+            <a:r>
+              <a:rPr lang="en-US" dirty="0" err="1" smtClean="0"/>
+              <a:t>AppendLine</a:t>
+            </a:r>
+            <a:r>
+              <a:rPr lang="en-US" dirty="0" smtClean="0"/>
+              <a:t>(string)</a:t>
+            </a:r>
+            <a:r>
+              <a:rPr lang="ru-RU" dirty="0" smtClean="0"/>
+              <a:t> – добавляет строку и перевод строки</a:t>
+            </a:r>
+            <a:endParaRPr lang="en-US" dirty="0" smtClean="0"/>
+          </a:p>
+          <a:p>
+            <a:r>
+              <a:rPr lang="en-US" dirty="0" err="1" smtClean="0"/>
+              <a:t>AppendFormatLine</a:t>
+            </a:r>
+            <a:r>
+              <a:rPr lang="en-US" dirty="0" smtClean="0"/>
+              <a:t>(string format, object[] </a:t>
+            </a:r>
+            <a:r>
+              <a:rPr lang="en-US" dirty="0" err="1" smtClean="0"/>
+              <a:t>args</a:t>
+            </a:r>
+            <a:r>
+              <a:rPr lang="en-US" dirty="0" smtClean="0"/>
+              <a:t>)</a:t>
+            </a:r>
+            <a:r>
+              <a:rPr lang="ru-RU" dirty="0" smtClean="0"/>
+              <a:t> – форматированный вывод строки заканчивающийся переводом </a:t>
+            </a:r>
+            <a:r>
+              <a:rPr lang="ru-RU" smtClean="0"/>
+              <a:t>строки</a:t>
+            </a:r>
+            <a:r>
+              <a:rPr lang="ru-RU" smtClean="0"/>
+              <a:t>.</a:t>
+            </a:r>
             <a:endParaRPr lang="en-US" dirty="0"/>
           </a:p>
         </p:txBody>
@@ -11373,7 +11544,7 @@
     </p:spTree>
     <p:extLst>
       <p:ext uri="{BB962C8B-B14F-4D97-AF65-F5344CB8AC3E}">
-        <p14:creationId xmlns:p14="http://schemas.microsoft.com/office/powerpoint/2010/main" val="375333521"/>
+        <p14:creationId xmlns:p14="http://schemas.microsoft.com/office/powerpoint/2010/main" val="3539412357"/>
       </p:ext>
     </p:extLst>
   </p:cSld>

--- a/Presentation/lesson-11-linq.pptx
+++ b/Presentation/lesson-11-linq.pptx
@@ -5,7 +5,7 @@
     <p:sldMasterId id="2147483648" r:id="rId1"/>
   </p:sldMasterIdLst>
   <p:notesMasterIdLst>
-    <p:notesMasterId r:id="rId18"/>
+    <p:notesMasterId r:id="rId21"/>
   </p:notesMasterIdLst>
   <p:sldIdLst>
     <p:sldId id="256" r:id="rId2"/>
@@ -19,11 +19,14 @@
     <p:sldId id="272" r:id="rId10"/>
     <p:sldId id="267" r:id="rId11"/>
     <p:sldId id="261" r:id="rId12"/>
-    <p:sldId id="268" r:id="rId13"/>
-    <p:sldId id="260" r:id="rId14"/>
-    <p:sldId id="264" r:id="rId15"/>
-    <p:sldId id="262" r:id="rId16"/>
-    <p:sldId id="263" r:id="rId17"/>
+    <p:sldId id="274" r:id="rId13"/>
+    <p:sldId id="275" r:id="rId14"/>
+    <p:sldId id="268" r:id="rId15"/>
+    <p:sldId id="273" r:id="rId16"/>
+    <p:sldId id="260" r:id="rId17"/>
+    <p:sldId id="264" r:id="rId18"/>
+    <p:sldId id="262" r:id="rId19"/>
+    <p:sldId id="263" r:id="rId20"/>
   </p:sldIdLst>
   <p:sldSz cx="9144000" cy="6858000" type="screen4x3"/>
   <p:notesSz cx="6858000" cy="9144000"/>
@@ -207,7 +210,7 @@
           <a:p>
             <a:fld id="{B24A7054-7FFB-49F4-A126-5DF6E687FF53}" type="datetimeFigureOut">
               <a:rPr lang="ru-RU" smtClean="0"/>
-              <a:t>10.10.2013</a:t>
+              <a:t>30.10.2013</a:t>
             </a:fld>
             <a:endParaRPr lang="ru-RU"/>
           </a:p>
@@ -1489,7 +1492,7 @@
           <a:p>
             <a:fld id="{8E6E6A2A-E9D3-4A0D-B04A-ABDD367A1E08}" type="datetimeFigureOut">
               <a:rPr lang="ru-RU" smtClean="0"/>
-              <a:t>10.10.2013</a:t>
+              <a:t>30.10.2013</a:t>
             </a:fld>
             <a:endParaRPr lang="ru-RU"/>
           </a:p>
@@ -2934,7 +2937,7 @@
           <a:p>
             <a:fld id="{AC3D3127-B7C4-45E3-9797-C527EC9FDD78}" type="datetimeFigureOut">
               <a:rPr lang="ru-RU" smtClean="0"/>
-              <a:t>10.10.2013</a:t>
+              <a:t>30.10.2013</a:t>
             </a:fld>
             <a:endParaRPr lang="ru-RU"/>
           </a:p>
@@ -3469,7 +3472,7 @@
               <a:t>№</a:t>
             </a:r>
             <a:r>
-              <a:rPr lang="en-US" sz="2400" smtClean="0">
+              <a:rPr lang="en-US" sz="2400" dirty="0" smtClean="0">
                 <a:solidFill>
                   <a:schemeClr val="bg1"/>
                 </a:solidFill>
@@ -3759,16 +3762,12 @@
           <a:lstStyle/>
           <a:p>
             <a:r>
+              <a:rPr lang="en-US" dirty="0" err="1" smtClean="0"/>
+              <a:t>Enumerable.Where</a:t>
+            </a:r>
+            <a:r>
               <a:rPr lang="en-US" dirty="0" smtClean="0"/>
-              <a:t>Enumerable: First() </a:t>
-            </a:r>
-            <a:r>
-              <a:rPr lang="ru-RU" dirty="0" smtClean="0"/>
-              <a:t>и </a:t>
-            </a:r>
-            <a:r>
-              <a:rPr lang="en-US" dirty="0" smtClean="0"/>
-              <a:t>Single()</a:t>
+              <a:t>()</a:t>
             </a:r>
             <a:endParaRPr lang="en-US" dirty="0"/>
           </a:p>
@@ -3793,6 +3792,384 @@
               <a:buNone/>
             </a:pPr>
             <a:r>
+              <a:rPr lang="ru-RU" dirty="0" smtClean="0"/>
+              <a:t>Метод </a:t>
+            </a:r>
+            <a:r>
+              <a:rPr lang="en-US" dirty="0" smtClean="0"/>
+              <a:t>Where() </a:t>
+            </a:r>
+            <a:r>
+              <a:rPr lang="ru-RU" dirty="0" smtClean="0"/>
+              <a:t>позволяет выбирать из последовательности данные удовлетворяющие заданному условию.</a:t>
+            </a:r>
+            <a:endParaRPr lang="en-US" dirty="0"/>
+          </a:p>
+        </p:txBody>
+      </p:sp>
+    </p:spTree>
+    <p:extLst>
+      <p:ext uri="{BB962C8B-B14F-4D97-AF65-F5344CB8AC3E}">
+        <p14:creationId xmlns:p14="http://schemas.microsoft.com/office/powerpoint/2010/main" val="3785344664"/>
+      </p:ext>
+    </p:extLst>
+  </p:cSld>
+  <p:clrMapOvr>
+    <a:masterClrMapping/>
+  </p:clrMapOvr>
+</p:sld>
+</file>
+
+<file path=ppt/slides/slide13.xml><?xml version="1.0" encoding="utf-8"?>
+<p:sld xmlns:a="http://schemas.openxmlformats.org/drawingml/2006/main" xmlns:r="http://schemas.openxmlformats.org/officeDocument/2006/relationships" xmlns:p="http://schemas.openxmlformats.org/presentationml/2006/main">
+  <p:cSld>
+    <p:spTree>
+      <p:nvGrpSpPr>
+        <p:cNvPr id="1" name=""/>
+        <p:cNvGrpSpPr/>
+        <p:nvPr/>
+      </p:nvGrpSpPr>
+      <p:grpSpPr>
+        <a:xfrm>
+          <a:off x="0" y="0"/>
+          <a:ext cx="0" cy="0"/>
+          <a:chOff x="0" y="0"/>
+          <a:chExt cx="0" cy="0"/>
+        </a:xfrm>
+      </p:grpSpPr>
+      <p:sp>
+        <p:nvSpPr>
+          <p:cNvPr id="2" name="Title 1"/>
+          <p:cNvSpPr>
+            <a:spLocks noGrp="1"/>
+          </p:cNvSpPr>
+          <p:nvPr>
+            <p:ph type="title"/>
+          </p:nvPr>
+        </p:nvSpPr>
+        <p:spPr/>
+        <p:txBody>
+          <a:bodyPr/>
+          <a:lstStyle/>
+          <a:p>
+            <a:r>
+              <a:rPr lang="en-US" dirty="0" smtClean="0"/>
+              <a:t>Enumerable: Any() </a:t>
+            </a:r>
+            <a:r>
+              <a:rPr lang="ru-RU" dirty="0" smtClean="0"/>
+              <a:t>и </a:t>
+            </a:r>
+            <a:r>
+              <a:rPr lang="en-US" dirty="0" smtClean="0"/>
+              <a:t>All()</a:t>
+            </a:r>
+            <a:endParaRPr lang="en-US" dirty="0"/>
+          </a:p>
+        </p:txBody>
+      </p:sp>
+      <p:sp>
+        <p:nvSpPr>
+          <p:cNvPr id="3" name="Content Placeholder 2"/>
+          <p:cNvSpPr>
+            <a:spLocks noGrp="1"/>
+          </p:cNvSpPr>
+          <p:nvPr>
+            <p:ph idx="1"/>
+          </p:nvPr>
+        </p:nvSpPr>
+        <p:spPr/>
+        <p:txBody>
+          <a:bodyPr>
+            <a:normAutofit fontScale="85000" lnSpcReduction="20000"/>
+          </a:bodyPr>
+          <a:lstStyle/>
+          <a:p>
+            <a:r>
+              <a:rPr lang="en-US" dirty="0" smtClean="0"/>
+              <a:t>Any()</a:t>
+            </a:r>
+          </a:p>
+          <a:p>
+            <a:pPr lvl="1"/>
+            <a:r>
+              <a:rPr lang="ru-RU" dirty="0" smtClean="0"/>
+              <a:t>Метод </a:t>
+            </a:r>
+            <a:r>
+              <a:rPr lang="en-US" dirty="0" smtClean="0"/>
+              <a:t>Any() </a:t>
+            </a:r>
+            <a:r>
+              <a:rPr lang="ru-RU" dirty="0" smtClean="0"/>
+              <a:t>вызванный без аргументов вернет </a:t>
+            </a:r>
+            <a:r>
+              <a:rPr lang="en-US" dirty="0" smtClean="0"/>
+              <a:t>true </a:t>
+            </a:r>
+            <a:r>
+              <a:rPr lang="ru-RU" dirty="0" smtClean="0"/>
+              <a:t>если последовательность содержит хотя бы один элемент (то есть является не пустой) и </a:t>
+            </a:r>
+            <a:r>
+              <a:rPr lang="en-US" dirty="0" smtClean="0"/>
+              <a:t>false </a:t>
+            </a:r>
+            <a:r>
+              <a:rPr lang="ru-RU" dirty="0" smtClean="0"/>
+              <a:t>в </a:t>
+            </a:r>
+            <a:r>
+              <a:rPr lang="ru-RU" smtClean="0"/>
+              <a:t>противном случае;</a:t>
+            </a:r>
+            <a:endParaRPr lang="en-US" dirty="0" smtClean="0"/>
+          </a:p>
+          <a:p>
+            <a:pPr lvl="1"/>
+            <a:r>
+              <a:rPr lang="ru-RU" dirty="0" smtClean="0"/>
+              <a:t>Метод </a:t>
+            </a:r>
+            <a:r>
+              <a:rPr lang="en-US" dirty="0" smtClean="0"/>
+              <a:t>Any(</a:t>
+            </a:r>
+            <a:r>
+              <a:rPr lang="en-US" dirty="0" err="1"/>
+              <a:t>Func</a:t>
+            </a:r>
+            <a:r>
+              <a:rPr lang="en-US" dirty="0"/>
+              <a:t>&lt;</a:t>
+            </a:r>
+            <a:r>
+              <a:rPr lang="en-US" dirty="0" err="1"/>
+              <a:t>TSource</a:t>
+            </a:r>
+            <a:r>
+              <a:rPr lang="en-US" dirty="0"/>
+              <a:t>, </a:t>
+            </a:r>
+            <a:r>
+              <a:rPr lang="en-US" dirty="0" err="1"/>
+              <a:t>bool</a:t>
+            </a:r>
+            <a:r>
+              <a:rPr lang="en-US" dirty="0"/>
+              <a:t>&gt; predicate</a:t>
+            </a:r>
+            <a:r>
+              <a:rPr lang="en-US" dirty="0" smtClean="0"/>
+              <a:t>) </a:t>
+            </a:r>
+            <a:r>
+              <a:rPr lang="ru-RU" dirty="0" smtClean="0"/>
+              <a:t>вернет </a:t>
+            </a:r>
+            <a:r>
+              <a:rPr lang="en-US" dirty="0" smtClean="0"/>
+              <a:t>true </a:t>
+            </a:r>
+            <a:r>
+              <a:rPr lang="ru-RU" dirty="0" smtClean="0"/>
+              <a:t>если </a:t>
+            </a:r>
+            <a:r>
+              <a:rPr lang="ru-RU" dirty="0"/>
+              <a:t>последовательность содержит хотя бы один </a:t>
+            </a:r>
+            <a:r>
+              <a:rPr lang="ru-RU" dirty="0" smtClean="0"/>
+              <a:t>элемент для которого предикат вернул </a:t>
+            </a:r>
+            <a:r>
+              <a:rPr lang="en-US" dirty="0" smtClean="0"/>
+              <a:t>true </a:t>
+            </a:r>
+            <a:r>
+              <a:rPr lang="ru-RU" dirty="0"/>
+              <a:t>и </a:t>
+            </a:r>
+            <a:r>
+              <a:rPr lang="en-US" dirty="0"/>
+              <a:t>false </a:t>
+            </a:r>
+            <a:r>
+              <a:rPr lang="ru-RU" dirty="0"/>
+              <a:t>в противном </a:t>
+            </a:r>
+            <a:r>
+              <a:rPr lang="ru-RU" dirty="0" smtClean="0"/>
+              <a:t>случае.</a:t>
+            </a:r>
+            <a:endParaRPr lang="en-US" dirty="0" smtClean="0"/>
+          </a:p>
+          <a:p>
+            <a:r>
+              <a:rPr lang="en-US" dirty="0" smtClean="0"/>
+              <a:t>All()</a:t>
+            </a:r>
+          </a:p>
+          <a:p>
+            <a:pPr lvl="1"/>
+            <a:r>
+              <a:rPr lang="ru-RU" dirty="0" smtClean="0"/>
+              <a:t>Метод </a:t>
+            </a:r>
+            <a:r>
+              <a:rPr lang="en-US" dirty="0" smtClean="0"/>
+              <a:t>All(</a:t>
+            </a:r>
+            <a:r>
+              <a:rPr lang="en-US" dirty="0" err="1" smtClean="0"/>
+              <a:t>Func</a:t>
+            </a:r>
+            <a:r>
+              <a:rPr lang="en-US" dirty="0" smtClean="0"/>
+              <a:t>&lt;</a:t>
+            </a:r>
+            <a:r>
+              <a:rPr lang="en-US" dirty="0" err="1" smtClean="0"/>
+              <a:t>TSource</a:t>
+            </a:r>
+            <a:r>
+              <a:rPr lang="en-US" dirty="0"/>
+              <a:t>, </a:t>
+            </a:r>
+            <a:r>
+              <a:rPr lang="en-US" dirty="0" err="1"/>
+              <a:t>bool</a:t>
+            </a:r>
+            <a:r>
+              <a:rPr lang="en-US" dirty="0"/>
+              <a:t>&gt; predicate) </a:t>
+            </a:r>
+            <a:r>
+              <a:rPr lang="ru-RU" dirty="0"/>
+              <a:t>вернет </a:t>
+            </a:r>
+            <a:r>
+              <a:rPr lang="en-US" dirty="0"/>
+              <a:t>true </a:t>
+            </a:r>
+            <a:r>
+              <a:rPr lang="ru-RU" dirty="0"/>
+              <a:t>если </a:t>
+            </a:r>
+            <a:r>
+              <a:rPr lang="ru-RU" dirty="0" smtClean="0"/>
+              <a:t>для всех элементов последовательности предикат </a:t>
+            </a:r>
+            <a:r>
+              <a:rPr lang="ru-RU" dirty="0"/>
+              <a:t>вернул </a:t>
+            </a:r>
+            <a:r>
+              <a:rPr lang="en-US" dirty="0"/>
+              <a:t>true </a:t>
+            </a:r>
+            <a:r>
+              <a:rPr lang="ru-RU" dirty="0"/>
+              <a:t>и </a:t>
+            </a:r>
+            <a:r>
+              <a:rPr lang="en-US" dirty="0"/>
+              <a:t>false </a:t>
+            </a:r>
+            <a:r>
+              <a:rPr lang="ru-RU" dirty="0"/>
+              <a:t>в противном </a:t>
+            </a:r>
+            <a:r>
+              <a:rPr lang="ru-RU" dirty="0" smtClean="0"/>
+              <a:t>случае.</a:t>
+            </a:r>
+            <a:endParaRPr lang="en-US" dirty="0"/>
+          </a:p>
+        </p:txBody>
+      </p:sp>
+    </p:spTree>
+    <p:extLst>
+      <p:ext uri="{BB962C8B-B14F-4D97-AF65-F5344CB8AC3E}">
+        <p14:creationId xmlns:p14="http://schemas.microsoft.com/office/powerpoint/2010/main" val="1695211947"/>
+      </p:ext>
+    </p:extLst>
+  </p:cSld>
+  <p:clrMapOvr>
+    <a:masterClrMapping/>
+  </p:clrMapOvr>
+</p:sld>
+</file>
+
+<file path=ppt/slides/slide14.xml><?xml version="1.0" encoding="utf-8"?>
+<p:sld xmlns:a="http://schemas.openxmlformats.org/drawingml/2006/main" xmlns:r="http://schemas.openxmlformats.org/officeDocument/2006/relationships" xmlns:p="http://schemas.openxmlformats.org/presentationml/2006/main">
+  <p:cSld>
+    <p:spTree>
+      <p:nvGrpSpPr>
+        <p:cNvPr id="1" name=""/>
+        <p:cNvGrpSpPr/>
+        <p:nvPr/>
+      </p:nvGrpSpPr>
+      <p:grpSpPr>
+        <a:xfrm>
+          <a:off x="0" y="0"/>
+          <a:ext cx="0" cy="0"/>
+          <a:chOff x="0" y="0"/>
+          <a:chExt cx="0" cy="0"/>
+        </a:xfrm>
+      </p:grpSpPr>
+      <p:sp>
+        <p:nvSpPr>
+          <p:cNvPr id="2" name="Title 1"/>
+          <p:cNvSpPr>
+            <a:spLocks noGrp="1"/>
+          </p:cNvSpPr>
+          <p:nvPr>
+            <p:ph type="title"/>
+          </p:nvPr>
+        </p:nvSpPr>
+        <p:spPr/>
+        <p:txBody>
+          <a:bodyPr/>
+          <a:lstStyle/>
+          <a:p>
+            <a:r>
+              <a:rPr lang="en-US" dirty="0" smtClean="0"/>
+              <a:t>Enumerable: First() </a:t>
+            </a:r>
+            <a:r>
+              <a:rPr lang="ru-RU" dirty="0" smtClean="0"/>
+              <a:t>и </a:t>
+            </a:r>
+            <a:r>
+              <a:rPr lang="en-US" dirty="0" smtClean="0"/>
+              <a:t>Single()</a:t>
+            </a:r>
+            <a:endParaRPr lang="en-US" dirty="0"/>
+          </a:p>
+        </p:txBody>
+      </p:sp>
+      <p:sp>
+        <p:nvSpPr>
+          <p:cNvPr id="3" name="Content Placeholder 2"/>
+          <p:cNvSpPr>
+            <a:spLocks noGrp="1"/>
+          </p:cNvSpPr>
+          <p:nvPr>
+            <p:ph idx="1"/>
+          </p:nvPr>
+        </p:nvSpPr>
+        <p:spPr/>
+        <p:txBody>
+          <a:bodyPr/>
+          <a:lstStyle/>
+          <a:p>
+            <a:pPr marL="0" indent="0">
+              <a:buNone/>
+            </a:pPr>
+            <a:r>
               <a:rPr lang="en-US" dirty="0"/>
               <a:t>First</a:t>
             </a:r>
@@ -4029,7 +4406,173 @@
 </p:sld>
 </file>
 
-<file path=ppt/slides/slide13.xml><?xml version="1.0" encoding="utf-8"?>
+<file path=ppt/slides/slide15.xml><?xml version="1.0" encoding="utf-8"?>
+<p:sld xmlns:a="http://schemas.openxmlformats.org/drawingml/2006/main" xmlns:r="http://schemas.openxmlformats.org/officeDocument/2006/relationships" xmlns:p="http://schemas.openxmlformats.org/presentationml/2006/main">
+  <p:cSld>
+    <p:spTree>
+      <p:nvGrpSpPr>
+        <p:cNvPr id="1" name=""/>
+        <p:cNvGrpSpPr/>
+        <p:nvPr/>
+      </p:nvGrpSpPr>
+      <p:grpSpPr>
+        <a:xfrm>
+          <a:off x="0" y="0"/>
+          <a:ext cx="0" cy="0"/>
+          <a:chOff x="0" y="0"/>
+          <a:chExt cx="0" cy="0"/>
+        </a:xfrm>
+      </p:grpSpPr>
+      <p:sp>
+        <p:nvSpPr>
+          <p:cNvPr id="2" name="Title 1"/>
+          <p:cNvSpPr>
+            <a:spLocks noGrp="1"/>
+          </p:cNvSpPr>
+          <p:nvPr>
+            <p:ph type="title"/>
+          </p:nvPr>
+        </p:nvSpPr>
+        <p:spPr/>
+        <p:txBody>
+          <a:bodyPr/>
+          <a:lstStyle/>
+          <a:p>
+            <a:r>
+              <a:rPr lang="en-US" dirty="0" smtClean="0"/>
+              <a:t>Enumerable. </a:t>
+            </a:r>
+            <a:r>
+              <a:rPr lang="en-US" dirty="0" err="1" smtClean="0"/>
+              <a:t>ToXXX</a:t>
+            </a:r>
+            <a:r>
+              <a:rPr lang="en-US" dirty="0" smtClean="0"/>
+              <a:t>() </a:t>
+            </a:r>
+            <a:r>
+              <a:rPr lang="ru-RU" dirty="0" smtClean="0"/>
+              <a:t>методы</a:t>
+            </a:r>
+            <a:endParaRPr lang="en-US" dirty="0"/>
+          </a:p>
+        </p:txBody>
+      </p:sp>
+      <p:sp>
+        <p:nvSpPr>
+          <p:cNvPr id="3" name="Content Placeholder 2"/>
+          <p:cNvSpPr>
+            <a:spLocks noGrp="1"/>
+          </p:cNvSpPr>
+          <p:nvPr>
+            <p:ph idx="1"/>
+          </p:nvPr>
+        </p:nvSpPr>
+        <p:spPr/>
+        <p:txBody>
+          <a:bodyPr>
+            <a:normAutofit/>
+          </a:bodyPr>
+          <a:lstStyle/>
+          <a:p>
+            <a:r>
+              <a:rPr lang="en-US" sz="2800" dirty="0" err="1" smtClean="0"/>
+              <a:t>ToArray</a:t>
+            </a:r>
+            <a:r>
+              <a:rPr lang="en-US" sz="2800" dirty="0" smtClean="0"/>
+              <a:t>() </a:t>
+            </a:r>
+            <a:r>
+              <a:rPr lang="ru-RU" sz="2800" dirty="0" smtClean="0"/>
+              <a:t>– преобразование </a:t>
+            </a:r>
+            <a:r>
+              <a:rPr lang="en-US" sz="2800" dirty="0" smtClean="0"/>
+              <a:t>IEnumerable&lt;T&gt; </a:t>
+            </a:r>
+            <a:r>
+              <a:rPr lang="ru-RU" sz="2800" dirty="0" smtClean="0"/>
+              <a:t>в </a:t>
+            </a:r>
+            <a:r>
+              <a:rPr lang="en-US" sz="2800" dirty="0" smtClean="0"/>
+              <a:t>T[]</a:t>
+            </a:r>
+          </a:p>
+          <a:p>
+            <a:r>
+              <a:rPr lang="en-US" sz="2800" dirty="0" err="1" smtClean="0"/>
+              <a:t>ToList</a:t>
+            </a:r>
+            <a:r>
+              <a:rPr lang="en-US" sz="2800" dirty="0" smtClean="0"/>
+              <a:t>() </a:t>
+            </a:r>
+            <a:r>
+              <a:rPr lang="ru-RU" sz="2800" dirty="0"/>
+              <a:t>–</a:t>
+            </a:r>
+            <a:r>
+              <a:rPr lang="en-US" sz="2800" dirty="0" smtClean="0"/>
+              <a:t> </a:t>
+            </a:r>
+            <a:r>
+              <a:rPr lang="ru-RU" sz="2800" dirty="0" smtClean="0"/>
+              <a:t>преобразование </a:t>
+            </a:r>
+            <a:r>
+              <a:rPr lang="en-US" sz="2800" dirty="0" smtClean="0"/>
+              <a:t>IEnumerable&lt;T&gt; </a:t>
+            </a:r>
+            <a:r>
+              <a:rPr lang="ru-RU" sz="2800" dirty="0" smtClean="0"/>
+              <a:t>в </a:t>
+            </a:r>
+            <a:r>
+              <a:rPr lang="en-US" sz="2800" dirty="0" smtClean="0"/>
+              <a:t>List&lt;T&gt;</a:t>
+            </a:r>
+          </a:p>
+          <a:p>
+            <a:r>
+              <a:rPr lang="en-US" sz="2800" dirty="0" err="1" smtClean="0"/>
+              <a:t>ToDictionary</a:t>
+            </a:r>
+            <a:r>
+              <a:rPr lang="en-US" sz="2800" dirty="0" smtClean="0"/>
+              <a:t>() </a:t>
+            </a:r>
+          </a:p>
+          <a:p>
+            <a:r>
+              <a:rPr lang="en-US" sz="2800" dirty="0" err="1" smtClean="0"/>
+              <a:t>ToLookup</a:t>
+            </a:r>
+            <a:r>
+              <a:rPr lang="en-US" sz="2800" dirty="0" smtClean="0"/>
+              <a:t>()</a:t>
+            </a:r>
+          </a:p>
+          <a:p>
+            <a:endParaRPr lang="en-US" sz="2800" dirty="0"/>
+          </a:p>
+        </p:txBody>
+      </p:sp>
+    </p:spTree>
+    <p:extLst>
+      <p:ext uri="{BB962C8B-B14F-4D97-AF65-F5344CB8AC3E}">
+        <p14:creationId xmlns:p14="http://schemas.microsoft.com/office/powerpoint/2010/main" val="2294722203"/>
+      </p:ext>
+    </p:extLst>
+  </p:cSld>
+  <p:clrMapOvr>
+    <a:masterClrMapping/>
+  </p:clrMapOvr>
+</p:sld>
+</file>
+
+<file path=ppt/slides/slide16.xml><?xml version="1.0" encoding="utf-8"?>
 <p:sld xmlns:a="http://schemas.openxmlformats.org/drawingml/2006/main" xmlns:r="http://schemas.openxmlformats.org/officeDocument/2006/relationships" xmlns:p="http://schemas.openxmlformats.org/presentationml/2006/main">
   <p:cSld>
     <p:bg>
@@ -4138,7 +4681,7 @@
 </p:sld>
 </file>
 
-<file path=ppt/slides/slide14.xml><?xml version="1.0" encoding="utf-8"?>
+<file path=ppt/slides/slide17.xml><?xml version="1.0" encoding="utf-8"?>
 <p:sld xmlns:a="http://schemas.openxmlformats.org/drawingml/2006/main" xmlns:r="http://schemas.openxmlformats.org/officeDocument/2006/relationships" xmlns:p="http://schemas.openxmlformats.org/presentationml/2006/main">
   <p:cSld>
     <p:spTree>
@@ -4297,7 +4840,7 @@
 </p:sld>
 </file>
 
-<file path=ppt/slides/slide15.xml><?xml version="1.0" encoding="utf-8"?>
+<file path=ppt/slides/slide18.xml><?xml version="1.0" encoding="utf-8"?>
 <p:sld xmlns:a="http://schemas.openxmlformats.org/drawingml/2006/main" xmlns:r="http://schemas.openxmlformats.org/officeDocument/2006/relationships" xmlns:p="http://schemas.openxmlformats.org/presentationml/2006/main">
   <p:cSld>
     <p:spTree>
@@ -6929,7 +7472,7 @@
 </p:sld>
 </file>
 
-<file path=ppt/slides/slide16.xml><?xml version="1.0" encoding="utf-8"?>
+<file path=ppt/slides/slide19.xml><?xml version="1.0" encoding="utf-8"?>
 <p:sld xmlns:a="http://schemas.openxmlformats.org/drawingml/2006/main" xmlns:r="http://schemas.openxmlformats.org/officeDocument/2006/relationships" xmlns:p="http://schemas.openxmlformats.org/presentationml/2006/main">
   <p:cSld>
     <p:spTree>
@@ -8974,7 +9517,7 @@
           <a:lstStyle/>
           <a:p>
             <a:r>
-              <a:rPr lang="en-US" smtClean="0"/>
+              <a:rPr lang="en-US" dirty="0" smtClean="0"/>
               <a:t>LINQ in C# 2010</a:t>
             </a:r>
             <a:endParaRPr lang="en-US" dirty="0"/>
@@ -11531,11 +12074,7 @@
             </a:r>
             <a:r>
               <a:rPr lang="ru-RU" smtClean="0"/>
-              <a:t>строки</a:t>
-            </a:r>
-            <a:r>
-              <a:rPr lang="ru-RU" smtClean="0"/>
-              <a:t>.</a:t>
+              <a:t>строки.</a:t>
             </a:r>
             <a:endParaRPr lang="en-US" dirty="0"/>
           </a:p>

--- a/Presentation/lesson-11-linq.pptx
+++ b/Presentation/lesson-11-linq.pptx
@@ -210,7 +210,7 @@
           <a:p>
             <a:fld id="{B24A7054-7FFB-49F4-A126-5DF6E687FF53}" type="datetimeFigureOut">
               <a:rPr lang="ru-RU" smtClean="0"/>
-              <a:t>30.10.2013</a:t>
+              <a:t>09.11.2013</a:t>
             </a:fld>
             <a:endParaRPr lang="ru-RU"/>
           </a:p>
@@ -1492,7 +1492,7 @@
           <a:p>
             <a:fld id="{8E6E6A2A-E9D3-4A0D-B04A-ABDD367A1E08}" type="datetimeFigureOut">
               <a:rPr lang="ru-RU" smtClean="0"/>
-              <a:t>30.10.2013</a:t>
+              <a:t>09.11.2013</a:t>
             </a:fld>
             <a:endParaRPr lang="ru-RU"/>
           </a:p>
@@ -2937,7 +2937,7 @@
           <a:p>
             <a:fld id="{AC3D3127-B7C4-45E3-9797-C527EC9FDD78}" type="datetimeFigureOut">
               <a:rPr lang="ru-RU" smtClean="0"/>
-              <a:t>30.10.2013</a:t>
+              <a:t>09.11.2013</a:t>
             </a:fld>
             <a:endParaRPr lang="ru-RU"/>
           </a:p>
@@ -4541,8 +4541,45 @@
             </a:r>
             <a:r>
               <a:rPr lang="en-US" sz="2800" dirty="0" smtClean="0"/>
-              <a:t>() </a:t>
-            </a:r>
+              <a:t>() - </a:t>
+            </a:r>
+            <a:r>
+              <a:rPr lang="ru-RU" sz="2800" dirty="0"/>
+              <a:t>преобразование </a:t>
+            </a:r>
+            <a:r>
+              <a:rPr lang="en-US" sz="2800" dirty="0" err="1"/>
+              <a:t>IEnumerable</a:t>
+            </a:r>
+            <a:r>
+              <a:rPr lang="en-US" sz="2800" dirty="0"/>
+              <a:t>&lt;T&gt; </a:t>
+            </a:r>
+            <a:r>
+              <a:rPr lang="ru-RU" sz="2800" dirty="0"/>
+              <a:t>в </a:t>
+            </a:r>
+            <a:r>
+              <a:rPr lang="en-US" sz="2800" dirty="0" smtClean="0"/>
+              <a:t>Dictionary&lt;</a:t>
+            </a:r>
+            <a:r>
+              <a:rPr lang="en-US" sz="2800" dirty="0" err="1" smtClean="0"/>
+              <a:t>TKey</a:t>
+            </a:r>
+            <a:r>
+              <a:rPr lang="en-US" sz="2800" dirty="0" smtClean="0"/>
+              <a:t>, </a:t>
+            </a:r>
+            <a:r>
+              <a:rPr lang="en-US" sz="2800" dirty="0" err="1" smtClean="0"/>
+              <a:t>TValue</a:t>
+            </a:r>
+            <a:r>
+              <a:rPr lang="en-US" sz="2800" dirty="0" smtClean="0"/>
+              <a:t>&gt;</a:t>
+            </a:r>
+            <a:endParaRPr lang="en-US" sz="2800" dirty="0" smtClean="0"/>
           </a:p>
           <a:p>
             <a:r>
@@ -4553,6 +4590,51 @@
               <a:rPr lang="en-US" sz="2800" dirty="0" smtClean="0"/>
               <a:t>()</a:t>
             </a:r>
+            <a:r>
+              <a:rPr lang="ru-RU" sz="2800" dirty="0"/>
+              <a:t> </a:t>
+            </a:r>
+            <a:r>
+              <a:rPr lang="en-US" sz="2800" dirty="0" smtClean="0"/>
+              <a:t>- </a:t>
+            </a:r>
+            <a:r>
+              <a:rPr lang="ru-RU" sz="2800" dirty="0" smtClean="0"/>
+              <a:t>преобразование </a:t>
+            </a:r>
+            <a:r>
+              <a:rPr lang="en-US" sz="2800" dirty="0" err="1"/>
+              <a:t>IEnumerable</a:t>
+            </a:r>
+            <a:r>
+              <a:rPr lang="en-US" sz="2800" dirty="0"/>
+              <a:t>&lt;T&gt; </a:t>
+            </a:r>
+            <a:r>
+              <a:rPr lang="ru-RU" sz="2800" dirty="0"/>
+              <a:t>в </a:t>
+            </a:r>
+            <a:r>
+              <a:rPr lang="en-US" sz="2800" dirty="0" smtClean="0"/>
+              <a:t>Lookup&lt;</a:t>
+            </a:r>
+            <a:r>
+              <a:rPr lang="en-US" sz="2800" dirty="0" err="1" smtClean="0"/>
+              <a:t>TKey</a:t>
+            </a:r>
+            <a:r>
+              <a:rPr lang="en-US" sz="2800" dirty="0"/>
+              <a:t>, </a:t>
+            </a:r>
+            <a:r>
+              <a:rPr lang="en-US" sz="2800" dirty="0" err="1" smtClean="0"/>
+              <a:t>TElement</a:t>
+            </a:r>
+            <a:r>
+              <a:rPr lang="en-US" sz="2800" dirty="0" smtClean="0"/>
+              <a:t>&gt;</a:t>
+            </a:r>
+            <a:endParaRPr lang="en-US" sz="2800" dirty="0" smtClean="0"/>
           </a:p>
           <a:p>
             <a:endParaRPr lang="en-US" sz="2800" dirty="0"/>

--- a/Presentation/lesson-11-linq.pptx
+++ b/Presentation/lesson-11-linq.pptx
@@ -5,7 +5,7 @@
     <p:sldMasterId id="2147483648" r:id="rId1"/>
   </p:sldMasterIdLst>
   <p:notesMasterIdLst>
-    <p:notesMasterId r:id="rId21"/>
+    <p:notesMasterId r:id="rId26"/>
   </p:notesMasterIdLst>
   <p:sldIdLst>
     <p:sldId id="256" r:id="rId2"/>
@@ -15,18 +15,23 @@
     <p:sldId id="259" r:id="rId6"/>
     <p:sldId id="270" r:id="rId7"/>
     <p:sldId id="271" r:id="rId8"/>
-    <p:sldId id="265" r:id="rId9"/>
-    <p:sldId id="272" r:id="rId10"/>
-    <p:sldId id="267" r:id="rId11"/>
-    <p:sldId id="261" r:id="rId12"/>
-    <p:sldId id="274" r:id="rId13"/>
-    <p:sldId id="275" r:id="rId14"/>
-    <p:sldId id="268" r:id="rId15"/>
-    <p:sldId id="273" r:id="rId16"/>
-    <p:sldId id="260" r:id="rId17"/>
-    <p:sldId id="264" r:id="rId18"/>
-    <p:sldId id="262" r:id="rId19"/>
-    <p:sldId id="263" r:id="rId20"/>
+    <p:sldId id="277" r:id="rId9"/>
+    <p:sldId id="265" r:id="rId10"/>
+    <p:sldId id="272" r:id="rId11"/>
+    <p:sldId id="267" r:id="rId12"/>
+    <p:sldId id="261" r:id="rId13"/>
+    <p:sldId id="274" r:id="rId14"/>
+    <p:sldId id="275" r:id="rId15"/>
+    <p:sldId id="276" r:id="rId16"/>
+    <p:sldId id="268" r:id="rId17"/>
+    <p:sldId id="278" r:id="rId18"/>
+    <p:sldId id="279" r:id="rId19"/>
+    <p:sldId id="280" r:id="rId20"/>
+    <p:sldId id="273" r:id="rId21"/>
+    <p:sldId id="260" r:id="rId22"/>
+    <p:sldId id="264" r:id="rId23"/>
+    <p:sldId id="262" r:id="rId24"/>
+    <p:sldId id="263" r:id="rId25"/>
   </p:sldIdLst>
   <p:sldSz cx="9144000" cy="6858000" type="screen4x3"/>
   <p:notesSz cx="6858000" cy="9144000"/>
@@ -210,7 +215,7 @@
           <a:p>
             <a:fld id="{B24A7054-7FFB-49F4-A126-5DF6E687FF53}" type="datetimeFigureOut">
               <a:rPr lang="ru-RU" smtClean="0"/>
-              <a:t>09.11.2013</a:t>
+              <a:t>21.11.2013</a:t>
             </a:fld>
             <a:endParaRPr lang="ru-RU"/>
           </a:p>
@@ -1492,7 +1497,7 @@
           <a:p>
             <a:fld id="{8E6E6A2A-E9D3-4A0D-B04A-ABDD367A1E08}" type="datetimeFigureOut">
               <a:rPr lang="ru-RU" smtClean="0"/>
-              <a:t>09.11.2013</a:t>
+              <a:t>21.11.2013</a:t>
             </a:fld>
             <a:endParaRPr lang="ru-RU"/>
           </a:p>
@@ -2937,7 +2942,7 @@
           <a:p>
             <a:fld id="{AC3D3127-B7C4-45E3-9797-C527EC9FDD78}" type="datetimeFigureOut">
               <a:rPr lang="ru-RU" smtClean="0"/>
-              <a:t>09.11.2013</a:t>
+              <a:t>21.11.2013</a:t>
             </a:fld>
             <a:endParaRPr lang="ru-RU"/>
           </a:p>
@@ -3526,6 +3531,14 @@
 <file path=ppt/slides/slide10.xml><?xml version="1.0" encoding="utf-8"?>
 <p:sld xmlns:a="http://schemas.openxmlformats.org/drawingml/2006/main" xmlns:r="http://schemas.openxmlformats.org/officeDocument/2006/relationships" xmlns:p="http://schemas.openxmlformats.org/presentationml/2006/main">
   <p:cSld>
+    <p:bg>
+      <p:bgPr>
+        <a:solidFill>
+          <a:srgbClr val="6600CC"/>
+        </a:solidFill>
+        <a:effectLst/>
+      </p:bgPr>
+    </p:bg>
     <p:spTree>
       <p:nvGrpSpPr>
         <p:cNvPr id="1" name=""/>
@@ -3552,33 +3565,17 @@
         </p:nvSpPr>
         <p:spPr/>
         <p:txBody>
-          <a:bodyPr>
-            <a:normAutofit fontScale="90000"/>
-          </a:bodyPr>
+          <a:bodyPr/>
           <a:lstStyle/>
           <a:p>
             <a:r>
-              <a:rPr lang="ru-RU" dirty="0" smtClean="0"/>
-              <a:t>Лямбда</a:t>
-            </a:r>
-            <a:r>
-              <a:rPr lang="en-US" dirty="0" smtClean="0"/>
-              <a:t>-</a:t>
-            </a:r>
-            <a:r>
-              <a:rPr lang="ru-RU" dirty="0" smtClean="0"/>
-              <a:t>выражения</a:t>
-            </a:r>
-            <a:r>
-              <a:rPr lang="en-US" dirty="0" smtClean="0"/>
-              <a:t/>
-            </a:r>
-            <a:br>
-              <a:rPr lang="en-US" dirty="0" smtClean="0"/>
-            </a:br>
-            <a:r>
-              <a:rPr lang="en-US" dirty="0" smtClean="0"/>
-              <a:t>(lambda expressions)</a:t>
+              <a:rPr lang="ru-RU" b="1" dirty="0">
+                <a:solidFill>
+                  <a:schemeClr val="bg1"/>
+                </a:solidFill>
+                <a:cs typeface="Times New Roman" pitchFamily="18" charset="0"/>
+              </a:rPr>
+              <a:t>Самостоятельное задание</a:t>
             </a:r>
             <a:endParaRPr lang="en-US" dirty="0"/>
           </a:p>
@@ -3596,9 +3593,90 @@
         </p:nvSpPr>
         <p:spPr/>
         <p:txBody>
-          <a:bodyPr/>
+          <a:bodyPr>
+            <a:normAutofit/>
+          </a:bodyPr>
           <a:lstStyle/>
           <a:p>
+            <a:pPr marL="0" indent="0">
+              <a:buNone/>
+            </a:pPr>
+            <a:r>
+              <a:rPr lang="ru-RU" dirty="0" smtClean="0"/>
+              <a:t>Напишите </a:t>
+            </a:r>
+            <a:r>
+              <a:rPr lang="en-US" dirty="0" smtClean="0"/>
+              <a:t>extension </a:t>
+            </a:r>
+            <a:r>
+              <a:rPr lang="ru-RU" dirty="0" smtClean="0"/>
+              <a:t>методы для класса </a:t>
+            </a:r>
+            <a:r>
+              <a:rPr lang="en-US" dirty="0" err="1" smtClean="0"/>
+              <a:t>StringBuilder</a:t>
+            </a:r>
+            <a:r>
+              <a:rPr lang="en-US" dirty="0" smtClean="0"/>
+              <a:t>:</a:t>
+            </a:r>
+          </a:p>
+          <a:p>
+            <a:r>
+              <a:rPr lang="en-US" dirty="0" err="1" smtClean="0"/>
+              <a:t>AppendLine</a:t>
+            </a:r>
+            <a:r>
+              <a:rPr lang="en-US" dirty="0" smtClean="0"/>
+              <a:t>() – </a:t>
+            </a:r>
+            <a:r>
+              <a:rPr lang="ru-RU" dirty="0" smtClean="0"/>
+              <a:t>добавляет перевод строки</a:t>
+            </a:r>
+            <a:endParaRPr lang="en-US" dirty="0" smtClean="0"/>
+          </a:p>
+          <a:p>
+            <a:r>
+              <a:rPr lang="en-US" dirty="0" err="1" smtClean="0"/>
+              <a:t>AppendLine</a:t>
+            </a:r>
+            <a:r>
+              <a:rPr lang="en-US" dirty="0" smtClean="0"/>
+              <a:t>(string)</a:t>
+            </a:r>
+            <a:r>
+              <a:rPr lang="ru-RU" dirty="0" smtClean="0"/>
+              <a:t> – добавляет строку и перевод строки</a:t>
+            </a:r>
+            <a:endParaRPr lang="en-US" dirty="0" smtClean="0"/>
+          </a:p>
+          <a:p>
+            <a:r>
+              <a:rPr lang="en-US" dirty="0" err="1" smtClean="0"/>
+              <a:t>AppendFormatLine</a:t>
+            </a:r>
+            <a:r>
+              <a:rPr lang="en-US" dirty="0" smtClean="0"/>
+              <a:t>(string format, object[] </a:t>
+            </a:r>
+            <a:r>
+              <a:rPr lang="en-US" dirty="0" err="1" smtClean="0"/>
+              <a:t>args</a:t>
+            </a:r>
+            <a:r>
+              <a:rPr lang="en-US" dirty="0" smtClean="0"/>
+              <a:t>)</a:t>
+            </a:r>
+            <a:r>
+              <a:rPr lang="ru-RU" dirty="0" smtClean="0"/>
+              <a:t> – форматированный вывод строки заканчивающийся переводом </a:t>
+            </a:r>
+            <a:r>
+              <a:rPr lang="ru-RU" smtClean="0"/>
+              <a:t>строки.</a:t>
+            </a:r>
             <a:endParaRPr lang="en-US" dirty="0"/>
           </a:p>
         </p:txBody>
@@ -3606,7 +3684,7 @@
     </p:spTree>
     <p:extLst>
       <p:ext uri="{BB962C8B-B14F-4D97-AF65-F5344CB8AC3E}">
-        <p14:creationId xmlns:p14="http://schemas.microsoft.com/office/powerpoint/2010/main" val="375333521"/>
+        <p14:creationId xmlns:p14="http://schemas.microsoft.com/office/powerpoint/2010/main" val="3539412357"/>
       </p:ext>
     </p:extLst>
   </p:cSld>
@@ -3645,16 +3723,33 @@
         </p:nvSpPr>
         <p:spPr/>
         <p:txBody>
-          <a:bodyPr/>
+          <a:bodyPr>
+            <a:normAutofit fontScale="90000"/>
+          </a:bodyPr>
           <a:lstStyle/>
           <a:p>
             <a:r>
               <a:rPr lang="ru-RU" dirty="0" smtClean="0"/>
-              <a:t>Класс </a:t>
-            </a:r>
-            <a:r>
-              <a:rPr lang="en-US" dirty="0" err="1" smtClean="0"/>
-              <a:t>System.Linq.Enumerable</a:t>
+              <a:t>Лямбда</a:t>
+            </a:r>
+            <a:r>
+              <a:rPr lang="en-US" dirty="0" smtClean="0"/>
+              <a:t>-</a:t>
+            </a:r>
+            <a:r>
+              <a:rPr lang="ru-RU" dirty="0" smtClean="0"/>
+              <a:t>выражения</a:t>
+            </a:r>
+            <a:r>
+              <a:rPr lang="en-US" dirty="0" smtClean="0"/>
+              <a:t/>
+            </a:r>
+            <a:br>
+              <a:rPr lang="en-US" dirty="0" smtClean="0"/>
+            </a:br>
+            <a:r>
+              <a:rPr lang="en-US" dirty="0" smtClean="0"/>
+              <a:t>(lambda expressions)</a:t>
             </a:r>
             <a:endParaRPr lang="en-US" dirty="0"/>
           </a:p>
@@ -3672,39 +3767,9 @@
         </p:nvSpPr>
         <p:spPr/>
         <p:txBody>
-          <a:bodyPr>
-            <a:normAutofit/>
-          </a:bodyPr>
+          <a:bodyPr/>
           <a:lstStyle/>
           <a:p>
-            <a:pPr marL="0" indent="0">
-              <a:buNone/>
-            </a:pPr>
-            <a:r>
-              <a:rPr lang="ru-RU" dirty="0" smtClean="0"/>
-              <a:t>Содержит множество полезных </a:t>
-            </a:r>
-            <a:r>
-              <a:rPr lang="en-US" dirty="0" smtClean="0"/>
-              <a:t>extension </a:t>
-            </a:r>
-            <a:r>
-              <a:rPr lang="ru-RU" dirty="0" smtClean="0"/>
-              <a:t>методов для </a:t>
-            </a:r>
-            <a:r>
-              <a:rPr lang="en-US" dirty="0" smtClean="0"/>
-              <a:t>LINQ</a:t>
-            </a:r>
-            <a:r>
-              <a:rPr lang="ru-RU" dirty="0" smtClean="0"/>
-              <a:t>.</a:t>
-            </a:r>
-          </a:p>
-          <a:p>
-            <a:pPr marL="0" indent="0">
-              <a:buNone/>
-            </a:pPr>
             <a:endParaRPr lang="en-US" dirty="0"/>
           </a:p>
         </p:txBody>
@@ -3712,20 +3777,13 @@
     </p:spTree>
     <p:extLst>
       <p:ext uri="{BB962C8B-B14F-4D97-AF65-F5344CB8AC3E}">
-        <p14:creationId xmlns:p14="http://schemas.microsoft.com/office/powerpoint/2010/main" val="2250229024"/>
+        <p14:creationId xmlns:p14="http://schemas.microsoft.com/office/powerpoint/2010/main" val="375333521"/>
       </p:ext>
     </p:extLst>
   </p:cSld>
   <p:clrMapOvr>
     <a:masterClrMapping/>
   </p:clrMapOvr>
-  <p:timing>
-    <p:tnLst>
-      <p:par>
-        <p:cTn id="1" dur="indefinite" restart="never" nodeType="tmRoot"/>
-      </p:par>
-    </p:tnLst>
-  </p:timing>
 </p:sld>
 </file>
 
@@ -3762,12 +3820,12 @@
           <a:lstStyle/>
           <a:p>
             <a:r>
+              <a:rPr lang="ru-RU" dirty="0" smtClean="0"/>
+              <a:t>Класс </a:t>
+            </a:r>
+            <a:r>
               <a:rPr lang="en-US" dirty="0" err="1" smtClean="0"/>
-              <a:t>Enumerable.Where</a:t>
-            </a:r>
-            <a:r>
-              <a:rPr lang="en-US" dirty="0" smtClean="0"/>
-              <a:t>()</a:t>
+              <a:t>System.Linq.Enumerable</a:t>
             </a:r>
             <a:endParaRPr lang="en-US" dirty="0"/>
           </a:p>
@@ -3785,7 +3843,9 @@
         </p:nvSpPr>
         <p:spPr/>
         <p:txBody>
-          <a:bodyPr/>
+          <a:bodyPr>
+            <a:normAutofit/>
+          </a:bodyPr>
           <a:lstStyle/>
           <a:p>
             <a:pPr marL="0" indent="0">
@@ -3793,16 +3853,29 @@
             </a:pPr>
             <a:r>
               <a:rPr lang="ru-RU" dirty="0" smtClean="0"/>
-              <a:t>Метод </a:t>
+              <a:t>Содержит множество полезных </a:t>
             </a:r>
             <a:r>
               <a:rPr lang="en-US" dirty="0" smtClean="0"/>
-              <a:t>Where() </a:t>
+              <a:t>extension </a:t>
             </a:r>
             <a:r>
               <a:rPr lang="ru-RU" dirty="0" smtClean="0"/>
-              <a:t>позволяет выбирать из последовательности данные удовлетворяющие заданному условию.</a:t>
-            </a:r>
+              <a:t>методов для </a:t>
+            </a:r>
+            <a:r>
+              <a:rPr lang="en-US" dirty="0" smtClean="0"/>
+              <a:t>LINQ</a:t>
+            </a:r>
+            <a:r>
+              <a:rPr lang="ru-RU" dirty="0" smtClean="0"/>
+              <a:t>.</a:t>
+            </a:r>
+          </a:p>
+          <a:p>
+            <a:pPr marL="0" indent="0">
+              <a:buNone/>
+            </a:pPr>
             <a:endParaRPr lang="en-US" dirty="0"/>
           </a:p>
         </p:txBody>
@@ -3810,13 +3883,20 @@
     </p:spTree>
     <p:extLst>
       <p:ext uri="{BB962C8B-B14F-4D97-AF65-F5344CB8AC3E}">
-        <p14:creationId xmlns:p14="http://schemas.microsoft.com/office/powerpoint/2010/main" val="3785344664"/>
+        <p14:creationId xmlns:p14="http://schemas.microsoft.com/office/powerpoint/2010/main" val="2250229024"/>
       </p:ext>
     </p:extLst>
   </p:cSld>
   <p:clrMapOvr>
     <a:masterClrMapping/>
   </p:clrMapOvr>
+  <p:timing>
+    <p:tnLst>
+      <p:par>
+        <p:cTn id="1" dur="indefinite" restart="never" nodeType="tmRoot"/>
+      </p:par>
+    </p:tnLst>
+  </p:timing>
 </p:sld>
 </file>
 
@@ -3853,16 +3933,12 @@
           <a:lstStyle/>
           <a:p>
             <a:r>
+              <a:rPr lang="en-US" dirty="0" err="1" smtClean="0"/>
+              <a:t>Enumerable.Where</a:t>
+            </a:r>
+            <a:r>
               <a:rPr lang="en-US" dirty="0" smtClean="0"/>
-              <a:t>Enumerable: Any() </a:t>
-            </a:r>
-            <a:r>
-              <a:rPr lang="ru-RU" dirty="0" smtClean="0"/>
-              <a:t>и </a:t>
-            </a:r>
-            <a:r>
-              <a:rPr lang="en-US" dirty="0" smtClean="0"/>
-              <a:t>All()</a:t>
+              <a:t>()</a:t>
             </a:r>
             <a:endParaRPr lang="en-US" dirty="0"/>
           </a:p>
@@ -3880,211 +3956,23 @@
         </p:nvSpPr>
         <p:spPr/>
         <p:txBody>
-          <a:bodyPr>
-            <a:normAutofit fontScale="85000" lnSpcReduction="20000"/>
-          </a:bodyPr>
+          <a:bodyPr/>
           <a:lstStyle/>
           <a:p>
-            <a:r>
-              <a:rPr lang="en-US" dirty="0" smtClean="0"/>
-              <a:t>Any()</a:t>
-            </a:r>
-          </a:p>
-          <a:p>
-            <a:pPr lvl="1"/>
+            <a:pPr marL="0" indent="0">
+              <a:buNone/>
+            </a:pPr>
             <a:r>
               <a:rPr lang="ru-RU" dirty="0" smtClean="0"/>
               <a:t>Метод </a:t>
             </a:r>
             <a:r>
               <a:rPr lang="en-US" dirty="0" smtClean="0"/>
-              <a:t>Any() </a:t>
+              <a:t>Where() </a:t>
             </a:r>
             <a:r>
               <a:rPr lang="ru-RU" dirty="0" smtClean="0"/>
-              <a:t>вызванный без аргументов вернет </a:t>
-            </a:r>
-            <a:r>
-              <a:rPr lang="en-US" dirty="0" smtClean="0"/>
-              <a:t>true </a:t>
-            </a:r>
-            <a:r>
-              <a:rPr lang="ru-RU" dirty="0" smtClean="0"/>
-              <a:t>если последовательность содержит хотя бы один элемент (то есть является не пустой) и </a:t>
-            </a:r>
-            <a:r>
-              <a:rPr lang="en-US" dirty="0" smtClean="0"/>
-              <a:t>false </a:t>
-            </a:r>
-            <a:r>
-              <a:rPr lang="ru-RU" dirty="0" smtClean="0"/>
-              <a:t>в </a:t>
-            </a:r>
-            <a:r>
-              <a:rPr lang="ru-RU" smtClean="0"/>
-              <a:t>противном случае;</a:t>
-            </a:r>
-            <a:endParaRPr lang="en-US" dirty="0" smtClean="0"/>
-          </a:p>
-          <a:p>
-            <a:pPr lvl="1"/>
-            <a:r>
-              <a:rPr lang="ru-RU" dirty="0" smtClean="0"/>
-              <a:t>Метод </a:t>
-            </a:r>
-            <a:r>
-              <a:rPr lang="en-US" dirty="0" smtClean="0"/>
-              <a:t>Any(</a:t>
-            </a:r>
-            <a:r>
-              <a:rPr lang="en-US" dirty="0" err="1"/>
-              <a:t>Func</a:t>
-            </a:r>
-            <a:r>
-              <a:rPr lang="en-US" dirty="0"/>
-              <a:t>&lt;</a:t>
-            </a:r>
-            <a:r>
-              <a:rPr lang="en-US" dirty="0" err="1"/>
-              <a:t>TSource</a:t>
-            </a:r>
-            <a:r>
-              <a:rPr lang="en-US" dirty="0"/>
-              <a:t>, </a:t>
-            </a:r>
-            <a:r>
-              <a:rPr lang="en-US" dirty="0" err="1"/>
-              <a:t>bool</a:t>
-            </a:r>
-            <a:r>
-              <a:rPr lang="en-US" dirty="0"/>
-              <a:t>&gt; predicate</a:t>
-            </a:r>
-            <a:r>
-              <a:rPr lang="en-US" dirty="0" smtClean="0"/>
-              <a:t>) </a:t>
-            </a:r>
-            <a:r>
-              <a:rPr lang="ru-RU" dirty="0" smtClean="0"/>
-              <a:t>вернет </a:t>
-            </a:r>
-            <a:r>
-              <a:rPr lang="en-US" dirty="0" smtClean="0"/>
-              <a:t>true </a:t>
-            </a:r>
-            <a:r>
-              <a:rPr lang="ru-RU" dirty="0" smtClean="0"/>
-              <a:t>если </a:t>
-            </a:r>
-            <a:r>
-              <a:rPr lang="ru-RU" dirty="0"/>
-              <a:t>последовательность содержит хотя бы один </a:t>
-            </a:r>
-            <a:r>
-              <a:rPr lang="ru-RU" dirty="0" smtClean="0"/>
-              <a:t>элемент для которого предикат вернул </a:t>
-            </a:r>
-            <a:r>
-              <a:rPr lang="en-US" dirty="0" smtClean="0"/>
-              <a:t>true </a:t>
-            </a:r>
-            <a:r>
-              <a:rPr lang="ru-RU" dirty="0"/>
-              <a:t>и </a:t>
-            </a:r>
-            <a:r>
-              <a:rPr lang="en-US" dirty="0"/>
-              <a:t>false </a:t>
-            </a:r>
-            <a:r>
-              <a:rPr lang="ru-RU" dirty="0"/>
-              <a:t>в противном </a:t>
-            </a:r>
-            <a:r>
-              <a:rPr lang="ru-RU" dirty="0" smtClean="0"/>
-              <a:t>случае.</a:t>
-            </a:r>
-            <a:endParaRPr lang="en-US" dirty="0" smtClean="0"/>
-          </a:p>
-          <a:p>
-            <a:r>
-              <a:rPr lang="en-US" dirty="0" smtClean="0"/>
-              <a:t>All()</a:t>
-            </a:r>
-          </a:p>
-          <a:p>
-            <a:pPr lvl="1"/>
-            <a:r>
-              <a:rPr lang="ru-RU" dirty="0" smtClean="0"/>
-              <a:t>Метод </a:t>
-            </a:r>
-            <a:r>
-              <a:rPr lang="en-US" dirty="0" smtClean="0"/>
-              <a:t>All(</a:t>
-            </a:r>
-            <a:r>
-              <a:rPr lang="en-US" dirty="0" err="1" smtClean="0"/>
-              <a:t>Func</a:t>
-            </a:r>
-            <a:r>
-              <a:rPr lang="en-US" dirty="0" smtClean="0"/>
-              <a:t>&lt;</a:t>
-            </a:r>
-            <a:r>
-              <a:rPr lang="en-US" dirty="0" err="1" smtClean="0"/>
-              <a:t>TSource</a:t>
-            </a:r>
-            <a:r>
-              <a:rPr lang="en-US" dirty="0"/>
-              <a:t>, </a:t>
-            </a:r>
-            <a:r>
-              <a:rPr lang="en-US" dirty="0" err="1"/>
-              <a:t>bool</a:t>
-            </a:r>
-            <a:r>
-              <a:rPr lang="en-US" dirty="0"/>
-              <a:t>&gt; predicate) </a:t>
-            </a:r>
-            <a:r>
-              <a:rPr lang="ru-RU" dirty="0"/>
-              <a:t>вернет </a:t>
-            </a:r>
-            <a:r>
-              <a:rPr lang="en-US" dirty="0"/>
-              <a:t>true </a:t>
-            </a:r>
-            <a:r>
-              <a:rPr lang="ru-RU" dirty="0"/>
-              <a:t>если </a:t>
-            </a:r>
-            <a:r>
-              <a:rPr lang="ru-RU" dirty="0" smtClean="0"/>
-              <a:t>для всех элементов последовательности предикат </a:t>
-            </a:r>
-            <a:r>
-              <a:rPr lang="ru-RU" dirty="0"/>
-              <a:t>вернул </a:t>
-            </a:r>
-            <a:r>
-              <a:rPr lang="en-US" dirty="0"/>
-              <a:t>true </a:t>
-            </a:r>
-            <a:r>
-              <a:rPr lang="ru-RU" dirty="0"/>
-              <a:t>и </a:t>
-            </a:r>
-            <a:r>
-              <a:rPr lang="en-US" dirty="0"/>
-              <a:t>false </a:t>
-            </a:r>
-            <a:r>
-              <a:rPr lang="ru-RU" dirty="0"/>
-              <a:t>в противном </a:t>
-            </a:r>
-            <a:r>
-              <a:rPr lang="ru-RU" dirty="0" smtClean="0"/>
-              <a:t>случае.</a:t>
+              <a:t>позволяет выбирать из последовательности данные удовлетворяющие заданному условию.</a:t>
             </a:r>
             <a:endParaRPr lang="en-US" dirty="0"/>
           </a:p>
@@ -4093,7 +3981,7 @@
     </p:spTree>
     <p:extLst>
       <p:ext uri="{BB962C8B-B14F-4D97-AF65-F5344CB8AC3E}">
-        <p14:creationId xmlns:p14="http://schemas.microsoft.com/office/powerpoint/2010/main" val="1695211947"/>
+        <p14:creationId xmlns:p14="http://schemas.microsoft.com/office/powerpoint/2010/main" val="3785344664"/>
       </p:ext>
     </p:extLst>
   </p:cSld>
@@ -4137,7 +4025,7 @@
           <a:p>
             <a:r>
               <a:rPr lang="en-US" dirty="0" smtClean="0"/>
-              <a:t>Enumerable: First() </a:t>
+              <a:t>Enumerable: Any() </a:t>
             </a:r>
             <a:r>
               <a:rPr lang="ru-RU" dirty="0" smtClean="0"/>
@@ -4145,7 +4033,7 @@
             </a:r>
             <a:r>
               <a:rPr lang="en-US" dirty="0" smtClean="0"/>
-              <a:t>Single()</a:t>
+              <a:t>All()</a:t>
             </a:r>
             <a:endParaRPr lang="en-US" dirty="0"/>
           </a:p>
@@ -4163,35 +4051,147 @@
         </p:nvSpPr>
         <p:spPr/>
         <p:txBody>
-          <a:bodyPr/>
+          <a:bodyPr>
+            <a:normAutofit fontScale="85000" lnSpcReduction="20000"/>
+          </a:bodyPr>
           <a:lstStyle/>
           <a:p>
-            <a:pPr marL="0" indent="0">
-              <a:buNone/>
-            </a:pPr>
+            <a:r>
+              <a:rPr lang="en-US" dirty="0" smtClean="0"/>
+              <a:t>Any()</a:t>
+            </a:r>
+          </a:p>
+          <a:p>
+            <a:pPr lvl="1"/>
+            <a:r>
+              <a:rPr lang="ru-RU" dirty="0" smtClean="0"/>
+              <a:t>Метод </a:t>
+            </a:r>
+            <a:r>
+              <a:rPr lang="en-US" dirty="0" smtClean="0"/>
+              <a:t>Any() </a:t>
+            </a:r>
+            <a:r>
+              <a:rPr lang="ru-RU" dirty="0" smtClean="0"/>
+              <a:t>вызванный без аргументов вернет </a:t>
+            </a:r>
+            <a:r>
+              <a:rPr lang="en-US" dirty="0" smtClean="0"/>
+              <a:t>true </a:t>
+            </a:r>
+            <a:r>
+              <a:rPr lang="ru-RU" dirty="0" smtClean="0"/>
+              <a:t>если последовательность содержит хотя бы один элемент (то есть является не пустой) и </a:t>
+            </a:r>
+            <a:r>
+              <a:rPr lang="en-US" dirty="0" smtClean="0"/>
+              <a:t>false </a:t>
+            </a:r>
+            <a:r>
+              <a:rPr lang="ru-RU" dirty="0" smtClean="0"/>
+              <a:t>в </a:t>
+            </a:r>
+            <a:r>
+              <a:rPr lang="ru-RU" smtClean="0"/>
+              <a:t>противном случае;</a:t>
+            </a:r>
+            <a:endParaRPr lang="en-US" dirty="0" smtClean="0"/>
+          </a:p>
+          <a:p>
+            <a:pPr lvl="1"/>
+            <a:r>
+              <a:rPr lang="ru-RU" dirty="0" smtClean="0"/>
+              <a:t>Метод </a:t>
+            </a:r>
+            <a:r>
+              <a:rPr lang="en-US" dirty="0" smtClean="0"/>
+              <a:t>Any(</a:t>
+            </a:r>
+            <a:r>
+              <a:rPr lang="en-US" dirty="0" err="1"/>
+              <a:t>Func</a:t>
+            </a:r>
             <a:r>
               <a:rPr lang="en-US" dirty="0"/>
-              <a:t>First</a:t>
+              <a:t>&lt;</a:t>
+            </a:r>
+            <a:r>
+              <a:rPr lang="en-US" dirty="0" err="1"/>
+              <a:t>TSource</a:t>
+            </a:r>
+            <a:r>
+              <a:rPr lang="en-US" dirty="0"/>
+              <a:t>, </a:t>
+            </a:r>
+            <a:r>
+              <a:rPr lang="en-US" dirty="0" err="1"/>
+              <a:t>bool</a:t>
+            </a:r>
+            <a:r>
+              <a:rPr lang="en-US" dirty="0"/>
+              <a:t>&gt; predicate</a:t>
             </a:r>
             <a:r>
               <a:rPr lang="en-US" dirty="0" smtClean="0"/>
-              <a:t>()</a:t>
+              <a:t>) </a:t>
             </a:r>
             <a:r>
               <a:rPr lang="ru-RU" dirty="0" smtClean="0"/>
-              <a:t> </a:t>
+              <a:t>вернет </a:t>
             </a:r>
             <a:r>
               <a:rPr lang="en-US" dirty="0" smtClean="0"/>
-              <a:t>/</a:t>
+              <a:t>true </a:t>
             </a:r>
             <a:r>
               <a:rPr lang="ru-RU" dirty="0" smtClean="0"/>
-              <a:t> </a:t>
+              <a:t>если </a:t>
+            </a:r>
+            <a:r>
+              <a:rPr lang="ru-RU" dirty="0"/>
+              <a:t>последовательность содержит хотя бы один </a:t>
+            </a:r>
+            <a:r>
+              <a:rPr lang="ru-RU" dirty="0" smtClean="0"/>
+              <a:t>элемент для которого предикат вернул </a:t>
             </a:r>
             <a:r>
               <a:rPr lang="en-US" dirty="0" smtClean="0"/>
-              <a:t>First(</a:t>
+              <a:t>true </a:t>
+            </a:r>
+            <a:r>
+              <a:rPr lang="ru-RU" dirty="0"/>
+              <a:t>и </a:t>
+            </a:r>
+            <a:r>
+              <a:rPr lang="en-US" dirty="0"/>
+              <a:t>false </a:t>
+            </a:r>
+            <a:r>
+              <a:rPr lang="ru-RU" dirty="0"/>
+              <a:t>в противном </a:t>
+            </a:r>
+            <a:r>
+              <a:rPr lang="ru-RU" dirty="0" smtClean="0"/>
+              <a:t>случае.</a:t>
+            </a:r>
+            <a:endParaRPr lang="en-US" dirty="0" smtClean="0"/>
+          </a:p>
+          <a:p>
+            <a:r>
+              <a:rPr lang="en-US" dirty="0" smtClean="0"/>
+              <a:t>All()</a:t>
+            </a:r>
+          </a:p>
+          <a:p>
+            <a:pPr lvl="1"/>
+            <a:r>
+              <a:rPr lang="ru-RU" dirty="0" smtClean="0"/>
+              <a:t>Метод </a:t>
+            </a:r>
+            <a:r>
+              <a:rPr lang="en-US" dirty="0" smtClean="0"/>
+              <a:t>All(</a:t>
             </a:r>
             <a:r>
               <a:rPr lang="en-US" dirty="0" err="1" smtClean="0"/>
@@ -4207,7 +4207,7 @@
             </a:r>
             <a:r>
               <a:rPr lang="en-US" dirty="0"/>
-              <a:t>, </a:t>
+              <a:t>, </a:t>
             </a:r>
             <a:r>
               <a:rPr lang="en-US" dirty="0" err="1"/>
@@ -4215,180 +4215,48 @@
             </a:r>
             <a:r>
               <a:rPr lang="en-US" dirty="0"/>
-              <a:t>&gt;)</a:t>
-            </a:r>
-          </a:p>
-          <a:p>
-            <a:pPr marL="0" indent="0">
-              <a:buNone/>
-            </a:pPr>
-            <a:r>
-              <a:rPr lang="en-US" dirty="0" err="1"/>
-              <a:t>FirstOrDefault</a:t>
-            </a:r>
-            <a:r>
-              <a:rPr lang="en-US" dirty="0" smtClean="0"/>
-              <a:t>()</a:t>
+              <a:t>&gt; predicate) </a:t>
+            </a:r>
+            <a:r>
+              <a:rPr lang="ru-RU" dirty="0"/>
+              <a:t>вернет </a:t>
+            </a:r>
+            <a:r>
+              <a:rPr lang="en-US" dirty="0"/>
+              <a:t>true </a:t>
+            </a:r>
+            <a:r>
+              <a:rPr lang="ru-RU" dirty="0"/>
+              <a:t>если </a:t>
             </a:r>
             <a:r>
               <a:rPr lang="ru-RU" dirty="0" smtClean="0"/>
-              <a:t> </a:t>
-            </a:r>
-            <a:r>
-              <a:rPr lang="en-US" dirty="0" smtClean="0"/>
-              <a:t>/</a:t>
+              <a:t>для всех элементов последовательности предикат </a:t>
+            </a:r>
+            <a:r>
+              <a:rPr lang="ru-RU" dirty="0"/>
+              <a:t>вернул </a:t>
+            </a:r>
+            <a:r>
+              <a:rPr lang="en-US" dirty="0"/>
+              <a:t>true </a:t>
+            </a:r>
+            <a:r>
+              <a:rPr lang="ru-RU" dirty="0"/>
+              <a:t>и </a:t>
+            </a:r>
+            <a:r>
+              <a:rPr lang="en-US" dirty="0"/>
+              <a:t>false </a:t>
+            </a:r>
+            <a:r>
+              <a:rPr lang="ru-RU" dirty="0"/>
+              <a:t>в противном </a:t>
             </a:r>
             <a:r>
               <a:rPr lang="ru-RU" dirty="0" smtClean="0"/>
-              <a:t> </a:t>
-            </a:r>
-            <a:r>
-              <a:rPr lang="en-US" dirty="0" err="1" smtClean="0"/>
-              <a:t>FirstOrDefault</a:t>
-            </a:r>
-            <a:r>
-              <a:rPr lang="en-US" dirty="0" smtClean="0"/>
-              <a:t>(</a:t>
-            </a:r>
-            <a:r>
-              <a:rPr lang="en-US" dirty="0" err="1" smtClean="0"/>
-              <a:t>Func</a:t>
-            </a:r>
-            <a:r>
-              <a:rPr lang="en-US" dirty="0" smtClean="0"/>
-              <a:t>&lt;</a:t>
-            </a:r>
-            <a:r>
-              <a:rPr lang="en-US" dirty="0" err="1" smtClean="0"/>
-              <a:t>TSource</a:t>
-            </a:r>
-            <a:r>
-              <a:rPr lang="en-US" dirty="0"/>
-              <a:t>, </a:t>
-            </a:r>
-            <a:r>
-              <a:rPr lang="en-US" dirty="0" err="1"/>
-              <a:t>bool</a:t>
-            </a:r>
-            <a:r>
-              <a:rPr lang="en-US" dirty="0"/>
-              <a:t>&gt;)</a:t>
-            </a:r>
-          </a:p>
-          <a:p>
-            <a:pPr marL="0" indent="0">
-              <a:buNone/>
-            </a:pPr>
-            <a:r>
-              <a:rPr lang="en-US" dirty="0"/>
-              <a:t>Single</a:t>
-            </a:r>
-            <a:r>
-              <a:rPr lang="en-US" dirty="0" smtClean="0"/>
-              <a:t>()</a:t>
-            </a:r>
-            <a:r>
-              <a:rPr lang="ru-RU" dirty="0" smtClean="0"/>
-              <a:t> </a:t>
-            </a:r>
-            <a:r>
-              <a:rPr lang="en-US" dirty="0" smtClean="0"/>
-              <a:t>/</a:t>
-            </a:r>
-            <a:r>
-              <a:rPr lang="ru-RU" dirty="0" smtClean="0"/>
-              <a:t> </a:t>
-            </a:r>
-            <a:r>
-              <a:rPr lang="en-US" dirty="0" smtClean="0"/>
-              <a:t>Single(</a:t>
-            </a:r>
-            <a:r>
-              <a:rPr lang="en-US" dirty="0" err="1" smtClean="0"/>
-              <a:t>Func</a:t>
-            </a:r>
-            <a:r>
-              <a:rPr lang="en-US" dirty="0" smtClean="0"/>
-              <a:t>&lt;</a:t>
-            </a:r>
-            <a:r>
-              <a:rPr lang="en-US" dirty="0" err="1" smtClean="0"/>
-              <a:t>TSource</a:t>
-            </a:r>
-            <a:r>
-              <a:rPr lang="en-US" dirty="0"/>
-              <a:t>, </a:t>
-            </a:r>
-            <a:r>
-              <a:rPr lang="en-US" dirty="0" err="1"/>
-              <a:t>bool</a:t>
-            </a:r>
-            <a:r>
-              <a:rPr lang="en-US" dirty="0"/>
-              <a:t>&gt;)</a:t>
-            </a:r>
-          </a:p>
-          <a:p>
-            <a:pPr marL="0" indent="0">
-              <a:buNone/>
-            </a:pPr>
-            <a:r>
-              <a:rPr lang="en-US" dirty="0" err="1"/>
-              <a:t>SingleOrDefault</a:t>
-            </a:r>
-            <a:r>
-              <a:rPr lang="en-US" dirty="0" smtClean="0"/>
-              <a:t>()</a:t>
-            </a:r>
-            <a:r>
-              <a:rPr lang="ru-RU" dirty="0" smtClean="0"/>
-              <a:t> </a:t>
-            </a:r>
-            <a:r>
-              <a:rPr lang="en-US" dirty="0" smtClean="0"/>
-              <a:t>/</a:t>
-            </a:r>
-            <a:r>
-              <a:rPr lang="ru-RU" dirty="0" smtClean="0"/>
-              <a:t> </a:t>
-            </a:r>
-            <a:r>
-              <a:rPr lang="en-US" dirty="0" err="1" smtClean="0"/>
-              <a:t>SingleOrDefault</a:t>
-            </a:r>
-            <a:r>
-              <a:rPr lang="en-US" dirty="0" smtClean="0"/>
-              <a:t>(</a:t>
-            </a:r>
-            <a:r>
-              <a:rPr lang="en-US" dirty="0" err="1" smtClean="0"/>
-              <a:t>Func</a:t>
-            </a:r>
-            <a:r>
-              <a:rPr lang="en-US" dirty="0" smtClean="0"/>
-              <a:t>&lt;</a:t>
-            </a:r>
-            <a:r>
-              <a:rPr lang="en-US" dirty="0" err="1" smtClean="0"/>
-              <a:t>TSource</a:t>
-            </a:r>
-            <a:r>
-              <a:rPr lang="en-US" dirty="0"/>
-              <a:t>, </a:t>
-            </a:r>
-            <a:r>
-              <a:rPr lang="en-US" dirty="0" err="1"/>
-              <a:t>bool</a:t>
-            </a:r>
-            <a:r>
-              <a:rPr lang="en-US" dirty="0"/>
-              <a:t>&gt;)</a:t>
-            </a:r>
-          </a:p>
-          <a:p>
-            <a:pPr marL="0" indent="0">
-              <a:buNone/>
-            </a:pPr>
+              <a:t>случае.</a:t>
+            </a:r>
             <a:endParaRPr lang="en-US" dirty="0"/>
           </a:p>
         </p:txBody>
@@ -4396,7 +4264,7 @@
     </p:spTree>
     <p:extLst>
       <p:ext uri="{BB962C8B-B14F-4D97-AF65-F5344CB8AC3E}">
-        <p14:creationId xmlns:p14="http://schemas.microsoft.com/office/powerpoint/2010/main" val="1166576302"/>
+        <p14:creationId xmlns:p14="http://schemas.microsoft.com/office/powerpoint/2010/main" val="1695211947"/>
       </p:ext>
     </p:extLst>
   </p:cSld>
@@ -4440,19 +4308,554 @@
           <a:p>
             <a:r>
               <a:rPr lang="en-US" dirty="0" smtClean="0"/>
+              <a:t>Enumerable: First() </a:t>
+            </a:r>
+            <a:r>
+              <a:rPr lang="ru-RU" dirty="0" smtClean="0"/>
+              <a:t>и </a:t>
+            </a:r>
+            <a:r>
+              <a:rPr lang="en-US" dirty="0" smtClean="0"/>
+              <a:t>Last()</a:t>
+            </a:r>
+            <a:endParaRPr lang="en-US" dirty="0"/>
+          </a:p>
+        </p:txBody>
+      </p:sp>
+      <p:sp>
+        <p:nvSpPr>
+          <p:cNvPr id="3" name="Content Placeholder 2"/>
+          <p:cNvSpPr>
+            <a:spLocks noGrp="1"/>
+          </p:cNvSpPr>
+          <p:nvPr>
+            <p:ph idx="1"/>
+          </p:nvPr>
+        </p:nvSpPr>
+        <p:spPr/>
+        <p:txBody>
+          <a:bodyPr>
+            <a:normAutofit fontScale="92500" lnSpcReduction="10000"/>
+          </a:bodyPr>
+          <a:lstStyle/>
+          <a:p>
+            <a:pPr marL="0" indent="0">
+              <a:buNone/>
+            </a:pPr>
+            <a:r>
+              <a:rPr lang="ru-RU" dirty="0" smtClean="0"/>
+              <a:t>Возвращают первый или последний элемент</a:t>
+            </a:r>
+            <a:r>
+              <a:rPr lang="ru-RU" dirty="0" smtClean="0"/>
+              <a:t>.</a:t>
+            </a:r>
+            <a:r>
+              <a:rPr lang="en-US" dirty="0" smtClean="0"/>
+              <a:t> </a:t>
+            </a:r>
+            <a:r>
+              <a:rPr lang="ru-RU" dirty="0" smtClean="0"/>
+              <a:t>Если последовательность пустая, то генерируется исключение.</a:t>
+            </a:r>
+          </a:p>
+          <a:p>
+            <a:pPr marL="0" indent="0">
+              <a:buNone/>
+            </a:pPr>
+            <a:endParaRPr lang="ru-RU" dirty="0"/>
+          </a:p>
+          <a:p>
+            <a:pPr marL="0" indent="0">
+              <a:buNone/>
+            </a:pPr>
+            <a:r>
+              <a:rPr lang="ru-RU" dirty="0" smtClean="0"/>
+              <a:t>Если мы ожидаем, что последовательность может быть пустой, то можно использовать методы </a:t>
+            </a:r>
+            <a:r>
+              <a:rPr lang="en-US" dirty="0" err="1" smtClean="0"/>
+              <a:t>FirstOrDefault</a:t>
+            </a:r>
+            <a:r>
+              <a:rPr lang="en-US" dirty="0" smtClean="0"/>
+              <a:t>()/</a:t>
+            </a:r>
+            <a:r>
+              <a:rPr lang="en-US" dirty="0" err="1" smtClean="0"/>
+              <a:t>Last</a:t>
+            </a:r>
+            <a:r>
+              <a:rPr lang="en-US" dirty="0" err="1"/>
+              <a:t>O</a:t>
+            </a:r>
+            <a:r>
+              <a:rPr lang="en-US" dirty="0" err="1" smtClean="0"/>
+              <a:t>rDefault</a:t>
+            </a:r>
+            <a:r>
+              <a:rPr lang="en-US" dirty="0" smtClean="0"/>
+              <a:t>(). </a:t>
+            </a:r>
+            <a:r>
+              <a:rPr lang="ru-RU" dirty="0" smtClean="0"/>
+              <a:t>Они вернут первый элемент или значение по умолчанию</a:t>
+            </a:r>
+            <a:r>
+              <a:rPr lang="en-US" dirty="0" smtClean="0"/>
+              <a:t>: null </a:t>
+            </a:r>
+            <a:r>
+              <a:rPr lang="ru-RU" dirty="0" smtClean="0"/>
+              <a:t>для ссылочных типов, 0 для </a:t>
+            </a:r>
+            <a:r>
+              <a:rPr lang="en-US" dirty="0" smtClean="0"/>
+              <a:t>value </a:t>
+            </a:r>
+            <a:r>
+              <a:rPr lang="ru-RU" dirty="0" smtClean="0"/>
+              <a:t>типов.</a:t>
+            </a:r>
+            <a:endParaRPr lang="en-US" dirty="0"/>
+          </a:p>
+          <a:p>
+            <a:pPr marL="0" indent="0">
+              <a:buNone/>
+            </a:pPr>
+            <a:endParaRPr lang="en-US" dirty="0"/>
+          </a:p>
+        </p:txBody>
+      </p:sp>
+    </p:spTree>
+    <p:extLst>
+      <p:ext uri="{BB962C8B-B14F-4D97-AF65-F5344CB8AC3E}">
+        <p14:creationId xmlns:p14="http://schemas.microsoft.com/office/powerpoint/2010/main" val="821585920"/>
+      </p:ext>
+    </p:extLst>
+  </p:cSld>
+  <p:clrMapOvr>
+    <a:masterClrMapping/>
+  </p:clrMapOvr>
+</p:sld>
+</file>
+
+<file path=ppt/slides/slide16.xml><?xml version="1.0" encoding="utf-8"?>
+<p:sld xmlns:a="http://schemas.openxmlformats.org/drawingml/2006/main" xmlns:r="http://schemas.openxmlformats.org/officeDocument/2006/relationships" xmlns:p="http://schemas.openxmlformats.org/presentationml/2006/main">
+  <p:cSld>
+    <p:spTree>
+      <p:nvGrpSpPr>
+        <p:cNvPr id="1" name=""/>
+        <p:cNvGrpSpPr/>
+        <p:nvPr/>
+      </p:nvGrpSpPr>
+      <p:grpSpPr>
+        <a:xfrm>
+          <a:off x="0" y="0"/>
+          <a:ext cx="0" cy="0"/>
+          <a:chOff x="0" y="0"/>
+          <a:chExt cx="0" cy="0"/>
+        </a:xfrm>
+      </p:grpSpPr>
+      <p:sp>
+        <p:nvSpPr>
+          <p:cNvPr id="2" name="Title 1"/>
+          <p:cNvSpPr>
+            <a:spLocks noGrp="1"/>
+          </p:cNvSpPr>
+          <p:nvPr>
+            <p:ph type="title"/>
+          </p:nvPr>
+        </p:nvSpPr>
+        <p:spPr/>
+        <p:txBody>
+          <a:bodyPr/>
+          <a:lstStyle/>
+          <a:p>
+            <a:r>
+              <a:rPr lang="en-US" dirty="0" smtClean="0"/>
+              <a:t>Enumerable: Single()</a:t>
+            </a:r>
+            <a:endParaRPr lang="en-US" dirty="0"/>
+          </a:p>
+        </p:txBody>
+      </p:sp>
+      <p:sp>
+        <p:nvSpPr>
+          <p:cNvPr id="3" name="Content Placeholder 2"/>
+          <p:cNvSpPr>
+            <a:spLocks noGrp="1"/>
+          </p:cNvSpPr>
+          <p:nvPr>
+            <p:ph idx="1"/>
+          </p:nvPr>
+        </p:nvSpPr>
+        <p:spPr/>
+        <p:txBody>
+          <a:bodyPr>
+            <a:normAutofit lnSpcReduction="10000"/>
+          </a:bodyPr>
+          <a:lstStyle/>
+          <a:p>
+            <a:pPr marL="0" indent="0">
+              <a:buNone/>
+            </a:pPr>
+            <a:r>
+              <a:rPr lang="ru-RU" dirty="0" smtClean="0"/>
+              <a:t>Метод</a:t>
+            </a:r>
+            <a:r>
+              <a:rPr lang="ru-RU" dirty="0" smtClean="0"/>
+              <a:t> </a:t>
+            </a:r>
+            <a:r>
+              <a:rPr lang="en-US" dirty="0" smtClean="0"/>
+              <a:t>Singe() </a:t>
+            </a:r>
+            <a:r>
+              <a:rPr lang="ru-RU" dirty="0" smtClean="0"/>
+              <a:t>возвращает первый элемент из последовательности состоящей из одного элемента. Если в последовательности больше одного элемента или она пустая, то генерируется исключение.</a:t>
+            </a:r>
+          </a:p>
+          <a:p>
+            <a:pPr marL="0" indent="0">
+              <a:buNone/>
+            </a:pPr>
+            <a:endParaRPr lang="ru-RU" dirty="0"/>
+          </a:p>
+          <a:p>
+            <a:pPr marL="0" indent="0">
+              <a:buNone/>
+            </a:pPr>
+            <a:r>
+              <a:rPr lang="ru-RU" dirty="0"/>
+              <a:t>Если мы ожидаем, что последовательность может быть пустой, то можно использовать </a:t>
+            </a:r>
+            <a:r>
+              <a:rPr lang="ru-RU" dirty="0" smtClean="0"/>
+              <a:t>метод</a:t>
+            </a:r>
+            <a:r>
+              <a:rPr lang="en-US" dirty="0" smtClean="0"/>
+              <a:t> </a:t>
+            </a:r>
+            <a:r>
+              <a:rPr lang="en-US" dirty="0" err="1" smtClean="0"/>
+              <a:t>SingleOrDefault</a:t>
+            </a:r>
+            <a:r>
+              <a:rPr lang="en-US" dirty="0" smtClean="0"/>
+              <a:t>().</a:t>
+            </a:r>
+            <a:endParaRPr lang="en-US" dirty="0"/>
+          </a:p>
+        </p:txBody>
+      </p:sp>
+    </p:spTree>
+    <p:extLst>
+      <p:ext uri="{BB962C8B-B14F-4D97-AF65-F5344CB8AC3E}">
+        <p14:creationId xmlns:p14="http://schemas.microsoft.com/office/powerpoint/2010/main" val="1166576302"/>
+      </p:ext>
+    </p:extLst>
+  </p:cSld>
+  <p:clrMapOvr>
+    <a:masterClrMapping/>
+  </p:clrMapOvr>
+</p:sld>
+</file>
+
+<file path=ppt/slides/slide17.xml><?xml version="1.0" encoding="utf-8"?>
+<p:sld xmlns:a="http://schemas.openxmlformats.org/drawingml/2006/main" xmlns:r="http://schemas.openxmlformats.org/officeDocument/2006/relationships" xmlns:p="http://schemas.openxmlformats.org/presentationml/2006/main">
+  <p:cSld>
+    <p:spTree>
+      <p:nvGrpSpPr>
+        <p:cNvPr id="1" name=""/>
+        <p:cNvGrpSpPr/>
+        <p:nvPr/>
+      </p:nvGrpSpPr>
+      <p:grpSpPr>
+        <a:xfrm>
+          <a:off x="0" y="0"/>
+          <a:ext cx="0" cy="0"/>
+          <a:chOff x="0" y="0"/>
+          <a:chExt cx="0" cy="0"/>
+        </a:xfrm>
+      </p:grpSpPr>
+      <p:sp>
+        <p:nvSpPr>
+          <p:cNvPr id="2" name="Title 1"/>
+          <p:cNvSpPr>
+            <a:spLocks noGrp="1"/>
+          </p:cNvSpPr>
+          <p:nvPr>
+            <p:ph type="title"/>
+          </p:nvPr>
+        </p:nvSpPr>
+        <p:spPr/>
+        <p:txBody>
+          <a:bodyPr/>
+          <a:lstStyle/>
+          <a:p>
+            <a:r>
+              <a:rPr lang="en-US" dirty="0" smtClean="0"/>
               <a:t>Enumerable. </a:t>
             </a:r>
             <a:r>
-              <a:rPr lang="en-US" dirty="0" err="1" smtClean="0"/>
-              <a:t>ToXXX</a:t>
-            </a:r>
+              <a:rPr lang="ru-RU" dirty="0" smtClean="0"/>
+              <a:t>Математика</a:t>
+            </a:r>
+            <a:endParaRPr lang="en-US" dirty="0"/>
+          </a:p>
+        </p:txBody>
+      </p:sp>
+      <p:sp>
+        <p:nvSpPr>
+          <p:cNvPr id="3" name="Content Placeholder 2"/>
+          <p:cNvSpPr>
+            <a:spLocks noGrp="1"/>
+          </p:cNvSpPr>
+          <p:nvPr>
+            <p:ph idx="1"/>
+          </p:nvPr>
+        </p:nvSpPr>
+        <p:spPr/>
+        <p:txBody>
+          <a:bodyPr/>
+          <a:lstStyle/>
+          <a:p>
             <a:r>
               <a:rPr lang="en-US" dirty="0" smtClean="0"/>
-              <a:t>() </a:t>
+              <a:t>Min</a:t>
             </a:r>
             <a:r>
               <a:rPr lang="ru-RU" dirty="0" smtClean="0"/>
-              <a:t>методы</a:t>
+              <a:t>()</a:t>
+            </a:r>
+            <a:r>
+              <a:rPr lang="en-US" dirty="0" smtClean="0"/>
+              <a:t> – </a:t>
+            </a:r>
+            <a:r>
+              <a:rPr lang="ru-RU" dirty="0" smtClean="0"/>
+              <a:t>минимальное значение</a:t>
+            </a:r>
+            <a:endParaRPr lang="ru-RU" dirty="0" smtClean="0"/>
+          </a:p>
+          <a:p>
+            <a:r>
+              <a:rPr lang="en-US" dirty="0" smtClean="0"/>
+              <a:t>Max</a:t>
+            </a:r>
+            <a:r>
+              <a:rPr lang="ru-RU" dirty="0" smtClean="0"/>
+              <a:t>() – максимальное значение</a:t>
+            </a:r>
+            <a:endParaRPr lang="ru-RU" dirty="0" smtClean="0"/>
+          </a:p>
+          <a:p>
+            <a:r>
+              <a:rPr lang="en-US" dirty="0" smtClean="0"/>
+              <a:t>Average</a:t>
+            </a:r>
+            <a:r>
+              <a:rPr lang="ru-RU" dirty="0" smtClean="0"/>
+              <a:t>() – среднее значение</a:t>
+            </a:r>
+            <a:endParaRPr lang="ru-RU" dirty="0" smtClean="0"/>
+          </a:p>
+          <a:p>
+            <a:r>
+              <a:rPr lang="en-US" dirty="0" smtClean="0"/>
+              <a:t>Sum</a:t>
+            </a:r>
+            <a:r>
+              <a:rPr lang="ru-RU" dirty="0" smtClean="0"/>
+              <a:t>() – сумма значений</a:t>
+            </a:r>
+            <a:endParaRPr lang="en-US" dirty="0"/>
+          </a:p>
+        </p:txBody>
+      </p:sp>
+    </p:spTree>
+    <p:extLst>
+      <p:ext uri="{BB962C8B-B14F-4D97-AF65-F5344CB8AC3E}">
+        <p14:creationId xmlns:p14="http://schemas.microsoft.com/office/powerpoint/2010/main" val="384543663"/>
+      </p:ext>
+    </p:extLst>
+  </p:cSld>
+  <p:clrMapOvr>
+    <a:masterClrMapping/>
+  </p:clrMapOvr>
+</p:sld>
+</file>
+
+<file path=ppt/slides/slide18.xml><?xml version="1.0" encoding="utf-8"?>
+<p:sld xmlns:a="http://schemas.openxmlformats.org/drawingml/2006/main" xmlns:r="http://schemas.openxmlformats.org/officeDocument/2006/relationships" xmlns:p="http://schemas.openxmlformats.org/presentationml/2006/main">
+  <p:cSld>
+    <p:spTree>
+      <p:nvGrpSpPr>
+        <p:cNvPr id="1" name=""/>
+        <p:cNvGrpSpPr/>
+        <p:nvPr/>
+      </p:nvGrpSpPr>
+      <p:grpSpPr>
+        <a:xfrm>
+          <a:off x="0" y="0"/>
+          <a:ext cx="0" cy="0"/>
+          <a:chOff x="0" y="0"/>
+          <a:chExt cx="0" cy="0"/>
+        </a:xfrm>
+      </p:grpSpPr>
+      <p:sp>
+        <p:nvSpPr>
+          <p:cNvPr id="2" name="Title 1"/>
+          <p:cNvSpPr>
+            <a:spLocks noGrp="1"/>
+          </p:cNvSpPr>
+          <p:nvPr>
+            <p:ph type="title"/>
+          </p:nvPr>
+        </p:nvSpPr>
+        <p:spPr/>
+        <p:txBody>
+          <a:bodyPr/>
+          <a:lstStyle/>
+          <a:p>
+            <a:r>
+              <a:rPr lang="en-US" dirty="0" smtClean="0"/>
+              <a:t>Enumerable. </a:t>
+            </a:r>
+            <a:r>
+              <a:rPr lang="ru-RU" dirty="0" smtClean="0"/>
+              <a:t>Множества</a:t>
+            </a:r>
+            <a:endParaRPr lang="en-US" dirty="0"/>
+          </a:p>
+        </p:txBody>
+      </p:sp>
+      <p:sp>
+        <p:nvSpPr>
+          <p:cNvPr id="3" name="Content Placeholder 2"/>
+          <p:cNvSpPr>
+            <a:spLocks noGrp="1"/>
+          </p:cNvSpPr>
+          <p:nvPr>
+            <p:ph idx="1"/>
+          </p:nvPr>
+        </p:nvSpPr>
+        <p:spPr/>
+        <p:txBody>
+          <a:bodyPr/>
+          <a:lstStyle/>
+          <a:p>
+            <a:r>
+              <a:rPr lang="en-US" dirty="0"/>
+              <a:t>Except()</a:t>
+            </a:r>
+          </a:p>
+          <a:p>
+            <a:r>
+              <a:rPr lang="en-US" dirty="0"/>
+              <a:t>Intersect()</a:t>
+            </a:r>
+          </a:p>
+          <a:p>
+            <a:r>
+              <a:rPr lang="en-US" dirty="0"/>
+              <a:t>Union</a:t>
+            </a:r>
+            <a:r>
+              <a:rPr lang="en-US" dirty="0" smtClean="0"/>
+              <a:t>()</a:t>
+            </a:r>
+            <a:endParaRPr lang="ru-RU" dirty="0" smtClean="0"/>
+          </a:p>
+          <a:p>
+            <a:r>
+              <a:rPr lang="en-US" dirty="0"/>
+              <a:t>Skip()/</a:t>
+            </a:r>
+            <a:r>
+              <a:rPr lang="en-US" dirty="0" err="1"/>
+              <a:t>SkipWhile</a:t>
+            </a:r>
+            <a:endParaRPr lang="en-US" dirty="0"/>
+          </a:p>
+          <a:p>
+            <a:r>
+              <a:rPr lang="en-US" dirty="0"/>
+              <a:t>Take()/</a:t>
+            </a:r>
+            <a:r>
+              <a:rPr lang="en-US" dirty="0" err="1"/>
+              <a:t>TakeWhile</a:t>
+            </a:r>
+            <a:r>
+              <a:rPr lang="en-US" dirty="0" smtClean="0"/>
+              <a:t>()</a:t>
+            </a:r>
+          </a:p>
+          <a:p>
+            <a:r>
+              <a:rPr lang="en-US" dirty="0" smtClean="0"/>
+              <a:t>Contains()</a:t>
+            </a:r>
+            <a:endParaRPr lang="en-US" dirty="0"/>
+          </a:p>
+        </p:txBody>
+      </p:sp>
+    </p:spTree>
+    <p:extLst>
+      <p:ext uri="{BB962C8B-B14F-4D97-AF65-F5344CB8AC3E}">
+        <p14:creationId xmlns:p14="http://schemas.microsoft.com/office/powerpoint/2010/main" val="1447848696"/>
+      </p:ext>
+    </p:extLst>
+  </p:cSld>
+  <p:clrMapOvr>
+    <a:masterClrMapping/>
+  </p:clrMapOvr>
+</p:sld>
+</file>
+
+<file path=ppt/slides/slide19.xml><?xml version="1.0" encoding="utf-8"?>
+<p:sld xmlns:a="http://schemas.openxmlformats.org/drawingml/2006/main" xmlns:r="http://schemas.openxmlformats.org/officeDocument/2006/relationships" xmlns:p="http://schemas.openxmlformats.org/presentationml/2006/main">
+  <p:cSld>
+    <p:spTree>
+      <p:nvGrpSpPr>
+        <p:cNvPr id="1" name=""/>
+        <p:cNvGrpSpPr/>
+        <p:nvPr/>
+      </p:nvGrpSpPr>
+      <p:grpSpPr>
+        <a:xfrm>
+          <a:off x="0" y="0"/>
+          <a:ext cx="0" cy="0"/>
+          <a:chOff x="0" y="0"/>
+          <a:chExt cx="0" cy="0"/>
+        </a:xfrm>
+      </p:grpSpPr>
+      <p:sp>
+        <p:nvSpPr>
+          <p:cNvPr id="2" name="Title 1"/>
+          <p:cNvSpPr>
+            <a:spLocks noGrp="1"/>
+          </p:cNvSpPr>
+          <p:nvPr>
+            <p:ph type="title"/>
+          </p:nvPr>
+        </p:nvSpPr>
+        <p:spPr/>
+        <p:txBody>
+          <a:bodyPr/>
+          <a:lstStyle/>
+          <a:p>
+            <a:r>
+              <a:rPr lang="en-US" dirty="0" smtClean="0"/>
+              <a:t>Enumerable. </a:t>
+            </a:r>
+            <a:r>
+              <a:rPr lang="ru-RU" dirty="0" smtClean="0"/>
+              <a:t>Другие методы</a:t>
             </a:r>
             <a:endParaRPr lang="en-US" dirty="0"/>
           </a:p>
@@ -4476,6 +4879,223 @@
           <a:lstStyle/>
           <a:p>
             <a:r>
+              <a:rPr lang="en-US" dirty="0" smtClean="0"/>
+              <a:t>Cast&lt;T&gt;()</a:t>
+            </a:r>
+            <a:endParaRPr lang="en-US" dirty="0"/>
+          </a:p>
+          <a:p>
+            <a:r>
+              <a:rPr lang="en-US" dirty="0" err="1" smtClean="0"/>
+              <a:t>OfType</a:t>
+            </a:r>
+            <a:r>
+              <a:rPr lang="en-US" dirty="0" smtClean="0"/>
+              <a:t>&lt;T</a:t>
+            </a:r>
+            <a:r>
+              <a:rPr lang="en-US" dirty="0" smtClean="0"/>
+              <a:t>&gt;()</a:t>
+            </a:r>
+            <a:endParaRPr lang="ru-RU" dirty="0" smtClean="0"/>
+          </a:p>
+          <a:p>
+            <a:r>
+              <a:rPr lang="en-US" dirty="0" smtClean="0"/>
+              <a:t>Count()</a:t>
+            </a:r>
+            <a:endParaRPr lang="ru-RU" dirty="0" smtClean="0"/>
+          </a:p>
+          <a:p>
+            <a:r>
+              <a:rPr lang="en-US" dirty="0" err="1" smtClean="0"/>
+              <a:t>ElementAt</a:t>
+            </a:r>
+            <a:r>
+              <a:rPr lang="en-US" dirty="0"/>
+              <a:t>()</a:t>
+            </a:r>
+          </a:p>
+          <a:p>
+            <a:pPr marL="0" indent="0">
+              <a:buNone/>
+            </a:pPr>
+            <a:endParaRPr lang="en-US" dirty="0"/>
+          </a:p>
+          <a:p>
+            <a:pPr marL="0" indent="0">
+              <a:buNone/>
+            </a:pPr>
+            <a:endParaRPr lang="en-US" dirty="0"/>
+          </a:p>
+        </p:txBody>
+      </p:sp>
+    </p:spTree>
+    <p:extLst>
+      <p:ext uri="{BB962C8B-B14F-4D97-AF65-F5344CB8AC3E}">
+        <p14:creationId xmlns:p14="http://schemas.microsoft.com/office/powerpoint/2010/main" val="2856452905"/>
+      </p:ext>
+    </p:extLst>
+  </p:cSld>
+  <p:clrMapOvr>
+    <a:masterClrMapping/>
+  </p:clrMapOvr>
+</p:sld>
+</file>
+
+<file path=ppt/slides/slide2.xml><?xml version="1.0" encoding="utf-8"?>
+<p:sld xmlns:a="http://schemas.openxmlformats.org/drawingml/2006/main" xmlns:r="http://schemas.openxmlformats.org/officeDocument/2006/relationships" xmlns:p="http://schemas.openxmlformats.org/presentationml/2006/main">
+  <p:cSld>
+    <p:spTree>
+      <p:nvGrpSpPr>
+        <p:cNvPr id="1" name=""/>
+        <p:cNvGrpSpPr/>
+        <p:nvPr/>
+      </p:nvGrpSpPr>
+      <p:grpSpPr>
+        <a:xfrm>
+          <a:off x="0" y="0"/>
+          <a:ext cx="0" cy="0"/>
+          <a:chOff x="0" y="0"/>
+          <a:chExt cx="0" cy="0"/>
+        </a:xfrm>
+      </p:grpSpPr>
+      <p:sp>
+        <p:nvSpPr>
+          <p:cNvPr id="2" name="Title 1"/>
+          <p:cNvSpPr>
+            <a:spLocks noGrp="1"/>
+          </p:cNvSpPr>
+          <p:nvPr>
+            <p:ph type="title"/>
+          </p:nvPr>
+        </p:nvSpPr>
+        <p:spPr/>
+        <p:txBody>
+          <a:bodyPr/>
+          <a:lstStyle/>
+          <a:p>
+            <a:r>
+              <a:rPr lang="ru-RU" dirty="0" smtClean="0"/>
+              <a:t>Литература</a:t>
+            </a:r>
+            <a:endParaRPr lang="en-US" dirty="0"/>
+          </a:p>
+        </p:txBody>
+      </p:sp>
+      <p:sp>
+        <p:nvSpPr>
+          <p:cNvPr id="3" name="Content Placeholder 2"/>
+          <p:cNvSpPr>
+            <a:spLocks noGrp="1"/>
+          </p:cNvSpPr>
+          <p:nvPr>
+            <p:ph idx="1"/>
+          </p:nvPr>
+        </p:nvSpPr>
+        <p:spPr/>
+        <p:txBody>
+          <a:bodyPr/>
+          <a:lstStyle/>
+          <a:p>
+            <a:r>
+              <a:rPr lang="en-US" dirty="0" smtClean="0"/>
+              <a:t>LINQ in C# 2010</a:t>
+            </a:r>
+            <a:endParaRPr lang="en-US" dirty="0"/>
+          </a:p>
+        </p:txBody>
+      </p:sp>
+    </p:spTree>
+    <p:extLst>
+      <p:ext uri="{BB962C8B-B14F-4D97-AF65-F5344CB8AC3E}">
+        <p14:creationId xmlns:p14="http://schemas.microsoft.com/office/powerpoint/2010/main" val="4100190931"/>
+      </p:ext>
+    </p:extLst>
+  </p:cSld>
+  <p:clrMapOvr>
+    <a:masterClrMapping/>
+  </p:clrMapOvr>
+  <p:timing>
+    <p:tnLst>
+      <p:par>
+        <p:cTn id="1" dur="indefinite" restart="never" nodeType="tmRoot"/>
+      </p:par>
+    </p:tnLst>
+  </p:timing>
+</p:sld>
+</file>
+
+<file path=ppt/slides/slide20.xml><?xml version="1.0" encoding="utf-8"?>
+<p:sld xmlns:a="http://schemas.openxmlformats.org/drawingml/2006/main" xmlns:r="http://schemas.openxmlformats.org/officeDocument/2006/relationships" xmlns:p="http://schemas.openxmlformats.org/presentationml/2006/main">
+  <p:cSld>
+    <p:spTree>
+      <p:nvGrpSpPr>
+        <p:cNvPr id="1" name=""/>
+        <p:cNvGrpSpPr/>
+        <p:nvPr/>
+      </p:nvGrpSpPr>
+      <p:grpSpPr>
+        <a:xfrm>
+          <a:off x="0" y="0"/>
+          <a:ext cx="0" cy="0"/>
+          <a:chOff x="0" y="0"/>
+          <a:chExt cx="0" cy="0"/>
+        </a:xfrm>
+      </p:grpSpPr>
+      <p:sp>
+        <p:nvSpPr>
+          <p:cNvPr id="2" name="Title 1"/>
+          <p:cNvSpPr>
+            <a:spLocks noGrp="1"/>
+          </p:cNvSpPr>
+          <p:nvPr>
+            <p:ph type="title"/>
+          </p:nvPr>
+        </p:nvSpPr>
+        <p:spPr/>
+        <p:txBody>
+          <a:bodyPr/>
+          <a:lstStyle/>
+          <a:p>
+            <a:r>
+              <a:rPr lang="en-US" dirty="0" smtClean="0"/>
+              <a:t>Enumerable. </a:t>
+            </a:r>
+            <a:r>
+              <a:rPr lang="en-US" dirty="0" err="1" smtClean="0"/>
+              <a:t>ToXXX</a:t>
+            </a:r>
+            <a:r>
+              <a:rPr lang="en-US" dirty="0" smtClean="0"/>
+              <a:t>() </a:t>
+            </a:r>
+            <a:r>
+              <a:rPr lang="ru-RU" dirty="0" smtClean="0"/>
+              <a:t>методы</a:t>
+            </a:r>
+            <a:endParaRPr lang="en-US" dirty="0"/>
+          </a:p>
+        </p:txBody>
+      </p:sp>
+      <p:sp>
+        <p:nvSpPr>
+          <p:cNvPr id="3" name="Content Placeholder 2"/>
+          <p:cNvSpPr>
+            <a:spLocks noGrp="1"/>
+          </p:cNvSpPr>
+          <p:nvPr>
+            <p:ph idx="1"/>
+          </p:nvPr>
+        </p:nvSpPr>
+        <p:spPr/>
+        <p:txBody>
+          <a:bodyPr>
+            <a:normAutofit/>
+          </a:bodyPr>
+          <a:lstStyle/>
+          <a:p>
+            <a:r>
               <a:rPr lang="en-US" sz="2800" dirty="0" err="1" smtClean="0"/>
               <a:t>ToArray</a:t>
             </a:r>
@@ -4579,7 +5199,6 @@
               <a:rPr lang="en-US" sz="2800" dirty="0" smtClean="0"/>
               <a:t>&gt;</a:t>
             </a:r>
-            <a:endParaRPr lang="en-US" sz="2800" dirty="0" smtClean="0"/>
           </a:p>
           <a:p>
             <a:r>
@@ -4634,9 +5253,16 @@
               <a:rPr lang="en-US" sz="2800" dirty="0" smtClean="0"/>
               <a:t>&gt;</a:t>
             </a:r>
-            <a:endParaRPr lang="en-US" sz="2800" dirty="0" smtClean="0"/>
-          </a:p>
-          <a:p>
+          </a:p>
+          <a:p>
+            <a:r>
+              <a:rPr lang="en-US" sz="2800" dirty="0" err="1" smtClean="0"/>
+              <a:t>ToEnumerable</a:t>
+            </a:r>
+            <a:r>
+              <a:rPr lang="en-US" sz="2800" dirty="0" smtClean="0"/>
+              <a:t>()</a:t>
+            </a:r>
             <a:endParaRPr lang="en-US" sz="2800" dirty="0"/>
           </a:p>
         </p:txBody>
@@ -4654,7 +5280,7 @@
 </p:sld>
 </file>
 
-<file path=ppt/slides/slide16.xml><?xml version="1.0" encoding="utf-8"?>
+<file path=ppt/slides/slide21.xml><?xml version="1.0" encoding="utf-8"?>
 <p:sld xmlns:a="http://schemas.openxmlformats.org/drawingml/2006/main" xmlns:r="http://schemas.openxmlformats.org/officeDocument/2006/relationships" xmlns:p="http://schemas.openxmlformats.org/presentationml/2006/main">
   <p:cSld>
     <p:bg>
@@ -4763,7 +5389,7 @@
 </p:sld>
 </file>
 
-<file path=ppt/slides/slide17.xml><?xml version="1.0" encoding="utf-8"?>
+<file path=ppt/slides/slide22.xml><?xml version="1.0" encoding="utf-8"?>
 <p:sld xmlns:a="http://schemas.openxmlformats.org/drawingml/2006/main" xmlns:r="http://schemas.openxmlformats.org/officeDocument/2006/relationships" xmlns:p="http://schemas.openxmlformats.org/presentationml/2006/main">
   <p:cSld>
     <p:spTree>
@@ -4922,7 +5548,7 @@
 </p:sld>
 </file>
 
-<file path=ppt/slides/slide18.xml><?xml version="1.0" encoding="utf-8"?>
+<file path=ppt/slides/slide23.xml><?xml version="1.0" encoding="utf-8"?>
 <p:sld xmlns:a="http://schemas.openxmlformats.org/drawingml/2006/main" xmlns:r="http://schemas.openxmlformats.org/officeDocument/2006/relationships" xmlns:p="http://schemas.openxmlformats.org/presentationml/2006/main">
   <p:cSld>
     <p:spTree>
@@ -7554,7 +8180,7 @@
 </p:sld>
 </file>
 
-<file path=ppt/slides/slide19.xml><?xml version="1.0" encoding="utf-8"?>
+<file path=ppt/slides/slide24.xml><?xml version="1.0" encoding="utf-8"?>
 <p:sld xmlns:a="http://schemas.openxmlformats.org/drawingml/2006/main" xmlns:r="http://schemas.openxmlformats.org/officeDocument/2006/relationships" xmlns:p="http://schemas.openxmlformats.org/presentationml/2006/main">
   <p:cSld>
     <p:spTree>
@@ -9543,89 +10169,6 @@
 </p:sld>
 </file>
 
-<file path=ppt/slides/slide2.xml><?xml version="1.0" encoding="utf-8"?>
-<p:sld xmlns:a="http://schemas.openxmlformats.org/drawingml/2006/main" xmlns:r="http://schemas.openxmlformats.org/officeDocument/2006/relationships" xmlns:p="http://schemas.openxmlformats.org/presentationml/2006/main">
-  <p:cSld>
-    <p:spTree>
-      <p:nvGrpSpPr>
-        <p:cNvPr id="1" name=""/>
-        <p:cNvGrpSpPr/>
-        <p:nvPr/>
-      </p:nvGrpSpPr>
-      <p:grpSpPr>
-        <a:xfrm>
-          <a:off x="0" y="0"/>
-          <a:ext cx="0" cy="0"/>
-          <a:chOff x="0" y="0"/>
-          <a:chExt cx="0" cy="0"/>
-        </a:xfrm>
-      </p:grpSpPr>
-      <p:sp>
-        <p:nvSpPr>
-          <p:cNvPr id="2" name="Title 1"/>
-          <p:cNvSpPr>
-            <a:spLocks noGrp="1"/>
-          </p:cNvSpPr>
-          <p:nvPr>
-            <p:ph type="title"/>
-          </p:nvPr>
-        </p:nvSpPr>
-        <p:spPr/>
-        <p:txBody>
-          <a:bodyPr/>
-          <a:lstStyle/>
-          <a:p>
-            <a:r>
-              <a:rPr lang="ru-RU" dirty="0" smtClean="0"/>
-              <a:t>Литература</a:t>
-            </a:r>
-            <a:endParaRPr lang="en-US" dirty="0"/>
-          </a:p>
-        </p:txBody>
-      </p:sp>
-      <p:sp>
-        <p:nvSpPr>
-          <p:cNvPr id="3" name="Content Placeholder 2"/>
-          <p:cNvSpPr>
-            <a:spLocks noGrp="1"/>
-          </p:cNvSpPr>
-          <p:nvPr>
-            <p:ph idx="1"/>
-          </p:nvPr>
-        </p:nvSpPr>
-        <p:spPr/>
-        <p:txBody>
-          <a:bodyPr/>
-          <a:lstStyle/>
-          <a:p>
-            <a:r>
-              <a:rPr lang="en-US" dirty="0" smtClean="0"/>
-              <a:t>LINQ in C# 2010</a:t>
-            </a:r>
-            <a:endParaRPr lang="en-US" dirty="0"/>
-          </a:p>
-        </p:txBody>
-      </p:sp>
-    </p:spTree>
-    <p:extLst>
-      <p:ext uri="{BB962C8B-B14F-4D97-AF65-F5344CB8AC3E}">
-        <p14:creationId xmlns:p14="http://schemas.microsoft.com/office/powerpoint/2010/main" val="4100190931"/>
-      </p:ext>
-    </p:extLst>
-  </p:cSld>
-  <p:clrMapOvr>
-    <a:masterClrMapping/>
-  </p:clrMapOvr>
-  <p:timing>
-    <p:tnLst>
-      <p:par>
-        <p:cTn id="1" dur="indefinite" restart="never" nodeType="tmRoot"/>
-      </p:par>
-    </p:tnLst>
-  </p:timing>
-</p:sld>
-</file>
-
 <file path=ppt/slides/slide3.xml><?xml version="1.0" encoding="utf-8"?>
 <p:sld xmlns:a="http://schemas.openxmlformats.org/drawingml/2006/main" xmlns:r="http://schemas.openxmlformats.org/officeDocument/2006/relationships" xmlns:p="http://schemas.openxmlformats.org/presentationml/2006/main">
   <p:cSld>
@@ -11637,11 +12180,7 @@
           <a:p>
             <a:r>
               <a:rPr lang="en-US" dirty="0" smtClean="0"/>
-              <a:t>Extension </a:t>
-            </a:r>
-            <a:r>
-              <a:rPr lang="ru-RU" dirty="0" smtClean="0"/>
-              <a:t>методы</a:t>
+              <a:t>IEnumerable&lt;T&gt;</a:t>
             </a:r>
             <a:endParaRPr lang="en-US" dirty="0"/>
           </a:p>
@@ -11659,9 +12198,7 @@
         </p:nvSpPr>
         <p:spPr/>
         <p:txBody>
-          <a:bodyPr>
-            <a:normAutofit fontScale="92500" lnSpcReduction="20000"/>
-          </a:bodyPr>
+          <a:bodyPr/>
           <a:lstStyle/>
           <a:p>
             <a:pPr marL="0" indent="0">
@@ -11669,357 +12206,28 @@
             </a:pPr>
             <a:r>
               <a:rPr lang="ru-RU" dirty="0" smtClean="0"/>
-              <a:t>Позволяют добавлять методы к уже существующим классам без нарушения инкапсуляции.</a:t>
-            </a:r>
-          </a:p>
-          <a:p>
-            <a:pPr marL="0" indent="0">
-              <a:buNone/>
-            </a:pPr>
-            <a:endParaRPr lang="ru-RU" dirty="0"/>
-          </a:p>
-          <a:p>
-            <a:pPr marL="0" indent="0">
-              <a:buNone/>
-            </a:pPr>
-            <a:r>
-              <a:rPr lang="en-US" sz="1600" dirty="0" smtClean="0">
-                <a:solidFill>
-                  <a:srgbClr val="FFFF00"/>
-                </a:solidFill>
-                <a:latin typeface="Courier New" pitchFamily="49" charset="0"/>
-                <a:cs typeface="Courier New" pitchFamily="49" charset="0"/>
-              </a:rPr>
-              <a:t>static</a:t>
-            </a:r>
-            <a:r>
-              <a:rPr lang="en-US" sz="1600" dirty="0" smtClean="0">
-                <a:latin typeface="Courier New" pitchFamily="49" charset="0"/>
-                <a:cs typeface="Courier New" pitchFamily="49" charset="0"/>
-              </a:rPr>
-              <a:t> class </a:t>
-            </a:r>
-            <a:r>
-              <a:rPr lang="en-US" sz="1600" dirty="0" err="1" smtClean="0">
-                <a:latin typeface="Courier New" pitchFamily="49" charset="0"/>
-                <a:cs typeface="Courier New" pitchFamily="49" charset="0"/>
-              </a:rPr>
-              <a:t>DateTime</a:t>
-            </a:r>
-            <a:r>
-              <a:rPr lang="en-US" sz="1600" dirty="0" err="1" smtClean="0">
-                <a:solidFill>
-                  <a:srgbClr val="FFFF00"/>
-                </a:solidFill>
-                <a:latin typeface="Courier New" pitchFamily="49" charset="0"/>
-                <a:cs typeface="Courier New" pitchFamily="49" charset="0"/>
-              </a:rPr>
-              <a:t>Extensions</a:t>
-            </a:r>
-            <a:r>
-              <a:rPr lang="en-US" sz="1600" dirty="0" smtClean="0">
-                <a:latin typeface="Courier New" pitchFamily="49" charset="0"/>
-                <a:cs typeface="Courier New" pitchFamily="49" charset="0"/>
-              </a:rPr>
-              <a:t/>
-            </a:r>
-            <a:br>
-              <a:rPr lang="en-US" sz="1600" dirty="0" smtClean="0">
-                <a:latin typeface="Courier New" pitchFamily="49" charset="0"/>
-                <a:cs typeface="Courier New" pitchFamily="49" charset="0"/>
-              </a:rPr>
-            </a:br>
-            <a:r>
-              <a:rPr lang="en-US" sz="1600" dirty="0" smtClean="0">
-                <a:latin typeface="Courier New" pitchFamily="49" charset="0"/>
-                <a:cs typeface="Courier New" pitchFamily="49" charset="0"/>
-              </a:rPr>
-              <a:t>{</a:t>
-            </a:r>
-            <a:br>
-              <a:rPr lang="en-US" sz="1600" dirty="0" smtClean="0">
-                <a:latin typeface="Courier New" pitchFamily="49" charset="0"/>
-                <a:cs typeface="Courier New" pitchFamily="49" charset="0"/>
-              </a:rPr>
-            </a:br>
-            <a:r>
-              <a:rPr lang="en-US" sz="1600" dirty="0" smtClean="0">
-                <a:latin typeface="Courier New" pitchFamily="49" charset="0"/>
-                <a:cs typeface="Courier New" pitchFamily="49" charset="0"/>
-              </a:rPr>
-              <a:t>    ///&lt;summary&gt;</a:t>
-            </a:r>
-            <a:br>
-              <a:rPr lang="en-US" sz="1600" dirty="0" smtClean="0">
-                <a:latin typeface="Courier New" pitchFamily="49" charset="0"/>
-                <a:cs typeface="Courier New" pitchFamily="49" charset="0"/>
-              </a:rPr>
-            </a:br>
-            <a:r>
-              <a:rPr lang="en-US" sz="1600" dirty="0" smtClean="0">
-                <a:latin typeface="Courier New" pitchFamily="49" charset="0"/>
-                <a:cs typeface="Courier New" pitchFamily="49" charset="0"/>
-              </a:rPr>
-              <a:t>    ///</a:t>
-            </a:r>
-            <a:r>
-              <a:rPr lang="ru-RU" sz="1600" dirty="0" smtClean="0">
-                <a:latin typeface="Courier New" pitchFamily="49" charset="0"/>
-                <a:cs typeface="Courier New" pitchFamily="49" charset="0"/>
-              </a:rPr>
-              <a:t>Вернет строку вида </a:t>
-            </a:r>
-            <a:r>
-              <a:rPr lang="en-US" sz="1600" dirty="0">
-                <a:latin typeface="Courier New" pitchFamily="49" charset="0"/>
-                <a:cs typeface="Courier New" pitchFamily="49" charset="0"/>
-              </a:rPr>
-              <a:t>2008-04-10T06:30:00</a:t>
-            </a:r>
-            <a:endParaRPr lang="en-US" sz="1600" dirty="0" smtClean="0">
-              <a:latin typeface="Courier New" pitchFamily="49" charset="0"/>
-              <a:cs typeface="Courier New" pitchFamily="49" charset="0"/>
-            </a:endParaRPr>
-          </a:p>
-          <a:p>
-            <a:pPr marL="0" indent="0">
-              <a:buNone/>
-            </a:pPr>
-            <a:r>
-              <a:rPr lang="en-US" sz="1600" dirty="0" smtClean="0">
-                <a:latin typeface="Courier New" pitchFamily="49" charset="0"/>
-                <a:cs typeface="Courier New" pitchFamily="49" charset="0"/>
-              </a:rPr>
-              <a:t>    ///&lt;/summary</a:t>
-            </a:r>
-            <a:r>
-              <a:rPr lang="en-US" sz="1600" dirty="0">
-                <a:latin typeface="Courier New" pitchFamily="49" charset="0"/>
-                <a:cs typeface="Courier New" pitchFamily="49" charset="0"/>
-              </a:rPr>
-              <a:t>&gt;</a:t>
-            </a:r>
-            <a:endParaRPr lang="en-US" sz="1600" dirty="0" smtClean="0">
-              <a:latin typeface="Courier New" pitchFamily="49" charset="0"/>
-              <a:cs typeface="Courier New" pitchFamily="49" charset="0"/>
-            </a:endParaRPr>
-          </a:p>
-          <a:p>
-            <a:pPr marL="0" indent="0">
-              <a:buNone/>
-            </a:pPr>
-            <a:r>
-              <a:rPr lang="en-US" sz="1600" dirty="0" smtClean="0">
-                <a:latin typeface="Courier New" pitchFamily="49" charset="0"/>
-                <a:cs typeface="Courier New" pitchFamily="49" charset="0"/>
-              </a:rPr>
-              <a:t>    public </a:t>
-            </a:r>
-            <a:r>
-              <a:rPr lang="en-US" sz="1600" dirty="0" smtClean="0">
-                <a:solidFill>
-                  <a:srgbClr val="FFFF00"/>
-                </a:solidFill>
-                <a:latin typeface="Courier New" pitchFamily="49" charset="0"/>
-                <a:cs typeface="Courier New" pitchFamily="49" charset="0"/>
-              </a:rPr>
-              <a:t>static</a:t>
-            </a:r>
-            <a:r>
-              <a:rPr lang="en-US" sz="1600" dirty="0" smtClean="0">
-                <a:latin typeface="Courier New" pitchFamily="49" charset="0"/>
-                <a:cs typeface="Courier New" pitchFamily="49" charset="0"/>
-              </a:rPr>
-              <a:t> string ToIso8601String(</a:t>
-            </a:r>
-            <a:r>
-              <a:rPr lang="en-US" sz="1600" dirty="0" smtClean="0">
-                <a:solidFill>
-                  <a:srgbClr val="FFFF00"/>
-                </a:solidFill>
-                <a:latin typeface="Courier New" pitchFamily="49" charset="0"/>
-                <a:cs typeface="Courier New" pitchFamily="49" charset="0"/>
-              </a:rPr>
-              <a:t>this</a:t>
-            </a:r>
-            <a:r>
-              <a:rPr lang="en-US" sz="1600" dirty="0" smtClean="0">
-                <a:latin typeface="Courier New" pitchFamily="49" charset="0"/>
-                <a:cs typeface="Courier New" pitchFamily="49" charset="0"/>
-              </a:rPr>
-              <a:t> </a:t>
-            </a:r>
-            <a:r>
-              <a:rPr lang="en-US" sz="1600" dirty="0" err="1" smtClean="0">
-                <a:latin typeface="Courier New" pitchFamily="49" charset="0"/>
-                <a:cs typeface="Courier New" pitchFamily="49" charset="0"/>
-              </a:rPr>
-              <a:t>DateTime</a:t>
-            </a:r>
-            <a:r>
-              <a:rPr lang="en-US" sz="1600" dirty="0" smtClean="0">
-                <a:latin typeface="Courier New" pitchFamily="49" charset="0"/>
-                <a:cs typeface="Courier New" pitchFamily="49" charset="0"/>
-              </a:rPr>
-              <a:t> </a:t>
-            </a:r>
-            <a:r>
-              <a:rPr lang="en-US" sz="1600" dirty="0" err="1" smtClean="0">
-                <a:latin typeface="Courier New" pitchFamily="49" charset="0"/>
-                <a:cs typeface="Courier New" pitchFamily="49" charset="0"/>
-              </a:rPr>
-              <a:t>dt</a:t>
-            </a:r>
-            <a:r>
-              <a:rPr lang="en-US" sz="1600" dirty="0" smtClean="0">
-                <a:latin typeface="Courier New" pitchFamily="49" charset="0"/>
-                <a:cs typeface="Courier New" pitchFamily="49" charset="0"/>
-              </a:rPr>
-              <a:t>)</a:t>
-            </a:r>
-            <a:br>
-              <a:rPr lang="en-US" sz="1600" dirty="0" smtClean="0">
-                <a:latin typeface="Courier New" pitchFamily="49" charset="0"/>
-                <a:cs typeface="Courier New" pitchFamily="49" charset="0"/>
-              </a:rPr>
-            </a:br>
-            <a:r>
-              <a:rPr lang="en-US" sz="1600" dirty="0" smtClean="0">
-                <a:latin typeface="Courier New" pitchFamily="49" charset="0"/>
-                <a:cs typeface="Courier New" pitchFamily="49" charset="0"/>
-              </a:rPr>
-              <a:t>    {</a:t>
-            </a:r>
-          </a:p>
-          <a:p>
-            <a:pPr marL="0" indent="0">
-              <a:buNone/>
-            </a:pPr>
-            <a:r>
-              <a:rPr lang="en-US" sz="1600" dirty="0">
-                <a:latin typeface="Courier New" pitchFamily="49" charset="0"/>
-                <a:cs typeface="Courier New" pitchFamily="49" charset="0"/>
-              </a:rPr>
-              <a:t> </a:t>
-            </a:r>
-            <a:r>
-              <a:rPr lang="en-US" sz="1600" dirty="0" smtClean="0">
-                <a:latin typeface="Courier New" pitchFamily="49" charset="0"/>
-                <a:cs typeface="Courier New" pitchFamily="49" charset="0"/>
-              </a:rPr>
-              <a:t>       return </a:t>
-            </a:r>
-            <a:r>
-              <a:rPr lang="en-US" sz="1600" dirty="0" err="1" smtClean="0">
-                <a:latin typeface="Courier New" pitchFamily="49" charset="0"/>
-                <a:cs typeface="Courier New" pitchFamily="49" charset="0"/>
-              </a:rPr>
-              <a:t>dt.ToString</a:t>
-            </a:r>
-            <a:r>
-              <a:rPr lang="en-US" sz="1600" dirty="0">
-                <a:latin typeface="Courier New" pitchFamily="49" charset="0"/>
-                <a:cs typeface="Courier New" pitchFamily="49" charset="0"/>
-              </a:rPr>
-              <a:t>("</a:t>
-            </a:r>
-            <a:r>
-              <a:rPr lang="en-US" sz="1600" dirty="0" smtClean="0">
-                <a:latin typeface="Courier New" pitchFamily="49" charset="0"/>
-                <a:cs typeface="Courier New" pitchFamily="49" charset="0"/>
-              </a:rPr>
-              <a:t>s");</a:t>
-            </a:r>
-          </a:p>
-          <a:p>
-            <a:pPr marL="0" indent="0">
-              <a:buNone/>
-            </a:pPr>
-            <a:r>
-              <a:rPr lang="en-US" sz="1600" dirty="0">
-                <a:latin typeface="Courier New" pitchFamily="49" charset="0"/>
-                <a:cs typeface="Courier New" pitchFamily="49" charset="0"/>
-              </a:rPr>
-              <a:t> </a:t>
-            </a:r>
-            <a:r>
-              <a:rPr lang="en-US" sz="1600" dirty="0" smtClean="0">
-                <a:latin typeface="Courier New" pitchFamily="49" charset="0"/>
-                <a:cs typeface="Courier New" pitchFamily="49" charset="0"/>
-              </a:rPr>
-              <a:t>   }</a:t>
-            </a:r>
-          </a:p>
-          <a:p>
-            <a:pPr marL="0" indent="0">
-              <a:buNone/>
-            </a:pPr>
-            <a:r>
-              <a:rPr lang="en-US" sz="1600" dirty="0" smtClean="0">
-                <a:latin typeface="Courier New" pitchFamily="49" charset="0"/>
-                <a:cs typeface="Courier New" pitchFamily="49" charset="0"/>
-              </a:rPr>
-              <a:t>}</a:t>
-            </a:r>
-          </a:p>
-          <a:p>
-            <a:pPr marL="0" indent="0">
-              <a:buNone/>
-            </a:pPr>
-            <a:endParaRPr lang="en-US" sz="1600" dirty="0" smtClean="0">
-              <a:latin typeface="Courier New" pitchFamily="49" charset="0"/>
-              <a:cs typeface="Courier New" pitchFamily="49" charset="0"/>
-            </a:endParaRPr>
-          </a:p>
-          <a:p>
-            <a:pPr marL="0" indent="0">
-              <a:buNone/>
-            </a:pPr>
-            <a:r>
-              <a:rPr lang="en-US" sz="1600" dirty="0" smtClean="0">
-                <a:latin typeface="Courier New" pitchFamily="49" charset="0"/>
-                <a:cs typeface="Courier New" pitchFamily="49" charset="0"/>
-              </a:rPr>
-              <a:t>string today = DateTime.UtcNow.ToIso8601String();</a:t>
-            </a:r>
-            <a:endParaRPr lang="en-US" sz="1600" dirty="0">
-              <a:latin typeface="Courier New" pitchFamily="49" charset="0"/>
-              <a:cs typeface="Courier New" pitchFamily="49" charset="0"/>
-            </a:endParaRPr>
+              <a:t>Одноправленная неизменяемая последовательность элементов.</a:t>
+            </a:r>
+            <a:endParaRPr lang="en-US" dirty="0"/>
           </a:p>
         </p:txBody>
       </p:sp>
     </p:spTree>
     <p:extLst>
       <p:ext uri="{BB962C8B-B14F-4D97-AF65-F5344CB8AC3E}">
-        <p14:creationId xmlns:p14="http://schemas.microsoft.com/office/powerpoint/2010/main" val="3545898277"/>
+        <p14:creationId xmlns:p14="http://schemas.microsoft.com/office/powerpoint/2010/main" val="3311498388"/>
       </p:ext>
     </p:extLst>
   </p:cSld>
   <p:clrMapOvr>
     <a:masterClrMapping/>
   </p:clrMapOvr>
-  <p:timing>
-    <p:tnLst>
-      <p:par>
-        <p:cTn id="1" dur="indefinite" restart="never" nodeType="tmRoot"/>
-      </p:par>
-    </p:tnLst>
-  </p:timing>
 </p:sld>
 </file>
 
 <file path=ppt/slides/slide9.xml><?xml version="1.0" encoding="utf-8"?>
 <p:sld xmlns:a="http://schemas.openxmlformats.org/drawingml/2006/main" xmlns:r="http://schemas.openxmlformats.org/officeDocument/2006/relationships" xmlns:p="http://schemas.openxmlformats.org/presentationml/2006/main">
   <p:cSld>
-    <p:bg>
-      <p:bgPr>
-        <a:solidFill>
-          <a:srgbClr val="6600CC"/>
-        </a:solidFill>
-        <a:effectLst/>
-      </p:bgPr>
-    </p:bg>
     <p:spTree>
       <p:nvGrpSpPr>
         <p:cNvPr id="1" name=""/>
@@ -12050,13 +12258,12 @@
           <a:lstStyle/>
           <a:p>
             <a:r>
-              <a:rPr lang="ru-RU" b="1" dirty="0">
-                <a:solidFill>
-                  <a:schemeClr val="bg1"/>
-                </a:solidFill>
-                <a:cs typeface="Times New Roman" pitchFamily="18" charset="0"/>
-              </a:rPr>
-              <a:t>Самостоятельное задание</a:t>
+              <a:rPr lang="en-US" dirty="0" smtClean="0"/>
+              <a:t>Extension </a:t>
+            </a:r>
+            <a:r>
+              <a:rPr lang="ru-RU" dirty="0" smtClean="0"/>
+              <a:t>методы</a:t>
             </a:r>
             <a:endParaRPr lang="en-US" dirty="0"/>
           </a:p>
@@ -12075,7 +12282,7 @@
         <p:spPr/>
         <p:txBody>
           <a:bodyPr>
-            <a:normAutofit/>
+            <a:normAutofit fontScale="92500" lnSpcReduction="20000"/>
           </a:bodyPr>
           <a:lstStyle/>
           <a:p>
@@ -12084,94 +12291,343 @@
             </a:pPr>
             <a:r>
               <a:rPr lang="ru-RU" dirty="0" smtClean="0"/>
-              <a:t>Напишите </a:t>
-            </a:r>
-            <a:r>
-              <a:rPr lang="en-US" dirty="0" smtClean="0"/>
-              <a:t>extension </a:t>
-            </a:r>
-            <a:r>
-              <a:rPr lang="ru-RU" dirty="0" smtClean="0"/>
-              <a:t>методы для класса </a:t>
-            </a:r>
-            <a:r>
-              <a:rPr lang="en-US" dirty="0" err="1" smtClean="0"/>
-              <a:t>StringBuilder</a:t>
-            </a:r>
-            <a:r>
-              <a:rPr lang="en-US" dirty="0" smtClean="0"/>
-              <a:t>:</a:t>
-            </a:r>
-          </a:p>
-          <a:p>
-            <a:r>
-              <a:rPr lang="en-US" dirty="0" err="1" smtClean="0"/>
-              <a:t>AppendLine</a:t>
-            </a:r>
-            <a:r>
-              <a:rPr lang="en-US" dirty="0" smtClean="0"/>
-              <a:t>() – </a:t>
-            </a:r>
-            <a:r>
-              <a:rPr lang="ru-RU" dirty="0" smtClean="0"/>
-              <a:t>добавляет перевод строки</a:t>
-            </a:r>
-            <a:endParaRPr lang="en-US" dirty="0" smtClean="0"/>
-          </a:p>
-          <a:p>
-            <a:r>
-              <a:rPr lang="en-US" dirty="0" err="1" smtClean="0"/>
-              <a:t>AppendLine</a:t>
-            </a:r>
-            <a:r>
-              <a:rPr lang="en-US" dirty="0" smtClean="0"/>
-              <a:t>(string)</a:t>
-            </a:r>
-            <a:r>
-              <a:rPr lang="ru-RU" dirty="0" smtClean="0"/>
-              <a:t> – добавляет строку и перевод строки</a:t>
-            </a:r>
-            <a:endParaRPr lang="en-US" dirty="0" smtClean="0"/>
-          </a:p>
-          <a:p>
-            <a:r>
-              <a:rPr lang="en-US" dirty="0" err="1" smtClean="0"/>
-              <a:t>AppendFormatLine</a:t>
-            </a:r>
-            <a:r>
-              <a:rPr lang="en-US" dirty="0" smtClean="0"/>
-              <a:t>(string format, object[] </a:t>
-            </a:r>
-            <a:r>
-              <a:rPr lang="en-US" dirty="0" err="1" smtClean="0"/>
-              <a:t>args</a:t>
-            </a:r>
-            <a:r>
-              <a:rPr lang="en-US" dirty="0" smtClean="0"/>
+              <a:t>Позволяют добавлять методы к уже существующим классам без нарушения инкапсуляции.</a:t>
+            </a:r>
+          </a:p>
+          <a:p>
+            <a:pPr marL="0" indent="0">
+              <a:buNone/>
+            </a:pPr>
+            <a:endParaRPr lang="ru-RU" dirty="0"/>
+          </a:p>
+          <a:p>
+            <a:pPr marL="0" indent="0">
+              <a:buNone/>
+            </a:pPr>
+            <a:r>
+              <a:rPr lang="en-US" sz="1600" dirty="0" smtClean="0">
+                <a:solidFill>
+                  <a:srgbClr val="FFFF00"/>
+                </a:solidFill>
+                <a:latin typeface="Courier New" pitchFamily="49" charset="0"/>
+                <a:cs typeface="Courier New" pitchFamily="49" charset="0"/>
+              </a:rPr>
+              <a:t>static</a:t>
+            </a:r>
+            <a:r>
+              <a:rPr lang="en-US" sz="1600" dirty="0" smtClean="0">
+                <a:latin typeface="Courier New" pitchFamily="49" charset="0"/>
+                <a:cs typeface="Courier New" pitchFamily="49" charset="0"/>
+              </a:rPr>
+              <a:t> class </a:t>
+            </a:r>
+            <a:r>
+              <a:rPr lang="en-US" sz="1600" dirty="0" err="1" smtClean="0">
+                <a:latin typeface="Courier New" pitchFamily="49" charset="0"/>
+                <a:cs typeface="Courier New" pitchFamily="49" charset="0"/>
+              </a:rPr>
+              <a:t>DateTime</a:t>
+            </a:r>
+            <a:r>
+              <a:rPr lang="en-US" sz="1600" dirty="0" err="1" smtClean="0">
+                <a:solidFill>
+                  <a:srgbClr val="FFFF00"/>
+                </a:solidFill>
+                <a:latin typeface="Courier New" pitchFamily="49" charset="0"/>
+                <a:cs typeface="Courier New" pitchFamily="49" charset="0"/>
+              </a:rPr>
+              <a:t>Extensions</a:t>
+            </a:r>
+            <a:r>
+              <a:rPr lang="en-US" sz="1600" dirty="0" smtClean="0">
+                <a:latin typeface="Courier New" pitchFamily="49" charset="0"/>
+                <a:cs typeface="Courier New" pitchFamily="49" charset="0"/>
+              </a:rPr>
+              <a:t/>
+            </a:r>
+            <a:br>
+              <a:rPr lang="en-US" sz="1600" dirty="0" smtClean="0">
+                <a:latin typeface="Courier New" pitchFamily="49" charset="0"/>
+                <a:cs typeface="Courier New" pitchFamily="49" charset="0"/>
+              </a:rPr>
+            </a:br>
+            <a:r>
+              <a:rPr lang="en-US" sz="1600" dirty="0" smtClean="0">
+                <a:latin typeface="Courier New" pitchFamily="49" charset="0"/>
+                <a:cs typeface="Courier New" pitchFamily="49" charset="0"/>
+              </a:rPr>
+              <a:t>{</a:t>
+            </a:r>
+            <a:br>
+              <a:rPr lang="en-US" sz="1600" dirty="0" smtClean="0">
+                <a:latin typeface="Courier New" pitchFamily="49" charset="0"/>
+                <a:cs typeface="Courier New" pitchFamily="49" charset="0"/>
+              </a:rPr>
+            </a:br>
+            <a:r>
+              <a:rPr lang="en-US" sz="1600" dirty="0" smtClean="0">
+                <a:latin typeface="Courier New" pitchFamily="49" charset="0"/>
+                <a:cs typeface="Courier New" pitchFamily="49" charset="0"/>
+              </a:rPr>
+              <a:t>    ///&lt;summary&gt;</a:t>
+            </a:r>
+            <a:br>
+              <a:rPr lang="en-US" sz="1600" dirty="0" smtClean="0">
+                <a:latin typeface="Courier New" pitchFamily="49" charset="0"/>
+                <a:cs typeface="Courier New" pitchFamily="49" charset="0"/>
+              </a:rPr>
+            </a:br>
+            <a:r>
+              <a:rPr lang="en-US" sz="1600" dirty="0" smtClean="0">
+                <a:latin typeface="Courier New" pitchFamily="49" charset="0"/>
+                <a:cs typeface="Courier New" pitchFamily="49" charset="0"/>
+              </a:rPr>
+              <a:t>    ///</a:t>
+            </a:r>
+            <a:r>
+              <a:rPr lang="ru-RU" sz="1600" dirty="0" smtClean="0">
+                <a:latin typeface="Courier New" pitchFamily="49" charset="0"/>
+                <a:cs typeface="Courier New" pitchFamily="49" charset="0"/>
+              </a:rPr>
+              <a:t>Вернет строку вида </a:t>
+            </a:r>
+            <a:r>
+              <a:rPr lang="en-US" sz="1600" dirty="0">
+                <a:latin typeface="Courier New" pitchFamily="49" charset="0"/>
+                <a:cs typeface="Courier New" pitchFamily="49" charset="0"/>
+              </a:rPr>
+              <a:t>2008-04-10T06:30:00</a:t>
+            </a:r>
+            <a:endParaRPr lang="en-US" sz="1600" dirty="0" smtClean="0">
+              <a:latin typeface="Courier New" pitchFamily="49" charset="0"/>
+              <a:cs typeface="Courier New" pitchFamily="49" charset="0"/>
+            </a:endParaRPr>
+          </a:p>
+          <a:p>
+            <a:pPr marL="0" indent="0">
+              <a:buNone/>
+            </a:pPr>
+            <a:r>
+              <a:rPr lang="en-US" sz="1600" dirty="0" smtClean="0">
+                <a:latin typeface="Courier New" pitchFamily="49" charset="0"/>
+                <a:cs typeface="Courier New" pitchFamily="49" charset="0"/>
+              </a:rPr>
+              <a:t>    ///&lt;/summary</a:t>
+            </a:r>
+            <a:r>
+              <a:rPr lang="en-US" sz="1600" dirty="0">
+                <a:latin typeface="Courier New" pitchFamily="49" charset="0"/>
+                <a:cs typeface="Courier New" pitchFamily="49" charset="0"/>
+              </a:rPr>
+              <a:t>&gt;</a:t>
+            </a:r>
+            <a:endParaRPr lang="en-US" sz="1600" dirty="0" smtClean="0">
+              <a:latin typeface="Courier New" pitchFamily="49" charset="0"/>
+              <a:cs typeface="Courier New" pitchFamily="49" charset="0"/>
+            </a:endParaRPr>
+          </a:p>
+          <a:p>
+            <a:pPr marL="0" indent="0">
+              <a:buNone/>
+            </a:pPr>
+            <a:r>
+              <a:rPr lang="en-US" sz="1600" dirty="0" smtClean="0">
+                <a:latin typeface="Courier New" pitchFamily="49" charset="0"/>
+                <a:cs typeface="Courier New" pitchFamily="49" charset="0"/>
+              </a:rPr>
+              <a:t>    public </a:t>
+            </a:r>
+            <a:r>
+              <a:rPr lang="en-US" sz="1600" dirty="0" smtClean="0">
+                <a:solidFill>
+                  <a:srgbClr val="FFFF00"/>
+                </a:solidFill>
+                <a:latin typeface="Courier New" pitchFamily="49" charset="0"/>
+                <a:cs typeface="Courier New" pitchFamily="49" charset="0"/>
+              </a:rPr>
+              <a:t>static</a:t>
+            </a:r>
+            <a:r>
+              <a:rPr lang="en-US" sz="1600" dirty="0" smtClean="0">
+                <a:latin typeface="Courier New" pitchFamily="49" charset="0"/>
+                <a:cs typeface="Courier New" pitchFamily="49" charset="0"/>
+              </a:rPr>
+              <a:t> string ToIso8601String(</a:t>
+            </a:r>
+            <a:r>
+              <a:rPr lang="en-US" sz="1600" dirty="0" smtClean="0">
+                <a:solidFill>
+                  <a:srgbClr val="FFFF00"/>
+                </a:solidFill>
+                <a:latin typeface="Courier New" pitchFamily="49" charset="0"/>
+                <a:cs typeface="Courier New" pitchFamily="49" charset="0"/>
+              </a:rPr>
+              <a:t>this</a:t>
+            </a:r>
+            <a:r>
+              <a:rPr lang="en-US" sz="1600" dirty="0" smtClean="0">
+                <a:latin typeface="Courier New" pitchFamily="49" charset="0"/>
+                <a:cs typeface="Courier New" pitchFamily="49" charset="0"/>
+              </a:rPr>
+              <a:t> </a:t>
+            </a:r>
+            <a:r>
+              <a:rPr lang="en-US" sz="1600" dirty="0" err="1" smtClean="0">
+                <a:latin typeface="Courier New" pitchFamily="49" charset="0"/>
+                <a:cs typeface="Courier New" pitchFamily="49" charset="0"/>
+              </a:rPr>
+              <a:t>DateTime</a:t>
+            </a:r>
+            <a:r>
+              <a:rPr lang="en-US" sz="1600" dirty="0" smtClean="0">
+                <a:latin typeface="Courier New" pitchFamily="49" charset="0"/>
+                <a:cs typeface="Courier New" pitchFamily="49" charset="0"/>
+              </a:rPr>
+              <a:t> </a:t>
+            </a:r>
+            <a:r>
+              <a:rPr lang="en-US" sz="1600" dirty="0" err="1" smtClean="0">
+                <a:latin typeface="Courier New" pitchFamily="49" charset="0"/>
+                <a:cs typeface="Courier New" pitchFamily="49" charset="0"/>
+              </a:rPr>
+              <a:t>dt</a:t>
+            </a:r>
+            <a:r>
+              <a:rPr lang="en-US" sz="1600" dirty="0" smtClean="0">
+                <a:latin typeface="Courier New" pitchFamily="49" charset="0"/>
+                <a:cs typeface="Courier New" pitchFamily="49" charset="0"/>
+              </a:rPr>
               <a:t>)</a:t>
             </a:r>
-            <a:r>
-              <a:rPr lang="ru-RU" dirty="0" smtClean="0"/>
-              <a:t> – форматированный вывод строки заканчивающийся переводом </a:t>
-            </a:r>
-            <a:r>
-              <a:rPr lang="ru-RU" smtClean="0"/>
-              <a:t>строки.</a:t>
-            </a:r>
-            <a:endParaRPr lang="en-US" dirty="0"/>
+            <a:br>
+              <a:rPr lang="en-US" sz="1600" dirty="0" smtClean="0">
+                <a:latin typeface="Courier New" pitchFamily="49" charset="0"/>
+                <a:cs typeface="Courier New" pitchFamily="49" charset="0"/>
+              </a:rPr>
+            </a:br>
+            <a:r>
+              <a:rPr lang="en-US" sz="1600" dirty="0" smtClean="0">
+                <a:latin typeface="Courier New" pitchFamily="49" charset="0"/>
+                <a:cs typeface="Courier New" pitchFamily="49" charset="0"/>
+              </a:rPr>
+              <a:t>    {</a:t>
+            </a:r>
+          </a:p>
+          <a:p>
+            <a:pPr marL="0" indent="0">
+              <a:buNone/>
+            </a:pPr>
+            <a:r>
+              <a:rPr lang="en-US" sz="1600" dirty="0">
+                <a:latin typeface="Courier New" pitchFamily="49" charset="0"/>
+                <a:cs typeface="Courier New" pitchFamily="49" charset="0"/>
+              </a:rPr>
+              <a:t> </a:t>
+            </a:r>
+            <a:r>
+              <a:rPr lang="en-US" sz="1600" dirty="0" smtClean="0">
+                <a:latin typeface="Courier New" pitchFamily="49" charset="0"/>
+                <a:cs typeface="Courier New" pitchFamily="49" charset="0"/>
+              </a:rPr>
+              <a:t>       return </a:t>
+            </a:r>
+            <a:r>
+              <a:rPr lang="en-US" sz="1600" dirty="0" err="1" smtClean="0">
+                <a:latin typeface="Courier New" pitchFamily="49" charset="0"/>
+                <a:cs typeface="Courier New" pitchFamily="49" charset="0"/>
+              </a:rPr>
+              <a:t>dt.ToString</a:t>
+            </a:r>
+            <a:r>
+              <a:rPr lang="en-US" sz="1600" dirty="0">
+                <a:latin typeface="Courier New" pitchFamily="49" charset="0"/>
+                <a:cs typeface="Courier New" pitchFamily="49" charset="0"/>
+              </a:rPr>
+              <a:t>("</a:t>
+            </a:r>
+            <a:r>
+              <a:rPr lang="en-US" sz="1600" dirty="0" smtClean="0">
+                <a:latin typeface="Courier New" pitchFamily="49" charset="0"/>
+                <a:cs typeface="Courier New" pitchFamily="49" charset="0"/>
+              </a:rPr>
+              <a:t>s");</a:t>
+            </a:r>
+          </a:p>
+          <a:p>
+            <a:pPr marL="0" indent="0">
+              <a:buNone/>
+            </a:pPr>
+            <a:r>
+              <a:rPr lang="en-US" sz="1600" dirty="0">
+                <a:latin typeface="Courier New" pitchFamily="49" charset="0"/>
+                <a:cs typeface="Courier New" pitchFamily="49" charset="0"/>
+              </a:rPr>
+              <a:t> </a:t>
+            </a:r>
+            <a:r>
+              <a:rPr lang="en-US" sz="1600" dirty="0" smtClean="0">
+                <a:latin typeface="Courier New" pitchFamily="49" charset="0"/>
+                <a:cs typeface="Courier New" pitchFamily="49" charset="0"/>
+              </a:rPr>
+              <a:t>   }</a:t>
+            </a:r>
+          </a:p>
+          <a:p>
+            <a:pPr marL="0" indent="0">
+              <a:buNone/>
+            </a:pPr>
+            <a:r>
+              <a:rPr lang="en-US" sz="1600" dirty="0" smtClean="0">
+                <a:latin typeface="Courier New" pitchFamily="49" charset="0"/>
+                <a:cs typeface="Courier New" pitchFamily="49" charset="0"/>
+              </a:rPr>
+              <a:t>}</a:t>
+            </a:r>
+          </a:p>
+          <a:p>
+            <a:pPr marL="0" indent="0">
+              <a:buNone/>
+            </a:pPr>
+            <a:endParaRPr lang="en-US" sz="1600" dirty="0" smtClean="0">
+              <a:latin typeface="Courier New" pitchFamily="49" charset="0"/>
+              <a:cs typeface="Courier New" pitchFamily="49" charset="0"/>
+            </a:endParaRPr>
+          </a:p>
+          <a:p>
+            <a:pPr marL="0" indent="0">
+              <a:buNone/>
+            </a:pPr>
+            <a:r>
+              <a:rPr lang="en-US" sz="1600" dirty="0" smtClean="0">
+                <a:latin typeface="Courier New" pitchFamily="49" charset="0"/>
+                <a:cs typeface="Courier New" pitchFamily="49" charset="0"/>
+              </a:rPr>
+              <a:t>string today = DateTime.UtcNow.ToIso8601String();</a:t>
+            </a:r>
+            <a:endParaRPr lang="en-US" sz="1600" dirty="0">
+              <a:latin typeface="Courier New" pitchFamily="49" charset="0"/>
+              <a:cs typeface="Courier New" pitchFamily="49" charset="0"/>
+            </a:endParaRPr>
           </a:p>
         </p:txBody>
       </p:sp>
     </p:spTree>
     <p:extLst>
       <p:ext uri="{BB962C8B-B14F-4D97-AF65-F5344CB8AC3E}">
-        <p14:creationId xmlns:p14="http://schemas.microsoft.com/office/powerpoint/2010/main" val="3539412357"/>
+        <p14:creationId xmlns:p14="http://schemas.microsoft.com/office/powerpoint/2010/main" val="3545898277"/>
       </p:ext>
     </p:extLst>
   </p:cSld>
   <p:clrMapOvr>
     <a:masterClrMapping/>
   </p:clrMapOvr>
+  <p:timing>
+    <p:tnLst>
+      <p:par>
+        <p:cTn id="1" dur="indefinite" restart="never" nodeType="tmRoot"/>
+      </p:par>
+    </p:tnLst>
+  </p:timing>
 </p:sld>
 </file>
 

--- a/Presentation/lesson-11-linq.pptx
+++ b/Presentation/lesson-11-linq.pptx
@@ -215,7 +215,7 @@
           <a:p>
             <a:fld id="{B24A7054-7FFB-49F4-A126-5DF6E687FF53}" type="datetimeFigureOut">
               <a:rPr lang="ru-RU" smtClean="0"/>
-              <a:t>21.11.2013</a:t>
+              <a:t>22.11.2013</a:t>
             </a:fld>
             <a:endParaRPr lang="ru-RU"/>
           </a:p>
@@ -1497,7 +1497,7 @@
           <a:p>
             <a:fld id="{8E6E6A2A-E9D3-4A0D-B04A-ABDD367A1E08}" type="datetimeFigureOut">
               <a:rPr lang="ru-RU" smtClean="0"/>
-              <a:t>21.11.2013</a:t>
+              <a:t>22.11.2013</a:t>
             </a:fld>
             <a:endParaRPr lang="ru-RU"/>
           </a:p>
@@ -2942,7 +2942,7 @@
           <a:p>
             <a:fld id="{AC3D3127-B7C4-45E3-9797-C527EC9FDD78}" type="datetimeFigureOut">
               <a:rPr lang="ru-RU" smtClean="0"/>
-              <a:t>21.11.2013</a:t>
+              <a:t>22.11.2013</a:t>
             </a:fld>
             <a:endParaRPr lang="ru-RU"/>
           </a:p>
@@ -3594,7 +3594,7 @@
         <p:spPr/>
         <p:txBody>
           <a:bodyPr>
-            <a:normAutofit/>
+            <a:normAutofit lnSpcReduction="10000"/>
           </a:bodyPr>
           <a:lstStyle/>
           <a:p>
@@ -3611,7 +3611,11 @@
             </a:r>
             <a:r>
               <a:rPr lang="ru-RU" dirty="0" smtClean="0"/>
-              <a:t>методы для класса </a:t>
+              <a:t>метод </a:t>
+            </a:r>
+            <a:r>
+              <a:rPr lang="ru-RU" dirty="0" smtClean="0"/>
+              <a:t>для класса </a:t>
             </a:r>
             <a:r>
               <a:rPr lang="en-US" dirty="0" err="1" smtClean="0"/>
@@ -3625,41 +3629,15 @@
           <a:p>
             <a:r>
               <a:rPr lang="en-US" dirty="0" err="1" smtClean="0"/>
-              <a:t>AppendLine</a:t>
+              <a:t>AppendFormatLine</a:t>
             </a:r>
             <a:r>
               <a:rPr lang="en-US" dirty="0" smtClean="0"/>
-              <a:t>() – </a:t>
-            </a:r>
-            <a:r>
-              <a:rPr lang="ru-RU" dirty="0" smtClean="0"/>
-              <a:t>добавляет перевод строки</a:t>
-            </a:r>
-            <a:endParaRPr lang="en-US" dirty="0" smtClean="0"/>
-          </a:p>
-          <a:p>
-            <a:r>
-              <a:rPr lang="en-US" dirty="0" err="1" smtClean="0"/>
-              <a:t>AppendLine</a:t>
+              <a:t>(string </a:t>
             </a:r>
             <a:r>
               <a:rPr lang="en-US" dirty="0" smtClean="0"/>
-              <a:t>(string)</a:t>
-            </a:r>
-            <a:r>
-              <a:rPr lang="ru-RU" dirty="0" smtClean="0"/>
-              <a:t> – добавляет строку и перевод строки</a:t>
-            </a:r>
-            <a:endParaRPr lang="en-US" dirty="0" smtClean="0"/>
-          </a:p>
-          <a:p>
-            <a:r>
-              <a:rPr lang="en-US" dirty="0" err="1" smtClean="0"/>
-              <a:t>AppendFormatLine</a:t>
-            </a:r>
-            <a:r>
-              <a:rPr lang="en-US" dirty="0" smtClean="0"/>
-              <a:t>(string format, object[] </a:t>
+              <a:t>format, object[] </a:t>
             </a:r>
             <a:r>
               <a:rPr lang="en-US" dirty="0" err="1" smtClean="0"/>
@@ -3671,11 +3649,39 @@
             </a:r>
             <a:r>
               <a:rPr lang="ru-RU" dirty="0" smtClean="0"/>
-              <a:t> – форматированный вывод строки заканчивающийся переводом </a:t>
-            </a:r>
-            <a:r>
-              <a:rPr lang="ru-RU" smtClean="0"/>
-              <a:t>строки.</a:t>
+              <a:t> – форматированный вывод строки заканчивающийся переводом строки</a:t>
+            </a:r>
+            <a:r>
+              <a:rPr lang="ru-RU" dirty="0" smtClean="0"/>
+              <a:t>.</a:t>
+            </a:r>
+            <a:r>
+              <a:rPr lang="en-US" dirty="0" smtClean="0"/>
+              <a:t> </a:t>
+            </a:r>
+            <a:r>
+              <a:rPr lang="ru-RU" dirty="0" smtClean="0"/>
+              <a:t>Он должен делать то же самое что и стандартный метод </a:t>
+            </a:r>
+            <a:r>
+              <a:rPr lang="en-US" dirty="0" err="1" smtClean="0"/>
+              <a:t>AppendFormat</a:t>
+            </a:r>
+            <a:r>
+              <a:rPr lang="ru-RU" dirty="0"/>
+              <a:t> </a:t>
+            </a:r>
+            <a:r>
+              <a:rPr lang="ru-RU" dirty="0" smtClean="0"/>
+              <a:t> с добавлением символов перевода строки </a:t>
+            </a:r>
+            <a:r>
+              <a:rPr lang="en-US" dirty="0" smtClean="0"/>
+              <a:t>(\r\n) </a:t>
+            </a:r>
+            <a:r>
+              <a:rPr lang="ru-RU" dirty="0" smtClean="0"/>
+              <a:t>в конце.</a:t>
             </a:r>
             <a:endParaRPr lang="en-US" dirty="0"/>
           </a:p>
@@ -4344,11 +4350,7 @@
             </a:pPr>
             <a:r>
               <a:rPr lang="ru-RU" dirty="0" smtClean="0"/>
-              <a:t>Возвращают первый или последний элемент</a:t>
-            </a:r>
-            <a:r>
-              <a:rPr lang="ru-RU" dirty="0" smtClean="0"/>
-              <a:t>.</a:t>
+              <a:t>Возвращают первый или последний элемент.</a:t>
             </a:r>
             <a:r>
               <a:rPr lang="en-US" dirty="0" smtClean="0"/>
@@ -4502,11 +4504,7 @@
             </a:pPr>
             <a:r>
               <a:rPr lang="ru-RU" dirty="0" smtClean="0"/>
-              <a:t>Метод</a:t>
-            </a:r>
-            <a:r>
-              <a:rPr lang="ru-RU" dirty="0" smtClean="0"/>
-              <a:t> </a:t>
+              <a:t>Метод </a:t>
             </a:r>
             <a:r>
               <a:rPr lang="en-US" dirty="0" smtClean="0"/>
@@ -4639,7 +4637,6 @@
               <a:rPr lang="ru-RU" dirty="0" smtClean="0"/>
               <a:t>минимальное значение</a:t>
             </a:r>
-            <a:endParaRPr lang="ru-RU" dirty="0" smtClean="0"/>
           </a:p>
           <a:p>
             <a:r>
@@ -4650,7 +4647,6 @@
               <a:rPr lang="ru-RU" dirty="0" smtClean="0"/>
               <a:t>() – максимальное значение</a:t>
             </a:r>
-            <a:endParaRPr lang="ru-RU" dirty="0" smtClean="0"/>
           </a:p>
           <a:p>
             <a:r>
@@ -4661,7 +4657,6 @@
               <a:rPr lang="ru-RU" dirty="0" smtClean="0"/>
               <a:t>() – среднее значение</a:t>
             </a:r>
-            <a:endParaRPr lang="ru-RU" dirty="0" smtClean="0"/>
           </a:p>
           <a:p>
             <a:r>
@@ -4891,11 +4886,7 @@
             </a:r>
             <a:r>
               <a:rPr lang="en-US" dirty="0" smtClean="0"/>
-              <a:t>&lt;T</a:t>
-            </a:r>
-            <a:r>
-              <a:rPr lang="en-US" dirty="0" smtClean="0"/>
-              <a:t>&gt;()</a:t>
+              <a:t>&lt;T&gt;()</a:t>
             </a:r>
             <a:endParaRPr lang="ru-RU" dirty="0" smtClean="0"/>
           </a:p>

--- a/Presentation/lesson-11-linq.pptx
+++ b/Presentation/lesson-11-linq.pptx
@@ -5,7 +5,7 @@
     <p:sldMasterId id="2147483648" r:id="rId1"/>
   </p:sldMasterIdLst>
   <p:notesMasterIdLst>
-    <p:notesMasterId r:id="rId26"/>
+    <p:notesMasterId r:id="rId27"/>
   </p:notesMasterIdLst>
   <p:sldIdLst>
     <p:sldId id="256" r:id="rId2"/>
@@ -21,17 +21,18 @@
     <p:sldId id="267" r:id="rId12"/>
     <p:sldId id="261" r:id="rId13"/>
     <p:sldId id="274" r:id="rId14"/>
-    <p:sldId id="275" r:id="rId15"/>
-    <p:sldId id="276" r:id="rId16"/>
-    <p:sldId id="268" r:id="rId17"/>
-    <p:sldId id="278" r:id="rId18"/>
+    <p:sldId id="281" r:id="rId15"/>
+    <p:sldId id="275" r:id="rId16"/>
+    <p:sldId id="276" r:id="rId17"/>
+    <p:sldId id="268" r:id="rId18"/>
     <p:sldId id="279" r:id="rId19"/>
-    <p:sldId id="280" r:id="rId20"/>
-    <p:sldId id="273" r:id="rId21"/>
-    <p:sldId id="260" r:id="rId22"/>
-    <p:sldId id="264" r:id="rId23"/>
-    <p:sldId id="262" r:id="rId24"/>
-    <p:sldId id="263" r:id="rId25"/>
+    <p:sldId id="278" r:id="rId20"/>
+    <p:sldId id="280" r:id="rId21"/>
+    <p:sldId id="273" r:id="rId22"/>
+    <p:sldId id="260" r:id="rId23"/>
+    <p:sldId id="264" r:id="rId24"/>
+    <p:sldId id="262" r:id="rId25"/>
+    <p:sldId id="263" r:id="rId26"/>
   </p:sldIdLst>
   <p:sldSz cx="9144000" cy="6858000" type="screen4x3"/>
   <p:notesSz cx="6858000" cy="9144000"/>
@@ -215,7 +216,8 @@
           <a:p>
             <a:fld id="{B24A7054-7FFB-49F4-A126-5DF6E687FF53}" type="datetimeFigureOut">
               <a:rPr lang="ru-RU" smtClean="0"/>
-              <a:t>22.11.2013</a:t>
+              <a:pPr/>
+              <a:t>26.03.2014</a:t>
             </a:fld>
             <a:endParaRPr lang="ru-RU"/>
           </a:p>
@@ -374,6 +376,7 @@
           <a:p>
             <a:fld id="{5E2CFC53-1526-41B6-8CBD-767FA907A23B}" type="slidenum">
               <a:rPr lang="ru-RU" smtClean="0"/>
+              <a:pPr/>
               <a:t>‹#›</a:t>
             </a:fld>
             <a:endParaRPr lang="ru-RU"/>
@@ -383,7 +386,7 @@
     </p:spTree>
     <p:extLst>
       <p:ext uri="{BB962C8B-B14F-4D97-AF65-F5344CB8AC3E}">
-        <p14:creationId xmlns:p14="http://schemas.microsoft.com/office/powerpoint/2010/main" val="4256143093"/>
+        <p14:creationId xmlns:p14="http://schemas.microsoft.com/office/powerpoint/2010/main" xmlns="" val="4256143093"/>
       </p:ext>
     </p:extLst>
   </p:cSld>
@@ -555,10 +558,10 @@
           <p:nvPr userDrawn="1"/>
         </p:nvPicPr>
         <p:blipFill>
-          <a:blip r:embed="rId2">
+          <a:blip r:embed="rId2" cstate="print">
             <a:extLst>
               <a:ext uri="{28A0092B-C50C-407E-A947-70E740481C1C}">
-                <a14:useLocalDpi xmlns:a14="http://schemas.microsoft.com/office/drawing/2010/main" val="0"/>
+                <a14:useLocalDpi xmlns:a14="http://schemas.microsoft.com/office/drawing/2010/main" xmlns="" val="0"/>
               </a:ext>
             </a:extLst>
           </a:blip>
@@ -582,14 +585,14 @@
           <a:effectLst/>
           <a:extLst>
             <a:ext uri="{909E8E84-426E-40DD-AFC4-6F175D3DCCD1}">
-              <a14:hiddenFill xmlns:a14="http://schemas.microsoft.com/office/drawing/2010/main">
+              <a14:hiddenFill xmlns:a14="http://schemas.microsoft.com/office/drawing/2010/main" xmlns="">
                 <a:solidFill>
                   <a:schemeClr val="accent1"/>
                 </a:solidFill>
               </a14:hiddenFill>
             </a:ext>
             <a:ext uri="{91240B29-F687-4F45-9708-019B960494DF}">
-              <a14:hiddenLine xmlns:a14="http://schemas.microsoft.com/office/drawing/2010/main" w="9525">
+              <a14:hiddenLine xmlns:a14="http://schemas.microsoft.com/office/drawing/2010/main" xmlns="" w="9525">
                 <a:solidFill>
                   <a:schemeClr val="tx1"/>
                 </a:solidFill>
@@ -599,7 +602,7 @@
               </a14:hiddenLine>
             </a:ext>
             <a:ext uri="{AF507438-7753-43E0-B8FC-AC1667EBCBE1}">
-              <a14:hiddenEffects xmlns:a14="http://schemas.microsoft.com/office/drawing/2010/main">
+              <a14:hiddenEffects xmlns:a14="http://schemas.microsoft.com/office/drawing/2010/main" xmlns="">
                 <a:effectLst>
                   <a:outerShdw dist="35921" dir="2700000" algn="ctr" rotWithShape="0">
                     <a:schemeClr val="bg2"/>
@@ -675,7 +678,7 @@
     </p:spTree>
     <p:extLst>
       <p:ext uri="{BB962C8B-B14F-4D97-AF65-F5344CB8AC3E}">
-        <p14:creationId xmlns:p14="http://schemas.microsoft.com/office/powerpoint/2010/main" val="2062725571"/>
+        <p14:creationId xmlns:p14="http://schemas.microsoft.com/office/powerpoint/2010/main" xmlns="" val="2062725571"/>
       </p:ext>
     </p:extLst>
   </p:cSld>
@@ -894,7 +897,7 @@
     </p:spTree>
     <p:extLst>
       <p:ext uri="{BB962C8B-B14F-4D97-AF65-F5344CB8AC3E}">
-        <p14:creationId xmlns:p14="http://schemas.microsoft.com/office/powerpoint/2010/main" val="4043488563"/>
+        <p14:creationId xmlns:p14="http://schemas.microsoft.com/office/powerpoint/2010/main" xmlns="" val="4043488563"/>
       </p:ext>
     </p:extLst>
   </p:cSld>
@@ -1086,7 +1089,7 @@
     </p:spTree>
     <p:extLst>
       <p:ext uri="{BB962C8B-B14F-4D97-AF65-F5344CB8AC3E}">
-        <p14:creationId xmlns:p14="http://schemas.microsoft.com/office/powerpoint/2010/main" val="2103675460"/>
+        <p14:creationId xmlns:p14="http://schemas.microsoft.com/office/powerpoint/2010/main" xmlns="" val="2103675460"/>
       </p:ext>
     </p:extLst>
   </p:cSld>
@@ -1191,7 +1194,7 @@
     </p:spTree>
     <p:extLst>
       <p:ext uri="{BB962C8B-B14F-4D97-AF65-F5344CB8AC3E}">
-        <p14:creationId xmlns:p14="http://schemas.microsoft.com/office/powerpoint/2010/main" val="2015559697"/>
+        <p14:creationId xmlns:p14="http://schemas.microsoft.com/office/powerpoint/2010/main" xmlns="" val="2015559697"/>
       </p:ext>
     </p:extLst>
   </p:cSld>
@@ -1306,7 +1309,7 @@
     </p:spTree>
     <p:extLst>
       <p:ext uri="{BB962C8B-B14F-4D97-AF65-F5344CB8AC3E}">
-        <p14:creationId xmlns:p14="http://schemas.microsoft.com/office/powerpoint/2010/main" val="370514854"/>
+        <p14:creationId xmlns:p14="http://schemas.microsoft.com/office/powerpoint/2010/main" xmlns="" val="370514854"/>
       </p:ext>
     </p:extLst>
   </p:cSld>
@@ -1497,7 +1500,8 @@
           <a:p>
             <a:fld id="{8E6E6A2A-E9D3-4A0D-B04A-ABDD367A1E08}" type="datetimeFigureOut">
               <a:rPr lang="ru-RU" smtClean="0"/>
-              <a:t>22.11.2013</a:t>
+              <a:pPr/>
+              <a:t>26.03.2014</a:t>
             </a:fld>
             <a:endParaRPr lang="ru-RU"/>
           </a:p>
@@ -1539,6 +1543,7 @@
           <a:p>
             <a:fld id="{BC0D3D34-2E8A-4A38-B864-C677BA056495}" type="slidenum">
               <a:rPr lang="ru-RU" smtClean="0"/>
+              <a:pPr/>
               <a:t>‹#›</a:t>
             </a:fld>
             <a:endParaRPr lang="ru-RU"/>
@@ -1548,7 +1553,7 @@
     </p:spTree>
     <p:extLst>
       <p:ext uri="{BB962C8B-B14F-4D97-AF65-F5344CB8AC3E}">
-        <p14:creationId xmlns:p14="http://schemas.microsoft.com/office/powerpoint/2010/main" val="1104335692"/>
+        <p14:creationId xmlns:p14="http://schemas.microsoft.com/office/powerpoint/2010/main" xmlns="" val="1104335692"/>
       </p:ext>
     </p:extLst>
   </p:cSld>
@@ -1692,10 +1697,10 @@
           <p:nvPr userDrawn="1"/>
         </p:nvPicPr>
         <p:blipFill>
-          <a:blip r:embed="rId2">
+          <a:blip r:embed="rId2" cstate="print">
             <a:extLst>
               <a:ext uri="{28A0092B-C50C-407E-A947-70E740481C1C}">
-                <a14:useLocalDpi xmlns:a14="http://schemas.microsoft.com/office/drawing/2010/main" val="0"/>
+                <a14:useLocalDpi xmlns:a14="http://schemas.microsoft.com/office/drawing/2010/main" xmlns="" val="0"/>
               </a:ext>
             </a:extLst>
           </a:blip>
@@ -1719,14 +1724,14 @@
           <a:effectLst/>
           <a:extLst>
             <a:ext uri="{909E8E84-426E-40DD-AFC4-6F175D3DCCD1}">
-              <a14:hiddenFill xmlns:a14="http://schemas.microsoft.com/office/drawing/2010/main">
+              <a14:hiddenFill xmlns:a14="http://schemas.microsoft.com/office/drawing/2010/main" xmlns="">
                 <a:solidFill>
                   <a:schemeClr val="accent1"/>
                 </a:solidFill>
               </a14:hiddenFill>
             </a:ext>
             <a:ext uri="{91240B29-F687-4F45-9708-019B960494DF}">
-              <a14:hiddenLine xmlns:a14="http://schemas.microsoft.com/office/drawing/2010/main" w="9525">
+              <a14:hiddenLine xmlns:a14="http://schemas.microsoft.com/office/drawing/2010/main" xmlns="" w="9525">
                 <a:solidFill>
                   <a:schemeClr val="tx1"/>
                 </a:solidFill>
@@ -1736,7 +1741,7 @@
               </a14:hiddenLine>
             </a:ext>
             <a:ext uri="{AF507438-7753-43E0-B8FC-AC1667EBCBE1}">
-              <a14:hiddenEffects xmlns:a14="http://schemas.microsoft.com/office/drawing/2010/main">
+              <a14:hiddenEffects xmlns:a14="http://schemas.microsoft.com/office/drawing/2010/main" xmlns="">
                 <a:effectLst>
                   <a:outerShdw dist="35921" dir="2700000" algn="ctr" rotWithShape="0">
                     <a:schemeClr val="bg2"/>
@@ -1750,7 +1755,7 @@
     </p:spTree>
     <p:extLst>
       <p:ext uri="{BB962C8B-B14F-4D97-AF65-F5344CB8AC3E}">
-        <p14:creationId xmlns:p14="http://schemas.microsoft.com/office/powerpoint/2010/main" val="3296324981"/>
+        <p14:creationId xmlns:p14="http://schemas.microsoft.com/office/powerpoint/2010/main" xmlns="" val="3296324981"/>
       </p:ext>
     </p:extLst>
   </p:cSld>
@@ -1862,7 +1867,7 @@
     </p:spTree>
     <p:extLst>
       <p:ext uri="{BB962C8B-B14F-4D97-AF65-F5344CB8AC3E}">
-        <p14:creationId xmlns:p14="http://schemas.microsoft.com/office/powerpoint/2010/main" val="3363467697"/>
+        <p14:creationId xmlns:p14="http://schemas.microsoft.com/office/powerpoint/2010/main" xmlns="" val="3363467697"/>
       </p:ext>
     </p:extLst>
   </p:cSld>
@@ -2043,7 +2048,7 @@
     </p:spTree>
     <p:extLst>
       <p:ext uri="{BB962C8B-B14F-4D97-AF65-F5344CB8AC3E}">
-        <p14:creationId xmlns:p14="http://schemas.microsoft.com/office/powerpoint/2010/main" val="1627150216"/>
+        <p14:creationId xmlns:p14="http://schemas.microsoft.com/office/powerpoint/2010/main" xmlns="" val="1627150216"/>
       </p:ext>
     </p:extLst>
   </p:cSld>
@@ -2266,7 +2271,7 @@
     </p:spTree>
     <p:extLst>
       <p:ext uri="{BB962C8B-B14F-4D97-AF65-F5344CB8AC3E}">
-        <p14:creationId xmlns:p14="http://schemas.microsoft.com/office/powerpoint/2010/main" val="1026234569"/>
+        <p14:creationId xmlns:p14="http://schemas.microsoft.com/office/powerpoint/2010/main" xmlns="" val="1026234569"/>
       </p:ext>
     </p:extLst>
   </p:cSld>
@@ -2623,7 +2628,7 @@
     </p:spTree>
     <p:extLst>
       <p:ext uri="{BB962C8B-B14F-4D97-AF65-F5344CB8AC3E}">
-        <p14:creationId xmlns:p14="http://schemas.microsoft.com/office/powerpoint/2010/main" val="4044979405"/>
+        <p14:creationId xmlns:p14="http://schemas.microsoft.com/office/powerpoint/2010/main" xmlns="" val="4044979405"/>
       </p:ext>
     </p:extLst>
   </p:cSld>
@@ -2676,7 +2681,7 @@
     </p:spTree>
     <p:extLst>
       <p:ext uri="{BB962C8B-B14F-4D97-AF65-F5344CB8AC3E}">
-        <p14:creationId xmlns:p14="http://schemas.microsoft.com/office/powerpoint/2010/main" val="125202666"/>
+        <p14:creationId xmlns:p14="http://schemas.microsoft.com/office/powerpoint/2010/main" xmlns="" val="125202666"/>
       </p:ext>
     </p:extLst>
   </p:cSld>
@@ -2741,7 +2746,7 @@
     </p:spTree>
     <p:extLst>
       <p:ext uri="{BB962C8B-B14F-4D97-AF65-F5344CB8AC3E}">
-        <p14:creationId xmlns:p14="http://schemas.microsoft.com/office/powerpoint/2010/main" val="3308008441"/>
+        <p14:creationId xmlns:p14="http://schemas.microsoft.com/office/powerpoint/2010/main" xmlns="" val="3308008441"/>
       </p:ext>
     </p:extLst>
   </p:cSld>
@@ -2771,7 +2776,7 @@
     </p:spTree>
     <p:extLst>
       <p:ext uri="{BB962C8B-B14F-4D97-AF65-F5344CB8AC3E}">
-        <p14:creationId xmlns:p14="http://schemas.microsoft.com/office/powerpoint/2010/main" val="2618453949"/>
+        <p14:creationId xmlns:p14="http://schemas.microsoft.com/office/powerpoint/2010/main" xmlns="" val="2618453949"/>
       </p:ext>
     </p:extLst>
   </p:cSld>
@@ -2787,7 +2792,7 @@
     <p:bg>
       <p:bgPr>
         <a:blipFill dpi="0" rotWithShape="1">
-          <a:blip r:embed="rId16">
+          <a:blip r:embed="rId16" cstate="print">
             <a:lum/>
           </a:blip>
           <a:srcRect/>
@@ -2942,7 +2947,8 @@
           <a:p>
             <a:fld id="{AC3D3127-B7C4-45E3-9797-C527EC9FDD78}" type="datetimeFigureOut">
               <a:rPr lang="ru-RU" smtClean="0"/>
-              <a:t>22.11.2013</a:t>
+              <a:pPr/>
+              <a:t>26.03.2014</a:t>
             </a:fld>
             <a:endParaRPr lang="ru-RU"/>
           </a:p>
@@ -3020,6 +3026,7 @@
           <a:p>
             <a:fld id="{1E929BC3-9972-4A35-985B-BE0C2CB1D3A5}" type="slidenum">
               <a:rPr lang="ru-RU" smtClean="0"/>
+              <a:pPr/>
               <a:t>‹#›</a:t>
             </a:fld>
             <a:endParaRPr lang="ru-RU"/>
@@ -3029,7 +3036,7 @@
     </p:spTree>
     <p:extLst>
       <p:ext uri="{BB962C8B-B14F-4D97-AF65-F5344CB8AC3E}">
-        <p14:creationId xmlns:p14="http://schemas.microsoft.com/office/powerpoint/2010/main" val="995537454"/>
+        <p14:creationId xmlns:p14="http://schemas.microsoft.com/office/powerpoint/2010/main" xmlns="" val="995537454"/>
       </p:ext>
     </p:extLst>
   </p:cSld>
@@ -3382,10 +3389,10 @@
           <p:nvPr/>
         </p:nvPicPr>
         <p:blipFill>
-          <a:blip r:embed="rId2">
+          <a:blip r:embed="rId2" cstate="print">
             <a:extLst>
               <a:ext uri="{28A0092B-C50C-407E-A947-70E740481C1C}">
-                <a14:useLocalDpi xmlns:a14="http://schemas.microsoft.com/office/drawing/2010/main" val="0"/>
+                <a14:useLocalDpi xmlns:a14="http://schemas.microsoft.com/office/drawing/2010/main" xmlns="" val="0"/>
               </a:ext>
             </a:extLst>
           </a:blip>
@@ -3409,14 +3416,14 @@
           <a:effectLst/>
           <a:extLst>
             <a:ext uri="{909E8E84-426E-40DD-AFC4-6F175D3DCCD1}">
-              <a14:hiddenFill xmlns:a14="http://schemas.microsoft.com/office/drawing/2010/main">
+              <a14:hiddenFill xmlns:a14="http://schemas.microsoft.com/office/drawing/2010/main" xmlns="">
                 <a:solidFill>
                   <a:schemeClr val="accent1"/>
                 </a:solidFill>
               </a14:hiddenFill>
             </a:ext>
             <a:ext uri="{91240B29-F687-4F45-9708-019B960494DF}">
-              <a14:hiddenLine xmlns:a14="http://schemas.microsoft.com/office/drawing/2010/main" w="9525">
+              <a14:hiddenLine xmlns:a14="http://schemas.microsoft.com/office/drawing/2010/main" xmlns="" w="9525">
                 <a:solidFill>
                   <a:schemeClr val="tx1"/>
                 </a:solidFill>
@@ -3426,7 +3433,7 @@
               </a14:hiddenLine>
             </a:ext>
             <a:ext uri="{AF507438-7753-43E0-B8FC-AC1667EBCBE1}">
-              <a14:hiddenEffects xmlns:a14="http://schemas.microsoft.com/office/drawing/2010/main">
+              <a14:hiddenEffects xmlns:a14="http://schemas.microsoft.com/office/drawing/2010/main" xmlns="">
                 <a:effectLst>
                   <a:outerShdw dist="35921" dir="2700000" algn="ctr" rotWithShape="0">
                     <a:schemeClr val="bg2"/>
@@ -3511,7 +3518,7 @@
     </p:spTree>
     <p:extLst>
       <p:ext uri="{BB962C8B-B14F-4D97-AF65-F5344CB8AC3E}">
-        <p14:creationId xmlns:p14="http://schemas.microsoft.com/office/powerpoint/2010/main" val="2151619624"/>
+        <p14:creationId xmlns:p14="http://schemas.microsoft.com/office/powerpoint/2010/main" xmlns="" val="2151619624"/>
       </p:ext>
     </p:extLst>
   </p:cSld>
@@ -3611,11 +3618,7 @@
             </a:r>
             <a:r>
               <a:rPr lang="ru-RU" dirty="0" smtClean="0"/>
-              <a:t>метод </a:t>
-            </a:r>
-            <a:r>
-              <a:rPr lang="ru-RU" dirty="0" smtClean="0"/>
-              <a:t>для класса </a:t>
+              <a:t>метод для класса </a:t>
             </a:r>
             <a:r>
               <a:rPr lang="en-US" dirty="0" err="1" smtClean="0"/>
@@ -3633,11 +3636,7 @@
             </a:r>
             <a:r>
               <a:rPr lang="en-US" dirty="0" smtClean="0"/>
-              <a:t>(string </a:t>
-            </a:r>
-            <a:r>
-              <a:rPr lang="en-US" dirty="0" smtClean="0"/>
-              <a:t>format, object[] </a:t>
+              <a:t>(string format, object[] </a:t>
             </a:r>
             <a:r>
               <a:rPr lang="en-US" dirty="0" err="1" smtClean="0"/>
@@ -3649,11 +3648,7 @@
             </a:r>
             <a:r>
               <a:rPr lang="ru-RU" dirty="0" smtClean="0"/>
-              <a:t> – форматированный вывод строки заканчивающийся переводом строки</a:t>
-            </a:r>
-            <a:r>
-              <a:rPr lang="ru-RU" dirty="0" smtClean="0"/>
-              <a:t>.</a:t>
+              <a:t> – форматированный вывод строки заканчивающийся переводом строки.</a:t>
             </a:r>
             <a:r>
               <a:rPr lang="en-US" dirty="0" smtClean="0"/>
@@ -3690,13 +3685,20 @@
     </p:spTree>
     <p:extLst>
       <p:ext uri="{BB962C8B-B14F-4D97-AF65-F5344CB8AC3E}">
-        <p14:creationId xmlns:p14="http://schemas.microsoft.com/office/powerpoint/2010/main" val="3539412357"/>
+        <p14:creationId xmlns:p14="http://schemas.microsoft.com/office/powerpoint/2010/main" xmlns="" val="3539412357"/>
       </p:ext>
     </p:extLst>
   </p:cSld>
   <p:clrMapOvr>
     <a:masterClrMapping/>
   </p:clrMapOvr>
+  <p:timing>
+    <p:tnLst>
+      <p:par>
+        <p:cTn id="1" dur="indefinite" restart="never" nodeType="tmRoot"/>
+      </p:par>
+    </p:tnLst>
+  </p:timing>
 </p:sld>
 </file>
 
@@ -3783,13 +3785,20 @@
     </p:spTree>
     <p:extLst>
       <p:ext uri="{BB962C8B-B14F-4D97-AF65-F5344CB8AC3E}">
-        <p14:creationId xmlns:p14="http://schemas.microsoft.com/office/powerpoint/2010/main" val="375333521"/>
+        <p14:creationId xmlns:p14="http://schemas.microsoft.com/office/powerpoint/2010/main" xmlns="" val="375333521"/>
       </p:ext>
     </p:extLst>
   </p:cSld>
   <p:clrMapOvr>
     <a:masterClrMapping/>
   </p:clrMapOvr>
+  <p:timing>
+    <p:tnLst>
+      <p:par>
+        <p:cTn id="1" dur="indefinite" restart="never" nodeType="tmRoot"/>
+      </p:par>
+    </p:tnLst>
+  </p:timing>
 </p:sld>
 </file>
 
@@ -3889,7 +3898,7 @@
     </p:spTree>
     <p:extLst>
       <p:ext uri="{BB962C8B-B14F-4D97-AF65-F5344CB8AC3E}">
-        <p14:creationId xmlns:p14="http://schemas.microsoft.com/office/powerpoint/2010/main" val="2250229024"/>
+        <p14:creationId xmlns:p14="http://schemas.microsoft.com/office/powerpoint/2010/main" xmlns="" val="2250229024"/>
       </p:ext>
     </p:extLst>
   </p:cSld>
@@ -3987,13 +3996,20 @@
     </p:spTree>
     <p:extLst>
       <p:ext uri="{BB962C8B-B14F-4D97-AF65-F5344CB8AC3E}">
-        <p14:creationId xmlns:p14="http://schemas.microsoft.com/office/powerpoint/2010/main" val="3785344664"/>
+        <p14:creationId xmlns:p14="http://schemas.microsoft.com/office/powerpoint/2010/main" xmlns="" val="3785344664"/>
       </p:ext>
     </p:extLst>
   </p:cSld>
   <p:clrMapOvr>
     <a:masterClrMapping/>
   </p:clrMapOvr>
+  <p:timing>
+    <p:tnLst>
+      <p:par>
+        <p:cTn id="1" dur="indefinite" restart="never" nodeType="tmRoot"/>
+      </p:par>
+    </p:tnLst>
+  </p:timing>
 </p:sld>
 </file>
 
@@ -4030,16 +4046,12 @@
           <a:lstStyle/>
           <a:p>
             <a:r>
+              <a:rPr lang="en-US" dirty="0" err="1" smtClean="0"/>
+              <a:t>Enumerable.Select</a:t>
+            </a:r>
+            <a:r>
               <a:rPr lang="en-US" dirty="0" smtClean="0"/>
-              <a:t>Enumerable: Any() </a:t>
-            </a:r>
-            <a:r>
-              <a:rPr lang="ru-RU" dirty="0" smtClean="0"/>
-              <a:t>и </a:t>
-            </a:r>
-            <a:r>
-              <a:rPr lang="en-US" dirty="0" smtClean="0"/>
-              <a:t>All()</a:t>
+              <a:t>()</a:t>
             </a:r>
             <a:endParaRPr lang="en-US" dirty="0"/>
           </a:p>
@@ -4057,211 +4069,15 @@
         </p:nvSpPr>
         <p:spPr/>
         <p:txBody>
-          <a:bodyPr>
-            <a:normAutofit fontScale="85000" lnSpcReduction="20000"/>
-          </a:bodyPr>
+          <a:bodyPr/>
           <a:lstStyle/>
           <a:p>
-            <a:r>
-              <a:rPr lang="en-US" dirty="0" smtClean="0"/>
-              <a:t>Any()</a:t>
-            </a:r>
-          </a:p>
-          <a:p>
-            <a:pPr lvl="1"/>
+            <a:pPr marL="0" indent="0">
+              <a:buNone/>
+            </a:pPr>
             <a:r>
               <a:rPr lang="ru-RU" dirty="0" smtClean="0"/>
-              <a:t>Метод </a:t>
-            </a:r>
-            <a:r>
-              <a:rPr lang="en-US" dirty="0" smtClean="0"/>
-              <a:t>Any() </a:t>
-            </a:r>
-            <a:r>
-              <a:rPr lang="ru-RU" dirty="0" smtClean="0"/>
-              <a:t>вызванный без аргументов вернет </a:t>
-            </a:r>
-            <a:r>
-              <a:rPr lang="en-US" dirty="0" smtClean="0"/>
-              <a:t>true </a:t>
-            </a:r>
-            <a:r>
-              <a:rPr lang="ru-RU" dirty="0" smtClean="0"/>
-              <a:t>если последовательность содержит хотя бы один элемент (то есть является не пустой) и </a:t>
-            </a:r>
-            <a:r>
-              <a:rPr lang="en-US" dirty="0" smtClean="0"/>
-              <a:t>false </a:t>
-            </a:r>
-            <a:r>
-              <a:rPr lang="ru-RU" dirty="0" smtClean="0"/>
-              <a:t>в </a:t>
-            </a:r>
-            <a:r>
-              <a:rPr lang="ru-RU" smtClean="0"/>
-              <a:t>противном случае;</a:t>
-            </a:r>
-            <a:endParaRPr lang="en-US" dirty="0" smtClean="0"/>
-          </a:p>
-          <a:p>
-            <a:pPr lvl="1"/>
-            <a:r>
-              <a:rPr lang="ru-RU" dirty="0" smtClean="0"/>
-              <a:t>Метод </a:t>
-            </a:r>
-            <a:r>
-              <a:rPr lang="en-US" dirty="0" smtClean="0"/>
-              <a:t>Any(</a:t>
-            </a:r>
-            <a:r>
-              <a:rPr lang="en-US" dirty="0" err="1"/>
-              <a:t>Func</a:t>
-            </a:r>
-            <a:r>
-              <a:rPr lang="en-US" dirty="0"/>
-              <a:t>&lt;</a:t>
-            </a:r>
-            <a:r>
-              <a:rPr lang="en-US" dirty="0" err="1"/>
-              <a:t>TSource</a:t>
-            </a:r>
-            <a:r>
-              <a:rPr lang="en-US" dirty="0"/>
-              <a:t>, </a:t>
-            </a:r>
-            <a:r>
-              <a:rPr lang="en-US" dirty="0" err="1"/>
-              <a:t>bool</a:t>
-            </a:r>
-            <a:r>
-              <a:rPr lang="en-US" dirty="0"/>
-              <a:t>&gt; predicate</a:t>
-            </a:r>
-            <a:r>
-              <a:rPr lang="en-US" dirty="0" smtClean="0"/>
-              <a:t>) </a:t>
-            </a:r>
-            <a:r>
-              <a:rPr lang="ru-RU" dirty="0" smtClean="0"/>
-              <a:t>вернет </a:t>
-            </a:r>
-            <a:r>
-              <a:rPr lang="en-US" dirty="0" smtClean="0"/>
-              <a:t>true </a:t>
-            </a:r>
-            <a:r>
-              <a:rPr lang="ru-RU" dirty="0" smtClean="0"/>
-              <a:t>если </a:t>
-            </a:r>
-            <a:r>
-              <a:rPr lang="ru-RU" dirty="0"/>
-              <a:t>последовательность содержит хотя бы один </a:t>
-            </a:r>
-            <a:r>
-              <a:rPr lang="ru-RU" dirty="0" smtClean="0"/>
-              <a:t>элемент для которого предикат вернул </a:t>
-            </a:r>
-            <a:r>
-              <a:rPr lang="en-US" dirty="0" smtClean="0"/>
-              <a:t>true </a:t>
-            </a:r>
-            <a:r>
-              <a:rPr lang="ru-RU" dirty="0"/>
-              <a:t>и </a:t>
-            </a:r>
-            <a:r>
-              <a:rPr lang="en-US" dirty="0"/>
-              <a:t>false </a:t>
-            </a:r>
-            <a:r>
-              <a:rPr lang="ru-RU" dirty="0"/>
-              <a:t>в противном </a:t>
-            </a:r>
-            <a:r>
-              <a:rPr lang="ru-RU" dirty="0" smtClean="0"/>
-              <a:t>случае.</a:t>
-            </a:r>
-            <a:endParaRPr lang="en-US" dirty="0" smtClean="0"/>
-          </a:p>
-          <a:p>
-            <a:r>
-              <a:rPr lang="en-US" dirty="0" smtClean="0"/>
-              <a:t>All()</a:t>
-            </a:r>
-          </a:p>
-          <a:p>
-            <a:pPr lvl="1"/>
-            <a:r>
-              <a:rPr lang="ru-RU" dirty="0" smtClean="0"/>
-              <a:t>Метод </a:t>
-            </a:r>
-            <a:r>
-              <a:rPr lang="en-US" dirty="0" smtClean="0"/>
-              <a:t>All(</a:t>
-            </a:r>
-            <a:r>
-              <a:rPr lang="en-US" dirty="0" err="1" smtClean="0"/>
-              <a:t>Func</a:t>
-            </a:r>
-            <a:r>
-              <a:rPr lang="en-US" dirty="0" smtClean="0"/>
-              <a:t>&lt;</a:t>
-            </a:r>
-            <a:r>
-              <a:rPr lang="en-US" dirty="0" err="1" smtClean="0"/>
-              <a:t>TSource</a:t>
-            </a:r>
-            <a:r>
-              <a:rPr lang="en-US" dirty="0"/>
-              <a:t>, </a:t>
-            </a:r>
-            <a:r>
-              <a:rPr lang="en-US" dirty="0" err="1"/>
-              <a:t>bool</a:t>
-            </a:r>
-            <a:r>
-              <a:rPr lang="en-US" dirty="0"/>
-              <a:t>&gt; predicate) </a:t>
-            </a:r>
-            <a:r>
-              <a:rPr lang="ru-RU" dirty="0"/>
-              <a:t>вернет </a:t>
-            </a:r>
-            <a:r>
-              <a:rPr lang="en-US" dirty="0"/>
-              <a:t>true </a:t>
-            </a:r>
-            <a:r>
-              <a:rPr lang="ru-RU" dirty="0"/>
-              <a:t>если </a:t>
-            </a:r>
-            <a:r>
-              <a:rPr lang="ru-RU" dirty="0" smtClean="0"/>
-              <a:t>для всех элементов последовательности предикат </a:t>
-            </a:r>
-            <a:r>
-              <a:rPr lang="ru-RU" dirty="0"/>
-              <a:t>вернул </a:t>
-            </a:r>
-            <a:r>
-              <a:rPr lang="en-US" dirty="0"/>
-              <a:t>true </a:t>
-            </a:r>
-            <a:r>
-              <a:rPr lang="ru-RU" dirty="0"/>
-              <a:t>и </a:t>
-            </a:r>
-            <a:r>
-              <a:rPr lang="en-US" dirty="0"/>
-              <a:t>false </a:t>
-            </a:r>
-            <a:r>
-              <a:rPr lang="ru-RU" dirty="0"/>
-              <a:t>в противном </a:t>
-            </a:r>
-            <a:r>
-              <a:rPr lang="ru-RU" dirty="0" smtClean="0"/>
-              <a:t>случае.</a:t>
+              <a:t>…</a:t>
             </a:r>
             <a:endParaRPr lang="en-US" dirty="0"/>
           </a:p>
@@ -4270,13 +4086,20 @@
     </p:spTree>
     <p:extLst>
       <p:ext uri="{BB962C8B-B14F-4D97-AF65-F5344CB8AC3E}">
-        <p14:creationId xmlns:p14="http://schemas.microsoft.com/office/powerpoint/2010/main" val="1695211947"/>
+        <p14:creationId xmlns:p14="http://schemas.microsoft.com/office/powerpoint/2010/main" xmlns="" val="3785344664"/>
       </p:ext>
     </p:extLst>
   </p:cSld>
   <p:clrMapOvr>
     <a:masterClrMapping/>
   </p:clrMapOvr>
+  <p:timing>
+    <p:tnLst>
+      <p:par>
+        <p:cTn id="1" dur="indefinite" restart="never" nodeType="tmRoot"/>
+      </p:par>
+    </p:tnLst>
+  </p:timing>
 </p:sld>
 </file>
 
@@ -4314,7 +4137,7 @@
           <a:p>
             <a:r>
               <a:rPr lang="en-US" dirty="0" smtClean="0"/>
-              <a:t>Enumerable: First() </a:t>
+              <a:t>Enumerable: Any() </a:t>
             </a:r>
             <a:r>
               <a:rPr lang="ru-RU" dirty="0" smtClean="0"/>
@@ -4322,7 +4145,7 @@
             </a:r>
             <a:r>
               <a:rPr lang="en-US" dirty="0" smtClean="0"/>
-              <a:t>Last()</a:t>
+              <a:t>All()</a:t>
             </a:r>
             <a:endParaRPr lang="en-US" dirty="0"/>
           </a:p>
@@ -4341,90 +4164,211 @@
         <p:spPr/>
         <p:txBody>
           <a:bodyPr>
-            <a:normAutofit fontScale="92500" lnSpcReduction="10000"/>
+            <a:normAutofit fontScale="85000" lnSpcReduction="20000"/>
           </a:bodyPr>
           <a:lstStyle/>
           <a:p>
-            <a:pPr marL="0" indent="0">
-              <a:buNone/>
-            </a:pPr>
+            <a:r>
+              <a:rPr lang="en-US" dirty="0" smtClean="0"/>
+              <a:t>Any()</a:t>
+            </a:r>
+          </a:p>
+          <a:p>
+            <a:pPr lvl="1"/>
             <a:r>
               <a:rPr lang="ru-RU" dirty="0" smtClean="0"/>
-              <a:t>Возвращают первый или последний элемент.</a:t>
+              <a:t>Метод </a:t>
             </a:r>
             <a:r>
               <a:rPr lang="en-US" dirty="0" smtClean="0"/>
-              <a:t> </a:t>
+              <a:t>Any() </a:t>
             </a:r>
             <a:r>
               <a:rPr lang="ru-RU" dirty="0" smtClean="0"/>
-              <a:t>Если последовательность пустая, то генерируется исключение.</a:t>
-            </a:r>
-          </a:p>
-          <a:p>
-            <a:pPr marL="0" indent="0">
-              <a:buNone/>
-            </a:pPr>
-            <a:endParaRPr lang="ru-RU" dirty="0"/>
-          </a:p>
-          <a:p>
-            <a:pPr marL="0" indent="0">
-              <a:buNone/>
-            </a:pPr>
+              <a:t>вызванный без аргументов вернет </a:t>
+            </a:r>
+            <a:r>
+              <a:rPr lang="en-US" dirty="0" smtClean="0"/>
+              <a:t>true </a:t>
+            </a:r>
             <a:r>
               <a:rPr lang="ru-RU" dirty="0" smtClean="0"/>
-              <a:t>Если мы ожидаем, что последовательность может быть пустой, то можно использовать методы </a:t>
+              <a:t>если последовательность содержит хотя бы один элемент (то есть является не пустой) и </a:t>
+            </a:r>
+            <a:r>
+              <a:rPr lang="en-US" dirty="0" smtClean="0"/>
+              <a:t>false </a:t>
+            </a:r>
+            <a:r>
+              <a:rPr lang="ru-RU" dirty="0" smtClean="0"/>
+              <a:t>в </a:t>
+            </a:r>
+            <a:r>
+              <a:rPr lang="ru-RU" smtClean="0"/>
+              <a:t>противном случае;</a:t>
+            </a:r>
+            <a:endParaRPr lang="en-US" dirty="0" smtClean="0"/>
+          </a:p>
+          <a:p>
+            <a:pPr lvl="1"/>
+            <a:r>
+              <a:rPr lang="ru-RU" dirty="0" smtClean="0"/>
+              <a:t>Метод </a:t>
+            </a:r>
+            <a:r>
+              <a:rPr lang="en-US" dirty="0" smtClean="0"/>
+              <a:t>Any(</a:t>
+            </a:r>
+            <a:r>
+              <a:rPr lang="en-US" dirty="0" err="1"/>
+              <a:t>Func</a:t>
+            </a:r>
+            <a:r>
+              <a:rPr lang="en-US" dirty="0"/>
+              <a:t>&lt;</a:t>
+            </a:r>
+            <a:r>
+              <a:rPr lang="en-US" dirty="0" err="1"/>
+              <a:t>TSource</a:t>
+            </a:r>
+            <a:r>
+              <a:rPr lang="en-US" dirty="0"/>
+              <a:t>, </a:t>
+            </a:r>
+            <a:r>
+              <a:rPr lang="en-US" dirty="0" err="1"/>
+              <a:t>bool</a:t>
+            </a:r>
+            <a:r>
+              <a:rPr lang="en-US" dirty="0"/>
+              <a:t>&gt; predicate</a:t>
+            </a:r>
+            <a:r>
+              <a:rPr lang="en-US" dirty="0" smtClean="0"/>
+              <a:t>) </a:t>
+            </a:r>
+            <a:r>
+              <a:rPr lang="ru-RU" dirty="0" smtClean="0"/>
+              <a:t>вернет </a:t>
+            </a:r>
+            <a:r>
+              <a:rPr lang="en-US" dirty="0" smtClean="0"/>
+              <a:t>true </a:t>
+            </a:r>
+            <a:r>
+              <a:rPr lang="ru-RU" dirty="0" smtClean="0"/>
+              <a:t>если </a:t>
+            </a:r>
+            <a:r>
+              <a:rPr lang="ru-RU" dirty="0"/>
+              <a:t>последовательность содержит хотя бы один </a:t>
+            </a:r>
+            <a:r>
+              <a:rPr lang="ru-RU" dirty="0" smtClean="0"/>
+              <a:t>элемент для которого предикат вернул </a:t>
+            </a:r>
+            <a:r>
+              <a:rPr lang="en-US" dirty="0" smtClean="0"/>
+              <a:t>true </a:t>
+            </a:r>
+            <a:r>
+              <a:rPr lang="ru-RU" dirty="0"/>
+              <a:t>и </a:t>
+            </a:r>
+            <a:r>
+              <a:rPr lang="en-US" dirty="0"/>
+              <a:t>false </a:t>
+            </a:r>
+            <a:r>
+              <a:rPr lang="ru-RU" dirty="0"/>
+              <a:t>в противном </a:t>
+            </a:r>
+            <a:r>
+              <a:rPr lang="ru-RU" dirty="0" smtClean="0"/>
+              <a:t>случае.</a:t>
+            </a:r>
+            <a:endParaRPr lang="en-US" dirty="0" smtClean="0"/>
+          </a:p>
+          <a:p>
+            <a:r>
+              <a:rPr lang="en-US" dirty="0" smtClean="0"/>
+              <a:t>All()</a:t>
+            </a:r>
+          </a:p>
+          <a:p>
+            <a:pPr lvl="1"/>
+            <a:r>
+              <a:rPr lang="ru-RU" dirty="0" smtClean="0"/>
+              <a:t>Метод </a:t>
+            </a:r>
+            <a:r>
+              <a:rPr lang="en-US" dirty="0" smtClean="0"/>
+              <a:t>All(</a:t>
             </a:r>
             <a:r>
               <a:rPr lang="en-US" dirty="0" err="1" smtClean="0"/>
-              <a:t>FirstOrDefault</a:t>
+              <a:t>Func</a:t>
             </a:r>
             <a:r>
               <a:rPr lang="en-US" dirty="0" smtClean="0"/>
-              <a:t>()/</a:t>
+              <a:t>&lt;</a:t>
             </a:r>
             <a:r>
               <a:rPr lang="en-US" dirty="0" err="1" smtClean="0"/>
-              <a:t>Last</a:t>
+              <a:t>TSource</a:t>
+            </a:r>
+            <a:r>
+              <a:rPr lang="en-US" dirty="0"/>
+              <a:t>, </a:t>
             </a:r>
             <a:r>
               <a:rPr lang="en-US" dirty="0" err="1"/>
-              <a:t>O</a:t>
-            </a:r>
-            <a:r>
-              <a:rPr lang="en-US" dirty="0" err="1" smtClean="0"/>
-              <a:t>rDefault</a:t>
-            </a:r>
-            <a:r>
-              <a:rPr lang="en-US" dirty="0" smtClean="0"/>
-              <a:t>(). </a:t>
+              <a:t>bool</a:t>
+            </a:r>
+            <a:r>
+              <a:rPr lang="en-US" dirty="0"/>
+              <a:t>&gt; predicate) </a:t>
+            </a:r>
+            <a:r>
+              <a:rPr lang="ru-RU" dirty="0"/>
+              <a:t>вернет </a:t>
+            </a:r>
+            <a:r>
+              <a:rPr lang="en-US" dirty="0"/>
+              <a:t>true </a:t>
+            </a:r>
+            <a:r>
+              <a:rPr lang="ru-RU" dirty="0"/>
+              <a:t>если </a:t>
             </a:r>
             <a:r>
               <a:rPr lang="ru-RU" dirty="0" smtClean="0"/>
-              <a:t>Они вернут первый элемент или значение по умолчанию</a:t>
-            </a:r>
-            <a:r>
-              <a:rPr lang="en-US" dirty="0" smtClean="0"/>
-              <a:t>: null </a:t>
+              <a:t>для всех элементов последовательности предикат </a:t>
+            </a:r>
+            <a:r>
+              <a:rPr lang="ru-RU" dirty="0"/>
+              <a:t>вернул </a:t>
+            </a:r>
+            <a:r>
+              <a:rPr lang="en-US" dirty="0"/>
+              <a:t>true </a:t>
+            </a:r>
+            <a:r>
+              <a:rPr lang="ru-RU" dirty="0"/>
+              <a:t>и </a:t>
+            </a:r>
+            <a:r>
+              <a:rPr lang="en-US" dirty="0"/>
+              <a:t>false </a:t>
+            </a:r>
+            <a:r>
+              <a:rPr lang="ru-RU" dirty="0"/>
+              <a:t>в противном </a:t>
             </a:r>
             <a:r>
               <a:rPr lang="ru-RU" dirty="0" smtClean="0"/>
-              <a:t>для ссылочных типов, 0 для </a:t>
-            </a:r>
-            <a:r>
-              <a:rPr lang="en-US" dirty="0" smtClean="0"/>
-              <a:t>value </a:t>
-            </a:r>
-            <a:r>
-              <a:rPr lang="ru-RU" dirty="0" smtClean="0"/>
-              <a:t>типов.</a:t>
-            </a:r>
-            <a:endParaRPr lang="en-US" dirty="0"/>
-          </a:p>
-          <a:p>
-            <a:pPr marL="0" indent="0">
-              <a:buNone/>
-            </a:pPr>
+              <a:t>случае.</a:t>
+            </a:r>
             <a:endParaRPr lang="en-US" dirty="0"/>
           </a:p>
         </p:txBody>
@@ -4432,13 +4376,20 @@
     </p:spTree>
     <p:extLst>
       <p:ext uri="{BB962C8B-B14F-4D97-AF65-F5344CB8AC3E}">
-        <p14:creationId xmlns:p14="http://schemas.microsoft.com/office/powerpoint/2010/main" val="821585920"/>
+        <p14:creationId xmlns:p14="http://schemas.microsoft.com/office/powerpoint/2010/main" xmlns="" val="1695211947"/>
       </p:ext>
     </p:extLst>
   </p:cSld>
   <p:clrMapOvr>
     <a:masterClrMapping/>
   </p:clrMapOvr>
+  <p:timing>
+    <p:tnLst>
+      <p:par>
+        <p:cTn id="1" dur="indefinite" restart="never" nodeType="tmRoot"/>
+      </p:par>
+    </p:tnLst>
+  </p:timing>
 </p:sld>
 </file>
 
@@ -4476,7 +4427,15 @@
           <a:p>
             <a:r>
               <a:rPr lang="en-US" dirty="0" smtClean="0"/>
-              <a:t>Enumerable: Single()</a:t>
+              <a:t>Enumerable: First() </a:t>
+            </a:r>
+            <a:r>
+              <a:rPr lang="ru-RU" dirty="0" smtClean="0"/>
+              <a:t>и </a:t>
+            </a:r>
+            <a:r>
+              <a:rPr lang="en-US" dirty="0" smtClean="0"/>
+              <a:t>Last()</a:t>
             </a:r>
             <a:endParaRPr lang="en-US" dirty="0"/>
           </a:p>
@@ -4495,7 +4454,7 @@
         <p:spPr/>
         <p:txBody>
           <a:bodyPr>
-            <a:normAutofit lnSpcReduction="10000"/>
+            <a:normAutofit fontScale="92500" lnSpcReduction="10000"/>
           </a:bodyPr>
           <a:lstStyle/>
           <a:p>
@@ -4504,15 +4463,15 @@
             </a:pPr>
             <a:r>
               <a:rPr lang="ru-RU" dirty="0" smtClean="0"/>
-              <a:t>Метод </a:t>
+              <a:t>Возвращают первый или последний элемент.</a:t>
             </a:r>
             <a:r>
               <a:rPr lang="en-US" dirty="0" smtClean="0"/>
-              <a:t>Singe() </a:t>
+              <a:t> </a:t>
             </a:r>
             <a:r>
               <a:rPr lang="ru-RU" dirty="0" smtClean="0"/>
-              <a:t>возвращает первый элемент из последовательности состоящей из одного элемента. Если в последовательности больше одного элемента или она пустая, то генерируется исключение.</a:t>
+              <a:t>Если последовательность пустая, то генерируется исключение.</a:t>
             </a:r>
           </a:p>
           <a:p>
@@ -4526,25 +4485,59 @@
               <a:buNone/>
             </a:pPr>
             <a:r>
-              <a:rPr lang="ru-RU" dirty="0"/>
-              <a:t>Если мы ожидаем, что последовательность может быть пустой, то можно использовать </a:t>
-            </a:r>
-            <a:r>
               <a:rPr lang="ru-RU" dirty="0" smtClean="0"/>
-              <a:t>метод</a:t>
+              <a:t>Если мы ожидаем, что последовательность может быть пустой, то можно использовать методы </a:t>
+            </a:r>
+            <a:r>
+              <a:rPr lang="en-US" dirty="0" err="1" smtClean="0"/>
+              <a:t>FirstOrDefault</a:t>
             </a:r>
             <a:r>
               <a:rPr lang="en-US" dirty="0" smtClean="0"/>
-              <a:t> </a:t>
+              <a:t>()/</a:t>
             </a:r>
             <a:r>
               <a:rPr lang="en-US" dirty="0" err="1" smtClean="0"/>
-              <a:t>SingleOrDefault</a:t>
+              <a:t>Last</a:t>
+            </a:r>
+            <a:r>
+              <a:rPr lang="en-US" dirty="0" err="1"/>
+              <a:t>O</a:t>
+            </a:r>
+            <a:r>
+              <a:rPr lang="en-US" dirty="0" err="1" smtClean="0"/>
+              <a:t>rDefault</a:t>
             </a:r>
             <a:r>
               <a:rPr lang="en-US" dirty="0" smtClean="0"/>
-              <a:t>().</a:t>
-            </a:r>
+              <a:t>(). </a:t>
+            </a:r>
+            <a:r>
+              <a:rPr lang="ru-RU" dirty="0" smtClean="0"/>
+              <a:t>Они вернут первый элемент или значение по умолчанию</a:t>
+            </a:r>
+            <a:r>
+              <a:rPr lang="en-US" dirty="0" smtClean="0"/>
+              <a:t>: null </a:t>
+            </a:r>
+            <a:r>
+              <a:rPr lang="ru-RU" dirty="0" smtClean="0"/>
+              <a:t>для ссылочных типов, 0 для </a:t>
+            </a:r>
+            <a:r>
+              <a:rPr lang="en-US" dirty="0" smtClean="0"/>
+              <a:t>value </a:t>
+            </a:r>
+            <a:r>
+              <a:rPr lang="ru-RU" dirty="0" smtClean="0"/>
+              <a:t>типов.</a:t>
+            </a:r>
+            <a:endParaRPr lang="en-US" dirty="0"/>
+          </a:p>
+          <a:p>
+            <a:pPr marL="0" indent="0">
+              <a:buNone/>
+            </a:pPr>
             <a:endParaRPr lang="en-US" dirty="0"/>
           </a:p>
         </p:txBody>
@@ -4552,13 +4545,20 @@
     </p:spTree>
     <p:extLst>
       <p:ext uri="{BB962C8B-B14F-4D97-AF65-F5344CB8AC3E}">
-        <p14:creationId xmlns:p14="http://schemas.microsoft.com/office/powerpoint/2010/main" val="1166576302"/>
+        <p14:creationId xmlns:p14="http://schemas.microsoft.com/office/powerpoint/2010/main" xmlns="" val="821585920"/>
       </p:ext>
     </p:extLst>
   </p:cSld>
   <p:clrMapOvr>
     <a:masterClrMapping/>
   </p:clrMapOvr>
+  <p:timing>
+    <p:tnLst>
+      <p:par>
+        <p:cTn id="1" dur="indefinite" restart="never" nodeType="tmRoot"/>
+      </p:par>
+    </p:tnLst>
+  </p:timing>
 </p:sld>
 </file>
 
@@ -4596,11 +4596,7 @@
           <a:p>
             <a:r>
               <a:rPr lang="en-US" dirty="0" smtClean="0"/>
-              <a:t>Enumerable. </a:t>
-            </a:r>
-            <a:r>
-              <a:rPr lang="ru-RU" dirty="0" smtClean="0"/>
-              <a:t>Математика</a:t>
+              <a:t>Enumerable: Single()</a:t>
             </a:r>
             <a:endParaRPr lang="en-US" dirty="0"/>
           </a:p>
@@ -4618,54 +4614,56 @@
         </p:nvSpPr>
         <p:spPr/>
         <p:txBody>
-          <a:bodyPr/>
+          <a:bodyPr>
+            <a:normAutofit lnSpcReduction="10000"/>
+          </a:bodyPr>
           <a:lstStyle/>
           <a:p>
+            <a:pPr marL="0" indent="0">
+              <a:buNone/>
+            </a:pPr>
+            <a:r>
+              <a:rPr lang="ru-RU" dirty="0" smtClean="0"/>
+              <a:t>Метод </a:t>
+            </a:r>
             <a:r>
               <a:rPr lang="en-US" dirty="0" smtClean="0"/>
-              <a:t>Min</a:t>
+              <a:t>Singe() </a:t>
             </a:r>
             <a:r>
               <a:rPr lang="ru-RU" dirty="0" smtClean="0"/>
-              <a:t>()</a:t>
+              <a:t>возвращает первый элемент из последовательности состоящей из одного элемента. Если в последовательности больше одного элемента или она пустая, то генерируется исключение.</a:t>
+            </a:r>
+          </a:p>
+          <a:p>
+            <a:pPr marL="0" indent="0">
+              <a:buNone/>
+            </a:pPr>
+            <a:endParaRPr lang="ru-RU" dirty="0"/>
+          </a:p>
+          <a:p>
+            <a:pPr marL="0" indent="0">
+              <a:buNone/>
+            </a:pPr>
+            <a:r>
+              <a:rPr lang="ru-RU" dirty="0"/>
+              <a:t>Если мы ожидаем, что последовательность может быть пустой, то можно использовать </a:t>
+            </a:r>
+            <a:r>
+              <a:rPr lang="ru-RU" dirty="0" smtClean="0"/>
+              <a:t>метод</a:t>
             </a:r>
             <a:r>
               <a:rPr lang="en-US" dirty="0" smtClean="0"/>
-              <a:t> – </a:t>
-            </a:r>
-            <a:r>
-              <a:rPr lang="ru-RU" dirty="0" smtClean="0"/>
-              <a:t>минимальное значение</a:t>
-            </a:r>
-          </a:p>
-          <a:p>
+              <a:t> </a:t>
+            </a:r>
+            <a:r>
+              <a:rPr lang="en-US" dirty="0" err="1" smtClean="0"/>
+              <a:t>SingleOrDefault</a:t>
+            </a:r>
             <a:r>
               <a:rPr lang="en-US" dirty="0" smtClean="0"/>
-              <a:t>Max</a:t>
-            </a:r>
-            <a:r>
-              <a:rPr lang="ru-RU" dirty="0" smtClean="0"/>
-              <a:t>() – максимальное значение</a:t>
-            </a:r>
-          </a:p>
-          <a:p>
-            <a:r>
-              <a:rPr lang="en-US" dirty="0" smtClean="0"/>
-              <a:t>Average</a:t>
-            </a:r>
-            <a:r>
-              <a:rPr lang="ru-RU" dirty="0" smtClean="0"/>
-              <a:t>() – среднее значение</a:t>
-            </a:r>
-          </a:p>
-          <a:p>
-            <a:r>
-              <a:rPr lang="en-US" dirty="0" smtClean="0"/>
-              <a:t>Sum</a:t>
-            </a:r>
-            <a:r>
-              <a:rPr lang="ru-RU" dirty="0" smtClean="0"/>
-              <a:t>() – сумма значений</a:t>
+              <a:t>().</a:t>
             </a:r>
             <a:endParaRPr lang="en-US" dirty="0"/>
           </a:p>
@@ -4674,13 +4672,20 @@
     </p:spTree>
     <p:extLst>
       <p:ext uri="{BB962C8B-B14F-4D97-AF65-F5344CB8AC3E}">
-        <p14:creationId xmlns:p14="http://schemas.microsoft.com/office/powerpoint/2010/main" val="384543663"/>
+        <p14:creationId xmlns:p14="http://schemas.microsoft.com/office/powerpoint/2010/main" xmlns="" val="1166576302"/>
       </p:ext>
     </p:extLst>
   </p:cSld>
   <p:clrMapOvr>
     <a:masterClrMapping/>
   </p:clrMapOvr>
+  <p:timing>
+    <p:tnLst>
+      <p:par>
+        <p:cTn id="1" dur="indefinite" restart="never" nodeType="tmRoot"/>
+      </p:par>
+    </p:tnLst>
+  </p:timing>
 </p:sld>
 </file>
 
@@ -4767,33 +4772,12 @@
           </a:p>
           <a:p>
             <a:r>
-              <a:rPr lang="en-US" dirty="0"/>
-              <a:t>Skip()/</a:t>
-            </a:r>
-            <a:r>
-              <a:rPr lang="en-US" dirty="0" err="1"/>
-              <a:t>SkipWhile</a:t>
-            </a:r>
-            <a:endParaRPr lang="en-US" dirty="0"/>
-          </a:p>
-          <a:p>
-            <a:r>
-              <a:rPr lang="en-US" dirty="0"/>
-              <a:t>Take()/</a:t>
-            </a:r>
-            <a:r>
-              <a:rPr lang="en-US" dirty="0" err="1"/>
-              <a:t>TakeWhile</a:t>
+              <a:rPr lang="en-US" dirty="0" smtClean="0"/>
+              <a:t>Contains</a:t>
             </a:r>
             <a:r>
               <a:rPr lang="en-US" dirty="0" smtClean="0"/>
               <a:t>()</a:t>
-            </a:r>
-          </a:p>
-          <a:p>
-            <a:r>
-              <a:rPr lang="en-US" dirty="0" smtClean="0"/>
-              <a:t>Contains()</a:t>
             </a:r>
             <a:endParaRPr lang="en-US" dirty="0"/>
           </a:p>
@@ -4802,13 +4786,20 @@
     </p:spTree>
     <p:extLst>
       <p:ext uri="{BB962C8B-B14F-4D97-AF65-F5344CB8AC3E}">
-        <p14:creationId xmlns:p14="http://schemas.microsoft.com/office/powerpoint/2010/main" val="1447848696"/>
+        <p14:creationId xmlns:p14="http://schemas.microsoft.com/office/powerpoint/2010/main" xmlns="" val="1447848696"/>
       </p:ext>
     </p:extLst>
   </p:cSld>
   <p:clrMapOvr>
     <a:masterClrMapping/>
   </p:clrMapOvr>
+  <p:timing>
+    <p:tnLst>
+      <p:par>
+        <p:cTn id="1" dur="indefinite" restart="never" nodeType="tmRoot"/>
+      </p:par>
+    </p:tnLst>
+  </p:timing>
 </p:sld>
 </file>
 
@@ -4850,7 +4841,7 @@
             </a:r>
             <a:r>
               <a:rPr lang="ru-RU" dirty="0" smtClean="0"/>
-              <a:t>Другие методы</a:t>
+              <a:t>Математика</a:t>
             </a:r>
             <a:endParaRPr lang="en-US" dirty="0"/>
           </a:p>
@@ -4868,55 +4859,55 @@
         </p:nvSpPr>
         <p:spPr/>
         <p:txBody>
-          <a:bodyPr>
-            <a:normAutofit/>
-          </a:bodyPr>
+          <a:bodyPr/>
           <a:lstStyle/>
           <a:p>
             <a:r>
               <a:rPr lang="en-US" dirty="0" smtClean="0"/>
-              <a:t>Cast&lt;T&gt;()</a:t>
-            </a:r>
-            <a:endParaRPr lang="en-US" dirty="0"/>
-          </a:p>
-          <a:p>
-            <a:r>
-              <a:rPr lang="en-US" dirty="0" err="1" smtClean="0"/>
-              <a:t>OfType</a:t>
+              <a:t>Min</a:t>
+            </a:r>
+            <a:r>
+              <a:rPr lang="ru-RU" dirty="0" smtClean="0"/>
+              <a:t>()</a:t>
             </a:r>
             <a:r>
               <a:rPr lang="en-US" dirty="0" smtClean="0"/>
-              <a:t>&lt;T&gt;()</a:t>
-            </a:r>
-            <a:endParaRPr lang="ru-RU" dirty="0" smtClean="0"/>
+              <a:t> – </a:t>
+            </a:r>
+            <a:r>
+              <a:rPr lang="ru-RU" dirty="0" smtClean="0"/>
+              <a:t>минимальное значение</a:t>
+            </a:r>
           </a:p>
           <a:p>
             <a:r>
               <a:rPr lang="en-US" dirty="0" smtClean="0"/>
-              <a:t>Count()</a:t>
-            </a:r>
-            <a:endParaRPr lang="ru-RU" dirty="0" smtClean="0"/>
-          </a:p>
-          <a:p>
-            <a:r>
-              <a:rPr lang="en-US" dirty="0" err="1" smtClean="0"/>
-              <a:t>ElementAt</a:t>
-            </a:r>
-            <a:r>
-              <a:rPr lang="en-US" dirty="0"/>
-              <a:t>()</a:t>
-            </a:r>
-          </a:p>
-          <a:p>
-            <a:pPr marL="0" indent="0">
-              <a:buNone/>
-            </a:pPr>
-            <a:endParaRPr lang="en-US" dirty="0"/>
-          </a:p>
-          <a:p>
-            <a:pPr marL="0" indent="0">
-              <a:buNone/>
-            </a:pPr>
+              <a:t>Max</a:t>
+            </a:r>
+            <a:r>
+              <a:rPr lang="ru-RU" dirty="0" smtClean="0"/>
+              <a:t>() – максимальное значение</a:t>
+            </a:r>
+          </a:p>
+          <a:p>
+            <a:r>
+              <a:rPr lang="en-US" dirty="0" smtClean="0"/>
+              <a:t>Average</a:t>
+            </a:r>
+            <a:r>
+              <a:rPr lang="ru-RU" dirty="0" smtClean="0"/>
+              <a:t>() – среднее значение</a:t>
+            </a:r>
+          </a:p>
+          <a:p>
+            <a:r>
+              <a:rPr lang="en-US" dirty="0" smtClean="0"/>
+              <a:t>Sum</a:t>
+            </a:r>
+            <a:r>
+              <a:rPr lang="ru-RU" dirty="0" smtClean="0"/>
+              <a:t>() – сумма значений</a:t>
+            </a:r>
             <a:endParaRPr lang="en-US" dirty="0"/>
           </a:p>
         </p:txBody>
@@ -4924,13 +4915,20 @@
     </p:spTree>
     <p:extLst>
       <p:ext uri="{BB962C8B-B14F-4D97-AF65-F5344CB8AC3E}">
-        <p14:creationId xmlns:p14="http://schemas.microsoft.com/office/powerpoint/2010/main" val="2856452905"/>
+        <p14:creationId xmlns:p14="http://schemas.microsoft.com/office/powerpoint/2010/main" xmlns="" val="384543663"/>
       </p:ext>
     </p:extLst>
   </p:cSld>
   <p:clrMapOvr>
     <a:masterClrMapping/>
   </p:clrMapOvr>
+  <p:timing>
+    <p:tnLst>
+      <p:par>
+        <p:cTn id="1" dur="indefinite" restart="never" nodeType="tmRoot"/>
+      </p:par>
+    </p:tnLst>
+  </p:timing>
 </p:sld>
 </file>
 
@@ -5000,7 +4998,7 @@
     </p:spTree>
     <p:extLst>
       <p:ext uri="{BB962C8B-B14F-4D97-AF65-F5344CB8AC3E}">
-        <p14:creationId xmlns:p14="http://schemas.microsoft.com/office/powerpoint/2010/main" val="4100190931"/>
+        <p14:creationId xmlns:p14="http://schemas.microsoft.com/office/powerpoint/2010/main" xmlns="" val="4100190931"/>
       </p:ext>
     </p:extLst>
   </p:cSld>
@@ -5054,6 +5052,207 @@
               <a:t>Enumerable. </a:t>
             </a:r>
             <a:r>
+              <a:rPr lang="ru-RU" dirty="0" smtClean="0"/>
+              <a:t>Другие методы</a:t>
+            </a:r>
+            <a:endParaRPr lang="en-US" dirty="0"/>
+          </a:p>
+        </p:txBody>
+      </p:sp>
+      <p:sp>
+        <p:nvSpPr>
+          <p:cNvPr id="3" name="Content Placeholder 2"/>
+          <p:cNvSpPr>
+            <a:spLocks noGrp="1"/>
+          </p:cNvSpPr>
+          <p:nvPr>
+            <p:ph idx="1"/>
+          </p:nvPr>
+        </p:nvSpPr>
+        <p:spPr/>
+        <p:txBody>
+          <a:bodyPr>
+            <a:normAutofit lnSpcReduction="10000"/>
+          </a:bodyPr>
+          <a:lstStyle/>
+          <a:p>
+            <a:r>
+              <a:rPr lang="en-US" dirty="0" smtClean="0"/>
+              <a:t>Cast&lt;T&gt;()</a:t>
+            </a:r>
+            <a:endParaRPr lang="en-US" dirty="0"/>
+          </a:p>
+          <a:p>
+            <a:r>
+              <a:rPr lang="en-US" dirty="0" err="1" smtClean="0"/>
+              <a:t>OfType</a:t>
+            </a:r>
+            <a:r>
+              <a:rPr lang="en-US" dirty="0" smtClean="0"/>
+              <a:t>&lt;T&gt;()</a:t>
+            </a:r>
+            <a:endParaRPr lang="ru-RU" dirty="0" smtClean="0"/>
+          </a:p>
+          <a:p>
+            <a:r>
+              <a:rPr lang="en-US" dirty="0" smtClean="0"/>
+              <a:t>Count</a:t>
+            </a:r>
+            <a:r>
+              <a:rPr lang="en-US" dirty="0" smtClean="0"/>
+              <a:t>()</a:t>
+            </a:r>
+            <a:r>
+              <a:rPr lang="ru-RU" dirty="0" smtClean="0"/>
+              <a:t>/</a:t>
+            </a:r>
+            <a:r>
+              <a:rPr lang="en-US" dirty="0" err="1" smtClean="0"/>
+              <a:t>LongCount</a:t>
+            </a:r>
+            <a:r>
+              <a:rPr lang="en-US" dirty="0" smtClean="0"/>
+              <a:t>()</a:t>
+            </a:r>
+            <a:endParaRPr lang="ru-RU" dirty="0" smtClean="0"/>
+          </a:p>
+          <a:p>
+            <a:r>
+              <a:rPr lang="en-US" dirty="0" err="1" smtClean="0"/>
+              <a:t>ElementAt</a:t>
+            </a:r>
+            <a:r>
+              <a:rPr lang="en-US" dirty="0" smtClean="0"/>
+              <a:t>()</a:t>
+            </a:r>
+            <a:endParaRPr lang="ru-RU" dirty="0" smtClean="0"/>
+          </a:p>
+          <a:p>
+            <a:r>
+              <a:rPr lang="en-US" dirty="0" smtClean="0"/>
+              <a:t>Skip()/</a:t>
+            </a:r>
+            <a:r>
+              <a:rPr lang="en-US" dirty="0" err="1" smtClean="0"/>
+              <a:t>SkipWhile</a:t>
+            </a:r>
+            <a:r>
+              <a:rPr lang="ru-RU" dirty="0" smtClean="0"/>
+              <a:t>()</a:t>
+            </a:r>
+            <a:endParaRPr lang="en-US" dirty="0" smtClean="0"/>
+          </a:p>
+          <a:p>
+            <a:r>
+              <a:rPr lang="en-US" dirty="0" smtClean="0"/>
+              <a:t>Take()/</a:t>
+            </a:r>
+            <a:r>
+              <a:rPr lang="en-US" dirty="0" err="1" smtClean="0"/>
+              <a:t>TakeWhile</a:t>
+            </a:r>
+            <a:r>
+              <a:rPr lang="en-US" dirty="0" smtClean="0"/>
+              <a:t>()</a:t>
+            </a:r>
+          </a:p>
+          <a:p>
+            <a:r>
+              <a:rPr lang="en-US" dirty="0" smtClean="0"/>
+              <a:t>Reverse()</a:t>
+            </a:r>
+            <a:endParaRPr lang="ru-RU" dirty="0" smtClean="0"/>
+          </a:p>
+          <a:p>
+            <a:r>
+              <a:rPr lang="en-US" dirty="0" err="1" smtClean="0"/>
+              <a:t>OrderBy</a:t>
+            </a:r>
+            <a:r>
+              <a:rPr lang="en-US" dirty="0" smtClean="0"/>
+              <a:t>(), </a:t>
+            </a:r>
+            <a:r>
+              <a:rPr lang="en-US" dirty="0" err="1" smtClean="0"/>
+              <a:t>OrderByDescending</a:t>
+            </a:r>
+            <a:r>
+              <a:rPr lang="en-US" dirty="0" smtClean="0"/>
+              <a:t>()</a:t>
+            </a:r>
+            <a:endParaRPr lang="en-US" dirty="0"/>
+          </a:p>
+          <a:p>
+            <a:pPr marL="0" indent="0">
+              <a:buNone/>
+            </a:pPr>
+            <a:endParaRPr lang="en-US" dirty="0"/>
+          </a:p>
+          <a:p>
+            <a:pPr marL="0" indent="0">
+              <a:buNone/>
+            </a:pPr>
+            <a:endParaRPr lang="en-US" dirty="0"/>
+          </a:p>
+        </p:txBody>
+      </p:sp>
+    </p:spTree>
+    <p:extLst>
+      <p:ext uri="{BB962C8B-B14F-4D97-AF65-F5344CB8AC3E}">
+        <p14:creationId xmlns:p14="http://schemas.microsoft.com/office/powerpoint/2010/main" xmlns="" val="2856452905"/>
+      </p:ext>
+    </p:extLst>
+  </p:cSld>
+  <p:clrMapOvr>
+    <a:masterClrMapping/>
+  </p:clrMapOvr>
+  <p:timing>
+    <p:tnLst>
+      <p:par>
+        <p:cTn id="1" dur="indefinite" restart="never" nodeType="tmRoot"/>
+      </p:par>
+    </p:tnLst>
+  </p:timing>
+</p:sld>
+</file>
+
+<file path=ppt/slides/slide21.xml><?xml version="1.0" encoding="utf-8"?>
+<p:sld xmlns:a="http://schemas.openxmlformats.org/drawingml/2006/main" xmlns:r="http://schemas.openxmlformats.org/officeDocument/2006/relationships" xmlns:p="http://schemas.openxmlformats.org/presentationml/2006/main">
+  <p:cSld>
+    <p:spTree>
+      <p:nvGrpSpPr>
+        <p:cNvPr id="1" name=""/>
+        <p:cNvGrpSpPr/>
+        <p:nvPr/>
+      </p:nvGrpSpPr>
+      <p:grpSpPr>
+        <a:xfrm>
+          <a:off x="0" y="0"/>
+          <a:ext cx="0" cy="0"/>
+          <a:chOff x="0" y="0"/>
+          <a:chExt cx="0" cy="0"/>
+        </a:xfrm>
+      </p:grpSpPr>
+      <p:sp>
+        <p:nvSpPr>
+          <p:cNvPr id="2" name="Title 1"/>
+          <p:cNvSpPr>
+            <a:spLocks noGrp="1"/>
+          </p:cNvSpPr>
+          <p:nvPr>
+            <p:ph type="title"/>
+          </p:nvPr>
+        </p:nvSpPr>
+        <p:spPr/>
+        <p:txBody>
+          <a:bodyPr/>
+          <a:lstStyle/>
+          <a:p>
+            <a:r>
+              <a:rPr lang="en-US" dirty="0" smtClean="0"/>
+              <a:t>Enumerable. </a:t>
+            </a:r>
+            <a:r>
               <a:rPr lang="en-US" dirty="0" err="1" smtClean="0"/>
               <a:t>ToXXX</a:t>
             </a:r>
@@ -5261,17 +5460,24 @@
     </p:spTree>
     <p:extLst>
       <p:ext uri="{BB962C8B-B14F-4D97-AF65-F5344CB8AC3E}">
-        <p14:creationId xmlns:p14="http://schemas.microsoft.com/office/powerpoint/2010/main" val="2294722203"/>
+        <p14:creationId xmlns:p14="http://schemas.microsoft.com/office/powerpoint/2010/main" xmlns="" val="2294722203"/>
       </p:ext>
     </p:extLst>
   </p:cSld>
   <p:clrMapOvr>
     <a:masterClrMapping/>
   </p:clrMapOvr>
+  <p:timing>
+    <p:tnLst>
+      <p:par>
+        <p:cTn id="1" dur="indefinite" restart="never" nodeType="tmRoot"/>
+      </p:par>
+    </p:tnLst>
+  </p:timing>
 </p:sld>
 </file>
 
-<file path=ppt/slides/slide21.xml><?xml version="1.0" encoding="utf-8"?>
+<file path=ppt/slides/slide22.xml><?xml version="1.0" encoding="utf-8"?>
 <p:sld xmlns:a="http://schemas.openxmlformats.org/drawingml/2006/main" xmlns:r="http://schemas.openxmlformats.org/officeDocument/2006/relationships" xmlns:p="http://schemas.openxmlformats.org/presentationml/2006/main">
   <p:cSld>
     <p:bg>
@@ -5305,10 +5511,10 @@
           <p:nvPr/>
         </p:nvPicPr>
         <p:blipFill>
-          <a:blip r:embed="rId2">
+          <a:blip r:embed="rId2" cstate="print">
             <a:extLst>
               <a:ext uri="{28A0092B-C50C-407E-A947-70E740481C1C}">
-                <a14:useLocalDpi xmlns:a14="http://schemas.microsoft.com/office/drawing/2010/main" val="0"/>
+                <a14:useLocalDpi xmlns:a14="http://schemas.microsoft.com/office/drawing/2010/main" xmlns="" val="0"/>
               </a:ext>
             </a:extLst>
           </a:blip>
@@ -5332,14 +5538,14 @@
           <a:effectLst/>
           <a:extLst>
             <a:ext uri="{909E8E84-426E-40DD-AFC4-6F175D3DCCD1}">
-              <a14:hiddenFill xmlns:a14="http://schemas.microsoft.com/office/drawing/2010/main">
+              <a14:hiddenFill xmlns:a14="http://schemas.microsoft.com/office/drawing/2010/main" xmlns="">
                 <a:solidFill>
                   <a:schemeClr val="accent1"/>
                 </a:solidFill>
               </a14:hiddenFill>
             </a:ext>
             <a:ext uri="{91240B29-F687-4F45-9708-019B960494DF}">
-              <a14:hiddenLine xmlns:a14="http://schemas.microsoft.com/office/drawing/2010/main" w="9525">
+              <a14:hiddenLine xmlns:a14="http://schemas.microsoft.com/office/drawing/2010/main" xmlns="" w="9525">
                 <a:solidFill>
                   <a:schemeClr val="tx1"/>
                 </a:solidFill>
@@ -5349,7 +5555,7 @@
               </a14:hiddenLine>
             </a:ext>
             <a:ext uri="{AF507438-7753-43E0-B8FC-AC1667EBCBE1}">
-              <a14:hiddenEffects xmlns:a14="http://schemas.microsoft.com/office/drawing/2010/main">
+              <a14:hiddenEffects xmlns:a14="http://schemas.microsoft.com/office/drawing/2010/main" xmlns="">
                 <a:effectLst>
                   <a:outerShdw dist="35921" dir="2700000" algn="ctr" rotWithShape="0">
                     <a:schemeClr val="bg2"/>
@@ -5363,166 +5569,7 @@
     </p:spTree>
     <p:extLst>
       <p:ext uri="{BB962C8B-B14F-4D97-AF65-F5344CB8AC3E}">
-        <p14:creationId xmlns:p14="http://schemas.microsoft.com/office/powerpoint/2010/main" val="1377556597"/>
-      </p:ext>
-    </p:extLst>
-  </p:cSld>
-  <p:clrMapOvr>
-    <a:masterClrMapping/>
-  </p:clrMapOvr>
-  <p:timing>
-    <p:tnLst>
-      <p:par>
-        <p:cTn id="1" dur="indefinite" restart="never" nodeType="tmRoot"/>
-      </p:par>
-    </p:tnLst>
-  </p:timing>
-</p:sld>
-</file>
-
-<file path=ppt/slides/slide22.xml><?xml version="1.0" encoding="utf-8"?>
-<p:sld xmlns:a="http://schemas.openxmlformats.org/drawingml/2006/main" xmlns:r="http://schemas.openxmlformats.org/officeDocument/2006/relationships" xmlns:p="http://schemas.openxmlformats.org/presentationml/2006/main">
-  <p:cSld>
-    <p:spTree>
-      <p:nvGrpSpPr>
-        <p:cNvPr id="1" name=""/>
-        <p:cNvGrpSpPr/>
-        <p:nvPr/>
-      </p:nvGrpSpPr>
-      <p:grpSpPr>
-        <a:xfrm>
-          <a:off x="0" y="0"/>
-          <a:ext cx="0" cy="0"/>
-          <a:chOff x="0" y="0"/>
-          <a:chExt cx="0" cy="0"/>
-        </a:xfrm>
-      </p:grpSpPr>
-      <p:sp>
-        <p:nvSpPr>
-          <p:cNvPr id="2" name="Title 1"/>
-          <p:cNvSpPr>
-            <a:spLocks noGrp="1"/>
-          </p:cNvSpPr>
-          <p:nvPr>
-            <p:ph type="title"/>
-          </p:nvPr>
-        </p:nvSpPr>
-        <p:spPr/>
-        <p:txBody>
-          <a:bodyPr/>
-          <a:lstStyle/>
-          <a:p>
-            <a:r>
-              <a:rPr lang="ru-RU" dirty="0" smtClean="0"/>
-              <a:t>Библиотека </a:t>
-            </a:r>
-            <a:r>
-              <a:rPr lang="en-US" dirty="0" smtClean="0"/>
-              <a:t>morelinq</a:t>
-            </a:r>
-            <a:endParaRPr lang="en-US" dirty="0"/>
-          </a:p>
-        </p:txBody>
-      </p:sp>
-      <p:sp>
-        <p:nvSpPr>
-          <p:cNvPr id="3" name="Content Placeholder 2"/>
-          <p:cNvSpPr>
-            <a:spLocks noGrp="1"/>
-          </p:cNvSpPr>
-          <p:nvPr>
-            <p:ph idx="1"/>
-          </p:nvPr>
-        </p:nvSpPr>
-        <p:spPr/>
-        <p:txBody>
-          <a:bodyPr>
-            <a:normAutofit/>
-          </a:bodyPr>
-          <a:lstStyle/>
-          <a:p>
-            <a:pPr marL="0" indent="0">
-              <a:buNone/>
-            </a:pPr>
-            <a:r>
-              <a:rPr lang="ru-RU" dirty="0" smtClean="0"/>
-              <a:t>Добавляет полезные </a:t>
-            </a:r>
-            <a:r>
-              <a:rPr lang="en-US" dirty="0" smtClean="0"/>
-              <a:t>extension </a:t>
-            </a:r>
-            <a:r>
-              <a:rPr lang="ru-RU" dirty="0" smtClean="0"/>
-              <a:t>методы.</a:t>
-            </a:r>
-          </a:p>
-          <a:p>
-            <a:pPr marL="0" indent="0">
-              <a:buNone/>
-            </a:pPr>
-            <a:endParaRPr lang="ru-RU" dirty="0"/>
-          </a:p>
-          <a:p>
-            <a:pPr marL="0" indent="0">
-              <a:buNone/>
-            </a:pPr>
-            <a:r>
-              <a:rPr lang="en-US" dirty="0">
-                <a:hlinkClick r:id="rId2"/>
-              </a:rPr>
-              <a:t>http://code.google.com/p/morelinq</a:t>
-            </a:r>
-            <a:r>
-              <a:rPr lang="en-US" dirty="0" smtClean="0">
-                <a:hlinkClick r:id="rId2"/>
-              </a:rPr>
-              <a:t>/</a:t>
-            </a:r>
-            <a:endParaRPr lang="ru-RU" dirty="0" smtClean="0"/>
-          </a:p>
-          <a:p>
-            <a:pPr marL="0" indent="0">
-              <a:buNone/>
-            </a:pPr>
-            <a:endParaRPr lang="ru-RU" dirty="0"/>
-          </a:p>
-          <a:p>
-            <a:pPr marL="0" indent="0">
-              <a:buNone/>
-            </a:pPr>
-            <a:r>
-              <a:rPr lang="en-US" dirty="0" err="1" smtClean="0"/>
-              <a:t>NuGet</a:t>
-            </a:r>
-            <a:r>
-              <a:rPr lang="en-US" dirty="0" smtClean="0"/>
-              <a:t> </a:t>
-            </a:r>
-            <a:r>
-              <a:rPr lang="ru-RU" dirty="0" smtClean="0"/>
-              <a:t>пакет - </a:t>
-            </a:r>
-            <a:r>
-              <a:rPr lang="en-US" dirty="0">
-                <a:hlinkClick r:id="rId3"/>
-              </a:rPr>
-              <a:t>morelinq</a:t>
-            </a:r>
-            <a:endParaRPr lang="ru-RU" dirty="0" smtClean="0"/>
-          </a:p>
-          <a:p>
-            <a:pPr marL="0" indent="0">
-              <a:buNone/>
-            </a:pPr>
-            <a:endParaRPr lang="en-US" dirty="0"/>
-          </a:p>
-        </p:txBody>
-      </p:sp>
-    </p:spTree>
-    <p:extLst>
-      <p:ext uri="{BB962C8B-B14F-4D97-AF65-F5344CB8AC3E}">
-        <p14:creationId xmlns:p14="http://schemas.microsoft.com/office/powerpoint/2010/main" val="1834671459"/>
+        <p14:creationId xmlns:p14="http://schemas.microsoft.com/office/powerpoint/2010/main" xmlns="" val="1377556597"/>
       </p:ext>
     </p:extLst>
   </p:cSld>
@@ -5566,2595 +5613,122 @@
             <p:ph type="title"/>
           </p:nvPr>
         </p:nvSpPr>
-        <p:spPr>
-          <a:xfrm>
-            <a:off x="457200" y="-99392"/>
-            <a:ext cx="8229600" cy="1143000"/>
-          </a:xfrm>
-        </p:spPr>
+        <p:spPr/>
         <p:txBody>
           <a:bodyPr/>
           <a:lstStyle/>
           <a:p>
             <a:r>
-              <a:rPr lang="ru-RU" dirty="0"/>
-              <a:t>Методы </a:t>
-            </a:r>
-            <a:r>
               <a:rPr lang="ru-RU" dirty="0" smtClean="0"/>
-              <a:t>из библиотеки </a:t>
+              <a:t>Библиотека </a:t>
             </a:r>
             <a:r>
               <a:rPr lang="en-US" dirty="0" smtClean="0"/>
               <a:t>morelinq</a:t>
             </a:r>
-            <a:r>
-              <a:rPr lang="ru-RU" dirty="0" smtClean="0"/>
-              <a:t> </a:t>
-            </a:r>
             <a:endParaRPr lang="en-US" dirty="0"/>
           </a:p>
         </p:txBody>
       </p:sp>
-      <p:graphicFrame>
-        <p:nvGraphicFramePr>
-          <p:cNvPr id="9" name="Table 8"/>
-          <p:cNvGraphicFramePr>
-            <a:graphicFrameLocks noGrp="1"/>
-          </p:cNvGraphicFramePr>
+      <p:sp>
+        <p:nvSpPr>
+          <p:cNvPr id="3" name="Content Placeholder 2"/>
+          <p:cNvSpPr>
+            <a:spLocks noGrp="1"/>
+          </p:cNvSpPr>
           <p:nvPr>
-            <p:extLst>
-              <p:ext uri="{D42A27DB-BD31-4B8C-83A1-F6EECF244321}">
-                <p14:modId xmlns:p14="http://schemas.microsoft.com/office/powerpoint/2010/main" val="995054926"/>
-              </p:ext>
-            </p:extLst>
+            <p:ph idx="1"/>
           </p:nvPr>
-        </p:nvGraphicFramePr>
-        <p:xfrm>
-          <a:off x="395536" y="886086"/>
-          <a:ext cx="8352928" cy="5673594"/>
-        </p:xfrm>
-        <a:graphic>
-          <a:graphicData uri="http://schemas.openxmlformats.org/drawingml/2006/table">
-            <a:tbl>
-              <a:tblPr firstRow="1" firstCol="1" bandRow="1">
-                <a:tableStyleId>{5C22544A-7EE6-4342-B048-85BDC9FD1C3A}</a:tableStyleId>
-              </a:tblPr>
-              <a:tblGrid>
-                <a:gridCol w="1368152"/>
-                <a:gridCol w="6984776"/>
-              </a:tblGrid>
-              <a:tr h="265666">
-                <a:tc>
-                  <a:txBody>
-                    <a:bodyPr/>
-                    <a:lstStyle/>
-                    <a:p>
-                      <a:pPr>
-                        <a:lnSpc>
-                          <a:spcPct val="115000"/>
-                        </a:lnSpc>
-                        <a:spcAft>
-                          <a:spcPts val="1000"/>
-                        </a:spcAft>
-                      </a:pPr>
-                      <a:r>
-                        <a:rPr lang="en-US" sz="1400" dirty="0">
-                          <a:effectLst/>
-                        </a:rPr>
-                        <a:t>Batch</a:t>
-                      </a:r>
-                      <a:endParaRPr lang="en-US" sz="1400" dirty="0">
-                        <a:effectLst/>
-                        <a:latin typeface="Calibri"/>
-                        <a:ea typeface="Calibri"/>
-                        <a:cs typeface="Times New Roman"/>
-                      </a:endParaRPr>
-                    </a:p>
-                  </a:txBody>
-                  <a:tcPr marL="594" marR="594" marT="594" marB="594" anchor="ctr">
-                    <a:lnL w="12700" cap="flat" cmpd="sng" algn="ctr">
-                      <a:noFill/>
-                      <a:prstDash val="solid"/>
-                      <a:round/>
-                      <a:headEnd type="none" w="med" len="med"/>
-                      <a:tailEnd type="none" w="med" len="med"/>
-                    </a:lnL>
-                    <a:lnR w="12700" cap="flat" cmpd="sng" algn="ctr">
-                      <a:noFill/>
-                      <a:prstDash val="solid"/>
-                      <a:round/>
-                      <a:headEnd type="none" w="med" len="med"/>
-                      <a:tailEnd type="none" w="med" len="med"/>
-                    </a:lnR>
-                    <a:lnT w="12700" cap="flat" cmpd="sng" algn="ctr">
-                      <a:solidFill>
-                        <a:schemeClr val="tx1"/>
-                      </a:solidFill>
-                      <a:prstDash val="solid"/>
-                      <a:round/>
-                      <a:headEnd type="none" w="med" len="med"/>
-                      <a:tailEnd type="none" w="med" len="med"/>
-                    </a:lnT>
-                    <a:lnB w="12700" cap="flat" cmpd="sng" algn="ctr">
-                      <a:solidFill>
-                        <a:schemeClr val="tx1"/>
-                      </a:solidFill>
-                      <a:prstDash val="solid"/>
-                      <a:round/>
-                      <a:headEnd type="none" w="med" len="med"/>
-                      <a:tailEnd type="none" w="med" len="med"/>
-                    </a:lnB>
-                    <a:lnTlToBr w="12700" cmpd="sng">
-                      <a:noFill/>
-                      <a:prstDash val="solid"/>
-                    </a:lnTlToBr>
-                    <a:lnBlToTr w="12700" cmpd="sng">
-                      <a:noFill/>
-                      <a:prstDash val="solid"/>
-                    </a:lnBlToTr>
-                    <a:noFill/>
-                  </a:tcPr>
-                </a:tc>
-                <a:tc>
-                  <a:txBody>
-                    <a:bodyPr/>
-                    <a:lstStyle/>
-                    <a:p>
-                      <a:pPr>
-                        <a:lnSpc>
-                          <a:spcPct val="115000"/>
-                        </a:lnSpc>
-                        <a:spcAft>
-                          <a:spcPts val="1000"/>
-                        </a:spcAft>
-                      </a:pPr>
-                      <a:r>
-                        <a:rPr lang="ru-RU" sz="1400" b="0" dirty="0" smtClean="0">
-                          <a:effectLst/>
-                        </a:rPr>
-                        <a:t>Превращает </a:t>
-                      </a:r>
-                      <a:r>
-                        <a:rPr lang="ru-RU" sz="1400" b="0" dirty="0">
-                          <a:effectLst/>
-                        </a:rPr>
-                        <a:t>одну последовательность в несколько последовательностей по </a:t>
-                      </a:r>
-                      <a:r>
-                        <a:rPr lang="en-US" sz="1400" b="0" dirty="0">
-                          <a:effectLst/>
-                        </a:rPr>
-                        <a:t>n</a:t>
-                      </a:r>
-                      <a:r>
-                        <a:rPr lang="ru-RU" sz="1400" b="0" dirty="0">
-                          <a:effectLst/>
-                        </a:rPr>
-                        <a:t> элементов.</a:t>
-                      </a:r>
-                      <a:endParaRPr lang="en-US" sz="1400" b="0" dirty="0">
-                        <a:effectLst/>
-                        <a:latin typeface="Calibri"/>
-                        <a:ea typeface="Calibri"/>
-                        <a:cs typeface="Times New Roman"/>
-                      </a:endParaRPr>
-                    </a:p>
-                  </a:txBody>
-                  <a:tcPr marL="594" marR="594" marT="594" marB="594" anchor="ctr">
-                    <a:lnL w="12700" cap="flat" cmpd="sng" algn="ctr">
-                      <a:noFill/>
-                      <a:prstDash val="solid"/>
-                      <a:round/>
-                      <a:headEnd type="none" w="med" len="med"/>
-                      <a:tailEnd type="none" w="med" len="med"/>
-                    </a:lnL>
-                    <a:lnR w="12700" cap="flat" cmpd="sng" algn="ctr">
-                      <a:noFill/>
-                      <a:prstDash val="solid"/>
-                      <a:round/>
-                      <a:headEnd type="none" w="med" len="med"/>
-                      <a:tailEnd type="none" w="med" len="med"/>
-                    </a:lnR>
-                    <a:lnT w="12700" cap="flat" cmpd="sng" algn="ctr">
-                      <a:solidFill>
-                        <a:schemeClr val="tx1"/>
-                      </a:solidFill>
-                      <a:prstDash val="solid"/>
-                      <a:round/>
-                      <a:headEnd type="none" w="med" len="med"/>
-                      <a:tailEnd type="none" w="med" len="med"/>
-                    </a:lnT>
-                    <a:lnB w="12700" cap="flat" cmpd="sng" algn="ctr">
-                      <a:solidFill>
-                        <a:schemeClr val="tx1"/>
-                      </a:solidFill>
-                      <a:prstDash val="solid"/>
-                      <a:round/>
-                      <a:headEnd type="none" w="med" len="med"/>
-                      <a:tailEnd type="none" w="med" len="med"/>
-                    </a:lnB>
-                    <a:lnTlToBr w="12700" cmpd="sng">
-                      <a:noFill/>
-                      <a:prstDash val="solid"/>
-                    </a:lnTlToBr>
-                    <a:lnBlToTr w="12700" cmpd="sng">
-                      <a:noFill/>
-                      <a:prstDash val="solid"/>
-                    </a:lnBlToTr>
-                    <a:noFill/>
-                  </a:tcPr>
-                </a:tc>
-              </a:tr>
-              <a:tr h="217579">
-                <a:tc>
-                  <a:txBody>
-                    <a:bodyPr/>
-                    <a:lstStyle/>
-                    <a:p>
-                      <a:pPr>
-                        <a:lnSpc>
-                          <a:spcPct val="115000"/>
-                        </a:lnSpc>
-                        <a:spcAft>
-                          <a:spcPts val="1000"/>
-                        </a:spcAft>
-                      </a:pPr>
-                      <a:r>
-                        <a:rPr lang="en-US" sz="1400" dirty="0" err="1">
-                          <a:effectLst/>
-                        </a:rPr>
-                        <a:t>Concat</a:t>
-                      </a:r>
-                      <a:endParaRPr lang="en-US" sz="1400" dirty="0">
-                        <a:effectLst/>
-                        <a:latin typeface="Calibri"/>
-                        <a:ea typeface="Calibri"/>
-                        <a:cs typeface="Times New Roman"/>
-                      </a:endParaRPr>
-                    </a:p>
-                  </a:txBody>
-                  <a:tcPr marL="594" marR="594" marT="594" marB="594" anchor="ctr">
-                    <a:lnL w="12700" cap="flat" cmpd="sng" algn="ctr">
-                      <a:noFill/>
-                      <a:prstDash val="solid"/>
-                      <a:round/>
-                      <a:headEnd type="none" w="med" len="med"/>
-                      <a:tailEnd type="none" w="med" len="med"/>
-                    </a:lnL>
-                    <a:lnR w="12700" cap="flat" cmpd="sng" algn="ctr">
-                      <a:noFill/>
-                      <a:prstDash val="solid"/>
-                      <a:round/>
-                      <a:headEnd type="none" w="med" len="med"/>
-                      <a:tailEnd type="none" w="med" len="med"/>
-                    </a:lnR>
-                    <a:lnT w="12700" cap="flat" cmpd="sng" algn="ctr">
-                      <a:solidFill>
-                        <a:schemeClr val="tx1"/>
-                      </a:solidFill>
-                      <a:prstDash val="solid"/>
-                      <a:round/>
-                      <a:headEnd type="none" w="med" len="med"/>
-                      <a:tailEnd type="none" w="med" len="med"/>
-                    </a:lnT>
-                    <a:lnB w="12700" cap="flat" cmpd="sng" algn="ctr">
-                      <a:solidFill>
-                        <a:schemeClr val="tx1"/>
-                      </a:solidFill>
-                      <a:prstDash val="solid"/>
-                      <a:round/>
-                      <a:headEnd type="none" w="med" len="med"/>
-                      <a:tailEnd type="none" w="med" len="med"/>
-                    </a:lnB>
-                    <a:lnTlToBr w="12700" cmpd="sng">
-                      <a:noFill/>
-                      <a:prstDash val="solid"/>
-                    </a:lnTlToBr>
-                    <a:lnBlToTr w="12700" cmpd="sng">
-                      <a:noFill/>
-                      <a:prstDash val="solid"/>
-                    </a:lnBlToTr>
-                    <a:noFill/>
-                  </a:tcPr>
-                </a:tc>
-                <a:tc>
-                  <a:txBody>
-                    <a:bodyPr/>
-                    <a:lstStyle/>
-                    <a:p>
-                      <a:pPr>
-                        <a:lnSpc>
-                          <a:spcPct val="115000"/>
-                        </a:lnSpc>
-                        <a:spcAft>
-                          <a:spcPts val="1000"/>
-                        </a:spcAft>
-                      </a:pPr>
-                      <a:r>
-                        <a:rPr lang="ru-RU" sz="1400" dirty="0" smtClean="0">
-                          <a:effectLst/>
-                        </a:rPr>
-                        <a:t>Присоединяет </a:t>
-                      </a:r>
-                      <a:r>
-                        <a:rPr lang="ru-RU" sz="1400" dirty="0">
-                          <a:effectLst/>
-                        </a:rPr>
-                        <a:t>элемент к коллекции либо коллекцию к элементу.</a:t>
-                      </a:r>
-                      <a:endParaRPr lang="en-US" sz="1400" dirty="0">
-                        <a:effectLst/>
-                        <a:latin typeface="Calibri"/>
-                        <a:ea typeface="Calibri"/>
-                        <a:cs typeface="Times New Roman"/>
-                      </a:endParaRPr>
-                    </a:p>
-                  </a:txBody>
-                  <a:tcPr marL="594" marR="594" marT="594" marB="594" anchor="ctr">
-                    <a:lnL w="12700" cap="flat" cmpd="sng" algn="ctr">
-                      <a:noFill/>
-                      <a:prstDash val="solid"/>
-                      <a:round/>
-                      <a:headEnd type="none" w="med" len="med"/>
-                      <a:tailEnd type="none" w="med" len="med"/>
-                    </a:lnL>
-                    <a:lnR w="12700" cap="flat" cmpd="sng" algn="ctr">
-                      <a:noFill/>
-                      <a:prstDash val="solid"/>
-                      <a:round/>
-                      <a:headEnd type="none" w="med" len="med"/>
-                      <a:tailEnd type="none" w="med" len="med"/>
-                    </a:lnR>
-                    <a:lnT w="12700" cap="flat" cmpd="sng" algn="ctr">
-                      <a:solidFill>
-                        <a:schemeClr val="tx1"/>
-                      </a:solidFill>
-                      <a:prstDash val="solid"/>
-                      <a:round/>
-                      <a:headEnd type="none" w="med" len="med"/>
-                      <a:tailEnd type="none" w="med" len="med"/>
-                    </a:lnT>
-                    <a:lnB w="12700" cap="flat" cmpd="sng" algn="ctr">
-                      <a:solidFill>
-                        <a:schemeClr val="tx1"/>
-                      </a:solidFill>
-                      <a:prstDash val="solid"/>
-                      <a:round/>
-                      <a:headEnd type="none" w="med" len="med"/>
-                      <a:tailEnd type="none" w="med" len="med"/>
-                    </a:lnB>
-                    <a:lnTlToBr w="12700" cmpd="sng">
-                      <a:noFill/>
-                      <a:prstDash val="solid"/>
-                    </a:lnTlToBr>
-                    <a:lnBlToTr w="12700" cmpd="sng">
-                      <a:noFill/>
-                      <a:prstDash val="solid"/>
-                    </a:lnBlToTr>
-                    <a:noFill/>
-                  </a:tcPr>
-                </a:tc>
-              </a:tr>
-              <a:tr h="229601">
-                <a:tc>
-                  <a:txBody>
-                    <a:bodyPr/>
-                    <a:lstStyle/>
-                    <a:p>
-                      <a:pPr>
-                        <a:lnSpc>
-                          <a:spcPct val="115000"/>
-                        </a:lnSpc>
-                        <a:spcAft>
-                          <a:spcPts val="1000"/>
-                        </a:spcAft>
-                      </a:pPr>
-                      <a:r>
-                        <a:rPr lang="en-US" sz="1400" dirty="0">
-                          <a:effectLst/>
-                        </a:rPr>
-                        <a:t>Consume</a:t>
-                      </a:r>
-                      <a:endParaRPr lang="en-US" sz="1400" dirty="0">
-                        <a:effectLst/>
-                        <a:latin typeface="Calibri"/>
-                        <a:ea typeface="Calibri"/>
-                        <a:cs typeface="Times New Roman"/>
-                      </a:endParaRPr>
-                    </a:p>
-                  </a:txBody>
-                  <a:tcPr marL="594" marR="594" marT="594" marB="594" anchor="ctr">
-                    <a:lnL w="12700" cap="flat" cmpd="sng" algn="ctr">
-                      <a:noFill/>
-                      <a:prstDash val="solid"/>
-                      <a:round/>
-                      <a:headEnd type="none" w="med" len="med"/>
-                      <a:tailEnd type="none" w="med" len="med"/>
-                    </a:lnL>
-                    <a:lnR w="12700" cap="flat" cmpd="sng" algn="ctr">
-                      <a:noFill/>
-                      <a:prstDash val="solid"/>
-                      <a:round/>
-                      <a:headEnd type="none" w="med" len="med"/>
-                      <a:tailEnd type="none" w="med" len="med"/>
-                    </a:lnR>
-                    <a:lnT w="12700" cap="flat" cmpd="sng" algn="ctr">
-                      <a:solidFill>
-                        <a:schemeClr val="tx1"/>
-                      </a:solidFill>
-                      <a:prstDash val="solid"/>
-                      <a:round/>
-                      <a:headEnd type="none" w="med" len="med"/>
-                      <a:tailEnd type="none" w="med" len="med"/>
-                    </a:lnT>
-                    <a:lnB w="12700" cap="flat" cmpd="sng" algn="ctr">
-                      <a:solidFill>
-                        <a:schemeClr val="tx1"/>
-                      </a:solidFill>
-                      <a:prstDash val="solid"/>
-                      <a:round/>
-                      <a:headEnd type="none" w="med" len="med"/>
-                      <a:tailEnd type="none" w="med" len="med"/>
-                    </a:lnB>
-                    <a:lnTlToBr w="12700" cmpd="sng">
-                      <a:noFill/>
-                      <a:prstDash val="solid"/>
-                    </a:lnTlToBr>
-                    <a:lnBlToTr w="12700" cmpd="sng">
-                      <a:noFill/>
-                      <a:prstDash val="solid"/>
-                    </a:lnBlToTr>
-                    <a:noFill/>
-                  </a:tcPr>
-                </a:tc>
-                <a:tc>
-                  <a:txBody>
-                    <a:bodyPr/>
-                    <a:lstStyle/>
-                    <a:p>
-                      <a:pPr>
-                        <a:lnSpc>
-                          <a:spcPct val="115000"/>
-                        </a:lnSpc>
-                        <a:spcAft>
-                          <a:spcPts val="1000"/>
-                        </a:spcAft>
-                      </a:pPr>
-                      <a:r>
-                        <a:rPr lang="ru-RU" sz="1400" dirty="0" smtClean="0">
-                          <a:effectLst/>
-                        </a:rPr>
-                        <a:t>«</a:t>
-                      </a:r>
-                      <a:r>
-                        <a:rPr lang="ru-RU" sz="1400" dirty="0">
-                          <a:effectLst/>
-                        </a:rPr>
-                        <a:t>Поглощает» коллекцию, не производя никаких действий над элементами.</a:t>
-                      </a:r>
-                      <a:endParaRPr lang="en-US" sz="1400" dirty="0">
-                        <a:effectLst/>
-                        <a:latin typeface="Calibri"/>
-                        <a:ea typeface="Calibri"/>
-                        <a:cs typeface="Times New Roman"/>
-                      </a:endParaRPr>
-                    </a:p>
-                  </a:txBody>
-                  <a:tcPr marL="594" marR="594" marT="594" marB="594" anchor="ctr">
-                    <a:lnL w="12700" cap="flat" cmpd="sng" algn="ctr">
-                      <a:noFill/>
-                      <a:prstDash val="solid"/>
-                      <a:round/>
-                      <a:headEnd type="none" w="med" len="med"/>
-                      <a:tailEnd type="none" w="med" len="med"/>
-                    </a:lnL>
-                    <a:lnR w="12700" cap="flat" cmpd="sng" algn="ctr">
-                      <a:noFill/>
-                      <a:prstDash val="solid"/>
-                      <a:round/>
-                      <a:headEnd type="none" w="med" len="med"/>
-                      <a:tailEnd type="none" w="med" len="med"/>
-                    </a:lnR>
-                    <a:lnT w="12700" cap="flat" cmpd="sng" algn="ctr">
-                      <a:solidFill>
-                        <a:schemeClr val="tx1"/>
-                      </a:solidFill>
-                      <a:prstDash val="solid"/>
-                      <a:round/>
-                      <a:headEnd type="none" w="med" len="med"/>
-                      <a:tailEnd type="none" w="med" len="med"/>
-                    </a:lnT>
-                    <a:lnB w="12700" cap="flat" cmpd="sng" algn="ctr">
-                      <a:solidFill>
-                        <a:schemeClr val="tx1"/>
-                      </a:solidFill>
-                      <a:prstDash val="solid"/>
-                      <a:round/>
-                      <a:headEnd type="none" w="med" len="med"/>
-                      <a:tailEnd type="none" w="med" len="med"/>
-                    </a:lnB>
-                    <a:lnTlToBr w="12700" cmpd="sng">
-                      <a:noFill/>
-                      <a:prstDash val="solid"/>
-                    </a:lnTlToBr>
-                    <a:lnBlToTr w="12700" cmpd="sng">
-                      <a:noFill/>
-                      <a:prstDash val="solid"/>
-                    </a:lnBlToTr>
-                    <a:noFill/>
-                  </a:tcPr>
-                </a:tc>
-              </a:tr>
-              <a:tr h="217579">
-                <a:tc>
-                  <a:txBody>
-                    <a:bodyPr/>
-                    <a:lstStyle/>
-                    <a:p>
-                      <a:pPr>
-                        <a:lnSpc>
-                          <a:spcPct val="115000"/>
-                        </a:lnSpc>
-                        <a:spcAft>
-                          <a:spcPts val="1000"/>
-                        </a:spcAft>
-                      </a:pPr>
-                      <a:r>
-                        <a:rPr lang="en-US" sz="1400" dirty="0" err="1">
-                          <a:effectLst/>
-                        </a:rPr>
-                        <a:t>DistinctBy</a:t>
-                      </a:r>
-                      <a:endParaRPr lang="en-US" sz="1400" dirty="0">
-                        <a:effectLst/>
-                        <a:latin typeface="Calibri"/>
-                        <a:ea typeface="Calibri"/>
-                        <a:cs typeface="Times New Roman"/>
-                      </a:endParaRPr>
-                    </a:p>
-                  </a:txBody>
-                  <a:tcPr marL="594" marR="594" marT="594" marB="594" anchor="ctr">
-                    <a:lnL w="12700" cap="flat" cmpd="sng" algn="ctr">
-                      <a:noFill/>
-                      <a:prstDash val="solid"/>
-                      <a:round/>
-                      <a:headEnd type="none" w="med" len="med"/>
-                      <a:tailEnd type="none" w="med" len="med"/>
-                    </a:lnL>
-                    <a:lnR w="12700" cap="flat" cmpd="sng" algn="ctr">
-                      <a:noFill/>
-                      <a:prstDash val="solid"/>
-                      <a:round/>
-                      <a:headEnd type="none" w="med" len="med"/>
-                      <a:tailEnd type="none" w="med" len="med"/>
-                    </a:lnR>
-                    <a:lnT w="12700" cap="flat" cmpd="sng" algn="ctr">
-                      <a:solidFill>
-                        <a:schemeClr val="tx1"/>
-                      </a:solidFill>
-                      <a:prstDash val="solid"/>
-                      <a:round/>
-                      <a:headEnd type="none" w="med" len="med"/>
-                      <a:tailEnd type="none" w="med" len="med"/>
-                    </a:lnT>
-                    <a:lnB w="12700" cap="flat" cmpd="sng" algn="ctr">
-                      <a:solidFill>
-                        <a:schemeClr val="tx1"/>
-                      </a:solidFill>
-                      <a:prstDash val="solid"/>
-                      <a:round/>
-                      <a:headEnd type="none" w="med" len="med"/>
-                      <a:tailEnd type="none" w="med" len="med"/>
-                    </a:lnB>
-                    <a:lnTlToBr w="12700" cmpd="sng">
-                      <a:noFill/>
-                      <a:prstDash val="solid"/>
-                    </a:lnTlToBr>
-                    <a:lnBlToTr w="12700" cmpd="sng">
-                      <a:noFill/>
-                      <a:prstDash val="solid"/>
-                    </a:lnBlToTr>
-                    <a:noFill/>
-                  </a:tcPr>
-                </a:tc>
-                <a:tc>
-                  <a:txBody>
-                    <a:bodyPr/>
-                    <a:lstStyle/>
-                    <a:p>
-                      <a:pPr>
-                        <a:lnSpc>
-                          <a:spcPct val="115000"/>
-                        </a:lnSpc>
-                        <a:spcAft>
-                          <a:spcPts val="1000"/>
-                        </a:spcAft>
-                      </a:pPr>
-                      <a:r>
-                        <a:rPr lang="ru-RU" sz="1400" dirty="0" smtClean="0">
-                          <a:effectLst/>
-                        </a:rPr>
-                        <a:t>Возвращает </a:t>
-                      </a:r>
-                      <a:r>
-                        <a:rPr lang="ru-RU" sz="1400" dirty="0">
-                          <a:effectLst/>
-                        </a:rPr>
-                        <a:t>только уникальные элементы (по заданному критерию).</a:t>
-                      </a:r>
-                      <a:endParaRPr lang="en-US" sz="1400" dirty="0">
-                        <a:effectLst/>
-                        <a:latin typeface="Calibri"/>
-                        <a:ea typeface="Calibri"/>
-                        <a:cs typeface="Times New Roman"/>
-                      </a:endParaRPr>
-                    </a:p>
-                  </a:txBody>
-                  <a:tcPr marL="594" marR="594" marT="594" marB="594" anchor="ctr">
-                    <a:lnL w="12700" cap="flat" cmpd="sng" algn="ctr">
-                      <a:noFill/>
-                      <a:prstDash val="solid"/>
-                      <a:round/>
-                      <a:headEnd type="none" w="med" len="med"/>
-                      <a:tailEnd type="none" w="med" len="med"/>
-                    </a:lnL>
-                    <a:lnR w="12700" cap="flat" cmpd="sng" algn="ctr">
-                      <a:noFill/>
-                      <a:prstDash val="solid"/>
-                      <a:round/>
-                      <a:headEnd type="none" w="med" len="med"/>
-                      <a:tailEnd type="none" w="med" len="med"/>
-                    </a:lnR>
-                    <a:lnT w="12700" cap="flat" cmpd="sng" algn="ctr">
-                      <a:solidFill>
-                        <a:schemeClr val="tx1"/>
-                      </a:solidFill>
-                      <a:prstDash val="solid"/>
-                      <a:round/>
-                      <a:headEnd type="none" w="med" len="med"/>
-                      <a:tailEnd type="none" w="med" len="med"/>
-                    </a:lnT>
-                    <a:lnB w="12700" cap="flat" cmpd="sng" algn="ctr">
-                      <a:solidFill>
-                        <a:schemeClr val="tx1"/>
-                      </a:solidFill>
-                      <a:prstDash val="solid"/>
-                      <a:round/>
-                      <a:headEnd type="none" w="med" len="med"/>
-                      <a:tailEnd type="none" w="med" len="med"/>
-                    </a:lnB>
-                    <a:lnTlToBr w="12700" cmpd="sng">
-                      <a:noFill/>
-                      <a:prstDash val="solid"/>
-                    </a:lnTlToBr>
-                    <a:lnBlToTr w="12700" cmpd="sng">
-                      <a:noFill/>
-                      <a:prstDash val="solid"/>
-                    </a:lnBlToTr>
-                    <a:noFill/>
-                  </a:tcPr>
-                </a:tc>
-              </a:tr>
-              <a:tr h="601488">
-                <a:tc>
-                  <a:txBody>
-                    <a:bodyPr/>
-                    <a:lstStyle/>
-                    <a:p>
-                      <a:pPr>
-                        <a:lnSpc>
-                          <a:spcPct val="115000"/>
-                        </a:lnSpc>
-                        <a:spcAft>
-                          <a:spcPts val="1000"/>
-                        </a:spcAft>
-                      </a:pPr>
-                      <a:r>
-                        <a:rPr lang="en-US" sz="1400" dirty="0" err="1">
-                          <a:effectLst/>
-                        </a:rPr>
-                        <a:t>EquiZip</a:t>
-                      </a:r>
-                      <a:endParaRPr lang="en-US" sz="1400" dirty="0">
-                        <a:effectLst/>
-                        <a:latin typeface="Calibri"/>
-                        <a:ea typeface="Calibri"/>
-                        <a:cs typeface="Times New Roman"/>
-                      </a:endParaRPr>
-                    </a:p>
-                  </a:txBody>
-                  <a:tcPr marL="594" marR="594" marT="594" marB="594" anchor="ctr">
-                    <a:lnL w="12700" cap="flat" cmpd="sng" algn="ctr">
-                      <a:noFill/>
-                      <a:prstDash val="solid"/>
-                      <a:round/>
-                      <a:headEnd type="none" w="med" len="med"/>
-                      <a:tailEnd type="none" w="med" len="med"/>
-                    </a:lnL>
-                    <a:lnR w="12700" cap="flat" cmpd="sng" algn="ctr">
-                      <a:noFill/>
-                      <a:prstDash val="solid"/>
-                      <a:round/>
-                      <a:headEnd type="none" w="med" len="med"/>
-                      <a:tailEnd type="none" w="med" len="med"/>
-                    </a:lnR>
-                    <a:lnT w="12700" cap="flat" cmpd="sng" algn="ctr">
-                      <a:solidFill>
-                        <a:schemeClr val="tx1"/>
-                      </a:solidFill>
-                      <a:prstDash val="solid"/>
-                      <a:round/>
-                      <a:headEnd type="none" w="med" len="med"/>
-                      <a:tailEnd type="none" w="med" len="med"/>
-                    </a:lnT>
-                    <a:lnB w="12700" cap="flat" cmpd="sng" algn="ctr">
-                      <a:solidFill>
-                        <a:schemeClr val="tx1"/>
-                      </a:solidFill>
-                      <a:prstDash val="solid"/>
-                      <a:round/>
-                      <a:headEnd type="none" w="med" len="med"/>
-                      <a:tailEnd type="none" w="med" len="med"/>
-                    </a:lnB>
-                    <a:lnTlToBr w="12700" cmpd="sng">
-                      <a:noFill/>
-                      <a:prstDash val="solid"/>
-                    </a:lnTlToBr>
-                    <a:lnBlToTr w="12700" cmpd="sng">
-                      <a:noFill/>
-                      <a:prstDash val="solid"/>
-                    </a:lnBlToTr>
-                    <a:noFill/>
-                  </a:tcPr>
-                </a:tc>
-                <a:tc>
-                  <a:txBody>
-                    <a:bodyPr/>
-                    <a:lstStyle/>
-                    <a:p>
-                      <a:pPr>
-                        <a:lnSpc>
-                          <a:spcPct val="115000"/>
-                        </a:lnSpc>
-                        <a:spcAft>
-                          <a:spcPts val="1000"/>
-                        </a:spcAft>
-                      </a:pPr>
-                      <a:r>
-                        <a:rPr lang="ru-RU" sz="1400" dirty="0" smtClean="0">
-                          <a:effectLst/>
-                        </a:rPr>
-                        <a:t>Создает </a:t>
-                      </a:r>
-                      <a:r>
-                        <a:rPr lang="ru-RU" sz="1400" dirty="0">
-                          <a:effectLst/>
-                        </a:rPr>
-                        <a:t>новую последовательность, где каждый элемент создается на основе соответствующих элементов исходных последовательностей</a:t>
-                      </a:r>
-                      <a:r>
-                        <a:rPr lang="ru-RU" sz="1400" dirty="0" smtClean="0">
-                          <a:effectLst/>
-                        </a:rPr>
-                        <a:t>.</a:t>
-                      </a:r>
-                      <a:endParaRPr lang="en-US" sz="1400" dirty="0">
-                        <a:effectLst/>
-                        <a:latin typeface="Calibri"/>
-                        <a:ea typeface="Calibri"/>
-                        <a:cs typeface="Times New Roman"/>
-                      </a:endParaRPr>
-                    </a:p>
-                  </a:txBody>
-                  <a:tcPr marL="594" marR="594" marT="594" marB="594" anchor="ctr">
-                    <a:lnL w="12700" cap="flat" cmpd="sng" algn="ctr">
-                      <a:noFill/>
-                      <a:prstDash val="solid"/>
-                      <a:round/>
-                      <a:headEnd type="none" w="med" len="med"/>
-                      <a:tailEnd type="none" w="med" len="med"/>
-                    </a:lnL>
-                    <a:lnR w="12700" cap="flat" cmpd="sng" algn="ctr">
-                      <a:noFill/>
-                      <a:prstDash val="solid"/>
-                      <a:round/>
-                      <a:headEnd type="none" w="med" len="med"/>
-                      <a:tailEnd type="none" w="med" len="med"/>
-                    </a:lnR>
-                    <a:lnT w="12700" cap="flat" cmpd="sng" algn="ctr">
-                      <a:solidFill>
-                        <a:schemeClr val="tx1"/>
-                      </a:solidFill>
-                      <a:prstDash val="solid"/>
-                      <a:round/>
-                      <a:headEnd type="none" w="med" len="med"/>
-                      <a:tailEnd type="none" w="med" len="med"/>
-                    </a:lnT>
-                    <a:lnB w="12700" cap="flat" cmpd="sng" algn="ctr">
-                      <a:solidFill>
-                        <a:schemeClr val="tx1"/>
-                      </a:solidFill>
-                      <a:prstDash val="solid"/>
-                      <a:round/>
-                      <a:headEnd type="none" w="med" len="med"/>
-                      <a:tailEnd type="none" w="med" len="med"/>
-                    </a:lnB>
-                    <a:lnTlToBr w="12700" cmpd="sng">
-                      <a:noFill/>
-                      <a:prstDash val="solid"/>
-                    </a:lnTlToBr>
-                    <a:lnBlToTr w="12700" cmpd="sng">
-                      <a:noFill/>
-                      <a:prstDash val="solid"/>
-                    </a:lnBlToTr>
-                    <a:noFill/>
-                  </a:tcPr>
-                </a:tc>
-              </a:tr>
-              <a:tr h="349818">
-                <a:tc>
-                  <a:txBody>
-                    <a:bodyPr/>
-                    <a:lstStyle/>
-                    <a:p>
-                      <a:pPr>
-                        <a:lnSpc>
-                          <a:spcPct val="115000"/>
-                        </a:lnSpc>
-                        <a:spcAft>
-                          <a:spcPts val="1000"/>
-                        </a:spcAft>
-                      </a:pPr>
-                      <a:r>
-                        <a:rPr lang="en-US" sz="1400" dirty="0" err="1">
-                          <a:effectLst/>
-                        </a:rPr>
-                        <a:t>ExceptBy</a:t>
-                      </a:r>
-                      <a:endParaRPr lang="en-US" sz="1400" dirty="0">
-                        <a:effectLst/>
-                        <a:latin typeface="Calibri"/>
-                        <a:ea typeface="Calibri"/>
-                        <a:cs typeface="Times New Roman"/>
-                      </a:endParaRPr>
-                    </a:p>
-                  </a:txBody>
-                  <a:tcPr marL="594" marR="594" marT="594" marB="594" anchor="ctr">
-                    <a:lnL w="12700" cap="flat" cmpd="sng" algn="ctr">
-                      <a:noFill/>
-                      <a:prstDash val="solid"/>
-                      <a:round/>
-                      <a:headEnd type="none" w="med" len="med"/>
-                      <a:tailEnd type="none" w="med" len="med"/>
-                    </a:lnL>
-                    <a:lnR w="12700" cap="flat" cmpd="sng" algn="ctr">
-                      <a:noFill/>
-                      <a:prstDash val="solid"/>
-                      <a:round/>
-                      <a:headEnd type="none" w="med" len="med"/>
-                      <a:tailEnd type="none" w="med" len="med"/>
-                    </a:lnR>
-                    <a:lnT w="12700" cap="flat" cmpd="sng" algn="ctr">
-                      <a:solidFill>
-                        <a:schemeClr val="tx1"/>
-                      </a:solidFill>
-                      <a:prstDash val="solid"/>
-                      <a:round/>
-                      <a:headEnd type="none" w="med" len="med"/>
-                      <a:tailEnd type="none" w="med" len="med"/>
-                    </a:lnT>
-                    <a:lnB w="12700" cap="flat" cmpd="sng" algn="ctr">
-                      <a:solidFill>
-                        <a:schemeClr val="tx1"/>
-                      </a:solidFill>
-                      <a:prstDash val="solid"/>
-                      <a:round/>
-                      <a:headEnd type="none" w="med" len="med"/>
-                      <a:tailEnd type="none" w="med" len="med"/>
-                    </a:lnB>
-                    <a:lnTlToBr w="12700" cmpd="sng">
-                      <a:noFill/>
-                      <a:prstDash val="solid"/>
-                    </a:lnTlToBr>
-                    <a:lnBlToTr w="12700" cmpd="sng">
-                      <a:noFill/>
-                      <a:prstDash val="solid"/>
-                    </a:lnBlToTr>
-                    <a:noFill/>
-                  </a:tcPr>
-                </a:tc>
-                <a:tc>
-                  <a:txBody>
-                    <a:bodyPr/>
-                    <a:lstStyle/>
-                    <a:p>
-                      <a:pPr>
-                        <a:lnSpc>
-                          <a:spcPct val="115000"/>
-                        </a:lnSpc>
-                        <a:spcAft>
-                          <a:spcPts val="1000"/>
-                        </a:spcAft>
-                      </a:pPr>
-                      <a:r>
-                        <a:rPr lang="ru-RU" sz="1400" dirty="0">
-                          <a:effectLst/>
-                        </a:rPr>
-                        <a:t>Возвращает элементы первой последовательности, которые не содержатся во второй (по заданному критерию).</a:t>
-                      </a:r>
-                      <a:endParaRPr lang="en-US" sz="1400" dirty="0">
-                        <a:effectLst/>
-                        <a:latin typeface="Calibri"/>
-                        <a:ea typeface="Calibri"/>
-                        <a:cs typeface="Times New Roman"/>
-                      </a:endParaRPr>
-                    </a:p>
-                  </a:txBody>
-                  <a:tcPr marL="594" marR="594" marT="594" marB="594" anchor="ctr">
-                    <a:lnL w="12700" cap="flat" cmpd="sng" algn="ctr">
-                      <a:noFill/>
-                      <a:prstDash val="solid"/>
-                      <a:round/>
-                      <a:headEnd type="none" w="med" len="med"/>
-                      <a:tailEnd type="none" w="med" len="med"/>
-                    </a:lnL>
-                    <a:lnR w="12700" cap="flat" cmpd="sng" algn="ctr">
-                      <a:noFill/>
-                      <a:prstDash val="solid"/>
-                      <a:round/>
-                      <a:headEnd type="none" w="med" len="med"/>
-                      <a:tailEnd type="none" w="med" len="med"/>
-                    </a:lnR>
-                    <a:lnT w="12700" cap="flat" cmpd="sng" algn="ctr">
-                      <a:solidFill>
-                        <a:schemeClr val="tx1"/>
-                      </a:solidFill>
-                      <a:prstDash val="solid"/>
-                      <a:round/>
-                      <a:headEnd type="none" w="med" len="med"/>
-                      <a:tailEnd type="none" w="med" len="med"/>
-                    </a:lnT>
-                    <a:lnB w="12700" cap="flat" cmpd="sng" algn="ctr">
-                      <a:solidFill>
-                        <a:schemeClr val="tx1"/>
-                      </a:solidFill>
-                      <a:prstDash val="solid"/>
-                      <a:round/>
-                      <a:headEnd type="none" w="med" len="med"/>
-                      <a:tailEnd type="none" w="med" len="med"/>
-                    </a:lnB>
-                    <a:lnTlToBr w="12700" cmpd="sng">
-                      <a:noFill/>
-                      <a:prstDash val="solid"/>
-                    </a:lnTlToBr>
-                    <a:lnBlToTr w="12700" cmpd="sng">
-                      <a:noFill/>
-                      <a:prstDash val="solid"/>
-                    </a:lnBlToTr>
-                    <a:noFill/>
-                  </a:tcPr>
-                </a:tc>
-              </a:tr>
-              <a:tr h="193535">
-                <a:tc>
-                  <a:txBody>
-                    <a:bodyPr/>
-                    <a:lstStyle/>
-                    <a:p>
-                      <a:pPr>
-                        <a:lnSpc>
-                          <a:spcPct val="115000"/>
-                        </a:lnSpc>
-                        <a:spcAft>
-                          <a:spcPts val="1000"/>
-                        </a:spcAft>
-                      </a:pPr>
-                      <a:r>
-                        <a:rPr lang="en-US" sz="1400" dirty="0" err="1">
-                          <a:effectLst/>
-                        </a:rPr>
-                        <a:t>ForEach</a:t>
-                      </a:r>
-                      <a:endParaRPr lang="en-US" sz="1400" dirty="0">
-                        <a:effectLst/>
-                        <a:latin typeface="Calibri"/>
-                        <a:ea typeface="Calibri"/>
-                        <a:cs typeface="Times New Roman"/>
-                      </a:endParaRPr>
-                    </a:p>
-                  </a:txBody>
-                  <a:tcPr marL="594" marR="594" marT="594" marB="594" anchor="ctr">
-                    <a:lnL w="12700" cap="flat" cmpd="sng" algn="ctr">
-                      <a:noFill/>
-                      <a:prstDash val="solid"/>
-                      <a:round/>
-                      <a:headEnd type="none" w="med" len="med"/>
-                      <a:tailEnd type="none" w="med" len="med"/>
-                    </a:lnL>
-                    <a:lnR w="12700" cap="flat" cmpd="sng" algn="ctr">
-                      <a:noFill/>
-                      <a:prstDash val="solid"/>
-                      <a:round/>
-                      <a:headEnd type="none" w="med" len="med"/>
-                      <a:tailEnd type="none" w="med" len="med"/>
-                    </a:lnR>
-                    <a:lnT w="12700" cap="flat" cmpd="sng" algn="ctr">
-                      <a:solidFill>
-                        <a:schemeClr val="tx1"/>
-                      </a:solidFill>
-                      <a:prstDash val="solid"/>
-                      <a:round/>
-                      <a:headEnd type="none" w="med" len="med"/>
-                      <a:tailEnd type="none" w="med" len="med"/>
-                    </a:lnT>
-                    <a:lnB w="12700" cap="flat" cmpd="sng" algn="ctr">
-                      <a:solidFill>
-                        <a:schemeClr val="tx1"/>
-                      </a:solidFill>
-                      <a:prstDash val="solid"/>
-                      <a:round/>
-                      <a:headEnd type="none" w="med" len="med"/>
-                      <a:tailEnd type="none" w="med" len="med"/>
-                    </a:lnB>
-                    <a:lnTlToBr w="12700" cmpd="sng">
-                      <a:noFill/>
-                      <a:prstDash val="solid"/>
-                    </a:lnTlToBr>
-                    <a:lnBlToTr w="12700" cmpd="sng">
-                      <a:noFill/>
-                      <a:prstDash val="solid"/>
-                    </a:lnBlToTr>
-                    <a:noFill/>
-                  </a:tcPr>
-                </a:tc>
-                <a:tc>
-                  <a:txBody>
-                    <a:bodyPr/>
-                    <a:lstStyle/>
-                    <a:p>
-                      <a:pPr>
-                        <a:lnSpc>
-                          <a:spcPct val="115000"/>
-                        </a:lnSpc>
-                        <a:spcAft>
-                          <a:spcPts val="1000"/>
-                        </a:spcAft>
-                      </a:pPr>
-                      <a:r>
-                        <a:rPr lang="ru-RU" sz="1400" dirty="0">
-                          <a:effectLst/>
-                        </a:rPr>
-                        <a:t>Выполняет действие над каждым элементом последовательности.</a:t>
-                      </a:r>
-                      <a:endParaRPr lang="en-US" sz="1400" dirty="0">
-                        <a:effectLst/>
-                        <a:latin typeface="Calibri"/>
-                        <a:ea typeface="Calibri"/>
-                        <a:cs typeface="Times New Roman"/>
-                      </a:endParaRPr>
-                    </a:p>
-                  </a:txBody>
-                  <a:tcPr marL="594" marR="594" marT="594" marB="594" anchor="ctr">
-                    <a:lnL w="12700" cap="flat" cmpd="sng" algn="ctr">
-                      <a:noFill/>
-                      <a:prstDash val="solid"/>
-                      <a:round/>
-                      <a:headEnd type="none" w="med" len="med"/>
-                      <a:tailEnd type="none" w="med" len="med"/>
-                    </a:lnL>
-                    <a:lnR w="12700" cap="flat" cmpd="sng" algn="ctr">
-                      <a:noFill/>
-                      <a:prstDash val="solid"/>
-                      <a:round/>
-                      <a:headEnd type="none" w="med" len="med"/>
-                      <a:tailEnd type="none" w="med" len="med"/>
-                    </a:lnR>
-                    <a:lnT w="12700" cap="flat" cmpd="sng" algn="ctr">
-                      <a:solidFill>
-                        <a:schemeClr val="tx1"/>
-                      </a:solidFill>
-                      <a:prstDash val="solid"/>
-                      <a:round/>
-                      <a:headEnd type="none" w="med" len="med"/>
-                      <a:tailEnd type="none" w="med" len="med"/>
-                    </a:lnT>
-                    <a:lnB w="12700" cap="flat" cmpd="sng" algn="ctr">
-                      <a:solidFill>
-                        <a:schemeClr val="tx1"/>
-                      </a:solidFill>
-                      <a:prstDash val="solid"/>
-                      <a:round/>
-                      <a:headEnd type="none" w="med" len="med"/>
-                      <a:tailEnd type="none" w="med" len="med"/>
-                    </a:lnB>
-                    <a:lnTlToBr w="12700" cmpd="sng">
-                      <a:noFill/>
-                      <a:prstDash val="solid"/>
-                    </a:lnTlToBr>
-                    <a:lnBlToTr w="12700" cmpd="sng">
-                      <a:noFill/>
-                      <a:prstDash val="solid"/>
-                    </a:lnBlToTr>
-                    <a:noFill/>
-                  </a:tcPr>
-                </a:tc>
-              </a:tr>
-              <a:tr h="253644">
-                <a:tc>
-                  <a:txBody>
-                    <a:bodyPr/>
-                    <a:lstStyle/>
-                    <a:p>
-                      <a:pPr>
-                        <a:lnSpc>
-                          <a:spcPct val="115000"/>
-                        </a:lnSpc>
-                        <a:spcAft>
-                          <a:spcPts val="1000"/>
-                        </a:spcAft>
-                      </a:pPr>
-                      <a:r>
-                        <a:rPr lang="en-US" sz="1400" dirty="0">
-                          <a:effectLst/>
-                        </a:rPr>
-                        <a:t>Generate</a:t>
-                      </a:r>
-                      <a:endParaRPr lang="en-US" sz="1400" dirty="0">
-                        <a:effectLst/>
-                        <a:latin typeface="Calibri"/>
-                        <a:ea typeface="Calibri"/>
-                        <a:cs typeface="Times New Roman"/>
-                      </a:endParaRPr>
-                    </a:p>
-                  </a:txBody>
-                  <a:tcPr marL="594" marR="594" marT="594" marB="594" anchor="ctr">
-                    <a:lnL w="12700" cap="flat" cmpd="sng" algn="ctr">
-                      <a:noFill/>
-                      <a:prstDash val="solid"/>
-                      <a:round/>
-                      <a:headEnd type="none" w="med" len="med"/>
-                      <a:tailEnd type="none" w="med" len="med"/>
-                    </a:lnL>
-                    <a:lnR w="12700" cap="flat" cmpd="sng" algn="ctr">
-                      <a:noFill/>
-                      <a:prstDash val="solid"/>
-                      <a:round/>
-                      <a:headEnd type="none" w="med" len="med"/>
-                      <a:tailEnd type="none" w="med" len="med"/>
-                    </a:lnR>
-                    <a:lnT w="12700" cap="flat" cmpd="sng" algn="ctr">
-                      <a:solidFill>
-                        <a:schemeClr val="tx1"/>
-                      </a:solidFill>
-                      <a:prstDash val="solid"/>
-                      <a:round/>
-                      <a:headEnd type="none" w="med" len="med"/>
-                      <a:tailEnd type="none" w="med" len="med"/>
-                    </a:lnT>
-                    <a:lnB w="12700" cap="flat" cmpd="sng" algn="ctr">
-                      <a:solidFill>
-                        <a:schemeClr val="tx1"/>
-                      </a:solidFill>
-                      <a:prstDash val="solid"/>
-                      <a:round/>
-                      <a:headEnd type="none" w="med" len="med"/>
-                      <a:tailEnd type="none" w="med" len="med"/>
-                    </a:lnB>
-                    <a:lnTlToBr w="12700" cmpd="sng">
-                      <a:noFill/>
-                      <a:prstDash val="solid"/>
-                    </a:lnTlToBr>
-                    <a:lnBlToTr w="12700" cmpd="sng">
-                      <a:noFill/>
-                      <a:prstDash val="solid"/>
-                    </a:lnBlToTr>
-                    <a:noFill/>
-                  </a:tcPr>
-                </a:tc>
-                <a:tc>
-                  <a:txBody>
-                    <a:bodyPr/>
-                    <a:lstStyle/>
-                    <a:p>
-                      <a:pPr>
-                        <a:lnSpc>
-                          <a:spcPct val="115000"/>
-                        </a:lnSpc>
-                        <a:spcAft>
-                          <a:spcPts val="1000"/>
-                        </a:spcAft>
-                      </a:pPr>
-                      <a:r>
-                        <a:rPr lang="ru-RU" sz="1400" dirty="0">
-                          <a:effectLst/>
-                        </a:rPr>
-                        <a:t>Генерирует последовательности по начальному элементу и функции-генератору.</a:t>
-                      </a:r>
-                      <a:endParaRPr lang="en-US" sz="1400" dirty="0">
-                        <a:effectLst/>
-                        <a:latin typeface="Calibri"/>
-                        <a:ea typeface="Calibri"/>
-                        <a:cs typeface="Times New Roman"/>
-                      </a:endParaRPr>
-                    </a:p>
-                  </a:txBody>
-                  <a:tcPr marL="594" marR="594" marT="594" marB="594" anchor="ctr">
-                    <a:lnL w="12700" cap="flat" cmpd="sng" algn="ctr">
-                      <a:noFill/>
-                      <a:prstDash val="solid"/>
-                      <a:round/>
-                      <a:headEnd type="none" w="med" len="med"/>
-                      <a:tailEnd type="none" w="med" len="med"/>
-                    </a:lnL>
-                    <a:lnR w="12700" cap="flat" cmpd="sng" algn="ctr">
-                      <a:noFill/>
-                      <a:prstDash val="solid"/>
-                      <a:round/>
-                      <a:headEnd type="none" w="med" len="med"/>
-                      <a:tailEnd type="none" w="med" len="med"/>
-                    </a:lnR>
-                    <a:lnT w="12700" cap="flat" cmpd="sng" algn="ctr">
-                      <a:solidFill>
-                        <a:schemeClr val="tx1"/>
-                      </a:solidFill>
-                      <a:prstDash val="solid"/>
-                      <a:round/>
-                      <a:headEnd type="none" w="med" len="med"/>
-                      <a:tailEnd type="none" w="med" len="med"/>
-                    </a:lnT>
-                    <a:lnB w="12700" cap="flat" cmpd="sng" algn="ctr">
-                      <a:solidFill>
-                        <a:schemeClr val="tx1"/>
-                      </a:solidFill>
-                      <a:prstDash val="solid"/>
-                      <a:round/>
-                      <a:headEnd type="none" w="med" len="med"/>
-                      <a:tailEnd type="none" w="med" len="med"/>
-                    </a:lnB>
-                    <a:lnTlToBr w="12700" cmpd="sng">
-                      <a:noFill/>
-                      <a:prstDash val="solid"/>
-                    </a:lnTlToBr>
-                    <a:lnBlToTr w="12700" cmpd="sng">
-                      <a:noFill/>
-                      <a:prstDash val="solid"/>
-                    </a:lnBlToTr>
-                    <a:noFill/>
-                  </a:tcPr>
-                </a:tc>
-              </a:tr>
-              <a:tr h="181514">
-                <a:tc>
-                  <a:txBody>
-                    <a:bodyPr/>
-                    <a:lstStyle/>
-                    <a:p>
-                      <a:pPr>
-                        <a:lnSpc>
-                          <a:spcPct val="115000"/>
-                        </a:lnSpc>
-                        <a:spcAft>
-                          <a:spcPts val="1000"/>
-                        </a:spcAft>
-                      </a:pPr>
-                      <a:r>
-                        <a:rPr lang="en-US" sz="1400" dirty="0" err="1">
-                          <a:effectLst/>
-                        </a:rPr>
-                        <a:t>GenerateByIndex</a:t>
-                      </a:r>
-                      <a:endParaRPr lang="en-US" sz="1400" dirty="0">
-                        <a:effectLst/>
-                        <a:latin typeface="Calibri"/>
-                        <a:ea typeface="Calibri"/>
-                        <a:cs typeface="Times New Roman"/>
-                      </a:endParaRPr>
-                    </a:p>
-                  </a:txBody>
-                  <a:tcPr marL="594" marR="594" marT="594" marB="594" anchor="ctr">
-                    <a:lnL w="12700" cap="flat" cmpd="sng" algn="ctr">
-                      <a:noFill/>
-                      <a:prstDash val="solid"/>
-                      <a:round/>
-                      <a:headEnd type="none" w="med" len="med"/>
-                      <a:tailEnd type="none" w="med" len="med"/>
-                    </a:lnL>
-                    <a:lnR w="12700" cap="flat" cmpd="sng" algn="ctr">
-                      <a:noFill/>
-                      <a:prstDash val="solid"/>
-                      <a:round/>
-                      <a:headEnd type="none" w="med" len="med"/>
-                      <a:tailEnd type="none" w="med" len="med"/>
-                    </a:lnR>
-                    <a:lnT w="12700" cap="flat" cmpd="sng" algn="ctr">
-                      <a:solidFill>
-                        <a:schemeClr val="tx1"/>
-                      </a:solidFill>
-                      <a:prstDash val="solid"/>
-                      <a:round/>
-                      <a:headEnd type="none" w="med" len="med"/>
-                      <a:tailEnd type="none" w="med" len="med"/>
-                    </a:lnT>
-                    <a:lnB w="12700" cap="flat" cmpd="sng" algn="ctr">
-                      <a:solidFill>
-                        <a:schemeClr val="tx1"/>
-                      </a:solidFill>
-                      <a:prstDash val="solid"/>
-                      <a:round/>
-                      <a:headEnd type="none" w="med" len="med"/>
-                      <a:tailEnd type="none" w="med" len="med"/>
-                    </a:lnB>
-                    <a:lnTlToBr w="12700" cmpd="sng">
-                      <a:noFill/>
-                      <a:prstDash val="solid"/>
-                    </a:lnTlToBr>
-                    <a:lnBlToTr w="12700" cmpd="sng">
-                      <a:noFill/>
-                      <a:prstDash val="solid"/>
-                    </a:lnBlToTr>
-                    <a:noFill/>
-                  </a:tcPr>
-                </a:tc>
-                <a:tc>
-                  <a:txBody>
-                    <a:bodyPr/>
-                    <a:lstStyle/>
-                    <a:p>
-                      <a:pPr>
-                        <a:lnSpc>
-                          <a:spcPct val="115000"/>
-                        </a:lnSpc>
-                        <a:spcAft>
-                          <a:spcPts val="1000"/>
-                        </a:spcAft>
-                      </a:pPr>
-                      <a:r>
-                        <a:rPr lang="ru-RU" sz="1400" dirty="0">
-                          <a:effectLst/>
-                        </a:rPr>
-                        <a:t>Генерирует последовательность по индексам элементов.</a:t>
-                      </a:r>
-                      <a:endParaRPr lang="en-US" sz="1400" dirty="0">
-                        <a:effectLst/>
-                        <a:latin typeface="Calibri"/>
-                        <a:ea typeface="Calibri"/>
-                        <a:cs typeface="Times New Roman"/>
-                      </a:endParaRPr>
-                    </a:p>
-                  </a:txBody>
-                  <a:tcPr marL="594" marR="594" marT="594" marB="594" anchor="ctr">
-                    <a:lnL w="12700" cap="flat" cmpd="sng" algn="ctr">
-                      <a:noFill/>
-                      <a:prstDash val="solid"/>
-                      <a:round/>
-                      <a:headEnd type="none" w="med" len="med"/>
-                      <a:tailEnd type="none" w="med" len="med"/>
-                    </a:lnL>
-                    <a:lnR w="12700" cap="flat" cmpd="sng" algn="ctr">
-                      <a:noFill/>
-                      <a:prstDash val="solid"/>
-                      <a:round/>
-                      <a:headEnd type="none" w="med" len="med"/>
-                      <a:tailEnd type="none" w="med" len="med"/>
-                    </a:lnR>
-                    <a:lnT w="12700" cap="flat" cmpd="sng" algn="ctr">
-                      <a:solidFill>
-                        <a:schemeClr val="tx1"/>
-                      </a:solidFill>
-                      <a:prstDash val="solid"/>
-                      <a:round/>
-                      <a:headEnd type="none" w="med" len="med"/>
-                      <a:tailEnd type="none" w="med" len="med"/>
-                    </a:lnT>
-                    <a:lnB w="12700" cap="flat" cmpd="sng" algn="ctr">
-                      <a:solidFill>
-                        <a:schemeClr val="tx1"/>
-                      </a:solidFill>
-                      <a:prstDash val="solid"/>
-                      <a:round/>
-                      <a:headEnd type="none" w="med" len="med"/>
-                      <a:tailEnd type="none" w="med" len="med"/>
-                    </a:lnB>
-                    <a:lnTlToBr w="12700" cmpd="sng">
-                      <a:noFill/>
-                      <a:prstDash val="solid"/>
-                    </a:lnTlToBr>
-                    <a:lnBlToTr w="12700" cmpd="sng">
-                      <a:noFill/>
-                      <a:prstDash val="solid"/>
-                    </a:lnBlToTr>
-                    <a:noFill/>
-                  </a:tcPr>
-                </a:tc>
-              </a:tr>
-              <a:tr h="241622">
-                <a:tc>
-                  <a:txBody>
-                    <a:bodyPr/>
-                    <a:lstStyle/>
-                    <a:p>
-                      <a:pPr>
-                        <a:lnSpc>
-                          <a:spcPct val="115000"/>
-                        </a:lnSpc>
-                        <a:spcAft>
-                          <a:spcPts val="1000"/>
-                        </a:spcAft>
-                      </a:pPr>
-                      <a:r>
-                        <a:rPr lang="en-US" sz="1400" dirty="0" err="1">
-                          <a:effectLst/>
-                        </a:rPr>
-                        <a:t>GroupAdjacent</a:t>
-                      </a:r>
-                      <a:endParaRPr lang="en-US" sz="1400" dirty="0">
-                        <a:effectLst/>
-                        <a:latin typeface="Calibri"/>
-                        <a:ea typeface="Calibri"/>
-                        <a:cs typeface="Times New Roman"/>
-                      </a:endParaRPr>
-                    </a:p>
-                  </a:txBody>
-                  <a:tcPr marL="594" marR="594" marT="594" marB="594" anchor="ctr">
-                    <a:lnL w="12700" cap="flat" cmpd="sng" algn="ctr">
-                      <a:noFill/>
-                      <a:prstDash val="solid"/>
-                      <a:round/>
-                      <a:headEnd type="none" w="med" len="med"/>
-                      <a:tailEnd type="none" w="med" len="med"/>
-                    </a:lnL>
-                    <a:lnR w="12700" cap="flat" cmpd="sng" algn="ctr">
-                      <a:noFill/>
-                      <a:prstDash val="solid"/>
-                      <a:round/>
-                      <a:headEnd type="none" w="med" len="med"/>
-                      <a:tailEnd type="none" w="med" len="med"/>
-                    </a:lnR>
-                    <a:lnT w="12700" cap="flat" cmpd="sng" algn="ctr">
-                      <a:solidFill>
-                        <a:schemeClr val="tx1"/>
-                      </a:solidFill>
-                      <a:prstDash val="solid"/>
-                      <a:round/>
-                      <a:headEnd type="none" w="med" len="med"/>
-                      <a:tailEnd type="none" w="med" len="med"/>
-                    </a:lnT>
-                    <a:lnB w="12700" cap="flat" cmpd="sng" algn="ctr">
-                      <a:solidFill>
-                        <a:schemeClr val="tx1"/>
-                      </a:solidFill>
-                      <a:prstDash val="solid"/>
-                      <a:round/>
-                      <a:headEnd type="none" w="med" len="med"/>
-                      <a:tailEnd type="none" w="med" len="med"/>
-                    </a:lnB>
-                    <a:lnTlToBr w="12700" cmpd="sng">
-                      <a:noFill/>
-                      <a:prstDash val="solid"/>
-                    </a:lnTlToBr>
-                    <a:lnBlToTr w="12700" cmpd="sng">
-                      <a:noFill/>
-                      <a:prstDash val="solid"/>
-                    </a:lnBlToTr>
-                    <a:noFill/>
-                  </a:tcPr>
-                </a:tc>
-                <a:tc>
-                  <a:txBody>
-                    <a:bodyPr/>
-                    <a:lstStyle/>
-                    <a:p>
-                      <a:pPr>
-                        <a:lnSpc>
-                          <a:spcPct val="115000"/>
-                        </a:lnSpc>
-                        <a:spcAft>
-                          <a:spcPts val="1000"/>
-                        </a:spcAft>
-                      </a:pPr>
-                      <a:r>
-                        <a:rPr lang="ru-RU" sz="1400" dirty="0">
-                          <a:effectLst/>
-                        </a:rPr>
-                        <a:t>Подобен </a:t>
-                      </a:r>
-                      <a:r>
-                        <a:rPr lang="en-US" sz="1400" dirty="0" err="1">
-                          <a:effectLst/>
-                        </a:rPr>
-                        <a:t>GroupBy</a:t>
-                      </a:r>
-                      <a:r>
-                        <a:rPr lang="ru-RU" sz="1400" dirty="0">
-                          <a:effectLst/>
-                        </a:rPr>
-                        <a:t>, но в группу попадают только идущие подряд элементы.</a:t>
-                      </a:r>
-                      <a:endParaRPr lang="en-US" sz="1400" dirty="0">
-                        <a:effectLst/>
-                        <a:latin typeface="Calibri"/>
-                        <a:ea typeface="Calibri"/>
-                        <a:cs typeface="Times New Roman"/>
-                      </a:endParaRPr>
-                    </a:p>
-                  </a:txBody>
-                  <a:tcPr marL="594" marR="594" marT="594" marB="594" anchor="ctr">
-                    <a:lnL w="12700" cap="flat" cmpd="sng" algn="ctr">
-                      <a:noFill/>
-                      <a:prstDash val="solid"/>
-                      <a:round/>
-                      <a:headEnd type="none" w="med" len="med"/>
-                      <a:tailEnd type="none" w="med" len="med"/>
-                    </a:lnL>
-                    <a:lnR w="12700" cap="flat" cmpd="sng" algn="ctr">
-                      <a:noFill/>
-                      <a:prstDash val="solid"/>
-                      <a:round/>
-                      <a:headEnd type="none" w="med" len="med"/>
-                      <a:tailEnd type="none" w="med" len="med"/>
-                    </a:lnR>
-                    <a:lnT w="12700" cap="flat" cmpd="sng" algn="ctr">
-                      <a:solidFill>
-                        <a:schemeClr val="tx1"/>
-                      </a:solidFill>
-                      <a:prstDash val="solid"/>
-                      <a:round/>
-                      <a:headEnd type="none" w="med" len="med"/>
-                      <a:tailEnd type="none" w="med" len="med"/>
-                    </a:lnT>
-                    <a:lnB w="12700" cap="flat" cmpd="sng" algn="ctr">
-                      <a:solidFill>
-                        <a:schemeClr val="tx1"/>
-                      </a:solidFill>
-                      <a:prstDash val="solid"/>
-                      <a:round/>
-                      <a:headEnd type="none" w="med" len="med"/>
-                      <a:tailEnd type="none" w="med" len="med"/>
-                    </a:lnB>
-                    <a:lnTlToBr w="12700" cmpd="sng">
-                      <a:noFill/>
-                      <a:prstDash val="solid"/>
-                    </a:lnTlToBr>
-                    <a:lnBlToTr w="12700" cmpd="sng">
-                      <a:noFill/>
-                      <a:prstDash val="solid"/>
-                    </a:lnBlToTr>
-                    <a:noFill/>
-                  </a:tcPr>
-                </a:tc>
-              </a:tr>
-              <a:tr h="169492">
-                <a:tc>
-                  <a:txBody>
-                    <a:bodyPr/>
-                    <a:lstStyle/>
-                    <a:p>
-                      <a:pPr>
-                        <a:lnSpc>
-                          <a:spcPct val="115000"/>
-                        </a:lnSpc>
-                        <a:spcAft>
-                          <a:spcPts val="1000"/>
-                        </a:spcAft>
-                      </a:pPr>
-                      <a:r>
-                        <a:rPr lang="en-US" sz="1400" dirty="0">
-                          <a:effectLst/>
-                        </a:rPr>
-                        <a:t>Index</a:t>
-                      </a:r>
-                      <a:endParaRPr lang="en-US" sz="1400" dirty="0">
-                        <a:effectLst/>
-                        <a:latin typeface="Calibri"/>
-                        <a:ea typeface="Calibri"/>
-                        <a:cs typeface="Times New Roman"/>
-                      </a:endParaRPr>
-                    </a:p>
-                  </a:txBody>
-                  <a:tcPr marL="594" marR="594" marT="594" marB="594" anchor="ctr">
-                    <a:lnL w="12700" cap="flat" cmpd="sng" algn="ctr">
-                      <a:noFill/>
-                      <a:prstDash val="solid"/>
-                      <a:round/>
-                      <a:headEnd type="none" w="med" len="med"/>
-                      <a:tailEnd type="none" w="med" len="med"/>
-                    </a:lnL>
-                    <a:lnR w="12700" cap="flat" cmpd="sng" algn="ctr">
-                      <a:noFill/>
-                      <a:prstDash val="solid"/>
-                      <a:round/>
-                      <a:headEnd type="none" w="med" len="med"/>
-                      <a:tailEnd type="none" w="med" len="med"/>
-                    </a:lnR>
-                    <a:lnT w="12700" cap="flat" cmpd="sng" algn="ctr">
-                      <a:solidFill>
-                        <a:schemeClr val="tx1"/>
-                      </a:solidFill>
-                      <a:prstDash val="solid"/>
-                      <a:round/>
-                      <a:headEnd type="none" w="med" len="med"/>
-                      <a:tailEnd type="none" w="med" len="med"/>
-                    </a:lnT>
-                    <a:lnB w="12700" cap="flat" cmpd="sng" algn="ctr">
-                      <a:solidFill>
-                        <a:schemeClr val="tx1"/>
-                      </a:solidFill>
-                      <a:prstDash val="solid"/>
-                      <a:round/>
-                      <a:headEnd type="none" w="med" len="med"/>
-                      <a:tailEnd type="none" w="med" len="med"/>
-                    </a:lnB>
-                    <a:lnTlToBr w="12700" cmpd="sng">
-                      <a:noFill/>
-                      <a:prstDash val="solid"/>
-                    </a:lnTlToBr>
-                    <a:lnBlToTr w="12700" cmpd="sng">
-                      <a:noFill/>
-                      <a:prstDash val="solid"/>
-                    </a:lnBlToTr>
-                    <a:noFill/>
-                  </a:tcPr>
-                </a:tc>
-                <a:tc>
-                  <a:txBody>
-                    <a:bodyPr/>
-                    <a:lstStyle/>
-                    <a:p>
-                      <a:pPr>
-                        <a:lnSpc>
-                          <a:spcPct val="115000"/>
-                        </a:lnSpc>
-                        <a:spcAft>
-                          <a:spcPts val="1000"/>
-                        </a:spcAft>
-                      </a:pPr>
-                      <a:r>
-                        <a:rPr lang="ru-RU" sz="1400" dirty="0">
-                          <a:effectLst/>
-                        </a:rPr>
-                        <a:t>Возвращает последовательность пар индекс-значение.</a:t>
-                      </a:r>
-                      <a:endParaRPr lang="en-US" sz="1400" dirty="0">
-                        <a:effectLst/>
-                        <a:latin typeface="Calibri"/>
-                        <a:ea typeface="Calibri"/>
-                        <a:cs typeface="Times New Roman"/>
-                      </a:endParaRPr>
-                    </a:p>
-                  </a:txBody>
-                  <a:tcPr marL="594" marR="594" marT="594" marB="594" anchor="ctr">
-                    <a:lnL w="12700" cap="flat" cmpd="sng" algn="ctr">
-                      <a:noFill/>
-                      <a:prstDash val="solid"/>
-                      <a:round/>
-                      <a:headEnd type="none" w="med" len="med"/>
-                      <a:tailEnd type="none" w="med" len="med"/>
-                    </a:lnL>
-                    <a:lnR w="12700" cap="flat" cmpd="sng" algn="ctr">
-                      <a:noFill/>
-                      <a:prstDash val="solid"/>
-                      <a:round/>
-                      <a:headEnd type="none" w="med" len="med"/>
-                      <a:tailEnd type="none" w="med" len="med"/>
-                    </a:lnR>
-                    <a:lnT w="12700" cap="flat" cmpd="sng" algn="ctr">
-                      <a:solidFill>
-                        <a:schemeClr val="tx1"/>
-                      </a:solidFill>
-                      <a:prstDash val="solid"/>
-                      <a:round/>
-                      <a:headEnd type="none" w="med" len="med"/>
-                      <a:tailEnd type="none" w="med" len="med"/>
-                    </a:lnT>
-                    <a:lnB w="12700" cap="flat" cmpd="sng" algn="ctr">
-                      <a:solidFill>
-                        <a:schemeClr val="tx1"/>
-                      </a:solidFill>
-                      <a:prstDash val="solid"/>
-                      <a:round/>
-                      <a:headEnd type="none" w="med" len="med"/>
-                      <a:tailEnd type="none" w="med" len="med"/>
-                    </a:lnB>
-                    <a:lnTlToBr w="12700" cmpd="sng">
-                      <a:noFill/>
-                      <a:prstDash val="solid"/>
-                    </a:lnTlToBr>
-                    <a:lnBlToTr w="12700" cmpd="sng">
-                      <a:noFill/>
-                      <a:prstDash val="solid"/>
-                    </a:lnBlToTr>
-                    <a:noFill/>
-                  </a:tcPr>
-                </a:tc>
-              </a:tr>
-              <a:tr h="265666">
-                <a:tc>
-                  <a:txBody>
-                    <a:bodyPr/>
-                    <a:lstStyle/>
-                    <a:p>
-                      <a:pPr>
-                        <a:lnSpc>
-                          <a:spcPct val="115000"/>
-                        </a:lnSpc>
-                        <a:spcAft>
-                          <a:spcPts val="1000"/>
-                        </a:spcAft>
-                      </a:pPr>
-                      <a:r>
-                        <a:rPr lang="en-US" sz="1400" dirty="0" err="1">
-                          <a:effectLst/>
-                        </a:rPr>
-                        <a:t>MaxBy</a:t>
-                      </a:r>
-                      <a:endParaRPr lang="en-US" sz="1400" dirty="0">
-                        <a:effectLst/>
-                        <a:latin typeface="Calibri"/>
-                        <a:ea typeface="Calibri"/>
-                        <a:cs typeface="Times New Roman"/>
-                      </a:endParaRPr>
-                    </a:p>
-                  </a:txBody>
-                  <a:tcPr marL="594" marR="594" marT="594" marB="594" anchor="ctr">
-                    <a:lnL w="12700" cap="flat" cmpd="sng" algn="ctr">
-                      <a:noFill/>
-                      <a:prstDash val="solid"/>
-                      <a:round/>
-                      <a:headEnd type="none" w="med" len="med"/>
-                      <a:tailEnd type="none" w="med" len="med"/>
-                    </a:lnL>
-                    <a:lnR w="12700" cap="flat" cmpd="sng" algn="ctr">
-                      <a:noFill/>
-                      <a:prstDash val="solid"/>
-                      <a:round/>
-                      <a:headEnd type="none" w="med" len="med"/>
-                      <a:tailEnd type="none" w="med" len="med"/>
-                    </a:lnR>
-                    <a:lnT w="12700" cap="flat" cmpd="sng" algn="ctr">
-                      <a:solidFill>
-                        <a:schemeClr val="tx1"/>
-                      </a:solidFill>
-                      <a:prstDash val="solid"/>
-                      <a:round/>
-                      <a:headEnd type="none" w="med" len="med"/>
-                      <a:tailEnd type="none" w="med" len="med"/>
-                    </a:lnT>
-                    <a:lnB w="12700" cap="flat" cmpd="sng" algn="ctr">
-                      <a:solidFill>
-                        <a:schemeClr val="tx1"/>
-                      </a:solidFill>
-                      <a:prstDash val="solid"/>
-                      <a:round/>
-                      <a:headEnd type="none" w="med" len="med"/>
-                      <a:tailEnd type="none" w="med" len="med"/>
-                    </a:lnB>
-                    <a:lnTlToBr w="12700" cmpd="sng">
-                      <a:noFill/>
-                      <a:prstDash val="solid"/>
-                    </a:lnTlToBr>
-                    <a:lnBlToTr w="12700" cmpd="sng">
-                      <a:noFill/>
-                      <a:prstDash val="solid"/>
-                    </a:lnBlToTr>
-                    <a:noFill/>
-                  </a:tcPr>
-                </a:tc>
-                <a:tc>
-                  <a:txBody>
-                    <a:bodyPr/>
-                    <a:lstStyle/>
-                    <a:p>
-                      <a:pPr>
-                        <a:lnSpc>
-                          <a:spcPct val="115000"/>
-                        </a:lnSpc>
-                        <a:spcAft>
-                          <a:spcPts val="1000"/>
-                        </a:spcAft>
-                      </a:pPr>
-                      <a:r>
-                        <a:rPr lang="ru-RU" sz="1400" dirty="0">
-                          <a:effectLst/>
-                        </a:rPr>
-                        <a:t>Возвращает максимальный элемент последовательности по заданному критерию.</a:t>
-                      </a:r>
-                      <a:endParaRPr lang="en-US" sz="1400" dirty="0">
-                        <a:effectLst/>
-                        <a:latin typeface="Calibri"/>
-                        <a:ea typeface="Calibri"/>
-                        <a:cs typeface="Times New Roman"/>
-                      </a:endParaRPr>
-                    </a:p>
-                  </a:txBody>
-                  <a:tcPr marL="594" marR="594" marT="594" marB="594" anchor="ctr">
-                    <a:lnL w="12700" cap="flat" cmpd="sng" algn="ctr">
-                      <a:noFill/>
-                      <a:prstDash val="solid"/>
-                      <a:round/>
-                      <a:headEnd type="none" w="med" len="med"/>
-                      <a:tailEnd type="none" w="med" len="med"/>
-                    </a:lnL>
-                    <a:lnR w="12700" cap="flat" cmpd="sng" algn="ctr">
-                      <a:noFill/>
-                      <a:prstDash val="solid"/>
-                      <a:round/>
-                      <a:headEnd type="none" w="med" len="med"/>
-                      <a:tailEnd type="none" w="med" len="med"/>
-                    </a:lnR>
-                    <a:lnT w="12700" cap="flat" cmpd="sng" algn="ctr">
-                      <a:solidFill>
-                        <a:schemeClr val="tx1"/>
-                      </a:solidFill>
-                      <a:prstDash val="solid"/>
-                      <a:round/>
-                      <a:headEnd type="none" w="med" len="med"/>
-                      <a:tailEnd type="none" w="med" len="med"/>
-                    </a:lnT>
-                    <a:lnB w="12700" cap="flat" cmpd="sng" algn="ctr">
-                      <a:solidFill>
-                        <a:schemeClr val="tx1"/>
-                      </a:solidFill>
-                      <a:prstDash val="solid"/>
-                      <a:round/>
-                      <a:headEnd type="none" w="med" len="med"/>
-                      <a:tailEnd type="none" w="med" len="med"/>
-                    </a:lnB>
-                    <a:lnTlToBr w="12700" cmpd="sng">
-                      <a:noFill/>
-                      <a:prstDash val="solid"/>
-                    </a:lnTlToBr>
-                    <a:lnBlToTr w="12700" cmpd="sng">
-                      <a:noFill/>
-                      <a:prstDash val="solid"/>
-                    </a:lnBlToTr>
-                    <a:noFill/>
-                  </a:tcPr>
-                </a:tc>
-              </a:tr>
-              <a:tr h="265666">
-                <a:tc>
-                  <a:txBody>
-                    <a:bodyPr/>
-                    <a:lstStyle/>
-                    <a:p>
-                      <a:pPr>
-                        <a:lnSpc>
-                          <a:spcPct val="115000"/>
-                        </a:lnSpc>
-                        <a:spcAft>
-                          <a:spcPts val="1000"/>
-                        </a:spcAft>
-                      </a:pPr>
-                      <a:r>
-                        <a:rPr lang="en-US" sz="1400" dirty="0" err="1">
-                          <a:effectLst/>
-                        </a:rPr>
-                        <a:t>MinBy</a:t>
-                      </a:r>
-                      <a:endParaRPr lang="en-US" sz="1400" dirty="0">
-                        <a:effectLst/>
-                        <a:latin typeface="Calibri"/>
-                        <a:ea typeface="Calibri"/>
-                        <a:cs typeface="Times New Roman"/>
-                      </a:endParaRPr>
-                    </a:p>
-                  </a:txBody>
-                  <a:tcPr marL="594" marR="594" marT="594" marB="594" anchor="ctr">
-                    <a:lnL w="12700" cap="flat" cmpd="sng" algn="ctr">
-                      <a:noFill/>
-                      <a:prstDash val="solid"/>
-                      <a:round/>
-                      <a:headEnd type="none" w="med" len="med"/>
-                      <a:tailEnd type="none" w="med" len="med"/>
-                    </a:lnL>
-                    <a:lnR w="12700" cap="flat" cmpd="sng" algn="ctr">
-                      <a:noFill/>
-                      <a:prstDash val="solid"/>
-                      <a:round/>
-                      <a:headEnd type="none" w="med" len="med"/>
-                      <a:tailEnd type="none" w="med" len="med"/>
-                    </a:lnR>
-                    <a:lnT w="12700" cap="flat" cmpd="sng" algn="ctr">
-                      <a:solidFill>
-                        <a:schemeClr val="tx1"/>
-                      </a:solidFill>
-                      <a:prstDash val="solid"/>
-                      <a:round/>
-                      <a:headEnd type="none" w="med" len="med"/>
-                      <a:tailEnd type="none" w="med" len="med"/>
-                    </a:lnT>
-                    <a:lnB w="12700" cap="flat" cmpd="sng" algn="ctr">
-                      <a:solidFill>
-                        <a:schemeClr val="tx1"/>
-                      </a:solidFill>
-                      <a:prstDash val="solid"/>
-                      <a:round/>
-                      <a:headEnd type="none" w="med" len="med"/>
-                      <a:tailEnd type="none" w="med" len="med"/>
-                    </a:lnB>
-                    <a:lnTlToBr w="12700" cmpd="sng">
-                      <a:noFill/>
-                      <a:prstDash val="solid"/>
-                    </a:lnTlToBr>
-                    <a:lnBlToTr w="12700" cmpd="sng">
-                      <a:noFill/>
-                      <a:prstDash val="solid"/>
-                    </a:lnBlToTr>
-                    <a:noFill/>
-                  </a:tcPr>
-                </a:tc>
-                <a:tc>
-                  <a:txBody>
-                    <a:bodyPr/>
-                    <a:lstStyle/>
-                    <a:p>
-                      <a:pPr>
-                        <a:lnSpc>
-                          <a:spcPct val="115000"/>
-                        </a:lnSpc>
-                        <a:spcAft>
-                          <a:spcPts val="1000"/>
-                        </a:spcAft>
-                      </a:pPr>
-                      <a:r>
-                        <a:rPr lang="ru-RU" sz="1400" dirty="0">
-                          <a:effectLst/>
-                        </a:rPr>
-                        <a:t>Возвращает минимальный элемент последовательности по заданному критерию.</a:t>
-                      </a:r>
-                      <a:endParaRPr lang="en-US" sz="1400" dirty="0">
-                        <a:effectLst/>
-                        <a:latin typeface="Calibri"/>
-                        <a:ea typeface="Calibri"/>
-                        <a:cs typeface="Times New Roman"/>
-                      </a:endParaRPr>
-                    </a:p>
-                  </a:txBody>
-                  <a:tcPr marL="594" marR="594" marT="594" marB="594" anchor="ctr">
-                    <a:lnL w="12700" cap="flat" cmpd="sng" algn="ctr">
-                      <a:noFill/>
-                      <a:prstDash val="solid"/>
-                      <a:round/>
-                      <a:headEnd type="none" w="med" len="med"/>
-                      <a:tailEnd type="none" w="med" len="med"/>
-                    </a:lnL>
-                    <a:lnR w="12700" cap="flat" cmpd="sng" algn="ctr">
-                      <a:noFill/>
-                      <a:prstDash val="solid"/>
-                      <a:round/>
-                      <a:headEnd type="none" w="med" len="med"/>
-                      <a:tailEnd type="none" w="med" len="med"/>
-                    </a:lnR>
-                    <a:lnT w="12700" cap="flat" cmpd="sng" algn="ctr">
-                      <a:solidFill>
-                        <a:schemeClr val="tx1"/>
-                      </a:solidFill>
-                      <a:prstDash val="solid"/>
-                      <a:round/>
-                      <a:headEnd type="none" w="med" len="med"/>
-                      <a:tailEnd type="none" w="med" len="med"/>
-                    </a:lnT>
-                    <a:lnB w="12700" cap="flat" cmpd="sng" algn="ctr">
-                      <a:solidFill>
-                        <a:schemeClr val="tx1"/>
-                      </a:solidFill>
-                      <a:prstDash val="solid"/>
-                      <a:round/>
-                      <a:headEnd type="none" w="med" len="med"/>
-                      <a:tailEnd type="none" w="med" len="med"/>
-                    </a:lnB>
-                    <a:lnTlToBr w="12700" cmpd="sng">
-                      <a:noFill/>
-                      <a:prstDash val="solid"/>
-                    </a:lnTlToBr>
-                    <a:lnBlToTr w="12700" cmpd="sng">
-                      <a:noFill/>
-                      <a:prstDash val="solid"/>
-                    </a:lnBlToTr>
-                    <a:noFill/>
-                  </a:tcPr>
-                </a:tc>
-              </a:tr>
-              <a:tr h="470035">
-                <a:tc>
-                  <a:txBody>
-                    <a:bodyPr/>
-                    <a:lstStyle/>
-                    <a:p>
-                      <a:pPr>
-                        <a:lnSpc>
-                          <a:spcPct val="115000"/>
-                        </a:lnSpc>
-                        <a:spcAft>
-                          <a:spcPts val="1000"/>
-                        </a:spcAft>
-                      </a:pPr>
-                      <a:r>
-                        <a:rPr lang="en-US" sz="1400" dirty="0">
-                          <a:effectLst/>
-                        </a:rPr>
-                        <a:t>Pad</a:t>
-                      </a:r>
-                      <a:endParaRPr lang="en-US" sz="1400" dirty="0">
-                        <a:effectLst/>
-                        <a:latin typeface="Calibri"/>
-                        <a:ea typeface="Calibri"/>
-                        <a:cs typeface="Times New Roman"/>
-                      </a:endParaRPr>
-                    </a:p>
-                  </a:txBody>
-                  <a:tcPr marL="594" marR="594" marT="594" marB="594" anchor="ctr">
-                    <a:lnL w="12700" cap="flat" cmpd="sng" algn="ctr">
-                      <a:noFill/>
-                      <a:prstDash val="solid"/>
-                      <a:round/>
-                      <a:headEnd type="none" w="med" len="med"/>
-                      <a:tailEnd type="none" w="med" len="med"/>
-                    </a:lnL>
-                    <a:lnR w="12700" cap="flat" cmpd="sng" algn="ctr">
-                      <a:noFill/>
-                      <a:prstDash val="solid"/>
-                      <a:round/>
-                      <a:headEnd type="none" w="med" len="med"/>
-                      <a:tailEnd type="none" w="med" len="med"/>
-                    </a:lnR>
-                    <a:lnT w="12700" cap="flat" cmpd="sng" algn="ctr">
-                      <a:solidFill>
-                        <a:schemeClr val="tx1"/>
-                      </a:solidFill>
-                      <a:prstDash val="solid"/>
-                      <a:round/>
-                      <a:headEnd type="none" w="med" len="med"/>
-                      <a:tailEnd type="none" w="med" len="med"/>
-                    </a:lnT>
-                    <a:lnB w="12700" cap="flat" cmpd="sng" algn="ctr">
-                      <a:solidFill>
-                        <a:schemeClr val="tx1"/>
-                      </a:solidFill>
-                      <a:prstDash val="solid"/>
-                      <a:round/>
-                      <a:headEnd type="none" w="med" len="med"/>
-                      <a:tailEnd type="none" w="med" len="med"/>
-                    </a:lnB>
-                    <a:lnTlToBr w="12700" cmpd="sng">
-                      <a:noFill/>
-                      <a:prstDash val="solid"/>
-                    </a:lnTlToBr>
-                    <a:lnBlToTr w="12700" cmpd="sng">
-                      <a:noFill/>
-                      <a:prstDash val="solid"/>
-                    </a:lnBlToTr>
-                    <a:noFill/>
-                  </a:tcPr>
-                </a:tc>
-                <a:tc>
-                  <a:txBody>
-                    <a:bodyPr/>
-                    <a:lstStyle/>
-                    <a:p>
-                      <a:pPr>
-                        <a:lnSpc>
-                          <a:spcPct val="115000"/>
-                        </a:lnSpc>
-                        <a:spcAft>
-                          <a:spcPts val="1000"/>
-                        </a:spcAft>
-                      </a:pPr>
-                      <a:r>
-                        <a:rPr lang="ru-RU" sz="1400" dirty="0">
-                          <a:effectLst/>
-                        </a:rPr>
-                        <a:t>Если количество элементов последовательности меньше заданного, дополняет последовательность значениями по умолчанию до заданного количества.</a:t>
-                      </a:r>
-                      <a:endParaRPr lang="en-US" sz="1400" dirty="0">
-                        <a:effectLst/>
-                        <a:latin typeface="Calibri"/>
-                        <a:ea typeface="Calibri"/>
-                        <a:cs typeface="Times New Roman"/>
-                      </a:endParaRPr>
-                    </a:p>
-                  </a:txBody>
-                  <a:tcPr marL="594" marR="594" marT="594" marB="594" anchor="ctr">
-                    <a:lnL w="12700" cap="flat" cmpd="sng" algn="ctr">
-                      <a:noFill/>
-                      <a:prstDash val="solid"/>
-                      <a:round/>
-                      <a:headEnd type="none" w="med" len="med"/>
-                      <a:tailEnd type="none" w="med" len="med"/>
-                    </a:lnL>
-                    <a:lnR w="12700" cap="flat" cmpd="sng" algn="ctr">
-                      <a:noFill/>
-                      <a:prstDash val="solid"/>
-                      <a:round/>
-                      <a:headEnd type="none" w="med" len="med"/>
-                      <a:tailEnd type="none" w="med" len="med"/>
-                    </a:lnR>
-                    <a:lnT w="12700" cap="flat" cmpd="sng" algn="ctr">
-                      <a:solidFill>
-                        <a:schemeClr val="tx1"/>
-                      </a:solidFill>
-                      <a:prstDash val="solid"/>
-                      <a:round/>
-                      <a:headEnd type="none" w="med" len="med"/>
-                      <a:tailEnd type="none" w="med" len="med"/>
-                    </a:lnT>
-                    <a:lnB w="12700" cap="flat" cmpd="sng" algn="ctr">
-                      <a:solidFill>
-                        <a:schemeClr val="tx1"/>
-                      </a:solidFill>
-                      <a:prstDash val="solid"/>
-                      <a:round/>
-                      <a:headEnd type="none" w="med" len="med"/>
-                      <a:tailEnd type="none" w="med" len="med"/>
-                    </a:lnB>
-                    <a:lnTlToBr w="12700" cmpd="sng">
-                      <a:noFill/>
-                      <a:prstDash val="solid"/>
-                    </a:lnTlToBr>
-                    <a:lnBlToTr w="12700" cmpd="sng">
-                      <a:noFill/>
-                      <a:prstDash val="solid"/>
-                    </a:lnBlToTr>
-                    <a:noFill/>
-                  </a:tcPr>
-                </a:tc>
-              </a:tr>
-              <a:tr h="409926">
-                <a:tc>
-                  <a:txBody>
-                    <a:bodyPr/>
-                    <a:lstStyle/>
-                    <a:p>
-                      <a:pPr>
-                        <a:lnSpc>
-                          <a:spcPct val="115000"/>
-                        </a:lnSpc>
-                        <a:spcAft>
-                          <a:spcPts val="1000"/>
-                        </a:spcAft>
-                      </a:pPr>
-                      <a:r>
-                        <a:rPr lang="en-US" sz="1400" dirty="0">
-                          <a:effectLst/>
-                        </a:rPr>
-                        <a:t>Pairwise</a:t>
-                      </a:r>
-                      <a:endParaRPr lang="en-US" sz="1400" dirty="0">
-                        <a:effectLst/>
-                        <a:latin typeface="Calibri"/>
-                        <a:ea typeface="Calibri"/>
-                        <a:cs typeface="Times New Roman"/>
-                      </a:endParaRPr>
-                    </a:p>
-                  </a:txBody>
-                  <a:tcPr marL="594" marR="594" marT="594" marB="594" anchor="ctr">
-                    <a:lnL w="12700" cap="flat" cmpd="sng" algn="ctr">
-                      <a:noFill/>
-                      <a:prstDash val="solid"/>
-                      <a:round/>
-                      <a:headEnd type="none" w="med" len="med"/>
-                      <a:tailEnd type="none" w="med" len="med"/>
-                    </a:lnL>
-                    <a:lnR w="12700" cap="flat" cmpd="sng" algn="ctr">
-                      <a:noFill/>
-                      <a:prstDash val="solid"/>
-                      <a:round/>
-                      <a:headEnd type="none" w="med" len="med"/>
-                      <a:tailEnd type="none" w="med" len="med"/>
-                    </a:lnR>
-                    <a:lnT w="12700" cap="flat" cmpd="sng" algn="ctr">
-                      <a:solidFill>
-                        <a:schemeClr val="tx1"/>
-                      </a:solidFill>
-                      <a:prstDash val="solid"/>
-                      <a:round/>
-                      <a:headEnd type="none" w="med" len="med"/>
-                      <a:tailEnd type="none" w="med" len="med"/>
-                    </a:lnT>
-                    <a:lnB w="12700" cap="flat" cmpd="sng" algn="ctr">
-                      <a:solidFill>
-                        <a:schemeClr val="tx1"/>
-                      </a:solidFill>
-                      <a:prstDash val="solid"/>
-                      <a:round/>
-                      <a:headEnd type="none" w="med" len="med"/>
-                      <a:tailEnd type="none" w="med" len="med"/>
-                    </a:lnB>
-                    <a:lnTlToBr w="12700" cmpd="sng">
-                      <a:noFill/>
-                      <a:prstDash val="solid"/>
-                    </a:lnTlToBr>
-                    <a:lnBlToTr w="12700" cmpd="sng">
-                      <a:noFill/>
-                      <a:prstDash val="solid"/>
-                    </a:lnBlToTr>
-                    <a:noFill/>
-                  </a:tcPr>
-                </a:tc>
-                <a:tc>
-                  <a:txBody>
-                    <a:bodyPr/>
-                    <a:lstStyle/>
-                    <a:p>
-                      <a:pPr>
-                        <a:lnSpc>
-                          <a:spcPct val="115000"/>
-                        </a:lnSpc>
-                        <a:spcAft>
-                          <a:spcPts val="1000"/>
-                        </a:spcAft>
-                      </a:pPr>
-                      <a:r>
-                        <a:rPr lang="ru-RU" sz="1400" dirty="0">
-                          <a:effectLst/>
-                        </a:rPr>
-                        <a:t>Возвращает последовательность результатов функции текущего и предыдущего элемента (не применяется к первому элементу).</a:t>
-                      </a:r>
-                      <a:endParaRPr lang="en-US" sz="1400" dirty="0">
-                        <a:effectLst/>
-                        <a:latin typeface="Calibri"/>
-                        <a:ea typeface="Calibri"/>
-                        <a:cs typeface="Times New Roman"/>
-                      </a:endParaRPr>
-                    </a:p>
-                  </a:txBody>
-                  <a:tcPr marL="594" marR="594" marT="594" marB="594" anchor="ctr">
-                    <a:lnL w="12700" cap="flat" cmpd="sng" algn="ctr">
-                      <a:noFill/>
-                      <a:prstDash val="solid"/>
-                      <a:round/>
-                      <a:headEnd type="none" w="med" len="med"/>
-                      <a:tailEnd type="none" w="med" len="med"/>
-                    </a:lnL>
-                    <a:lnR w="12700" cap="flat" cmpd="sng" algn="ctr">
-                      <a:noFill/>
-                      <a:prstDash val="solid"/>
-                      <a:round/>
-                      <a:headEnd type="none" w="med" len="med"/>
-                      <a:tailEnd type="none" w="med" len="med"/>
-                    </a:lnR>
-                    <a:lnT w="12700" cap="flat" cmpd="sng" algn="ctr">
-                      <a:solidFill>
-                        <a:schemeClr val="tx1"/>
-                      </a:solidFill>
-                      <a:prstDash val="solid"/>
-                      <a:round/>
-                      <a:headEnd type="none" w="med" len="med"/>
-                      <a:tailEnd type="none" w="med" len="med"/>
-                    </a:lnT>
-                    <a:lnB w="12700" cap="flat" cmpd="sng" algn="ctr">
-                      <a:solidFill>
-                        <a:schemeClr val="tx1"/>
-                      </a:solidFill>
-                      <a:prstDash val="solid"/>
-                      <a:round/>
-                      <a:headEnd type="none" w="med" len="med"/>
-                      <a:tailEnd type="none" w="med" len="med"/>
-                    </a:lnB>
-                    <a:lnTlToBr w="12700" cmpd="sng">
-                      <a:noFill/>
-                      <a:prstDash val="solid"/>
-                    </a:lnTlToBr>
-                    <a:lnBlToTr w="12700" cmpd="sng">
-                      <a:noFill/>
-                      <a:prstDash val="solid"/>
-                    </a:lnBlToTr>
-                    <a:noFill/>
-                  </a:tcPr>
-                </a:tc>
-              </a:tr>
-              <a:tr h="409926">
-                <a:tc>
-                  <a:txBody>
-                    <a:bodyPr/>
-                    <a:lstStyle/>
-                    <a:p>
-                      <a:pPr>
-                        <a:lnSpc>
-                          <a:spcPct val="115000"/>
-                        </a:lnSpc>
-                        <a:spcAft>
-                          <a:spcPts val="1000"/>
-                        </a:spcAft>
-                      </a:pPr>
-                      <a:r>
-                        <a:rPr lang="en-US" sz="1400" dirty="0" smtClean="0">
-                          <a:effectLst/>
-                          <a:latin typeface="Calibri"/>
-                          <a:ea typeface="Calibri"/>
-                          <a:cs typeface="Times New Roman"/>
-                        </a:rPr>
-                        <a:t>Pipe</a:t>
-                      </a:r>
-                      <a:endParaRPr lang="en-US" sz="1400" dirty="0">
-                        <a:effectLst/>
-                        <a:latin typeface="Calibri"/>
-                        <a:ea typeface="Calibri"/>
-                        <a:cs typeface="Times New Roman"/>
-                      </a:endParaRPr>
-                    </a:p>
-                  </a:txBody>
-                  <a:tcPr marL="594" marR="594" marT="594" marB="594" anchor="ctr">
-                    <a:lnL w="12700" cap="flat" cmpd="sng" algn="ctr">
-                      <a:noFill/>
-                      <a:prstDash val="solid"/>
-                      <a:round/>
-                      <a:headEnd type="none" w="med" len="med"/>
-                      <a:tailEnd type="none" w="med" len="med"/>
-                    </a:lnL>
-                    <a:lnR w="12700" cap="flat" cmpd="sng" algn="ctr">
-                      <a:noFill/>
-                      <a:prstDash val="solid"/>
-                      <a:round/>
-                      <a:headEnd type="none" w="med" len="med"/>
-                      <a:tailEnd type="none" w="med" len="med"/>
-                    </a:lnR>
-                    <a:lnT w="12700" cap="flat" cmpd="sng" algn="ctr">
-                      <a:solidFill>
-                        <a:schemeClr val="tx1"/>
-                      </a:solidFill>
-                      <a:prstDash val="solid"/>
-                      <a:round/>
-                      <a:headEnd type="none" w="med" len="med"/>
-                      <a:tailEnd type="none" w="med" len="med"/>
-                    </a:lnT>
-                    <a:lnB w="12700" cap="flat" cmpd="sng" algn="ctr">
-                      <a:solidFill>
-                        <a:schemeClr val="tx1"/>
-                      </a:solidFill>
-                      <a:prstDash val="solid"/>
-                      <a:round/>
-                      <a:headEnd type="none" w="med" len="med"/>
-                      <a:tailEnd type="none" w="med" len="med"/>
-                    </a:lnB>
-                    <a:lnTlToBr w="12700" cmpd="sng">
-                      <a:noFill/>
-                      <a:prstDash val="solid"/>
-                    </a:lnTlToBr>
-                    <a:lnBlToTr w="12700" cmpd="sng">
-                      <a:noFill/>
-                      <a:prstDash val="solid"/>
-                    </a:lnBlToTr>
-                    <a:noFill/>
-                  </a:tcPr>
-                </a:tc>
-                <a:tc>
-                  <a:txBody>
-                    <a:bodyPr/>
-                    <a:lstStyle/>
-                    <a:p>
-                      <a:pPr>
-                        <a:lnSpc>
-                          <a:spcPct val="115000"/>
-                        </a:lnSpc>
-                        <a:spcAft>
-                          <a:spcPts val="1000"/>
-                        </a:spcAft>
-                      </a:pPr>
-                      <a:r>
-                        <a:rPr lang="ru-RU" sz="1400" b="0" dirty="0" smtClean="0">
-                          <a:effectLst/>
-                        </a:rPr>
-                        <a:t>Возвращает исходную последовательность, выполняя </a:t>
-                      </a:r>
-                      <a:r>
-                        <a:rPr lang="en-US" sz="1400" b="0" dirty="0" smtClean="0">
-                          <a:effectLst/>
-                        </a:rPr>
-                        <a:t>Action</a:t>
-                      </a:r>
-                      <a:r>
-                        <a:rPr lang="ru-RU" sz="1400" b="0" dirty="0" smtClean="0">
-                          <a:effectLst/>
-                        </a:rPr>
-                        <a:t> над каждым элементом.</a:t>
-                      </a:r>
-                      <a:endParaRPr lang="en-US" sz="1400" dirty="0">
-                        <a:effectLst/>
-                        <a:latin typeface="Calibri"/>
-                        <a:ea typeface="Calibri"/>
-                        <a:cs typeface="Times New Roman"/>
-                      </a:endParaRPr>
-                    </a:p>
-                  </a:txBody>
-                  <a:tcPr marL="594" marR="594" marT="594" marB="594" anchor="ctr">
-                    <a:lnL w="12700" cap="flat" cmpd="sng" algn="ctr">
-                      <a:noFill/>
-                      <a:prstDash val="solid"/>
-                      <a:round/>
-                      <a:headEnd type="none" w="med" len="med"/>
-                      <a:tailEnd type="none" w="med" len="med"/>
-                    </a:lnL>
-                    <a:lnR w="12700" cap="flat" cmpd="sng" algn="ctr">
-                      <a:noFill/>
-                      <a:prstDash val="solid"/>
-                      <a:round/>
-                      <a:headEnd type="none" w="med" len="med"/>
-                      <a:tailEnd type="none" w="med" len="med"/>
-                    </a:lnR>
-                    <a:lnT w="12700" cap="flat" cmpd="sng" algn="ctr">
-                      <a:solidFill>
-                        <a:schemeClr val="tx1"/>
-                      </a:solidFill>
-                      <a:prstDash val="solid"/>
-                      <a:round/>
-                      <a:headEnd type="none" w="med" len="med"/>
-                      <a:tailEnd type="none" w="med" len="med"/>
-                    </a:lnT>
-                    <a:lnB w="12700" cap="flat" cmpd="sng" algn="ctr">
-                      <a:solidFill>
-                        <a:schemeClr val="tx1"/>
-                      </a:solidFill>
-                      <a:prstDash val="solid"/>
-                      <a:round/>
-                      <a:headEnd type="none" w="med" len="med"/>
-                      <a:tailEnd type="none" w="med" len="med"/>
-                    </a:lnB>
-                    <a:lnTlToBr w="12700" cmpd="sng">
-                      <a:noFill/>
-                      <a:prstDash val="solid"/>
-                    </a:lnTlToBr>
-                    <a:lnBlToTr w="12700" cmpd="sng">
-                      <a:noFill/>
-                      <a:prstDash val="solid"/>
-                    </a:lnBlToTr>
-                    <a:noFill/>
-                  </a:tcPr>
-                </a:tc>
-              </a:tr>
-              <a:tr h="409926">
-                <a:tc>
-                  <a:txBody>
-                    <a:bodyPr/>
-                    <a:lstStyle/>
-                    <a:p>
-                      <a:pPr>
-                        <a:lnSpc>
-                          <a:spcPct val="115000"/>
-                        </a:lnSpc>
-                        <a:spcAft>
-                          <a:spcPts val="1000"/>
-                        </a:spcAft>
-                      </a:pPr>
-                      <a:r>
-                        <a:rPr lang="en-US" sz="1400" dirty="0" smtClean="0">
-                          <a:effectLst/>
-                        </a:rPr>
-                        <a:t>Prepend</a:t>
-                      </a:r>
-                      <a:endParaRPr lang="en-US" sz="1400" dirty="0">
-                        <a:effectLst/>
-                        <a:latin typeface="Calibri"/>
-                        <a:ea typeface="Calibri"/>
-                        <a:cs typeface="Times New Roman"/>
-                      </a:endParaRPr>
-                    </a:p>
-                  </a:txBody>
-                  <a:tcPr marL="594" marR="594" marT="594" marB="594" anchor="ctr">
-                    <a:lnL w="12700" cap="flat" cmpd="sng" algn="ctr">
-                      <a:noFill/>
-                      <a:prstDash val="solid"/>
-                      <a:round/>
-                      <a:headEnd type="none" w="med" len="med"/>
-                      <a:tailEnd type="none" w="med" len="med"/>
-                    </a:lnL>
-                    <a:lnR w="12700" cap="flat" cmpd="sng" algn="ctr">
-                      <a:noFill/>
-                      <a:prstDash val="solid"/>
-                      <a:round/>
-                      <a:headEnd type="none" w="med" len="med"/>
-                      <a:tailEnd type="none" w="med" len="med"/>
-                    </a:lnR>
-                    <a:lnT w="12700" cap="flat" cmpd="sng" algn="ctr">
-                      <a:solidFill>
-                        <a:schemeClr val="tx1"/>
-                      </a:solidFill>
-                      <a:prstDash val="solid"/>
-                      <a:round/>
-                      <a:headEnd type="none" w="med" len="med"/>
-                      <a:tailEnd type="none" w="med" len="med"/>
-                    </a:lnT>
-                    <a:lnB w="12700" cap="flat" cmpd="sng" algn="ctr">
-                      <a:solidFill>
-                        <a:schemeClr val="tx1"/>
-                      </a:solidFill>
-                      <a:prstDash val="solid"/>
-                      <a:round/>
-                      <a:headEnd type="none" w="med" len="med"/>
-                      <a:tailEnd type="none" w="med" len="med"/>
-                    </a:lnB>
-                    <a:lnTlToBr w="12700" cmpd="sng">
-                      <a:noFill/>
-                      <a:prstDash val="solid"/>
-                    </a:lnTlToBr>
-                    <a:lnBlToTr w="12700" cmpd="sng">
-                      <a:noFill/>
-                      <a:prstDash val="solid"/>
-                    </a:lnBlToTr>
-                    <a:noFill/>
-                  </a:tcPr>
-                </a:tc>
-                <a:tc>
-                  <a:txBody>
-                    <a:bodyPr/>
-                    <a:lstStyle/>
-                    <a:p>
-                      <a:pPr>
-                        <a:lnSpc>
-                          <a:spcPct val="115000"/>
-                        </a:lnSpc>
-                        <a:spcAft>
-                          <a:spcPts val="1000"/>
-                        </a:spcAft>
-                      </a:pPr>
-                      <a:r>
-                        <a:rPr lang="ru-RU" sz="1400" b="0" dirty="0" smtClean="0">
-                          <a:effectLst/>
-                        </a:rPr>
-                        <a:t>Дополняет начало коллекции заданным элементом.</a:t>
-                      </a:r>
-                      <a:endParaRPr lang="en-US" sz="1400" dirty="0">
-                        <a:effectLst/>
-                        <a:latin typeface="Calibri"/>
-                        <a:ea typeface="Calibri"/>
-                        <a:cs typeface="Times New Roman"/>
-                      </a:endParaRPr>
-                    </a:p>
-                  </a:txBody>
-                  <a:tcPr marL="594" marR="594" marT="594" marB="594" anchor="ctr">
-                    <a:lnL w="12700" cap="flat" cmpd="sng" algn="ctr">
-                      <a:noFill/>
-                      <a:prstDash val="solid"/>
-                      <a:round/>
-                      <a:headEnd type="none" w="med" len="med"/>
-                      <a:tailEnd type="none" w="med" len="med"/>
-                    </a:lnL>
-                    <a:lnR w="12700" cap="flat" cmpd="sng" algn="ctr">
-                      <a:noFill/>
-                      <a:prstDash val="solid"/>
-                      <a:round/>
-                      <a:headEnd type="none" w="med" len="med"/>
-                      <a:tailEnd type="none" w="med" len="med"/>
-                    </a:lnR>
-                    <a:lnT w="12700" cap="flat" cmpd="sng" algn="ctr">
-                      <a:solidFill>
-                        <a:schemeClr val="tx1"/>
-                      </a:solidFill>
-                      <a:prstDash val="solid"/>
-                      <a:round/>
-                      <a:headEnd type="none" w="med" len="med"/>
-                      <a:tailEnd type="none" w="med" len="med"/>
-                    </a:lnT>
-                    <a:lnB w="12700" cap="flat" cmpd="sng" algn="ctr">
-                      <a:solidFill>
-                        <a:schemeClr val="tx1"/>
-                      </a:solidFill>
-                      <a:prstDash val="solid"/>
-                      <a:round/>
-                      <a:headEnd type="none" w="med" len="med"/>
-                      <a:tailEnd type="none" w="med" len="med"/>
-                    </a:lnB>
-                    <a:lnTlToBr w="12700" cmpd="sng">
-                      <a:noFill/>
-                      <a:prstDash val="solid"/>
-                    </a:lnTlToBr>
-                    <a:lnBlToTr w="12700" cmpd="sng">
-                      <a:noFill/>
-                      <a:prstDash val="solid"/>
-                    </a:lnBlToTr>
-                    <a:noFill/>
-                  </a:tcPr>
-                </a:tc>
-              </a:tr>
-            </a:tbl>
-          </a:graphicData>
-        </a:graphic>
-      </p:graphicFrame>
+        </p:nvSpPr>
+        <p:spPr/>
+        <p:txBody>
+          <a:bodyPr>
+            <a:normAutofit/>
+          </a:bodyPr>
+          <a:lstStyle/>
+          <a:p>
+            <a:pPr marL="0" indent="0">
+              <a:buNone/>
+            </a:pPr>
+            <a:r>
+              <a:rPr lang="ru-RU" dirty="0" smtClean="0"/>
+              <a:t>Добавляет полезные </a:t>
+            </a:r>
+            <a:r>
+              <a:rPr lang="en-US" dirty="0" smtClean="0"/>
+              <a:t>extension </a:t>
+            </a:r>
+            <a:r>
+              <a:rPr lang="ru-RU" dirty="0" smtClean="0"/>
+              <a:t>методы.</a:t>
+            </a:r>
+          </a:p>
+          <a:p>
+            <a:pPr marL="0" indent="0">
+              <a:buNone/>
+            </a:pPr>
+            <a:endParaRPr lang="ru-RU" dirty="0"/>
+          </a:p>
+          <a:p>
+            <a:pPr marL="0" indent="0">
+              <a:buNone/>
+            </a:pPr>
+            <a:r>
+              <a:rPr lang="en-US" dirty="0">
+                <a:hlinkClick r:id="rId2"/>
+              </a:rPr>
+              <a:t>http://code.google.com/p/morelinq</a:t>
+            </a:r>
+            <a:r>
+              <a:rPr lang="en-US" dirty="0" smtClean="0">
+                <a:hlinkClick r:id="rId2"/>
+              </a:rPr>
+              <a:t>/</a:t>
+            </a:r>
+            <a:endParaRPr lang="ru-RU" dirty="0" smtClean="0"/>
+          </a:p>
+          <a:p>
+            <a:pPr marL="0" indent="0">
+              <a:buNone/>
+            </a:pPr>
+            <a:endParaRPr lang="ru-RU" dirty="0"/>
+          </a:p>
+          <a:p>
+            <a:pPr marL="0" indent="0">
+              <a:buNone/>
+            </a:pPr>
+            <a:r>
+              <a:rPr lang="en-US" dirty="0" err="1" smtClean="0"/>
+              <a:t>NuGet</a:t>
+            </a:r>
+            <a:r>
+              <a:rPr lang="en-US" dirty="0" smtClean="0"/>
+              <a:t> </a:t>
+            </a:r>
+            <a:r>
+              <a:rPr lang="ru-RU" dirty="0" smtClean="0"/>
+              <a:t>пакет - </a:t>
+            </a:r>
+            <a:r>
+              <a:rPr lang="en-US" dirty="0">
+                <a:hlinkClick r:id="rId3"/>
+              </a:rPr>
+              <a:t>morelinq</a:t>
+            </a:r>
+            <a:endParaRPr lang="ru-RU" dirty="0" smtClean="0"/>
+          </a:p>
+          <a:p>
+            <a:pPr marL="0" indent="0">
+              <a:buNone/>
+            </a:pPr>
+            <a:endParaRPr lang="en-US" dirty="0"/>
+          </a:p>
+        </p:txBody>
+      </p:sp>
     </p:spTree>
     <p:extLst>
       <p:ext uri="{BB962C8B-B14F-4D97-AF65-F5344CB8AC3E}">
-        <p14:creationId xmlns:p14="http://schemas.microsoft.com/office/powerpoint/2010/main" val="3913675265"/>
+        <p14:creationId xmlns:p14="http://schemas.microsoft.com/office/powerpoint/2010/main" xmlns="" val="1834671459"/>
       </p:ext>
     </p:extLst>
   </p:cSld>
@@ -8230,6 +5804,2638 @@
       </p:sp>
       <p:graphicFrame>
         <p:nvGraphicFramePr>
+          <p:cNvPr id="9" name="Table 8"/>
+          <p:cNvGraphicFramePr>
+            <a:graphicFrameLocks noGrp="1"/>
+          </p:cNvGraphicFramePr>
+          <p:nvPr>
+            <p:extLst>
+              <p:ext uri="{D42A27DB-BD31-4B8C-83A1-F6EECF244321}">
+                <p14:modId xmlns:p14="http://schemas.microsoft.com/office/powerpoint/2010/main" xmlns="" val="995054926"/>
+              </p:ext>
+            </p:extLst>
+          </p:nvPr>
+        </p:nvGraphicFramePr>
+        <p:xfrm>
+          <a:off x="395536" y="886086"/>
+          <a:ext cx="8352928" cy="5673594"/>
+        </p:xfrm>
+        <a:graphic>
+          <a:graphicData uri="http://schemas.openxmlformats.org/drawingml/2006/table">
+            <a:tbl>
+              <a:tblPr firstRow="1" firstCol="1" bandRow="1">
+                <a:tableStyleId>{5C22544A-7EE6-4342-B048-85BDC9FD1C3A}</a:tableStyleId>
+              </a:tblPr>
+              <a:tblGrid>
+                <a:gridCol w="1368152"/>
+                <a:gridCol w="6984776"/>
+              </a:tblGrid>
+              <a:tr h="265666">
+                <a:tc>
+                  <a:txBody>
+                    <a:bodyPr/>
+                    <a:lstStyle/>
+                    <a:p>
+                      <a:pPr>
+                        <a:lnSpc>
+                          <a:spcPct val="115000"/>
+                        </a:lnSpc>
+                        <a:spcAft>
+                          <a:spcPts val="1000"/>
+                        </a:spcAft>
+                      </a:pPr>
+                      <a:r>
+                        <a:rPr lang="en-US" sz="1400" dirty="0">
+                          <a:effectLst/>
+                        </a:rPr>
+                        <a:t>Batch</a:t>
+                      </a:r>
+                      <a:endParaRPr lang="en-US" sz="1400" dirty="0">
+                        <a:effectLst/>
+                        <a:latin typeface="Calibri"/>
+                        <a:ea typeface="Calibri"/>
+                        <a:cs typeface="Times New Roman"/>
+                      </a:endParaRPr>
+                    </a:p>
+                  </a:txBody>
+                  <a:tcPr marL="594" marR="594" marT="594" marB="594" anchor="ctr">
+                    <a:lnL w="12700" cap="flat" cmpd="sng" algn="ctr">
+                      <a:noFill/>
+                      <a:prstDash val="solid"/>
+                      <a:round/>
+                      <a:headEnd type="none" w="med" len="med"/>
+                      <a:tailEnd type="none" w="med" len="med"/>
+                    </a:lnL>
+                    <a:lnR w="12700" cap="flat" cmpd="sng" algn="ctr">
+                      <a:noFill/>
+                      <a:prstDash val="solid"/>
+                      <a:round/>
+                      <a:headEnd type="none" w="med" len="med"/>
+                      <a:tailEnd type="none" w="med" len="med"/>
+                    </a:lnR>
+                    <a:lnT w="12700" cap="flat" cmpd="sng" algn="ctr">
+                      <a:solidFill>
+                        <a:schemeClr val="tx1"/>
+                      </a:solidFill>
+                      <a:prstDash val="solid"/>
+                      <a:round/>
+                      <a:headEnd type="none" w="med" len="med"/>
+                      <a:tailEnd type="none" w="med" len="med"/>
+                    </a:lnT>
+                    <a:lnB w="12700" cap="flat" cmpd="sng" algn="ctr">
+                      <a:solidFill>
+                        <a:schemeClr val="tx1"/>
+                      </a:solidFill>
+                      <a:prstDash val="solid"/>
+                      <a:round/>
+                      <a:headEnd type="none" w="med" len="med"/>
+                      <a:tailEnd type="none" w="med" len="med"/>
+                    </a:lnB>
+                    <a:lnTlToBr w="12700" cmpd="sng">
+                      <a:noFill/>
+                      <a:prstDash val="solid"/>
+                    </a:lnTlToBr>
+                    <a:lnBlToTr w="12700" cmpd="sng">
+                      <a:noFill/>
+                      <a:prstDash val="solid"/>
+                    </a:lnBlToTr>
+                    <a:noFill/>
+                  </a:tcPr>
+                </a:tc>
+                <a:tc>
+                  <a:txBody>
+                    <a:bodyPr/>
+                    <a:lstStyle/>
+                    <a:p>
+                      <a:pPr>
+                        <a:lnSpc>
+                          <a:spcPct val="115000"/>
+                        </a:lnSpc>
+                        <a:spcAft>
+                          <a:spcPts val="1000"/>
+                        </a:spcAft>
+                      </a:pPr>
+                      <a:r>
+                        <a:rPr lang="ru-RU" sz="1400" b="0" dirty="0" smtClean="0">
+                          <a:effectLst/>
+                        </a:rPr>
+                        <a:t>Превращает </a:t>
+                      </a:r>
+                      <a:r>
+                        <a:rPr lang="ru-RU" sz="1400" b="0" dirty="0">
+                          <a:effectLst/>
+                        </a:rPr>
+                        <a:t>одну последовательность в несколько последовательностей по </a:t>
+                      </a:r>
+                      <a:r>
+                        <a:rPr lang="en-US" sz="1400" b="0" dirty="0">
+                          <a:effectLst/>
+                        </a:rPr>
+                        <a:t>n</a:t>
+                      </a:r>
+                      <a:r>
+                        <a:rPr lang="ru-RU" sz="1400" b="0" dirty="0">
+                          <a:effectLst/>
+                        </a:rPr>
+                        <a:t> элементов.</a:t>
+                      </a:r>
+                      <a:endParaRPr lang="en-US" sz="1400" b="0" dirty="0">
+                        <a:effectLst/>
+                        <a:latin typeface="Calibri"/>
+                        <a:ea typeface="Calibri"/>
+                        <a:cs typeface="Times New Roman"/>
+                      </a:endParaRPr>
+                    </a:p>
+                  </a:txBody>
+                  <a:tcPr marL="594" marR="594" marT="594" marB="594" anchor="ctr">
+                    <a:lnL w="12700" cap="flat" cmpd="sng" algn="ctr">
+                      <a:noFill/>
+                      <a:prstDash val="solid"/>
+                      <a:round/>
+                      <a:headEnd type="none" w="med" len="med"/>
+                      <a:tailEnd type="none" w="med" len="med"/>
+                    </a:lnL>
+                    <a:lnR w="12700" cap="flat" cmpd="sng" algn="ctr">
+                      <a:noFill/>
+                      <a:prstDash val="solid"/>
+                      <a:round/>
+                      <a:headEnd type="none" w="med" len="med"/>
+                      <a:tailEnd type="none" w="med" len="med"/>
+                    </a:lnR>
+                    <a:lnT w="12700" cap="flat" cmpd="sng" algn="ctr">
+                      <a:solidFill>
+                        <a:schemeClr val="tx1"/>
+                      </a:solidFill>
+                      <a:prstDash val="solid"/>
+                      <a:round/>
+                      <a:headEnd type="none" w="med" len="med"/>
+                      <a:tailEnd type="none" w="med" len="med"/>
+                    </a:lnT>
+                    <a:lnB w="12700" cap="flat" cmpd="sng" algn="ctr">
+                      <a:solidFill>
+                        <a:schemeClr val="tx1"/>
+                      </a:solidFill>
+                      <a:prstDash val="solid"/>
+                      <a:round/>
+                      <a:headEnd type="none" w="med" len="med"/>
+                      <a:tailEnd type="none" w="med" len="med"/>
+                    </a:lnB>
+                    <a:lnTlToBr w="12700" cmpd="sng">
+                      <a:noFill/>
+                      <a:prstDash val="solid"/>
+                    </a:lnTlToBr>
+                    <a:lnBlToTr w="12700" cmpd="sng">
+                      <a:noFill/>
+                      <a:prstDash val="solid"/>
+                    </a:lnBlToTr>
+                    <a:noFill/>
+                  </a:tcPr>
+                </a:tc>
+              </a:tr>
+              <a:tr h="217579">
+                <a:tc>
+                  <a:txBody>
+                    <a:bodyPr/>
+                    <a:lstStyle/>
+                    <a:p>
+                      <a:pPr>
+                        <a:lnSpc>
+                          <a:spcPct val="115000"/>
+                        </a:lnSpc>
+                        <a:spcAft>
+                          <a:spcPts val="1000"/>
+                        </a:spcAft>
+                      </a:pPr>
+                      <a:r>
+                        <a:rPr lang="en-US" sz="1400" dirty="0" err="1">
+                          <a:effectLst/>
+                        </a:rPr>
+                        <a:t>Concat</a:t>
+                      </a:r>
+                      <a:endParaRPr lang="en-US" sz="1400" dirty="0">
+                        <a:effectLst/>
+                        <a:latin typeface="Calibri"/>
+                        <a:ea typeface="Calibri"/>
+                        <a:cs typeface="Times New Roman"/>
+                      </a:endParaRPr>
+                    </a:p>
+                  </a:txBody>
+                  <a:tcPr marL="594" marR="594" marT="594" marB="594" anchor="ctr">
+                    <a:lnL w="12700" cap="flat" cmpd="sng" algn="ctr">
+                      <a:noFill/>
+                      <a:prstDash val="solid"/>
+                      <a:round/>
+                      <a:headEnd type="none" w="med" len="med"/>
+                      <a:tailEnd type="none" w="med" len="med"/>
+                    </a:lnL>
+                    <a:lnR w="12700" cap="flat" cmpd="sng" algn="ctr">
+                      <a:noFill/>
+                      <a:prstDash val="solid"/>
+                      <a:round/>
+                      <a:headEnd type="none" w="med" len="med"/>
+                      <a:tailEnd type="none" w="med" len="med"/>
+                    </a:lnR>
+                    <a:lnT w="12700" cap="flat" cmpd="sng" algn="ctr">
+                      <a:solidFill>
+                        <a:schemeClr val="tx1"/>
+                      </a:solidFill>
+                      <a:prstDash val="solid"/>
+                      <a:round/>
+                      <a:headEnd type="none" w="med" len="med"/>
+                      <a:tailEnd type="none" w="med" len="med"/>
+                    </a:lnT>
+                    <a:lnB w="12700" cap="flat" cmpd="sng" algn="ctr">
+                      <a:solidFill>
+                        <a:schemeClr val="tx1"/>
+                      </a:solidFill>
+                      <a:prstDash val="solid"/>
+                      <a:round/>
+                      <a:headEnd type="none" w="med" len="med"/>
+                      <a:tailEnd type="none" w="med" len="med"/>
+                    </a:lnB>
+                    <a:lnTlToBr w="12700" cmpd="sng">
+                      <a:noFill/>
+                      <a:prstDash val="solid"/>
+                    </a:lnTlToBr>
+                    <a:lnBlToTr w="12700" cmpd="sng">
+                      <a:noFill/>
+                      <a:prstDash val="solid"/>
+                    </a:lnBlToTr>
+                    <a:noFill/>
+                  </a:tcPr>
+                </a:tc>
+                <a:tc>
+                  <a:txBody>
+                    <a:bodyPr/>
+                    <a:lstStyle/>
+                    <a:p>
+                      <a:pPr>
+                        <a:lnSpc>
+                          <a:spcPct val="115000"/>
+                        </a:lnSpc>
+                        <a:spcAft>
+                          <a:spcPts val="1000"/>
+                        </a:spcAft>
+                      </a:pPr>
+                      <a:r>
+                        <a:rPr lang="ru-RU" sz="1400" dirty="0" smtClean="0">
+                          <a:effectLst/>
+                        </a:rPr>
+                        <a:t>Присоединяет </a:t>
+                      </a:r>
+                      <a:r>
+                        <a:rPr lang="ru-RU" sz="1400" dirty="0">
+                          <a:effectLst/>
+                        </a:rPr>
+                        <a:t>элемент к коллекции либо коллекцию к элементу.</a:t>
+                      </a:r>
+                      <a:endParaRPr lang="en-US" sz="1400" dirty="0">
+                        <a:effectLst/>
+                        <a:latin typeface="Calibri"/>
+                        <a:ea typeface="Calibri"/>
+                        <a:cs typeface="Times New Roman"/>
+                      </a:endParaRPr>
+                    </a:p>
+                  </a:txBody>
+                  <a:tcPr marL="594" marR="594" marT="594" marB="594" anchor="ctr">
+                    <a:lnL w="12700" cap="flat" cmpd="sng" algn="ctr">
+                      <a:noFill/>
+                      <a:prstDash val="solid"/>
+                      <a:round/>
+                      <a:headEnd type="none" w="med" len="med"/>
+                      <a:tailEnd type="none" w="med" len="med"/>
+                    </a:lnL>
+                    <a:lnR w="12700" cap="flat" cmpd="sng" algn="ctr">
+                      <a:noFill/>
+                      <a:prstDash val="solid"/>
+                      <a:round/>
+                      <a:headEnd type="none" w="med" len="med"/>
+                      <a:tailEnd type="none" w="med" len="med"/>
+                    </a:lnR>
+                    <a:lnT w="12700" cap="flat" cmpd="sng" algn="ctr">
+                      <a:solidFill>
+                        <a:schemeClr val="tx1"/>
+                      </a:solidFill>
+                      <a:prstDash val="solid"/>
+                      <a:round/>
+                      <a:headEnd type="none" w="med" len="med"/>
+                      <a:tailEnd type="none" w="med" len="med"/>
+                    </a:lnT>
+                    <a:lnB w="12700" cap="flat" cmpd="sng" algn="ctr">
+                      <a:solidFill>
+                        <a:schemeClr val="tx1"/>
+                      </a:solidFill>
+                      <a:prstDash val="solid"/>
+                      <a:round/>
+                      <a:headEnd type="none" w="med" len="med"/>
+                      <a:tailEnd type="none" w="med" len="med"/>
+                    </a:lnB>
+                    <a:lnTlToBr w="12700" cmpd="sng">
+                      <a:noFill/>
+                      <a:prstDash val="solid"/>
+                    </a:lnTlToBr>
+                    <a:lnBlToTr w="12700" cmpd="sng">
+                      <a:noFill/>
+                      <a:prstDash val="solid"/>
+                    </a:lnBlToTr>
+                    <a:noFill/>
+                  </a:tcPr>
+                </a:tc>
+              </a:tr>
+              <a:tr h="229601">
+                <a:tc>
+                  <a:txBody>
+                    <a:bodyPr/>
+                    <a:lstStyle/>
+                    <a:p>
+                      <a:pPr>
+                        <a:lnSpc>
+                          <a:spcPct val="115000"/>
+                        </a:lnSpc>
+                        <a:spcAft>
+                          <a:spcPts val="1000"/>
+                        </a:spcAft>
+                      </a:pPr>
+                      <a:r>
+                        <a:rPr lang="en-US" sz="1400" dirty="0">
+                          <a:effectLst/>
+                        </a:rPr>
+                        <a:t>Consume</a:t>
+                      </a:r>
+                      <a:endParaRPr lang="en-US" sz="1400" dirty="0">
+                        <a:effectLst/>
+                        <a:latin typeface="Calibri"/>
+                        <a:ea typeface="Calibri"/>
+                        <a:cs typeface="Times New Roman"/>
+                      </a:endParaRPr>
+                    </a:p>
+                  </a:txBody>
+                  <a:tcPr marL="594" marR="594" marT="594" marB="594" anchor="ctr">
+                    <a:lnL w="12700" cap="flat" cmpd="sng" algn="ctr">
+                      <a:noFill/>
+                      <a:prstDash val="solid"/>
+                      <a:round/>
+                      <a:headEnd type="none" w="med" len="med"/>
+                      <a:tailEnd type="none" w="med" len="med"/>
+                    </a:lnL>
+                    <a:lnR w="12700" cap="flat" cmpd="sng" algn="ctr">
+                      <a:noFill/>
+                      <a:prstDash val="solid"/>
+                      <a:round/>
+                      <a:headEnd type="none" w="med" len="med"/>
+                      <a:tailEnd type="none" w="med" len="med"/>
+                    </a:lnR>
+                    <a:lnT w="12700" cap="flat" cmpd="sng" algn="ctr">
+                      <a:solidFill>
+                        <a:schemeClr val="tx1"/>
+                      </a:solidFill>
+                      <a:prstDash val="solid"/>
+                      <a:round/>
+                      <a:headEnd type="none" w="med" len="med"/>
+                      <a:tailEnd type="none" w="med" len="med"/>
+                    </a:lnT>
+                    <a:lnB w="12700" cap="flat" cmpd="sng" algn="ctr">
+                      <a:solidFill>
+                        <a:schemeClr val="tx1"/>
+                      </a:solidFill>
+                      <a:prstDash val="solid"/>
+                      <a:round/>
+                      <a:headEnd type="none" w="med" len="med"/>
+                      <a:tailEnd type="none" w="med" len="med"/>
+                    </a:lnB>
+                    <a:lnTlToBr w="12700" cmpd="sng">
+                      <a:noFill/>
+                      <a:prstDash val="solid"/>
+                    </a:lnTlToBr>
+                    <a:lnBlToTr w="12700" cmpd="sng">
+                      <a:noFill/>
+                      <a:prstDash val="solid"/>
+                    </a:lnBlToTr>
+                    <a:noFill/>
+                  </a:tcPr>
+                </a:tc>
+                <a:tc>
+                  <a:txBody>
+                    <a:bodyPr/>
+                    <a:lstStyle/>
+                    <a:p>
+                      <a:pPr>
+                        <a:lnSpc>
+                          <a:spcPct val="115000"/>
+                        </a:lnSpc>
+                        <a:spcAft>
+                          <a:spcPts val="1000"/>
+                        </a:spcAft>
+                      </a:pPr>
+                      <a:r>
+                        <a:rPr lang="ru-RU" sz="1400" dirty="0" smtClean="0">
+                          <a:effectLst/>
+                        </a:rPr>
+                        <a:t>«</a:t>
+                      </a:r>
+                      <a:r>
+                        <a:rPr lang="ru-RU" sz="1400" dirty="0">
+                          <a:effectLst/>
+                        </a:rPr>
+                        <a:t>Поглощает» коллекцию, не производя никаких действий над элементами.</a:t>
+                      </a:r>
+                      <a:endParaRPr lang="en-US" sz="1400" dirty="0">
+                        <a:effectLst/>
+                        <a:latin typeface="Calibri"/>
+                        <a:ea typeface="Calibri"/>
+                        <a:cs typeface="Times New Roman"/>
+                      </a:endParaRPr>
+                    </a:p>
+                  </a:txBody>
+                  <a:tcPr marL="594" marR="594" marT="594" marB="594" anchor="ctr">
+                    <a:lnL w="12700" cap="flat" cmpd="sng" algn="ctr">
+                      <a:noFill/>
+                      <a:prstDash val="solid"/>
+                      <a:round/>
+                      <a:headEnd type="none" w="med" len="med"/>
+                      <a:tailEnd type="none" w="med" len="med"/>
+                    </a:lnL>
+                    <a:lnR w="12700" cap="flat" cmpd="sng" algn="ctr">
+                      <a:noFill/>
+                      <a:prstDash val="solid"/>
+                      <a:round/>
+                      <a:headEnd type="none" w="med" len="med"/>
+                      <a:tailEnd type="none" w="med" len="med"/>
+                    </a:lnR>
+                    <a:lnT w="12700" cap="flat" cmpd="sng" algn="ctr">
+                      <a:solidFill>
+                        <a:schemeClr val="tx1"/>
+                      </a:solidFill>
+                      <a:prstDash val="solid"/>
+                      <a:round/>
+                      <a:headEnd type="none" w="med" len="med"/>
+                      <a:tailEnd type="none" w="med" len="med"/>
+                    </a:lnT>
+                    <a:lnB w="12700" cap="flat" cmpd="sng" algn="ctr">
+                      <a:solidFill>
+                        <a:schemeClr val="tx1"/>
+                      </a:solidFill>
+                      <a:prstDash val="solid"/>
+                      <a:round/>
+                      <a:headEnd type="none" w="med" len="med"/>
+                      <a:tailEnd type="none" w="med" len="med"/>
+                    </a:lnB>
+                    <a:lnTlToBr w="12700" cmpd="sng">
+                      <a:noFill/>
+                      <a:prstDash val="solid"/>
+                    </a:lnTlToBr>
+                    <a:lnBlToTr w="12700" cmpd="sng">
+                      <a:noFill/>
+                      <a:prstDash val="solid"/>
+                    </a:lnBlToTr>
+                    <a:noFill/>
+                  </a:tcPr>
+                </a:tc>
+              </a:tr>
+              <a:tr h="217579">
+                <a:tc>
+                  <a:txBody>
+                    <a:bodyPr/>
+                    <a:lstStyle/>
+                    <a:p>
+                      <a:pPr>
+                        <a:lnSpc>
+                          <a:spcPct val="115000"/>
+                        </a:lnSpc>
+                        <a:spcAft>
+                          <a:spcPts val="1000"/>
+                        </a:spcAft>
+                      </a:pPr>
+                      <a:r>
+                        <a:rPr lang="en-US" sz="1400" dirty="0" err="1">
+                          <a:effectLst/>
+                        </a:rPr>
+                        <a:t>DistinctBy</a:t>
+                      </a:r>
+                      <a:endParaRPr lang="en-US" sz="1400" dirty="0">
+                        <a:effectLst/>
+                        <a:latin typeface="Calibri"/>
+                        <a:ea typeface="Calibri"/>
+                        <a:cs typeface="Times New Roman"/>
+                      </a:endParaRPr>
+                    </a:p>
+                  </a:txBody>
+                  <a:tcPr marL="594" marR="594" marT="594" marB="594" anchor="ctr">
+                    <a:lnL w="12700" cap="flat" cmpd="sng" algn="ctr">
+                      <a:noFill/>
+                      <a:prstDash val="solid"/>
+                      <a:round/>
+                      <a:headEnd type="none" w="med" len="med"/>
+                      <a:tailEnd type="none" w="med" len="med"/>
+                    </a:lnL>
+                    <a:lnR w="12700" cap="flat" cmpd="sng" algn="ctr">
+                      <a:noFill/>
+                      <a:prstDash val="solid"/>
+                      <a:round/>
+                      <a:headEnd type="none" w="med" len="med"/>
+                      <a:tailEnd type="none" w="med" len="med"/>
+                    </a:lnR>
+                    <a:lnT w="12700" cap="flat" cmpd="sng" algn="ctr">
+                      <a:solidFill>
+                        <a:schemeClr val="tx1"/>
+                      </a:solidFill>
+                      <a:prstDash val="solid"/>
+                      <a:round/>
+                      <a:headEnd type="none" w="med" len="med"/>
+                      <a:tailEnd type="none" w="med" len="med"/>
+                    </a:lnT>
+                    <a:lnB w="12700" cap="flat" cmpd="sng" algn="ctr">
+                      <a:solidFill>
+                        <a:schemeClr val="tx1"/>
+                      </a:solidFill>
+                      <a:prstDash val="solid"/>
+                      <a:round/>
+                      <a:headEnd type="none" w="med" len="med"/>
+                      <a:tailEnd type="none" w="med" len="med"/>
+                    </a:lnB>
+                    <a:lnTlToBr w="12700" cmpd="sng">
+                      <a:noFill/>
+                      <a:prstDash val="solid"/>
+                    </a:lnTlToBr>
+                    <a:lnBlToTr w="12700" cmpd="sng">
+                      <a:noFill/>
+                      <a:prstDash val="solid"/>
+                    </a:lnBlToTr>
+                    <a:noFill/>
+                  </a:tcPr>
+                </a:tc>
+                <a:tc>
+                  <a:txBody>
+                    <a:bodyPr/>
+                    <a:lstStyle/>
+                    <a:p>
+                      <a:pPr>
+                        <a:lnSpc>
+                          <a:spcPct val="115000"/>
+                        </a:lnSpc>
+                        <a:spcAft>
+                          <a:spcPts val="1000"/>
+                        </a:spcAft>
+                      </a:pPr>
+                      <a:r>
+                        <a:rPr lang="ru-RU" sz="1400" dirty="0" smtClean="0">
+                          <a:effectLst/>
+                        </a:rPr>
+                        <a:t>Возвращает </a:t>
+                      </a:r>
+                      <a:r>
+                        <a:rPr lang="ru-RU" sz="1400" dirty="0">
+                          <a:effectLst/>
+                        </a:rPr>
+                        <a:t>только уникальные элементы (по заданному критерию).</a:t>
+                      </a:r>
+                      <a:endParaRPr lang="en-US" sz="1400" dirty="0">
+                        <a:effectLst/>
+                        <a:latin typeface="Calibri"/>
+                        <a:ea typeface="Calibri"/>
+                        <a:cs typeface="Times New Roman"/>
+                      </a:endParaRPr>
+                    </a:p>
+                  </a:txBody>
+                  <a:tcPr marL="594" marR="594" marT="594" marB="594" anchor="ctr">
+                    <a:lnL w="12700" cap="flat" cmpd="sng" algn="ctr">
+                      <a:noFill/>
+                      <a:prstDash val="solid"/>
+                      <a:round/>
+                      <a:headEnd type="none" w="med" len="med"/>
+                      <a:tailEnd type="none" w="med" len="med"/>
+                    </a:lnL>
+                    <a:lnR w="12700" cap="flat" cmpd="sng" algn="ctr">
+                      <a:noFill/>
+                      <a:prstDash val="solid"/>
+                      <a:round/>
+                      <a:headEnd type="none" w="med" len="med"/>
+                      <a:tailEnd type="none" w="med" len="med"/>
+                    </a:lnR>
+                    <a:lnT w="12700" cap="flat" cmpd="sng" algn="ctr">
+                      <a:solidFill>
+                        <a:schemeClr val="tx1"/>
+                      </a:solidFill>
+                      <a:prstDash val="solid"/>
+                      <a:round/>
+                      <a:headEnd type="none" w="med" len="med"/>
+                      <a:tailEnd type="none" w="med" len="med"/>
+                    </a:lnT>
+                    <a:lnB w="12700" cap="flat" cmpd="sng" algn="ctr">
+                      <a:solidFill>
+                        <a:schemeClr val="tx1"/>
+                      </a:solidFill>
+                      <a:prstDash val="solid"/>
+                      <a:round/>
+                      <a:headEnd type="none" w="med" len="med"/>
+                      <a:tailEnd type="none" w="med" len="med"/>
+                    </a:lnB>
+                    <a:lnTlToBr w="12700" cmpd="sng">
+                      <a:noFill/>
+                      <a:prstDash val="solid"/>
+                    </a:lnTlToBr>
+                    <a:lnBlToTr w="12700" cmpd="sng">
+                      <a:noFill/>
+                      <a:prstDash val="solid"/>
+                    </a:lnBlToTr>
+                    <a:noFill/>
+                  </a:tcPr>
+                </a:tc>
+              </a:tr>
+              <a:tr h="601488">
+                <a:tc>
+                  <a:txBody>
+                    <a:bodyPr/>
+                    <a:lstStyle/>
+                    <a:p>
+                      <a:pPr>
+                        <a:lnSpc>
+                          <a:spcPct val="115000"/>
+                        </a:lnSpc>
+                        <a:spcAft>
+                          <a:spcPts val="1000"/>
+                        </a:spcAft>
+                      </a:pPr>
+                      <a:r>
+                        <a:rPr lang="en-US" sz="1400" dirty="0" err="1">
+                          <a:effectLst/>
+                        </a:rPr>
+                        <a:t>EquiZip</a:t>
+                      </a:r>
+                      <a:endParaRPr lang="en-US" sz="1400" dirty="0">
+                        <a:effectLst/>
+                        <a:latin typeface="Calibri"/>
+                        <a:ea typeface="Calibri"/>
+                        <a:cs typeface="Times New Roman"/>
+                      </a:endParaRPr>
+                    </a:p>
+                  </a:txBody>
+                  <a:tcPr marL="594" marR="594" marT="594" marB="594" anchor="ctr">
+                    <a:lnL w="12700" cap="flat" cmpd="sng" algn="ctr">
+                      <a:noFill/>
+                      <a:prstDash val="solid"/>
+                      <a:round/>
+                      <a:headEnd type="none" w="med" len="med"/>
+                      <a:tailEnd type="none" w="med" len="med"/>
+                    </a:lnL>
+                    <a:lnR w="12700" cap="flat" cmpd="sng" algn="ctr">
+                      <a:noFill/>
+                      <a:prstDash val="solid"/>
+                      <a:round/>
+                      <a:headEnd type="none" w="med" len="med"/>
+                      <a:tailEnd type="none" w="med" len="med"/>
+                    </a:lnR>
+                    <a:lnT w="12700" cap="flat" cmpd="sng" algn="ctr">
+                      <a:solidFill>
+                        <a:schemeClr val="tx1"/>
+                      </a:solidFill>
+                      <a:prstDash val="solid"/>
+                      <a:round/>
+                      <a:headEnd type="none" w="med" len="med"/>
+                      <a:tailEnd type="none" w="med" len="med"/>
+                    </a:lnT>
+                    <a:lnB w="12700" cap="flat" cmpd="sng" algn="ctr">
+                      <a:solidFill>
+                        <a:schemeClr val="tx1"/>
+                      </a:solidFill>
+                      <a:prstDash val="solid"/>
+                      <a:round/>
+                      <a:headEnd type="none" w="med" len="med"/>
+                      <a:tailEnd type="none" w="med" len="med"/>
+                    </a:lnB>
+                    <a:lnTlToBr w="12700" cmpd="sng">
+                      <a:noFill/>
+                      <a:prstDash val="solid"/>
+                    </a:lnTlToBr>
+                    <a:lnBlToTr w="12700" cmpd="sng">
+                      <a:noFill/>
+                      <a:prstDash val="solid"/>
+                    </a:lnBlToTr>
+                    <a:noFill/>
+                  </a:tcPr>
+                </a:tc>
+                <a:tc>
+                  <a:txBody>
+                    <a:bodyPr/>
+                    <a:lstStyle/>
+                    <a:p>
+                      <a:pPr>
+                        <a:lnSpc>
+                          <a:spcPct val="115000"/>
+                        </a:lnSpc>
+                        <a:spcAft>
+                          <a:spcPts val="1000"/>
+                        </a:spcAft>
+                      </a:pPr>
+                      <a:r>
+                        <a:rPr lang="ru-RU" sz="1400" dirty="0" smtClean="0">
+                          <a:effectLst/>
+                        </a:rPr>
+                        <a:t>Создает </a:t>
+                      </a:r>
+                      <a:r>
+                        <a:rPr lang="ru-RU" sz="1400" dirty="0">
+                          <a:effectLst/>
+                        </a:rPr>
+                        <a:t>новую последовательность, где каждый элемент создается на основе соответствующих элементов исходных последовательностей</a:t>
+                      </a:r>
+                      <a:r>
+                        <a:rPr lang="ru-RU" sz="1400" dirty="0" smtClean="0">
+                          <a:effectLst/>
+                        </a:rPr>
+                        <a:t>.</a:t>
+                      </a:r>
+                      <a:endParaRPr lang="en-US" sz="1400" dirty="0">
+                        <a:effectLst/>
+                        <a:latin typeface="Calibri"/>
+                        <a:ea typeface="Calibri"/>
+                        <a:cs typeface="Times New Roman"/>
+                      </a:endParaRPr>
+                    </a:p>
+                  </a:txBody>
+                  <a:tcPr marL="594" marR="594" marT="594" marB="594" anchor="ctr">
+                    <a:lnL w="12700" cap="flat" cmpd="sng" algn="ctr">
+                      <a:noFill/>
+                      <a:prstDash val="solid"/>
+                      <a:round/>
+                      <a:headEnd type="none" w="med" len="med"/>
+                      <a:tailEnd type="none" w="med" len="med"/>
+                    </a:lnL>
+                    <a:lnR w="12700" cap="flat" cmpd="sng" algn="ctr">
+                      <a:noFill/>
+                      <a:prstDash val="solid"/>
+                      <a:round/>
+                      <a:headEnd type="none" w="med" len="med"/>
+                      <a:tailEnd type="none" w="med" len="med"/>
+                    </a:lnR>
+                    <a:lnT w="12700" cap="flat" cmpd="sng" algn="ctr">
+                      <a:solidFill>
+                        <a:schemeClr val="tx1"/>
+                      </a:solidFill>
+                      <a:prstDash val="solid"/>
+                      <a:round/>
+                      <a:headEnd type="none" w="med" len="med"/>
+                      <a:tailEnd type="none" w="med" len="med"/>
+                    </a:lnT>
+                    <a:lnB w="12700" cap="flat" cmpd="sng" algn="ctr">
+                      <a:solidFill>
+                        <a:schemeClr val="tx1"/>
+                      </a:solidFill>
+                      <a:prstDash val="solid"/>
+                      <a:round/>
+                      <a:headEnd type="none" w="med" len="med"/>
+                      <a:tailEnd type="none" w="med" len="med"/>
+                    </a:lnB>
+                    <a:lnTlToBr w="12700" cmpd="sng">
+                      <a:noFill/>
+                      <a:prstDash val="solid"/>
+                    </a:lnTlToBr>
+                    <a:lnBlToTr w="12700" cmpd="sng">
+                      <a:noFill/>
+                      <a:prstDash val="solid"/>
+                    </a:lnBlToTr>
+                    <a:noFill/>
+                  </a:tcPr>
+                </a:tc>
+              </a:tr>
+              <a:tr h="349818">
+                <a:tc>
+                  <a:txBody>
+                    <a:bodyPr/>
+                    <a:lstStyle/>
+                    <a:p>
+                      <a:pPr>
+                        <a:lnSpc>
+                          <a:spcPct val="115000"/>
+                        </a:lnSpc>
+                        <a:spcAft>
+                          <a:spcPts val="1000"/>
+                        </a:spcAft>
+                      </a:pPr>
+                      <a:r>
+                        <a:rPr lang="en-US" sz="1400" dirty="0" err="1">
+                          <a:effectLst/>
+                        </a:rPr>
+                        <a:t>ExceptBy</a:t>
+                      </a:r>
+                      <a:endParaRPr lang="en-US" sz="1400" dirty="0">
+                        <a:effectLst/>
+                        <a:latin typeface="Calibri"/>
+                        <a:ea typeface="Calibri"/>
+                        <a:cs typeface="Times New Roman"/>
+                      </a:endParaRPr>
+                    </a:p>
+                  </a:txBody>
+                  <a:tcPr marL="594" marR="594" marT="594" marB="594" anchor="ctr">
+                    <a:lnL w="12700" cap="flat" cmpd="sng" algn="ctr">
+                      <a:noFill/>
+                      <a:prstDash val="solid"/>
+                      <a:round/>
+                      <a:headEnd type="none" w="med" len="med"/>
+                      <a:tailEnd type="none" w="med" len="med"/>
+                    </a:lnL>
+                    <a:lnR w="12700" cap="flat" cmpd="sng" algn="ctr">
+                      <a:noFill/>
+                      <a:prstDash val="solid"/>
+                      <a:round/>
+                      <a:headEnd type="none" w="med" len="med"/>
+                      <a:tailEnd type="none" w="med" len="med"/>
+                    </a:lnR>
+                    <a:lnT w="12700" cap="flat" cmpd="sng" algn="ctr">
+                      <a:solidFill>
+                        <a:schemeClr val="tx1"/>
+                      </a:solidFill>
+                      <a:prstDash val="solid"/>
+                      <a:round/>
+                      <a:headEnd type="none" w="med" len="med"/>
+                      <a:tailEnd type="none" w="med" len="med"/>
+                    </a:lnT>
+                    <a:lnB w="12700" cap="flat" cmpd="sng" algn="ctr">
+                      <a:solidFill>
+                        <a:schemeClr val="tx1"/>
+                      </a:solidFill>
+                      <a:prstDash val="solid"/>
+                      <a:round/>
+                      <a:headEnd type="none" w="med" len="med"/>
+                      <a:tailEnd type="none" w="med" len="med"/>
+                    </a:lnB>
+                    <a:lnTlToBr w="12700" cmpd="sng">
+                      <a:noFill/>
+                      <a:prstDash val="solid"/>
+                    </a:lnTlToBr>
+                    <a:lnBlToTr w="12700" cmpd="sng">
+                      <a:noFill/>
+                      <a:prstDash val="solid"/>
+                    </a:lnBlToTr>
+                    <a:noFill/>
+                  </a:tcPr>
+                </a:tc>
+                <a:tc>
+                  <a:txBody>
+                    <a:bodyPr/>
+                    <a:lstStyle/>
+                    <a:p>
+                      <a:pPr>
+                        <a:lnSpc>
+                          <a:spcPct val="115000"/>
+                        </a:lnSpc>
+                        <a:spcAft>
+                          <a:spcPts val="1000"/>
+                        </a:spcAft>
+                      </a:pPr>
+                      <a:r>
+                        <a:rPr lang="ru-RU" sz="1400" dirty="0">
+                          <a:effectLst/>
+                        </a:rPr>
+                        <a:t>Возвращает элементы первой последовательности, которые не содержатся во второй (по заданному критерию).</a:t>
+                      </a:r>
+                      <a:endParaRPr lang="en-US" sz="1400" dirty="0">
+                        <a:effectLst/>
+                        <a:latin typeface="Calibri"/>
+                        <a:ea typeface="Calibri"/>
+                        <a:cs typeface="Times New Roman"/>
+                      </a:endParaRPr>
+                    </a:p>
+                  </a:txBody>
+                  <a:tcPr marL="594" marR="594" marT="594" marB="594" anchor="ctr">
+                    <a:lnL w="12700" cap="flat" cmpd="sng" algn="ctr">
+                      <a:noFill/>
+                      <a:prstDash val="solid"/>
+                      <a:round/>
+                      <a:headEnd type="none" w="med" len="med"/>
+                      <a:tailEnd type="none" w="med" len="med"/>
+                    </a:lnL>
+                    <a:lnR w="12700" cap="flat" cmpd="sng" algn="ctr">
+                      <a:noFill/>
+                      <a:prstDash val="solid"/>
+                      <a:round/>
+                      <a:headEnd type="none" w="med" len="med"/>
+                      <a:tailEnd type="none" w="med" len="med"/>
+                    </a:lnR>
+                    <a:lnT w="12700" cap="flat" cmpd="sng" algn="ctr">
+                      <a:solidFill>
+                        <a:schemeClr val="tx1"/>
+                      </a:solidFill>
+                      <a:prstDash val="solid"/>
+                      <a:round/>
+                      <a:headEnd type="none" w="med" len="med"/>
+                      <a:tailEnd type="none" w="med" len="med"/>
+                    </a:lnT>
+                    <a:lnB w="12700" cap="flat" cmpd="sng" algn="ctr">
+                      <a:solidFill>
+                        <a:schemeClr val="tx1"/>
+                      </a:solidFill>
+                      <a:prstDash val="solid"/>
+                      <a:round/>
+                      <a:headEnd type="none" w="med" len="med"/>
+                      <a:tailEnd type="none" w="med" len="med"/>
+                    </a:lnB>
+                    <a:lnTlToBr w="12700" cmpd="sng">
+                      <a:noFill/>
+                      <a:prstDash val="solid"/>
+                    </a:lnTlToBr>
+                    <a:lnBlToTr w="12700" cmpd="sng">
+                      <a:noFill/>
+                      <a:prstDash val="solid"/>
+                    </a:lnBlToTr>
+                    <a:noFill/>
+                  </a:tcPr>
+                </a:tc>
+              </a:tr>
+              <a:tr h="193535">
+                <a:tc>
+                  <a:txBody>
+                    <a:bodyPr/>
+                    <a:lstStyle/>
+                    <a:p>
+                      <a:pPr>
+                        <a:lnSpc>
+                          <a:spcPct val="115000"/>
+                        </a:lnSpc>
+                        <a:spcAft>
+                          <a:spcPts val="1000"/>
+                        </a:spcAft>
+                      </a:pPr>
+                      <a:r>
+                        <a:rPr lang="en-US" sz="1400" dirty="0" err="1">
+                          <a:effectLst/>
+                        </a:rPr>
+                        <a:t>ForEach</a:t>
+                      </a:r>
+                      <a:endParaRPr lang="en-US" sz="1400" dirty="0">
+                        <a:effectLst/>
+                        <a:latin typeface="Calibri"/>
+                        <a:ea typeface="Calibri"/>
+                        <a:cs typeface="Times New Roman"/>
+                      </a:endParaRPr>
+                    </a:p>
+                  </a:txBody>
+                  <a:tcPr marL="594" marR="594" marT="594" marB="594" anchor="ctr">
+                    <a:lnL w="12700" cap="flat" cmpd="sng" algn="ctr">
+                      <a:noFill/>
+                      <a:prstDash val="solid"/>
+                      <a:round/>
+                      <a:headEnd type="none" w="med" len="med"/>
+                      <a:tailEnd type="none" w="med" len="med"/>
+                    </a:lnL>
+                    <a:lnR w="12700" cap="flat" cmpd="sng" algn="ctr">
+                      <a:noFill/>
+                      <a:prstDash val="solid"/>
+                      <a:round/>
+                      <a:headEnd type="none" w="med" len="med"/>
+                      <a:tailEnd type="none" w="med" len="med"/>
+                    </a:lnR>
+                    <a:lnT w="12700" cap="flat" cmpd="sng" algn="ctr">
+                      <a:solidFill>
+                        <a:schemeClr val="tx1"/>
+                      </a:solidFill>
+                      <a:prstDash val="solid"/>
+                      <a:round/>
+                      <a:headEnd type="none" w="med" len="med"/>
+                      <a:tailEnd type="none" w="med" len="med"/>
+                    </a:lnT>
+                    <a:lnB w="12700" cap="flat" cmpd="sng" algn="ctr">
+                      <a:solidFill>
+                        <a:schemeClr val="tx1"/>
+                      </a:solidFill>
+                      <a:prstDash val="solid"/>
+                      <a:round/>
+                      <a:headEnd type="none" w="med" len="med"/>
+                      <a:tailEnd type="none" w="med" len="med"/>
+                    </a:lnB>
+                    <a:lnTlToBr w="12700" cmpd="sng">
+                      <a:noFill/>
+                      <a:prstDash val="solid"/>
+                    </a:lnTlToBr>
+                    <a:lnBlToTr w="12700" cmpd="sng">
+                      <a:noFill/>
+                      <a:prstDash val="solid"/>
+                    </a:lnBlToTr>
+                    <a:noFill/>
+                  </a:tcPr>
+                </a:tc>
+                <a:tc>
+                  <a:txBody>
+                    <a:bodyPr/>
+                    <a:lstStyle/>
+                    <a:p>
+                      <a:pPr>
+                        <a:lnSpc>
+                          <a:spcPct val="115000"/>
+                        </a:lnSpc>
+                        <a:spcAft>
+                          <a:spcPts val="1000"/>
+                        </a:spcAft>
+                      </a:pPr>
+                      <a:r>
+                        <a:rPr lang="ru-RU" sz="1400" dirty="0">
+                          <a:effectLst/>
+                        </a:rPr>
+                        <a:t>Выполняет действие над каждым элементом последовательности.</a:t>
+                      </a:r>
+                      <a:endParaRPr lang="en-US" sz="1400" dirty="0">
+                        <a:effectLst/>
+                        <a:latin typeface="Calibri"/>
+                        <a:ea typeface="Calibri"/>
+                        <a:cs typeface="Times New Roman"/>
+                      </a:endParaRPr>
+                    </a:p>
+                  </a:txBody>
+                  <a:tcPr marL="594" marR="594" marT="594" marB="594" anchor="ctr">
+                    <a:lnL w="12700" cap="flat" cmpd="sng" algn="ctr">
+                      <a:noFill/>
+                      <a:prstDash val="solid"/>
+                      <a:round/>
+                      <a:headEnd type="none" w="med" len="med"/>
+                      <a:tailEnd type="none" w="med" len="med"/>
+                    </a:lnL>
+                    <a:lnR w="12700" cap="flat" cmpd="sng" algn="ctr">
+                      <a:noFill/>
+                      <a:prstDash val="solid"/>
+                      <a:round/>
+                      <a:headEnd type="none" w="med" len="med"/>
+                      <a:tailEnd type="none" w="med" len="med"/>
+                    </a:lnR>
+                    <a:lnT w="12700" cap="flat" cmpd="sng" algn="ctr">
+                      <a:solidFill>
+                        <a:schemeClr val="tx1"/>
+                      </a:solidFill>
+                      <a:prstDash val="solid"/>
+                      <a:round/>
+                      <a:headEnd type="none" w="med" len="med"/>
+                      <a:tailEnd type="none" w="med" len="med"/>
+                    </a:lnT>
+                    <a:lnB w="12700" cap="flat" cmpd="sng" algn="ctr">
+                      <a:solidFill>
+                        <a:schemeClr val="tx1"/>
+                      </a:solidFill>
+                      <a:prstDash val="solid"/>
+                      <a:round/>
+                      <a:headEnd type="none" w="med" len="med"/>
+                      <a:tailEnd type="none" w="med" len="med"/>
+                    </a:lnB>
+                    <a:lnTlToBr w="12700" cmpd="sng">
+                      <a:noFill/>
+                      <a:prstDash val="solid"/>
+                    </a:lnTlToBr>
+                    <a:lnBlToTr w="12700" cmpd="sng">
+                      <a:noFill/>
+                      <a:prstDash val="solid"/>
+                    </a:lnBlToTr>
+                    <a:noFill/>
+                  </a:tcPr>
+                </a:tc>
+              </a:tr>
+              <a:tr h="253644">
+                <a:tc>
+                  <a:txBody>
+                    <a:bodyPr/>
+                    <a:lstStyle/>
+                    <a:p>
+                      <a:pPr>
+                        <a:lnSpc>
+                          <a:spcPct val="115000"/>
+                        </a:lnSpc>
+                        <a:spcAft>
+                          <a:spcPts val="1000"/>
+                        </a:spcAft>
+                      </a:pPr>
+                      <a:r>
+                        <a:rPr lang="en-US" sz="1400" dirty="0">
+                          <a:effectLst/>
+                        </a:rPr>
+                        <a:t>Generate</a:t>
+                      </a:r>
+                      <a:endParaRPr lang="en-US" sz="1400" dirty="0">
+                        <a:effectLst/>
+                        <a:latin typeface="Calibri"/>
+                        <a:ea typeface="Calibri"/>
+                        <a:cs typeface="Times New Roman"/>
+                      </a:endParaRPr>
+                    </a:p>
+                  </a:txBody>
+                  <a:tcPr marL="594" marR="594" marT="594" marB="594" anchor="ctr">
+                    <a:lnL w="12700" cap="flat" cmpd="sng" algn="ctr">
+                      <a:noFill/>
+                      <a:prstDash val="solid"/>
+                      <a:round/>
+                      <a:headEnd type="none" w="med" len="med"/>
+                      <a:tailEnd type="none" w="med" len="med"/>
+                    </a:lnL>
+                    <a:lnR w="12700" cap="flat" cmpd="sng" algn="ctr">
+                      <a:noFill/>
+                      <a:prstDash val="solid"/>
+                      <a:round/>
+                      <a:headEnd type="none" w="med" len="med"/>
+                      <a:tailEnd type="none" w="med" len="med"/>
+                    </a:lnR>
+                    <a:lnT w="12700" cap="flat" cmpd="sng" algn="ctr">
+                      <a:solidFill>
+                        <a:schemeClr val="tx1"/>
+                      </a:solidFill>
+                      <a:prstDash val="solid"/>
+                      <a:round/>
+                      <a:headEnd type="none" w="med" len="med"/>
+                      <a:tailEnd type="none" w="med" len="med"/>
+                    </a:lnT>
+                    <a:lnB w="12700" cap="flat" cmpd="sng" algn="ctr">
+                      <a:solidFill>
+                        <a:schemeClr val="tx1"/>
+                      </a:solidFill>
+                      <a:prstDash val="solid"/>
+                      <a:round/>
+                      <a:headEnd type="none" w="med" len="med"/>
+                      <a:tailEnd type="none" w="med" len="med"/>
+                    </a:lnB>
+                    <a:lnTlToBr w="12700" cmpd="sng">
+                      <a:noFill/>
+                      <a:prstDash val="solid"/>
+                    </a:lnTlToBr>
+                    <a:lnBlToTr w="12700" cmpd="sng">
+                      <a:noFill/>
+                      <a:prstDash val="solid"/>
+                    </a:lnBlToTr>
+                    <a:noFill/>
+                  </a:tcPr>
+                </a:tc>
+                <a:tc>
+                  <a:txBody>
+                    <a:bodyPr/>
+                    <a:lstStyle/>
+                    <a:p>
+                      <a:pPr>
+                        <a:lnSpc>
+                          <a:spcPct val="115000"/>
+                        </a:lnSpc>
+                        <a:spcAft>
+                          <a:spcPts val="1000"/>
+                        </a:spcAft>
+                      </a:pPr>
+                      <a:r>
+                        <a:rPr lang="ru-RU" sz="1400" dirty="0">
+                          <a:effectLst/>
+                        </a:rPr>
+                        <a:t>Генерирует последовательности по начальному элементу и функции-генератору.</a:t>
+                      </a:r>
+                      <a:endParaRPr lang="en-US" sz="1400" dirty="0">
+                        <a:effectLst/>
+                        <a:latin typeface="Calibri"/>
+                        <a:ea typeface="Calibri"/>
+                        <a:cs typeface="Times New Roman"/>
+                      </a:endParaRPr>
+                    </a:p>
+                  </a:txBody>
+                  <a:tcPr marL="594" marR="594" marT="594" marB="594" anchor="ctr">
+                    <a:lnL w="12700" cap="flat" cmpd="sng" algn="ctr">
+                      <a:noFill/>
+                      <a:prstDash val="solid"/>
+                      <a:round/>
+                      <a:headEnd type="none" w="med" len="med"/>
+                      <a:tailEnd type="none" w="med" len="med"/>
+                    </a:lnL>
+                    <a:lnR w="12700" cap="flat" cmpd="sng" algn="ctr">
+                      <a:noFill/>
+                      <a:prstDash val="solid"/>
+                      <a:round/>
+                      <a:headEnd type="none" w="med" len="med"/>
+                      <a:tailEnd type="none" w="med" len="med"/>
+                    </a:lnR>
+                    <a:lnT w="12700" cap="flat" cmpd="sng" algn="ctr">
+                      <a:solidFill>
+                        <a:schemeClr val="tx1"/>
+                      </a:solidFill>
+                      <a:prstDash val="solid"/>
+                      <a:round/>
+                      <a:headEnd type="none" w="med" len="med"/>
+                      <a:tailEnd type="none" w="med" len="med"/>
+                    </a:lnT>
+                    <a:lnB w="12700" cap="flat" cmpd="sng" algn="ctr">
+                      <a:solidFill>
+                        <a:schemeClr val="tx1"/>
+                      </a:solidFill>
+                      <a:prstDash val="solid"/>
+                      <a:round/>
+                      <a:headEnd type="none" w="med" len="med"/>
+                      <a:tailEnd type="none" w="med" len="med"/>
+                    </a:lnB>
+                    <a:lnTlToBr w="12700" cmpd="sng">
+                      <a:noFill/>
+                      <a:prstDash val="solid"/>
+                    </a:lnTlToBr>
+                    <a:lnBlToTr w="12700" cmpd="sng">
+                      <a:noFill/>
+                      <a:prstDash val="solid"/>
+                    </a:lnBlToTr>
+                    <a:noFill/>
+                  </a:tcPr>
+                </a:tc>
+              </a:tr>
+              <a:tr h="181514">
+                <a:tc>
+                  <a:txBody>
+                    <a:bodyPr/>
+                    <a:lstStyle/>
+                    <a:p>
+                      <a:pPr>
+                        <a:lnSpc>
+                          <a:spcPct val="115000"/>
+                        </a:lnSpc>
+                        <a:spcAft>
+                          <a:spcPts val="1000"/>
+                        </a:spcAft>
+                      </a:pPr>
+                      <a:r>
+                        <a:rPr lang="en-US" sz="1400" dirty="0" err="1">
+                          <a:effectLst/>
+                        </a:rPr>
+                        <a:t>GenerateByIndex</a:t>
+                      </a:r>
+                      <a:endParaRPr lang="en-US" sz="1400" dirty="0">
+                        <a:effectLst/>
+                        <a:latin typeface="Calibri"/>
+                        <a:ea typeface="Calibri"/>
+                        <a:cs typeface="Times New Roman"/>
+                      </a:endParaRPr>
+                    </a:p>
+                  </a:txBody>
+                  <a:tcPr marL="594" marR="594" marT="594" marB="594" anchor="ctr">
+                    <a:lnL w="12700" cap="flat" cmpd="sng" algn="ctr">
+                      <a:noFill/>
+                      <a:prstDash val="solid"/>
+                      <a:round/>
+                      <a:headEnd type="none" w="med" len="med"/>
+                      <a:tailEnd type="none" w="med" len="med"/>
+                    </a:lnL>
+                    <a:lnR w="12700" cap="flat" cmpd="sng" algn="ctr">
+                      <a:noFill/>
+                      <a:prstDash val="solid"/>
+                      <a:round/>
+                      <a:headEnd type="none" w="med" len="med"/>
+                      <a:tailEnd type="none" w="med" len="med"/>
+                    </a:lnR>
+                    <a:lnT w="12700" cap="flat" cmpd="sng" algn="ctr">
+                      <a:solidFill>
+                        <a:schemeClr val="tx1"/>
+                      </a:solidFill>
+                      <a:prstDash val="solid"/>
+                      <a:round/>
+                      <a:headEnd type="none" w="med" len="med"/>
+                      <a:tailEnd type="none" w="med" len="med"/>
+                    </a:lnT>
+                    <a:lnB w="12700" cap="flat" cmpd="sng" algn="ctr">
+                      <a:solidFill>
+                        <a:schemeClr val="tx1"/>
+                      </a:solidFill>
+                      <a:prstDash val="solid"/>
+                      <a:round/>
+                      <a:headEnd type="none" w="med" len="med"/>
+                      <a:tailEnd type="none" w="med" len="med"/>
+                    </a:lnB>
+                    <a:lnTlToBr w="12700" cmpd="sng">
+                      <a:noFill/>
+                      <a:prstDash val="solid"/>
+                    </a:lnTlToBr>
+                    <a:lnBlToTr w="12700" cmpd="sng">
+                      <a:noFill/>
+                      <a:prstDash val="solid"/>
+                    </a:lnBlToTr>
+                    <a:noFill/>
+                  </a:tcPr>
+                </a:tc>
+                <a:tc>
+                  <a:txBody>
+                    <a:bodyPr/>
+                    <a:lstStyle/>
+                    <a:p>
+                      <a:pPr>
+                        <a:lnSpc>
+                          <a:spcPct val="115000"/>
+                        </a:lnSpc>
+                        <a:spcAft>
+                          <a:spcPts val="1000"/>
+                        </a:spcAft>
+                      </a:pPr>
+                      <a:r>
+                        <a:rPr lang="ru-RU" sz="1400" dirty="0">
+                          <a:effectLst/>
+                        </a:rPr>
+                        <a:t>Генерирует последовательность по индексам элементов.</a:t>
+                      </a:r>
+                      <a:endParaRPr lang="en-US" sz="1400" dirty="0">
+                        <a:effectLst/>
+                        <a:latin typeface="Calibri"/>
+                        <a:ea typeface="Calibri"/>
+                        <a:cs typeface="Times New Roman"/>
+                      </a:endParaRPr>
+                    </a:p>
+                  </a:txBody>
+                  <a:tcPr marL="594" marR="594" marT="594" marB="594" anchor="ctr">
+                    <a:lnL w="12700" cap="flat" cmpd="sng" algn="ctr">
+                      <a:noFill/>
+                      <a:prstDash val="solid"/>
+                      <a:round/>
+                      <a:headEnd type="none" w="med" len="med"/>
+                      <a:tailEnd type="none" w="med" len="med"/>
+                    </a:lnL>
+                    <a:lnR w="12700" cap="flat" cmpd="sng" algn="ctr">
+                      <a:noFill/>
+                      <a:prstDash val="solid"/>
+                      <a:round/>
+                      <a:headEnd type="none" w="med" len="med"/>
+                      <a:tailEnd type="none" w="med" len="med"/>
+                    </a:lnR>
+                    <a:lnT w="12700" cap="flat" cmpd="sng" algn="ctr">
+                      <a:solidFill>
+                        <a:schemeClr val="tx1"/>
+                      </a:solidFill>
+                      <a:prstDash val="solid"/>
+                      <a:round/>
+                      <a:headEnd type="none" w="med" len="med"/>
+                      <a:tailEnd type="none" w="med" len="med"/>
+                    </a:lnT>
+                    <a:lnB w="12700" cap="flat" cmpd="sng" algn="ctr">
+                      <a:solidFill>
+                        <a:schemeClr val="tx1"/>
+                      </a:solidFill>
+                      <a:prstDash val="solid"/>
+                      <a:round/>
+                      <a:headEnd type="none" w="med" len="med"/>
+                      <a:tailEnd type="none" w="med" len="med"/>
+                    </a:lnB>
+                    <a:lnTlToBr w="12700" cmpd="sng">
+                      <a:noFill/>
+                      <a:prstDash val="solid"/>
+                    </a:lnTlToBr>
+                    <a:lnBlToTr w="12700" cmpd="sng">
+                      <a:noFill/>
+                      <a:prstDash val="solid"/>
+                    </a:lnBlToTr>
+                    <a:noFill/>
+                  </a:tcPr>
+                </a:tc>
+              </a:tr>
+              <a:tr h="241622">
+                <a:tc>
+                  <a:txBody>
+                    <a:bodyPr/>
+                    <a:lstStyle/>
+                    <a:p>
+                      <a:pPr>
+                        <a:lnSpc>
+                          <a:spcPct val="115000"/>
+                        </a:lnSpc>
+                        <a:spcAft>
+                          <a:spcPts val="1000"/>
+                        </a:spcAft>
+                      </a:pPr>
+                      <a:r>
+                        <a:rPr lang="en-US" sz="1400" dirty="0" err="1">
+                          <a:effectLst/>
+                        </a:rPr>
+                        <a:t>GroupAdjacent</a:t>
+                      </a:r>
+                      <a:endParaRPr lang="en-US" sz="1400" dirty="0">
+                        <a:effectLst/>
+                        <a:latin typeface="Calibri"/>
+                        <a:ea typeface="Calibri"/>
+                        <a:cs typeface="Times New Roman"/>
+                      </a:endParaRPr>
+                    </a:p>
+                  </a:txBody>
+                  <a:tcPr marL="594" marR="594" marT="594" marB="594" anchor="ctr">
+                    <a:lnL w="12700" cap="flat" cmpd="sng" algn="ctr">
+                      <a:noFill/>
+                      <a:prstDash val="solid"/>
+                      <a:round/>
+                      <a:headEnd type="none" w="med" len="med"/>
+                      <a:tailEnd type="none" w="med" len="med"/>
+                    </a:lnL>
+                    <a:lnR w="12700" cap="flat" cmpd="sng" algn="ctr">
+                      <a:noFill/>
+                      <a:prstDash val="solid"/>
+                      <a:round/>
+                      <a:headEnd type="none" w="med" len="med"/>
+                      <a:tailEnd type="none" w="med" len="med"/>
+                    </a:lnR>
+                    <a:lnT w="12700" cap="flat" cmpd="sng" algn="ctr">
+                      <a:solidFill>
+                        <a:schemeClr val="tx1"/>
+                      </a:solidFill>
+                      <a:prstDash val="solid"/>
+                      <a:round/>
+                      <a:headEnd type="none" w="med" len="med"/>
+                      <a:tailEnd type="none" w="med" len="med"/>
+                    </a:lnT>
+                    <a:lnB w="12700" cap="flat" cmpd="sng" algn="ctr">
+                      <a:solidFill>
+                        <a:schemeClr val="tx1"/>
+                      </a:solidFill>
+                      <a:prstDash val="solid"/>
+                      <a:round/>
+                      <a:headEnd type="none" w="med" len="med"/>
+                      <a:tailEnd type="none" w="med" len="med"/>
+                    </a:lnB>
+                    <a:lnTlToBr w="12700" cmpd="sng">
+                      <a:noFill/>
+                      <a:prstDash val="solid"/>
+                    </a:lnTlToBr>
+                    <a:lnBlToTr w="12700" cmpd="sng">
+                      <a:noFill/>
+                      <a:prstDash val="solid"/>
+                    </a:lnBlToTr>
+                    <a:noFill/>
+                  </a:tcPr>
+                </a:tc>
+                <a:tc>
+                  <a:txBody>
+                    <a:bodyPr/>
+                    <a:lstStyle/>
+                    <a:p>
+                      <a:pPr>
+                        <a:lnSpc>
+                          <a:spcPct val="115000"/>
+                        </a:lnSpc>
+                        <a:spcAft>
+                          <a:spcPts val="1000"/>
+                        </a:spcAft>
+                      </a:pPr>
+                      <a:r>
+                        <a:rPr lang="ru-RU" sz="1400" dirty="0">
+                          <a:effectLst/>
+                        </a:rPr>
+                        <a:t>Подобен </a:t>
+                      </a:r>
+                      <a:r>
+                        <a:rPr lang="en-US" sz="1400" dirty="0" err="1">
+                          <a:effectLst/>
+                        </a:rPr>
+                        <a:t>GroupBy</a:t>
+                      </a:r>
+                      <a:r>
+                        <a:rPr lang="ru-RU" sz="1400" dirty="0">
+                          <a:effectLst/>
+                        </a:rPr>
+                        <a:t>, но в группу попадают только идущие подряд элементы.</a:t>
+                      </a:r>
+                      <a:endParaRPr lang="en-US" sz="1400" dirty="0">
+                        <a:effectLst/>
+                        <a:latin typeface="Calibri"/>
+                        <a:ea typeface="Calibri"/>
+                        <a:cs typeface="Times New Roman"/>
+                      </a:endParaRPr>
+                    </a:p>
+                  </a:txBody>
+                  <a:tcPr marL="594" marR="594" marT="594" marB="594" anchor="ctr">
+                    <a:lnL w="12700" cap="flat" cmpd="sng" algn="ctr">
+                      <a:noFill/>
+                      <a:prstDash val="solid"/>
+                      <a:round/>
+                      <a:headEnd type="none" w="med" len="med"/>
+                      <a:tailEnd type="none" w="med" len="med"/>
+                    </a:lnL>
+                    <a:lnR w="12700" cap="flat" cmpd="sng" algn="ctr">
+                      <a:noFill/>
+                      <a:prstDash val="solid"/>
+                      <a:round/>
+                      <a:headEnd type="none" w="med" len="med"/>
+                      <a:tailEnd type="none" w="med" len="med"/>
+                    </a:lnR>
+                    <a:lnT w="12700" cap="flat" cmpd="sng" algn="ctr">
+                      <a:solidFill>
+                        <a:schemeClr val="tx1"/>
+                      </a:solidFill>
+                      <a:prstDash val="solid"/>
+                      <a:round/>
+                      <a:headEnd type="none" w="med" len="med"/>
+                      <a:tailEnd type="none" w="med" len="med"/>
+                    </a:lnT>
+                    <a:lnB w="12700" cap="flat" cmpd="sng" algn="ctr">
+                      <a:solidFill>
+                        <a:schemeClr val="tx1"/>
+                      </a:solidFill>
+                      <a:prstDash val="solid"/>
+                      <a:round/>
+                      <a:headEnd type="none" w="med" len="med"/>
+                      <a:tailEnd type="none" w="med" len="med"/>
+                    </a:lnB>
+                    <a:lnTlToBr w="12700" cmpd="sng">
+                      <a:noFill/>
+                      <a:prstDash val="solid"/>
+                    </a:lnTlToBr>
+                    <a:lnBlToTr w="12700" cmpd="sng">
+                      <a:noFill/>
+                      <a:prstDash val="solid"/>
+                    </a:lnBlToTr>
+                    <a:noFill/>
+                  </a:tcPr>
+                </a:tc>
+              </a:tr>
+              <a:tr h="169492">
+                <a:tc>
+                  <a:txBody>
+                    <a:bodyPr/>
+                    <a:lstStyle/>
+                    <a:p>
+                      <a:pPr>
+                        <a:lnSpc>
+                          <a:spcPct val="115000"/>
+                        </a:lnSpc>
+                        <a:spcAft>
+                          <a:spcPts val="1000"/>
+                        </a:spcAft>
+                      </a:pPr>
+                      <a:r>
+                        <a:rPr lang="en-US" sz="1400" dirty="0">
+                          <a:effectLst/>
+                        </a:rPr>
+                        <a:t>Index</a:t>
+                      </a:r>
+                      <a:endParaRPr lang="en-US" sz="1400" dirty="0">
+                        <a:effectLst/>
+                        <a:latin typeface="Calibri"/>
+                        <a:ea typeface="Calibri"/>
+                        <a:cs typeface="Times New Roman"/>
+                      </a:endParaRPr>
+                    </a:p>
+                  </a:txBody>
+                  <a:tcPr marL="594" marR="594" marT="594" marB="594" anchor="ctr">
+                    <a:lnL w="12700" cap="flat" cmpd="sng" algn="ctr">
+                      <a:noFill/>
+                      <a:prstDash val="solid"/>
+                      <a:round/>
+                      <a:headEnd type="none" w="med" len="med"/>
+                      <a:tailEnd type="none" w="med" len="med"/>
+                    </a:lnL>
+                    <a:lnR w="12700" cap="flat" cmpd="sng" algn="ctr">
+                      <a:noFill/>
+                      <a:prstDash val="solid"/>
+                      <a:round/>
+                      <a:headEnd type="none" w="med" len="med"/>
+                      <a:tailEnd type="none" w="med" len="med"/>
+                    </a:lnR>
+                    <a:lnT w="12700" cap="flat" cmpd="sng" algn="ctr">
+                      <a:solidFill>
+                        <a:schemeClr val="tx1"/>
+                      </a:solidFill>
+                      <a:prstDash val="solid"/>
+                      <a:round/>
+                      <a:headEnd type="none" w="med" len="med"/>
+                      <a:tailEnd type="none" w="med" len="med"/>
+                    </a:lnT>
+                    <a:lnB w="12700" cap="flat" cmpd="sng" algn="ctr">
+                      <a:solidFill>
+                        <a:schemeClr val="tx1"/>
+                      </a:solidFill>
+                      <a:prstDash val="solid"/>
+                      <a:round/>
+                      <a:headEnd type="none" w="med" len="med"/>
+                      <a:tailEnd type="none" w="med" len="med"/>
+                    </a:lnB>
+                    <a:lnTlToBr w="12700" cmpd="sng">
+                      <a:noFill/>
+                      <a:prstDash val="solid"/>
+                    </a:lnTlToBr>
+                    <a:lnBlToTr w="12700" cmpd="sng">
+                      <a:noFill/>
+                      <a:prstDash val="solid"/>
+                    </a:lnBlToTr>
+                    <a:noFill/>
+                  </a:tcPr>
+                </a:tc>
+                <a:tc>
+                  <a:txBody>
+                    <a:bodyPr/>
+                    <a:lstStyle/>
+                    <a:p>
+                      <a:pPr>
+                        <a:lnSpc>
+                          <a:spcPct val="115000"/>
+                        </a:lnSpc>
+                        <a:spcAft>
+                          <a:spcPts val="1000"/>
+                        </a:spcAft>
+                      </a:pPr>
+                      <a:r>
+                        <a:rPr lang="ru-RU" sz="1400" dirty="0">
+                          <a:effectLst/>
+                        </a:rPr>
+                        <a:t>Возвращает последовательность пар индекс-значение.</a:t>
+                      </a:r>
+                      <a:endParaRPr lang="en-US" sz="1400" dirty="0">
+                        <a:effectLst/>
+                        <a:latin typeface="Calibri"/>
+                        <a:ea typeface="Calibri"/>
+                        <a:cs typeface="Times New Roman"/>
+                      </a:endParaRPr>
+                    </a:p>
+                  </a:txBody>
+                  <a:tcPr marL="594" marR="594" marT="594" marB="594" anchor="ctr">
+                    <a:lnL w="12700" cap="flat" cmpd="sng" algn="ctr">
+                      <a:noFill/>
+                      <a:prstDash val="solid"/>
+                      <a:round/>
+                      <a:headEnd type="none" w="med" len="med"/>
+                      <a:tailEnd type="none" w="med" len="med"/>
+                    </a:lnL>
+                    <a:lnR w="12700" cap="flat" cmpd="sng" algn="ctr">
+                      <a:noFill/>
+                      <a:prstDash val="solid"/>
+                      <a:round/>
+                      <a:headEnd type="none" w="med" len="med"/>
+                      <a:tailEnd type="none" w="med" len="med"/>
+                    </a:lnR>
+                    <a:lnT w="12700" cap="flat" cmpd="sng" algn="ctr">
+                      <a:solidFill>
+                        <a:schemeClr val="tx1"/>
+                      </a:solidFill>
+                      <a:prstDash val="solid"/>
+                      <a:round/>
+                      <a:headEnd type="none" w="med" len="med"/>
+                      <a:tailEnd type="none" w="med" len="med"/>
+                    </a:lnT>
+                    <a:lnB w="12700" cap="flat" cmpd="sng" algn="ctr">
+                      <a:solidFill>
+                        <a:schemeClr val="tx1"/>
+                      </a:solidFill>
+                      <a:prstDash val="solid"/>
+                      <a:round/>
+                      <a:headEnd type="none" w="med" len="med"/>
+                      <a:tailEnd type="none" w="med" len="med"/>
+                    </a:lnB>
+                    <a:lnTlToBr w="12700" cmpd="sng">
+                      <a:noFill/>
+                      <a:prstDash val="solid"/>
+                    </a:lnTlToBr>
+                    <a:lnBlToTr w="12700" cmpd="sng">
+                      <a:noFill/>
+                      <a:prstDash val="solid"/>
+                    </a:lnBlToTr>
+                    <a:noFill/>
+                  </a:tcPr>
+                </a:tc>
+              </a:tr>
+              <a:tr h="265666">
+                <a:tc>
+                  <a:txBody>
+                    <a:bodyPr/>
+                    <a:lstStyle/>
+                    <a:p>
+                      <a:pPr>
+                        <a:lnSpc>
+                          <a:spcPct val="115000"/>
+                        </a:lnSpc>
+                        <a:spcAft>
+                          <a:spcPts val="1000"/>
+                        </a:spcAft>
+                      </a:pPr>
+                      <a:r>
+                        <a:rPr lang="en-US" sz="1400" dirty="0" err="1">
+                          <a:effectLst/>
+                        </a:rPr>
+                        <a:t>MaxBy</a:t>
+                      </a:r>
+                      <a:endParaRPr lang="en-US" sz="1400" dirty="0">
+                        <a:effectLst/>
+                        <a:latin typeface="Calibri"/>
+                        <a:ea typeface="Calibri"/>
+                        <a:cs typeface="Times New Roman"/>
+                      </a:endParaRPr>
+                    </a:p>
+                  </a:txBody>
+                  <a:tcPr marL="594" marR="594" marT="594" marB="594" anchor="ctr">
+                    <a:lnL w="12700" cap="flat" cmpd="sng" algn="ctr">
+                      <a:noFill/>
+                      <a:prstDash val="solid"/>
+                      <a:round/>
+                      <a:headEnd type="none" w="med" len="med"/>
+                      <a:tailEnd type="none" w="med" len="med"/>
+                    </a:lnL>
+                    <a:lnR w="12700" cap="flat" cmpd="sng" algn="ctr">
+                      <a:noFill/>
+                      <a:prstDash val="solid"/>
+                      <a:round/>
+                      <a:headEnd type="none" w="med" len="med"/>
+                      <a:tailEnd type="none" w="med" len="med"/>
+                    </a:lnR>
+                    <a:lnT w="12700" cap="flat" cmpd="sng" algn="ctr">
+                      <a:solidFill>
+                        <a:schemeClr val="tx1"/>
+                      </a:solidFill>
+                      <a:prstDash val="solid"/>
+                      <a:round/>
+                      <a:headEnd type="none" w="med" len="med"/>
+                      <a:tailEnd type="none" w="med" len="med"/>
+                    </a:lnT>
+                    <a:lnB w="12700" cap="flat" cmpd="sng" algn="ctr">
+                      <a:solidFill>
+                        <a:schemeClr val="tx1"/>
+                      </a:solidFill>
+                      <a:prstDash val="solid"/>
+                      <a:round/>
+                      <a:headEnd type="none" w="med" len="med"/>
+                      <a:tailEnd type="none" w="med" len="med"/>
+                    </a:lnB>
+                    <a:lnTlToBr w="12700" cmpd="sng">
+                      <a:noFill/>
+                      <a:prstDash val="solid"/>
+                    </a:lnTlToBr>
+                    <a:lnBlToTr w="12700" cmpd="sng">
+                      <a:noFill/>
+                      <a:prstDash val="solid"/>
+                    </a:lnBlToTr>
+                    <a:noFill/>
+                  </a:tcPr>
+                </a:tc>
+                <a:tc>
+                  <a:txBody>
+                    <a:bodyPr/>
+                    <a:lstStyle/>
+                    <a:p>
+                      <a:pPr>
+                        <a:lnSpc>
+                          <a:spcPct val="115000"/>
+                        </a:lnSpc>
+                        <a:spcAft>
+                          <a:spcPts val="1000"/>
+                        </a:spcAft>
+                      </a:pPr>
+                      <a:r>
+                        <a:rPr lang="ru-RU" sz="1400" dirty="0">
+                          <a:effectLst/>
+                        </a:rPr>
+                        <a:t>Возвращает максимальный элемент последовательности по заданному критерию.</a:t>
+                      </a:r>
+                      <a:endParaRPr lang="en-US" sz="1400" dirty="0">
+                        <a:effectLst/>
+                        <a:latin typeface="Calibri"/>
+                        <a:ea typeface="Calibri"/>
+                        <a:cs typeface="Times New Roman"/>
+                      </a:endParaRPr>
+                    </a:p>
+                  </a:txBody>
+                  <a:tcPr marL="594" marR="594" marT="594" marB="594" anchor="ctr">
+                    <a:lnL w="12700" cap="flat" cmpd="sng" algn="ctr">
+                      <a:noFill/>
+                      <a:prstDash val="solid"/>
+                      <a:round/>
+                      <a:headEnd type="none" w="med" len="med"/>
+                      <a:tailEnd type="none" w="med" len="med"/>
+                    </a:lnL>
+                    <a:lnR w="12700" cap="flat" cmpd="sng" algn="ctr">
+                      <a:noFill/>
+                      <a:prstDash val="solid"/>
+                      <a:round/>
+                      <a:headEnd type="none" w="med" len="med"/>
+                      <a:tailEnd type="none" w="med" len="med"/>
+                    </a:lnR>
+                    <a:lnT w="12700" cap="flat" cmpd="sng" algn="ctr">
+                      <a:solidFill>
+                        <a:schemeClr val="tx1"/>
+                      </a:solidFill>
+                      <a:prstDash val="solid"/>
+                      <a:round/>
+                      <a:headEnd type="none" w="med" len="med"/>
+                      <a:tailEnd type="none" w="med" len="med"/>
+                    </a:lnT>
+                    <a:lnB w="12700" cap="flat" cmpd="sng" algn="ctr">
+                      <a:solidFill>
+                        <a:schemeClr val="tx1"/>
+                      </a:solidFill>
+                      <a:prstDash val="solid"/>
+                      <a:round/>
+                      <a:headEnd type="none" w="med" len="med"/>
+                      <a:tailEnd type="none" w="med" len="med"/>
+                    </a:lnB>
+                    <a:lnTlToBr w="12700" cmpd="sng">
+                      <a:noFill/>
+                      <a:prstDash val="solid"/>
+                    </a:lnTlToBr>
+                    <a:lnBlToTr w="12700" cmpd="sng">
+                      <a:noFill/>
+                      <a:prstDash val="solid"/>
+                    </a:lnBlToTr>
+                    <a:noFill/>
+                  </a:tcPr>
+                </a:tc>
+              </a:tr>
+              <a:tr h="265666">
+                <a:tc>
+                  <a:txBody>
+                    <a:bodyPr/>
+                    <a:lstStyle/>
+                    <a:p>
+                      <a:pPr>
+                        <a:lnSpc>
+                          <a:spcPct val="115000"/>
+                        </a:lnSpc>
+                        <a:spcAft>
+                          <a:spcPts val="1000"/>
+                        </a:spcAft>
+                      </a:pPr>
+                      <a:r>
+                        <a:rPr lang="en-US" sz="1400" dirty="0" err="1">
+                          <a:effectLst/>
+                        </a:rPr>
+                        <a:t>MinBy</a:t>
+                      </a:r>
+                      <a:endParaRPr lang="en-US" sz="1400" dirty="0">
+                        <a:effectLst/>
+                        <a:latin typeface="Calibri"/>
+                        <a:ea typeface="Calibri"/>
+                        <a:cs typeface="Times New Roman"/>
+                      </a:endParaRPr>
+                    </a:p>
+                  </a:txBody>
+                  <a:tcPr marL="594" marR="594" marT="594" marB="594" anchor="ctr">
+                    <a:lnL w="12700" cap="flat" cmpd="sng" algn="ctr">
+                      <a:noFill/>
+                      <a:prstDash val="solid"/>
+                      <a:round/>
+                      <a:headEnd type="none" w="med" len="med"/>
+                      <a:tailEnd type="none" w="med" len="med"/>
+                    </a:lnL>
+                    <a:lnR w="12700" cap="flat" cmpd="sng" algn="ctr">
+                      <a:noFill/>
+                      <a:prstDash val="solid"/>
+                      <a:round/>
+                      <a:headEnd type="none" w="med" len="med"/>
+                      <a:tailEnd type="none" w="med" len="med"/>
+                    </a:lnR>
+                    <a:lnT w="12700" cap="flat" cmpd="sng" algn="ctr">
+                      <a:solidFill>
+                        <a:schemeClr val="tx1"/>
+                      </a:solidFill>
+                      <a:prstDash val="solid"/>
+                      <a:round/>
+                      <a:headEnd type="none" w="med" len="med"/>
+                      <a:tailEnd type="none" w="med" len="med"/>
+                    </a:lnT>
+                    <a:lnB w="12700" cap="flat" cmpd="sng" algn="ctr">
+                      <a:solidFill>
+                        <a:schemeClr val="tx1"/>
+                      </a:solidFill>
+                      <a:prstDash val="solid"/>
+                      <a:round/>
+                      <a:headEnd type="none" w="med" len="med"/>
+                      <a:tailEnd type="none" w="med" len="med"/>
+                    </a:lnB>
+                    <a:lnTlToBr w="12700" cmpd="sng">
+                      <a:noFill/>
+                      <a:prstDash val="solid"/>
+                    </a:lnTlToBr>
+                    <a:lnBlToTr w="12700" cmpd="sng">
+                      <a:noFill/>
+                      <a:prstDash val="solid"/>
+                    </a:lnBlToTr>
+                    <a:noFill/>
+                  </a:tcPr>
+                </a:tc>
+                <a:tc>
+                  <a:txBody>
+                    <a:bodyPr/>
+                    <a:lstStyle/>
+                    <a:p>
+                      <a:pPr>
+                        <a:lnSpc>
+                          <a:spcPct val="115000"/>
+                        </a:lnSpc>
+                        <a:spcAft>
+                          <a:spcPts val="1000"/>
+                        </a:spcAft>
+                      </a:pPr>
+                      <a:r>
+                        <a:rPr lang="ru-RU" sz="1400" dirty="0">
+                          <a:effectLst/>
+                        </a:rPr>
+                        <a:t>Возвращает минимальный элемент последовательности по заданному критерию.</a:t>
+                      </a:r>
+                      <a:endParaRPr lang="en-US" sz="1400" dirty="0">
+                        <a:effectLst/>
+                        <a:latin typeface="Calibri"/>
+                        <a:ea typeface="Calibri"/>
+                        <a:cs typeface="Times New Roman"/>
+                      </a:endParaRPr>
+                    </a:p>
+                  </a:txBody>
+                  <a:tcPr marL="594" marR="594" marT="594" marB="594" anchor="ctr">
+                    <a:lnL w="12700" cap="flat" cmpd="sng" algn="ctr">
+                      <a:noFill/>
+                      <a:prstDash val="solid"/>
+                      <a:round/>
+                      <a:headEnd type="none" w="med" len="med"/>
+                      <a:tailEnd type="none" w="med" len="med"/>
+                    </a:lnL>
+                    <a:lnR w="12700" cap="flat" cmpd="sng" algn="ctr">
+                      <a:noFill/>
+                      <a:prstDash val="solid"/>
+                      <a:round/>
+                      <a:headEnd type="none" w="med" len="med"/>
+                      <a:tailEnd type="none" w="med" len="med"/>
+                    </a:lnR>
+                    <a:lnT w="12700" cap="flat" cmpd="sng" algn="ctr">
+                      <a:solidFill>
+                        <a:schemeClr val="tx1"/>
+                      </a:solidFill>
+                      <a:prstDash val="solid"/>
+                      <a:round/>
+                      <a:headEnd type="none" w="med" len="med"/>
+                      <a:tailEnd type="none" w="med" len="med"/>
+                    </a:lnT>
+                    <a:lnB w="12700" cap="flat" cmpd="sng" algn="ctr">
+                      <a:solidFill>
+                        <a:schemeClr val="tx1"/>
+                      </a:solidFill>
+                      <a:prstDash val="solid"/>
+                      <a:round/>
+                      <a:headEnd type="none" w="med" len="med"/>
+                      <a:tailEnd type="none" w="med" len="med"/>
+                    </a:lnB>
+                    <a:lnTlToBr w="12700" cmpd="sng">
+                      <a:noFill/>
+                      <a:prstDash val="solid"/>
+                    </a:lnTlToBr>
+                    <a:lnBlToTr w="12700" cmpd="sng">
+                      <a:noFill/>
+                      <a:prstDash val="solid"/>
+                    </a:lnBlToTr>
+                    <a:noFill/>
+                  </a:tcPr>
+                </a:tc>
+              </a:tr>
+              <a:tr h="470035">
+                <a:tc>
+                  <a:txBody>
+                    <a:bodyPr/>
+                    <a:lstStyle/>
+                    <a:p>
+                      <a:pPr>
+                        <a:lnSpc>
+                          <a:spcPct val="115000"/>
+                        </a:lnSpc>
+                        <a:spcAft>
+                          <a:spcPts val="1000"/>
+                        </a:spcAft>
+                      </a:pPr>
+                      <a:r>
+                        <a:rPr lang="en-US" sz="1400" dirty="0">
+                          <a:effectLst/>
+                        </a:rPr>
+                        <a:t>Pad</a:t>
+                      </a:r>
+                      <a:endParaRPr lang="en-US" sz="1400" dirty="0">
+                        <a:effectLst/>
+                        <a:latin typeface="Calibri"/>
+                        <a:ea typeface="Calibri"/>
+                        <a:cs typeface="Times New Roman"/>
+                      </a:endParaRPr>
+                    </a:p>
+                  </a:txBody>
+                  <a:tcPr marL="594" marR="594" marT="594" marB="594" anchor="ctr">
+                    <a:lnL w="12700" cap="flat" cmpd="sng" algn="ctr">
+                      <a:noFill/>
+                      <a:prstDash val="solid"/>
+                      <a:round/>
+                      <a:headEnd type="none" w="med" len="med"/>
+                      <a:tailEnd type="none" w="med" len="med"/>
+                    </a:lnL>
+                    <a:lnR w="12700" cap="flat" cmpd="sng" algn="ctr">
+                      <a:noFill/>
+                      <a:prstDash val="solid"/>
+                      <a:round/>
+                      <a:headEnd type="none" w="med" len="med"/>
+                      <a:tailEnd type="none" w="med" len="med"/>
+                    </a:lnR>
+                    <a:lnT w="12700" cap="flat" cmpd="sng" algn="ctr">
+                      <a:solidFill>
+                        <a:schemeClr val="tx1"/>
+                      </a:solidFill>
+                      <a:prstDash val="solid"/>
+                      <a:round/>
+                      <a:headEnd type="none" w="med" len="med"/>
+                      <a:tailEnd type="none" w="med" len="med"/>
+                    </a:lnT>
+                    <a:lnB w="12700" cap="flat" cmpd="sng" algn="ctr">
+                      <a:solidFill>
+                        <a:schemeClr val="tx1"/>
+                      </a:solidFill>
+                      <a:prstDash val="solid"/>
+                      <a:round/>
+                      <a:headEnd type="none" w="med" len="med"/>
+                      <a:tailEnd type="none" w="med" len="med"/>
+                    </a:lnB>
+                    <a:lnTlToBr w="12700" cmpd="sng">
+                      <a:noFill/>
+                      <a:prstDash val="solid"/>
+                    </a:lnTlToBr>
+                    <a:lnBlToTr w="12700" cmpd="sng">
+                      <a:noFill/>
+                      <a:prstDash val="solid"/>
+                    </a:lnBlToTr>
+                    <a:noFill/>
+                  </a:tcPr>
+                </a:tc>
+                <a:tc>
+                  <a:txBody>
+                    <a:bodyPr/>
+                    <a:lstStyle/>
+                    <a:p>
+                      <a:pPr>
+                        <a:lnSpc>
+                          <a:spcPct val="115000"/>
+                        </a:lnSpc>
+                        <a:spcAft>
+                          <a:spcPts val="1000"/>
+                        </a:spcAft>
+                      </a:pPr>
+                      <a:r>
+                        <a:rPr lang="ru-RU" sz="1400" dirty="0">
+                          <a:effectLst/>
+                        </a:rPr>
+                        <a:t>Если количество элементов последовательности меньше заданного, дополняет последовательность значениями по умолчанию до заданного количества.</a:t>
+                      </a:r>
+                      <a:endParaRPr lang="en-US" sz="1400" dirty="0">
+                        <a:effectLst/>
+                        <a:latin typeface="Calibri"/>
+                        <a:ea typeface="Calibri"/>
+                        <a:cs typeface="Times New Roman"/>
+                      </a:endParaRPr>
+                    </a:p>
+                  </a:txBody>
+                  <a:tcPr marL="594" marR="594" marT="594" marB="594" anchor="ctr">
+                    <a:lnL w="12700" cap="flat" cmpd="sng" algn="ctr">
+                      <a:noFill/>
+                      <a:prstDash val="solid"/>
+                      <a:round/>
+                      <a:headEnd type="none" w="med" len="med"/>
+                      <a:tailEnd type="none" w="med" len="med"/>
+                    </a:lnL>
+                    <a:lnR w="12700" cap="flat" cmpd="sng" algn="ctr">
+                      <a:noFill/>
+                      <a:prstDash val="solid"/>
+                      <a:round/>
+                      <a:headEnd type="none" w="med" len="med"/>
+                      <a:tailEnd type="none" w="med" len="med"/>
+                    </a:lnR>
+                    <a:lnT w="12700" cap="flat" cmpd="sng" algn="ctr">
+                      <a:solidFill>
+                        <a:schemeClr val="tx1"/>
+                      </a:solidFill>
+                      <a:prstDash val="solid"/>
+                      <a:round/>
+                      <a:headEnd type="none" w="med" len="med"/>
+                      <a:tailEnd type="none" w="med" len="med"/>
+                    </a:lnT>
+                    <a:lnB w="12700" cap="flat" cmpd="sng" algn="ctr">
+                      <a:solidFill>
+                        <a:schemeClr val="tx1"/>
+                      </a:solidFill>
+                      <a:prstDash val="solid"/>
+                      <a:round/>
+                      <a:headEnd type="none" w="med" len="med"/>
+                      <a:tailEnd type="none" w="med" len="med"/>
+                    </a:lnB>
+                    <a:lnTlToBr w="12700" cmpd="sng">
+                      <a:noFill/>
+                      <a:prstDash val="solid"/>
+                    </a:lnTlToBr>
+                    <a:lnBlToTr w="12700" cmpd="sng">
+                      <a:noFill/>
+                      <a:prstDash val="solid"/>
+                    </a:lnBlToTr>
+                    <a:noFill/>
+                  </a:tcPr>
+                </a:tc>
+              </a:tr>
+              <a:tr h="409926">
+                <a:tc>
+                  <a:txBody>
+                    <a:bodyPr/>
+                    <a:lstStyle/>
+                    <a:p>
+                      <a:pPr>
+                        <a:lnSpc>
+                          <a:spcPct val="115000"/>
+                        </a:lnSpc>
+                        <a:spcAft>
+                          <a:spcPts val="1000"/>
+                        </a:spcAft>
+                      </a:pPr>
+                      <a:r>
+                        <a:rPr lang="en-US" sz="1400" dirty="0">
+                          <a:effectLst/>
+                        </a:rPr>
+                        <a:t>Pairwise</a:t>
+                      </a:r>
+                      <a:endParaRPr lang="en-US" sz="1400" dirty="0">
+                        <a:effectLst/>
+                        <a:latin typeface="Calibri"/>
+                        <a:ea typeface="Calibri"/>
+                        <a:cs typeface="Times New Roman"/>
+                      </a:endParaRPr>
+                    </a:p>
+                  </a:txBody>
+                  <a:tcPr marL="594" marR="594" marT="594" marB="594" anchor="ctr">
+                    <a:lnL w="12700" cap="flat" cmpd="sng" algn="ctr">
+                      <a:noFill/>
+                      <a:prstDash val="solid"/>
+                      <a:round/>
+                      <a:headEnd type="none" w="med" len="med"/>
+                      <a:tailEnd type="none" w="med" len="med"/>
+                    </a:lnL>
+                    <a:lnR w="12700" cap="flat" cmpd="sng" algn="ctr">
+                      <a:noFill/>
+                      <a:prstDash val="solid"/>
+                      <a:round/>
+                      <a:headEnd type="none" w="med" len="med"/>
+                      <a:tailEnd type="none" w="med" len="med"/>
+                    </a:lnR>
+                    <a:lnT w="12700" cap="flat" cmpd="sng" algn="ctr">
+                      <a:solidFill>
+                        <a:schemeClr val="tx1"/>
+                      </a:solidFill>
+                      <a:prstDash val="solid"/>
+                      <a:round/>
+                      <a:headEnd type="none" w="med" len="med"/>
+                      <a:tailEnd type="none" w="med" len="med"/>
+                    </a:lnT>
+                    <a:lnB w="12700" cap="flat" cmpd="sng" algn="ctr">
+                      <a:solidFill>
+                        <a:schemeClr val="tx1"/>
+                      </a:solidFill>
+                      <a:prstDash val="solid"/>
+                      <a:round/>
+                      <a:headEnd type="none" w="med" len="med"/>
+                      <a:tailEnd type="none" w="med" len="med"/>
+                    </a:lnB>
+                    <a:lnTlToBr w="12700" cmpd="sng">
+                      <a:noFill/>
+                      <a:prstDash val="solid"/>
+                    </a:lnTlToBr>
+                    <a:lnBlToTr w="12700" cmpd="sng">
+                      <a:noFill/>
+                      <a:prstDash val="solid"/>
+                    </a:lnBlToTr>
+                    <a:noFill/>
+                  </a:tcPr>
+                </a:tc>
+                <a:tc>
+                  <a:txBody>
+                    <a:bodyPr/>
+                    <a:lstStyle/>
+                    <a:p>
+                      <a:pPr>
+                        <a:lnSpc>
+                          <a:spcPct val="115000"/>
+                        </a:lnSpc>
+                        <a:spcAft>
+                          <a:spcPts val="1000"/>
+                        </a:spcAft>
+                      </a:pPr>
+                      <a:r>
+                        <a:rPr lang="ru-RU" sz="1400" dirty="0">
+                          <a:effectLst/>
+                        </a:rPr>
+                        <a:t>Возвращает последовательность результатов функции текущего и предыдущего элемента (не применяется к первому элементу).</a:t>
+                      </a:r>
+                      <a:endParaRPr lang="en-US" sz="1400" dirty="0">
+                        <a:effectLst/>
+                        <a:latin typeface="Calibri"/>
+                        <a:ea typeface="Calibri"/>
+                        <a:cs typeface="Times New Roman"/>
+                      </a:endParaRPr>
+                    </a:p>
+                  </a:txBody>
+                  <a:tcPr marL="594" marR="594" marT="594" marB="594" anchor="ctr">
+                    <a:lnL w="12700" cap="flat" cmpd="sng" algn="ctr">
+                      <a:noFill/>
+                      <a:prstDash val="solid"/>
+                      <a:round/>
+                      <a:headEnd type="none" w="med" len="med"/>
+                      <a:tailEnd type="none" w="med" len="med"/>
+                    </a:lnL>
+                    <a:lnR w="12700" cap="flat" cmpd="sng" algn="ctr">
+                      <a:noFill/>
+                      <a:prstDash val="solid"/>
+                      <a:round/>
+                      <a:headEnd type="none" w="med" len="med"/>
+                      <a:tailEnd type="none" w="med" len="med"/>
+                    </a:lnR>
+                    <a:lnT w="12700" cap="flat" cmpd="sng" algn="ctr">
+                      <a:solidFill>
+                        <a:schemeClr val="tx1"/>
+                      </a:solidFill>
+                      <a:prstDash val="solid"/>
+                      <a:round/>
+                      <a:headEnd type="none" w="med" len="med"/>
+                      <a:tailEnd type="none" w="med" len="med"/>
+                    </a:lnT>
+                    <a:lnB w="12700" cap="flat" cmpd="sng" algn="ctr">
+                      <a:solidFill>
+                        <a:schemeClr val="tx1"/>
+                      </a:solidFill>
+                      <a:prstDash val="solid"/>
+                      <a:round/>
+                      <a:headEnd type="none" w="med" len="med"/>
+                      <a:tailEnd type="none" w="med" len="med"/>
+                    </a:lnB>
+                    <a:lnTlToBr w="12700" cmpd="sng">
+                      <a:noFill/>
+                      <a:prstDash val="solid"/>
+                    </a:lnTlToBr>
+                    <a:lnBlToTr w="12700" cmpd="sng">
+                      <a:noFill/>
+                      <a:prstDash val="solid"/>
+                    </a:lnBlToTr>
+                    <a:noFill/>
+                  </a:tcPr>
+                </a:tc>
+              </a:tr>
+              <a:tr h="409926">
+                <a:tc>
+                  <a:txBody>
+                    <a:bodyPr/>
+                    <a:lstStyle/>
+                    <a:p>
+                      <a:pPr>
+                        <a:lnSpc>
+                          <a:spcPct val="115000"/>
+                        </a:lnSpc>
+                        <a:spcAft>
+                          <a:spcPts val="1000"/>
+                        </a:spcAft>
+                      </a:pPr>
+                      <a:r>
+                        <a:rPr lang="en-US" sz="1400" dirty="0" smtClean="0">
+                          <a:effectLst/>
+                          <a:latin typeface="Calibri"/>
+                          <a:ea typeface="Calibri"/>
+                          <a:cs typeface="Times New Roman"/>
+                        </a:rPr>
+                        <a:t>Pipe</a:t>
+                      </a:r>
+                      <a:endParaRPr lang="en-US" sz="1400" dirty="0">
+                        <a:effectLst/>
+                        <a:latin typeface="Calibri"/>
+                        <a:ea typeface="Calibri"/>
+                        <a:cs typeface="Times New Roman"/>
+                      </a:endParaRPr>
+                    </a:p>
+                  </a:txBody>
+                  <a:tcPr marL="594" marR="594" marT="594" marB="594" anchor="ctr">
+                    <a:lnL w="12700" cap="flat" cmpd="sng" algn="ctr">
+                      <a:noFill/>
+                      <a:prstDash val="solid"/>
+                      <a:round/>
+                      <a:headEnd type="none" w="med" len="med"/>
+                      <a:tailEnd type="none" w="med" len="med"/>
+                    </a:lnL>
+                    <a:lnR w="12700" cap="flat" cmpd="sng" algn="ctr">
+                      <a:noFill/>
+                      <a:prstDash val="solid"/>
+                      <a:round/>
+                      <a:headEnd type="none" w="med" len="med"/>
+                      <a:tailEnd type="none" w="med" len="med"/>
+                    </a:lnR>
+                    <a:lnT w="12700" cap="flat" cmpd="sng" algn="ctr">
+                      <a:solidFill>
+                        <a:schemeClr val="tx1"/>
+                      </a:solidFill>
+                      <a:prstDash val="solid"/>
+                      <a:round/>
+                      <a:headEnd type="none" w="med" len="med"/>
+                      <a:tailEnd type="none" w="med" len="med"/>
+                    </a:lnT>
+                    <a:lnB w="12700" cap="flat" cmpd="sng" algn="ctr">
+                      <a:solidFill>
+                        <a:schemeClr val="tx1"/>
+                      </a:solidFill>
+                      <a:prstDash val="solid"/>
+                      <a:round/>
+                      <a:headEnd type="none" w="med" len="med"/>
+                      <a:tailEnd type="none" w="med" len="med"/>
+                    </a:lnB>
+                    <a:lnTlToBr w="12700" cmpd="sng">
+                      <a:noFill/>
+                      <a:prstDash val="solid"/>
+                    </a:lnTlToBr>
+                    <a:lnBlToTr w="12700" cmpd="sng">
+                      <a:noFill/>
+                      <a:prstDash val="solid"/>
+                    </a:lnBlToTr>
+                    <a:noFill/>
+                  </a:tcPr>
+                </a:tc>
+                <a:tc>
+                  <a:txBody>
+                    <a:bodyPr/>
+                    <a:lstStyle/>
+                    <a:p>
+                      <a:pPr>
+                        <a:lnSpc>
+                          <a:spcPct val="115000"/>
+                        </a:lnSpc>
+                        <a:spcAft>
+                          <a:spcPts val="1000"/>
+                        </a:spcAft>
+                      </a:pPr>
+                      <a:r>
+                        <a:rPr lang="ru-RU" sz="1400" b="0" dirty="0" smtClean="0">
+                          <a:effectLst/>
+                        </a:rPr>
+                        <a:t>Возвращает исходную последовательность, выполняя </a:t>
+                      </a:r>
+                      <a:r>
+                        <a:rPr lang="en-US" sz="1400" b="0" dirty="0" smtClean="0">
+                          <a:effectLst/>
+                        </a:rPr>
+                        <a:t>Action</a:t>
+                      </a:r>
+                      <a:r>
+                        <a:rPr lang="ru-RU" sz="1400" b="0" dirty="0" smtClean="0">
+                          <a:effectLst/>
+                        </a:rPr>
+                        <a:t> над каждым элементом.</a:t>
+                      </a:r>
+                      <a:endParaRPr lang="en-US" sz="1400" dirty="0">
+                        <a:effectLst/>
+                        <a:latin typeface="Calibri"/>
+                        <a:ea typeface="Calibri"/>
+                        <a:cs typeface="Times New Roman"/>
+                      </a:endParaRPr>
+                    </a:p>
+                  </a:txBody>
+                  <a:tcPr marL="594" marR="594" marT="594" marB="594" anchor="ctr">
+                    <a:lnL w="12700" cap="flat" cmpd="sng" algn="ctr">
+                      <a:noFill/>
+                      <a:prstDash val="solid"/>
+                      <a:round/>
+                      <a:headEnd type="none" w="med" len="med"/>
+                      <a:tailEnd type="none" w="med" len="med"/>
+                    </a:lnL>
+                    <a:lnR w="12700" cap="flat" cmpd="sng" algn="ctr">
+                      <a:noFill/>
+                      <a:prstDash val="solid"/>
+                      <a:round/>
+                      <a:headEnd type="none" w="med" len="med"/>
+                      <a:tailEnd type="none" w="med" len="med"/>
+                    </a:lnR>
+                    <a:lnT w="12700" cap="flat" cmpd="sng" algn="ctr">
+                      <a:solidFill>
+                        <a:schemeClr val="tx1"/>
+                      </a:solidFill>
+                      <a:prstDash val="solid"/>
+                      <a:round/>
+                      <a:headEnd type="none" w="med" len="med"/>
+                      <a:tailEnd type="none" w="med" len="med"/>
+                    </a:lnT>
+                    <a:lnB w="12700" cap="flat" cmpd="sng" algn="ctr">
+                      <a:solidFill>
+                        <a:schemeClr val="tx1"/>
+                      </a:solidFill>
+                      <a:prstDash val="solid"/>
+                      <a:round/>
+                      <a:headEnd type="none" w="med" len="med"/>
+                      <a:tailEnd type="none" w="med" len="med"/>
+                    </a:lnB>
+                    <a:lnTlToBr w="12700" cmpd="sng">
+                      <a:noFill/>
+                      <a:prstDash val="solid"/>
+                    </a:lnTlToBr>
+                    <a:lnBlToTr w="12700" cmpd="sng">
+                      <a:noFill/>
+                      <a:prstDash val="solid"/>
+                    </a:lnBlToTr>
+                    <a:noFill/>
+                  </a:tcPr>
+                </a:tc>
+              </a:tr>
+              <a:tr h="409926">
+                <a:tc>
+                  <a:txBody>
+                    <a:bodyPr/>
+                    <a:lstStyle/>
+                    <a:p>
+                      <a:pPr>
+                        <a:lnSpc>
+                          <a:spcPct val="115000"/>
+                        </a:lnSpc>
+                        <a:spcAft>
+                          <a:spcPts val="1000"/>
+                        </a:spcAft>
+                      </a:pPr>
+                      <a:r>
+                        <a:rPr lang="en-US" sz="1400" dirty="0" smtClean="0">
+                          <a:effectLst/>
+                        </a:rPr>
+                        <a:t>Prepend</a:t>
+                      </a:r>
+                      <a:endParaRPr lang="en-US" sz="1400" dirty="0">
+                        <a:effectLst/>
+                        <a:latin typeface="Calibri"/>
+                        <a:ea typeface="Calibri"/>
+                        <a:cs typeface="Times New Roman"/>
+                      </a:endParaRPr>
+                    </a:p>
+                  </a:txBody>
+                  <a:tcPr marL="594" marR="594" marT="594" marB="594" anchor="ctr">
+                    <a:lnL w="12700" cap="flat" cmpd="sng" algn="ctr">
+                      <a:noFill/>
+                      <a:prstDash val="solid"/>
+                      <a:round/>
+                      <a:headEnd type="none" w="med" len="med"/>
+                      <a:tailEnd type="none" w="med" len="med"/>
+                    </a:lnL>
+                    <a:lnR w="12700" cap="flat" cmpd="sng" algn="ctr">
+                      <a:noFill/>
+                      <a:prstDash val="solid"/>
+                      <a:round/>
+                      <a:headEnd type="none" w="med" len="med"/>
+                      <a:tailEnd type="none" w="med" len="med"/>
+                    </a:lnR>
+                    <a:lnT w="12700" cap="flat" cmpd="sng" algn="ctr">
+                      <a:solidFill>
+                        <a:schemeClr val="tx1"/>
+                      </a:solidFill>
+                      <a:prstDash val="solid"/>
+                      <a:round/>
+                      <a:headEnd type="none" w="med" len="med"/>
+                      <a:tailEnd type="none" w="med" len="med"/>
+                    </a:lnT>
+                    <a:lnB w="12700" cap="flat" cmpd="sng" algn="ctr">
+                      <a:solidFill>
+                        <a:schemeClr val="tx1"/>
+                      </a:solidFill>
+                      <a:prstDash val="solid"/>
+                      <a:round/>
+                      <a:headEnd type="none" w="med" len="med"/>
+                      <a:tailEnd type="none" w="med" len="med"/>
+                    </a:lnB>
+                    <a:lnTlToBr w="12700" cmpd="sng">
+                      <a:noFill/>
+                      <a:prstDash val="solid"/>
+                    </a:lnTlToBr>
+                    <a:lnBlToTr w="12700" cmpd="sng">
+                      <a:noFill/>
+                      <a:prstDash val="solid"/>
+                    </a:lnBlToTr>
+                    <a:noFill/>
+                  </a:tcPr>
+                </a:tc>
+                <a:tc>
+                  <a:txBody>
+                    <a:bodyPr/>
+                    <a:lstStyle/>
+                    <a:p>
+                      <a:pPr>
+                        <a:lnSpc>
+                          <a:spcPct val="115000"/>
+                        </a:lnSpc>
+                        <a:spcAft>
+                          <a:spcPts val="1000"/>
+                        </a:spcAft>
+                      </a:pPr>
+                      <a:r>
+                        <a:rPr lang="ru-RU" sz="1400" b="0" dirty="0" smtClean="0">
+                          <a:effectLst/>
+                        </a:rPr>
+                        <a:t>Дополняет начало коллекции заданным элементом.</a:t>
+                      </a:r>
+                      <a:endParaRPr lang="en-US" sz="1400" dirty="0">
+                        <a:effectLst/>
+                        <a:latin typeface="Calibri"/>
+                        <a:ea typeface="Calibri"/>
+                        <a:cs typeface="Times New Roman"/>
+                      </a:endParaRPr>
+                    </a:p>
+                  </a:txBody>
+                  <a:tcPr marL="594" marR="594" marT="594" marB="594" anchor="ctr">
+                    <a:lnL w="12700" cap="flat" cmpd="sng" algn="ctr">
+                      <a:noFill/>
+                      <a:prstDash val="solid"/>
+                      <a:round/>
+                      <a:headEnd type="none" w="med" len="med"/>
+                      <a:tailEnd type="none" w="med" len="med"/>
+                    </a:lnL>
+                    <a:lnR w="12700" cap="flat" cmpd="sng" algn="ctr">
+                      <a:noFill/>
+                      <a:prstDash val="solid"/>
+                      <a:round/>
+                      <a:headEnd type="none" w="med" len="med"/>
+                      <a:tailEnd type="none" w="med" len="med"/>
+                    </a:lnR>
+                    <a:lnT w="12700" cap="flat" cmpd="sng" algn="ctr">
+                      <a:solidFill>
+                        <a:schemeClr val="tx1"/>
+                      </a:solidFill>
+                      <a:prstDash val="solid"/>
+                      <a:round/>
+                      <a:headEnd type="none" w="med" len="med"/>
+                      <a:tailEnd type="none" w="med" len="med"/>
+                    </a:lnT>
+                    <a:lnB w="12700" cap="flat" cmpd="sng" algn="ctr">
+                      <a:solidFill>
+                        <a:schemeClr val="tx1"/>
+                      </a:solidFill>
+                      <a:prstDash val="solid"/>
+                      <a:round/>
+                      <a:headEnd type="none" w="med" len="med"/>
+                      <a:tailEnd type="none" w="med" len="med"/>
+                    </a:lnB>
+                    <a:lnTlToBr w="12700" cmpd="sng">
+                      <a:noFill/>
+                      <a:prstDash val="solid"/>
+                    </a:lnTlToBr>
+                    <a:lnBlToTr w="12700" cmpd="sng">
+                      <a:noFill/>
+                      <a:prstDash val="solid"/>
+                    </a:lnBlToTr>
+                    <a:noFill/>
+                  </a:tcPr>
+                </a:tc>
+              </a:tr>
+            </a:tbl>
+          </a:graphicData>
+        </a:graphic>
+      </p:graphicFrame>
+    </p:spTree>
+    <p:extLst>
+      <p:ext uri="{BB962C8B-B14F-4D97-AF65-F5344CB8AC3E}">
+        <p14:creationId xmlns:p14="http://schemas.microsoft.com/office/powerpoint/2010/main" xmlns="" val="3913675265"/>
+      </p:ext>
+    </p:extLst>
+  </p:cSld>
+  <p:clrMapOvr>
+    <a:masterClrMapping/>
+  </p:clrMapOvr>
+  <p:timing>
+    <p:tnLst>
+      <p:par>
+        <p:cTn id="1" dur="indefinite" restart="never" nodeType="tmRoot"/>
+      </p:par>
+    </p:tnLst>
+  </p:timing>
+</p:sld>
+</file>
+
+<file path=ppt/slides/slide25.xml><?xml version="1.0" encoding="utf-8"?>
+<p:sld xmlns:a="http://schemas.openxmlformats.org/drawingml/2006/main" xmlns:r="http://schemas.openxmlformats.org/officeDocument/2006/relationships" xmlns:p="http://schemas.openxmlformats.org/presentationml/2006/main">
+  <p:cSld>
+    <p:spTree>
+      <p:nvGrpSpPr>
+        <p:cNvPr id="1" name=""/>
+        <p:cNvGrpSpPr/>
+        <p:nvPr/>
+      </p:nvGrpSpPr>
+      <p:grpSpPr>
+        <a:xfrm>
+          <a:off x="0" y="0"/>
+          <a:ext cx="0" cy="0"/>
+          <a:chOff x="0" y="0"/>
+          <a:chExt cx="0" cy="0"/>
+        </a:xfrm>
+      </p:grpSpPr>
+      <p:sp>
+        <p:nvSpPr>
+          <p:cNvPr id="2" name="Title 1"/>
+          <p:cNvSpPr>
+            <a:spLocks noGrp="1"/>
+          </p:cNvSpPr>
+          <p:nvPr>
+            <p:ph type="title"/>
+          </p:nvPr>
+        </p:nvSpPr>
+        <p:spPr>
+          <a:xfrm>
+            <a:off x="457200" y="-99392"/>
+            <a:ext cx="8229600" cy="1143000"/>
+          </a:xfrm>
+        </p:spPr>
+        <p:txBody>
+          <a:bodyPr/>
+          <a:lstStyle/>
+          <a:p>
+            <a:r>
+              <a:rPr lang="ru-RU" dirty="0"/>
+              <a:t>Методы </a:t>
+            </a:r>
+            <a:r>
+              <a:rPr lang="ru-RU" dirty="0" smtClean="0"/>
+              <a:t>из библиотеки </a:t>
+            </a:r>
+            <a:r>
+              <a:rPr lang="en-US" dirty="0" smtClean="0"/>
+              <a:t>morelinq</a:t>
+            </a:r>
+            <a:r>
+              <a:rPr lang="ru-RU" dirty="0" smtClean="0"/>
+              <a:t> </a:t>
+            </a:r>
+            <a:endParaRPr lang="en-US" dirty="0"/>
+          </a:p>
+        </p:txBody>
+      </p:sp>
+      <p:graphicFrame>
+        <p:nvGraphicFramePr>
           <p:cNvPr id="3" name="Table 2"/>
           <p:cNvGraphicFramePr>
             <a:graphicFrameLocks noGrp="1"/>
@@ -8237,7 +8443,7 @@
           <p:nvPr>
             <p:extLst>
               <p:ext uri="{D42A27DB-BD31-4B8C-83A1-F6EECF244321}">
-                <p14:modId xmlns:p14="http://schemas.microsoft.com/office/powerpoint/2010/main" val="734462515"/>
+                <p14:modId xmlns:p14="http://schemas.microsoft.com/office/powerpoint/2010/main" xmlns="" val="734462515"/>
               </p:ext>
             </p:extLst>
           </p:nvPr>
@@ -10143,7 +10349,7 @@
     </p:spTree>
     <p:extLst>
       <p:ext uri="{BB962C8B-B14F-4D97-AF65-F5344CB8AC3E}">
-        <p14:creationId xmlns:p14="http://schemas.microsoft.com/office/powerpoint/2010/main" val="11906281"/>
+        <p14:creationId xmlns:p14="http://schemas.microsoft.com/office/powerpoint/2010/main" xmlns="" val="11906281"/>
       </p:ext>
     </p:extLst>
   </p:cSld>
@@ -10328,13 +10534,20 @@
     </p:spTree>
     <p:extLst>
       <p:ext uri="{BB962C8B-B14F-4D97-AF65-F5344CB8AC3E}">
-        <p14:creationId xmlns:p14="http://schemas.microsoft.com/office/powerpoint/2010/main" val="655218848"/>
+        <p14:creationId xmlns:p14="http://schemas.microsoft.com/office/powerpoint/2010/main" xmlns="" val="655218848"/>
       </p:ext>
     </p:extLst>
   </p:cSld>
   <p:clrMapOvr>
     <a:masterClrMapping/>
   </p:clrMapOvr>
+  <p:timing>
+    <p:tnLst>
+      <p:par>
+        <p:cTn id="1" dur="indefinite" restart="never" nodeType="tmRoot"/>
+      </p:par>
+    </p:tnLst>
+  </p:timing>
 </p:sld>
 </file>
 
@@ -10452,7 +10665,7 @@
     </p:spTree>
     <p:extLst>
       <p:ext uri="{BB962C8B-B14F-4D97-AF65-F5344CB8AC3E}">
-        <p14:creationId xmlns:p14="http://schemas.microsoft.com/office/powerpoint/2010/main" val="3577814463"/>
+        <p14:creationId xmlns:p14="http://schemas.microsoft.com/office/powerpoint/2010/main" xmlns="" val="3577814463"/>
       </p:ext>
     </p:extLst>
   </p:cSld>
@@ -10590,7 +10803,7 @@
     </p:spTree>
     <p:extLst>
       <p:ext uri="{BB962C8B-B14F-4D97-AF65-F5344CB8AC3E}">
-        <p14:creationId xmlns:p14="http://schemas.microsoft.com/office/powerpoint/2010/main" val="3831311100"/>
+        <p14:creationId xmlns:p14="http://schemas.microsoft.com/office/powerpoint/2010/main" xmlns="" val="3831311100"/>
       </p:ext>
     </p:extLst>
   </p:cSld>
@@ -11434,13 +11647,20 @@
     </p:spTree>
     <p:extLst>
       <p:ext uri="{BB962C8B-B14F-4D97-AF65-F5344CB8AC3E}">
-        <p14:creationId xmlns:p14="http://schemas.microsoft.com/office/powerpoint/2010/main" val="1735524147"/>
+        <p14:creationId xmlns:p14="http://schemas.microsoft.com/office/powerpoint/2010/main" xmlns="" val="1735524147"/>
       </p:ext>
     </p:extLst>
   </p:cSld>
   <p:clrMapOvr>
     <a:masterClrMapping/>
   </p:clrMapOvr>
+  <p:timing>
+    <p:tnLst>
+      <p:par>
+        <p:cTn id="1" dur="indefinite" restart="never" nodeType="tmRoot"/>
+      </p:par>
+    </p:tnLst>
+  </p:timing>
 </p:sld>
 </file>
 
@@ -12127,13 +12347,20 @@
     </p:spTree>
     <p:extLst>
       <p:ext uri="{BB962C8B-B14F-4D97-AF65-F5344CB8AC3E}">
-        <p14:creationId xmlns:p14="http://schemas.microsoft.com/office/powerpoint/2010/main" val="844285275"/>
+        <p14:creationId xmlns:p14="http://schemas.microsoft.com/office/powerpoint/2010/main" xmlns="" val="844285275"/>
       </p:ext>
     </p:extLst>
   </p:cSld>
   <p:clrMapOvr>
     <a:masterClrMapping/>
   </p:clrMapOvr>
+  <p:timing>
+    <p:tnLst>
+      <p:par>
+        <p:cTn id="1" dur="indefinite" restart="never" nodeType="tmRoot"/>
+      </p:par>
+    </p:tnLst>
+  </p:timing>
 </p:sld>
 </file>
 
@@ -12206,13 +12433,20 @@
     </p:spTree>
     <p:extLst>
       <p:ext uri="{BB962C8B-B14F-4D97-AF65-F5344CB8AC3E}">
-        <p14:creationId xmlns:p14="http://schemas.microsoft.com/office/powerpoint/2010/main" val="3311498388"/>
+        <p14:creationId xmlns:p14="http://schemas.microsoft.com/office/powerpoint/2010/main" xmlns="" val="3311498388"/>
       </p:ext>
     </p:extLst>
   </p:cSld>
   <p:clrMapOvr>
     <a:masterClrMapping/>
   </p:clrMapOvr>
+  <p:timing>
+    <p:tnLst>
+      <p:par>
+        <p:cTn id="1" dur="indefinite" restart="never" nodeType="tmRoot"/>
+      </p:par>
+    </p:tnLst>
+  </p:timing>
 </p:sld>
 </file>
 
@@ -12605,7 +12839,7 @@
     </p:spTree>
     <p:extLst>
       <p:ext uri="{BB962C8B-B14F-4D97-AF65-F5344CB8AC3E}">
-        <p14:creationId xmlns:p14="http://schemas.microsoft.com/office/powerpoint/2010/main" val="3545898277"/>
+        <p14:creationId xmlns:p14="http://schemas.microsoft.com/office/powerpoint/2010/main" xmlns="" val="3545898277"/>
       </p:ext>
     </p:extLst>
   </p:cSld>

--- a/Presentation/lesson-11-linq.pptx
+++ b/Presentation/lesson-11-linq.pptx
@@ -217,7 +217,7 @@
             <a:fld id="{B24A7054-7FFB-49F4-A126-5DF6E687FF53}" type="datetimeFigureOut">
               <a:rPr lang="ru-RU" smtClean="0"/>
               <a:pPr/>
-              <a:t>26.03.2014</a:t>
+              <a:t>09.04.2014</a:t>
             </a:fld>
             <a:endParaRPr lang="ru-RU"/>
           </a:p>
@@ -386,7 +386,7 @@
     </p:spTree>
     <p:extLst>
       <p:ext uri="{BB962C8B-B14F-4D97-AF65-F5344CB8AC3E}">
-        <p14:creationId xmlns:p14="http://schemas.microsoft.com/office/powerpoint/2010/main" xmlns="" val="4256143093"/>
+        <p14:creationId xmlns:p14="http://schemas.microsoft.com/office/powerpoint/2010/main" val="4256143093"/>
       </p:ext>
     </p:extLst>
   </p:cSld>
@@ -561,7 +561,7 @@
           <a:blip r:embed="rId2" cstate="print">
             <a:extLst>
               <a:ext uri="{28A0092B-C50C-407E-A947-70E740481C1C}">
-                <a14:useLocalDpi xmlns:a14="http://schemas.microsoft.com/office/drawing/2010/main" xmlns="" val="0"/>
+                <a14:useLocalDpi xmlns:a14="http://schemas.microsoft.com/office/drawing/2010/main" val="0"/>
               </a:ext>
             </a:extLst>
           </a:blip>
@@ -585,14 +585,14 @@
           <a:effectLst/>
           <a:extLst>
             <a:ext uri="{909E8E84-426E-40DD-AFC4-6F175D3DCCD1}">
-              <a14:hiddenFill xmlns:a14="http://schemas.microsoft.com/office/drawing/2010/main" xmlns="">
+              <a14:hiddenFill xmlns:a14="http://schemas.microsoft.com/office/drawing/2010/main">
                 <a:solidFill>
                   <a:schemeClr val="accent1"/>
                 </a:solidFill>
               </a14:hiddenFill>
             </a:ext>
             <a:ext uri="{91240B29-F687-4F45-9708-019B960494DF}">
-              <a14:hiddenLine xmlns:a14="http://schemas.microsoft.com/office/drawing/2010/main" xmlns="" w="9525">
+              <a14:hiddenLine xmlns:a14="http://schemas.microsoft.com/office/drawing/2010/main" w="9525">
                 <a:solidFill>
                   <a:schemeClr val="tx1"/>
                 </a:solidFill>
@@ -602,7 +602,7 @@
               </a14:hiddenLine>
             </a:ext>
             <a:ext uri="{AF507438-7753-43E0-B8FC-AC1667EBCBE1}">
-              <a14:hiddenEffects xmlns:a14="http://schemas.microsoft.com/office/drawing/2010/main" xmlns="">
+              <a14:hiddenEffects xmlns:a14="http://schemas.microsoft.com/office/drawing/2010/main">
                 <a:effectLst>
                   <a:outerShdw dist="35921" dir="2700000" algn="ctr" rotWithShape="0">
                     <a:schemeClr val="bg2"/>
@@ -678,7 +678,7 @@
     </p:spTree>
     <p:extLst>
       <p:ext uri="{BB962C8B-B14F-4D97-AF65-F5344CB8AC3E}">
-        <p14:creationId xmlns:p14="http://schemas.microsoft.com/office/powerpoint/2010/main" xmlns="" val="2062725571"/>
+        <p14:creationId xmlns:p14="http://schemas.microsoft.com/office/powerpoint/2010/main" val="2062725571"/>
       </p:ext>
     </p:extLst>
   </p:cSld>
@@ -897,7 +897,7 @@
     </p:spTree>
     <p:extLst>
       <p:ext uri="{BB962C8B-B14F-4D97-AF65-F5344CB8AC3E}">
-        <p14:creationId xmlns:p14="http://schemas.microsoft.com/office/powerpoint/2010/main" xmlns="" val="4043488563"/>
+        <p14:creationId xmlns:p14="http://schemas.microsoft.com/office/powerpoint/2010/main" val="4043488563"/>
       </p:ext>
     </p:extLst>
   </p:cSld>
@@ -1089,7 +1089,7 @@
     </p:spTree>
     <p:extLst>
       <p:ext uri="{BB962C8B-B14F-4D97-AF65-F5344CB8AC3E}">
-        <p14:creationId xmlns:p14="http://schemas.microsoft.com/office/powerpoint/2010/main" xmlns="" val="2103675460"/>
+        <p14:creationId xmlns:p14="http://schemas.microsoft.com/office/powerpoint/2010/main" val="2103675460"/>
       </p:ext>
     </p:extLst>
   </p:cSld>
@@ -1194,7 +1194,7 @@
     </p:spTree>
     <p:extLst>
       <p:ext uri="{BB962C8B-B14F-4D97-AF65-F5344CB8AC3E}">
-        <p14:creationId xmlns:p14="http://schemas.microsoft.com/office/powerpoint/2010/main" xmlns="" val="2015559697"/>
+        <p14:creationId xmlns:p14="http://schemas.microsoft.com/office/powerpoint/2010/main" val="2015559697"/>
       </p:ext>
     </p:extLst>
   </p:cSld>
@@ -1309,7 +1309,7 @@
     </p:spTree>
     <p:extLst>
       <p:ext uri="{BB962C8B-B14F-4D97-AF65-F5344CB8AC3E}">
-        <p14:creationId xmlns:p14="http://schemas.microsoft.com/office/powerpoint/2010/main" xmlns="" val="370514854"/>
+        <p14:creationId xmlns:p14="http://schemas.microsoft.com/office/powerpoint/2010/main" val="370514854"/>
       </p:ext>
     </p:extLst>
   </p:cSld>
@@ -1501,7 +1501,7 @@
             <a:fld id="{8E6E6A2A-E9D3-4A0D-B04A-ABDD367A1E08}" type="datetimeFigureOut">
               <a:rPr lang="ru-RU" smtClean="0"/>
               <a:pPr/>
-              <a:t>26.03.2014</a:t>
+              <a:t>09.04.2014</a:t>
             </a:fld>
             <a:endParaRPr lang="ru-RU"/>
           </a:p>
@@ -1553,7 +1553,7 @@
     </p:spTree>
     <p:extLst>
       <p:ext uri="{BB962C8B-B14F-4D97-AF65-F5344CB8AC3E}">
-        <p14:creationId xmlns:p14="http://schemas.microsoft.com/office/powerpoint/2010/main" xmlns="" val="1104335692"/>
+        <p14:creationId xmlns:p14="http://schemas.microsoft.com/office/powerpoint/2010/main" val="1104335692"/>
       </p:ext>
     </p:extLst>
   </p:cSld>
@@ -1700,7 +1700,7 @@
           <a:blip r:embed="rId2" cstate="print">
             <a:extLst>
               <a:ext uri="{28A0092B-C50C-407E-A947-70E740481C1C}">
-                <a14:useLocalDpi xmlns:a14="http://schemas.microsoft.com/office/drawing/2010/main" xmlns="" val="0"/>
+                <a14:useLocalDpi xmlns:a14="http://schemas.microsoft.com/office/drawing/2010/main" val="0"/>
               </a:ext>
             </a:extLst>
           </a:blip>
@@ -1724,14 +1724,14 @@
           <a:effectLst/>
           <a:extLst>
             <a:ext uri="{909E8E84-426E-40DD-AFC4-6F175D3DCCD1}">
-              <a14:hiddenFill xmlns:a14="http://schemas.microsoft.com/office/drawing/2010/main" xmlns="">
+              <a14:hiddenFill xmlns:a14="http://schemas.microsoft.com/office/drawing/2010/main">
                 <a:solidFill>
                   <a:schemeClr val="accent1"/>
                 </a:solidFill>
               </a14:hiddenFill>
             </a:ext>
             <a:ext uri="{91240B29-F687-4F45-9708-019B960494DF}">
-              <a14:hiddenLine xmlns:a14="http://schemas.microsoft.com/office/drawing/2010/main" xmlns="" w="9525">
+              <a14:hiddenLine xmlns:a14="http://schemas.microsoft.com/office/drawing/2010/main" w="9525">
                 <a:solidFill>
                   <a:schemeClr val="tx1"/>
                 </a:solidFill>
@@ -1741,7 +1741,7 @@
               </a14:hiddenLine>
             </a:ext>
             <a:ext uri="{AF507438-7753-43E0-B8FC-AC1667EBCBE1}">
-              <a14:hiddenEffects xmlns:a14="http://schemas.microsoft.com/office/drawing/2010/main" xmlns="">
+              <a14:hiddenEffects xmlns:a14="http://schemas.microsoft.com/office/drawing/2010/main">
                 <a:effectLst>
                   <a:outerShdw dist="35921" dir="2700000" algn="ctr" rotWithShape="0">
                     <a:schemeClr val="bg2"/>
@@ -1755,7 +1755,7 @@
     </p:spTree>
     <p:extLst>
       <p:ext uri="{BB962C8B-B14F-4D97-AF65-F5344CB8AC3E}">
-        <p14:creationId xmlns:p14="http://schemas.microsoft.com/office/powerpoint/2010/main" xmlns="" val="3296324981"/>
+        <p14:creationId xmlns:p14="http://schemas.microsoft.com/office/powerpoint/2010/main" val="3296324981"/>
       </p:ext>
     </p:extLst>
   </p:cSld>
@@ -1867,7 +1867,7 @@
     </p:spTree>
     <p:extLst>
       <p:ext uri="{BB962C8B-B14F-4D97-AF65-F5344CB8AC3E}">
-        <p14:creationId xmlns:p14="http://schemas.microsoft.com/office/powerpoint/2010/main" xmlns="" val="3363467697"/>
+        <p14:creationId xmlns:p14="http://schemas.microsoft.com/office/powerpoint/2010/main" val="3363467697"/>
       </p:ext>
     </p:extLst>
   </p:cSld>
@@ -2048,7 +2048,7 @@
     </p:spTree>
     <p:extLst>
       <p:ext uri="{BB962C8B-B14F-4D97-AF65-F5344CB8AC3E}">
-        <p14:creationId xmlns:p14="http://schemas.microsoft.com/office/powerpoint/2010/main" xmlns="" val="1627150216"/>
+        <p14:creationId xmlns:p14="http://schemas.microsoft.com/office/powerpoint/2010/main" val="1627150216"/>
       </p:ext>
     </p:extLst>
   </p:cSld>
@@ -2271,7 +2271,7 @@
     </p:spTree>
     <p:extLst>
       <p:ext uri="{BB962C8B-B14F-4D97-AF65-F5344CB8AC3E}">
-        <p14:creationId xmlns:p14="http://schemas.microsoft.com/office/powerpoint/2010/main" xmlns="" val="1026234569"/>
+        <p14:creationId xmlns:p14="http://schemas.microsoft.com/office/powerpoint/2010/main" val="1026234569"/>
       </p:ext>
     </p:extLst>
   </p:cSld>
@@ -2628,7 +2628,7 @@
     </p:spTree>
     <p:extLst>
       <p:ext uri="{BB962C8B-B14F-4D97-AF65-F5344CB8AC3E}">
-        <p14:creationId xmlns:p14="http://schemas.microsoft.com/office/powerpoint/2010/main" xmlns="" val="4044979405"/>
+        <p14:creationId xmlns:p14="http://schemas.microsoft.com/office/powerpoint/2010/main" val="4044979405"/>
       </p:ext>
     </p:extLst>
   </p:cSld>
@@ -2681,7 +2681,7 @@
     </p:spTree>
     <p:extLst>
       <p:ext uri="{BB962C8B-B14F-4D97-AF65-F5344CB8AC3E}">
-        <p14:creationId xmlns:p14="http://schemas.microsoft.com/office/powerpoint/2010/main" xmlns="" val="125202666"/>
+        <p14:creationId xmlns:p14="http://schemas.microsoft.com/office/powerpoint/2010/main" val="125202666"/>
       </p:ext>
     </p:extLst>
   </p:cSld>
@@ -2746,7 +2746,7 @@
     </p:spTree>
     <p:extLst>
       <p:ext uri="{BB962C8B-B14F-4D97-AF65-F5344CB8AC3E}">
-        <p14:creationId xmlns:p14="http://schemas.microsoft.com/office/powerpoint/2010/main" xmlns="" val="3308008441"/>
+        <p14:creationId xmlns:p14="http://schemas.microsoft.com/office/powerpoint/2010/main" val="3308008441"/>
       </p:ext>
     </p:extLst>
   </p:cSld>
@@ -2776,7 +2776,7 @@
     </p:spTree>
     <p:extLst>
       <p:ext uri="{BB962C8B-B14F-4D97-AF65-F5344CB8AC3E}">
-        <p14:creationId xmlns:p14="http://schemas.microsoft.com/office/powerpoint/2010/main" xmlns="" val="2618453949"/>
+        <p14:creationId xmlns:p14="http://schemas.microsoft.com/office/powerpoint/2010/main" val="2618453949"/>
       </p:ext>
     </p:extLst>
   </p:cSld>
@@ -2948,7 +2948,7 @@
             <a:fld id="{AC3D3127-B7C4-45E3-9797-C527EC9FDD78}" type="datetimeFigureOut">
               <a:rPr lang="ru-RU" smtClean="0"/>
               <a:pPr/>
-              <a:t>26.03.2014</a:t>
+              <a:t>09.04.2014</a:t>
             </a:fld>
             <a:endParaRPr lang="ru-RU"/>
           </a:p>
@@ -3036,7 +3036,7 @@
     </p:spTree>
     <p:extLst>
       <p:ext uri="{BB962C8B-B14F-4D97-AF65-F5344CB8AC3E}">
-        <p14:creationId xmlns:p14="http://schemas.microsoft.com/office/powerpoint/2010/main" xmlns="" val="995537454"/>
+        <p14:creationId xmlns:p14="http://schemas.microsoft.com/office/powerpoint/2010/main" val="995537454"/>
       </p:ext>
     </p:extLst>
   </p:cSld>
@@ -3392,7 +3392,7 @@
           <a:blip r:embed="rId2" cstate="print">
             <a:extLst>
               <a:ext uri="{28A0092B-C50C-407E-A947-70E740481C1C}">
-                <a14:useLocalDpi xmlns:a14="http://schemas.microsoft.com/office/drawing/2010/main" xmlns="" val="0"/>
+                <a14:useLocalDpi xmlns:a14="http://schemas.microsoft.com/office/drawing/2010/main" val="0"/>
               </a:ext>
             </a:extLst>
           </a:blip>
@@ -3416,14 +3416,14 @@
           <a:effectLst/>
           <a:extLst>
             <a:ext uri="{909E8E84-426E-40DD-AFC4-6F175D3DCCD1}">
-              <a14:hiddenFill xmlns:a14="http://schemas.microsoft.com/office/drawing/2010/main" xmlns="">
+              <a14:hiddenFill xmlns:a14="http://schemas.microsoft.com/office/drawing/2010/main">
                 <a:solidFill>
                   <a:schemeClr val="accent1"/>
                 </a:solidFill>
               </a14:hiddenFill>
             </a:ext>
             <a:ext uri="{91240B29-F687-4F45-9708-019B960494DF}">
-              <a14:hiddenLine xmlns:a14="http://schemas.microsoft.com/office/drawing/2010/main" xmlns="" w="9525">
+              <a14:hiddenLine xmlns:a14="http://schemas.microsoft.com/office/drawing/2010/main" w="9525">
                 <a:solidFill>
                   <a:schemeClr val="tx1"/>
                 </a:solidFill>
@@ -3433,7 +3433,7 @@
               </a14:hiddenLine>
             </a:ext>
             <a:ext uri="{AF507438-7753-43E0-B8FC-AC1667EBCBE1}">
-              <a14:hiddenEffects xmlns:a14="http://schemas.microsoft.com/office/drawing/2010/main" xmlns="">
+              <a14:hiddenEffects xmlns:a14="http://schemas.microsoft.com/office/drawing/2010/main">
                 <a:effectLst>
                   <a:outerShdw dist="35921" dir="2700000" algn="ctr" rotWithShape="0">
                     <a:schemeClr val="bg2"/>
@@ -3518,7 +3518,7 @@
     </p:spTree>
     <p:extLst>
       <p:ext uri="{BB962C8B-B14F-4D97-AF65-F5344CB8AC3E}">
-        <p14:creationId xmlns:p14="http://schemas.microsoft.com/office/powerpoint/2010/main" xmlns="" val="2151619624"/>
+        <p14:creationId xmlns:p14="http://schemas.microsoft.com/office/powerpoint/2010/main" val="2151619624"/>
       </p:ext>
     </p:extLst>
   </p:cSld>
@@ -3685,7 +3685,7 @@
     </p:spTree>
     <p:extLst>
       <p:ext uri="{BB962C8B-B14F-4D97-AF65-F5344CB8AC3E}">
-        <p14:creationId xmlns:p14="http://schemas.microsoft.com/office/powerpoint/2010/main" xmlns="" val="3539412357"/>
+        <p14:creationId xmlns:p14="http://schemas.microsoft.com/office/powerpoint/2010/main" val="3539412357"/>
       </p:ext>
     </p:extLst>
   </p:cSld>
@@ -3785,7 +3785,7 @@
     </p:spTree>
     <p:extLst>
       <p:ext uri="{BB962C8B-B14F-4D97-AF65-F5344CB8AC3E}">
-        <p14:creationId xmlns:p14="http://schemas.microsoft.com/office/powerpoint/2010/main" xmlns="" val="375333521"/>
+        <p14:creationId xmlns:p14="http://schemas.microsoft.com/office/powerpoint/2010/main" val="375333521"/>
       </p:ext>
     </p:extLst>
   </p:cSld>
@@ -3898,7 +3898,7 @@
     </p:spTree>
     <p:extLst>
       <p:ext uri="{BB962C8B-B14F-4D97-AF65-F5344CB8AC3E}">
-        <p14:creationId xmlns:p14="http://schemas.microsoft.com/office/powerpoint/2010/main" xmlns="" val="2250229024"/>
+        <p14:creationId xmlns:p14="http://schemas.microsoft.com/office/powerpoint/2010/main" val="2250229024"/>
       </p:ext>
     </p:extLst>
   </p:cSld>
@@ -3996,7 +3996,7 @@
     </p:spTree>
     <p:extLst>
       <p:ext uri="{BB962C8B-B14F-4D97-AF65-F5344CB8AC3E}">
-        <p14:creationId xmlns:p14="http://schemas.microsoft.com/office/powerpoint/2010/main" xmlns="" val="3785344664"/>
+        <p14:creationId xmlns:p14="http://schemas.microsoft.com/office/powerpoint/2010/main" val="3785344664"/>
       </p:ext>
     </p:extLst>
   </p:cSld>
@@ -4086,7 +4086,7 @@
     </p:spTree>
     <p:extLst>
       <p:ext uri="{BB962C8B-B14F-4D97-AF65-F5344CB8AC3E}">
-        <p14:creationId xmlns:p14="http://schemas.microsoft.com/office/powerpoint/2010/main" xmlns="" val="3785344664"/>
+        <p14:creationId xmlns:p14="http://schemas.microsoft.com/office/powerpoint/2010/main" val="3785344664"/>
       </p:ext>
     </p:extLst>
   </p:cSld>
@@ -4376,7 +4376,7 @@
     </p:spTree>
     <p:extLst>
       <p:ext uri="{BB962C8B-B14F-4D97-AF65-F5344CB8AC3E}">
-        <p14:creationId xmlns:p14="http://schemas.microsoft.com/office/powerpoint/2010/main" xmlns="" val="1695211947"/>
+        <p14:creationId xmlns:p14="http://schemas.microsoft.com/office/powerpoint/2010/main" val="1695211947"/>
       </p:ext>
     </p:extLst>
   </p:cSld>
@@ -4545,7 +4545,7 @@
     </p:spTree>
     <p:extLst>
       <p:ext uri="{BB962C8B-B14F-4D97-AF65-F5344CB8AC3E}">
-        <p14:creationId xmlns:p14="http://schemas.microsoft.com/office/powerpoint/2010/main" xmlns="" val="821585920"/>
+        <p14:creationId xmlns:p14="http://schemas.microsoft.com/office/powerpoint/2010/main" val="821585920"/>
       </p:ext>
     </p:extLst>
   </p:cSld>
@@ -4672,7 +4672,7 @@
     </p:spTree>
     <p:extLst>
       <p:ext uri="{BB962C8B-B14F-4D97-AF65-F5344CB8AC3E}">
-        <p14:creationId xmlns:p14="http://schemas.microsoft.com/office/powerpoint/2010/main" xmlns="" val="1166576302"/>
+        <p14:creationId xmlns:p14="http://schemas.microsoft.com/office/powerpoint/2010/main" val="1166576302"/>
       </p:ext>
     </p:extLst>
   </p:cSld>
@@ -4773,11 +4773,7 @@
           <a:p>
             <a:r>
               <a:rPr lang="en-US" dirty="0" smtClean="0"/>
-              <a:t>Contains</a:t>
-            </a:r>
-            <a:r>
-              <a:rPr lang="en-US" dirty="0" smtClean="0"/>
-              <a:t>()</a:t>
+              <a:t>Contains()</a:t>
             </a:r>
             <a:endParaRPr lang="en-US" dirty="0"/>
           </a:p>
@@ -4786,7 +4782,7 @@
     </p:spTree>
     <p:extLst>
       <p:ext uri="{BB962C8B-B14F-4D97-AF65-F5344CB8AC3E}">
-        <p14:creationId xmlns:p14="http://schemas.microsoft.com/office/powerpoint/2010/main" xmlns="" val="1447848696"/>
+        <p14:creationId xmlns:p14="http://schemas.microsoft.com/office/powerpoint/2010/main" val="1447848696"/>
       </p:ext>
     </p:extLst>
   </p:cSld>
@@ -4915,7 +4911,7 @@
     </p:spTree>
     <p:extLst>
       <p:ext uri="{BB962C8B-B14F-4D97-AF65-F5344CB8AC3E}">
-        <p14:creationId xmlns:p14="http://schemas.microsoft.com/office/powerpoint/2010/main" xmlns="" val="384543663"/>
+        <p14:creationId xmlns:p14="http://schemas.microsoft.com/office/powerpoint/2010/main" val="384543663"/>
       </p:ext>
     </p:extLst>
   </p:cSld>
@@ -4998,7 +4994,7 @@
     </p:spTree>
     <p:extLst>
       <p:ext uri="{BB962C8B-B14F-4D97-AF65-F5344CB8AC3E}">
-        <p14:creationId xmlns:p14="http://schemas.microsoft.com/office/powerpoint/2010/main" xmlns="" val="4100190931"/>
+        <p14:creationId xmlns:p14="http://schemas.microsoft.com/office/powerpoint/2010/main" val="4100190931"/>
       </p:ext>
     </p:extLst>
   </p:cSld>
@@ -5096,11 +5092,7 @@
           <a:p>
             <a:r>
               <a:rPr lang="en-US" dirty="0" smtClean="0"/>
-              <a:t>Count</a:t>
-            </a:r>
-            <a:r>
-              <a:rPr lang="en-US" dirty="0" smtClean="0"/>
-              <a:t>()</a:t>
+              <a:t>Count()</a:t>
             </a:r>
             <a:r>
               <a:rPr lang="ru-RU" dirty="0" smtClean="0"/>
@@ -5199,7 +5191,7 @@
     </p:spTree>
     <p:extLst>
       <p:ext uri="{BB962C8B-B14F-4D97-AF65-F5344CB8AC3E}">
-        <p14:creationId xmlns:p14="http://schemas.microsoft.com/office/powerpoint/2010/main" xmlns="" val="2856452905"/>
+        <p14:creationId xmlns:p14="http://schemas.microsoft.com/office/powerpoint/2010/main" val="2856452905"/>
       </p:ext>
     </p:extLst>
   </p:cSld>
@@ -5460,7 +5452,7 @@
     </p:spTree>
     <p:extLst>
       <p:ext uri="{BB962C8B-B14F-4D97-AF65-F5344CB8AC3E}">
-        <p14:creationId xmlns:p14="http://schemas.microsoft.com/office/powerpoint/2010/main" xmlns="" val="2294722203"/>
+        <p14:creationId xmlns:p14="http://schemas.microsoft.com/office/powerpoint/2010/main" val="2294722203"/>
       </p:ext>
     </p:extLst>
   </p:cSld>
@@ -5514,7 +5506,7 @@
           <a:blip r:embed="rId2" cstate="print">
             <a:extLst>
               <a:ext uri="{28A0092B-C50C-407E-A947-70E740481C1C}">
-                <a14:useLocalDpi xmlns:a14="http://schemas.microsoft.com/office/drawing/2010/main" xmlns="" val="0"/>
+                <a14:useLocalDpi xmlns:a14="http://schemas.microsoft.com/office/drawing/2010/main" val="0"/>
               </a:ext>
             </a:extLst>
           </a:blip>
@@ -5538,14 +5530,14 @@
           <a:effectLst/>
           <a:extLst>
             <a:ext uri="{909E8E84-426E-40DD-AFC4-6F175D3DCCD1}">
-              <a14:hiddenFill xmlns:a14="http://schemas.microsoft.com/office/drawing/2010/main" xmlns="">
+              <a14:hiddenFill xmlns:a14="http://schemas.microsoft.com/office/drawing/2010/main">
                 <a:solidFill>
                   <a:schemeClr val="accent1"/>
                 </a:solidFill>
               </a14:hiddenFill>
             </a:ext>
             <a:ext uri="{91240B29-F687-4F45-9708-019B960494DF}">
-              <a14:hiddenLine xmlns:a14="http://schemas.microsoft.com/office/drawing/2010/main" xmlns="" w="9525">
+              <a14:hiddenLine xmlns:a14="http://schemas.microsoft.com/office/drawing/2010/main" w="9525">
                 <a:solidFill>
                   <a:schemeClr val="tx1"/>
                 </a:solidFill>
@@ -5555,7 +5547,7 @@
               </a14:hiddenLine>
             </a:ext>
             <a:ext uri="{AF507438-7753-43E0-B8FC-AC1667EBCBE1}">
-              <a14:hiddenEffects xmlns:a14="http://schemas.microsoft.com/office/drawing/2010/main" xmlns="">
+              <a14:hiddenEffects xmlns:a14="http://schemas.microsoft.com/office/drawing/2010/main">
                 <a:effectLst>
                   <a:outerShdw dist="35921" dir="2700000" algn="ctr" rotWithShape="0">
                     <a:schemeClr val="bg2"/>
@@ -5569,7 +5561,7 @@
     </p:spTree>
     <p:extLst>
       <p:ext uri="{BB962C8B-B14F-4D97-AF65-F5344CB8AC3E}">
-        <p14:creationId xmlns:p14="http://schemas.microsoft.com/office/powerpoint/2010/main" xmlns="" val="1377556597"/>
+        <p14:creationId xmlns:p14="http://schemas.microsoft.com/office/powerpoint/2010/main" val="1377556597"/>
       </p:ext>
     </p:extLst>
   </p:cSld>
@@ -5728,7 +5720,7 @@
     </p:spTree>
     <p:extLst>
       <p:ext uri="{BB962C8B-B14F-4D97-AF65-F5344CB8AC3E}">
-        <p14:creationId xmlns:p14="http://schemas.microsoft.com/office/powerpoint/2010/main" xmlns="" val="1834671459"/>
+        <p14:creationId xmlns:p14="http://schemas.microsoft.com/office/powerpoint/2010/main" val="1834671459"/>
       </p:ext>
     </p:extLst>
   </p:cSld>
@@ -5811,7 +5803,7 @@
           <p:nvPr>
             <p:extLst>
               <p:ext uri="{D42A27DB-BD31-4B8C-83A1-F6EECF244321}">
-                <p14:modId xmlns:p14="http://schemas.microsoft.com/office/powerpoint/2010/main" xmlns="" val="995054926"/>
+                <p14:modId xmlns:p14="http://schemas.microsoft.com/office/powerpoint/2010/main" val="995054926"/>
               </p:ext>
             </p:extLst>
           </p:nvPr>
@@ -8360,7 +8352,7 @@
     </p:spTree>
     <p:extLst>
       <p:ext uri="{BB962C8B-B14F-4D97-AF65-F5344CB8AC3E}">
-        <p14:creationId xmlns:p14="http://schemas.microsoft.com/office/powerpoint/2010/main" xmlns="" val="3913675265"/>
+        <p14:creationId xmlns:p14="http://schemas.microsoft.com/office/powerpoint/2010/main" val="3913675265"/>
       </p:ext>
     </p:extLst>
   </p:cSld>
@@ -8443,7 +8435,7 @@
           <p:nvPr>
             <p:extLst>
               <p:ext uri="{D42A27DB-BD31-4B8C-83A1-F6EECF244321}">
-                <p14:modId xmlns:p14="http://schemas.microsoft.com/office/powerpoint/2010/main" xmlns="" val="734462515"/>
+                <p14:modId xmlns:p14="http://schemas.microsoft.com/office/powerpoint/2010/main" val="734462515"/>
               </p:ext>
             </p:extLst>
           </p:nvPr>
@@ -10349,7 +10341,7 @@
     </p:spTree>
     <p:extLst>
       <p:ext uri="{BB962C8B-B14F-4D97-AF65-F5344CB8AC3E}">
-        <p14:creationId xmlns:p14="http://schemas.microsoft.com/office/powerpoint/2010/main" xmlns="" val="11906281"/>
+        <p14:creationId xmlns:p14="http://schemas.microsoft.com/office/powerpoint/2010/main" val="11906281"/>
       </p:ext>
     </p:extLst>
   </p:cSld>
@@ -10534,7 +10526,7 @@
     </p:spTree>
     <p:extLst>
       <p:ext uri="{BB962C8B-B14F-4D97-AF65-F5344CB8AC3E}">
-        <p14:creationId xmlns:p14="http://schemas.microsoft.com/office/powerpoint/2010/main" xmlns="" val="655218848"/>
+        <p14:creationId xmlns:p14="http://schemas.microsoft.com/office/powerpoint/2010/main" val="655218848"/>
       </p:ext>
     </p:extLst>
   </p:cSld>
@@ -10665,7 +10657,7 @@
     </p:spTree>
     <p:extLst>
       <p:ext uri="{BB962C8B-B14F-4D97-AF65-F5344CB8AC3E}">
-        <p14:creationId xmlns:p14="http://schemas.microsoft.com/office/powerpoint/2010/main" xmlns="" val="3577814463"/>
+        <p14:creationId xmlns:p14="http://schemas.microsoft.com/office/powerpoint/2010/main" val="3577814463"/>
       </p:ext>
     </p:extLst>
   </p:cSld>
@@ -10803,7 +10795,7 @@
     </p:spTree>
     <p:extLst>
       <p:ext uri="{BB962C8B-B14F-4D97-AF65-F5344CB8AC3E}">
-        <p14:creationId xmlns:p14="http://schemas.microsoft.com/office/powerpoint/2010/main" xmlns="" val="3831311100"/>
+        <p14:creationId xmlns:p14="http://schemas.microsoft.com/office/powerpoint/2010/main" val="3831311100"/>
       </p:ext>
     </p:extLst>
   </p:cSld>
@@ -11242,6 +11234,56 @@
               </a:rPr>
               <a:t>{</a:t>
             </a:r>
+          </a:p>
+          <a:p>
+            <a:pPr marL="0" indent="0">
+              <a:buNone/>
+            </a:pPr>
+            <a:r>
+              <a:rPr lang="en-US" sz="1400" dirty="0" smtClean="0">
+                <a:solidFill>
+                  <a:srgbClr val="008000"/>
+                </a:solidFill>
+                <a:latin typeface="Consolas"/>
+              </a:rPr>
+              <a:t>          </a:t>
+            </a:r>
+            <a:r>
+              <a:rPr lang="ru-RU" sz="1400" dirty="0" smtClean="0">
+                <a:solidFill>
+                  <a:srgbClr val="008000"/>
+                </a:solidFill>
+                <a:latin typeface="Consolas"/>
+              </a:rPr>
+              <a:t>// См. </a:t>
+            </a:r>
+            <a:r>
+              <a:rPr lang="ru-RU" sz="1400" dirty="0">
+                <a:solidFill>
+                  <a:srgbClr val="008000"/>
+                </a:solidFill>
+                <a:latin typeface="Consolas"/>
+              </a:rPr>
+              <a:t>к</a:t>
+            </a:r>
+            <a:r>
+              <a:rPr lang="ru-RU" sz="1400" dirty="0" smtClean="0">
+                <a:solidFill>
+                  <a:srgbClr val="008000"/>
+                </a:solidFill>
+                <a:latin typeface="Consolas"/>
+              </a:rPr>
+              <a:t>омментарий на следующем слайде о ключевом слове </a:t>
+            </a:r>
+            <a:r>
+              <a:rPr lang="en-US" sz="1400" dirty="0" smtClean="0">
+                <a:solidFill>
+                  <a:srgbClr val="008000"/>
+                </a:solidFill>
+                <a:latin typeface="Consolas"/>
+              </a:rPr>
+              <a:t>checked</a:t>
+            </a:r>
             <a:endParaRPr lang="en-US" sz="1500" dirty="0">
               <a:solidFill>
                 <a:srgbClr val="000000"/>
@@ -11287,11 +11329,29 @@
                 </a:solidFill>
                 <a:latin typeface="Consolas"/>
               </a:rPr>
-              <a:t>] = numbers[i-</a:t>
+              <a:t>] = </a:t>
             </a:r>
             <a:r>
               <a:rPr lang="en-US" sz="1500" dirty="0">
                 <a:solidFill>
+                  <a:srgbClr val="0000FF"/>
+                </a:solidFill>
+                <a:latin typeface="Consolas"/>
+              </a:rPr>
+              <a:t>checked</a:t>
+            </a:r>
+            <a:r>
+              <a:rPr lang="en-US" sz="1500" dirty="0" smtClean="0">
+                <a:solidFill>
+                  <a:srgbClr val="000000"/>
+                </a:solidFill>
+                <a:latin typeface="Consolas"/>
+              </a:rPr>
+              <a:t>(numbers[i-</a:t>
+            </a:r>
+            <a:r>
+              <a:rPr lang="en-US" sz="1500" dirty="0" smtClean="0">
+                <a:solidFill>
                   <a:srgbClr val="C81EFA"/>
                 </a:solidFill>
                 <a:latin typeface="Consolas"/>
@@ -11305,8 +11365,23 @@
                 </a:solidFill>
                 <a:latin typeface="Consolas"/>
               </a:rPr>
-              <a:t>] + step;</a:t>
-            </a:r>
+              <a:t>] + </a:t>
+            </a:r>
+            <a:r>
+              <a:rPr lang="en-US" sz="1500" dirty="0" smtClean="0">
+                <a:solidFill>
+                  <a:srgbClr val="000000"/>
+                </a:solidFill>
+                <a:latin typeface="Consolas"/>
+              </a:rPr>
+              <a:t>step);</a:t>
+            </a:r>
+            <a:endParaRPr lang="en-US" sz="1500" dirty="0">
+              <a:solidFill>
+                <a:srgbClr val="000000"/>
+              </a:solidFill>
+              <a:latin typeface="Consolas"/>
+            </a:endParaRPr>
           </a:p>
           <a:p>
             <a:pPr marL="0" indent="0">
@@ -11408,7 +11483,7 @@
               <a:buNone/>
             </a:pPr>
             <a:r>
-              <a:rPr lang="en-US" sz="1500" dirty="0" err="1">
+              <a:rPr lang="en-US" sz="1500" dirty="0" err="1" smtClean="0">
                 <a:solidFill>
                   <a:srgbClr val="0000FF"/>
                 </a:solidFill>
@@ -11417,7 +11492,7 @@
               <a:t>foreach</a:t>
             </a:r>
             <a:r>
-              <a:rPr lang="en-US" sz="1500" dirty="0">
+              <a:rPr lang="en-US" sz="1500" dirty="0" smtClean="0">
                 <a:solidFill>
                   <a:srgbClr val="000000"/>
                 </a:solidFill>
@@ -11426,7 +11501,7 @@
               <a:t> (</a:t>
             </a:r>
             <a:r>
-              <a:rPr lang="en-US" sz="1500" dirty="0" err="1">
+              <a:rPr lang="en-US" sz="1500" dirty="0" err="1" smtClean="0">
                 <a:solidFill>
                   <a:srgbClr val="0000FF"/>
                 </a:solidFill>
@@ -11435,7 +11510,7 @@
               <a:t>int</a:t>
             </a:r>
             <a:r>
-              <a:rPr lang="en-US" sz="1500" dirty="0">
+              <a:rPr lang="en-US" sz="1500" dirty="0" smtClean="0">
                 <a:solidFill>
                   <a:srgbClr val="000000"/>
                 </a:solidFill>
@@ -11444,7 +11519,7 @@
               <a:t> </a:t>
             </a:r>
             <a:r>
-              <a:rPr lang="en-US" sz="1500" dirty="0" err="1">
+              <a:rPr lang="en-US" sz="1500" dirty="0" err="1" smtClean="0">
                 <a:solidFill>
                   <a:srgbClr val="000000"/>
                 </a:solidFill>
@@ -11453,7 +11528,7 @@
               <a:t>num</a:t>
             </a:r>
             <a:r>
-              <a:rPr lang="en-US" sz="1500" dirty="0">
+              <a:rPr lang="en-US" sz="1500" dirty="0" smtClean="0">
                 <a:solidFill>
                   <a:srgbClr val="000000"/>
                 </a:solidFill>
@@ -11462,7 +11537,7 @@
               <a:t> </a:t>
             </a:r>
             <a:r>
-              <a:rPr lang="en-US" sz="1500" dirty="0">
+              <a:rPr lang="en-US" sz="1500" dirty="0" smtClean="0">
                 <a:solidFill>
                   <a:srgbClr val="0000FF"/>
                 </a:solidFill>
@@ -11471,7 +11546,7 @@
               <a:t>in</a:t>
             </a:r>
             <a:r>
-              <a:rPr lang="en-US" sz="1500" dirty="0">
+              <a:rPr lang="en-US" sz="1500" dirty="0" smtClean="0">
                 <a:solidFill>
                   <a:srgbClr val="000000"/>
                 </a:solidFill>
@@ -11480,7 +11555,7 @@
               <a:t> </a:t>
             </a:r>
             <a:r>
-              <a:rPr lang="en-US" sz="1500" dirty="0" err="1">
+              <a:rPr lang="en-US" sz="1500" dirty="0" err="1" smtClean="0">
                 <a:solidFill>
                   <a:srgbClr val="000000"/>
                 </a:solidFill>
@@ -11489,7 +11564,7 @@
               <a:t>ArithmeticProgression</a:t>
             </a:r>
             <a:r>
-              <a:rPr lang="en-US" sz="1500" dirty="0">
+              <a:rPr lang="en-US" sz="1500" dirty="0" smtClean="0">
                 <a:solidFill>
                   <a:srgbClr val="000000"/>
                 </a:solidFill>
@@ -11498,7 +11573,7 @@
               <a:t>(</a:t>
             </a:r>
             <a:r>
-              <a:rPr lang="en-US" sz="1500" dirty="0">
+              <a:rPr lang="en-US" sz="1500" dirty="0" smtClean="0">
                 <a:solidFill>
                   <a:srgbClr val="C81EFA"/>
                 </a:solidFill>
@@ -11507,7 +11582,7 @@
               <a:t>1</a:t>
             </a:r>
             <a:r>
-              <a:rPr lang="en-US" sz="1500" dirty="0">
+              <a:rPr lang="en-US" sz="1500" dirty="0" smtClean="0">
                 <a:solidFill>
                   <a:srgbClr val="000000"/>
                 </a:solidFill>
@@ -11516,7 +11591,7 @@
               <a:t>, </a:t>
             </a:r>
             <a:r>
-              <a:rPr lang="en-US" sz="1500" dirty="0">
+              <a:rPr lang="en-US" sz="1500" dirty="0" smtClean="0">
                 <a:solidFill>
                   <a:srgbClr val="C81EFA"/>
                 </a:solidFill>
@@ -11525,7 +11600,7 @@
               <a:t>3</a:t>
             </a:r>
             <a:r>
-              <a:rPr lang="en-US" sz="1500" dirty="0">
+              <a:rPr lang="en-US" sz="1500" dirty="0" smtClean="0">
                 <a:solidFill>
                   <a:srgbClr val="000000"/>
                 </a:solidFill>
@@ -11534,7 +11609,7 @@
               <a:t>, </a:t>
             </a:r>
             <a:r>
-              <a:rPr lang="en-US" sz="1500" dirty="0">
+              <a:rPr lang="en-US" sz="1500" dirty="0" smtClean="0">
                 <a:solidFill>
                   <a:srgbClr val="C81EFA"/>
                 </a:solidFill>
@@ -11551,19 +11626,13 @@
               </a:rPr>
               <a:t>))</a:t>
             </a:r>
-            <a:endParaRPr lang="en-US" sz="1500" dirty="0">
-              <a:solidFill>
-                <a:srgbClr val="000000"/>
-              </a:solidFill>
-              <a:latin typeface="Consolas"/>
-            </a:endParaRPr>
           </a:p>
           <a:p>
             <a:pPr marL="0" indent="0">
               <a:buNone/>
             </a:pPr>
             <a:r>
-              <a:rPr lang="en-US" sz="1500" dirty="0">
+              <a:rPr lang="en-US" sz="1500" dirty="0" smtClean="0">
                 <a:solidFill>
                   <a:srgbClr val="000000"/>
                 </a:solidFill>
@@ -11613,7 +11682,7 @@
               <a:t>num</a:t>
             </a:r>
             <a:r>
-              <a:rPr lang="en-US" sz="1500" dirty="0">
+              <a:rPr lang="en-US" sz="1500" dirty="0" smtClean="0">
                 <a:solidFill>
                   <a:srgbClr val="000000"/>
                 </a:solidFill>
@@ -11627,7 +11696,7 @@
               <a:buNone/>
             </a:pPr>
             <a:r>
-              <a:rPr lang="en-US" sz="1500" dirty="0">
+              <a:rPr lang="en-US" sz="1500" dirty="0" smtClean="0">
                 <a:solidFill>
                   <a:srgbClr val="000000"/>
                 </a:solidFill>
@@ -11647,7 +11716,7 @@
     </p:spTree>
     <p:extLst>
       <p:ext uri="{BB962C8B-B14F-4D97-AF65-F5344CB8AC3E}">
-        <p14:creationId xmlns:p14="http://schemas.microsoft.com/office/powerpoint/2010/main" xmlns="" val="1735524147"/>
+        <p14:creationId xmlns:p14="http://schemas.microsoft.com/office/powerpoint/2010/main" val="1735524147"/>
       </p:ext>
     </p:extLst>
   </p:cSld>
@@ -11728,7 +11797,7 @@
         <p:spPr>
           <a:xfrm>
             <a:off x="457200" y="1600201"/>
-            <a:ext cx="8229600" cy="3412975"/>
+            <a:ext cx="8229600" cy="3268959"/>
           </a:xfrm>
           <a:solidFill>
             <a:schemeClr val="bg1"/>
@@ -11736,7 +11805,7 @@
         </p:spPr>
         <p:txBody>
           <a:bodyPr>
-            <a:normAutofit/>
+            <a:normAutofit fontScale="62500" lnSpcReduction="20000"/>
           </a:bodyPr>
           <a:lstStyle/>
           <a:p>
@@ -11744,7 +11813,7 @@
               <a:buNone/>
             </a:pPr>
             <a:r>
-              <a:rPr lang="en-US" sz="1500" dirty="0">
+              <a:rPr lang="en-US" sz="1600" dirty="0">
                 <a:solidFill>
                   <a:srgbClr val="0000FF"/>
                 </a:solidFill>
@@ -11753,16 +11822,16 @@
               <a:t>public</a:t>
             </a:r>
             <a:r>
-              <a:rPr lang="en-US" sz="1500" dirty="0">
-                <a:solidFill>
-                  <a:srgbClr val="000000"/>
+              <a:rPr lang="en-US" sz="1600" dirty="0">
+                <a:solidFill>
+                  <a:prstClr val="black"/>
                 </a:solidFill>
                 <a:latin typeface="Consolas"/>
               </a:rPr>
               <a:t> </a:t>
             </a:r>
             <a:r>
-              <a:rPr lang="en-US" sz="1500" dirty="0">
+              <a:rPr lang="en-US" sz="1600" dirty="0">
                 <a:solidFill>
                   <a:srgbClr val="0000FF"/>
                 </a:solidFill>
@@ -11771,34 +11840,34 @@
               <a:t>static</a:t>
             </a:r>
             <a:r>
-              <a:rPr lang="en-US" sz="1500" dirty="0">
-                <a:solidFill>
-                  <a:srgbClr val="000000"/>
+              <a:rPr lang="en-US" sz="1600" dirty="0">
+                <a:solidFill>
+                  <a:prstClr val="black"/>
                 </a:solidFill>
                 <a:latin typeface="Consolas"/>
               </a:rPr>
               <a:t> </a:t>
             </a:r>
             <a:r>
-              <a:rPr lang="en-US" sz="1500" dirty="0" err="1" smtClean="0">
-                <a:solidFill>
-                  <a:srgbClr val="000000"/>
+              <a:rPr lang="en-US" sz="1600" dirty="0" err="1">
+                <a:solidFill>
+                  <a:srgbClr val="2B91AF"/>
                 </a:solidFill>
                 <a:latin typeface="Consolas"/>
               </a:rPr>
               <a:t>IEnumerable</a:t>
             </a:r>
             <a:r>
-              <a:rPr lang="en-US" sz="1500" dirty="0" smtClean="0">
-                <a:solidFill>
-                  <a:srgbClr val="000000"/>
+              <a:rPr lang="en-US" sz="1600" dirty="0">
+                <a:solidFill>
+                  <a:prstClr val="black"/>
                 </a:solidFill>
                 <a:latin typeface="Consolas"/>
               </a:rPr>
               <a:t>&lt;</a:t>
             </a:r>
             <a:r>
-              <a:rPr lang="en-US" sz="1500" dirty="0" err="1" smtClean="0">
+              <a:rPr lang="en-US" sz="1600" dirty="0" err="1">
                 <a:solidFill>
                   <a:srgbClr val="0000FF"/>
                 </a:solidFill>
@@ -11807,43 +11876,52 @@
               <a:t>int</a:t>
             </a:r>
             <a:r>
-              <a:rPr lang="en-US" sz="1500" dirty="0" smtClean="0">
+              <a:rPr lang="en-US" sz="1600" dirty="0">
+                <a:solidFill>
+                  <a:prstClr val="black"/>
+                </a:solidFill>
+                <a:latin typeface="Consolas"/>
+              </a:rPr>
+              <a:t>&gt; </a:t>
+            </a:r>
+            <a:r>
+              <a:rPr lang="en-US" sz="1600" dirty="0" err="1">
+                <a:solidFill>
+                  <a:prstClr val="black"/>
+                </a:solidFill>
+                <a:latin typeface="Consolas"/>
+              </a:rPr>
+              <a:t>ArithmeticProgression</a:t>
+            </a:r>
+            <a:r>
+              <a:rPr lang="en-US" sz="1600" dirty="0">
+                <a:solidFill>
+                  <a:prstClr val="black"/>
+                </a:solidFill>
+                <a:latin typeface="Consolas"/>
+              </a:rPr>
+              <a:t>(</a:t>
+            </a:r>
+            <a:r>
+              <a:rPr lang="en-US" sz="1600" dirty="0" err="1">
                 <a:solidFill>
                   <a:srgbClr val="0000FF"/>
                 </a:solidFill>
                 <a:latin typeface="Consolas"/>
               </a:rPr>
-              <a:t>&gt;</a:t>
-            </a:r>
-            <a:r>
-              <a:rPr lang="en-US" sz="1500" dirty="0" smtClean="0">
-                <a:solidFill>
-                  <a:srgbClr val="000000"/>
-                </a:solidFill>
-                <a:latin typeface="Consolas"/>
-              </a:rPr>
-              <a:t> </a:t>
-            </a:r>
-            <a:r>
-              <a:rPr lang="en-US" sz="1500" dirty="0" err="1">
-                <a:solidFill>
-                  <a:srgbClr val="000000"/>
-                </a:solidFill>
-                <a:latin typeface="Consolas"/>
-              </a:rPr>
-              <a:t>ArithmeticProgression</a:t>
-            </a:r>
-            <a:r>
-              <a:rPr lang="en-US" sz="1500" dirty="0">
-                <a:solidFill>
-                  <a:srgbClr val="000000"/>
-                </a:solidFill>
-                <a:latin typeface="Consolas"/>
-              </a:rPr>
-              <a:t>(</a:t>
-            </a:r>
-            <a:r>
-              <a:rPr lang="en-US" sz="1500" dirty="0" err="1">
+              <a:t>int</a:t>
+            </a:r>
+            <a:r>
+              <a:rPr lang="en-US" sz="1600" dirty="0">
+                <a:solidFill>
+                  <a:prstClr val="black"/>
+                </a:solidFill>
+                <a:latin typeface="Consolas"/>
+              </a:rPr>
+              <a:t> start, </a:t>
+            </a:r>
+            <a:r>
+              <a:rPr lang="en-US" sz="1600" dirty="0" err="1">
                 <a:solidFill>
                   <a:srgbClr val="0000FF"/>
                 </a:solidFill>
@@ -11852,44 +11930,54 @@
               <a:t>int</a:t>
             </a:r>
             <a:r>
-              <a:rPr lang="en-US" sz="1500" dirty="0">
-                <a:solidFill>
-                  <a:srgbClr val="000000"/>
-                </a:solidFill>
-                <a:latin typeface="Consolas"/>
-              </a:rPr>
-              <a:t> start, </a:t>
-            </a:r>
-            <a:r>
-              <a:rPr lang="en-US" sz="1500" dirty="0" err="1">
-                <a:solidFill>
-                  <a:srgbClr val="0000FF"/>
-                </a:solidFill>
-                <a:latin typeface="Consolas"/>
-              </a:rPr>
-              <a:t>int</a:t>
-            </a:r>
-            <a:r>
-              <a:rPr lang="en-US" sz="1500" dirty="0">
-                <a:solidFill>
-                  <a:srgbClr val="000000"/>
-                </a:solidFill>
-                <a:latin typeface="Consolas"/>
-              </a:rPr>
-              <a:t> </a:t>
-            </a:r>
-            <a:r>
-              <a:rPr lang="en-US" sz="1500" dirty="0" smtClean="0">
-                <a:solidFill>
-                  <a:srgbClr val="000000"/>
-                </a:solidFill>
-                <a:latin typeface="Consolas"/>
-              </a:rPr>
-              <a:t>step)</a:t>
-            </a:r>
-            <a:endParaRPr lang="en-US" sz="1500" dirty="0">
+              <a:rPr lang="en-US" sz="1600" dirty="0">
+                <a:solidFill>
+                  <a:prstClr val="black"/>
+                </a:solidFill>
+                <a:latin typeface="Consolas"/>
+              </a:rPr>
+              <a:t> step)</a:t>
+            </a:r>
+          </a:p>
+          <a:p>
+            <a:pPr marL="0" indent="0">
+              <a:buNone/>
+            </a:pPr>
+            <a:r>
+              <a:rPr lang="ru-RU" sz="1600" dirty="0">
+                <a:solidFill>
+                  <a:prstClr val="black"/>
+                </a:solidFill>
+                <a:latin typeface="Consolas"/>
+              </a:rPr>
+              <a:t>{</a:t>
+            </a:r>
+          </a:p>
+          <a:p>
+            <a:pPr marL="0" indent="0">
+              <a:buNone/>
+            </a:pPr>
+            <a:r>
+              <a:rPr lang="ru-RU" sz="1600" dirty="0">
+                <a:solidFill>
+                  <a:prstClr val="black"/>
+                </a:solidFill>
+                <a:latin typeface="Consolas"/>
+              </a:rPr>
+              <a:t>    </a:t>
+            </a:r>
+            <a:r>
+              <a:rPr lang="ru-RU" sz="1600" dirty="0">
+                <a:solidFill>
+                  <a:srgbClr val="008000"/>
+                </a:solidFill>
+                <a:latin typeface="Consolas"/>
+              </a:rPr>
+              <a:t>// По умолчанию компилятор C# игнорирует арифметическое переполнение</a:t>
+            </a:r>
+            <a:endParaRPr lang="ru-RU" sz="1600" dirty="0">
               <a:solidFill>
-                <a:srgbClr val="000000"/>
+                <a:prstClr val="black"/>
               </a:solidFill>
               <a:latin typeface="Consolas"/>
             </a:endParaRPr>
@@ -11899,81 +11987,84 @@
               <a:buNone/>
             </a:pPr>
             <a:r>
-              <a:rPr lang="en-US" sz="1500" dirty="0">
-                <a:solidFill>
-                  <a:srgbClr val="000000"/>
-                </a:solidFill>
-                <a:latin typeface="Consolas"/>
-              </a:rPr>
-              <a:t>{</a:t>
-            </a:r>
+              <a:rPr lang="ru-RU" sz="1600" dirty="0">
+                <a:solidFill>
+                  <a:prstClr val="black"/>
+                </a:solidFill>
+                <a:latin typeface="Consolas"/>
+              </a:rPr>
+              <a:t>    </a:t>
+            </a:r>
+            <a:r>
+              <a:rPr lang="ru-RU" sz="1600" dirty="0">
+                <a:solidFill>
+                  <a:srgbClr val="008000"/>
+                </a:solidFill>
+                <a:latin typeface="Consolas"/>
+              </a:rPr>
+              <a:t>// Использование checked блока заставляет выполнять проверку на переполнение</a:t>
+            </a:r>
+            <a:endParaRPr lang="ru-RU" sz="1600" dirty="0">
+              <a:solidFill>
+                <a:prstClr val="black"/>
+              </a:solidFill>
+              <a:latin typeface="Consolas"/>
+            </a:endParaRPr>
           </a:p>
           <a:p>
             <a:pPr marL="0" indent="0">
               <a:buNone/>
             </a:pPr>
             <a:r>
-              <a:rPr lang="en-US" sz="1600" dirty="0" smtClean="0">
-                <a:solidFill>
-                  <a:srgbClr val="0000FF"/>
-                </a:solidFill>
-                <a:latin typeface="Consolas"/>
-              </a:rPr>
-              <a:t>    for</a:t>
-            </a:r>
-            <a:r>
-              <a:rPr lang="en-US" sz="1600" dirty="0" smtClean="0">
-                <a:solidFill>
-                  <a:srgbClr val="000000"/>
-                </a:solidFill>
-                <a:latin typeface="Consolas"/>
-              </a:rPr>
-              <a:t> </a:t>
-            </a:r>
-            <a:r>
-              <a:rPr lang="en-US" sz="1600" dirty="0">
-                <a:solidFill>
-                  <a:srgbClr val="000000"/>
-                </a:solidFill>
-                <a:latin typeface="Consolas"/>
-              </a:rPr>
-              <a:t>(</a:t>
-            </a:r>
-            <a:r>
-              <a:rPr lang="en-US" sz="1600" dirty="0" err="1">
-                <a:solidFill>
-                  <a:srgbClr val="0000FF"/>
-                </a:solidFill>
-                <a:latin typeface="Consolas"/>
-              </a:rPr>
-              <a:t>int</a:t>
-            </a:r>
-            <a:r>
-              <a:rPr lang="en-US" sz="1600" dirty="0">
-                <a:solidFill>
-                  <a:srgbClr val="000000"/>
-                </a:solidFill>
-                <a:latin typeface="Consolas"/>
-              </a:rPr>
-              <a:t> current=start; ; current += step)</a:t>
-            </a:r>
+              <a:rPr lang="ru-RU" sz="1600" dirty="0">
+                <a:solidFill>
+                  <a:prstClr val="black"/>
+                </a:solidFill>
+                <a:latin typeface="Consolas"/>
+              </a:rPr>
+              <a:t>    </a:t>
+            </a:r>
+            <a:r>
+              <a:rPr lang="ru-RU" sz="1600" dirty="0">
+                <a:solidFill>
+                  <a:srgbClr val="008000"/>
+                </a:solidFill>
+                <a:latin typeface="Consolas"/>
+              </a:rPr>
+              <a:t>//     для всех операций внутри него</a:t>
+            </a:r>
+            <a:endParaRPr lang="ru-RU" sz="1600" dirty="0">
+              <a:solidFill>
+                <a:prstClr val="black"/>
+              </a:solidFill>
+              <a:latin typeface="Consolas"/>
+            </a:endParaRPr>
           </a:p>
           <a:p>
             <a:pPr marL="0" indent="0">
               <a:buNone/>
             </a:pPr>
             <a:r>
-              <a:rPr lang="en-US" sz="1600" dirty="0" smtClean="0">
-                <a:solidFill>
-                  <a:srgbClr val="000000"/>
-                </a:solidFill>
-                <a:latin typeface="Consolas"/>
-              </a:rPr>
-              <a:t>    {</a:t>
-            </a:r>
-            <a:endParaRPr lang="en-US" sz="1600" dirty="0">
+              <a:rPr lang="ru-RU" sz="1600" dirty="0">
+                <a:solidFill>
+                  <a:prstClr val="black"/>
+                </a:solidFill>
+                <a:latin typeface="Consolas"/>
+              </a:rPr>
+              <a:t>    </a:t>
+            </a:r>
+            <a:r>
+              <a:rPr lang="ru-RU" sz="1600" dirty="0">
+                <a:solidFill>
+                  <a:srgbClr val="008000"/>
+                </a:solidFill>
+                <a:latin typeface="Consolas"/>
+              </a:rPr>
+              <a:t>// Здесь это необходимо для правильной генерации последовательности</a:t>
+            </a:r>
+            <a:endParaRPr lang="ru-RU" sz="1600" dirty="0">
               <a:solidFill>
-                <a:srgbClr val="000000"/>
+                <a:prstClr val="black"/>
               </a:solidFill>
               <a:latin typeface="Consolas"/>
             </a:endParaRPr>
@@ -11983,58 +12074,55 @@
               <a:buNone/>
             </a:pPr>
             <a:r>
-              <a:rPr lang="en-US" sz="1600" dirty="0" smtClean="0">
-                <a:solidFill>
-                  <a:srgbClr val="0000FF"/>
-                </a:solidFill>
-                <a:latin typeface="Consolas"/>
-              </a:rPr>
-              <a:t>        yield</a:t>
-            </a:r>
-            <a:r>
-              <a:rPr lang="en-US" sz="1600" dirty="0" smtClean="0">
-                <a:solidFill>
-                  <a:srgbClr val="000000"/>
-                </a:solidFill>
-                <a:latin typeface="Consolas"/>
-              </a:rPr>
-              <a:t> </a:t>
-            </a:r>
-            <a:r>
-              <a:rPr lang="en-US" sz="1600" dirty="0">
-                <a:solidFill>
-                  <a:srgbClr val="0000FF"/>
-                </a:solidFill>
-                <a:latin typeface="Consolas"/>
-              </a:rPr>
-              <a:t>return</a:t>
-            </a:r>
-            <a:r>
-              <a:rPr lang="en-US" sz="1600" dirty="0">
-                <a:solidFill>
-                  <a:srgbClr val="000000"/>
-                </a:solidFill>
-                <a:latin typeface="Consolas"/>
-              </a:rPr>
-              <a:t> current;</a:t>
-            </a:r>
+              <a:rPr lang="ru-RU" sz="1600" dirty="0">
+                <a:solidFill>
+                  <a:prstClr val="black"/>
+                </a:solidFill>
+                <a:latin typeface="Consolas"/>
+              </a:rPr>
+              <a:t>    </a:t>
+            </a:r>
+            <a:r>
+              <a:rPr lang="ru-RU" sz="1600" dirty="0">
+                <a:solidFill>
+                  <a:srgbClr val="008000"/>
+                </a:solidFill>
+                <a:latin typeface="Consolas"/>
+              </a:rPr>
+              <a:t>// В случае переполнения генерируется System.OverflowException</a:t>
+            </a:r>
+            <a:endParaRPr lang="ru-RU" sz="1600" dirty="0">
+              <a:solidFill>
+                <a:prstClr val="black"/>
+              </a:solidFill>
+              <a:latin typeface="Consolas"/>
+            </a:endParaRPr>
           </a:p>
           <a:p>
             <a:pPr marL="0" indent="0">
               <a:buNone/>
             </a:pPr>
             <a:r>
-              <a:rPr lang="en-US" sz="1600" dirty="0" smtClean="0">
-                <a:solidFill>
-                  <a:srgbClr val="000000"/>
-                </a:solidFill>
-                <a:latin typeface="Consolas"/>
-              </a:rPr>
-              <a:t>    }</a:t>
+              <a:rPr lang="en-US" sz="1600" dirty="0">
+                <a:solidFill>
+                  <a:prstClr val="black"/>
+                </a:solidFill>
+                <a:latin typeface="Consolas"/>
+              </a:rPr>
+              <a:t>    </a:t>
+            </a:r>
+            <a:r>
+              <a:rPr lang="en-US" sz="1600" dirty="0">
+                <a:solidFill>
+                  <a:srgbClr val="0000FF"/>
+                </a:solidFill>
+                <a:latin typeface="Consolas"/>
+              </a:rPr>
+              <a:t>checked</a:t>
             </a:r>
             <a:endParaRPr lang="en-US" sz="1600" dirty="0">
               <a:solidFill>
-                <a:srgbClr val="000000"/>
+                <a:prstClr val="black"/>
               </a:solidFill>
               <a:latin typeface="Consolas"/>
             </a:endParaRPr>
@@ -12044,14 +12132,178 @@
               <a:buNone/>
             </a:pPr>
             <a:r>
-              <a:rPr lang="en-US" sz="1500" dirty="0" smtClean="0">
-                <a:solidFill>
-                  <a:srgbClr val="000000"/>
+              <a:rPr lang="ru-RU" sz="1600" dirty="0">
+                <a:solidFill>
+                  <a:prstClr val="black"/>
+                </a:solidFill>
+                <a:latin typeface="Consolas"/>
+              </a:rPr>
+              <a:t>    {</a:t>
+            </a:r>
+          </a:p>
+          <a:p>
+            <a:pPr marL="0" indent="0">
+              <a:buNone/>
+            </a:pPr>
+            <a:r>
+              <a:rPr lang="en-US" sz="1600" dirty="0">
+                <a:solidFill>
+                  <a:prstClr val="black"/>
+                </a:solidFill>
+                <a:latin typeface="Consolas"/>
+              </a:rPr>
+              <a:t>        </a:t>
+            </a:r>
+            <a:r>
+              <a:rPr lang="en-US" sz="1600" dirty="0">
+                <a:solidFill>
+                  <a:srgbClr val="0000FF"/>
+                </a:solidFill>
+                <a:latin typeface="Consolas"/>
+              </a:rPr>
+              <a:t>for</a:t>
+            </a:r>
+            <a:r>
+              <a:rPr lang="en-US" sz="1600" dirty="0">
+                <a:solidFill>
+                  <a:prstClr val="black"/>
+                </a:solidFill>
+                <a:latin typeface="Consolas"/>
+              </a:rPr>
+              <a:t> (</a:t>
+            </a:r>
+            <a:r>
+              <a:rPr lang="en-US" sz="1600" dirty="0" err="1">
+                <a:solidFill>
+                  <a:srgbClr val="0000FF"/>
+                </a:solidFill>
+                <a:latin typeface="Consolas"/>
+              </a:rPr>
+              <a:t>int</a:t>
+            </a:r>
+            <a:r>
+              <a:rPr lang="en-US" sz="1600" dirty="0">
+                <a:solidFill>
+                  <a:prstClr val="black"/>
+                </a:solidFill>
+                <a:latin typeface="Consolas"/>
+              </a:rPr>
+              <a:t> current = start;; current += step)</a:t>
+            </a:r>
+          </a:p>
+          <a:p>
+            <a:pPr marL="0" indent="0">
+              <a:buNone/>
+            </a:pPr>
+            <a:r>
+              <a:rPr lang="ru-RU" sz="1600" dirty="0">
+                <a:solidFill>
+                  <a:prstClr val="black"/>
+                </a:solidFill>
+                <a:latin typeface="Consolas"/>
+              </a:rPr>
+              <a:t>        {</a:t>
+            </a:r>
+          </a:p>
+          <a:p>
+            <a:pPr marL="0" indent="0">
+              <a:buNone/>
+            </a:pPr>
+            <a:r>
+              <a:rPr lang="en-US" sz="1600" dirty="0">
+                <a:solidFill>
+                  <a:prstClr val="black"/>
+                </a:solidFill>
+                <a:latin typeface="Consolas"/>
+              </a:rPr>
+              <a:t>            </a:t>
+            </a:r>
+            <a:r>
+              <a:rPr lang="en-US" sz="1600" dirty="0">
+                <a:solidFill>
+                  <a:srgbClr val="0000FF"/>
+                </a:solidFill>
+                <a:latin typeface="Consolas"/>
+              </a:rPr>
+              <a:t>yield</a:t>
+            </a:r>
+            <a:r>
+              <a:rPr lang="en-US" sz="1600" dirty="0">
+                <a:solidFill>
+                  <a:prstClr val="black"/>
+                </a:solidFill>
+                <a:latin typeface="Consolas"/>
+              </a:rPr>
+              <a:t> </a:t>
+            </a:r>
+            <a:r>
+              <a:rPr lang="en-US" sz="1600" dirty="0">
+                <a:solidFill>
+                  <a:srgbClr val="0000FF"/>
+                </a:solidFill>
+                <a:latin typeface="Consolas"/>
+              </a:rPr>
+              <a:t>return</a:t>
+            </a:r>
+            <a:r>
+              <a:rPr lang="en-US" sz="1600" dirty="0">
+                <a:solidFill>
+                  <a:prstClr val="black"/>
+                </a:solidFill>
+                <a:latin typeface="Consolas"/>
+              </a:rPr>
+              <a:t> current;</a:t>
+            </a:r>
+          </a:p>
+          <a:p>
+            <a:pPr marL="0" indent="0">
+              <a:buNone/>
+            </a:pPr>
+            <a:r>
+              <a:rPr lang="ru-RU" sz="1600" dirty="0">
+                <a:solidFill>
+                  <a:prstClr val="black"/>
+                </a:solidFill>
+                <a:latin typeface="Consolas"/>
+              </a:rPr>
+              <a:t>        }</a:t>
+            </a:r>
+          </a:p>
+          <a:p>
+            <a:pPr marL="0" indent="0">
+              <a:buNone/>
+            </a:pPr>
+            <a:r>
+              <a:rPr lang="ru-RU" sz="1600" dirty="0">
+                <a:solidFill>
+                  <a:prstClr val="black"/>
+                </a:solidFill>
+                <a:latin typeface="Consolas"/>
+              </a:rPr>
+              <a:t>    }</a:t>
+            </a:r>
+          </a:p>
+          <a:p>
+            <a:pPr marL="0" indent="0">
+              <a:buNone/>
+            </a:pPr>
+            <a:r>
+              <a:rPr lang="ru-RU" sz="1600" dirty="0">
+                <a:solidFill>
+                  <a:prstClr val="black"/>
                 </a:solidFill>
                 <a:latin typeface="Consolas"/>
               </a:rPr>
               <a:t>}</a:t>
             </a:r>
+          </a:p>
+          <a:p>
+            <a:endParaRPr lang="ru-RU" sz="1600" dirty="0">
+              <a:solidFill>
+                <a:prstClr val="black"/>
+              </a:solidFill>
+              <a:latin typeface="Consolas"/>
+            </a:endParaRPr>
           </a:p>
           <a:p>
             <a:pPr marL="0" indent="0">
@@ -12069,7 +12321,7 @@
               <a:buNone/>
             </a:pPr>
             <a:r>
-              <a:rPr lang="en-US" sz="1500" dirty="0" err="1">
+              <a:rPr lang="en-US" sz="1500" dirty="0" err="1" smtClean="0">
                 <a:solidFill>
                   <a:srgbClr val="0000FF"/>
                 </a:solidFill>
@@ -12078,13 +12330,22 @@
               <a:t>foreach</a:t>
             </a:r>
             <a:r>
+              <a:rPr lang="en-US" sz="1500" dirty="0" smtClean="0">
+                <a:solidFill>
+                  <a:srgbClr val="000000"/>
+                </a:solidFill>
+                <a:latin typeface="Consolas"/>
+              </a:rPr>
+              <a:t> </a:t>
+            </a:r>
+            <a:r>
               <a:rPr lang="en-US" sz="1500" dirty="0">
                 <a:solidFill>
                   <a:srgbClr val="000000"/>
                 </a:solidFill>
                 <a:latin typeface="Consolas"/>
               </a:rPr>
-              <a:t> (</a:t>
+              <a:t>(</a:t>
             </a:r>
             <a:r>
               <a:rPr lang="en-US" sz="1500" dirty="0" err="1">
@@ -12270,7 +12531,7 @@
               <a:buNone/>
             </a:pPr>
             <a:r>
-              <a:rPr lang="en-US" sz="1500" dirty="0">
+              <a:rPr lang="en-US" sz="1500" dirty="0" smtClean="0">
                 <a:solidFill>
                   <a:srgbClr val="000000"/>
                 </a:solidFill>
@@ -12278,11 +12539,6 @@
               </a:rPr>
               <a:t>}</a:t>
             </a:r>
-          </a:p>
-          <a:p>
-            <a:pPr marL="0" indent="0">
-              <a:buNone/>
-            </a:pPr>
             <a:endParaRPr lang="en-US" dirty="0"/>
           </a:p>
         </p:txBody>
@@ -12347,7 +12603,7 @@
     </p:spTree>
     <p:extLst>
       <p:ext uri="{BB962C8B-B14F-4D97-AF65-F5344CB8AC3E}">
-        <p14:creationId xmlns:p14="http://schemas.microsoft.com/office/powerpoint/2010/main" xmlns="" val="844285275"/>
+        <p14:creationId xmlns:p14="http://schemas.microsoft.com/office/powerpoint/2010/main" val="844285275"/>
       </p:ext>
     </p:extLst>
   </p:cSld>
@@ -12433,7 +12689,7 @@
     </p:spTree>
     <p:extLst>
       <p:ext uri="{BB962C8B-B14F-4D97-AF65-F5344CB8AC3E}">
-        <p14:creationId xmlns:p14="http://schemas.microsoft.com/office/powerpoint/2010/main" xmlns="" val="3311498388"/>
+        <p14:creationId xmlns:p14="http://schemas.microsoft.com/office/powerpoint/2010/main" val="3311498388"/>
       </p:ext>
     </p:extLst>
   </p:cSld>
@@ -12839,7 +13095,7 @@
     </p:spTree>
     <p:extLst>
       <p:ext uri="{BB962C8B-B14F-4D97-AF65-F5344CB8AC3E}">
-        <p14:creationId xmlns:p14="http://schemas.microsoft.com/office/powerpoint/2010/main" xmlns="" val="3545898277"/>
+        <p14:creationId xmlns:p14="http://schemas.microsoft.com/office/powerpoint/2010/main" val="3545898277"/>
       </p:ext>
     </p:extLst>
   </p:cSld>

--- a/Presentation/lesson-11-linq.pptx
+++ b/Presentation/lesson-11-linq.pptx
@@ -5,7 +5,7 @@
     <p:sldMasterId id="2147483648" r:id="rId1"/>
   </p:sldMasterIdLst>
   <p:notesMasterIdLst>
-    <p:notesMasterId r:id="rId27"/>
+    <p:notesMasterId r:id="rId29"/>
   </p:notesMasterIdLst>
   <p:sldIdLst>
     <p:sldId id="256" r:id="rId2"/>
@@ -26,13 +26,15 @@
     <p:sldId id="276" r:id="rId17"/>
     <p:sldId id="268" r:id="rId18"/>
     <p:sldId id="279" r:id="rId19"/>
-    <p:sldId id="278" r:id="rId20"/>
-    <p:sldId id="280" r:id="rId21"/>
-    <p:sldId id="273" r:id="rId22"/>
-    <p:sldId id="260" r:id="rId23"/>
-    <p:sldId id="264" r:id="rId24"/>
-    <p:sldId id="262" r:id="rId25"/>
-    <p:sldId id="263" r:id="rId26"/>
+    <p:sldId id="283" r:id="rId20"/>
+    <p:sldId id="278" r:id="rId21"/>
+    <p:sldId id="280" r:id="rId22"/>
+    <p:sldId id="273" r:id="rId23"/>
+    <p:sldId id="260" r:id="rId24"/>
+    <p:sldId id="282" r:id="rId25"/>
+    <p:sldId id="264" r:id="rId26"/>
+    <p:sldId id="262" r:id="rId27"/>
+    <p:sldId id="263" r:id="rId28"/>
   </p:sldIdLst>
   <p:sldSz cx="9144000" cy="6858000" type="screen4x3"/>
   <p:notesSz cx="6858000" cy="9144000"/>
@@ -217,7 +219,7 @@
             <a:fld id="{B24A7054-7FFB-49F4-A126-5DF6E687FF53}" type="datetimeFigureOut">
               <a:rPr lang="ru-RU" smtClean="0"/>
               <a:pPr/>
-              <a:t>09.04.2014</a:t>
+              <a:t>21.04.2014</a:t>
             </a:fld>
             <a:endParaRPr lang="ru-RU"/>
           </a:p>
@@ -1501,7 +1503,7 @@
             <a:fld id="{8E6E6A2A-E9D3-4A0D-B04A-ABDD367A1E08}" type="datetimeFigureOut">
               <a:rPr lang="ru-RU" smtClean="0"/>
               <a:pPr/>
-              <a:t>09.04.2014</a:t>
+              <a:t>21.04.2014</a:t>
             </a:fld>
             <a:endParaRPr lang="ru-RU"/>
           </a:p>
@@ -2948,7 +2950,7 @@
             <a:fld id="{AC3D3127-B7C4-45E3-9797-C527EC9FDD78}" type="datetimeFigureOut">
               <a:rPr lang="ru-RU" smtClean="0"/>
               <a:pPr/>
-              <a:t>09.04.2014</a:t>
+              <a:t>21.04.2014</a:t>
             </a:fld>
             <a:endParaRPr lang="ru-RU"/>
           </a:p>
@@ -4837,7 +4839,7 @@
             </a:r>
             <a:r>
               <a:rPr lang="ru-RU" dirty="0" smtClean="0"/>
-              <a:t>Математика</a:t>
+              <a:t>Сортировка</a:t>
             </a:r>
             <a:endParaRPr lang="en-US" dirty="0"/>
           </a:p>
@@ -4859,50 +4861,77 @@
           <a:lstStyle/>
           <a:p>
             <a:r>
+              <a:rPr lang="en-US" dirty="0" err="1"/>
+              <a:t>OrderBy</a:t>
+            </a:r>
+            <a:r>
               <a:rPr lang="en-US" dirty="0" smtClean="0"/>
-              <a:t>Min</a:t>
+              <a:t>()</a:t>
             </a:r>
             <a:r>
               <a:rPr lang="ru-RU" dirty="0" smtClean="0"/>
+              <a:t> – сортировка по возрастанию.</a:t>
+            </a:r>
+          </a:p>
+          <a:p>
+            <a:r>
+              <a:rPr lang="en-US" dirty="0" err="1" smtClean="0"/>
+              <a:t>OrderByDescending</a:t>
+            </a:r>
+            <a:r>
+              <a:rPr lang="en-US" dirty="0" smtClean="0"/>
               <a:t>()</a:t>
             </a:r>
             <a:r>
+              <a:rPr lang="ru-RU" dirty="0"/>
+              <a:t> – сортировка по </a:t>
+            </a:r>
+            <a:r>
+              <a:rPr lang="ru-RU" dirty="0" smtClean="0"/>
+              <a:t>убыванию.</a:t>
+            </a:r>
+          </a:p>
+          <a:p>
+            <a:pPr marL="0" indent="0">
+              <a:buNone/>
+            </a:pPr>
+            <a:endParaRPr lang="ru-RU" dirty="0"/>
+          </a:p>
+          <a:p>
+            <a:pPr marL="0" indent="0">
+              <a:buNone/>
+            </a:pPr>
+            <a:r>
+              <a:rPr lang="ru-RU" dirty="0" smtClean="0"/>
+              <a:t>Оба этих метод</a:t>
+            </a:r>
+            <a:r>
+              <a:rPr lang="ru-RU" dirty="0"/>
+              <a:t>а</a:t>
+            </a:r>
+            <a:r>
+              <a:rPr lang="ru-RU" dirty="0" smtClean="0"/>
+              <a:t> сортируют только по одному полю. Для указания дополнительных полей для сортировки используются методы </a:t>
+            </a:r>
+            <a:r>
+              <a:rPr lang="en-US" dirty="0" err="1" smtClean="0"/>
+              <a:t>ThenBy</a:t>
+            </a:r>
+            <a:r>
               <a:rPr lang="en-US" dirty="0" smtClean="0"/>
-              <a:t> – </a:t>
+              <a:t>() </a:t>
             </a:r>
             <a:r>
               <a:rPr lang="ru-RU" dirty="0" smtClean="0"/>
-              <a:t>минимальное значение</a:t>
-            </a:r>
-          </a:p>
-          <a:p>
+              <a:t>и </a:t>
+            </a:r>
+            <a:r>
+              <a:rPr lang="en-US" dirty="0" err="1" smtClean="0"/>
+              <a:t>ThenByDescending</a:t>
+            </a:r>
             <a:r>
               <a:rPr lang="en-US" dirty="0" smtClean="0"/>
-              <a:t>Max</a:t>
-            </a:r>
-            <a:r>
-              <a:rPr lang="ru-RU" dirty="0" smtClean="0"/>
-              <a:t>() – максимальное значение</a:t>
-            </a:r>
-          </a:p>
-          <a:p>
-            <a:r>
-              <a:rPr lang="en-US" dirty="0" smtClean="0"/>
-              <a:t>Average</a:t>
-            </a:r>
-            <a:r>
-              <a:rPr lang="ru-RU" dirty="0" smtClean="0"/>
-              <a:t>() – среднее значение</a:t>
-            </a:r>
-          </a:p>
-          <a:p>
-            <a:r>
-              <a:rPr lang="en-US" dirty="0" smtClean="0"/>
-              <a:t>Sum</a:t>
-            </a:r>
-            <a:r>
-              <a:rPr lang="ru-RU" dirty="0" smtClean="0"/>
-              <a:t>() – сумма значений</a:t>
+              <a:t>().</a:t>
             </a:r>
             <a:endParaRPr lang="en-US" dirty="0"/>
           </a:p>
@@ -4911,7 +4940,7 @@
     </p:spTree>
     <p:extLst>
       <p:ext uri="{BB962C8B-B14F-4D97-AF65-F5344CB8AC3E}">
-        <p14:creationId xmlns:p14="http://schemas.microsoft.com/office/powerpoint/2010/main" val="384543663"/>
+        <p14:creationId xmlns:p14="http://schemas.microsoft.com/office/powerpoint/2010/main" val="451769316"/>
       </p:ext>
     </p:extLst>
   </p:cSld>
@@ -5049,7 +5078,7 @@
             </a:r>
             <a:r>
               <a:rPr lang="ru-RU" dirty="0" smtClean="0"/>
-              <a:t>Другие методы</a:t>
+              <a:t>Математика</a:t>
             </a:r>
             <a:endParaRPr lang="en-US" dirty="0"/>
           </a:p>
@@ -5067,123 +5096,55 @@
         </p:nvSpPr>
         <p:spPr/>
         <p:txBody>
-          <a:bodyPr>
-            <a:normAutofit lnSpcReduction="10000"/>
-          </a:bodyPr>
+          <a:bodyPr/>
           <a:lstStyle/>
           <a:p>
             <a:r>
               <a:rPr lang="en-US" dirty="0" smtClean="0"/>
-              <a:t>Cast&lt;T&gt;()</a:t>
-            </a:r>
-            <a:endParaRPr lang="en-US" dirty="0"/>
-          </a:p>
-          <a:p>
-            <a:r>
-              <a:rPr lang="en-US" dirty="0" err="1" smtClean="0"/>
-              <a:t>OfType</a:t>
-            </a:r>
-            <a:r>
-              <a:rPr lang="en-US" dirty="0" smtClean="0"/>
-              <a:t>&lt;T&gt;()</a:t>
-            </a:r>
-            <a:endParaRPr lang="ru-RU" dirty="0" smtClean="0"/>
-          </a:p>
-          <a:p>
-            <a:r>
-              <a:rPr lang="en-US" dirty="0" smtClean="0"/>
-              <a:t>Count()</a:t>
-            </a:r>
-            <a:r>
-              <a:rPr lang="ru-RU" dirty="0" smtClean="0"/>
-              <a:t>/</a:t>
-            </a:r>
-            <a:r>
-              <a:rPr lang="en-US" dirty="0" err="1" smtClean="0"/>
-              <a:t>LongCount</a:t>
-            </a:r>
-            <a:r>
-              <a:rPr lang="en-US" dirty="0" smtClean="0"/>
-              <a:t>()</a:t>
-            </a:r>
-            <a:endParaRPr lang="ru-RU" dirty="0" smtClean="0"/>
-          </a:p>
-          <a:p>
-            <a:r>
-              <a:rPr lang="en-US" dirty="0" err="1" smtClean="0"/>
-              <a:t>ElementAt</a:t>
-            </a:r>
-            <a:r>
-              <a:rPr lang="en-US" dirty="0" smtClean="0"/>
-              <a:t>()</a:t>
-            </a:r>
-            <a:endParaRPr lang="ru-RU" dirty="0" smtClean="0"/>
-          </a:p>
-          <a:p>
-            <a:r>
-              <a:rPr lang="en-US" dirty="0" smtClean="0"/>
-              <a:t>Skip()/</a:t>
-            </a:r>
-            <a:r>
-              <a:rPr lang="en-US" dirty="0" err="1" smtClean="0"/>
-              <a:t>SkipWhile</a:t>
+              <a:t>Min</a:t>
             </a:r>
             <a:r>
               <a:rPr lang="ru-RU" dirty="0" smtClean="0"/>
               <a:t>()</a:t>
             </a:r>
-            <a:endParaRPr lang="en-US" dirty="0" smtClean="0"/>
-          </a:p>
-          <a:p>
             <a:r>
               <a:rPr lang="en-US" dirty="0" smtClean="0"/>
-              <a:t>Take()/</a:t>
-            </a:r>
-            <a:r>
-              <a:rPr lang="en-US" dirty="0" err="1" smtClean="0"/>
-              <a:t>TakeWhile</a:t>
-            </a:r>
+              <a:t> – </a:t>
+            </a:r>
+            <a:r>
+              <a:rPr lang="ru-RU" dirty="0" smtClean="0"/>
+              <a:t>минимальное значение</a:t>
+            </a:r>
+          </a:p>
+          <a:p>
             <a:r>
               <a:rPr lang="en-US" dirty="0" smtClean="0"/>
-              <a:t>()</a:t>
+              <a:t>Max</a:t>
+            </a:r>
+            <a:r>
+              <a:rPr lang="ru-RU" dirty="0" smtClean="0"/>
+              <a:t>() – максимальное значение</a:t>
             </a:r>
           </a:p>
           <a:p>
             <a:r>
               <a:rPr lang="en-US" dirty="0" smtClean="0"/>
-              <a:t>Reverse()</a:t>
-            </a:r>
-            <a:endParaRPr lang="ru-RU" dirty="0" smtClean="0"/>
-          </a:p>
-          <a:p>
-            <a:r>
-              <a:rPr lang="en-US" dirty="0" err="1" smtClean="0"/>
-              <a:t>OrderBy</a:t>
-            </a:r>
+              <a:t>Average</a:t>
+            </a:r>
+            <a:r>
+              <a:rPr lang="ru-RU" dirty="0" smtClean="0"/>
+              <a:t>() – среднее значение</a:t>
+            </a:r>
+          </a:p>
+          <a:p>
             <a:r>
               <a:rPr lang="en-US" dirty="0" smtClean="0"/>
-              <a:t>(), </a:t>
-            </a:r>
-            <a:r>
-              <a:rPr lang="en-US" dirty="0" err="1" smtClean="0"/>
-              <a:t>OrderByDescending</a:t>
-            </a:r>
-            <a:r>
-              <a:rPr lang="en-US" dirty="0" smtClean="0"/>
-              <a:t>()</a:t>
-            </a:r>
-            <a:endParaRPr lang="en-US" dirty="0"/>
-          </a:p>
-          <a:p>
-            <a:pPr marL="0" indent="0">
-              <a:buNone/>
-            </a:pPr>
-            <a:endParaRPr lang="en-US" dirty="0"/>
-          </a:p>
-          <a:p>
-            <a:pPr marL="0" indent="0">
-              <a:buNone/>
-            </a:pPr>
+              <a:t>Sum</a:t>
+            </a:r>
+            <a:r>
+              <a:rPr lang="ru-RU" dirty="0" smtClean="0"/>
+              <a:t>() – сумма значений</a:t>
+            </a:r>
             <a:endParaRPr lang="en-US" dirty="0"/>
           </a:p>
         </p:txBody>
@@ -5191,7 +5152,7 @@
     </p:spTree>
     <p:extLst>
       <p:ext uri="{BB962C8B-B14F-4D97-AF65-F5344CB8AC3E}">
-        <p14:creationId xmlns:p14="http://schemas.microsoft.com/office/powerpoint/2010/main" val="2856452905"/>
+        <p14:creationId xmlns:p14="http://schemas.microsoft.com/office/powerpoint/2010/main" val="384543663"/>
       </p:ext>
     </p:extLst>
   </p:cSld>
@@ -5245,6 +5206,188 @@
               <a:t>Enumerable. </a:t>
             </a:r>
             <a:r>
+              <a:rPr lang="ru-RU" dirty="0" smtClean="0"/>
+              <a:t>Другие методы</a:t>
+            </a:r>
+            <a:endParaRPr lang="en-US" dirty="0"/>
+          </a:p>
+        </p:txBody>
+      </p:sp>
+      <p:sp>
+        <p:nvSpPr>
+          <p:cNvPr id="3" name="Content Placeholder 2"/>
+          <p:cNvSpPr>
+            <a:spLocks noGrp="1"/>
+          </p:cNvSpPr>
+          <p:nvPr>
+            <p:ph idx="1"/>
+          </p:nvPr>
+        </p:nvSpPr>
+        <p:spPr/>
+        <p:txBody>
+          <a:bodyPr>
+            <a:normAutofit/>
+          </a:bodyPr>
+          <a:lstStyle/>
+          <a:p>
+            <a:r>
+              <a:rPr lang="en-US" dirty="0" smtClean="0"/>
+              <a:t>Cast&lt;T&gt;()</a:t>
+            </a:r>
+            <a:endParaRPr lang="en-US" dirty="0"/>
+          </a:p>
+          <a:p>
+            <a:r>
+              <a:rPr lang="en-US" dirty="0" err="1" smtClean="0"/>
+              <a:t>OfType</a:t>
+            </a:r>
+            <a:r>
+              <a:rPr lang="en-US" dirty="0" smtClean="0"/>
+              <a:t>&lt;T&gt;()</a:t>
+            </a:r>
+            <a:endParaRPr lang="ru-RU" dirty="0" smtClean="0"/>
+          </a:p>
+          <a:p>
+            <a:r>
+              <a:rPr lang="en-US" dirty="0" smtClean="0"/>
+              <a:t>Count()</a:t>
+            </a:r>
+            <a:r>
+              <a:rPr lang="ru-RU" dirty="0" smtClean="0"/>
+              <a:t>/</a:t>
+            </a:r>
+            <a:r>
+              <a:rPr lang="en-US" dirty="0" err="1" smtClean="0"/>
+              <a:t>LongCount</a:t>
+            </a:r>
+            <a:r>
+              <a:rPr lang="en-US" dirty="0" smtClean="0"/>
+              <a:t>()</a:t>
+            </a:r>
+            <a:endParaRPr lang="ru-RU" dirty="0" smtClean="0"/>
+          </a:p>
+          <a:p>
+            <a:r>
+              <a:rPr lang="en-US" dirty="0" err="1" smtClean="0"/>
+              <a:t>ElementAt</a:t>
+            </a:r>
+            <a:r>
+              <a:rPr lang="en-US" dirty="0" smtClean="0"/>
+              <a:t>()</a:t>
+            </a:r>
+            <a:endParaRPr lang="ru-RU" dirty="0" smtClean="0"/>
+          </a:p>
+          <a:p>
+            <a:r>
+              <a:rPr lang="en-US" dirty="0" smtClean="0"/>
+              <a:t>Skip()/</a:t>
+            </a:r>
+            <a:r>
+              <a:rPr lang="en-US" dirty="0" err="1" smtClean="0"/>
+              <a:t>SkipWhile</a:t>
+            </a:r>
+            <a:r>
+              <a:rPr lang="ru-RU" dirty="0" smtClean="0"/>
+              <a:t>()</a:t>
+            </a:r>
+            <a:endParaRPr lang="en-US" dirty="0" smtClean="0"/>
+          </a:p>
+          <a:p>
+            <a:r>
+              <a:rPr lang="en-US" dirty="0" smtClean="0"/>
+              <a:t>Take()/</a:t>
+            </a:r>
+            <a:r>
+              <a:rPr lang="en-US" dirty="0" err="1" smtClean="0"/>
+              <a:t>TakeWhile</a:t>
+            </a:r>
+            <a:r>
+              <a:rPr lang="en-US" dirty="0" smtClean="0"/>
+              <a:t>()</a:t>
+            </a:r>
+          </a:p>
+          <a:p>
+            <a:r>
+              <a:rPr lang="en-US" dirty="0" smtClean="0"/>
+              <a:t>Reverse</a:t>
+            </a:r>
+            <a:r>
+              <a:rPr lang="en-US" dirty="0" smtClean="0"/>
+              <a:t>()</a:t>
+            </a:r>
+            <a:endParaRPr lang="en-US" dirty="0"/>
+          </a:p>
+          <a:p>
+            <a:pPr marL="0" indent="0">
+              <a:buNone/>
+            </a:pPr>
+            <a:endParaRPr lang="en-US" dirty="0"/>
+          </a:p>
+          <a:p>
+            <a:pPr marL="0" indent="0">
+              <a:buNone/>
+            </a:pPr>
+            <a:endParaRPr lang="en-US" dirty="0"/>
+          </a:p>
+        </p:txBody>
+      </p:sp>
+    </p:spTree>
+    <p:extLst>
+      <p:ext uri="{BB962C8B-B14F-4D97-AF65-F5344CB8AC3E}">
+        <p14:creationId xmlns:p14="http://schemas.microsoft.com/office/powerpoint/2010/main" val="2856452905"/>
+      </p:ext>
+    </p:extLst>
+  </p:cSld>
+  <p:clrMapOvr>
+    <a:masterClrMapping/>
+  </p:clrMapOvr>
+  <p:timing>
+    <p:tnLst>
+      <p:par>
+        <p:cTn id="1" dur="indefinite" restart="never" nodeType="tmRoot"/>
+      </p:par>
+    </p:tnLst>
+  </p:timing>
+</p:sld>
+</file>
+
+<file path=ppt/slides/slide22.xml><?xml version="1.0" encoding="utf-8"?>
+<p:sld xmlns:a="http://schemas.openxmlformats.org/drawingml/2006/main" xmlns:r="http://schemas.openxmlformats.org/officeDocument/2006/relationships" xmlns:p="http://schemas.openxmlformats.org/presentationml/2006/main">
+  <p:cSld>
+    <p:spTree>
+      <p:nvGrpSpPr>
+        <p:cNvPr id="1" name=""/>
+        <p:cNvGrpSpPr/>
+        <p:nvPr/>
+      </p:nvGrpSpPr>
+      <p:grpSpPr>
+        <a:xfrm>
+          <a:off x="0" y="0"/>
+          <a:ext cx="0" cy="0"/>
+          <a:chOff x="0" y="0"/>
+          <a:chExt cx="0" cy="0"/>
+        </a:xfrm>
+      </p:grpSpPr>
+      <p:sp>
+        <p:nvSpPr>
+          <p:cNvPr id="2" name="Title 1"/>
+          <p:cNvSpPr>
+            <a:spLocks noGrp="1"/>
+          </p:cNvSpPr>
+          <p:nvPr>
+            <p:ph type="title"/>
+          </p:nvPr>
+        </p:nvSpPr>
+        <p:spPr/>
+        <p:txBody>
+          <a:bodyPr/>
+          <a:lstStyle/>
+          <a:p>
+            <a:r>
+              <a:rPr lang="en-US" dirty="0" smtClean="0"/>
+              <a:t>Enumerable. </a:t>
+            </a:r>
+            <a:r>
               <a:rPr lang="en-US" dirty="0" err="1" smtClean="0"/>
               <a:t>ToXXX</a:t>
             </a:r>
@@ -5469,7 +5612,7 @@
 </p:sld>
 </file>
 
-<file path=ppt/slides/slide22.xml><?xml version="1.0" encoding="utf-8"?>
+<file path=ppt/slides/slide23.xml><?xml version="1.0" encoding="utf-8"?>
 <p:sld xmlns:a="http://schemas.openxmlformats.org/drawingml/2006/main" xmlns:r="http://schemas.openxmlformats.org/officeDocument/2006/relationships" xmlns:p="http://schemas.openxmlformats.org/presentationml/2006/main">
   <p:cSld>
     <p:bg>
@@ -5578,7 +5721,1775 @@
 </p:sld>
 </file>
 
-<file path=ppt/slides/slide23.xml><?xml version="1.0" encoding="utf-8"?>
+<file path=ppt/slides/slide24.xml><?xml version="1.0" encoding="utf-8"?>
+<p:sld xmlns:a="http://schemas.openxmlformats.org/drawingml/2006/main" xmlns:r="http://schemas.openxmlformats.org/officeDocument/2006/relationships" xmlns:p="http://schemas.openxmlformats.org/presentationml/2006/main">
+  <p:cSld>
+    <p:spTree>
+      <p:nvGrpSpPr>
+        <p:cNvPr id="1" name=""/>
+        <p:cNvGrpSpPr/>
+        <p:nvPr/>
+      </p:nvGrpSpPr>
+      <p:grpSpPr>
+        <a:xfrm>
+          <a:off x="0" y="0"/>
+          <a:ext cx="0" cy="0"/>
+          <a:chOff x="0" y="0"/>
+          <a:chExt cx="0" cy="0"/>
+        </a:xfrm>
+      </p:grpSpPr>
+      <p:sp>
+        <p:nvSpPr>
+          <p:cNvPr id="2" name="Title 1"/>
+          <p:cNvSpPr>
+            <a:spLocks noGrp="1"/>
+          </p:cNvSpPr>
+          <p:nvPr>
+            <p:ph type="title"/>
+          </p:nvPr>
+        </p:nvSpPr>
+        <p:spPr>
+          <a:xfrm>
+            <a:off x="457200" y="274638"/>
+            <a:ext cx="8229600" cy="1143000"/>
+          </a:xfrm>
+        </p:spPr>
+        <p:txBody>
+          <a:bodyPr/>
+          <a:lstStyle/>
+          <a:p>
+            <a:r>
+              <a:rPr lang="ru-RU" dirty="0" smtClean="0"/>
+              <a:t>Ключевые слова </a:t>
+            </a:r>
+            <a:r>
+              <a:rPr lang="en-US" dirty="0" smtClean="0"/>
+              <a:t>LINQ</a:t>
+            </a:r>
+            <a:endParaRPr lang="ru-RU" dirty="0"/>
+          </a:p>
+        </p:txBody>
+      </p:sp>
+      <p:graphicFrame>
+        <p:nvGraphicFramePr>
+          <p:cNvPr id="4" name="Table 3"/>
+          <p:cNvGraphicFramePr>
+            <a:graphicFrameLocks noGrp="1"/>
+          </p:cNvGraphicFramePr>
+          <p:nvPr>
+            <p:extLst>
+              <p:ext uri="{D42A27DB-BD31-4B8C-83A1-F6EECF244321}">
+                <p14:modId xmlns:p14="http://schemas.microsoft.com/office/powerpoint/2010/main" val="3755987268"/>
+              </p:ext>
+            </p:extLst>
+          </p:nvPr>
+        </p:nvGraphicFramePr>
+        <p:xfrm>
+          <a:off x="534380" y="1268760"/>
+          <a:ext cx="8075240" cy="5303410"/>
+        </p:xfrm>
+        <a:graphic>
+          <a:graphicData uri="http://schemas.openxmlformats.org/drawingml/2006/table">
+            <a:tbl>
+              <a:tblPr/>
+              <a:tblGrid>
+                <a:gridCol w="1013284"/>
+                <a:gridCol w="7061956"/>
+              </a:tblGrid>
+              <a:tr h="320018">
+                <a:tc>
+                  <a:txBody>
+                    <a:bodyPr/>
+                    <a:lstStyle/>
+                    <a:p>
+                      <a:pPr algn="ctr"/>
+                      <a:r>
+                        <a:rPr lang="en-US" sz="1400" b="1" dirty="0"/>
+                        <a:t>from </a:t>
+                      </a:r>
+                    </a:p>
+                  </a:txBody>
+                  <a:tcPr marL="45717" marR="45717" marT="22858" marB="22858" anchor="ctr">
+                    <a:lnL w="12700" cap="flat" cmpd="sng" algn="ctr">
+                      <a:solidFill>
+                        <a:schemeClr val="bg1"/>
+                      </a:solidFill>
+                      <a:prstDash val="solid"/>
+                      <a:round/>
+                      <a:headEnd type="none" w="med" len="med"/>
+                      <a:tailEnd type="none" w="med" len="med"/>
+                    </a:lnL>
+                    <a:lnR w="12700" cap="flat" cmpd="sng" algn="ctr">
+                      <a:solidFill>
+                        <a:schemeClr val="bg1"/>
+                      </a:solidFill>
+                      <a:prstDash val="solid"/>
+                      <a:round/>
+                      <a:headEnd type="none" w="med" len="med"/>
+                      <a:tailEnd type="none" w="med" len="med"/>
+                    </a:lnR>
+                    <a:lnT w="12700" cap="flat" cmpd="sng" algn="ctr">
+                      <a:solidFill>
+                        <a:schemeClr val="bg1"/>
+                      </a:solidFill>
+                      <a:prstDash val="solid"/>
+                      <a:round/>
+                      <a:headEnd type="none" w="med" len="med"/>
+                      <a:tailEnd type="none" w="med" len="med"/>
+                    </a:lnT>
+                    <a:lnB w="12700" cap="flat" cmpd="sng" algn="ctr">
+                      <a:solidFill>
+                        <a:schemeClr val="bg1"/>
+                      </a:solidFill>
+                      <a:prstDash val="solid"/>
+                      <a:round/>
+                      <a:headEnd type="none" w="med" len="med"/>
+                      <a:tailEnd type="none" w="med" len="med"/>
+                    </a:lnB>
+                  </a:tcPr>
+                </a:tc>
+                <a:tc>
+                  <a:txBody>
+                    <a:bodyPr/>
+                    <a:lstStyle/>
+                    <a:p>
+                      <a:r>
+                        <a:rPr lang="ru-RU" sz="1400" dirty="0" smtClean="0"/>
+                        <a:t>Указывает</a:t>
+                      </a:r>
+                      <a:r>
+                        <a:rPr lang="ru-RU" sz="1400" baseline="0" dirty="0" smtClean="0"/>
+                        <a:t> источник данных и переменную итерации</a:t>
+                      </a:r>
+                      <a:endParaRPr lang="en-US" sz="1400" dirty="0"/>
+                    </a:p>
+                  </a:txBody>
+                  <a:tcPr marL="45717" marR="45717" marT="22858" marB="22858" anchor="ctr">
+                    <a:lnL w="12700" cap="flat" cmpd="sng" algn="ctr">
+                      <a:solidFill>
+                        <a:schemeClr val="bg1"/>
+                      </a:solidFill>
+                      <a:prstDash val="solid"/>
+                      <a:round/>
+                      <a:headEnd type="none" w="med" len="med"/>
+                      <a:tailEnd type="none" w="med" len="med"/>
+                    </a:lnL>
+                    <a:lnR w="12700" cap="flat" cmpd="sng" algn="ctr">
+                      <a:solidFill>
+                        <a:schemeClr val="bg1"/>
+                      </a:solidFill>
+                      <a:prstDash val="solid"/>
+                      <a:round/>
+                      <a:headEnd type="none" w="med" len="med"/>
+                      <a:tailEnd type="none" w="med" len="med"/>
+                    </a:lnR>
+                    <a:lnT w="12700" cap="flat" cmpd="sng" algn="ctr">
+                      <a:solidFill>
+                        <a:schemeClr val="bg1"/>
+                      </a:solidFill>
+                      <a:prstDash val="solid"/>
+                      <a:round/>
+                      <a:headEnd type="none" w="med" len="med"/>
+                      <a:tailEnd type="none" w="med" len="med"/>
+                    </a:lnT>
+                    <a:lnB w="12700" cap="flat" cmpd="sng" algn="ctr">
+                      <a:solidFill>
+                        <a:schemeClr val="bg1"/>
+                      </a:solidFill>
+                      <a:prstDash val="solid"/>
+                      <a:round/>
+                      <a:headEnd type="none" w="med" len="med"/>
+                      <a:tailEnd type="none" w="med" len="med"/>
+                    </a:lnB>
+                  </a:tcPr>
+                </a:tc>
+              </a:tr>
+              <a:tr h="457168">
+                <a:tc>
+                  <a:txBody>
+                    <a:bodyPr/>
+                    <a:lstStyle/>
+                    <a:p>
+                      <a:pPr algn="ctr"/>
+                      <a:r>
+                        <a:rPr lang="en-US" sz="1400" b="1" dirty="0"/>
+                        <a:t>where </a:t>
+                      </a:r>
+                    </a:p>
+                  </a:txBody>
+                  <a:tcPr marL="45717" marR="45717" marT="22858" marB="22858" anchor="ctr">
+                    <a:lnL w="12700" cap="flat" cmpd="sng" algn="ctr">
+                      <a:solidFill>
+                        <a:schemeClr val="bg1"/>
+                      </a:solidFill>
+                      <a:prstDash val="solid"/>
+                      <a:round/>
+                      <a:headEnd type="none" w="med" len="med"/>
+                      <a:tailEnd type="none" w="med" len="med"/>
+                    </a:lnL>
+                    <a:lnR w="12700" cap="flat" cmpd="sng" algn="ctr">
+                      <a:solidFill>
+                        <a:schemeClr val="bg1"/>
+                      </a:solidFill>
+                      <a:prstDash val="solid"/>
+                      <a:round/>
+                      <a:headEnd type="none" w="med" len="med"/>
+                      <a:tailEnd type="none" w="med" len="med"/>
+                    </a:lnR>
+                    <a:lnT w="12700" cap="flat" cmpd="sng" algn="ctr">
+                      <a:solidFill>
+                        <a:schemeClr val="bg1"/>
+                      </a:solidFill>
+                      <a:prstDash val="solid"/>
+                      <a:round/>
+                      <a:headEnd type="none" w="med" len="med"/>
+                      <a:tailEnd type="none" w="med" len="med"/>
+                    </a:lnT>
+                    <a:lnB w="12700" cap="flat" cmpd="sng" algn="ctr">
+                      <a:solidFill>
+                        <a:schemeClr val="bg1"/>
+                      </a:solidFill>
+                      <a:prstDash val="solid"/>
+                      <a:round/>
+                      <a:headEnd type="none" w="med" len="med"/>
+                      <a:tailEnd type="none" w="med" len="med"/>
+                    </a:lnB>
+                  </a:tcPr>
+                </a:tc>
+                <a:tc>
+                  <a:txBody>
+                    <a:bodyPr/>
+                    <a:lstStyle/>
+                    <a:p>
+                      <a:r>
+                        <a:rPr lang="ru-RU" sz="1400" dirty="0" smtClean="0"/>
+                        <a:t>Фильтрация элементов с</a:t>
+                      </a:r>
+                      <a:r>
+                        <a:rPr lang="ru-RU" sz="1400" baseline="0" dirty="0" smtClean="0"/>
+                        <a:t> помощью одного</a:t>
+                      </a:r>
+                      <a:r>
+                        <a:rPr lang="ru-RU" sz="1400" dirty="0" smtClean="0"/>
+                        <a:t> или нескольких логических выражений разделенных логическим</a:t>
+                      </a:r>
+                      <a:r>
+                        <a:rPr lang="ru-RU" sz="1400" baseline="0" dirty="0" smtClean="0"/>
+                        <a:t> операторами И и ИЛИ </a:t>
+                      </a:r>
+                      <a:r>
+                        <a:rPr lang="en-US" sz="1400" dirty="0" smtClean="0"/>
+                        <a:t>( </a:t>
+                      </a:r>
+                      <a:r>
+                        <a:rPr lang="en-US" sz="1400" dirty="0"/>
+                        <a:t>&amp;&amp; or || </a:t>
+                      </a:r>
+                      <a:r>
+                        <a:rPr lang="en-US" sz="1400" dirty="0" smtClean="0"/>
+                        <a:t>).</a:t>
+                      </a:r>
+                      <a:r>
+                        <a:rPr lang="ru-RU" sz="1400" dirty="0" smtClean="0"/>
+                        <a:t> Эквивалентен</a:t>
+                      </a:r>
+                      <a:r>
+                        <a:rPr lang="ru-RU" sz="1400" baseline="0" dirty="0" smtClean="0"/>
+                        <a:t> методу </a:t>
+                      </a:r>
+                      <a:r>
+                        <a:rPr lang="en-US" sz="1400" baseline="0" dirty="0" err="1" smtClean="0"/>
+                        <a:t>Enumerable.Where</a:t>
+                      </a:r>
+                      <a:r>
+                        <a:rPr lang="en-US" sz="1400" baseline="0" dirty="0" smtClean="0"/>
+                        <a:t>().</a:t>
+                      </a:r>
+                      <a:endParaRPr lang="en-US" sz="1400" dirty="0"/>
+                    </a:p>
+                  </a:txBody>
+                  <a:tcPr marL="45717" marR="45717" marT="22858" marB="22858" anchor="ctr">
+                    <a:lnL w="12700" cap="flat" cmpd="sng" algn="ctr">
+                      <a:solidFill>
+                        <a:schemeClr val="bg1"/>
+                      </a:solidFill>
+                      <a:prstDash val="solid"/>
+                      <a:round/>
+                      <a:headEnd type="none" w="med" len="med"/>
+                      <a:tailEnd type="none" w="med" len="med"/>
+                    </a:lnL>
+                    <a:lnR w="12700" cap="flat" cmpd="sng" algn="ctr">
+                      <a:solidFill>
+                        <a:schemeClr val="bg1"/>
+                      </a:solidFill>
+                      <a:prstDash val="solid"/>
+                      <a:round/>
+                      <a:headEnd type="none" w="med" len="med"/>
+                      <a:tailEnd type="none" w="med" len="med"/>
+                    </a:lnR>
+                    <a:lnT w="12700" cap="flat" cmpd="sng" algn="ctr">
+                      <a:solidFill>
+                        <a:schemeClr val="bg1"/>
+                      </a:solidFill>
+                      <a:prstDash val="solid"/>
+                      <a:round/>
+                      <a:headEnd type="none" w="med" len="med"/>
+                      <a:tailEnd type="none" w="med" len="med"/>
+                    </a:lnT>
+                    <a:lnB w="12700" cap="flat" cmpd="sng" algn="ctr">
+                      <a:solidFill>
+                        <a:schemeClr val="bg1"/>
+                      </a:solidFill>
+                      <a:prstDash val="solid"/>
+                      <a:round/>
+                      <a:headEnd type="none" w="med" len="med"/>
+                      <a:tailEnd type="none" w="med" len="med"/>
+                    </a:lnB>
+                  </a:tcPr>
+                </a:tc>
+              </a:tr>
+              <a:tr h="319058">
+                <a:tc>
+                  <a:txBody>
+                    <a:bodyPr/>
+                    <a:lstStyle/>
+                    <a:p>
+                      <a:pPr algn="ctr"/>
+                      <a:r>
+                        <a:rPr lang="en-US" sz="1400" b="1" dirty="0"/>
+                        <a:t>select </a:t>
+                      </a:r>
+                    </a:p>
+                  </a:txBody>
+                  <a:tcPr marL="45717" marR="45717" marT="22858" marB="22858" anchor="ctr">
+                    <a:lnL w="12700" cap="flat" cmpd="sng" algn="ctr">
+                      <a:solidFill>
+                        <a:schemeClr val="bg1"/>
+                      </a:solidFill>
+                      <a:prstDash val="solid"/>
+                      <a:round/>
+                      <a:headEnd type="none" w="med" len="med"/>
+                      <a:tailEnd type="none" w="med" len="med"/>
+                    </a:lnL>
+                    <a:lnR w="12700" cap="flat" cmpd="sng" algn="ctr">
+                      <a:solidFill>
+                        <a:schemeClr val="bg1"/>
+                      </a:solidFill>
+                      <a:prstDash val="solid"/>
+                      <a:round/>
+                      <a:headEnd type="none" w="med" len="med"/>
+                      <a:tailEnd type="none" w="med" len="med"/>
+                    </a:lnR>
+                    <a:lnT w="12700" cap="flat" cmpd="sng" algn="ctr">
+                      <a:solidFill>
+                        <a:schemeClr val="bg1"/>
+                      </a:solidFill>
+                      <a:prstDash val="solid"/>
+                      <a:round/>
+                      <a:headEnd type="none" w="med" len="med"/>
+                      <a:tailEnd type="none" w="med" len="med"/>
+                    </a:lnT>
+                    <a:lnB w="12700" cap="flat" cmpd="sng" algn="ctr">
+                      <a:solidFill>
+                        <a:schemeClr val="bg1"/>
+                      </a:solidFill>
+                      <a:prstDash val="solid"/>
+                      <a:round/>
+                      <a:headEnd type="none" w="med" len="med"/>
+                      <a:tailEnd type="none" w="med" len="med"/>
+                    </a:lnB>
+                  </a:tcPr>
+                </a:tc>
+                <a:tc>
+                  <a:txBody>
+                    <a:bodyPr/>
+                    <a:lstStyle/>
+                    <a:p>
+                      <a:r>
+                        <a:rPr lang="ru-RU" sz="1400" dirty="0" smtClean="0"/>
+                        <a:t>Определяет</a:t>
+                      </a:r>
+                      <a:r>
+                        <a:rPr lang="ru-RU" sz="1400" baseline="0" dirty="0" smtClean="0"/>
+                        <a:t> данные которые являются результатом запроса.</a:t>
+                      </a:r>
+                      <a:r>
+                        <a:rPr lang="ru-RU" sz="1400" dirty="0" smtClean="0"/>
+                        <a:t> Эквивалентен</a:t>
+                      </a:r>
+                      <a:r>
+                        <a:rPr lang="ru-RU" sz="1400" baseline="0" dirty="0" smtClean="0"/>
+                        <a:t> методу </a:t>
+                      </a:r>
+                      <a:r>
+                        <a:rPr lang="en-US" sz="1400" baseline="0" dirty="0" err="1" smtClean="0"/>
+                        <a:t>Enumerable.Select</a:t>
+                      </a:r>
+                      <a:r>
+                        <a:rPr lang="en-US" sz="1400" baseline="0" dirty="0" smtClean="0"/>
+                        <a:t>().</a:t>
+                      </a:r>
+                      <a:endParaRPr lang="en-US" sz="1400" dirty="0"/>
+                    </a:p>
+                  </a:txBody>
+                  <a:tcPr marL="45717" marR="45717" marT="22858" marB="22858" anchor="ctr">
+                    <a:lnL w="12700" cap="flat" cmpd="sng" algn="ctr">
+                      <a:solidFill>
+                        <a:schemeClr val="bg1"/>
+                      </a:solidFill>
+                      <a:prstDash val="solid"/>
+                      <a:round/>
+                      <a:headEnd type="none" w="med" len="med"/>
+                      <a:tailEnd type="none" w="med" len="med"/>
+                    </a:lnL>
+                    <a:lnR w="12700" cap="flat" cmpd="sng" algn="ctr">
+                      <a:solidFill>
+                        <a:schemeClr val="bg1"/>
+                      </a:solidFill>
+                      <a:prstDash val="solid"/>
+                      <a:round/>
+                      <a:headEnd type="none" w="med" len="med"/>
+                      <a:tailEnd type="none" w="med" len="med"/>
+                    </a:lnR>
+                    <a:lnT w="12700" cap="flat" cmpd="sng" algn="ctr">
+                      <a:solidFill>
+                        <a:schemeClr val="bg1"/>
+                      </a:solidFill>
+                      <a:prstDash val="solid"/>
+                      <a:round/>
+                      <a:headEnd type="none" w="med" len="med"/>
+                      <a:tailEnd type="none" w="med" len="med"/>
+                    </a:lnT>
+                    <a:lnB w="12700" cap="flat" cmpd="sng" algn="ctr">
+                      <a:solidFill>
+                        <a:schemeClr val="bg1"/>
+                      </a:solidFill>
+                      <a:prstDash val="solid"/>
+                      <a:round/>
+                      <a:headEnd type="none" w="med" len="med"/>
+                      <a:tailEnd type="none" w="med" len="med"/>
+                    </a:lnB>
+                  </a:tcPr>
+                </a:tc>
+              </a:tr>
+              <a:tr h="320018">
+                <a:tc>
+                  <a:txBody>
+                    <a:bodyPr/>
+                    <a:lstStyle/>
+                    <a:p>
+                      <a:pPr algn="ctr"/>
+                      <a:r>
+                        <a:rPr lang="en-US" sz="1400" b="1" dirty="0"/>
+                        <a:t>group </a:t>
+                      </a:r>
+                    </a:p>
+                  </a:txBody>
+                  <a:tcPr marL="45717" marR="45717" marT="22858" marB="22858" anchor="ctr">
+                    <a:lnL w="12700" cap="flat" cmpd="sng" algn="ctr">
+                      <a:solidFill>
+                        <a:schemeClr val="bg1"/>
+                      </a:solidFill>
+                      <a:prstDash val="solid"/>
+                      <a:round/>
+                      <a:headEnd type="none" w="med" len="med"/>
+                      <a:tailEnd type="none" w="med" len="med"/>
+                    </a:lnL>
+                    <a:lnR w="12700" cap="flat" cmpd="sng" algn="ctr">
+                      <a:solidFill>
+                        <a:schemeClr val="bg1"/>
+                      </a:solidFill>
+                      <a:prstDash val="solid"/>
+                      <a:round/>
+                      <a:headEnd type="none" w="med" len="med"/>
+                      <a:tailEnd type="none" w="med" len="med"/>
+                    </a:lnR>
+                    <a:lnT w="12700" cap="flat" cmpd="sng" algn="ctr">
+                      <a:solidFill>
+                        <a:schemeClr val="bg1"/>
+                      </a:solidFill>
+                      <a:prstDash val="solid"/>
+                      <a:round/>
+                      <a:headEnd type="none" w="med" len="med"/>
+                      <a:tailEnd type="none" w="med" len="med"/>
+                    </a:lnT>
+                    <a:lnB w="12700" cap="flat" cmpd="sng" algn="ctr">
+                      <a:solidFill>
+                        <a:schemeClr val="bg1"/>
+                      </a:solidFill>
+                      <a:prstDash val="solid"/>
+                      <a:round/>
+                      <a:headEnd type="none" w="med" len="med"/>
+                      <a:tailEnd type="none" w="med" len="med"/>
+                    </a:lnB>
+                  </a:tcPr>
+                </a:tc>
+                <a:tc>
+                  <a:txBody>
+                    <a:bodyPr/>
+                    <a:lstStyle/>
+                    <a:p>
+                      <a:r>
+                        <a:rPr lang="ru-RU" sz="1400" dirty="0" smtClean="0"/>
+                        <a:t>Группировка данных по указанному полю.</a:t>
+                      </a:r>
+                      <a:r>
+                        <a:rPr lang="ru-RU" sz="1400" dirty="0" smtClean="0"/>
+                        <a:t> Эквивалентен</a:t>
+                      </a:r>
+                      <a:r>
+                        <a:rPr lang="ru-RU" sz="1400" baseline="0" dirty="0" smtClean="0"/>
+                        <a:t> методу </a:t>
+                      </a:r>
+                      <a:r>
+                        <a:rPr lang="en-US" sz="1400" baseline="0" dirty="0" err="1" smtClean="0"/>
+                        <a:t>Enumerable.GroupBy</a:t>
+                      </a:r>
+                      <a:r>
+                        <a:rPr lang="en-US" sz="1400" baseline="0" dirty="0" smtClean="0"/>
+                        <a:t>().</a:t>
+                      </a:r>
+                      <a:endParaRPr lang="en-US" sz="1400" dirty="0"/>
+                    </a:p>
+                  </a:txBody>
+                  <a:tcPr marL="45717" marR="45717" marT="22858" marB="22858" anchor="ctr">
+                    <a:lnL w="12700" cap="flat" cmpd="sng" algn="ctr">
+                      <a:solidFill>
+                        <a:schemeClr val="bg1"/>
+                      </a:solidFill>
+                      <a:prstDash val="solid"/>
+                      <a:round/>
+                      <a:headEnd type="none" w="med" len="med"/>
+                      <a:tailEnd type="none" w="med" len="med"/>
+                    </a:lnL>
+                    <a:lnR w="12700" cap="flat" cmpd="sng" algn="ctr">
+                      <a:solidFill>
+                        <a:schemeClr val="bg1"/>
+                      </a:solidFill>
+                      <a:prstDash val="solid"/>
+                      <a:round/>
+                      <a:headEnd type="none" w="med" len="med"/>
+                      <a:tailEnd type="none" w="med" len="med"/>
+                    </a:lnR>
+                    <a:lnT w="12700" cap="flat" cmpd="sng" algn="ctr">
+                      <a:solidFill>
+                        <a:schemeClr val="bg1"/>
+                      </a:solidFill>
+                      <a:prstDash val="solid"/>
+                      <a:round/>
+                      <a:headEnd type="none" w="med" len="med"/>
+                      <a:tailEnd type="none" w="med" len="med"/>
+                    </a:lnT>
+                    <a:lnB w="12700" cap="flat" cmpd="sng" algn="ctr">
+                      <a:solidFill>
+                        <a:schemeClr val="bg1"/>
+                      </a:solidFill>
+                      <a:prstDash val="solid"/>
+                      <a:round/>
+                      <a:headEnd type="none" w="med" len="med"/>
+                      <a:tailEnd type="none" w="med" len="med"/>
+                    </a:lnB>
+                  </a:tcPr>
+                </a:tc>
+              </a:tr>
+              <a:tr h="457168">
+                <a:tc>
+                  <a:txBody>
+                    <a:bodyPr/>
+                    <a:lstStyle/>
+                    <a:p>
+                      <a:pPr algn="ctr"/>
+                      <a:r>
+                        <a:rPr lang="en-US" sz="1400" b="1" dirty="0"/>
+                        <a:t>into </a:t>
+                      </a:r>
+                    </a:p>
+                  </a:txBody>
+                  <a:tcPr marL="45717" marR="45717" marT="22858" marB="22858" anchor="ctr">
+                    <a:lnL w="12700" cap="flat" cmpd="sng" algn="ctr">
+                      <a:solidFill>
+                        <a:schemeClr val="bg1"/>
+                      </a:solidFill>
+                      <a:prstDash val="solid"/>
+                      <a:round/>
+                      <a:headEnd type="none" w="med" len="med"/>
+                      <a:tailEnd type="none" w="med" len="med"/>
+                    </a:lnL>
+                    <a:lnR w="12700" cap="flat" cmpd="sng" algn="ctr">
+                      <a:solidFill>
+                        <a:schemeClr val="bg1"/>
+                      </a:solidFill>
+                      <a:prstDash val="solid"/>
+                      <a:round/>
+                      <a:headEnd type="none" w="med" len="med"/>
+                      <a:tailEnd type="none" w="med" len="med"/>
+                    </a:lnR>
+                    <a:lnT w="12700" cap="flat" cmpd="sng" algn="ctr">
+                      <a:solidFill>
+                        <a:schemeClr val="bg1"/>
+                      </a:solidFill>
+                      <a:prstDash val="solid"/>
+                      <a:round/>
+                      <a:headEnd type="none" w="med" len="med"/>
+                      <a:tailEnd type="none" w="med" len="med"/>
+                    </a:lnT>
+                    <a:lnB w="12700" cap="flat" cmpd="sng" algn="ctr">
+                      <a:solidFill>
+                        <a:schemeClr val="bg1"/>
+                      </a:solidFill>
+                      <a:prstDash val="solid"/>
+                      <a:round/>
+                      <a:headEnd type="none" w="med" len="med"/>
+                      <a:tailEnd type="none" w="med" len="med"/>
+                    </a:lnB>
+                  </a:tcPr>
+                </a:tc>
+                <a:tc>
+                  <a:txBody>
+                    <a:bodyPr/>
+                    <a:lstStyle/>
+                    <a:p>
+                      <a:r>
+                        <a:rPr lang="ru-RU" sz="1400" dirty="0" smtClean="0"/>
+                        <a:t>Указывает идентификатор</a:t>
+                      </a:r>
+                      <a:r>
+                        <a:rPr lang="ru-RU" sz="1400" baseline="0" dirty="0" smtClean="0"/>
+                        <a:t> который может ссылаться на результаты операторов </a:t>
+                      </a:r>
+                      <a:r>
+                        <a:rPr lang="en-US" sz="1400" baseline="0" dirty="0" smtClean="0"/>
+                        <a:t>join, group </a:t>
+                      </a:r>
+                      <a:r>
+                        <a:rPr lang="ru-RU" sz="1400" baseline="0" dirty="0" smtClean="0"/>
+                        <a:t>или </a:t>
+                      </a:r>
+                      <a:r>
+                        <a:rPr lang="en-US" sz="1400" baseline="0" dirty="0" smtClean="0"/>
+                        <a:t>select</a:t>
+                      </a:r>
+                      <a:r>
+                        <a:rPr lang="en-US" sz="1400" dirty="0" smtClean="0"/>
+                        <a:t>.</a:t>
+                      </a:r>
+                      <a:endParaRPr lang="en-US" sz="1400" dirty="0"/>
+                    </a:p>
+                  </a:txBody>
+                  <a:tcPr marL="45717" marR="45717" marT="22858" marB="22858" anchor="ctr">
+                    <a:lnL w="12700" cap="flat" cmpd="sng" algn="ctr">
+                      <a:solidFill>
+                        <a:schemeClr val="bg1"/>
+                      </a:solidFill>
+                      <a:prstDash val="solid"/>
+                      <a:round/>
+                      <a:headEnd type="none" w="med" len="med"/>
+                      <a:tailEnd type="none" w="med" len="med"/>
+                    </a:lnL>
+                    <a:lnR w="12700" cap="flat" cmpd="sng" algn="ctr">
+                      <a:solidFill>
+                        <a:schemeClr val="bg1"/>
+                      </a:solidFill>
+                      <a:prstDash val="solid"/>
+                      <a:round/>
+                      <a:headEnd type="none" w="med" len="med"/>
+                      <a:tailEnd type="none" w="med" len="med"/>
+                    </a:lnR>
+                    <a:lnT w="12700" cap="flat" cmpd="sng" algn="ctr">
+                      <a:solidFill>
+                        <a:schemeClr val="bg1"/>
+                      </a:solidFill>
+                      <a:prstDash val="solid"/>
+                      <a:round/>
+                      <a:headEnd type="none" w="med" len="med"/>
+                      <a:tailEnd type="none" w="med" len="med"/>
+                    </a:lnT>
+                    <a:lnB w="12700" cap="flat" cmpd="sng" algn="ctr">
+                      <a:solidFill>
+                        <a:schemeClr val="bg1"/>
+                      </a:solidFill>
+                      <a:prstDash val="solid"/>
+                      <a:round/>
+                      <a:headEnd type="none" w="med" len="med"/>
+                      <a:tailEnd type="none" w="med" len="med"/>
+                    </a:lnB>
+                  </a:tcPr>
+                </a:tc>
+              </a:tr>
+              <a:tr h="457168">
+                <a:tc>
+                  <a:txBody>
+                    <a:bodyPr/>
+                    <a:lstStyle/>
+                    <a:p>
+                      <a:pPr algn="ctr"/>
+                      <a:r>
+                        <a:rPr lang="en-US" sz="1400" b="1" dirty="0" err="1"/>
+                        <a:t>orderby</a:t>
+                      </a:r>
+                      <a:r>
+                        <a:rPr lang="en-US" sz="1400" b="1" dirty="0"/>
+                        <a:t> </a:t>
+                      </a:r>
+                    </a:p>
+                  </a:txBody>
+                  <a:tcPr marL="45717" marR="45717" marT="22858" marB="22858" anchor="ctr">
+                    <a:lnL w="12700" cap="flat" cmpd="sng" algn="ctr">
+                      <a:solidFill>
+                        <a:schemeClr val="bg1"/>
+                      </a:solidFill>
+                      <a:prstDash val="solid"/>
+                      <a:round/>
+                      <a:headEnd type="none" w="med" len="med"/>
+                      <a:tailEnd type="none" w="med" len="med"/>
+                    </a:lnL>
+                    <a:lnR w="12700" cap="flat" cmpd="sng" algn="ctr">
+                      <a:solidFill>
+                        <a:schemeClr val="bg1"/>
+                      </a:solidFill>
+                      <a:prstDash val="solid"/>
+                      <a:round/>
+                      <a:headEnd type="none" w="med" len="med"/>
+                      <a:tailEnd type="none" w="med" len="med"/>
+                    </a:lnR>
+                    <a:lnT w="12700" cap="flat" cmpd="sng" algn="ctr">
+                      <a:solidFill>
+                        <a:schemeClr val="bg1"/>
+                      </a:solidFill>
+                      <a:prstDash val="solid"/>
+                      <a:round/>
+                      <a:headEnd type="none" w="med" len="med"/>
+                      <a:tailEnd type="none" w="med" len="med"/>
+                    </a:lnT>
+                    <a:lnB w="12700" cap="flat" cmpd="sng" algn="ctr">
+                      <a:solidFill>
+                        <a:schemeClr val="bg1"/>
+                      </a:solidFill>
+                      <a:prstDash val="solid"/>
+                      <a:round/>
+                      <a:headEnd type="none" w="med" len="med"/>
+                      <a:tailEnd type="none" w="med" len="med"/>
+                    </a:lnB>
+                  </a:tcPr>
+                </a:tc>
+                <a:tc>
+                  <a:txBody>
+                    <a:bodyPr/>
+                    <a:lstStyle/>
+                    <a:p>
+                      <a:r>
+                        <a:rPr lang="ru-RU" sz="1400" dirty="0" smtClean="0"/>
+                        <a:t>Сортирует</a:t>
+                      </a:r>
+                      <a:r>
+                        <a:rPr lang="ru-RU" sz="1400" baseline="0" dirty="0" smtClean="0"/>
+                        <a:t> результат запроса по убыванию или возрастанию. </a:t>
+                      </a:r>
+                      <a:r>
+                        <a:rPr lang="ru-RU" sz="1400" dirty="0" smtClean="0"/>
+                        <a:t>Эквивалентен</a:t>
+                      </a:r>
+                      <a:r>
+                        <a:rPr lang="ru-RU" sz="1400" baseline="0" dirty="0" smtClean="0"/>
+                        <a:t> методам </a:t>
+                      </a:r>
+                      <a:r>
+                        <a:rPr lang="en-US" sz="1400" baseline="0" dirty="0" err="1" smtClean="0"/>
+                        <a:t>Enumerable.OrderBy</a:t>
+                      </a:r>
+                      <a:r>
+                        <a:rPr lang="en-US" sz="1400" baseline="0" dirty="0" smtClean="0"/>
+                        <a:t>(), </a:t>
+                      </a:r>
+                      <a:r>
+                        <a:rPr lang="en-US" sz="1400" baseline="0" dirty="0" err="1" smtClean="0"/>
+                        <a:t>Enumerable.OrderByDescending</a:t>
+                      </a:r>
+                      <a:r>
+                        <a:rPr lang="en-US" sz="1400" baseline="0" dirty="0" smtClean="0"/>
+                        <a:t>(), </a:t>
+                      </a:r>
+                      <a:r>
+                        <a:rPr lang="en-US" sz="1400" baseline="0" dirty="0" err="1" smtClean="0"/>
+                        <a:t>Enumerable.ThenBy</a:t>
+                      </a:r>
+                      <a:r>
+                        <a:rPr lang="en-US" sz="1400" baseline="0" dirty="0" smtClean="0"/>
+                        <a:t>() </a:t>
+                      </a:r>
+                      <a:r>
+                        <a:rPr lang="ru-RU" sz="1400" baseline="0" dirty="0" smtClean="0"/>
+                        <a:t>и </a:t>
+                      </a:r>
+                      <a:r>
+                        <a:rPr lang="en-US" sz="1400" baseline="0" dirty="0" err="1" smtClean="0"/>
+                        <a:t>Enumerable.ThenByDescending</a:t>
+                      </a:r>
+                      <a:r>
+                        <a:rPr lang="en-US" sz="1400" baseline="0" dirty="0" smtClean="0"/>
+                        <a:t>().</a:t>
+                      </a:r>
+                      <a:endParaRPr lang="en-US" sz="1400" dirty="0"/>
+                    </a:p>
+                  </a:txBody>
+                  <a:tcPr marL="45717" marR="45717" marT="22858" marB="22858" anchor="ctr">
+                    <a:lnL w="12700" cap="flat" cmpd="sng" algn="ctr">
+                      <a:solidFill>
+                        <a:schemeClr val="bg1"/>
+                      </a:solidFill>
+                      <a:prstDash val="solid"/>
+                      <a:round/>
+                      <a:headEnd type="none" w="med" len="med"/>
+                      <a:tailEnd type="none" w="med" len="med"/>
+                    </a:lnL>
+                    <a:lnR w="12700" cap="flat" cmpd="sng" algn="ctr">
+                      <a:solidFill>
+                        <a:schemeClr val="bg1"/>
+                      </a:solidFill>
+                      <a:prstDash val="solid"/>
+                      <a:round/>
+                      <a:headEnd type="none" w="med" len="med"/>
+                      <a:tailEnd type="none" w="med" len="med"/>
+                    </a:lnR>
+                    <a:lnT w="12700" cap="flat" cmpd="sng" algn="ctr">
+                      <a:solidFill>
+                        <a:schemeClr val="bg1"/>
+                      </a:solidFill>
+                      <a:prstDash val="solid"/>
+                      <a:round/>
+                      <a:headEnd type="none" w="med" len="med"/>
+                      <a:tailEnd type="none" w="med" len="med"/>
+                    </a:lnT>
+                    <a:lnB w="12700" cap="flat" cmpd="sng" algn="ctr">
+                      <a:solidFill>
+                        <a:schemeClr val="bg1"/>
+                      </a:solidFill>
+                      <a:prstDash val="solid"/>
+                      <a:round/>
+                      <a:headEnd type="none" w="med" len="med"/>
+                      <a:tailEnd type="none" w="med" len="med"/>
+                    </a:lnB>
+                  </a:tcPr>
+                </a:tc>
+              </a:tr>
+              <a:tr h="457168">
+                <a:tc>
+                  <a:txBody>
+                    <a:bodyPr/>
+                    <a:lstStyle/>
+                    <a:p>
+                      <a:pPr algn="ctr"/>
+                      <a:r>
+                        <a:rPr lang="en-US" sz="1400" b="1" dirty="0"/>
+                        <a:t>join </a:t>
+                      </a:r>
+                    </a:p>
+                  </a:txBody>
+                  <a:tcPr marL="45717" marR="45717" marT="22858" marB="22858" anchor="ctr">
+                    <a:lnL w="12700" cap="flat" cmpd="sng" algn="ctr">
+                      <a:solidFill>
+                        <a:schemeClr val="bg1"/>
+                      </a:solidFill>
+                      <a:prstDash val="solid"/>
+                      <a:round/>
+                      <a:headEnd type="none" w="med" len="med"/>
+                      <a:tailEnd type="none" w="med" len="med"/>
+                    </a:lnL>
+                    <a:lnR w="12700" cap="flat" cmpd="sng" algn="ctr">
+                      <a:solidFill>
+                        <a:schemeClr val="bg1"/>
+                      </a:solidFill>
+                      <a:prstDash val="solid"/>
+                      <a:round/>
+                      <a:headEnd type="none" w="med" len="med"/>
+                      <a:tailEnd type="none" w="med" len="med"/>
+                    </a:lnR>
+                    <a:lnT w="12700" cap="flat" cmpd="sng" algn="ctr">
+                      <a:solidFill>
+                        <a:schemeClr val="bg1"/>
+                      </a:solidFill>
+                      <a:prstDash val="solid"/>
+                      <a:round/>
+                      <a:headEnd type="none" w="med" len="med"/>
+                      <a:tailEnd type="none" w="med" len="med"/>
+                    </a:lnT>
+                    <a:lnB w="12700" cap="flat" cmpd="sng" algn="ctr">
+                      <a:solidFill>
+                        <a:schemeClr val="bg1"/>
+                      </a:solidFill>
+                      <a:prstDash val="solid"/>
+                      <a:round/>
+                      <a:headEnd type="none" w="med" len="med"/>
+                      <a:tailEnd type="none" w="med" len="med"/>
+                    </a:lnB>
+                  </a:tcPr>
+                </a:tc>
+                <a:tc>
+                  <a:txBody>
+                    <a:bodyPr/>
+                    <a:lstStyle/>
+                    <a:p>
+                      <a:r>
+                        <a:rPr lang="ru-RU" sz="1400" dirty="0" smtClean="0"/>
+                        <a:t>Объединяет</a:t>
+                      </a:r>
+                      <a:r>
+                        <a:rPr lang="ru-RU" sz="1400" baseline="0" dirty="0" smtClean="0"/>
+                        <a:t> несколько источников данных. </a:t>
+                      </a:r>
+                      <a:r>
+                        <a:rPr lang="ru-RU" sz="1400" dirty="0" smtClean="0"/>
+                        <a:t>Эквивалентен</a:t>
+                      </a:r>
+                      <a:r>
+                        <a:rPr lang="ru-RU" sz="1400" baseline="0" dirty="0" smtClean="0"/>
+                        <a:t> методам </a:t>
+                      </a:r>
+                      <a:r>
+                        <a:rPr lang="en-US" sz="1400" baseline="0" dirty="0" err="1" smtClean="0"/>
+                        <a:t>Enumerable.Join</a:t>
+                      </a:r>
+                      <a:r>
+                        <a:rPr lang="en-US" sz="1400" baseline="0" dirty="0" smtClean="0"/>
+                        <a:t>() </a:t>
+                      </a:r>
+                      <a:r>
+                        <a:rPr lang="ru-RU" sz="1400" baseline="0" dirty="0" smtClean="0"/>
+                        <a:t>и </a:t>
+                      </a:r>
+                      <a:r>
+                        <a:rPr lang="en-US" sz="1400" baseline="0" dirty="0" smtClean="0"/>
+                        <a:t>Enumerable. </a:t>
+                      </a:r>
+                      <a:r>
+                        <a:rPr lang="en-US" sz="1400" baseline="0" dirty="0" err="1" smtClean="0"/>
+                        <a:t>GroupJoin</a:t>
+                      </a:r>
+                      <a:r>
+                        <a:rPr lang="en-US" sz="1400" baseline="0" dirty="0" smtClean="0"/>
+                        <a:t>()</a:t>
+                      </a:r>
+                      <a:endParaRPr lang="en-US" sz="1400" dirty="0"/>
+                    </a:p>
+                  </a:txBody>
+                  <a:tcPr marL="45717" marR="45717" marT="22858" marB="22858" anchor="ctr">
+                    <a:lnL w="12700" cap="flat" cmpd="sng" algn="ctr">
+                      <a:solidFill>
+                        <a:schemeClr val="bg1"/>
+                      </a:solidFill>
+                      <a:prstDash val="solid"/>
+                      <a:round/>
+                      <a:headEnd type="none" w="med" len="med"/>
+                      <a:tailEnd type="none" w="med" len="med"/>
+                    </a:lnL>
+                    <a:lnR w="12700" cap="flat" cmpd="sng" algn="ctr">
+                      <a:solidFill>
+                        <a:schemeClr val="bg1"/>
+                      </a:solidFill>
+                      <a:prstDash val="solid"/>
+                      <a:round/>
+                      <a:headEnd type="none" w="med" len="med"/>
+                      <a:tailEnd type="none" w="med" len="med"/>
+                    </a:lnR>
+                    <a:lnT w="12700" cap="flat" cmpd="sng" algn="ctr">
+                      <a:solidFill>
+                        <a:schemeClr val="bg1"/>
+                      </a:solidFill>
+                      <a:prstDash val="solid"/>
+                      <a:round/>
+                      <a:headEnd type="none" w="med" len="med"/>
+                      <a:tailEnd type="none" w="med" len="med"/>
+                    </a:lnT>
+                    <a:lnB w="12700" cap="flat" cmpd="sng" algn="ctr">
+                      <a:solidFill>
+                        <a:schemeClr val="bg1"/>
+                      </a:solidFill>
+                      <a:prstDash val="solid"/>
+                      <a:round/>
+                      <a:headEnd type="none" w="med" len="med"/>
+                      <a:tailEnd type="none" w="med" len="med"/>
+                    </a:lnB>
+                  </a:tcPr>
+                </a:tc>
+              </a:tr>
+              <a:tr h="320018">
+                <a:tc>
+                  <a:txBody>
+                    <a:bodyPr/>
+                    <a:lstStyle/>
+                    <a:p>
+                      <a:pPr algn="ctr"/>
+                      <a:r>
+                        <a:rPr lang="en-US" sz="1400" b="1" dirty="0"/>
+                        <a:t>let </a:t>
+                      </a:r>
+                    </a:p>
+                  </a:txBody>
+                  <a:tcPr marL="45717" marR="45717" marT="22858" marB="22858" anchor="ctr">
+                    <a:lnL w="12700" cap="flat" cmpd="sng" algn="ctr">
+                      <a:solidFill>
+                        <a:schemeClr val="bg1"/>
+                      </a:solidFill>
+                      <a:prstDash val="solid"/>
+                      <a:round/>
+                      <a:headEnd type="none" w="med" len="med"/>
+                      <a:tailEnd type="none" w="med" len="med"/>
+                    </a:lnL>
+                    <a:lnR w="12700" cap="flat" cmpd="sng" algn="ctr">
+                      <a:solidFill>
+                        <a:schemeClr val="bg1"/>
+                      </a:solidFill>
+                      <a:prstDash val="solid"/>
+                      <a:round/>
+                      <a:headEnd type="none" w="med" len="med"/>
+                      <a:tailEnd type="none" w="med" len="med"/>
+                    </a:lnR>
+                    <a:lnT w="12700" cap="flat" cmpd="sng" algn="ctr">
+                      <a:solidFill>
+                        <a:schemeClr val="bg1"/>
+                      </a:solidFill>
+                      <a:prstDash val="solid"/>
+                      <a:round/>
+                      <a:headEnd type="none" w="med" len="med"/>
+                      <a:tailEnd type="none" w="med" len="med"/>
+                    </a:lnT>
+                    <a:lnB w="12700" cap="flat" cmpd="sng" algn="ctr">
+                      <a:solidFill>
+                        <a:schemeClr val="bg1"/>
+                      </a:solidFill>
+                      <a:prstDash val="solid"/>
+                      <a:round/>
+                      <a:headEnd type="none" w="med" len="med"/>
+                      <a:tailEnd type="none" w="med" len="med"/>
+                    </a:lnB>
+                  </a:tcPr>
+                </a:tc>
+                <a:tc>
+                  <a:txBody>
+                    <a:bodyPr/>
+                    <a:lstStyle/>
+                    <a:p>
+                      <a:r>
+                        <a:rPr lang="ru-RU" sz="1400" dirty="0" smtClean="0"/>
+                        <a:t>Определяет переменную</a:t>
+                      </a:r>
+                      <a:r>
+                        <a:rPr lang="ru-RU" sz="1400" baseline="0" dirty="0" smtClean="0"/>
+                        <a:t> итерации для хранения промежуточных данных.</a:t>
+                      </a:r>
+                      <a:endParaRPr lang="en-US" sz="1400" dirty="0"/>
+                    </a:p>
+                  </a:txBody>
+                  <a:tcPr marL="45717" marR="45717" marT="22858" marB="22858" anchor="ctr">
+                    <a:lnL w="12700" cap="flat" cmpd="sng" algn="ctr">
+                      <a:solidFill>
+                        <a:schemeClr val="bg1"/>
+                      </a:solidFill>
+                      <a:prstDash val="solid"/>
+                      <a:round/>
+                      <a:headEnd type="none" w="med" len="med"/>
+                      <a:tailEnd type="none" w="med" len="med"/>
+                    </a:lnL>
+                    <a:lnR w="12700" cap="flat" cmpd="sng" algn="ctr">
+                      <a:solidFill>
+                        <a:schemeClr val="bg1"/>
+                      </a:solidFill>
+                      <a:prstDash val="solid"/>
+                      <a:round/>
+                      <a:headEnd type="none" w="med" len="med"/>
+                      <a:tailEnd type="none" w="med" len="med"/>
+                    </a:lnR>
+                    <a:lnT w="12700" cap="flat" cmpd="sng" algn="ctr">
+                      <a:solidFill>
+                        <a:schemeClr val="bg1"/>
+                      </a:solidFill>
+                      <a:prstDash val="solid"/>
+                      <a:round/>
+                      <a:headEnd type="none" w="med" len="med"/>
+                      <a:tailEnd type="none" w="med" len="med"/>
+                    </a:lnT>
+                    <a:lnB w="12700" cap="flat" cmpd="sng" algn="ctr">
+                      <a:solidFill>
+                        <a:schemeClr val="bg1"/>
+                      </a:solidFill>
+                      <a:prstDash val="solid"/>
+                      <a:round/>
+                      <a:headEnd type="none" w="med" len="med"/>
+                      <a:tailEnd type="none" w="med" len="med"/>
+                    </a:lnB>
+                  </a:tcPr>
+                </a:tc>
+              </a:tr>
+              <a:tr h="182867">
+                <a:tc>
+                  <a:txBody>
+                    <a:bodyPr/>
+                    <a:lstStyle/>
+                    <a:p>
+                      <a:pPr algn="ctr"/>
+                      <a:r>
+                        <a:rPr lang="en-US" sz="1400" b="1" dirty="0"/>
+                        <a:t>in </a:t>
+                      </a:r>
+                    </a:p>
+                  </a:txBody>
+                  <a:tcPr marL="45717" marR="45717" marT="22858" marB="22858" anchor="ctr">
+                    <a:lnL w="12700" cap="flat" cmpd="sng" algn="ctr">
+                      <a:solidFill>
+                        <a:schemeClr val="bg1"/>
+                      </a:solidFill>
+                      <a:prstDash val="solid"/>
+                      <a:round/>
+                      <a:headEnd type="none" w="med" len="med"/>
+                      <a:tailEnd type="none" w="med" len="med"/>
+                    </a:lnL>
+                    <a:lnR w="12700" cap="flat" cmpd="sng" algn="ctr">
+                      <a:solidFill>
+                        <a:schemeClr val="bg1"/>
+                      </a:solidFill>
+                      <a:prstDash val="solid"/>
+                      <a:round/>
+                      <a:headEnd type="none" w="med" len="med"/>
+                      <a:tailEnd type="none" w="med" len="med"/>
+                    </a:lnR>
+                    <a:lnT w="12700" cap="flat" cmpd="sng" algn="ctr">
+                      <a:solidFill>
+                        <a:schemeClr val="bg1"/>
+                      </a:solidFill>
+                      <a:prstDash val="solid"/>
+                      <a:round/>
+                      <a:headEnd type="none" w="med" len="med"/>
+                      <a:tailEnd type="none" w="med" len="med"/>
+                    </a:lnT>
+                    <a:lnB w="12700" cap="flat" cmpd="sng" algn="ctr">
+                      <a:solidFill>
+                        <a:schemeClr val="bg1"/>
+                      </a:solidFill>
+                      <a:prstDash val="solid"/>
+                      <a:round/>
+                      <a:headEnd type="none" w="med" len="med"/>
+                      <a:tailEnd type="none" w="med" len="med"/>
+                    </a:lnB>
+                  </a:tcPr>
+                </a:tc>
+                <a:tc rowSpan="3">
+                  <a:txBody>
+                    <a:bodyPr/>
+                    <a:lstStyle/>
+                    <a:p>
+                      <a:r>
+                        <a:rPr lang="ru-RU" sz="1400" dirty="0" smtClean="0"/>
+                        <a:t>Используется вместе с ключевым словом </a:t>
+                      </a:r>
+                      <a:r>
+                        <a:rPr lang="en-US" sz="1400" dirty="0" smtClean="0"/>
+                        <a:t>join.</a:t>
+                      </a:r>
+                      <a:endParaRPr lang="en-US" sz="1400" dirty="0"/>
+                    </a:p>
+                  </a:txBody>
+                  <a:tcPr marL="45717" marR="45717" marT="22858" marB="22858" anchor="ctr">
+                    <a:lnL w="12700" cap="flat" cmpd="sng" algn="ctr">
+                      <a:solidFill>
+                        <a:schemeClr val="bg1"/>
+                      </a:solidFill>
+                      <a:prstDash val="solid"/>
+                      <a:round/>
+                      <a:headEnd type="none" w="med" len="med"/>
+                      <a:tailEnd type="none" w="med" len="med"/>
+                    </a:lnL>
+                    <a:lnR w="12700" cap="flat" cmpd="sng" algn="ctr">
+                      <a:solidFill>
+                        <a:schemeClr val="bg1"/>
+                      </a:solidFill>
+                      <a:prstDash val="solid"/>
+                      <a:round/>
+                      <a:headEnd type="none" w="med" len="med"/>
+                      <a:tailEnd type="none" w="med" len="med"/>
+                    </a:lnR>
+                    <a:lnT w="12700" cap="flat" cmpd="sng" algn="ctr">
+                      <a:solidFill>
+                        <a:schemeClr val="bg1"/>
+                      </a:solidFill>
+                      <a:prstDash val="solid"/>
+                      <a:round/>
+                      <a:headEnd type="none" w="med" len="med"/>
+                      <a:tailEnd type="none" w="med" len="med"/>
+                    </a:lnT>
+                    <a:lnB w="12700" cap="flat" cmpd="sng" algn="ctr">
+                      <a:solidFill>
+                        <a:schemeClr val="bg1"/>
+                      </a:solidFill>
+                      <a:prstDash val="solid"/>
+                      <a:round/>
+                      <a:headEnd type="none" w="med" len="med"/>
+                      <a:tailEnd type="none" w="med" len="med"/>
+                    </a:lnB>
+                  </a:tcPr>
+                </a:tc>
+              </a:tr>
+              <a:tr h="182867">
+                <a:tc>
+                  <a:txBody>
+                    <a:bodyPr/>
+                    <a:lstStyle/>
+                    <a:p>
+                      <a:pPr algn="ctr"/>
+                      <a:r>
+                        <a:rPr lang="en-US" sz="1400" b="1" dirty="0"/>
+                        <a:t>on </a:t>
+                      </a:r>
+                    </a:p>
+                  </a:txBody>
+                  <a:tcPr marL="45717" marR="45717" marT="22858" marB="22858" anchor="ctr">
+                    <a:lnL w="12700" cap="flat" cmpd="sng" algn="ctr">
+                      <a:solidFill>
+                        <a:schemeClr val="bg1"/>
+                      </a:solidFill>
+                      <a:prstDash val="solid"/>
+                      <a:round/>
+                      <a:headEnd type="none" w="med" len="med"/>
+                      <a:tailEnd type="none" w="med" len="med"/>
+                    </a:lnL>
+                    <a:lnR w="12700" cap="flat" cmpd="sng" algn="ctr">
+                      <a:solidFill>
+                        <a:schemeClr val="bg1"/>
+                      </a:solidFill>
+                      <a:prstDash val="solid"/>
+                      <a:round/>
+                      <a:headEnd type="none" w="med" len="med"/>
+                      <a:tailEnd type="none" w="med" len="med"/>
+                    </a:lnR>
+                    <a:lnT w="12700" cap="flat" cmpd="sng" algn="ctr">
+                      <a:solidFill>
+                        <a:schemeClr val="bg1"/>
+                      </a:solidFill>
+                      <a:prstDash val="solid"/>
+                      <a:round/>
+                      <a:headEnd type="none" w="med" len="med"/>
+                      <a:tailEnd type="none" w="med" len="med"/>
+                    </a:lnT>
+                    <a:lnB w="12700" cap="flat" cmpd="sng" algn="ctr">
+                      <a:solidFill>
+                        <a:schemeClr val="bg1"/>
+                      </a:solidFill>
+                      <a:prstDash val="solid"/>
+                      <a:round/>
+                      <a:headEnd type="none" w="med" len="med"/>
+                      <a:tailEnd type="none" w="med" len="med"/>
+                    </a:lnB>
+                  </a:tcPr>
+                </a:tc>
+                <a:tc vMerge="1">
+                  <a:txBody>
+                    <a:bodyPr/>
+                    <a:lstStyle/>
+                    <a:p>
+                      <a:endParaRPr lang="en-US" sz="1400" dirty="0"/>
+                    </a:p>
+                  </a:txBody>
+                  <a:tcPr marL="45717" marR="45717" marT="22858" marB="22858" anchor="ctr">
+                    <a:lnL w="12700" cap="flat" cmpd="sng" algn="ctr">
+                      <a:solidFill>
+                        <a:schemeClr val="bg1"/>
+                      </a:solidFill>
+                      <a:prstDash val="solid"/>
+                      <a:round/>
+                      <a:headEnd type="none" w="med" len="med"/>
+                      <a:tailEnd type="none" w="med" len="med"/>
+                    </a:lnL>
+                    <a:lnR w="12700" cap="flat" cmpd="sng" algn="ctr">
+                      <a:solidFill>
+                        <a:schemeClr val="bg1"/>
+                      </a:solidFill>
+                      <a:prstDash val="solid"/>
+                      <a:round/>
+                      <a:headEnd type="none" w="med" len="med"/>
+                      <a:tailEnd type="none" w="med" len="med"/>
+                    </a:lnR>
+                    <a:lnT w="12700" cap="flat" cmpd="sng" algn="ctr">
+                      <a:solidFill>
+                        <a:schemeClr val="bg1"/>
+                      </a:solidFill>
+                      <a:prstDash val="solid"/>
+                      <a:round/>
+                      <a:headEnd type="none" w="med" len="med"/>
+                      <a:tailEnd type="none" w="med" len="med"/>
+                    </a:lnT>
+                    <a:lnB w="12700" cap="flat" cmpd="sng" algn="ctr">
+                      <a:solidFill>
+                        <a:schemeClr val="bg1"/>
+                      </a:solidFill>
+                      <a:prstDash val="solid"/>
+                      <a:round/>
+                      <a:headEnd type="none" w="med" len="med"/>
+                      <a:tailEnd type="none" w="med" len="med"/>
+                    </a:lnB>
+                  </a:tcPr>
+                </a:tc>
+              </a:tr>
+              <a:tr h="182867">
+                <a:tc>
+                  <a:txBody>
+                    <a:bodyPr/>
+                    <a:lstStyle/>
+                    <a:p>
+                      <a:pPr algn="ctr"/>
+                      <a:r>
+                        <a:rPr lang="en-US" sz="1400" b="1" dirty="0"/>
+                        <a:t>equals </a:t>
+                      </a:r>
+                    </a:p>
+                  </a:txBody>
+                  <a:tcPr marL="45717" marR="45717" marT="22858" marB="22858" anchor="ctr">
+                    <a:lnL w="12700" cap="flat" cmpd="sng" algn="ctr">
+                      <a:solidFill>
+                        <a:schemeClr val="bg1"/>
+                      </a:solidFill>
+                      <a:prstDash val="solid"/>
+                      <a:round/>
+                      <a:headEnd type="none" w="med" len="med"/>
+                      <a:tailEnd type="none" w="med" len="med"/>
+                    </a:lnL>
+                    <a:lnR w="12700" cap="flat" cmpd="sng" algn="ctr">
+                      <a:solidFill>
+                        <a:schemeClr val="bg1"/>
+                      </a:solidFill>
+                      <a:prstDash val="solid"/>
+                      <a:round/>
+                      <a:headEnd type="none" w="med" len="med"/>
+                      <a:tailEnd type="none" w="med" len="med"/>
+                    </a:lnR>
+                    <a:lnT w="12700" cap="flat" cmpd="sng" algn="ctr">
+                      <a:solidFill>
+                        <a:schemeClr val="bg1"/>
+                      </a:solidFill>
+                      <a:prstDash val="solid"/>
+                      <a:round/>
+                      <a:headEnd type="none" w="med" len="med"/>
+                      <a:tailEnd type="none" w="med" len="med"/>
+                    </a:lnT>
+                    <a:lnB w="12700" cap="flat" cmpd="sng" algn="ctr">
+                      <a:solidFill>
+                        <a:schemeClr val="bg1"/>
+                      </a:solidFill>
+                      <a:prstDash val="solid"/>
+                      <a:round/>
+                      <a:headEnd type="none" w="med" len="med"/>
+                      <a:tailEnd type="none" w="med" len="med"/>
+                    </a:lnB>
+                  </a:tcPr>
+                </a:tc>
+                <a:tc vMerge="1">
+                  <a:txBody>
+                    <a:bodyPr/>
+                    <a:lstStyle/>
+                    <a:p>
+                      <a:endParaRPr lang="en-US" sz="1400" dirty="0"/>
+                    </a:p>
+                  </a:txBody>
+                  <a:tcPr marL="45717" marR="45717" marT="22858" marB="22858" anchor="ctr">
+                    <a:lnL w="12700" cap="flat" cmpd="sng" algn="ctr">
+                      <a:solidFill>
+                        <a:schemeClr val="bg1"/>
+                      </a:solidFill>
+                      <a:prstDash val="solid"/>
+                      <a:round/>
+                      <a:headEnd type="none" w="med" len="med"/>
+                      <a:tailEnd type="none" w="med" len="med"/>
+                    </a:lnL>
+                    <a:lnR w="12700" cap="flat" cmpd="sng" algn="ctr">
+                      <a:solidFill>
+                        <a:schemeClr val="bg1"/>
+                      </a:solidFill>
+                      <a:prstDash val="solid"/>
+                      <a:round/>
+                      <a:headEnd type="none" w="med" len="med"/>
+                      <a:tailEnd type="none" w="med" len="med"/>
+                    </a:lnR>
+                    <a:lnT w="12700" cap="flat" cmpd="sng" algn="ctr">
+                      <a:solidFill>
+                        <a:schemeClr val="bg1"/>
+                      </a:solidFill>
+                      <a:prstDash val="solid"/>
+                      <a:round/>
+                      <a:headEnd type="none" w="med" len="med"/>
+                      <a:tailEnd type="none" w="med" len="med"/>
+                    </a:lnT>
+                    <a:lnB w="12700" cap="flat" cmpd="sng" algn="ctr">
+                      <a:solidFill>
+                        <a:schemeClr val="bg1"/>
+                      </a:solidFill>
+                      <a:prstDash val="solid"/>
+                      <a:round/>
+                      <a:headEnd type="none" w="med" len="med"/>
+                      <a:tailEnd type="none" w="med" len="med"/>
+                    </a:lnB>
+                  </a:tcPr>
+                </a:tc>
+              </a:tr>
+              <a:tr h="182867">
+                <a:tc>
+                  <a:txBody>
+                    <a:bodyPr/>
+                    <a:lstStyle/>
+                    <a:p>
+                      <a:pPr algn="ctr"/>
+                      <a:r>
+                        <a:rPr lang="en-US" sz="1400" b="1" dirty="0"/>
+                        <a:t>by </a:t>
+                      </a:r>
+                    </a:p>
+                  </a:txBody>
+                  <a:tcPr marL="45717" marR="45717" marT="22858" marB="22858" anchor="ctr">
+                    <a:lnL w="12700" cap="flat" cmpd="sng" algn="ctr">
+                      <a:solidFill>
+                        <a:schemeClr val="bg1"/>
+                      </a:solidFill>
+                      <a:prstDash val="solid"/>
+                      <a:round/>
+                      <a:headEnd type="none" w="med" len="med"/>
+                      <a:tailEnd type="none" w="med" len="med"/>
+                    </a:lnL>
+                    <a:lnR w="12700" cap="flat" cmpd="sng" algn="ctr">
+                      <a:solidFill>
+                        <a:schemeClr val="bg1"/>
+                      </a:solidFill>
+                      <a:prstDash val="solid"/>
+                      <a:round/>
+                      <a:headEnd type="none" w="med" len="med"/>
+                      <a:tailEnd type="none" w="med" len="med"/>
+                    </a:lnR>
+                    <a:lnT w="12700" cap="flat" cmpd="sng" algn="ctr">
+                      <a:solidFill>
+                        <a:schemeClr val="bg1"/>
+                      </a:solidFill>
+                      <a:prstDash val="solid"/>
+                      <a:round/>
+                      <a:headEnd type="none" w="med" len="med"/>
+                      <a:tailEnd type="none" w="med" len="med"/>
+                    </a:lnT>
+                    <a:lnB w="12700" cap="flat" cmpd="sng" algn="ctr">
+                      <a:solidFill>
+                        <a:schemeClr val="bg1"/>
+                      </a:solidFill>
+                      <a:prstDash val="solid"/>
+                      <a:round/>
+                      <a:headEnd type="none" w="med" len="med"/>
+                      <a:tailEnd type="none" w="med" len="med"/>
+                    </a:lnB>
+                  </a:tcPr>
+                </a:tc>
+                <a:tc>
+                  <a:txBody>
+                    <a:bodyPr/>
+                    <a:lstStyle/>
+                    <a:p>
+                      <a:r>
+                        <a:rPr lang="ru-RU" sz="1400" dirty="0" smtClean="0"/>
+                        <a:t>Используется вместе с ключевым словом </a:t>
+                      </a:r>
+                      <a:r>
+                        <a:rPr lang="en-US" sz="1400" dirty="0" smtClean="0"/>
+                        <a:t>group.</a:t>
+                      </a:r>
+                      <a:endParaRPr lang="en-US" sz="1400" dirty="0"/>
+                    </a:p>
+                  </a:txBody>
+                  <a:tcPr marL="45717" marR="45717" marT="22858" marB="22858" anchor="ctr">
+                    <a:lnL w="12700" cap="flat" cmpd="sng" algn="ctr">
+                      <a:solidFill>
+                        <a:schemeClr val="bg1"/>
+                      </a:solidFill>
+                      <a:prstDash val="solid"/>
+                      <a:round/>
+                      <a:headEnd type="none" w="med" len="med"/>
+                      <a:tailEnd type="none" w="med" len="med"/>
+                    </a:lnL>
+                    <a:lnR w="12700" cap="flat" cmpd="sng" algn="ctr">
+                      <a:solidFill>
+                        <a:schemeClr val="bg1"/>
+                      </a:solidFill>
+                      <a:prstDash val="solid"/>
+                      <a:round/>
+                      <a:headEnd type="none" w="med" len="med"/>
+                      <a:tailEnd type="none" w="med" len="med"/>
+                    </a:lnR>
+                    <a:lnT w="12700" cap="flat" cmpd="sng" algn="ctr">
+                      <a:solidFill>
+                        <a:schemeClr val="bg1"/>
+                      </a:solidFill>
+                      <a:prstDash val="solid"/>
+                      <a:round/>
+                      <a:headEnd type="none" w="med" len="med"/>
+                      <a:tailEnd type="none" w="med" len="med"/>
+                    </a:lnT>
+                    <a:lnB w="12700" cap="flat" cmpd="sng" algn="ctr">
+                      <a:solidFill>
+                        <a:schemeClr val="bg1"/>
+                      </a:solidFill>
+                      <a:prstDash val="solid"/>
+                      <a:round/>
+                      <a:headEnd type="none" w="med" len="med"/>
+                      <a:tailEnd type="none" w="med" len="med"/>
+                    </a:lnB>
+                  </a:tcPr>
+                </a:tc>
+              </a:tr>
+              <a:tr h="182867">
+                <a:tc>
+                  <a:txBody>
+                    <a:bodyPr/>
+                    <a:lstStyle/>
+                    <a:p>
+                      <a:pPr algn="ctr"/>
+                      <a:r>
+                        <a:rPr lang="en-US" sz="1400" b="1" dirty="0"/>
+                        <a:t>ascending </a:t>
+                      </a:r>
+                    </a:p>
+                  </a:txBody>
+                  <a:tcPr marL="45717" marR="45717" marT="22858" marB="22858" anchor="ctr">
+                    <a:lnL w="12700" cap="flat" cmpd="sng" algn="ctr">
+                      <a:solidFill>
+                        <a:schemeClr val="bg1"/>
+                      </a:solidFill>
+                      <a:prstDash val="solid"/>
+                      <a:round/>
+                      <a:headEnd type="none" w="med" len="med"/>
+                      <a:tailEnd type="none" w="med" len="med"/>
+                    </a:lnL>
+                    <a:lnR w="12700" cap="flat" cmpd="sng" algn="ctr">
+                      <a:solidFill>
+                        <a:schemeClr val="bg1"/>
+                      </a:solidFill>
+                      <a:prstDash val="solid"/>
+                      <a:round/>
+                      <a:headEnd type="none" w="med" len="med"/>
+                      <a:tailEnd type="none" w="med" len="med"/>
+                    </a:lnR>
+                    <a:lnT w="12700" cap="flat" cmpd="sng" algn="ctr">
+                      <a:solidFill>
+                        <a:schemeClr val="bg1"/>
+                      </a:solidFill>
+                      <a:prstDash val="solid"/>
+                      <a:round/>
+                      <a:headEnd type="none" w="med" len="med"/>
+                      <a:tailEnd type="none" w="med" len="med"/>
+                    </a:lnT>
+                    <a:lnB w="12700" cap="flat" cmpd="sng" algn="ctr">
+                      <a:solidFill>
+                        <a:schemeClr val="bg1"/>
+                      </a:solidFill>
+                      <a:prstDash val="solid"/>
+                      <a:round/>
+                      <a:headEnd type="none" w="med" len="med"/>
+                      <a:tailEnd type="none" w="med" len="med"/>
+                    </a:lnB>
+                  </a:tcPr>
+                </a:tc>
+                <a:tc rowSpan="2">
+                  <a:txBody>
+                    <a:bodyPr/>
+                    <a:lstStyle/>
+                    <a:p>
+                      <a:pPr marL="0" marR="0" indent="0" algn="l" defTabSz="914400" rtl="0" eaLnBrk="1" fontAlgn="auto" latinLnBrk="0" hangingPunct="1">
+                        <a:lnSpc>
+                          <a:spcPct val="100000"/>
+                        </a:lnSpc>
+                        <a:spcBef>
+                          <a:spcPts val="0"/>
+                        </a:spcBef>
+                        <a:spcAft>
+                          <a:spcPts val="0"/>
+                        </a:spcAft>
+                        <a:buClrTx/>
+                        <a:buSzTx/>
+                        <a:buFontTx/>
+                        <a:buNone/>
+                        <a:tabLst/>
+                        <a:defRPr/>
+                      </a:pPr>
+                      <a:r>
+                        <a:rPr lang="ru-RU" sz="1400" dirty="0" smtClean="0"/>
+                        <a:t>Используется вместе с ключевым словом </a:t>
+                      </a:r>
+                      <a:r>
+                        <a:rPr lang="en-US" sz="1400" dirty="0" err="1" smtClean="0"/>
+                        <a:t>orderby</a:t>
+                      </a:r>
+                      <a:r>
+                        <a:rPr lang="en-US" sz="1400" dirty="0" smtClean="0"/>
+                        <a:t>.</a:t>
+                      </a:r>
+                      <a:endParaRPr lang="en-US" sz="1400" dirty="0"/>
+                    </a:p>
+                  </a:txBody>
+                  <a:tcPr marL="45717" marR="45717" marT="22858" marB="22858" anchor="ctr">
+                    <a:lnL w="12700" cap="flat" cmpd="sng" algn="ctr">
+                      <a:solidFill>
+                        <a:schemeClr val="bg1"/>
+                      </a:solidFill>
+                      <a:prstDash val="solid"/>
+                      <a:round/>
+                      <a:headEnd type="none" w="med" len="med"/>
+                      <a:tailEnd type="none" w="med" len="med"/>
+                    </a:lnL>
+                    <a:lnR w="12700" cap="flat" cmpd="sng" algn="ctr">
+                      <a:solidFill>
+                        <a:schemeClr val="bg1"/>
+                      </a:solidFill>
+                      <a:prstDash val="solid"/>
+                      <a:round/>
+                      <a:headEnd type="none" w="med" len="med"/>
+                      <a:tailEnd type="none" w="med" len="med"/>
+                    </a:lnR>
+                    <a:lnT w="12700" cap="flat" cmpd="sng" algn="ctr">
+                      <a:solidFill>
+                        <a:schemeClr val="bg1"/>
+                      </a:solidFill>
+                      <a:prstDash val="solid"/>
+                      <a:round/>
+                      <a:headEnd type="none" w="med" len="med"/>
+                      <a:tailEnd type="none" w="med" len="med"/>
+                    </a:lnT>
+                    <a:lnB w="12700" cap="flat" cmpd="sng" algn="ctr">
+                      <a:solidFill>
+                        <a:schemeClr val="bg1"/>
+                      </a:solidFill>
+                      <a:prstDash val="solid"/>
+                      <a:round/>
+                      <a:headEnd type="none" w="med" len="med"/>
+                      <a:tailEnd type="none" w="med" len="med"/>
+                    </a:lnB>
+                  </a:tcPr>
+                </a:tc>
+              </a:tr>
+              <a:tr h="182867">
+                <a:tc>
+                  <a:txBody>
+                    <a:bodyPr/>
+                    <a:lstStyle/>
+                    <a:p>
+                      <a:pPr algn="ctr"/>
+                      <a:r>
+                        <a:rPr lang="en-US" sz="1400" b="1" dirty="0"/>
+                        <a:t>descending </a:t>
+                      </a:r>
+                    </a:p>
+                  </a:txBody>
+                  <a:tcPr marL="45717" marR="45717" marT="22858" marB="22858" anchor="ctr">
+                    <a:lnL w="12700" cap="flat" cmpd="sng" algn="ctr">
+                      <a:solidFill>
+                        <a:schemeClr val="bg1"/>
+                      </a:solidFill>
+                      <a:prstDash val="solid"/>
+                      <a:round/>
+                      <a:headEnd type="none" w="med" len="med"/>
+                      <a:tailEnd type="none" w="med" len="med"/>
+                    </a:lnL>
+                    <a:lnR w="12700" cap="flat" cmpd="sng" algn="ctr">
+                      <a:solidFill>
+                        <a:schemeClr val="bg1"/>
+                      </a:solidFill>
+                      <a:prstDash val="solid"/>
+                      <a:round/>
+                      <a:headEnd type="none" w="med" len="med"/>
+                      <a:tailEnd type="none" w="med" len="med"/>
+                    </a:lnR>
+                    <a:lnT w="12700" cap="flat" cmpd="sng" algn="ctr">
+                      <a:solidFill>
+                        <a:schemeClr val="bg1"/>
+                      </a:solidFill>
+                      <a:prstDash val="solid"/>
+                      <a:round/>
+                      <a:headEnd type="none" w="med" len="med"/>
+                      <a:tailEnd type="none" w="med" len="med"/>
+                    </a:lnT>
+                    <a:lnB w="12700" cap="flat" cmpd="sng" algn="ctr">
+                      <a:solidFill>
+                        <a:schemeClr val="bg1"/>
+                      </a:solidFill>
+                      <a:prstDash val="solid"/>
+                      <a:round/>
+                      <a:headEnd type="none" w="med" len="med"/>
+                      <a:tailEnd type="none" w="med" len="med"/>
+                    </a:lnB>
+                  </a:tcPr>
+                </a:tc>
+                <a:tc vMerge="1">
+                  <a:txBody>
+                    <a:bodyPr/>
+                    <a:lstStyle/>
+                    <a:p>
+                      <a:endParaRPr lang="en-US" sz="1400" dirty="0"/>
+                    </a:p>
+                  </a:txBody>
+                  <a:tcPr marL="45717" marR="45717" marT="22858" marB="22858" anchor="ctr">
+                    <a:lnL w="12700" cap="flat" cmpd="sng" algn="ctr">
+                      <a:solidFill>
+                        <a:schemeClr val="bg1"/>
+                      </a:solidFill>
+                      <a:prstDash val="solid"/>
+                      <a:round/>
+                      <a:headEnd type="none" w="med" len="med"/>
+                      <a:tailEnd type="none" w="med" len="med"/>
+                    </a:lnL>
+                    <a:lnR w="12700" cap="flat" cmpd="sng" algn="ctr">
+                      <a:solidFill>
+                        <a:schemeClr val="bg1"/>
+                      </a:solidFill>
+                      <a:prstDash val="solid"/>
+                      <a:round/>
+                      <a:headEnd type="none" w="med" len="med"/>
+                      <a:tailEnd type="none" w="med" len="med"/>
+                    </a:lnR>
+                    <a:lnT w="12700" cap="flat" cmpd="sng" algn="ctr">
+                      <a:solidFill>
+                        <a:schemeClr val="bg1"/>
+                      </a:solidFill>
+                      <a:prstDash val="solid"/>
+                      <a:round/>
+                      <a:headEnd type="none" w="med" len="med"/>
+                      <a:tailEnd type="none" w="med" len="med"/>
+                    </a:lnT>
+                    <a:lnB w="12700" cap="flat" cmpd="sng" algn="ctr">
+                      <a:solidFill>
+                        <a:schemeClr val="bg1"/>
+                      </a:solidFill>
+                      <a:prstDash val="solid"/>
+                      <a:round/>
+                      <a:headEnd type="none" w="med" len="med"/>
+                      <a:tailEnd type="none" w="med" len="med"/>
+                    </a:lnB>
+                  </a:tcPr>
+                </a:tc>
+              </a:tr>
+            </a:tbl>
+          </a:graphicData>
+        </a:graphic>
+      </p:graphicFrame>
+    </p:spTree>
+    <p:extLst>
+      <p:ext uri="{BB962C8B-B14F-4D97-AF65-F5344CB8AC3E}">
+        <p14:creationId xmlns:p14="http://schemas.microsoft.com/office/powerpoint/2010/main" val="2129788586"/>
+      </p:ext>
+    </p:extLst>
+  </p:cSld>
+  <p:clrMapOvr>
+    <a:masterClrMapping/>
+  </p:clrMapOvr>
+  <p:timing>
+    <p:tnLst>
+      <p:par>
+        <p:cTn id="1" dur="indefinite" restart="never" nodeType="tmRoot"/>
+      </p:par>
+    </p:tnLst>
+  </p:timing>
+</p:sld>
+</file>
+
+<file path=ppt/slides/slide25.xml><?xml version="1.0" encoding="utf-8"?>
 <p:sld xmlns:a="http://schemas.openxmlformats.org/drawingml/2006/main" xmlns:r="http://schemas.openxmlformats.org/officeDocument/2006/relationships" xmlns:p="http://schemas.openxmlformats.org/presentationml/2006/main">
   <p:cSld>
     <p:spTree>
@@ -5737,7 +7648,7 @@
 </p:sld>
 </file>
 
-<file path=ppt/slides/slide24.xml><?xml version="1.0" encoding="utf-8"?>
+<file path=ppt/slides/slide26.xml><?xml version="1.0" encoding="utf-8"?>
 <p:sld xmlns:a="http://schemas.openxmlformats.org/drawingml/2006/main" xmlns:r="http://schemas.openxmlformats.org/officeDocument/2006/relationships" xmlns:p="http://schemas.openxmlformats.org/presentationml/2006/main">
   <p:cSld>
     <p:spTree>
@@ -8369,7 +10280,7 @@
 </p:sld>
 </file>
 
-<file path=ppt/slides/slide25.xml><?xml version="1.0" encoding="utf-8"?>
+<file path=ppt/slides/slide27.xml><?xml version="1.0" encoding="utf-8"?>
 <p:sld xmlns:a="http://schemas.openxmlformats.org/drawingml/2006/main" xmlns:r="http://schemas.openxmlformats.org/officeDocument/2006/relationships" xmlns:p="http://schemas.openxmlformats.org/presentationml/2006/main">
   <p:cSld>
     <p:spTree>

--- a/Presentation/lesson-11-linq.pptx
+++ b/Presentation/lesson-11-linq.pptx
@@ -5,7 +5,7 @@
     <p:sldMasterId id="2147483648" r:id="rId1"/>
   </p:sldMasterIdLst>
   <p:notesMasterIdLst>
-    <p:notesMasterId r:id="rId29"/>
+    <p:notesMasterId r:id="rId31"/>
   </p:notesMasterIdLst>
   <p:sldIdLst>
     <p:sldId id="256" r:id="rId2"/>
@@ -13,28 +13,30 @@
     <p:sldId id="269" r:id="rId4"/>
     <p:sldId id="266" r:id="rId5"/>
     <p:sldId id="259" r:id="rId6"/>
-    <p:sldId id="270" r:id="rId7"/>
-    <p:sldId id="271" r:id="rId8"/>
-    <p:sldId id="277" r:id="rId9"/>
-    <p:sldId id="265" r:id="rId10"/>
-    <p:sldId id="272" r:id="rId11"/>
-    <p:sldId id="267" r:id="rId12"/>
-    <p:sldId id="261" r:id="rId13"/>
-    <p:sldId id="274" r:id="rId14"/>
-    <p:sldId id="281" r:id="rId15"/>
-    <p:sldId id="275" r:id="rId16"/>
-    <p:sldId id="276" r:id="rId17"/>
-    <p:sldId id="268" r:id="rId18"/>
-    <p:sldId id="279" r:id="rId19"/>
-    <p:sldId id="283" r:id="rId20"/>
-    <p:sldId id="278" r:id="rId21"/>
-    <p:sldId id="280" r:id="rId22"/>
-    <p:sldId id="273" r:id="rId23"/>
-    <p:sldId id="260" r:id="rId24"/>
-    <p:sldId id="282" r:id="rId25"/>
-    <p:sldId id="264" r:id="rId26"/>
-    <p:sldId id="262" r:id="rId27"/>
-    <p:sldId id="263" r:id="rId28"/>
+    <p:sldId id="284" r:id="rId7"/>
+    <p:sldId id="285" r:id="rId8"/>
+    <p:sldId id="270" r:id="rId9"/>
+    <p:sldId id="271" r:id="rId10"/>
+    <p:sldId id="277" r:id="rId11"/>
+    <p:sldId id="265" r:id="rId12"/>
+    <p:sldId id="272" r:id="rId13"/>
+    <p:sldId id="267" r:id="rId14"/>
+    <p:sldId id="261" r:id="rId15"/>
+    <p:sldId id="274" r:id="rId16"/>
+    <p:sldId id="281" r:id="rId17"/>
+    <p:sldId id="275" r:id="rId18"/>
+    <p:sldId id="276" r:id="rId19"/>
+    <p:sldId id="268" r:id="rId20"/>
+    <p:sldId id="279" r:id="rId21"/>
+    <p:sldId id="283" r:id="rId22"/>
+    <p:sldId id="278" r:id="rId23"/>
+    <p:sldId id="280" r:id="rId24"/>
+    <p:sldId id="273" r:id="rId25"/>
+    <p:sldId id="260" r:id="rId26"/>
+    <p:sldId id="282" r:id="rId27"/>
+    <p:sldId id="264" r:id="rId28"/>
+    <p:sldId id="262" r:id="rId29"/>
+    <p:sldId id="263" r:id="rId30"/>
   </p:sldIdLst>
   <p:sldSz cx="9144000" cy="6858000" type="screen4x3"/>
   <p:notesSz cx="6858000" cy="9144000"/>
@@ -219,7 +221,7 @@
             <a:fld id="{B24A7054-7FFB-49F4-A126-5DF6E687FF53}" type="datetimeFigureOut">
               <a:rPr lang="ru-RU" smtClean="0"/>
               <a:pPr/>
-              <a:t>21.04.2014</a:t>
+              <a:t>08.05.2014</a:t>
             </a:fld>
             <a:endParaRPr lang="ru-RU"/>
           </a:p>
@@ -1503,7 +1505,7 @@
             <a:fld id="{8E6E6A2A-E9D3-4A0D-B04A-ABDD367A1E08}" type="datetimeFigureOut">
               <a:rPr lang="ru-RU" smtClean="0"/>
               <a:pPr/>
-              <a:t>21.04.2014</a:t>
+              <a:t>08.05.2014</a:t>
             </a:fld>
             <a:endParaRPr lang="ru-RU"/>
           </a:p>
@@ -2950,7 +2952,7 @@
             <a:fld id="{AC3D3127-B7C4-45E3-9797-C527EC9FDD78}" type="datetimeFigureOut">
               <a:rPr lang="ru-RU" smtClean="0"/>
               <a:pPr/>
-              <a:t>21.04.2014</a:t>
+              <a:t>08.05.2014</a:t>
             </a:fld>
             <a:endParaRPr lang="ru-RU"/>
           </a:p>
@@ -3540,14 +3542,6 @@
 <file path=ppt/slides/slide10.xml><?xml version="1.0" encoding="utf-8"?>
 <p:sld xmlns:a="http://schemas.openxmlformats.org/drawingml/2006/main" xmlns:r="http://schemas.openxmlformats.org/officeDocument/2006/relationships" xmlns:p="http://schemas.openxmlformats.org/presentationml/2006/main">
   <p:cSld>
-    <p:bg>
-      <p:bgPr>
-        <a:solidFill>
-          <a:srgbClr val="6600CC"/>
-        </a:solidFill>
-        <a:effectLst/>
-      </p:bgPr>
-    </p:bg>
     <p:spTree>
       <p:nvGrpSpPr>
         <p:cNvPr id="1" name=""/>
@@ -3578,13 +3572,8 @@
           <a:lstStyle/>
           <a:p>
             <a:r>
-              <a:rPr lang="ru-RU" b="1" dirty="0">
-                <a:solidFill>
-                  <a:schemeClr val="bg1"/>
-                </a:solidFill>
-                <a:cs typeface="Times New Roman" pitchFamily="18" charset="0"/>
-              </a:rPr>
-              <a:t>Самостоятельное задание</a:t>
+              <a:rPr lang="en-US" dirty="0" smtClean="0"/>
+              <a:t>IEnumerable&lt;T&gt;</a:t>
             </a:r>
             <a:endParaRPr lang="en-US" dirty="0"/>
           </a:p>
@@ -3602,9 +3591,7 @@
         </p:nvSpPr>
         <p:spPr/>
         <p:txBody>
-          <a:bodyPr>
-            <a:normAutofit lnSpcReduction="10000"/>
-          </a:bodyPr>
+          <a:bodyPr/>
           <a:lstStyle/>
           <a:p>
             <a:pPr marL="0" indent="0">
@@ -3612,73 +3599,7 @@
             </a:pPr>
             <a:r>
               <a:rPr lang="ru-RU" dirty="0" smtClean="0"/>
-              <a:t>Напишите </a:t>
-            </a:r>
-            <a:r>
-              <a:rPr lang="en-US" dirty="0" smtClean="0"/>
-              <a:t>extension </a:t>
-            </a:r>
-            <a:r>
-              <a:rPr lang="ru-RU" dirty="0" smtClean="0"/>
-              <a:t>метод для класса </a:t>
-            </a:r>
-            <a:r>
-              <a:rPr lang="en-US" dirty="0" err="1" smtClean="0"/>
-              <a:t>StringBuilder</a:t>
-            </a:r>
-            <a:r>
-              <a:rPr lang="en-US" dirty="0" smtClean="0"/>
-              <a:t>:</a:t>
-            </a:r>
-          </a:p>
-          <a:p>
-            <a:r>
-              <a:rPr lang="en-US" dirty="0" err="1" smtClean="0"/>
-              <a:t>AppendFormatLine</a:t>
-            </a:r>
-            <a:r>
-              <a:rPr lang="en-US" dirty="0" smtClean="0"/>
-              <a:t>(string format, object[] </a:t>
-            </a:r>
-            <a:r>
-              <a:rPr lang="en-US" dirty="0" err="1" smtClean="0"/>
-              <a:t>args</a:t>
-            </a:r>
-            <a:r>
-              <a:rPr lang="en-US" dirty="0" smtClean="0"/>
-              <a:t>)</a:t>
-            </a:r>
-            <a:r>
-              <a:rPr lang="ru-RU" dirty="0" smtClean="0"/>
-              <a:t> – форматированный вывод строки заканчивающийся переводом строки.</a:t>
-            </a:r>
-            <a:r>
-              <a:rPr lang="en-US" dirty="0" smtClean="0"/>
-              <a:t> </a:t>
-            </a:r>
-            <a:r>
-              <a:rPr lang="ru-RU" dirty="0" smtClean="0"/>
-              <a:t>Он должен делать то же самое что и стандартный метод </a:t>
-            </a:r>
-            <a:r>
-              <a:rPr lang="en-US" dirty="0" err="1" smtClean="0"/>
-              <a:t>AppendFormat</a:t>
-            </a:r>
-            <a:r>
-              <a:rPr lang="ru-RU" dirty="0"/>
-              <a:t> </a:t>
-            </a:r>
-            <a:r>
-              <a:rPr lang="ru-RU" dirty="0" smtClean="0"/>
-              <a:t> с добавлением символов перевода строки </a:t>
-            </a:r>
-            <a:r>
-              <a:rPr lang="en-US" dirty="0" smtClean="0"/>
-              <a:t>(\r\n) </a:t>
-            </a:r>
-            <a:r>
-              <a:rPr lang="ru-RU" dirty="0" smtClean="0"/>
-              <a:t>в конце.</a:t>
+              <a:t>Одноправленная неизменяемая последовательность элементов.</a:t>
             </a:r>
             <a:endParaRPr lang="en-US" dirty="0"/>
           </a:p>
@@ -3687,7 +3608,7 @@
     </p:spTree>
     <p:extLst>
       <p:ext uri="{BB962C8B-B14F-4D97-AF65-F5344CB8AC3E}">
-        <p14:creationId xmlns:p14="http://schemas.microsoft.com/office/powerpoint/2010/main" val="3539412357"/>
+        <p14:creationId xmlns:p14="http://schemas.microsoft.com/office/powerpoint/2010/main" val="3311498388"/>
       </p:ext>
     </p:extLst>
   </p:cSld>
@@ -3733,33 +3654,16 @@
         </p:nvSpPr>
         <p:spPr/>
         <p:txBody>
-          <a:bodyPr>
-            <a:normAutofit fontScale="90000"/>
-          </a:bodyPr>
+          <a:bodyPr/>
           <a:lstStyle/>
           <a:p>
             <a:r>
+              <a:rPr lang="en-US" dirty="0" smtClean="0"/>
+              <a:t>Extension </a:t>
+            </a:r>
+            <a:r>
               <a:rPr lang="ru-RU" dirty="0" smtClean="0"/>
-              <a:t>Лямбда</a:t>
-            </a:r>
-            <a:r>
-              <a:rPr lang="en-US" dirty="0" smtClean="0"/>
-              <a:t>-</a:t>
-            </a:r>
-            <a:r>
-              <a:rPr lang="ru-RU" dirty="0" smtClean="0"/>
-              <a:t>выражения</a:t>
-            </a:r>
-            <a:r>
-              <a:rPr lang="en-US" dirty="0" smtClean="0"/>
-              <a:t/>
-            </a:r>
-            <a:br>
-              <a:rPr lang="en-US" dirty="0" smtClean="0"/>
-            </a:br>
-            <a:r>
-              <a:rPr lang="en-US" dirty="0" smtClean="0"/>
-              <a:t>(lambda expressions)</a:t>
+              <a:t>методы</a:t>
             </a:r>
             <a:endParaRPr lang="en-US" dirty="0"/>
           </a:p>
@@ -3777,17 +3681,340 @@
         </p:nvSpPr>
         <p:spPr/>
         <p:txBody>
-          <a:bodyPr/>
+          <a:bodyPr>
+            <a:normAutofit fontScale="92500" lnSpcReduction="20000"/>
+          </a:bodyPr>
           <a:lstStyle/>
           <a:p>
-            <a:endParaRPr lang="en-US" dirty="0"/>
+            <a:pPr marL="0" indent="0">
+              <a:buNone/>
+            </a:pPr>
+            <a:r>
+              <a:rPr lang="ru-RU" dirty="0" smtClean="0"/>
+              <a:t>Позволяют добавлять методы к уже существующим классам без нарушения инкапсуляции.</a:t>
+            </a:r>
+          </a:p>
+          <a:p>
+            <a:pPr marL="0" indent="0">
+              <a:buNone/>
+            </a:pPr>
+            <a:endParaRPr lang="ru-RU" dirty="0"/>
+          </a:p>
+          <a:p>
+            <a:pPr marL="0" indent="0">
+              <a:buNone/>
+            </a:pPr>
+            <a:r>
+              <a:rPr lang="en-US" sz="1600" dirty="0" smtClean="0">
+                <a:solidFill>
+                  <a:srgbClr val="FFFF00"/>
+                </a:solidFill>
+                <a:latin typeface="Courier New" pitchFamily="49" charset="0"/>
+                <a:cs typeface="Courier New" pitchFamily="49" charset="0"/>
+              </a:rPr>
+              <a:t>static</a:t>
+            </a:r>
+            <a:r>
+              <a:rPr lang="en-US" sz="1600" dirty="0" smtClean="0">
+                <a:latin typeface="Courier New" pitchFamily="49" charset="0"/>
+                <a:cs typeface="Courier New" pitchFamily="49" charset="0"/>
+              </a:rPr>
+              <a:t> class </a:t>
+            </a:r>
+            <a:r>
+              <a:rPr lang="en-US" sz="1600" dirty="0" err="1" smtClean="0">
+                <a:latin typeface="Courier New" pitchFamily="49" charset="0"/>
+                <a:cs typeface="Courier New" pitchFamily="49" charset="0"/>
+              </a:rPr>
+              <a:t>DateTime</a:t>
+            </a:r>
+            <a:r>
+              <a:rPr lang="en-US" sz="1600" dirty="0" err="1" smtClean="0">
+                <a:solidFill>
+                  <a:srgbClr val="FFFF00"/>
+                </a:solidFill>
+                <a:latin typeface="Courier New" pitchFamily="49" charset="0"/>
+                <a:cs typeface="Courier New" pitchFamily="49" charset="0"/>
+              </a:rPr>
+              <a:t>Extensions</a:t>
+            </a:r>
+            <a:r>
+              <a:rPr lang="en-US" sz="1600" dirty="0" smtClean="0">
+                <a:latin typeface="Courier New" pitchFamily="49" charset="0"/>
+                <a:cs typeface="Courier New" pitchFamily="49" charset="0"/>
+              </a:rPr>
+              <a:t/>
+            </a:r>
+            <a:br>
+              <a:rPr lang="en-US" sz="1600" dirty="0" smtClean="0">
+                <a:latin typeface="Courier New" pitchFamily="49" charset="0"/>
+                <a:cs typeface="Courier New" pitchFamily="49" charset="0"/>
+              </a:rPr>
+            </a:br>
+            <a:r>
+              <a:rPr lang="en-US" sz="1600" dirty="0" smtClean="0">
+                <a:latin typeface="Courier New" pitchFamily="49" charset="0"/>
+                <a:cs typeface="Courier New" pitchFamily="49" charset="0"/>
+              </a:rPr>
+              <a:t>{</a:t>
+            </a:r>
+            <a:br>
+              <a:rPr lang="en-US" sz="1600" dirty="0" smtClean="0">
+                <a:latin typeface="Courier New" pitchFamily="49" charset="0"/>
+                <a:cs typeface="Courier New" pitchFamily="49" charset="0"/>
+              </a:rPr>
+            </a:br>
+            <a:r>
+              <a:rPr lang="en-US" sz="1600" dirty="0" smtClean="0">
+                <a:latin typeface="Courier New" pitchFamily="49" charset="0"/>
+                <a:cs typeface="Courier New" pitchFamily="49" charset="0"/>
+              </a:rPr>
+              <a:t>    ///&lt;summary&gt;</a:t>
+            </a:r>
+            <a:br>
+              <a:rPr lang="en-US" sz="1600" dirty="0" smtClean="0">
+                <a:latin typeface="Courier New" pitchFamily="49" charset="0"/>
+                <a:cs typeface="Courier New" pitchFamily="49" charset="0"/>
+              </a:rPr>
+            </a:br>
+            <a:r>
+              <a:rPr lang="en-US" sz="1600" dirty="0" smtClean="0">
+                <a:latin typeface="Courier New" pitchFamily="49" charset="0"/>
+                <a:cs typeface="Courier New" pitchFamily="49" charset="0"/>
+              </a:rPr>
+              <a:t>    ///</a:t>
+            </a:r>
+            <a:r>
+              <a:rPr lang="ru-RU" sz="1600" dirty="0" smtClean="0">
+                <a:latin typeface="Courier New" pitchFamily="49" charset="0"/>
+                <a:cs typeface="Courier New" pitchFamily="49" charset="0"/>
+              </a:rPr>
+              <a:t>Вернет строку вида </a:t>
+            </a:r>
+            <a:r>
+              <a:rPr lang="en-US" sz="1600" dirty="0">
+                <a:latin typeface="Courier New" pitchFamily="49" charset="0"/>
+                <a:cs typeface="Courier New" pitchFamily="49" charset="0"/>
+              </a:rPr>
+              <a:t>2008-04-10T06:30:00</a:t>
+            </a:r>
+            <a:endParaRPr lang="en-US" sz="1600" dirty="0" smtClean="0">
+              <a:latin typeface="Courier New" pitchFamily="49" charset="0"/>
+              <a:cs typeface="Courier New" pitchFamily="49" charset="0"/>
+            </a:endParaRPr>
+          </a:p>
+          <a:p>
+            <a:pPr marL="0" indent="0">
+              <a:buNone/>
+            </a:pPr>
+            <a:r>
+              <a:rPr lang="en-US" sz="1600" dirty="0" smtClean="0">
+                <a:latin typeface="Courier New" pitchFamily="49" charset="0"/>
+                <a:cs typeface="Courier New" pitchFamily="49" charset="0"/>
+              </a:rPr>
+              <a:t>    ///&lt;/summary</a:t>
+            </a:r>
+            <a:r>
+              <a:rPr lang="en-US" sz="1600" dirty="0">
+                <a:latin typeface="Courier New" pitchFamily="49" charset="0"/>
+                <a:cs typeface="Courier New" pitchFamily="49" charset="0"/>
+              </a:rPr>
+              <a:t>&gt;</a:t>
+            </a:r>
+            <a:endParaRPr lang="en-US" sz="1600" dirty="0" smtClean="0">
+              <a:latin typeface="Courier New" pitchFamily="49" charset="0"/>
+              <a:cs typeface="Courier New" pitchFamily="49" charset="0"/>
+            </a:endParaRPr>
+          </a:p>
+          <a:p>
+            <a:pPr marL="0" indent="0">
+              <a:buNone/>
+            </a:pPr>
+            <a:r>
+              <a:rPr lang="en-US" sz="1600" dirty="0" smtClean="0">
+                <a:latin typeface="Courier New" pitchFamily="49" charset="0"/>
+                <a:cs typeface="Courier New" pitchFamily="49" charset="0"/>
+              </a:rPr>
+              <a:t>    public </a:t>
+            </a:r>
+            <a:r>
+              <a:rPr lang="en-US" sz="1600" dirty="0" smtClean="0">
+                <a:solidFill>
+                  <a:srgbClr val="FFFF00"/>
+                </a:solidFill>
+                <a:latin typeface="Courier New" pitchFamily="49" charset="0"/>
+                <a:cs typeface="Courier New" pitchFamily="49" charset="0"/>
+              </a:rPr>
+              <a:t>static</a:t>
+            </a:r>
+            <a:r>
+              <a:rPr lang="en-US" sz="1600" dirty="0" smtClean="0">
+                <a:latin typeface="Courier New" pitchFamily="49" charset="0"/>
+                <a:cs typeface="Courier New" pitchFamily="49" charset="0"/>
+              </a:rPr>
+              <a:t> string ToIso8601String(</a:t>
+            </a:r>
+            <a:r>
+              <a:rPr lang="en-US" sz="1600" dirty="0" smtClean="0">
+                <a:solidFill>
+                  <a:srgbClr val="FFFF00"/>
+                </a:solidFill>
+                <a:latin typeface="Courier New" pitchFamily="49" charset="0"/>
+                <a:cs typeface="Courier New" pitchFamily="49" charset="0"/>
+              </a:rPr>
+              <a:t>this</a:t>
+            </a:r>
+            <a:r>
+              <a:rPr lang="en-US" sz="1600" dirty="0" smtClean="0">
+                <a:latin typeface="Courier New" pitchFamily="49" charset="0"/>
+                <a:cs typeface="Courier New" pitchFamily="49" charset="0"/>
+              </a:rPr>
+              <a:t> </a:t>
+            </a:r>
+            <a:r>
+              <a:rPr lang="en-US" sz="1600" dirty="0" err="1" smtClean="0">
+                <a:latin typeface="Courier New" pitchFamily="49" charset="0"/>
+                <a:cs typeface="Courier New" pitchFamily="49" charset="0"/>
+              </a:rPr>
+              <a:t>DateTime</a:t>
+            </a:r>
+            <a:r>
+              <a:rPr lang="en-US" sz="1600" dirty="0" smtClean="0">
+                <a:latin typeface="Courier New" pitchFamily="49" charset="0"/>
+                <a:cs typeface="Courier New" pitchFamily="49" charset="0"/>
+              </a:rPr>
+              <a:t> </a:t>
+            </a:r>
+            <a:r>
+              <a:rPr lang="en-US" sz="1600" dirty="0" err="1" smtClean="0">
+                <a:latin typeface="Courier New" pitchFamily="49" charset="0"/>
+                <a:cs typeface="Courier New" pitchFamily="49" charset="0"/>
+              </a:rPr>
+              <a:t>dt</a:t>
+            </a:r>
+            <a:r>
+              <a:rPr lang="en-US" sz="1600" dirty="0" smtClean="0">
+                <a:latin typeface="Courier New" pitchFamily="49" charset="0"/>
+                <a:cs typeface="Courier New" pitchFamily="49" charset="0"/>
+              </a:rPr>
+              <a:t>)</a:t>
+            </a:r>
+            <a:br>
+              <a:rPr lang="en-US" sz="1600" dirty="0" smtClean="0">
+                <a:latin typeface="Courier New" pitchFamily="49" charset="0"/>
+                <a:cs typeface="Courier New" pitchFamily="49" charset="0"/>
+              </a:rPr>
+            </a:br>
+            <a:r>
+              <a:rPr lang="en-US" sz="1600" dirty="0" smtClean="0">
+                <a:latin typeface="Courier New" pitchFamily="49" charset="0"/>
+                <a:cs typeface="Courier New" pitchFamily="49" charset="0"/>
+              </a:rPr>
+              <a:t>    {</a:t>
+            </a:r>
+          </a:p>
+          <a:p>
+            <a:pPr marL="0" indent="0">
+              <a:buNone/>
+            </a:pPr>
+            <a:r>
+              <a:rPr lang="en-US" sz="1600" dirty="0">
+                <a:latin typeface="Courier New" pitchFamily="49" charset="0"/>
+                <a:cs typeface="Courier New" pitchFamily="49" charset="0"/>
+              </a:rPr>
+              <a:t> </a:t>
+            </a:r>
+            <a:r>
+              <a:rPr lang="en-US" sz="1600" dirty="0" smtClean="0">
+                <a:latin typeface="Courier New" pitchFamily="49" charset="0"/>
+                <a:cs typeface="Courier New" pitchFamily="49" charset="0"/>
+              </a:rPr>
+              <a:t>       return </a:t>
+            </a:r>
+            <a:r>
+              <a:rPr lang="en-US" sz="1600" dirty="0" err="1" smtClean="0">
+                <a:latin typeface="Courier New" pitchFamily="49" charset="0"/>
+                <a:cs typeface="Courier New" pitchFamily="49" charset="0"/>
+              </a:rPr>
+              <a:t>dt.ToString</a:t>
+            </a:r>
+            <a:r>
+              <a:rPr lang="en-US" sz="1600" dirty="0">
+                <a:latin typeface="Courier New" pitchFamily="49" charset="0"/>
+                <a:cs typeface="Courier New" pitchFamily="49" charset="0"/>
+              </a:rPr>
+              <a:t>("</a:t>
+            </a:r>
+            <a:r>
+              <a:rPr lang="en-US" sz="1600" dirty="0" smtClean="0">
+                <a:latin typeface="Courier New" pitchFamily="49" charset="0"/>
+                <a:cs typeface="Courier New" pitchFamily="49" charset="0"/>
+              </a:rPr>
+              <a:t>s");</a:t>
+            </a:r>
+          </a:p>
+          <a:p>
+            <a:pPr marL="0" indent="0">
+              <a:buNone/>
+            </a:pPr>
+            <a:r>
+              <a:rPr lang="en-US" sz="1600" dirty="0">
+                <a:latin typeface="Courier New" pitchFamily="49" charset="0"/>
+                <a:cs typeface="Courier New" pitchFamily="49" charset="0"/>
+              </a:rPr>
+              <a:t> </a:t>
+            </a:r>
+            <a:r>
+              <a:rPr lang="en-US" sz="1600" dirty="0" smtClean="0">
+                <a:latin typeface="Courier New" pitchFamily="49" charset="0"/>
+                <a:cs typeface="Courier New" pitchFamily="49" charset="0"/>
+              </a:rPr>
+              <a:t>   }</a:t>
+            </a:r>
+          </a:p>
+          <a:p>
+            <a:pPr marL="0" indent="0">
+              <a:buNone/>
+            </a:pPr>
+            <a:r>
+              <a:rPr lang="en-US" sz="1600" dirty="0" smtClean="0">
+                <a:latin typeface="Courier New" pitchFamily="49" charset="0"/>
+                <a:cs typeface="Courier New" pitchFamily="49" charset="0"/>
+              </a:rPr>
+              <a:t>}</a:t>
+            </a:r>
+          </a:p>
+          <a:p>
+            <a:pPr marL="0" indent="0">
+              <a:buNone/>
+            </a:pPr>
+            <a:endParaRPr lang="en-US" sz="1600" dirty="0" smtClean="0">
+              <a:latin typeface="Courier New" pitchFamily="49" charset="0"/>
+              <a:cs typeface="Courier New" pitchFamily="49" charset="0"/>
+            </a:endParaRPr>
+          </a:p>
+          <a:p>
+            <a:pPr marL="0" indent="0">
+              <a:buNone/>
+            </a:pPr>
+            <a:r>
+              <a:rPr lang="en-US" sz="1600" dirty="0" smtClean="0">
+                <a:latin typeface="Courier New" pitchFamily="49" charset="0"/>
+                <a:cs typeface="Courier New" pitchFamily="49" charset="0"/>
+              </a:rPr>
+              <a:t>string today = DateTime.UtcNow.ToIso8601String();</a:t>
+            </a:r>
+            <a:endParaRPr lang="en-US" sz="1600" dirty="0">
+              <a:latin typeface="Courier New" pitchFamily="49" charset="0"/>
+              <a:cs typeface="Courier New" pitchFamily="49" charset="0"/>
+            </a:endParaRPr>
           </a:p>
         </p:txBody>
       </p:sp>
     </p:spTree>
     <p:extLst>
       <p:ext uri="{BB962C8B-B14F-4D97-AF65-F5344CB8AC3E}">
-        <p14:creationId xmlns:p14="http://schemas.microsoft.com/office/powerpoint/2010/main" val="375333521"/>
+        <p14:creationId xmlns:p14="http://schemas.microsoft.com/office/powerpoint/2010/main" val="3545898277"/>
       </p:ext>
     </p:extLst>
   </p:cSld>
@@ -3807,6 +4034,14 @@
 <file path=ppt/slides/slide12.xml><?xml version="1.0" encoding="utf-8"?>
 <p:sld xmlns:a="http://schemas.openxmlformats.org/drawingml/2006/main" xmlns:r="http://schemas.openxmlformats.org/officeDocument/2006/relationships" xmlns:p="http://schemas.openxmlformats.org/presentationml/2006/main">
   <p:cSld>
+    <p:bg>
+      <p:bgPr>
+        <a:solidFill>
+          <a:srgbClr val="6600CC"/>
+        </a:solidFill>
+        <a:effectLst/>
+      </p:bgPr>
+    </p:bg>
     <p:spTree>
       <p:nvGrpSpPr>
         <p:cNvPr id="1" name=""/>
@@ -3837,12 +4072,13 @@
           <a:lstStyle/>
           <a:p>
             <a:r>
-              <a:rPr lang="ru-RU" dirty="0" smtClean="0"/>
-              <a:t>Класс </a:t>
-            </a:r>
-            <a:r>
-              <a:rPr lang="en-US" dirty="0" err="1" smtClean="0"/>
-              <a:t>System.Linq.Enumerable</a:t>
+              <a:rPr lang="ru-RU" b="1" dirty="0">
+                <a:solidFill>
+                  <a:schemeClr val="bg1"/>
+                </a:solidFill>
+                <a:cs typeface="Times New Roman" pitchFamily="18" charset="0"/>
+              </a:rPr>
+              <a:t>Самостоятельное задание</a:t>
             </a:r>
             <a:endParaRPr lang="en-US" dirty="0"/>
           </a:p>
@@ -3861,7 +4097,7 @@
         <p:spPr/>
         <p:txBody>
           <a:bodyPr>
-            <a:normAutofit/>
+            <a:normAutofit lnSpcReduction="10000"/>
           </a:bodyPr>
           <a:lstStyle/>
           <a:p>
@@ -3870,7 +4106,7 @@
             </a:pPr>
             <a:r>
               <a:rPr lang="ru-RU" dirty="0" smtClean="0"/>
-              <a:t>Содержит множество полезных </a:t>
+              <a:t>Напишите </a:t>
             </a:r>
             <a:r>
               <a:rPr lang="en-US" dirty="0" smtClean="0"/>
@@ -3878,21 +4114,66 @@
             </a:r>
             <a:r>
               <a:rPr lang="ru-RU" dirty="0" smtClean="0"/>
-              <a:t>методов для </a:t>
+              <a:t>метод для класса </a:t>
+            </a:r>
+            <a:r>
+              <a:rPr lang="en-US" dirty="0" err="1" smtClean="0"/>
+              <a:t>StringBuilder</a:t>
             </a:r>
             <a:r>
               <a:rPr lang="en-US" dirty="0" smtClean="0"/>
-              <a:t>LINQ</a:t>
+              <a:t>:</a:t>
+            </a:r>
+          </a:p>
+          <a:p>
+            <a:r>
+              <a:rPr lang="en-US" dirty="0" err="1" smtClean="0"/>
+              <a:t>AppendFormatLine</a:t>
+            </a:r>
+            <a:r>
+              <a:rPr lang="en-US" dirty="0" smtClean="0"/>
+              <a:t>(string format, object[] </a:t>
+            </a:r>
+            <a:r>
+              <a:rPr lang="en-US" dirty="0" err="1" smtClean="0"/>
+              <a:t>args</a:t>
+            </a:r>
+            <a:r>
+              <a:rPr lang="en-US" dirty="0" smtClean="0"/>
+              <a:t>)</a:t>
             </a:r>
             <a:r>
               <a:rPr lang="ru-RU" dirty="0" smtClean="0"/>
-              <a:t>.</a:t>
-            </a:r>
-          </a:p>
-          <a:p>
-            <a:pPr marL="0" indent="0">
-              <a:buNone/>
-            </a:pPr>
+              <a:t> – форматированный вывод строки заканчивающийся переводом строки.</a:t>
+            </a:r>
+            <a:r>
+              <a:rPr lang="en-US" dirty="0" smtClean="0"/>
+              <a:t> </a:t>
+            </a:r>
+            <a:r>
+              <a:rPr lang="ru-RU" dirty="0" smtClean="0"/>
+              <a:t>Он должен делать то же самое что и стандартный метод </a:t>
+            </a:r>
+            <a:r>
+              <a:rPr lang="en-US" dirty="0" err="1" smtClean="0"/>
+              <a:t>AppendFormat</a:t>
+            </a:r>
+            <a:r>
+              <a:rPr lang="ru-RU" dirty="0"/>
+              <a:t> </a:t>
+            </a:r>
+            <a:r>
+              <a:rPr lang="ru-RU" dirty="0" smtClean="0"/>
+              <a:t> с добавлением символов перевода строки </a:t>
+            </a:r>
+            <a:r>
+              <a:rPr lang="en-US" dirty="0" smtClean="0"/>
+              <a:t>(\r\n) </a:t>
+            </a:r>
+            <a:r>
+              <a:rPr lang="ru-RU" dirty="0" smtClean="0"/>
+              <a:t>в конце.</a:t>
+            </a:r>
             <a:endParaRPr lang="en-US" dirty="0"/>
           </a:p>
         </p:txBody>
@@ -3900,7 +4181,7 @@
     </p:spTree>
     <p:extLst>
       <p:ext uri="{BB962C8B-B14F-4D97-AF65-F5344CB8AC3E}">
-        <p14:creationId xmlns:p14="http://schemas.microsoft.com/office/powerpoint/2010/main" val="2250229024"/>
+        <p14:creationId xmlns:p14="http://schemas.microsoft.com/office/powerpoint/2010/main" val="3539412357"/>
       </p:ext>
     </p:extLst>
   </p:cSld>
@@ -3946,16 +4227,33 @@
         </p:nvSpPr>
         <p:spPr/>
         <p:txBody>
-          <a:bodyPr/>
+          <a:bodyPr>
+            <a:normAutofit fontScale="90000"/>
+          </a:bodyPr>
           <a:lstStyle/>
           <a:p>
             <a:r>
-              <a:rPr lang="en-US" dirty="0" err="1" smtClean="0"/>
-              <a:t>Enumerable.Where</a:t>
+              <a:rPr lang="ru-RU" dirty="0" smtClean="0"/>
+              <a:t>Лямбда</a:t>
             </a:r>
             <a:r>
               <a:rPr lang="en-US" dirty="0" smtClean="0"/>
-              <a:t>()</a:t>
+              <a:t>-</a:t>
+            </a:r>
+            <a:r>
+              <a:rPr lang="ru-RU" dirty="0" smtClean="0"/>
+              <a:t>выражения</a:t>
+            </a:r>
+            <a:r>
+              <a:rPr lang="en-US" dirty="0" smtClean="0"/>
+              <a:t/>
+            </a:r>
+            <a:br>
+              <a:rPr lang="en-US" dirty="0" smtClean="0"/>
+            </a:br>
+            <a:r>
+              <a:rPr lang="en-US" dirty="0" smtClean="0"/>
+              <a:t>(lambda expressions)</a:t>
             </a:r>
             <a:endParaRPr lang="en-US" dirty="0"/>
           </a:p>
@@ -3976,21 +4274,6 @@
           <a:bodyPr/>
           <a:lstStyle/>
           <a:p>
-            <a:pPr marL="0" indent="0">
-              <a:buNone/>
-            </a:pPr>
-            <a:r>
-              <a:rPr lang="ru-RU" dirty="0" smtClean="0"/>
-              <a:t>Метод </a:t>
-            </a:r>
-            <a:r>
-              <a:rPr lang="en-US" dirty="0" smtClean="0"/>
-              <a:t>Where() </a:t>
-            </a:r>
-            <a:r>
-              <a:rPr lang="ru-RU" dirty="0" smtClean="0"/>
-              <a:t>позволяет выбирать из последовательности данные удовлетворяющие заданному условию.</a:t>
-            </a:r>
             <a:endParaRPr lang="en-US" dirty="0"/>
           </a:p>
         </p:txBody>
@@ -3998,7 +4281,7 @@
     </p:spTree>
     <p:extLst>
       <p:ext uri="{BB962C8B-B14F-4D97-AF65-F5344CB8AC3E}">
-        <p14:creationId xmlns:p14="http://schemas.microsoft.com/office/powerpoint/2010/main" val="3785344664"/>
+        <p14:creationId xmlns:p14="http://schemas.microsoft.com/office/powerpoint/2010/main" val="375333521"/>
       </p:ext>
     </p:extLst>
   </p:cSld>
@@ -4048,12 +4331,12 @@
           <a:lstStyle/>
           <a:p>
             <a:r>
+              <a:rPr lang="ru-RU" dirty="0" smtClean="0"/>
+              <a:t>Класс </a:t>
+            </a:r>
+            <a:r>
               <a:rPr lang="en-US" dirty="0" err="1" smtClean="0"/>
-              <a:t>Enumerable.Select</a:t>
-            </a:r>
-            <a:r>
-              <a:rPr lang="en-US" dirty="0" smtClean="0"/>
-              <a:t>()</a:t>
+              <a:t>System.Linq.Enumerable</a:t>
             </a:r>
             <a:endParaRPr lang="en-US" dirty="0"/>
           </a:p>
@@ -4071,7 +4354,9 @@
         </p:nvSpPr>
         <p:spPr/>
         <p:txBody>
-          <a:bodyPr/>
+          <a:bodyPr>
+            <a:normAutofit/>
+          </a:bodyPr>
           <a:lstStyle/>
           <a:p>
             <a:pPr marL="0" indent="0">
@@ -4079,8 +4364,29 @@
             </a:pPr>
             <a:r>
               <a:rPr lang="ru-RU" dirty="0" smtClean="0"/>
-              <a:t>…</a:t>
-            </a:r>
+              <a:t>Содержит множество полезных </a:t>
+            </a:r>
+            <a:r>
+              <a:rPr lang="en-US" dirty="0" smtClean="0"/>
+              <a:t>extension </a:t>
+            </a:r>
+            <a:r>
+              <a:rPr lang="ru-RU" dirty="0" smtClean="0"/>
+              <a:t>методов для </a:t>
+            </a:r>
+            <a:r>
+              <a:rPr lang="en-US" dirty="0" smtClean="0"/>
+              <a:t>LINQ</a:t>
+            </a:r>
+            <a:r>
+              <a:rPr lang="ru-RU" dirty="0" smtClean="0"/>
+              <a:t>.</a:t>
+            </a:r>
+          </a:p>
+          <a:p>
+            <a:pPr marL="0" indent="0">
+              <a:buNone/>
+            </a:pPr>
             <a:endParaRPr lang="en-US" dirty="0"/>
           </a:p>
         </p:txBody>
@@ -4088,7 +4394,7 @@
     </p:spTree>
     <p:extLst>
       <p:ext uri="{BB962C8B-B14F-4D97-AF65-F5344CB8AC3E}">
-        <p14:creationId xmlns:p14="http://schemas.microsoft.com/office/powerpoint/2010/main" val="3785344664"/>
+        <p14:creationId xmlns:p14="http://schemas.microsoft.com/office/powerpoint/2010/main" val="2250229024"/>
       </p:ext>
     </p:extLst>
   </p:cSld>
@@ -4138,16 +4444,12 @@
           <a:lstStyle/>
           <a:p>
             <a:r>
+              <a:rPr lang="en-US" dirty="0" err="1" smtClean="0"/>
+              <a:t>Enumerable.Where</a:t>
+            </a:r>
+            <a:r>
               <a:rPr lang="en-US" dirty="0" smtClean="0"/>
-              <a:t>Enumerable: Any() </a:t>
-            </a:r>
-            <a:r>
-              <a:rPr lang="ru-RU" dirty="0" smtClean="0"/>
-              <a:t>и </a:t>
-            </a:r>
-            <a:r>
-              <a:rPr lang="en-US" dirty="0" smtClean="0"/>
-              <a:t>All()</a:t>
+              <a:t>()</a:t>
             </a:r>
             <a:endParaRPr lang="en-US" dirty="0"/>
           </a:p>
@@ -4165,211 +4467,23 @@
         </p:nvSpPr>
         <p:spPr/>
         <p:txBody>
-          <a:bodyPr>
-            <a:normAutofit fontScale="85000" lnSpcReduction="20000"/>
-          </a:bodyPr>
+          <a:bodyPr/>
           <a:lstStyle/>
           <a:p>
-            <a:r>
-              <a:rPr lang="en-US" dirty="0" smtClean="0"/>
-              <a:t>Any()</a:t>
-            </a:r>
-          </a:p>
-          <a:p>
-            <a:pPr lvl="1"/>
+            <a:pPr marL="0" indent="0">
+              <a:buNone/>
+            </a:pPr>
             <a:r>
               <a:rPr lang="ru-RU" dirty="0" smtClean="0"/>
               <a:t>Метод </a:t>
             </a:r>
             <a:r>
               <a:rPr lang="en-US" dirty="0" smtClean="0"/>
-              <a:t>Any() </a:t>
+              <a:t>Where() </a:t>
             </a:r>
             <a:r>
               <a:rPr lang="ru-RU" dirty="0" smtClean="0"/>
-              <a:t>вызванный без аргументов вернет </a:t>
-            </a:r>
-            <a:r>
-              <a:rPr lang="en-US" dirty="0" smtClean="0"/>
-              <a:t>true </a:t>
-            </a:r>
-            <a:r>
-              <a:rPr lang="ru-RU" dirty="0" smtClean="0"/>
-              <a:t>если последовательность содержит хотя бы один элемент (то есть является не пустой) и </a:t>
-            </a:r>
-            <a:r>
-              <a:rPr lang="en-US" dirty="0" smtClean="0"/>
-              <a:t>false </a:t>
-            </a:r>
-            <a:r>
-              <a:rPr lang="ru-RU" dirty="0" smtClean="0"/>
-              <a:t>в </a:t>
-            </a:r>
-            <a:r>
-              <a:rPr lang="ru-RU" smtClean="0"/>
-              <a:t>противном случае;</a:t>
-            </a:r>
-            <a:endParaRPr lang="en-US" dirty="0" smtClean="0"/>
-          </a:p>
-          <a:p>
-            <a:pPr lvl="1"/>
-            <a:r>
-              <a:rPr lang="ru-RU" dirty="0" smtClean="0"/>
-              <a:t>Метод </a:t>
-            </a:r>
-            <a:r>
-              <a:rPr lang="en-US" dirty="0" smtClean="0"/>
-              <a:t>Any(</a:t>
-            </a:r>
-            <a:r>
-              <a:rPr lang="en-US" dirty="0" err="1"/>
-              <a:t>Func</a:t>
-            </a:r>
-            <a:r>
-              <a:rPr lang="en-US" dirty="0"/>
-              <a:t>&lt;</a:t>
-            </a:r>
-            <a:r>
-              <a:rPr lang="en-US" dirty="0" err="1"/>
-              <a:t>TSource</a:t>
-            </a:r>
-            <a:r>
-              <a:rPr lang="en-US" dirty="0"/>
-              <a:t>, </a:t>
-            </a:r>
-            <a:r>
-              <a:rPr lang="en-US" dirty="0" err="1"/>
-              <a:t>bool</a:t>
-            </a:r>
-            <a:r>
-              <a:rPr lang="en-US" dirty="0"/>
-              <a:t>&gt; predicate</a:t>
-            </a:r>
-            <a:r>
-              <a:rPr lang="en-US" dirty="0" smtClean="0"/>
-              <a:t>) </a:t>
-            </a:r>
-            <a:r>
-              <a:rPr lang="ru-RU" dirty="0" smtClean="0"/>
-              <a:t>вернет </a:t>
-            </a:r>
-            <a:r>
-              <a:rPr lang="en-US" dirty="0" smtClean="0"/>
-              <a:t>true </a:t>
-            </a:r>
-            <a:r>
-              <a:rPr lang="ru-RU" dirty="0" smtClean="0"/>
-              <a:t>если </a:t>
-            </a:r>
-            <a:r>
-              <a:rPr lang="ru-RU" dirty="0"/>
-              <a:t>последовательность содержит хотя бы один </a:t>
-            </a:r>
-            <a:r>
-              <a:rPr lang="ru-RU" dirty="0" smtClean="0"/>
-              <a:t>элемент для которого предикат вернул </a:t>
-            </a:r>
-            <a:r>
-              <a:rPr lang="en-US" dirty="0" smtClean="0"/>
-              <a:t>true </a:t>
-            </a:r>
-            <a:r>
-              <a:rPr lang="ru-RU" dirty="0"/>
-              <a:t>и </a:t>
-            </a:r>
-            <a:r>
-              <a:rPr lang="en-US" dirty="0"/>
-              <a:t>false </a:t>
-            </a:r>
-            <a:r>
-              <a:rPr lang="ru-RU" dirty="0"/>
-              <a:t>в противном </a:t>
-            </a:r>
-            <a:r>
-              <a:rPr lang="ru-RU" dirty="0" smtClean="0"/>
-              <a:t>случае.</a:t>
-            </a:r>
-            <a:endParaRPr lang="en-US" dirty="0" smtClean="0"/>
-          </a:p>
-          <a:p>
-            <a:r>
-              <a:rPr lang="en-US" dirty="0" smtClean="0"/>
-              <a:t>All()</a:t>
-            </a:r>
-          </a:p>
-          <a:p>
-            <a:pPr lvl="1"/>
-            <a:r>
-              <a:rPr lang="ru-RU" dirty="0" smtClean="0"/>
-              <a:t>Метод </a:t>
-            </a:r>
-            <a:r>
-              <a:rPr lang="en-US" dirty="0" smtClean="0"/>
-              <a:t>All(</a:t>
-            </a:r>
-            <a:r>
-              <a:rPr lang="en-US" dirty="0" err="1" smtClean="0"/>
-              <a:t>Func</a:t>
-            </a:r>
-            <a:r>
-              <a:rPr lang="en-US" dirty="0" smtClean="0"/>
-              <a:t>&lt;</a:t>
-            </a:r>
-            <a:r>
-              <a:rPr lang="en-US" dirty="0" err="1" smtClean="0"/>
-              <a:t>TSource</a:t>
-            </a:r>
-            <a:r>
-              <a:rPr lang="en-US" dirty="0"/>
-              <a:t>, </a:t>
-            </a:r>
-            <a:r>
-              <a:rPr lang="en-US" dirty="0" err="1"/>
-              <a:t>bool</a:t>
-            </a:r>
-            <a:r>
-              <a:rPr lang="en-US" dirty="0"/>
-              <a:t>&gt; predicate) </a:t>
-            </a:r>
-            <a:r>
-              <a:rPr lang="ru-RU" dirty="0"/>
-              <a:t>вернет </a:t>
-            </a:r>
-            <a:r>
-              <a:rPr lang="en-US" dirty="0"/>
-              <a:t>true </a:t>
-            </a:r>
-            <a:r>
-              <a:rPr lang="ru-RU" dirty="0"/>
-              <a:t>если </a:t>
-            </a:r>
-            <a:r>
-              <a:rPr lang="ru-RU" dirty="0" smtClean="0"/>
-              <a:t>для всех элементов последовательности предикат </a:t>
-            </a:r>
-            <a:r>
-              <a:rPr lang="ru-RU" dirty="0"/>
-              <a:t>вернул </a:t>
-            </a:r>
-            <a:r>
-              <a:rPr lang="en-US" dirty="0"/>
-              <a:t>true </a:t>
-            </a:r>
-            <a:r>
-              <a:rPr lang="ru-RU" dirty="0"/>
-              <a:t>и </a:t>
-            </a:r>
-            <a:r>
-              <a:rPr lang="en-US" dirty="0"/>
-              <a:t>false </a:t>
-            </a:r>
-            <a:r>
-              <a:rPr lang="ru-RU" dirty="0"/>
-              <a:t>в противном </a:t>
-            </a:r>
-            <a:r>
-              <a:rPr lang="ru-RU" dirty="0" smtClean="0"/>
-              <a:t>случае.</a:t>
+              <a:t>позволяет выбирать из последовательности данные удовлетворяющие заданному условию.</a:t>
             </a:r>
             <a:endParaRPr lang="en-US" dirty="0"/>
           </a:p>
@@ -4378,7 +4492,7 @@
     </p:spTree>
     <p:extLst>
       <p:ext uri="{BB962C8B-B14F-4D97-AF65-F5344CB8AC3E}">
-        <p14:creationId xmlns:p14="http://schemas.microsoft.com/office/powerpoint/2010/main" val="1695211947"/>
+        <p14:creationId xmlns:p14="http://schemas.microsoft.com/office/powerpoint/2010/main" val="3785344664"/>
       </p:ext>
     </p:extLst>
   </p:cSld>
@@ -4428,16 +4542,12 @@
           <a:lstStyle/>
           <a:p>
             <a:r>
+              <a:rPr lang="en-US" dirty="0" err="1" smtClean="0"/>
+              <a:t>Enumerable.Select</a:t>
+            </a:r>
+            <a:r>
               <a:rPr lang="en-US" dirty="0" smtClean="0"/>
-              <a:t>Enumerable: First() </a:t>
-            </a:r>
-            <a:r>
-              <a:rPr lang="ru-RU" dirty="0" smtClean="0"/>
-              <a:t>и </a:t>
-            </a:r>
-            <a:r>
-              <a:rPr lang="en-US" dirty="0" smtClean="0"/>
-              <a:t>Last()</a:t>
+              <a:t>()</a:t>
             </a:r>
             <a:endParaRPr lang="en-US" dirty="0"/>
           </a:p>
@@ -4455,9 +4565,7 @@
         </p:nvSpPr>
         <p:spPr/>
         <p:txBody>
-          <a:bodyPr>
-            <a:normAutofit fontScale="92500" lnSpcReduction="10000"/>
-          </a:bodyPr>
+          <a:bodyPr/>
           <a:lstStyle/>
           <a:p>
             <a:pPr marL="0" indent="0">
@@ -4465,81 +4573,8 @@
             </a:pPr>
             <a:r>
               <a:rPr lang="ru-RU" dirty="0" smtClean="0"/>
-              <a:t>Возвращают первый или последний элемент.</a:t>
-            </a:r>
-            <a:r>
-              <a:rPr lang="en-US" dirty="0" smtClean="0"/>
-              <a:t> </a:t>
-            </a:r>
-            <a:r>
-              <a:rPr lang="ru-RU" dirty="0" smtClean="0"/>
-              <a:t>Если последовательность пустая, то генерируется исключение.</a:t>
-            </a:r>
-          </a:p>
-          <a:p>
-            <a:pPr marL="0" indent="0">
-              <a:buNone/>
-            </a:pPr>
-            <a:endParaRPr lang="ru-RU" dirty="0"/>
-          </a:p>
-          <a:p>
-            <a:pPr marL="0" indent="0">
-              <a:buNone/>
-            </a:pPr>
-            <a:r>
-              <a:rPr lang="ru-RU" dirty="0" smtClean="0"/>
-              <a:t>Если мы ожидаем, что последовательность может быть пустой, то можно использовать методы </a:t>
-            </a:r>
-            <a:r>
-              <a:rPr lang="en-US" dirty="0" err="1" smtClean="0"/>
-              <a:t>FirstOrDefault</a:t>
-            </a:r>
-            <a:r>
-              <a:rPr lang="en-US" dirty="0" smtClean="0"/>
-              <a:t>()/</a:t>
-            </a:r>
-            <a:r>
-              <a:rPr lang="en-US" dirty="0" err="1" smtClean="0"/>
-              <a:t>Last</a:t>
-            </a:r>
-            <a:r>
-              <a:rPr lang="en-US" dirty="0" err="1"/>
-              <a:t>O</a:t>
-            </a:r>
-            <a:r>
-              <a:rPr lang="en-US" dirty="0" err="1" smtClean="0"/>
-              <a:t>rDefault</a:t>
-            </a:r>
-            <a:r>
-              <a:rPr lang="en-US" dirty="0" smtClean="0"/>
-              <a:t>(). </a:t>
-            </a:r>
-            <a:r>
-              <a:rPr lang="ru-RU" dirty="0" smtClean="0"/>
-              <a:t>Они вернут первый элемент или значение по умолчанию</a:t>
-            </a:r>
-            <a:r>
-              <a:rPr lang="en-US" dirty="0" smtClean="0"/>
-              <a:t>: null </a:t>
-            </a:r>
-            <a:r>
-              <a:rPr lang="ru-RU" dirty="0" smtClean="0"/>
-              <a:t>для ссылочных типов, 0 для </a:t>
-            </a:r>
-            <a:r>
-              <a:rPr lang="en-US" dirty="0" smtClean="0"/>
-              <a:t>value </a:t>
-            </a:r>
-            <a:r>
-              <a:rPr lang="ru-RU" dirty="0" smtClean="0"/>
-              <a:t>типов.</a:t>
-            </a:r>
-            <a:endParaRPr lang="en-US" dirty="0"/>
-          </a:p>
-          <a:p>
-            <a:pPr marL="0" indent="0">
-              <a:buNone/>
-            </a:pPr>
+              <a:t>…</a:t>
+            </a:r>
             <a:endParaRPr lang="en-US" dirty="0"/>
           </a:p>
         </p:txBody>
@@ -4547,7 +4582,7 @@
     </p:spTree>
     <p:extLst>
       <p:ext uri="{BB962C8B-B14F-4D97-AF65-F5344CB8AC3E}">
-        <p14:creationId xmlns:p14="http://schemas.microsoft.com/office/powerpoint/2010/main" val="821585920"/>
+        <p14:creationId xmlns:p14="http://schemas.microsoft.com/office/powerpoint/2010/main" val="3785344664"/>
       </p:ext>
     </p:extLst>
   </p:cSld>
@@ -4598,7 +4633,15 @@
           <a:p>
             <a:r>
               <a:rPr lang="en-US" dirty="0" smtClean="0"/>
-              <a:t>Enumerable: Single()</a:t>
+              <a:t>Enumerable: Any() </a:t>
+            </a:r>
+            <a:r>
+              <a:rPr lang="ru-RU" dirty="0" smtClean="0"/>
+              <a:t>и </a:t>
+            </a:r>
+            <a:r>
+              <a:rPr lang="en-US" dirty="0" smtClean="0"/>
+              <a:t>All()</a:t>
             </a:r>
             <a:endParaRPr lang="en-US" dirty="0"/>
           </a:p>
@@ -4617,55 +4660,210 @@
         <p:spPr/>
         <p:txBody>
           <a:bodyPr>
-            <a:normAutofit lnSpcReduction="10000"/>
+            <a:normAutofit fontScale="85000" lnSpcReduction="20000"/>
           </a:bodyPr>
           <a:lstStyle/>
           <a:p>
-            <a:pPr marL="0" indent="0">
-              <a:buNone/>
-            </a:pPr>
+            <a:r>
+              <a:rPr lang="en-US" dirty="0" smtClean="0"/>
+              <a:t>Any()</a:t>
+            </a:r>
+          </a:p>
+          <a:p>
+            <a:pPr lvl="1"/>
             <a:r>
               <a:rPr lang="ru-RU" dirty="0" smtClean="0"/>
               <a:t>Метод </a:t>
             </a:r>
             <a:r>
               <a:rPr lang="en-US" dirty="0" smtClean="0"/>
-              <a:t>Singe() </a:t>
+              <a:t>Any() </a:t>
             </a:r>
             <a:r>
               <a:rPr lang="ru-RU" dirty="0" smtClean="0"/>
-              <a:t>возвращает первый элемент из последовательности состоящей из одного элемента. Если в последовательности больше одного элемента или она пустая, то генерируется исключение.</a:t>
-            </a:r>
-          </a:p>
-          <a:p>
-            <a:pPr marL="0" indent="0">
-              <a:buNone/>
-            </a:pPr>
-            <a:endParaRPr lang="ru-RU" dirty="0"/>
-          </a:p>
-          <a:p>
-            <a:pPr marL="0" indent="0">
-              <a:buNone/>
-            </a:pPr>
+              <a:t>вызванный без аргументов вернет </a:t>
+            </a:r>
+            <a:r>
+              <a:rPr lang="en-US" dirty="0" smtClean="0"/>
+              <a:t>true </a:t>
+            </a:r>
+            <a:r>
+              <a:rPr lang="ru-RU" dirty="0" smtClean="0"/>
+              <a:t>если последовательность содержит хотя бы один элемент (то есть является не пустой) и </a:t>
+            </a:r>
+            <a:r>
+              <a:rPr lang="en-US" dirty="0" smtClean="0"/>
+              <a:t>false </a:t>
+            </a:r>
+            <a:r>
+              <a:rPr lang="ru-RU" dirty="0" smtClean="0"/>
+              <a:t>в </a:t>
+            </a:r>
+            <a:r>
+              <a:rPr lang="ru-RU" smtClean="0"/>
+              <a:t>противном случае;</a:t>
+            </a:r>
+            <a:endParaRPr lang="en-US" dirty="0" smtClean="0"/>
+          </a:p>
+          <a:p>
+            <a:pPr lvl="1"/>
+            <a:r>
+              <a:rPr lang="ru-RU" dirty="0" smtClean="0"/>
+              <a:t>Метод </a:t>
+            </a:r>
+            <a:r>
+              <a:rPr lang="en-US" dirty="0" smtClean="0"/>
+              <a:t>Any(</a:t>
+            </a:r>
+            <a:r>
+              <a:rPr lang="en-US" dirty="0" err="1"/>
+              <a:t>Func</a:t>
+            </a:r>
+            <a:r>
+              <a:rPr lang="en-US" dirty="0"/>
+              <a:t>&lt;</a:t>
+            </a:r>
+            <a:r>
+              <a:rPr lang="en-US" dirty="0" err="1"/>
+              <a:t>TSource</a:t>
+            </a:r>
+            <a:r>
+              <a:rPr lang="en-US" dirty="0"/>
+              <a:t>, </a:t>
+            </a:r>
+            <a:r>
+              <a:rPr lang="en-US" dirty="0" err="1"/>
+              <a:t>bool</a:t>
+            </a:r>
+            <a:r>
+              <a:rPr lang="en-US" dirty="0"/>
+              <a:t>&gt; predicate</a:t>
+            </a:r>
+            <a:r>
+              <a:rPr lang="en-US" dirty="0" smtClean="0"/>
+              <a:t>) </a:t>
+            </a:r>
+            <a:r>
+              <a:rPr lang="ru-RU" dirty="0" smtClean="0"/>
+              <a:t>вернет </a:t>
+            </a:r>
+            <a:r>
+              <a:rPr lang="en-US" dirty="0" smtClean="0"/>
+              <a:t>true </a:t>
+            </a:r>
+            <a:r>
+              <a:rPr lang="ru-RU" dirty="0" smtClean="0"/>
+              <a:t>если </a:t>
+            </a:r>
             <a:r>
               <a:rPr lang="ru-RU" dirty="0"/>
-              <a:t>Если мы ожидаем, что последовательность может быть пустой, то можно использовать </a:t>
+              <a:t>последовательность содержит хотя бы один </a:t>
             </a:r>
             <a:r>
               <a:rPr lang="ru-RU" dirty="0" smtClean="0"/>
-              <a:t>метод</a:t>
+              <a:t>элемент для которого предикат вернул </a:t>
             </a:r>
             <a:r>
               <a:rPr lang="en-US" dirty="0" smtClean="0"/>
-              <a:t> </a:t>
+              <a:t>true </a:t>
+            </a:r>
+            <a:r>
+              <a:rPr lang="ru-RU" dirty="0"/>
+              <a:t>и </a:t>
+            </a:r>
+            <a:r>
+              <a:rPr lang="en-US" dirty="0"/>
+              <a:t>false </a:t>
+            </a:r>
+            <a:r>
+              <a:rPr lang="ru-RU" dirty="0"/>
+              <a:t>в противном </a:t>
+            </a:r>
+            <a:r>
+              <a:rPr lang="ru-RU" dirty="0" smtClean="0"/>
+              <a:t>случае.</a:t>
+            </a:r>
+            <a:endParaRPr lang="en-US" dirty="0" smtClean="0"/>
+          </a:p>
+          <a:p>
+            <a:r>
+              <a:rPr lang="en-US" dirty="0" smtClean="0"/>
+              <a:t>All()</a:t>
+            </a:r>
+          </a:p>
+          <a:p>
+            <a:pPr lvl="1"/>
+            <a:r>
+              <a:rPr lang="ru-RU" dirty="0" smtClean="0"/>
+              <a:t>Метод </a:t>
+            </a:r>
+            <a:r>
+              <a:rPr lang="en-US" dirty="0" smtClean="0"/>
+              <a:t>All(</a:t>
             </a:r>
             <a:r>
               <a:rPr lang="en-US" dirty="0" err="1" smtClean="0"/>
-              <a:t>SingleOrDefault</a:t>
+              <a:t>Func</a:t>
             </a:r>
             <a:r>
               <a:rPr lang="en-US" dirty="0" smtClean="0"/>
-              <a:t>().</a:t>
+              <a:t>&lt;</a:t>
+            </a:r>
+            <a:r>
+              <a:rPr lang="en-US" dirty="0" err="1" smtClean="0"/>
+              <a:t>TSource</a:t>
+            </a:r>
+            <a:r>
+              <a:rPr lang="en-US" dirty="0"/>
+              <a:t>, </a:t>
+            </a:r>
+            <a:r>
+              <a:rPr lang="en-US" dirty="0" err="1"/>
+              <a:t>bool</a:t>
+            </a:r>
+            <a:r>
+              <a:rPr lang="en-US" dirty="0"/>
+              <a:t>&gt; predicate) </a:t>
+            </a:r>
+            <a:r>
+              <a:rPr lang="ru-RU" dirty="0"/>
+              <a:t>вернет </a:t>
+            </a:r>
+            <a:r>
+              <a:rPr lang="en-US" dirty="0"/>
+              <a:t>true </a:t>
+            </a:r>
+            <a:r>
+              <a:rPr lang="ru-RU" dirty="0"/>
+              <a:t>если </a:t>
+            </a:r>
+            <a:r>
+              <a:rPr lang="ru-RU" dirty="0" smtClean="0"/>
+              <a:t>для всех элементов последовательности предикат </a:t>
+            </a:r>
+            <a:r>
+              <a:rPr lang="ru-RU" dirty="0"/>
+              <a:t>вернул </a:t>
+            </a:r>
+            <a:r>
+              <a:rPr lang="en-US" dirty="0"/>
+              <a:t>true </a:t>
+            </a:r>
+            <a:r>
+              <a:rPr lang="ru-RU" dirty="0"/>
+              <a:t>и </a:t>
+            </a:r>
+            <a:r>
+              <a:rPr lang="en-US" dirty="0"/>
+              <a:t>false </a:t>
+            </a:r>
+            <a:r>
+              <a:rPr lang="ru-RU" dirty="0"/>
+              <a:t>в противном </a:t>
+            </a:r>
+            <a:r>
+              <a:rPr lang="ru-RU" dirty="0" smtClean="0"/>
+              <a:t>случае.</a:t>
             </a:r>
             <a:endParaRPr lang="en-US" dirty="0"/>
           </a:p>
@@ -4674,7 +4872,7 @@
     </p:spTree>
     <p:extLst>
       <p:ext uri="{BB962C8B-B14F-4D97-AF65-F5344CB8AC3E}">
-        <p14:creationId xmlns:p14="http://schemas.microsoft.com/office/powerpoint/2010/main" val="1166576302"/>
+        <p14:creationId xmlns:p14="http://schemas.microsoft.com/office/powerpoint/2010/main" val="1695211947"/>
       </p:ext>
     </p:extLst>
   </p:cSld>
@@ -4725,11 +4923,15 @@
           <a:p>
             <a:r>
               <a:rPr lang="en-US" dirty="0" smtClean="0"/>
-              <a:t>Enumerable. </a:t>
+              <a:t>Enumerable: First() </a:t>
             </a:r>
             <a:r>
               <a:rPr lang="ru-RU" dirty="0" smtClean="0"/>
-              <a:t>Множества</a:t>
+              <a:t>и </a:t>
+            </a:r>
+            <a:r>
+              <a:rPr lang="en-US" dirty="0" smtClean="0"/>
+              <a:t>Last()</a:t>
             </a:r>
             <a:endParaRPr lang="en-US" dirty="0"/>
           </a:p>
@@ -4747,36 +4949,91 @@
         </p:nvSpPr>
         <p:spPr/>
         <p:txBody>
-          <a:bodyPr/>
+          <a:bodyPr>
+            <a:normAutofit fontScale="92500" lnSpcReduction="10000"/>
+          </a:bodyPr>
           <a:lstStyle/>
           <a:p>
-            <a:r>
-              <a:rPr lang="en-US" dirty="0"/>
-              <a:t>Except()</a:t>
-            </a:r>
-          </a:p>
-          <a:p>
-            <a:r>
-              <a:rPr lang="en-US" dirty="0"/>
-              <a:t>Intersect()</a:t>
-            </a:r>
-          </a:p>
-          <a:p>
-            <a:r>
-              <a:rPr lang="en-US" dirty="0"/>
-              <a:t>Union</a:t>
+            <a:pPr marL="0" indent="0">
+              <a:buNone/>
+            </a:pPr>
+            <a:r>
+              <a:rPr lang="ru-RU" dirty="0" smtClean="0"/>
+              <a:t>Возвращают первый или последний элемент.</a:t>
             </a:r>
             <a:r>
               <a:rPr lang="en-US" dirty="0" smtClean="0"/>
-              <a:t>()</a:t>
-            </a:r>
-            <a:endParaRPr lang="ru-RU" dirty="0" smtClean="0"/>
-          </a:p>
-          <a:p>
+              <a:t> </a:t>
+            </a:r>
+            <a:r>
+              <a:rPr lang="ru-RU" dirty="0" smtClean="0"/>
+              <a:t>Если последовательность пустая, то генерируется исключение.</a:t>
+            </a:r>
+          </a:p>
+          <a:p>
+            <a:pPr marL="0" indent="0">
+              <a:buNone/>
+            </a:pPr>
+            <a:endParaRPr lang="ru-RU" dirty="0"/>
+          </a:p>
+          <a:p>
+            <a:pPr marL="0" indent="0">
+              <a:buNone/>
+            </a:pPr>
+            <a:r>
+              <a:rPr lang="ru-RU" dirty="0" smtClean="0"/>
+              <a:t>Если мы ожидаем, что последовательность может быть пустой, то можно использовать методы </a:t>
+            </a:r>
+            <a:r>
+              <a:rPr lang="en-US" dirty="0" err="1" smtClean="0"/>
+              <a:t>FirstOrDefault</a:t>
+            </a:r>
             <a:r>
               <a:rPr lang="en-US" dirty="0" smtClean="0"/>
-              <a:t>Contains()</a:t>
-            </a:r>
+              <a:t>()/</a:t>
+            </a:r>
+            <a:r>
+              <a:rPr lang="en-US" dirty="0" err="1" smtClean="0"/>
+              <a:t>Last</a:t>
+            </a:r>
+            <a:r>
+              <a:rPr lang="en-US" dirty="0" err="1"/>
+              <a:t>O</a:t>
+            </a:r>
+            <a:r>
+              <a:rPr lang="en-US" dirty="0" err="1" smtClean="0"/>
+              <a:t>rDefault</a:t>
+            </a:r>
+            <a:r>
+              <a:rPr lang="en-US" dirty="0" smtClean="0"/>
+              <a:t>(). </a:t>
+            </a:r>
+            <a:r>
+              <a:rPr lang="ru-RU" dirty="0" smtClean="0"/>
+              <a:t>Они вернут первый элемент или значение по умолчанию</a:t>
+            </a:r>
+            <a:r>
+              <a:rPr lang="en-US" dirty="0" smtClean="0"/>
+              <a:t>: null </a:t>
+            </a:r>
+            <a:r>
+              <a:rPr lang="ru-RU" dirty="0" smtClean="0"/>
+              <a:t>для ссылочных типов, 0 для </a:t>
+            </a:r>
+            <a:r>
+              <a:rPr lang="en-US" dirty="0" smtClean="0"/>
+              <a:t>value </a:t>
+            </a:r>
+            <a:r>
+              <a:rPr lang="ru-RU" dirty="0" smtClean="0"/>
+              <a:t>типов.</a:t>
+            </a:r>
+            <a:endParaRPr lang="en-US" dirty="0"/>
+          </a:p>
+          <a:p>
+            <a:pPr marL="0" indent="0">
+              <a:buNone/>
+            </a:pPr>
             <a:endParaRPr lang="en-US" dirty="0"/>
           </a:p>
         </p:txBody>
@@ -4784,7 +5041,7 @@
     </p:spTree>
     <p:extLst>
       <p:ext uri="{BB962C8B-B14F-4D97-AF65-F5344CB8AC3E}">
-        <p14:creationId xmlns:p14="http://schemas.microsoft.com/office/powerpoint/2010/main" val="1447848696"/>
+        <p14:creationId xmlns:p14="http://schemas.microsoft.com/office/powerpoint/2010/main" val="821585920"/>
       </p:ext>
     </p:extLst>
   </p:cSld>
@@ -4835,11 +5092,7 @@
           <a:p>
             <a:r>
               <a:rPr lang="en-US" dirty="0" smtClean="0"/>
-              <a:t>Enumerable. </a:t>
-            </a:r>
-            <a:r>
-              <a:rPr lang="ru-RU" dirty="0" smtClean="0"/>
-              <a:t>Сортировка</a:t>
+              <a:t>Enumerable: Single()</a:t>
             </a:r>
             <a:endParaRPr lang="en-US" dirty="0"/>
           </a:p>
@@ -4857,38 +5110,25 @@
         </p:nvSpPr>
         <p:spPr/>
         <p:txBody>
-          <a:bodyPr/>
+          <a:bodyPr>
+            <a:normAutofit lnSpcReduction="10000"/>
+          </a:bodyPr>
           <a:lstStyle/>
           <a:p>
-            <a:r>
-              <a:rPr lang="en-US" dirty="0" err="1"/>
-              <a:t>OrderBy</a:t>
+            <a:pPr marL="0" indent="0">
+              <a:buNone/>
+            </a:pPr>
+            <a:r>
+              <a:rPr lang="ru-RU" dirty="0" smtClean="0"/>
+              <a:t>Метод </a:t>
             </a:r>
             <a:r>
               <a:rPr lang="en-US" dirty="0" smtClean="0"/>
-              <a:t>()</a:t>
+              <a:t>Singe() </a:t>
             </a:r>
             <a:r>
               <a:rPr lang="ru-RU" dirty="0" smtClean="0"/>
-              <a:t> – сортировка по возрастанию.</a:t>
-            </a:r>
-          </a:p>
-          <a:p>
-            <a:r>
-              <a:rPr lang="en-US" dirty="0" err="1" smtClean="0"/>
-              <a:t>OrderByDescending</a:t>
-            </a:r>
-            <a:r>
-              <a:rPr lang="en-US" dirty="0" smtClean="0"/>
-              <a:t>()</a:t>
-            </a:r>
-            <a:r>
-              <a:rPr lang="ru-RU" dirty="0"/>
-              <a:t> – сортировка по </a:t>
-            </a:r>
-            <a:r>
-              <a:rPr lang="ru-RU" dirty="0" smtClean="0"/>
-              <a:t>убыванию.</a:t>
+              <a:t>возвращает первый элемент из последовательности состоящей из одного элемента. Если в последовательности больше одного элемента или она пустая, то генерируется исключение.</a:t>
             </a:r>
           </a:p>
           <a:p>
@@ -4902,32 +5142,20 @@
               <a:buNone/>
             </a:pPr>
             <a:r>
+              <a:rPr lang="ru-RU" dirty="0"/>
+              <a:t>Если мы ожидаем, что последовательность может быть пустой, то можно использовать </a:t>
+            </a:r>
+            <a:r>
               <a:rPr lang="ru-RU" dirty="0" smtClean="0"/>
-              <a:t>Оба этих метод</a:t>
-            </a:r>
-            <a:r>
-              <a:rPr lang="ru-RU" dirty="0"/>
-              <a:t>а</a:t>
-            </a:r>
-            <a:r>
-              <a:rPr lang="ru-RU" dirty="0" smtClean="0"/>
-              <a:t> сортируют только по одному полю. Для указания дополнительных полей для сортировки используются методы </a:t>
+              <a:t>метод</a:t>
+            </a:r>
+            <a:r>
+              <a:rPr lang="en-US" dirty="0" smtClean="0"/>
+              <a:t> </a:t>
             </a:r>
             <a:r>
               <a:rPr lang="en-US" dirty="0" err="1" smtClean="0"/>
-              <a:t>ThenBy</a:t>
-            </a:r>
-            <a:r>
-              <a:rPr lang="en-US" dirty="0" smtClean="0"/>
-              <a:t>() </a:t>
-            </a:r>
-            <a:r>
-              <a:rPr lang="ru-RU" dirty="0" smtClean="0"/>
-              <a:t>и </a:t>
-            </a:r>
-            <a:r>
-              <a:rPr lang="en-US" dirty="0" err="1" smtClean="0"/>
-              <a:t>ThenByDescending</a:t>
+              <a:t>SingleOrDefault</a:t>
             </a:r>
             <a:r>
               <a:rPr lang="en-US" dirty="0" smtClean="0"/>
@@ -4940,7 +5168,7 @@
     </p:spTree>
     <p:extLst>
       <p:ext uri="{BB962C8B-B14F-4D97-AF65-F5344CB8AC3E}">
-        <p14:creationId xmlns:p14="http://schemas.microsoft.com/office/powerpoint/2010/main" val="451769316"/>
+        <p14:creationId xmlns:p14="http://schemas.microsoft.com/office/powerpoint/2010/main" val="1166576302"/>
       </p:ext>
     </p:extLst>
   </p:cSld>
@@ -5078,7 +5306,7 @@
             </a:r>
             <a:r>
               <a:rPr lang="ru-RU" dirty="0" smtClean="0"/>
-              <a:t>Математика</a:t>
+              <a:t>Множества</a:t>
             </a:r>
             <a:endParaRPr lang="en-US" dirty="0"/>
           </a:p>
@@ -5100,50 +5328,31 @@
           <a:lstStyle/>
           <a:p>
             <a:r>
+              <a:rPr lang="en-US" dirty="0"/>
+              <a:t>Except()</a:t>
+            </a:r>
+          </a:p>
+          <a:p>
+            <a:r>
+              <a:rPr lang="en-US" dirty="0"/>
+              <a:t>Intersect()</a:t>
+            </a:r>
+          </a:p>
+          <a:p>
+            <a:r>
+              <a:rPr lang="en-US" dirty="0"/>
+              <a:t>Union</a:t>
+            </a:r>
+            <a:r>
               <a:rPr lang="en-US" dirty="0" smtClean="0"/>
-              <a:t>Min</a:t>
-            </a:r>
-            <a:r>
-              <a:rPr lang="ru-RU" dirty="0" smtClean="0"/>
               <a:t>()</a:t>
             </a:r>
+            <a:endParaRPr lang="ru-RU" dirty="0" smtClean="0"/>
+          </a:p>
+          <a:p>
             <a:r>
               <a:rPr lang="en-US" dirty="0" smtClean="0"/>
-              <a:t> – </a:t>
-            </a:r>
-            <a:r>
-              <a:rPr lang="ru-RU" dirty="0" smtClean="0"/>
-              <a:t>минимальное значение</a:t>
-            </a:r>
-          </a:p>
-          <a:p>
-            <a:r>
-              <a:rPr lang="en-US" dirty="0" smtClean="0"/>
-              <a:t>Max</a:t>
-            </a:r>
-            <a:r>
-              <a:rPr lang="ru-RU" dirty="0" smtClean="0"/>
-              <a:t>() – максимальное значение</a:t>
-            </a:r>
-          </a:p>
-          <a:p>
-            <a:r>
-              <a:rPr lang="en-US" dirty="0" smtClean="0"/>
-              <a:t>Average</a:t>
-            </a:r>
-            <a:r>
-              <a:rPr lang="ru-RU" dirty="0" smtClean="0"/>
-              <a:t>() – среднее значение</a:t>
-            </a:r>
-          </a:p>
-          <a:p>
-            <a:r>
-              <a:rPr lang="en-US" dirty="0" smtClean="0"/>
-              <a:t>Sum</a:t>
-            </a:r>
-            <a:r>
-              <a:rPr lang="ru-RU" dirty="0" smtClean="0"/>
-              <a:t>() – сумма значений</a:t>
+              <a:t>Contains()</a:t>
             </a:r>
             <a:endParaRPr lang="en-US" dirty="0"/>
           </a:p>
@@ -5152,7 +5361,7 @@
     </p:spTree>
     <p:extLst>
       <p:ext uri="{BB962C8B-B14F-4D97-AF65-F5344CB8AC3E}">
-        <p14:creationId xmlns:p14="http://schemas.microsoft.com/office/powerpoint/2010/main" val="384543663"/>
+        <p14:creationId xmlns:p14="http://schemas.microsoft.com/office/powerpoint/2010/main" val="1447848696"/>
       </p:ext>
     </p:extLst>
   </p:cSld>
@@ -5207,7 +5416,7 @@
             </a:r>
             <a:r>
               <a:rPr lang="ru-RU" dirty="0" smtClean="0"/>
-              <a:t>Другие методы</a:t>
+              <a:t>Сортировка</a:t>
             </a:r>
             <a:endParaRPr lang="en-US" dirty="0"/>
           </a:p>
@@ -5225,108 +5434,82 @@
         </p:nvSpPr>
         <p:spPr/>
         <p:txBody>
-          <a:bodyPr>
-            <a:normAutofit/>
-          </a:bodyPr>
+          <a:bodyPr/>
           <a:lstStyle/>
           <a:p>
             <a:r>
-              <a:rPr lang="en-US" dirty="0" smtClean="0"/>
-              <a:t>Cast&lt;T&gt;()</a:t>
-            </a:r>
-            <a:endParaRPr lang="en-US" dirty="0"/>
-          </a:p>
-          <a:p>
-            <a:r>
-              <a:rPr lang="en-US" dirty="0" err="1" smtClean="0"/>
-              <a:t>OfType</a:t>
-            </a:r>
-            <a:r>
-              <a:rPr lang="en-US" dirty="0" smtClean="0"/>
-              <a:t>&lt;T&gt;()</a:t>
-            </a:r>
-            <a:endParaRPr lang="ru-RU" dirty="0" smtClean="0"/>
-          </a:p>
-          <a:p>
-            <a:r>
-              <a:rPr lang="en-US" dirty="0" smtClean="0"/>
-              <a:t>Count()</a:t>
-            </a:r>
-            <a:r>
-              <a:rPr lang="ru-RU" dirty="0" smtClean="0"/>
-              <a:t>/</a:t>
-            </a:r>
-            <a:r>
-              <a:rPr lang="en-US" dirty="0" err="1" smtClean="0"/>
-              <a:t>LongCount</a:t>
+              <a:rPr lang="en-US" dirty="0" err="1"/>
+              <a:t>OrderBy</a:t>
             </a:r>
             <a:r>
               <a:rPr lang="en-US" dirty="0" smtClean="0"/>
               <a:t>()</a:t>
             </a:r>
-            <a:endParaRPr lang="ru-RU" dirty="0" smtClean="0"/>
+            <a:r>
+              <a:rPr lang="ru-RU" dirty="0" smtClean="0"/>
+              <a:t> – сортировка по возрастанию.</a:t>
+            </a:r>
           </a:p>
           <a:p>
             <a:r>
               <a:rPr lang="en-US" dirty="0" err="1" smtClean="0"/>
-              <a:t>ElementAt</a:t>
+              <a:t>OrderByDescending</a:t>
             </a:r>
             <a:r>
               <a:rPr lang="en-US" dirty="0" smtClean="0"/>
               <a:t>()</a:t>
             </a:r>
-            <a:endParaRPr lang="ru-RU" dirty="0" smtClean="0"/>
-          </a:p>
-          <a:p>
-            <a:r>
-              <a:rPr lang="en-US" dirty="0" smtClean="0"/>
-              <a:t>Skip()/</a:t>
-            </a:r>
-            <a:r>
-              <a:rPr lang="en-US" dirty="0" err="1" smtClean="0"/>
-              <a:t>SkipWhile</a:t>
+            <a:r>
+              <a:rPr lang="ru-RU" dirty="0"/>
+              <a:t> – сортировка по </a:t>
             </a:r>
             <a:r>
               <a:rPr lang="ru-RU" dirty="0" smtClean="0"/>
-              <a:t>()</a:t>
-            </a:r>
-            <a:endParaRPr lang="en-US" dirty="0" smtClean="0"/>
-          </a:p>
-          <a:p>
-            <a:r>
-              <a:rPr lang="en-US" dirty="0" smtClean="0"/>
-              <a:t>Take()/</a:t>
-            </a:r>
-            <a:r>
-              <a:rPr lang="en-US" dirty="0" err="1" smtClean="0"/>
-              <a:t>TakeWhile</a:t>
-            </a:r>
-            <a:r>
-              <a:rPr lang="en-US" dirty="0" smtClean="0"/>
-              <a:t>()</a:t>
-            </a:r>
-          </a:p>
-          <a:p>
-            <a:r>
-              <a:rPr lang="en-US" dirty="0" smtClean="0"/>
-              <a:t>Reverse</a:t>
-            </a:r>
-            <a:r>
-              <a:rPr lang="en-US" dirty="0" smtClean="0"/>
-              <a:t>()</a:t>
-            </a:r>
-            <a:endParaRPr lang="en-US" dirty="0"/>
+              <a:t>убыванию.</a:t>
+            </a:r>
           </a:p>
           <a:p>
             <a:pPr marL="0" indent="0">
               <a:buNone/>
             </a:pPr>
-            <a:endParaRPr lang="en-US" dirty="0"/>
+            <a:endParaRPr lang="ru-RU" dirty="0"/>
           </a:p>
           <a:p>
             <a:pPr marL="0" indent="0">
               <a:buNone/>
             </a:pPr>
+            <a:r>
+              <a:rPr lang="ru-RU" dirty="0" smtClean="0"/>
+              <a:t>Оба этих метод</a:t>
+            </a:r>
+            <a:r>
+              <a:rPr lang="ru-RU" dirty="0"/>
+              <a:t>а</a:t>
+            </a:r>
+            <a:r>
+              <a:rPr lang="ru-RU" dirty="0" smtClean="0"/>
+              <a:t> сортируют только по одному полю. Для указания дополнительных полей для сортировки используются методы </a:t>
+            </a:r>
+            <a:r>
+              <a:rPr lang="en-US" dirty="0" err="1" smtClean="0"/>
+              <a:t>ThenBy</a:t>
+            </a:r>
+            <a:r>
+              <a:rPr lang="en-US" dirty="0" smtClean="0"/>
+              <a:t>() </a:t>
+            </a:r>
+            <a:r>
+              <a:rPr lang="ru-RU" dirty="0" smtClean="0"/>
+              <a:t>и </a:t>
+            </a:r>
+            <a:r>
+              <a:rPr lang="en-US" dirty="0" err="1" smtClean="0"/>
+              <a:t>ThenByDescending</a:t>
+            </a:r>
+            <a:r>
+              <a:rPr lang="en-US" dirty="0" smtClean="0"/>
+              <a:t>().</a:t>
+            </a:r>
             <a:endParaRPr lang="en-US" dirty="0"/>
           </a:p>
         </p:txBody>
@@ -5334,7 +5517,7 @@
     </p:spTree>
     <p:extLst>
       <p:ext uri="{BB962C8B-B14F-4D97-AF65-F5344CB8AC3E}">
-        <p14:creationId xmlns:p14="http://schemas.microsoft.com/office/powerpoint/2010/main" val="2856452905"/>
+        <p14:creationId xmlns:p14="http://schemas.microsoft.com/office/powerpoint/2010/main" val="451769316"/>
       </p:ext>
     </p:extLst>
   </p:cSld>
@@ -5388,6 +5571,313 @@
               <a:t>Enumerable. </a:t>
             </a:r>
             <a:r>
+              <a:rPr lang="ru-RU" dirty="0" smtClean="0"/>
+              <a:t>Математика</a:t>
+            </a:r>
+            <a:endParaRPr lang="en-US" dirty="0"/>
+          </a:p>
+        </p:txBody>
+      </p:sp>
+      <p:sp>
+        <p:nvSpPr>
+          <p:cNvPr id="3" name="Content Placeholder 2"/>
+          <p:cNvSpPr>
+            <a:spLocks noGrp="1"/>
+          </p:cNvSpPr>
+          <p:nvPr>
+            <p:ph idx="1"/>
+          </p:nvPr>
+        </p:nvSpPr>
+        <p:spPr/>
+        <p:txBody>
+          <a:bodyPr/>
+          <a:lstStyle/>
+          <a:p>
+            <a:r>
+              <a:rPr lang="en-US" dirty="0" smtClean="0"/>
+              <a:t>Min</a:t>
+            </a:r>
+            <a:r>
+              <a:rPr lang="ru-RU" dirty="0" smtClean="0"/>
+              <a:t>()</a:t>
+            </a:r>
+            <a:r>
+              <a:rPr lang="en-US" dirty="0" smtClean="0"/>
+              <a:t> – </a:t>
+            </a:r>
+            <a:r>
+              <a:rPr lang="ru-RU" dirty="0" smtClean="0"/>
+              <a:t>минимальное значение</a:t>
+            </a:r>
+          </a:p>
+          <a:p>
+            <a:r>
+              <a:rPr lang="en-US" dirty="0" smtClean="0"/>
+              <a:t>Max</a:t>
+            </a:r>
+            <a:r>
+              <a:rPr lang="ru-RU" dirty="0" smtClean="0"/>
+              <a:t>() – максимальное значение</a:t>
+            </a:r>
+          </a:p>
+          <a:p>
+            <a:r>
+              <a:rPr lang="en-US" dirty="0" smtClean="0"/>
+              <a:t>Average</a:t>
+            </a:r>
+            <a:r>
+              <a:rPr lang="ru-RU" dirty="0" smtClean="0"/>
+              <a:t>() – среднее значение</a:t>
+            </a:r>
+          </a:p>
+          <a:p>
+            <a:r>
+              <a:rPr lang="en-US" dirty="0" smtClean="0"/>
+              <a:t>Sum</a:t>
+            </a:r>
+            <a:r>
+              <a:rPr lang="ru-RU" dirty="0" smtClean="0"/>
+              <a:t>() – сумма значений</a:t>
+            </a:r>
+            <a:endParaRPr lang="en-US" dirty="0"/>
+          </a:p>
+        </p:txBody>
+      </p:sp>
+    </p:spTree>
+    <p:extLst>
+      <p:ext uri="{BB962C8B-B14F-4D97-AF65-F5344CB8AC3E}">
+        <p14:creationId xmlns:p14="http://schemas.microsoft.com/office/powerpoint/2010/main" val="384543663"/>
+      </p:ext>
+    </p:extLst>
+  </p:cSld>
+  <p:clrMapOvr>
+    <a:masterClrMapping/>
+  </p:clrMapOvr>
+  <p:timing>
+    <p:tnLst>
+      <p:par>
+        <p:cTn id="1" dur="indefinite" restart="never" nodeType="tmRoot"/>
+      </p:par>
+    </p:tnLst>
+  </p:timing>
+</p:sld>
+</file>
+
+<file path=ppt/slides/slide23.xml><?xml version="1.0" encoding="utf-8"?>
+<p:sld xmlns:a="http://schemas.openxmlformats.org/drawingml/2006/main" xmlns:r="http://schemas.openxmlformats.org/officeDocument/2006/relationships" xmlns:p="http://schemas.openxmlformats.org/presentationml/2006/main">
+  <p:cSld>
+    <p:spTree>
+      <p:nvGrpSpPr>
+        <p:cNvPr id="1" name=""/>
+        <p:cNvGrpSpPr/>
+        <p:nvPr/>
+      </p:nvGrpSpPr>
+      <p:grpSpPr>
+        <a:xfrm>
+          <a:off x="0" y="0"/>
+          <a:ext cx="0" cy="0"/>
+          <a:chOff x="0" y="0"/>
+          <a:chExt cx="0" cy="0"/>
+        </a:xfrm>
+      </p:grpSpPr>
+      <p:sp>
+        <p:nvSpPr>
+          <p:cNvPr id="2" name="Title 1"/>
+          <p:cNvSpPr>
+            <a:spLocks noGrp="1"/>
+          </p:cNvSpPr>
+          <p:nvPr>
+            <p:ph type="title"/>
+          </p:nvPr>
+        </p:nvSpPr>
+        <p:spPr/>
+        <p:txBody>
+          <a:bodyPr/>
+          <a:lstStyle/>
+          <a:p>
+            <a:r>
+              <a:rPr lang="en-US" dirty="0" smtClean="0"/>
+              <a:t>Enumerable. </a:t>
+            </a:r>
+            <a:r>
+              <a:rPr lang="ru-RU" dirty="0" smtClean="0"/>
+              <a:t>Другие методы</a:t>
+            </a:r>
+            <a:endParaRPr lang="en-US" dirty="0"/>
+          </a:p>
+        </p:txBody>
+      </p:sp>
+      <p:sp>
+        <p:nvSpPr>
+          <p:cNvPr id="3" name="Content Placeholder 2"/>
+          <p:cNvSpPr>
+            <a:spLocks noGrp="1"/>
+          </p:cNvSpPr>
+          <p:nvPr>
+            <p:ph idx="1"/>
+          </p:nvPr>
+        </p:nvSpPr>
+        <p:spPr/>
+        <p:txBody>
+          <a:bodyPr>
+            <a:normAutofit/>
+          </a:bodyPr>
+          <a:lstStyle/>
+          <a:p>
+            <a:r>
+              <a:rPr lang="en-US" dirty="0" smtClean="0"/>
+              <a:t>Cast&lt;T&gt;()</a:t>
+            </a:r>
+            <a:endParaRPr lang="en-US" dirty="0"/>
+          </a:p>
+          <a:p>
+            <a:r>
+              <a:rPr lang="en-US" dirty="0" err="1" smtClean="0"/>
+              <a:t>OfType</a:t>
+            </a:r>
+            <a:r>
+              <a:rPr lang="en-US" dirty="0" smtClean="0"/>
+              <a:t>&lt;T&gt;()</a:t>
+            </a:r>
+            <a:endParaRPr lang="ru-RU" dirty="0" smtClean="0"/>
+          </a:p>
+          <a:p>
+            <a:r>
+              <a:rPr lang="en-US" dirty="0" smtClean="0"/>
+              <a:t>Count()</a:t>
+            </a:r>
+            <a:r>
+              <a:rPr lang="ru-RU" dirty="0" smtClean="0"/>
+              <a:t>/</a:t>
+            </a:r>
+            <a:r>
+              <a:rPr lang="en-US" dirty="0" err="1" smtClean="0"/>
+              <a:t>LongCount</a:t>
+            </a:r>
+            <a:r>
+              <a:rPr lang="en-US" dirty="0" smtClean="0"/>
+              <a:t>()</a:t>
+            </a:r>
+            <a:endParaRPr lang="ru-RU" dirty="0" smtClean="0"/>
+          </a:p>
+          <a:p>
+            <a:r>
+              <a:rPr lang="en-US" dirty="0" err="1" smtClean="0"/>
+              <a:t>ElementAt</a:t>
+            </a:r>
+            <a:r>
+              <a:rPr lang="en-US" dirty="0" smtClean="0"/>
+              <a:t>()</a:t>
+            </a:r>
+            <a:endParaRPr lang="ru-RU" dirty="0" smtClean="0"/>
+          </a:p>
+          <a:p>
+            <a:r>
+              <a:rPr lang="en-US" dirty="0" smtClean="0"/>
+              <a:t>Skip()/</a:t>
+            </a:r>
+            <a:r>
+              <a:rPr lang="en-US" dirty="0" err="1" smtClean="0"/>
+              <a:t>SkipWhile</a:t>
+            </a:r>
+            <a:r>
+              <a:rPr lang="ru-RU" dirty="0" smtClean="0"/>
+              <a:t>()</a:t>
+            </a:r>
+            <a:endParaRPr lang="en-US" dirty="0" smtClean="0"/>
+          </a:p>
+          <a:p>
+            <a:r>
+              <a:rPr lang="en-US" dirty="0" smtClean="0"/>
+              <a:t>Take()/</a:t>
+            </a:r>
+            <a:r>
+              <a:rPr lang="en-US" dirty="0" err="1" smtClean="0"/>
+              <a:t>TakeWhile</a:t>
+            </a:r>
+            <a:r>
+              <a:rPr lang="en-US" dirty="0" smtClean="0"/>
+              <a:t>()</a:t>
+            </a:r>
+          </a:p>
+          <a:p>
+            <a:r>
+              <a:rPr lang="en-US" dirty="0" smtClean="0"/>
+              <a:t>Reverse()</a:t>
+            </a:r>
+            <a:endParaRPr lang="en-US" dirty="0"/>
+          </a:p>
+          <a:p>
+            <a:pPr marL="0" indent="0">
+              <a:buNone/>
+            </a:pPr>
+            <a:endParaRPr lang="en-US" dirty="0"/>
+          </a:p>
+          <a:p>
+            <a:pPr marL="0" indent="0">
+              <a:buNone/>
+            </a:pPr>
+            <a:endParaRPr lang="en-US" dirty="0"/>
+          </a:p>
+        </p:txBody>
+      </p:sp>
+    </p:spTree>
+    <p:extLst>
+      <p:ext uri="{BB962C8B-B14F-4D97-AF65-F5344CB8AC3E}">
+        <p14:creationId xmlns:p14="http://schemas.microsoft.com/office/powerpoint/2010/main" val="2856452905"/>
+      </p:ext>
+    </p:extLst>
+  </p:cSld>
+  <p:clrMapOvr>
+    <a:masterClrMapping/>
+  </p:clrMapOvr>
+  <p:timing>
+    <p:tnLst>
+      <p:par>
+        <p:cTn id="1" dur="indefinite" restart="never" nodeType="tmRoot"/>
+      </p:par>
+    </p:tnLst>
+  </p:timing>
+</p:sld>
+</file>
+
+<file path=ppt/slides/slide24.xml><?xml version="1.0" encoding="utf-8"?>
+<p:sld xmlns:a="http://schemas.openxmlformats.org/drawingml/2006/main" xmlns:r="http://schemas.openxmlformats.org/officeDocument/2006/relationships" xmlns:p="http://schemas.openxmlformats.org/presentationml/2006/main">
+  <p:cSld>
+    <p:spTree>
+      <p:nvGrpSpPr>
+        <p:cNvPr id="1" name=""/>
+        <p:cNvGrpSpPr/>
+        <p:nvPr/>
+      </p:nvGrpSpPr>
+      <p:grpSpPr>
+        <a:xfrm>
+          <a:off x="0" y="0"/>
+          <a:ext cx="0" cy="0"/>
+          <a:chOff x="0" y="0"/>
+          <a:chExt cx="0" cy="0"/>
+        </a:xfrm>
+      </p:grpSpPr>
+      <p:sp>
+        <p:nvSpPr>
+          <p:cNvPr id="2" name="Title 1"/>
+          <p:cNvSpPr>
+            <a:spLocks noGrp="1"/>
+          </p:cNvSpPr>
+          <p:nvPr>
+            <p:ph type="title"/>
+          </p:nvPr>
+        </p:nvSpPr>
+        <p:spPr/>
+        <p:txBody>
+          <a:bodyPr/>
+          <a:lstStyle/>
+          <a:p>
+            <a:r>
+              <a:rPr lang="en-US" dirty="0" smtClean="0"/>
+              <a:t>Enumerable. </a:t>
+            </a:r>
+            <a:r>
               <a:rPr lang="en-US" dirty="0" err="1" smtClean="0"/>
               <a:t>ToXXX</a:t>
             </a:r>
@@ -5612,7 +6102,7 @@
 </p:sld>
 </file>
 
-<file path=ppt/slides/slide23.xml><?xml version="1.0" encoding="utf-8"?>
+<file path=ppt/slides/slide25.xml><?xml version="1.0" encoding="utf-8"?>
 <p:sld xmlns:a="http://schemas.openxmlformats.org/drawingml/2006/main" xmlns:r="http://schemas.openxmlformats.org/officeDocument/2006/relationships" xmlns:p="http://schemas.openxmlformats.org/presentationml/2006/main">
   <p:cSld>
     <p:bg>
@@ -5721,7 +6211,7 @@
 </p:sld>
 </file>
 
-<file path=ppt/slides/slide24.xml><?xml version="1.0" encoding="utf-8"?>
+<file path=ppt/slides/slide26.xml><?xml version="1.0" encoding="utf-8"?>
 <p:sld xmlns:a="http://schemas.openxmlformats.org/drawingml/2006/main" xmlns:r="http://schemas.openxmlformats.org/officeDocument/2006/relationships" xmlns:p="http://schemas.openxmlformats.org/presentationml/2006/main">
   <p:cSld>
     <p:spTree>
@@ -6231,11 +6721,7 @@
                     <a:p>
                       <a:r>
                         <a:rPr lang="ru-RU" sz="1400" dirty="0" smtClean="0"/>
-                        <a:t>Группировка данных по указанному полю.</a:t>
-                      </a:r>
-                      <a:r>
-                        <a:rPr lang="ru-RU" sz="1400" dirty="0" smtClean="0"/>
-                        <a:t> Эквивалентен</a:t>
+                        <a:t>Группировка данных по указанному полю. Эквивалентен</a:t>
                       </a:r>
                       <a:r>
                         <a:rPr lang="ru-RU" sz="1400" baseline="0" dirty="0" smtClean="0"/>
@@ -7489,7 +7975,7 @@
 </p:sld>
 </file>
 
-<file path=ppt/slides/slide25.xml><?xml version="1.0" encoding="utf-8"?>
+<file path=ppt/slides/slide27.xml><?xml version="1.0" encoding="utf-8"?>
 <p:sld xmlns:a="http://schemas.openxmlformats.org/drawingml/2006/main" xmlns:r="http://schemas.openxmlformats.org/officeDocument/2006/relationships" xmlns:p="http://schemas.openxmlformats.org/presentationml/2006/main">
   <p:cSld>
     <p:spTree>
@@ -7648,7 +8134,7 @@
 </p:sld>
 </file>
 
-<file path=ppt/slides/slide26.xml><?xml version="1.0" encoding="utf-8"?>
+<file path=ppt/slides/slide28.xml><?xml version="1.0" encoding="utf-8"?>
 <p:sld xmlns:a="http://schemas.openxmlformats.org/drawingml/2006/main" xmlns:r="http://schemas.openxmlformats.org/officeDocument/2006/relationships" xmlns:p="http://schemas.openxmlformats.org/presentationml/2006/main">
   <p:cSld>
     <p:spTree>
@@ -10280,7 +10766,7 @@
 </p:sld>
 </file>
 
-<file path=ppt/slides/slide27.xml><?xml version="1.0" encoding="utf-8"?>
+<file path=ppt/slides/slide29.xml><?xml version="1.0" encoding="utf-8"?>
 <p:sld xmlns:a="http://schemas.openxmlformats.org/drawingml/2006/main" xmlns:r="http://schemas.openxmlformats.org/officeDocument/2006/relationships" xmlns:p="http://schemas.openxmlformats.org/presentationml/2006/main">
   <p:cSld>
     <p:spTree>
@@ -12752,14 +13238,23 @@
         </p:nvSpPr>
         <p:spPr/>
         <p:txBody>
-          <a:bodyPr/>
+          <a:bodyPr>
+            <a:normAutofit fontScale="90000"/>
+          </a:bodyPr>
           <a:lstStyle/>
           <a:p>
             <a:r>
               <a:rPr lang="ru-RU" dirty="0" smtClean="0"/>
-              <a:t>Итераторы</a:t>
-            </a:r>
-            <a:endParaRPr lang="en-US" dirty="0"/>
+              <a:t>Неявно типизированные</a:t>
+            </a:r>
+            <a:br>
+              <a:rPr lang="ru-RU" dirty="0" smtClean="0"/>
+            </a:br>
+            <a:r>
+              <a:rPr lang="ru-RU" dirty="0" smtClean="0"/>
+              <a:t>локальные переменные</a:t>
+            </a:r>
+            <a:endParaRPr lang="ru-RU" dirty="0"/>
           </a:p>
         </p:txBody>
       </p:sp>
@@ -12774,9 +13269,10 @@
           </p:nvPr>
         </p:nvSpPr>
         <p:spPr>
-          <a:solidFill>
-            <a:schemeClr val="bg1"/>
-          </a:solidFill>
+          <a:xfrm>
+            <a:off x="457200" y="1600201"/>
+            <a:ext cx="8229600" cy="1252736"/>
+          </a:xfrm>
         </p:spPr>
         <p:txBody>
           <a:bodyPr>
@@ -12788,846 +13284,1180 @@
               <a:buNone/>
             </a:pPr>
             <a:r>
-              <a:rPr lang="en-US" sz="1500" dirty="0">
-                <a:solidFill>
-                  <a:srgbClr val="0000FF"/>
-                </a:solidFill>
-                <a:latin typeface="Consolas"/>
-              </a:rPr>
-              <a:t>public</a:t>
-            </a:r>
-            <a:r>
-              <a:rPr lang="en-US" sz="1500" dirty="0">
-                <a:solidFill>
-                  <a:srgbClr val="000000"/>
-                </a:solidFill>
-                <a:latin typeface="Consolas"/>
-              </a:rPr>
+              <a:rPr lang="ru-RU" sz="1800" dirty="0" smtClean="0"/>
+              <a:t>Ключевое слово </a:t>
+            </a:r>
+            <a:r>
+              <a:rPr lang="en-US" sz="1800" dirty="0" err="1" smtClean="0"/>
+              <a:t>var</a:t>
+            </a:r>
+            <a:r>
+              <a:rPr lang="en-US" sz="1800" dirty="0" smtClean="0"/>
               <a:t> </a:t>
             </a:r>
             <a:r>
-              <a:rPr lang="en-US" sz="1500" dirty="0">
-                <a:solidFill>
-                  <a:srgbClr val="0000FF"/>
-                </a:solidFill>
-                <a:latin typeface="Consolas"/>
-              </a:rPr>
-              <a:t>static</a:t>
-            </a:r>
-            <a:r>
-              <a:rPr lang="en-US" sz="1500" dirty="0">
-                <a:solidFill>
-                  <a:srgbClr val="000000"/>
-                </a:solidFill>
-                <a:latin typeface="Consolas"/>
-              </a:rPr>
-              <a:t> </a:t>
-            </a:r>
-            <a:r>
-              <a:rPr lang="en-US" sz="1500" dirty="0" err="1">
-                <a:solidFill>
-                  <a:srgbClr val="0000FF"/>
-                </a:solidFill>
-                <a:latin typeface="Consolas"/>
-              </a:rPr>
-              <a:t>int</a:t>
-            </a:r>
-            <a:r>
-              <a:rPr lang="en-US" sz="1500" dirty="0">
-                <a:solidFill>
-                  <a:srgbClr val="000000"/>
-                </a:solidFill>
-                <a:latin typeface="Consolas"/>
-              </a:rPr>
-              <a:t>[] </a:t>
-            </a:r>
-            <a:r>
-              <a:rPr lang="en-US" sz="1500" dirty="0" err="1">
-                <a:solidFill>
-                  <a:srgbClr val="000000"/>
-                </a:solidFill>
-                <a:latin typeface="Consolas"/>
-              </a:rPr>
-              <a:t>ArithmeticProgression</a:t>
-            </a:r>
-            <a:r>
-              <a:rPr lang="en-US" sz="1500" dirty="0">
-                <a:solidFill>
-                  <a:srgbClr val="000000"/>
-                </a:solidFill>
-                <a:latin typeface="Consolas"/>
-              </a:rPr>
-              <a:t>(</a:t>
-            </a:r>
-            <a:r>
-              <a:rPr lang="en-US" sz="1500" dirty="0" err="1">
-                <a:solidFill>
-                  <a:srgbClr val="0000FF"/>
-                </a:solidFill>
-                <a:latin typeface="Consolas"/>
-              </a:rPr>
-              <a:t>int</a:t>
-            </a:r>
-            <a:r>
-              <a:rPr lang="en-US" sz="1500" dirty="0">
-                <a:solidFill>
-                  <a:srgbClr val="000000"/>
-                </a:solidFill>
-                <a:latin typeface="Consolas"/>
-              </a:rPr>
-              <a:t> start, </a:t>
-            </a:r>
-            <a:r>
-              <a:rPr lang="en-US" sz="1500" dirty="0" err="1">
-                <a:solidFill>
-                  <a:srgbClr val="0000FF"/>
-                </a:solidFill>
-                <a:latin typeface="Consolas"/>
-              </a:rPr>
-              <a:t>int</a:t>
-            </a:r>
-            <a:r>
-              <a:rPr lang="en-US" sz="1500" dirty="0">
-                <a:solidFill>
-                  <a:srgbClr val="000000"/>
-                </a:solidFill>
-                <a:latin typeface="Consolas"/>
-              </a:rPr>
-              <a:t> step, </a:t>
-            </a:r>
-            <a:r>
-              <a:rPr lang="en-US" sz="1500" dirty="0" err="1">
-                <a:solidFill>
-                  <a:srgbClr val="0000FF"/>
-                </a:solidFill>
-                <a:latin typeface="Consolas"/>
-              </a:rPr>
-              <a:t>int</a:t>
-            </a:r>
-            <a:r>
-              <a:rPr lang="en-US" sz="1500" dirty="0">
-                <a:solidFill>
-                  <a:srgbClr val="000000"/>
-                </a:solidFill>
-                <a:latin typeface="Consolas"/>
-              </a:rPr>
-              <a:t> count)</a:t>
-            </a:r>
-          </a:p>
-          <a:p>
-            <a:pPr marL="0" indent="0">
+              <a:rPr lang="ru-RU" sz="1800" dirty="0" smtClean="0"/>
+              <a:t>позволяет объявить и инициализировать переменную без указания типа, который определяеия компилятором путем анализа выражения инициализации. Особенно удобно использовать при объявлении переменных обобщенного типа</a:t>
+            </a:r>
+            <a:endParaRPr lang="ru-RU" sz="1800" dirty="0"/>
+          </a:p>
+        </p:txBody>
+      </p:sp>
+      <p:sp>
+        <p:nvSpPr>
+          <p:cNvPr id="4" name="Rectangle 1"/>
+          <p:cNvSpPr>
+            <a:spLocks noChangeArrowheads="1"/>
+          </p:cNvSpPr>
+          <p:nvPr/>
+        </p:nvSpPr>
+        <p:spPr bwMode="auto">
+          <a:xfrm>
+            <a:off x="457200" y="2876451"/>
+            <a:ext cx="8219256" cy="3000821"/>
+          </a:xfrm>
+          <a:prstGeom prst="rect">
+            <a:avLst/>
+          </a:prstGeom>
+          <a:solidFill>
+            <a:srgbClr val="FFFFFF"/>
+          </a:solidFill>
+          <a:ln>
+            <a:noFill/>
+          </a:ln>
+          <a:effectLst/>
+          <a:extLst>
+            <a:ext uri="{91240B29-F687-4F45-9708-019B960494DF}">
+              <a14:hiddenLine xmlns:a14="http://schemas.microsoft.com/office/drawing/2010/main" w="9525">
+                <a:solidFill>
+                  <a:schemeClr val="tx1"/>
+                </a:solidFill>
+                <a:miter lim="800000"/>
+                <a:headEnd/>
+                <a:tailEnd/>
+              </a14:hiddenLine>
+            </a:ext>
+            <a:ext uri="{AF507438-7753-43E0-B8FC-AC1667EBCBE1}">
+              <a14:hiddenEffects xmlns:a14="http://schemas.microsoft.com/office/drawing/2010/main">
+                <a:effectLst>
+                  <a:outerShdw dist="35921" dir="2700000" algn="ctr" rotWithShape="0">
+                    <a:schemeClr val="bg2"/>
+                  </a:outerShdw>
+                </a:effectLst>
+              </a14:hiddenEffects>
+            </a:ext>
+          </a:extLst>
+        </p:spPr>
+        <p:txBody>
+          <a:bodyPr vert="horz" wrap="square" lIns="91440" tIns="45720" rIns="91440" bIns="45720" numCol="1" anchor="ctr" anchorCtr="0" compatLnSpc="1">
+            <a:prstTxWarp prst="textNoShape">
+              <a:avLst/>
+            </a:prstTxWarp>
+            <a:spAutoFit/>
+          </a:bodyPr>
+          <a:lstStyle/>
+          <a:p>
+            <a:pPr marL="0" marR="0" lvl="0" indent="0" algn="l" defTabSz="914400" rtl="0" eaLnBrk="1" fontAlgn="base" latinLnBrk="0" hangingPunct="1">
+              <a:lnSpc>
+                <a:spcPct val="100000"/>
+              </a:lnSpc>
+              <a:spcBef>
+                <a:spcPct val="0"/>
+              </a:spcBef>
+              <a:spcAft>
+                <a:spcPct val="0"/>
+              </a:spcAft>
+              <a:buClrTx/>
+              <a:buSzTx/>
+              <a:buFontTx/>
               <a:buNone/>
+              <a:tabLst/>
             </a:pPr>
             <a:r>
-              <a:rPr lang="en-US" sz="1500" dirty="0">
-                <a:solidFill>
-                  <a:srgbClr val="000000"/>
-                </a:solidFill>
-                <a:latin typeface="Consolas"/>
-              </a:rPr>
-              <a:t>{</a:t>
-            </a:r>
-          </a:p>
-          <a:p>
-            <a:pPr marL="0" indent="0">
-              <a:buNone/>
-            </a:pPr>
-            <a:r>
-              <a:rPr lang="ru-RU" sz="1500" dirty="0" smtClean="0">
-                <a:solidFill>
-                  <a:srgbClr val="0000FF"/>
-                </a:solidFill>
-                <a:latin typeface="Consolas"/>
-              </a:rPr>
-              <a:t>    </a:t>
-            </a:r>
-            <a:r>
-              <a:rPr lang="en-US" sz="1500" dirty="0" err="1" smtClean="0">
-                <a:solidFill>
-                  <a:srgbClr val="0000FF"/>
-                </a:solidFill>
-                <a:latin typeface="Consolas"/>
-              </a:rPr>
-              <a:t>int</a:t>
-            </a:r>
-            <a:r>
-              <a:rPr lang="en-US" sz="1500" dirty="0">
-                <a:solidFill>
-                  <a:srgbClr val="000000"/>
-                </a:solidFill>
-                <a:latin typeface="Consolas"/>
-              </a:rPr>
-              <a:t>[] numbers = </a:t>
-            </a:r>
-            <a:r>
-              <a:rPr lang="en-US" sz="1500" dirty="0">
-                <a:solidFill>
-                  <a:srgbClr val="0000FF"/>
-                </a:solidFill>
-                <a:latin typeface="Consolas"/>
-              </a:rPr>
-              <a:t>new</a:t>
-            </a:r>
-            <a:r>
-              <a:rPr lang="en-US" sz="1500" dirty="0">
-                <a:solidFill>
-                  <a:srgbClr val="000000"/>
-                </a:solidFill>
-                <a:latin typeface="Consolas"/>
-              </a:rPr>
-              <a:t> </a:t>
-            </a:r>
-            <a:r>
-              <a:rPr lang="en-US" sz="1500" dirty="0" err="1">
-                <a:solidFill>
-                  <a:srgbClr val="0000FF"/>
-                </a:solidFill>
-                <a:latin typeface="Consolas"/>
-              </a:rPr>
-              <a:t>int</a:t>
-            </a:r>
-            <a:r>
-              <a:rPr lang="en-US" sz="1500" dirty="0">
-                <a:solidFill>
-                  <a:srgbClr val="000000"/>
-                </a:solidFill>
-                <a:latin typeface="Consolas"/>
-              </a:rPr>
-              <a:t>[count];</a:t>
-            </a:r>
-          </a:p>
-          <a:p>
-            <a:pPr marL="0" indent="0">
-              <a:buNone/>
-            </a:pPr>
-            <a:r>
-              <a:rPr lang="ru-RU" sz="1500" dirty="0">
-                <a:solidFill>
-                  <a:srgbClr val="0000FF"/>
-                </a:solidFill>
-                <a:latin typeface="Consolas"/>
-              </a:rPr>
-              <a:t> </a:t>
-            </a:r>
-            <a:r>
-              <a:rPr lang="ru-RU" sz="1500" dirty="0" smtClean="0">
-                <a:solidFill>
-                  <a:srgbClr val="0000FF"/>
-                </a:solidFill>
-                <a:latin typeface="Consolas"/>
-              </a:rPr>
-              <a:t>   </a:t>
-            </a:r>
-            <a:r>
-              <a:rPr lang="en-US" sz="1500" dirty="0" smtClean="0">
-                <a:solidFill>
-                  <a:srgbClr val="000000"/>
-                </a:solidFill>
-                <a:latin typeface="Consolas"/>
-              </a:rPr>
-              <a:t>numbers[</a:t>
-            </a:r>
-            <a:r>
-              <a:rPr lang="en-US" sz="1500" dirty="0" smtClean="0">
-                <a:solidFill>
-                  <a:srgbClr val="C81EFA"/>
-                </a:solidFill>
-                <a:latin typeface="Consolas"/>
-              </a:rPr>
-              <a:t>0</a:t>
-            </a:r>
-            <a:r>
-              <a:rPr lang="en-US" sz="1500" dirty="0">
-                <a:solidFill>
-                  <a:srgbClr val="000000"/>
-                </a:solidFill>
-                <a:latin typeface="Consolas"/>
-              </a:rPr>
-              <a:t>] = start;</a:t>
-            </a:r>
-          </a:p>
-          <a:p>
-            <a:pPr marL="0" indent="0">
-              <a:buNone/>
-            </a:pPr>
-            <a:r>
-              <a:rPr lang="ru-RU" sz="1500" dirty="0" smtClean="0">
-                <a:solidFill>
-                  <a:srgbClr val="0000FF"/>
-                </a:solidFill>
-                <a:latin typeface="Consolas"/>
-              </a:rPr>
-              <a:t>    </a:t>
-            </a:r>
-            <a:r>
-              <a:rPr lang="nn-NO" sz="1500" dirty="0" smtClean="0">
-                <a:solidFill>
-                  <a:srgbClr val="0000FF"/>
-                </a:solidFill>
-                <a:latin typeface="Consolas"/>
-              </a:rPr>
-              <a:t>for</a:t>
-            </a:r>
-            <a:r>
-              <a:rPr lang="nn-NO" sz="1500" dirty="0" smtClean="0">
-                <a:solidFill>
-                  <a:srgbClr val="000000"/>
-                </a:solidFill>
-                <a:latin typeface="Consolas"/>
-              </a:rPr>
-              <a:t> </a:t>
-            </a:r>
-            <a:r>
-              <a:rPr lang="nn-NO" sz="1500" dirty="0">
-                <a:solidFill>
-                  <a:srgbClr val="000000"/>
-                </a:solidFill>
-                <a:latin typeface="Consolas"/>
-              </a:rPr>
-              <a:t>(</a:t>
-            </a:r>
-            <a:r>
-              <a:rPr lang="nn-NO" sz="1500" dirty="0">
-                <a:solidFill>
-                  <a:srgbClr val="0000FF"/>
-                </a:solidFill>
-                <a:latin typeface="Consolas"/>
-              </a:rPr>
-              <a:t>int</a:t>
-            </a:r>
-            <a:r>
-              <a:rPr lang="nn-NO" sz="1500" dirty="0">
-                <a:solidFill>
-                  <a:srgbClr val="000000"/>
-                </a:solidFill>
-                <a:latin typeface="Consolas"/>
-              </a:rPr>
-              <a:t> i=</a:t>
-            </a:r>
-            <a:r>
-              <a:rPr lang="nn-NO" sz="1500" dirty="0">
-                <a:solidFill>
-                  <a:srgbClr val="C81EFA"/>
-                </a:solidFill>
-                <a:latin typeface="Consolas"/>
-              </a:rPr>
-              <a:t>1</a:t>
-            </a:r>
-            <a:r>
-              <a:rPr lang="nn-NO" sz="1500" dirty="0">
-                <a:solidFill>
-                  <a:srgbClr val="000000"/>
-                </a:solidFill>
-                <a:latin typeface="Consolas"/>
-              </a:rPr>
-              <a:t>; i&lt;count; i++)</a:t>
-            </a:r>
-          </a:p>
-          <a:p>
-            <a:pPr marL="0" indent="0">
-              <a:buNone/>
-            </a:pPr>
-            <a:r>
-              <a:rPr lang="ru-RU" sz="1500" dirty="0" smtClean="0">
-                <a:solidFill>
-                  <a:srgbClr val="000000"/>
-                </a:solidFill>
-                <a:latin typeface="Consolas"/>
-              </a:rPr>
-              <a:t>    </a:t>
-            </a:r>
-            <a:r>
-              <a:rPr lang="en-US" sz="1500" dirty="0" smtClean="0">
-                <a:solidFill>
-                  <a:srgbClr val="000000"/>
-                </a:solidFill>
-                <a:latin typeface="Consolas"/>
-              </a:rPr>
-              <a:t>{</a:t>
-            </a:r>
-          </a:p>
-          <a:p>
-            <a:pPr marL="0" indent="0">
-              <a:buNone/>
-            </a:pPr>
-            <a:r>
-              <a:rPr lang="en-US" sz="1400" dirty="0" smtClean="0">
+              <a:rPr kumimoji="0" lang="ru-RU" altLang="ru-RU" sz="900" b="0" i="0" u="none" strike="noStrike" cap="none" normalizeH="0" baseline="0" dirty="0" smtClean="0">
+                <a:ln>
+                  <a:noFill/>
+                </a:ln>
                 <a:solidFill>
                   <a:srgbClr val="008000"/>
                 </a:solidFill>
-                <a:latin typeface="Consolas"/>
-              </a:rPr>
-              <a:t>          </a:t>
-            </a:r>
-            <a:r>
-              <a:rPr lang="ru-RU" sz="1400" dirty="0" smtClean="0">
-                <a:solidFill>
-                  <a:srgbClr val="008000"/>
-                </a:solidFill>
-                <a:latin typeface="Consolas"/>
-              </a:rPr>
-              <a:t>// См. </a:t>
-            </a:r>
-            <a:r>
-              <a:rPr lang="ru-RU" sz="1400" dirty="0">
-                <a:solidFill>
-                  <a:srgbClr val="008000"/>
-                </a:solidFill>
-                <a:latin typeface="Consolas"/>
-              </a:rPr>
-              <a:t>к</a:t>
-            </a:r>
-            <a:r>
-              <a:rPr lang="ru-RU" sz="1400" dirty="0" smtClean="0">
-                <a:solidFill>
-                  <a:srgbClr val="008000"/>
-                </a:solidFill>
-                <a:latin typeface="Consolas"/>
-              </a:rPr>
-              <a:t>омментарий на следующем слайде о ключевом слове </a:t>
-            </a:r>
-            <a:r>
-              <a:rPr lang="en-US" sz="1400" dirty="0" smtClean="0">
-                <a:solidFill>
-                  <a:srgbClr val="008000"/>
-                </a:solidFill>
-                <a:latin typeface="Consolas"/>
-              </a:rPr>
-              <a:t>checked</a:t>
-            </a:r>
-            <a:endParaRPr lang="en-US" sz="1500" dirty="0">
+                <a:effectLst/>
+                <a:latin typeface="Consolas" pitchFamily="49" charset="0"/>
+                <a:cs typeface="Consolas" pitchFamily="49" charset="0"/>
+              </a:rPr>
+              <a:t>// i имеет тип int из-за использования целочиcленного литерала</a:t>
+            </a:r>
+            <a:endParaRPr lang="ru-RU" altLang="ru-RU" sz="900" dirty="0">
               <a:solidFill>
                 <a:srgbClr val="000000"/>
               </a:solidFill>
-              <a:latin typeface="Consolas"/>
+              <a:latin typeface="Consolas" pitchFamily="49" charset="0"/>
+              <a:cs typeface="Consolas" pitchFamily="49" charset="0"/>
             </a:endParaRPr>
           </a:p>
           <a:p>
-            <a:pPr marL="0" indent="0">
+            <a:pPr marL="0" marR="0" lvl="0" indent="0" algn="l" defTabSz="914400" rtl="0" eaLnBrk="1" fontAlgn="base" latinLnBrk="0" hangingPunct="1">
+              <a:lnSpc>
+                <a:spcPct val="100000"/>
+              </a:lnSpc>
+              <a:spcBef>
+                <a:spcPct val="0"/>
+              </a:spcBef>
+              <a:spcAft>
+                <a:spcPct val="0"/>
+              </a:spcAft>
+              <a:buClrTx/>
+              <a:buSzTx/>
+              <a:buFontTx/>
               <a:buNone/>
+              <a:tabLst/>
             </a:pPr>
             <a:r>
-              <a:rPr lang="ru-RU" sz="1500" dirty="0" smtClean="0">
+              <a:rPr kumimoji="0" lang="ru-RU" altLang="ru-RU" sz="900" b="0" i="0" u="none" strike="noStrike" cap="none" normalizeH="0" baseline="0" dirty="0" smtClean="0">
+                <a:ln>
+                  <a:noFill/>
+                </a:ln>
+                <a:solidFill>
+                  <a:srgbClr val="0000FF"/>
+                </a:solidFill>
+                <a:effectLst/>
+                <a:latin typeface="Consolas" pitchFamily="49" charset="0"/>
+                <a:cs typeface="Consolas" pitchFamily="49" charset="0"/>
+              </a:rPr>
+              <a:t>var</a:t>
+            </a:r>
+            <a:r>
+              <a:rPr kumimoji="0" lang="ru-RU" altLang="ru-RU" sz="900" b="0" i="0" u="none" strike="noStrike" cap="none" normalizeH="0" baseline="0" dirty="0" smtClean="0">
+                <a:ln>
+                  <a:noFill/>
+                </a:ln>
                 <a:solidFill>
                   <a:srgbClr val="000000"/>
                 </a:solidFill>
-                <a:latin typeface="Consolas"/>
-              </a:rPr>
-              <a:t>         </a:t>
-            </a:r>
-            <a:r>
-              <a:rPr lang="en-US" sz="1500" dirty="0" smtClean="0">
-                <a:solidFill>
-                  <a:srgbClr val="000000"/>
-                </a:solidFill>
-                <a:latin typeface="Consolas"/>
-              </a:rPr>
-              <a:t>numbers[</a:t>
-            </a:r>
-            <a:r>
-              <a:rPr lang="en-US" sz="1500" dirty="0" err="1" smtClean="0">
-                <a:solidFill>
-                  <a:srgbClr val="000000"/>
-                </a:solidFill>
-                <a:latin typeface="Consolas"/>
-              </a:rPr>
-              <a:t>i</a:t>
-            </a:r>
-            <a:r>
-              <a:rPr lang="en-US" sz="1500" dirty="0">
-                <a:solidFill>
-                  <a:srgbClr val="000000"/>
-                </a:solidFill>
-                <a:latin typeface="Consolas"/>
-              </a:rPr>
-              <a:t>] = </a:t>
-            </a:r>
-            <a:r>
-              <a:rPr lang="en-US" sz="1500" dirty="0">
-                <a:solidFill>
-                  <a:srgbClr val="0000FF"/>
-                </a:solidFill>
-                <a:latin typeface="Consolas"/>
-              </a:rPr>
-              <a:t>checked</a:t>
-            </a:r>
-            <a:r>
-              <a:rPr lang="en-US" sz="1500" dirty="0" smtClean="0">
-                <a:solidFill>
-                  <a:srgbClr val="000000"/>
-                </a:solidFill>
-                <a:latin typeface="Consolas"/>
-              </a:rPr>
-              <a:t>(numbers[i-</a:t>
-            </a:r>
-            <a:r>
-              <a:rPr lang="en-US" sz="1500" dirty="0" smtClean="0">
-                <a:solidFill>
-                  <a:srgbClr val="C81EFA"/>
-                </a:solidFill>
-                <a:latin typeface="Consolas"/>
-              </a:rPr>
-              <a:t>1</a:t>
-            </a:r>
-            <a:r>
-              <a:rPr lang="en-US" sz="1500" dirty="0">
-                <a:solidFill>
-                  <a:srgbClr val="000000"/>
-                </a:solidFill>
-                <a:latin typeface="Consolas"/>
-              </a:rPr>
-              <a:t>] + </a:t>
-            </a:r>
-            <a:r>
-              <a:rPr lang="en-US" sz="1500" dirty="0" smtClean="0">
-                <a:solidFill>
-                  <a:srgbClr val="000000"/>
-                </a:solidFill>
-                <a:latin typeface="Consolas"/>
-              </a:rPr>
-              <a:t>step);</a:t>
-            </a:r>
-            <a:endParaRPr lang="en-US" sz="1500" dirty="0">
+                <a:effectLst/>
+                <a:latin typeface="Consolas" pitchFamily="49" charset="0"/>
+                <a:cs typeface="Consolas" pitchFamily="49" charset="0"/>
+              </a:rPr>
+              <a:t> i = 5;</a:t>
+            </a:r>
+          </a:p>
+          <a:p>
+            <a:pPr marL="0" marR="0" lvl="0" indent="0" algn="l" defTabSz="914400" rtl="0" eaLnBrk="1" fontAlgn="base" latinLnBrk="0" hangingPunct="1">
+              <a:lnSpc>
+                <a:spcPct val="100000"/>
+              </a:lnSpc>
+              <a:spcBef>
+                <a:spcPct val="0"/>
+              </a:spcBef>
+              <a:spcAft>
+                <a:spcPct val="0"/>
+              </a:spcAft>
+              <a:buClrTx/>
+              <a:buSzTx/>
+              <a:buFontTx/>
+              <a:buNone/>
+              <a:tabLst/>
+            </a:pPr>
+            <a:endParaRPr lang="ru-RU" altLang="ru-RU" sz="900" dirty="0">
               <a:solidFill>
                 <a:srgbClr val="000000"/>
               </a:solidFill>
-              <a:latin typeface="Consolas"/>
+              <a:latin typeface="Consolas" pitchFamily="49" charset="0"/>
+              <a:cs typeface="Consolas" pitchFamily="49" charset="0"/>
             </a:endParaRPr>
           </a:p>
           <a:p>
-            <a:pPr marL="0" indent="0">
+            <a:pPr marL="0" marR="0" lvl="0" indent="0" algn="l" defTabSz="914400" rtl="0" eaLnBrk="1" fontAlgn="base" latinLnBrk="0" hangingPunct="1">
+              <a:lnSpc>
+                <a:spcPct val="100000"/>
+              </a:lnSpc>
+              <a:spcBef>
+                <a:spcPct val="0"/>
+              </a:spcBef>
+              <a:spcAft>
+                <a:spcPct val="0"/>
+              </a:spcAft>
+              <a:buClrTx/>
+              <a:buSzTx/>
+              <a:buFontTx/>
               <a:buNone/>
+              <a:tabLst/>
             </a:pPr>
             <a:r>
-              <a:rPr lang="ru-RU" sz="1500" dirty="0" smtClean="0">
-                <a:solidFill>
-                  <a:srgbClr val="000000"/>
-                </a:solidFill>
-                <a:latin typeface="Consolas"/>
-              </a:rPr>
-              <a:t>    </a:t>
-            </a:r>
-            <a:r>
-              <a:rPr lang="en-US" sz="1500" dirty="0" smtClean="0">
-                <a:solidFill>
-                  <a:srgbClr val="000000"/>
-                </a:solidFill>
-                <a:latin typeface="Consolas"/>
-              </a:rPr>
-              <a:t>}</a:t>
-            </a:r>
-            <a:endParaRPr lang="en-US" sz="1500" dirty="0">
+              <a:rPr kumimoji="0" lang="ru-RU" altLang="ru-RU" sz="900" b="0" i="0" u="none" strike="noStrike" cap="none" normalizeH="0" baseline="0" dirty="0" smtClean="0">
+                <a:ln>
+                  <a:noFill/>
+                </a:ln>
+                <a:solidFill>
+                  <a:srgbClr val="008000"/>
+                </a:solidFill>
+                <a:effectLst/>
+                <a:latin typeface="Consolas" pitchFamily="49" charset="0"/>
+                <a:cs typeface="Consolas" pitchFamily="49" charset="0"/>
+              </a:rPr>
+              <a:t>// i имеет тип decimal из-за использования decimal литерала</a:t>
+            </a:r>
+            <a:endParaRPr lang="ru-RU" altLang="ru-RU" sz="900" dirty="0">
               <a:solidFill>
                 <a:srgbClr val="000000"/>
               </a:solidFill>
-              <a:latin typeface="Consolas"/>
+              <a:latin typeface="Consolas" pitchFamily="49" charset="0"/>
+              <a:cs typeface="Consolas" pitchFamily="49" charset="0"/>
             </a:endParaRPr>
           </a:p>
           <a:p>
-            <a:pPr marL="0" indent="0">
+            <a:pPr marL="0" marR="0" lvl="0" indent="0" algn="l" defTabSz="914400" rtl="0" eaLnBrk="1" fontAlgn="base" latinLnBrk="0" hangingPunct="1">
+              <a:lnSpc>
+                <a:spcPct val="100000"/>
+              </a:lnSpc>
+              <a:spcBef>
+                <a:spcPct val="0"/>
+              </a:spcBef>
+              <a:spcAft>
+                <a:spcPct val="0"/>
+              </a:spcAft>
+              <a:buClrTx/>
+              <a:buSzTx/>
+              <a:buFontTx/>
               <a:buNone/>
+              <a:tabLst/>
             </a:pPr>
             <a:r>
-              <a:rPr lang="ru-RU" sz="1500" dirty="0" smtClean="0">
+              <a:rPr kumimoji="0" lang="ru-RU" altLang="ru-RU" sz="900" b="0" i="0" u="none" strike="noStrike" cap="none" normalizeH="0" baseline="0" dirty="0" smtClean="0">
+                <a:ln>
+                  <a:noFill/>
+                </a:ln>
                 <a:solidFill>
                   <a:srgbClr val="0000FF"/>
                 </a:solidFill>
-                <a:latin typeface="Consolas"/>
-              </a:rPr>
-              <a:t>    </a:t>
-            </a:r>
-            <a:r>
-              <a:rPr lang="en-US" sz="1500" dirty="0" smtClean="0">
-                <a:solidFill>
-                  <a:srgbClr val="0000FF"/>
-                </a:solidFill>
-                <a:latin typeface="Consolas"/>
-              </a:rPr>
-              <a:t>return</a:t>
-            </a:r>
-            <a:r>
-              <a:rPr lang="en-US" sz="1500" dirty="0" smtClean="0">
+                <a:effectLst/>
+                <a:latin typeface="Consolas" pitchFamily="49" charset="0"/>
+                <a:cs typeface="Consolas" pitchFamily="49" charset="0"/>
+              </a:rPr>
+              <a:t>var</a:t>
+            </a:r>
+            <a:r>
+              <a:rPr kumimoji="0" lang="ru-RU" altLang="ru-RU" sz="900" b="0" i="0" u="none" strike="noStrike" cap="none" normalizeH="0" baseline="0" dirty="0" smtClean="0">
+                <a:ln>
+                  <a:noFill/>
+                </a:ln>
                 <a:solidFill>
                   <a:srgbClr val="000000"/>
                 </a:solidFill>
-                <a:latin typeface="Consolas"/>
-              </a:rPr>
-              <a:t> </a:t>
-            </a:r>
-            <a:r>
-              <a:rPr lang="en-US" sz="1500" dirty="0">
-                <a:solidFill>
-                  <a:srgbClr val="000000"/>
-                </a:solidFill>
-                <a:latin typeface="Consolas"/>
-              </a:rPr>
-              <a:t>numbers;</a:t>
-            </a:r>
-          </a:p>
-          <a:p>
-            <a:pPr marL="0" indent="0">
+                <a:effectLst/>
+                <a:latin typeface="Consolas" pitchFamily="49" charset="0"/>
+                <a:cs typeface="Consolas" pitchFamily="49" charset="0"/>
+              </a:rPr>
+              <a:t> amount = 53.5M;</a:t>
+            </a:r>
+          </a:p>
+          <a:p>
+            <a:pPr marL="0" marR="0" lvl="0" indent="0" algn="l" defTabSz="914400" rtl="0" eaLnBrk="1" fontAlgn="base" latinLnBrk="0" hangingPunct="1">
+              <a:lnSpc>
+                <a:spcPct val="100000"/>
+              </a:lnSpc>
+              <a:spcBef>
+                <a:spcPct val="0"/>
+              </a:spcBef>
+              <a:spcAft>
+                <a:spcPct val="0"/>
+              </a:spcAft>
+              <a:buClrTx/>
+              <a:buSzTx/>
+              <a:buFontTx/>
               <a:buNone/>
+              <a:tabLst/>
             </a:pPr>
-            <a:r>
-              <a:rPr lang="en-US" sz="1500" dirty="0" smtClean="0">
-                <a:solidFill>
-                  <a:srgbClr val="000000"/>
-                </a:solidFill>
-                <a:latin typeface="Consolas"/>
-              </a:rPr>
-              <a:t>}</a:t>
-            </a:r>
-          </a:p>
-          <a:p>
-            <a:pPr marL="0" indent="0">
-              <a:buNone/>
-            </a:pPr>
-            <a:endParaRPr lang="en-US" sz="1500" dirty="0" smtClean="0">
+            <a:endParaRPr lang="ru-RU" altLang="ru-RU" sz="900" dirty="0">
               <a:solidFill>
                 <a:srgbClr val="000000"/>
               </a:solidFill>
-              <a:latin typeface="Consolas"/>
+              <a:latin typeface="Consolas" pitchFamily="49" charset="0"/>
+              <a:cs typeface="Consolas" pitchFamily="49" charset="0"/>
             </a:endParaRPr>
           </a:p>
           <a:p>
-            <a:pPr marL="0" indent="0">
+            <a:pPr marL="0" marR="0" lvl="0" indent="0" algn="l" defTabSz="914400" rtl="0" eaLnBrk="1" fontAlgn="base" latinLnBrk="0" hangingPunct="1">
+              <a:lnSpc>
+                <a:spcPct val="100000"/>
+              </a:lnSpc>
+              <a:spcBef>
+                <a:spcPct val="0"/>
+              </a:spcBef>
+              <a:spcAft>
+                <a:spcPct val="0"/>
+              </a:spcAft>
+              <a:buClrTx/>
+              <a:buSzTx/>
+              <a:buFontTx/>
               <a:buNone/>
+              <a:tabLst/>
             </a:pPr>
             <a:r>
-              <a:rPr lang="en-US" sz="1500" dirty="0" err="1" smtClean="0">
+              <a:rPr kumimoji="0" lang="ru-RU" altLang="ru-RU" sz="900" b="0" i="0" u="none" strike="noStrike" cap="none" normalizeH="0" baseline="0" dirty="0" smtClean="0">
+                <a:ln>
+                  <a:noFill/>
+                </a:ln>
+                <a:solidFill>
+                  <a:srgbClr val="008000"/>
+                </a:solidFill>
+                <a:effectLst/>
+                <a:latin typeface="Consolas" pitchFamily="49" charset="0"/>
+                <a:cs typeface="Consolas" pitchFamily="49" charset="0"/>
+              </a:rPr>
+              <a:t>// s имеет тип string</a:t>
+            </a:r>
+            <a:endParaRPr lang="ru-RU" altLang="ru-RU" sz="900" dirty="0">
+              <a:solidFill>
+                <a:srgbClr val="000000"/>
+              </a:solidFill>
+              <a:latin typeface="Consolas" pitchFamily="49" charset="0"/>
+              <a:cs typeface="Consolas" pitchFamily="49" charset="0"/>
+            </a:endParaRPr>
+          </a:p>
+          <a:p>
+            <a:pPr marL="0" marR="0" lvl="0" indent="0" algn="l" defTabSz="914400" rtl="0" eaLnBrk="1" fontAlgn="base" latinLnBrk="0" hangingPunct="1">
+              <a:lnSpc>
+                <a:spcPct val="100000"/>
+              </a:lnSpc>
+              <a:spcBef>
+                <a:spcPct val="0"/>
+              </a:spcBef>
+              <a:spcAft>
+                <a:spcPct val="0"/>
+              </a:spcAft>
+              <a:buClrTx/>
+              <a:buSzTx/>
+              <a:buFontTx/>
+              <a:buNone/>
+              <a:tabLst/>
+            </a:pPr>
+            <a:r>
+              <a:rPr kumimoji="0" lang="ru-RU" altLang="ru-RU" sz="900" b="0" i="0" u="none" strike="noStrike" cap="none" normalizeH="0" baseline="0" dirty="0" smtClean="0">
+                <a:ln>
+                  <a:noFill/>
+                </a:ln>
                 <a:solidFill>
                   <a:srgbClr val="0000FF"/>
                 </a:solidFill>
-                <a:latin typeface="Consolas"/>
-              </a:rPr>
-              <a:t>foreach</a:t>
-            </a:r>
-            <a:r>
-              <a:rPr lang="en-US" sz="1500" dirty="0" smtClean="0">
+                <a:effectLst/>
+                <a:latin typeface="Consolas" pitchFamily="49" charset="0"/>
+                <a:cs typeface="Consolas" pitchFamily="49" charset="0"/>
+              </a:rPr>
+              <a:t>var</a:t>
+            </a:r>
+            <a:r>
+              <a:rPr kumimoji="0" lang="ru-RU" altLang="ru-RU" sz="900" b="0" i="0" u="none" strike="noStrike" cap="none" normalizeH="0" baseline="0" dirty="0" smtClean="0">
+                <a:ln>
+                  <a:noFill/>
+                </a:ln>
                 <a:solidFill>
                   <a:srgbClr val="000000"/>
                 </a:solidFill>
-                <a:latin typeface="Consolas"/>
-              </a:rPr>
-              <a:t> (</a:t>
-            </a:r>
-            <a:r>
-              <a:rPr lang="en-US" sz="1500" dirty="0" err="1" smtClean="0">
+                <a:effectLst/>
+                <a:latin typeface="Consolas" pitchFamily="49" charset="0"/>
+                <a:cs typeface="Consolas" pitchFamily="49" charset="0"/>
+              </a:rPr>
+              <a:t> s = </a:t>
+            </a:r>
+            <a:r>
+              <a:rPr kumimoji="0" lang="ru-RU" altLang="ru-RU" sz="900" b="0" i="0" u="none" strike="noStrike" cap="none" normalizeH="0" baseline="0" dirty="0" smtClean="0">
+                <a:ln>
+                  <a:noFill/>
+                </a:ln>
+                <a:solidFill>
+                  <a:srgbClr val="A31515"/>
+                </a:solidFill>
+                <a:effectLst/>
+                <a:latin typeface="Consolas" pitchFamily="49" charset="0"/>
+                <a:cs typeface="Consolas" pitchFamily="49" charset="0"/>
+              </a:rPr>
+              <a:t>"Hello"</a:t>
+            </a:r>
+            <a:r>
+              <a:rPr kumimoji="0" lang="ru-RU" altLang="ru-RU" sz="900" b="0" i="0" u="none" strike="noStrike" cap="none" normalizeH="0" baseline="0" dirty="0" smtClean="0">
+                <a:ln>
+                  <a:noFill/>
+                </a:ln>
+                <a:solidFill>
+                  <a:srgbClr val="000000"/>
+                </a:solidFill>
+                <a:effectLst/>
+                <a:latin typeface="Consolas" pitchFamily="49" charset="0"/>
+                <a:cs typeface="Consolas" pitchFamily="49" charset="0"/>
+              </a:rPr>
+              <a:t>;</a:t>
+            </a:r>
+          </a:p>
+          <a:p>
+            <a:pPr marL="0" marR="0" lvl="0" indent="0" algn="l" defTabSz="914400" rtl="0" eaLnBrk="1" fontAlgn="base" latinLnBrk="0" hangingPunct="1">
+              <a:lnSpc>
+                <a:spcPct val="100000"/>
+              </a:lnSpc>
+              <a:spcBef>
+                <a:spcPct val="0"/>
+              </a:spcBef>
+              <a:spcAft>
+                <a:spcPct val="0"/>
+              </a:spcAft>
+              <a:buClrTx/>
+              <a:buSzTx/>
+              <a:buFontTx/>
+              <a:buNone/>
+              <a:tabLst/>
+            </a:pPr>
+            <a:endParaRPr lang="ru-RU" altLang="ru-RU" sz="900" dirty="0">
+              <a:solidFill>
+                <a:srgbClr val="000000"/>
+              </a:solidFill>
+              <a:latin typeface="Consolas" pitchFamily="49" charset="0"/>
+              <a:cs typeface="Consolas" pitchFamily="49" charset="0"/>
+            </a:endParaRPr>
+          </a:p>
+          <a:p>
+            <a:pPr marL="0" marR="0" lvl="0" indent="0" algn="l" defTabSz="914400" rtl="0" eaLnBrk="1" fontAlgn="base" latinLnBrk="0" hangingPunct="1">
+              <a:lnSpc>
+                <a:spcPct val="100000"/>
+              </a:lnSpc>
+              <a:spcBef>
+                <a:spcPct val="0"/>
+              </a:spcBef>
+              <a:spcAft>
+                <a:spcPct val="0"/>
+              </a:spcAft>
+              <a:buClrTx/>
+              <a:buSzTx/>
+              <a:buFontTx/>
+              <a:buNone/>
+              <a:tabLst/>
+            </a:pPr>
+            <a:r>
+              <a:rPr kumimoji="0" lang="ru-RU" altLang="ru-RU" sz="900" b="0" i="0" u="none" strike="noStrike" cap="none" normalizeH="0" baseline="0" dirty="0" smtClean="0">
+                <a:ln>
+                  <a:noFill/>
+                </a:ln>
+                <a:solidFill>
+                  <a:srgbClr val="008000"/>
+                </a:solidFill>
+                <a:effectLst/>
+                <a:latin typeface="Consolas" pitchFamily="49" charset="0"/>
+                <a:cs typeface="Consolas" pitchFamily="49" charset="0"/>
+              </a:rPr>
+              <a:t>// ch имеет тип char</a:t>
+            </a:r>
+            <a:endParaRPr lang="ru-RU" altLang="ru-RU" sz="900" dirty="0">
+              <a:solidFill>
+                <a:srgbClr val="000000"/>
+              </a:solidFill>
+              <a:latin typeface="Consolas" pitchFamily="49" charset="0"/>
+              <a:cs typeface="Consolas" pitchFamily="49" charset="0"/>
+            </a:endParaRPr>
+          </a:p>
+          <a:p>
+            <a:pPr marL="0" marR="0" lvl="0" indent="0" algn="l" defTabSz="914400" rtl="0" eaLnBrk="1" fontAlgn="base" latinLnBrk="0" hangingPunct="1">
+              <a:lnSpc>
+                <a:spcPct val="100000"/>
+              </a:lnSpc>
+              <a:spcBef>
+                <a:spcPct val="0"/>
+              </a:spcBef>
+              <a:spcAft>
+                <a:spcPct val="0"/>
+              </a:spcAft>
+              <a:buClrTx/>
+              <a:buSzTx/>
+              <a:buFontTx/>
+              <a:buNone/>
+              <a:tabLst/>
+            </a:pPr>
+            <a:r>
+              <a:rPr kumimoji="0" lang="ru-RU" altLang="ru-RU" sz="900" b="0" i="0" u="none" strike="noStrike" cap="none" normalizeH="0" baseline="0" dirty="0" smtClean="0">
+                <a:ln>
+                  <a:noFill/>
+                </a:ln>
                 <a:solidFill>
                   <a:srgbClr val="0000FF"/>
                 </a:solidFill>
-                <a:latin typeface="Consolas"/>
+                <a:effectLst/>
+                <a:latin typeface="Consolas" pitchFamily="49" charset="0"/>
+                <a:cs typeface="Consolas" pitchFamily="49" charset="0"/>
+              </a:rPr>
+              <a:t>var</a:t>
+            </a:r>
+            <a:r>
+              <a:rPr kumimoji="0" lang="ru-RU" altLang="ru-RU" sz="900" b="0" i="0" u="none" strike="noStrike" cap="none" normalizeH="0" baseline="0" dirty="0" smtClean="0">
+                <a:ln>
+                  <a:noFill/>
+                </a:ln>
+                <a:solidFill>
+                  <a:srgbClr val="000000"/>
+                </a:solidFill>
+                <a:effectLst/>
+                <a:latin typeface="Consolas" pitchFamily="49" charset="0"/>
+                <a:cs typeface="Consolas" pitchFamily="49" charset="0"/>
+              </a:rPr>
+              <a:t> ch = </a:t>
+            </a:r>
+            <a:r>
+              <a:rPr kumimoji="0" lang="ru-RU" altLang="ru-RU" sz="900" b="0" i="0" u="none" strike="noStrike" cap="none" normalizeH="0" baseline="0" dirty="0" smtClean="0">
+                <a:ln>
+                  <a:noFill/>
+                </a:ln>
+                <a:solidFill>
+                  <a:srgbClr val="A31515"/>
+                </a:solidFill>
+                <a:effectLst/>
+                <a:latin typeface="Consolas" pitchFamily="49" charset="0"/>
+                <a:cs typeface="Consolas" pitchFamily="49" charset="0"/>
+              </a:rPr>
+              <a:t>'a'</a:t>
+            </a:r>
+            <a:r>
+              <a:rPr kumimoji="0" lang="ru-RU" altLang="ru-RU" sz="900" b="0" i="0" u="none" strike="noStrike" cap="none" normalizeH="0" baseline="0" dirty="0" smtClean="0">
+                <a:ln>
+                  <a:noFill/>
+                </a:ln>
+                <a:solidFill>
+                  <a:srgbClr val="000000"/>
+                </a:solidFill>
+                <a:effectLst/>
+                <a:latin typeface="Consolas" pitchFamily="49" charset="0"/>
+                <a:cs typeface="Consolas" pitchFamily="49" charset="0"/>
+              </a:rPr>
+              <a:t>;</a:t>
+            </a:r>
+          </a:p>
+          <a:p>
+            <a:pPr marL="0" marR="0" lvl="0" indent="0" algn="l" defTabSz="914400" rtl="0" eaLnBrk="1" fontAlgn="base" latinLnBrk="0" hangingPunct="1">
+              <a:lnSpc>
+                <a:spcPct val="100000"/>
+              </a:lnSpc>
+              <a:spcBef>
+                <a:spcPct val="0"/>
+              </a:spcBef>
+              <a:spcAft>
+                <a:spcPct val="0"/>
+              </a:spcAft>
+              <a:buClrTx/>
+              <a:buSzTx/>
+              <a:buFontTx/>
+              <a:buNone/>
+              <a:tabLst/>
+            </a:pPr>
+            <a:endParaRPr lang="ru-RU" altLang="ru-RU" sz="900" dirty="0">
+              <a:solidFill>
+                <a:srgbClr val="000000"/>
+              </a:solidFill>
+              <a:latin typeface="Consolas" pitchFamily="49" charset="0"/>
+              <a:cs typeface="Consolas" pitchFamily="49" charset="0"/>
+            </a:endParaRPr>
+          </a:p>
+          <a:p>
+            <a:pPr marL="0" marR="0" lvl="0" indent="0" algn="l" defTabSz="914400" rtl="0" eaLnBrk="1" fontAlgn="base" latinLnBrk="0" hangingPunct="1">
+              <a:lnSpc>
+                <a:spcPct val="100000"/>
+              </a:lnSpc>
+              <a:spcBef>
+                <a:spcPct val="0"/>
+              </a:spcBef>
+              <a:spcAft>
+                <a:spcPct val="0"/>
+              </a:spcAft>
+              <a:buClrTx/>
+              <a:buSzTx/>
+              <a:buFontTx/>
+              <a:buNone/>
+              <a:tabLst/>
+            </a:pPr>
+            <a:r>
+              <a:rPr kumimoji="0" lang="ru-RU" altLang="ru-RU" sz="900" b="0" i="0" u="none" strike="noStrike" cap="none" normalizeH="0" baseline="0" dirty="0" smtClean="0">
+                <a:ln>
+                  <a:noFill/>
+                </a:ln>
+                <a:solidFill>
+                  <a:srgbClr val="008000"/>
+                </a:solidFill>
+                <a:effectLst/>
+                <a:latin typeface="Consolas" pitchFamily="49" charset="0"/>
+                <a:cs typeface="Consolas" pitchFamily="49" charset="0"/>
+              </a:rPr>
+              <a:t>// a имеет тип int[]</a:t>
+            </a:r>
+          </a:p>
+          <a:p>
+            <a:pPr marL="0" marR="0" lvl="0" indent="0" algn="l" defTabSz="914400" rtl="0" eaLnBrk="1" fontAlgn="base" latinLnBrk="0" hangingPunct="1">
+              <a:lnSpc>
+                <a:spcPct val="100000"/>
+              </a:lnSpc>
+              <a:spcBef>
+                <a:spcPct val="0"/>
+              </a:spcBef>
+              <a:spcAft>
+                <a:spcPct val="0"/>
+              </a:spcAft>
+              <a:buClrTx/>
+              <a:buSzTx/>
+              <a:buFontTx/>
+              <a:buNone/>
+              <a:tabLst/>
+            </a:pPr>
+            <a:r>
+              <a:rPr kumimoji="0" lang="ru-RU" altLang="ru-RU" sz="900" b="0" i="0" u="none" strike="noStrike" cap="none" normalizeH="0" baseline="0" dirty="0" smtClean="0">
+                <a:ln>
+                  <a:noFill/>
+                </a:ln>
+                <a:solidFill>
+                  <a:srgbClr val="0000FF"/>
+                </a:solidFill>
+                <a:effectLst/>
+                <a:latin typeface="Consolas" pitchFamily="49" charset="0"/>
+                <a:cs typeface="Consolas" pitchFamily="49" charset="0"/>
+              </a:rPr>
+              <a:t>var</a:t>
+            </a:r>
+            <a:r>
+              <a:rPr kumimoji="0" lang="ru-RU" altLang="ru-RU" sz="900" b="0" i="0" u="none" strike="noStrike" cap="none" normalizeH="0" baseline="0" dirty="0" smtClean="0">
+                <a:ln>
+                  <a:noFill/>
+                </a:ln>
+                <a:solidFill>
+                  <a:srgbClr val="000000"/>
+                </a:solidFill>
+                <a:effectLst/>
+                <a:latin typeface="Consolas" pitchFamily="49" charset="0"/>
+                <a:cs typeface="Consolas" pitchFamily="49" charset="0"/>
+              </a:rPr>
+              <a:t> a = </a:t>
+            </a:r>
+            <a:r>
+              <a:rPr kumimoji="0" lang="ru-RU" altLang="ru-RU" sz="900" b="0" i="0" u="none" strike="noStrike" cap="none" normalizeH="0" baseline="0" dirty="0" smtClean="0">
+                <a:ln>
+                  <a:noFill/>
+                </a:ln>
+                <a:solidFill>
+                  <a:srgbClr val="0000FF"/>
+                </a:solidFill>
+                <a:effectLst/>
+                <a:latin typeface="Consolas" pitchFamily="49" charset="0"/>
+                <a:cs typeface="Consolas" pitchFamily="49" charset="0"/>
+              </a:rPr>
+              <a:t>new</a:t>
+            </a:r>
+            <a:r>
+              <a:rPr kumimoji="0" lang="ru-RU" altLang="ru-RU" sz="900" b="0" i="0" u="none" strike="noStrike" cap="none" normalizeH="0" baseline="0" dirty="0" smtClean="0">
+                <a:ln>
+                  <a:noFill/>
+                </a:ln>
+                <a:solidFill>
+                  <a:srgbClr val="000000"/>
+                </a:solidFill>
+                <a:effectLst/>
+                <a:latin typeface="Consolas" pitchFamily="49" charset="0"/>
+                <a:cs typeface="Consolas" pitchFamily="49" charset="0"/>
+              </a:rPr>
+              <a:t>[] { 0, 1, 2 };</a:t>
+            </a:r>
+          </a:p>
+          <a:p>
+            <a:pPr marL="0" marR="0" lvl="0" indent="0" algn="l" defTabSz="914400" rtl="0" eaLnBrk="1" fontAlgn="base" latinLnBrk="0" hangingPunct="1">
+              <a:lnSpc>
+                <a:spcPct val="100000"/>
+              </a:lnSpc>
+              <a:spcBef>
+                <a:spcPct val="0"/>
+              </a:spcBef>
+              <a:spcAft>
+                <a:spcPct val="0"/>
+              </a:spcAft>
+              <a:buClrTx/>
+              <a:buSzTx/>
+              <a:buFontTx/>
+              <a:buNone/>
+              <a:tabLst/>
+            </a:pPr>
+            <a:endParaRPr lang="ru-RU" altLang="ru-RU" sz="900" dirty="0">
+              <a:solidFill>
+                <a:srgbClr val="000000"/>
+              </a:solidFill>
+              <a:latin typeface="Consolas" pitchFamily="49" charset="0"/>
+              <a:cs typeface="Consolas" pitchFamily="49" charset="0"/>
+            </a:endParaRPr>
+          </a:p>
+          <a:p>
+            <a:pPr marL="0" marR="0" lvl="0" indent="0" algn="l" defTabSz="914400" rtl="0" eaLnBrk="1" fontAlgn="base" latinLnBrk="0" hangingPunct="1">
+              <a:lnSpc>
+                <a:spcPct val="100000"/>
+              </a:lnSpc>
+              <a:spcBef>
+                <a:spcPct val="0"/>
+              </a:spcBef>
+              <a:spcAft>
+                <a:spcPct val="0"/>
+              </a:spcAft>
+              <a:buClrTx/>
+              <a:buSzTx/>
+              <a:buFontTx/>
+              <a:buNone/>
+              <a:tabLst/>
+            </a:pPr>
+            <a:r>
+              <a:rPr kumimoji="0" lang="ru-RU" altLang="ru-RU" sz="900" b="0" i="0" u="none" strike="noStrike" cap="none" normalizeH="0" baseline="0" dirty="0" smtClean="0">
+                <a:ln>
+                  <a:noFill/>
+                </a:ln>
+                <a:solidFill>
+                  <a:srgbClr val="008000"/>
+                </a:solidFill>
+                <a:effectLst/>
+                <a:latin typeface="Consolas" pitchFamily="49" charset="0"/>
+                <a:cs typeface="Consolas" pitchFamily="49" charset="0"/>
+              </a:rPr>
+              <a:t>// list имеет тип List&lt;int&gt;</a:t>
+            </a:r>
+            <a:endParaRPr lang="ru-RU" altLang="ru-RU" sz="900" dirty="0">
+              <a:solidFill>
+                <a:srgbClr val="000000"/>
+              </a:solidFill>
+              <a:latin typeface="Consolas" pitchFamily="49" charset="0"/>
+              <a:cs typeface="Consolas" pitchFamily="49" charset="0"/>
+            </a:endParaRPr>
+          </a:p>
+          <a:p>
+            <a:pPr marL="0" marR="0" lvl="0" indent="0" algn="l" defTabSz="914400" rtl="0" eaLnBrk="1" fontAlgn="base" latinLnBrk="0" hangingPunct="1">
+              <a:lnSpc>
+                <a:spcPct val="100000"/>
+              </a:lnSpc>
+              <a:spcBef>
+                <a:spcPct val="0"/>
+              </a:spcBef>
+              <a:spcAft>
+                <a:spcPct val="0"/>
+              </a:spcAft>
+              <a:buClrTx/>
+              <a:buSzTx/>
+              <a:buFontTx/>
+              <a:buNone/>
+              <a:tabLst/>
+            </a:pPr>
+            <a:r>
+              <a:rPr kumimoji="0" lang="ru-RU" altLang="ru-RU" sz="900" b="0" i="0" u="none" strike="noStrike" cap="none" normalizeH="0" baseline="0" dirty="0" smtClean="0">
+                <a:ln>
+                  <a:noFill/>
+                </a:ln>
+                <a:solidFill>
+                  <a:srgbClr val="0000FF"/>
+                </a:solidFill>
+                <a:effectLst/>
+                <a:latin typeface="Consolas" pitchFamily="49" charset="0"/>
+                <a:cs typeface="Consolas" pitchFamily="49" charset="0"/>
+              </a:rPr>
+              <a:t>var</a:t>
+            </a:r>
+            <a:r>
+              <a:rPr kumimoji="0" lang="ru-RU" altLang="ru-RU" sz="900" b="0" i="0" u="none" strike="noStrike" cap="none" normalizeH="0" baseline="0" dirty="0" smtClean="0">
+                <a:ln>
+                  <a:noFill/>
+                </a:ln>
+                <a:solidFill>
+                  <a:srgbClr val="000000"/>
+                </a:solidFill>
+                <a:effectLst/>
+                <a:latin typeface="Consolas" pitchFamily="49" charset="0"/>
+                <a:cs typeface="Consolas" pitchFamily="49" charset="0"/>
+              </a:rPr>
+              <a:t> list = </a:t>
+            </a:r>
+            <a:r>
+              <a:rPr kumimoji="0" lang="ru-RU" altLang="ru-RU" sz="900" b="0" i="0" u="none" strike="noStrike" cap="none" normalizeH="0" baseline="0" dirty="0" smtClean="0">
+                <a:ln>
+                  <a:noFill/>
+                </a:ln>
+                <a:solidFill>
+                  <a:srgbClr val="0000FF"/>
+                </a:solidFill>
+                <a:effectLst/>
+                <a:latin typeface="Consolas" pitchFamily="49" charset="0"/>
+                <a:cs typeface="Consolas" pitchFamily="49" charset="0"/>
+              </a:rPr>
+              <a:t>new</a:t>
+            </a:r>
+            <a:r>
+              <a:rPr kumimoji="0" lang="ru-RU" altLang="ru-RU" sz="900" b="0" i="0" u="none" strike="noStrike" cap="none" normalizeH="0" baseline="0" dirty="0" smtClean="0">
+                <a:ln>
+                  <a:noFill/>
+                </a:ln>
+                <a:solidFill>
+                  <a:srgbClr val="000000"/>
+                </a:solidFill>
+                <a:effectLst/>
+                <a:latin typeface="Consolas" pitchFamily="49" charset="0"/>
+                <a:cs typeface="Consolas" pitchFamily="49" charset="0"/>
+              </a:rPr>
+              <a:t> </a:t>
+            </a:r>
+            <a:r>
+              <a:rPr kumimoji="0" lang="ru-RU" altLang="ru-RU" sz="900" b="0" i="0" u="none" strike="noStrike" cap="none" normalizeH="0" baseline="0" dirty="0" smtClean="0">
+                <a:ln>
+                  <a:noFill/>
+                </a:ln>
+                <a:solidFill>
+                  <a:srgbClr val="2B91AF"/>
+                </a:solidFill>
+                <a:effectLst/>
+                <a:latin typeface="Consolas" pitchFamily="49" charset="0"/>
+                <a:cs typeface="Consolas" pitchFamily="49" charset="0"/>
+              </a:rPr>
+              <a:t>List</a:t>
+            </a:r>
+            <a:r>
+              <a:rPr kumimoji="0" lang="ru-RU" altLang="ru-RU" sz="900" b="0" i="0" u="none" strike="noStrike" cap="none" normalizeH="0" baseline="0" dirty="0" smtClean="0">
+                <a:ln>
+                  <a:noFill/>
+                </a:ln>
+                <a:solidFill>
+                  <a:srgbClr val="000000"/>
+                </a:solidFill>
+                <a:effectLst/>
+                <a:latin typeface="Consolas" pitchFamily="49" charset="0"/>
+                <a:cs typeface="Consolas" pitchFamily="49" charset="0"/>
+              </a:rPr>
+              <a:t>&lt;</a:t>
+            </a:r>
+            <a:r>
+              <a:rPr kumimoji="0" lang="ru-RU" altLang="ru-RU" sz="900" b="0" i="0" u="none" strike="noStrike" cap="none" normalizeH="0" baseline="0" dirty="0" smtClean="0">
+                <a:ln>
+                  <a:noFill/>
+                </a:ln>
+                <a:solidFill>
+                  <a:srgbClr val="0000FF"/>
+                </a:solidFill>
+                <a:effectLst/>
+                <a:latin typeface="Consolas" pitchFamily="49" charset="0"/>
+                <a:cs typeface="Consolas" pitchFamily="49" charset="0"/>
               </a:rPr>
               <a:t>int</a:t>
             </a:r>
             <a:r>
-              <a:rPr lang="en-US" sz="1500" dirty="0" smtClean="0">
+              <a:rPr kumimoji="0" lang="ru-RU" altLang="ru-RU" sz="900" b="0" i="0" u="none" strike="noStrike" cap="none" normalizeH="0" baseline="0" dirty="0" smtClean="0">
+                <a:ln>
+                  <a:noFill/>
+                </a:ln>
                 <a:solidFill>
                   <a:srgbClr val="000000"/>
                 </a:solidFill>
-                <a:latin typeface="Consolas"/>
+                <a:effectLst/>
+                <a:latin typeface="Consolas" pitchFamily="49" charset="0"/>
+                <a:cs typeface="Consolas" pitchFamily="49" charset="0"/>
+              </a:rPr>
+              <a:t>&gt;();</a:t>
+            </a:r>
+          </a:p>
+          <a:p>
+            <a:pPr marL="0" marR="0" lvl="0" indent="0" algn="l" defTabSz="914400" rtl="0" eaLnBrk="1" fontAlgn="base" latinLnBrk="0" hangingPunct="1">
+              <a:lnSpc>
+                <a:spcPct val="100000"/>
+              </a:lnSpc>
+              <a:spcBef>
+                <a:spcPct val="0"/>
+              </a:spcBef>
+              <a:spcAft>
+                <a:spcPct val="0"/>
+              </a:spcAft>
+              <a:buClrTx/>
+              <a:buSzTx/>
+              <a:buFontTx/>
+              <a:buNone/>
+              <a:tabLst/>
+            </a:pPr>
+            <a:endParaRPr lang="ru-RU" altLang="ru-RU" sz="900" dirty="0">
+              <a:solidFill>
+                <a:srgbClr val="000000"/>
+              </a:solidFill>
+              <a:latin typeface="Consolas" pitchFamily="49" charset="0"/>
+              <a:cs typeface="Consolas" pitchFamily="49" charset="0"/>
+            </a:endParaRPr>
+          </a:p>
+          <a:p>
+            <a:pPr marL="0" marR="0" lvl="0" indent="0" algn="l" defTabSz="914400" rtl="0" eaLnBrk="1" fontAlgn="base" latinLnBrk="0" hangingPunct="1">
+              <a:lnSpc>
+                <a:spcPct val="100000"/>
+              </a:lnSpc>
+              <a:spcBef>
+                <a:spcPct val="0"/>
+              </a:spcBef>
+              <a:spcAft>
+                <a:spcPct val="0"/>
+              </a:spcAft>
+              <a:buClrTx/>
+              <a:buSzTx/>
+              <a:buFontTx/>
+              <a:buNone/>
+              <a:tabLst/>
+            </a:pPr>
+            <a:r>
+              <a:rPr kumimoji="0" lang="ru-RU" altLang="ru-RU" sz="900" b="0" i="0" u="none" strike="noStrike" cap="none" normalizeH="0" baseline="0" dirty="0" smtClean="0">
+                <a:ln>
+                  <a:noFill/>
+                </a:ln>
+                <a:solidFill>
+                  <a:srgbClr val="008000"/>
+                </a:solidFill>
+                <a:effectLst/>
+                <a:latin typeface="Consolas" pitchFamily="49" charset="0"/>
+                <a:cs typeface="Consolas" pitchFamily="49" charset="0"/>
+              </a:rPr>
+              <a:t>// expr имееет тип IEnumerable&lt;Customer&gt;</a:t>
+            </a:r>
+            <a:endParaRPr lang="ru-RU" altLang="ru-RU" sz="900" dirty="0">
+              <a:solidFill>
+                <a:srgbClr val="000000"/>
+              </a:solidFill>
+              <a:latin typeface="Consolas" pitchFamily="49" charset="0"/>
+              <a:cs typeface="Consolas" pitchFamily="49" charset="0"/>
+            </a:endParaRPr>
+          </a:p>
+          <a:p>
+            <a:pPr marL="0" marR="0" lvl="0" indent="0" algn="l" defTabSz="914400" rtl="0" eaLnBrk="1" fontAlgn="base" latinLnBrk="0" hangingPunct="1">
+              <a:lnSpc>
+                <a:spcPct val="100000"/>
+              </a:lnSpc>
+              <a:spcBef>
+                <a:spcPct val="0"/>
+              </a:spcBef>
+              <a:spcAft>
+                <a:spcPct val="0"/>
+              </a:spcAft>
+              <a:buClrTx/>
+              <a:buSzTx/>
+              <a:buFontTx/>
+              <a:buNone/>
+              <a:tabLst/>
+            </a:pPr>
+            <a:r>
+              <a:rPr kumimoji="0" lang="ru-RU" altLang="ru-RU" sz="900" b="0" i="0" u="none" strike="noStrike" cap="none" normalizeH="0" baseline="0" dirty="0" smtClean="0">
+                <a:ln>
+                  <a:noFill/>
+                </a:ln>
+                <a:solidFill>
+                  <a:srgbClr val="008000"/>
+                </a:solidFill>
+                <a:effectLst/>
+                <a:latin typeface="Consolas" pitchFamily="49" charset="0"/>
+                <a:cs typeface="Consolas" pitchFamily="49" charset="0"/>
+              </a:rPr>
+              <a:t>// или IQueryable&lt;Customer&gt;</a:t>
+            </a:r>
+            <a:endParaRPr lang="ru-RU" altLang="ru-RU" sz="900" dirty="0">
+              <a:solidFill>
+                <a:srgbClr val="000000"/>
+              </a:solidFill>
+              <a:latin typeface="Consolas" pitchFamily="49" charset="0"/>
+              <a:cs typeface="Consolas" pitchFamily="49" charset="0"/>
+            </a:endParaRPr>
+          </a:p>
+          <a:p>
+            <a:pPr marL="0" marR="0" lvl="0" indent="0" algn="l" defTabSz="914400" rtl="0" eaLnBrk="1" fontAlgn="base" latinLnBrk="0" hangingPunct="1">
+              <a:lnSpc>
+                <a:spcPct val="100000"/>
+              </a:lnSpc>
+              <a:spcBef>
+                <a:spcPct val="0"/>
+              </a:spcBef>
+              <a:spcAft>
+                <a:spcPct val="0"/>
+              </a:spcAft>
+              <a:buClrTx/>
+              <a:buSzTx/>
+              <a:buFontTx/>
+              <a:buNone/>
+              <a:tabLst/>
+            </a:pPr>
+            <a:r>
+              <a:rPr kumimoji="0" lang="ru-RU" altLang="ru-RU" sz="900" b="0" i="0" u="none" strike="noStrike" cap="none" normalizeH="0" baseline="0" dirty="0" smtClean="0">
+                <a:ln>
+                  <a:noFill/>
+                </a:ln>
+                <a:solidFill>
+                  <a:srgbClr val="0000FF"/>
+                </a:solidFill>
+                <a:effectLst/>
+                <a:latin typeface="Consolas" pitchFamily="49" charset="0"/>
+                <a:cs typeface="Consolas" pitchFamily="49" charset="0"/>
+              </a:rPr>
+              <a:t>var</a:t>
+            </a:r>
+            <a:r>
+              <a:rPr kumimoji="0" lang="ru-RU" altLang="ru-RU" sz="900" b="0" i="0" u="none" strike="noStrike" cap="none" normalizeH="0" baseline="0" dirty="0" smtClean="0">
+                <a:ln>
+                  <a:noFill/>
+                </a:ln>
+                <a:solidFill>
+                  <a:srgbClr val="000000"/>
+                </a:solidFill>
+                <a:effectLst/>
+                <a:latin typeface="Consolas" pitchFamily="49" charset="0"/>
+                <a:cs typeface="Consolas" pitchFamily="49" charset="0"/>
+              </a:rPr>
+              <a:t> expr = </a:t>
+            </a:r>
+            <a:r>
+              <a:rPr kumimoji="0" lang="ru-RU" altLang="ru-RU" sz="900" b="0" i="0" u="none" strike="noStrike" cap="none" normalizeH="0" baseline="0" dirty="0" smtClean="0">
+                <a:ln>
+                  <a:noFill/>
+                </a:ln>
+                <a:solidFill>
+                  <a:srgbClr val="0000FF"/>
+                </a:solidFill>
+                <a:effectLst/>
+                <a:latin typeface="Consolas" pitchFamily="49" charset="0"/>
+                <a:cs typeface="Consolas" pitchFamily="49" charset="0"/>
+              </a:rPr>
+              <a:t>from</a:t>
+            </a:r>
+            <a:r>
+              <a:rPr kumimoji="0" lang="ru-RU" altLang="ru-RU" sz="900" b="0" i="0" u="none" strike="noStrike" cap="none" normalizeH="0" baseline="0" dirty="0" smtClean="0">
+                <a:ln>
+                  <a:noFill/>
+                </a:ln>
+                <a:solidFill>
+                  <a:srgbClr val="000000"/>
+                </a:solidFill>
+                <a:effectLst/>
+                <a:latin typeface="Consolas" pitchFamily="49" charset="0"/>
+                <a:cs typeface="Consolas" pitchFamily="49" charset="0"/>
+              </a:rPr>
+              <a:t> c </a:t>
+            </a:r>
+            <a:r>
+              <a:rPr kumimoji="0" lang="ru-RU" altLang="ru-RU" sz="900" b="0" i="0" u="none" strike="noStrike" cap="none" normalizeH="0" baseline="0" dirty="0" smtClean="0">
+                <a:ln>
+                  <a:noFill/>
+                </a:ln>
+                <a:solidFill>
+                  <a:srgbClr val="0000FF"/>
+                </a:solidFill>
+                <a:effectLst/>
+                <a:latin typeface="Consolas" pitchFamily="49" charset="0"/>
+                <a:cs typeface="Consolas" pitchFamily="49" charset="0"/>
+              </a:rPr>
+              <a:t>in</a:t>
+            </a:r>
+            <a:r>
+              <a:rPr kumimoji="0" lang="ru-RU" altLang="ru-RU" sz="900" b="0" i="0" u="none" strike="noStrike" cap="none" normalizeH="0" baseline="0" dirty="0" smtClean="0">
+                <a:ln>
+                  <a:noFill/>
+                </a:ln>
+                <a:solidFill>
+                  <a:srgbClr val="000000"/>
+                </a:solidFill>
+                <a:effectLst/>
+                <a:latin typeface="Consolas" pitchFamily="49" charset="0"/>
+                <a:cs typeface="Consolas" pitchFamily="49" charset="0"/>
+              </a:rPr>
+              <a:t> customers </a:t>
+            </a:r>
+            <a:r>
+              <a:rPr kumimoji="0" lang="ru-RU" altLang="ru-RU" sz="900" b="0" i="0" u="none" strike="noStrike" cap="none" normalizeH="0" baseline="0" dirty="0" smtClean="0">
+                <a:ln>
+                  <a:noFill/>
+                </a:ln>
+                <a:solidFill>
+                  <a:srgbClr val="0000FF"/>
+                </a:solidFill>
+                <a:effectLst/>
+                <a:latin typeface="Consolas" pitchFamily="49" charset="0"/>
+                <a:cs typeface="Consolas" pitchFamily="49" charset="0"/>
+              </a:rPr>
+              <a:t>where</a:t>
+            </a:r>
+            <a:r>
+              <a:rPr kumimoji="0" lang="ru-RU" altLang="ru-RU" sz="900" b="0" i="0" u="none" strike="noStrike" cap="none" normalizeH="0" baseline="0" dirty="0" smtClean="0">
+                <a:ln>
+                  <a:noFill/>
+                </a:ln>
+                <a:solidFill>
+                  <a:srgbClr val="000000"/>
+                </a:solidFill>
+                <a:effectLst/>
+                <a:latin typeface="Consolas" pitchFamily="49" charset="0"/>
+                <a:cs typeface="Consolas" pitchFamily="49" charset="0"/>
+              </a:rPr>
+              <a:t> c.City == </a:t>
+            </a:r>
+            <a:r>
+              <a:rPr kumimoji="0" lang="ru-RU" altLang="ru-RU" sz="900" b="0" i="0" u="none" strike="noStrike" cap="none" normalizeH="0" baseline="0" dirty="0" smtClean="0">
+                <a:ln>
+                  <a:noFill/>
+                </a:ln>
+                <a:solidFill>
+                  <a:srgbClr val="A31515"/>
+                </a:solidFill>
+                <a:effectLst/>
+                <a:latin typeface="Consolas" pitchFamily="49" charset="0"/>
+                <a:cs typeface="Consolas" pitchFamily="49" charset="0"/>
+              </a:rPr>
+              <a:t>"London"</a:t>
+            </a:r>
+            <a:r>
+              <a:rPr kumimoji="0" lang="ru-RU" altLang="ru-RU" sz="900" b="0" i="0" u="none" strike="noStrike" cap="none" normalizeH="0" baseline="0" dirty="0" smtClean="0">
+                <a:ln>
+                  <a:noFill/>
+                </a:ln>
+                <a:solidFill>
+                  <a:srgbClr val="000000"/>
+                </a:solidFill>
+                <a:effectLst/>
+                <a:latin typeface="Consolas" pitchFamily="49" charset="0"/>
+                <a:cs typeface="Consolas" pitchFamily="49" charset="0"/>
               </a:rPr>
               <a:t> </a:t>
             </a:r>
             <a:r>
-              <a:rPr lang="en-US" sz="1500" dirty="0" err="1" smtClean="0">
+              <a:rPr kumimoji="0" lang="ru-RU" altLang="ru-RU" sz="900" b="0" i="0" u="none" strike="noStrike" cap="none" normalizeH="0" baseline="0" dirty="0" smtClean="0">
+                <a:ln>
+                  <a:noFill/>
+                </a:ln>
+                <a:solidFill>
+                  <a:srgbClr val="0000FF"/>
+                </a:solidFill>
+                <a:effectLst/>
+                <a:latin typeface="Consolas" pitchFamily="49" charset="0"/>
+                <a:cs typeface="Consolas" pitchFamily="49" charset="0"/>
+              </a:rPr>
+              <a:t>select</a:t>
+            </a:r>
+            <a:r>
+              <a:rPr kumimoji="0" lang="ru-RU" altLang="ru-RU" sz="900" b="0" i="0" u="none" strike="noStrike" cap="none" normalizeH="0" baseline="0" dirty="0" smtClean="0">
+                <a:ln>
+                  <a:noFill/>
+                </a:ln>
                 <a:solidFill>
                   <a:srgbClr val="000000"/>
                 </a:solidFill>
-                <a:latin typeface="Consolas"/>
-              </a:rPr>
-              <a:t>num</a:t>
-            </a:r>
-            <a:r>
-              <a:rPr lang="en-US" sz="1500" dirty="0" smtClean="0">
-                <a:solidFill>
-                  <a:srgbClr val="000000"/>
-                </a:solidFill>
-                <a:latin typeface="Consolas"/>
-              </a:rPr>
-              <a:t> </a:t>
-            </a:r>
-            <a:r>
-              <a:rPr lang="en-US" sz="1500" dirty="0" smtClean="0">
-                <a:solidFill>
-                  <a:srgbClr val="0000FF"/>
-                </a:solidFill>
-                <a:latin typeface="Consolas"/>
-              </a:rPr>
-              <a:t>in</a:t>
-            </a:r>
-            <a:r>
-              <a:rPr lang="en-US" sz="1500" dirty="0" smtClean="0">
-                <a:solidFill>
-                  <a:srgbClr val="000000"/>
-                </a:solidFill>
-                <a:latin typeface="Consolas"/>
-              </a:rPr>
-              <a:t> </a:t>
-            </a:r>
-            <a:r>
-              <a:rPr lang="en-US" sz="1500" dirty="0" err="1" smtClean="0">
-                <a:solidFill>
-                  <a:srgbClr val="000000"/>
-                </a:solidFill>
-                <a:latin typeface="Consolas"/>
-              </a:rPr>
-              <a:t>ArithmeticProgression</a:t>
-            </a:r>
-            <a:r>
-              <a:rPr lang="en-US" sz="1500" dirty="0" smtClean="0">
-                <a:solidFill>
-                  <a:srgbClr val="000000"/>
-                </a:solidFill>
-                <a:latin typeface="Consolas"/>
-              </a:rPr>
-              <a:t>(</a:t>
-            </a:r>
-            <a:r>
-              <a:rPr lang="en-US" sz="1500" dirty="0" smtClean="0">
-                <a:solidFill>
-                  <a:srgbClr val="C81EFA"/>
-                </a:solidFill>
-                <a:latin typeface="Consolas"/>
-              </a:rPr>
-              <a:t>1</a:t>
-            </a:r>
-            <a:r>
-              <a:rPr lang="en-US" sz="1500" dirty="0" smtClean="0">
-                <a:solidFill>
-                  <a:srgbClr val="000000"/>
-                </a:solidFill>
-                <a:latin typeface="Consolas"/>
-              </a:rPr>
-              <a:t>, </a:t>
-            </a:r>
-            <a:r>
-              <a:rPr lang="en-US" sz="1500" dirty="0" smtClean="0">
-                <a:solidFill>
-                  <a:srgbClr val="C81EFA"/>
-                </a:solidFill>
-                <a:latin typeface="Consolas"/>
-              </a:rPr>
-              <a:t>3</a:t>
-            </a:r>
-            <a:r>
-              <a:rPr lang="en-US" sz="1500" dirty="0" smtClean="0">
-                <a:solidFill>
-                  <a:srgbClr val="000000"/>
-                </a:solidFill>
-                <a:latin typeface="Consolas"/>
-              </a:rPr>
-              <a:t>, </a:t>
-            </a:r>
-            <a:r>
-              <a:rPr lang="en-US" sz="1500" dirty="0" smtClean="0">
-                <a:solidFill>
-                  <a:srgbClr val="C81EFA"/>
-                </a:solidFill>
-                <a:latin typeface="Consolas"/>
-              </a:rPr>
-              <a:t>10</a:t>
-            </a:r>
-            <a:r>
-              <a:rPr lang="en-US" sz="1500" dirty="0" smtClean="0">
-                <a:solidFill>
-                  <a:srgbClr val="000000"/>
-                </a:solidFill>
-                <a:latin typeface="Consolas"/>
-              </a:rPr>
-              <a:t>))</a:t>
-            </a:r>
-          </a:p>
-          <a:p>
-            <a:pPr marL="0" indent="0">
-              <a:buNone/>
-            </a:pPr>
-            <a:r>
-              <a:rPr lang="en-US" sz="1500" dirty="0" smtClean="0">
-                <a:solidFill>
-                  <a:srgbClr val="000000"/>
-                </a:solidFill>
-                <a:latin typeface="Consolas"/>
-              </a:rPr>
-              <a:t>{</a:t>
-            </a:r>
-          </a:p>
-          <a:p>
-            <a:pPr marL="0" indent="0">
-              <a:buNone/>
-            </a:pPr>
-            <a:r>
-              <a:rPr lang="en-US" sz="1500" dirty="0" smtClean="0">
-                <a:solidFill>
-                  <a:srgbClr val="000000"/>
-                </a:solidFill>
-                <a:latin typeface="Consolas"/>
-              </a:rPr>
-              <a:t>    </a:t>
-            </a:r>
-            <a:r>
-              <a:rPr lang="en-US" sz="1500" dirty="0" err="1" smtClean="0">
-                <a:solidFill>
-                  <a:srgbClr val="000000"/>
-                </a:solidFill>
-                <a:latin typeface="Consolas"/>
-              </a:rPr>
-              <a:t>Console.WriteLine</a:t>
-            </a:r>
-            <a:r>
-              <a:rPr lang="en-US" sz="1500" dirty="0" smtClean="0">
-                <a:solidFill>
-                  <a:srgbClr val="000000"/>
-                </a:solidFill>
-                <a:latin typeface="Consolas"/>
-              </a:rPr>
-              <a:t>(</a:t>
-            </a:r>
-            <a:r>
-              <a:rPr lang="en-US" sz="1500" dirty="0" err="1" smtClean="0">
-                <a:solidFill>
-                  <a:srgbClr val="000000"/>
-                </a:solidFill>
-                <a:latin typeface="Consolas"/>
-              </a:rPr>
-              <a:t>num</a:t>
-            </a:r>
-            <a:r>
-              <a:rPr lang="en-US" sz="1500" dirty="0" smtClean="0">
-                <a:solidFill>
-                  <a:srgbClr val="000000"/>
-                </a:solidFill>
-                <a:latin typeface="Consolas"/>
-              </a:rPr>
-              <a:t>);</a:t>
-            </a:r>
-          </a:p>
-          <a:p>
-            <a:pPr marL="0" indent="0">
-              <a:buNone/>
-            </a:pPr>
-            <a:r>
-              <a:rPr lang="en-US" sz="1500" dirty="0" smtClean="0">
-                <a:solidFill>
-                  <a:srgbClr val="000000"/>
-                </a:solidFill>
-                <a:latin typeface="Consolas"/>
-              </a:rPr>
-              <a:t>}</a:t>
-            </a:r>
-          </a:p>
-          <a:p>
-            <a:pPr marL="0" indent="0">
-              <a:buNone/>
-            </a:pPr>
-            <a:endParaRPr lang="en-US" dirty="0"/>
+                <a:effectLst/>
+                <a:latin typeface="Consolas" pitchFamily="49" charset="0"/>
+                <a:cs typeface="Consolas" pitchFamily="49" charset="0"/>
+              </a:rPr>
+              <a:t> c; </a:t>
+            </a:r>
+            <a:endParaRPr kumimoji="0" lang="ru-RU" altLang="ru-RU" sz="1800" b="0" i="0" u="none" strike="noStrike" cap="none" normalizeH="0" baseline="0" dirty="0" smtClean="0">
+              <a:ln>
+                <a:noFill/>
+              </a:ln>
+              <a:solidFill>
+                <a:schemeClr val="tx1"/>
+              </a:solidFill>
+              <a:effectLst/>
+              <a:latin typeface="Arial" pitchFamily="34" charset="0"/>
+              <a:cs typeface="Arial" pitchFamily="34" charset="0"/>
+            </a:endParaRPr>
           </a:p>
         </p:txBody>
       </p:sp>
     </p:spTree>
     <p:extLst>
       <p:ext uri="{BB962C8B-B14F-4D97-AF65-F5344CB8AC3E}">
-        <p14:creationId xmlns:p14="http://schemas.microsoft.com/office/powerpoint/2010/main" val="1735524147"/>
+        <p14:creationId xmlns:p14="http://schemas.microsoft.com/office/powerpoint/2010/main" val="1626647045"/>
       </p:ext>
     </p:extLst>
   </p:cSld>
@@ -13678,843 +14508,212 @@
           <a:p>
             <a:r>
               <a:rPr lang="ru-RU" dirty="0" smtClean="0"/>
-              <a:t>Итераторы</a:t>
-            </a:r>
-            <a:r>
-              <a:rPr lang="en-US" dirty="0"/>
-              <a:t> </a:t>
-            </a:r>
-            <a:r>
-              <a:rPr lang="ru-RU" dirty="0" smtClean="0"/>
-              <a:t>и </a:t>
-            </a:r>
-            <a:r>
-              <a:rPr lang="en-US" dirty="0"/>
-              <a:t>yield</a:t>
-            </a:r>
+              <a:t>Анонимные типы</a:t>
+            </a:r>
+            <a:endParaRPr lang="ru-RU" dirty="0"/>
           </a:p>
         </p:txBody>
       </p:sp>
       <p:sp>
         <p:nvSpPr>
-          <p:cNvPr id="3" name="Content Placeholder 2"/>
+          <p:cNvPr id="4" name="Rectangle 1"/>
           <p:cNvSpPr>
-            <a:spLocks noGrp="1"/>
+            <a:spLocks noChangeArrowheads="1"/>
           </p:cNvSpPr>
-          <p:nvPr>
-            <p:ph idx="1"/>
-          </p:nvPr>
-        </p:nvSpPr>
-        <p:spPr>
-          <a:xfrm>
-            <a:off x="457200" y="1600201"/>
-            <a:ext cx="8229600" cy="3268959"/>
-          </a:xfrm>
-          <a:solidFill>
-            <a:schemeClr val="bg1"/>
-          </a:solidFill>
-        </p:spPr>
-        <p:txBody>
-          <a:bodyPr>
-            <a:normAutofit fontScale="62500" lnSpcReduction="20000"/>
-          </a:bodyPr>
-          <a:lstStyle/>
-          <a:p>
-            <a:pPr marL="0" indent="0">
-              <a:buNone/>
-            </a:pPr>
-            <a:r>
-              <a:rPr lang="en-US" sz="1600" dirty="0">
-                <a:solidFill>
-                  <a:srgbClr val="0000FF"/>
-                </a:solidFill>
-                <a:latin typeface="Consolas"/>
-              </a:rPr>
-              <a:t>public</a:t>
-            </a:r>
-            <a:r>
-              <a:rPr lang="en-US" sz="1600" dirty="0">
-                <a:solidFill>
-                  <a:prstClr val="black"/>
-                </a:solidFill>
-                <a:latin typeface="Consolas"/>
-              </a:rPr>
-              <a:t> </a:t>
-            </a:r>
-            <a:r>
-              <a:rPr lang="en-US" sz="1600" dirty="0">
-                <a:solidFill>
-                  <a:srgbClr val="0000FF"/>
-                </a:solidFill>
-                <a:latin typeface="Consolas"/>
-              </a:rPr>
-              <a:t>static</a:t>
-            </a:r>
-            <a:r>
-              <a:rPr lang="en-US" sz="1600" dirty="0">
-                <a:solidFill>
-                  <a:prstClr val="black"/>
-                </a:solidFill>
-                <a:latin typeface="Consolas"/>
-              </a:rPr>
-              <a:t> </a:t>
-            </a:r>
-            <a:r>
-              <a:rPr lang="en-US" sz="1600" dirty="0" err="1">
-                <a:solidFill>
-                  <a:srgbClr val="2B91AF"/>
-                </a:solidFill>
-                <a:latin typeface="Consolas"/>
-              </a:rPr>
-              <a:t>IEnumerable</a:t>
-            </a:r>
-            <a:r>
-              <a:rPr lang="en-US" sz="1600" dirty="0">
-                <a:solidFill>
-                  <a:prstClr val="black"/>
-                </a:solidFill>
-                <a:latin typeface="Consolas"/>
-              </a:rPr>
-              <a:t>&lt;</a:t>
-            </a:r>
-            <a:r>
-              <a:rPr lang="en-US" sz="1600" dirty="0" err="1">
-                <a:solidFill>
-                  <a:srgbClr val="0000FF"/>
-                </a:solidFill>
-                <a:latin typeface="Consolas"/>
-              </a:rPr>
-              <a:t>int</a:t>
-            </a:r>
-            <a:r>
-              <a:rPr lang="en-US" sz="1600" dirty="0">
-                <a:solidFill>
-                  <a:prstClr val="black"/>
-                </a:solidFill>
-                <a:latin typeface="Consolas"/>
-              </a:rPr>
-              <a:t>&gt; </a:t>
-            </a:r>
-            <a:r>
-              <a:rPr lang="en-US" sz="1600" dirty="0" err="1">
-                <a:solidFill>
-                  <a:prstClr val="black"/>
-                </a:solidFill>
-                <a:latin typeface="Consolas"/>
-              </a:rPr>
-              <a:t>ArithmeticProgression</a:t>
-            </a:r>
-            <a:r>
-              <a:rPr lang="en-US" sz="1600" dirty="0">
-                <a:solidFill>
-                  <a:prstClr val="black"/>
-                </a:solidFill>
-                <a:latin typeface="Consolas"/>
-              </a:rPr>
-              <a:t>(</a:t>
-            </a:r>
-            <a:r>
-              <a:rPr lang="en-US" sz="1600" dirty="0" err="1">
-                <a:solidFill>
-                  <a:srgbClr val="0000FF"/>
-                </a:solidFill>
-                <a:latin typeface="Consolas"/>
-              </a:rPr>
-              <a:t>int</a:t>
-            </a:r>
-            <a:r>
-              <a:rPr lang="en-US" sz="1600" dirty="0">
-                <a:solidFill>
-                  <a:prstClr val="black"/>
-                </a:solidFill>
-                <a:latin typeface="Consolas"/>
-              </a:rPr>
-              <a:t> start, </a:t>
-            </a:r>
-            <a:r>
-              <a:rPr lang="en-US" sz="1600" dirty="0" err="1">
-                <a:solidFill>
-                  <a:srgbClr val="0000FF"/>
-                </a:solidFill>
-                <a:latin typeface="Consolas"/>
-              </a:rPr>
-              <a:t>int</a:t>
-            </a:r>
-            <a:r>
-              <a:rPr lang="en-US" sz="1600" dirty="0">
-                <a:solidFill>
-                  <a:prstClr val="black"/>
-                </a:solidFill>
-                <a:latin typeface="Consolas"/>
-              </a:rPr>
-              <a:t> step)</a:t>
-            </a:r>
-          </a:p>
-          <a:p>
-            <a:pPr marL="0" indent="0">
-              <a:buNone/>
-            </a:pPr>
-            <a:r>
-              <a:rPr lang="ru-RU" sz="1600" dirty="0">
-                <a:solidFill>
-                  <a:prstClr val="black"/>
-                </a:solidFill>
-                <a:latin typeface="Consolas"/>
-              </a:rPr>
-              <a:t>{</a:t>
-            </a:r>
-          </a:p>
-          <a:p>
-            <a:pPr marL="0" indent="0">
-              <a:buNone/>
-            </a:pPr>
-            <a:r>
-              <a:rPr lang="ru-RU" sz="1600" dirty="0">
-                <a:solidFill>
-                  <a:prstClr val="black"/>
-                </a:solidFill>
-                <a:latin typeface="Consolas"/>
-              </a:rPr>
-              <a:t>    </a:t>
-            </a:r>
-            <a:r>
-              <a:rPr lang="ru-RU" sz="1600" dirty="0">
-                <a:solidFill>
-                  <a:srgbClr val="008000"/>
-                </a:solidFill>
-                <a:latin typeface="Consolas"/>
-              </a:rPr>
-              <a:t>// По умолчанию компилятор C# игнорирует арифметическое переполнение</a:t>
-            </a:r>
-            <a:endParaRPr lang="ru-RU" sz="1600" dirty="0">
-              <a:solidFill>
-                <a:prstClr val="black"/>
-              </a:solidFill>
-              <a:latin typeface="Consolas"/>
-            </a:endParaRPr>
-          </a:p>
-          <a:p>
-            <a:pPr marL="0" indent="0">
-              <a:buNone/>
-            </a:pPr>
-            <a:r>
-              <a:rPr lang="ru-RU" sz="1600" dirty="0">
-                <a:solidFill>
-                  <a:prstClr val="black"/>
-                </a:solidFill>
-                <a:latin typeface="Consolas"/>
-              </a:rPr>
-              <a:t>    </a:t>
-            </a:r>
-            <a:r>
-              <a:rPr lang="ru-RU" sz="1600" dirty="0">
-                <a:solidFill>
-                  <a:srgbClr val="008000"/>
-                </a:solidFill>
-                <a:latin typeface="Consolas"/>
-              </a:rPr>
-              <a:t>// Использование checked блока заставляет выполнять проверку на переполнение</a:t>
-            </a:r>
-            <a:endParaRPr lang="ru-RU" sz="1600" dirty="0">
-              <a:solidFill>
-                <a:prstClr val="black"/>
-              </a:solidFill>
-              <a:latin typeface="Consolas"/>
-            </a:endParaRPr>
-          </a:p>
-          <a:p>
-            <a:pPr marL="0" indent="0">
-              <a:buNone/>
-            </a:pPr>
-            <a:r>
-              <a:rPr lang="ru-RU" sz="1600" dirty="0">
-                <a:solidFill>
-                  <a:prstClr val="black"/>
-                </a:solidFill>
-                <a:latin typeface="Consolas"/>
-              </a:rPr>
-              <a:t>    </a:t>
-            </a:r>
-            <a:r>
-              <a:rPr lang="ru-RU" sz="1600" dirty="0">
-                <a:solidFill>
-                  <a:srgbClr val="008000"/>
-                </a:solidFill>
-                <a:latin typeface="Consolas"/>
-              </a:rPr>
-              <a:t>//     для всех операций внутри него</a:t>
-            </a:r>
-            <a:endParaRPr lang="ru-RU" sz="1600" dirty="0">
-              <a:solidFill>
-                <a:prstClr val="black"/>
-              </a:solidFill>
-              <a:latin typeface="Consolas"/>
-            </a:endParaRPr>
-          </a:p>
-          <a:p>
-            <a:pPr marL="0" indent="0">
-              <a:buNone/>
-            </a:pPr>
-            <a:r>
-              <a:rPr lang="ru-RU" sz="1600" dirty="0">
-                <a:solidFill>
-                  <a:prstClr val="black"/>
-                </a:solidFill>
-                <a:latin typeface="Consolas"/>
-              </a:rPr>
-              <a:t>    </a:t>
-            </a:r>
-            <a:r>
-              <a:rPr lang="ru-RU" sz="1600" dirty="0">
-                <a:solidFill>
-                  <a:srgbClr val="008000"/>
-                </a:solidFill>
-                <a:latin typeface="Consolas"/>
-              </a:rPr>
-              <a:t>// Здесь это необходимо для правильной генерации последовательности</a:t>
-            </a:r>
-            <a:endParaRPr lang="ru-RU" sz="1600" dirty="0">
-              <a:solidFill>
-                <a:prstClr val="black"/>
-              </a:solidFill>
-              <a:latin typeface="Consolas"/>
-            </a:endParaRPr>
-          </a:p>
-          <a:p>
-            <a:pPr marL="0" indent="0">
-              <a:buNone/>
-            </a:pPr>
-            <a:r>
-              <a:rPr lang="ru-RU" sz="1600" dirty="0">
-                <a:solidFill>
-                  <a:prstClr val="black"/>
-                </a:solidFill>
-                <a:latin typeface="Consolas"/>
-              </a:rPr>
-              <a:t>    </a:t>
-            </a:r>
-            <a:r>
-              <a:rPr lang="ru-RU" sz="1600" dirty="0">
-                <a:solidFill>
-                  <a:srgbClr val="008000"/>
-                </a:solidFill>
-                <a:latin typeface="Consolas"/>
-              </a:rPr>
-              <a:t>// В случае переполнения генерируется System.OverflowException</a:t>
-            </a:r>
-            <a:endParaRPr lang="ru-RU" sz="1600" dirty="0">
-              <a:solidFill>
-                <a:prstClr val="black"/>
-              </a:solidFill>
-              <a:latin typeface="Consolas"/>
-            </a:endParaRPr>
-          </a:p>
-          <a:p>
-            <a:pPr marL="0" indent="0">
-              <a:buNone/>
-            </a:pPr>
-            <a:r>
-              <a:rPr lang="en-US" sz="1600" dirty="0">
-                <a:solidFill>
-                  <a:prstClr val="black"/>
-                </a:solidFill>
-                <a:latin typeface="Consolas"/>
-              </a:rPr>
-              <a:t>    </a:t>
-            </a:r>
-            <a:r>
-              <a:rPr lang="en-US" sz="1600" dirty="0">
-                <a:solidFill>
-                  <a:srgbClr val="0000FF"/>
-                </a:solidFill>
-                <a:latin typeface="Consolas"/>
-              </a:rPr>
-              <a:t>checked</a:t>
-            </a:r>
-            <a:endParaRPr lang="en-US" sz="1600" dirty="0">
-              <a:solidFill>
-                <a:prstClr val="black"/>
-              </a:solidFill>
-              <a:latin typeface="Consolas"/>
-            </a:endParaRPr>
-          </a:p>
-          <a:p>
-            <a:pPr marL="0" indent="0">
-              <a:buNone/>
-            </a:pPr>
-            <a:r>
-              <a:rPr lang="ru-RU" sz="1600" dirty="0">
-                <a:solidFill>
-                  <a:prstClr val="black"/>
-                </a:solidFill>
-                <a:latin typeface="Consolas"/>
-              </a:rPr>
-              <a:t>    {</a:t>
-            </a:r>
-          </a:p>
-          <a:p>
-            <a:pPr marL="0" indent="0">
-              <a:buNone/>
-            </a:pPr>
-            <a:r>
-              <a:rPr lang="en-US" sz="1600" dirty="0">
-                <a:solidFill>
-                  <a:prstClr val="black"/>
-                </a:solidFill>
-                <a:latin typeface="Consolas"/>
-              </a:rPr>
-              <a:t>        </a:t>
-            </a:r>
-            <a:r>
-              <a:rPr lang="en-US" sz="1600" dirty="0">
-                <a:solidFill>
-                  <a:srgbClr val="0000FF"/>
-                </a:solidFill>
-                <a:latin typeface="Consolas"/>
-              </a:rPr>
-              <a:t>for</a:t>
-            </a:r>
-            <a:r>
-              <a:rPr lang="en-US" sz="1600" dirty="0">
-                <a:solidFill>
-                  <a:prstClr val="black"/>
-                </a:solidFill>
-                <a:latin typeface="Consolas"/>
-              </a:rPr>
-              <a:t> (</a:t>
-            </a:r>
-            <a:r>
-              <a:rPr lang="en-US" sz="1600" dirty="0" err="1">
-                <a:solidFill>
-                  <a:srgbClr val="0000FF"/>
-                </a:solidFill>
-                <a:latin typeface="Consolas"/>
-              </a:rPr>
-              <a:t>int</a:t>
-            </a:r>
-            <a:r>
-              <a:rPr lang="en-US" sz="1600" dirty="0">
-                <a:solidFill>
-                  <a:prstClr val="black"/>
-                </a:solidFill>
-                <a:latin typeface="Consolas"/>
-              </a:rPr>
-              <a:t> current = start;; current += step)</a:t>
-            </a:r>
-          </a:p>
-          <a:p>
-            <a:pPr marL="0" indent="0">
-              <a:buNone/>
-            </a:pPr>
-            <a:r>
-              <a:rPr lang="ru-RU" sz="1600" dirty="0">
-                <a:solidFill>
-                  <a:prstClr val="black"/>
-                </a:solidFill>
-                <a:latin typeface="Consolas"/>
-              </a:rPr>
-              <a:t>        {</a:t>
-            </a:r>
-          </a:p>
-          <a:p>
-            <a:pPr marL="0" indent="0">
-              <a:buNone/>
-            </a:pPr>
-            <a:r>
-              <a:rPr lang="en-US" sz="1600" dirty="0">
-                <a:solidFill>
-                  <a:prstClr val="black"/>
-                </a:solidFill>
-                <a:latin typeface="Consolas"/>
-              </a:rPr>
-              <a:t>            </a:t>
-            </a:r>
-            <a:r>
-              <a:rPr lang="en-US" sz="1600" dirty="0">
-                <a:solidFill>
-                  <a:srgbClr val="0000FF"/>
-                </a:solidFill>
-                <a:latin typeface="Consolas"/>
-              </a:rPr>
-              <a:t>yield</a:t>
-            </a:r>
-            <a:r>
-              <a:rPr lang="en-US" sz="1600" dirty="0">
-                <a:solidFill>
-                  <a:prstClr val="black"/>
-                </a:solidFill>
-                <a:latin typeface="Consolas"/>
-              </a:rPr>
-              <a:t> </a:t>
-            </a:r>
-            <a:r>
-              <a:rPr lang="en-US" sz="1600" dirty="0">
-                <a:solidFill>
-                  <a:srgbClr val="0000FF"/>
-                </a:solidFill>
-                <a:latin typeface="Consolas"/>
-              </a:rPr>
-              <a:t>return</a:t>
-            </a:r>
-            <a:r>
-              <a:rPr lang="en-US" sz="1600" dirty="0">
-                <a:solidFill>
-                  <a:prstClr val="black"/>
-                </a:solidFill>
-                <a:latin typeface="Consolas"/>
-              </a:rPr>
-              <a:t> current;</a:t>
-            </a:r>
-          </a:p>
-          <a:p>
-            <a:pPr marL="0" indent="0">
-              <a:buNone/>
-            </a:pPr>
-            <a:r>
-              <a:rPr lang="ru-RU" sz="1600" dirty="0">
-                <a:solidFill>
-                  <a:prstClr val="black"/>
-                </a:solidFill>
-                <a:latin typeface="Consolas"/>
-              </a:rPr>
-              <a:t>        }</a:t>
-            </a:r>
-          </a:p>
-          <a:p>
-            <a:pPr marL="0" indent="0">
-              <a:buNone/>
-            </a:pPr>
-            <a:r>
-              <a:rPr lang="ru-RU" sz="1600" dirty="0">
-                <a:solidFill>
-                  <a:prstClr val="black"/>
-                </a:solidFill>
-                <a:latin typeface="Consolas"/>
-              </a:rPr>
-              <a:t>    }</a:t>
-            </a:r>
-          </a:p>
-          <a:p>
-            <a:pPr marL="0" indent="0">
-              <a:buNone/>
-            </a:pPr>
-            <a:r>
-              <a:rPr lang="ru-RU" sz="1600" dirty="0">
-                <a:solidFill>
-                  <a:prstClr val="black"/>
-                </a:solidFill>
-                <a:latin typeface="Consolas"/>
-              </a:rPr>
-              <a:t>}</a:t>
-            </a:r>
-          </a:p>
-          <a:p>
-            <a:endParaRPr lang="ru-RU" sz="1600" dirty="0">
-              <a:solidFill>
-                <a:prstClr val="black"/>
-              </a:solidFill>
-              <a:latin typeface="Consolas"/>
-            </a:endParaRPr>
-          </a:p>
-          <a:p>
-            <a:pPr marL="0" indent="0">
-              <a:buNone/>
-            </a:pPr>
-            <a:endParaRPr lang="en-US" sz="1500" dirty="0" smtClean="0">
-              <a:solidFill>
-                <a:srgbClr val="000000"/>
-              </a:solidFill>
-              <a:latin typeface="Consolas"/>
-            </a:endParaRPr>
-          </a:p>
-          <a:p>
-            <a:pPr marL="0" indent="0">
-              <a:buNone/>
-            </a:pPr>
-            <a:r>
-              <a:rPr lang="en-US" sz="1500" dirty="0" err="1" smtClean="0">
-                <a:solidFill>
-                  <a:srgbClr val="0000FF"/>
-                </a:solidFill>
-                <a:latin typeface="Consolas"/>
-              </a:rPr>
-              <a:t>foreach</a:t>
-            </a:r>
-            <a:r>
-              <a:rPr lang="en-US" sz="1500" dirty="0" smtClean="0">
-                <a:solidFill>
-                  <a:srgbClr val="000000"/>
-                </a:solidFill>
-                <a:latin typeface="Consolas"/>
-              </a:rPr>
-              <a:t> </a:t>
-            </a:r>
-            <a:r>
-              <a:rPr lang="en-US" sz="1500" dirty="0">
-                <a:solidFill>
-                  <a:srgbClr val="000000"/>
-                </a:solidFill>
-                <a:latin typeface="Consolas"/>
-              </a:rPr>
-              <a:t>(</a:t>
-            </a:r>
-            <a:r>
-              <a:rPr lang="en-US" sz="1500" dirty="0" err="1">
-                <a:solidFill>
-                  <a:srgbClr val="0000FF"/>
-                </a:solidFill>
-                <a:latin typeface="Consolas"/>
-              </a:rPr>
-              <a:t>int</a:t>
-            </a:r>
-            <a:r>
-              <a:rPr lang="en-US" sz="1500" dirty="0">
-                <a:solidFill>
-                  <a:srgbClr val="000000"/>
-                </a:solidFill>
-                <a:latin typeface="Consolas"/>
-              </a:rPr>
-              <a:t> </a:t>
-            </a:r>
-            <a:r>
-              <a:rPr lang="en-US" sz="1500" dirty="0" err="1">
-                <a:solidFill>
-                  <a:srgbClr val="000000"/>
-                </a:solidFill>
-                <a:latin typeface="Consolas"/>
-              </a:rPr>
-              <a:t>num</a:t>
-            </a:r>
-            <a:r>
-              <a:rPr lang="en-US" sz="1500" dirty="0">
-                <a:solidFill>
-                  <a:srgbClr val="000000"/>
-                </a:solidFill>
-                <a:latin typeface="Consolas"/>
-              </a:rPr>
-              <a:t> </a:t>
-            </a:r>
-            <a:r>
-              <a:rPr lang="en-US" sz="1500" dirty="0">
-                <a:solidFill>
-                  <a:srgbClr val="0000FF"/>
-                </a:solidFill>
-                <a:latin typeface="Consolas"/>
-              </a:rPr>
-              <a:t>in</a:t>
-            </a:r>
-            <a:r>
-              <a:rPr lang="en-US" sz="1500" dirty="0">
-                <a:solidFill>
-                  <a:srgbClr val="000000"/>
-                </a:solidFill>
-                <a:latin typeface="Consolas"/>
-              </a:rPr>
-              <a:t> </a:t>
-            </a:r>
-            <a:r>
-              <a:rPr lang="en-US" sz="1500" dirty="0" err="1">
-                <a:solidFill>
-                  <a:srgbClr val="000000"/>
-                </a:solidFill>
-                <a:latin typeface="Consolas"/>
-              </a:rPr>
-              <a:t>ArithmeticProgression</a:t>
-            </a:r>
-            <a:r>
-              <a:rPr lang="en-US" sz="1500" dirty="0">
-                <a:solidFill>
-                  <a:srgbClr val="000000"/>
-                </a:solidFill>
-                <a:latin typeface="Consolas"/>
-              </a:rPr>
-              <a:t>(</a:t>
-            </a:r>
-            <a:r>
-              <a:rPr lang="en-US" sz="1500" dirty="0">
-                <a:solidFill>
-                  <a:srgbClr val="C81EFA"/>
-                </a:solidFill>
-                <a:latin typeface="Consolas"/>
-              </a:rPr>
-              <a:t>1</a:t>
-            </a:r>
-            <a:r>
-              <a:rPr lang="en-US" sz="1500" dirty="0">
-                <a:solidFill>
-                  <a:srgbClr val="000000"/>
-                </a:solidFill>
-                <a:latin typeface="Consolas"/>
-              </a:rPr>
-              <a:t>, </a:t>
-            </a:r>
-            <a:r>
-              <a:rPr lang="en-US" sz="1500" dirty="0" smtClean="0">
-                <a:solidFill>
-                  <a:srgbClr val="C81EFA"/>
-                </a:solidFill>
-                <a:latin typeface="Consolas"/>
-              </a:rPr>
-              <a:t>3</a:t>
-            </a:r>
-            <a:r>
-              <a:rPr lang="en-US" sz="1500" dirty="0" smtClean="0">
-                <a:solidFill>
-                  <a:srgbClr val="000000"/>
-                </a:solidFill>
-                <a:latin typeface="Consolas"/>
-              </a:rPr>
-              <a:t>).Take(10))</a:t>
-            </a:r>
-            <a:endParaRPr lang="en-US" sz="1500" dirty="0">
-              <a:solidFill>
-                <a:srgbClr val="000000"/>
-              </a:solidFill>
-              <a:latin typeface="Consolas"/>
-            </a:endParaRPr>
-          </a:p>
-          <a:p>
-            <a:pPr marL="0" indent="0">
-              <a:buNone/>
-            </a:pPr>
-            <a:r>
-              <a:rPr lang="en-US" sz="1500" dirty="0">
-                <a:solidFill>
-                  <a:srgbClr val="000000"/>
-                </a:solidFill>
-                <a:latin typeface="Consolas"/>
-              </a:rPr>
-              <a:t>{</a:t>
-            </a:r>
-          </a:p>
-          <a:p>
-            <a:pPr marL="0" indent="0">
-              <a:buNone/>
-            </a:pPr>
-            <a:r>
-              <a:rPr lang="en-US" sz="1500" dirty="0" smtClean="0">
-                <a:solidFill>
-                  <a:srgbClr val="000000"/>
-                </a:solidFill>
-                <a:latin typeface="Consolas"/>
-              </a:rPr>
-              <a:t>    </a:t>
-            </a:r>
-            <a:r>
-              <a:rPr lang="en-US" sz="1500" dirty="0" err="1" smtClean="0">
-                <a:solidFill>
-                  <a:srgbClr val="000000"/>
-                </a:solidFill>
-                <a:latin typeface="Consolas"/>
-              </a:rPr>
-              <a:t>Console.WriteLine</a:t>
-            </a:r>
-            <a:r>
-              <a:rPr lang="en-US" sz="1500" dirty="0" smtClean="0">
-                <a:solidFill>
-                  <a:srgbClr val="000000"/>
-                </a:solidFill>
-                <a:latin typeface="Consolas"/>
-              </a:rPr>
-              <a:t>(</a:t>
-            </a:r>
-            <a:r>
-              <a:rPr lang="en-US" sz="1500" dirty="0" err="1" smtClean="0">
-                <a:solidFill>
-                  <a:srgbClr val="000000"/>
-                </a:solidFill>
-                <a:latin typeface="Consolas"/>
-              </a:rPr>
-              <a:t>num</a:t>
-            </a:r>
-            <a:r>
-              <a:rPr lang="en-US" sz="1500" dirty="0">
-                <a:solidFill>
-                  <a:srgbClr val="000000"/>
-                </a:solidFill>
-                <a:latin typeface="Consolas"/>
-              </a:rPr>
-              <a:t>);</a:t>
-            </a:r>
-          </a:p>
-          <a:p>
-            <a:pPr marL="0" indent="0">
-              <a:buNone/>
-            </a:pPr>
-            <a:r>
-              <a:rPr lang="en-US" sz="1500" dirty="0" smtClean="0">
-                <a:solidFill>
-                  <a:srgbClr val="000000"/>
-                </a:solidFill>
-                <a:latin typeface="Consolas"/>
-              </a:rPr>
-              <a:t>}</a:t>
-            </a:r>
-            <a:endParaRPr lang="en-US" dirty="0"/>
-          </a:p>
-        </p:txBody>
-      </p:sp>
-      <p:sp>
-        <p:nvSpPr>
-          <p:cNvPr id="4" name="TextBox 3"/>
-          <p:cNvSpPr txBox="1"/>
           <p:nvPr/>
         </p:nvSpPr>
-        <p:spPr>
+        <p:spPr bwMode="auto">
           <a:xfrm>
-            <a:off x="467544" y="5157192"/>
-            <a:ext cx="8280920" cy="830997"/>
+            <a:off x="457200" y="3290501"/>
+            <a:ext cx="8219256" cy="276999"/>
           </a:xfrm>
           <a:prstGeom prst="rect">
             <a:avLst/>
           </a:prstGeom>
-          <a:noFill/>
+          <a:solidFill>
+            <a:srgbClr val="FFFFFF"/>
+          </a:solidFill>
+          <a:ln>
+            <a:noFill/>
+          </a:ln>
+          <a:effectLst/>
+          <a:extLst>
+            <a:ext uri="{91240B29-F687-4F45-9708-019B960494DF}">
+              <a14:hiddenLine xmlns:a14="http://schemas.microsoft.com/office/drawing/2010/main" w="9525">
+                <a:solidFill>
+                  <a:schemeClr val="tx1"/>
+                </a:solidFill>
+                <a:miter lim="800000"/>
+                <a:headEnd/>
+                <a:tailEnd/>
+              </a14:hiddenLine>
+            </a:ext>
+            <a:ext uri="{AF507438-7753-43E0-B8FC-AC1667EBCBE1}">
+              <a14:hiddenEffects xmlns:a14="http://schemas.microsoft.com/office/drawing/2010/main">
+                <a:effectLst>
+                  <a:outerShdw dist="35921" dir="2700000" algn="ctr" rotWithShape="0">
+                    <a:schemeClr val="bg2"/>
+                  </a:outerShdw>
+                </a:effectLst>
+              </a14:hiddenEffects>
+            </a:ext>
+          </a:extLst>
         </p:spPr>
         <p:txBody>
-          <a:bodyPr wrap="square" rtlCol="0">
+          <a:bodyPr vert="horz" wrap="square" lIns="91440" tIns="45720" rIns="91440" bIns="45720" numCol="1" anchor="ctr" anchorCtr="0" compatLnSpc="1">
+            <a:prstTxWarp prst="textNoShape">
+              <a:avLst/>
+            </a:prstTxWarp>
             <a:spAutoFit/>
           </a:bodyPr>
           <a:lstStyle/>
           <a:p>
-            <a:pPr marL="285750" indent="-285750">
-              <a:buFont typeface="Arial" pitchFamily="34" charset="0"/>
-              <a:buChar char="•"/>
+            <a:pPr marL="0" marR="0" lvl="0" indent="0" algn="l" defTabSz="914400" rtl="0" eaLnBrk="1" fontAlgn="base" latinLnBrk="0" hangingPunct="1">
+              <a:lnSpc>
+                <a:spcPct val="100000"/>
+              </a:lnSpc>
+              <a:spcBef>
+                <a:spcPct val="0"/>
+              </a:spcBef>
+              <a:spcAft>
+                <a:spcPct val="0"/>
+              </a:spcAft>
+              <a:buClrTx/>
+              <a:buSzTx/>
+              <a:buFontTx/>
+              <a:buNone/>
+              <a:tabLst/>
             </a:pPr>
             <a:r>
-              <a:rPr lang="en-US" sz="1600" dirty="0" smtClean="0"/>
-              <a:t>yield return </a:t>
-            </a:r>
-            <a:r>
-              <a:rPr lang="ru-RU" sz="1600" dirty="0" smtClean="0"/>
-              <a:t>возращает текущее значение из итерации. При следующеем обращении выполнение продолжится </a:t>
-            </a:r>
-            <a:r>
-              <a:rPr lang="ru-RU" sz="1600" smtClean="0"/>
-              <a:t>с последнего места.</a:t>
-            </a:r>
-            <a:endParaRPr lang="en-US" sz="1600" dirty="0" smtClean="0"/>
-          </a:p>
-          <a:p>
-            <a:pPr marL="285750" indent="-285750">
-              <a:buFont typeface="Arial" pitchFamily="34" charset="0"/>
-              <a:buChar char="•"/>
-            </a:pPr>
-            <a:r>
-              <a:rPr lang="en-US" sz="1600" dirty="0" smtClean="0"/>
-              <a:t>yield break </a:t>
-            </a:r>
-            <a:r>
-              <a:rPr lang="ru-RU" sz="1600" dirty="0" smtClean="0"/>
-              <a:t>служит сигналом конца последовательности.</a:t>
-            </a:r>
-            <a:endParaRPr lang="en-US" sz="1600" dirty="0" smtClean="0"/>
+              <a:rPr kumimoji="0" lang="ru-RU" altLang="ru-RU" sz="1200" b="0" i="0" u="none" strike="noStrike" cap="none" normalizeH="0" baseline="0" dirty="0" smtClean="0">
+                <a:ln>
+                  <a:noFill/>
+                </a:ln>
+                <a:solidFill>
+                  <a:srgbClr val="0000FF"/>
+                </a:solidFill>
+                <a:effectLst/>
+                <a:latin typeface="Consolas" pitchFamily="49" charset="0"/>
+                <a:cs typeface="Consolas" pitchFamily="49" charset="0"/>
+              </a:rPr>
+              <a:t>var</a:t>
+            </a:r>
+            <a:r>
+              <a:rPr kumimoji="0" lang="ru-RU" altLang="ru-RU" sz="1200" b="0" i="0" u="none" strike="noStrike" cap="none" normalizeH="0" baseline="0" dirty="0" smtClean="0">
+                <a:ln>
+                  <a:noFill/>
+                </a:ln>
+                <a:solidFill>
+                  <a:srgbClr val="000000"/>
+                </a:solidFill>
+                <a:effectLst/>
+                <a:latin typeface="Consolas" pitchFamily="49" charset="0"/>
+                <a:cs typeface="Consolas" pitchFamily="49" charset="0"/>
+              </a:rPr>
+              <a:t> person = </a:t>
+            </a:r>
+            <a:r>
+              <a:rPr kumimoji="0" lang="ru-RU" altLang="ru-RU" sz="1200" b="0" i="0" u="none" strike="noStrike" cap="none" normalizeH="0" baseline="0" dirty="0" smtClean="0">
+                <a:ln>
+                  <a:noFill/>
+                </a:ln>
+                <a:solidFill>
+                  <a:srgbClr val="0000FF"/>
+                </a:solidFill>
+                <a:effectLst/>
+                <a:latin typeface="Consolas" pitchFamily="49" charset="0"/>
+                <a:cs typeface="Consolas" pitchFamily="49" charset="0"/>
+              </a:rPr>
+              <a:t>new</a:t>
+            </a:r>
+            <a:r>
+              <a:rPr kumimoji="0" lang="ru-RU" altLang="ru-RU" sz="1200" b="0" i="0" u="none" strike="noStrike" cap="none" normalizeH="0" baseline="0" dirty="0" smtClean="0">
+                <a:ln>
+                  <a:noFill/>
+                </a:ln>
+                <a:solidFill>
+                  <a:srgbClr val="000000"/>
+                </a:solidFill>
+                <a:effectLst/>
+                <a:latin typeface="Consolas" pitchFamily="49" charset="0"/>
+                <a:cs typeface="Consolas" pitchFamily="49" charset="0"/>
+              </a:rPr>
+              <a:t> { Name = </a:t>
+            </a:r>
+            <a:r>
+              <a:rPr kumimoji="0" lang="ru-RU" altLang="ru-RU" sz="1200" b="0" i="0" u="none" strike="noStrike" cap="none" normalizeH="0" baseline="0" dirty="0" smtClean="0">
+                <a:ln>
+                  <a:noFill/>
+                </a:ln>
+                <a:solidFill>
+                  <a:srgbClr val="A31515"/>
+                </a:solidFill>
+                <a:effectLst/>
+                <a:latin typeface="Consolas" pitchFamily="49" charset="0"/>
+                <a:cs typeface="Consolas" pitchFamily="49" charset="0"/>
+              </a:rPr>
+              <a:t>"Константин"</a:t>
+            </a:r>
+            <a:r>
+              <a:rPr kumimoji="0" lang="ru-RU" altLang="ru-RU" sz="1200" b="0" i="0" u="none" strike="noStrike" cap="none" normalizeH="0" baseline="0" dirty="0" smtClean="0">
+                <a:ln>
+                  <a:noFill/>
+                </a:ln>
+                <a:solidFill>
+                  <a:srgbClr val="000000"/>
+                </a:solidFill>
+                <a:effectLst/>
+                <a:latin typeface="Consolas" pitchFamily="49" charset="0"/>
+                <a:cs typeface="Consolas" pitchFamily="49" charset="0"/>
+              </a:rPr>
+              <a:t>, Surname = </a:t>
+            </a:r>
+            <a:r>
+              <a:rPr kumimoji="0" lang="ru-RU" altLang="ru-RU" sz="1200" b="0" i="0" u="none" strike="noStrike" cap="none" normalizeH="0" baseline="0" dirty="0" smtClean="0">
+                <a:ln>
+                  <a:noFill/>
+                </a:ln>
+                <a:solidFill>
+                  <a:srgbClr val="A31515"/>
+                </a:solidFill>
+                <a:effectLst/>
+                <a:latin typeface="Consolas" pitchFamily="49" charset="0"/>
+                <a:cs typeface="Consolas" pitchFamily="49" charset="0"/>
+              </a:rPr>
+              <a:t>"Константинопольский"</a:t>
+            </a:r>
+            <a:r>
+              <a:rPr kumimoji="0" lang="ru-RU" altLang="ru-RU" sz="1200" b="0" i="0" u="none" strike="noStrike" cap="none" normalizeH="0" baseline="0" dirty="0" smtClean="0">
+                <a:ln>
+                  <a:noFill/>
+                </a:ln>
+                <a:solidFill>
+                  <a:srgbClr val="000000"/>
+                </a:solidFill>
+                <a:effectLst/>
+                <a:latin typeface="Consolas" pitchFamily="49" charset="0"/>
+                <a:cs typeface="Consolas" pitchFamily="49" charset="0"/>
+              </a:rPr>
+              <a:t>, Age = 34 };</a:t>
+            </a:r>
+            <a:endParaRPr kumimoji="0" lang="ru-RU" altLang="ru-RU" sz="1200" b="0" i="0" u="none" strike="noStrike" cap="none" normalizeH="0" baseline="0" dirty="0" smtClean="0">
+              <a:ln>
+                <a:noFill/>
+              </a:ln>
+              <a:solidFill>
+                <a:schemeClr val="tx1"/>
+              </a:solidFill>
+              <a:effectLst/>
+              <a:latin typeface="Arial" pitchFamily="34" charset="0"/>
+              <a:cs typeface="Arial" pitchFamily="34" charset="0"/>
+            </a:endParaRPr>
           </a:p>
         </p:txBody>
       </p:sp>
     </p:spTree>
     <p:extLst>
       <p:ext uri="{BB962C8B-B14F-4D97-AF65-F5344CB8AC3E}">
-        <p14:creationId xmlns:p14="http://schemas.microsoft.com/office/powerpoint/2010/main" val="844285275"/>
+        <p14:creationId xmlns:p14="http://schemas.microsoft.com/office/powerpoint/2010/main" val="4001709192"/>
       </p:ext>
     </p:extLst>
   </p:cSld>
@@ -14564,8 +14763,8 @@
           <a:lstStyle/>
           <a:p>
             <a:r>
-              <a:rPr lang="en-US" dirty="0" smtClean="0"/>
-              <a:t>IEnumerable&lt;T&gt;</a:t>
+              <a:rPr lang="ru-RU" dirty="0" smtClean="0"/>
+              <a:t>Итераторы</a:t>
             </a:r>
             <a:endParaRPr lang="en-US" dirty="0"/>
           </a:p>
@@ -14581,18 +14780,853 @@
             <p:ph idx="1"/>
           </p:nvPr>
         </p:nvSpPr>
-        <p:spPr/>
+        <p:spPr>
+          <a:solidFill>
+            <a:schemeClr val="bg1"/>
+          </a:solidFill>
+        </p:spPr>
         <p:txBody>
-          <a:bodyPr/>
+          <a:bodyPr>
+            <a:normAutofit/>
+          </a:bodyPr>
           <a:lstStyle/>
           <a:p>
             <a:pPr marL="0" indent="0">
               <a:buNone/>
             </a:pPr>
             <a:r>
-              <a:rPr lang="ru-RU" dirty="0" smtClean="0"/>
-              <a:t>Одноправленная неизменяемая последовательность элементов.</a:t>
-            </a:r>
+              <a:rPr lang="en-US" sz="1500" dirty="0">
+                <a:solidFill>
+                  <a:srgbClr val="0000FF"/>
+                </a:solidFill>
+                <a:latin typeface="Consolas"/>
+              </a:rPr>
+              <a:t>public</a:t>
+            </a:r>
+            <a:r>
+              <a:rPr lang="en-US" sz="1500" dirty="0">
+                <a:solidFill>
+                  <a:srgbClr val="000000"/>
+                </a:solidFill>
+                <a:latin typeface="Consolas"/>
+              </a:rPr>
+              <a:t> </a:t>
+            </a:r>
+            <a:r>
+              <a:rPr lang="en-US" sz="1500" dirty="0">
+                <a:solidFill>
+                  <a:srgbClr val="0000FF"/>
+                </a:solidFill>
+                <a:latin typeface="Consolas"/>
+              </a:rPr>
+              <a:t>static</a:t>
+            </a:r>
+            <a:r>
+              <a:rPr lang="en-US" sz="1500" dirty="0">
+                <a:solidFill>
+                  <a:srgbClr val="000000"/>
+                </a:solidFill>
+                <a:latin typeface="Consolas"/>
+              </a:rPr>
+              <a:t> </a:t>
+            </a:r>
+            <a:r>
+              <a:rPr lang="en-US" sz="1500" dirty="0" err="1">
+                <a:solidFill>
+                  <a:srgbClr val="0000FF"/>
+                </a:solidFill>
+                <a:latin typeface="Consolas"/>
+              </a:rPr>
+              <a:t>int</a:t>
+            </a:r>
+            <a:r>
+              <a:rPr lang="en-US" sz="1500" dirty="0">
+                <a:solidFill>
+                  <a:srgbClr val="000000"/>
+                </a:solidFill>
+                <a:latin typeface="Consolas"/>
+              </a:rPr>
+              <a:t>[] </a:t>
+            </a:r>
+            <a:r>
+              <a:rPr lang="en-US" sz="1500" dirty="0" err="1">
+                <a:solidFill>
+                  <a:srgbClr val="000000"/>
+                </a:solidFill>
+                <a:latin typeface="Consolas"/>
+              </a:rPr>
+              <a:t>ArithmeticProgression</a:t>
+            </a:r>
+            <a:r>
+              <a:rPr lang="en-US" sz="1500" dirty="0">
+                <a:solidFill>
+                  <a:srgbClr val="000000"/>
+                </a:solidFill>
+                <a:latin typeface="Consolas"/>
+              </a:rPr>
+              <a:t>(</a:t>
+            </a:r>
+            <a:r>
+              <a:rPr lang="en-US" sz="1500" dirty="0" err="1">
+                <a:solidFill>
+                  <a:srgbClr val="0000FF"/>
+                </a:solidFill>
+                <a:latin typeface="Consolas"/>
+              </a:rPr>
+              <a:t>int</a:t>
+            </a:r>
+            <a:r>
+              <a:rPr lang="en-US" sz="1500" dirty="0">
+                <a:solidFill>
+                  <a:srgbClr val="000000"/>
+                </a:solidFill>
+                <a:latin typeface="Consolas"/>
+              </a:rPr>
+              <a:t> start, </a:t>
+            </a:r>
+            <a:r>
+              <a:rPr lang="en-US" sz="1500" dirty="0" err="1">
+                <a:solidFill>
+                  <a:srgbClr val="0000FF"/>
+                </a:solidFill>
+                <a:latin typeface="Consolas"/>
+              </a:rPr>
+              <a:t>int</a:t>
+            </a:r>
+            <a:r>
+              <a:rPr lang="en-US" sz="1500" dirty="0">
+                <a:solidFill>
+                  <a:srgbClr val="000000"/>
+                </a:solidFill>
+                <a:latin typeface="Consolas"/>
+              </a:rPr>
+              <a:t> step, </a:t>
+            </a:r>
+            <a:r>
+              <a:rPr lang="en-US" sz="1500" dirty="0" err="1">
+                <a:solidFill>
+                  <a:srgbClr val="0000FF"/>
+                </a:solidFill>
+                <a:latin typeface="Consolas"/>
+              </a:rPr>
+              <a:t>int</a:t>
+            </a:r>
+            <a:r>
+              <a:rPr lang="en-US" sz="1500" dirty="0">
+                <a:solidFill>
+                  <a:srgbClr val="000000"/>
+                </a:solidFill>
+                <a:latin typeface="Consolas"/>
+              </a:rPr>
+              <a:t> count)</a:t>
+            </a:r>
+          </a:p>
+          <a:p>
+            <a:pPr marL="0" indent="0">
+              <a:buNone/>
+            </a:pPr>
+            <a:r>
+              <a:rPr lang="en-US" sz="1500" dirty="0">
+                <a:solidFill>
+                  <a:srgbClr val="000000"/>
+                </a:solidFill>
+                <a:latin typeface="Consolas"/>
+              </a:rPr>
+              <a:t>{</a:t>
+            </a:r>
+          </a:p>
+          <a:p>
+            <a:pPr marL="0" indent="0">
+              <a:buNone/>
+            </a:pPr>
+            <a:r>
+              <a:rPr lang="ru-RU" sz="1500" dirty="0" smtClean="0">
+                <a:solidFill>
+                  <a:srgbClr val="0000FF"/>
+                </a:solidFill>
+                <a:latin typeface="Consolas"/>
+              </a:rPr>
+              <a:t>    </a:t>
+            </a:r>
+            <a:r>
+              <a:rPr lang="en-US" sz="1500" dirty="0" err="1" smtClean="0">
+                <a:solidFill>
+                  <a:srgbClr val="0000FF"/>
+                </a:solidFill>
+                <a:latin typeface="Consolas"/>
+              </a:rPr>
+              <a:t>int</a:t>
+            </a:r>
+            <a:r>
+              <a:rPr lang="en-US" sz="1500" dirty="0">
+                <a:solidFill>
+                  <a:srgbClr val="000000"/>
+                </a:solidFill>
+                <a:latin typeface="Consolas"/>
+              </a:rPr>
+              <a:t>[] numbers = </a:t>
+            </a:r>
+            <a:r>
+              <a:rPr lang="en-US" sz="1500" dirty="0">
+                <a:solidFill>
+                  <a:srgbClr val="0000FF"/>
+                </a:solidFill>
+                <a:latin typeface="Consolas"/>
+              </a:rPr>
+              <a:t>new</a:t>
+            </a:r>
+            <a:r>
+              <a:rPr lang="en-US" sz="1500" dirty="0">
+                <a:solidFill>
+                  <a:srgbClr val="000000"/>
+                </a:solidFill>
+                <a:latin typeface="Consolas"/>
+              </a:rPr>
+              <a:t> </a:t>
+            </a:r>
+            <a:r>
+              <a:rPr lang="en-US" sz="1500" dirty="0" err="1">
+                <a:solidFill>
+                  <a:srgbClr val="0000FF"/>
+                </a:solidFill>
+                <a:latin typeface="Consolas"/>
+              </a:rPr>
+              <a:t>int</a:t>
+            </a:r>
+            <a:r>
+              <a:rPr lang="en-US" sz="1500" dirty="0">
+                <a:solidFill>
+                  <a:srgbClr val="000000"/>
+                </a:solidFill>
+                <a:latin typeface="Consolas"/>
+              </a:rPr>
+              <a:t>[count];</a:t>
+            </a:r>
+          </a:p>
+          <a:p>
+            <a:pPr marL="0" indent="0">
+              <a:buNone/>
+            </a:pPr>
+            <a:r>
+              <a:rPr lang="ru-RU" sz="1500" dirty="0">
+                <a:solidFill>
+                  <a:srgbClr val="0000FF"/>
+                </a:solidFill>
+                <a:latin typeface="Consolas"/>
+              </a:rPr>
+              <a:t> </a:t>
+            </a:r>
+            <a:r>
+              <a:rPr lang="ru-RU" sz="1500" dirty="0" smtClean="0">
+                <a:solidFill>
+                  <a:srgbClr val="0000FF"/>
+                </a:solidFill>
+                <a:latin typeface="Consolas"/>
+              </a:rPr>
+              <a:t>   </a:t>
+            </a:r>
+            <a:r>
+              <a:rPr lang="en-US" sz="1500" dirty="0" smtClean="0">
+                <a:solidFill>
+                  <a:srgbClr val="000000"/>
+                </a:solidFill>
+                <a:latin typeface="Consolas"/>
+              </a:rPr>
+              <a:t>numbers[</a:t>
+            </a:r>
+            <a:r>
+              <a:rPr lang="en-US" sz="1500" dirty="0" smtClean="0">
+                <a:solidFill>
+                  <a:srgbClr val="C81EFA"/>
+                </a:solidFill>
+                <a:latin typeface="Consolas"/>
+              </a:rPr>
+              <a:t>0</a:t>
+            </a:r>
+            <a:r>
+              <a:rPr lang="en-US" sz="1500" dirty="0">
+                <a:solidFill>
+                  <a:srgbClr val="000000"/>
+                </a:solidFill>
+                <a:latin typeface="Consolas"/>
+              </a:rPr>
+              <a:t>] = start;</a:t>
+            </a:r>
+          </a:p>
+          <a:p>
+            <a:pPr marL="0" indent="0">
+              <a:buNone/>
+            </a:pPr>
+            <a:r>
+              <a:rPr lang="ru-RU" sz="1500" dirty="0" smtClean="0">
+                <a:solidFill>
+                  <a:srgbClr val="0000FF"/>
+                </a:solidFill>
+                <a:latin typeface="Consolas"/>
+              </a:rPr>
+              <a:t>    </a:t>
+            </a:r>
+            <a:r>
+              <a:rPr lang="nn-NO" sz="1500" dirty="0" smtClean="0">
+                <a:solidFill>
+                  <a:srgbClr val="0000FF"/>
+                </a:solidFill>
+                <a:latin typeface="Consolas"/>
+              </a:rPr>
+              <a:t>for</a:t>
+            </a:r>
+            <a:r>
+              <a:rPr lang="nn-NO" sz="1500" dirty="0" smtClean="0">
+                <a:solidFill>
+                  <a:srgbClr val="000000"/>
+                </a:solidFill>
+                <a:latin typeface="Consolas"/>
+              </a:rPr>
+              <a:t> </a:t>
+            </a:r>
+            <a:r>
+              <a:rPr lang="nn-NO" sz="1500" dirty="0">
+                <a:solidFill>
+                  <a:srgbClr val="000000"/>
+                </a:solidFill>
+                <a:latin typeface="Consolas"/>
+              </a:rPr>
+              <a:t>(</a:t>
+            </a:r>
+            <a:r>
+              <a:rPr lang="nn-NO" sz="1500" dirty="0">
+                <a:solidFill>
+                  <a:srgbClr val="0000FF"/>
+                </a:solidFill>
+                <a:latin typeface="Consolas"/>
+              </a:rPr>
+              <a:t>int</a:t>
+            </a:r>
+            <a:r>
+              <a:rPr lang="nn-NO" sz="1500" dirty="0">
+                <a:solidFill>
+                  <a:srgbClr val="000000"/>
+                </a:solidFill>
+                <a:latin typeface="Consolas"/>
+              </a:rPr>
+              <a:t> i=</a:t>
+            </a:r>
+            <a:r>
+              <a:rPr lang="nn-NO" sz="1500" dirty="0">
+                <a:solidFill>
+                  <a:srgbClr val="C81EFA"/>
+                </a:solidFill>
+                <a:latin typeface="Consolas"/>
+              </a:rPr>
+              <a:t>1</a:t>
+            </a:r>
+            <a:r>
+              <a:rPr lang="nn-NO" sz="1500" dirty="0">
+                <a:solidFill>
+                  <a:srgbClr val="000000"/>
+                </a:solidFill>
+                <a:latin typeface="Consolas"/>
+              </a:rPr>
+              <a:t>; i&lt;count; i++)</a:t>
+            </a:r>
+          </a:p>
+          <a:p>
+            <a:pPr marL="0" indent="0">
+              <a:buNone/>
+            </a:pPr>
+            <a:r>
+              <a:rPr lang="ru-RU" sz="1500" dirty="0" smtClean="0">
+                <a:solidFill>
+                  <a:srgbClr val="000000"/>
+                </a:solidFill>
+                <a:latin typeface="Consolas"/>
+              </a:rPr>
+              <a:t>    </a:t>
+            </a:r>
+            <a:r>
+              <a:rPr lang="en-US" sz="1500" dirty="0" smtClean="0">
+                <a:solidFill>
+                  <a:srgbClr val="000000"/>
+                </a:solidFill>
+                <a:latin typeface="Consolas"/>
+              </a:rPr>
+              <a:t>{</a:t>
+            </a:r>
+          </a:p>
+          <a:p>
+            <a:pPr marL="0" indent="0">
+              <a:buNone/>
+            </a:pPr>
+            <a:r>
+              <a:rPr lang="en-US" sz="1400" dirty="0" smtClean="0">
+                <a:solidFill>
+                  <a:srgbClr val="008000"/>
+                </a:solidFill>
+                <a:latin typeface="Consolas"/>
+              </a:rPr>
+              <a:t>          </a:t>
+            </a:r>
+            <a:r>
+              <a:rPr lang="ru-RU" sz="1400" dirty="0" smtClean="0">
+                <a:solidFill>
+                  <a:srgbClr val="008000"/>
+                </a:solidFill>
+                <a:latin typeface="Consolas"/>
+              </a:rPr>
+              <a:t>// См. </a:t>
+            </a:r>
+            <a:r>
+              <a:rPr lang="ru-RU" sz="1400" dirty="0">
+                <a:solidFill>
+                  <a:srgbClr val="008000"/>
+                </a:solidFill>
+                <a:latin typeface="Consolas"/>
+              </a:rPr>
+              <a:t>к</a:t>
+            </a:r>
+            <a:r>
+              <a:rPr lang="ru-RU" sz="1400" dirty="0" smtClean="0">
+                <a:solidFill>
+                  <a:srgbClr val="008000"/>
+                </a:solidFill>
+                <a:latin typeface="Consolas"/>
+              </a:rPr>
+              <a:t>омментарий на следующем слайде о ключевом слове </a:t>
+            </a:r>
+            <a:r>
+              <a:rPr lang="en-US" sz="1400" dirty="0" smtClean="0">
+                <a:solidFill>
+                  <a:srgbClr val="008000"/>
+                </a:solidFill>
+                <a:latin typeface="Consolas"/>
+              </a:rPr>
+              <a:t>checked</a:t>
+            </a:r>
+            <a:endParaRPr lang="en-US" sz="1500" dirty="0">
+              <a:solidFill>
+                <a:srgbClr val="000000"/>
+              </a:solidFill>
+              <a:latin typeface="Consolas"/>
+            </a:endParaRPr>
+          </a:p>
+          <a:p>
+            <a:pPr marL="0" indent="0">
+              <a:buNone/>
+            </a:pPr>
+            <a:r>
+              <a:rPr lang="ru-RU" sz="1500" dirty="0" smtClean="0">
+                <a:solidFill>
+                  <a:srgbClr val="000000"/>
+                </a:solidFill>
+                <a:latin typeface="Consolas"/>
+              </a:rPr>
+              <a:t>         </a:t>
+            </a:r>
+            <a:r>
+              <a:rPr lang="en-US" sz="1500" dirty="0" smtClean="0">
+                <a:solidFill>
+                  <a:srgbClr val="000000"/>
+                </a:solidFill>
+                <a:latin typeface="Consolas"/>
+              </a:rPr>
+              <a:t>numbers[</a:t>
+            </a:r>
+            <a:r>
+              <a:rPr lang="en-US" sz="1500" dirty="0" err="1" smtClean="0">
+                <a:solidFill>
+                  <a:srgbClr val="000000"/>
+                </a:solidFill>
+                <a:latin typeface="Consolas"/>
+              </a:rPr>
+              <a:t>i</a:t>
+            </a:r>
+            <a:r>
+              <a:rPr lang="en-US" sz="1500" dirty="0">
+                <a:solidFill>
+                  <a:srgbClr val="000000"/>
+                </a:solidFill>
+                <a:latin typeface="Consolas"/>
+              </a:rPr>
+              <a:t>] = </a:t>
+            </a:r>
+            <a:r>
+              <a:rPr lang="en-US" sz="1500" dirty="0">
+                <a:solidFill>
+                  <a:srgbClr val="0000FF"/>
+                </a:solidFill>
+                <a:latin typeface="Consolas"/>
+              </a:rPr>
+              <a:t>checked</a:t>
+            </a:r>
+            <a:r>
+              <a:rPr lang="en-US" sz="1500" dirty="0" smtClean="0">
+                <a:solidFill>
+                  <a:srgbClr val="000000"/>
+                </a:solidFill>
+                <a:latin typeface="Consolas"/>
+              </a:rPr>
+              <a:t>(numbers[i-</a:t>
+            </a:r>
+            <a:r>
+              <a:rPr lang="en-US" sz="1500" dirty="0" smtClean="0">
+                <a:solidFill>
+                  <a:srgbClr val="C81EFA"/>
+                </a:solidFill>
+                <a:latin typeface="Consolas"/>
+              </a:rPr>
+              <a:t>1</a:t>
+            </a:r>
+            <a:r>
+              <a:rPr lang="en-US" sz="1500" dirty="0">
+                <a:solidFill>
+                  <a:srgbClr val="000000"/>
+                </a:solidFill>
+                <a:latin typeface="Consolas"/>
+              </a:rPr>
+              <a:t>] + </a:t>
+            </a:r>
+            <a:r>
+              <a:rPr lang="en-US" sz="1500" dirty="0" smtClean="0">
+                <a:solidFill>
+                  <a:srgbClr val="000000"/>
+                </a:solidFill>
+                <a:latin typeface="Consolas"/>
+              </a:rPr>
+              <a:t>step);</a:t>
+            </a:r>
+            <a:endParaRPr lang="en-US" sz="1500" dirty="0">
+              <a:solidFill>
+                <a:srgbClr val="000000"/>
+              </a:solidFill>
+              <a:latin typeface="Consolas"/>
+            </a:endParaRPr>
+          </a:p>
+          <a:p>
+            <a:pPr marL="0" indent="0">
+              <a:buNone/>
+            </a:pPr>
+            <a:r>
+              <a:rPr lang="ru-RU" sz="1500" dirty="0" smtClean="0">
+                <a:solidFill>
+                  <a:srgbClr val="000000"/>
+                </a:solidFill>
+                <a:latin typeface="Consolas"/>
+              </a:rPr>
+              <a:t>    </a:t>
+            </a:r>
+            <a:r>
+              <a:rPr lang="en-US" sz="1500" dirty="0" smtClean="0">
+                <a:solidFill>
+                  <a:srgbClr val="000000"/>
+                </a:solidFill>
+                <a:latin typeface="Consolas"/>
+              </a:rPr>
+              <a:t>}</a:t>
+            </a:r>
+            <a:endParaRPr lang="en-US" sz="1500" dirty="0">
+              <a:solidFill>
+                <a:srgbClr val="000000"/>
+              </a:solidFill>
+              <a:latin typeface="Consolas"/>
+            </a:endParaRPr>
+          </a:p>
+          <a:p>
+            <a:pPr marL="0" indent="0">
+              <a:buNone/>
+            </a:pPr>
+            <a:r>
+              <a:rPr lang="ru-RU" sz="1500" dirty="0" smtClean="0">
+                <a:solidFill>
+                  <a:srgbClr val="0000FF"/>
+                </a:solidFill>
+                <a:latin typeface="Consolas"/>
+              </a:rPr>
+              <a:t>    </a:t>
+            </a:r>
+            <a:r>
+              <a:rPr lang="en-US" sz="1500" dirty="0" smtClean="0">
+                <a:solidFill>
+                  <a:srgbClr val="0000FF"/>
+                </a:solidFill>
+                <a:latin typeface="Consolas"/>
+              </a:rPr>
+              <a:t>return</a:t>
+            </a:r>
+            <a:r>
+              <a:rPr lang="en-US" sz="1500" dirty="0" smtClean="0">
+                <a:solidFill>
+                  <a:srgbClr val="000000"/>
+                </a:solidFill>
+                <a:latin typeface="Consolas"/>
+              </a:rPr>
+              <a:t> </a:t>
+            </a:r>
+            <a:r>
+              <a:rPr lang="en-US" sz="1500" dirty="0">
+                <a:solidFill>
+                  <a:srgbClr val="000000"/>
+                </a:solidFill>
+                <a:latin typeface="Consolas"/>
+              </a:rPr>
+              <a:t>numbers;</a:t>
+            </a:r>
+          </a:p>
+          <a:p>
+            <a:pPr marL="0" indent="0">
+              <a:buNone/>
+            </a:pPr>
+            <a:r>
+              <a:rPr lang="en-US" sz="1500" dirty="0" smtClean="0">
+                <a:solidFill>
+                  <a:srgbClr val="000000"/>
+                </a:solidFill>
+                <a:latin typeface="Consolas"/>
+              </a:rPr>
+              <a:t>}</a:t>
+            </a:r>
+          </a:p>
+          <a:p>
+            <a:pPr marL="0" indent="0">
+              <a:buNone/>
+            </a:pPr>
+            <a:endParaRPr lang="en-US" sz="1500" dirty="0" smtClean="0">
+              <a:solidFill>
+                <a:srgbClr val="000000"/>
+              </a:solidFill>
+              <a:latin typeface="Consolas"/>
+            </a:endParaRPr>
+          </a:p>
+          <a:p>
+            <a:pPr marL="0" indent="0">
+              <a:buNone/>
+            </a:pPr>
+            <a:r>
+              <a:rPr lang="en-US" sz="1500" dirty="0" err="1" smtClean="0">
+                <a:solidFill>
+                  <a:srgbClr val="0000FF"/>
+                </a:solidFill>
+                <a:latin typeface="Consolas"/>
+              </a:rPr>
+              <a:t>foreach</a:t>
+            </a:r>
+            <a:r>
+              <a:rPr lang="en-US" sz="1500" dirty="0" smtClean="0">
+                <a:solidFill>
+                  <a:srgbClr val="000000"/>
+                </a:solidFill>
+                <a:latin typeface="Consolas"/>
+              </a:rPr>
+              <a:t> (</a:t>
+            </a:r>
+            <a:r>
+              <a:rPr lang="en-US" sz="1500" dirty="0" err="1" smtClean="0">
+                <a:solidFill>
+                  <a:srgbClr val="0000FF"/>
+                </a:solidFill>
+                <a:latin typeface="Consolas"/>
+              </a:rPr>
+              <a:t>int</a:t>
+            </a:r>
+            <a:r>
+              <a:rPr lang="en-US" sz="1500" dirty="0" smtClean="0">
+                <a:solidFill>
+                  <a:srgbClr val="000000"/>
+                </a:solidFill>
+                <a:latin typeface="Consolas"/>
+              </a:rPr>
+              <a:t> </a:t>
+            </a:r>
+            <a:r>
+              <a:rPr lang="en-US" sz="1500" dirty="0" err="1" smtClean="0">
+                <a:solidFill>
+                  <a:srgbClr val="000000"/>
+                </a:solidFill>
+                <a:latin typeface="Consolas"/>
+              </a:rPr>
+              <a:t>num</a:t>
+            </a:r>
+            <a:r>
+              <a:rPr lang="en-US" sz="1500" dirty="0" smtClean="0">
+                <a:solidFill>
+                  <a:srgbClr val="000000"/>
+                </a:solidFill>
+                <a:latin typeface="Consolas"/>
+              </a:rPr>
+              <a:t> </a:t>
+            </a:r>
+            <a:r>
+              <a:rPr lang="en-US" sz="1500" dirty="0" smtClean="0">
+                <a:solidFill>
+                  <a:srgbClr val="0000FF"/>
+                </a:solidFill>
+                <a:latin typeface="Consolas"/>
+              </a:rPr>
+              <a:t>in</a:t>
+            </a:r>
+            <a:r>
+              <a:rPr lang="en-US" sz="1500" dirty="0" smtClean="0">
+                <a:solidFill>
+                  <a:srgbClr val="000000"/>
+                </a:solidFill>
+                <a:latin typeface="Consolas"/>
+              </a:rPr>
+              <a:t> </a:t>
+            </a:r>
+            <a:r>
+              <a:rPr lang="en-US" sz="1500" dirty="0" err="1" smtClean="0">
+                <a:solidFill>
+                  <a:srgbClr val="000000"/>
+                </a:solidFill>
+                <a:latin typeface="Consolas"/>
+              </a:rPr>
+              <a:t>ArithmeticProgression</a:t>
+            </a:r>
+            <a:r>
+              <a:rPr lang="en-US" sz="1500" dirty="0" smtClean="0">
+                <a:solidFill>
+                  <a:srgbClr val="000000"/>
+                </a:solidFill>
+                <a:latin typeface="Consolas"/>
+              </a:rPr>
+              <a:t>(</a:t>
+            </a:r>
+            <a:r>
+              <a:rPr lang="en-US" sz="1500" dirty="0" smtClean="0">
+                <a:solidFill>
+                  <a:srgbClr val="C81EFA"/>
+                </a:solidFill>
+                <a:latin typeface="Consolas"/>
+              </a:rPr>
+              <a:t>1</a:t>
+            </a:r>
+            <a:r>
+              <a:rPr lang="en-US" sz="1500" dirty="0" smtClean="0">
+                <a:solidFill>
+                  <a:srgbClr val="000000"/>
+                </a:solidFill>
+                <a:latin typeface="Consolas"/>
+              </a:rPr>
+              <a:t>, </a:t>
+            </a:r>
+            <a:r>
+              <a:rPr lang="en-US" sz="1500" dirty="0" smtClean="0">
+                <a:solidFill>
+                  <a:srgbClr val="C81EFA"/>
+                </a:solidFill>
+                <a:latin typeface="Consolas"/>
+              </a:rPr>
+              <a:t>3</a:t>
+            </a:r>
+            <a:r>
+              <a:rPr lang="en-US" sz="1500" dirty="0" smtClean="0">
+                <a:solidFill>
+                  <a:srgbClr val="000000"/>
+                </a:solidFill>
+                <a:latin typeface="Consolas"/>
+              </a:rPr>
+              <a:t>, </a:t>
+            </a:r>
+            <a:r>
+              <a:rPr lang="en-US" sz="1500" dirty="0" smtClean="0">
+                <a:solidFill>
+                  <a:srgbClr val="C81EFA"/>
+                </a:solidFill>
+                <a:latin typeface="Consolas"/>
+              </a:rPr>
+              <a:t>10</a:t>
+            </a:r>
+            <a:r>
+              <a:rPr lang="en-US" sz="1500" dirty="0" smtClean="0">
+                <a:solidFill>
+                  <a:srgbClr val="000000"/>
+                </a:solidFill>
+                <a:latin typeface="Consolas"/>
+              </a:rPr>
+              <a:t>))</a:t>
+            </a:r>
+          </a:p>
+          <a:p>
+            <a:pPr marL="0" indent="0">
+              <a:buNone/>
+            </a:pPr>
+            <a:r>
+              <a:rPr lang="en-US" sz="1500" dirty="0" smtClean="0">
+                <a:solidFill>
+                  <a:srgbClr val="000000"/>
+                </a:solidFill>
+                <a:latin typeface="Consolas"/>
+              </a:rPr>
+              <a:t>{</a:t>
+            </a:r>
+          </a:p>
+          <a:p>
+            <a:pPr marL="0" indent="0">
+              <a:buNone/>
+            </a:pPr>
+            <a:r>
+              <a:rPr lang="en-US" sz="1500" dirty="0" smtClean="0">
+                <a:solidFill>
+                  <a:srgbClr val="000000"/>
+                </a:solidFill>
+                <a:latin typeface="Consolas"/>
+              </a:rPr>
+              <a:t>    </a:t>
+            </a:r>
+            <a:r>
+              <a:rPr lang="en-US" sz="1500" dirty="0" err="1" smtClean="0">
+                <a:solidFill>
+                  <a:srgbClr val="000000"/>
+                </a:solidFill>
+                <a:latin typeface="Consolas"/>
+              </a:rPr>
+              <a:t>Console.WriteLine</a:t>
+            </a:r>
+            <a:r>
+              <a:rPr lang="en-US" sz="1500" dirty="0" smtClean="0">
+                <a:solidFill>
+                  <a:srgbClr val="000000"/>
+                </a:solidFill>
+                <a:latin typeface="Consolas"/>
+              </a:rPr>
+              <a:t>(</a:t>
+            </a:r>
+            <a:r>
+              <a:rPr lang="en-US" sz="1500" dirty="0" err="1" smtClean="0">
+                <a:solidFill>
+                  <a:srgbClr val="000000"/>
+                </a:solidFill>
+                <a:latin typeface="Consolas"/>
+              </a:rPr>
+              <a:t>num</a:t>
+            </a:r>
+            <a:r>
+              <a:rPr lang="en-US" sz="1500" dirty="0" smtClean="0">
+                <a:solidFill>
+                  <a:srgbClr val="000000"/>
+                </a:solidFill>
+                <a:latin typeface="Consolas"/>
+              </a:rPr>
+              <a:t>);</a:t>
+            </a:r>
+          </a:p>
+          <a:p>
+            <a:pPr marL="0" indent="0">
+              <a:buNone/>
+            </a:pPr>
+            <a:r>
+              <a:rPr lang="en-US" sz="1500" dirty="0" smtClean="0">
+                <a:solidFill>
+                  <a:srgbClr val="000000"/>
+                </a:solidFill>
+                <a:latin typeface="Consolas"/>
+              </a:rPr>
+              <a:t>}</a:t>
+            </a:r>
+          </a:p>
+          <a:p>
+            <a:pPr marL="0" indent="0">
+              <a:buNone/>
+            </a:pPr>
             <a:endParaRPr lang="en-US" dirty="0"/>
           </a:p>
         </p:txBody>
@@ -14600,7 +15634,7 @@
     </p:spTree>
     <p:extLst>
       <p:ext uri="{BB962C8B-B14F-4D97-AF65-F5344CB8AC3E}">
-        <p14:creationId xmlns:p14="http://schemas.microsoft.com/office/powerpoint/2010/main" val="3311498388"/>
+        <p14:creationId xmlns:p14="http://schemas.microsoft.com/office/powerpoint/2010/main" val="1735524147"/>
       </p:ext>
     </p:extLst>
   </p:cSld>
@@ -14650,14 +15684,21 @@
           <a:lstStyle/>
           <a:p>
             <a:r>
-              <a:rPr lang="en-US" dirty="0" smtClean="0"/>
-              <a:t>Extension </a:t>
-            </a:r>
-            <a:r>
               <a:rPr lang="ru-RU" dirty="0" smtClean="0"/>
-              <a:t>методы</a:t>
-            </a:r>
-            <a:endParaRPr lang="en-US" dirty="0"/>
+              <a:t>Итераторы</a:t>
+            </a:r>
+            <a:r>
+              <a:rPr lang="en-US" dirty="0"/>
+              <a:t> </a:t>
+            </a:r>
+            <a:r>
+              <a:rPr lang="ru-RU" dirty="0" smtClean="0"/>
+              <a:t>и </a:t>
+            </a:r>
+            <a:r>
+              <a:rPr lang="en-US" dirty="0"/>
+              <a:t>yield</a:t>
+            </a:r>
           </a:p>
         </p:txBody>
       </p:sp>
@@ -14671,10 +15712,18 @@
             <p:ph idx="1"/>
           </p:nvPr>
         </p:nvSpPr>
-        <p:spPr/>
+        <p:spPr>
+          <a:xfrm>
+            <a:off x="457200" y="1600201"/>
+            <a:ext cx="8229600" cy="3268959"/>
+          </a:xfrm>
+          <a:solidFill>
+            <a:schemeClr val="bg1"/>
+          </a:solidFill>
+        </p:spPr>
         <p:txBody>
           <a:bodyPr>
-            <a:normAutofit fontScale="92500" lnSpcReduction="20000"/>
+            <a:normAutofit fontScale="62500" lnSpcReduction="20000"/>
           </a:bodyPr>
           <a:lstStyle/>
           <a:p>
@@ -14682,117 +15731,173 @@
               <a:buNone/>
             </a:pPr>
             <a:r>
-              <a:rPr lang="ru-RU" dirty="0" smtClean="0"/>
-              <a:t>Позволяют добавлять методы к уже существующим классам без нарушения инкапсуляции.</a:t>
+              <a:rPr lang="en-US" sz="1600" dirty="0">
+                <a:solidFill>
+                  <a:srgbClr val="0000FF"/>
+                </a:solidFill>
+                <a:latin typeface="Consolas"/>
+              </a:rPr>
+              <a:t>public</a:t>
+            </a:r>
+            <a:r>
+              <a:rPr lang="en-US" sz="1600" dirty="0">
+                <a:solidFill>
+                  <a:prstClr val="black"/>
+                </a:solidFill>
+                <a:latin typeface="Consolas"/>
+              </a:rPr>
+              <a:t> </a:t>
+            </a:r>
+            <a:r>
+              <a:rPr lang="en-US" sz="1600" dirty="0">
+                <a:solidFill>
+                  <a:srgbClr val="0000FF"/>
+                </a:solidFill>
+                <a:latin typeface="Consolas"/>
+              </a:rPr>
+              <a:t>static</a:t>
+            </a:r>
+            <a:r>
+              <a:rPr lang="en-US" sz="1600" dirty="0">
+                <a:solidFill>
+                  <a:prstClr val="black"/>
+                </a:solidFill>
+                <a:latin typeface="Consolas"/>
+              </a:rPr>
+              <a:t> </a:t>
+            </a:r>
+            <a:r>
+              <a:rPr lang="en-US" sz="1600" dirty="0" err="1">
+                <a:solidFill>
+                  <a:srgbClr val="2B91AF"/>
+                </a:solidFill>
+                <a:latin typeface="Consolas"/>
+              </a:rPr>
+              <a:t>IEnumerable</a:t>
+            </a:r>
+            <a:r>
+              <a:rPr lang="en-US" sz="1600" dirty="0">
+                <a:solidFill>
+                  <a:prstClr val="black"/>
+                </a:solidFill>
+                <a:latin typeface="Consolas"/>
+              </a:rPr>
+              <a:t>&lt;</a:t>
+            </a:r>
+            <a:r>
+              <a:rPr lang="en-US" sz="1600" dirty="0" err="1">
+                <a:solidFill>
+                  <a:srgbClr val="0000FF"/>
+                </a:solidFill>
+                <a:latin typeface="Consolas"/>
+              </a:rPr>
+              <a:t>int</a:t>
+            </a:r>
+            <a:r>
+              <a:rPr lang="en-US" sz="1600" dirty="0">
+                <a:solidFill>
+                  <a:prstClr val="black"/>
+                </a:solidFill>
+                <a:latin typeface="Consolas"/>
+              </a:rPr>
+              <a:t>&gt; </a:t>
+            </a:r>
+            <a:r>
+              <a:rPr lang="en-US" sz="1600" dirty="0" err="1">
+                <a:solidFill>
+                  <a:prstClr val="black"/>
+                </a:solidFill>
+                <a:latin typeface="Consolas"/>
+              </a:rPr>
+              <a:t>ArithmeticProgression</a:t>
+            </a:r>
+            <a:r>
+              <a:rPr lang="en-US" sz="1600" dirty="0">
+                <a:solidFill>
+                  <a:prstClr val="black"/>
+                </a:solidFill>
+                <a:latin typeface="Consolas"/>
+              </a:rPr>
+              <a:t>(</a:t>
+            </a:r>
+            <a:r>
+              <a:rPr lang="en-US" sz="1600" dirty="0" err="1">
+                <a:solidFill>
+                  <a:srgbClr val="0000FF"/>
+                </a:solidFill>
+                <a:latin typeface="Consolas"/>
+              </a:rPr>
+              <a:t>int</a:t>
+            </a:r>
+            <a:r>
+              <a:rPr lang="en-US" sz="1600" dirty="0">
+                <a:solidFill>
+                  <a:prstClr val="black"/>
+                </a:solidFill>
+                <a:latin typeface="Consolas"/>
+              </a:rPr>
+              <a:t> start, </a:t>
+            </a:r>
+            <a:r>
+              <a:rPr lang="en-US" sz="1600" dirty="0" err="1">
+                <a:solidFill>
+                  <a:srgbClr val="0000FF"/>
+                </a:solidFill>
+                <a:latin typeface="Consolas"/>
+              </a:rPr>
+              <a:t>int</a:t>
+            </a:r>
+            <a:r>
+              <a:rPr lang="en-US" sz="1600" dirty="0">
+                <a:solidFill>
+                  <a:prstClr val="black"/>
+                </a:solidFill>
+                <a:latin typeface="Consolas"/>
+              </a:rPr>
+              <a:t> step)</a:t>
             </a:r>
           </a:p>
           <a:p>
             <a:pPr marL="0" indent="0">
               <a:buNone/>
             </a:pPr>
-            <a:endParaRPr lang="ru-RU" dirty="0"/>
+            <a:r>
+              <a:rPr lang="ru-RU" sz="1600" dirty="0">
+                <a:solidFill>
+                  <a:prstClr val="black"/>
+                </a:solidFill>
+                <a:latin typeface="Consolas"/>
+              </a:rPr>
+              <a:t>{</a:t>
+            </a:r>
           </a:p>
           <a:p>
             <a:pPr marL="0" indent="0">
               <a:buNone/>
             </a:pPr>
             <a:r>
-              <a:rPr lang="en-US" sz="1600" dirty="0" smtClean="0">
-                <a:solidFill>
-                  <a:srgbClr val="FFFF00"/>
-                </a:solidFill>
-                <a:latin typeface="Courier New" pitchFamily="49" charset="0"/>
-                <a:cs typeface="Courier New" pitchFamily="49" charset="0"/>
-              </a:rPr>
-              <a:t>static</a:t>
-            </a:r>
-            <a:r>
-              <a:rPr lang="en-US" sz="1600" dirty="0" smtClean="0">
-                <a:latin typeface="Courier New" pitchFamily="49" charset="0"/>
-                <a:cs typeface="Courier New" pitchFamily="49" charset="0"/>
-              </a:rPr>
-              <a:t> class </a:t>
-            </a:r>
-            <a:r>
-              <a:rPr lang="en-US" sz="1600" dirty="0" err="1" smtClean="0">
-                <a:latin typeface="Courier New" pitchFamily="49" charset="0"/>
-                <a:cs typeface="Courier New" pitchFamily="49" charset="0"/>
-              </a:rPr>
-              <a:t>DateTime</a:t>
-            </a:r>
-            <a:r>
-              <a:rPr lang="en-US" sz="1600" dirty="0" err="1" smtClean="0">
-                <a:solidFill>
-                  <a:srgbClr val="FFFF00"/>
-                </a:solidFill>
-                <a:latin typeface="Courier New" pitchFamily="49" charset="0"/>
-                <a:cs typeface="Courier New" pitchFamily="49" charset="0"/>
-              </a:rPr>
-              <a:t>Extensions</a:t>
-            </a:r>
-            <a:r>
-              <a:rPr lang="en-US" sz="1600" dirty="0" smtClean="0">
-                <a:latin typeface="Courier New" pitchFamily="49" charset="0"/>
-                <a:cs typeface="Courier New" pitchFamily="49" charset="0"/>
-              </a:rPr>
-              <a:t/>
-            </a:r>
-            <a:br>
-              <a:rPr lang="en-US" sz="1600" dirty="0" smtClean="0">
-                <a:latin typeface="Courier New" pitchFamily="49" charset="0"/>
-                <a:cs typeface="Courier New" pitchFamily="49" charset="0"/>
-              </a:rPr>
-            </a:br>
-            <a:r>
-              <a:rPr lang="en-US" sz="1600" dirty="0" smtClean="0">
-                <a:latin typeface="Courier New" pitchFamily="49" charset="0"/>
-                <a:cs typeface="Courier New" pitchFamily="49" charset="0"/>
-              </a:rPr>
-              <a:t>{</a:t>
-            </a:r>
-            <a:br>
-              <a:rPr lang="en-US" sz="1600" dirty="0" smtClean="0">
-                <a:latin typeface="Courier New" pitchFamily="49" charset="0"/>
-                <a:cs typeface="Courier New" pitchFamily="49" charset="0"/>
-              </a:rPr>
-            </a:br>
-            <a:r>
-              <a:rPr lang="en-US" sz="1600" dirty="0" smtClean="0">
-                <a:latin typeface="Courier New" pitchFamily="49" charset="0"/>
-                <a:cs typeface="Courier New" pitchFamily="49" charset="0"/>
-              </a:rPr>
-              <a:t>    ///&lt;summary&gt;</a:t>
-            </a:r>
-            <a:br>
-              <a:rPr lang="en-US" sz="1600" dirty="0" smtClean="0">
-                <a:latin typeface="Courier New" pitchFamily="49" charset="0"/>
-                <a:cs typeface="Courier New" pitchFamily="49" charset="0"/>
-              </a:rPr>
-            </a:br>
-            <a:r>
-              <a:rPr lang="en-US" sz="1600" dirty="0" smtClean="0">
-                <a:latin typeface="Courier New" pitchFamily="49" charset="0"/>
-                <a:cs typeface="Courier New" pitchFamily="49" charset="0"/>
-              </a:rPr>
-              <a:t>    ///</a:t>
-            </a:r>
-            <a:r>
-              <a:rPr lang="ru-RU" sz="1600" dirty="0" smtClean="0">
-                <a:latin typeface="Courier New" pitchFamily="49" charset="0"/>
-                <a:cs typeface="Courier New" pitchFamily="49" charset="0"/>
-              </a:rPr>
-              <a:t>Вернет строку вида </a:t>
-            </a:r>
-            <a:r>
-              <a:rPr lang="en-US" sz="1600" dirty="0">
-                <a:latin typeface="Courier New" pitchFamily="49" charset="0"/>
-                <a:cs typeface="Courier New" pitchFamily="49" charset="0"/>
-              </a:rPr>
-              <a:t>2008-04-10T06:30:00</a:t>
-            </a:r>
-            <a:endParaRPr lang="en-US" sz="1600" dirty="0" smtClean="0">
-              <a:latin typeface="Courier New" pitchFamily="49" charset="0"/>
-              <a:cs typeface="Courier New" pitchFamily="49" charset="0"/>
+              <a:rPr lang="ru-RU" sz="1600" dirty="0">
+                <a:solidFill>
+                  <a:prstClr val="black"/>
+                </a:solidFill>
+                <a:latin typeface="Consolas"/>
+              </a:rPr>
+              <a:t>    </a:t>
+            </a:r>
+            <a:r>
+              <a:rPr lang="ru-RU" sz="1600" dirty="0">
+                <a:solidFill>
+                  <a:srgbClr val="008000"/>
+                </a:solidFill>
+                <a:latin typeface="Consolas"/>
+              </a:rPr>
+              <a:t>// По умолчанию компилятор C# игнорирует арифметическое переполнение</a:t>
+            </a:r>
+            <a:endParaRPr lang="ru-RU" sz="1600" dirty="0">
+              <a:solidFill>
+                <a:prstClr val="black"/>
+              </a:solidFill>
+              <a:latin typeface="Consolas"/>
             </a:endParaRPr>
           </a:p>
           <a:p>
@@ -14800,22 +15905,28 @@
               <a:buNone/>
             </a:pPr>
             <a:r>
-              <a:rPr lang="en-US" sz="1600" dirty="0" smtClean="0">
-                <a:latin typeface="Courier New" pitchFamily="49" charset="0"/>
-                <a:cs typeface="Courier New" pitchFamily="49" charset="0"/>
-              </a:rPr>
-              <a:t>    ///&lt;/summary</a:t>
-            </a:r>
-            <a:r>
-              <a:rPr lang="en-US" sz="1600" dirty="0">
-                <a:latin typeface="Courier New" pitchFamily="49" charset="0"/>
-                <a:cs typeface="Courier New" pitchFamily="49" charset="0"/>
-              </a:rPr>
-              <a:t>&gt;</a:t>
-            </a:r>
-            <a:endParaRPr lang="en-US" sz="1600" dirty="0" smtClean="0">
-              <a:latin typeface="Courier New" pitchFamily="49" charset="0"/>
-              <a:cs typeface="Courier New" pitchFamily="49" charset="0"/>
+              <a:rPr lang="ru-RU" sz="1600" dirty="0">
+                <a:solidFill>
+                  <a:prstClr val="black"/>
+                </a:solidFill>
+                <a:latin typeface="Consolas"/>
+              </a:rPr>
+              <a:t>    </a:t>
+            </a:r>
+            <a:r>
+              <a:rPr lang="ru-RU" sz="1600" dirty="0">
+                <a:solidFill>
+                  <a:srgbClr val="008000"/>
+                </a:solidFill>
+                <a:latin typeface="Consolas"/>
+              </a:rPr>
+              <a:t>// Использование checked блока заставляет выполнять проверку на переполнение</a:t>
+            </a:r>
+            <a:endParaRPr lang="ru-RU" sz="1600" dirty="0">
+              <a:solidFill>
+                <a:prstClr val="black"/>
+              </a:solidFill>
+              <a:latin typeface="Consolas"/>
             </a:endParaRPr>
           </a:p>
           <a:p>
@@ -14823,190 +15934,594 @@
               <a:buNone/>
             </a:pPr>
             <a:r>
-              <a:rPr lang="en-US" sz="1600" dirty="0" smtClean="0">
-                <a:latin typeface="Courier New" pitchFamily="49" charset="0"/>
-                <a:cs typeface="Courier New" pitchFamily="49" charset="0"/>
-              </a:rPr>
-              <a:t>    public </a:t>
-            </a:r>
-            <a:r>
-              <a:rPr lang="en-US" sz="1600" dirty="0" smtClean="0">
-                <a:solidFill>
-                  <a:srgbClr val="FFFF00"/>
-                </a:solidFill>
-                <a:latin typeface="Courier New" pitchFamily="49" charset="0"/>
-                <a:cs typeface="Courier New" pitchFamily="49" charset="0"/>
-              </a:rPr>
-              <a:t>static</a:t>
-            </a:r>
-            <a:r>
-              <a:rPr lang="en-US" sz="1600" dirty="0" smtClean="0">
-                <a:latin typeface="Courier New" pitchFamily="49" charset="0"/>
-                <a:cs typeface="Courier New" pitchFamily="49" charset="0"/>
-              </a:rPr>
-              <a:t> string ToIso8601String(</a:t>
-            </a:r>
-            <a:r>
-              <a:rPr lang="en-US" sz="1600" dirty="0" smtClean="0">
-                <a:solidFill>
-                  <a:srgbClr val="FFFF00"/>
-                </a:solidFill>
-                <a:latin typeface="Courier New" pitchFamily="49" charset="0"/>
-                <a:cs typeface="Courier New" pitchFamily="49" charset="0"/>
-              </a:rPr>
-              <a:t>this</a:t>
-            </a:r>
-            <a:r>
-              <a:rPr lang="en-US" sz="1600" dirty="0" smtClean="0">
-                <a:latin typeface="Courier New" pitchFamily="49" charset="0"/>
-                <a:cs typeface="Courier New" pitchFamily="49" charset="0"/>
-              </a:rPr>
-              <a:t> </a:t>
-            </a:r>
-            <a:r>
-              <a:rPr lang="en-US" sz="1600" dirty="0" err="1" smtClean="0">
-                <a:latin typeface="Courier New" pitchFamily="49" charset="0"/>
-                <a:cs typeface="Courier New" pitchFamily="49" charset="0"/>
-              </a:rPr>
-              <a:t>DateTime</a:t>
-            </a:r>
-            <a:r>
-              <a:rPr lang="en-US" sz="1600" dirty="0" smtClean="0">
-                <a:latin typeface="Courier New" pitchFamily="49" charset="0"/>
-                <a:cs typeface="Courier New" pitchFamily="49" charset="0"/>
-              </a:rPr>
-              <a:t> </a:t>
-            </a:r>
-            <a:r>
-              <a:rPr lang="en-US" sz="1600" dirty="0" err="1" smtClean="0">
-                <a:latin typeface="Courier New" pitchFamily="49" charset="0"/>
-                <a:cs typeface="Courier New" pitchFamily="49" charset="0"/>
-              </a:rPr>
-              <a:t>dt</a:t>
-            </a:r>
-            <a:r>
-              <a:rPr lang="en-US" sz="1600" dirty="0" smtClean="0">
-                <a:latin typeface="Courier New" pitchFamily="49" charset="0"/>
-                <a:cs typeface="Courier New" pitchFamily="49" charset="0"/>
-              </a:rPr>
-              <a:t>)</a:t>
-            </a:r>
-            <a:br>
-              <a:rPr lang="en-US" sz="1600" dirty="0" smtClean="0">
-                <a:latin typeface="Courier New" pitchFamily="49" charset="0"/>
-                <a:cs typeface="Courier New" pitchFamily="49" charset="0"/>
-              </a:rPr>
-            </a:br>
-            <a:r>
-              <a:rPr lang="en-US" sz="1600" dirty="0" smtClean="0">
-                <a:latin typeface="Courier New" pitchFamily="49" charset="0"/>
-                <a:cs typeface="Courier New" pitchFamily="49" charset="0"/>
-              </a:rPr>
-              <a:t>    {</a:t>
-            </a:r>
+              <a:rPr lang="ru-RU" sz="1600" dirty="0">
+                <a:solidFill>
+                  <a:prstClr val="black"/>
+                </a:solidFill>
+                <a:latin typeface="Consolas"/>
+              </a:rPr>
+              <a:t>    </a:t>
+            </a:r>
+            <a:r>
+              <a:rPr lang="ru-RU" sz="1600" dirty="0">
+                <a:solidFill>
+                  <a:srgbClr val="008000"/>
+                </a:solidFill>
+                <a:latin typeface="Consolas"/>
+              </a:rPr>
+              <a:t>//     для всех операций внутри него</a:t>
+            </a:r>
+            <a:endParaRPr lang="ru-RU" sz="1600" dirty="0">
+              <a:solidFill>
+                <a:prstClr val="black"/>
+              </a:solidFill>
+              <a:latin typeface="Consolas"/>
+            </a:endParaRPr>
           </a:p>
           <a:p>
             <a:pPr marL="0" indent="0">
               <a:buNone/>
             </a:pPr>
             <a:r>
-              <a:rPr lang="en-US" sz="1600" dirty="0">
-                <a:latin typeface="Courier New" pitchFamily="49" charset="0"/>
-                <a:cs typeface="Courier New" pitchFamily="49" charset="0"/>
-              </a:rPr>
-              <a:t> </a:t>
-            </a:r>
-            <a:r>
-              <a:rPr lang="en-US" sz="1600" dirty="0" smtClean="0">
-                <a:latin typeface="Courier New" pitchFamily="49" charset="0"/>
-                <a:cs typeface="Courier New" pitchFamily="49" charset="0"/>
-              </a:rPr>
-              <a:t>       return </a:t>
-            </a:r>
-            <a:r>
-              <a:rPr lang="en-US" sz="1600" dirty="0" err="1" smtClean="0">
-                <a:latin typeface="Courier New" pitchFamily="49" charset="0"/>
-                <a:cs typeface="Courier New" pitchFamily="49" charset="0"/>
-              </a:rPr>
-              <a:t>dt.ToString</a:t>
-            </a:r>
-            <a:r>
-              <a:rPr lang="en-US" sz="1600" dirty="0">
-                <a:latin typeface="Courier New" pitchFamily="49" charset="0"/>
-                <a:cs typeface="Courier New" pitchFamily="49" charset="0"/>
-              </a:rPr>
-              <a:t>("</a:t>
-            </a:r>
-            <a:r>
-              <a:rPr lang="en-US" sz="1600" dirty="0" smtClean="0">
-                <a:latin typeface="Courier New" pitchFamily="49" charset="0"/>
-                <a:cs typeface="Courier New" pitchFamily="49" charset="0"/>
-              </a:rPr>
-              <a:t>s");</a:t>
-            </a:r>
+              <a:rPr lang="ru-RU" sz="1600" dirty="0">
+                <a:solidFill>
+                  <a:prstClr val="black"/>
+                </a:solidFill>
+                <a:latin typeface="Consolas"/>
+              </a:rPr>
+              <a:t>    </a:t>
+            </a:r>
+            <a:r>
+              <a:rPr lang="ru-RU" sz="1600" dirty="0">
+                <a:solidFill>
+                  <a:srgbClr val="008000"/>
+                </a:solidFill>
+                <a:latin typeface="Consolas"/>
+              </a:rPr>
+              <a:t>// Здесь это необходимо для правильной генерации последовательности</a:t>
+            </a:r>
+            <a:endParaRPr lang="ru-RU" sz="1600" dirty="0">
+              <a:solidFill>
+                <a:prstClr val="black"/>
+              </a:solidFill>
+              <a:latin typeface="Consolas"/>
+            </a:endParaRPr>
           </a:p>
           <a:p>
             <a:pPr marL="0" indent="0">
               <a:buNone/>
             </a:pPr>
             <a:r>
-              <a:rPr lang="en-US" sz="1600" dirty="0">
-                <a:latin typeface="Courier New" pitchFamily="49" charset="0"/>
-                <a:cs typeface="Courier New" pitchFamily="49" charset="0"/>
-              </a:rPr>
-              <a:t> </a:t>
-            </a:r>
-            <a:r>
-              <a:rPr lang="en-US" sz="1600" dirty="0" smtClean="0">
-                <a:latin typeface="Courier New" pitchFamily="49" charset="0"/>
-                <a:cs typeface="Courier New" pitchFamily="49" charset="0"/>
-              </a:rPr>
-              <a:t>   }</a:t>
-            </a:r>
+              <a:rPr lang="ru-RU" sz="1600" dirty="0">
+                <a:solidFill>
+                  <a:prstClr val="black"/>
+                </a:solidFill>
+                <a:latin typeface="Consolas"/>
+              </a:rPr>
+              <a:t>    </a:t>
+            </a:r>
+            <a:r>
+              <a:rPr lang="ru-RU" sz="1600" dirty="0">
+                <a:solidFill>
+                  <a:srgbClr val="008000"/>
+                </a:solidFill>
+                <a:latin typeface="Consolas"/>
+              </a:rPr>
+              <a:t>// В случае переполнения генерируется System.OverflowException</a:t>
+            </a:r>
+            <a:endParaRPr lang="ru-RU" sz="1600" dirty="0">
+              <a:solidFill>
+                <a:prstClr val="black"/>
+              </a:solidFill>
+              <a:latin typeface="Consolas"/>
+            </a:endParaRPr>
           </a:p>
           <a:p>
             <a:pPr marL="0" indent="0">
               <a:buNone/>
             </a:pPr>
             <a:r>
-              <a:rPr lang="en-US" sz="1600" dirty="0" smtClean="0">
-                <a:latin typeface="Courier New" pitchFamily="49" charset="0"/>
-                <a:cs typeface="Courier New" pitchFamily="49" charset="0"/>
-              </a:rPr>
-              <a:t>}</a:t>
-            </a:r>
+              <a:rPr lang="en-US" sz="1600" dirty="0">
+                <a:solidFill>
+                  <a:prstClr val="black"/>
+                </a:solidFill>
+                <a:latin typeface="Consolas"/>
+              </a:rPr>
+              <a:t>    </a:t>
+            </a:r>
+            <a:r>
+              <a:rPr lang="en-US" sz="1600" dirty="0">
+                <a:solidFill>
+                  <a:srgbClr val="0000FF"/>
+                </a:solidFill>
+                <a:latin typeface="Consolas"/>
+              </a:rPr>
+              <a:t>checked</a:t>
+            </a:r>
+            <a:endParaRPr lang="en-US" sz="1600" dirty="0">
+              <a:solidFill>
+                <a:prstClr val="black"/>
+              </a:solidFill>
+              <a:latin typeface="Consolas"/>
+            </a:endParaRPr>
           </a:p>
           <a:p>
             <a:pPr marL="0" indent="0">
               <a:buNone/>
             </a:pPr>
-            <a:endParaRPr lang="en-US" sz="1600" dirty="0" smtClean="0">
-              <a:latin typeface="Courier New" pitchFamily="49" charset="0"/>
-              <a:cs typeface="Courier New" pitchFamily="49" charset="0"/>
-            </a:endParaRPr>
+            <a:r>
+              <a:rPr lang="ru-RU" sz="1600" dirty="0">
+                <a:solidFill>
+                  <a:prstClr val="black"/>
+                </a:solidFill>
+                <a:latin typeface="Consolas"/>
+              </a:rPr>
+              <a:t>    {</a:t>
+            </a:r>
           </a:p>
           <a:p>
             <a:pPr marL="0" indent="0">
               <a:buNone/>
             </a:pPr>
             <a:r>
-              <a:rPr lang="en-US" sz="1600" dirty="0" smtClean="0">
-                <a:latin typeface="Courier New" pitchFamily="49" charset="0"/>
-                <a:cs typeface="Courier New" pitchFamily="49" charset="0"/>
-              </a:rPr>
-              <a:t>string today = DateTime.UtcNow.ToIso8601String();</a:t>
-            </a:r>
-            <a:endParaRPr lang="en-US" sz="1600" dirty="0">
-              <a:latin typeface="Courier New" pitchFamily="49" charset="0"/>
-              <a:cs typeface="Courier New" pitchFamily="49" charset="0"/>
+              <a:rPr lang="en-US" sz="1600" dirty="0">
+                <a:solidFill>
+                  <a:prstClr val="black"/>
+                </a:solidFill>
+                <a:latin typeface="Consolas"/>
+              </a:rPr>
+              <a:t>        </a:t>
+            </a:r>
+            <a:r>
+              <a:rPr lang="en-US" sz="1600" dirty="0">
+                <a:solidFill>
+                  <a:srgbClr val="0000FF"/>
+                </a:solidFill>
+                <a:latin typeface="Consolas"/>
+              </a:rPr>
+              <a:t>for</a:t>
+            </a:r>
+            <a:r>
+              <a:rPr lang="en-US" sz="1600" dirty="0">
+                <a:solidFill>
+                  <a:prstClr val="black"/>
+                </a:solidFill>
+                <a:latin typeface="Consolas"/>
+              </a:rPr>
+              <a:t> (</a:t>
+            </a:r>
+            <a:r>
+              <a:rPr lang="en-US" sz="1600" dirty="0" err="1">
+                <a:solidFill>
+                  <a:srgbClr val="0000FF"/>
+                </a:solidFill>
+                <a:latin typeface="Consolas"/>
+              </a:rPr>
+              <a:t>int</a:t>
+            </a:r>
+            <a:r>
+              <a:rPr lang="en-US" sz="1600" dirty="0">
+                <a:solidFill>
+                  <a:prstClr val="black"/>
+                </a:solidFill>
+                <a:latin typeface="Consolas"/>
+              </a:rPr>
+              <a:t> current = start;; current += step)</a:t>
+            </a:r>
+          </a:p>
+          <a:p>
+            <a:pPr marL="0" indent="0">
+              <a:buNone/>
+            </a:pPr>
+            <a:r>
+              <a:rPr lang="ru-RU" sz="1600" dirty="0">
+                <a:solidFill>
+                  <a:prstClr val="black"/>
+                </a:solidFill>
+                <a:latin typeface="Consolas"/>
+              </a:rPr>
+              <a:t>        {</a:t>
+            </a:r>
+          </a:p>
+          <a:p>
+            <a:pPr marL="0" indent="0">
+              <a:buNone/>
+            </a:pPr>
+            <a:r>
+              <a:rPr lang="en-US" sz="1600" dirty="0">
+                <a:solidFill>
+                  <a:prstClr val="black"/>
+                </a:solidFill>
+                <a:latin typeface="Consolas"/>
+              </a:rPr>
+              <a:t>            </a:t>
+            </a:r>
+            <a:r>
+              <a:rPr lang="en-US" sz="1600" dirty="0">
+                <a:solidFill>
+                  <a:srgbClr val="0000FF"/>
+                </a:solidFill>
+                <a:latin typeface="Consolas"/>
+              </a:rPr>
+              <a:t>yield</a:t>
+            </a:r>
+            <a:r>
+              <a:rPr lang="en-US" sz="1600" dirty="0">
+                <a:solidFill>
+                  <a:prstClr val="black"/>
+                </a:solidFill>
+                <a:latin typeface="Consolas"/>
+              </a:rPr>
+              <a:t> </a:t>
+            </a:r>
+            <a:r>
+              <a:rPr lang="en-US" sz="1600" dirty="0">
+                <a:solidFill>
+                  <a:srgbClr val="0000FF"/>
+                </a:solidFill>
+                <a:latin typeface="Consolas"/>
+              </a:rPr>
+              <a:t>return</a:t>
+            </a:r>
+            <a:r>
+              <a:rPr lang="en-US" sz="1600" dirty="0">
+                <a:solidFill>
+                  <a:prstClr val="black"/>
+                </a:solidFill>
+                <a:latin typeface="Consolas"/>
+              </a:rPr>
+              <a:t> current;</a:t>
+            </a:r>
+          </a:p>
+          <a:p>
+            <a:pPr marL="0" indent="0">
+              <a:buNone/>
+            </a:pPr>
+            <a:r>
+              <a:rPr lang="ru-RU" sz="1600" dirty="0">
+                <a:solidFill>
+                  <a:prstClr val="black"/>
+                </a:solidFill>
+                <a:latin typeface="Consolas"/>
+              </a:rPr>
+              <a:t>        }</a:t>
+            </a:r>
+          </a:p>
+          <a:p>
+            <a:pPr marL="0" indent="0">
+              <a:buNone/>
+            </a:pPr>
+            <a:r>
+              <a:rPr lang="ru-RU" sz="1600" dirty="0">
+                <a:solidFill>
+                  <a:prstClr val="black"/>
+                </a:solidFill>
+                <a:latin typeface="Consolas"/>
+              </a:rPr>
+              <a:t>    }</a:t>
+            </a:r>
+          </a:p>
+          <a:p>
+            <a:pPr marL="0" indent="0">
+              <a:buNone/>
+            </a:pPr>
+            <a:r>
+              <a:rPr lang="ru-RU" sz="1600" dirty="0">
+                <a:solidFill>
+                  <a:prstClr val="black"/>
+                </a:solidFill>
+                <a:latin typeface="Consolas"/>
+              </a:rPr>
+              <a:t>}</a:t>
+            </a:r>
+          </a:p>
+          <a:p>
+            <a:endParaRPr lang="ru-RU" sz="1600" dirty="0">
+              <a:solidFill>
+                <a:prstClr val="black"/>
+              </a:solidFill>
+              <a:latin typeface="Consolas"/>
             </a:endParaRPr>
+          </a:p>
+          <a:p>
+            <a:pPr marL="0" indent="0">
+              <a:buNone/>
+            </a:pPr>
+            <a:endParaRPr lang="en-US" sz="1500" dirty="0" smtClean="0">
+              <a:solidFill>
+                <a:srgbClr val="000000"/>
+              </a:solidFill>
+              <a:latin typeface="Consolas"/>
+            </a:endParaRPr>
+          </a:p>
+          <a:p>
+            <a:pPr marL="0" indent="0">
+              <a:buNone/>
+            </a:pPr>
+            <a:r>
+              <a:rPr lang="en-US" sz="1500" dirty="0" err="1" smtClean="0">
+                <a:solidFill>
+                  <a:srgbClr val="0000FF"/>
+                </a:solidFill>
+                <a:latin typeface="Consolas"/>
+              </a:rPr>
+              <a:t>foreach</a:t>
+            </a:r>
+            <a:r>
+              <a:rPr lang="en-US" sz="1500" dirty="0" smtClean="0">
+                <a:solidFill>
+                  <a:srgbClr val="000000"/>
+                </a:solidFill>
+                <a:latin typeface="Consolas"/>
+              </a:rPr>
+              <a:t> </a:t>
+            </a:r>
+            <a:r>
+              <a:rPr lang="en-US" sz="1500" dirty="0">
+                <a:solidFill>
+                  <a:srgbClr val="000000"/>
+                </a:solidFill>
+                <a:latin typeface="Consolas"/>
+              </a:rPr>
+              <a:t>(</a:t>
+            </a:r>
+            <a:r>
+              <a:rPr lang="en-US" sz="1500" dirty="0" err="1">
+                <a:solidFill>
+                  <a:srgbClr val="0000FF"/>
+                </a:solidFill>
+                <a:latin typeface="Consolas"/>
+              </a:rPr>
+              <a:t>int</a:t>
+            </a:r>
+            <a:r>
+              <a:rPr lang="en-US" sz="1500" dirty="0">
+                <a:solidFill>
+                  <a:srgbClr val="000000"/>
+                </a:solidFill>
+                <a:latin typeface="Consolas"/>
+              </a:rPr>
+              <a:t> </a:t>
+            </a:r>
+            <a:r>
+              <a:rPr lang="en-US" sz="1500" dirty="0" err="1">
+                <a:solidFill>
+                  <a:srgbClr val="000000"/>
+                </a:solidFill>
+                <a:latin typeface="Consolas"/>
+              </a:rPr>
+              <a:t>num</a:t>
+            </a:r>
+            <a:r>
+              <a:rPr lang="en-US" sz="1500" dirty="0">
+                <a:solidFill>
+                  <a:srgbClr val="000000"/>
+                </a:solidFill>
+                <a:latin typeface="Consolas"/>
+              </a:rPr>
+              <a:t> </a:t>
+            </a:r>
+            <a:r>
+              <a:rPr lang="en-US" sz="1500" dirty="0">
+                <a:solidFill>
+                  <a:srgbClr val="0000FF"/>
+                </a:solidFill>
+                <a:latin typeface="Consolas"/>
+              </a:rPr>
+              <a:t>in</a:t>
+            </a:r>
+            <a:r>
+              <a:rPr lang="en-US" sz="1500" dirty="0">
+                <a:solidFill>
+                  <a:srgbClr val="000000"/>
+                </a:solidFill>
+                <a:latin typeface="Consolas"/>
+              </a:rPr>
+              <a:t> </a:t>
+            </a:r>
+            <a:r>
+              <a:rPr lang="en-US" sz="1500" dirty="0" err="1">
+                <a:solidFill>
+                  <a:srgbClr val="000000"/>
+                </a:solidFill>
+                <a:latin typeface="Consolas"/>
+              </a:rPr>
+              <a:t>ArithmeticProgression</a:t>
+            </a:r>
+            <a:r>
+              <a:rPr lang="en-US" sz="1500" dirty="0">
+                <a:solidFill>
+                  <a:srgbClr val="000000"/>
+                </a:solidFill>
+                <a:latin typeface="Consolas"/>
+              </a:rPr>
+              <a:t>(</a:t>
+            </a:r>
+            <a:r>
+              <a:rPr lang="en-US" sz="1500" dirty="0">
+                <a:solidFill>
+                  <a:srgbClr val="C81EFA"/>
+                </a:solidFill>
+                <a:latin typeface="Consolas"/>
+              </a:rPr>
+              <a:t>1</a:t>
+            </a:r>
+            <a:r>
+              <a:rPr lang="en-US" sz="1500" dirty="0">
+                <a:solidFill>
+                  <a:srgbClr val="000000"/>
+                </a:solidFill>
+                <a:latin typeface="Consolas"/>
+              </a:rPr>
+              <a:t>, </a:t>
+            </a:r>
+            <a:r>
+              <a:rPr lang="en-US" sz="1500" dirty="0" smtClean="0">
+                <a:solidFill>
+                  <a:srgbClr val="C81EFA"/>
+                </a:solidFill>
+                <a:latin typeface="Consolas"/>
+              </a:rPr>
+              <a:t>3</a:t>
+            </a:r>
+            <a:r>
+              <a:rPr lang="en-US" sz="1500" dirty="0" smtClean="0">
+                <a:solidFill>
+                  <a:srgbClr val="000000"/>
+                </a:solidFill>
+                <a:latin typeface="Consolas"/>
+              </a:rPr>
+              <a:t>).Take(10))</a:t>
+            </a:r>
+            <a:endParaRPr lang="en-US" sz="1500" dirty="0">
+              <a:solidFill>
+                <a:srgbClr val="000000"/>
+              </a:solidFill>
+              <a:latin typeface="Consolas"/>
+            </a:endParaRPr>
+          </a:p>
+          <a:p>
+            <a:pPr marL="0" indent="0">
+              <a:buNone/>
+            </a:pPr>
+            <a:r>
+              <a:rPr lang="en-US" sz="1500" dirty="0">
+                <a:solidFill>
+                  <a:srgbClr val="000000"/>
+                </a:solidFill>
+                <a:latin typeface="Consolas"/>
+              </a:rPr>
+              <a:t>{</a:t>
+            </a:r>
+          </a:p>
+          <a:p>
+            <a:pPr marL="0" indent="0">
+              <a:buNone/>
+            </a:pPr>
+            <a:r>
+              <a:rPr lang="en-US" sz="1500" dirty="0" smtClean="0">
+                <a:solidFill>
+                  <a:srgbClr val="000000"/>
+                </a:solidFill>
+                <a:latin typeface="Consolas"/>
+              </a:rPr>
+              <a:t>    </a:t>
+            </a:r>
+            <a:r>
+              <a:rPr lang="en-US" sz="1500" dirty="0" err="1" smtClean="0">
+                <a:solidFill>
+                  <a:srgbClr val="000000"/>
+                </a:solidFill>
+                <a:latin typeface="Consolas"/>
+              </a:rPr>
+              <a:t>Console.WriteLine</a:t>
+            </a:r>
+            <a:r>
+              <a:rPr lang="en-US" sz="1500" dirty="0" smtClean="0">
+                <a:solidFill>
+                  <a:srgbClr val="000000"/>
+                </a:solidFill>
+                <a:latin typeface="Consolas"/>
+              </a:rPr>
+              <a:t>(</a:t>
+            </a:r>
+            <a:r>
+              <a:rPr lang="en-US" sz="1500" dirty="0" err="1" smtClean="0">
+                <a:solidFill>
+                  <a:srgbClr val="000000"/>
+                </a:solidFill>
+                <a:latin typeface="Consolas"/>
+              </a:rPr>
+              <a:t>num</a:t>
+            </a:r>
+            <a:r>
+              <a:rPr lang="en-US" sz="1500" dirty="0">
+                <a:solidFill>
+                  <a:srgbClr val="000000"/>
+                </a:solidFill>
+                <a:latin typeface="Consolas"/>
+              </a:rPr>
+              <a:t>);</a:t>
+            </a:r>
+          </a:p>
+          <a:p>
+            <a:pPr marL="0" indent="0">
+              <a:buNone/>
+            </a:pPr>
+            <a:r>
+              <a:rPr lang="en-US" sz="1500" dirty="0" smtClean="0">
+                <a:solidFill>
+                  <a:srgbClr val="000000"/>
+                </a:solidFill>
+                <a:latin typeface="Consolas"/>
+              </a:rPr>
+              <a:t>}</a:t>
+            </a:r>
+            <a:endParaRPr lang="en-US" dirty="0"/>
+          </a:p>
+        </p:txBody>
+      </p:sp>
+      <p:sp>
+        <p:nvSpPr>
+          <p:cNvPr id="4" name="TextBox 3"/>
+          <p:cNvSpPr txBox="1"/>
+          <p:nvPr/>
+        </p:nvSpPr>
+        <p:spPr>
+          <a:xfrm>
+            <a:off x="467544" y="5157192"/>
+            <a:ext cx="8280920" cy="830997"/>
+          </a:xfrm>
+          <a:prstGeom prst="rect">
+            <a:avLst/>
+          </a:prstGeom>
+          <a:noFill/>
+        </p:spPr>
+        <p:txBody>
+          <a:bodyPr wrap="square" rtlCol="0">
+            <a:spAutoFit/>
+          </a:bodyPr>
+          <a:lstStyle/>
+          <a:p>
+            <a:pPr marL="285750" indent="-285750">
+              <a:buFont typeface="Arial" pitchFamily="34" charset="0"/>
+              <a:buChar char="•"/>
+            </a:pPr>
+            <a:r>
+              <a:rPr lang="en-US" sz="1600" dirty="0" smtClean="0"/>
+              <a:t>yield return </a:t>
+            </a:r>
+            <a:r>
+              <a:rPr lang="ru-RU" sz="1600" dirty="0" smtClean="0"/>
+              <a:t>возращает текущее значение из итерации. При следующеем обращении выполнение продолжится </a:t>
+            </a:r>
+            <a:r>
+              <a:rPr lang="ru-RU" sz="1600" smtClean="0"/>
+              <a:t>с последнего места.</a:t>
+            </a:r>
+            <a:endParaRPr lang="en-US" sz="1600" dirty="0" smtClean="0"/>
+          </a:p>
+          <a:p>
+            <a:pPr marL="285750" indent="-285750">
+              <a:buFont typeface="Arial" pitchFamily="34" charset="0"/>
+              <a:buChar char="•"/>
+            </a:pPr>
+            <a:r>
+              <a:rPr lang="en-US" sz="1600" dirty="0" smtClean="0"/>
+              <a:t>yield break </a:t>
+            </a:r>
+            <a:r>
+              <a:rPr lang="ru-RU" sz="1600" dirty="0" smtClean="0"/>
+              <a:t>служит сигналом конца последовательности.</a:t>
+            </a:r>
+            <a:endParaRPr lang="en-US" sz="1600" dirty="0" smtClean="0"/>
           </a:p>
         </p:txBody>
       </p:sp>
     </p:spTree>
     <p:extLst>
       <p:ext uri="{BB962C8B-B14F-4D97-AF65-F5344CB8AC3E}">
-        <p14:creationId xmlns:p14="http://schemas.microsoft.com/office/powerpoint/2010/main" val="3545898277"/>
+        <p14:creationId xmlns:p14="http://schemas.microsoft.com/office/powerpoint/2010/main" val="844285275"/>
       </p:ext>
     </p:extLst>
   </p:cSld>

--- a/Presentation/lesson-11-linq.pptx
+++ b/Presentation/lesson-11-linq.pptx
@@ -221,7 +221,7 @@
             <a:fld id="{B24A7054-7FFB-49F4-A126-5DF6E687FF53}" type="datetimeFigureOut">
               <a:rPr lang="ru-RU" smtClean="0"/>
               <a:pPr/>
-              <a:t>08.05.2014</a:t>
+              <a:t>07.09.2014</a:t>
             </a:fld>
             <a:endParaRPr lang="ru-RU"/>
           </a:p>
@@ -1505,7 +1505,7 @@
             <a:fld id="{8E6E6A2A-E9D3-4A0D-B04A-ABDD367A1E08}" type="datetimeFigureOut">
               <a:rPr lang="ru-RU" smtClean="0"/>
               <a:pPr/>
-              <a:t>08.05.2014</a:t>
+              <a:t>07.09.2014</a:t>
             </a:fld>
             <a:endParaRPr lang="ru-RU"/>
           </a:p>
@@ -2952,7 +2952,7 @@
             <a:fld id="{AC3D3127-B7C4-45E3-9797-C527EC9FDD78}" type="datetimeFigureOut">
               <a:rPr lang="ru-RU" smtClean="0"/>
               <a:pPr/>
-              <a:t>08.05.2014</a:t>
+              <a:t>07.09.2014</a:t>
             </a:fld>
             <a:endParaRPr lang="ru-RU"/>
           </a:p>
@@ -13041,12 +13041,26 @@
               </a:rPr>
               <a:t>/</a:t>
             </a:r>
-            <a:endParaRPr lang="ru-RU" dirty="0" smtClean="0"/>
+            <a:endParaRPr lang="en-US" dirty="0" smtClean="0"/>
           </a:p>
           <a:p>
             <a:pPr marL="0" indent="0">
               <a:buNone/>
             </a:pPr>
+            <a:endParaRPr lang="en-US" dirty="0"/>
+          </a:p>
+          <a:p>
+            <a:pPr marL="0" indent="0">
+              <a:buNone/>
+            </a:pPr>
+            <a:r>
+              <a:rPr lang="ru-RU" dirty="0" smtClean="0"/>
+              <a:t>См. также </a:t>
+            </a:r>
+            <a:r>
+              <a:rPr lang="en-US" smtClean="0"/>
+              <a:t>tools-linqpad.docx</a:t>
+            </a:r>
             <a:endParaRPr lang="en-US" dirty="0"/>
           </a:p>
         </p:txBody>

--- a/Presentation/lesson-11-linq.pptx
+++ b/Presentation/lesson-11-linq.pptx
@@ -221,7 +221,7 @@
             <a:fld id="{B24A7054-7FFB-49F4-A126-5DF6E687FF53}" type="datetimeFigureOut">
               <a:rPr lang="ru-RU" smtClean="0"/>
               <a:pPr/>
-              <a:t>07.09.2014</a:t>
+              <a:t>09.09.2014</a:t>
             </a:fld>
             <a:endParaRPr lang="ru-RU"/>
           </a:p>
@@ -1505,7 +1505,7 @@
             <a:fld id="{8E6E6A2A-E9D3-4A0D-B04A-ABDD367A1E08}" type="datetimeFigureOut">
               <a:rPr lang="ru-RU" smtClean="0"/>
               <a:pPr/>
-              <a:t>07.09.2014</a:t>
+              <a:t>09.09.2014</a:t>
             </a:fld>
             <a:endParaRPr lang="ru-RU"/>
           </a:p>
@@ -2952,7 +2952,7 @@
             <a:fld id="{AC3D3127-B7C4-45E3-9797-C527EC9FDD78}" type="datetimeFigureOut">
               <a:rPr lang="ru-RU" smtClean="0"/>
               <a:pPr/>
-              <a:t>07.09.2014</a:t>
+              <a:t>09.09.2014</a:t>
             </a:fld>
             <a:endParaRPr lang="ru-RU"/>
           </a:p>
@@ -5346,6 +5346,39 @@
             <a:r>
               <a:rPr lang="en-US" dirty="0" smtClean="0"/>
               <a:t>()</a:t>
+            </a:r>
+          </a:p>
+          <a:p>
+            <a:pPr lvl="1"/>
+            <a:r>
+              <a:rPr lang="en-US" dirty="0" smtClean="0"/>
+              <a:t>(1,2,3) + (3,4,5) = (1,2,3,4,5)</a:t>
+            </a:r>
+            <a:endParaRPr lang="en-US" dirty="0" smtClean="0"/>
+          </a:p>
+          <a:p>
+            <a:r>
+              <a:rPr lang="en-US" dirty="0" err="1" smtClean="0"/>
+              <a:t>Concat</a:t>
+            </a:r>
+            <a:r>
+              <a:rPr lang="en-US" dirty="0" smtClean="0"/>
+              <a:t>()</a:t>
+            </a:r>
+          </a:p>
+          <a:p>
+            <a:pPr lvl="1"/>
+            <a:r>
+              <a:rPr lang="en-US" dirty="0"/>
+              <a:t>(1,2,3) + (3,4,5) = (</a:t>
+            </a:r>
+            <a:r>
+              <a:rPr lang="en-US" dirty="0" smtClean="0"/>
+              <a:t>1,2,3,3,4,5</a:t>
+            </a:r>
+            <a:r>
+              <a:rPr lang="en-US" dirty="0"/>
+              <a:t>)</a:t>
             </a:r>
             <a:endParaRPr lang="ru-RU" dirty="0" smtClean="0"/>
           </a:p>

--- a/Presentation/lesson-11-linq.pptx
+++ b/Presentation/lesson-11-linq.pptx
@@ -5,7 +5,7 @@
     <p:sldMasterId id="2147483648" r:id="rId1"/>
   </p:sldMasterIdLst>
   <p:notesMasterIdLst>
-    <p:notesMasterId r:id="rId31"/>
+    <p:notesMasterId r:id="rId32"/>
   </p:notesMasterIdLst>
   <p:sldIdLst>
     <p:sldId id="256" r:id="rId2"/>
@@ -27,16 +27,17 @@
     <p:sldId id="275" r:id="rId18"/>
     <p:sldId id="276" r:id="rId19"/>
     <p:sldId id="268" r:id="rId20"/>
-    <p:sldId id="279" r:id="rId21"/>
-    <p:sldId id="283" r:id="rId22"/>
-    <p:sldId id="278" r:id="rId23"/>
-    <p:sldId id="280" r:id="rId24"/>
-    <p:sldId id="273" r:id="rId25"/>
-    <p:sldId id="260" r:id="rId26"/>
-    <p:sldId id="282" r:id="rId27"/>
-    <p:sldId id="264" r:id="rId28"/>
-    <p:sldId id="262" r:id="rId29"/>
-    <p:sldId id="263" r:id="rId30"/>
+    <p:sldId id="286" r:id="rId21"/>
+    <p:sldId id="279" r:id="rId22"/>
+    <p:sldId id="283" r:id="rId23"/>
+    <p:sldId id="278" r:id="rId24"/>
+    <p:sldId id="280" r:id="rId25"/>
+    <p:sldId id="273" r:id="rId26"/>
+    <p:sldId id="260" r:id="rId27"/>
+    <p:sldId id="282" r:id="rId28"/>
+    <p:sldId id="264" r:id="rId29"/>
+    <p:sldId id="262" r:id="rId30"/>
+    <p:sldId id="263" r:id="rId31"/>
   </p:sldIdLst>
   <p:sldSz cx="9144000" cy="6858000" type="screen4x3"/>
   <p:notesSz cx="6858000" cy="9144000"/>
@@ -221,7 +222,7 @@
             <a:fld id="{B24A7054-7FFB-49F4-A126-5DF6E687FF53}" type="datetimeFigureOut">
               <a:rPr lang="ru-RU" smtClean="0"/>
               <a:pPr/>
-              <a:t>09.09.2014</a:t>
+              <a:t>08.10.2014</a:t>
             </a:fld>
             <a:endParaRPr lang="ru-RU"/>
           </a:p>
@@ -1505,7 +1506,7 @@
             <a:fld id="{8E6E6A2A-E9D3-4A0D-B04A-ABDD367A1E08}" type="datetimeFigureOut">
               <a:rPr lang="ru-RU" smtClean="0"/>
               <a:pPr/>
-              <a:t>09.09.2014</a:t>
+              <a:t>08.10.2014</a:t>
             </a:fld>
             <a:endParaRPr lang="ru-RU"/>
           </a:p>
@@ -2952,7 +2953,7 @@
             <a:fld id="{AC3D3127-B7C4-45E3-9797-C527EC9FDD78}" type="datetimeFigureOut">
               <a:rPr lang="ru-RU" smtClean="0"/>
               <a:pPr/>
-              <a:t>09.09.2014</a:t>
+              <a:t>08.10.2014</a:t>
             </a:fld>
             <a:endParaRPr lang="ru-RU"/>
           </a:p>
@@ -5301,14 +5302,14 @@
           <a:lstStyle/>
           <a:p>
             <a:r>
+              <a:rPr lang="en-US" dirty="0" err="1" smtClean="0"/>
+              <a:t>Enumerable.GroupBy</a:t>
+            </a:r>
+            <a:r>
               <a:rPr lang="en-US" dirty="0" smtClean="0"/>
-              <a:t>Enumerable. </a:t>
-            </a:r>
-            <a:r>
-              <a:rPr lang="ru-RU" dirty="0" smtClean="0"/>
-              <a:t>Множества</a:t>
-            </a:r>
-            <a:endParaRPr lang="en-US" dirty="0"/>
+              <a:t>()</a:t>
+            </a:r>
+            <a:endParaRPr lang="ru-RU" dirty="0"/>
           </a:p>
         </p:txBody>
       </p:sp>
@@ -5322,79 +5323,1106 @@
             <p:ph idx="1"/>
           </p:nvPr>
         </p:nvSpPr>
-        <p:spPr/>
+        <p:spPr>
+          <a:xfrm>
+            <a:off x="457200" y="1340768"/>
+            <a:ext cx="8147248" cy="460647"/>
+          </a:xfrm>
+        </p:spPr>
         <p:txBody>
-          <a:bodyPr/>
+          <a:bodyPr>
+            <a:normAutofit/>
+          </a:bodyPr>
           <a:lstStyle/>
           <a:p>
-            <a:r>
-              <a:rPr lang="en-US" dirty="0"/>
-              <a:t>Except()</a:t>
-            </a:r>
-          </a:p>
-          <a:p>
-            <a:r>
-              <a:rPr lang="en-US" dirty="0"/>
-              <a:t>Intersect()</a:t>
-            </a:r>
-          </a:p>
-          <a:p>
-            <a:r>
-              <a:rPr lang="en-US" dirty="0"/>
-              <a:t>Union</a:t>
-            </a:r>
-            <a:r>
-              <a:rPr lang="en-US" dirty="0" smtClean="0"/>
+            <a:pPr marL="0" indent="0">
+              <a:buNone/>
+            </a:pPr>
+            <a:r>
+              <a:rPr lang="ru-RU" sz="2400" dirty="0" smtClean="0"/>
+              <a:t>Группировка данных по одному или нескольким признакам.</a:t>
+            </a:r>
+            <a:endParaRPr lang="ru-RU" sz="2400" dirty="0"/>
+          </a:p>
+        </p:txBody>
+      </p:sp>
+      <p:sp>
+        <p:nvSpPr>
+          <p:cNvPr id="5" name="Rectangle 4"/>
+          <p:cNvSpPr/>
+          <p:nvPr/>
+        </p:nvSpPr>
+        <p:spPr>
+          <a:xfrm>
+            <a:off x="457200" y="2015405"/>
+            <a:ext cx="8147248" cy="738664"/>
+          </a:xfrm>
+          <a:prstGeom prst="rect">
+            <a:avLst/>
+          </a:prstGeom>
+          <a:solidFill>
+            <a:schemeClr val="bg1"/>
+          </a:solidFill>
+        </p:spPr>
+        <p:txBody>
+          <a:bodyPr wrap="square">
+            <a:spAutoFit/>
+          </a:bodyPr>
+          <a:lstStyle/>
+          <a:p>
+            <a:r>
+              <a:rPr lang="en-US" sz="1400" dirty="0" err="1">
+                <a:solidFill>
+                  <a:srgbClr val="0000FF"/>
+                </a:solidFill>
+                <a:latin typeface="Consolas"/>
+              </a:rPr>
+              <a:t>var</a:t>
+            </a:r>
+            <a:r>
+              <a:rPr lang="en-US" sz="1400" dirty="0">
+                <a:solidFill>
+                  <a:prstClr val="black"/>
+                </a:solidFill>
+                <a:latin typeface="Consolas"/>
+              </a:rPr>
+              <a:t> </a:t>
+            </a:r>
+            <a:r>
+              <a:rPr lang="en-US" sz="1400" dirty="0" err="1">
+                <a:solidFill>
+                  <a:prstClr val="black"/>
+                </a:solidFill>
+                <a:latin typeface="Consolas"/>
+              </a:rPr>
+              <a:t>filesByExtension</a:t>
+            </a:r>
+            <a:r>
+              <a:rPr lang="en-US" sz="1400" dirty="0">
+                <a:solidFill>
+                  <a:prstClr val="black"/>
+                </a:solidFill>
+                <a:latin typeface="Consolas"/>
+              </a:rPr>
+              <a:t> </a:t>
+            </a:r>
+            <a:r>
+              <a:rPr lang="en-US" sz="1400" dirty="0" smtClean="0">
+                <a:solidFill>
+                  <a:prstClr val="black"/>
+                </a:solidFill>
+                <a:latin typeface="Consolas"/>
+              </a:rPr>
+              <a:t>= </a:t>
+            </a:r>
+            <a:r>
+              <a:rPr lang="en-US" sz="1400" dirty="0" err="1" smtClean="0">
+                <a:solidFill>
+                  <a:srgbClr val="2B91AF"/>
+                </a:solidFill>
+                <a:latin typeface="Consolas"/>
+              </a:rPr>
+              <a:t>Directory</a:t>
+            </a:r>
+            <a:r>
+              <a:rPr lang="en-US" sz="1400" dirty="0" err="1" smtClean="0">
+                <a:solidFill>
+                  <a:prstClr val="black"/>
+                </a:solidFill>
+                <a:latin typeface="Consolas"/>
+              </a:rPr>
+              <a:t>.GetFiles</a:t>
+            </a:r>
+            <a:r>
+              <a:rPr lang="en-US" sz="1400" dirty="0" smtClean="0">
+                <a:solidFill>
+                  <a:prstClr val="black"/>
+                </a:solidFill>
+                <a:latin typeface="Consolas"/>
+              </a:rPr>
+              <a:t>(</a:t>
+            </a:r>
+            <a:r>
+              <a:rPr lang="en-US" sz="1400" dirty="0" err="1" smtClean="0">
+                <a:solidFill>
+                  <a:srgbClr val="2B91AF"/>
+                </a:solidFill>
+                <a:latin typeface="Consolas"/>
+              </a:rPr>
+              <a:t>Environment</a:t>
+            </a:r>
+            <a:r>
+              <a:rPr lang="en-US" sz="1400" dirty="0" err="1" smtClean="0">
+                <a:solidFill>
+                  <a:prstClr val="black"/>
+                </a:solidFill>
+                <a:latin typeface="Consolas"/>
+              </a:rPr>
+              <a:t>.SystemDirectory</a:t>
+            </a:r>
+            <a:r>
+              <a:rPr lang="en-US" sz="1400" dirty="0">
+                <a:solidFill>
+                  <a:prstClr val="black"/>
+                </a:solidFill>
+                <a:latin typeface="Consolas"/>
+              </a:rPr>
+              <a:t>)</a:t>
+            </a:r>
+          </a:p>
+          <a:p>
+            <a:r>
+              <a:rPr lang="ru-RU" sz="1400" dirty="0" smtClean="0">
+                <a:solidFill>
+                  <a:prstClr val="black"/>
+                </a:solidFill>
+                <a:latin typeface="Consolas"/>
+              </a:rPr>
+              <a:t>                 </a:t>
+            </a:r>
+            <a:r>
+              <a:rPr lang="en-US" sz="1400" dirty="0" smtClean="0">
+                <a:solidFill>
+                  <a:prstClr val="black"/>
+                </a:solidFill>
+                <a:latin typeface="Consolas"/>
+              </a:rPr>
+              <a:t>.</a:t>
+            </a:r>
+            <a:r>
+              <a:rPr lang="en-US" sz="1400" dirty="0" err="1">
+                <a:solidFill>
+                  <a:prstClr val="black"/>
+                </a:solidFill>
+                <a:latin typeface="Consolas"/>
+              </a:rPr>
+              <a:t>GroupBy</a:t>
+            </a:r>
+            <a:r>
+              <a:rPr lang="en-US" sz="1400" dirty="0">
+                <a:solidFill>
+                  <a:prstClr val="black"/>
+                </a:solidFill>
+                <a:latin typeface="Consolas"/>
+              </a:rPr>
+              <a:t>(name =&gt; </a:t>
+            </a:r>
+            <a:r>
+              <a:rPr lang="en-US" sz="1400" dirty="0" err="1">
+                <a:solidFill>
+                  <a:srgbClr val="2B91AF"/>
+                </a:solidFill>
+                <a:latin typeface="Consolas"/>
+              </a:rPr>
+              <a:t>Path</a:t>
+            </a:r>
+            <a:r>
+              <a:rPr lang="en-US" sz="1400" dirty="0" err="1">
+                <a:solidFill>
+                  <a:prstClr val="black"/>
+                </a:solidFill>
+                <a:latin typeface="Consolas"/>
+              </a:rPr>
+              <a:t>.GetExtension</a:t>
+            </a:r>
+            <a:r>
+              <a:rPr lang="en-US" sz="1400" dirty="0">
+                <a:solidFill>
+                  <a:prstClr val="black"/>
+                </a:solidFill>
+                <a:latin typeface="Consolas"/>
+              </a:rPr>
+              <a:t>(name).</a:t>
+            </a:r>
+            <a:r>
+              <a:rPr lang="en-US" sz="1400" dirty="0" err="1">
+                <a:solidFill>
+                  <a:prstClr val="black"/>
+                </a:solidFill>
+                <a:latin typeface="Consolas"/>
+              </a:rPr>
+              <a:t>ToUpper</a:t>
+            </a:r>
+            <a:r>
+              <a:rPr lang="en-US" sz="1400" dirty="0">
+                <a:solidFill>
+                  <a:prstClr val="black"/>
+                </a:solidFill>
+                <a:latin typeface="Consolas"/>
+              </a:rPr>
+              <a:t>())</a:t>
+            </a:r>
+          </a:p>
+          <a:p>
+            <a:r>
+              <a:rPr lang="ru-RU" sz="1400" dirty="0" smtClean="0">
+                <a:solidFill>
+                  <a:prstClr val="black"/>
+                </a:solidFill>
+                <a:latin typeface="Consolas"/>
+              </a:rPr>
+              <a:t>                 </a:t>
+            </a:r>
+            <a:r>
+              <a:rPr lang="en-US" sz="1400" dirty="0" smtClean="0">
+                <a:solidFill>
+                  <a:prstClr val="black"/>
+                </a:solidFill>
+                <a:latin typeface="Consolas"/>
+              </a:rPr>
+              <a:t>.</a:t>
+            </a:r>
+            <a:r>
+              <a:rPr lang="en-US" sz="1400" dirty="0" err="1">
+                <a:solidFill>
+                  <a:prstClr val="black"/>
+                </a:solidFill>
+                <a:latin typeface="Consolas"/>
+              </a:rPr>
+              <a:t>OrderByDescending</a:t>
+            </a:r>
+            <a:r>
+              <a:rPr lang="en-US" sz="1400" dirty="0">
+                <a:solidFill>
+                  <a:prstClr val="black"/>
+                </a:solidFill>
+                <a:latin typeface="Consolas"/>
+              </a:rPr>
+              <a:t>(grp =&gt; </a:t>
+            </a:r>
+            <a:r>
+              <a:rPr lang="en-US" sz="1400" dirty="0" err="1">
+                <a:solidFill>
+                  <a:prstClr val="black"/>
+                </a:solidFill>
+                <a:latin typeface="Consolas"/>
+              </a:rPr>
+              <a:t>grp.Count</a:t>
+            </a:r>
+            <a:r>
+              <a:rPr lang="en-US" sz="1400" dirty="0" smtClean="0">
+                <a:solidFill>
+                  <a:prstClr val="black"/>
+                </a:solidFill>
+                <a:latin typeface="Consolas"/>
+              </a:rPr>
+              <a:t>());</a:t>
+            </a:r>
+            <a:endParaRPr lang="ru-RU" sz="1400" dirty="0">
+              <a:solidFill>
+                <a:prstClr val="black"/>
+              </a:solidFill>
+              <a:latin typeface="Consolas"/>
+            </a:endParaRPr>
+          </a:p>
+        </p:txBody>
+      </p:sp>
+      <p:sp>
+        <p:nvSpPr>
+          <p:cNvPr id="7" name="Rectangle 6"/>
+          <p:cNvSpPr/>
+          <p:nvPr/>
+        </p:nvSpPr>
+        <p:spPr>
+          <a:xfrm>
+            <a:off x="457200" y="3025551"/>
+            <a:ext cx="8147248" cy="1384995"/>
+          </a:xfrm>
+          <a:prstGeom prst="rect">
+            <a:avLst/>
+          </a:prstGeom>
+          <a:solidFill>
+            <a:schemeClr val="bg1"/>
+          </a:solidFill>
+        </p:spPr>
+        <p:txBody>
+          <a:bodyPr wrap="square">
+            <a:spAutoFit/>
+          </a:bodyPr>
+          <a:lstStyle/>
+          <a:p>
+            <a:r>
+              <a:rPr lang="en-US" sz="1400" dirty="0" err="1">
+                <a:solidFill>
+                  <a:srgbClr val="0000FF"/>
+                </a:solidFill>
+                <a:latin typeface="Consolas"/>
+              </a:rPr>
+              <a:t>var</a:t>
+            </a:r>
+            <a:r>
+              <a:rPr lang="en-US" sz="1400" dirty="0">
+                <a:solidFill>
+                  <a:prstClr val="black"/>
+                </a:solidFill>
+                <a:latin typeface="Consolas"/>
+              </a:rPr>
+              <a:t> </a:t>
+            </a:r>
+            <a:r>
+              <a:rPr lang="en-US" sz="1400" dirty="0" err="1">
+                <a:solidFill>
+                  <a:prstClr val="black"/>
+                </a:solidFill>
+                <a:latin typeface="Consolas"/>
+              </a:rPr>
+              <a:t>filesByExtension</a:t>
+            </a:r>
+            <a:r>
+              <a:rPr lang="en-US" sz="1400" dirty="0">
+                <a:solidFill>
+                  <a:prstClr val="black"/>
+                </a:solidFill>
+                <a:latin typeface="Consolas"/>
+              </a:rPr>
+              <a:t> = (</a:t>
+            </a:r>
+          </a:p>
+          <a:p>
+            <a:r>
+              <a:rPr lang="ru-RU" sz="1400" dirty="0" smtClean="0">
+                <a:solidFill>
+                  <a:srgbClr val="0000FF"/>
+                </a:solidFill>
+                <a:latin typeface="Consolas"/>
+              </a:rPr>
+              <a:t>    </a:t>
+            </a:r>
+            <a:r>
+              <a:rPr lang="en-US" sz="1400" dirty="0" smtClean="0">
+                <a:solidFill>
+                  <a:srgbClr val="0000FF"/>
+                </a:solidFill>
+                <a:latin typeface="Consolas"/>
+              </a:rPr>
+              <a:t>from</a:t>
+            </a:r>
+            <a:r>
+              <a:rPr lang="en-US" sz="1400" dirty="0" smtClean="0">
+                <a:solidFill>
+                  <a:prstClr val="black"/>
+                </a:solidFill>
+                <a:latin typeface="Consolas"/>
+              </a:rPr>
+              <a:t> </a:t>
+            </a:r>
+            <a:r>
+              <a:rPr lang="en-US" sz="1400" dirty="0" err="1">
+                <a:solidFill>
+                  <a:prstClr val="black"/>
+                </a:solidFill>
+                <a:latin typeface="Consolas"/>
+              </a:rPr>
+              <a:t>fileName</a:t>
+            </a:r>
+            <a:r>
+              <a:rPr lang="en-US" sz="1400" dirty="0">
+                <a:solidFill>
+                  <a:prstClr val="black"/>
+                </a:solidFill>
+                <a:latin typeface="Consolas"/>
+              </a:rPr>
+              <a:t> </a:t>
+            </a:r>
+            <a:r>
+              <a:rPr lang="en-US" sz="1400" dirty="0">
+                <a:solidFill>
+                  <a:srgbClr val="0000FF"/>
+                </a:solidFill>
+                <a:latin typeface="Consolas"/>
+              </a:rPr>
+              <a:t>in</a:t>
+            </a:r>
+            <a:r>
+              <a:rPr lang="en-US" sz="1400" dirty="0">
+                <a:solidFill>
+                  <a:prstClr val="black"/>
+                </a:solidFill>
+                <a:latin typeface="Consolas"/>
+              </a:rPr>
+              <a:t> </a:t>
+            </a:r>
+            <a:r>
+              <a:rPr lang="en-US" sz="1400" dirty="0" err="1">
+                <a:solidFill>
+                  <a:srgbClr val="2B91AF"/>
+                </a:solidFill>
+                <a:latin typeface="Consolas"/>
+              </a:rPr>
+              <a:t>Directory</a:t>
+            </a:r>
+            <a:r>
+              <a:rPr lang="en-US" sz="1400" dirty="0" err="1">
+                <a:solidFill>
+                  <a:prstClr val="black"/>
+                </a:solidFill>
+                <a:latin typeface="Consolas"/>
+              </a:rPr>
+              <a:t>.GetFiles</a:t>
+            </a:r>
+            <a:r>
+              <a:rPr lang="en-US" sz="1400" dirty="0">
+                <a:solidFill>
+                  <a:prstClr val="black"/>
+                </a:solidFill>
+                <a:latin typeface="Consolas"/>
+              </a:rPr>
+              <a:t>(</a:t>
+            </a:r>
+            <a:r>
+              <a:rPr lang="en-US" sz="1400" dirty="0" err="1">
+                <a:solidFill>
+                  <a:srgbClr val="2B91AF"/>
+                </a:solidFill>
+                <a:latin typeface="Consolas"/>
+              </a:rPr>
+              <a:t>Environment</a:t>
+            </a:r>
+            <a:r>
+              <a:rPr lang="en-US" sz="1400" dirty="0" err="1">
+                <a:solidFill>
+                  <a:prstClr val="black"/>
+                </a:solidFill>
+                <a:latin typeface="Consolas"/>
+              </a:rPr>
+              <a:t>.SystemDirectory</a:t>
+            </a:r>
+            <a:r>
+              <a:rPr lang="en-US" sz="1400" dirty="0">
+                <a:solidFill>
+                  <a:prstClr val="black"/>
+                </a:solidFill>
+                <a:latin typeface="Consolas"/>
+              </a:rPr>
+              <a:t>)</a:t>
+            </a:r>
+          </a:p>
+          <a:p>
+            <a:r>
+              <a:rPr lang="ru-RU" sz="1400" dirty="0" smtClean="0">
+                <a:solidFill>
+                  <a:srgbClr val="0000FF"/>
+                </a:solidFill>
+                <a:latin typeface="Consolas"/>
+              </a:rPr>
+              <a:t>    </a:t>
+            </a:r>
+            <a:r>
+              <a:rPr lang="en-US" sz="1400" dirty="0" smtClean="0">
+                <a:solidFill>
+                  <a:srgbClr val="0000FF"/>
+                </a:solidFill>
+                <a:latin typeface="Consolas"/>
+              </a:rPr>
+              <a:t>group</a:t>
+            </a:r>
+            <a:r>
+              <a:rPr lang="en-US" sz="1400" dirty="0" smtClean="0">
+                <a:solidFill>
+                  <a:prstClr val="black"/>
+                </a:solidFill>
+                <a:latin typeface="Consolas"/>
+              </a:rPr>
+              <a:t> </a:t>
+            </a:r>
+            <a:r>
+              <a:rPr lang="en-US" sz="1400" dirty="0" err="1">
+                <a:solidFill>
+                  <a:prstClr val="black"/>
+                </a:solidFill>
+                <a:latin typeface="Consolas"/>
+              </a:rPr>
+              <a:t>fileName</a:t>
+            </a:r>
+            <a:r>
+              <a:rPr lang="en-US" sz="1400" dirty="0">
+                <a:solidFill>
+                  <a:prstClr val="black"/>
+                </a:solidFill>
+                <a:latin typeface="Consolas"/>
+              </a:rPr>
+              <a:t> </a:t>
+            </a:r>
+            <a:r>
+              <a:rPr lang="en-US" sz="1400" dirty="0">
+                <a:solidFill>
+                  <a:srgbClr val="0000FF"/>
+                </a:solidFill>
+                <a:latin typeface="Consolas"/>
+              </a:rPr>
+              <a:t>by</a:t>
+            </a:r>
+            <a:r>
+              <a:rPr lang="en-US" sz="1400" dirty="0">
+                <a:solidFill>
+                  <a:prstClr val="black"/>
+                </a:solidFill>
+                <a:latin typeface="Consolas"/>
+              </a:rPr>
+              <a:t> </a:t>
+            </a:r>
+            <a:r>
+              <a:rPr lang="en-US" sz="1400" dirty="0" err="1">
+                <a:solidFill>
+                  <a:srgbClr val="2B91AF"/>
+                </a:solidFill>
+                <a:latin typeface="Consolas"/>
+              </a:rPr>
+              <a:t>Path</a:t>
+            </a:r>
+            <a:r>
+              <a:rPr lang="en-US" sz="1400" dirty="0" err="1">
+                <a:solidFill>
+                  <a:prstClr val="black"/>
+                </a:solidFill>
+                <a:latin typeface="Consolas"/>
+              </a:rPr>
+              <a:t>.GetExtension</a:t>
+            </a:r>
+            <a:r>
+              <a:rPr lang="en-US" sz="1400" dirty="0">
+                <a:solidFill>
+                  <a:prstClr val="black"/>
+                </a:solidFill>
+                <a:latin typeface="Consolas"/>
+              </a:rPr>
+              <a:t>(</a:t>
+            </a:r>
+            <a:r>
+              <a:rPr lang="en-US" sz="1400" dirty="0" err="1">
+                <a:solidFill>
+                  <a:prstClr val="black"/>
+                </a:solidFill>
+                <a:latin typeface="Consolas"/>
+              </a:rPr>
+              <a:t>fileName</a:t>
+            </a:r>
+            <a:r>
+              <a:rPr lang="en-US" sz="1400" dirty="0">
+                <a:solidFill>
+                  <a:prstClr val="black"/>
+                </a:solidFill>
+                <a:latin typeface="Consolas"/>
+              </a:rPr>
+              <a:t>).</a:t>
+            </a:r>
+            <a:r>
+              <a:rPr lang="en-US" sz="1400" dirty="0" err="1">
+                <a:solidFill>
+                  <a:prstClr val="black"/>
+                </a:solidFill>
+                <a:latin typeface="Consolas"/>
+              </a:rPr>
+              <a:t>ToUpper</a:t>
+            </a:r>
+            <a:r>
+              <a:rPr lang="en-US" sz="1400" dirty="0">
+                <a:solidFill>
+                  <a:prstClr val="black"/>
+                </a:solidFill>
+                <a:latin typeface="Consolas"/>
+              </a:rPr>
+              <a:t>() </a:t>
+            </a:r>
+            <a:r>
+              <a:rPr lang="en-US" sz="1400" dirty="0">
+                <a:solidFill>
+                  <a:srgbClr val="0000FF"/>
+                </a:solidFill>
+                <a:latin typeface="Consolas"/>
+              </a:rPr>
+              <a:t>into</a:t>
+            </a:r>
+            <a:r>
+              <a:rPr lang="en-US" sz="1400" dirty="0">
+                <a:solidFill>
+                  <a:prstClr val="black"/>
+                </a:solidFill>
+                <a:latin typeface="Consolas"/>
+              </a:rPr>
+              <a:t> </a:t>
+            </a:r>
+            <a:r>
+              <a:rPr lang="en-US" sz="1400" dirty="0" err="1">
+                <a:solidFill>
+                  <a:prstClr val="black"/>
+                </a:solidFill>
+                <a:latin typeface="Consolas"/>
+              </a:rPr>
+              <a:t>fileByExt</a:t>
+            </a:r>
+            <a:endParaRPr lang="en-US" sz="1400" dirty="0">
+              <a:solidFill>
+                <a:prstClr val="black"/>
+              </a:solidFill>
+              <a:latin typeface="Consolas"/>
+            </a:endParaRPr>
+          </a:p>
+          <a:p>
+            <a:r>
+              <a:rPr lang="ru-RU" sz="1400" dirty="0" smtClean="0">
+                <a:solidFill>
+                  <a:srgbClr val="0000FF"/>
+                </a:solidFill>
+                <a:latin typeface="Consolas"/>
+              </a:rPr>
+              <a:t>    </a:t>
+            </a:r>
+            <a:r>
+              <a:rPr lang="en-US" sz="1400" dirty="0" err="1" smtClean="0">
+                <a:solidFill>
+                  <a:srgbClr val="0000FF"/>
+                </a:solidFill>
+                <a:latin typeface="Consolas"/>
+              </a:rPr>
+              <a:t>orderby</a:t>
+            </a:r>
+            <a:r>
+              <a:rPr lang="en-US" sz="1400" dirty="0" smtClean="0">
+                <a:solidFill>
+                  <a:prstClr val="black"/>
+                </a:solidFill>
+                <a:latin typeface="Consolas"/>
+              </a:rPr>
+              <a:t> </a:t>
+            </a:r>
+            <a:r>
+              <a:rPr lang="en-US" sz="1400" dirty="0" err="1">
+                <a:solidFill>
+                  <a:prstClr val="black"/>
+                </a:solidFill>
+                <a:latin typeface="Consolas"/>
+              </a:rPr>
+              <a:t>fileByExt.Count</a:t>
+            </a:r>
+            <a:r>
+              <a:rPr lang="en-US" sz="1400" dirty="0">
+                <a:solidFill>
+                  <a:prstClr val="black"/>
+                </a:solidFill>
+                <a:latin typeface="Consolas"/>
+              </a:rPr>
+              <a:t>() </a:t>
+            </a:r>
+            <a:r>
+              <a:rPr lang="en-US" sz="1400" dirty="0">
+                <a:solidFill>
+                  <a:srgbClr val="0000FF"/>
+                </a:solidFill>
+                <a:latin typeface="Consolas"/>
+              </a:rPr>
+              <a:t>descending</a:t>
+            </a:r>
+            <a:endParaRPr lang="en-US" sz="1400" dirty="0">
+              <a:solidFill>
+                <a:prstClr val="black"/>
+              </a:solidFill>
+              <a:latin typeface="Consolas"/>
+            </a:endParaRPr>
+          </a:p>
+          <a:p>
+            <a:r>
+              <a:rPr lang="ru-RU" sz="1400" dirty="0" smtClean="0">
+                <a:solidFill>
+                  <a:srgbClr val="0000FF"/>
+                </a:solidFill>
+                <a:latin typeface="Consolas"/>
+              </a:rPr>
+              <a:t>    </a:t>
+            </a:r>
+            <a:r>
+              <a:rPr lang="en-US" sz="1400" dirty="0" smtClean="0">
+                <a:solidFill>
+                  <a:srgbClr val="0000FF"/>
+                </a:solidFill>
+                <a:latin typeface="Consolas"/>
+              </a:rPr>
+              <a:t>select</a:t>
+            </a:r>
+            <a:r>
+              <a:rPr lang="en-US" sz="1400" dirty="0" smtClean="0">
+                <a:solidFill>
+                  <a:prstClr val="black"/>
+                </a:solidFill>
+                <a:latin typeface="Consolas"/>
+              </a:rPr>
+              <a:t> </a:t>
+            </a:r>
+            <a:r>
+              <a:rPr lang="en-US" sz="1400" dirty="0" err="1">
+                <a:solidFill>
+                  <a:prstClr val="black"/>
+                </a:solidFill>
+                <a:latin typeface="Consolas"/>
+              </a:rPr>
+              <a:t>fileByExt</a:t>
+            </a:r>
+            <a:endParaRPr lang="en-US" sz="1400" dirty="0">
+              <a:solidFill>
+                <a:prstClr val="black"/>
+              </a:solidFill>
+              <a:latin typeface="Consolas"/>
+            </a:endParaRPr>
+          </a:p>
+          <a:p>
+            <a:r>
+              <a:rPr lang="ru-RU" sz="1400" dirty="0" smtClean="0">
+                <a:solidFill>
+                  <a:prstClr val="black"/>
+                </a:solidFill>
+                <a:latin typeface="Consolas"/>
+              </a:rPr>
+              <a:t>);</a:t>
+            </a:r>
+            <a:endParaRPr lang="ru-RU" sz="1400" dirty="0">
+              <a:solidFill>
+                <a:prstClr val="black"/>
+              </a:solidFill>
+              <a:latin typeface="Consolas"/>
+            </a:endParaRPr>
+          </a:p>
+        </p:txBody>
+      </p:sp>
+      <p:sp>
+        <p:nvSpPr>
+          <p:cNvPr id="9" name="Rectangle 8"/>
+          <p:cNvSpPr/>
+          <p:nvPr/>
+        </p:nvSpPr>
+        <p:spPr>
+          <a:xfrm>
+            <a:off x="457200" y="4825751"/>
+            <a:ext cx="8147248" cy="1600438"/>
+          </a:xfrm>
+          <a:prstGeom prst="rect">
+            <a:avLst/>
+          </a:prstGeom>
+          <a:solidFill>
+            <a:schemeClr val="bg1"/>
+          </a:solidFill>
+        </p:spPr>
+        <p:txBody>
+          <a:bodyPr wrap="square">
+            <a:spAutoFit/>
+          </a:bodyPr>
+          <a:lstStyle/>
+          <a:p>
+            <a:r>
+              <a:rPr lang="en-US" sz="1400" dirty="0" err="1">
+                <a:solidFill>
+                  <a:srgbClr val="0000FF"/>
+                </a:solidFill>
+                <a:latin typeface="Consolas"/>
+              </a:rPr>
+              <a:t>foreach</a:t>
+            </a:r>
+            <a:r>
+              <a:rPr lang="en-US" sz="1400" dirty="0">
+                <a:solidFill>
+                  <a:prstClr val="black"/>
+                </a:solidFill>
+                <a:latin typeface="Consolas"/>
+              </a:rPr>
+              <a:t> (</a:t>
+            </a:r>
+            <a:r>
+              <a:rPr lang="en-US" sz="1400" dirty="0" err="1">
+                <a:solidFill>
+                  <a:srgbClr val="0000FF"/>
+                </a:solidFill>
+                <a:latin typeface="Consolas"/>
+              </a:rPr>
+              <a:t>var</a:t>
+            </a:r>
+            <a:r>
+              <a:rPr lang="en-US" sz="1400" dirty="0">
+                <a:solidFill>
+                  <a:prstClr val="black"/>
+                </a:solidFill>
+                <a:latin typeface="Consolas"/>
+              </a:rPr>
+              <a:t> </a:t>
+            </a:r>
+            <a:r>
+              <a:rPr lang="en-US" sz="1400" dirty="0" err="1">
+                <a:solidFill>
+                  <a:prstClr val="black"/>
+                </a:solidFill>
+                <a:latin typeface="Consolas"/>
+              </a:rPr>
+              <a:t>extGroup</a:t>
+            </a:r>
+            <a:r>
+              <a:rPr lang="en-US" sz="1400" dirty="0">
+                <a:solidFill>
+                  <a:prstClr val="black"/>
+                </a:solidFill>
+                <a:latin typeface="Consolas"/>
+              </a:rPr>
+              <a:t> </a:t>
+            </a:r>
+            <a:r>
+              <a:rPr lang="en-US" sz="1400" dirty="0">
+                <a:solidFill>
+                  <a:srgbClr val="0000FF"/>
+                </a:solidFill>
+                <a:latin typeface="Consolas"/>
+              </a:rPr>
+              <a:t>in</a:t>
+            </a:r>
+            <a:r>
+              <a:rPr lang="en-US" sz="1400" dirty="0">
+                <a:solidFill>
+                  <a:prstClr val="black"/>
+                </a:solidFill>
+                <a:latin typeface="Consolas"/>
+              </a:rPr>
+              <a:t> </a:t>
+            </a:r>
+            <a:r>
+              <a:rPr lang="en-US" sz="1400" dirty="0" err="1">
+                <a:solidFill>
+                  <a:prstClr val="black"/>
+                </a:solidFill>
+                <a:latin typeface="Consolas"/>
+              </a:rPr>
+              <a:t>filesByExtension</a:t>
+            </a:r>
+            <a:r>
+              <a:rPr lang="en-US" sz="1400" dirty="0">
+                <a:solidFill>
+                  <a:prstClr val="black"/>
+                </a:solidFill>
+                <a:latin typeface="Consolas"/>
+              </a:rPr>
+              <a:t>)</a:t>
+            </a:r>
+          </a:p>
+          <a:p>
+            <a:r>
+              <a:rPr lang="ru-RU" sz="1400" dirty="0">
+                <a:solidFill>
+                  <a:prstClr val="black"/>
+                </a:solidFill>
+                <a:latin typeface="Consolas"/>
+              </a:rPr>
+              <a:t>{</a:t>
+            </a:r>
+          </a:p>
+          <a:p>
+            <a:r>
+              <a:rPr lang="ru-RU" sz="1400" dirty="0" smtClean="0">
+                <a:solidFill>
+                  <a:srgbClr val="2B91AF"/>
+                </a:solidFill>
+                <a:latin typeface="Consolas"/>
+              </a:rPr>
+              <a:t>    </a:t>
+            </a:r>
+            <a:r>
+              <a:rPr lang="en-US" sz="1400" dirty="0" err="1" smtClean="0">
+                <a:solidFill>
+                  <a:srgbClr val="2B91AF"/>
+                </a:solidFill>
+                <a:latin typeface="Consolas"/>
+              </a:rPr>
+              <a:t>Console</a:t>
+            </a:r>
+            <a:r>
+              <a:rPr lang="en-US" sz="1400" dirty="0" err="1" smtClean="0">
+                <a:solidFill>
+                  <a:prstClr val="black"/>
+                </a:solidFill>
+                <a:latin typeface="Consolas"/>
+              </a:rPr>
+              <a:t>.WriteLine</a:t>
+            </a:r>
+            <a:r>
+              <a:rPr lang="en-US" sz="1400" dirty="0">
+                <a:solidFill>
+                  <a:prstClr val="black"/>
+                </a:solidFill>
+                <a:latin typeface="Consolas"/>
+              </a:rPr>
+              <a:t>(</a:t>
+            </a:r>
+          </a:p>
+          <a:p>
+            <a:r>
+              <a:rPr lang="ru-RU" sz="1400" dirty="0" smtClean="0">
+                <a:solidFill>
+                  <a:srgbClr val="A31515"/>
+                </a:solidFill>
+                <a:latin typeface="Consolas"/>
+              </a:rPr>
+              <a:t>        "</a:t>
+            </a:r>
+            <a:r>
+              <a:rPr lang="ru-RU" sz="1400" dirty="0" smtClean="0">
+                <a:solidFill>
+                  <a:srgbClr val="3CB371"/>
+                </a:solidFill>
+                <a:latin typeface="Consolas"/>
+              </a:rPr>
+              <a:t>{</a:t>
+            </a:r>
+            <a:r>
+              <a:rPr lang="ru-RU" sz="1400" dirty="0">
+                <a:solidFill>
+                  <a:srgbClr val="3CB371"/>
+                </a:solidFill>
+                <a:latin typeface="Consolas"/>
+              </a:rPr>
+              <a:t>0}</a:t>
+            </a:r>
+            <a:r>
+              <a:rPr lang="ru-RU" sz="1400" dirty="0">
+                <a:solidFill>
+                  <a:srgbClr val="A31515"/>
+                </a:solidFill>
+                <a:latin typeface="Consolas"/>
+              </a:rPr>
+              <a:t> - </a:t>
+            </a:r>
+            <a:r>
+              <a:rPr lang="ru-RU" sz="1400" dirty="0">
+                <a:solidFill>
+                  <a:srgbClr val="3CB371"/>
+                </a:solidFill>
+                <a:latin typeface="Consolas"/>
+              </a:rPr>
+              <a:t>{1</a:t>
+            </a:r>
+            <a:r>
+              <a:rPr lang="ru-RU" sz="1400" dirty="0" smtClean="0">
+                <a:solidFill>
+                  <a:srgbClr val="3CB371"/>
+                </a:solidFill>
+                <a:latin typeface="Consolas"/>
+              </a:rPr>
+              <a:t>}</a:t>
+            </a:r>
+            <a:r>
+              <a:rPr lang="ru-RU" sz="1400" dirty="0" smtClean="0">
+                <a:solidFill>
+                  <a:srgbClr val="A31515"/>
+                </a:solidFill>
+                <a:latin typeface="Consolas"/>
+              </a:rPr>
+              <a:t>"</a:t>
+            </a:r>
+            <a:r>
+              <a:rPr lang="ru-RU" sz="1400" dirty="0" smtClean="0">
+                <a:solidFill>
+                  <a:prstClr val="black"/>
+                </a:solidFill>
+                <a:latin typeface="Consolas"/>
+              </a:rPr>
+              <a:t>,</a:t>
+            </a:r>
+            <a:endParaRPr lang="ru-RU" sz="1400" dirty="0">
+              <a:solidFill>
+                <a:prstClr val="black"/>
+              </a:solidFill>
+              <a:latin typeface="Consolas"/>
+            </a:endParaRPr>
+          </a:p>
+          <a:p>
+            <a:r>
+              <a:rPr lang="ru-RU" sz="1400" dirty="0" smtClean="0">
+                <a:solidFill>
+                  <a:prstClr val="black"/>
+                </a:solidFill>
+                <a:latin typeface="Consolas"/>
+              </a:rPr>
+              <a:t>        </a:t>
+            </a:r>
+            <a:r>
+              <a:rPr lang="en-US" sz="1400" dirty="0" err="1" smtClean="0">
+                <a:solidFill>
+                  <a:prstClr val="black"/>
+                </a:solidFill>
+                <a:latin typeface="Consolas"/>
+              </a:rPr>
+              <a:t>extGroup.Key.PadRight</a:t>
+            </a:r>
+            <a:r>
+              <a:rPr lang="en-US" sz="1400" dirty="0" smtClean="0">
+                <a:solidFill>
+                  <a:prstClr val="black"/>
+                </a:solidFill>
+                <a:latin typeface="Consolas"/>
+              </a:rPr>
+              <a:t>(4</a:t>
+            </a:r>
+            <a:r>
+              <a:rPr lang="en-US" sz="1400" dirty="0">
+                <a:solidFill>
+                  <a:prstClr val="black"/>
+                </a:solidFill>
+                <a:latin typeface="Consolas"/>
+              </a:rPr>
+              <a:t>), </a:t>
+            </a:r>
+            <a:r>
+              <a:rPr lang="en-US" sz="1400" dirty="0" err="1">
+                <a:solidFill>
+                  <a:prstClr val="black"/>
+                </a:solidFill>
+                <a:latin typeface="Consolas"/>
+              </a:rPr>
+              <a:t>extGroup.Count</a:t>
+            </a:r>
+            <a:r>
+              <a:rPr lang="en-US" sz="1400" dirty="0">
+                <a:solidFill>
+                  <a:prstClr val="black"/>
+                </a:solidFill>
+                <a:latin typeface="Consolas"/>
+              </a:rPr>
               <a:t>()</a:t>
             </a:r>
           </a:p>
           <a:p>
-            <a:pPr lvl="1"/>
-            <a:r>
-              <a:rPr lang="en-US" dirty="0" smtClean="0"/>
-              <a:t>(1,2,3) + (3,4,5) = (1,2,3,4,5)</a:t>
-            </a:r>
-            <a:endParaRPr lang="en-US" dirty="0" smtClean="0"/>
-          </a:p>
-          <a:p>
-            <a:r>
-              <a:rPr lang="en-US" dirty="0" err="1" smtClean="0"/>
-              <a:t>Concat</a:t>
-            </a:r>
-            <a:r>
-              <a:rPr lang="en-US" dirty="0" smtClean="0"/>
-              <a:t>()</a:t>
-            </a:r>
-          </a:p>
-          <a:p>
-            <a:pPr lvl="1"/>
-            <a:r>
-              <a:rPr lang="en-US" dirty="0"/>
-              <a:t>(1,2,3) + (3,4,5) = (</a:t>
-            </a:r>
-            <a:r>
-              <a:rPr lang="en-US" dirty="0" smtClean="0"/>
-              <a:t>1,2,3,3,4,5</a:t>
-            </a:r>
-            <a:r>
-              <a:rPr lang="en-US" dirty="0"/>
-              <a:t>)</a:t>
-            </a:r>
-            <a:endParaRPr lang="ru-RU" dirty="0" smtClean="0"/>
-          </a:p>
-          <a:p>
-            <a:r>
-              <a:rPr lang="en-US" dirty="0" smtClean="0"/>
-              <a:t>Contains()</a:t>
-            </a:r>
-            <a:endParaRPr lang="en-US" dirty="0"/>
+            <a:r>
+              <a:rPr lang="ru-RU" sz="1400" dirty="0" smtClean="0">
+                <a:solidFill>
+                  <a:prstClr val="black"/>
+                </a:solidFill>
+                <a:latin typeface="Consolas"/>
+              </a:rPr>
+              <a:t>    );</a:t>
+            </a:r>
+            <a:endParaRPr lang="ru-RU" sz="1400" dirty="0">
+              <a:solidFill>
+                <a:prstClr val="black"/>
+              </a:solidFill>
+              <a:latin typeface="Consolas"/>
+            </a:endParaRPr>
+          </a:p>
+          <a:p>
+            <a:r>
+              <a:rPr lang="ru-RU" sz="1400" dirty="0" smtClean="0">
+                <a:solidFill>
+                  <a:prstClr val="black"/>
+                </a:solidFill>
+                <a:latin typeface="Consolas"/>
+              </a:rPr>
+              <a:t>}</a:t>
+            </a:r>
+            <a:endParaRPr lang="ru-RU" sz="1400" dirty="0">
+              <a:solidFill>
+                <a:prstClr val="black"/>
+              </a:solidFill>
+              <a:latin typeface="Consolas"/>
+            </a:endParaRPr>
           </a:p>
         </p:txBody>
       </p:sp>
     </p:spTree>
     <p:extLst>
       <p:ext uri="{BB962C8B-B14F-4D97-AF65-F5344CB8AC3E}">
-        <p14:creationId xmlns:p14="http://schemas.microsoft.com/office/powerpoint/2010/main" val="1447848696"/>
+        <p14:creationId xmlns:p14="http://schemas.microsoft.com/office/powerpoint/2010/main" val="1138336495"/>
       </p:ext>
     </p:extLst>
   </p:cSld>
@@ -5449,7 +6477,7 @@
             </a:r>
             <a:r>
               <a:rPr lang="ru-RU" dirty="0" smtClean="0"/>
-              <a:t>Сортировка</a:t>
+              <a:t>Множества</a:t>
             </a:r>
             <a:endParaRPr lang="en-US" dirty="0"/>
           </a:p>
@@ -5471,77 +6499,63 @@
           <a:lstStyle/>
           <a:p>
             <a:r>
-              <a:rPr lang="en-US" dirty="0" err="1"/>
-              <a:t>OrderBy</a:t>
+              <a:rPr lang="en-US" dirty="0"/>
+              <a:t>Except()</a:t>
+            </a:r>
+          </a:p>
+          <a:p>
+            <a:r>
+              <a:rPr lang="en-US" dirty="0"/>
+              <a:t>Intersect()</a:t>
+            </a:r>
+          </a:p>
+          <a:p>
+            <a:r>
+              <a:rPr lang="en-US" dirty="0"/>
+              <a:t>Union</a:t>
             </a:r>
             <a:r>
               <a:rPr lang="en-US" dirty="0" smtClean="0"/>
               <a:t>()</a:t>
             </a:r>
-            <a:r>
-              <a:rPr lang="ru-RU" dirty="0" smtClean="0"/>
-              <a:t> – сортировка по возрастанию.</a:t>
+          </a:p>
+          <a:p>
+            <a:pPr lvl="1"/>
+            <a:r>
+              <a:rPr lang="en-US" dirty="0" smtClean="0"/>
+              <a:t>(1,2,3) + (3,4,5) = (1,2,3,4,5)</a:t>
             </a:r>
           </a:p>
           <a:p>
             <a:r>
               <a:rPr lang="en-US" dirty="0" err="1" smtClean="0"/>
-              <a:t>OrderByDescending</a:t>
+              <a:t>Concat</a:t>
             </a:r>
             <a:r>
               <a:rPr lang="en-US" dirty="0" smtClean="0"/>
               <a:t>()</a:t>
             </a:r>
-            <a:r>
-              <a:rPr lang="ru-RU" dirty="0"/>
-              <a:t> – сортировка по </a:t>
-            </a:r>
-            <a:r>
-              <a:rPr lang="ru-RU" dirty="0" smtClean="0"/>
-              <a:t>убыванию.</a:t>
-            </a:r>
-          </a:p>
-          <a:p>
-            <a:pPr marL="0" indent="0">
-              <a:buNone/>
-            </a:pPr>
-            <a:endParaRPr lang="ru-RU" dirty="0"/>
-          </a:p>
-          <a:p>
-            <a:pPr marL="0" indent="0">
-              <a:buNone/>
-            </a:pPr>
-            <a:r>
-              <a:rPr lang="ru-RU" dirty="0" smtClean="0"/>
-              <a:t>Оба этих метод</a:t>
-            </a:r>
-            <a:r>
-              <a:rPr lang="ru-RU" dirty="0"/>
-              <a:t>а</a:t>
-            </a:r>
-            <a:r>
-              <a:rPr lang="ru-RU" dirty="0" smtClean="0"/>
-              <a:t> сортируют только по одному полю. Для указания дополнительных полей для сортировки используются методы </a:t>
-            </a:r>
-            <a:r>
-              <a:rPr lang="en-US" dirty="0" err="1" smtClean="0"/>
-              <a:t>ThenBy</a:t>
+          </a:p>
+          <a:p>
+            <a:pPr lvl="1"/>
+            <a:r>
+              <a:rPr lang="en-US" dirty="0"/>
+              <a:t>(1,2,3) + (3,4,5) = (</a:t>
             </a:r>
             <a:r>
               <a:rPr lang="en-US" dirty="0" smtClean="0"/>
-              <a:t>() </a:t>
-            </a:r>
-            <a:r>
-              <a:rPr lang="ru-RU" dirty="0" smtClean="0"/>
-              <a:t>и </a:t>
-            </a:r>
-            <a:r>
-              <a:rPr lang="en-US" dirty="0" err="1" smtClean="0"/>
-              <a:t>ThenByDescending</a:t>
-            </a:r>
+              <a:t>1,2,3,3,4,5</a:t>
+            </a:r>
+            <a:r>
+              <a:rPr lang="en-US" dirty="0"/>
+              <a:t>)</a:t>
+            </a:r>
+            <a:endParaRPr lang="ru-RU" dirty="0" smtClean="0"/>
+          </a:p>
+          <a:p>
             <a:r>
               <a:rPr lang="en-US" dirty="0" smtClean="0"/>
-              <a:t>().</a:t>
+              <a:t>Contains()</a:t>
             </a:r>
             <a:endParaRPr lang="en-US" dirty="0"/>
           </a:p>
@@ -5550,7 +6564,7 @@
     </p:spTree>
     <p:extLst>
       <p:ext uri="{BB962C8B-B14F-4D97-AF65-F5344CB8AC3E}">
-        <p14:creationId xmlns:p14="http://schemas.microsoft.com/office/powerpoint/2010/main" val="451769316"/>
+        <p14:creationId xmlns:p14="http://schemas.microsoft.com/office/powerpoint/2010/main" val="1447848696"/>
       </p:ext>
     </p:extLst>
   </p:cSld>
@@ -5605,7 +6619,7 @@
             </a:r>
             <a:r>
               <a:rPr lang="ru-RU" dirty="0" smtClean="0"/>
-              <a:t>Математика</a:t>
+              <a:t>Сортировка</a:t>
             </a:r>
             <a:endParaRPr lang="en-US" dirty="0"/>
           </a:p>
@@ -5627,50 +6641,77 @@
           <a:lstStyle/>
           <a:p>
             <a:r>
+              <a:rPr lang="en-US" dirty="0" err="1"/>
+              <a:t>OrderBy</a:t>
+            </a:r>
+            <a:r>
               <a:rPr lang="en-US" dirty="0" smtClean="0"/>
-              <a:t>Min</a:t>
+              <a:t>()</a:t>
             </a:r>
             <a:r>
               <a:rPr lang="ru-RU" dirty="0" smtClean="0"/>
+              <a:t> – сортировка по возрастанию.</a:t>
+            </a:r>
+          </a:p>
+          <a:p>
+            <a:r>
+              <a:rPr lang="en-US" dirty="0" err="1" smtClean="0"/>
+              <a:t>OrderByDescending</a:t>
+            </a:r>
+            <a:r>
+              <a:rPr lang="en-US" dirty="0" smtClean="0"/>
               <a:t>()</a:t>
             </a:r>
             <a:r>
+              <a:rPr lang="ru-RU" dirty="0"/>
+              <a:t> – сортировка по </a:t>
+            </a:r>
+            <a:r>
+              <a:rPr lang="ru-RU" dirty="0" smtClean="0"/>
+              <a:t>убыванию.</a:t>
+            </a:r>
+          </a:p>
+          <a:p>
+            <a:pPr marL="0" indent="0">
+              <a:buNone/>
+            </a:pPr>
+            <a:endParaRPr lang="ru-RU" dirty="0"/>
+          </a:p>
+          <a:p>
+            <a:pPr marL="0" indent="0">
+              <a:buNone/>
+            </a:pPr>
+            <a:r>
+              <a:rPr lang="ru-RU" dirty="0" smtClean="0"/>
+              <a:t>Оба этих метод</a:t>
+            </a:r>
+            <a:r>
+              <a:rPr lang="ru-RU" dirty="0"/>
+              <a:t>а</a:t>
+            </a:r>
+            <a:r>
+              <a:rPr lang="ru-RU" dirty="0" smtClean="0"/>
+              <a:t> сортируют только по одному полю. Для указания дополнительных полей для сортировки используются методы </a:t>
+            </a:r>
+            <a:r>
+              <a:rPr lang="en-US" dirty="0" err="1" smtClean="0"/>
+              <a:t>ThenBy</a:t>
+            </a:r>
+            <a:r>
               <a:rPr lang="en-US" dirty="0" smtClean="0"/>
-              <a:t> – </a:t>
+              <a:t>() </a:t>
             </a:r>
             <a:r>
               <a:rPr lang="ru-RU" dirty="0" smtClean="0"/>
-              <a:t>минимальное значение</a:t>
-            </a:r>
-          </a:p>
-          <a:p>
+              <a:t>и </a:t>
+            </a:r>
+            <a:r>
+              <a:rPr lang="en-US" dirty="0" err="1" smtClean="0"/>
+              <a:t>ThenByDescending</a:t>
+            </a:r>
             <a:r>
               <a:rPr lang="en-US" dirty="0" smtClean="0"/>
-              <a:t>Max</a:t>
-            </a:r>
-            <a:r>
-              <a:rPr lang="ru-RU" dirty="0" smtClean="0"/>
-              <a:t>() – максимальное значение</a:t>
-            </a:r>
-          </a:p>
-          <a:p>
-            <a:r>
-              <a:rPr lang="en-US" dirty="0" smtClean="0"/>
-              <a:t>Average</a:t>
-            </a:r>
-            <a:r>
-              <a:rPr lang="ru-RU" dirty="0" smtClean="0"/>
-              <a:t>() – среднее значение</a:t>
-            </a:r>
-          </a:p>
-          <a:p>
-            <a:r>
-              <a:rPr lang="en-US" dirty="0" smtClean="0"/>
-              <a:t>Sum</a:t>
-            </a:r>
-            <a:r>
-              <a:rPr lang="ru-RU" dirty="0" smtClean="0"/>
-              <a:t>() – сумма значений</a:t>
+              <a:t>().</a:t>
             </a:r>
             <a:endParaRPr lang="en-US" dirty="0"/>
           </a:p>
@@ -5679,7 +6720,7 @@
     </p:spTree>
     <p:extLst>
       <p:ext uri="{BB962C8B-B14F-4D97-AF65-F5344CB8AC3E}">
-        <p14:creationId xmlns:p14="http://schemas.microsoft.com/office/powerpoint/2010/main" val="384543663"/>
+        <p14:creationId xmlns:p14="http://schemas.microsoft.com/office/powerpoint/2010/main" val="451769316"/>
       </p:ext>
     </p:extLst>
   </p:cSld>
@@ -5734,7 +6775,7 @@
             </a:r>
             <a:r>
               <a:rPr lang="ru-RU" dirty="0" smtClean="0"/>
-              <a:t>Другие методы</a:t>
+              <a:t>Математика</a:t>
             </a:r>
             <a:endParaRPr lang="en-US" dirty="0"/>
           </a:p>
@@ -5752,104 +6793,55 @@
         </p:nvSpPr>
         <p:spPr/>
         <p:txBody>
-          <a:bodyPr>
-            <a:normAutofit/>
-          </a:bodyPr>
+          <a:bodyPr/>
           <a:lstStyle/>
           <a:p>
             <a:r>
               <a:rPr lang="en-US" dirty="0" smtClean="0"/>
-              <a:t>Cast&lt;T&gt;()</a:t>
-            </a:r>
-            <a:endParaRPr lang="en-US" dirty="0"/>
-          </a:p>
-          <a:p>
-            <a:r>
-              <a:rPr lang="en-US" dirty="0" err="1" smtClean="0"/>
-              <a:t>OfType</a:t>
-            </a:r>
-            <a:r>
-              <a:rPr lang="en-US" dirty="0" smtClean="0"/>
-              <a:t>&lt;T&gt;()</a:t>
-            </a:r>
-            <a:endParaRPr lang="ru-RU" dirty="0" smtClean="0"/>
-          </a:p>
-          <a:p>
-            <a:r>
-              <a:rPr lang="en-US" dirty="0" smtClean="0"/>
-              <a:t>Count()</a:t>
-            </a:r>
-            <a:r>
-              <a:rPr lang="ru-RU" dirty="0" smtClean="0"/>
-              <a:t>/</a:t>
-            </a:r>
-            <a:r>
-              <a:rPr lang="en-US" dirty="0" err="1" smtClean="0"/>
-              <a:t>LongCount</a:t>
-            </a:r>
-            <a:r>
-              <a:rPr lang="en-US" dirty="0" smtClean="0"/>
-              <a:t>()</a:t>
-            </a:r>
-            <a:endParaRPr lang="ru-RU" dirty="0" smtClean="0"/>
-          </a:p>
-          <a:p>
-            <a:r>
-              <a:rPr lang="en-US" dirty="0" err="1" smtClean="0"/>
-              <a:t>ElementAt</a:t>
-            </a:r>
-            <a:r>
-              <a:rPr lang="en-US" dirty="0" smtClean="0"/>
-              <a:t>()</a:t>
-            </a:r>
-            <a:endParaRPr lang="ru-RU" dirty="0" smtClean="0"/>
-          </a:p>
-          <a:p>
-            <a:r>
-              <a:rPr lang="en-US" dirty="0" smtClean="0"/>
-              <a:t>Skip()/</a:t>
-            </a:r>
-            <a:r>
-              <a:rPr lang="en-US" dirty="0" err="1" smtClean="0"/>
-              <a:t>SkipWhile</a:t>
+              <a:t>Min</a:t>
             </a:r>
             <a:r>
               <a:rPr lang="ru-RU" dirty="0" smtClean="0"/>
               <a:t>()</a:t>
             </a:r>
-            <a:endParaRPr lang="en-US" dirty="0" smtClean="0"/>
-          </a:p>
-          <a:p>
             <a:r>
               <a:rPr lang="en-US" dirty="0" smtClean="0"/>
-              <a:t>Take()/</a:t>
-            </a:r>
-            <a:r>
-              <a:rPr lang="en-US" dirty="0" err="1" smtClean="0"/>
-              <a:t>TakeWhile</a:t>
-            </a:r>
+              <a:t> – </a:t>
+            </a:r>
+            <a:r>
+              <a:rPr lang="ru-RU" dirty="0" smtClean="0"/>
+              <a:t>минимальное значение</a:t>
+            </a:r>
+          </a:p>
+          <a:p>
             <a:r>
               <a:rPr lang="en-US" dirty="0" smtClean="0"/>
-              <a:t>()</a:t>
+              <a:t>Max</a:t>
+            </a:r>
+            <a:r>
+              <a:rPr lang="ru-RU" dirty="0" smtClean="0"/>
+              <a:t>() – максимальное значение</a:t>
             </a:r>
           </a:p>
           <a:p>
             <a:r>
               <a:rPr lang="en-US" dirty="0" smtClean="0"/>
-              <a:t>Reverse()</a:t>
-            </a:r>
-            <a:endParaRPr lang="en-US" dirty="0"/>
-          </a:p>
-          <a:p>
-            <a:pPr marL="0" indent="0">
-              <a:buNone/>
-            </a:pPr>
-            <a:endParaRPr lang="en-US" dirty="0"/>
-          </a:p>
-          <a:p>
-            <a:pPr marL="0" indent="0">
-              <a:buNone/>
-            </a:pPr>
+              <a:t>Average</a:t>
+            </a:r>
+            <a:r>
+              <a:rPr lang="ru-RU" dirty="0" smtClean="0"/>
+              <a:t>() – среднее значение</a:t>
+            </a:r>
+          </a:p>
+          <a:p>
+            <a:r>
+              <a:rPr lang="en-US" dirty="0" smtClean="0"/>
+              <a:t>Sum</a:t>
+            </a:r>
+            <a:r>
+              <a:rPr lang="ru-RU" dirty="0" smtClean="0"/>
+              <a:t>() – сумма значений</a:t>
+            </a:r>
             <a:endParaRPr lang="en-US" dirty="0"/>
           </a:p>
         </p:txBody>
@@ -5857,7 +6849,7 @@
     </p:spTree>
     <p:extLst>
       <p:ext uri="{BB962C8B-B14F-4D97-AF65-F5344CB8AC3E}">
-        <p14:creationId xmlns:p14="http://schemas.microsoft.com/office/powerpoint/2010/main" val="2856452905"/>
+        <p14:creationId xmlns:p14="http://schemas.microsoft.com/office/powerpoint/2010/main" val="384543663"/>
       </p:ext>
     </p:extLst>
   </p:cSld>
@@ -5911,6 +6903,184 @@
               <a:t>Enumerable. </a:t>
             </a:r>
             <a:r>
+              <a:rPr lang="ru-RU" dirty="0" smtClean="0"/>
+              <a:t>Другие методы</a:t>
+            </a:r>
+            <a:endParaRPr lang="en-US" dirty="0"/>
+          </a:p>
+        </p:txBody>
+      </p:sp>
+      <p:sp>
+        <p:nvSpPr>
+          <p:cNvPr id="3" name="Content Placeholder 2"/>
+          <p:cNvSpPr>
+            <a:spLocks noGrp="1"/>
+          </p:cNvSpPr>
+          <p:nvPr>
+            <p:ph idx="1"/>
+          </p:nvPr>
+        </p:nvSpPr>
+        <p:spPr/>
+        <p:txBody>
+          <a:bodyPr>
+            <a:normAutofit/>
+          </a:bodyPr>
+          <a:lstStyle/>
+          <a:p>
+            <a:r>
+              <a:rPr lang="en-US" dirty="0" smtClean="0"/>
+              <a:t>Cast&lt;T&gt;()</a:t>
+            </a:r>
+            <a:endParaRPr lang="en-US" dirty="0"/>
+          </a:p>
+          <a:p>
+            <a:r>
+              <a:rPr lang="en-US" dirty="0" err="1" smtClean="0"/>
+              <a:t>OfType</a:t>
+            </a:r>
+            <a:r>
+              <a:rPr lang="en-US" dirty="0" smtClean="0"/>
+              <a:t>&lt;T&gt;()</a:t>
+            </a:r>
+            <a:endParaRPr lang="ru-RU" dirty="0" smtClean="0"/>
+          </a:p>
+          <a:p>
+            <a:r>
+              <a:rPr lang="en-US" dirty="0" smtClean="0"/>
+              <a:t>Count()</a:t>
+            </a:r>
+            <a:r>
+              <a:rPr lang="ru-RU" dirty="0" smtClean="0"/>
+              <a:t>/</a:t>
+            </a:r>
+            <a:r>
+              <a:rPr lang="en-US" dirty="0" err="1" smtClean="0"/>
+              <a:t>LongCount</a:t>
+            </a:r>
+            <a:r>
+              <a:rPr lang="en-US" dirty="0" smtClean="0"/>
+              <a:t>()</a:t>
+            </a:r>
+            <a:endParaRPr lang="ru-RU" dirty="0" smtClean="0"/>
+          </a:p>
+          <a:p>
+            <a:r>
+              <a:rPr lang="en-US" dirty="0" err="1" smtClean="0"/>
+              <a:t>ElementAt</a:t>
+            </a:r>
+            <a:r>
+              <a:rPr lang="en-US" dirty="0" smtClean="0"/>
+              <a:t>()</a:t>
+            </a:r>
+            <a:endParaRPr lang="ru-RU" dirty="0" smtClean="0"/>
+          </a:p>
+          <a:p>
+            <a:r>
+              <a:rPr lang="en-US" dirty="0" smtClean="0"/>
+              <a:t>Skip()/</a:t>
+            </a:r>
+            <a:r>
+              <a:rPr lang="en-US" dirty="0" err="1" smtClean="0"/>
+              <a:t>SkipWhile</a:t>
+            </a:r>
+            <a:r>
+              <a:rPr lang="ru-RU" dirty="0" smtClean="0"/>
+              <a:t>()</a:t>
+            </a:r>
+            <a:endParaRPr lang="en-US" dirty="0" smtClean="0"/>
+          </a:p>
+          <a:p>
+            <a:r>
+              <a:rPr lang="en-US" dirty="0" smtClean="0"/>
+              <a:t>Take()/</a:t>
+            </a:r>
+            <a:r>
+              <a:rPr lang="en-US" dirty="0" err="1" smtClean="0"/>
+              <a:t>TakeWhile</a:t>
+            </a:r>
+            <a:r>
+              <a:rPr lang="en-US" dirty="0" smtClean="0"/>
+              <a:t>()</a:t>
+            </a:r>
+          </a:p>
+          <a:p>
+            <a:r>
+              <a:rPr lang="en-US" dirty="0" smtClean="0"/>
+              <a:t>Reverse()</a:t>
+            </a:r>
+            <a:endParaRPr lang="en-US" dirty="0"/>
+          </a:p>
+          <a:p>
+            <a:pPr marL="0" indent="0">
+              <a:buNone/>
+            </a:pPr>
+            <a:endParaRPr lang="en-US" dirty="0"/>
+          </a:p>
+          <a:p>
+            <a:pPr marL="0" indent="0">
+              <a:buNone/>
+            </a:pPr>
+            <a:endParaRPr lang="en-US" dirty="0"/>
+          </a:p>
+        </p:txBody>
+      </p:sp>
+    </p:spTree>
+    <p:extLst>
+      <p:ext uri="{BB962C8B-B14F-4D97-AF65-F5344CB8AC3E}">
+        <p14:creationId xmlns:p14="http://schemas.microsoft.com/office/powerpoint/2010/main" val="2856452905"/>
+      </p:ext>
+    </p:extLst>
+  </p:cSld>
+  <p:clrMapOvr>
+    <a:masterClrMapping/>
+  </p:clrMapOvr>
+  <p:timing>
+    <p:tnLst>
+      <p:par>
+        <p:cTn id="1" dur="indefinite" restart="never" nodeType="tmRoot"/>
+      </p:par>
+    </p:tnLst>
+  </p:timing>
+</p:sld>
+</file>
+
+<file path=ppt/slides/slide25.xml><?xml version="1.0" encoding="utf-8"?>
+<p:sld xmlns:a="http://schemas.openxmlformats.org/drawingml/2006/main" xmlns:r="http://schemas.openxmlformats.org/officeDocument/2006/relationships" xmlns:p="http://schemas.openxmlformats.org/presentationml/2006/main">
+  <p:cSld>
+    <p:spTree>
+      <p:nvGrpSpPr>
+        <p:cNvPr id="1" name=""/>
+        <p:cNvGrpSpPr/>
+        <p:nvPr/>
+      </p:nvGrpSpPr>
+      <p:grpSpPr>
+        <a:xfrm>
+          <a:off x="0" y="0"/>
+          <a:ext cx="0" cy="0"/>
+          <a:chOff x="0" y="0"/>
+          <a:chExt cx="0" cy="0"/>
+        </a:xfrm>
+      </p:grpSpPr>
+      <p:sp>
+        <p:nvSpPr>
+          <p:cNvPr id="2" name="Title 1"/>
+          <p:cNvSpPr>
+            <a:spLocks noGrp="1"/>
+          </p:cNvSpPr>
+          <p:nvPr>
+            <p:ph type="title"/>
+          </p:nvPr>
+        </p:nvSpPr>
+        <p:spPr/>
+        <p:txBody>
+          <a:bodyPr/>
+          <a:lstStyle/>
+          <a:p>
+            <a:r>
+              <a:rPr lang="en-US" dirty="0" smtClean="0"/>
+              <a:t>Enumerable. </a:t>
+            </a:r>
+            <a:r>
               <a:rPr lang="en-US" dirty="0" err="1" smtClean="0"/>
               <a:t>ToXXX</a:t>
             </a:r>
@@ -6135,7 +7305,7 @@
 </p:sld>
 </file>
 
-<file path=ppt/slides/slide25.xml><?xml version="1.0" encoding="utf-8"?>
+<file path=ppt/slides/slide26.xml><?xml version="1.0" encoding="utf-8"?>
 <p:sld xmlns:a="http://schemas.openxmlformats.org/drawingml/2006/main" xmlns:r="http://schemas.openxmlformats.org/officeDocument/2006/relationships" xmlns:p="http://schemas.openxmlformats.org/presentationml/2006/main">
   <p:cSld>
     <p:bg>
@@ -6244,7 +7414,7 @@
 </p:sld>
 </file>
 
-<file path=ppt/slides/slide26.xml><?xml version="1.0" encoding="utf-8"?>
+<file path=ppt/slides/slide27.xml><?xml version="1.0" encoding="utf-8"?>
 <p:sld xmlns:a="http://schemas.openxmlformats.org/drawingml/2006/main" xmlns:r="http://schemas.openxmlformats.org/officeDocument/2006/relationships" xmlns:p="http://schemas.openxmlformats.org/presentationml/2006/main">
   <p:cSld>
     <p:spTree>
@@ -8008,7 +9178,7 @@
 </p:sld>
 </file>
 
-<file path=ppt/slides/slide27.xml><?xml version="1.0" encoding="utf-8"?>
+<file path=ppt/slides/slide28.xml><?xml version="1.0" encoding="utf-8"?>
 <p:sld xmlns:a="http://schemas.openxmlformats.org/drawingml/2006/main" xmlns:r="http://schemas.openxmlformats.org/officeDocument/2006/relationships" xmlns:p="http://schemas.openxmlformats.org/presentationml/2006/main">
   <p:cSld>
     <p:spTree>
@@ -8167,7 +9337,7 @@
 </p:sld>
 </file>
 
-<file path=ppt/slides/slide28.xml><?xml version="1.0" encoding="utf-8"?>
+<file path=ppt/slides/slide29.xml><?xml version="1.0" encoding="utf-8"?>
 <p:sld xmlns:a="http://schemas.openxmlformats.org/drawingml/2006/main" xmlns:r="http://schemas.openxmlformats.org/officeDocument/2006/relationships" xmlns:p="http://schemas.openxmlformats.org/presentationml/2006/main">
   <p:cSld>
     <p:spTree>
@@ -10799,7 +11969,192 @@
 </p:sld>
 </file>
 
-<file path=ppt/slides/slide29.xml><?xml version="1.0" encoding="utf-8"?>
+<file path=ppt/slides/slide3.xml><?xml version="1.0" encoding="utf-8"?>
+<p:sld xmlns:a="http://schemas.openxmlformats.org/drawingml/2006/main" xmlns:r="http://schemas.openxmlformats.org/officeDocument/2006/relationships" xmlns:p="http://schemas.openxmlformats.org/presentationml/2006/main">
+  <p:cSld>
+    <p:spTree>
+      <p:nvGrpSpPr>
+        <p:cNvPr id="1" name=""/>
+        <p:cNvGrpSpPr/>
+        <p:nvPr/>
+      </p:nvGrpSpPr>
+      <p:grpSpPr>
+        <a:xfrm>
+          <a:off x="0" y="0"/>
+          <a:ext cx="0" cy="0"/>
+          <a:chOff x="0" y="0"/>
+          <a:chExt cx="0" cy="0"/>
+        </a:xfrm>
+      </p:grpSpPr>
+      <p:sp>
+        <p:nvSpPr>
+          <p:cNvPr id="2" name="Title 1"/>
+          <p:cNvSpPr>
+            <a:spLocks noGrp="1"/>
+          </p:cNvSpPr>
+          <p:nvPr>
+            <p:ph type="title"/>
+          </p:nvPr>
+        </p:nvSpPr>
+        <p:spPr/>
+        <p:txBody>
+          <a:bodyPr/>
+          <a:lstStyle/>
+          <a:p>
+            <a:r>
+              <a:rPr lang="ru-RU" dirty="0">
+                <a:solidFill>
+                  <a:schemeClr val="bg1"/>
+                </a:solidFill>
+              </a:rPr>
+              <a:t>Материалы для обучения</a:t>
+            </a:r>
+            <a:endParaRPr lang="en-US" dirty="0">
+              <a:solidFill>
+                <a:schemeClr val="bg1"/>
+              </a:solidFill>
+            </a:endParaRPr>
+          </a:p>
+        </p:txBody>
+      </p:sp>
+      <p:sp>
+        <p:nvSpPr>
+          <p:cNvPr id="3" name="Content Placeholder 2"/>
+          <p:cNvSpPr>
+            <a:spLocks noGrp="1"/>
+          </p:cNvSpPr>
+          <p:nvPr>
+            <p:ph idx="1"/>
+          </p:nvPr>
+        </p:nvSpPr>
+        <p:spPr/>
+        <p:txBody>
+          <a:bodyPr/>
+          <a:lstStyle/>
+          <a:p>
+            <a:r>
+              <a:rPr lang="en-US" dirty="0">
+                <a:solidFill>
+                  <a:schemeClr val="bg1"/>
+                </a:solidFill>
+                <a:hlinkClick r:id="rId2"/>
+              </a:rPr>
+              <a:t>https://</a:t>
+            </a:r>
+            <a:r>
+              <a:rPr lang="en-US" dirty="0" smtClean="0">
+                <a:solidFill>
+                  <a:schemeClr val="bg1"/>
+                </a:solidFill>
+                <a:hlinkClick r:id="rId2"/>
+              </a:rPr>
+              <a:t>github.com/bazile/Training</a:t>
+            </a:r>
+            <a:r>
+              <a:rPr lang="en-US" dirty="0" smtClean="0">
+                <a:solidFill>
+                  <a:schemeClr val="bg1"/>
+                </a:solidFill>
+              </a:rPr>
+              <a:t/>
+            </a:r>
+            <a:br>
+              <a:rPr lang="en-US" dirty="0" smtClean="0">
+                <a:solidFill>
+                  <a:schemeClr val="bg1"/>
+                </a:solidFill>
+              </a:rPr>
+            </a:br>
+            <a:r>
+              <a:rPr lang="ru-RU" dirty="0" smtClean="0">
+                <a:solidFill>
+                  <a:schemeClr val="bg1"/>
+                </a:solidFill>
+              </a:rPr>
+              <a:t>Презентации и примеры кода используемые во время занятия</a:t>
+            </a:r>
+          </a:p>
+          <a:p>
+            <a:endParaRPr lang="ru-RU" dirty="0" smtClean="0">
+              <a:solidFill>
+                <a:schemeClr val="bg1"/>
+              </a:solidFill>
+            </a:endParaRPr>
+          </a:p>
+          <a:p>
+            <a:r>
+              <a:rPr lang="en-US" dirty="0">
+                <a:solidFill>
+                  <a:schemeClr val="bg1"/>
+                </a:solidFill>
+                <a:hlinkClick r:id="rId3"/>
+              </a:rPr>
+              <a:t>http://belhard.nullptr.ru</a:t>
+            </a:r>
+            <a:r>
+              <a:rPr lang="en-US" dirty="0" smtClean="0">
+                <a:solidFill>
+                  <a:schemeClr val="bg1"/>
+                </a:solidFill>
+                <a:hlinkClick r:id="rId3"/>
+              </a:rPr>
+              <a:t>/</a:t>
+            </a:r>
+            <a:r>
+              <a:rPr lang="ru-RU" dirty="0" smtClean="0">
+                <a:solidFill>
+                  <a:schemeClr val="bg1"/>
+                </a:solidFill>
+              </a:rPr>
+              <a:t/>
+            </a:r>
+            <a:br>
+              <a:rPr lang="ru-RU" dirty="0" smtClean="0">
+                <a:solidFill>
+                  <a:schemeClr val="bg1"/>
+                </a:solidFill>
+              </a:rPr>
+            </a:br>
+            <a:r>
+              <a:rPr lang="ru-RU" dirty="0" smtClean="0">
+                <a:solidFill>
+                  <a:schemeClr val="bg1"/>
+                </a:solidFill>
+              </a:rPr>
+              <a:t>Книги, примеры к ним и другие полезные файлы.</a:t>
+            </a:r>
+            <a:endParaRPr lang="ru-RU" dirty="0">
+              <a:solidFill>
+                <a:schemeClr val="bg1"/>
+              </a:solidFill>
+            </a:endParaRPr>
+          </a:p>
+          <a:p>
+            <a:endParaRPr lang="en-US" dirty="0"/>
+          </a:p>
+        </p:txBody>
+      </p:sp>
+    </p:spTree>
+    <p:extLst>
+      <p:ext uri="{BB962C8B-B14F-4D97-AF65-F5344CB8AC3E}">
+        <p14:creationId xmlns:p14="http://schemas.microsoft.com/office/powerpoint/2010/main" val="655218848"/>
+      </p:ext>
+    </p:extLst>
+  </p:cSld>
+  <p:clrMapOvr>
+    <a:masterClrMapping/>
+  </p:clrMapOvr>
+  <p:timing>
+    <p:tnLst>
+      <p:par>
+        <p:cTn id="1" dur="indefinite" restart="never" nodeType="tmRoot"/>
+      </p:par>
+    </p:tnLst>
+  </p:timing>
+</p:sld>
+</file>
+
+<file path=ppt/slides/slide30.xml><?xml version="1.0" encoding="utf-8"?>
 <p:sld xmlns:a="http://schemas.openxmlformats.org/drawingml/2006/main" xmlns:r="http://schemas.openxmlformats.org/officeDocument/2006/relationships" xmlns:p="http://schemas.openxmlformats.org/presentationml/2006/main">
   <p:cSld>
     <p:spTree>
@@ -12772,191 +14127,6 @@
     <p:extLst>
       <p:ext uri="{BB962C8B-B14F-4D97-AF65-F5344CB8AC3E}">
         <p14:creationId xmlns:p14="http://schemas.microsoft.com/office/powerpoint/2010/main" val="11906281"/>
-      </p:ext>
-    </p:extLst>
-  </p:cSld>
-  <p:clrMapOvr>
-    <a:masterClrMapping/>
-  </p:clrMapOvr>
-  <p:timing>
-    <p:tnLst>
-      <p:par>
-        <p:cTn id="1" dur="indefinite" restart="never" nodeType="tmRoot"/>
-      </p:par>
-    </p:tnLst>
-  </p:timing>
-</p:sld>
-</file>
-
-<file path=ppt/slides/slide3.xml><?xml version="1.0" encoding="utf-8"?>
-<p:sld xmlns:a="http://schemas.openxmlformats.org/drawingml/2006/main" xmlns:r="http://schemas.openxmlformats.org/officeDocument/2006/relationships" xmlns:p="http://schemas.openxmlformats.org/presentationml/2006/main">
-  <p:cSld>
-    <p:spTree>
-      <p:nvGrpSpPr>
-        <p:cNvPr id="1" name=""/>
-        <p:cNvGrpSpPr/>
-        <p:nvPr/>
-      </p:nvGrpSpPr>
-      <p:grpSpPr>
-        <a:xfrm>
-          <a:off x="0" y="0"/>
-          <a:ext cx="0" cy="0"/>
-          <a:chOff x="0" y="0"/>
-          <a:chExt cx="0" cy="0"/>
-        </a:xfrm>
-      </p:grpSpPr>
-      <p:sp>
-        <p:nvSpPr>
-          <p:cNvPr id="2" name="Title 1"/>
-          <p:cNvSpPr>
-            <a:spLocks noGrp="1"/>
-          </p:cNvSpPr>
-          <p:nvPr>
-            <p:ph type="title"/>
-          </p:nvPr>
-        </p:nvSpPr>
-        <p:spPr/>
-        <p:txBody>
-          <a:bodyPr/>
-          <a:lstStyle/>
-          <a:p>
-            <a:r>
-              <a:rPr lang="ru-RU" dirty="0">
-                <a:solidFill>
-                  <a:schemeClr val="bg1"/>
-                </a:solidFill>
-              </a:rPr>
-              <a:t>Материалы для обучения</a:t>
-            </a:r>
-            <a:endParaRPr lang="en-US" dirty="0">
-              <a:solidFill>
-                <a:schemeClr val="bg1"/>
-              </a:solidFill>
-            </a:endParaRPr>
-          </a:p>
-        </p:txBody>
-      </p:sp>
-      <p:sp>
-        <p:nvSpPr>
-          <p:cNvPr id="3" name="Content Placeholder 2"/>
-          <p:cNvSpPr>
-            <a:spLocks noGrp="1"/>
-          </p:cNvSpPr>
-          <p:nvPr>
-            <p:ph idx="1"/>
-          </p:nvPr>
-        </p:nvSpPr>
-        <p:spPr/>
-        <p:txBody>
-          <a:bodyPr/>
-          <a:lstStyle/>
-          <a:p>
-            <a:r>
-              <a:rPr lang="en-US" dirty="0">
-                <a:solidFill>
-                  <a:schemeClr val="bg1"/>
-                </a:solidFill>
-                <a:hlinkClick r:id="rId2"/>
-              </a:rPr>
-              <a:t>https://</a:t>
-            </a:r>
-            <a:r>
-              <a:rPr lang="en-US" dirty="0" smtClean="0">
-                <a:solidFill>
-                  <a:schemeClr val="bg1"/>
-                </a:solidFill>
-                <a:hlinkClick r:id="rId2"/>
-              </a:rPr>
-              <a:t>github.com/bazile/Training</a:t>
-            </a:r>
-            <a:r>
-              <a:rPr lang="en-US" dirty="0" smtClean="0">
-                <a:solidFill>
-                  <a:schemeClr val="bg1"/>
-                </a:solidFill>
-              </a:rPr>
-              <a:t/>
-            </a:r>
-            <a:br>
-              <a:rPr lang="en-US" dirty="0" smtClean="0">
-                <a:solidFill>
-                  <a:schemeClr val="bg1"/>
-                </a:solidFill>
-              </a:rPr>
-            </a:br>
-            <a:r>
-              <a:rPr lang="ru-RU" dirty="0" smtClean="0">
-                <a:solidFill>
-                  <a:schemeClr val="bg1"/>
-                </a:solidFill>
-              </a:rPr>
-              <a:t>Презентации и примеры кода используемые во время занятия</a:t>
-            </a:r>
-          </a:p>
-          <a:p>
-            <a:endParaRPr lang="ru-RU" dirty="0" smtClean="0">
-              <a:solidFill>
-                <a:schemeClr val="bg1"/>
-              </a:solidFill>
-            </a:endParaRPr>
-          </a:p>
-          <a:p>
-            <a:r>
-              <a:rPr lang="en-US" dirty="0">
-                <a:solidFill>
-                  <a:schemeClr val="bg1"/>
-                </a:solidFill>
-                <a:hlinkClick r:id="rId3"/>
-              </a:rPr>
-              <a:t>http://belhard.nullptr.ru</a:t>
-            </a:r>
-            <a:r>
-              <a:rPr lang="en-US" dirty="0" smtClean="0">
-                <a:solidFill>
-                  <a:schemeClr val="bg1"/>
-                </a:solidFill>
-                <a:hlinkClick r:id="rId3"/>
-              </a:rPr>
-              <a:t>/</a:t>
-            </a:r>
-            <a:r>
-              <a:rPr lang="ru-RU" dirty="0" smtClean="0">
-                <a:solidFill>
-                  <a:schemeClr val="bg1"/>
-                </a:solidFill>
-              </a:rPr>
-              <a:t/>
-            </a:r>
-            <a:br>
-              <a:rPr lang="ru-RU" dirty="0" smtClean="0">
-                <a:solidFill>
-                  <a:schemeClr val="bg1"/>
-                </a:solidFill>
-              </a:rPr>
-            </a:br>
-            <a:r>
-              <a:rPr lang="ru-RU" dirty="0" smtClean="0">
-                <a:solidFill>
-                  <a:schemeClr val="bg1"/>
-                </a:solidFill>
-              </a:rPr>
-              <a:t>Книги, примеры к ним и другие полезные файлы.</a:t>
-            </a:r>
-            <a:endParaRPr lang="ru-RU" dirty="0">
-              <a:solidFill>
-                <a:schemeClr val="bg1"/>
-              </a:solidFill>
-            </a:endParaRPr>
-          </a:p>
-          <a:p>
-            <a:endParaRPr lang="en-US" dirty="0"/>
-          </a:p>
-        </p:txBody>
-      </p:sp>
-    </p:spTree>
-    <p:extLst>
-      <p:ext uri="{BB962C8B-B14F-4D97-AF65-F5344CB8AC3E}">
-        <p14:creationId xmlns:p14="http://schemas.microsoft.com/office/powerpoint/2010/main" val="655218848"/>
       </p:ext>
     </p:extLst>
   </p:cSld>

--- a/Presentation/lesson-11-linq.pptx
+++ b/Presentation/lesson-11-linq.pptx
@@ -226,7 +226,7 @@
             <a:fld id="{B24A7054-7FFB-49F4-A126-5DF6E687FF53}" type="datetimeFigureOut">
               <a:rPr lang="ru-RU" smtClean="0"/>
               <a:pPr/>
-              <a:t>23.10.2014</a:t>
+              <a:t>01.12.2014</a:t>
             </a:fld>
             <a:endParaRPr lang="ru-RU"/>
           </a:p>
@@ -1510,7 +1510,7 @@
             <a:fld id="{8E6E6A2A-E9D3-4A0D-B04A-ABDD367A1E08}" type="datetimeFigureOut">
               <a:rPr lang="ru-RU" smtClean="0"/>
               <a:pPr/>
-              <a:t>23.10.2014</a:t>
+              <a:t>01.12.2014</a:t>
             </a:fld>
             <a:endParaRPr lang="ru-RU"/>
           </a:p>
@@ -2957,7 +2957,7 @@
             <a:fld id="{AC3D3127-B7C4-45E3-9797-C527EC9FDD78}" type="datetimeFigureOut">
               <a:rPr lang="ru-RU" smtClean="0"/>
               <a:pPr/>
-              <a:t>23.10.2014</a:t>
+              <a:t>01.12.2014</a:t>
             </a:fld>
             <a:endParaRPr lang="ru-RU"/>
           </a:p>
@@ -8699,8 +8699,12 @@
               <a:t>Метод </a:t>
             </a:r>
             <a:r>
+              <a:rPr lang="en-US" smtClean="0"/>
+              <a:t>Single</a:t>
+            </a:r>
+            <a:r>
               <a:rPr lang="en-US" dirty="0" smtClean="0"/>
-              <a:t>Singe() </a:t>
+              <a:t>() </a:t>
             </a:r>
             <a:r>
               <a:rPr lang="ru-RU" dirty="0" smtClean="0"/>
@@ -19400,21 +19404,7 @@
                 <a:latin typeface="Consolas" pitchFamily="49" charset="0"/>
                 <a:cs typeface="Consolas" pitchFamily="49" charset="0"/>
               </a:rPr>
-              <a:t> </a:t>
-            </a:r>
-            <a:r>
-              <a:rPr kumimoji="0" lang="en-US" altLang="ru-RU" b="0" i="0" u="none" strike="noStrike" cap="none" normalizeH="0" dirty="0" smtClean="0">
-                <a:ln>
-                  <a:noFill/>
-                </a:ln>
-                <a:solidFill>
-                  <a:srgbClr val="000000"/>
-                </a:solidFill>
-                <a:effectLst/>
-                <a:latin typeface="Consolas" pitchFamily="49" charset="0"/>
-                <a:cs typeface="Consolas" pitchFamily="49" charset="0"/>
-              </a:rPr>
-              <a:t>                  </a:t>
+              <a:t>                   </a:t>
             </a:r>
             <a:r>
               <a:rPr kumimoji="0" lang="ru-RU" altLang="ru-RU" b="0" i="0" u="none" strike="noStrike" cap="none" normalizeH="0" baseline="0" dirty="0" smtClean="0">
@@ -19428,7 +19418,7 @@
                 <a:latin typeface="Consolas" pitchFamily="49" charset="0"/>
                 <a:cs typeface="Consolas" pitchFamily="49" charset="0"/>
               </a:rPr>
-              <a:t>Name</a:t>
+              <a:t>Name = </a:t>
             </a:r>
             <a:r>
               <a:rPr kumimoji="0" lang="ru-RU" altLang="ru-RU" b="0" i="0" u="none" strike="noStrike" cap="none" normalizeH="0" baseline="0" dirty="0" smtClean="0">
@@ -19436,41 +19426,13 @@
                   <a:noFill/>
                 </a:ln>
                 <a:solidFill>
-                  <a:srgbClr val="000000"/>
+                  <a:srgbClr val="A31515"/>
                 </a:solidFill>
                 <a:effectLst/>
                 <a:latin typeface="Consolas" pitchFamily="49" charset="0"/>
                 <a:cs typeface="Consolas" pitchFamily="49" charset="0"/>
               </a:rPr>
-              <a:t> = </a:t>
-            </a:r>
-            <a:r>
-              <a:rPr kumimoji="0" lang="ru-RU" altLang="ru-RU" b="0" i="0" u="none" strike="noStrike" cap="none" normalizeH="0" baseline="0" dirty="0" smtClean="0">
-                <a:ln>
-                  <a:noFill/>
-                </a:ln>
-                <a:solidFill>
-                  <a:srgbClr val="A31515"/>
-                </a:solidFill>
-                <a:effectLst/>
-                <a:latin typeface="Consolas" pitchFamily="49" charset="0"/>
-                <a:cs typeface="Consolas" pitchFamily="49" charset="0"/>
-              </a:rPr>
-              <a:t>"Константин</a:t>
-            </a:r>
-            <a:r>
-              <a:rPr kumimoji="0" lang="ru-RU" altLang="ru-RU" b="0" i="0" u="none" strike="noStrike" cap="none" normalizeH="0" baseline="0" dirty="0" smtClean="0">
-                <a:ln>
-                  <a:noFill/>
-                </a:ln>
-                <a:solidFill>
-                  <a:srgbClr val="A31515"/>
-                </a:solidFill>
-                <a:effectLst/>
-                <a:latin typeface="Consolas" pitchFamily="49" charset="0"/>
-                <a:cs typeface="Consolas" pitchFamily="49" charset="0"/>
-              </a:rPr>
-              <a:t>"</a:t>
+              <a:t>"Константин"</a:t>
             </a:r>
             <a:r>
               <a:rPr kumimoji="0" lang="ru-RU" altLang="ru-RU" b="0" i="0" u="none" strike="noStrike" cap="none" normalizeH="0" baseline="0" dirty="0" smtClean="0">
@@ -19547,7 +19509,7 @@
                 <a:latin typeface="Consolas" pitchFamily="49" charset="0"/>
                 <a:cs typeface="Consolas" pitchFamily="49" charset="0"/>
               </a:rPr>
-              <a:t>Surname</a:t>
+              <a:t>Surname = </a:t>
             </a:r>
             <a:r>
               <a:rPr kumimoji="0" lang="ru-RU" altLang="ru-RU" b="0" i="0" u="none" strike="noStrike" cap="none" normalizeH="0" baseline="0" dirty="0" smtClean="0">
@@ -19555,41 +19517,13 @@
                   <a:noFill/>
                 </a:ln>
                 <a:solidFill>
-                  <a:srgbClr val="000000"/>
+                  <a:srgbClr val="A31515"/>
                 </a:solidFill>
                 <a:effectLst/>
                 <a:latin typeface="Consolas" pitchFamily="49" charset="0"/>
                 <a:cs typeface="Consolas" pitchFamily="49" charset="0"/>
               </a:rPr>
-              <a:t> = </a:t>
-            </a:r>
-            <a:r>
-              <a:rPr kumimoji="0" lang="ru-RU" altLang="ru-RU" b="0" i="0" u="none" strike="noStrike" cap="none" normalizeH="0" baseline="0" dirty="0" smtClean="0">
-                <a:ln>
-                  <a:noFill/>
-                </a:ln>
-                <a:solidFill>
-                  <a:srgbClr val="A31515"/>
-                </a:solidFill>
-                <a:effectLst/>
-                <a:latin typeface="Consolas" pitchFamily="49" charset="0"/>
-                <a:cs typeface="Consolas" pitchFamily="49" charset="0"/>
-              </a:rPr>
-              <a:t>"Константинопольский</a:t>
-            </a:r>
-            <a:r>
-              <a:rPr kumimoji="0" lang="ru-RU" altLang="ru-RU" b="0" i="0" u="none" strike="noStrike" cap="none" normalizeH="0" baseline="0" dirty="0" smtClean="0">
-                <a:ln>
-                  <a:noFill/>
-                </a:ln>
-                <a:solidFill>
-                  <a:srgbClr val="A31515"/>
-                </a:solidFill>
-                <a:effectLst/>
-                <a:latin typeface="Consolas" pitchFamily="49" charset="0"/>
-                <a:cs typeface="Consolas" pitchFamily="49" charset="0"/>
-              </a:rPr>
-              <a:t>"</a:t>
+              <a:t>"Константинопольский"</a:t>
             </a:r>
             <a:r>
               <a:rPr kumimoji="0" lang="ru-RU" altLang="ru-RU" b="0" i="0" u="none" strike="noStrike" cap="none" normalizeH="0" baseline="0" dirty="0" smtClean="0">
@@ -19666,35 +19600,7 @@
                 <a:latin typeface="Consolas" pitchFamily="49" charset="0"/>
                 <a:cs typeface="Consolas" pitchFamily="49" charset="0"/>
               </a:rPr>
-              <a:t>Age</a:t>
-            </a:r>
-            <a:r>
-              <a:rPr kumimoji="0" lang="ru-RU" altLang="ru-RU" b="0" i="0" u="none" strike="noStrike" cap="none" normalizeH="0" baseline="0" dirty="0" smtClean="0">
-                <a:ln>
-                  <a:noFill/>
-                </a:ln>
-                <a:solidFill>
-                  <a:srgbClr val="000000"/>
-                </a:solidFill>
-                <a:effectLst/>
-                <a:latin typeface="Consolas" pitchFamily="49" charset="0"/>
-                <a:cs typeface="Consolas" pitchFamily="49" charset="0"/>
-              </a:rPr>
-              <a:t> = </a:t>
-            </a:r>
-            <a:r>
-              <a:rPr kumimoji="0" lang="ru-RU" altLang="ru-RU" b="0" i="0" u="none" strike="noStrike" cap="none" normalizeH="0" baseline="0" dirty="0" smtClean="0">
-                <a:ln>
-                  <a:noFill/>
-                </a:ln>
-                <a:solidFill>
-                  <a:srgbClr val="000000"/>
-                </a:solidFill>
-                <a:effectLst/>
-                <a:latin typeface="Consolas" pitchFamily="49" charset="0"/>
-                <a:cs typeface="Consolas" pitchFamily="49" charset="0"/>
-              </a:rPr>
-              <a:t>34</a:t>
+              <a:t>Age = 34</a:t>
             </a:r>
             <a:endParaRPr kumimoji="0" lang="en-US" altLang="ru-RU" b="0" i="0" u="none" strike="noStrike" cap="none" normalizeH="0" baseline="0" dirty="0" smtClean="0">
               <a:ln>
@@ -19841,7 +19747,6 @@
               <a:rPr lang="ru-RU" sz="2000" dirty="0" smtClean="0"/>
               <a:t>Поля объекта анонимного типа доступны только для чтения</a:t>
             </a:r>
-            <a:endParaRPr lang="ru-RU" sz="2000" dirty="0" smtClean="0"/>
           </a:p>
         </p:txBody>
       </p:sp>

--- a/Presentation/lesson-11-linq.pptx
+++ b/Presentation/lesson-11-linq.pptx
@@ -229,7 +229,7 @@
             <a:fld id="{B24A7054-7FFB-49F4-A126-5DF6E687FF53}" type="datetimeFigureOut">
               <a:rPr lang="ru-RU" smtClean="0"/>
               <a:pPr/>
-              <a:t>31.08.2015</a:t>
+              <a:t>24.10.2015</a:t>
             </a:fld>
             <a:endParaRPr lang="ru-RU"/>
           </a:p>
@@ -1513,7 +1513,7 @@
             <a:fld id="{8E6E6A2A-E9D3-4A0D-B04A-ABDD367A1E08}" type="datetimeFigureOut">
               <a:rPr lang="ru-RU" smtClean="0"/>
               <a:pPr/>
-              <a:t>31.08.2015</a:t>
+              <a:t>24.10.2015</a:t>
             </a:fld>
             <a:endParaRPr lang="ru-RU"/>
           </a:p>
@@ -2960,7 +2960,7 @@
             <a:fld id="{AC3D3127-B7C4-45E3-9797-C527EC9FDD78}" type="datetimeFigureOut">
               <a:rPr lang="ru-RU" smtClean="0"/>
               <a:pPr/>
-              <a:t>31.08.2015</a:t>
+              <a:t>24.10.2015</a:t>
             </a:fld>
             <a:endParaRPr lang="ru-RU"/>
           </a:p>
@@ -4609,11 +4609,7 @@
             </a:pPr>
             <a:r>
               <a:rPr lang="ru-RU" sz="2400" dirty="0" smtClean="0"/>
-              <a:t>Позволяют добавлять методы к уже существующим классам без нарушения инкапсуляции</a:t>
-            </a:r>
-            <a:r>
-              <a:rPr lang="ru-RU" sz="2400" dirty="0" smtClean="0"/>
-              <a:t>.</a:t>
+              <a:t>Позволяют добавлять методы к уже существующим классам без нарушения инкапсуляции.</a:t>
             </a:r>
             <a:endParaRPr lang="en-US" sz="2400" dirty="0">
               <a:latin typeface="Courier New" pitchFamily="49" charset="0"/>
@@ -4791,15 +4787,6 @@
               </a:rPr>
               <a:t>();</a:t>
             </a:r>
-            <a:endParaRPr lang="en-US" sz="1600" dirty="0">
-              <a:solidFill>
-                <a:srgbClr val="000000"/>
-              </a:solidFill>
-              <a:highlight>
-                <a:srgbClr val="FFFFFF"/>
-              </a:highlight>
-              <a:latin typeface="Consolas"/>
-            </a:endParaRPr>
           </a:p>
         </p:txBody>
       </p:sp>
@@ -6209,12 +6196,379 @@
             <p:ph idx="1"/>
           </p:nvPr>
         </p:nvSpPr>
-        <p:spPr/>
+        <p:spPr>
+          <a:xfrm>
+            <a:off x="457200" y="1600201"/>
+            <a:ext cx="8229600" cy="1756792"/>
+          </a:xfrm>
+        </p:spPr>
         <p:txBody>
           <a:bodyPr/>
           <a:lstStyle/>
           <a:p>
+            <a:pPr marL="0" indent="0">
+              <a:buNone/>
+            </a:pPr>
+            <a:r>
+              <a:rPr lang="ru-RU" dirty="0" smtClean="0"/>
+              <a:t>Лямбда-выражение это</a:t>
+            </a:r>
+            <a:r>
+              <a:rPr lang="en-US" dirty="0" smtClean="0"/>
+              <a:t> </a:t>
+            </a:r>
+            <a:r>
+              <a:rPr lang="ru-RU" dirty="0" smtClean="0"/>
+              <a:t>форма записи анонимной функции. Имеет вид</a:t>
+            </a:r>
+          </a:p>
+          <a:p>
+            <a:pPr marL="0" indent="0">
+              <a:buNone/>
+            </a:pPr>
+            <a:r>
+              <a:rPr lang="ru-RU" dirty="0" smtClean="0"/>
+              <a:t>(параметры) =</a:t>
+            </a:r>
+            <a:r>
+              <a:rPr lang="en-US" dirty="0" smtClean="0"/>
+              <a:t>&gt; </a:t>
+            </a:r>
+            <a:r>
+              <a:rPr lang="ru-RU" dirty="0" smtClean="0"/>
+              <a:t>тело</a:t>
+            </a:r>
             <a:endParaRPr lang="en-US" dirty="0"/>
+          </a:p>
+        </p:txBody>
+      </p:sp>
+      <p:sp>
+        <p:nvSpPr>
+          <p:cNvPr id="5" name="Rectangle 4"/>
+          <p:cNvSpPr/>
+          <p:nvPr/>
+        </p:nvSpPr>
+        <p:spPr>
+          <a:xfrm>
+            <a:off x="457200" y="3861048"/>
+            <a:ext cx="8003232" cy="1077218"/>
+          </a:xfrm>
+          <a:prstGeom prst="rect">
+            <a:avLst/>
+          </a:prstGeom>
+          <a:solidFill>
+            <a:schemeClr val="bg1"/>
+          </a:solidFill>
+        </p:spPr>
+        <p:txBody>
+          <a:bodyPr wrap="square">
+            <a:spAutoFit/>
+          </a:bodyPr>
+          <a:lstStyle/>
+          <a:p>
+            <a:r>
+              <a:rPr lang="en-US" sz="1600" dirty="0">
+                <a:solidFill>
+                  <a:srgbClr val="2B91AF"/>
+                </a:solidFill>
+                <a:latin typeface="Consolas"/>
+              </a:rPr>
+              <a:t>List</a:t>
+            </a:r>
+            <a:r>
+              <a:rPr lang="en-US" sz="1600" dirty="0">
+                <a:solidFill>
+                  <a:prstClr val="black"/>
+                </a:solidFill>
+                <a:latin typeface="Consolas"/>
+              </a:rPr>
+              <a:t>&lt;</a:t>
+            </a:r>
+            <a:r>
+              <a:rPr lang="en-US" sz="1600" dirty="0">
+                <a:solidFill>
+                  <a:srgbClr val="0000FF"/>
+                </a:solidFill>
+                <a:latin typeface="Consolas"/>
+              </a:rPr>
+              <a:t>string</a:t>
+            </a:r>
+            <a:r>
+              <a:rPr lang="en-US" sz="1600" dirty="0">
+                <a:solidFill>
+                  <a:prstClr val="black"/>
+                </a:solidFill>
+                <a:latin typeface="Consolas"/>
+              </a:rPr>
+              <a:t>&gt; files = </a:t>
+            </a:r>
+            <a:r>
+              <a:rPr lang="en-US" sz="1600" dirty="0">
+                <a:solidFill>
+                  <a:srgbClr val="0000FF"/>
+                </a:solidFill>
+                <a:latin typeface="Consolas"/>
+              </a:rPr>
+              <a:t>new</a:t>
+            </a:r>
+            <a:r>
+              <a:rPr lang="en-US" sz="1600" dirty="0">
+                <a:solidFill>
+                  <a:prstClr val="black"/>
+                </a:solidFill>
+                <a:latin typeface="Consolas"/>
+              </a:rPr>
+              <a:t> </a:t>
+            </a:r>
+            <a:r>
+              <a:rPr lang="en-US" sz="1600" dirty="0">
+                <a:solidFill>
+                  <a:srgbClr val="2B91AF"/>
+                </a:solidFill>
+                <a:latin typeface="Consolas"/>
+              </a:rPr>
+              <a:t>List</a:t>
+            </a:r>
+            <a:r>
+              <a:rPr lang="en-US" sz="1600" dirty="0">
+                <a:solidFill>
+                  <a:prstClr val="black"/>
+                </a:solidFill>
+                <a:latin typeface="Consolas"/>
+              </a:rPr>
+              <a:t>&lt;</a:t>
+            </a:r>
+            <a:r>
+              <a:rPr lang="en-US" sz="1600" dirty="0">
+                <a:solidFill>
+                  <a:srgbClr val="0000FF"/>
+                </a:solidFill>
+                <a:latin typeface="Consolas"/>
+              </a:rPr>
+              <a:t>string</a:t>
+            </a:r>
+            <a:r>
+              <a:rPr lang="en-US" sz="1600" dirty="0">
+                <a:solidFill>
+                  <a:prstClr val="black"/>
+                </a:solidFill>
+                <a:latin typeface="Consolas"/>
+              </a:rPr>
+              <a:t>&gt;() { </a:t>
+            </a:r>
+            <a:r>
+              <a:rPr lang="en-US" sz="1600" dirty="0">
+                <a:solidFill>
+                  <a:srgbClr val="A31515"/>
+                </a:solidFill>
+                <a:latin typeface="Consolas"/>
+              </a:rPr>
+              <a:t>"regedit.exe</a:t>
+            </a:r>
+            <a:r>
+              <a:rPr lang="en-US" sz="1600" dirty="0" smtClean="0">
+                <a:solidFill>
+                  <a:srgbClr val="A31515"/>
+                </a:solidFill>
+                <a:latin typeface="Consolas"/>
+              </a:rPr>
+              <a:t>"</a:t>
+            </a:r>
+            <a:r>
+              <a:rPr lang="en-US" sz="1600" dirty="0" smtClean="0">
+                <a:solidFill>
+                  <a:prstClr val="black"/>
+                </a:solidFill>
+                <a:latin typeface="Consolas"/>
+              </a:rPr>
+              <a:t>,</a:t>
+            </a:r>
+            <a:endParaRPr lang="ru-RU" sz="1600" dirty="0" smtClean="0">
+              <a:solidFill>
+                <a:prstClr val="black"/>
+              </a:solidFill>
+              <a:latin typeface="Consolas"/>
+            </a:endParaRPr>
+          </a:p>
+          <a:p>
+            <a:r>
+              <a:rPr lang="ru-RU" sz="1600" dirty="0">
+                <a:solidFill>
+                  <a:prstClr val="black"/>
+                </a:solidFill>
+                <a:latin typeface="Consolas"/>
+              </a:rPr>
+              <a:t> </a:t>
+            </a:r>
+            <a:r>
+              <a:rPr lang="ru-RU" sz="1600" dirty="0" smtClean="0">
+                <a:solidFill>
+                  <a:prstClr val="black"/>
+                </a:solidFill>
+                <a:latin typeface="Consolas"/>
+              </a:rPr>
+              <a:t>       </a:t>
+            </a:r>
+            <a:r>
+              <a:rPr lang="en-US" sz="1600" dirty="0" smtClean="0">
+                <a:solidFill>
+                  <a:srgbClr val="A31515"/>
+                </a:solidFill>
+                <a:latin typeface="Consolas"/>
+              </a:rPr>
+              <a:t>"</a:t>
+            </a:r>
+            <a:r>
+              <a:rPr lang="en-US" sz="1600" dirty="0">
+                <a:solidFill>
+                  <a:srgbClr val="A31515"/>
+                </a:solidFill>
+                <a:latin typeface="Consolas"/>
+              </a:rPr>
+              <a:t>explorer.exe"</a:t>
+            </a:r>
+            <a:r>
+              <a:rPr lang="en-US" sz="1600" dirty="0">
+                <a:solidFill>
+                  <a:prstClr val="black"/>
+                </a:solidFill>
+                <a:latin typeface="Consolas"/>
+              </a:rPr>
+              <a:t>, </a:t>
+            </a:r>
+            <a:r>
+              <a:rPr lang="en-US" sz="1600" dirty="0">
+                <a:solidFill>
+                  <a:srgbClr val="A31515"/>
+                </a:solidFill>
+                <a:latin typeface="Consolas"/>
+              </a:rPr>
+              <a:t>"notepad.exe"</a:t>
+            </a:r>
+            <a:r>
+              <a:rPr lang="en-US" sz="1600" dirty="0">
+                <a:solidFill>
+                  <a:prstClr val="black"/>
+                </a:solidFill>
+                <a:latin typeface="Consolas"/>
+              </a:rPr>
+              <a:t>, </a:t>
+            </a:r>
+            <a:r>
+              <a:rPr lang="en-US" sz="1600" dirty="0">
+                <a:solidFill>
+                  <a:srgbClr val="A31515"/>
+                </a:solidFill>
+                <a:latin typeface="Consolas"/>
+              </a:rPr>
+              <a:t>"hh.exe"</a:t>
+            </a:r>
+            <a:r>
+              <a:rPr lang="en-US" sz="1600" dirty="0">
+                <a:solidFill>
+                  <a:prstClr val="black"/>
+                </a:solidFill>
+                <a:latin typeface="Consolas"/>
+              </a:rPr>
+              <a:t>, </a:t>
+            </a:r>
+            <a:r>
+              <a:rPr lang="en-US" sz="1600" dirty="0">
+                <a:solidFill>
+                  <a:srgbClr val="A31515"/>
+                </a:solidFill>
+                <a:latin typeface="Consolas"/>
+              </a:rPr>
+              <a:t>"sysmon.exe"</a:t>
+            </a:r>
+            <a:r>
+              <a:rPr lang="en-US" sz="1600" dirty="0">
+                <a:solidFill>
+                  <a:prstClr val="black"/>
+                </a:solidFill>
+                <a:latin typeface="Consolas"/>
+              </a:rPr>
+              <a:t> </a:t>
+            </a:r>
+            <a:r>
+              <a:rPr lang="en-US" sz="1600" dirty="0" smtClean="0">
+                <a:solidFill>
+                  <a:prstClr val="black"/>
+                </a:solidFill>
+                <a:latin typeface="Consolas"/>
+              </a:rPr>
+              <a:t>};</a:t>
+            </a:r>
+            <a:endParaRPr lang="ru-RU" sz="1600" dirty="0" smtClean="0">
+              <a:solidFill>
+                <a:prstClr val="black"/>
+              </a:solidFill>
+              <a:latin typeface="Consolas"/>
+            </a:endParaRPr>
+          </a:p>
+          <a:p>
+            <a:r>
+              <a:rPr lang="ru-RU" sz="1600" dirty="0">
+                <a:solidFill>
+                  <a:srgbClr val="008000"/>
+                </a:solidFill>
+                <a:latin typeface="Consolas"/>
+              </a:rPr>
+              <a:t>// Сортируем коллекцию по убыванию</a:t>
+            </a:r>
+          </a:p>
+          <a:p>
+            <a:r>
+              <a:rPr lang="en-US" sz="1600" dirty="0" err="1" smtClean="0">
+                <a:solidFill>
+                  <a:prstClr val="black"/>
+                </a:solidFill>
+                <a:latin typeface="Consolas"/>
+              </a:rPr>
+              <a:t>files.Sort</a:t>
+            </a:r>
+            <a:r>
+              <a:rPr lang="en-US" sz="1600" dirty="0">
+                <a:solidFill>
+                  <a:prstClr val="black"/>
+                </a:solidFill>
+                <a:latin typeface="Consolas"/>
+              </a:rPr>
+              <a:t>((x, y) =&gt; </a:t>
+            </a:r>
+            <a:r>
+              <a:rPr lang="en-US" sz="1600" dirty="0" err="1">
+                <a:solidFill>
+                  <a:prstClr val="black"/>
+                </a:solidFill>
+                <a:latin typeface="Consolas"/>
+              </a:rPr>
+              <a:t>y.CompareTo</a:t>
+            </a:r>
+            <a:r>
+              <a:rPr lang="en-US" sz="1600" dirty="0">
+                <a:solidFill>
+                  <a:prstClr val="black"/>
+                </a:solidFill>
+                <a:latin typeface="Consolas"/>
+              </a:rPr>
+              <a:t>(x</a:t>
+            </a:r>
+            <a:r>
+              <a:rPr lang="en-US" sz="1600" dirty="0" smtClean="0">
+                <a:solidFill>
+                  <a:prstClr val="black"/>
+                </a:solidFill>
+                <a:latin typeface="Consolas"/>
+              </a:rPr>
+              <a:t>));</a:t>
+            </a:r>
+            <a:endParaRPr lang="ru-RU" sz="1600" dirty="0">
+              <a:solidFill>
+                <a:prstClr val="black"/>
+              </a:solidFill>
+              <a:latin typeface="Consolas"/>
+            </a:endParaRPr>
           </a:p>
         </p:txBody>
       </p:sp>
@@ -7734,34 +8088,16 @@
           <a:lstStyle/>
           <a:p>
             <a:r>
-              <a:rPr lang="en-US" sz="1400" dirty="0">
+              <a:rPr lang="en-US" sz="1400" dirty="0" smtClean="0">
                 <a:solidFill>
                   <a:srgbClr val="0000FF"/>
                 </a:solidFill>
                 <a:latin typeface="Consolas"/>
               </a:rPr>
-              <a:t>private</a:t>
-            </a:r>
-            <a:r>
-              <a:rPr lang="en-US" sz="1400" dirty="0">
-                <a:solidFill>
-                  <a:prstClr val="black"/>
-                </a:solidFill>
-                <a:latin typeface="Consolas"/>
-              </a:rPr>
-              <a:t> </a:t>
-            </a:r>
-            <a:r>
-              <a:rPr lang="en-US" sz="1400" dirty="0">
-                <a:solidFill>
-                  <a:srgbClr val="0000FF"/>
-                </a:solidFill>
-                <a:latin typeface="Consolas"/>
-              </a:rPr>
               <a:t>class</a:t>
             </a:r>
             <a:r>
-              <a:rPr lang="en-US" sz="1400" dirty="0">
+              <a:rPr lang="en-US" sz="1400" dirty="0" smtClean="0">
                 <a:solidFill>
                   <a:prstClr val="black"/>
                 </a:solidFill>
@@ -9499,9 +9835,70 @@
           <a:lstStyle/>
           <a:p>
             <a:r>
+              <a:rPr lang="ru-RU" dirty="0" smtClean="0"/>
+              <a:t>Книги</a:t>
+            </a:r>
+          </a:p>
+          <a:p>
+            <a:pPr lvl="1"/>
+            <a:r>
               <a:rPr lang="en-US" dirty="0" smtClean="0"/>
-              <a:t>LINQ in C# 2010</a:t>
-            </a:r>
+              <a:t>LINQ </a:t>
+            </a:r>
+            <a:r>
+              <a:rPr lang="en-US" dirty="0" smtClean="0"/>
+              <a:t>in C# </a:t>
+            </a:r>
+            <a:r>
+              <a:rPr lang="en-US" dirty="0" smtClean="0"/>
+              <a:t>2010</a:t>
+            </a:r>
+            <a:endParaRPr lang="ru-RU" dirty="0" smtClean="0"/>
+          </a:p>
+          <a:p>
+            <a:pPr lvl="1"/>
+            <a:r>
+              <a:rPr lang="en-US" dirty="0"/>
+              <a:t>LINQ in Action</a:t>
+            </a:r>
+            <a:endParaRPr lang="en-US" dirty="0" smtClean="0"/>
+          </a:p>
+          <a:p>
+            <a:endParaRPr lang="en-US" dirty="0" smtClean="0"/>
+          </a:p>
+          <a:p>
+            <a:r>
+              <a:rPr lang="en-US" dirty="0" smtClean="0"/>
+              <a:t>C#/.</a:t>
+            </a:r>
+            <a:r>
+              <a:rPr lang="en-US" dirty="0"/>
+              <a:t>NET Little Wonders</a:t>
+            </a:r>
+            <a:r>
+              <a:rPr lang="en-US" dirty="0" smtClean="0"/>
+              <a:t>:</a:t>
+            </a:r>
+            <a:r>
+              <a:rPr lang="en-US" dirty="0">
+                <a:hlinkClick r:id="rId2"/>
+              </a:rPr>
+              <a:t/>
+            </a:r>
+            <a:br>
+              <a:rPr lang="en-US" dirty="0">
+                <a:hlinkClick r:id="rId2"/>
+              </a:rPr>
+            </a:br>
+            <a:r>
+              <a:rPr lang="en-US" dirty="0">
+                <a:hlinkClick r:id="rId2"/>
+              </a:rPr>
+              <a:t>http://blackrabbitcoder.net/BlackRabbitCoder/Tags/LINQ/default.aspx</a:t>
+            </a:r>
+            <a:endParaRPr lang="en-US" dirty="0" smtClean="0"/>
+          </a:p>
+          <a:p>
             <a:endParaRPr lang="en-US" dirty="0"/>
           </a:p>
         </p:txBody>
@@ -20224,14 +20621,26 @@
               <a:buNone/>
             </a:pPr>
             <a:r>
-              <a:rPr lang="ru-RU" dirty="0" smtClean="0"/>
+              <a:rPr lang="ru-RU" dirty="0" smtClean="0">
+                <a:solidFill>
+                  <a:srgbClr val="FFFF00"/>
+                </a:solidFill>
+              </a:rPr>
               <a:t>См. также </a:t>
             </a:r>
             <a:r>
-              <a:rPr lang="en-US" smtClean="0"/>
+              <a:rPr lang="en-US" dirty="0" smtClean="0">
+                <a:solidFill>
+                  <a:srgbClr val="FFFF00"/>
+                </a:solidFill>
+              </a:rPr>
               <a:t>tools-linqpad.docx</a:t>
             </a:r>
-            <a:endParaRPr lang="en-US" dirty="0"/>
+            <a:endParaRPr lang="en-US" dirty="0">
+              <a:solidFill>
+                <a:srgbClr val="FFFF00"/>
+              </a:solidFill>
+            </a:endParaRPr>
           </a:p>
         </p:txBody>
       </p:sp>
@@ -20311,7 +20720,9 @@
         </p:nvSpPr>
         <p:spPr/>
         <p:txBody>
-          <a:bodyPr/>
+          <a:bodyPr>
+            <a:normAutofit/>
+          </a:bodyPr>
           <a:lstStyle/>
           <a:p>
             <a:r>
@@ -20320,8 +20731,13 @@
             </a:r>
             <a:r>
               <a:rPr lang="en-US" dirty="0" smtClean="0"/>
-              <a:t>Objects</a:t>
-            </a:r>
+              <a:t>Objects: </a:t>
+            </a:r>
+            <a:r>
+              <a:rPr lang="ru-RU" dirty="0" smtClean="0"/>
+              <a:t>работа данными в памяти</a:t>
+            </a:r>
+            <a:endParaRPr lang="en-US" dirty="0" smtClean="0"/>
           </a:p>
           <a:p>
             <a:r>
@@ -20332,8 +20748,42 @@
               <a:rPr lang="en-US" dirty="0" smtClean="0"/>
               <a:t>XML</a:t>
             </a:r>
-          </a:p>
-          <a:p>
+            <a:r>
+              <a:rPr lang="ru-RU" dirty="0" smtClean="0"/>
+              <a:t>: работа с </a:t>
+            </a:r>
+            <a:r>
+              <a:rPr lang="en-US" dirty="0" smtClean="0"/>
+              <a:t>XML</a:t>
+            </a:r>
+          </a:p>
+          <a:p>
+            <a:r>
+              <a:rPr lang="en-US" dirty="0"/>
+              <a:t>Parallel </a:t>
+            </a:r>
+            <a:r>
+              <a:rPr lang="en-US" dirty="0" smtClean="0"/>
+              <a:t>LINQ: </a:t>
+            </a:r>
+            <a:r>
+              <a:rPr lang="ru-RU" dirty="0" smtClean="0"/>
+              <a:t>многопоточные расширения</a:t>
+            </a:r>
+            <a:endParaRPr lang="en-US" dirty="0" smtClean="0"/>
+          </a:p>
+          <a:p>
+            <a:endParaRPr lang="ru-RU" dirty="0" smtClean="0"/>
+          </a:p>
+          <a:p>
+            <a:r>
+              <a:rPr lang="ru-RU" dirty="0" smtClean="0"/>
+              <a:t>Работа с БД:</a:t>
+            </a:r>
+            <a:endParaRPr lang="en-US" dirty="0" smtClean="0"/>
+          </a:p>
+          <a:p>
+            <a:pPr lvl="1"/>
             <a:r>
               <a:rPr lang="en-US" dirty="0"/>
               <a:t>LINQ to </a:t>
@@ -20345,6 +20795,7 @@
             <a:endParaRPr lang="en-US" dirty="0" smtClean="0"/>
           </a:p>
           <a:p>
+            <a:pPr lvl="1"/>
             <a:r>
               <a:rPr lang="en-US" dirty="0"/>
               <a:t>LINQ to </a:t>
@@ -20355,6 +20806,7 @@
             </a:r>
           </a:p>
           <a:p>
+            <a:pPr lvl="1"/>
             <a:r>
               <a:rPr lang="en-US" dirty="0"/>
               <a:t>LINQ to </a:t>
@@ -20365,10 +20817,6 @@
             </a:r>
           </a:p>
           <a:p>
-            <a:r>
-              <a:rPr lang="en-US" dirty="0"/>
-              <a:t>Parallel LINQ</a:t>
-            </a:r>
             <a:endParaRPr lang="ru-RU" dirty="0"/>
           </a:p>
         </p:txBody>

--- a/Presentation/lesson-11-linq.pptx
+++ b/Presentation/lesson-11-linq.pptx
@@ -231,7 +231,7 @@
             <a:fld id="{B24A7054-7FFB-49F4-A126-5DF6E687FF53}" type="datetimeFigureOut">
               <a:rPr lang="ru-RU" smtClean="0"/>
               <a:pPr/>
-              <a:t>30.10.2015</a:t>
+              <a:t>10.11.2015</a:t>
             </a:fld>
             <a:endParaRPr lang="ru-RU"/>
           </a:p>
@@ -1515,7 +1515,7 @@
             <a:fld id="{8E6E6A2A-E9D3-4A0D-B04A-ABDD367A1E08}" type="datetimeFigureOut">
               <a:rPr lang="ru-RU" smtClean="0"/>
               <a:pPr/>
-              <a:t>30.10.2015</a:t>
+              <a:t>10.11.2015</a:t>
             </a:fld>
             <a:endParaRPr lang="ru-RU"/>
           </a:p>
@@ -2962,7 +2962,7 @@
             <a:fld id="{AC3D3127-B7C4-45E3-9797-C527EC9FDD78}" type="datetimeFigureOut">
               <a:rPr lang="ru-RU" smtClean="0"/>
               <a:pPr/>
-              <a:t>30.10.2015</a:t>
+              <a:t>10.11.2015</a:t>
             </a:fld>
             <a:endParaRPr lang="ru-RU"/>
           </a:p>
@@ -6200,12 +6200,14 @@
         </p:nvSpPr>
         <p:spPr>
           <a:xfrm>
-            <a:off x="457200" y="1600201"/>
-            <a:ext cx="8229600" cy="1756792"/>
+            <a:off x="457200" y="1600200"/>
+            <a:ext cx="8229600" cy="2836911"/>
           </a:xfrm>
         </p:spPr>
         <p:txBody>
-          <a:bodyPr/>
+          <a:bodyPr>
+            <a:normAutofit/>
+          </a:bodyPr>
           <a:lstStyle/>
           <a:p>
             <a:pPr marL="0" indent="0">
@@ -6237,8 +6239,39 @@
               <a:t>&gt; </a:t>
             </a:r>
             <a:r>
+              <a:rPr lang="en-US" dirty="0" smtClean="0"/>
+              <a:t>{ </a:t>
+            </a:r>
+            <a:r>
               <a:rPr lang="ru-RU" dirty="0" smtClean="0"/>
               <a:t>тело</a:t>
+            </a:r>
+            <a:r>
+              <a:rPr lang="en-US" dirty="0" smtClean="0"/>
+              <a:t> }</a:t>
+            </a:r>
+          </a:p>
+          <a:p>
+            <a:pPr marL="0" indent="0">
+              <a:buNone/>
+            </a:pPr>
+            <a:endParaRPr lang="en-US" dirty="0"/>
+          </a:p>
+          <a:p>
+            <a:pPr marL="0" indent="0">
+              <a:buNone/>
+            </a:pPr>
+            <a:r>
+              <a:rPr lang="ru-RU" dirty="0" smtClean="0"/>
+              <a:t>Оператор </a:t>
+            </a:r>
+            <a:r>
+              <a:rPr lang="en-US" dirty="0" smtClean="0"/>
+              <a:t>=&gt;</a:t>
+            </a:r>
+            <a:r>
+              <a:rPr lang="ru-RU" dirty="0" smtClean="0"/>
+              <a:t> называют лямда-оператором.</a:t>
             </a:r>
             <a:endParaRPr lang="en-US" dirty="0"/>
           </a:p>
@@ -6252,7 +6285,7 @@
         </p:nvSpPr>
         <p:spPr>
           <a:xfrm>
-            <a:off x="457200" y="3861048"/>
+            <a:off x="457200" y="4872062"/>
             <a:ext cx="8003232" cy="1077218"/>
           </a:xfrm>
           <a:prstGeom prst="rect">

--- a/Presentation/lesson-11-linq.pptx
+++ b/Presentation/lesson-11-linq.pptx
@@ -233,7 +233,7 @@
             <a:fld id="{B24A7054-7FFB-49F4-A126-5DF6E687FF53}" type="datetimeFigureOut">
               <a:rPr lang="ru-RU" smtClean="0"/>
               <a:pPr/>
-              <a:t>05.01.2016</a:t>
+              <a:t>16.02.2016</a:t>
             </a:fld>
             <a:endParaRPr lang="ru-RU"/>
           </a:p>
@@ -1517,7 +1517,7 @@
             <a:fld id="{8E6E6A2A-E9D3-4A0D-B04A-ABDD367A1E08}" type="datetimeFigureOut">
               <a:rPr lang="ru-RU" smtClean="0"/>
               <a:pPr/>
-              <a:t>05.01.2016</a:t>
+              <a:t>16.02.2016</a:t>
             </a:fld>
             <a:endParaRPr lang="ru-RU"/>
           </a:p>
@@ -2964,7 +2964,7 @@
             <a:fld id="{AC3D3127-B7C4-45E3-9797-C527EC9FDD78}" type="datetimeFigureOut">
               <a:rPr lang="ru-RU" smtClean="0"/>
               <a:pPr/>
-              <a:t>05.01.2016</a:t>
+              <a:t>16.02.2016</a:t>
             </a:fld>
             <a:endParaRPr lang="ru-RU"/>
           </a:p>
@@ -12499,7 +12499,6 @@
               <a:rPr lang="ru-RU" dirty="0" smtClean="0"/>
               <a:t>.</a:t>
             </a:r>
-            <a:endParaRPr lang="ru-RU" dirty="0" smtClean="0"/>
           </a:p>
           <a:p>
             <a:pPr marL="0" indent="0">
@@ -12589,14 +12588,14 @@
           <p:nvPr>
             <p:extLst>
               <p:ext uri="{D42A27DB-BD31-4B8C-83A1-F6EECF244321}">
-                <p14:modId xmlns:p14="http://schemas.microsoft.com/office/powerpoint/2010/main" val="1392240785"/>
+                <p14:modId xmlns:p14="http://schemas.microsoft.com/office/powerpoint/2010/main" val="842178779"/>
               </p:ext>
             </p:extLst>
           </p:nvPr>
         </p:nvGraphicFramePr>
         <p:xfrm>
           <a:off x="395536" y="886086"/>
-          <a:ext cx="8352928" cy="5798945"/>
+          <a:ext cx="8352928" cy="5459218"/>
         </p:xfrm>
         <a:graphic>
           <a:graphicData uri="http://schemas.openxmlformats.org/drawingml/2006/table">
@@ -12622,7 +12621,7 @@
                         </a:spcAft>
                       </a:pPr>
                       <a:r>
-                        <a:rPr lang="ru-RU" sz="2400" b="0" i="1" dirty="0" smtClean="0">
+                        <a:rPr lang="ru-RU" sz="2000" b="0" i="1" dirty="0" smtClean="0">
                           <a:effectLst/>
                           <a:latin typeface="Calibri"/>
                           <a:ea typeface="Calibri"/>
@@ -12631,7 +12630,7 @@
                         <a:t>Обычные</a:t>
                       </a:r>
                       <a:r>
-                        <a:rPr lang="ru-RU" sz="2400" b="0" i="1" baseline="0" dirty="0" smtClean="0">
+                        <a:rPr lang="ru-RU" sz="2000" b="0" i="1" baseline="0" dirty="0" smtClean="0">
                           <a:effectLst/>
                           <a:latin typeface="Calibri"/>
                           <a:ea typeface="Calibri"/>
@@ -12639,7 +12638,7 @@
                         </a:rPr>
                         <a:t> методы</a:t>
                       </a:r>
-                      <a:endParaRPr lang="en-US" sz="2400" b="0" i="1" dirty="0">
+                      <a:endParaRPr lang="en-US" sz="2000" b="0" i="1" dirty="0">
                         <a:effectLst/>
                         <a:latin typeface="Calibri"/>
                         <a:ea typeface="Calibri"/>
@@ -12705,15 +12704,51 @@
                         </a:spcAft>
                       </a:pPr>
                       <a:r>
-                        <a:rPr lang="en-US" sz="1800" b="0" i="0" dirty="0" smtClean="0">
+                        <a:rPr lang="en-US" sz="1600" b="0" i="0" dirty="0" smtClean="0">
                           <a:effectLst/>
                           <a:latin typeface="+mn-lt"/>
                           <a:ea typeface="Calibri"/>
                           <a:cs typeface="Times New Roman"/>
                         </a:rPr>
-                        <a:t>Range, Repeat, Empty</a:t>
-                      </a:r>
-                      <a:endParaRPr lang="en-US" sz="1800" b="0" i="0" dirty="0">
+                        <a:t>Empty,</a:t>
+                      </a:r>
+                      <a:r>
+                        <a:rPr lang="en-US" sz="1600" b="0" i="0" baseline="0" dirty="0" smtClean="0">
+                          <a:effectLst/>
+                          <a:latin typeface="+mn-lt"/>
+                          <a:ea typeface="Calibri"/>
+                          <a:cs typeface="Times New Roman"/>
+                        </a:rPr>
+                        <a:t> </a:t>
+                      </a:r>
+                      <a:r>
+                        <a:rPr lang="en-US" sz="1600" b="0" i="0" dirty="0" smtClean="0">
+                          <a:effectLst/>
+                          <a:latin typeface="+mn-lt"/>
+                          <a:ea typeface="Calibri"/>
+                          <a:cs typeface="Times New Roman"/>
+                        </a:rPr>
+                        <a:t>Range</a:t>
+                      </a:r>
+                      <a:r>
+                        <a:rPr lang="en-US" sz="1600" b="0" i="0" dirty="0" smtClean="0">
+                          <a:effectLst/>
+                          <a:latin typeface="+mn-lt"/>
+                          <a:ea typeface="Calibri"/>
+                          <a:cs typeface="Times New Roman"/>
+                        </a:rPr>
+                        <a:t>, </a:t>
+                      </a:r>
+                      <a:r>
+                        <a:rPr lang="en-US" sz="1600" b="0" i="0" dirty="0" smtClean="0">
+                          <a:effectLst/>
+                          <a:latin typeface="+mn-lt"/>
+                          <a:ea typeface="Calibri"/>
+                          <a:cs typeface="Times New Roman"/>
+                        </a:rPr>
+                        <a:t>Repeat</a:t>
+                      </a:r>
+                      <a:endParaRPr lang="en-US" sz="1600" b="0" i="0" dirty="0">
                         <a:effectLst/>
                         <a:latin typeface="Calibri"/>
                         <a:ea typeface="Calibri"/>
@@ -12842,7 +12877,7 @@
                         </a:spcAft>
                       </a:pPr>
                       <a:r>
-                        <a:rPr lang="ru-RU" sz="2400" b="0" i="1" dirty="0" smtClean="0">
+                        <a:rPr lang="ru-RU" sz="2000" b="0" i="1" dirty="0" smtClean="0">
                           <a:effectLst/>
                           <a:latin typeface="Calibri"/>
                           <a:ea typeface="Calibri"/>
@@ -12851,7 +12886,7 @@
                         <a:t>Расширяющие </a:t>
                       </a:r>
                       <a:r>
-                        <a:rPr lang="en-US" sz="2400" b="0" i="1" dirty="0" err="1" smtClean="0">
+                        <a:rPr lang="en-US" sz="2000" b="0" i="1" dirty="0" err="1" smtClean="0">
                           <a:effectLst/>
                           <a:latin typeface="Calibri"/>
                           <a:ea typeface="Calibri"/>
@@ -12859,7 +12894,7 @@
                         </a:rPr>
                         <a:t>IEnumerable</a:t>
                       </a:r>
-                      <a:endParaRPr lang="en-US" sz="2400" b="0" i="1" dirty="0">
+                      <a:endParaRPr lang="en-US" sz="2000" b="0" i="1" dirty="0">
                         <a:effectLst/>
                         <a:latin typeface="Calibri"/>
                         <a:ea typeface="Calibri"/>
@@ -12925,7 +12960,7 @@
                         </a:spcAft>
                       </a:pPr>
                       <a:r>
-                        <a:rPr lang="en-US" sz="1800" b="0" dirty="0" smtClean="0">
+                        <a:rPr lang="en-US" sz="1600" b="0" dirty="0" smtClean="0">
                           <a:effectLst/>
                           <a:latin typeface="Calibri"/>
                           <a:ea typeface="Calibri"/>
@@ -12934,7 +12969,7 @@
                         <a:t>Cast,</a:t>
                       </a:r>
                       <a:r>
-                        <a:rPr lang="en-US" sz="1800" b="0" baseline="0" dirty="0" smtClean="0">
+                        <a:rPr lang="en-US" sz="1600" b="0" baseline="0" dirty="0" smtClean="0">
                           <a:effectLst/>
                           <a:latin typeface="Calibri"/>
                           <a:ea typeface="Calibri"/>
@@ -12943,7 +12978,7 @@
                         <a:t> </a:t>
                       </a:r>
                       <a:r>
-                        <a:rPr lang="en-US" sz="1800" b="0" baseline="0" dirty="0" err="1" smtClean="0">
+                        <a:rPr lang="en-US" sz="1600" b="0" baseline="0" dirty="0" err="1" smtClean="0">
                           <a:effectLst/>
                           <a:latin typeface="Calibri"/>
                           <a:ea typeface="Calibri"/>
@@ -12951,7 +12986,7 @@
                         </a:rPr>
                         <a:t>OfType</a:t>
                       </a:r>
-                      <a:endParaRPr lang="en-US" sz="1800" b="0" dirty="0">
+                      <a:endParaRPr lang="en-US" sz="1600" b="0" dirty="0">
                         <a:effectLst/>
                         <a:latin typeface="Calibri"/>
                         <a:ea typeface="Calibri"/>
@@ -13098,7 +13133,7 @@
                         <a:defRPr/>
                       </a:pPr>
                       <a:r>
-                        <a:rPr lang="ru-RU" sz="2400" b="0" i="1" dirty="0" smtClean="0">
+                        <a:rPr lang="ru-RU" sz="2000" b="0" i="1" dirty="0" smtClean="0">
                           <a:effectLst/>
                           <a:latin typeface="+mn-lt"/>
                           <a:ea typeface="Calibri"/>
@@ -13107,7 +13142,7 @@
                         <a:t>Расширяющие </a:t>
                       </a:r>
                       <a:r>
-                        <a:rPr lang="en-US" sz="2400" b="0" i="1" dirty="0" err="1" smtClean="0">
+                        <a:rPr lang="en-US" sz="2000" b="0" i="1" dirty="0" err="1" smtClean="0">
                           <a:effectLst/>
                           <a:latin typeface="+mn-lt"/>
                           <a:ea typeface="Calibri"/>
@@ -13116,7 +13151,7 @@
                         <a:t>IEnumerable</a:t>
                       </a:r>
                       <a:r>
-                        <a:rPr lang="en-US" sz="2400" b="0" i="1" dirty="0" smtClean="0">
+                        <a:rPr lang="en-US" sz="2000" b="0" i="1" dirty="0" smtClean="0">
                           <a:effectLst/>
                           <a:latin typeface="+mn-lt"/>
                           <a:ea typeface="Calibri"/>
@@ -13125,7 +13160,52 @@
                         <a:t>&lt;</a:t>
                       </a:r>
                       <a:r>
-                        <a:rPr lang="en-US" sz="2400" b="0" i="1" dirty="0" err="1" smtClean="0">
+                        <a:rPr lang="ru-RU" sz="2000" b="0" i="1" dirty="0" smtClean="0">
+                          <a:effectLst/>
+                          <a:latin typeface="+mn-lt"/>
+                          <a:ea typeface="Calibri"/>
+                          <a:cs typeface="Times New Roman"/>
+                        </a:rPr>
+                        <a:t>Числовой_Тип</a:t>
+                      </a:r>
+                      <a:r>
+                        <a:rPr lang="en-US" sz="2000" b="0" i="1" dirty="0" smtClean="0">
+                          <a:effectLst/>
+                          <a:latin typeface="+mn-lt"/>
+                          <a:ea typeface="Calibri"/>
+                          <a:cs typeface="Times New Roman"/>
+                        </a:rPr>
+                        <a:t>&gt;</a:t>
+                      </a:r>
+                      <a:r>
+                        <a:rPr lang="ru-RU" sz="2000" b="0" i="1" dirty="0" smtClean="0">
+                          <a:effectLst/>
+                          <a:latin typeface="+mn-lt"/>
+                          <a:ea typeface="Calibri"/>
+                          <a:cs typeface="Times New Roman"/>
+                        </a:rPr>
+                        <a:t>  </a:t>
+                      </a:r>
+                      <a:r>
+                        <a:rPr lang="ru-RU" sz="1400" b="0" i="1" dirty="0" smtClean="0">
+                          <a:effectLst/>
+                          <a:latin typeface="+mn-lt"/>
+                          <a:ea typeface="Calibri"/>
+                          <a:cs typeface="Times New Roman"/>
+                        </a:rPr>
+                        <a:t>(</a:t>
+                      </a:r>
+                      <a:r>
+                        <a:rPr lang="en-US" sz="1400" b="0" i="1" dirty="0" smtClean="0">
+                          <a:effectLst/>
+                          <a:latin typeface="+mn-lt"/>
+                          <a:ea typeface="Calibri"/>
+                          <a:cs typeface="Times New Roman"/>
+                        </a:rPr>
+                        <a:t>decimal?, decimal, double?, double, float?, float, </a:t>
+                      </a:r>
+                      <a:r>
+                        <a:rPr lang="en-US" sz="1400" b="0" i="1" dirty="0" err="1" smtClean="0">
                           <a:effectLst/>
                           <a:latin typeface="+mn-lt"/>
                           <a:ea typeface="Calibri"/>
@@ -13134,15 +13214,42 @@
                         <a:t>int</a:t>
                       </a:r>
                       <a:r>
-                        <a:rPr lang="en-US" sz="2400" b="0" i="1" dirty="0" smtClean="0">
+                        <a:rPr lang="en-US" sz="1400" b="0" i="1" dirty="0" smtClean="0">
                           <a:effectLst/>
                           <a:latin typeface="+mn-lt"/>
                           <a:ea typeface="Calibri"/>
                           <a:cs typeface="Times New Roman"/>
                         </a:rPr>
-                        <a:t>&gt;</a:t>
-                      </a:r>
-                      <a:endParaRPr lang="en-US" sz="2400" b="0" i="1" dirty="0">
+                        <a:t>?, </a:t>
+                      </a:r>
+                      <a:r>
+                        <a:rPr lang="en-US" sz="1400" b="0" i="1" dirty="0" err="1" smtClean="0">
+                          <a:effectLst/>
+                          <a:latin typeface="+mn-lt"/>
+                          <a:ea typeface="Calibri"/>
+                          <a:cs typeface="Times New Roman"/>
+                        </a:rPr>
+                        <a:t>int</a:t>
+                      </a:r>
+                      <a:r>
+                        <a:rPr lang="en-US" sz="1400" b="0" i="1" dirty="0" smtClean="0">
+                          <a:effectLst/>
+                          <a:latin typeface="+mn-lt"/>
+                          <a:ea typeface="Calibri"/>
+                          <a:cs typeface="Times New Roman"/>
+                        </a:rPr>
+                        <a:t>, long?, long</a:t>
+                      </a:r>
+                      <a:r>
+                        <a:rPr lang="ru-RU" sz="2000" b="0" i="1" dirty="0" smtClean="0">
+                          <a:effectLst/>
+                          <a:latin typeface="+mn-lt"/>
+                          <a:ea typeface="Calibri"/>
+                          <a:cs typeface="Times New Roman"/>
+                        </a:rPr>
+                        <a:t>)</a:t>
+                      </a:r>
+                      <a:endParaRPr lang="en-US" sz="2000" b="0" i="1" dirty="0">
                         <a:effectLst/>
                         <a:latin typeface="Calibri"/>
                         <a:ea typeface="Calibri"/>
@@ -13208,7 +13315,7 @@
                         </a:spcAft>
                       </a:pPr>
                       <a:r>
-                        <a:rPr lang="en-US" sz="1800" b="0" dirty="0" smtClean="0">
+                        <a:rPr lang="en-US" sz="1600" b="0" dirty="0" smtClean="0">
                           <a:effectLst/>
                           <a:latin typeface="+mn-lt"/>
                           <a:ea typeface="Calibri"/>
@@ -13216,7 +13323,7 @@
                         </a:rPr>
                         <a:t>Average, Max, Min, Sum</a:t>
                       </a:r>
-                      <a:endParaRPr lang="en-US" sz="1800" b="0" dirty="0">
+                      <a:endParaRPr lang="en-US" sz="1600" b="0" dirty="0">
                         <a:effectLst/>
                         <a:latin typeface="Calibri"/>
                         <a:ea typeface="Calibri"/>
@@ -13345,7 +13452,7 @@
                         </a:spcAft>
                       </a:pPr>
                       <a:r>
-                        <a:rPr lang="ru-RU" sz="2400" b="0" i="1" dirty="0" smtClean="0">
+                        <a:rPr lang="ru-RU" sz="2000" b="0" i="1" dirty="0" smtClean="0">
                           <a:effectLst/>
                           <a:latin typeface="Calibri"/>
                           <a:ea typeface="Calibri"/>
@@ -13354,7 +13461,7 @@
                         <a:t>Расширяющие</a:t>
                       </a:r>
                       <a:r>
-                        <a:rPr lang="ru-RU" sz="2400" b="0" i="1" baseline="0" dirty="0" smtClean="0">
+                        <a:rPr lang="ru-RU" sz="2000" b="0" i="1" baseline="0" dirty="0" smtClean="0">
                           <a:effectLst/>
                           <a:latin typeface="Calibri"/>
                           <a:ea typeface="Calibri"/>
@@ -13363,7 +13470,7 @@
                         <a:t> </a:t>
                       </a:r>
                       <a:r>
-                        <a:rPr lang="en-US" sz="2400" b="0" i="1" baseline="0" dirty="0" err="1" smtClean="0">
+                        <a:rPr lang="en-US" sz="2000" b="0" i="1" baseline="0" dirty="0" err="1" smtClean="0">
                           <a:effectLst/>
                           <a:latin typeface="Calibri"/>
                           <a:ea typeface="Calibri"/>
@@ -13372,7 +13479,7 @@
                         <a:t>IEnumerable</a:t>
                       </a:r>
                       <a:r>
-                        <a:rPr lang="en-US" sz="2400" b="0" i="1" baseline="0" dirty="0" smtClean="0">
+                        <a:rPr lang="en-US" sz="2000" b="0" i="1" baseline="0" dirty="0" smtClean="0">
                           <a:effectLst/>
                           <a:latin typeface="Calibri"/>
                           <a:ea typeface="Calibri"/>
@@ -13380,7 +13487,7 @@
                         </a:rPr>
                         <a:t>&lt;T&gt;</a:t>
                       </a:r>
-                      <a:endParaRPr lang="en-US" sz="2400" b="0" i="1" dirty="0">
+                      <a:endParaRPr lang="en-US" sz="2000" b="0" i="1" dirty="0">
                         <a:effectLst/>
                         <a:latin typeface="Calibri"/>
                         <a:ea typeface="Calibri"/>
@@ -13446,7 +13553,7 @@
                         </a:spcAft>
                       </a:pPr>
                       <a:r>
-                        <a:rPr lang="en-US" sz="1800" b="0" dirty="0" smtClean="0">
+                        <a:rPr lang="en-US" sz="1600" b="0" dirty="0" smtClean="0">
                           <a:effectLst/>
                           <a:latin typeface="+mn-lt"/>
                           <a:ea typeface="Calibri"/>
@@ -13455,7 +13562,7 @@
                         <a:t>Aggregate, All, Any, </a:t>
                       </a:r>
                       <a:r>
-                        <a:rPr lang="en-US" sz="1800" b="0" dirty="0" err="1" smtClean="0">
+                        <a:rPr lang="en-US" sz="1600" b="0" dirty="0" err="1" smtClean="0">
                           <a:effectLst/>
                           <a:latin typeface="+mn-lt"/>
                           <a:ea typeface="Calibri"/>
@@ -13464,7 +13571,61 @@
                         <a:t>AsEnumerable</a:t>
                       </a:r>
                       <a:r>
-                        <a:rPr lang="en-US" sz="1800" b="0" dirty="0" smtClean="0">
+                        <a:rPr lang="en-US" sz="1600" b="0" dirty="0" smtClean="0">
+                          <a:effectLst/>
+                          <a:latin typeface="+mn-lt"/>
+                          <a:ea typeface="Calibri"/>
+                          <a:cs typeface="Times New Roman"/>
+                        </a:rPr>
+                        <a:t>, Average, </a:t>
+                      </a:r>
+                      <a:r>
+                        <a:rPr lang="en-US" sz="1600" b="0" dirty="0" err="1" smtClean="0">
+                          <a:effectLst/>
+                          <a:latin typeface="+mn-lt"/>
+                          <a:ea typeface="Calibri"/>
+                          <a:cs typeface="Times New Roman"/>
+                        </a:rPr>
+                        <a:t>Concat</a:t>
+                      </a:r>
+                      <a:r>
+                        <a:rPr lang="en-US" sz="1600" b="0" dirty="0" smtClean="0">
+                          <a:effectLst/>
+                          <a:latin typeface="+mn-lt"/>
+                          <a:ea typeface="Calibri"/>
+                          <a:cs typeface="Times New Roman"/>
+                        </a:rPr>
+                        <a:t>, Contains, Count, </a:t>
+                      </a:r>
+                      <a:r>
+                        <a:rPr lang="en-US" sz="1600" b="0" dirty="0" err="1" smtClean="0">
+                          <a:effectLst/>
+                          <a:latin typeface="+mn-lt"/>
+                          <a:ea typeface="Calibri"/>
+                          <a:cs typeface="Times New Roman"/>
+                        </a:rPr>
+                        <a:t>DefaultIfEmpty</a:t>
+                      </a:r>
+                      <a:r>
+                        <a:rPr lang="en-US" sz="1600" b="0" dirty="0" smtClean="0">
+                          <a:effectLst/>
+                          <a:latin typeface="+mn-lt"/>
+                          <a:ea typeface="Calibri"/>
+                          <a:cs typeface="Times New Roman"/>
+                        </a:rPr>
+                        <a:t>, Distinct, </a:t>
+                      </a:r>
+                      <a:r>
+                        <a:rPr lang="en-US" sz="1600" b="0" dirty="0" err="1" smtClean="0">
+                          <a:effectLst/>
+                          <a:latin typeface="+mn-lt"/>
+                          <a:ea typeface="Calibri"/>
+                          <a:cs typeface="Times New Roman"/>
+                        </a:rPr>
+                        <a:t>ElementAt</a:t>
+                      </a:r>
+                      <a:r>
+                        <a:rPr lang="en-US" sz="1600" b="0" dirty="0" smtClean="0">
                           <a:effectLst/>
                           <a:latin typeface="+mn-lt"/>
                           <a:ea typeface="Calibri"/>
@@ -13473,52 +13634,34 @@
                         <a:t>, </a:t>
                       </a:r>
                       <a:r>
-                        <a:rPr lang="en-US" sz="1800" b="0" dirty="0" err="1" smtClean="0">
+                        <a:rPr lang="en-US" sz="1600" b="0" dirty="0" err="1" smtClean="0">
                           <a:effectLst/>
                           <a:latin typeface="+mn-lt"/>
                           <a:ea typeface="Calibri"/>
                           <a:cs typeface="Times New Roman"/>
                         </a:rPr>
-                        <a:t>Concat</a:t>
-                      </a:r>
-                      <a:r>
-                        <a:rPr lang="en-US" sz="1800" b="0" dirty="0" smtClean="0">
+                        <a:t>ElementAtOrDefault</a:t>
+                      </a:r>
+                      <a:r>
+                        <a:rPr lang="en-US" sz="1600" b="0" dirty="0" smtClean="0">
                           <a:effectLst/>
                           <a:latin typeface="+mn-lt"/>
                           <a:ea typeface="Calibri"/>
                           <a:cs typeface="Times New Roman"/>
                         </a:rPr>
-                        <a:t>, Contains, Count, </a:t>
-                      </a:r>
-                      <a:r>
-                        <a:rPr lang="en-US" sz="1800" b="0" dirty="0" err="1" smtClean="0">
+                        <a:t>, Except, First, </a:t>
+                      </a:r>
+                      <a:r>
+                        <a:rPr lang="en-US" sz="1600" b="0" dirty="0" err="1" smtClean="0">
                           <a:effectLst/>
                           <a:latin typeface="+mn-lt"/>
                           <a:ea typeface="Calibri"/>
                           <a:cs typeface="Times New Roman"/>
                         </a:rPr>
-                        <a:t>DefaultIfEmpty</a:t>
-                      </a:r>
-                      <a:r>
-                        <a:rPr lang="en-US" sz="1800" b="0" dirty="0" smtClean="0">
-                          <a:effectLst/>
-                          <a:latin typeface="+mn-lt"/>
-                          <a:ea typeface="Calibri"/>
-                          <a:cs typeface="Times New Roman"/>
-                        </a:rPr>
-                        <a:t>, Distinct, </a:t>
-                      </a:r>
-                      <a:r>
-                        <a:rPr lang="en-US" sz="1800" b="0" dirty="0" err="1" smtClean="0">
-                          <a:effectLst/>
-                          <a:latin typeface="+mn-lt"/>
-                          <a:ea typeface="Calibri"/>
-                          <a:cs typeface="Times New Roman"/>
-                        </a:rPr>
-                        <a:t>ElementAt</a:t>
-                      </a:r>
-                      <a:r>
-                        <a:rPr lang="en-US" sz="1800" b="0" dirty="0" smtClean="0">
+                        <a:t>FirstOrDefault</a:t>
+                      </a:r>
+                      <a:r>
+                        <a:rPr lang="en-US" sz="1600" b="0" dirty="0" smtClean="0">
                           <a:effectLst/>
                           <a:latin typeface="+mn-lt"/>
                           <a:ea typeface="Calibri"/>
@@ -13527,34 +13670,16 @@
                         <a:t>, </a:t>
                       </a:r>
                       <a:r>
-                        <a:rPr lang="en-US" sz="1800" b="0" dirty="0" err="1" smtClean="0">
+                        <a:rPr lang="en-US" sz="1600" b="0" dirty="0" err="1" smtClean="0">
                           <a:effectLst/>
                           <a:latin typeface="+mn-lt"/>
                           <a:ea typeface="Calibri"/>
                           <a:cs typeface="Times New Roman"/>
                         </a:rPr>
-                        <a:t>ElementAtOrDefault</a:t>
-                      </a:r>
-                      <a:r>
-                        <a:rPr lang="en-US" sz="1800" b="0" dirty="0" smtClean="0">
-                          <a:effectLst/>
-                          <a:latin typeface="+mn-lt"/>
-                          <a:ea typeface="Calibri"/>
-                          <a:cs typeface="Times New Roman"/>
-                        </a:rPr>
-                        <a:t>, Except, First, </a:t>
-                      </a:r>
-                      <a:r>
-                        <a:rPr lang="en-US" sz="1800" b="0" dirty="0" err="1" smtClean="0">
-                          <a:effectLst/>
-                          <a:latin typeface="+mn-lt"/>
-                          <a:ea typeface="Calibri"/>
-                          <a:cs typeface="Times New Roman"/>
-                        </a:rPr>
-                        <a:t>FirstOrDefault</a:t>
-                      </a:r>
-                      <a:r>
-                        <a:rPr lang="en-US" sz="1800" b="0" dirty="0" smtClean="0">
+                        <a:t>GroupBy</a:t>
+                      </a:r>
+                      <a:r>
+                        <a:rPr lang="en-US" sz="1600" b="0" dirty="0" smtClean="0">
                           <a:effectLst/>
                           <a:latin typeface="+mn-lt"/>
                           <a:ea typeface="Calibri"/>
@@ -13563,16 +13688,34 @@
                         <a:t>, </a:t>
                       </a:r>
                       <a:r>
-                        <a:rPr lang="en-US" sz="1800" b="0" dirty="0" err="1" smtClean="0">
+                        <a:rPr lang="en-US" sz="1600" b="0" dirty="0" err="1" smtClean="0">
                           <a:effectLst/>
                           <a:latin typeface="+mn-lt"/>
                           <a:ea typeface="Calibri"/>
                           <a:cs typeface="Times New Roman"/>
                         </a:rPr>
-                        <a:t>GroupBy</a:t>
-                      </a:r>
-                      <a:r>
-                        <a:rPr lang="en-US" sz="1800" b="0" dirty="0" smtClean="0">
+                        <a:t>GroupJoin</a:t>
+                      </a:r>
+                      <a:r>
+                        <a:rPr lang="en-US" sz="1600" b="0" dirty="0" smtClean="0">
+                          <a:effectLst/>
+                          <a:latin typeface="+mn-lt"/>
+                          <a:ea typeface="Calibri"/>
+                          <a:cs typeface="Times New Roman"/>
+                        </a:rPr>
+                        <a:t>, Intersect, Join, Last, </a:t>
+                      </a:r>
+                      <a:r>
+                        <a:rPr lang="en-US" sz="1600" b="0" dirty="0" err="1" smtClean="0">
+                          <a:effectLst/>
+                          <a:latin typeface="+mn-lt"/>
+                          <a:ea typeface="Calibri"/>
+                          <a:cs typeface="Times New Roman"/>
+                        </a:rPr>
+                        <a:t>LastOrDefault</a:t>
+                      </a:r>
+                      <a:r>
+                        <a:rPr lang="en-US" sz="1600" b="0" dirty="0" smtClean="0">
                           <a:effectLst/>
                           <a:latin typeface="+mn-lt"/>
                           <a:ea typeface="Calibri"/>
@@ -13581,34 +13724,34 @@
                         <a:t>, </a:t>
                       </a:r>
                       <a:r>
-                        <a:rPr lang="en-US" sz="1800" b="0" dirty="0" err="1" smtClean="0">
+                        <a:rPr lang="en-US" sz="1600" b="0" dirty="0" err="1" smtClean="0">
                           <a:effectLst/>
                           <a:latin typeface="+mn-lt"/>
                           <a:ea typeface="Calibri"/>
                           <a:cs typeface="Times New Roman"/>
                         </a:rPr>
-                        <a:t>GroupJoin</a:t>
-                      </a:r>
-                      <a:r>
-                        <a:rPr lang="en-US" sz="1800" b="0" dirty="0" smtClean="0">
+                        <a:t>LongCount</a:t>
+                      </a:r>
+                      <a:r>
+                        <a:rPr lang="en-US" sz="1600" b="0" dirty="0" smtClean="0">
                           <a:effectLst/>
                           <a:latin typeface="+mn-lt"/>
                           <a:ea typeface="Calibri"/>
                           <a:cs typeface="Times New Roman"/>
                         </a:rPr>
-                        <a:t>, Intersect, Join, Last, </a:t>
-                      </a:r>
-                      <a:r>
-                        <a:rPr lang="en-US" sz="1800" b="0" dirty="0" err="1" smtClean="0">
+                        <a:t>, Max, Min, </a:t>
+                      </a:r>
+                      <a:r>
+                        <a:rPr lang="en-US" sz="1600" b="0" dirty="0" err="1" smtClean="0">
                           <a:effectLst/>
                           <a:latin typeface="+mn-lt"/>
                           <a:ea typeface="Calibri"/>
                           <a:cs typeface="Times New Roman"/>
                         </a:rPr>
-                        <a:t>LastOrDefault</a:t>
-                      </a:r>
-                      <a:r>
-                        <a:rPr lang="en-US" sz="1800" b="0" dirty="0" smtClean="0">
+                        <a:t>OrderBy</a:t>
+                      </a:r>
+                      <a:r>
+                        <a:rPr lang="en-US" sz="1600" b="0" dirty="0" smtClean="0">
                           <a:effectLst/>
                           <a:latin typeface="+mn-lt"/>
                           <a:ea typeface="Calibri"/>
@@ -13617,16 +13760,34 @@
                         <a:t>, </a:t>
                       </a:r>
                       <a:r>
-                        <a:rPr lang="en-US" sz="1800" b="0" dirty="0" err="1" smtClean="0">
+                        <a:rPr lang="en-US" sz="1600" b="0" dirty="0" err="1" smtClean="0">
                           <a:effectLst/>
                           <a:latin typeface="+mn-lt"/>
                           <a:ea typeface="Calibri"/>
                           <a:cs typeface="Times New Roman"/>
                         </a:rPr>
-                        <a:t>LongCount</a:t>
-                      </a:r>
-                      <a:r>
-                        <a:rPr lang="en-US" sz="1800" b="0" dirty="0" smtClean="0">
+                        <a:t>OrderByDescending</a:t>
+                      </a:r>
+                      <a:r>
+                        <a:rPr lang="en-US" sz="1600" b="0" dirty="0" smtClean="0">
+                          <a:effectLst/>
+                          <a:latin typeface="+mn-lt"/>
+                          <a:ea typeface="Calibri"/>
+                          <a:cs typeface="Times New Roman"/>
+                        </a:rPr>
+                        <a:t>, Reverse, Select, </a:t>
+                      </a:r>
+                      <a:r>
+                        <a:rPr lang="en-US" sz="1600" b="0" dirty="0" err="1" smtClean="0">
+                          <a:effectLst/>
+                          <a:latin typeface="+mn-lt"/>
+                          <a:ea typeface="Calibri"/>
+                          <a:cs typeface="Times New Roman"/>
+                        </a:rPr>
+                        <a:t>SelectMany</a:t>
+                      </a:r>
+                      <a:r>
+                        <a:rPr lang="en-US" sz="1600" b="0" dirty="0" smtClean="0">
                           <a:effectLst/>
                           <a:latin typeface="+mn-lt"/>
                           <a:ea typeface="Calibri"/>
@@ -13635,16 +13796,70 @@
                         <a:t>, </a:t>
                       </a:r>
                       <a:r>
-                        <a:rPr lang="en-US" sz="1800" b="0" dirty="0" err="1" smtClean="0">
+                        <a:rPr lang="en-US" sz="1600" b="0" dirty="0" err="1" smtClean="0">
                           <a:effectLst/>
                           <a:latin typeface="+mn-lt"/>
                           <a:ea typeface="Calibri"/>
                           <a:cs typeface="Times New Roman"/>
                         </a:rPr>
-                        <a:t>OrderBy</a:t>
-                      </a:r>
-                      <a:r>
-                        <a:rPr lang="en-US" sz="1800" b="0" dirty="0" smtClean="0">
+                        <a:t>SequenceEqual</a:t>
+                      </a:r>
+                      <a:r>
+                        <a:rPr lang="en-US" sz="1600" b="0" dirty="0" smtClean="0">
+                          <a:effectLst/>
+                          <a:latin typeface="+mn-lt"/>
+                          <a:ea typeface="Calibri"/>
+                          <a:cs typeface="Times New Roman"/>
+                        </a:rPr>
+                        <a:t>, Single, </a:t>
+                      </a:r>
+                      <a:r>
+                        <a:rPr lang="en-US" sz="1600" b="0" dirty="0" err="1" smtClean="0">
+                          <a:effectLst/>
+                          <a:latin typeface="+mn-lt"/>
+                          <a:ea typeface="Calibri"/>
+                          <a:cs typeface="Times New Roman"/>
+                        </a:rPr>
+                        <a:t>SingleOrDefault</a:t>
+                      </a:r>
+                      <a:r>
+                        <a:rPr lang="en-US" sz="1600" b="0" dirty="0" smtClean="0">
+                          <a:effectLst/>
+                          <a:latin typeface="+mn-lt"/>
+                          <a:ea typeface="Calibri"/>
+                          <a:cs typeface="Times New Roman"/>
+                        </a:rPr>
+                        <a:t>, Skip, </a:t>
+                      </a:r>
+                      <a:r>
+                        <a:rPr lang="en-US" sz="1600" b="0" dirty="0" err="1" smtClean="0">
+                          <a:effectLst/>
+                          <a:latin typeface="+mn-lt"/>
+                          <a:ea typeface="Calibri"/>
+                          <a:cs typeface="Times New Roman"/>
+                        </a:rPr>
+                        <a:t>SkipWhile</a:t>
+                      </a:r>
+                      <a:r>
+                        <a:rPr lang="en-US" sz="1600" b="0" dirty="0" smtClean="0">
+                          <a:effectLst/>
+                          <a:latin typeface="+mn-lt"/>
+                          <a:ea typeface="Calibri"/>
+                          <a:cs typeface="Times New Roman"/>
+                        </a:rPr>
+                        <a:t>, Sum, Take, </a:t>
+                      </a:r>
+                      <a:r>
+                        <a:rPr lang="en-US" sz="1600" b="0" dirty="0" err="1" smtClean="0">
+                          <a:effectLst/>
+                          <a:latin typeface="+mn-lt"/>
+                          <a:ea typeface="Calibri"/>
+                          <a:cs typeface="Times New Roman"/>
+                        </a:rPr>
+                        <a:t>TakeWhile</a:t>
+                      </a:r>
+                      <a:r>
+                        <a:rPr lang="en-US" sz="1600" b="0" dirty="0" smtClean="0">
                           <a:effectLst/>
                           <a:latin typeface="+mn-lt"/>
                           <a:ea typeface="Calibri"/>
@@ -13653,34 +13868,16 @@
                         <a:t>, </a:t>
                       </a:r>
                       <a:r>
-                        <a:rPr lang="en-US" sz="1800" b="0" dirty="0" err="1" smtClean="0">
+                        <a:rPr lang="en-US" sz="1600" b="0" dirty="0" err="1" smtClean="0">
                           <a:effectLst/>
                           <a:latin typeface="+mn-lt"/>
                           <a:ea typeface="Calibri"/>
                           <a:cs typeface="Times New Roman"/>
                         </a:rPr>
-                        <a:t>OrderByDescending</a:t>
-                      </a:r>
-                      <a:r>
-                        <a:rPr lang="en-US" sz="1800" b="0" dirty="0" smtClean="0">
-                          <a:effectLst/>
-                          <a:latin typeface="+mn-lt"/>
-                          <a:ea typeface="Calibri"/>
-                          <a:cs typeface="Times New Roman"/>
-                        </a:rPr>
-                        <a:t>, Reverse, Select, </a:t>
-                      </a:r>
-                      <a:r>
-                        <a:rPr lang="en-US" sz="1800" b="0" dirty="0" err="1" smtClean="0">
-                          <a:effectLst/>
-                          <a:latin typeface="+mn-lt"/>
-                          <a:ea typeface="Calibri"/>
-                          <a:cs typeface="Times New Roman"/>
-                        </a:rPr>
-                        <a:t>SelectMany</a:t>
-                      </a:r>
-                      <a:r>
-                        <a:rPr lang="en-US" sz="1800" b="0" dirty="0" smtClean="0">
+                        <a:t>ToArray</a:t>
+                      </a:r>
+                      <a:r>
+                        <a:rPr lang="en-US" sz="1600" b="0" dirty="0" smtClean="0">
                           <a:effectLst/>
                           <a:latin typeface="+mn-lt"/>
                           <a:ea typeface="Calibri"/>
@@ -13689,70 +13886,16 @@
                         <a:t>, </a:t>
                       </a:r>
                       <a:r>
-                        <a:rPr lang="en-US" sz="1800" b="0" dirty="0" err="1" smtClean="0">
+                        <a:rPr lang="en-US" sz="1600" b="0" dirty="0" err="1" smtClean="0">
                           <a:effectLst/>
                           <a:latin typeface="+mn-lt"/>
                           <a:ea typeface="Calibri"/>
                           <a:cs typeface="Times New Roman"/>
                         </a:rPr>
-                        <a:t>SequenceEqual</a:t>
-                      </a:r>
-                      <a:r>
-                        <a:rPr lang="en-US" sz="1800" b="0" dirty="0" smtClean="0">
-                          <a:effectLst/>
-                          <a:latin typeface="+mn-lt"/>
-                          <a:ea typeface="Calibri"/>
-                          <a:cs typeface="Times New Roman"/>
-                        </a:rPr>
-                        <a:t>, Single, </a:t>
-                      </a:r>
-                      <a:r>
-                        <a:rPr lang="en-US" sz="1800" b="0" dirty="0" err="1" smtClean="0">
-                          <a:effectLst/>
-                          <a:latin typeface="+mn-lt"/>
-                          <a:ea typeface="Calibri"/>
-                          <a:cs typeface="Times New Roman"/>
-                        </a:rPr>
-                        <a:t>SingleOrDefault</a:t>
-                      </a:r>
-                      <a:r>
-                        <a:rPr lang="en-US" sz="1800" b="0" dirty="0" smtClean="0">
-                          <a:effectLst/>
-                          <a:latin typeface="+mn-lt"/>
-                          <a:ea typeface="Calibri"/>
-                          <a:cs typeface="Times New Roman"/>
-                        </a:rPr>
-                        <a:t>, Skip, </a:t>
-                      </a:r>
-                      <a:r>
-                        <a:rPr lang="en-US" sz="1800" b="0" dirty="0" err="1" smtClean="0">
-                          <a:effectLst/>
-                          <a:latin typeface="+mn-lt"/>
-                          <a:ea typeface="Calibri"/>
-                          <a:cs typeface="Times New Roman"/>
-                        </a:rPr>
-                        <a:t>SkipWhile</a:t>
-                      </a:r>
-                      <a:r>
-                        <a:rPr lang="en-US" sz="1800" b="0" dirty="0" smtClean="0">
-                          <a:effectLst/>
-                          <a:latin typeface="+mn-lt"/>
-                          <a:ea typeface="Calibri"/>
-                          <a:cs typeface="Times New Roman"/>
-                        </a:rPr>
-                        <a:t>, Take, </a:t>
-                      </a:r>
-                      <a:r>
-                        <a:rPr lang="en-US" sz="1800" b="0" dirty="0" err="1" smtClean="0">
-                          <a:effectLst/>
-                          <a:latin typeface="+mn-lt"/>
-                          <a:ea typeface="Calibri"/>
-                          <a:cs typeface="Times New Roman"/>
-                        </a:rPr>
-                        <a:t>TakeWhile</a:t>
-                      </a:r>
-                      <a:r>
-                        <a:rPr lang="en-US" sz="1800" b="0" dirty="0" smtClean="0">
+                        <a:t>ToDictionary</a:t>
+                      </a:r>
+                      <a:r>
+                        <a:rPr lang="en-US" sz="1600" b="0" dirty="0" smtClean="0">
                           <a:effectLst/>
                           <a:latin typeface="+mn-lt"/>
                           <a:ea typeface="Calibri"/>
@@ -13761,16 +13904,16 @@
                         <a:t>, </a:t>
                       </a:r>
                       <a:r>
-                        <a:rPr lang="en-US" sz="1800" b="0" dirty="0" err="1" smtClean="0">
+                        <a:rPr lang="en-US" sz="1600" b="0" dirty="0" err="1" smtClean="0">
                           <a:effectLst/>
                           <a:latin typeface="+mn-lt"/>
                           <a:ea typeface="Calibri"/>
                           <a:cs typeface="Times New Roman"/>
                         </a:rPr>
-                        <a:t>ToArray</a:t>
-                      </a:r>
-                      <a:r>
-                        <a:rPr lang="en-US" sz="1800" b="0" dirty="0" smtClean="0">
+                        <a:t>ToList</a:t>
+                      </a:r>
+                      <a:r>
+                        <a:rPr lang="en-US" sz="1600" b="0" dirty="0" smtClean="0">
                           <a:effectLst/>
                           <a:latin typeface="+mn-lt"/>
                           <a:ea typeface="Calibri"/>
@@ -13779,43 +13922,7 @@
                         <a:t>, </a:t>
                       </a:r>
                       <a:r>
-                        <a:rPr lang="en-US" sz="1800" b="0" dirty="0" err="1" smtClean="0">
-                          <a:effectLst/>
-                          <a:latin typeface="+mn-lt"/>
-                          <a:ea typeface="Calibri"/>
-                          <a:cs typeface="Times New Roman"/>
-                        </a:rPr>
-                        <a:t>ToDictionary</a:t>
-                      </a:r>
-                      <a:r>
-                        <a:rPr lang="en-US" sz="1800" b="0" dirty="0" smtClean="0">
-                          <a:effectLst/>
-                          <a:latin typeface="+mn-lt"/>
-                          <a:ea typeface="Calibri"/>
-                          <a:cs typeface="Times New Roman"/>
-                        </a:rPr>
-                        <a:t>, </a:t>
-                      </a:r>
-                      <a:r>
-                        <a:rPr lang="en-US" sz="1800" b="0" dirty="0" err="1" smtClean="0">
-                          <a:effectLst/>
-                          <a:latin typeface="+mn-lt"/>
-                          <a:ea typeface="Calibri"/>
-                          <a:cs typeface="Times New Roman"/>
-                        </a:rPr>
-                        <a:t>ToList</a:t>
-                      </a:r>
-                      <a:r>
-                        <a:rPr lang="en-US" sz="1800" b="0" dirty="0" smtClean="0">
-                          <a:effectLst/>
-                          <a:latin typeface="+mn-lt"/>
-                          <a:ea typeface="Calibri"/>
-                          <a:cs typeface="Times New Roman"/>
-                        </a:rPr>
-                        <a:t>, </a:t>
-                      </a:r>
-                      <a:r>
-                        <a:rPr lang="en-US" sz="1800" b="0" dirty="0" err="1" smtClean="0">
+                        <a:rPr lang="en-US" sz="1600" b="0" dirty="0" err="1" smtClean="0">
                           <a:effectLst/>
                           <a:latin typeface="+mn-lt"/>
                           <a:ea typeface="Calibri"/>
@@ -13824,7 +13931,7 @@
                         <a:t>ToLookup</a:t>
                       </a:r>
                       <a:r>
-                        <a:rPr lang="en-US" sz="1800" b="0" dirty="0" smtClean="0">
+                        <a:rPr lang="en-US" sz="1600" b="0" dirty="0" smtClean="0">
                           <a:effectLst/>
                           <a:latin typeface="+mn-lt"/>
                           <a:ea typeface="Calibri"/>
@@ -13832,7 +13939,7 @@
                         </a:rPr>
                         <a:t>, Union, Where, Zip</a:t>
                       </a:r>
-                      <a:endParaRPr lang="en-US" sz="1800" b="0" dirty="0">
+                      <a:endParaRPr lang="en-US" sz="1600" b="0" dirty="0">
                         <a:effectLst/>
                         <a:latin typeface="Calibri"/>
                         <a:ea typeface="Calibri"/>
@@ -13979,7 +14086,7 @@
                         <a:defRPr/>
                       </a:pPr>
                       <a:r>
-                        <a:rPr lang="ru-RU" sz="2400" b="0" i="1" dirty="0" smtClean="0">
+                        <a:rPr lang="ru-RU" sz="2000" b="0" i="1" dirty="0" smtClean="0">
                           <a:effectLst/>
                           <a:latin typeface="+mn-lt"/>
                           <a:ea typeface="Calibri"/>
@@ -13988,7 +14095,7 @@
                         <a:t>Расширяющие</a:t>
                       </a:r>
                       <a:r>
-                        <a:rPr lang="ru-RU" sz="2400" b="0" i="1" baseline="0" dirty="0" smtClean="0">
+                        <a:rPr lang="ru-RU" sz="2000" b="0" i="1" baseline="0" dirty="0" smtClean="0">
                           <a:effectLst/>
                           <a:latin typeface="+mn-lt"/>
                           <a:ea typeface="Calibri"/>
@@ -13997,7 +14104,7 @@
                         <a:t> </a:t>
                       </a:r>
                       <a:r>
-                        <a:rPr lang="en-US" sz="2400" b="0" i="1" baseline="0" dirty="0" err="1" smtClean="0">
+                        <a:rPr lang="en-US" sz="2000" b="0" i="1" baseline="0" dirty="0" err="1" smtClean="0">
                           <a:effectLst/>
                           <a:latin typeface="+mn-lt"/>
                           <a:ea typeface="Calibri"/>
@@ -14006,7 +14113,7 @@
                         <a:t>IOrderedEnumerable</a:t>
                       </a:r>
                       <a:r>
-                        <a:rPr lang="en-US" sz="2400" b="0" i="1" baseline="0" dirty="0" smtClean="0">
+                        <a:rPr lang="en-US" sz="2000" b="0" i="1" baseline="0" dirty="0" smtClean="0">
                           <a:effectLst/>
                           <a:latin typeface="+mn-lt"/>
                           <a:ea typeface="Calibri"/>
@@ -14014,7 +14121,7 @@
                         </a:rPr>
                         <a:t>&lt;T&gt;</a:t>
                       </a:r>
-                      <a:endParaRPr lang="en-US" sz="2400" b="0" i="1" dirty="0">
+                      <a:endParaRPr lang="en-US" sz="2000" b="0" i="1" dirty="0">
                         <a:effectLst/>
                         <a:latin typeface="Calibri"/>
                         <a:ea typeface="Calibri"/>
@@ -14080,7 +14187,7 @@
                         </a:spcAft>
                       </a:pPr>
                       <a:r>
-                        <a:rPr lang="en-US" sz="1800" b="0" dirty="0" err="1" smtClean="0">
+                        <a:rPr lang="en-US" sz="1600" b="0" dirty="0" err="1" smtClean="0">
                           <a:effectLst/>
                           <a:latin typeface="+mn-lt"/>
                           <a:ea typeface="Calibri"/>
@@ -14089,7 +14196,7 @@
                         <a:t>ThenBy</a:t>
                       </a:r>
                       <a:r>
-                        <a:rPr lang="en-US" sz="1800" b="0" dirty="0" smtClean="0">
+                        <a:rPr lang="en-US" sz="1600" b="0" dirty="0" smtClean="0">
                           <a:effectLst/>
                           <a:latin typeface="+mn-lt"/>
                           <a:ea typeface="Calibri"/>
@@ -14098,7 +14205,7 @@
                         <a:t>, </a:t>
                       </a:r>
                       <a:r>
-                        <a:rPr lang="en-US" sz="1800" b="0" dirty="0" err="1" smtClean="0">
+                        <a:rPr lang="en-US" sz="1600" b="0" dirty="0" err="1" smtClean="0">
                           <a:effectLst/>
                           <a:latin typeface="+mn-lt"/>
                           <a:ea typeface="Calibri"/>
@@ -14106,7 +14213,7 @@
                         </a:rPr>
                         <a:t>ThenByDescending</a:t>
                       </a:r>
-                      <a:endParaRPr lang="en-US" sz="1800" b="0" dirty="0">
+                      <a:endParaRPr lang="en-US" sz="1600" b="0" dirty="0">
                         <a:effectLst/>
                         <a:latin typeface="Calibri"/>
                         <a:ea typeface="Calibri"/>
@@ -14343,7 +14450,7 @@
             </a:pPr>
             <a:r>
               <a:rPr lang="ru-RU" dirty="0" smtClean="0"/>
-              <a:t>…</a:t>
+              <a:t>Проекция из одного типа в другой</a:t>
             </a:r>
             <a:endParaRPr lang="en-US" dirty="0"/>
           </a:p>

--- a/Presentation/lesson-11-linq.pptx
+++ b/Presentation/lesson-11-linq.pptx
@@ -233,7 +233,7 @@
             <a:fld id="{B24A7054-7FFB-49F4-A126-5DF6E687FF53}" type="datetimeFigureOut">
               <a:rPr lang="ru-RU" smtClean="0"/>
               <a:pPr/>
-              <a:t>16.02.2016</a:t>
+              <a:t>07.05.2016</a:t>
             </a:fld>
             <a:endParaRPr lang="ru-RU"/>
           </a:p>
@@ -1517,7 +1517,7 @@
             <a:fld id="{8E6E6A2A-E9D3-4A0D-B04A-ABDD367A1E08}" type="datetimeFigureOut">
               <a:rPr lang="ru-RU" smtClean="0"/>
               <a:pPr/>
-              <a:t>16.02.2016</a:t>
+              <a:t>07.05.2016</a:t>
             </a:fld>
             <a:endParaRPr lang="ru-RU"/>
           </a:p>
@@ -2964,7 +2964,7 @@
             <a:fld id="{AC3D3127-B7C4-45E3-9797-C527EC9FDD78}" type="datetimeFigureOut">
               <a:rPr lang="ru-RU" smtClean="0"/>
               <a:pPr/>
-              <a:t>16.02.2016</a:t>
+              <a:t>07.05.2016</a:t>
             </a:fld>
             <a:endParaRPr lang="ru-RU"/>
           </a:p>
@@ -5280,7 +5280,7 @@
           </a:p>
           <a:p>
             <a:r>
-              <a:rPr lang="ru-RU" sz="1400" dirty="0">
+              <a:rPr lang="ru-RU" sz="1400" dirty="0" smtClean="0">
                 <a:solidFill>
                   <a:srgbClr val="000000"/>
                 </a:solidFill>
@@ -5291,19 +5291,28 @@
               </a:rPr>
               <a:t>{</a:t>
             </a:r>
+            <a:endParaRPr lang="en-US" sz="1400" dirty="0" smtClean="0">
+              <a:solidFill>
+                <a:srgbClr val="000000"/>
+              </a:solidFill>
+              <a:highlight>
+                <a:srgbClr val="FFFFFF"/>
+              </a:highlight>
+              <a:latin typeface="Consolas"/>
+            </a:endParaRPr>
           </a:p>
           <a:p>
             <a:r>
               <a:rPr lang="en-US" sz="1400" dirty="0" smtClean="0">
                 <a:solidFill>
-                  <a:srgbClr val="0000FF"/>
+                  <a:srgbClr val="2B91AF"/>
                 </a:solidFill>
                 <a:highlight>
                   <a:srgbClr val="FFFFFF"/>
                 </a:highlight>
                 <a:latin typeface="Consolas"/>
               </a:rPr>
-              <a:t>    public</a:t>
+              <a:t>    static Random</a:t>
             </a:r>
             <a:r>
               <a:rPr lang="en-US" sz="1400" dirty="0" smtClean="0">
@@ -5318,16 +5327,16 @@
               <a:t> </a:t>
             </a:r>
             <a:r>
-              <a:rPr lang="en-US" sz="1400" dirty="0">
-                <a:solidFill>
-                  <a:srgbClr val="0000FF"/>
+              <a:rPr lang="en-US" sz="1400" dirty="0" err="1">
+                <a:solidFill>
+                  <a:srgbClr val="000000"/>
                 </a:solidFill>
                 <a:highlight>
                   <a:srgbClr val="FFFFFF"/>
                 </a:highlight>
                 <a:latin typeface="Consolas"/>
               </a:rPr>
-              <a:t>static</a:t>
+              <a:t>rnd</a:t>
             </a:r>
             <a:r>
               <a:rPr lang="en-US" sz="1400" dirty="0">
@@ -5339,7 +5348,7 @@
                 </a:highlight>
                 <a:latin typeface="Consolas"/>
               </a:rPr>
-              <a:t> </a:t>
+              <a:t> = </a:t>
             </a:r>
             <a:r>
               <a:rPr lang="en-US" sz="1400" dirty="0">
@@ -5351,7 +5360,7 @@
                 </a:highlight>
                 <a:latin typeface="Consolas"/>
               </a:rPr>
-              <a:t>void</a:t>
+              <a:t>new</a:t>
             </a:r>
             <a:r>
               <a:rPr lang="en-US" sz="1400" dirty="0">
@@ -5363,19 +5372,19 @@
                 </a:highlight>
                 <a:latin typeface="Consolas"/>
               </a:rPr>
-              <a:t> Shuffle&lt;T&gt;(</a:t>
+              <a:t> </a:t>
             </a:r>
             <a:r>
               <a:rPr lang="en-US" sz="1400" dirty="0">
                 <a:solidFill>
-                  <a:srgbClr val="0000FF"/>
+                  <a:srgbClr val="2B91AF"/>
                 </a:solidFill>
                 <a:highlight>
                   <a:srgbClr val="FFFFFF"/>
                 </a:highlight>
                 <a:latin typeface="Consolas"/>
               </a:rPr>
-              <a:t>this</a:t>
+              <a:t>Random</a:t>
             </a:r>
             <a:r>
               <a:rPr lang="en-US" sz="1400" dirty="0">
@@ -5387,57 +5396,7 @@
                 </a:highlight>
                 <a:latin typeface="Consolas"/>
               </a:rPr>
-              <a:t> </a:t>
-            </a:r>
-            <a:r>
-              <a:rPr lang="en-US" sz="1400" dirty="0" err="1">
-                <a:solidFill>
-                  <a:srgbClr val="2B91AF"/>
-                </a:solidFill>
-                <a:highlight>
-                  <a:srgbClr val="FFFFFF"/>
-                </a:highlight>
-                <a:latin typeface="Consolas"/>
-              </a:rPr>
-              <a:t>IList</a:t>
-            </a:r>
-            <a:r>
-              <a:rPr lang="en-US" sz="1400" dirty="0">
-                <a:solidFill>
-                  <a:srgbClr val="000000"/>
-                </a:solidFill>
-                <a:highlight>
-                  <a:srgbClr val="FFFFFF"/>
-                </a:highlight>
-                <a:latin typeface="Consolas"/>
-              </a:rPr>
-              <a:t>&lt;T&gt; list)</a:t>
-            </a:r>
-          </a:p>
-          <a:p>
-            <a:r>
-              <a:rPr lang="en-US" sz="1400" dirty="0" smtClean="0">
-                <a:solidFill>
-                  <a:srgbClr val="000000"/>
-                </a:solidFill>
-                <a:highlight>
-                  <a:srgbClr val="FFFFFF"/>
-                </a:highlight>
-                <a:latin typeface="Consolas"/>
-              </a:rPr>
-              <a:t>    </a:t>
-            </a:r>
-            <a:r>
-              <a:rPr lang="ru-RU" sz="1400" dirty="0" smtClean="0">
-                <a:solidFill>
-                  <a:srgbClr val="000000"/>
-                </a:solidFill>
-                <a:highlight>
-                  <a:srgbClr val="FFFFFF"/>
-                </a:highlight>
-                <a:latin typeface="Consolas"/>
-              </a:rPr>
-              <a:t>{</a:t>
+              <a:t>();</a:t>
             </a:r>
             <a:endParaRPr lang="ru-RU" sz="1400" dirty="0">
               <a:solidFill>
@@ -5453,14 +5412,14 @@
             <a:r>
               <a:rPr lang="en-US" sz="1400" dirty="0" smtClean="0">
                 <a:solidFill>
-                  <a:srgbClr val="2B91AF"/>
+                  <a:srgbClr val="0000FF"/>
                 </a:solidFill>
                 <a:highlight>
                   <a:srgbClr val="FFFFFF"/>
                 </a:highlight>
                 <a:latin typeface="Consolas"/>
               </a:rPr>
-              <a:t>        Random</a:t>
+              <a:t>    public</a:t>
             </a:r>
             <a:r>
               <a:rPr lang="en-US" sz="1400" dirty="0" smtClean="0">
@@ -5475,16 +5434,16 @@
               <a:t> </a:t>
             </a:r>
             <a:r>
-              <a:rPr lang="en-US" sz="1400" dirty="0" err="1">
-                <a:solidFill>
-                  <a:srgbClr val="000000"/>
+              <a:rPr lang="en-US" sz="1400" dirty="0">
+                <a:solidFill>
+                  <a:srgbClr val="0000FF"/>
                 </a:solidFill>
                 <a:highlight>
                   <a:srgbClr val="FFFFFF"/>
                 </a:highlight>
                 <a:latin typeface="Consolas"/>
               </a:rPr>
-              <a:t>rnd</a:t>
+              <a:t>static</a:t>
             </a:r>
             <a:r>
               <a:rPr lang="en-US" sz="1400" dirty="0">
@@ -5496,7 +5455,7 @@
                 </a:highlight>
                 <a:latin typeface="Consolas"/>
               </a:rPr>
-              <a:t> = </a:t>
+              <a:t> </a:t>
             </a:r>
             <a:r>
               <a:rPr lang="en-US" sz="1400" dirty="0">
@@ -5508,7 +5467,7 @@
                 </a:highlight>
                 <a:latin typeface="Consolas"/>
               </a:rPr>
-              <a:t>new</a:t>
+              <a:t>void</a:t>
             </a:r>
             <a:r>
               <a:rPr lang="en-US" sz="1400" dirty="0">
@@ -5520,19 +5479,19 @@
                 </a:highlight>
                 <a:latin typeface="Consolas"/>
               </a:rPr>
-              <a:t> </a:t>
+              <a:t> Shuffle&lt;T&gt;(</a:t>
             </a:r>
             <a:r>
               <a:rPr lang="en-US" sz="1400" dirty="0">
                 <a:solidFill>
-                  <a:srgbClr val="2B91AF"/>
+                  <a:srgbClr val="0000FF"/>
                 </a:solidFill>
                 <a:highlight>
                   <a:srgbClr val="FFFFFF"/>
                 </a:highlight>
                 <a:latin typeface="Consolas"/>
               </a:rPr>
-              <a:t>Random</a:t>
+              <a:t>this</a:t>
             </a:r>
             <a:r>
               <a:rPr lang="en-US" sz="1400" dirty="0">
@@ -5544,24 +5503,83 @@
                 </a:highlight>
                 <a:latin typeface="Consolas"/>
               </a:rPr>
-              <a:t>();</a:t>
-            </a:r>
-          </a:p>
-          <a:p>
-            <a:r>
-              <a:rPr lang="nn-NO" sz="1400" dirty="0" smtClean="0">
-                <a:solidFill>
-                  <a:srgbClr val="0000FF"/>
+              <a:t> </a:t>
+            </a:r>
+            <a:r>
+              <a:rPr lang="en-US" sz="1400" dirty="0" err="1">
+                <a:solidFill>
+                  <a:srgbClr val="2B91AF"/>
                 </a:solidFill>
                 <a:highlight>
                   <a:srgbClr val="FFFFFF"/>
                 </a:highlight>
                 <a:latin typeface="Consolas"/>
               </a:rPr>
+              <a:t>IList</a:t>
+            </a:r>
+            <a:r>
+              <a:rPr lang="en-US" sz="1400" dirty="0">
+                <a:solidFill>
+                  <a:srgbClr val="000000"/>
+                </a:solidFill>
+                <a:highlight>
+                  <a:srgbClr val="FFFFFF"/>
+                </a:highlight>
+                <a:latin typeface="Consolas"/>
+              </a:rPr>
+              <a:t>&lt;T&gt; list)</a:t>
+            </a:r>
+          </a:p>
+          <a:p>
+            <a:r>
+              <a:rPr lang="en-US" sz="1400" dirty="0" smtClean="0">
+                <a:solidFill>
+                  <a:srgbClr val="000000"/>
+                </a:solidFill>
+                <a:highlight>
+                  <a:srgbClr val="FFFFFF"/>
+                </a:highlight>
+                <a:latin typeface="Consolas"/>
+              </a:rPr>
+              <a:t>    </a:t>
+            </a:r>
+            <a:r>
+              <a:rPr lang="ru-RU" sz="1400" dirty="0" smtClean="0">
+                <a:solidFill>
+                  <a:srgbClr val="000000"/>
+                </a:solidFill>
+                <a:highlight>
+                  <a:srgbClr val="FFFFFF"/>
+                </a:highlight>
+                <a:latin typeface="Consolas"/>
+              </a:rPr>
+              <a:t>{</a:t>
+            </a:r>
+            <a:endParaRPr lang="ru-RU" sz="1400" dirty="0">
+              <a:solidFill>
+                <a:srgbClr val="000000"/>
+              </a:solidFill>
+              <a:highlight>
+                <a:srgbClr val="FFFFFF"/>
+              </a:highlight>
+              <a:latin typeface="Consolas"/>
+            </a:endParaRPr>
+          </a:p>
+          <a:p>
+            <a:r>
+              <a:rPr lang="nn-NO" sz="1400" smtClean="0">
+                <a:solidFill>
+                  <a:srgbClr val="0000FF"/>
+                </a:solidFill>
+                <a:highlight>
+                  <a:srgbClr val="FFFFFF"/>
+                </a:highlight>
+                <a:latin typeface="Consolas"/>
+              </a:rPr>
               <a:t>        for</a:t>
             </a:r>
             <a:r>
-              <a:rPr lang="nn-NO" sz="1400" dirty="0" smtClean="0">
+              <a:rPr lang="nn-NO" sz="1400" smtClean="0">
                 <a:solidFill>
                   <a:srgbClr val="000000"/>
                 </a:solidFill>
@@ -12728,25 +12746,7 @@
                           <a:ea typeface="Calibri"/>
                           <a:cs typeface="Times New Roman"/>
                         </a:rPr>
-                        <a:t>Range</a:t>
-                      </a:r>
-                      <a:r>
-                        <a:rPr lang="en-US" sz="1600" b="0" i="0" dirty="0" smtClean="0">
-                          <a:effectLst/>
-                          <a:latin typeface="+mn-lt"/>
-                          <a:ea typeface="Calibri"/>
-                          <a:cs typeface="Times New Roman"/>
-                        </a:rPr>
-                        <a:t>, </a:t>
-                      </a:r>
-                      <a:r>
-                        <a:rPr lang="en-US" sz="1600" b="0" i="0" dirty="0" smtClean="0">
-                          <a:effectLst/>
-                          <a:latin typeface="+mn-lt"/>
-                          <a:ea typeface="Calibri"/>
-                          <a:cs typeface="Times New Roman"/>
-                        </a:rPr>
-                        <a:t>Repeat</a:t>
+                        <a:t>Range, Repeat</a:t>
                       </a:r>
                       <a:endParaRPr lang="en-US" sz="1600" b="0" i="0" dirty="0">
                         <a:effectLst/>

--- a/Presentation/lesson-11-linq.pptx
+++ b/Presentation/lesson-11-linq.pptx
@@ -233,7 +233,7 @@
             <a:fld id="{B24A7054-7FFB-49F4-A126-5DF6E687FF53}" type="datetimeFigureOut">
               <a:rPr lang="ru-RU" smtClean="0"/>
               <a:pPr/>
-              <a:t>07.05.2016</a:t>
+              <a:t>08.05.2016</a:t>
             </a:fld>
             <a:endParaRPr lang="ru-RU"/>
           </a:p>
@@ -1517,7 +1517,7 @@
             <a:fld id="{8E6E6A2A-E9D3-4A0D-B04A-ABDD367A1E08}" type="datetimeFigureOut">
               <a:rPr lang="ru-RU" smtClean="0"/>
               <a:pPr/>
-              <a:t>07.05.2016</a:t>
+              <a:t>08.05.2016</a:t>
             </a:fld>
             <a:endParaRPr lang="ru-RU"/>
           </a:p>
@@ -2964,7 +2964,7 @@
             <a:fld id="{AC3D3127-B7C4-45E3-9797-C527EC9FDD78}" type="datetimeFigureOut">
               <a:rPr lang="ru-RU" smtClean="0"/>
               <a:pPr/>
-              <a:t>07.05.2016</a:t>
+              <a:t>08.05.2016</a:t>
             </a:fld>
             <a:endParaRPr lang="ru-RU"/>
           </a:p>
@@ -26196,8 +26196,13 @@
             </a:r>
             <a:r>
               <a:rPr lang="en-US" dirty="0" smtClean="0"/>
-              <a:t>SQL</a:t>
-            </a:r>
+              <a:t>SQL (</a:t>
+            </a:r>
+            <a:r>
+              <a:rPr lang="ru-RU" dirty="0" smtClean="0"/>
+              <a:t>устарел)</a:t>
+            </a:r>
+            <a:endParaRPr lang="en-US" dirty="0" smtClean="0"/>
           </a:p>
           <a:p>
             <a:pPr lvl="1"/>
@@ -28001,7 +28006,7 @@
         <p:spPr>
           <a:xfrm>
             <a:off x="457200" y="3212976"/>
-            <a:ext cx="8219256" cy="1631216"/>
+            <a:ext cx="8219256" cy="3785652"/>
           </a:xfrm>
           <a:prstGeom prst="rect">
             <a:avLst/>
@@ -28014,52 +28019,113 @@
           </a:bodyPr>
           <a:lstStyle/>
           <a:p>
-            <a:pPr marL="457200" indent="-457200">
+            <a:r>
+              <a:rPr lang="ru-RU" sz="2000" dirty="0"/>
+              <a:t>Компилятор автоматически создает объявление </a:t>
+            </a:r>
+            <a:r>
+              <a:rPr lang="ru-RU" sz="2000" dirty="0" smtClean="0"/>
+              <a:t>класса со свойствами указанными при инициализации. Тип  свойства совпадает с типом значения использованного при инициализации. </a:t>
+            </a:r>
+            <a:r>
+              <a:rPr lang="ru-RU" sz="2000" dirty="0"/>
+              <a:t>Разные экземпляры анонимного типа будут иметь одинаковый тип, если названия, типы и порядок свойств </a:t>
+            </a:r>
+            <a:r>
+              <a:rPr lang="ru-RU" sz="2000" dirty="0" smtClean="0"/>
+              <a:t>совпадает.</a:t>
+            </a:r>
+          </a:p>
+          <a:p>
+            <a:endParaRPr lang="ru-RU" sz="2000" dirty="0"/>
+          </a:p>
+          <a:p>
+            <a:r>
+              <a:rPr lang="ru-RU" sz="2000" dirty="0" smtClean="0"/>
+              <a:t>Анонимный тип обладает следующей функциональностью:</a:t>
+            </a:r>
+          </a:p>
+          <a:p>
+            <a:pPr marL="342900" indent="-342900">
               <a:buFont typeface="Arial" panose="020B0604020202020204" pitchFamily="34" charset="0"/>
               <a:buChar char="•"/>
             </a:pPr>
             <a:r>
               <a:rPr lang="ru-RU" sz="2000" dirty="0" smtClean="0"/>
-              <a:t>Создаются используя</a:t>
+              <a:t>Объявляется</a:t>
+            </a:r>
+            <a:r>
+              <a:rPr lang="ru-RU" sz="2000" dirty="0" smtClean="0"/>
+              <a:t> как </a:t>
             </a:r>
             <a:r>
               <a:rPr lang="en-US" sz="2000" dirty="0" smtClean="0"/>
-              <a:t> </a:t>
-            </a:r>
-            <a:r>
-              <a:rPr lang="ru-RU" sz="2000" dirty="0" smtClean="0"/>
-              <a:t>синтаксис инициализатора объектов</a:t>
-            </a:r>
-          </a:p>
-          <a:p>
-            <a:pPr marL="457200" indent="-457200">
+              <a:t>class</a:t>
+            </a:r>
+            <a:endParaRPr lang="ru-RU" sz="2000" dirty="0" smtClean="0"/>
+          </a:p>
+          <a:p>
+            <a:pPr marL="342900" indent="-342900">
               <a:buFont typeface="Arial" panose="020B0604020202020204" pitchFamily="34" charset="0"/>
               <a:buChar char="•"/>
             </a:pPr>
             <a:r>
               <a:rPr lang="ru-RU" sz="2000" dirty="0" smtClean="0"/>
-              <a:t>Компилятор автоматически создает объявление класса</a:t>
-            </a:r>
-          </a:p>
-          <a:p>
-            <a:pPr marL="457200" indent="-457200">
+              <a:t>Свойства доступны </a:t>
+            </a:r>
+            <a:r>
+              <a:rPr lang="ru-RU" sz="2000" dirty="0" smtClean="0"/>
+              <a:t>только для </a:t>
+            </a:r>
+            <a:r>
+              <a:rPr lang="ru-RU" sz="2000" dirty="0" smtClean="0"/>
+              <a:t>чтения</a:t>
+            </a:r>
+          </a:p>
+          <a:p>
+            <a:pPr marL="342900" indent="-342900">
               <a:buFont typeface="Arial" panose="020B0604020202020204" pitchFamily="34" charset="0"/>
               <a:buChar char="•"/>
             </a:pPr>
             <a:r>
               <a:rPr lang="ru-RU" sz="2000" dirty="0" smtClean="0"/>
-              <a:t>Разные экземпляры анонимного типа будут иметь одинаковый тип, если названия, типы и порядок свойств совпадает</a:t>
-            </a:r>
-          </a:p>
-          <a:p>
-            <a:pPr marL="457200" indent="-457200">
+              <a:t>В классе переопределя</a:t>
+            </a:r>
+            <a:r>
+              <a:rPr lang="ru-RU" sz="2000" dirty="0"/>
+              <a:t>ю</a:t>
+            </a:r>
+            <a:r>
+              <a:rPr lang="ru-RU" sz="2000" dirty="0" smtClean="0"/>
+              <a:t>тся </a:t>
+            </a:r>
+            <a:r>
+              <a:rPr lang="en-US" sz="2000" dirty="0" smtClean="0"/>
+              <a:t>Equals </a:t>
+            </a:r>
+            <a:r>
+              <a:rPr lang="ru-RU" sz="2000" dirty="0" smtClean="0"/>
+              <a:t>и </a:t>
+            </a:r>
+            <a:r>
+              <a:rPr lang="en-US" sz="2000" dirty="0" err="1" smtClean="0"/>
+              <a:t>GetHashCode</a:t>
+            </a:r>
+            <a:endParaRPr lang="ru-RU" sz="2000" dirty="0" smtClean="0"/>
+          </a:p>
+          <a:p>
+            <a:pPr marL="342900" indent="-342900">
               <a:buFont typeface="Arial" panose="020B0604020202020204" pitchFamily="34" charset="0"/>
               <a:buChar char="•"/>
             </a:pPr>
-            <a:r>
-              <a:rPr lang="ru-RU" sz="2000" dirty="0" smtClean="0"/>
-              <a:t>Поля объекта анонимного типа доступны только для чтения</a:t>
-            </a:r>
+            <a:endParaRPr lang="ru-RU" sz="2000" dirty="0" smtClean="0"/>
+          </a:p>
+          <a:p>
+            <a:pPr marL="800100" lvl="1" indent="-342900">
+              <a:buFont typeface="Arial" panose="020B0604020202020204" pitchFamily="34" charset="0"/>
+              <a:buChar char="•"/>
+            </a:pPr>
+            <a:endParaRPr lang="ru-RU" sz="2000" dirty="0" smtClean="0"/>
           </a:p>
         </p:txBody>
       </p:sp>

--- a/Presentation/lesson-11-linq.pptx
+++ b/Presentation/lesson-11-linq.pptx
@@ -233,7 +233,7 @@
             <a:fld id="{B24A7054-7FFB-49F4-A126-5DF6E687FF53}" type="datetimeFigureOut">
               <a:rPr lang="ru-RU" smtClean="0"/>
               <a:pPr/>
-              <a:t>08.05.2016</a:t>
+              <a:t>15.10.2016</a:t>
             </a:fld>
             <a:endParaRPr lang="ru-RU"/>
           </a:p>
@@ -1517,7 +1517,7 @@
             <a:fld id="{8E6E6A2A-E9D3-4A0D-B04A-ABDD367A1E08}" type="datetimeFigureOut">
               <a:rPr lang="ru-RU" smtClean="0"/>
               <a:pPr/>
-              <a:t>08.05.2016</a:t>
+              <a:t>15.10.2016</a:t>
             </a:fld>
             <a:endParaRPr lang="ru-RU"/>
           </a:p>
@@ -2964,7 +2964,7 @@
             <a:fld id="{AC3D3127-B7C4-45E3-9797-C527EC9FDD78}" type="datetimeFigureOut">
               <a:rPr lang="ru-RU" smtClean="0"/>
               <a:pPr/>
-              <a:t>08.05.2016</a:t>
+              <a:t>15.10.2016</a:t>
             </a:fld>
             <a:endParaRPr lang="ru-RU"/>
           </a:p>
@@ -5567,7 +5567,7 @@
           </a:p>
           <a:p>
             <a:r>
-              <a:rPr lang="nn-NO" sz="1400" smtClean="0">
+              <a:rPr lang="nn-NO" sz="1400" dirty="0" smtClean="0">
                 <a:solidFill>
                   <a:srgbClr val="0000FF"/>
                 </a:solidFill>
@@ -5579,7 +5579,7 @@
               <a:t>        for</a:t>
             </a:r>
             <a:r>
-              <a:rPr lang="nn-NO" sz="1400" smtClean="0">
+              <a:rPr lang="nn-NO" sz="1400" dirty="0" smtClean="0">
                 <a:solidFill>
                   <a:srgbClr val="000000"/>
                 </a:solidFill>
@@ -12613,7 +12613,7 @@
         </p:nvGraphicFramePr>
         <p:xfrm>
           <a:off x="395536" y="886086"/>
-          <a:ext cx="8352928" cy="5459218"/>
+          <a:ext cx="8352928" cy="5644066"/>
         </p:xfrm>
         <a:graphic>
           <a:graphicData uri="http://schemas.openxmlformats.org/drawingml/2006/table">
@@ -16477,19 +16477,89 @@
         </p:nvSpPr>
         <p:spPr/>
         <p:txBody>
-          <a:bodyPr/>
+          <a:bodyPr>
+            <a:normAutofit fontScale="92500" lnSpcReduction="20000"/>
+          </a:bodyPr>
           <a:lstStyle/>
           <a:p>
             <a:r>
               <a:rPr lang="en-US" dirty="0"/>
-              <a:t>Except()</a:t>
-            </a:r>
+              <a:t>Except</a:t>
+            </a:r>
+            <a:r>
+              <a:rPr lang="en-US" dirty="0" smtClean="0"/>
+              <a:t>():</a:t>
+            </a:r>
+          </a:p>
+          <a:p>
+            <a:pPr lvl="1"/>
+            <a:r>
+              <a:rPr lang="en-US" dirty="0" smtClean="0"/>
+              <a:t>(1,2,3</a:t>
+            </a:r>
+            <a:r>
+              <a:rPr lang="ru-RU" dirty="0" smtClean="0"/>
+              <a:t>)</a:t>
+            </a:r>
+            <a:r>
+              <a:rPr lang="en-US" dirty="0" smtClean="0"/>
+              <a:t>.Except(3,4,5) = (1,2)</a:t>
+            </a:r>
+            <a:endParaRPr lang="en-US" dirty="0"/>
           </a:p>
           <a:p>
             <a:r>
               <a:rPr lang="en-US" dirty="0"/>
-              <a:t>Intersect()</a:t>
-            </a:r>
+              <a:t>Intersect</a:t>
+            </a:r>
+            <a:r>
+              <a:rPr lang="en-US" dirty="0" smtClean="0"/>
+              <a:t>(): </a:t>
+            </a:r>
+            <a:r>
+              <a:rPr lang="ru-RU" dirty="0" smtClean="0"/>
+              <a:t>пересечение множеств с удалением дубликатов</a:t>
+            </a:r>
+          </a:p>
+          <a:p>
+            <a:pPr lvl="1"/>
+            <a:r>
+              <a:rPr lang="en-US" dirty="0"/>
+              <a:t>(1,2,3</a:t>
+            </a:r>
+            <a:r>
+              <a:rPr lang="ru-RU" dirty="0"/>
+              <a:t>)</a:t>
+            </a:r>
+            <a:r>
+              <a:rPr lang="en-US" dirty="0" smtClean="0"/>
+              <a:t>.</a:t>
+            </a:r>
+            <a:r>
+              <a:rPr lang="en-US" dirty="0"/>
+              <a:t> Intersect</a:t>
+            </a:r>
+            <a:r>
+              <a:rPr lang="en-US" dirty="0" smtClean="0"/>
+              <a:t>(3,4,5</a:t>
+            </a:r>
+            <a:r>
+              <a:rPr lang="en-US" dirty="0"/>
+              <a:t>) = </a:t>
+            </a:r>
+            <a:r>
+              <a:rPr lang="en-US" dirty="0" smtClean="0"/>
+              <a:t>(</a:t>
+            </a:r>
+            <a:r>
+              <a:rPr lang="ru-RU" dirty="0" smtClean="0"/>
+              <a:t>3</a:t>
+            </a:r>
+            <a:r>
+              <a:rPr lang="en-US" dirty="0" smtClean="0"/>
+              <a:t>)</a:t>
+            </a:r>
+            <a:endParaRPr lang="en-US" dirty="0"/>
           </a:p>
           <a:p>
             <a:r>
@@ -25039,7 +25109,7 @@
         </p:nvGraphicFramePr>
         <p:xfrm>
           <a:off x="395536" y="886086"/>
-          <a:ext cx="8352928" cy="3655484"/>
+          <a:ext cx="8352928" cy="3674026"/>
         </p:xfrm>
         <a:graphic>
           <a:graphicData uri="http://schemas.openxmlformats.org/drawingml/2006/table">
@@ -28052,11 +28122,7 @@
             </a:pPr>
             <a:r>
               <a:rPr lang="ru-RU" sz="2000" dirty="0" smtClean="0"/>
-              <a:t>Объявляется</a:t>
-            </a:r>
-            <a:r>
-              <a:rPr lang="ru-RU" sz="2000" dirty="0" smtClean="0"/>
-              <a:t> как </a:t>
+              <a:t>Объявляется как </a:t>
             </a:r>
             <a:r>
               <a:rPr lang="en-US" sz="2000" dirty="0" smtClean="0"/>
@@ -28071,15 +28137,7 @@
             </a:pPr>
             <a:r>
               <a:rPr lang="ru-RU" sz="2000" dirty="0" smtClean="0"/>
-              <a:t>Свойства доступны </a:t>
-            </a:r>
-            <a:r>
-              <a:rPr lang="ru-RU" sz="2000" dirty="0" smtClean="0"/>
-              <a:t>только для </a:t>
-            </a:r>
-            <a:r>
-              <a:rPr lang="ru-RU" sz="2000" dirty="0" smtClean="0"/>
-              <a:t>чтения</a:t>
+              <a:t>Свойства доступны только для чтения</a:t>
             </a:r>
           </a:p>
           <a:p>

--- a/Presentation/lesson-11-linq.pptx
+++ b/Presentation/lesson-11-linq.pptx
@@ -147,6 +147,22 @@
       </a:defRPr>
     </a:lvl9pPr>
   </p:defaultTextStyle>
+  <p:extLst>
+    <p:ext uri="{EFAFB233-063F-42B5-8137-9DF3F51BA10A}">
+      <p15:sldGuideLst xmlns:p15="http://schemas.microsoft.com/office/powerpoint/2012/main">
+        <p15:guide id="1" orient="horz" pos="2160">
+          <p15:clr>
+            <a:srgbClr val="A4A3A4"/>
+          </p15:clr>
+        </p15:guide>
+        <p15:guide id="2" pos="2880">
+          <p15:clr>
+            <a:srgbClr val="A4A3A4"/>
+          </p15:clr>
+        </p15:guide>
+      </p15:sldGuideLst>
+    </p:ext>
+  </p:extLst>
 </p:presentation>
 </file>
 
@@ -233,7 +249,7 @@
             <a:fld id="{B24A7054-7FFB-49F4-A126-5DF6E687FF53}" type="datetimeFigureOut">
               <a:rPr lang="ru-RU" smtClean="0"/>
               <a:pPr/>
-              <a:t>15.10.2016</a:t>
+              <a:t>11.02.2017</a:t>
             </a:fld>
             <a:endParaRPr lang="ru-RU"/>
           </a:p>
@@ -1517,7 +1533,7 @@
             <a:fld id="{8E6E6A2A-E9D3-4A0D-B04A-ABDD367A1E08}" type="datetimeFigureOut">
               <a:rPr lang="ru-RU" smtClean="0"/>
               <a:pPr/>
-              <a:t>15.10.2016</a:t>
+              <a:t>11.02.2017</a:t>
             </a:fld>
             <a:endParaRPr lang="ru-RU"/>
           </a:p>
@@ -2964,7 +2980,7 @@
             <a:fld id="{AC3D3127-B7C4-45E3-9797-C527EC9FDD78}" type="datetimeFigureOut">
               <a:rPr lang="ru-RU" smtClean="0"/>
               <a:pPr/>
-              <a:t>15.10.2016</a:t>
+              <a:t>11.02.2017</a:t>
             </a:fld>
             <a:endParaRPr lang="ru-RU"/>
           </a:p>
@@ -5057,7 +5073,7 @@
         </p:spPr>
         <p:txBody>
           <a:bodyPr>
-            <a:normAutofit/>
+            <a:normAutofit lnSpcReduction="10000"/>
           </a:bodyPr>
           <a:lstStyle/>
           <a:p>
@@ -5134,8 +5150,17 @@
               <a:rPr lang="en-US" sz="2000" dirty="0" smtClean="0">
                 <a:cs typeface="Courier New" pitchFamily="49" charset="0"/>
               </a:rPr>
-              <a:t>Extensions</a:t>
-            </a:r>
+              <a:t>Extensions. </a:t>
+            </a:r>
+            <a:r>
+              <a:rPr lang="ru-RU" sz="2000" dirty="0" smtClean="0">
+                <a:cs typeface="Courier New" pitchFamily="49" charset="0"/>
+              </a:rPr>
+              <a:t>Класс не может быть вложенным в другой.</a:t>
+            </a:r>
+            <a:endParaRPr lang="en-US" sz="2000" dirty="0" smtClean="0">
+              <a:cs typeface="Courier New" pitchFamily="49" charset="0"/>
+            </a:endParaRPr>
           </a:p>
           <a:p>
             <a:pPr marL="457200" indent="-457200">
@@ -5192,7 +5217,7 @@
         </p:nvSpPr>
         <p:spPr>
           <a:xfrm>
-            <a:off x="457200" y="3284984"/>
+            <a:off x="457200" y="3344793"/>
             <a:ext cx="7931224" cy="3108543"/>
           </a:xfrm>
           <a:prstGeom prst="rect">

--- a/Presentation/lesson-11-linq.pptx
+++ b/Presentation/lesson-11-linq.pptx
@@ -249,7 +249,7 @@
             <a:fld id="{B24A7054-7FFB-49F4-A126-5DF6E687FF53}" type="datetimeFigureOut">
               <a:rPr lang="ru-RU" smtClean="0"/>
               <a:pPr/>
-              <a:t>11.02.2017</a:t>
+              <a:t>06.03.2017</a:t>
             </a:fld>
             <a:endParaRPr lang="ru-RU"/>
           </a:p>
@@ -1533,7 +1533,7 @@
             <a:fld id="{8E6E6A2A-E9D3-4A0D-B04A-ABDD367A1E08}" type="datetimeFigureOut">
               <a:rPr lang="ru-RU" smtClean="0"/>
               <a:pPr/>
-              <a:t>11.02.2017</a:t>
+              <a:t>06.03.2017</a:t>
             </a:fld>
             <a:endParaRPr lang="ru-RU"/>
           </a:p>
@@ -2980,7 +2980,7 @@
             <a:fld id="{AC3D3127-B7C4-45E3-9797-C527EC9FDD78}" type="datetimeFigureOut">
               <a:rPr lang="ru-RU" smtClean="0"/>
               <a:pPr/>
-              <a:t>11.02.2017</a:t>
+              <a:t>06.03.2017</a:t>
             </a:fld>
             <a:endParaRPr lang="ru-RU"/>
           </a:p>
@@ -8739,13 +8739,22 @@
               <a:t>rnd.Next</a:t>
             </a:r>
             <a:r>
+              <a:rPr lang="en-US" sz="1200" dirty="0" smtClean="0">
+                <a:solidFill>
+                  <a:prstClr val="black"/>
+                </a:solidFill>
+                <a:latin typeface="Consolas"/>
+              </a:rPr>
+              <a:t>() %</a:t>
+            </a:r>
+            <a:r>
               <a:rPr lang="en-US" sz="1200" dirty="0">
                 <a:solidFill>
                   <a:prstClr val="black"/>
                 </a:solidFill>
                 <a:latin typeface="Consolas"/>
               </a:rPr>
-              <a:t>()%2 == 0 ? first : second;</a:t>
+              <a:t>2 == 0 ? first : second;</a:t>
             </a:r>
           </a:p>
           <a:p>
@@ -28183,16 +28192,20 @@
               <a:t>тся </a:t>
             </a:r>
             <a:r>
+              <a:rPr lang="en-US" sz="2000" dirty="0" err="1" smtClean="0"/>
+              <a:t>ToString</a:t>
+            </a:r>
+            <a:r>
               <a:rPr lang="en-US" sz="2000" dirty="0" smtClean="0"/>
-              <a:t>Equals </a:t>
-            </a:r>
-            <a:r>
-              <a:rPr lang="ru-RU" sz="2000" dirty="0" smtClean="0"/>
-              <a:t>и </a:t>
+              <a:t>(), Equals(object), </a:t>
             </a:r>
             <a:r>
               <a:rPr lang="en-US" sz="2000" dirty="0" err="1" smtClean="0"/>
               <a:t>GetHashCode</a:t>
+            </a:r>
+            <a:r>
+              <a:rPr lang="en-US" sz="2000" dirty="0" smtClean="0"/>
+              <a:t>()</a:t>
             </a:r>
             <a:endParaRPr lang="ru-RU" sz="2000" dirty="0" smtClean="0"/>
           </a:p>

--- a/Presentation/lesson-11-linq.pptx
+++ b/Presentation/lesson-11-linq.pptx
@@ -150,6 +150,69 @@
     </a:lvl9pPr>
   </p:defaultTextStyle>
   <p:extLst>
+    <p:ext uri="{521415D9-36F7-43E2-AB2F-B90AF26B5E84}">
+      <p14:sectionLst xmlns:p14="http://schemas.microsoft.com/office/powerpoint/2010/main">
+        <p14:section name="Default Section" id="{35AC79AC-A384-45C7-A523-22ADA455CFA9}">
+          <p14:sldIdLst>
+            <p14:sldId id="256"/>
+            <p14:sldId id="257"/>
+            <p14:sldId id="269"/>
+            <p14:sldId id="266"/>
+            <p14:sldId id="259"/>
+            <p14:sldId id="284"/>
+            <p14:sldId id="285"/>
+            <p14:sldId id="277"/>
+            <p14:sldId id="300"/>
+            <p14:sldId id="270"/>
+            <p14:sldId id="271"/>
+            <p14:sldId id="265"/>
+            <p14:sldId id="292"/>
+            <p14:sldId id="293"/>
+            <p14:sldId id="272"/>
+            <p14:sldId id="267"/>
+            <p14:sldId id="296"/>
+            <p14:sldId id="291"/>
+            <p14:sldId id="287"/>
+            <p14:sldId id="288"/>
+            <p14:sldId id="289"/>
+            <p14:sldId id="290"/>
+          </p14:sldIdLst>
+        </p14:section>
+        <p14:section name="Расширяющие методы" id="{4506275D-1ABE-43B2-B46D-E56F40C5CDC4}">
+          <p14:sldIdLst>
+            <p14:sldId id="261"/>
+            <p14:sldId id="298"/>
+            <p14:sldId id="274"/>
+            <p14:sldId id="281"/>
+            <p14:sldId id="301"/>
+            <p14:sldId id="275"/>
+            <p14:sldId id="276"/>
+            <p14:sldId id="268"/>
+            <p14:sldId id="286"/>
+            <p14:sldId id="279"/>
+            <p14:sldId id="283"/>
+            <p14:sldId id="278"/>
+            <p14:sldId id="280"/>
+            <p14:sldId id="294"/>
+            <p14:sldId id="273"/>
+          </p14:sldIdLst>
+        </p14:section>
+        <p14:section name="LINQ запросы" id="{A85D3983-1D66-4A5A-8EF6-F6D43B0D8575}">
+          <p14:sldIdLst>
+            <p14:sldId id="260"/>
+            <p14:sldId id="282"/>
+          </p14:sldIdLst>
+        </p14:section>
+        <p14:section name="MoreLinq" id="{4D2FF09F-89E0-4466-A4C5-A2AD510D010D}">
+          <p14:sldIdLst>
+            <p14:sldId id="264"/>
+            <p14:sldId id="297"/>
+            <p14:sldId id="263"/>
+            <p14:sldId id="299"/>
+          </p14:sldIdLst>
+        </p14:section>
+      </p14:sectionLst>
+    </p:ext>
     <p:ext uri="{EFAFB233-063F-42B5-8137-9DF3F51BA10A}">
       <p15:sldGuideLst xmlns:p15="http://schemas.microsoft.com/office/powerpoint/2012/main">
         <p15:guide id="1" orient="horz" pos="2160">
@@ -251,7 +314,7 @@
             <a:fld id="{B24A7054-7FFB-49F4-A126-5DF6E687FF53}" type="datetimeFigureOut">
               <a:rPr lang="ru-RU" smtClean="0"/>
               <a:pPr/>
-              <a:t>14.12.2017</a:t>
+              <a:t>06.02.2018</a:t>
             </a:fld>
             <a:endParaRPr lang="ru-RU"/>
           </a:p>
@@ -1535,7 +1598,7 @@
             <a:fld id="{8E6E6A2A-E9D3-4A0D-B04A-ABDD367A1E08}" type="datetimeFigureOut">
               <a:rPr lang="ru-RU" smtClean="0"/>
               <a:pPr/>
-              <a:t>14.12.2017</a:t>
+              <a:t>06.02.2018</a:t>
             </a:fld>
             <a:endParaRPr lang="ru-RU"/>
           </a:p>
@@ -2982,7 +3045,7 @@
             <a:fld id="{AC3D3127-B7C4-45E3-9797-C527EC9FDD78}" type="datetimeFigureOut">
               <a:rPr lang="ru-RU" smtClean="0"/>
               <a:pPr/>
-              <a:t>14.12.2017</a:t>
+              <a:t>06.02.2018</a:t>
             </a:fld>
             <a:endParaRPr lang="ru-RU"/>
           </a:p>
@@ -15355,11 +15418,7 @@
           <a:p>
             <a:r>
               <a:rPr lang="en-US" dirty="0" smtClean="0"/>
-              <a:t>.</a:t>
-            </a:r>
-            <a:r>
-              <a:rPr lang="en-US" dirty="0" smtClean="0"/>
-              <a:t>Where()</a:t>
+              <a:t>.Where()</a:t>
             </a:r>
             <a:endParaRPr lang="en-US" dirty="0"/>
           </a:p>
@@ -15453,11 +15512,7 @@
           <a:p>
             <a:r>
               <a:rPr lang="en-US" dirty="0" smtClean="0"/>
-              <a:t>.</a:t>
-            </a:r>
-            <a:r>
-              <a:rPr lang="en-US" dirty="0" smtClean="0"/>
-              <a:t>Select()</a:t>
+              <a:t>.Select()</a:t>
             </a:r>
             <a:endParaRPr lang="en-US" dirty="0"/>
           </a:p>
@@ -15593,11 +15648,11 @@
   <p:clrMapOvr>
     <a:masterClrMapping/>
   </p:clrMapOvr>
-  <mc:AlternateContent xmlns:mc="http://schemas.openxmlformats.org/markup-compatibility/2006">
-    <mc:Choice xmlns:p14="http://schemas.microsoft.com/office/powerpoint/2010/main" Requires="p14">
+  <mc:AlternateContent xmlns:mc="http://schemas.openxmlformats.org/markup-compatibility/2006" xmlns:p14="http://schemas.microsoft.com/office/powerpoint/2010/main">
+    <mc:Choice Requires="p14">
       <p:transition spd="slow" p14:dur="2000"/>
     </mc:Choice>
-    <mc:Fallback>
+    <mc:Fallback xmlns="">
       <p:transition spd="slow"/>
     </mc:Fallback>
   </mc:AlternateContent>
@@ -15645,11 +15700,7 @@
           <a:p>
             <a:r>
               <a:rPr lang="en-US" dirty="0" smtClean="0"/>
-              <a:t>Any</a:t>
-            </a:r>
-            <a:r>
-              <a:rPr lang="en-US" dirty="0" smtClean="0"/>
-              <a:t>() </a:t>
+              <a:t>Any() </a:t>
             </a:r>
             <a:r>
               <a:rPr lang="ru-RU" dirty="0" smtClean="0"/>
@@ -15939,11 +15990,7 @@
           <a:p>
             <a:r>
               <a:rPr lang="en-US" dirty="0" smtClean="0"/>
-              <a:t>.First</a:t>
-            </a:r>
-            <a:r>
-              <a:rPr lang="en-US" dirty="0" smtClean="0"/>
-              <a:t>() </a:t>
+              <a:t>.First() </a:t>
             </a:r>
             <a:r>
               <a:rPr lang="ru-RU" dirty="0" smtClean="0"/>
@@ -15951,11 +15998,7 @@
             </a:r>
             <a:r>
               <a:rPr lang="en-US" dirty="0" smtClean="0"/>
-              <a:t>.Last</a:t>
-            </a:r>
-            <a:r>
-              <a:rPr lang="en-US" dirty="0" smtClean="0"/>
-              <a:t>()</a:t>
+              <a:t>.Last()</a:t>
             </a:r>
             <a:endParaRPr lang="en-US" dirty="0"/>
           </a:p>
@@ -16301,11 +16344,7 @@
           <a:p>
             <a:r>
               <a:rPr lang="en-US" dirty="0" smtClean="0"/>
-              <a:t>.Single</a:t>
-            </a:r>
-            <a:r>
-              <a:rPr lang="en-US" dirty="0" smtClean="0"/>
-              <a:t>()</a:t>
+              <a:t>.Single()</a:t>
             </a:r>
             <a:endParaRPr lang="en-US" dirty="0"/>
           </a:p>

--- a/Presentation/lesson-11-linq.pptx
+++ b/Presentation/lesson-11-linq.pptx
@@ -5,7 +5,7 @@
     <p:sldMasterId id="2147483648" r:id="rId1"/>
   </p:sldMasterIdLst>
   <p:notesMasterIdLst>
-    <p:notesMasterId r:id="rId45"/>
+    <p:notesMasterId r:id="rId46"/>
   </p:notesMasterIdLst>
   <p:sldIdLst>
     <p:sldId id="256" r:id="rId2"/>
@@ -40,17 +40,18 @@
     <p:sldId id="268" r:id="rId31"/>
     <p:sldId id="286" r:id="rId32"/>
     <p:sldId id="279" r:id="rId33"/>
-    <p:sldId id="283" r:id="rId34"/>
-    <p:sldId id="278" r:id="rId35"/>
-    <p:sldId id="280" r:id="rId36"/>
-    <p:sldId id="294" r:id="rId37"/>
-    <p:sldId id="273" r:id="rId38"/>
-    <p:sldId id="260" r:id="rId39"/>
-    <p:sldId id="282" r:id="rId40"/>
-    <p:sldId id="264" r:id="rId41"/>
-    <p:sldId id="297" r:id="rId42"/>
-    <p:sldId id="263" r:id="rId43"/>
-    <p:sldId id="299" r:id="rId44"/>
+    <p:sldId id="302" r:id="rId34"/>
+    <p:sldId id="283" r:id="rId35"/>
+    <p:sldId id="278" r:id="rId36"/>
+    <p:sldId id="280" r:id="rId37"/>
+    <p:sldId id="294" r:id="rId38"/>
+    <p:sldId id="273" r:id="rId39"/>
+    <p:sldId id="260" r:id="rId40"/>
+    <p:sldId id="282" r:id="rId41"/>
+    <p:sldId id="264" r:id="rId42"/>
+    <p:sldId id="297" r:id="rId43"/>
+    <p:sldId id="263" r:id="rId44"/>
+    <p:sldId id="299" r:id="rId45"/>
   </p:sldIdLst>
   <p:sldSz cx="9144000" cy="6858000" type="screen4x3"/>
   <p:notesSz cx="6858000" cy="9144000"/>
@@ -190,6 +191,7 @@
             <p14:sldId id="268"/>
             <p14:sldId id="286"/>
             <p14:sldId id="279"/>
+            <p14:sldId id="302"/>
             <p14:sldId id="283"/>
             <p14:sldId id="278"/>
             <p14:sldId id="280"/>
@@ -314,7 +316,7 @@
             <a:fld id="{B24A7054-7FFB-49F4-A126-5DF6E687FF53}" type="datetimeFigureOut">
               <a:rPr lang="ru-RU" smtClean="0"/>
               <a:pPr/>
-              <a:t>06.02.2018</a:t>
+              <a:t>08.04.2018</a:t>
             </a:fld>
             <a:endParaRPr lang="ru-RU"/>
           </a:p>
@@ -1598,7 +1600,7 @@
             <a:fld id="{8E6E6A2A-E9D3-4A0D-B04A-ABDD367A1E08}" type="datetimeFigureOut">
               <a:rPr lang="ru-RU" smtClean="0"/>
               <a:pPr/>
-              <a:t>06.02.2018</a:t>
+              <a:t>08.04.2018</a:t>
             </a:fld>
             <a:endParaRPr lang="ru-RU"/>
           </a:p>
@@ -3045,7 +3047,7 @@
             <a:fld id="{AC3D3127-B7C4-45E3-9797-C527EC9FDD78}" type="datetimeFigureOut">
               <a:rPr lang="ru-RU" smtClean="0"/>
               <a:pPr/>
-              <a:t>06.02.2018</a:t>
+              <a:t>08.04.2018</a:t>
             </a:fld>
             <a:endParaRPr lang="ru-RU"/>
           </a:p>
@@ -13626,14 +13628,14 @@
           <p:nvPr>
             <p:extLst>
               <p:ext uri="{D42A27DB-BD31-4B8C-83A1-F6EECF244321}">
-                <p14:modId xmlns:p14="http://schemas.microsoft.com/office/powerpoint/2010/main" val="842178779"/>
+                <p14:modId xmlns:p14="http://schemas.microsoft.com/office/powerpoint/2010/main" val="3732753676"/>
               </p:ext>
             </p:extLst>
           </p:nvPr>
         </p:nvGraphicFramePr>
         <p:xfrm>
           <a:off x="395536" y="886086"/>
-          <a:ext cx="8352928" cy="5644066"/>
+          <a:ext cx="8352928" cy="5627556"/>
         </p:xfrm>
         <a:graphic>
           <a:graphicData uri="http://schemas.openxmlformats.org/drawingml/2006/table">
@@ -14638,6 +14640,15 @@
                         <a:t>Aggregate, All, Any, </a:t>
                       </a:r>
                       <a:r>
+                        <a:rPr lang="en-US" sz="1600" b="0" dirty="0" smtClean="0">
+                          <a:effectLst/>
+                          <a:latin typeface="+mn-lt"/>
+                          <a:ea typeface="Calibri"/>
+                          <a:cs typeface="Times New Roman"/>
+                        </a:rPr>
+                        <a:t>Append, </a:t>
+                      </a:r>
+                      <a:r>
                         <a:rPr lang="en-US" sz="1600" b="0" dirty="0" err="1" smtClean="0">
                           <a:effectLst/>
                           <a:latin typeface="+mn-lt"/>
@@ -14851,7 +14862,25 @@
                           <a:ea typeface="Calibri"/>
                           <a:cs typeface="Times New Roman"/>
                         </a:rPr>
-                        <a:t>, Reverse, Select, </a:t>
+                        <a:t>, </a:t>
+                      </a:r>
+                      <a:r>
+                        <a:rPr lang="en-US" sz="1600" b="0" dirty="0" smtClean="0">
+                          <a:effectLst/>
+                          <a:latin typeface="+mn-lt"/>
+                          <a:ea typeface="Calibri"/>
+                          <a:cs typeface="Times New Roman"/>
+                        </a:rPr>
+                        <a:t>Prepend, Reverse</a:t>
+                      </a:r>
+                      <a:r>
+                        <a:rPr lang="en-US" sz="1600" b="0" dirty="0" smtClean="0">
+                          <a:effectLst/>
+                          <a:latin typeface="+mn-lt"/>
+                          <a:ea typeface="Calibri"/>
+                          <a:cs typeface="Times New Roman"/>
+                        </a:rPr>
+                        <a:t>, Select, </a:t>
                       </a:r>
                       <a:r>
                         <a:rPr lang="en-US" sz="1600" b="0" dirty="0" err="1" smtClean="0">
@@ -17857,11 +17886,7 @@
           <a:p>
             <a:r>
               <a:rPr lang="en-US" dirty="0" smtClean="0"/>
-              <a:t>Enumerable. </a:t>
-            </a:r>
-            <a:r>
-              <a:rPr lang="ru-RU" dirty="0" smtClean="0"/>
-              <a:t>Сортировка</a:t>
+              <a:t>Append/Prepend (.NET 4.7.1+)</a:t>
             </a:r>
             <a:endParaRPr lang="en-US" dirty="0"/>
           </a:p>
@@ -17879,114 +17904,30 @@
         </p:nvSpPr>
         <p:spPr/>
         <p:txBody>
-          <a:bodyPr>
-            <a:normAutofit fontScale="85000" lnSpcReduction="10000"/>
-          </a:bodyPr>
+          <a:bodyPr/>
           <a:lstStyle/>
           <a:p>
             <a:r>
-              <a:rPr lang="en-US" dirty="0" err="1"/>
-              <a:t>OrderBy</a:t>
-            </a:r>
-            <a:r>
               <a:rPr lang="en-US" dirty="0" smtClean="0"/>
-              <a:t>()</a:t>
+              <a:t>Append: </a:t>
             </a:r>
             <a:r>
               <a:rPr lang="ru-RU" dirty="0" smtClean="0"/>
-              <a:t> – сортировка по возрастанию.</a:t>
-            </a:r>
-          </a:p>
-          <a:p>
-            <a:r>
-              <a:rPr lang="en-US" dirty="0" err="1" smtClean="0"/>
-              <a:t>OrderByDescending</a:t>
-            </a:r>
+              <a:t>Добавление элемента в конец коллекции</a:t>
+            </a:r>
+          </a:p>
+          <a:p>
             <a:r>
               <a:rPr lang="en-US" dirty="0" smtClean="0"/>
-              <a:t>()</a:t>
-            </a:r>
-            <a:r>
-              <a:rPr lang="ru-RU" dirty="0"/>
-              <a:t> – сортировка по </a:t>
+              <a:t>Prepend: </a:t>
             </a:r>
             <a:r>
               <a:rPr lang="ru-RU" dirty="0" smtClean="0"/>
-              <a:t>убыванию.</a:t>
-            </a:r>
-          </a:p>
-          <a:p>
-            <a:pPr marL="0" indent="0">
-              <a:buNone/>
-            </a:pPr>
-            <a:endParaRPr lang="ru-RU" dirty="0"/>
-          </a:p>
-          <a:p>
-            <a:pPr marL="0" indent="0">
-              <a:buNone/>
-            </a:pPr>
-            <a:r>
-              <a:rPr lang="ru-RU" dirty="0" smtClean="0"/>
-              <a:t>Оба этих метод</a:t>
-            </a:r>
-            <a:r>
-              <a:rPr lang="ru-RU" dirty="0"/>
-              <a:t>а</a:t>
-            </a:r>
-            <a:r>
-              <a:rPr lang="ru-RU" dirty="0" smtClean="0"/>
-              <a:t> сортируют только по одному полю. Для указания дополнительных полей для сортировки используются методы </a:t>
-            </a:r>
-            <a:r>
-              <a:rPr lang="en-US" dirty="0" err="1" smtClean="0"/>
-              <a:t>ThenBy</a:t>
-            </a:r>
-            <a:r>
-              <a:rPr lang="en-US" dirty="0" smtClean="0"/>
-              <a:t>() </a:t>
-            </a:r>
-            <a:r>
-              <a:rPr lang="ru-RU" dirty="0" smtClean="0"/>
-              <a:t>и </a:t>
-            </a:r>
-            <a:r>
-              <a:rPr lang="en-US" dirty="0" err="1" smtClean="0"/>
-              <a:t>ThenByDescending</a:t>
-            </a:r>
-            <a:r>
-              <a:rPr lang="en-US" dirty="0" smtClean="0"/>
-              <a:t>().</a:t>
-            </a:r>
-          </a:p>
-          <a:p>
-            <a:pPr marL="0" indent="0">
-              <a:buNone/>
-            </a:pPr>
-            <a:endParaRPr lang="en-US" dirty="0"/>
-          </a:p>
-          <a:p>
-            <a:pPr marL="0" indent="0">
-              <a:buNone/>
-            </a:pPr>
-            <a:r>
-              <a:rPr lang="ru-RU" dirty="0" smtClean="0"/>
-              <a:t>Данные методы используют устойчивый (</a:t>
-            </a:r>
-            <a:r>
-              <a:rPr lang="en-US" dirty="0" smtClean="0"/>
-              <a:t>stable</a:t>
-            </a:r>
-            <a:r>
-              <a:rPr lang="ru-RU" dirty="0" smtClean="0"/>
-              <a:t>)</a:t>
-            </a:r>
-            <a:r>
-              <a:rPr lang="en-US" dirty="0" smtClean="0"/>
-              <a:t> </a:t>
-            </a:r>
-            <a:r>
-              <a:rPr lang="ru-RU" dirty="0" smtClean="0"/>
-              <a:t>алгоритм сортировки.</a:t>
+              <a:t>Добавление элемента в </a:t>
+            </a:r>
+            <a:r>
+              <a:rPr lang="ru-RU" smtClean="0"/>
+              <a:t>начало коллекции</a:t>
             </a:r>
             <a:endParaRPr lang="en-US" dirty="0"/>
           </a:p>
@@ -17995,20 +17936,13 @@
     </p:spTree>
     <p:extLst>
       <p:ext uri="{BB962C8B-B14F-4D97-AF65-F5344CB8AC3E}">
-        <p14:creationId xmlns:p14="http://schemas.microsoft.com/office/powerpoint/2010/main" val="451769316"/>
+        <p14:creationId xmlns:p14="http://schemas.microsoft.com/office/powerpoint/2010/main" val="2977323391"/>
       </p:ext>
     </p:extLst>
   </p:cSld>
   <p:clrMapOvr>
     <a:masterClrMapping/>
   </p:clrMapOvr>
-  <p:timing>
-    <p:tnLst>
-      <p:par>
-        <p:cTn id="1" dur="indefinite" restart="never" nodeType="tmRoot"/>
-      </p:par>
-    </p:tnLst>
-  </p:timing>
 </p:sld>
 </file>
 
@@ -18050,7 +17984,7 @@
             </a:r>
             <a:r>
               <a:rPr lang="ru-RU" dirty="0" smtClean="0"/>
-              <a:t>Математика</a:t>
+              <a:t>Сортировка</a:t>
             </a:r>
             <a:endParaRPr lang="en-US" dirty="0"/>
           </a:p>
@@ -18068,54 +18002,114 @@
         </p:nvSpPr>
         <p:spPr/>
         <p:txBody>
-          <a:bodyPr/>
+          <a:bodyPr>
+            <a:normAutofit fontScale="85000" lnSpcReduction="10000"/>
+          </a:bodyPr>
           <a:lstStyle/>
           <a:p>
             <a:r>
+              <a:rPr lang="en-US" dirty="0" err="1"/>
+              <a:t>OrderBy</a:t>
+            </a:r>
+            <a:r>
               <a:rPr lang="en-US" dirty="0" smtClean="0"/>
-              <a:t>Min</a:t>
+              <a:t>()</a:t>
             </a:r>
             <a:r>
               <a:rPr lang="ru-RU" dirty="0" smtClean="0"/>
+              <a:t> – сортировка по возрастанию.</a:t>
+            </a:r>
+          </a:p>
+          <a:p>
+            <a:r>
+              <a:rPr lang="en-US" dirty="0" err="1" smtClean="0"/>
+              <a:t>OrderByDescending</a:t>
+            </a:r>
+            <a:r>
+              <a:rPr lang="en-US" dirty="0" smtClean="0"/>
               <a:t>()</a:t>
             </a:r>
             <a:r>
+              <a:rPr lang="ru-RU" dirty="0"/>
+              <a:t> – сортировка по </a:t>
+            </a:r>
+            <a:r>
+              <a:rPr lang="ru-RU" dirty="0" smtClean="0"/>
+              <a:t>убыванию.</a:t>
+            </a:r>
+          </a:p>
+          <a:p>
+            <a:pPr marL="0" indent="0">
+              <a:buNone/>
+            </a:pPr>
+            <a:endParaRPr lang="ru-RU" dirty="0"/>
+          </a:p>
+          <a:p>
+            <a:pPr marL="0" indent="0">
+              <a:buNone/>
+            </a:pPr>
+            <a:r>
+              <a:rPr lang="ru-RU" dirty="0" smtClean="0"/>
+              <a:t>Оба этих метод</a:t>
+            </a:r>
+            <a:r>
+              <a:rPr lang="ru-RU" dirty="0"/>
+              <a:t>а</a:t>
+            </a:r>
+            <a:r>
+              <a:rPr lang="ru-RU" dirty="0" smtClean="0"/>
+              <a:t> сортируют только по одному полю. Для указания дополнительных полей для сортировки используются методы </a:t>
+            </a:r>
+            <a:r>
+              <a:rPr lang="en-US" dirty="0" err="1" smtClean="0"/>
+              <a:t>ThenBy</a:t>
+            </a:r>
+            <a:r>
               <a:rPr lang="en-US" dirty="0" smtClean="0"/>
-              <a:t> – </a:t>
+              <a:t>() </a:t>
             </a:r>
             <a:r>
               <a:rPr lang="ru-RU" dirty="0" smtClean="0"/>
-              <a:t>минимальное значение</a:t>
-            </a:r>
-          </a:p>
-          <a:p>
+              <a:t>и </a:t>
+            </a:r>
+            <a:r>
+              <a:rPr lang="en-US" dirty="0" err="1" smtClean="0"/>
+              <a:t>ThenByDescending</a:t>
+            </a:r>
             <a:r>
               <a:rPr lang="en-US" dirty="0" smtClean="0"/>
-              <a:t>Max</a:t>
-            </a:r>
+              <a:t>().</a:t>
+            </a:r>
+          </a:p>
+          <a:p>
+            <a:pPr marL="0" indent="0">
+              <a:buNone/>
+            </a:pPr>
+            <a:endParaRPr lang="en-US" dirty="0"/>
+          </a:p>
+          <a:p>
+            <a:pPr marL="0" indent="0">
+              <a:buNone/>
+            </a:pPr>
             <a:r>
               <a:rPr lang="ru-RU" dirty="0" smtClean="0"/>
-              <a:t>() – максимальное значение</a:t>
-            </a:r>
-          </a:p>
-          <a:p>
+              <a:t>Данные методы используют устойчивый (</a:t>
+            </a:r>
             <a:r>
               <a:rPr lang="en-US" dirty="0" smtClean="0"/>
-              <a:t>Average</a:t>
+              <a:t>stable</a:t>
             </a:r>
             <a:r>
               <a:rPr lang="ru-RU" dirty="0" smtClean="0"/>
-              <a:t>() – среднее значение</a:t>
-            </a:r>
-          </a:p>
-          <a:p>
+              <a:t>)</a:t>
+            </a:r>
             <a:r>
               <a:rPr lang="en-US" dirty="0" smtClean="0"/>
-              <a:t>Sum</a:t>
+              <a:t> </a:t>
             </a:r>
             <a:r>
               <a:rPr lang="ru-RU" dirty="0" smtClean="0"/>
-              <a:t>() – сумма значений</a:t>
+              <a:t>алгоритм сортировки.</a:t>
             </a:r>
             <a:endParaRPr lang="en-US" dirty="0"/>
           </a:p>
@@ -18124,7 +18118,7 @@
     </p:spTree>
     <p:extLst>
       <p:ext uri="{BB962C8B-B14F-4D97-AF65-F5344CB8AC3E}">
-        <p14:creationId xmlns:p14="http://schemas.microsoft.com/office/powerpoint/2010/main" val="384543663"/>
+        <p14:creationId xmlns:p14="http://schemas.microsoft.com/office/powerpoint/2010/main" val="451769316"/>
       </p:ext>
     </p:extLst>
   </p:cSld>
@@ -18179,7 +18173,7 @@
             </a:r>
             <a:r>
               <a:rPr lang="ru-RU" dirty="0" smtClean="0"/>
-              <a:t>Другие методы</a:t>
+              <a:t>Математика</a:t>
             </a:r>
             <a:endParaRPr lang="en-US" dirty="0"/>
           </a:p>
@@ -18197,104 +18191,55 @@
         </p:nvSpPr>
         <p:spPr/>
         <p:txBody>
-          <a:bodyPr>
-            <a:normAutofit/>
-          </a:bodyPr>
+          <a:bodyPr/>
           <a:lstStyle/>
           <a:p>
             <a:r>
               <a:rPr lang="en-US" dirty="0" smtClean="0"/>
-              <a:t>Cast&lt;T&gt;()</a:t>
-            </a:r>
-            <a:endParaRPr lang="en-US" dirty="0"/>
-          </a:p>
-          <a:p>
-            <a:r>
-              <a:rPr lang="en-US" dirty="0" err="1" smtClean="0"/>
-              <a:t>OfType</a:t>
-            </a:r>
-            <a:r>
-              <a:rPr lang="en-US" dirty="0" smtClean="0"/>
-              <a:t>&lt;T&gt;()</a:t>
-            </a:r>
-            <a:endParaRPr lang="ru-RU" dirty="0" smtClean="0"/>
-          </a:p>
-          <a:p>
-            <a:r>
-              <a:rPr lang="en-US" dirty="0" smtClean="0"/>
-              <a:t>Count()</a:t>
-            </a:r>
-            <a:r>
-              <a:rPr lang="ru-RU" dirty="0" smtClean="0"/>
-              <a:t>/</a:t>
-            </a:r>
-            <a:r>
-              <a:rPr lang="en-US" dirty="0" err="1" smtClean="0"/>
-              <a:t>LongCount</a:t>
-            </a:r>
-            <a:r>
-              <a:rPr lang="en-US" dirty="0" smtClean="0"/>
-              <a:t>()</a:t>
-            </a:r>
-            <a:endParaRPr lang="ru-RU" dirty="0" smtClean="0"/>
-          </a:p>
-          <a:p>
-            <a:r>
-              <a:rPr lang="en-US" dirty="0" err="1" smtClean="0"/>
-              <a:t>ElementAt</a:t>
-            </a:r>
-            <a:r>
-              <a:rPr lang="en-US" dirty="0" smtClean="0"/>
-              <a:t>()</a:t>
-            </a:r>
-            <a:endParaRPr lang="ru-RU" dirty="0" smtClean="0"/>
-          </a:p>
-          <a:p>
-            <a:r>
-              <a:rPr lang="en-US" dirty="0" smtClean="0"/>
-              <a:t>Skip()/</a:t>
-            </a:r>
-            <a:r>
-              <a:rPr lang="en-US" dirty="0" err="1" smtClean="0"/>
-              <a:t>SkipWhile</a:t>
+              <a:t>Min</a:t>
             </a:r>
             <a:r>
               <a:rPr lang="ru-RU" dirty="0" smtClean="0"/>
               <a:t>()</a:t>
             </a:r>
-            <a:endParaRPr lang="en-US" dirty="0" smtClean="0"/>
-          </a:p>
-          <a:p>
             <a:r>
               <a:rPr lang="en-US" dirty="0" smtClean="0"/>
-              <a:t>Take()/</a:t>
-            </a:r>
-            <a:r>
-              <a:rPr lang="en-US" dirty="0" err="1" smtClean="0"/>
-              <a:t>TakeWhile</a:t>
-            </a:r>
+              <a:t> – </a:t>
+            </a:r>
+            <a:r>
+              <a:rPr lang="ru-RU" dirty="0" smtClean="0"/>
+              <a:t>минимальное значение</a:t>
+            </a:r>
+          </a:p>
+          <a:p>
             <a:r>
               <a:rPr lang="en-US" dirty="0" smtClean="0"/>
-              <a:t>()</a:t>
+              <a:t>Max</a:t>
+            </a:r>
+            <a:r>
+              <a:rPr lang="ru-RU" dirty="0" smtClean="0"/>
+              <a:t>() – максимальное значение</a:t>
             </a:r>
           </a:p>
           <a:p>
             <a:r>
               <a:rPr lang="en-US" dirty="0" smtClean="0"/>
-              <a:t>Reverse()</a:t>
-            </a:r>
-            <a:endParaRPr lang="en-US" dirty="0"/>
-          </a:p>
-          <a:p>
-            <a:pPr marL="0" indent="0">
-              <a:buNone/>
-            </a:pPr>
-            <a:endParaRPr lang="en-US" dirty="0"/>
-          </a:p>
-          <a:p>
-            <a:pPr marL="0" indent="0">
-              <a:buNone/>
-            </a:pPr>
+              <a:t>Average</a:t>
+            </a:r>
+            <a:r>
+              <a:rPr lang="ru-RU" dirty="0" smtClean="0"/>
+              <a:t>() – среднее значение</a:t>
+            </a:r>
+          </a:p>
+          <a:p>
+            <a:r>
+              <a:rPr lang="en-US" dirty="0" smtClean="0"/>
+              <a:t>Sum</a:t>
+            </a:r>
+            <a:r>
+              <a:rPr lang="ru-RU" dirty="0" smtClean="0"/>
+              <a:t>() – сумма значений</a:t>
+            </a:r>
             <a:endParaRPr lang="en-US" dirty="0"/>
           </a:p>
         </p:txBody>
@@ -18302,7 +18247,7 @@
     </p:spTree>
     <p:extLst>
       <p:ext uri="{BB962C8B-B14F-4D97-AF65-F5344CB8AC3E}">
-        <p14:creationId xmlns:p14="http://schemas.microsoft.com/office/powerpoint/2010/main" val="2856452905"/>
+        <p14:creationId xmlns:p14="http://schemas.microsoft.com/office/powerpoint/2010/main" val="384543663"/>
       </p:ext>
     </p:extLst>
   </p:cSld>
@@ -18352,30 +18297,14 @@
           <a:lstStyle/>
           <a:p>
             <a:r>
+              <a:rPr lang="en-US" dirty="0" smtClean="0"/>
+              <a:t>Enumerable. </a:t>
+            </a:r>
+            <a:r>
               <a:rPr lang="ru-RU" dirty="0" smtClean="0"/>
-              <a:t>Метод</a:t>
-            </a:r>
-            <a:r>
-              <a:rPr lang="ru-RU" dirty="0"/>
-              <a:t>ы</a:t>
-            </a:r>
-            <a:r>
-              <a:rPr lang="ru-RU" dirty="0" smtClean="0"/>
-              <a:t> </a:t>
-            </a:r>
-            <a:r>
-              <a:rPr lang="en-US" dirty="0" smtClean="0"/>
-              <a:t>Count()/</a:t>
-            </a:r>
-            <a:r>
-              <a:rPr lang="en-US" dirty="0" err="1" smtClean="0"/>
-              <a:t>LongCount</a:t>
-            </a:r>
-            <a:r>
-              <a:rPr lang="en-US" dirty="0" smtClean="0"/>
-              <a:t>()</a:t>
-            </a:r>
-            <a:endParaRPr lang="ru-RU" dirty="0"/>
+              <a:t>Другие методы</a:t>
+            </a:r>
+            <a:endParaRPr lang="en-US" dirty="0"/>
           </a:p>
         </p:txBody>
       </p:sp>
@@ -18389,795 +18318,114 @@
             <p:ph idx="1"/>
           </p:nvPr>
         </p:nvSpPr>
-        <p:spPr>
-          <a:xfrm>
-            <a:off x="457200" y="1600201"/>
-            <a:ext cx="8229600" cy="676671"/>
-          </a:xfrm>
-        </p:spPr>
+        <p:spPr/>
         <p:txBody>
-          <a:bodyPr/>
+          <a:bodyPr>
+            <a:normAutofit/>
+          </a:bodyPr>
           <a:lstStyle/>
+          <a:p>
+            <a:r>
+              <a:rPr lang="en-US" dirty="0" smtClean="0"/>
+              <a:t>Cast&lt;T&gt;()</a:t>
+            </a:r>
+            <a:endParaRPr lang="en-US" dirty="0"/>
+          </a:p>
+          <a:p>
+            <a:r>
+              <a:rPr lang="en-US" dirty="0" err="1" smtClean="0"/>
+              <a:t>OfType</a:t>
+            </a:r>
+            <a:r>
+              <a:rPr lang="en-US" dirty="0" smtClean="0"/>
+              <a:t>&lt;T&gt;()</a:t>
+            </a:r>
+            <a:endParaRPr lang="ru-RU" dirty="0" smtClean="0"/>
+          </a:p>
+          <a:p>
+            <a:r>
+              <a:rPr lang="en-US" dirty="0" smtClean="0"/>
+              <a:t>Count()</a:t>
+            </a:r>
+            <a:r>
+              <a:rPr lang="ru-RU" dirty="0" smtClean="0"/>
+              <a:t>/</a:t>
+            </a:r>
+            <a:r>
+              <a:rPr lang="en-US" dirty="0" err="1" smtClean="0"/>
+              <a:t>LongCount</a:t>
+            </a:r>
+            <a:r>
+              <a:rPr lang="en-US" dirty="0" smtClean="0"/>
+              <a:t>()</a:t>
+            </a:r>
+            <a:endParaRPr lang="ru-RU" dirty="0" smtClean="0"/>
+          </a:p>
+          <a:p>
+            <a:r>
+              <a:rPr lang="en-US" dirty="0" err="1" smtClean="0"/>
+              <a:t>ElementAt</a:t>
+            </a:r>
+            <a:r>
+              <a:rPr lang="en-US" dirty="0" smtClean="0"/>
+              <a:t>()</a:t>
+            </a:r>
+            <a:endParaRPr lang="ru-RU" dirty="0" smtClean="0"/>
+          </a:p>
+          <a:p>
+            <a:r>
+              <a:rPr lang="en-US" dirty="0" smtClean="0"/>
+              <a:t>Skip()/</a:t>
+            </a:r>
+            <a:r>
+              <a:rPr lang="en-US" dirty="0" err="1" smtClean="0"/>
+              <a:t>SkipWhile</a:t>
+            </a:r>
+            <a:r>
+              <a:rPr lang="ru-RU" dirty="0" smtClean="0"/>
+              <a:t>()</a:t>
+            </a:r>
+            <a:endParaRPr lang="en-US" dirty="0" smtClean="0"/>
+          </a:p>
+          <a:p>
+            <a:r>
+              <a:rPr lang="en-US" dirty="0" smtClean="0"/>
+              <a:t>Take()/</a:t>
+            </a:r>
+            <a:r>
+              <a:rPr lang="en-US" dirty="0" err="1" smtClean="0"/>
+              <a:t>TakeWhile</a:t>
+            </a:r>
+            <a:r>
+              <a:rPr lang="en-US" dirty="0" smtClean="0"/>
+              <a:t>()</a:t>
+            </a:r>
+          </a:p>
+          <a:p>
+            <a:r>
+              <a:rPr lang="en-US" dirty="0" smtClean="0"/>
+              <a:t>Reverse()</a:t>
+            </a:r>
+            <a:endParaRPr lang="en-US" dirty="0"/>
+          </a:p>
           <a:p>
             <a:pPr marL="0" indent="0">
               <a:buNone/>
             </a:pPr>
-            <a:r>
-              <a:rPr lang="ru-RU" dirty="0" smtClean="0"/>
-              <a:t>Подсчет кол-ва элементов в </a:t>
-            </a:r>
-            <a:r>
-              <a:rPr lang="en-US" dirty="0" err="1" smtClean="0"/>
-              <a:t>IEnumerable</a:t>
-            </a:r>
-            <a:r>
-              <a:rPr lang="en-US" dirty="0" smtClean="0"/>
-              <a:t>&lt;T&gt;</a:t>
-            </a:r>
-            <a:endParaRPr lang="ru-RU" dirty="0"/>
-          </a:p>
-        </p:txBody>
-      </p:sp>
-      <p:sp>
-        <p:nvSpPr>
-          <p:cNvPr id="5" name="Content Placeholder 2"/>
-          <p:cNvSpPr txBox="1">
-            <a:spLocks/>
-          </p:cNvSpPr>
-          <p:nvPr/>
-        </p:nvSpPr>
-        <p:spPr>
-          <a:xfrm>
-            <a:off x="453896" y="4449886"/>
-            <a:ext cx="8229600" cy="892696"/>
-          </a:xfrm>
-          <a:prstGeom prst="rect">
-            <a:avLst/>
-          </a:prstGeom>
-        </p:spPr>
-        <p:txBody>
-          <a:bodyPr vert="horz" lIns="91440" tIns="45720" rIns="91440" bIns="45720" rtlCol="0">
-            <a:normAutofit fontScale="92500" lnSpcReduction="20000"/>
-          </a:bodyPr>
-          <a:lstStyle>
-            <a:lvl1pPr marL="342900" indent="-342900" algn="l" defTabSz="914400" rtl="0" eaLnBrk="1" latinLnBrk="0" hangingPunct="1">
-              <a:spcBef>
-                <a:spcPct val="20000"/>
-              </a:spcBef>
-              <a:buFont typeface="Arial" pitchFamily="34" charset="0"/>
-              <a:buChar char="•"/>
-              <a:defRPr sz="3200" kern="1200">
-                <a:solidFill>
-                  <a:schemeClr val="tx1"/>
-                </a:solidFill>
-                <a:latin typeface="+mn-lt"/>
-                <a:ea typeface="+mn-ea"/>
-                <a:cs typeface="+mn-cs"/>
-              </a:defRPr>
-            </a:lvl1pPr>
-            <a:lvl2pPr marL="742950" indent="-285750" algn="l" defTabSz="914400" rtl="0" eaLnBrk="1" latinLnBrk="0" hangingPunct="1">
-              <a:spcBef>
-                <a:spcPct val="20000"/>
-              </a:spcBef>
-              <a:buFont typeface="Arial" pitchFamily="34" charset="0"/>
-              <a:buChar char="–"/>
-              <a:defRPr sz="2800" kern="1200">
-                <a:solidFill>
-                  <a:schemeClr val="tx1"/>
-                </a:solidFill>
-                <a:latin typeface="+mn-lt"/>
-                <a:ea typeface="+mn-ea"/>
-                <a:cs typeface="+mn-cs"/>
-              </a:defRPr>
-            </a:lvl2pPr>
-            <a:lvl3pPr marL="1143000" indent="-228600" algn="l" defTabSz="914400" rtl="0" eaLnBrk="1" latinLnBrk="0" hangingPunct="1">
-              <a:spcBef>
-                <a:spcPct val="20000"/>
-              </a:spcBef>
-              <a:buFont typeface="Arial" pitchFamily="34" charset="0"/>
-              <a:buChar char="•"/>
-              <a:defRPr sz="2400" kern="1200">
-                <a:solidFill>
-                  <a:schemeClr val="tx1"/>
-                </a:solidFill>
-                <a:latin typeface="+mn-lt"/>
-                <a:ea typeface="+mn-ea"/>
-                <a:cs typeface="+mn-cs"/>
-              </a:defRPr>
-            </a:lvl3pPr>
-            <a:lvl4pPr marL="1600200" indent="-228600" algn="l" defTabSz="914400" rtl="0" eaLnBrk="1" latinLnBrk="0" hangingPunct="1">
-              <a:spcBef>
-                <a:spcPct val="20000"/>
-              </a:spcBef>
-              <a:buFont typeface="Arial" pitchFamily="34" charset="0"/>
-              <a:buChar char="–"/>
-              <a:defRPr sz="2000" kern="1200">
-                <a:solidFill>
-                  <a:schemeClr val="tx1"/>
-                </a:solidFill>
-                <a:latin typeface="+mn-lt"/>
-                <a:ea typeface="+mn-ea"/>
-                <a:cs typeface="+mn-cs"/>
-              </a:defRPr>
-            </a:lvl4pPr>
-            <a:lvl5pPr marL="2057400" indent="-228600" algn="l" defTabSz="914400" rtl="0" eaLnBrk="1" latinLnBrk="0" hangingPunct="1">
-              <a:spcBef>
-                <a:spcPct val="20000"/>
-              </a:spcBef>
-              <a:buFont typeface="Arial" pitchFamily="34" charset="0"/>
-              <a:buChar char="»"/>
-              <a:defRPr sz="2000" kern="1200">
-                <a:solidFill>
-                  <a:schemeClr val="tx1"/>
-                </a:solidFill>
-                <a:latin typeface="+mn-lt"/>
-                <a:ea typeface="+mn-ea"/>
-                <a:cs typeface="+mn-cs"/>
-              </a:defRPr>
-            </a:lvl5pPr>
-            <a:lvl6pPr marL="2514600" indent="-228600" algn="l" defTabSz="914400" rtl="0" eaLnBrk="1" latinLnBrk="0" hangingPunct="1">
-              <a:spcBef>
-                <a:spcPct val="20000"/>
-              </a:spcBef>
-              <a:buFont typeface="Arial" pitchFamily="34" charset="0"/>
-              <a:buChar char="•"/>
-              <a:defRPr sz="2000" kern="1200">
-                <a:solidFill>
-                  <a:schemeClr val="tx1"/>
-                </a:solidFill>
-                <a:latin typeface="+mn-lt"/>
-                <a:ea typeface="+mn-ea"/>
-                <a:cs typeface="+mn-cs"/>
-              </a:defRPr>
-            </a:lvl6pPr>
-            <a:lvl7pPr marL="2971800" indent="-228600" algn="l" defTabSz="914400" rtl="0" eaLnBrk="1" latinLnBrk="0" hangingPunct="1">
-              <a:spcBef>
-                <a:spcPct val="20000"/>
-              </a:spcBef>
-              <a:buFont typeface="Arial" pitchFamily="34" charset="0"/>
-              <a:buChar char="•"/>
-              <a:defRPr sz="2000" kern="1200">
-                <a:solidFill>
-                  <a:schemeClr val="tx1"/>
-                </a:solidFill>
-                <a:latin typeface="+mn-lt"/>
-                <a:ea typeface="+mn-ea"/>
-                <a:cs typeface="+mn-cs"/>
-              </a:defRPr>
-            </a:lvl7pPr>
-            <a:lvl8pPr marL="3429000" indent="-228600" algn="l" defTabSz="914400" rtl="0" eaLnBrk="1" latinLnBrk="0" hangingPunct="1">
-              <a:spcBef>
-                <a:spcPct val="20000"/>
-              </a:spcBef>
-              <a:buFont typeface="Arial" pitchFamily="34" charset="0"/>
-              <a:buChar char="•"/>
-              <a:defRPr sz="2000" kern="1200">
-                <a:solidFill>
-                  <a:schemeClr val="tx1"/>
-                </a:solidFill>
-                <a:latin typeface="+mn-lt"/>
-                <a:ea typeface="+mn-ea"/>
-                <a:cs typeface="+mn-cs"/>
-              </a:defRPr>
-            </a:lvl8pPr>
-            <a:lvl9pPr marL="3886200" indent="-228600" algn="l" defTabSz="914400" rtl="0" eaLnBrk="1" latinLnBrk="0" hangingPunct="1">
-              <a:spcBef>
-                <a:spcPct val="20000"/>
-              </a:spcBef>
-              <a:buFont typeface="Arial" pitchFamily="34" charset="0"/>
-              <a:buChar char="•"/>
-              <a:defRPr sz="2000" kern="1200">
-                <a:solidFill>
-                  <a:schemeClr val="tx1"/>
-                </a:solidFill>
-                <a:latin typeface="+mn-lt"/>
-                <a:ea typeface="+mn-ea"/>
-                <a:cs typeface="+mn-cs"/>
-              </a:defRPr>
-            </a:lvl9pPr>
-          </a:lstStyle>
+            <a:endParaRPr lang="en-US" dirty="0"/>
+          </a:p>
           <a:p>
             <a:pPr marL="0" indent="0">
               <a:buNone/>
             </a:pPr>
-            <a:r>
-              <a:rPr lang="ru-RU" dirty="0"/>
-              <a:t>Подсчет кол-ва элементов в </a:t>
-            </a:r>
-            <a:r>
-              <a:rPr lang="en-US" dirty="0" err="1"/>
-              <a:t>IEnumerable</a:t>
-            </a:r>
-            <a:r>
-              <a:rPr lang="en-US" dirty="0"/>
-              <a:t>&lt;T&gt; </a:t>
-            </a:r>
-            <a:r>
-              <a:rPr lang="ru-RU" dirty="0"/>
-              <a:t>удовлетворяющих условию</a:t>
-            </a:r>
-          </a:p>
-        </p:txBody>
-      </p:sp>
-      <p:sp>
-        <p:nvSpPr>
-          <p:cNvPr id="7" name="Rectangle 6"/>
-          <p:cNvSpPr/>
-          <p:nvPr/>
-        </p:nvSpPr>
-        <p:spPr>
-          <a:xfrm>
-            <a:off x="453896" y="5457998"/>
-            <a:ext cx="7934528" cy="923330"/>
-          </a:xfrm>
-          <a:prstGeom prst="rect">
-            <a:avLst/>
-          </a:prstGeom>
-          <a:solidFill>
-            <a:schemeClr val="bg1"/>
-          </a:solidFill>
-        </p:spPr>
-        <p:txBody>
-          <a:bodyPr wrap="square">
-            <a:spAutoFit/>
-          </a:bodyPr>
-          <a:lstStyle/>
-          <a:p>
-            <a:r>
-              <a:rPr lang="en-US" dirty="0">
-                <a:solidFill>
-                  <a:srgbClr val="0000FF"/>
-                </a:solidFill>
-                <a:highlight>
-                  <a:srgbClr val="FFFFFF"/>
-                </a:highlight>
-                <a:latin typeface="Consolas"/>
-              </a:rPr>
-              <a:t>string</a:t>
-            </a:r>
-            <a:r>
-              <a:rPr lang="en-US" dirty="0">
-                <a:solidFill>
-                  <a:srgbClr val="000000"/>
-                </a:solidFill>
-                <a:highlight>
-                  <a:srgbClr val="FFFFFF"/>
-                </a:highlight>
-                <a:latin typeface="Consolas"/>
-              </a:rPr>
-              <a:t> text = </a:t>
-            </a:r>
-            <a:r>
-              <a:rPr lang="en-US" dirty="0">
-                <a:solidFill>
-                  <a:srgbClr val="A31515"/>
-                </a:solidFill>
-                <a:highlight>
-                  <a:srgbClr val="FFFFFF"/>
-                </a:highlight>
-                <a:latin typeface="Consolas"/>
-              </a:rPr>
-              <a:t>"Hello World!"</a:t>
-            </a:r>
-            <a:r>
-              <a:rPr lang="en-US" dirty="0">
-                <a:solidFill>
-                  <a:srgbClr val="000000"/>
-                </a:solidFill>
-                <a:highlight>
-                  <a:srgbClr val="FFFFFF"/>
-                </a:highlight>
-                <a:latin typeface="Consolas"/>
-              </a:rPr>
-              <a:t>;</a:t>
-            </a:r>
-          </a:p>
-          <a:p>
-            <a:r>
-              <a:rPr lang="en-US" dirty="0" err="1">
-                <a:solidFill>
-                  <a:srgbClr val="0000FF"/>
-                </a:solidFill>
-                <a:highlight>
-                  <a:srgbClr val="FFFFFF"/>
-                </a:highlight>
-                <a:latin typeface="Consolas"/>
-              </a:rPr>
-              <a:t>int</a:t>
-            </a:r>
-            <a:r>
-              <a:rPr lang="en-US" dirty="0">
-                <a:solidFill>
-                  <a:srgbClr val="000000"/>
-                </a:solidFill>
-                <a:highlight>
-                  <a:srgbClr val="FFFFFF"/>
-                </a:highlight>
-                <a:latin typeface="Consolas"/>
-              </a:rPr>
-              <a:t> </a:t>
-            </a:r>
-            <a:r>
-              <a:rPr lang="en-US" dirty="0" err="1">
-                <a:solidFill>
-                  <a:srgbClr val="000000"/>
-                </a:solidFill>
-                <a:highlight>
-                  <a:srgbClr val="FFFFFF"/>
-                </a:highlight>
-                <a:latin typeface="Consolas"/>
-              </a:rPr>
-              <a:t>upperCaseCount</a:t>
-            </a:r>
-            <a:r>
-              <a:rPr lang="en-US" dirty="0">
-                <a:solidFill>
-                  <a:srgbClr val="000000"/>
-                </a:solidFill>
-                <a:highlight>
-                  <a:srgbClr val="FFFFFF"/>
-                </a:highlight>
-                <a:latin typeface="Consolas"/>
-              </a:rPr>
-              <a:t> = </a:t>
-            </a:r>
-            <a:r>
-              <a:rPr lang="en-US" dirty="0" err="1">
-                <a:solidFill>
-                  <a:srgbClr val="000000"/>
-                </a:solidFill>
-                <a:highlight>
-                  <a:srgbClr val="FFFFFF"/>
-                </a:highlight>
-                <a:latin typeface="Consolas"/>
-              </a:rPr>
-              <a:t>text.Count</a:t>
-            </a:r>
-            <a:r>
-              <a:rPr lang="en-US" dirty="0">
-                <a:solidFill>
-                  <a:srgbClr val="000000"/>
-                </a:solidFill>
-                <a:highlight>
-                  <a:srgbClr val="FFFFFF"/>
-                </a:highlight>
-                <a:latin typeface="Consolas"/>
-              </a:rPr>
-              <a:t>(</a:t>
-            </a:r>
-            <a:r>
-              <a:rPr lang="en-US" dirty="0" err="1">
-                <a:solidFill>
-                  <a:srgbClr val="0000FF"/>
-                </a:solidFill>
-                <a:highlight>
-                  <a:srgbClr val="FFFFFF"/>
-                </a:highlight>
-                <a:latin typeface="Consolas"/>
-              </a:rPr>
-              <a:t>char</a:t>
-            </a:r>
-            <a:r>
-              <a:rPr lang="en-US" dirty="0" err="1">
-                <a:solidFill>
-                  <a:srgbClr val="000000"/>
-                </a:solidFill>
-                <a:highlight>
-                  <a:srgbClr val="FFFFFF"/>
-                </a:highlight>
-                <a:latin typeface="Consolas"/>
-              </a:rPr>
-              <a:t>.IsUpper</a:t>
-            </a:r>
-            <a:r>
-              <a:rPr lang="en-US" dirty="0">
-                <a:solidFill>
-                  <a:srgbClr val="000000"/>
-                </a:solidFill>
-                <a:highlight>
-                  <a:srgbClr val="FFFFFF"/>
-                </a:highlight>
-                <a:latin typeface="Consolas"/>
-              </a:rPr>
-              <a:t>);</a:t>
-            </a:r>
-          </a:p>
-          <a:p>
-            <a:r>
-              <a:rPr lang="en-US" dirty="0" err="1">
-                <a:solidFill>
-                  <a:srgbClr val="2B91AF"/>
-                </a:solidFill>
-                <a:highlight>
-                  <a:srgbClr val="FFFFFF"/>
-                </a:highlight>
-                <a:latin typeface="Consolas"/>
-              </a:rPr>
-              <a:t>Console</a:t>
-            </a:r>
-            <a:r>
-              <a:rPr lang="en-US" dirty="0" err="1">
-                <a:solidFill>
-                  <a:srgbClr val="000000"/>
-                </a:solidFill>
-                <a:highlight>
-                  <a:srgbClr val="FFFFFF"/>
-                </a:highlight>
-                <a:latin typeface="Consolas"/>
-              </a:rPr>
-              <a:t>.WriteLine</a:t>
-            </a:r>
-            <a:r>
-              <a:rPr lang="en-US" dirty="0">
-                <a:solidFill>
-                  <a:srgbClr val="000000"/>
-                </a:solidFill>
-                <a:highlight>
-                  <a:srgbClr val="FFFFFF"/>
-                </a:highlight>
-                <a:latin typeface="Consolas"/>
-              </a:rPr>
-              <a:t>(</a:t>
-            </a:r>
-            <a:r>
-              <a:rPr lang="en-US" dirty="0" err="1">
-                <a:solidFill>
-                  <a:srgbClr val="000000"/>
-                </a:solidFill>
-                <a:highlight>
-                  <a:srgbClr val="FFFFFF"/>
-                </a:highlight>
-                <a:latin typeface="Consolas"/>
-              </a:rPr>
-              <a:t>upperCaseCount</a:t>
-            </a:r>
-            <a:r>
-              <a:rPr lang="en-US" dirty="0">
-                <a:solidFill>
-                  <a:srgbClr val="000000"/>
-                </a:solidFill>
-                <a:highlight>
-                  <a:srgbClr val="FFFFFF"/>
-                </a:highlight>
-                <a:latin typeface="Consolas"/>
-              </a:rPr>
-              <a:t>);</a:t>
-            </a:r>
-          </a:p>
-        </p:txBody>
-      </p:sp>
-      <p:sp>
-        <p:nvSpPr>
-          <p:cNvPr id="9" name="Rectangle 8"/>
-          <p:cNvSpPr/>
-          <p:nvPr/>
-        </p:nvSpPr>
-        <p:spPr>
-          <a:xfrm>
-            <a:off x="457200" y="2276872"/>
-            <a:ext cx="7931224" cy="646331"/>
-          </a:xfrm>
-          <a:prstGeom prst="rect">
-            <a:avLst/>
-          </a:prstGeom>
-          <a:solidFill>
-            <a:schemeClr val="bg1"/>
-          </a:solidFill>
-        </p:spPr>
-        <p:txBody>
-          <a:bodyPr wrap="square">
-            <a:spAutoFit/>
-          </a:bodyPr>
-          <a:lstStyle/>
-          <a:p>
-            <a:r>
-              <a:rPr lang="en-US" dirty="0" err="1">
-                <a:solidFill>
-                  <a:srgbClr val="0000FF"/>
-                </a:solidFill>
-                <a:highlight>
-                  <a:srgbClr val="FFFFFF"/>
-                </a:highlight>
-                <a:latin typeface="Consolas"/>
-              </a:rPr>
-              <a:t>var</a:t>
-            </a:r>
-            <a:r>
-              <a:rPr lang="en-US" dirty="0">
-                <a:solidFill>
-                  <a:srgbClr val="000000"/>
-                </a:solidFill>
-                <a:highlight>
-                  <a:srgbClr val="FFFFFF"/>
-                </a:highlight>
-                <a:latin typeface="Consolas"/>
-              </a:rPr>
-              <a:t> scores = </a:t>
-            </a:r>
-            <a:r>
-              <a:rPr lang="en-US" dirty="0">
-                <a:solidFill>
-                  <a:srgbClr val="0000FF"/>
-                </a:solidFill>
-                <a:highlight>
-                  <a:srgbClr val="FFFFFF"/>
-                </a:highlight>
-                <a:latin typeface="Consolas"/>
-              </a:rPr>
-              <a:t>new</a:t>
-            </a:r>
-            <a:r>
-              <a:rPr lang="en-US" dirty="0">
-                <a:solidFill>
-                  <a:srgbClr val="000000"/>
-                </a:solidFill>
-                <a:highlight>
-                  <a:srgbClr val="FFFFFF"/>
-                </a:highlight>
-                <a:latin typeface="Consolas"/>
-              </a:rPr>
-              <a:t>[] { 73, 77, 89, 90, 92, 77 };</a:t>
-            </a:r>
-          </a:p>
-          <a:p>
-            <a:r>
-              <a:rPr lang="en-US" dirty="0" err="1">
-                <a:solidFill>
-                  <a:srgbClr val="0000FF"/>
-                </a:solidFill>
-                <a:highlight>
-                  <a:srgbClr val="FFFFFF"/>
-                </a:highlight>
-                <a:latin typeface="Consolas"/>
-              </a:rPr>
-              <a:t>int</a:t>
-            </a:r>
-            <a:r>
-              <a:rPr lang="en-US" dirty="0">
-                <a:solidFill>
-                  <a:srgbClr val="000000"/>
-                </a:solidFill>
-                <a:highlight>
-                  <a:srgbClr val="FFFFFF"/>
-                </a:highlight>
-                <a:latin typeface="Consolas"/>
-              </a:rPr>
-              <a:t> </a:t>
-            </a:r>
-            <a:r>
-              <a:rPr lang="en-US" dirty="0" err="1">
-                <a:solidFill>
-                  <a:srgbClr val="000000"/>
-                </a:solidFill>
-                <a:highlight>
-                  <a:srgbClr val="FFFFFF"/>
-                </a:highlight>
-                <a:latin typeface="Consolas"/>
-              </a:rPr>
-              <a:t>scoreCount</a:t>
-            </a:r>
-            <a:r>
-              <a:rPr lang="en-US" dirty="0">
-                <a:solidFill>
-                  <a:srgbClr val="000000"/>
-                </a:solidFill>
-                <a:highlight>
-                  <a:srgbClr val="FFFFFF"/>
-                </a:highlight>
-                <a:latin typeface="Consolas"/>
-              </a:rPr>
-              <a:t> = </a:t>
-            </a:r>
-            <a:r>
-              <a:rPr lang="en-US" dirty="0" err="1">
-                <a:solidFill>
-                  <a:srgbClr val="000000"/>
-                </a:solidFill>
-                <a:highlight>
-                  <a:srgbClr val="FFFFFF"/>
-                </a:highlight>
-                <a:latin typeface="Consolas"/>
-              </a:rPr>
-              <a:t>scores.Count</a:t>
-            </a:r>
-            <a:r>
-              <a:rPr lang="en-US" dirty="0">
-                <a:solidFill>
-                  <a:srgbClr val="000000"/>
-                </a:solidFill>
-                <a:highlight>
-                  <a:srgbClr val="FFFFFF"/>
-                </a:highlight>
-                <a:latin typeface="Consolas"/>
-              </a:rPr>
-              <a:t>();</a:t>
-            </a:r>
-          </a:p>
-        </p:txBody>
-      </p:sp>
-      <p:sp>
-        <p:nvSpPr>
-          <p:cNvPr id="10" name="Content Placeholder 2"/>
-          <p:cNvSpPr txBox="1">
-            <a:spLocks/>
-          </p:cNvSpPr>
-          <p:nvPr/>
-        </p:nvSpPr>
-        <p:spPr>
-          <a:xfrm>
-            <a:off x="453896" y="3068960"/>
-            <a:ext cx="8229600" cy="936104"/>
-          </a:xfrm>
-          <a:prstGeom prst="rect">
-            <a:avLst/>
-          </a:prstGeom>
-        </p:spPr>
-        <p:txBody>
-          <a:bodyPr vert="horz" lIns="91440" tIns="45720" rIns="91440" bIns="45720" rtlCol="0">
-            <a:normAutofit/>
-          </a:bodyPr>
-          <a:lstStyle>
-            <a:lvl1pPr marL="342900" indent="-342900" algn="l" defTabSz="914400" rtl="0" eaLnBrk="1" latinLnBrk="0" hangingPunct="1">
-              <a:spcBef>
-                <a:spcPct val="20000"/>
-              </a:spcBef>
-              <a:buFont typeface="Arial" pitchFamily="34" charset="0"/>
-              <a:buChar char="•"/>
-              <a:defRPr sz="3200" kern="1200">
-                <a:solidFill>
-                  <a:schemeClr val="tx1"/>
-                </a:solidFill>
-                <a:latin typeface="+mn-lt"/>
-                <a:ea typeface="+mn-ea"/>
-                <a:cs typeface="+mn-cs"/>
-              </a:defRPr>
-            </a:lvl1pPr>
-            <a:lvl2pPr marL="742950" indent="-285750" algn="l" defTabSz="914400" rtl="0" eaLnBrk="1" latinLnBrk="0" hangingPunct="1">
-              <a:spcBef>
-                <a:spcPct val="20000"/>
-              </a:spcBef>
-              <a:buFont typeface="Arial" pitchFamily="34" charset="0"/>
-              <a:buChar char="–"/>
-              <a:defRPr sz="2800" kern="1200">
-                <a:solidFill>
-                  <a:schemeClr val="tx1"/>
-                </a:solidFill>
-                <a:latin typeface="+mn-lt"/>
-                <a:ea typeface="+mn-ea"/>
-                <a:cs typeface="+mn-cs"/>
-              </a:defRPr>
-            </a:lvl2pPr>
-            <a:lvl3pPr marL="1143000" indent="-228600" algn="l" defTabSz="914400" rtl="0" eaLnBrk="1" latinLnBrk="0" hangingPunct="1">
-              <a:spcBef>
-                <a:spcPct val="20000"/>
-              </a:spcBef>
-              <a:buFont typeface="Arial" pitchFamily="34" charset="0"/>
-              <a:buChar char="•"/>
-              <a:defRPr sz="2400" kern="1200">
-                <a:solidFill>
-                  <a:schemeClr val="tx1"/>
-                </a:solidFill>
-                <a:latin typeface="+mn-lt"/>
-                <a:ea typeface="+mn-ea"/>
-                <a:cs typeface="+mn-cs"/>
-              </a:defRPr>
-            </a:lvl3pPr>
-            <a:lvl4pPr marL="1600200" indent="-228600" algn="l" defTabSz="914400" rtl="0" eaLnBrk="1" latinLnBrk="0" hangingPunct="1">
-              <a:spcBef>
-                <a:spcPct val="20000"/>
-              </a:spcBef>
-              <a:buFont typeface="Arial" pitchFamily="34" charset="0"/>
-              <a:buChar char="–"/>
-              <a:defRPr sz="2000" kern="1200">
-                <a:solidFill>
-                  <a:schemeClr val="tx1"/>
-                </a:solidFill>
-                <a:latin typeface="+mn-lt"/>
-                <a:ea typeface="+mn-ea"/>
-                <a:cs typeface="+mn-cs"/>
-              </a:defRPr>
-            </a:lvl4pPr>
-            <a:lvl5pPr marL="2057400" indent="-228600" algn="l" defTabSz="914400" rtl="0" eaLnBrk="1" latinLnBrk="0" hangingPunct="1">
-              <a:spcBef>
-                <a:spcPct val="20000"/>
-              </a:spcBef>
-              <a:buFont typeface="Arial" pitchFamily="34" charset="0"/>
-              <a:buChar char="»"/>
-              <a:defRPr sz="2000" kern="1200">
-                <a:solidFill>
-                  <a:schemeClr val="tx1"/>
-                </a:solidFill>
-                <a:latin typeface="+mn-lt"/>
-                <a:ea typeface="+mn-ea"/>
-                <a:cs typeface="+mn-cs"/>
-              </a:defRPr>
-            </a:lvl5pPr>
-            <a:lvl6pPr marL="2514600" indent="-228600" algn="l" defTabSz="914400" rtl="0" eaLnBrk="1" latinLnBrk="0" hangingPunct="1">
-              <a:spcBef>
-                <a:spcPct val="20000"/>
-              </a:spcBef>
-              <a:buFont typeface="Arial" pitchFamily="34" charset="0"/>
-              <a:buChar char="•"/>
-              <a:defRPr sz="2000" kern="1200">
-                <a:solidFill>
-                  <a:schemeClr val="tx1"/>
-                </a:solidFill>
-                <a:latin typeface="+mn-lt"/>
-                <a:ea typeface="+mn-ea"/>
-                <a:cs typeface="+mn-cs"/>
-              </a:defRPr>
-            </a:lvl6pPr>
-            <a:lvl7pPr marL="2971800" indent="-228600" algn="l" defTabSz="914400" rtl="0" eaLnBrk="1" latinLnBrk="0" hangingPunct="1">
-              <a:spcBef>
-                <a:spcPct val="20000"/>
-              </a:spcBef>
-              <a:buFont typeface="Arial" pitchFamily="34" charset="0"/>
-              <a:buChar char="•"/>
-              <a:defRPr sz="2000" kern="1200">
-                <a:solidFill>
-                  <a:schemeClr val="tx1"/>
-                </a:solidFill>
-                <a:latin typeface="+mn-lt"/>
-                <a:ea typeface="+mn-ea"/>
-                <a:cs typeface="+mn-cs"/>
-              </a:defRPr>
-            </a:lvl7pPr>
-            <a:lvl8pPr marL="3429000" indent="-228600" algn="l" defTabSz="914400" rtl="0" eaLnBrk="1" latinLnBrk="0" hangingPunct="1">
-              <a:spcBef>
-                <a:spcPct val="20000"/>
-              </a:spcBef>
-              <a:buFont typeface="Arial" pitchFamily="34" charset="0"/>
-              <a:buChar char="•"/>
-              <a:defRPr sz="2000" kern="1200">
-                <a:solidFill>
-                  <a:schemeClr val="tx1"/>
-                </a:solidFill>
-                <a:latin typeface="+mn-lt"/>
-                <a:ea typeface="+mn-ea"/>
-                <a:cs typeface="+mn-cs"/>
-              </a:defRPr>
-            </a:lvl8pPr>
-            <a:lvl9pPr marL="3886200" indent="-228600" algn="l" defTabSz="914400" rtl="0" eaLnBrk="1" latinLnBrk="0" hangingPunct="1">
-              <a:spcBef>
-                <a:spcPct val="20000"/>
-              </a:spcBef>
-              <a:buFont typeface="Arial" pitchFamily="34" charset="0"/>
-              <a:buChar char="•"/>
-              <a:defRPr sz="2000" kern="1200">
-                <a:solidFill>
-                  <a:schemeClr val="tx1"/>
-                </a:solidFill>
-                <a:latin typeface="+mn-lt"/>
-                <a:ea typeface="+mn-ea"/>
-                <a:cs typeface="+mn-cs"/>
-              </a:defRPr>
-            </a:lvl9pPr>
-          </a:lstStyle>
-          <a:p>
-            <a:pPr marL="0" indent="0">
-              <a:buFont typeface="Arial" pitchFamily="34" charset="0"/>
-              <a:buNone/>
-            </a:pPr>
-            <a:r>
-              <a:rPr lang="ru-RU" sz="2400" dirty="0" smtClean="0"/>
-              <a:t>Если у коллекции есть свойство </a:t>
-            </a:r>
-            <a:r>
-              <a:rPr lang="en-US" sz="2400" dirty="0" smtClean="0"/>
-              <a:t>Length/Count, </a:t>
-            </a:r>
-            <a:r>
-              <a:rPr lang="ru-RU" sz="2400" dirty="0" smtClean="0"/>
-              <a:t>то лучше использовать его.</a:t>
-            </a:r>
-            <a:endParaRPr lang="ru-RU" sz="2400" dirty="0"/>
+            <a:endParaRPr lang="en-US" dirty="0"/>
           </a:p>
         </p:txBody>
       </p:sp>
     </p:spTree>
     <p:extLst>
       <p:ext uri="{BB962C8B-B14F-4D97-AF65-F5344CB8AC3E}">
-        <p14:creationId xmlns:p14="http://schemas.microsoft.com/office/powerpoint/2010/main" val="1427488650"/>
+        <p14:creationId xmlns:p14="http://schemas.microsoft.com/office/powerpoint/2010/main" val="2856452905"/>
       </p:ext>
     </p:extLst>
   </p:cSld>
@@ -19227,6 +18475,881 @@
           <a:lstStyle/>
           <a:p>
             <a:r>
+              <a:rPr lang="ru-RU" dirty="0" smtClean="0"/>
+              <a:t>Метод</a:t>
+            </a:r>
+            <a:r>
+              <a:rPr lang="ru-RU" dirty="0"/>
+              <a:t>ы</a:t>
+            </a:r>
+            <a:r>
+              <a:rPr lang="ru-RU" dirty="0" smtClean="0"/>
+              <a:t> </a:t>
+            </a:r>
+            <a:r>
+              <a:rPr lang="en-US" dirty="0" smtClean="0"/>
+              <a:t>Count()/</a:t>
+            </a:r>
+            <a:r>
+              <a:rPr lang="en-US" dirty="0" err="1" smtClean="0"/>
+              <a:t>LongCount</a:t>
+            </a:r>
+            <a:r>
+              <a:rPr lang="en-US" dirty="0" smtClean="0"/>
+              <a:t>()</a:t>
+            </a:r>
+            <a:endParaRPr lang="ru-RU" dirty="0"/>
+          </a:p>
+        </p:txBody>
+      </p:sp>
+      <p:sp>
+        <p:nvSpPr>
+          <p:cNvPr id="3" name="Content Placeholder 2"/>
+          <p:cNvSpPr>
+            <a:spLocks noGrp="1"/>
+          </p:cNvSpPr>
+          <p:nvPr>
+            <p:ph idx="1"/>
+          </p:nvPr>
+        </p:nvSpPr>
+        <p:spPr>
+          <a:xfrm>
+            <a:off x="457200" y="1600201"/>
+            <a:ext cx="8229600" cy="676671"/>
+          </a:xfrm>
+        </p:spPr>
+        <p:txBody>
+          <a:bodyPr/>
+          <a:lstStyle/>
+          <a:p>
+            <a:pPr marL="0" indent="0">
+              <a:buNone/>
+            </a:pPr>
+            <a:r>
+              <a:rPr lang="ru-RU" dirty="0" smtClean="0"/>
+              <a:t>Подсчет кол-ва элементов в </a:t>
+            </a:r>
+            <a:r>
+              <a:rPr lang="en-US" dirty="0" err="1" smtClean="0"/>
+              <a:t>IEnumerable</a:t>
+            </a:r>
+            <a:r>
+              <a:rPr lang="en-US" dirty="0" smtClean="0"/>
+              <a:t>&lt;T&gt;</a:t>
+            </a:r>
+            <a:endParaRPr lang="ru-RU" dirty="0"/>
+          </a:p>
+        </p:txBody>
+      </p:sp>
+      <p:sp>
+        <p:nvSpPr>
+          <p:cNvPr id="5" name="Content Placeholder 2"/>
+          <p:cNvSpPr txBox="1">
+            <a:spLocks/>
+          </p:cNvSpPr>
+          <p:nvPr/>
+        </p:nvSpPr>
+        <p:spPr>
+          <a:xfrm>
+            <a:off x="453896" y="4449886"/>
+            <a:ext cx="8229600" cy="892696"/>
+          </a:xfrm>
+          <a:prstGeom prst="rect">
+            <a:avLst/>
+          </a:prstGeom>
+        </p:spPr>
+        <p:txBody>
+          <a:bodyPr vert="horz" lIns="91440" tIns="45720" rIns="91440" bIns="45720" rtlCol="0">
+            <a:normAutofit fontScale="92500" lnSpcReduction="20000"/>
+          </a:bodyPr>
+          <a:lstStyle>
+            <a:lvl1pPr marL="342900" indent="-342900" algn="l" defTabSz="914400" rtl="0" eaLnBrk="1" latinLnBrk="0" hangingPunct="1">
+              <a:spcBef>
+                <a:spcPct val="20000"/>
+              </a:spcBef>
+              <a:buFont typeface="Arial" pitchFamily="34" charset="0"/>
+              <a:buChar char="•"/>
+              <a:defRPr sz="3200" kern="1200">
+                <a:solidFill>
+                  <a:schemeClr val="tx1"/>
+                </a:solidFill>
+                <a:latin typeface="+mn-lt"/>
+                <a:ea typeface="+mn-ea"/>
+                <a:cs typeface="+mn-cs"/>
+              </a:defRPr>
+            </a:lvl1pPr>
+            <a:lvl2pPr marL="742950" indent="-285750" algn="l" defTabSz="914400" rtl="0" eaLnBrk="1" latinLnBrk="0" hangingPunct="1">
+              <a:spcBef>
+                <a:spcPct val="20000"/>
+              </a:spcBef>
+              <a:buFont typeface="Arial" pitchFamily="34" charset="0"/>
+              <a:buChar char="–"/>
+              <a:defRPr sz="2800" kern="1200">
+                <a:solidFill>
+                  <a:schemeClr val="tx1"/>
+                </a:solidFill>
+                <a:latin typeface="+mn-lt"/>
+                <a:ea typeface="+mn-ea"/>
+                <a:cs typeface="+mn-cs"/>
+              </a:defRPr>
+            </a:lvl2pPr>
+            <a:lvl3pPr marL="1143000" indent="-228600" algn="l" defTabSz="914400" rtl="0" eaLnBrk="1" latinLnBrk="0" hangingPunct="1">
+              <a:spcBef>
+                <a:spcPct val="20000"/>
+              </a:spcBef>
+              <a:buFont typeface="Arial" pitchFamily="34" charset="0"/>
+              <a:buChar char="•"/>
+              <a:defRPr sz="2400" kern="1200">
+                <a:solidFill>
+                  <a:schemeClr val="tx1"/>
+                </a:solidFill>
+                <a:latin typeface="+mn-lt"/>
+                <a:ea typeface="+mn-ea"/>
+                <a:cs typeface="+mn-cs"/>
+              </a:defRPr>
+            </a:lvl3pPr>
+            <a:lvl4pPr marL="1600200" indent="-228600" algn="l" defTabSz="914400" rtl="0" eaLnBrk="1" latinLnBrk="0" hangingPunct="1">
+              <a:spcBef>
+                <a:spcPct val="20000"/>
+              </a:spcBef>
+              <a:buFont typeface="Arial" pitchFamily="34" charset="0"/>
+              <a:buChar char="–"/>
+              <a:defRPr sz="2000" kern="1200">
+                <a:solidFill>
+                  <a:schemeClr val="tx1"/>
+                </a:solidFill>
+                <a:latin typeface="+mn-lt"/>
+                <a:ea typeface="+mn-ea"/>
+                <a:cs typeface="+mn-cs"/>
+              </a:defRPr>
+            </a:lvl4pPr>
+            <a:lvl5pPr marL="2057400" indent="-228600" algn="l" defTabSz="914400" rtl="0" eaLnBrk="1" latinLnBrk="0" hangingPunct="1">
+              <a:spcBef>
+                <a:spcPct val="20000"/>
+              </a:spcBef>
+              <a:buFont typeface="Arial" pitchFamily="34" charset="0"/>
+              <a:buChar char="»"/>
+              <a:defRPr sz="2000" kern="1200">
+                <a:solidFill>
+                  <a:schemeClr val="tx1"/>
+                </a:solidFill>
+                <a:latin typeface="+mn-lt"/>
+                <a:ea typeface="+mn-ea"/>
+                <a:cs typeface="+mn-cs"/>
+              </a:defRPr>
+            </a:lvl5pPr>
+            <a:lvl6pPr marL="2514600" indent="-228600" algn="l" defTabSz="914400" rtl="0" eaLnBrk="1" latinLnBrk="0" hangingPunct="1">
+              <a:spcBef>
+                <a:spcPct val="20000"/>
+              </a:spcBef>
+              <a:buFont typeface="Arial" pitchFamily="34" charset="0"/>
+              <a:buChar char="•"/>
+              <a:defRPr sz="2000" kern="1200">
+                <a:solidFill>
+                  <a:schemeClr val="tx1"/>
+                </a:solidFill>
+                <a:latin typeface="+mn-lt"/>
+                <a:ea typeface="+mn-ea"/>
+                <a:cs typeface="+mn-cs"/>
+              </a:defRPr>
+            </a:lvl6pPr>
+            <a:lvl7pPr marL="2971800" indent="-228600" algn="l" defTabSz="914400" rtl="0" eaLnBrk="1" latinLnBrk="0" hangingPunct="1">
+              <a:spcBef>
+                <a:spcPct val="20000"/>
+              </a:spcBef>
+              <a:buFont typeface="Arial" pitchFamily="34" charset="0"/>
+              <a:buChar char="•"/>
+              <a:defRPr sz="2000" kern="1200">
+                <a:solidFill>
+                  <a:schemeClr val="tx1"/>
+                </a:solidFill>
+                <a:latin typeface="+mn-lt"/>
+                <a:ea typeface="+mn-ea"/>
+                <a:cs typeface="+mn-cs"/>
+              </a:defRPr>
+            </a:lvl7pPr>
+            <a:lvl8pPr marL="3429000" indent="-228600" algn="l" defTabSz="914400" rtl="0" eaLnBrk="1" latinLnBrk="0" hangingPunct="1">
+              <a:spcBef>
+                <a:spcPct val="20000"/>
+              </a:spcBef>
+              <a:buFont typeface="Arial" pitchFamily="34" charset="0"/>
+              <a:buChar char="•"/>
+              <a:defRPr sz="2000" kern="1200">
+                <a:solidFill>
+                  <a:schemeClr val="tx1"/>
+                </a:solidFill>
+                <a:latin typeface="+mn-lt"/>
+                <a:ea typeface="+mn-ea"/>
+                <a:cs typeface="+mn-cs"/>
+              </a:defRPr>
+            </a:lvl8pPr>
+            <a:lvl9pPr marL="3886200" indent="-228600" algn="l" defTabSz="914400" rtl="0" eaLnBrk="1" latinLnBrk="0" hangingPunct="1">
+              <a:spcBef>
+                <a:spcPct val="20000"/>
+              </a:spcBef>
+              <a:buFont typeface="Arial" pitchFamily="34" charset="0"/>
+              <a:buChar char="•"/>
+              <a:defRPr sz="2000" kern="1200">
+                <a:solidFill>
+                  <a:schemeClr val="tx1"/>
+                </a:solidFill>
+                <a:latin typeface="+mn-lt"/>
+                <a:ea typeface="+mn-ea"/>
+                <a:cs typeface="+mn-cs"/>
+              </a:defRPr>
+            </a:lvl9pPr>
+          </a:lstStyle>
+          <a:p>
+            <a:pPr marL="0" indent="0">
+              <a:buNone/>
+            </a:pPr>
+            <a:r>
+              <a:rPr lang="ru-RU" dirty="0"/>
+              <a:t>Подсчет кол-ва элементов в </a:t>
+            </a:r>
+            <a:r>
+              <a:rPr lang="en-US" dirty="0" err="1"/>
+              <a:t>IEnumerable</a:t>
+            </a:r>
+            <a:r>
+              <a:rPr lang="en-US" dirty="0"/>
+              <a:t>&lt;T&gt; </a:t>
+            </a:r>
+            <a:r>
+              <a:rPr lang="ru-RU" dirty="0"/>
+              <a:t>удовлетворяющих условию</a:t>
+            </a:r>
+          </a:p>
+        </p:txBody>
+      </p:sp>
+      <p:sp>
+        <p:nvSpPr>
+          <p:cNvPr id="7" name="Rectangle 6"/>
+          <p:cNvSpPr/>
+          <p:nvPr/>
+        </p:nvSpPr>
+        <p:spPr>
+          <a:xfrm>
+            <a:off x="453896" y="5457998"/>
+            <a:ext cx="7934528" cy="923330"/>
+          </a:xfrm>
+          <a:prstGeom prst="rect">
+            <a:avLst/>
+          </a:prstGeom>
+          <a:solidFill>
+            <a:schemeClr val="bg1"/>
+          </a:solidFill>
+        </p:spPr>
+        <p:txBody>
+          <a:bodyPr wrap="square">
+            <a:spAutoFit/>
+          </a:bodyPr>
+          <a:lstStyle/>
+          <a:p>
+            <a:r>
+              <a:rPr lang="en-US" dirty="0">
+                <a:solidFill>
+                  <a:srgbClr val="0000FF"/>
+                </a:solidFill>
+                <a:highlight>
+                  <a:srgbClr val="FFFFFF"/>
+                </a:highlight>
+                <a:latin typeface="Consolas"/>
+              </a:rPr>
+              <a:t>string</a:t>
+            </a:r>
+            <a:r>
+              <a:rPr lang="en-US" dirty="0">
+                <a:solidFill>
+                  <a:srgbClr val="000000"/>
+                </a:solidFill>
+                <a:highlight>
+                  <a:srgbClr val="FFFFFF"/>
+                </a:highlight>
+                <a:latin typeface="Consolas"/>
+              </a:rPr>
+              <a:t> text = </a:t>
+            </a:r>
+            <a:r>
+              <a:rPr lang="en-US" dirty="0">
+                <a:solidFill>
+                  <a:srgbClr val="A31515"/>
+                </a:solidFill>
+                <a:highlight>
+                  <a:srgbClr val="FFFFFF"/>
+                </a:highlight>
+                <a:latin typeface="Consolas"/>
+              </a:rPr>
+              <a:t>"Hello World!"</a:t>
+            </a:r>
+            <a:r>
+              <a:rPr lang="en-US" dirty="0">
+                <a:solidFill>
+                  <a:srgbClr val="000000"/>
+                </a:solidFill>
+                <a:highlight>
+                  <a:srgbClr val="FFFFFF"/>
+                </a:highlight>
+                <a:latin typeface="Consolas"/>
+              </a:rPr>
+              <a:t>;</a:t>
+            </a:r>
+          </a:p>
+          <a:p>
+            <a:r>
+              <a:rPr lang="en-US" dirty="0" err="1">
+                <a:solidFill>
+                  <a:srgbClr val="0000FF"/>
+                </a:solidFill>
+                <a:highlight>
+                  <a:srgbClr val="FFFFFF"/>
+                </a:highlight>
+                <a:latin typeface="Consolas"/>
+              </a:rPr>
+              <a:t>int</a:t>
+            </a:r>
+            <a:r>
+              <a:rPr lang="en-US" dirty="0">
+                <a:solidFill>
+                  <a:srgbClr val="000000"/>
+                </a:solidFill>
+                <a:highlight>
+                  <a:srgbClr val="FFFFFF"/>
+                </a:highlight>
+                <a:latin typeface="Consolas"/>
+              </a:rPr>
+              <a:t> </a:t>
+            </a:r>
+            <a:r>
+              <a:rPr lang="en-US" dirty="0" err="1">
+                <a:solidFill>
+                  <a:srgbClr val="000000"/>
+                </a:solidFill>
+                <a:highlight>
+                  <a:srgbClr val="FFFFFF"/>
+                </a:highlight>
+                <a:latin typeface="Consolas"/>
+              </a:rPr>
+              <a:t>upperCaseCount</a:t>
+            </a:r>
+            <a:r>
+              <a:rPr lang="en-US" dirty="0">
+                <a:solidFill>
+                  <a:srgbClr val="000000"/>
+                </a:solidFill>
+                <a:highlight>
+                  <a:srgbClr val="FFFFFF"/>
+                </a:highlight>
+                <a:latin typeface="Consolas"/>
+              </a:rPr>
+              <a:t> = </a:t>
+            </a:r>
+            <a:r>
+              <a:rPr lang="en-US" dirty="0" err="1">
+                <a:solidFill>
+                  <a:srgbClr val="000000"/>
+                </a:solidFill>
+                <a:highlight>
+                  <a:srgbClr val="FFFFFF"/>
+                </a:highlight>
+                <a:latin typeface="Consolas"/>
+              </a:rPr>
+              <a:t>text.Count</a:t>
+            </a:r>
+            <a:r>
+              <a:rPr lang="en-US" dirty="0">
+                <a:solidFill>
+                  <a:srgbClr val="000000"/>
+                </a:solidFill>
+                <a:highlight>
+                  <a:srgbClr val="FFFFFF"/>
+                </a:highlight>
+                <a:latin typeface="Consolas"/>
+              </a:rPr>
+              <a:t>(</a:t>
+            </a:r>
+            <a:r>
+              <a:rPr lang="en-US" dirty="0" err="1">
+                <a:solidFill>
+                  <a:srgbClr val="0000FF"/>
+                </a:solidFill>
+                <a:highlight>
+                  <a:srgbClr val="FFFFFF"/>
+                </a:highlight>
+                <a:latin typeface="Consolas"/>
+              </a:rPr>
+              <a:t>char</a:t>
+            </a:r>
+            <a:r>
+              <a:rPr lang="en-US" dirty="0" err="1">
+                <a:solidFill>
+                  <a:srgbClr val="000000"/>
+                </a:solidFill>
+                <a:highlight>
+                  <a:srgbClr val="FFFFFF"/>
+                </a:highlight>
+                <a:latin typeface="Consolas"/>
+              </a:rPr>
+              <a:t>.IsUpper</a:t>
+            </a:r>
+            <a:r>
+              <a:rPr lang="en-US" dirty="0">
+                <a:solidFill>
+                  <a:srgbClr val="000000"/>
+                </a:solidFill>
+                <a:highlight>
+                  <a:srgbClr val="FFFFFF"/>
+                </a:highlight>
+                <a:latin typeface="Consolas"/>
+              </a:rPr>
+              <a:t>);</a:t>
+            </a:r>
+          </a:p>
+          <a:p>
+            <a:r>
+              <a:rPr lang="en-US" dirty="0" err="1">
+                <a:solidFill>
+                  <a:srgbClr val="2B91AF"/>
+                </a:solidFill>
+                <a:highlight>
+                  <a:srgbClr val="FFFFFF"/>
+                </a:highlight>
+                <a:latin typeface="Consolas"/>
+              </a:rPr>
+              <a:t>Console</a:t>
+            </a:r>
+            <a:r>
+              <a:rPr lang="en-US" dirty="0" err="1">
+                <a:solidFill>
+                  <a:srgbClr val="000000"/>
+                </a:solidFill>
+                <a:highlight>
+                  <a:srgbClr val="FFFFFF"/>
+                </a:highlight>
+                <a:latin typeface="Consolas"/>
+              </a:rPr>
+              <a:t>.WriteLine</a:t>
+            </a:r>
+            <a:r>
+              <a:rPr lang="en-US" dirty="0">
+                <a:solidFill>
+                  <a:srgbClr val="000000"/>
+                </a:solidFill>
+                <a:highlight>
+                  <a:srgbClr val="FFFFFF"/>
+                </a:highlight>
+                <a:latin typeface="Consolas"/>
+              </a:rPr>
+              <a:t>(</a:t>
+            </a:r>
+            <a:r>
+              <a:rPr lang="en-US" dirty="0" err="1">
+                <a:solidFill>
+                  <a:srgbClr val="000000"/>
+                </a:solidFill>
+                <a:highlight>
+                  <a:srgbClr val="FFFFFF"/>
+                </a:highlight>
+                <a:latin typeface="Consolas"/>
+              </a:rPr>
+              <a:t>upperCaseCount</a:t>
+            </a:r>
+            <a:r>
+              <a:rPr lang="en-US" dirty="0">
+                <a:solidFill>
+                  <a:srgbClr val="000000"/>
+                </a:solidFill>
+                <a:highlight>
+                  <a:srgbClr val="FFFFFF"/>
+                </a:highlight>
+                <a:latin typeface="Consolas"/>
+              </a:rPr>
+              <a:t>);</a:t>
+            </a:r>
+          </a:p>
+        </p:txBody>
+      </p:sp>
+      <p:sp>
+        <p:nvSpPr>
+          <p:cNvPr id="9" name="Rectangle 8"/>
+          <p:cNvSpPr/>
+          <p:nvPr/>
+        </p:nvSpPr>
+        <p:spPr>
+          <a:xfrm>
+            <a:off x="457200" y="2276872"/>
+            <a:ext cx="7931224" cy="646331"/>
+          </a:xfrm>
+          <a:prstGeom prst="rect">
+            <a:avLst/>
+          </a:prstGeom>
+          <a:solidFill>
+            <a:schemeClr val="bg1"/>
+          </a:solidFill>
+        </p:spPr>
+        <p:txBody>
+          <a:bodyPr wrap="square">
+            <a:spAutoFit/>
+          </a:bodyPr>
+          <a:lstStyle/>
+          <a:p>
+            <a:r>
+              <a:rPr lang="en-US" dirty="0" err="1">
+                <a:solidFill>
+                  <a:srgbClr val="0000FF"/>
+                </a:solidFill>
+                <a:highlight>
+                  <a:srgbClr val="FFFFFF"/>
+                </a:highlight>
+                <a:latin typeface="Consolas"/>
+              </a:rPr>
+              <a:t>var</a:t>
+            </a:r>
+            <a:r>
+              <a:rPr lang="en-US" dirty="0">
+                <a:solidFill>
+                  <a:srgbClr val="000000"/>
+                </a:solidFill>
+                <a:highlight>
+                  <a:srgbClr val="FFFFFF"/>
+                </a:highlight>
+                <a:latin typeface="Consolas"/>
+              </a:rPr>
+              <a:t> scores = </a:t>
+            </a:r>
+            <a:r>
+              <a:rPr lang="en-US" dirty="0">
+                <a:solidFill>
+                  <a:srgbClr val="0000FF"/>
+                </a:solidFill>
+                <a:highlight>
+                  <a:srgbClr val="FFFFFF"/>
+                </a:highlight>
+                <a:latin typeface="Consolas"/>
+              </a:rPr>
+              <a:t>new</a:t>
+            </a:r>
+            <a:r>
+              <a:rPr lang="en-US" dirty="0">
+                <a:solidFill>
+                  <a:srgbClr val="000000"/>
+                </a:solidFill>
+                <a:highlight>
+                  <a:srgbClr val="FFFFFF"/>
+                </a:highlight>
+                <a:latin typeface="Consolas"/>
+              </a:rPr>
+              <a:t>[] { 73, 77, 89, 90, 92, 77 };</a:t>
+            </a:r>
+          </a:p>
+          <a:p>
+            <a:r>
+              <a:rPr lang="en-US" dirty="0" err="1">
+                <a:solidFill>
+                  <a:srgbClr val="0000FF"/>
+                </a:solidFill>
+                <a:highlight>
+                  <a:srgbClr val="FFFFFF"/>
+                </a:highlight>
+                <a:latin typeface="Consolas"/>
+              </a:rPr>
+              <a:t>int</a:t>
+            </a:r>
+            <a:r>
+              <a:rPr lang="en-US" dirty="0">
+                <a:solidFill>
+                  <a:srgbClr val="000000"/>
+                </a:solidFill>
+                <a:highlight>
+                  <a:srgbClr val="FFFFFF"/>
+                </a:highlight>
+                <a:latin typeface="Consolas"/>
+              </a:rPr>
+              <a:t> </a:t>
+            </a:r>
+            <a:r>
+              <a:rPr lang="en-US" dirty="0" err="1">
+                <a:solidFill>
+                  <a:srgbClr val="000000"/>
+                </a:solidFill>
+                <a:highlight>
+                  <a:srgbClr val="FFFFFF"/>
+                </a:highlight>
+                <a:latin typeface="Consolas"/>
+              </a:rPr>
+              <a:t>scoreCount</a:t>
+            </a:r>
+            <a:r>
+              <a:rPr lang="en-US" dirty="0">
+                <a:solidFill>
+                  <a:srgbClr val="000000"/>
+                </a:solidFill>
+                <a:highlight>
+                  <a:srgbClr val="FFFFFF"/>
+                </a:highlight>
+                <a:latin typeface="Consolas"/>
+              </a:rPr>
+              <a:t> = </a:t>
+            </a:r>
+            <a:r>
+              <a:rPr lang="en-US" dirty="0" err="1">
+                <a:solidFill>
+                  <a:srgbClr val="000000"/>
+                </a:solidFill>
+                <a:highlight>
+                  <a:srgbClr val="FFFFFF"/>
+                </a:highlight>
+                <a:latin typeface="Consolas"/>
+              </a:rPr>
+              <a:t>scores.Count</a:t>
+            </a:r>
+            <a:r>
+              <a:rPr lang="en-US" dirty="0">
+                <a:solidFill>
+                  <a:srgbClr val="000000"/>
+                </a:solidFill>
+                <a:highlight>
+                  <a:srgbClr val="FFFFFF"/>
+                </a:highlight>
+                <a:latin typeface="Consolas"/>
+              </a:rPr>
+              <a:t>();</a:t>
+            </a:r>
+          </a:p>
+        </p:txBody>
+      </p:sp>
+      <p:sp>
+        <p:nvSpPr>
+          <p:cNvPr id="10" name="Content Placeholder 2"/>
+          <p:cNvSpPr txBox="1">
+            <a:spLocks/>
+          </p:cNvSpPr>
+          <p:nvPr/>
+        </p:nvSpPr>
+        <p:spPr>
+          <a:xfrm>
+            <a:off x="453896" y="3068960"/>
+            <a:ext cx="8229600" cy="936104"/>
+          </a:xfrm>
+          <a:prstGeom prst="rect">
+            <a:avLst/>
+          </a:prstGeom>
+        </p:spPr>
+        <p:txBody>
+          <a:bodyPr vert="horz" lIns="91440" tIns="45720" rIns="91440" bIns="45720" rtlCol="0">
+            <a:normAutofit/>
+          </a:bodyPr>
+          <a:lstStyle>
+            <a:lvl1pPr marL="342900" indent="-342900" algn="l" defTabSz="914400" rtl="0" eaLnBrk="1" latinLnBrk="0" hangingPunct="1">
+              <a:spcBef>
+                <a:spcPct val="20000"/>
+              </a:spcBef>
+              <a:buFont typeface="Arial" pitchFamily="34" charset="0"/>
+              <a:buChar char="•"/>
+              <a:defRPr sz="3200" kern="1200">
+                <a:solidFill>
+                  <a:schemeClr val="tx1"/>
+                </a:solidFill>
+                <a:latin typeface="+mn-lt"/>
+                <a:ea typeface="+mn-ea"/>
+                <a:cs typeface="+mn-cs"/>
+              </a:defRPr>
+            </a:lvl1pPr>
+            <a:lvl2pPr marL="742950" indent="-285750" algn="l" defTabSz="914400" rtl="0" eaLnBrk="1" latinLnBrk="0" hangingPunct="1">
+              <a:spcBef>
+                <a:spcPct val="20000"/>
+              </a:spcBef>
+              <a:buFont typeface="Arial" pitchFamily="34" charset="0"/>
+              <a:buChar char="–"/>
+              <a:defRPr sz="2800" kern="1200">
+                <a:solidFill>
+                  <a:schemeClr val="tx1"/>
+                </a:solidFill>
+                <a:latin typeface="+mn-lt"/>
+                <a:ea typeface="+mn-ea"/>
+                <a:cs typeface="+mn-cs"/>
+              </a:defRPr>
+            </a:lvl2pPr>
+            <a:lvl3pPr marL="1143000" indent="-228600" algn="l" defTabSz="914400" rtl="0" eaLnBrk="1" latinLnBrk="0" hangingPunct="1">
+              <a:spcBef>
+                <a:spcPct val="20000"/>
+              </a:spcBef>
+              <a:buFont typeface="Arial" pitchFamily="34" charset="0"/>
+              <a:buChar char="•"/>
+              <a:defRPr sz="2400" kern="1200">
+                <a:solidFill>
+                  <a:schemeClr val="tx1"/>
+                </a:solidFill>
+                <a:latin typeface="+mn-lt"/>
+                <a:ea typeface="+mn-ea"/>
+                <a:cs typeface="+mn-cs"/>
+              </a:defRPr>
+            </a:lvl3pPr>
+            <a:lvl4pPr marL="1600200" indent="-228600" algn="l" defTabSz="914400" rtl="0" eaLnBrk="1" latinLnBrk="0" hangingPunct="1">
+              <a:spcBef>
+                <a:spcPct val="20000"/>
+              </a:spcBef>
+              <a:buFont typeface="Arial" pitchFamily="34" charset="0"/>
+              <a:buChar char="–"/>
+              <a:defRPr sz="2000" kern="1200">
+                <a:solidFill>
+                  <a:schemeClr val="tx1"/>
+                </a:solidFill>
+                <a:latin typeface="+mn-lt"/>
+                <a:ea typeface="+mn-ea"/>
+                <a:cs typeface="+mn-cs"/>
+              </a:defRPr>
+            </a:lvl4pPr>
+            <a:lvl5pPr marL="2057400" indent="-228600" algn="l" defTabSz="914400" rtl="0" eaLnBrk="1" latinLnBrk="0" hangingPunct="1">
+              <a:spcBef>
+                <a:spcPct val="20000"/>
+              </a:spcBef>
+              <a:buFont typeface="Arial" pitchFamily="34" charset="0"/>
+              <a:buChar char="»"/>
+              <a:defRPr sz="2000" kern="1200">
+                <a:solidFill>
+                  <a:schemeClr val="tx1"/>
+                </a:solidFill>
+                <a:latin typeface="+mn-lt"/>
+                <a:ea typeface="+mn-ea"/>
+                <a:cs typeface="+mn-cs"/>
+              </a:defRPr>
+            </a:lvl5pPr>
+            <a:lvl6pPr marL="2514600" indent="-228600" algn="l" defTabSz="914400" rtl="0" eaLnBrk="1" latinLnBrk="0" hangingPunct="1">
+              <a:spcBef>
+                <a:spcPct val="20000"/>
+              </a:spcBef>
+              <a:buFont typeface="Arial" pitchFamily="34" charset="0"/>
+              <a:buChar char="•"/>
+              <a:defRPr sz="2000" kern="1200">
+                <a:solidFill>
+                  <a:schemeClr val="tx1"/>
+                </a:solidFill>
+                <a:latin typeface="+mn-lt"/>
+                <a:ea typeface="+mn-ea"/>
+                <a:cs typeface="+mn-cs"/>
+              </a:defRPr>
+            </a:lvl6pPr>
+            <a:lvl7pPr marL="2971800" indent="-228600" algn="l" defTabSz="914400" rtl="0" eaLnBrk="1" latinLnBrk="0" hangingPunct="1">
+              <a:spcBef>
+                <a:spcPct val="20000"/>
+              </a:spcBef>
+              <a:buFont typeface="Arial" pitchFamily="34" charset="0"/>
+              <a:buChar char="•"/>
+              <a:defRPr sz="2000" kern="1200">
+                <a:solidFill>
+                  <a:schemeClr val="tx1"/>
+                </a:solidFill>
+                <a:latin typeface="+mn-lt"/>
+                <a:ea typeface="+mn-ea"/>
+                <a:cs typeface="+mn-cs"/>
+              </a:defRPr>
+            </a:lvl7pPr>
+            <a:lvl8pPr marL="3429000" indent="-228600" algn="l" defTabSz="914400" rtl="0" eaLnBrk="1" latinLnBrk="0" hangingPunct="1">
+              <a:spcBef>
+                <a:spcPct val="20000"/>
+              </a:spcBef>
+              <a:buFont typeface="Arial" pitchFamily="34" charset="0"/>
+              <a:buChar char="•"/>
+              <a:defRPr sz="2000" kern="1200">
+                <a:solidFill>
+                  <a:schemeClr val="tx1"/>
+                </a:solidFill>
+                <a:latin typeface="+mn-lt"/>
+                <a:ea typeface="+mn-ea"/>
+                <a:cs typeface="+mn-cs"/>
+              </a:defRPr>
+            </a:lvl8pPr>
+            <a:lvl9pPr marL="3886200" indent="-228600" algn="l" defTabSz="914400" rtl="0" eaLnBrk="1" latinLnBrk="0" hangingPunct="1">
+              <a:spcBef>
+                <a:spcPct val="20000"/>
+              </a:spcBef>
+              <a:buFont typeface="Arial" pitchFamily="34" charset="0"/>
+              <a:buChar char="•"/>
+              <a:defRPr sz="2000" kern="1200">
+                <a:solidFill>
+                  <a:schemeClr val="tx1"/>
+                </a:solidFill>
+                <a:latin typeface="+mn-lt"/>
+                <a:ea typeface="+mn-ea"/>
+                <a:cs typeface="+mn-cs"/>
+              </a:defRPr>
+            </a:lvl9pPr>
+          </a:lstStyle>
+          <a:p>
+            <a:pPr marL="0" indent="0">
+              <a:buFont typeface="Arial" pitchFamily="34" charset="0"/>
+              <a:buNone/>
+            </a:pPr>
+            <a:r>
+              <a:rPr lang="ru-RU" sz="2400" dirty="0" smtClean="0"/>
+              <a:t>Если у коллекции есть свойство </a:t>
+            </a:r>
+            <a:r>
+              <a:rPr lang="en-US" sz="2400" dirty="0" smtClean="0"/>
+              <a:t>Length/Count, </a:t>
+            </a:r>
+            <a:r>
+              <a:rPr lang="ru-RU" sz="2400" dirty="0" smtClean="0"/>
+              <a:t>то лучше использовать его.</a:t>
+            </a:r>
+            <a:endParaRPr lang="ru-RU" sz="2400" dirty="0"/>
+          </a:p>
+        </p:txBody>
+      </p:sp>
+    </p:spTree>
+    <p:extLst>
+      <p:ext uri="{BB962C8B-B14F-4D97-AF65-F5344CB8AC3E}">
+        <p14:creationId xmlns:p14="http://schemas.microsoft.com/office/powerpoint/2010/main" val="1427488650"/>
+      </p:ext>
+    </p:extLst>
+  </p:cSld>
+  <p:clrMapOvr>
+    <a:masterClrMapping/>
+  </p:clrMapOvr>
+  <p:timing>
+    <p:tnLst>
+      <p:par>
+        <p:cTn id="1" dur="indefinite" restart="never" nodeType="tmRoot"/>
+      </p:par>
+    </p:tnLst>
+  </p:timing>
+</p:sld>
+</file>
+
+<file path=ppt/slides/slide38.xml><?xml version="1.0" encoding="utf-8"?>
+<p:sld xmlns:a="http://schemas.openxmlformats.org/drawingml/2006/main" xmlns:r="http://schemas.openxmlformats.org/officeDocument/2006/relationships" xmlns:p="http://schemas.openxmlformats.org/presentationml/2006/main">
+  <p:cSld>
+    <p:spTree>
+      <p:nvGrpSpPr>
+        <p:cNvPr id="1" name=""/>
+        <p:cNvGrpSpPr/>
+        <p:nvPr/>
+      </p:nvGrpSpPr>
+      <p:grpSpPr>
+        <a:xfrm>
+          <a:off x="0" y="0"/>
+          <a:ext cx="0" cy="0"/>
+          <a:chOff x="0" y="0"/>
+          <a:chExt cx="0" cy="0"/>
+        </a:xfrm>
+      </p:grpSpPr>
+      <p:sp>
+        <p:nvSpPr>
+          <p:cNvPr id="2" name="Title 1"/>
+          <p:cNvSpPr>
+            <a:spLocks noGrp="1"/>
+          </p:cNvSpPr>
+          <p:nvPr>
+            <p:ph type="title"/>
+          </p:nvPr>
+        </p:nvSpPr>
+        <p:spPr/>
+        <p:txBody>
+          <a:bodyPr/>
+          <a:lstStyle/>
+          <a:p>
+            <a:r>
               <a:rPr lang="en-US" dirty="0" smtClean="0"/>
               <a:t>Enumerable. </a:t>
             </a:r>
@@ -19455,7 +19578,7 @@
 </p:sld>
 </file>
 
-<file path=ppt/slides/slide38.xml><?xml version="1.0" encoding="utf-8"?>
+<file path=ppt/slides/slide39.xml><?xml version="1.0" encoding="utf-8"?>
 <p:sld xmlns:a="http://schemas.openxmlformats.org/drawingml/2006/main" xmlns:r="http://schemas.openxmlformats.org/officeDocument/2006/relationships" xmlns:p="http://schemas.openxmlformats.org/presentationml/2006/main">
   <p:cSld>
     <p:bg>
@@ -19564,1852 +19687,6 @@
 </p:sld>
 </file>
 
-<file path=ppt/slides/slide39.xml><?xml version="1.0" encoding="utf-8"?>
-<p:sld xmlns:a="http://schemas.openxmlformats.org/drawingml/2006/main" xmlns:r="http://schemas.openxmlformats.org/officeDocument/2006/relationships" xmlns:p="http://schemas.openxmlformats.org/presentationml/2006/main">
-  <p:cSld>
-    <p:spTree>
-      <p:nvGrpSpPr>
-        <p:cNvPr id="1" name=""/>
-        <p:cNvGrpSpPr/>
-        <p:nvPr/>
-      </p:nvGrpSpPr>
-      <p:grpSpPr>
-        <a:xfrm>
-          <a:off x="0" y="0"/>
-          <a:ext cx="0" cy="0"/>
-          <a:chOff x="0" y="0"/>
-          <a:chExt cx="0" cy="0"/>
-        </a:xfrm>
-      </p:grpSpPr>
-      <p:sp>
-        <p:nvSpPr>
-          <p:cNvPr id="2" name="Title 1"/>
-          <p:cNvSpPr>
-            <a:spLocks noGrp="1"/>
-          </p:cNvSpPr>
-          <p:nvPr>
-            <p:ph type="title"/>
-          </p:nvPr>
-        </p:nvSpPr>
-        <p:spPr>
-          <a:xfrm>
-            <a:off x="457200" y="274638"/>
-            <a:ext cx="8229600" cy="1143000"/>
-          </a:xfrm>
-        </p:spPr>
-        <p:txBody>
-          <a:bodyPr/>
-          <a:lstStyle/>
-          <a:p>
-            <a:r>
-              <a:rPr lang="ru-RU" dirty="0" smtClean="0"/>
-              <a:t>Ключевые слова </a:t>
-            </a:r>
-            <a:r>
-              <a:rPr lang="en-US" dirty="0" smtClean="0"/>
-              <a:t>LINQ</a:t>
-            </a:r>
-            <a:endParaRPr lang="ru-RU" dirty="0"/>
-          </a:p>
-        </p:txBody>
-      </p:sp>
-      <p:graphicFrame>
-        <p:nvGraphicFramePr>
-          <p:cNvPr id="4" name="Table 3"/>
-          <p:cNvGraphicFramePr>
-            <a:graphicFrameLocks noGrp="1"/>
-          </p:cNvGraphicFramePr>
-          <p:nvPr>
-            <p:extLst>
-              <p:ext uri="{D42A27DB-BD31-4B8C-83A1-F6EECF244321}">
-                <p14:modId xmlns:p14="http://schemas.microsoft.com/office/powerpoint/2010/main" val="3755987268"/>
-              </p:ext>
-            </p:extLst>
-          </p:nvPr>
-        </p:nvGraphicFramePr>
-        <p:xfrm>
-          <a:off x="534380" y="1268760"/>
-          <a:ext cx="8075240" cy="5303410"/>
-        </p:xfrm>
-        <a:graphic>
-          <a:graphicData uri="http://schemas.openxmlformats.org/drawingml/2006/table">
-            <a:tbl>
-              <a:tblPr/>
-              <a:tblGrid>
-                <a:gridCol w="1013284">
-                  <a:extLst>
-                    <a:ext uri="{9D8B030D-6E8A-4147-A177-3AD203B41FA5}">
-                      <a16:colId xmlns:a16="http://schemas.microsoft.com/office/drawing/2014/main" val="20000"/>
-                    </a:ext>
-                  </a:extLst>
-                </a:gridCol>
-                <a:gridCol w="7061956">
-                  <a:extLst>
-                    <a:ext uri="{9D8B030D-6E8A-4147-A177-3AD203B41FA5}">
-                      <a16:colId xmlns:a16="http://schemas.microsoft.com/office/drawing/2014/main" val="20001"/>
-                    </a:ext>
-                  </a:extLst>
-                </a:gridCol>
-              </a:tblGrid>
-              <a:tr h="320018">
-                <a:tc>
-                  <a:txBody>
-                    <a:bodyPr/>
-                    <a:lstStyle/>
-                    <a:p>
-                      <a:pPr algn="ctr"/>
-                      <a:r>
-                        <a:rPr lang="en-US" sz="1400" b="1" dirty="0"/>
-                        <a:t>from </a:t>
-                      </a:r>
-                    </a:p>
-                  </a:txBody>
-                  <a:tcPr marL="45717" marR="45717" marT="22858" marB="22858" anchor="ctr">
-                    <a:lnL w="12700" cap="flat" cmpd="sng" algn="ctr">
-                      <a:solidFill>
-                        <a:schemeClr val="bg1"/>
-                      </a:solidFill>
-                      <a:prstDash val="solid"/>
-                      <a:round/>
-                      <a:headEnd type="none" w="med" len="med"/>
-                      <a:tailEnd type="none" w="med" len="med"/>
-                    </a:lnL>
-                    <a:lnR w="12700" cap="flat" cmpd="sng" algn="ctr">
-                      <a:solidFill>
-                        <a:schemeClr val="bg1"/>
-                      </a:solidFill>
-                      <a:prstDash val="solid"/>
-                      <a:round/>
-                      <a:headEnd type="none" w="med" len="med"/>
-                      <a:tailEnd type="none" w="med" len="med"/>
-                    </a:lnR>
-                    <a:lnT w="12700" cap="flat" cmpd="sng" algn="ctr">
-                      <a:solidFill>
-                        <a:schemeClr val="bg1"/>
-                      </a:solidFill>
-                      <a:prstDash val="solid"/>
-                      <a:round/>
-                      <a:headEnd type="none" w="med" len="med"/>
-                      <a:tailEnd type="none" w="med" len="med"/>
-                    </a:lnT>
-                    <a:lnB w="12700" cap="flat" cmpd="sng" algn="ctr">
-                      <a:solidFill>
-                        <a:schemeClr val="bg1"/>
-                      </a:solidFill>
-                      <a:prstDash val="solid"/>
-                      <a:round/>
-                      <a:headEnd type="none" w="med" len="med"/>
-                      <a:tailEnd type="none" w="med" len="med"/>
-                    </a:lnB>
-                  </a:tcPr>
-                </a:tc>
-                <a:tc>
-                  <a:txBody>
-                    <a:bodyPr/>
-                    <a:lstStyle/>
-                    <a:p>
-                      <a:r>
-                        <a:rPr lang="ru-RU" sz="1400" dirty="0" smtClean="0"/>
-                        <a:t>Указывает</a:t>
-                      </a:r>
-                      <a:r>
-                        <a:rPr lang="ru-RU" sz="1400" baseline="0" dirty="0" smtClean="0"/>
-                        <a:t> источник данных и переменную итерации</a:t>
-                      </a:r>
-                      <a:endParaRPr lang="en-US" sz="1400" dirty="0"/>
-                    </a:p>
-                  </a:txBody>
-                  <a:tcPr marL="45717" marR="45717" marT="22858" marB="22858" anchor="ctr">
-                    <a:lnL w="12700" cap="flat" cmpd="sng" algn="ctr">
-                      <a:solidFill>
-                        <a:schemeClr val="bg1"/>
-                      </a:solidFill>
-                      <a:prstDash val="solid"/>
-                      <a:round/>
-                      <a:headEnd type="none" w="med" len="med"/>
-                      <a:tailEnd type="none" w="med" len="med"/>
-                    </a:lnL>
-                    <a:lnR w="12700" cap="flat" cmpd="sng" algn="ctr">
-                      <a:solidFill>
-                        <a:schemeClr val="bg1"/>
-                      </a:solidFill>
-                      <a:prstDash val="solid"/>
-                      <a:round/>
-                      <a:headEnd type="none" w="med" len="med"/>
-                      <a:tailEnd type="none" w="med" len="med"/>
-                    </a:lnR>
-                    <a:lnT w="12700" cap="flat" cmpd="sng" algn="ctr">
-                      <a:solidFill>
-                        <a:schemeClr val="bg1"/>
-                      </a:solidFill>
-                      <a:prstDash val="solid"/>
-                      <a:round/>
-                      <a:headEnd type="none" w="med" len="med"/>
-                      <a:tailEnd type="none" w="med" len="med"/>
-                    </a:lnT>
-                    <a:lnB w="12700" cap="flat" cmpd="sng" algn="ctr">
-                      <a:solidFill>
-                        <a:schemeClr val="bg1"/>
-                      </a:solidFill>
-                      <a:prstDash val="solid"/>
-                      <a:round/>
-                      <a:headEnd type="none" w="med" len="med"/>
-                      <a:tailEnd type="none" w="med" len="med"/>
-                    </a:lnB>
-                  </a:tcPr>
-                </a:tc>
-                <a:extLst>
-                  <a:ext uri="{0D108BD9-81ED-4DB2-BD59-A6C34878D82A}">
-                    <a16:rowId xmlns:a16="http://schemas.microsoft.com/office/drawing/2014/main" val="10000"/>
-                  </a:ext>
-                </a:extLst>
-              </a:tr>
-              <a:tr h="457168">
-                <a:tc>
-                  <a:txBody>
-                    <a:bodyPr/>
-                    <a:lstStyle/>
-                    <a:p>
-                      <a:pPr algn="ctr"/>
-                      <a:r>
-                        <a:rPr lang="en-US" sz="1400" b="1" dirty="0"/>
-                        <a:t>where </a:t>
-                      </a:r>
-                    </a:p>
-                  </a:txBody>
-                  <a:tcPr marL="45717" marR="45717" marT="22858" marB="22858" anchor="ctr">
-                    <a:lnL w="12700" cap="flat" cmpd="sng" algn="ctr">
-                      <a:solidFill>
-                        <a:schemeClr val="bg1"/>
-                      </a:solidFill>
-                      <a:prstDash val="solid"/>
-                      <a:round/>
-                      <a:headEnd type="none" w="med" len="med"/>
-                      <a:tailEnd type="none" w="med" len="med"/>
-                    </a:lnL>
-                    <a:lnR w="12700" cap="flat" cmpd="sng" algn="ctr">
-                      <a:solidFill>
-                        <a:schemeClr val="bg1"/>
-                      </a:solidFill>
-                      <a:prstDash val="solid"/>
-                      <a:round/>
-                      <a:headEnd type="none" w="med" len="med"/>
-                      <a:tailEnd type="none" w="med" len="med"/>
-                    </a:lnR>
-                    <a:lnT w="12700" cap="flat" cmpd="sng" algn="ctr">
-                      <a:solidFill>
-                        <a:schemeClr val="bg1"/>
-                      </a:solidFill>
-                      <a:prstDash val="solid"/>
-                      <a:round/>
-                      <a:headEnd type="none" w="med" len="med"/>
-                      <a:tailEnd type="none" w="med" len="med"/>
-                    </a:lnT>
-                    <a:lnB w="12700" cap="flat" cmpd="sng" algn="ctr">
-                      <a:solidFill>
-                        <a:schemeClr val="bg1"/>
-                      </a:solidFill>
-                      <a:prstDash val="solid"/>
-                      <a:round/>
-                      <a:headEnd type="none" w="med" len="med"/>
-                      <a:tailEnd type="none" w="med" len="med"/>
-                    </a:lnB>
-                  </a:tcPr>
-                </a:tc>
-                <a:tc>
-                  <a:txBody>
-                    <a:bodyPr/>
-                    <a:lstStyle/>
-                    <a:p>
-                      <a:r>
-                        <a:rPr lang="ru-RU" sz="1400" dirty="0" smtClean="0"/>
-                        <a:t>Фильтрация элементов с</a:t>
-                      </a:r>
-                      <a:r>
-                        <a:rPr lang="ru-RU" sz="1400" baseline="0" dirty="0" smtClean="0"/>
-                        <a:t> помощью одного</a:t>
-                      </a:r>
-                      <a:r>
-                        <a:rPr lang="ru-RU" sz="1400" dirty="0" smtClean="0"/>
-                        <a:t> или нескольких логических выражений разделенных логическим</a:t>
-                      </a:r>
-                      <a:r>
-                        <a:rPr lang="ru-RU" sz="1400" baseline="0" dirty="0" smtClean="0"/>
-                        <a:t> операторами И и ИЛИ </a:t>
-                      </a:r>
-                      <a:r>
-                        <a:rPr lang="en-US" sz="1400" dirty="0" smtClean="0"/>
-                        <a:t>( </a:t>
-                      </a:r>
-                      <a:r>
-                        <a:rPr lang="en-US" sz="1400" dirty="0"/>
-                        <a:t>&amp;&amp; or || </a:t>
-                      </a:r>
-                      <a:r>
-                        <a:rPr lang="en-US" sz="1400" dirty="0" smtClean="0"/>
-                        <a:t>).</a:t>
-                      </a:r>
-                      <a:r>
-                        <a:rPr lang="ru-RU" sz="1400" dirty="0" smtClean="0"/>
-                        <a:t> Эквивалентен</a:t>
-                      </a:r>
-                      <a:r>
-                        <a:rPr lang="ru-RU" sz="1400" baseline="0" dirty="0" smtClean="0"/>
-                        <a:t> методу </a:t>
-                      </a:r>
-                      <a:r>
-                        <a:rPr lang="en-US" sz="1400" baseline="0" dirty="0" err="1" smtClean="0"/>
-                        <a:t>Enumerable.Where</a:t>
-                      </a:r>
-                      <a:r>
-                        <a:rPr lang="en-US" sz="1400" baseline="0" dirty="0" smtClean="0"/>
-                        <a:t>().</a:t>
-                      </a:r>
-                      <a:endParaRPr lang="en-US" sz="1400" dirty="0"/>
-                    </a:p>
-                  </a:txBody>
-                  <a:tcPr marL="45717" marR="45717" marT="22858" marB="22858" anchor="ctr">
-                    <a:lnL w="12700" cap="flat" cmpd="sng" algn="ctr">
-                      <a:solidFill>
-                        <a:schemeClr val="bg1"/>
-                      </a:solidFill>
-                      <a:prstDash val="solid"/>
-                      <a:round/>
-                      <a:headEnd type="none" w="med" len="med"/>
-                      <a:tailEnd type="none" w="med" len="med"/>
-                    </a:lnL>
-                    <a:lnR w="12700" cap="flat" cmpd="sng" algn="ctr">
-                      <a:solidFill>
-                        <a:schemeClr val="bg1"/>
-                      </a:solidFill>
-                      <a:prstDash val="solid"/>
-                      <a:round/>
-                      <a:headEnd type="none" w="med" len="med"/>
-                      <a:tailEnd type="none" w="med" len="med"/>
-                    </a:lnR>
-                    <a:lnT w="12700" cap="flat" cmpd="sng" algn="ctr">
-                      <a:solidFill>
-                        <a:schemeClr val="bg1"/>
-                      </a:solidFill>
-                      <a:prstDash val="solid"/>
-                      <a:round/>
-                      <a:headEnd type="none" w="med" len="med"/>
-                      <a:tailEnd type="none" w="med" len="med"/>
-                    </a:lnT>
-                    <a:lnB w="12700" cap="flat" cmpd="sng" algn="ctr">
-                      <a:solidFill>
-                        <a:schemeClr val="bg1"/>
-                      </a:solidFill>
-                      <a:prstDash val="solid"/>
-                      <a:round/>
-                      <a:headEnd type="none" w="med" len="med"/>
-                      <a:tailEnd type="none" w="med" len="med"/>
-                    </a:lnB>
-                  </a:tcPr>
-                </a:tc>
-                <a:extLst>
-                  <a:ext uri="{0D108BD9-81ED-4DB2-BD59-A6C34878D82A}">
-                    <a16:rowId xmlns:a16="http://schemas.microsoft.com/office/drawing/2014/main" val="10001"/>
-                  </a:ext>
-                </a:extLst>
-              </a:tr>
-              <a:tr h="319058">
-                <a:tc>
-                  <a:txBody>
-                    <a:bodyPr/>
-                    <a:lstStyle/>
-                    <a:p>
-                      <a:pPr algn="ctr"/>
-                      <a:r>
-                        <a:rPr lang="en-US" sz="1400" b="1" dirty="0"/>
-                        <a:t>select </a:t>
-                      </a:r>
-                    </a:p>
-                  </a:txBody>
-                  <a:tcPr marL="45717" marR="45717" marT="22858" marB="22858" anchor="ctr">
-                    <a:lnL w="12700" cap="flat" cmpd="sng" algn="ctr">
-                      <a:solidFill>
-                        <a:schemeClr val="bg1"/>
-                      </a:solidFill>
-                      <a:prstDash val="solid"/>
-                      <a:round/>
-                      <a:headEnd type="none" w="med" len="med"/>
-                      <a:tailEnd type="none" w="med" len="med"/>
-                    </a:lnL>
-                    <a:lnR w="12700" cap="flat" cmpd="sng" algn="ctr">
-                      <a:solidFill>
-                        <a:schemeClr val="bg1"/>
-                      </a:solidFill>
-                      <a:prstDash val="solid"/>
-                      <a:round/>
-                      <a:headEnd type="none" w="med" len="med"/>
-                      <a:tailEnd type="none" w="med" len="med"/>
-                    </a:lnR>
-                    <a:lnT w="12700" cap="flat" cmpd="sng" algn="ctr">
-                      <a:solidFill>
-                        <a:schemeClr val="bg1"/>
-                      </a:solidFill>
-                      <a:prstDash val="solid"/>
-                      <a:round/>
-                      <a:headEnd type="none" w="med" len="med"/>
-                      <a:tailEnd type="none" w="med" len="med"/>
-                    </a:lnT>
-                    <a:lnB w="12700" cap="flat" cmpd="sng" algn="ctr">
-                      <a:solidFill>
-                        <a:schemeClr val="bg1"/>
-                      </a:solidFill>
-                      <a:prstDash val="solid"/>
-                      <a:round/>
-                      <a:headEnd type="none" w="med" len="med"/>
-                      <a:tailEnd type="none" w="med" len="med"/>
-                    </a:lnB>
-                  </a:tcPr>
-                </a:tc>
-                <a:tc>
-                  <a:txBody>
-                    <a:bodyPr/>
-                    <a:lstStyle/>
-                    <a:p>
-                      <a:r>
-                        <a:rPr lang="ru-RU" sz="1400" dirty="0" smtClean="0"/>
-                        <a:t>Определяет</a:t>
-                      </a:r>
-                      <a:r>
-                        <a:rPr lang="ru-RU" sz="1400" baseline="0" dirty="0" smtClean="0"/>
-                        <a:t> данные которые являются результатом запроса.</a:t>
-                      </a:r>
-                      <a:r>
-                        <a:rPr lang="ru-RU" sz="1400" dirty="0" smtClean="0"/>
-                        <a:t> Эквивалентен</a:t>
-                      </a:r>
-                      <a:r>
-                        <a:rPr lang="ru-RU" sz="1400" baseline="0" dirty="0" smtClean="0"/>
-                        <a:t> методу </a:t>
-                      </a:r>
-                      <a:r>
-                        <a:rPr lang="en-US" sz="1400" baseline="0" dirty="0" err="1" smtClean="0"/>
-                        <a:t>Enumerable.Select</a:t>
-                      </a:r>
-                      <a:r>
-                        <a:rPr lang="en-US" sz="1400" baseline="0" dirty="0" smtClean="0"/>
-                        <a:t>().</a:t>
-                      </a:r>
-                      <a:endParaRPr lang="en-US" sz="1400" dirty="0"/>
-                    </a:p>
-                  </a:txBody>
-                  <a:tcPr marL="45717" marR="45717" marT="22858" marB="22858" anchor="ctr">
-                    <a:lnL w="12700" cap="flat" cmpd="sng" algn="ctr">
-                      <a:solidFill>
-                        <a:schemeClr val="bg1"/>
-                      </a:solidFill>
-                      <a:prstDash val="solid"/>
-                      <a:round/>
-                      <a:headEnd type="none" w="med" len="med"/>
-                      <a:tailEnd type="none" w="med" len="med"/>
-                    </a:lnL>
-                    <a:lnR w="12700" cap="flat" cmpd="sng" algn="ctr">
-                      <a:solidFill>
-                        <a:schemeClr val="bg1"/>
-                      </a:solidFill>
-                      <a:prstDash val="solid"/>
-                      <a:round/>
-                      <a:headEnd type="none" w="med" len="med"/>
-                      <a:tailEnd type="none" w="med" len="med"/>
-                    </a:lnR>
-                    <a:lnT w="12700" cap="flat" cmpd="sng" algn="ctr">
-                      <a:solidFill>
-                        <a:schemeClr val="bg1"/>
-                      </a:solidFill>
-                      <a:prstDash val="solid"/>
-                      <a:round/>
-                      <a:headEnd type="none" w="med" len="med"/>
-                      <a:tailEnd type="none" w="med" len="med"/>
-                    </a:lnT>
-                    <a:lnB w="12700" cap="flat" cmpd="sng" algn="ctr">
-                      <a:solidFill>
-                        <a:schemeClr val="bg1"/>
-                      </a:solidFill>
-                      <a:prstDash val="solid"/>
-                      <a:round/>
-                      <a:headEnd type="none" w="med" len="med"/>
-                      <a:tailEnd type="none" w="med" len="med"/>
-                    </a:lnB>
-                  </a:tcPr>
-                </a:tc>
-                <a:extLst>
-                  <a:ext uri="{0D108BD9-81ED-4DB2-BD59-A6C34878D82A}">
-                    <a16:rowId xmlns:a16="http://schemas.microsoft.com/office/drawing/2014/main" val="10002"/>
-                  </a:ext>
-                </a:extLst>
-              </a:tr>
-              <a:tr h="320018">
-                <a:tc>
-                  <a:txBody>
-                    <a:bodyPr/>
-                    <a:lstStyle/>
-                    <a:p>
-                      <a:pPr algn="ctr"/>
-                      <a:r>
-                        <a:rPr lang="en-US" sz="1400" b="1" dirty="0"/>
-                        <a:t>group </a:t>
-                      </a:r>
-                    </a:p>
-                  </a:txBody>
-                  <a:tcPr marL="45717" marR="45717" marT="22858" marB="22858" anchor="ctr">
-                    <a:lnL w="12700" cap="flat" cmpd="sng" algn="ctr">
-                      <a:solidFill>
-                        <a:schemeClr val="bg1"/>
-                      </a:solidFill>
-                      <a:prstDash val="solid"/>
-                      <a:round/>
-                      <a:headEnd type="none" w="med" len="med"/>
-                      <a:tailEnd type="none" w="med" len="med"/>
-                    </a:lnL>
-                    <a:lnR w="12700" cap="flat" cmpd="sng" algn="ctr">
-                      <a:solidFill>
-                        <a:schemeClr val="bg1"/>
-                      </a:solidFill>
-                      <a:prstDash val="solid"/>
-                      <a:round/>
-                      <a:headEnd type="none" w="med" len="med"/>
-                      <a:tailEnd type="none" w="med" len="med"/>
-                    </a:lnR>
-                    <a:lnT w="12700" cap="flat" cmpd="sng" algn="ctr">
-                      <a:solidFill>
-                        <a:schemeClr val="bg1"/>
-                      </a:solidFill>
-                      <a:prstDash val="solid"/>
-                      <a:round/>
-                      <a:headEnd type="none" w="med" len="med"/>
-                      <a:tailEnd type="none" w="med" len="med"/>
-                    </a:lnT>
-                    <a:lnB w="12700" cap="flat" cmpd="sng" algn="ctr">
-                      <a:solidFill>
-                        <a:schemeClr val="bg1"/>
-                      </a:solidFill>
-                      <a:prstDash val="solid"/>
-                      <a:round/>
-                      <a:headEnd type="none" w="med" len="med"/>
-                      <a:tailEnd type="none" w="med" len="med"/>
-                    </a:lnB>
-                  </a:tcPr>
-                </a:tc>
-                <a:tc>
-                  <a:txBody>
-                    <a:bodyPr/>
-                    <a:lstStyle/>
-                    <a:p>
-                      <a:r>
-                        <a:rPr lang="ru-RU" sz="1400" dirty="0" smtClean="0"/>
-                        <a:t>Группировка данных по указанному полю. Эквивалентен</a:t>
-                      </a:r>
-                      <a:r>
-                        <a:rPr lang="ru-RU" sz="1400" baseline="0" dirty="0" smtClean="0"/>
-                        <a:t> методу </a:t>
-                      </a:r>
-                      <a:r>
-                        <a:rPr lang="en-US" sz="1400" baseline="0" dirty="0" err="1" smtClean="0"/>
-                        <a:t>Enumerable.GroupBy</a:t>
-                      </a:r>
-                      <a:r>
-                        <a:rPr lang="en-US" sz="1400" baseline="0" dirty="0" smtClean="0"/>
-                        <a:t>().</a:t>
-                      </a:r>
-                      <a:endParaRPr lang="en-US" sz="1400" dirty="0"/>
-                    </a:p>
-                  </a:txBody>
-                  <a:tcPr marL="45717" marR="45717" marT="22858" marB="22858" anchor="ctr">
-                    <a:lnL w="12700" cap="flat" cmpd="sng" algn="ctr">
-                      <a:solidFill>
-                        <a:schemeClr val="bg1"/>
-                      </a:solidFill>
-                      <a:prstDash val="solid"/>
-                      <a:round/>
-                      <a:headEnd type="none" w="med" len="med"/>
-                      <a:tailEnd type="none" w="med" len="med"/>
-                    </a:lnL>
-                    <a:lnR w="12700" cap="flat" cmpd="sng" algn="ctr">
-                      <a:solidFill>
-                        <a:schemeClr val="bg1"/>
-                      </a:solidFill>
-                      <a:prstDash val="solid"/>
-                      <a:round/>
-                      <a:headEnd type="none" w="med" len="med"/>
-                      <a:tailEnd type="none" w="med" len="med"/>
-                    </a:lnR>
-                    <a:lnT w="12700" cap="flat" cmpd="sng" algn="ctr">
-                      <a:solidFill>
-                        <a:schemeClr val="bg1"/>
-                      </a:solidFill>
-                      <a:prstDash val="solid"/>
-                      <a:round/>
-                      <a:headEnd type="none" w="med" len="med"/>
-                      <a:tailEnd type="none" w="med" len="med"/>
-                    </a:lnT>
-                    <a:lnB w="12700" cap="flat" cmpd="sng" algn="ctr">
-                      <a:solidFill>
-                        <a:schemeClr val="bg1"/>
-                      </a:solidFill>
-                      <a:prstDash val="solid"/>
-                      <a:round/>
-                      <a:headEnd type="none" w="med" len="med"/>
-                      <a:tailEnd type="none" w="med" len="med"/>
-                    </a:lnB>
-                  </a:tcPr>
-                </a:tc>
-                <a:extLst>
-                  <a:ext uri="{0D108BD9-81ED-4DB2-BD59-A6C34878D82A}">
-                    <a16:rowId xmlns:a16="http://schemas.microsoft.com/office/drawing/2014/main" val="10003"/>
-                  </a:ext>
-                </a:extLst>
-              </a:tr>
-              <a:tr h="457168">
-                <a:tc>
-                  <a:txBody>
-                    <a:bodyPr/>
-                    <a:lstStyle/>
-                    <a:p>
-                      <a:pPr algn="ctr"/>
-                      <a:r>
-                        <a:rPr lang="en-US" sz="1400" b="1" dirty="0"/>
-                        <a:t>into </a:t>
-                      </a:r>
-                    </a:p>
-                  </a:txBody>
-                  <a:tcPr marL="45717" marR="45717" marT="22858" marB="22858" anchor="ctr">
-                    <a:lnL w="12700" cap="flat" cmpd="sng" algn="ctr">
-                      <a:solidFill>
-                        <a:schemeClr val="bg1"/>
-                      </a:solidFill>
-                      <a:prstDash val="solid"/>
-                      <a:round/>
-                      <a:headEnd type="none" w="med" len="med"/>
-                      <a:tailEnd type="none" w="med" len="med"/>
-                    </a:lnL>
-                    <a:lnR w="12700" cap="flat" cmpd="sng" algn="ctr">
-                      <a:solidFill>
-                        <a:schemeClr val="bg1"/>
-                      </a:solidFill>
-                      <a:prstDash val="solid"/>
-                      <a:round/>
-                      <a:headEnd type="none" w="med" len="med"/>
-                      <a:tailEnd type="none" w="med" len="med"/>
-                    </a:lnR>
-                    <a:lnT w="12700" cap="flat" cmpd="sng" algn="ctr">
-                      <a:solidFill>
-                        <a:schemeClr val="bg1"/>
-                      </a:solidFill>
-                      <a:prstDash val="solid"/>
-                      <a:round/>
-                      <a:headEnd type="none" w="med" len="med"/>
-                      <a:tailEnd type="none" w="med" len="med"/>
-                    </a:lnT>
-                    <a:lnB w="12700" cap="flat" cmpd="sng" algn="ctr">
-                      <a:solidFill>
-                        <a:schemeClr val="bg1"/>
-                      </a:solidFill>
-                      <a:prstDash val="solid"/>
-                      <a:round/>
-                      <a:headEnd type="none" w="med" len="med"/>
-                      <a:tailEnd type="none" w="med" len="med"/>
-                    </a:lnB>
-                  </a:tcPr>
-                </a:tc>
-                <a:tc>
-                  <a:txBody>
-                    <a:bodyPr/>
-                    <a:lstStyle/>
-                    <a:p>
-                      <a:r>
-                        <a:rPr lang="ru-RU" sz="1400" dirty="0" smtClean="0"/>
-                        <a:t>Указывает идентификатор</a:t>
-                      </a:r>
-                      <a:r>
-                        <a:rPr lang="ru-RU" sz="1400" baseline="0" dirty="0" smtClean="0"/>
-                        <a:t> который может ссылаться на результаты операторов </a:t>
-                      </a:r>
-                      <a:r>
-                        <a:rPr lang="en-US" sz="1400" baseline="0" dirty="0" smtClean="0"/>
-                        <a:t>join, group </a:t>
-                      </a:r>
-                      <a:r>
-                        <a:rPr lang="ru-RU" sz="1400" baseline="0" dirty="0" smtClean="0"/>
-                        <a:t>или </a:t>
-                      </a:r>
-                      <a:r>
-                        <a:rPr lang="en-US" sz="1400" baseline="0" dirty="0" smtClean="0"/>
-                        <a:t>select</a:t>
-                      </a:r>
-                      <a:r>
-                        <a:rPr lang="en-US" sz="1400" dirty="0" smtClean="0"/>
-                        <a:t>.</a:t>
-                      </a:r>
-                      <a:endParaRPr lang="en-US" sz="1400" dirty="0"/>
-                    </a:p>
-                  </a:txBody>
-                  <a:tcPr marL="45717" marR="45717" marT="22858" marB="22858" anchor="ctr">
-                    <a:lnL w="12700" cap="flat" cmpd="sng" algn="ctr">
-                      <a:solidFill>
-                        <a:schemeClr val="bg1"/>
-                      </a:solidFill>
-                      <a:prstDash val="solid"/>
-                      <a:round/>
-                      <a:headEnd type="none" w="med" len="med"/>
-                      <a:tailEnd type="none" w="med" len="med"/>
-                    </a:lnL>
-                    <a:lnR w="12700" cap="flat" cmpd="sng" algn="ctr">
-                      <a:solidFill>
-                        <a:schemeClr val="bg1"/>
-                      </a:solidFill>
-                      <a:prstDash val="solid"/>
-                      <a:round/>
-                      <a:headEnd type="none" w="med" len="med"/>
-                      <a:tailEnd type="none" w="med" len="med"/>
-                    </a:lnR>
-                    <a:lnT w="12700" cap="flat" cmpd="sng" algn="ctr">
-                      <a:solidFill>
-                        <a:schemeClr val="bg1"/>
-                      </a:solidFill>
-                      <a:prstDash val="solid"/>
-                      <a:round/>
-                      <a:headEnd type="none" w="med" len="med"/>
-                      <a:tailEnd type="none" w="med" len="med"/>
-                    </a:lnT>
-                    <a:lnB w="12700" cap="flat" cmpd="sng" algn="ctr">
-                      <a:solidFill>
-                        <a:schemeClr val="bg1"/>
-                      </a:solidFill>
-                      <a:prstDash val="solid"/>
-                      <a:round/>
-                      <a:headEnd type="none" w="med" len="med"/>
-                      <a:tailEnd type="none" w="med" len="med"/>
-                    </a:lnB>
-                  </a:tcPr>
-                </a:tc>
-                <a:extLst>
-                  <a:ext uri="{0D108BD9-81ED-4DB2-BD59-A6C34878D82A}">
-                    <a16:rowId xmlns:a16="http://schemas.microsoft.com/office/drawing/2014/main" val="10004"/>
-                  </a:ext>
-                </a:extLst>
-              </a:tr>
-              <a:tr h="457168">
-                <a:tc>
-                  <a:txBody>
-                    <a:bodyPr/>
-                    <a:lstStyle/>
-                    <a:p>
-                      <a:pPr algn="ctr"/>
-                      <a:r>
-                        <a:rPr lang="en-US" sz="1400" b="1" dirty="0" err="1"/>
-                        <a:t>orderby</a:t>
-                      </a:r>
-                      <a:r>
-                        <a:rPr lang="en-US" sz="1400" b="1" dirty="0"/>
-                        <a:t> </a:t>
-                      </a:r>
-                    </a:p>
-                  </a:txBody>
-                  <a:tcPr marL="45717" marR="45717" marT="22858" marB="22858" anchor="ctr">
-                    <a:lnL w="12700" cap="flat" cmpd="sng" algn="ctr">
-                      <a:solidFill>
-                        <a:schemeClr val="bg1"/>
-                      </a:solidFill>
-                      <a:prstDash val="solid"/>
-                      <a:round/>
-                      <a:headEnd type="none" w="med" len="med"/>
-                      <a:tailEnd type="none" w="med" len="med"/>
-                    </a:lnL>
-                    <a:lnR w="12700" cap="flat" cmpd="sng" algn="ctr">
-                      <a:solidFill>
-                        <a:schemeClr val="bg1"/>
-                      </a:solidFill>
-                      <a:prstDash val="solid"/>
-                      <a:round/>
-                      <a:headEnd type="none" w="med" len="med"/>
-                      <a:tailEnd type="none" w="med" len="med"/>
-                    </a:lnR>
-                    <a:lnT w="12700" cap="flat" cmpd="sng" algn="ctr">
-                      <a:solidFill>
-                        <a:schemeClr val="bg1"/>
-                      </a:solidFill>
-                      <a:prstDash val="solid"/>
-                      <a:round/>
-                      <a:headEnd type="none" w="med" len="med"/>
-                      <a:tailEnd type="none" w="med" len="med"/>
-                    </a:lnT>
-                    <a:lnB w="12700" cap="flat" cmpd="sng" algn="ctr">
-                      <a:solidFill>
-                        <a:schemeClr val="bg1"/>
-                      </a:solidFill>
-                      <a:prstDash val="solid"/>
-                      <a:round/>
-                      <a:headEnd type="none" w="med" len="med"/>
-                      <a:tailEnd type="none" w="med" len="med"/>
-                    </a:lnB>
-                  </a:tcPr>
-                </a:tc>
-                <a:tc>
-                  <a:txBody>
-                    <a:bodyPr/>
-                    <a:lstStyle/>
-                    <a:p>
-                      <a:r>
-                        <a:rPr lang="ru-RU" sz="1400" dirty="0" smtClean="0"/>
-                        <a:t>Сортирует</a:t>
-                      </a:r>
-                      <a:r>
-                        <a:rPr lang="ru-RU" sz="1400" baseline="0" dirty="0" smtClean="0"/>
-                        <a:t> результат запроса по убыванию или возрастанию. </a:t>
-                      </a:r>
-                      <a:r>
-                        <a:rPr lang="ru-RU" sz="1400" dirty="0" smtClean="0"/>
-                        <a:t>Эквивалентен</a:t>
-                      </a:r>
-                      <a:r>
-                        <a:rPr lang="ru-RU" sz="1400" baseline="0" dirty="0" smtClean="0"/>
-                        <a:t> методам </a:t>
-                      </a:r>
-                      <a:r>
-                        <a:rPr lang="en-US" sz="1400" baseline="0" dirty="0" err="1" smtClean="0"/>
-                        <a:t>Enumerable.OrderBy</a:t>
-                      </a:r>
-                      <a:r>
-                        <a:rPr lang="en-US" sz="1400" baseline="0" dirty="0" smtClean="0"/>
-                        <a:t>(), </a:t>
-                      </a:r>
-                      <a:r>
-                        <a:rPr lang="en-US" sz="1400" baseline="0" dirty="0" err="1" smtClean="0"/>
-                        <a:t>Enumerable.OrderByDescending</a:t>
-                      </a:r>
-                      <a:r>
-                        <a:rPr lang="en-US" sz="1400" baseline="0" dirty="0" smtClean="0"/>
-                        <a:t>(), </a:t>
-                      </a:r>
-                      <a:r>
-                        <a:rPr lang="en-US" sz="1400" baseline="0" dirty="0" err="1" smtClean="0"/>
-                        <a:t>Enumerable.ThenBy</a:t>
-                      </a:r>
-                      <a:r>
-                        <a:rPr lang="en-US" sz="1400" baseline="0" dirty="0" smtClean="0"/>
-                        <a:t>() </a:t>
-                      </a:r>
-                      <a:r>
-                        <a:rPr lang="ru-RU" sz="1400" baseline="0" dirty="0" smtClean="0"/>
-                        <a:t>и </a:t>
-                      </a:r>
-                      <a:r>
-                        <a:rPr lang="en-US" sz="1400" baseline="0" dirty="0" err="1" smtClean="0"/>
-                        <a:t>Enumerable.ThenByDescending</a:t>
-                      </a:r>
-                      <a:r>
-                        <a:rPr lang="en-US" sz="1400" baseline="0" dirty="0" smtClean="0"/>
-                        <a:t>().</a:t>
-                      </a:r>
-                      <a:endParaRPr lang="en-US" sz="1400" dirty="0"/>
-                    </a:p>
-                  </a:txBody>
-                  <a:tcPr marL="45717" marR="45717" marT="22858" marB="22858" anchor="ctr">
-                    <a:lnL w="12700" cap="flat" cmpd="sng" algn="ctr">
-                      <a:solidFill>
-                        <a:schemeClr val="bg1"/>
-                      </a:solidFill>
-                      <a:prstDash val="solid"/>
-                      <a:round/>
-                      <a:headEnd type="none" w="med" len="med"/>
-                      <a:tailEnd type="none" w="med" len="med"/>
-                    </a:lnL>
-                    <a:lnR w="12700" cap="flat" cmpd="sng" algn="ctr">
-                      <a:solidFill>
-                        <a:schemeClr val="bg1"/>
-                      </a:solidFill>
-                      <a:prstDash val="solid"/>
-                      <a:round/>
-                      <a:headEnd type="none" w="med" len="med"/>
-                      <a:tailEnd type="none" w="med" len="med"/>
-                    </a:lnR>
-                    <a:lnT w="12700" cap="flat" cmpd="sng" algn="ctr">
-                      <a:solidFill>
-                        <a:schemeClr val="bg1"/>
-                      </a:solidFill>
-                      <a:prstDash val="solid"/>
-                      <a:round/>
-                      <a:headEnd type="none" w="med" len="med"/>
-                      <a:tailEnd type="none" w="med" len="med"/>
-                    </a:lnT>
-                    <a:lnB w="12700" cap="flat" cmpd="sng" algn="ctr">
-                      <a:solidFill>
-                        <a:schemeClr val="bg1"/>
-                      </a:solidFill>
-                      <a:prstDash val="solid"/>
-                      <a:round/>
-                      <a:headEnd type="none" w="med" len="med"/>
-                      <a:tailEnd type="none" w="med" len="med"/>
-                    </a:lnB>
-                  </a:tcPr>
-                </a:tc>
-                <a:extLst>
-                  <a:ext uri="{0D108BD9-81ED-4DB2-BD59-A6C34878D82A}">
-                    <a16:rowId xmlns:a16="http://schemas.microsoft.com/office/drawing/2014/main" val="10005"/>
-                  </a:ext>
-                </a:extLst>
-              </a:tr>
-              <a:tr h="457168">
-                <a:tc>
-                  <a:txBody>
-                    <a:bodyPr/>
-                    <a:lstStyle/>
-                    <a:p>
-                      <a:pPr algn="ctr"/>
-                      <a:r>
-                        <a:rPr lang="en-US" sz="1400" b="1" dirty="0"/>
-                        <a:t>join </a:t>
-                      </a:r>
-                    </a:p>
-                  </a:txBody>
-                  <a:tcPr marL="45717" marR="45717" marT="22858" marB="22858" anchor="ctr">
-                    <a:lnL w="12700" cap="flat" cmpd="sng" algn="ctr">
-                      <a:solidFill>
-                        <a:schemeClr val="bg1"/>
-                      </a:solidFill>
-                      <a:prstDash val="solid"/>
-                      <a:round/>
-                      <a:headEnd type="none" w="med" len="med"/>
-                      <a:tailEnd type="none" w="med" len="med"/>
-                    </a:lnL>
-                    <a:lnR w="12700" cap="flat" cmpd="sng" algn="ctr">
-                      <a:solidFill>
-                        <a:schemeClr val="bg1"/>
-                      </a:solidFill>
-                      <a:prstDash val="solid"/>
-                      <a:round/>
-                      <a:headEnd type="none" w="med" len="med"/>
-                      <a:tailEnd type="none" w="med" len="med"/>
-                    </a:lnR>
-                    <a:lnT w="12700" cap="flat" cmpd="sng" algn="ctr">
-                      <a:solidFill>
-                        <a:schemeClr val="bg1"/>
-                      </a:solidFill>
-                      <a:prstDash val="solid"/>
-                      <a:round/>
-                      <a:headEnd type="none" w="med" len="med"/>
-                      <a:tailEnd type="none" w="med" len="med"/>
-                    </a:lnT>
-                    <a:lnB w="12700" cap="flat" cmpd="sng" algn="ctr">
-                      <a:solidFill>
-                        <a:schemeClr val="bg1"/>
-                      </a:solidFill>
-                      <a:prstDash val="solid"/>
-                      <a:round/>
-                      <a:headEnd type="none" w="med" len="med"/>
-                      <a:tailEnd type="none" w="med" len="med"/>
-                    </a:lnB>
-                  </a:tcPr>
-                </a:tc>
-                <a:tc>
-                  <a:txBody>
-                    <a:bodyPr/>
-                    <a:lstStyle/>
-                    <a:p>
-                      <a:r>
-                        <a:rPr lang="ru-RU" sz="1400" dirty="0" smtClean="0"/>
-                        <a:t>Объединяет</a:t>
-                      </a:r>
-                      <a:r>
-                        <a:rPr lang="ru-RU" sz="1400" baseline="0" dirty="0" smtClean="0"/>
-                        <a:t> несколько источников данных. </a:t>
-                      </a:r>
-                      <a:r>
-                        <a:rPr lang="ru-RU" sz="1400" dirty="0" smtClean="0"/>
-                        <a:t>Эквивалентен</a:t>
-                      </a:r>
-                      <a:r>
-                        <a:rPr lang="ru-RU" sz="1400" baseline="0" dirty="0" smtClean="0"/>
-                        <a:t> методам </a:t>
-                      </a:r>
-                      <a:r>
-                        <a:rPr lang="en-US" sz="1400" baseline="0" dirty="0" err="1" smtClean="0"/>
-                        <a:t>Enumerable.Join</a:t>
-                      </a:r>
-                      <a:r>
-                        <a:rPr lang="en-US" sz="1400" baseline="0" dirty="0" smtClean="0"/>
-                        <a:t>() </a:t>
-                      </a:r>
-                      <a:r>
-                        <a:rPr lang="ru-RU" sz="1400" baseline="0" dirty="0" smtClean="0"/>
-                        <a:t>и </a:t>
-                      </a:r>
-                      <a:r>
-                        <a:rPr lang="en-US" sz="1400" baseline="0" dirty="0" smtClean="0"/>
-                        <a:t>Enumerable. </a:t>
-                      </a:r>
-                      <a:r>
-                        <a:rPr lang="en-US" sz="1400" baseline="0" dirty="0" err="1" smtClean="0"/>
-                        <a:t>GroupJoin</a:t>
-                      </a:r>
-                      <a:r>
-                        <a:rPr lang="en-US" sz="1400" baseline="0" dirty="0" smtClean="0"/>
-                        <a:t>()</a:t>
-                      </a:r>
-                      <a:endParaRPr lang="en-US" sz="1400" dirty="0"/>
-                    </a:p>
-                  </a:txBody>
-                  <a:tcPr marL="45717" marR="45717" marT="22858" marB="22858" anchor="ctr">
-                    <a:lnL w="12700" cap="flat" cmpd="sng" algn="ctr">
-                      <a:solidFill>
-                        <a:schemeClr val="bg1"/>
-                      </a:solidFill>
-                      <a:prstDash val="solid"/>
-                      <a:round/>
-                      <a:headEnd type="none" w="med" len="med"/>
-                      <a:tailEnd type="none" w="med" len="med"/>
-                    </a:lnL>
-                    <a:lnR w="12700" cap="flat" cmpd="sng" algn="ctr">
-                      <a:solidFill>
-                        <a:schemeClr val="bg1"/>
-                      </a:solidFill>
-                      <a:prstDash val="solid"/>
-                      <a:round/>
-                      <a:headEnd type="none" w="med" len="med"/>
-                      <a:tailEnd type="none" w="med" len="med"/>
-                    </a:lnR>
-                    <a:lnT w="12700" cap="flat" cmpd="sng" algn="ctr">
-                      <a:solidFill>
-                        <a:schemeClr val="bg1"/>
-                      </a:solidFill>
-                      <a:prstDash val="solid"/>
-                      <a:round/>
-                      <a:headEnd type="none" w="med" len="med"/>
-                      <a:tailEnd type="none" w="med" len="med"/>
-                    </a:lnT>
-                    <a:lnB w="12700" cap="flat" cmpd="sng" algn="ctr">
-                      <a:solidFill>
-                        <a:schemeClr val="bg1"/>
-                      </a:solidFill>
-                      <a:prstDash val="solid"/>
-                      <a:round/>
-                      <a:headEnd type="none" w="med" len="med"/>
-                      <a:tailEnd type="none" w="med" len="med"/>
-                    </a:lnB>
-                  </a:tcPr>
-                </a:tc>
-                <a:extLst>
-                  <a:ext uri="{0D108BD9-81ED-4DB2-BD59-A6C34878D82A}">
-                    <a16:rowId xmlns:a16="http://schemas.microsoft.com/office/drawing/2014/main" val="10006"/>
-                  </a:ext>
-                </a:extLst>
-              </a:tr>
-              <a:tr h="320018">
-                <a:tc>
-                  <a:txBody>
-                    <a:bodyPr/>
-                    <a:lstStyle/>
-                    <a:p>
-                      <a:pPr algn="ctr"/>
-                      <a:r>
-                        <a:rPr lang="en-US" sz="1400" b="1" dirty="0"/>
-                        <a:t>let </a:t>
-                      </a:r>
-                    </a:p>
-                  </a:txBody>
-                  <a:tcPr marL="45717" marR="45717" marT="22858" marB="22858" anchor="ctr">
-                    <a:lnL w="12700" cap="flat" cmpd="sng" algn="ctr">
-                      <a:solidFill>
-                        <a:schemeClr val="bg1"/>
-                      </a:solidFill>
-                      <a:prstDash val="solid"/>
-                      <a:round/>
-                      <a:headEnd type="none" w="med" len="med"/>
-                      <a:tailEnd type="none" w="med" len="med"/>
-                    </a:lnL>
-                    <a:lnR w="12700" cap="flat" cmpd="sng" algn="ctr">
-                      <a:solidFill>
-                        <a:schemeClr val="bg1"/>
-                      </a:solidFill>
-                      <a:prstDash val="solid"/>
-                      <a:round/>
-                      <a:headEnd type="none" w="med" len="med"/>
-                      <a:tailEnd type="none" w="med" len="med"/>
-                    </a:lnR>
-                    <a:lnT w="12700" cap="flat" cmpd="sng" algn="ctr">
-                      <a:solidFill>
-                        <a:schemeClr val="bg1"/>
-                      </a:solidFill>
-                      <a:prstDash val="solid"/>
-                      <a:round/>
-                      <a:headEnd type="none" w="med" len="med"/>
-                      <a:tailEnd type="none" w="med" len="med"/>
-                    </a:lnT>
-                    <a:lnB w="12700" cap="flat" cmpd="sng" algn="ctr">
-                      <a:solidFill>
-                        <a:schemeClr val="bg1"/>
-                      </a:solidFill>
-                      <a:prstDash val="solid"/>
-                      <a:round/>
-                      <a:headEnd type="none" w="med" len="med"/>
-                      <a:tailEnd type="none" w="med" len="med"/>
-                    </a:lnB>
-                  </a:tcPr>
-                </a:tc>
-                <a:tc>
-                  <a:txBody>
-                    <a:bodyPr/>
-                    <a:lstStyle/>
-                    <a:p>
-                      <a:r>
-                        <a:rPr lang="ru-RU" sz="1400" dirty="0" smtClean="0"/>
-                        <a:t>Определяет переменную</a:t>
-                      </a:r>
-                      <a:r>
-                        <a:rPr lang="ru-RU" sz="1400" baseline="0" dirty="0" smtClean="0"/>
-                        <a:t> итерации для хранения промежуточных данных.</a:t>
-                      </a:r>
-                      <a:endParaRPr lang="en-US" sz="1400" dirty="0"/>
-                    </a:p>
-                  </a:txBody>
-                  <a:tcPr marL="45717" marR="45717" marT="22858" marB="22858" anchor="ctr">
-                    <a:lnL w="12700" cap="flat" cmpd="sng" algn="ctr">
-                      <a:solidFill>
-                        <a:schemeClr val="bg1"/>
-                      </a:solidFill>
-                      <a:prstDash val="solid"/>
-                      <a:round/>
-                      <a:headEnd type="none" w="med" len="med"/>
-                      <a:tailEnd type="none" w="med" len="med"/>
-                    </a:lnL>
-                    <a:lnR w="12700" cap="flat" cmpd="sng" algn="ctr">
-                      <a:solidFill>
-                        <a:schemeClr val="bg1"/>
-                      </a:solidFill>
-                      <a:prstDash val="solid"/>
-                      <a:round/>
-                      <a:headEnd type="none" w="med" len="med"/>
-                      <a:tailEnd type="none" w="med" len="med"/>
-                    </a:lnR>
-                    <a:lnT w="12700" cap="flat" cmpd="sng" algn="ctr">
-                      <a:solidFill>
-                        <a:schemeClr val="bg1"/>
-                      </a:solidFill>
-                      <a:prstDash val="solid"/>
-                      <a:round/>
-                      <a:headEnd type="none" w="med" len="med"/>
-                      <a:tailEnd type="none" w="med" len="med"/>
-                    </a:lnT>
-                    <a:lnB w="12700" cap="flat" cmpd="sng" algn="ctr">
-                      <a:solidFill>
-                        <a:schemeClr val="bg1"/>
-                      </a:solidFill>
-                      <a:prstDash val="solid"/>
-                      <a:round/>
-                      <a:headEnd type="none" w="med" len="med"/>
-                      <a:tailEnd type="none" w="med" len="med"/>
-                    </a:lnB>
-                  </a:tcPr>
-                </a:tc>
-                <a:extLst>
-                  <a:ext uri="{0D108BD9-81ED-4DB2-BD59-A6C34878D82A}">
-                    <a16:rowId xmlns:a16="http://schemas.microsoft.com/office/drawing/2014/main" val="10007"/>
-                  </a:ext>
-                </a:extLst>
-              </a:tr>
-              <a:tr h="182867">
-                <a:tc>
-                  <a:txBody>
-                    <a:bodyPr/>
-                    <a:lstStyle/>
-                    <a:p>
-                      <a:pPr algn="ctr"/>
-                      <a:r>
-                        <a:rPr lang="en-US" sz="1400" b="1" dirty="0"/>
-                        <a:t>in </a:t>
-                      </a:r>
-                    </a:p>
-                  </a:txBody>
-                  <a:tcPr marL="45717" marR="45717" marT="22858" marB="22858" anchor="ctr">
-                    <a:lnL w="12700" cap="flat" cmpd="sng" algn="ctr">
-                      <a:solidFill>
-                        <a:schemeClr val="bg1"/>
-                      </a:solidFill>
-                      <a:prstDash val="solid"/>
-                      <a:round/>
-                      <a:headEnd type="none" w="med" len="med"/>
-                      <a:tailEnd type="none" w="med" len="med"/>
-                    </a:lnL>
-                    <a:lnR w="12700" cap="flat" cmpd="sng" algn="ctr">
-                      <a:solidFill>
-                        <a:schemeClr val="bg1"/>
-                      </a:solidFill>
-                      <a:prstDash val="solid"/>
-                      <a:round/>
-                      <a:headEnd type="none" w="med" len="med"/>
-                      <a:tailEnd type="none" w="med" len="med"/>
-                    </a:lnR>
-                    <a:lnT w="12700" cap="flat" cmpd="sng" algn="ctr">
-                      <a:solidFill>
-                        <a:schemeClr val="bg1"/>
-                      </a:solidFill>
-                      <a:prstDash val="solid"/>
-                      <a:round/>
-                      <a:headEnd type="none" w="med" len="med"/>
-                      <a:tailEnd type="none" w="med" len="med"/>
-                    </a:lnT>
-                    <a:lnB w="12700" cap="flat" cmpd="sng" algn="ctr">
-                      <a:solidFill>
-                        <a:schemeClr val="bg1"/>
-                      </a:solidFill>
-                      <a:prstDash val="solid"/>
-                      <a:round/>
-                      <a:headEnd type="none" w="med" len="med"/>
-                      <a:tailEnd type="none" w="med" len="med"/>
-                    </a:lnB>
-                  </a:tcPr>
-                </a:tc>
-                <a:tc rowSpan="3">
-                  <a:txBody>
-                    <a:bodyPr/>
-                    <a:lstStyle/>
-                    <a:p>
-                      <a:r>
-                        <a:rPr lang="ru-RU" sz="1400" dirty="0" smtClean="0"/>
-                        <a:t>Используется вместе с ключевым словом </a:t>
-                      </a:r>
-                      <a:r>
-                        <a:rPr lang="en-US" sz="1400" dirty="0" smtClean="0"/>
-                        <a:t>join.</a:t>
-                      </a:r>
-                      <a:endParaRPr lang="en-US" sz="1400" dirty="0"/>
-                    </a:p>
-                  </a:txBody>
-                  <a:tcPr marL="45717" marR="45717" marT="22858" marB="22858" anchor="ctr">
-                    <a:lnL w="12700" cap="flat" cmpd="sng" algn="ctr">
-                      <a:solidFill>
-                        <a:schemeClr val="bg1"/>
-                      </a:solidFill>
-                      <a:prstDash val="solid"/>
-                      <a:round/>
-                      <a:headEnd type="none" w="med" len="med"/>
-                      <a:tailEnd type="none" w="med" len="med"/>
-                    </a:lnL>
-                    <a:lnR w="12700" cap="flat" cmpd="sng" algn="ctr">
-                      <a:solidFill>
-                        <a:schemeClr val="bg1"/>
-                      </a:solidFill>
-                      <a:prstDash val="solid"/>
-                      <a:round/>
-                      <a:headEnd type="none" w="med" len="med"/>
-                      <a:tailEnd type="none" w="med" len="med"/>
-                    </a:lnR>
-                    <a:lnT w="12700" cap="flat" cmpd="sng" algn="ctr">
-                      <a:solidFill>
-                        <a:schemeClr val="bg1"/>
-                      </a:solidFill>
-                      <a:prstDash val="solid"/>
-                      <a:round/>
-                      <a:headEnd type="none" w="med" len="med"/>
-                      <a:tailEnd type="none" w="med" len="med"/>
-                    </a:lnT>
-                    <a:lnB w="12700" cap="flat" cmpd="sng" algn="ctr">
-                      <a:solidFill>
-                        <a:schemeClr val="bg1"/>
-                      </a:solidFill>
-                      <a:prstDash val="solid"/>
-                      <a:round/>
-                      <a:headEnd type="none" w="med" len="med"/>
-                      <a:tailEnd type="none" w="med" len="med"/>
-                    </a:lnB>
-                  </a:tcPr>
-                </a:tc>
-                <a:extLst>
-                  <a:ext uri="{0D108BD9-81ED-4DB2-BD59-A6C34878D82A}">
-                    <a16:rowId xmlns:a16="http://schemas.microsoft.com/office/drawing/2014/main" val="10008"/>
-                  </a:ext>
-                </a:extLst>
-              </a:tr>
-              <a:tr h="182867">
-                <a:tc>
-                  <a:txBody>
-                    <a:bodyPr/>
-                    <a:lstStyle/>
-                    <a:p>
-                      <a:pPr algn="ctr"/>
-                      <a:r>
-                        <a:rPr lang="en-US" sz="1400" b="1" dirty="0"/>
-                        <a:t>on </a:t>
-                      </a:r>
-                    </a:p>
-                  </a:txBody>
-                  <a:tcPr marL="45717" marR="45717" marT="22858" marB="22858" anchor="ctr">
-                    <a:lnL w="12700" cap="flat" cmpd="sng" algn="ctr">
-                      <a:solidFill>
-                        <a:schemeClr val="bg1"/>
-                      </a:solidFill>
-                      <a:prstDash val="solid"/>
-                      <a:round/>
-                      <a:headEnd type="none" w="med" len="med"/>
-                      <a:tailEnd type="none" w="med" len="med"/>
-                    </a:lnL>
-                    <a:lnR w="12700" cap="flat" cmpd="sng" algn="ctr">
-                      <a:solidFill>
-                        <a:schemeClr val="bg1"/>
-                      </a:solidFill>
-                      <a:prstDash val="solid"/>
-                      <a:round/>
-                      <a:headEnd type="none" w="med" len="med"/>
-                      <a:tailEnd type="none" w="med" len="med"/>
-                    </a:lnR>
-                    <a:lnT w="12700" cap="flat" cmpd="sng" algn="ctr">
-                      <a:solidFill>
-                        <a:schemeClr val="bg1"/>
-                      </a:solidFill>
-                      <a:prstDash val="solid"/>
-                      <a:round/>
-                      <a:headEnd type="none" w="med" len="med"/>
-                      <a:tailEnd type="none" w="med" len="med"/>
-                    </a:lnT>
-                    <a:lnB w="12700" cap="flat" cmpd="sng" algn="ctr">
-                      <a:solidFill>
-                        <a:schemeClr val="bg1"/>
-                      </a:solidFill>
-                      <a:prstDash val="solid"/>
-                      <a:round/>
-                      <a:headEnd type="none" w="med" len="med"/>
-                      <a:tailEnd type="none" w="med" len="med"/>
-                    </a:lnB>
-                  </a:tcPr>
-                </a:tc>
-                <a:tc vMerge="1">
-                  <a:txBody>
-                    <a:bodyPr/>
-                    <a:lstStyle/>
-                    <a:p>
-                      <a:endParaRPr lang="en-US" sz="1400" dirty="0"/>
-                    </a:p>
-                  </a:txBody>
-                  <a:tcPr marL="45717" marR="45717" marT="22858" marB="22858" anchor="ctr">
-                    <a:lnL w="12700" cap="flat" cmpd="sng" algn="ctr">
-                      <a:solidFill>
-                        <a:schemeClr val="bg1"/>
-                      </a:solidFill>
-                      <a:prstDash val="solid"/>
-                      <a:round/>
-                      <a:headEnd type="none" w="med" len="med"/>
-                      <a:tailEnd type="none" w="med" len="med"/>
-                    </a:lnL>
-                    <a:lnR w="12700" cap="flat" cmpd="sng" algn="ctr">
-                      <a:solidFill>
-                        <a:schemeClr val="bg1"/>
-                      </a:solidFill>
-                      <a:prstDash val="solid"/>
-                      <a:round/>
-                      <a:headEnd type="none" w="med" len="med"/>
-                      <a:tailEnd type="none" w="med" len="med"/>
-                    </a:lnR>
-                    <a:lnT w="12700" cap="flat" cmpd="sng" algn="ctr">
-                      <a:solidFill>
-                        <a:schemeClr val="bg1"/>
-                      </a:solidFill>
-                      <a:prstDash val="solid"/>
-                      <a:round/>
-                      <a:headEnd type="none" w="med" len="med"/>
-                      <a:tailEnd type="none" w="med" len="med"/>
-                    </a:lnT>
-                    <a:lnB w="12700" cap="flat" cmpd="sng" algn="ctr">
-                      <a:solidFill>
-                        <a:schemeClr val="bg1"/>
-                      </a:solidFill>
-                      <a:prstDash val="solid"/>
-                      <a:round/>
-                      <a:headEnd type="none" w="med" len="med"/>
-                      <a:tailEnd type="none" w="med" len="med"/>
-                    </a:lnB>
-                  </a:tcPr>
-                </a:tc>
-                <a:extLst>
-                  <a:ext uri="{0D108BD9-81ED-4DB2-BD59-A6C34878D82A}">
-                    <a16:rowId xmlns:a16="http://schemas.microsoft.com/office/drawing/2014/main" val="10009"/>
-                  </a:ext>
-                </a:extLst>
-              </a:tr>
-              <a:tr h="182867">
-                <a:tc>
-                  <a:txBody>
-                    <a:bodyPr/>
-                    <a:lstStyle/>
-                    <a:p>
-                      <a:pPr algn="ctr"/>
-                      <a:r>
-                        <a:rPr lang="en-US" sz="1400" b="1" dirty="0"/>
-                        <a:t>equals </a:t>
-                      </a:r>
-                    </a:p>
-                  </a:txBody>
-                  <a:tcPr marL="45717" marR="45717" marT="22858" marB="22858" anchor="ctr">
-                    <a:lnL w="12700" cap="flat" cmpd="sng" algn="ctr">
-                      <a:solidFill>
-                        <a:schemeClr val="bg1"/>
-                      </a:solidFill>
-                      <a:prstDash val="solid"/>
-                      <a:round/>
-                      <a:headEnd type="none" w="med" len="med"/>
-                      <a:tailEnd type="none" w="med" len="med"/>
-                    </a:lnL>
-                    <a:lnR w="12700" cap="flat" cmpd="sng" algn="ctr">
-                      <a:solidFill>
-                        <a:schemeClr val="bg1"/>
-                      </a:solidFill>
-                      <a:prstDash val="solid"/>
-                      <a:round/>
-                      <a:headEnd type="none" w="med" len="med"/>
-                      <a:tailEnd type="none" w="med" len="med"/>
-                    </a:lnR>
-                    <a:lnT w="12700" cap="flat" cmpd="sng" algn="ctr">
-                      <a:solidFill>
-                        <a:schemeClr val="bg1"/>
-                      </a:solidFill>
-                      <a:prstDash val="solid"/>
-                      <a:round/>
-                      <a:headEnd type="none" w="med" len="med"/>
-                      <a:tailEnd type="none" w="med" len="med"/>
-                    </a:lnT>
-                    <a:lnB w="12700" cap="flat" cmpd="sng" algn="ctr">
-                      <a:solidFill>
-                        <a:schemeClr val="bg1"/>
-                      </a:solidFill>
-                      <a:prstDash val="solid"/>
-                      <a:round/>
-                      <a:headEnd type="none" w="med" len="med"/>
-                      <a:tailEnd type="none" w="med" len="med"/>
-                    </a:lnB>
-                  </a:tcPr>
-                </a:tc>
-                <a:tc vMerge="1">
-                  <a:txBody>
-                    <a:bodyPr/>
-                    <a:lstStyle/>
-                    <a:p>
-                      <a:endParaRPr lang="en-US" sz="1400" dirty="0"/>
-                    </a:p>
-                  </a:txBody>
-                  <a:tcPr marL="45717" marR="45717" marT="22858" marB="22858" anchor="ctr">
-                    <a:lnL w="12700" cap="flat" cmpd="sng" algn="ctr">
-                      <a:solidFill>
-                        <a:schemeClr val="bg1"/>
-                      </a:solidFill>
-                      <a:prstDash val="solid"/>
-                      <a:round/>
-                      <a:headEnd type="none" w="med" len="med"/>
-                      <a:tailEnd type="none" w="med" len="med"/>
-                    </a:lnL>
-                    <a:lnR w="12700" cap="flat" cmpd="sng" algn="ctr">
-                      <a:solidFill>
-                        <a:schemeClr val="bg1"/>
-                      </a:solidFill>
-                      <a:prstDash val="solid"/>
-                      <a:round/>
-                      <a:headEnd type="none" w="med" len="med"/>
-                      <a:tailEnd type="none" w="med" len="med"/>
-                    </a:lnR>
-                    <a:lnT w="12700" cap="flat" cmpd="sng" algn="ctr">
-                      <a:solidFill>
-                        <a:schemeClr val="bg1"/>
-                      </a:solidFill>
-                      <a:prstDash val="solid"/>
-                      <a:round/>
-                      <a:headEnd type="none" w="med" len="med"/>
-                      <a:tailEnd type="none" w="med" len="med"/>
-                    </a:lnT>
-                    <a:lnB w="12700" cap="flat" cmpd="sng" algn="ctr">
-                      <a:solidFill>
-                        <a:schemeClr val="bg1"/>
-                      </a:solidFill>
-                      <a:prstDash val="solid"/>
-                      <a:round/>
-                      <a:headEnd type="none" w="med" len="med"/>
-                      <a:tailEnd type="none" w="med" len="med"/>
-                    </a:lnB>
-                  </a:tcPr>
-                </a:tc>
-                <a:extLst>
-                  <a:ext uri="{0D108BD9-81ED-4DB2-BD59-A6C34878D82A}">
-                    <a16:rowId xmlns:a16="http://schemas.microsoft.com/office/drawing/2014/main" val="10010"/>
-                  </a:ext>
-                </a:extLst>
-              </a:tr>
-              <a:tr h="182867">
-                <a:tc>
-                  <a:txBody>
-                    <a:bodyPr/>
-                    <a:lstStyle/>
-                    <a:p>
-                      <a:pPr algn="ctr"/>
-                      <a:r>
-                        <a:rPr lang="en-US" sz="1400" b="1" dirty="0"/>
-                        <a:t>by </a:t>
-                      </a:r>
-                    </a:p>
-                  </a:txBody>
-                  <a:tcPr marL="45717" marR="45717" marT="22858" marB="22858" anchor="ctr">
-                    <a:lnL w="12700" cap="flat" cmpd="sng" algn="ctr">
-                      <a:solidFill>
-                        <a:schemeClr val="bg1"/>
-                      </a:solidFill>
-                      <a:prstDash val="solid"/>
-                      <a:round/>
-                      <a:headEnd type="none" w="med" len="med"/>
-                      <a:tailEnd type="none" w="med" len="med"/>
-                    </a:lnL>
-                    <a:lnR w="12700" cap="flat" cmpd="sng" algn="ctr">
-                      <a:solidFill>
-                        <a:schemeClr val="bg1"/>
-                      </a:solidFill>
-                      <a:prstDash val="solid"/>
-                      <a:round/>
-                      <a:headEnd type="none" w="med" len="med"/>
-                      <a:tailEnd type="none" w="med" len="med"/>
-                    </a:lnR>
-                    <a:lnT w="12700" cap="flat" cmpd="sng" algn="ctr">
-                      <a:solidFill>
-                        <a:schemeClr val="bg1"/>
-                      </a:solidFill>
-                      <a:prstDash val="solid"/>
-                      <a:round/>
-                      <a:headEnd type="none" w="med" len="med"/>
-                      <a:tailEnd type="none" w="med" len="med"/>
-                    </a:lnT>
-                    <a:lnB w="12700" cap="flat" cmpd="sng" algn="ctr">
-                      <a:solidFill>
-                        <a:schemeClr val="bg1"/>
-                      </a:solidFill>
-                      <a:prstDash val="solid"/>
-                      <a:round/>
-                      <a:headEnd type="none" w="med" len="med"/>
-                      <a:tailEnd type="none" w="med" len="med"/>
-                    </a:lnB>
-                  </a:tcPr>
-                </a:tc>
-                <a:tc>
-                  <a:txBody>
-                    <a:bodyPr/>
-                    <a:lstStyle/>
-                    <a:p>
-                      <a:r>
-                        <a:rPr lang="ru-RU" sz="1400" dirty="0" smtClean="0"/>
-                        <a:t>Используется вместе с ключевым словом </a:t>
-                      </a:r>
-                      <a:r>
-                        <a:rPr lang="en-US" sz="1400" dirty="0" smtClean="0"/>
-                        <a:t>group.</a:t>
-                      </a:r>
-                      <a:endParaRPr lang="en-US" sz="1400" dirty="0"/>
-                    </a:p>
-                  </a:txBody>
-                  <a:tcPr marL="45717" marR="45717" marT="22858" marB="22858" anchor="ctr">
-                    <a:lnL w="12700" cap="flat" cmpd="sng" algn="ctr">
-                      <a:solidFill>
-                        <a:schemeClr val="bg1"/>
-                      </a:solidFill>
-                      <a:prstDash val="solid"/>
-                      <a:round/>
-                      <a:headEnd type="none" w="med" len="med"/>
-                      <a:tailEnd type="none" w="med" len="med"/>
-                    </a:lnL>
-                    <a:lnR w="12700" cap="flat" cmpd="sng" algn="ctr">
-                      <a:solidFill>
-                        <a:schemeClr val="bg1"/>
-                      </a:solidFill>
-                      <a:prstDash val="solid"/>
-                      <a:round/>
-                      <a:headEnd type="none" w="med" len="med"/>
-                      <a:tailEnd type="none" w="med" len="med"/>
-                    </a:lnR>
-                    <a:lnT w="12700" cap="flat" cmpd="sng" algn="ctr">
-                      <a:solidFill>
-                        <a:schemeClr val="bg1"/>
-                      </a:solidFill>
-                      <a:prstDash val="solid"/>
-                      <a:round/>
-                      <a:headEnd type="none" w="med" len="med"/>
-                      <a:tailEnd type="none" w="med" len="med"/>
-                    </a:lnT>
-                    <a:lnB w="12700" cap="flat" cmpd="sng" algn="ctr">
-                      <a:solidFill>
-                        <a:schemeClr val="bg1"/>
-                      </a:solidFill>
-                      <a:prstDash val="solid"/>
-                      <a:round/>
-                      <a:headEnd type="none" w="med" len="med"/>
-                      <a:tailEnd type="none" w="med" len="med"/>
-                    </a:lnB>
-                  </a:tcPr>
-                </a:tc>
-                <a:extLst>
-                  <a:ext uri="{0D108BD9-81ED-4DB2-BD59-A6C34878D82A}">
-                    <a16:rowId xmlns:a16="http://schemas.microsoft.com/office/drawing/2014/main" val="10011"/>
-                  </a:ext>
-                </a:extLst>
-              </a:tr>
-              <a:tr h="182867">
-                <a:tc>
-                  <a:txBody>
-                    <a:bodyPr/>
-                    <a:lstStyle/>
-                    <a:p>
-                      <a:pPr algn="ctr"/>
-                      <a:r>
-                        <a:rPr lang="en-US" sz="1400" b="1" dirty="0"/>
-                        <a:t>ascending </a:t>
-                      </a:r>
-                    </a:p>
-                  </a:txBody>
-                  <a:tcPr marL="45717" marR="45717" marT="22858" marB="22858" anchor="ctr">
-                    <a:lnL w="12700" cap="flat" cmpd="sng" algn="ctr">
-                      <a:solidFill>
-                        <a:schemeClr val="bg1"/>
-                      </a:solidFill>
-                      <a:prstDash val="solid"/>
-                      <a:round/>
-                      <a:headEnd type="none" w="med" len="med"/>
-                      <a:tailEnd type="none" w="med" len="med"/>
-                    </a:lnL>
-                    <a:lnR w="12700" cap="flat" cmpd="sng" algn="ctr">
-                      <a:solidFill>
-                        <a:schemeClr val="bg1"/>
-                      </a:solidFill>
-                      <a:prstDash val="solid"/>
-                      <a:round/>
-                      <a:headEnd type="none" w="med" len="med"/>
-                      <a:tailEnd type="none" w="med" len="med"/>
-                    </a:lnR>
-                    <a:lnT w="12700" cap="flat" cmpd="sng" algn="ctr">
-                      <a:solidFill>
-                        <a:schemeClr val="bg1"/>
-                      </a:solidFill>
-                      <a:prstDash val="solid"/>
-                      <a:round/>
-                      <a:headEnd type="none" w="med" len="med"/>
-                      <a:tailEnd type="none" w="med" len="med"/>
-                    </a:lnT>
-                    <a:lnB w="12700" cap="flat" cmpd="sng" algn="ctr">
-                      <a:solidFill>
-                        <a:schemeClr val="bg1"/>
-                      </a:solidFill>
-                      <a:prstDash val="solid"/>
-                      <a:round/>
-                      <a:headEnd type="none" w="med" len="med"/>
-                      <a:tailEnd type="none" w="med" len="med"/>
-                    </a:lnB>
-                  </a:tcPr>
-                </a:tc>
-                <a:tc rowSpan="2">
-                  <a:txBody>
-                    <a:bodyPr/>
-                    <a:lstStyle/>
-                    <a:p>
-                      <a:pPr marL="0" marR="0" indent="0" algn="l" defTabSz="914400" rtl="0" eaLnBrk="1" fontAlgn="auto" latinLnBrk="0" hangingPunct="1">
-                        <a:lnSpc>
-                          <a:spcPct val="100000"/>
-                        </a:lnSpc>
-                        <a:spcBef>
-                          <a:spcPts val="0"/>
-                        </a:spcBef>
-                        <a:spcAft>
-                          <a:spcPts val="0"/>
-                        </a:spcAft>
-                        <a:buClrTx/>
-                        <a:buSzTx/>
-                        <a:buFontTx/>
-                        <a:buNone/>
-                        <a:tabLst/>
-                        <a:defRPr/>
-                      </a:pPr>
-                      <a:r>
-                        <a:rPr lang="ru-RU" sz="1400" dirty="0" smtClean="0"/>
-                        <a:t>Используется вместе с ключевым словом </a:t>
-                      </a:r>
-                      <a:r>
-                        <a:rPr lang="en-US" sz="1400" dirty="0" err="1" smtClean="0"/>
-                        <a:t>orderby</a:t>
-                      </a:r>
-                      <a:r>
-                        <a:rPr lang="en-US" sz="1400" dirty="0" smtClean="0"/>
-                        <a:t>.</a:t>
-                      </a:r>
-                      <a:endParaRPr lang="en-US" sz="1400" dirty="0"/>
-                    </a:p>
-                  </a:txBody>
-                  <a:tcPr marL="45717" marR="45717" marT="22858" marB="22858" anchor="ctr">
-                    <a:lnL w="12700" cap="flat" cmpd="sng" algn="ctr">
-                      <a:solidFill>
-                        <a:schemeClr val="bg1"/>
-                      </a:solidFill>
-                      <a:prstDash val="solid"/>
-                      <a:round/>
-                      <a:headEnd type="none" w="med" len="med"/>
-                      <a:tailEnd type="none" w="med" len="med"/>
-                    </a:lnL>
-                    <a:lnR w="12700" cap="flat" cmpd="sng" algn="ctr">
-                      <a:solidFill>
-                        <a:schemeClr val="bg1"/>
-                      </a:solidFill>
-                      <a:prstDash val="solid"/>
-                      <a:round/>
-                      <a:headEnd type="none" w="med" len="med"/>
-                      <a:tailEnd type="none" w="med" len="med"/>
-                    </a:lnR>
-                    <a:lnT w="12700" cap="flat" cmpd="sng" algn="ctr">
-                      <a:solidFill>
-                        <a:schemeClr val="bg1"/>
-                      </a:solidFill>
-                      <a:prstDash val="solid"/>
-                      <a:round/>
-                      <a:headEnd type="none" w="med" len="med"/>
-                      <a:tailEnd type="none" w="med" len="med"/>
-                    </a:lnT>
-                    <a:lnB w="12700" cap="flat" cmpd="sng" algn="ctr">
-                      <a:solidFill>
-                        <a:schemeClr val="bg1"/>
-                      </a:solidFill>
-                      <a:prstDash val="solid"/>
-                      <a:round/>
-                      <a:headEnd type="none" w="med" len="med"/>
-                      <a:tailEnd type="none" w="med" len="med"/>
-                    </a:lnB>
-                  </a:tcPr>
-                </a:tc>
-                <a:extLst>
-                  <a:ext uri="{0D108BD9-81ED-4DB2-BD59-A6C34878D82A}">
-                    <a16:rowId xmlns:a16="http://schemas.microsoft.com/office/drawing/2014/main" val="10012"/>
-                  </a:ext>
-                </a:extLst>
-              </a:tr>
-              <a:tr h="182867">
-                <a:tc>
-                  <a:txBody>
-                    <a:bodyPr/>
-                    <a:lstStyle/>
-                    <a:p>
-                      <a:pPr algn="ctr"/>
-                      <a:r>
-                        <a:rPr lang="en-US" sz="1400" b="1" dirty="0"/>
-                        <a:t>descending </a:t>
-                      </a:r>
-                    </a:p>
-                  </a:txBody>
-                  <a:tcPr marL="45717" marR="45717" marT="22858" marB="22858" anchor="ctr">
-                    <a:lnL w="12700" cap="flat" cmpd="sng" algn="ctr">
-                      <a:solidFill>
-                        <a:schemeClr val="bg1"/>
-                      </a:solidFill>
-                      <a:prstDash val="solid"/>
-                      <a:round/>
-                      <a:headEnd type="none" w="med" len="med"/>
-                      <a:tailEnd type="none" w="med" len="med"/>
-                    </a:lnL>
-                    <a:lnR w="12700" cap="flat" cmpd="sng" algn="ctr">
-                      <a:solidFill>
-                        <a:schemeClr val="bg1"/>
-                      </a:solidFill>
-                      <a:prstDash val="solid"/>
-                      <a:round/>
-                      <a:headEnd type="none" w="med" len="med"/>
-                      <a:tailEnd type="none" w="med" len="med"/>
-                    </a:lnR>
-                    <a:lnT w="12700" cap="flat" cmpd="sng" algn="ctr">
-                      <a:solidFill>
-                        <a:schemeClr val="bg1"/>
-                      </a:solidFill>
-                      <a:prstDash val="solid"/>
-                      <a:round/>
-                      <a:headEnd type="none" w="med" len="med"/>
-                      <a:tailEnd type="none" w="med" len="med"/>
-                    </a:lnT>
-                    <a:lnB w="12700" cap="flat" cmpd="sng" algn="ctr">
-                      <a:solidFill>
-                        <a:schemeClr val="bg1"/>
-                      </a:solidFill>
-                      <a:prstDash val="solid"/>
-                      <a:round/>
-                      <a:headEnd type="none" w="med" len="med"/>
-                      <a:tailEnd type="none" w="med" len="med"/>
-                    </a:lnB>
-                  </a:tcPr>
-                </a:tc>
-                <a:tc vMerge="1">
-                  <a:txBody>
-                    <a:bodyPr/>
-                    <a:lstStyle/>
-                    <a:p>
-                      <a:endParaRPr lang="en-US" sz="1400" dirty="0"/>
-                    </a:p>
-                  </a:txBody>
-                  <a:tcPr marL="45717" marR="45717" marT="22858" marB="22858" anchor="ctr">
-                    <a:lnL w="12700" cap="flat" cmpd="sng" algn="ctr">
-                      <a:solidFill>
-                        <a:schemeClr val="bg1"/>
-                      </a:solidFill>
-                      <a:prstDash val="solid"/>
-                      <a:round/>
-                      <a:headEnd type="none" w="med" len="med"/>
-                      <a:tailEnd type="none" w="med" len="med"/>
-                    </a:lnL>
-                    <a:lnR w="12700" cap="flat" cmpd="sng" algn="ctr">
-                      <a:solidFill>
-                        <a:schemeClr val="bg1"/>
-                      </a:solidFill>
-                      <a:prstDash val="solid"/>
-                      <a:round/>
-                      <a:headEnd type="none" w="med" len="med"/>
-                      <a:tailEnd type="none" w="med" len="med"/>
-                    </a:lnR>
-                    <a:lnT w="12700" cap="flat" cmpd="sng" algn="ctr">
-                      <a:solidFill>
-                        <a:schemeClr val="bg1"/>
-                      </a:solidFill>
-                      <a:prstDash val="solid"/>
-                      <a:round/>
-                      <a:headEnd type="none" w="med" len="med"/>
-                      <a:tailEnd type="none" w="med" len="med"/>
-                    </a:lnT>
-                    <a:lnB w="12700" cap="flat" cmpd="sng" algn="ctr">
-                      <a:solidFill>
-                        <a:schemeClr val="bg1"/>
-                      </a:solidFill>
-                      <a:prstDash val="solid"/>
-                      <a:round/>
-                      <a:headEnd type="none" w="med" len="med"/>
-                      <a:tailEnd type="none" w="med" len="med"/>
-                    </a:lnB>
-                  </a:tcPr>
-                </a:tc>
-                <a:extLst>
-                  <a:ext uri="{0D108BD9-81ED-4DB2-BD59-A6C34878D82A}">
-                    <a16:rowId xmlns:a16="http://schemas.microsoft.com/office/drawing/2014/main" val="10013"/>
-                  </a:ext>
-                </a:extLst>
-              </a:tr>
-            </a:tbl>
-          </a:graphicData>
-        </a:graphic>
-      </p:graphicFrame>
-    </p:spTree>
-    <p:extLst>
-      <p:ext uri="{BB962C8B-B14F-4D97-AF65-F5344CB8AC3E}">
-        <p14:creationId xmlns:p14="http://schemas.microsoft.com/office/powerpoint/2010/main" val="2129788586"/>
-      </p:ext>
-    </p:extLst>
-  </p:cSld>
-  <p:clrMapOvr>
-    <a:masterClrMapping/>
-  </p:clrMapOvr>
-  <p:timing>
-    <p:tnLst>
-      <p:par>
-        <p:cTn id="1" dur="indefinite" restart="never" nodeType="tmRoot"/>
-      </p:par>
-    </p:tnLst>
-  </p:timing>
-</p:sld>
-</file>
-
 <file path=ppt/slides/slide4.xml><?xml version="1.0" encoding="utf-8"?>
 <p:sld xmlns:a="http://schemas.openxmlformats.org/drawingml/2006/main" xmlns:r="http://schemas.openxmlformats.org/officeDocument/2006/relationships" xmlns:p="http://schemas.openxmlformats.org/presentationml/2006/main">
   <p:cSld>
@@ -21594,6 +19871,1852 @@
             <p:ph type="title"/>
           </p:nvPr>
         </p:nvSpPr>
+        <p:spPr>
+          <a:xfrm>
+            <a:off x="457200" y="274638"/>
+            <a:ext cx="8229600" cy="1143000"/>
+          </a:xfrm>
+        </p:spPr>
+        <p:txBody>
+          <a:bodyPr/>
+          <a:lstStyle/>
+          <a:p>
+            <a:r>
+              <a:rPr lang="ru-RU" dirty="0" smtClean="0"/>
+              <a:t>Ключевые слова </a:t>
+            </a:r>
+            <a:r>
+              <a:rPr lang="en-US" dirty="0" smtClean="0"/>
+              <a:t>LINQ</a:t>
+            </a:r>
+            <a:endParaRPr lang="ru-RU" dirty="0"/>
+          </a:p>
+        </p:txBody>
+      </p:sp>
+      <p:graphicFrame>
+        <p:nvGraphicFramePr>
+          <p:cNvPr id="4" name="Table 3"/>
+          <p:cNvGraphicFramePr>
+            <a:graphicFrameLocks noGrp="1"/>
+          </p:cNvGraphicFramePr>
+          <p:nvPr>
+            <p:extLst>
+              <p:ext uri="{D42A27DB-BD31-4B8C-83A1-F6EECF244321}">
+                <p14:modId xmlns:p14="http://schemas.microsoft.com/office/powerpoint/2010/main" val="3755987268"/>
+              </p:ext>
+            </p:extLst>
+          </p:nvPr>
+        </p:nvGraphicFramePr>
+        <p:xfrm>
+          <a:off x="534380" y="1268760"/>
+          <a:ext cx="8075240" cy="5303410"/>
+        </p:xfrm>
+        <a:graphic>
+          <a:graphicData uri="http://schemas.openxmlformats.org/drawingml/2006/table">
+            <a:tbl>
+              <a:tblPr/>
+              <a:tblGrid>
+                <a:gridCol w="1013284">
+                  <a:extLst>
+                    <a:ext uri="{9D8B030D-6E8A-4147-A177-3AD203B41FA5}">
+                      <a16:colId xmlns:a16="http://schemas.microsoft.com/office/drawing/2014/main" val="20000"/>
+                    </a:ext>
+                  </a:extLst>
+                </a:gridCol>
+                <a:gridCol w="7061956">
+                  <a:extLst>
+                    <a:ext uri="{9D8B030D-6E8A-4147-A177-3AD203B41FA5}">
+                      <a16:colId xmlns:a16="http://schemas.microsoft.com/office/drawing/2014/main" val="20001"/>
+                    </a:ext>
+                  </a:extLst>
+                </a:gridCol>
+              </a:tblGrid>
+              <a:tr h="320018">
+                <a:tc>
+                  <a:txBody>
+                    <a:bodyPr/>
+                    <a:lstStyle/>
+                    <a:p>
+                      <a:pPr algn="ctr"/>
+                      <a:r>
+                        <a:rPr lang="en-US" sz="1400" b="1" dirty="0"/>
+                        <a:t>from </a:t>
+                      </a:r>
+                    </a:p>
+                  </a:txBody>
+                  <a:tcPr marL="45717" marR="45717" marT="22858" marB="22858" anchor="ctr">
+                    <a:lnL w="12700" cap="flat" cmpd="sng" algn="ctr">
+                      <a:solidFill>
+                        <a:schemeClr val="bg1"/>
+                      </a:solidFill>
+                      <a:prstDash val="solid"/>
+                      <a:round/>
+                      <a:headEnd type="none" w="med" len="med"/>
+                      <a:tailEnd type="none" w="med" len="med"/>
+                    </a:lnL>
+                    <a:lnR w="12700" cap="flat" cmpd="sng" algn="ctr">
+                      <a:solidFill>
+                        <a:schemeClr val="bg1"/>
+                      </a:solidFill>
+                      <a:prstDash val="solid"/>
+                      <a:round/>
+                      <a:headEnd type="none" w="med" len="med"/>
+                      <a:tailEnd type="none" w="med" len="med"/>
+                    </a:lnR>
+                    <a:lnT w="12700" cap="flat" cmpd="sng" algn="ctr">
+                      <a:solidFill>
+                        <a:schemeClr val="bg1"/>
+                      </a:solidFill>
+                      <a:prstDash val="solid"/>
+                      <a:round/>
+                      <a:headEnd type="none" w="med" len="med"/>
+                      <a:tailEnd type="none" w="med" len="med"/>
+                    </a:lnT>
+                    <a:lnB w="12700" cap="flat" cmpd="sng" algn="ctr">
+                      <a:solidFill>
+                        <a:schemeClr val="bg1"/>
+                      </a:solidFill>
+                      <a:prstDash val="solid"/>
+                      <a:round/>
+                      <a:headEnd type="none" w="med" len="med"/>
+                      <a:tailEnd type="none" w="med" len="med"/>
+                    </a:lnB>
+                  </a:tcPr>
+                </a:tc>
+                <a:tc>
+                  <a:txBody>
+                    <a:bodyPr/>
+                    <a:lstStyle/>
+                    <a:p>
+                      <a:r>
+                        <a:rPr lang="ru-RU" sz="1400" dirty="0" smtClean="0"/>
+                        <a:t>Указывает</a:t>
+                      </a:r>
+                      <a:r>
+                        <a:rPr lang="ru-RU" sz="1400" baseline="0" dirty="0" smtClean="0"/>
+                        <a:t> источник данных и переменную итерации</a:t>
+                      </a:r>
+                      <a:endParaRPr lang="en-US" sz="1400" dirty="0"/>
+                    </a:p>
+                  </a:txBody>
+                  <a:tcPr marL="45717" marR="45717" marT="22858" marB="22858" anchor="ctr">
+                    <a:lnL w="12700" cap="flat" cmpd="sng" algn="ctr">
+                      <a:solidFill>
+                        <a:schemeClr val="bg1"/>
+                      </a:solidFill>
+                      <a:prstDash val="solid"/>
+                      <a:round/>
+                      <a:headEnd type="none" w="med" len="med"/>
+                      <a:tailEnd type="none" w="med" len="med"/>
+                    </a:lnL>
+                    <a:lnR w="12700" cap="flat" cmpd="sng" algn="ctr">
+                      <a:solidFill>
+                        <a:schemeClr val="bg1"/>
+                      </a:solidFill>
+                      <a:prstDash val="solid"/>
+                      <a:round/>
+                      <a:headEnd type="none" w="med" len="med"/>
+                      <a:tailEnd type="none" w="med" len="med"/>
+                    </a:lnR>
+                    <a:lnT w="12700" cap="flat" cmpd="sng" algn="ctr">
+                      <a:solidFill>
+                        <a:schemeClr val="bg1"/>
+                      </a:solidFill>
+                      <a:prstDash val="solid"/>
+                      <a:round/>
+                      <a:headEnd type="none" w="med" len="med"/>
+                      <a:tailEnd type="none" w="med" len="med"/>
+                    </a:lnT>
+                    <a:lnB w="12700" cap="flat" cmpd="sng" algn="ctr">
+                      <a:solidFill>
+                        <a:schemeClr val="bg1"/>
+                      </a:solidFill>
+                      <a:prstDash val="solid"/>
+                      <a:round/>
+                      <a:headEnd type="none" w="med" len="med"/>
+                      <a:tailEnd type="none" w="med" len="med"/>
+                    </a:lnB>
+                  </a:tcPr>
+                </a:tc>
+                <a:extLst>
+                  <a:ext uri="{0D108BD9-81ED-4DB2-BD59-A6C34878D82A}">
+                    <a16:rowId xmlns:a16="http://schemas.microsoft.com/office/drawing/2014/main" val="10000"/>
+                  </a:ext>
+                </a:extLst>
+              </a:tr>
+              <a:tr h="457168">
+                <a:tc>
+                  <a:txBody>
+                    <a:bodyPr/>
+                    <a:lstStyle/>
+                    <a:p>
+                      <a:pPr algn="ctr"/>
+                      <a:r>
+                        <a:rPr lang="en-US" sz="1400" b="1" dirty="0"/>
+                        <a:t>where </a:t>
+                      </a:r>
+                    </a:p>
+                  </a:txBody>
+                  <a:tcPr marL="45717" marR="45717" marT="22858" marB="22858" anchor="ctr">
+                    <a:lnL w="12700" cap="flat" cmpd="sng" algn="ctr">
+                      <a:solidFill>
+                        <a:schemeClr val="bg1"/>
+                      </a:solidFill>
+                      <a:prstDash val="solid"/>
+                      <a:round/>
+                      <a:headEnd type="none" w="med" len="med"/>
+                      <a:tailEnd type="none" w="med" len="med"/>
+                    </a:lnL>
+                    <a:lnR w="12700" cap="flat" cmpd="sng" algn="ctr">
+                      <a:solidFill>
+                        <a:schemeClr val="bg1"/>
+                      </a:solidFill>
+                      <a:prstDash val="solid"/>
+                      <a:round/>
+                      <a:headEnd type="none" w="med" len="med"/>
+                      <a:tailEnd type="none" w="med" len="med"/>
+                    </a:lnR>
+                    <a:lnT w="12700" cap="flat" cmpd="sng" algn="ctr">
+                      <a:solidFill>
+                        <a:schemeClr val="bg1"/>
+                      </a:solidFill>
+                      <a:prstDash val="solid"/>
+                      <a:round/>
+                      <a:headEnd type="none" w="med" len="med"/>
+                      <a:tailEnd type="none" w="med" len="med"/>
+                    </a:lnT>
+                    <a:lnB w="12700" cap="flat" cmpd="sng" algn="ctr">
+                      <a:solidFill>
+                        <a:schemeClr val="bg1"/>
+                      </a:solidFill>
+                      <a:prstDash val="solid"/>
+                      <a:round/>
+                      <a:headEnd type="none" w="med" len="med"/>
+                      <a:tailEnd type="none" w="med" len="med"/>
+                    </a:lnB>
+                  </a:tcPr>
+                </a:tc>
+                <a:tc>
+                  <a:txBody>
+                    <a:bodyPr/>
+                    <a:lstStyle/>
+                    <a:p>
+                      <a:r>
+                        <a:rPr lang="ru-RU" sz="1400" dirty="0" smtClean="0"/>
+                        <a:t>Фильтрация элементов с</a:t>
+                      </a:r>
+                      <a:r>
+                        <a:rPr lang="ru-RU" sz="1400" baseline="0" dirty="0" smtClean="0"/>
+                        <a:t> помощью одного</a:t>
+                      </a:r>
+                      <a:r>
+                        <a:rPr lang="ru-RU" sz="1400" dirty="0" smtClean="0"/>
+                        <a:t> или нескольких логических выражений разделенных логическим</a:t>
+                      </a:r>
+                      <a:r>
+                        <a:rPr lang="ru-RU" sz="1400" baseline="0" dirty="0" smtClean="0"/>
+                        <a:t> операторами И и ИЛИ </a:t>
+                      </a:r>
+                      <a:r>
+                        <a:rPr lang="en-US" sz="1400" dirty="0" smtClean="0"/>
+                        <a:t>( </a:t>
+                      </a:r>
+                      <a:r>
+                        <a:rPr lang="en-US" sz="1400" dirty="0"/>
+                        <a:t>&amp;&amp; or || </a:t>
+                      </a:r>
+                      <a:r>
+                        <a:rPr lang="en-US" sz="1400" dirty="0" smtClean="0"/>
+                        <a:t>).</a:t>
+                      </a:r>
+                      <a:r>
+                        <a:rPr lang="ru-RU" sz="1400" dirty="0" smtClean="0"/>
+                        <a:t> Эквивалентен</a:t>
+                      </a:r>
+                      <a:r>
+                        <a:rPr lang="ru-RU" sz="1400" baseline="0" dirty="0" smtClean="0"/>
+                        <a:t> методу </a:t>
+                      </a:r>
+                      <a:r>
+                        <a:rPr lang="en-US" sz="1400" baseline="0" dirty="0" err="1" smtClean="0"/>
+                        <a:t>Enumerable.Where</a:t>
+                      </a:r>
+                      <a:r>
+                        <a:rPr lang="en-US" sz="1400" baseline="0" dirty="0" smtClean="0"/>
+                        <a:t>().</a:t>
+                      </a:r>
+                      <a:endParaRPr lang="en-US" sz="1400" dirty="0"/>
+                    </a:p>
+                  </a:txBody>
+                  <a:tcPr marL="45717" marR="45717" marT="22858" marB="22858" anchor="ctr">
+                    <a:lnL w="12700" cap="flat" cmpd="sng" algn="ctr">
+                      <a:solidFill>
+                        <a:schemeClr val="bg1"/>
+                      </a:solidFill>
+                      <a:prstDash val="solid"/>
+                      <a:round/>
+                      <a:headEnd type="none" w="med" len="med"/>
+                      <a:tailEnd type="none" w="med" len="med"/>
+                    </a:lnL>
+                    <a:lnR w="12700" cap="flat" cmpd="sng" algn="ctr">
+                      <a:solidFill>
+                        <a:schemeClr val="bg1"/>
+                      </a:solidFill>
+                      <a:prstDash val="solid"/>
+                      <a:round/>
+                      <a:headEnd type="none" w="med" len="med"/>
+                      <a:tailEnd type="none" w="med" len="med"/>
+                    </a:lnR>
+                    <a:lnT w="12700" cap="flat" cmpd="sng" algn="ctr">
+                      <a:solidFill>
+                        <a:schemeClr val="bg1"/>
+                      </a:solidFill>
+                      <a:prstDash val="solid"/>
+                      <a:round/>
+                      <a:headEnd type="none" w="med" len="med"/>
+                      <a:tailEnd type="none" w="med" len="med"/>
+                    </a:lnT>
+                    <a:lnB w="12700" cap="flat" cmpd="sng" algn="ctr">
+                      <a:solidFill>
+                        <a:schemeClr val="bg1"/>
+                      </a:solidFill>
+                      <a:prstDash val="solid"/>
+                      <a:round/>
+                      <a:headEnd type="none" w="med" len="med"/>
+                      <a:tailEnd type="none" w="med" len="med"/>
+                    </a:lnB>
+                  </a:tcPr>
+                </a:tc>
+                <a:extLst>
+                  <a:ext uri="{0D108BD9-81ED-4DB2-BD59-A6C34878D82A}">
+                    <a16:rowId xmlns:a16="http://schemas.microsoft.com/office/drawing/2014/main" val="10001"/>
+                  </a:ext>
+                </a:extLst>
+              </a:tr>
+              <a:tr h="319058">
+                <a:tc>
+                  <a:txBody>
+                    <a:bodyPr/>
+                    <a:lstStyle/>
+                    <a:p>
+                      <a:pPr algn="ctr"/>
+                      <a:r>
+                        <a:rPr lang="en-US" sz="1400" b="1" dirty="0"/>
+                        <a:t>select </a:t>
+                      </a:r>
+                    </a:p>
+                  </a:txBody>
+                  <a:tcPr marL="45717" marR="45717" marT="22858" marB="22858" anchor="ctr">
+                    <a:lnL w="12700" cap="flat" cmpd="sng" algn="ctr">
+                      <a:solidFill>
+                        <a:schemeClr val="bg1"/>
+                      </a:solidFill>
+                      <a:prstDash val="solid"/>
+                      <a:round/>
+                      <a:headEnd type="none" w="med" len="med"/>
+                      <a:tailEnd type="none" w="med" len="med"/>
+                    </a:lnL>
+                    <a:lnR w="12700" cap="flat" cmpd="sng" algn="ctr">
+                      <a:solidFill>
+                        <a:schemeClr val="bg1"/>
+                      </a:solidFill>
+                      <a:prstDash val="solid"/>
+                      <a:round/>
+                      <a:headEnd type="none" w="med" len="med"/>
+                      <a:tailEnd type="none" w="med" len="med"/>
+                    </a:lnR>
+                    <a:lnT w="12700" cap="flat" cmpd="sng" algn="ctr">
+                      <a:solidFill>
+                        <a:schemeClr val="bg1"/>
+                      </a:solidFill>
+                      <a:prstDash val="solid"/>
+                      <a:round/>
+                      <a:headEnd type="none" w="med" len="med"/>
+                      <a:tailEnd type="none" w="med" len="med"/>
+                    </a:lnT>
+                    <a:lnB w="12700" cap="flat" cmpd="sng" algn="ctr">
+                      <a:solidFill>
+                        <a:schemeClr val="bg1"/>
+                      </a:solidFill>
+                      <a:prstDash val="solid"/>
+                      <a:round/>
+                      <a:headEnd type="none" w="med" len="med"/>
+                      <a:tailEnd type="none" w="med" len="med"/>
+                    </a:lnB>
+                  </a:tcPr>
+                </a:tc>
+                <a:tc>
+                  <a:txBody>
+                    <a:bodyPr/>
+                    <a:lstStyle/>
+                    <a:p>
+                      <a:r>
+                        <a:rPr lang="ru-RU" sz="1400" dirty="0" smtClean="0"/>
+                        <a:t>Определяет</a:t>
+                      </a:r>
+                      <a:r>
+                        <a:rPr lang="ru-RU" sz="1400" baseline="0" dirty="0" smtClean="0"/>
+                        <a:t> данные которые являются результатом запроса.</a:t>
+                      </a:r>
+                      <a:r>
+                        <a:rPr lang="ru-RU" sz="1400" dirty="0" smtClean="0"/>
+                        <a:t> Эквивалентен</a:t>
+                      </a:r>
+                      <a:r>
+                        <a:rPr lang="ru-RU" sz="1400" baseline="0" dirty="0" smtClean="0"/>
+                        <a:t> методу </a:t>
+                      </a:r>
+                      <a:r>
+                        <a:rPr lang="en-US" sz="1400" baseline="0" dirty="0" err="1" smtClean="0"/>
+                        <a:t>Enumerable.Select</a:t>
+                      </a:r>
+                      <a:r>
+                        <a:rPr lang="en-US" sz="1400" baseline="0" dirty="0" smtClean="0"/>
+                        <a:t>().</a:t>
+                      </a:r>
+                      <a:endParaRPr lang="en-US" sz="1400" dirty="0"/>
+                    </a:p>
+                  </a:txBody>
+                  <a:tcPr marL="45717" marR="45717" marT="22858" marB="22858" anchor="ctr">
+                    <a:lnL w="12700" cap="flat" cmpd="sng" algn="ctr">
+                      <a:solidFill>
+                        <a:schemeClr val="bg1"/>
+                      </a:solidFill>
+                      <a:prstDash val="solid"/>
+                      <a:round/>
+                      <a:headEnd type="none" w="med" len="med"/>
+                      <a:tailEnd type="none" w="med" len="med"/>
+                    </a:lnL>
+                    <a:lnR w="12700" cap="flat" cmpd="sng" algn="ctr">
+                      <a:solidFill>
+                        <a:schemeClr val="bg1"/>
+                      </a:solidFill>
+                      <a:prstDash val="solid"/>
+                      <a:round/>
+                      <a:headEnd type="none" w="med" len="med"/>
+                      <a:tailEnd type="none" w="med" len="med"/>
+                    </a:lnR>
+                    <a:lnT w="12700" cap="flat" cmpd="sng" algn="ctr">
+                      <a:solidFill>
+                        <a:schemeClr val="bg1"/>
+                      </a:solidFill>
+                      <a:prstDash val="solid"/>
+                      <a:round/>
+                      <a:headEnd type="none" w="med" len="med"/>
+                      <a:tailEnd type="none" w="med" len="med"/>
+                    </a:lnT>
+                    <a:lnB w="12700" cap="flat" cmpd="sng" algn="ctr">
+                      <a:solidFill>
+                        <a:schemeClr val="bg1"/>
+                      </a:solidFill>
+                      <a:prstDash val="solid"/>
+                      <a:round/>
+                      <a:headEnd type="none" w="med" len="med"/>
+                      <a:tailEnd type="none" w="med" len="med"/>
+                    </a:lnB>
+                  </a:tcPr>
+                </a:tc>
+                <a:extLst>
+                  <a:ext uri="{0D108BD9-81ED-4DB2-BD59-A6C34878D82A}">
+                    <a16:rowId xmlns:a16="http://schemas.microsoft.com/office/drawing/2014/main" val="10002"/>
+                  </a:ext>
+                </a:extLst>
+              </a:tr>
+              <a:tr h="320018">
+                <a:tc>
+                  <a:txBody>
+                    <a:bodyPr/>
+                    <a:lstStyle/>
+                    <a:p>
+                      <a:pPr algn="ctr"/>
+                      <a:r>
+                        <a:rPr lang="en-US" sz="1400" b="1" dirty="0"/>
+                        <a:t>group </a:t>
+                      </a:r>
+                    </a:p>
+                  </a:txBody>
+                  <a:tcPr marL="45717" marR="45717" marT="22858" marB="22858" anchor="ctr">
+                    <a:lnL w="12700" cap="flat" cmpd="sng" algn="ctr">
+                      <a:solidFill>
+                        <a:schemeClr val="bg1"/>
+                      </a:solidFill>
+                      <a:prstDash val="solid"/>
+                      <a:round/>
+                      <a:headEnd type="none" w="med" len="med"/>
+                      <a:tailEnd type="none" w="med" len="med"/>
+                    </a:lnL>
+                    <a:lnR w="12700" cap="flat" cmpd="sng" algn="ctr">
+                      <a:solidFill>
+                        <a:schemeClr val="bg1"/>
+                      </a:solidFill>
+                      <a:prstDash val="solid"/>
+                      <a:round/>
+                      <a:headEnd type="none" w="med" len="med"/>
+                      <a:tailEnd type="none" w="med" len="med"/>
+                    </a:lnR>
+                    <a:lnT w="12700" cap="flat" cmpd="sng" algn="ctr">
+                      <a:solidFill>
+                        <a:schemeClr val="bg1"/>
+                      </a:solidFill>
+                      <a:prstDash val="solid"/>
+                      <a:round/>
+                      <a:headEnd type="none" w="med" len="med"/>
+                      <a:tailEnd type="none" w="med" len="med"/>
+                    </a:lnT>
+                    <a:lnB w="12700" cap="flat" cmpd="sng" algn="ctr">
+                      <a:solidFill>
+                        <a:schemeClr val="bg1"/>
+                      </a:solidFill>
+                      <a:prstDash val="solid"/>
+                      <a:round/>
+                      <a:headEnd type="none" w="med" len="med"/>
+                      <a:tailEnd type="none" w="med" len="med"/>
+                    </a:lnB>
+                  </a:tcPr>
+                </a:tc>
+                <a:tc>
+                  <a:txBody>
+                    <a:bodyPr/>
+                    <a:lstStyle/>
+                    <a:p>
+                      <a:r>
+                        <a:rPr lang="ru-RU" sz="1400" dirty="0" smtClean="0"/>
+                        <a:t>Группировка данных по указанному полю. Эквивалентен</a:t>
+                      </a:r>
+                      <a:r>
+                        <a:rPr lang="ru-RU" sz="1400" baseline="0" dirty="0" smtClean="0"/>
+                        <a:t> методу </a:t>
+                      </a:r>
+                      <a:r>
+                        <a:rPr lang="en-US" sz="1400" baseline="0" dirty="0" err="1" smtClean="0"/>
+                        <a:t>Enumerable.GroupBy</a:t>
+                      </a:r>
+                      <a:r>
+                        <a:rPr lang="en-US" sz="1400" baseline="0" dirty="0" smtClean="0"/>
+                        <a:t>().</a:t>
+                      </a:r>
+                      <a:endParaRPr lang="en-US" sz="1400" dirty="0"/>
+                    </a:p>
+                  </a:txBody>
+                  <a:tcPr marL="45717" marR="45717" marT="22858" marB="22858" anchor="ctr">
+                    <a:lnL w="12700" cap="flat" cmpd="sng" algn="ctr">
+                      <a:solidFill>
+                        <a:schemeClr val="bg1"/>
+                      </a:solidFill>
+                      <a:prstDash val="solid"/>
+                      <a:round/>
+                      <a:headEnd type="none" w="med" len="med"/>
+                      <a:tailEnd type="none" w="med" len="med"/>
+                    </a:lnL>
+                    <a:lnR w="12700" cap="flat" cmpd="sng" algn="ctr">
+                      <a:solidFill>
+                        <a:schemeClr val="bg1"/>
+                      </a:solidFill>
+                      <a:prstDash val="solid"/>
+                      <a:round/>
+                      <a:headEnd type="none" w="med" len="med"/>
+                      <a:tailEnd type="none" w="med" len="med"/>
+                    </a:lnR>
+                    <a:lnT w="12700" cap="flat" cmpd="sng" algn="ctr">
+                      <a:solidFill>
+                        <a:schemeClr val="bg1"/>
+                      </a:solidFill>
+                      <a:prstDash val="solid"/>
+                      <a:round/>
+                      <a:headEnd type="none" w="med" len="med"/>
+                      <a:tailEnd type="none" w="med" len="med"/>
+                    </a:lnT>
+                    <a:lnB w="12700" cap="flat" cmpd="sng" algn="ctr">
+                      <a:solidFill>
+                        <a:schemeClr val="bg1"/>
+                      </a:solidFill>
+                      <a:prstDash val="solid"/>
+                      <a:round/>
+                      <a:headEnd type="none" w="med" len="med"/>
+                      <a:tailEnd type="none" w="med" len="med"/>
+                    </a:lnB>
+                  </a:tcPr>
+                </a:tc>
+                <a:extLst>
+                  <a:ext uri="{0D108BD9-81ED-4DB2-BD59-A6C34878D82A}">
+                    <a16:rowId xmlns:a16="http://schemas.microsoft.com/office/drawing/2014/main" val="10003"/>
+                  </a:ext>
+                </a:extLst>
+              </a:tr>
+              <a:tr h="457168">
+                <a:tc>
+                  <a:txBody>
+                    <a:bodyPr/>
+                    <a:lstStyle/>
+                    <a:p>
+                      <a:pPr algn="ctr"/>
+                      <a:r>
+                        <a:rPr lang="en-US" sz="1400" b="1" dirty="0"/>
+                        <a:t>into </a:t>
+                      </a:r>
+                    </a:p>
+                  </a:txBody>
+                  <a:tcPr marL="45717" marR="45717" marT="22858" marB="22858" anchor="ctr">
+                    <a:lnL w="12700" cap="flat" cmpd="sng" algn="ctr">
+                      <a:solidFill>
+                        <a:schemeClr val="bg1"/>
+                      </a:solidFill>
+                      <a:prstDash val="solid"/>
+                      <a:round/>
+                      <a:headEnd type="none" w="med" len="med"/>
+                      <a:tailEnd type="none" w="med" len="med"/>
+                    </a:lnL>
+                    <a:lnR w="12700" cap="flat" cmpd="sng" algn="ctr">
+                      <a:solidFill>
+                        <a:schemeClr val="bg1"/>
+                      </a:solidFill>
+                      <a:prstDash val="solid"/>
+                      <a:round/>
+                      <a:headEnd type="none" w="med" len="med"/>
+                      <a:tailEnd type="none" w="med" len="med"/>
+                    </a:lnR>
+                    <a:lnT w="12700" cap="flat" cmpd="sng" algn="ctr">
+                      <a:solidFill>
+                        <a:schemeClr val="bg1"/>
+                      </a:solidFill>
+                      <a:prstDash val="solid"/>
+                      <a:round/>
+                      <a:headEnd type="none" w="med" len="med"/>
+                      <a:tailEnd type="none" w="med" len="med"/>
+                    </a:lnT>
+                    <a:lnB w="12700" cap="flat" cmpd="sng" algn="ctr">
+                      <a:solidFill>
+                        <a:schemeClr val="bg1"/>
+                      </a:solidFill>
+                      <a:prstDash val="solid"/>
+                      <a:round/>
+                      <a:headEnd type="none" w="med" len="med"/>
+                      <a:tailEnd type="none" w="med" len="med"/>
+                    </a:lnB>
+                  </a:tcPr>
+                </a:tc>
+                <a:tc>
+                  <a:txBody>
+                    <a:bodyPr/>
+                    <a:lstStyle/>
+                    <a:p>
+                      <a:r>
+                        <a:rPr lang="ru-RU" sz="1400" dirty="0" smtClean="0"/>
+                        <a:t>Указывает идентификатор</a:t>
+                      </a:r>
+                      <a:r>
+                        <a:rPr lang="ru-RU" sz="1400" baseline="0" dirty="0" smtClean="0"/>
+                        <a:t> который может ссылаться на результаты операторов </a:t>
+                      </a:r>
+                      <a:r>
+                        <a:rPr lang="en-US" sz="1400" baseline="0" dirty="0" smtClean="0"/>
+                        <a:t>join, group </a:t>
+                      </a:r>
+                      <a:r>
+                        <a:rPr lang="ru-RU" sz="1400" baseline="0" dirty="0" smtClean="0"/>
+                        <a:t>или </a:t>
+                      </a:r>
+                      <a:r>
+                        <a:rPr lang="en-US" sz="1400" baseline="0" dirty="0" smtClean="0"/>
+                        <a:t>select</a:t>
+                      </a:r>
+                      <a:r>
+                        <a:rPr lang="en-US" sz="1400" dirty="0" smtClean="0"/>
+                        <a:t>.</a:t>
+                      </a:r>
+                      <a:endParaRPr lang="en-US" sz="1400" dirty="0"/>
+                    </a:p>
+                  </a:txBody>
+                  <a:tcPr marL="45717" marR="45717" marT="22858" marB="22858" anchor="ctr">
+                    <a:lnL w="12700" cap="flat" cmpd="sng" algn="ctr">
+                      <a:solidFill>
+                        <a:schemeClr val="bg1"/>
+                      </a:solidFill>
+                      <a:prstDash val="solid"/>
+                      <a:round/>
+                      <a:headEnd type="none" w="med" len="med"/>
+                      <a:tailEnd type="none" w="med" len="med"/>
+                    </a:lnL>
+                    <a:lnR w="12700" cap="flat" cmpd="sng" algn="ctr">
+                      <a:solidFill>
+                        <a:schemeClr val="bg1"/>
+                      </a:solidFill>
+                      <a:prstDash val="solid"/>
+                      <a:round/>
+                      <a:headEnd type="none" w="med" len="med"/>
+                      <a:tailEnd type="none" w="med" len="med"/>
+                    </a:lnR>
+                    <a:lnT w="12700" cap="flat" cmpd="sng" algn="ctr">
+                      <a:solidFill>
+                        <a:schemeClr val="bg1"/>
+                      </a:solidFill>
+                      <a:prstDash val="solid"/>
+                      <a:round/>
+                      <a:headEnd type="none" w="med" len="med"/>
+                      <a:tailEnd type="none" w="med" len="med"/>
+                    </a:lnT>
+                    <a:lnB w="12700" cap="flat" cmpd="sng" algn="ctr">
+                      <a:solidFill>
+                        <a:schemeClr val="bg1"/>
+                      </a:solidFill>
+                      <a:prstDash val="solid"/>
+                      <a:round/>
+                      <a:headEnd type="none" w="med" len="med"/>
+                      <a:tailEnd type="none" w="med" len="med"/>
+                    </a:lnB>
+                  </a:tcPr>
+                </a:tc>
+                <a:extLst>
+                  <a:ext uri="{0D108BD9-81ED-4DB2-BD59-A6C34878D82A}">
+                    <a16:rowId xmlns:a16="http://schemas.microsoft.com/office/drawing/2014/main" val="10004"/>
+                  </a:ext>
+                </a:extLst>
+              </a:tr>
+              <a:tr h="457168">
+                <a:tc>
+                  <a:txBody>
+                    <a:bodyPr/>
+                    <a:lstStyle/>
+                    <a:p>
+                      <a:pPr algn="ctr"/>
+                      <a:r>
+                        <a:rPr lang="en-US" sz="1400" b="1" dirty="0" err="1"/>
+                        <a:t>orderby</a:t>
+                      </a:r>
+                      <a:r>
+                        <a:rPr lang="en-US" sz="1400" b="1" dirty="0"/>
+                        <a:t> </a:t>
+                      </a:r>
+                    </a:p>
+                  </a:txBody>
+                  <a:tcPr marL="45717" marR="45717" marT="22858" marB="22858" anchor="ctr">
+                    <a:lnL w="12700" cap="flat" cmpd="sng" algn="ctr">
+                      <a:solidFill>
+                        <a:schemeClr val="bg1"/>
+                      </a:solidFill>
+                      <a:prstDash val="solid"/>
+                      <a:round/>
+                      <a:headEnd type="none" w="med" len="med"/>
+                      <a:tailEnd type="none" w="med" len="med"/>
+                    </a:lnL>
+                    <a:lnR w="12700" cap="flat" cmpd="sng" algn="ctr">
+                      <a:solidFill>
+                        <a:schemeClr val="bg1"/>
+                      </a:solidFill>
+                      <a:prstDash val="solid"/>
+                      <a:round/>
+                      <a:headEnd type="none" w="med" len="med"/>
+                      <a:tailEnd type="none" w="med" len="med"/>
+                    </a:lnR>
+                    <a:lnT w="12700" cap="flat" cmpd="sng" algn="ctr">
+                      <a:solidFill>
+                        <a:schemeClr val="bg1"/>
+                      </a:solidFill>
+                      <a:prstDash val="solid"/>
+                      <a:round/>
+                      <a:headEnd type="none" w="med" len="med"/>
+                      <a:tailEnd type="none" w="med" len="med"/>
+                    </a:lnT>
+                    <a:lnB w="12700" cap="flat" cmpd="sng" algn="ctr">
+                      <a:solidFill>
+                        <a:schemeClr val="bg1"/>
+                      </a:solidFill>
+                      <a:prstDash val="solid"/>
+                      <a:round/>
+                      <a:headEnd type="none" w="med" len="med"/>
+                      <a:tailEnd type="none" w="med" len="med"/>
+                    </a:lnB>
+                  </a:tcPr>
+                </a:tc>
+                <a:tc>
+                  <a:txBody>
+                    <a:bodyPr/>
+                    <a:lstStyle/>
+                    <a:p>
+                      <a:r>
+                        <a:rPr lang="ru-RU" sz="1400" dirty="0" smtClean="0"/>
+                        <a:t>Сортирует</a:t>
+                      </a:r>
+                      <a:r>
+                        <a:rPr lang="ru-RU" sz="1400" baseline="0" dirty="0" smtClean="0"/>
+                        <a:t> результат запроса по убыванию или возрастанию. </a:t>
+                      </a:r>
+                      <a:r>
+                        <a:rPr lang="ru-RU" sz="1400" dirty="0" smtClean="0"/>
+                        <a:t>Эквивалентен</a:t>
+                      </a:r>
+                      <a:r>
+                        <a:rPr lang="ru-RU" sz="1400" baseline="0" dirty="0" smtClean="0"/>
+                        <a:t> методам </a:t>
+                      </a:r>
+                      <a:r>
+                        <a:rPr lang="en-US" sz="1400" baseline="0" dirty="0" err="1" smtClean="0"/>
+                        <a:t>Enumerable.OrderBy</a:t>
+                      </a:r>
+                      <a:r>
+                        <a:rPr lang="en-US" sz="1400" baseline="0" dirty="0" smtClean="0"/>
+                        <a:t>(), </a:t>
+                      </a:r>
+                      <a:r>
+                        <a:rPr lang="en-US" sz="1400" baseline="0" dirty="0" err="1" smtClean="0"/>
+                        <a:t>Enumerable.OrderByDescending</a:t>
+                      </a:r>
+                      <a:r>
+                        <a:rPr lang="en-US" sz="1400" baseline="0" dirty="0" smtClean="0"/>
+                        <a:t>(), </a:t>
+                      </a:r>
+                      <a:r>
+                        <a:rPr lang="en-US" sz="1400" baseline="0" dirty="0" err="1" smtClean="0"/>
+                        <a:t>Enumerable.ThenBy</a:t>
+                      </a:r>
+                      <a:r>
+                        <a:rPr lang="en-US" sz="1400" baseline="0" dirty="0" smtClean="0"/>
+                        <a:t>() </a:t>
+                      </a:r>
+                      <a:r>
+                        <a:rPr lang="ru-RU" sz="1400" baseline="0" dirty="0" smtClean="0"/>
+                        <a:t>и </a:t>
+                      </a:r>
+                      <a:r>
+                        <a:rPr lang="en-US" sz="1400" baseline="0" dirty="0" err="1" smtClean="0"/>
+                        <a:t>Enumerable.ThenByDescending</a:t>
+                      </a:r>
+                      <a:r>
+                        <a:rPr lang="en-US" sz="1400" baseline="0" dirty="0" smtClean="0"/>
+                        <a:t>().</a:t>
+                      </a:r>
+                      <a:endParaRPr lang="en-US" sz="1400" dirty="0"/>
+                    </a:p>
+                  </a:txBody>
+                  <a:tcPr marL="45717" marR="45717" marT="22858" marB="22858" anchor="ctr">
+                    <a:lnL w="12700" cap="flat" cmpd="sng" algn="ctr">
+                      <a:solidFill>
+                        <a:schemeClr val="bg1"/>
+                      </a:solidFill>
+                      <a:prstDash val="solid"/>
+                      <a:round/>
+                      <a:headEnd type="none" w="med" len="med"/>
+                      <a:tailEnd type="none" w="med" len="med"/>
+                    </a:lnL>
+                    <a:lnR w="12700" cap="flat" cmpd="sng" algn="ctr">
+                      <a:solidFill>
+                        <a:schemeClr val="bg1"/>
+                      </a:solidFill>
+                      <a:prstDash val="solid"/>
+                      <a:round/>
+                      <a:headEnd type="none" w="med" len="med"/>
+                      <a:tailEnd type="none" w="med" len="med"/>
+                    </a:lnR>
+                    <a:lnT w="12700" cap="flat" cmpd="sng" algn="ctr">
+                      <a:solidFill>
+                        <a:schemeClr val="bg1"/>
+                      </a:solidFill>
+                      <a:prstDash val="solid"/>
+                      <a:round/>
+                      <a:headEnd type="none" w="med" len="med"/>
+                      <a:tailEnd type="none" w="med" len="med"/>
+                    </a:lnT>
+                    <a:lnB w="12700" cap="flat" cmpd="sng" algn="ctr">
+                      <a:solidFill>
+                        <a:schemeClr val="bg1"/>
+                      </a:solidFill>
+                      <a:prstDash val="solid"/>
+                      <a:round/>
+                      <a:headEnd type="none" w="med" len="med"/>
+                      <a:tailEnd type="none" w="med" len="med"/>
+                    </a:lnB>
+                  </a:tcPr>
+                </a:tc>
+                <a:extLst>
+                  <a:ext uri="{0D108BD9-81ED-4DB2-BD59-A6C34878D82A}">
+                    <a16:rowId xmlns:a16="http://schemas.microsoft.com/office/drawing/2014/main" val="10005"/>
+                  </a:ext>
+                </a:extLst>
+              </a:tr>
+              <a:tr h="457168">
+                <a:tc>
+                  <a:txBody>
+                    <a:bodyPr/>
+                    <a:lstStyle/>
+                    <a:p>
+                      <a:pPr algn="ctr"/>
+                      <a:r>
+                        <a:rPr lang="en-US" sz="1400" b="1" dirty="0"/>
+                        <a:t>join </a:t>
+                      </a:r>
+                    </a:p>
+                  </a:txBody>
+                  <a:tcPr marL="45717" marR="45717" marT="22858" marB="22858" anchor="ctr">
+                    <a:lnL w="12700" cap="flat" cmpd="sng" algn="ctr">
+                      <a:solidFill>
+                        <a:schemeClr val="bg1"/>
+                      </a:solidFill>
+                      <a:prstDash val="solid"/>
+                      <a:round/>
+                      <a:headEnd type="none" w="med" len="med"/>
+                      <a:tailEnd type="none" w="med" len="med"/>
+                    </a:lnL>
+                    <a:lnR w="12700" cap="flat" cmpd="sng" algn="ctr">
+                      <a:solidFill>
+                        <a:schemeClr val="bg1"/>
+                      </a:solidFill>
+                      <a:prstDash val="solid"/>
+                      <a:round/>
+                      <a:headEnd type="none" w="med" len="med"/>
+                      <a:tailEnd type="none" w="med" len="med"/>
+                    </a:lnR>
+                    <a:lnT w="12700" cap="flat" cmpd="sng" algn="ctr">
+                      <a:solidFill>
+                        <a:schemeClr val="bg1"/>
+                      </a:solidFill>
+                      <a:prstDash val="solid"/>
+                      <a:round/>
+                      <a:headEnd type="none" w="med" len="med"/>
+                      <a:tailEnd type="none" w="med" len="med"/>
+                    </a:lnT>
+                    <a:lnB w="12700" cap="flat" cmpd="sng" algn="ctr">
+                      <a:solidFill>
+                        <a:schemeClr val="bg1"/>
+                      </a:solidFill>
+                      <a:prstDash val="solid"/>
+                      <a:round/>
+                      <a:headEnd type="none" w="med" len="med"/>
+                      <a:tailEnd type="none" w="med" len="med"/>
+                    </a:lnB>
+                  </a:tcPr>
+                </a:tc>
+                <a:tc>
+                  <a:txBody>
+                    <a:bodyPr/>
+                    <a:lstStyle/>
+                    <a:p>
+                      <a:r>
+                        <a:rPr lang="ru-RU" sz="1400" dirty="0" smtClean="0"/>
+                        <a:t>Объединяет</a:t>
+                      </a:r>
+                      <a:r>
+                        <a:rPr lang="ru-RU" sz="1400" baseline="0" dirty="0" smtClean="0"/>
+                        <a:t> несколько источников данных. </a:t>
+                      </a:r>
+                      <a:r>
+                        <a:rPr lang="ru-RU" sz="1400" dirty="0" smtClean="0"/>
+                        <a:t>Эквивалентен</a:t>
+                      </a:r>
+                      <a:r>
+                        <a:rPr lang="ru-RU" sz="1400" baseline="0" dirty="0" smtClean="0"/>
+                        <a:t> методам </a:t>
+                      </a:r>
+                      <a:r>
+                        <a:rPr lang="en-US" sz="1400" baseline="0" dirty="0" err="1" smtClean="0"/>
+                        <a:t>Enumerable.Join</a:t>
+                      </a:r>
+                      <a:r>
+                        <a:rPr lang="en-US" sz="1400" baseline="0" dirty="0" smtClean="0"/>
+                        <a:t>() </a:t>
+                      </a:r>
+                      <a:r>
+                        <a:rPr lang="ru-RU" sz="1400" baseline="0" dirty="0" smtClean="0"/>
+                        <a:t>и </a:t>
+                      </a:r>
+                      <a:r>
+                        <a:rPr lang="en-US" sz="1400" baseline="0" dirty="0" smtClean="0"/>
+                        <a:t>Enumerable. </a:t>
+                      </a:r>
+                      <a:r>
+                        <a:rPr lang="en-US" sz="1400" baseline="0" dirty="0" err="1" smtClean="0"/>
+                        <a:t>GroupJoin</a:t>
+                      </a:r>
+                      <a:r>
+                        <a:rPr lang="en-US" sz="1400" baseline="0" dirty="0" smtClean="0"/>
+                        <a:t>()</a:t>
+                      </a:r>
+                      <a:endParaRPr lang="en-US" sz="1400" dirty="0"/>
+                    </a:p>
+                  </a:txBody>
+                  <a:tcPr marL="45717" marR="45717" marT="22858" marB="22858" anchor="ctr">
+                    <a:lnL w="12700" cap="flat" cmpd="sng" algn="ctr">
+                      <a:solidFill>
+                        <a:schemeClr val="bg1"/>
+                      </a:solidFill>
+                      <a:prstDash val="solid"/>
+                      <a:round/>
+                      <a:headEnd type="none" w="med" len="med"/>
+                      <a:tailEnd type="none" w="med" len="med"/>
+                    </a:lnL>
+                    <a:lnR w="12700" cap="flat" cmpd="sng" algn="ctr">
+                      <a:solidFill>
+                        <a:schemeClr val="bg1"/>
+                      </a:solidFill>
+                      <a:prstDash val="solid"/>
+                      <a:round/>
+                      <a:headEnd type="none" w="med" len="med"/>
+                      <a:tailEnd type="none" w="med" len="med"/>
+                    </a:lnR>
+                    <a:lnT w="12700" cap="flat" cmpd="sng" algn="ctr">
+                      <a:solidFill>
+                        <a:schemeClr val="bg1"/>
+                      </a:solidFill>
+                      <a:prstDash val="solid"/>
+                      <a:round/>
+                      <a:headEnd type="none" w="med" len="med"/>
+                      <a:tailEnd type="none" w="med" len="med"/>
+                    </a:lnT>
+                    <a:lnB w="12700" cap="flat" cmpd="sng" algn="ctr">
+                      <a:solidFill>
+                        <a:schemeClr val="bg1"/>
+                      </a:solidFill>
+                      <a:prstDash val="solid"/>
+                      <a:round/>
+                      <a:headEnd type="none" w="med" len="med"/>
+                      <a:tailEnd type="none" w="med" len="med"/>
+                    </a:lnB>
+                  </a:tcPr>
+                </a:tc>
+                <a:extLst>
+                  <a:ext uri="{0D108BD9-81ED-4DB2-BD59-A6C34878D82A}">
+                    <a16:rowId xmlns:a16="http://schemas.microsoft.com/office/drawing/2014/main" val="10006"/>
+                  </a:ext>
+                </a:extLst>
+              </a:tr>
+              <a:tr h="320018">
+                <a:tc>
+                  <a:txBody>
+                    <a:bodyPr/>
+                    <a:lstStyle/>
+                    <a:p>
+                      <a:pPr algn="ctr"/>
+                      <a:r>
+                        <a:rPr lang="en-US" sz="1400" b="1" dirty="0"/>
+                        <a:t>let </a:t>
+                      </a:r>
+                    </a:p>
+                  </a:txBody>
+                  <a:tcPr marL="45717" marR="45717" marT="22858" marB="22858" anchor="ctr">
+                    <a:lnL w="12700" cap="flat" cmpd="sng" algn="ctr">
+                      <a:solidFill>
+                        <a:schemeClr val="bg1"/>
+                      </a:solidFill>
+                      <a:prstDash val="solid"/>
+                      <a:round/>
+                      <a:headEnd type="none" w="med" len="med"/>
+                      <a:tailEnd type="none" w="med" len="med"/>
+                    </a:lnL>
+                    <a:lnR w="12700" cap="flat" cmpd="sng" algn="ctr">
+                      <a:solidFill>
+                        <a:schemeClr val="bg1"/>
+                      </a:solidFill>
+                      <a:prstDash val="solid"/>
+                      <a:round/>
+                      <a:headEnd type="none" w="med" len="med"/>
+                      <a:tailEnd type="none" w="med" len="med"/>
+                    </a:lnR>
+                    <a:lnT w="12700" cap="flat" cmpd="sng" algn="ctr">
+                      <a:solidFill>
+                        <a:schemeClr val="bg1"/>
+                      </a:solidFill>
+                      <a:prstDash val="solid"/>
+                      <a:round/>
+                      <a:headEnd type="none" w="med" len="med"/>
+                      <a:tailEnd type="none" w="med" len="med"/>
+                    </a:lnT>
+                    <a:lnB w="12700" cap="flat" cmpd="sng" algn="ctr">
+                      <a:solidFill>
+                        <a:schemeClr val="bg1"/>
+                      </a:solidFill>
+                      <a:prstDash val="solid"/>
+                      <a:round/>
+                      <a:headEnd type="none" w="med" len="med"/>
+                      <a:tailEnd type="none" w="med" len="med"/>
+                    </a:lnB>
+                  </a:tcPr>
+                </a:tc>
+                <a:tc>
+                  <a:txBody>
+                    <a:bodyPr/>
+                    <a:lstStyle/>
+                    <a:p>
+                      <a:r>
+                        <a:rPr lang="ru-RU" sz="1400" dirty="0" smtClean="0"/>
+                        <a:t>Определяет переменную</a:t>
+                      </a:r>
+                      <a:r>
+                        <a:rPr lang="ru-RU" sz="1400" baseline="0" dirty="0" smtClean="0"/>
+                        <a:t> итерации для хранения промежуточных данных.</a:t>
+                      </a:r>
+                      <a:endParaRPr lang="en-US" sz="1400" dirty="0"/>
+                    </a:p>
+                  </a:txBody>
+                  <a:tcPr marL="45717" marR="45717" marT="22858" marB="22858" anchor="ctr">
+                    <a:lnL w="12700" cap="flat" cmpd="sng" algn="ctr">
+                      <a:solidFill>
+                        <a:schemeClr val="bg1"/>
+                      </a:solidFill>
+                      <a:prstDash val="solid"/>
+                      <a:round/>
+                      <a:headEnd type="none" w="med" len="med"/>
+                      <a:tailEnd type="none" w="med" len="med"/>
+                    </a:lnL>
+                    <a:lnR w="12700" cap="flat" cmpd="sng" algn="ctr">
+                      <a:solidFill>
+                        <a:schemeClr val="bg1"/>
+                      </a:solidFill>
+                      <a:prstDash val="solid"/>
+                      <a:round/>
+                      <a:headEnd type="none" w="med" len="med"/>
+                      <a:tailEnd type="none" w="med" len="med"/>
+                    </a:lnR>
+                    <a:lnT w="12700" cap="flat" cmpd="sng" algn="ctr">
+                      <a:solidFill>
+                        <a:schemeClr val="bg1"/>
+                      </a:solidFill>
+                      <a:prstDash val="solid"/>
+                      <a:round/>
+                      <a:headEnd type="none" w="med" len="med"/>
+                      <a:tailEnd type="none" w="med" len="med"/>
+                    </a:lnT>
+                    <a:lnB w="12700" cap="flat" cmpd="sng" algn="ctr">
+                      <a:solidFill>
+                        <a:schemeClr val="bg1"/>
+                      </a:solidFill>
+                      <a:prstDash val="solid"/>
+                      <a:round/>
+                      <a:headEnd type="none" w="med" len="med"/>
+                      <a:tailEnd type="none" w="med" len="med"/>
+                    </a:lnB>
+                  </a:tcPr>
+                </a:tc>
+                <a:extLst>
+                  <a:ext uri="{0D108BD9-81ED-4DB2-BD59-A6C34878D82A}">
+                    <a16:rowId xmlns:a16="http://schemas.microsoft.com/office/drawing/2014/main" val="10007"/>
+                  </a:ext>
+                </a:extLst>
+              </a:tr>
+              <a:tr h="182867">
+                <a:tc>
+                  <a:txBody>
+                    <a:bodyPr/>
+                    <a:lstStyle/>
+                    <a:p>
+                      <a:pPr algn="ctr"/>
+                      <a:r>
+                        <a:rPr lang="en-US" sz="1400" b="1" dirty="0"/>
+                        <a:t>in </a:t>
+                      </a:r>
+                    </a:p>
+                  </a:txBody>
+                  <a:tcPr marL="45717" marR="45717" marT="22858" marB="22858" anchor="ctr">
+                    <a:lnL w="12700" cap="flat" cmpd="sng" algn="ctr">
+                      <a:solidFill>
+                        <a:schemeClr val="bg1"/>
+                      </a:solidFill>
+                      <a:prstDash val="solid"/>
+                      <a:round/>
+                      <a:headEnd type="none" w="med" len="med"/>
+                      <a:tailEnd type="none" w="med" len="med"/>
+                    </a:lnL>
+                    <a:lnR w="12700" cap="flat" cmpd="sng" algn="ctr">
+                      <a:solidFill>
+                        <a:schemeClr val="bg1"/>
+                      </a:solidFill>
+                      <a:prstDash val="solid"/>
+                      <a:round/>
+                      <a:headEnd type="none" w="med" len="med"/>
+                      <a:tailEnd type="none" w="med" len="med"/>
+                    </a:lnR>
+                    <a:lnT w="12700" cap="flat" cmpd="sng" algn="ctr">
+                      <a:solidFill>
+                        <a:schemeClr val="bg1"/>
+                      </a:solidFill>
+                      <a:prstDash val="solid"/>
+                      <a:round/>
+                      <a:headEnd type="none" w="med" len="med"/>
+                      <a:tailEnd type="none" w="med" len="med"/>
+                    </a:lnT>
+                    <a:lnB w="12700" cap="flat" cmpd="sng" algn="ctr">
+                      <a:solidFill>
+                        <a:schemeClr val="bg1"/>
+                      </a:solidFill>
+                      <a:prstDash val="solid"/>
+                      <a:round/>
+                      <a:headEnd type="none" w="med" len="med"/>
+                      <a:tailEnd type="none" w="med" len="med"/>
+                    </a:lnB>
+                  </a:tcPr>
+                </a:tc>
+                <a:tc rowSpan="3">
+                  <a:txBody>
+                    <a:bodyPr/>
+                    <a:lstStyle/>
+                    <a:p>
+                      <a:r>
+                        <a:rPr lang="ru-RU" sz="1400" dirty="0" smtClean="0"/>
+                        <a:t>Используется вместе с ключевым словом </a:t>
+                      </a:r>
+                      <a:r>
+                        <a:rPr lang="en-US" sz="1400" dirty="0" smtClean="0"/>
+                        <a:t>join.</a:t>
+                      </a:r>
+                      <a:endParaRPr lang="en-US" sz="1400" dirty="0"/>
+                    </a:p>
+                  </a:txBody>
+                  <a:tcPr marL="45717" marR="45717" marT="22858" marB="22858" anchor="ctr">
+                    <a:lnL w="12700" cap="flat" cmpd="sng" algn="ctr">
+                      <a:solidFill>
+                        <a:schemeClr val="bg1"/>
+                      </a:solidFill>
+                      <a:prstDash val="solid"/>
+                      <a:round/>
+                      <a:headEnd type="none" w="med" len="med"/>
+                      <a:tailEnd type="none" w="med" len="med"/>
+                    </a:lnL>
+                    <a:lnR w="12700" cap="flat" cmpd="sng" algn="ctr">
+                      <a:solidFill>
+                        <a:schemeClr val="bg1"/>
+                      </a:solidFill>
+                      <a:prstDash val="solid"/>
+                      <a:round/>
+                      <a:headEnd type="none" w="med" len="med"/>
+                      <a:tailEnd type="none" w="med" len="med"/>
+                    </a:lnR>
+                    <a:lnT w="12700" cap="flat" cmpd="sng" algn="ctr">
+                      <a:solidFill>
+                        <a:schemeClr val="bg1"/>
+                      </a:solidFill>
+                      <a:prstDash val="solid"/>
+                      <a:round/>
+                      <a:headEnd type="none" w="med" len="med"/>
+                      <a:tailEnd type="none" w="med" len="med"/>
+                    </a:lnT>
+                    <a:lnB w="12700" cap="flat" cmpd="sng" algn="ctr">
+                      <a:solidFill>
+                        <a:schemeClr val="bg1"/>
+                      </a:solidFill>
+                      <a:prstDash val="solid"/>
+                      <a:round/>
+                      <a:headEnd type="none" w="med" len="med"/>
+                      <a:tailEnd type="none" w="med" len="med"/>
+                    </a:lnB>
+                  </a:tcPr>
+                </a:tc>
+                <a:extLst>
+                  <a:ext uri="{0D108BD9-81ED-4DB2-BD59-A6C34878D82A}">
+                    <a16:rowId xmlns:a16="http://schemas.microsoft.com/office/drawing/2014/main" val="10008"/>
+                  </a:ext>
+                </a:extLst>
+              </a:tr>
+              <a:tr h="182867">
+                <a:tc>
+                  <a:txBody>
+                    <a:bodyPr/>
+                    <a:lstStyle/>
+                    <a:p>
+                      <a:pPr algn="ctr"/>
+                      <a:r>
+                        <a:rPr lang="en-US" sz="1400" b="1" dirty="0"/>
+                        <a:t>on </a:t>
+                      </a:r>
+                    </a:p>
+                  </a:txBody>
+                  <a:tcPr marL="45717" marR="45717" marT="22858" marB="22858" anchor="ctr">
+                    <a:lnL w="12700" cap="flat" cmpd="sng" algn="ctr">
+                      <a:solidFill>
+                        <a:schemeClr val="bg1"/>
+                      </a:solidFill>
+                      <a:prstDash val="solid"/>
+                      <a:round/>
+                      <a:headEnd type="none" w="med" len="med"/>
+                      <a:tailEnd type="none" w="med" len="med"/>
+                    </a:lnL>
+                    <a:lnR w="12700" cap="flat" cmpd="sng" algn="ctr">
+                      <a:solidFill>
+                        <a:schemeClr val="bg1"/>
+                      </a:solidFill>
+                      <a:prstDash val="solid"/>
+                      <a:round/>
+                      <a:headEnd type="none" w="med" len="med"/>
+                      <a:tailEnd type="none" w="med" len="med"/>
+                    </a:lnR>
+                    <a:lnT w="12700" cap="flat" cmpd="sng" algn="ctr">
+                      <a:solidFill>
+                        <a:schemeClr val="bg1"/>
+                      </a:solidFill>
+                      <a:prstDash val="solid"/>
+                      <a:round/>
+                      <a:headEnd type="none" w="med" len="med"/>
+                      <a:tailEnd type="none" w="med" len="med"/>
+                    </a:lnT>
+                    <a:lnB w="12700" cap="flat" cmpd="sng" algn="ctr">
+                      <a:solidFill>
+                        <a:schemeClr val="bg1"/>
+                      </a:solidFill>
+                      <a:prstDash val="solid"/>
+                      <a:round/>
+                      <a:headEnd type="none" w="med" len="med"/>
+                      <a:tailEnd type="none" w="med" len="med"/>
+                    </a:lnB>
+                  </a:tcPr>
+                </a:tc>
+                <a:tc vMerge="1">
+                  <a:txBody>
+                    <a:bodyPr/>
+                    <a:lstStyle/>
+                    <a:p>
+                      <a:endParaRPr lang="en-US" sz="1400" dirty="0"/>
+                    </a:p>
+                  </a:txBody>
+                  <a:tcPr marL="45717" marR="45717" marT="22858" marB="22858" anchor="ctr">
+                    <a:lnL w="12700" cap="flat" cmpd="sng" algn="ctr">
+                      <a:solidFill>
+                        <a:schemeClr val="bg1"/>
+                      </a:solidFill>
+                      <a:prstDash val="solid"/>
+                      <a:round/>
+                      <a:headEnd type="none" w="med" len="med"/>
+                      <a:tailEnd type="none" w="med" len="med"/>
+                    </a:lnL>
+                    <a:lnR w="12700" cap="flat" cmpd="sng" algn="ctr">
+                      <a:solidFill>
+                        <a:schemeClr val="bg1"/>
+                      </a:solidFill>
+                      <a:prstDash val="solid"/>
+                      <a:round/>
+                      <a:headEnd type="none" w="med" len="med"/>
+                      <a:tailEnd type="none" w="med" len="med"/>
+                    </a:lnR>
+                    <a:lnT w="12700" cap="flat" cmpd="sng" algn="ctr">
+                      <a:solidFill>
+                        <a:schemeClr val="bg1"/>
+                      </a:solidFill>
+                      <a:prstDash val="solid"/>
+                      <a:round/>
+                      <a:headEnd type="none" w="med" len="med"/>
+                      <a:tailEnd type="none" w="med" len="med"/>
+                    </a:lnT>
+                    <a:lnB w="12700" cap="flat" cmpd="sng" algn="ctr">
+                      <a:solidFill>
+                        <a:schemeClr val="bg1"/>
+                      </a:solidFill>
+                      <a:prstDash val="solid"/>
+                      <a:round/>
+                      <a:headEnd type="none" w="med" len="med"/>
+                      <a:tailEnd type="none" w="med" len="med"/>
+                    </a:lnB>
+                  </a:tcPr>
+                </a:tc>
+                <a:extLst>
+                  <a:ext uri="{0D108BD9-81ED-4DB2-BD59-A6C34878D82A}">
+                    <a16:rowId xmlns:a16="http://schemas.microsoft.com/office/drawing/2014/main" val="10009"/>
+                  </a:ext>
+                </a:extLst>
+              </a:tr>
+              <a:tr h="182867">
+                <a:tc>
+                  <a:txBody>
+                    <a:bodyPr/>
+                    <a:lstStyle/>
+                    <a:p>
+                      <a:pPr algn="ctr"/>
+                      <a:r>
+                        <a:rPr lang="en-US" sz="1400" b="1" dirty="0"/>
+                        <a:t>equals </a:t>
+                      </a:r>
+                    </a:p>
+                  </a:txBody>
+                  <a:tcPr marL="45717" marR="45717" marT="22858" marB="22858" anchor="ctr">
+                    <a:lnL w="12700" cap="flat" cmpd="sng" algn="ctr">
+                      <a:solidFill>
+                        <a:schemeClr val="bg1"/>
+                      </a:solidFill>
+                      <a:prstDash val="solid"/>
+                      <a:round/>
+                      <a:headEnd type="none" w="med" len="med"/>
+                      <a:tailEnd type="none" w="med" len="med"/>
+                    </a:lnL>
+                    <a:lnR w="12700" cap="flat" cmpd="sng" algn="ctr">
+                      <a:solidFill>
+                        <a:schemeClr val="bg1"/>
+                      </a:solidFill>
+                      <a:prstDash val="solid"/>
+                      <a:round/>
+                      <a:headEnd type="none" w="med" len="med"/>
+                      <a:tailEnd type="none" w="med" len="med"/>
+                    </a:lnR>
+                    <a:lnT w="12700" cap="flat" cmpd="sng" algn="ctr">
+                      <a:solidFill>
+                        <a:schemeClr val="bg1"/>
+                      </a:solidFill>
+                      <a:prstDash val="solid"/>
+                      <a:round/>
+                      <a:headEnd type="none" w="med" len="med"/>
+                      <a:tailEnd type="none" w="med" len="med"/>
+                    </a:lnT>
+                    <a:lnB w="12700" cap="flat" cmpd="sng" algn="ctr">
+                      <a:solidFill>
+                        <a:schemeClr val="bg1"/>
+                      </a:solidFill>
+                      <a:prstDash val="solid"/>
+                      <a:round/>
+                      <a:headEnd type="none" w="med" len="med"/>
+                      <a:tailEnd type="none" w="med" len="med"/>
+                    </a:lnB>
+                  </a:tcPr>
+                </a:tc>
+                <a:tc vMerge="1">
+                  <a:txBody>
+                    <a:bodyPr/>
+                    <a:lstStyle/>
+                    <a:p>
+                      <a:endParaRPr lang="en-US" sz="1400" dirty="0"/>
+                    </a:p>
+                  </a:txBody>
+                  <a:tcPr marL="45717" marR="45717" marT="22858" marB="22858" anchor="ctr">
+                    <a:lnL w="12700" cap="flat" cmpd="sng" algn="ctr">
+                      <a:solidFill>
+                        <a:schemeClr val="bg1"/>
+                      </a:solidFill>
+                      <a:prstDash val="solid"/>
+                      <a:round/>
+                      <a:headEnd type="none" w="med" len="med"/>
+                      <a:tailEnd type="none" w="med" len="med"/>
+                    </a:lnL>
+                    <a:lnR w="12700" cap="flat" cmpd="sng" algn="ctr">
+                      <a:solidFill>
+                        <a:schemeClr val="bg1"/>
+                      </a:solidFill>
+                      <a:prstDash val="solid"/>
+                      <a:round/>
+                      <a:headEnd type="none" w="med" len="med"/>
+                      <a:tailEnd type="none" w="med" len="med"/>
+                    </a:lnR>
+                    <a:lnT w="12700" cap="flat" cmpd="sng" algn="ctr">
+                      <a:solidFill>
+                        <a:schemeClr val="bg1"/>
+                      </a:solidFill>
+                      <a:prstDash val="solid"/>
+                      <a:round/>
+                      <a:headEnd type="none" w="med" len="med"/>
+                      <a:tailEnd type="none" w="med" len="med"/>
+                    </a:lnT>
+                    <a:lnB w="12700" cap="flat" cmpd="sng" algn="ctr">
+                      <a:solidFill>
+                        <a:schemeClr val="bg1"/>
+                      </a:solidFill>
+                      <a:prstDash val="solid"/>
+                      <a:round/>
+                      <a:headEnd type="none" w="med" len="med"/>
+                      <a:tailEnd type="none" w="med" len="med"/>
+                    </a:lnB>
+                  </a:tcPr>
+                </a:tc>
+                <a:extLst>
+                  <a:ext uri="{0D108BD9-81ED-4DB2-BD59-A6C34878D82A}">
+                    <a16:rowId xmlns:a16="http://schemas.microsoft.com/office/drawing/2014/main" val="10010"/>
+                  </a:ext>
+                </a:extLst>
+              </a:tr>
+              <a:tr h="182867">
+                <a:tc>
+                  <a:txBody>
+                    <a:bodyPr/>
+                    <a:lstStyle/>
+                    <a:p>
+                      <a:pPr algn="ctr"/>
+                      <a:r>
+                        <a:rPr lang="en-US" sz="1400" b="1" dirty="0"/>
+                        <a:t>by </a:t>
+                      </a:r>
+                    </a:p>
+                  </a:txBody>
+                  <a:tcPr marL="45717" marR="45717" marT="22858" marB="22858" anchor="ctr">
+                    <a:lnL w="12700" cap="flat" cmpd="sng" algn="ctr">
+                      <a:solidFill>
+                        <a:schemeClr val="bg1"/>
+                      </a:solidFill>
+                      <a:prstDash val="solid"/>
+                      <a:round/>
+                      <a:headEnd type="none" w="med" len="med"/>
+                      <a:tailEnd type="none" w="med" len="med"/>
+                    </a:lnL>
+                    <a:lnR w="12700" cap="flat" cmpd="sng" algn="ctr">
+                      <a:solidFill>
+                        <a:schemeClr val="bg1"/>
+                      </a:solidFill>
+                      <a:prstDash val="solid"/>
+                      <a:round/>
+                      <a:headEnd type="none" w="med" len="med"/>
+                      <a:tailEnd type="none" w="med" len="med"/>
+                    </a:lnR>
+                    <a:lnT w="12700" cap="flat" cmpd="sng" algn="ctr">
+                      <a:solidFill>
+                        <a:schemeClr val="bg1"/>
+                      </a:solidFill>
+                      <a:prstDash val="solid"/>
+                      <a:round/>
+                      <a:headEnd type="none" w="med" len="med"/>
+                      <a:tailEnd type="none" w="med" len="med"/>
+                    </a:lnT>
+                    <a:lnB w="12700" cap="flat" cmpd="sng" algn="ctr">
+                      <a:solidFill>
+                        <a:schemeClr val="bg1"/>
+                      </a:solidFill>
+                      <a:prstDash val="solid"/>
+                      <a:round/>
+                      <a:headEnd type="none" w="med" len="med"/>
+                      <a:tailEnd type="none" w="med" len="med"/>
+                    </a:lnB>
+                  </a:tcPr>
+                </a:tc>
+                <a:tc>
+                  <a:txBody>
+                    <a:bodyPr/>
+                    <a:lstStyle/>
+                    <a:p>
+                      <a:r>
+                        <a:rPr lang="ru-RU" sz="1400" dirty="0" smtClean="0"/>
+                        <a:t>Используется вместе с ключевым словом </a:t>
+                      </a:r>
+                      <a:r>
+                        <a:rPr lang="en-US" sz="1400" dirty="0" smtClean="0"/>
+                        <a:t>group.</a:t>
+                      </a:r>
+                      <a:endParaRPr lang="en-US" sz="1400" dirty="0"/>
+                    </a:p>
+                  </a:txBody>
+                  <a:tcPr marL="45717" marR="45717" marT="22858" marB="22858" anchor="ctr">
+                    <a:lnL w="12700" cap="flat" cmpd="sng" algn="ctr">
+                      <a:solidFill>
+                        <a:schemeClr val="bg1"/>
+                      </a:solidFill>
+                      <a:prstDash val="solid"/>
+                      <a:round/>
+                      <a:headEnd type="none" w="med" len="med"/>
+                      <a:tailEnd type="none" w="med" len="med"/>
+                    </a:lnL>
+                    <a:lnR w="12700" cap="flat" cmpd="sng" algn="ctr">
+                      <a:solidFill>
+                        <a:schemeClr val="bg1"/>
+                      </a:solidFill>
+                      <a:prstDash val="solid"/>
+                      <a:round/>
+                      <a:headEnd type="none" w="med" len="med"/>
+                      <a:tailEnd type="none" w="med" len="med"/>
+                    </a:lnR>
+                    <a:lnT w="12700" cap="flat" cmpd="sng" algn="ctr">
+                      <a:solidFill>
+                        <a:schemeClr val="bg1"/>
+                      </a:solidFill>
+                      <a:prstDash val="solid"/>
+                      <a:round/>
+                      <a:headEnd type="none" w="med" len="med"/>
+                      <a:tailEnd type="none" w="med" len="med"/>
+                    </a:lnT>
+                    <a:lnB w="12700" cap="flat" cmpd="sng" algn="ctr">
+                      <a:solidFill>
+                        <a:schemeClr val="bg1"/>
+                      </a:solidFill>
+                      <a:prstDash val="solid"/>
+                      <a:round/>
+                      <a:headEnd type="none" w="med" len="med"/>
+                      <a:tailEnd type="none" w="med" len="med"/>
+                    </a:lnB>
+                  </a:tcPr>
+                </a:tc>
+                <a:extLst>
+                  <a:ext uri="{0D108BD9-81ED-4DB2-BD59-A6C34878D82A}">
+                    <a16:rowId xmlns:a16="http://schemas.microsoft.com/office/drawing/2014/main" val="10011"/>
+                  </a:ext>
+                </a:extLst>
+              </a:tr>
+              <a:tr h="182867">
+                <a:tc>
+                  <a:txBody>
+                    <a:bodyPr/>
+                    <a:lstStyle/>
+                    <a:p>
+                      <a:pPr algn="ctr"/>
+                      <a:r>
+                        <a:rPr lang="en-US" sz="1400" b="1" dirty="0"/>
+                        <a:t>ascending </a:t>
+                      </a:r>
+                    </a:p>
+                  </a:txBody>
+                  <a:tcPr marL="45717" marR="45717" marT="22858" marB="22858" anchor="ctr">
+                    <a:lnL w="12700" cap="flat" cmpd="sng" algn="ctr">
+                      <a:solidFill>
+                        <a:schemeClr val="bg1"/>
+                      </a:solidFill>
+                      <a:prstDash val="solid"/>
+                      <a:round/>
+                      <a:headEnd type="none" w="med" len="med"/>
+                      <a:tailEnd type="none" w="med" len="med"/>
+                    </a:lnL>
+                    <a:lnR w="12700" cap="flat" cmpd="sng" algn="ctr">
+                      <a:solidFill>
+                        <a:schemeClr val="bg1"/>
+                      </a:solidFill>
+                      <a:prstDash val="solid"/>
+                      <a:round/>
+                      <a:headEnd type="none" w="med" len="med"/>
+                      <a:tailEnd type="none" w="med" len="med"/>
+                    </a:lnR>
+                    <a:lnT w="12700" cap="flat" cmpd="sng" algn="ctr">
+                      <a:solidFill>
+                        <a:schemeClr val="bg1"/>
+                      </a:solidFill>
+                      <a:prstDash val="solid"/>
+                      <a:round/>
+                      <a:headEnd type="none" w="med" len="med"/>
+                      <a:tailEnd type="none" w="med" len="med"/>
+                    </a:lnT>
+                    <a:lnB w="12700" cap="flat" cmpd="sng" algn="ctr">
+                      <a:solidFill>
+                        <a:schemeClr val="bg1"/>
+                      </a:solidFill>
+                      <a:prstDash val="solid"/>
+                      <a:round/>
+                      <a:headEnd type="none" w="med" len="med"/>
+                      <a:tailEnd type="none" w="med" len="med"/>
+                    </a:lnB>
+                  </a:tcPr>
+                </a:tc>
+                <a:tc rowSpan="2">
+                  <a:txBody>
+                    <a:bodyPr/>
+                    <a:lstStyle/>
+                    <a:p>
+                      <a:pPr marL="0" marR="0" indent="0" algn="l" defTabSz="914400" rtl="0" eaLnBrk="1" fontAlgn="auto" latinLnBrk="0" hangingPunct="1">
+                        <a:lnSpc>
+                          <a:spcPct val="100000"/>
+                        </a:lnSpc>
+                        <a:spcBef>
+                          <a:spcPts val="0"/>
+                        </a:spcBef>
+                        <a:spcAft>
+                          <a:spcPts val="0"/>
+                        </a:spcAft>
+                        <a:buClrTx/>
+                        <a:buSzTx/>
+                        <a:buFontTx/>
+                        <a:buNone/>
+                        <a:tabLst/>
+                        <a:defRPr/>
+                      </a:pPr>
+                      <a:r>
+                        <a:rPr lang="ru-RU" sz="1400" dirty="0" smtClean="0"/>
+                        <a:t>Используется вместе с ключевым словом </a:t>
+                      </a:r>
+                      <a:r>
+                        <a:rPr lang="en-US" sz="1400" dirty="0" err="1" smtClean="0"/>
+                        <a:t>orderby</a:t>
+                      </a:r>
+                      <a:r>
+                        <a:rPr lang="en-US" sz="1400" dirty="0" smtClean="0"/>
+                        <a:t>.</a:t>
+                      </a:r>
+                      <a:endParaRPr lang="en-US" sz="1400" dirty="0"/>
+                    </a:p>
+                  </a:txBody>
+                  <a:tcPr marL="45717" marR="45717" marT="22858" marB="22858" anchor="ctr">
+                    <a:lnL w="12700" cap="flat" cmpd="sng" algn="ctr">
+                      <a:solidFill>
+                        <a:schemeClr val="bg1"/>
+                      </a:solidFill>
+                      <a:prstDash val="solid"/>
+                      <a:round/>
+                      <a:headEnd type="none" w="med" len="med"/>
+                      <a:tailEnd type="none" w="med" len="med"/>
+                    </a:lnL>
+                    <a:lnR w="12700" cap="flat" cmpd="sng" algn="ctr">
+                      <a:solidFill>
+                        <a:schemeClr val="bg1"/>
+                      </a:solidFill>
+                      <a:prstDash val="solid"/>
+                      <a:round/>
+                      <a:headEnd type="none" w="med" len="med"/>
+                      <a:tailEnd type="none" w="med" len="med"/>
+                    </a:lnR>
+                    <a:lnT w="12700" cap="flat" cmpd="sng" algn="ctr">
+                      <a:solidFill>
+                        <a:schemeClr val="bg1"/>
+                      </a:solidFill>
+                      <a:prstDash val="solid"/>
+                      <a:round/>
+                      <a:headEnd type="none" w="med" len="med"/>
+                      <a:tailEnd type="none" w="med" len="med"/>
+                    </a:lnT>
+                    <a:lnB w="12700" cap="flat" cmpd="sng" algn="ctr">
+                      <a:solidFill>
+                        <a:schemeClr val="bg1"/>
+                      </a:solidFill>
+                      <a:prstDash val="solid"/>
+                      <a:round/>
+                      <a:headEnd type="none" w="med" len="med"/>
+                      <a:tailEnd type="none" w="med" len="med"/>
+                    </a:lnB>
+                  </a:tcPr>
+                </a:tc>
+                <a:extLst>
+                  <a:ext uri="{0D108BD9-81ED-4DB2-BD59-A6C34878D82A}">
+                    <a16:rowId xmlns:a16="http://schemas.microsoft.com/office/drawing/2014/main" val="10012"/>
+                  </a:ext>
+                </a:extLst>
+              </a:tr>
+              <a:tr h="182867">
+                <a:tc>
+                  <a:txBody>
+                    <a:bodyPr/>
+                    <a:lstStyle/>
+                    <a:p>
+                      <a:pPr algn="ctr"/>
+                      <a:r>
+                        <a:rPr lang="en-US" sz="1400" b="1" dirty="0"/>
+                        <a:t>descending </a:t>
+                      </a:r>
+                    </a:p>
+                  </a:txBody>
+                  <a:tcPr marL="45717" marR="45717" marT="22858" marB="22858" anchor="ctr">
+                    <a:lnL w="12700" cap="flat" cmpd="sng" algn="ctr">
+                      <a:solidFill>
+                        <a:schemeClr val="bg1"/>
+                      </a:solidFill>
+                      <a:prstDash val="solid"/>
+                      <a:round/>
+                      <a:headEnd type="none" w="med" len="med"/>
+                      <a:tailEnd type="none" w="med" len="med"/>
+                    </a:lnL>
+                    <a:lnR w="12700" cap="flat" cmpd="sng" algn="ctr">
+                      <a:solidFill>
+                        <a:schemeClr val="bg1"/>
+                      </a:solidFill>
+                      <a:prstDash val="solid"/>
+                      <a:round/>
+                      <a:headEnd type="none" w="med" len="med"/>
+                      <a:tailEnd type="none" w="med" len="med"/>
+                    </a:lnR>
+                    <a:lnT w="12700" cap="flat" cmpd="sng" algn="ctr">
+                      <a:solidFill>
+                        <a:schemeClr val="bg1"/>
+                      </a:solidFill>
+                      <a:prstDash val="solid"/>
+                      <a:round/>
+                      <a:headEnd type="none" w="med" len="med"/>
+                      <a:tailEnd type="none" w="med" len="med"/>
+                    </a:lnT>
+                    <a:lnB w="12700" cap="flat" cmpd="sng" algn="ctr">
+                      <a:solidFill>
+                        <a:schemeClr val="bg1"/>
+                      </a:solidFill>
+                      <a:prstDash val="solid"/>
+                      <a:round/>
+                      <a:headEnd type="none" w="med" len="med"/>
+                      <a:tailEnd type="none" w="med" len="med"/>
+                    </a:lnB>
+                  </a:tcPr>
+                </a:tc>
+                <a:tc vMerge="1">
+                  <a:txBody>
+                    <a:bodyPr/>
+                    <a:lstStyle/>
+                    <a:p>
+                      <a:endParaRPr lang="en-US" sz="1400" dirty="0"/>
+                    </a:p>
+                  </a:txBody>
+                  <a:tcPr marL="45717" marR="45717" marT="22858" marB="22858" anchor="ctr">
+                    <a:lnL w="12700" cap="flat" cmpd="sng" algn="ctr">
+                      <a:solidFill>
+                        <a:schemeClr val="bg1"/>
+                      </a:solidFill>
+                      <a:prstDash val="solid"/>
+                      <a:round/>
+                      <a:headEnd type="none" w="med" len="med"/>
+                      <a:tailEnd type="none" w="med" len="med"/>
+                    </a:lnL>
+                    <a:lnR w="12700" cap="flat" cmpd="sng" algn="ctr">
+                      <a:solidFill>
+                        <a:schemeClr val="bg1"/>
+                      </a:solidFill>
+                      <a:prstDash val="solid"/>
+                      <a:round/>
+                      <a:headEnd type="none" w="med" len="med"/>
+                      <a:tailEnd type="none" w="med" len="med"/>
+                    </a:lnR>
+                    <a:lnT w="12700" cap="flat" cmpd="sng" algn="ctr">
+                      <a:solidFill>
+                        <a:schemeClr val="bg1"/>
+                      </a:solidFill>
+                      <a:prstDash val="solid"/>
+                      <a:round/>
+                      <a:headEnd type="none" w="med" len="med"/>
+                      <a:tailEnd type="none" w="med" len="med"/>
+                    </a:lnT>
+                    <a:lnB w="12700" cap="flat" cmpd="sng" algn="ctr">
+                      <a:solidFill>
+                        <a:schemeClr val="bg1"/>
+                      </a:solidFill>
+                      <a:prstDash val="solid"/>
+                      <a:round/>
+                      <a:headEnd type="none" w="med" len="med"/>
+                      <a:tailEnd type="none" w="med" len="med"/>
+                    </a:lnB>
+                  </a:tcPr>
+                </a:tc>
+                <a:extLst>
+                  <a:ext uri="{0D108BD9-81ED-4DB2-BD59-A6C34878D82A}">
+                    <a16:rowId xmlns:a16="http://schemas.microsoft.com/office/drawing/2014/main" val="10013"/>
+                  </a:ext>
+                </a:extLst>
+              </a:tr>
+            </a:tbl>
+          </a:graphicData>
+        </a:graphic>
+      </p:graphicFrame>
+    </p:spTree>
+    <p:extLst>
+      <p:ext uri="{BB962C8B-B14F-4D97-AF65-F5344CB8AC3E}">
+        <p14:creationId xmlns:p14="http://schemas.microsoft.com/office/powerpoint/2010/main" val="2129788586"/>
+      </p:ext>
+    </p:extLst>
+  </p:cSld>
+  <p:clrMapOvr>
+    <a:masterClrMapping/>
+  </p:clrMapOvr>
+  <p:timing>
+    <p:tnLst>
+      <p:par>
+        <p:cTn id="1" dur="indefinite" restart="never" nodeType="tmRoot"/>
+      </p:par>
+    </p:tnLst>
+  </p:timing>
+</p:sld>
+</file>
+
+<file path=ppt/slides/slide41.xml><?xml version="1.0" encoding="utf-8"?>
+<p:sld xmlns:a="http://schemas.openxmlformats.org/drawingml/2006/main" xmlns:r="http://schemas.openxmlformats.org/officeDocument/2006/relationships" xmlns:p="http://schemas.openxmlformats.org/presentationml/2006/main">
+  <p:cSld>
+    <p:spTree>
+      <p:nvGrpSpPr>
+        <p:cNvPr id="1" name=""/>
+        <p:cNvGrpSpPr/>
+        <p:nvPr/>
+      </p:nvGrpSpPr>
+      <p:grpSpPr>
+        <a:xfrm>
+          <a:off x="0" y="0"/>
+          <a:ext cx="0" cy="0"/>
+          <a:chOff x="0" y="0"/>
+          <a:chExt cx="0" cy="0"/>
+        </a:xfrm>
+      </p:grpSpPr>
+      <p:sp>
+        <p:nvSpPr>
+          <p:cNvPr id="2" name="Title 1"/>
+          <p:cNvSpPr>
+            <a:spLocks noGrp="1"/>
+          </p:cNvSpPr>
+          <p:nvPr>
+            <p:ph type="title"/>
+          </p:nvPr>
+        </p:nvSpPr>
         <p:spPr/>
         <p:txBody>
           <a:bodyPr/>
@@ -21726,7 +21849,7 @@
 </p:sld>
 </file>
 
-<file path=ppt/slides/slide41.xml><?xml version="1.0" encoding="utf-8"?>
+<file path=ppt/slides/slide42.xml><?xml version="1.0" encoding="utf-8"?>
 <p:sld xmlns:a="http://schemas.openxmlformats.org/drawingml/2006/main" xmlns:r="http://schemas.openxmlformats.org/officeDocument/2006/relationships" xmlns:p="http://schemas.openxmlformats.org/presentationml/2006/main">
   <p:cSld>
     <p:spTree>
@@ -24455,7 +24578,7 @@
 </p:sld>
 </file>
 
-<file path=ppt/slides/slide42.xml><?xml version="1.0" encoding="utf-8"?>
+<file path=ppt/slides/slide43.xml><?xml version="1.0" encoding="utf-8"?>
 <p:sld xmlns:a="http://schemas.openxmlformats.org/drawingml/2006/main" xmlns:r="http://schemas.openxmlformats.org/officeDocument/2006/relationships" xmlns:p="http://schemas.openxmlformats.org/presentationml/2006/main">
   <p:cSld>
     <p:spTree>
@@ -26521,7 +26644,7 @@
 </p:sld>
 </file>
 
-<file path=ppt/slides/slide43.xml><?xml version="1.0" encoding="utf-8"?>
+<file path=ppt/slides/slide44.xml><?xml version="1.0" encoding="utf-8"?>
 <p:sld xmlns:a="http://schemas.openxmlformats.org/drawingml/2006/main" xmlns:r="http://schemas.openxmlformats.org/officeDocument/2006/relationships" xmlns:p="http://schemas.openxmlformats.org/presentationml/2006/main">
   <p:cSld>
     <p:spTree>
@@ -29793,9 +29916,22 @@
         </p:nvSpPr>
         <p:spPr/>
         <p:txBody>
-          <a:bodyPr/>
+          <a:bodyPr>
+            <a:normAutofit fontScale="90000"/>
+          </a:bodyPr>
           <a:lstStyle/>
           <a:p>
+            <a:r>
+              <a:rPr lang="ru-RU" dirty="0" smtClean="0"/>
+              <a:t>Интерфейсы</a:t>
+            </a:r>
+            <a:r>
+              <a:rPr lang="en-US" dirty="0" smtClean="0"/>
+              <a:t/>
+            </a:r>
+            <a:br>
+              <a:rPr lang="en-US" dirty="0" smtClean="0"/>
+            </a:br>
             <a:r>
               <a:rPr lang="en-US" dirty="0" err="1" smtClean="0"/>
               <a:t>IEnumerable</a:t>
@@ -29950,9 +30086,18 @@
         </p:nvSpPr>
         <p:spPr/>
         <p:txBody>
-          <a:bodyPr/>
+          <a:bodyPr>
+            <a:normAutofit fontScale="90000"/>
+          </a:bodyPr>
           <a:lstStyle/>
           <a:p>
+            <a:r>
+              <a:rPr lang="ru-RU" dirty="0"/>
+              <a:t>Интерфейсы</a:t>
+            </a:r>
+            <a:br>
+              <a:rPr lang="ru-RU" dirty="0"/>
+            </a:br>
             <a:r>
               <a:rPr lang="en-US" dirty="0" err="1" smtClean="0"/>
               <a:t>IQueryable</a:t>

--- a/Presentation/lesson-11-linq.pptx
+++ b/Presentation/lesson-11-linq.pptx
@@ -318,7 +318,7 @@
             <a:fld id="{B24A7054-7FFB-49F4-A126-5DF6E687FF53}" type="datetimeFigureOut">
               <a:rPr lang="ru-RU" smtClean="0"/>
               <a:pPr/>
-              <a:t>01.07.2018</a:t>
+              <a:t>07.07.2018</a:t>
             </a:fld>
             <a:endParaRPr lang="ru-RU"/>
           </a:p>
@@ -1587,7 +1587,7 @@
             <a:fld id="{8E6E6A2A-E9D3-4A0D-B04A-ABDD367A1E08}" type="datetimeFigureOut">
               <a:rPr lang="ru-RU" smtClean="0"/>
               <a:pPr/>
-              <a:t>01.07.2018</a:t>
+              <a:t>07.07.2018</a:t>
             </a:fld>
             <a:endParaRPr lang="ru-RU"/>
           </a:p>
@@ -3019,7 +3019,7 @@
             <a:fld id="{AC3D3127-B7C4-45E3-9797-C527EC9FDD78}" type="datetimeFigureOut">
               <a:rPr lang="ru-RU" smtClean="0"/>
               <a:pPr/>
-              <a:t>01.07.2018</a:t>
+              <a:t>07.07.2018</a:t>
             </a:fld>
             <a:endParaRPr lang="ru-RU"/>
           </a:p>
@@ -20489,10 +20489,16 @@
               <a:buNone/>
             </a:pPr>
             <a:r>
+              <a:rPr lang="en-US">
+                <a:hlinkClick r:id="rId2"/>
+              </a:rPr>
+              <a:t>https</a:t>
+            </a:r>
+            <a:r>
               <a:rPr lang="en-US" dirty="0">
                 <a:hlinkClick r:id="rId2"/>
               </a:rPr>
-              <a:t>http://code.google.com/p/morelinq/</a:t>
+              <a:t>://morelinq.github.io/</a:t>
             </a:r>
             <a:endParaRPr lang="ru-RU" dirty="0"/>
           </a:p>

--- a/Presentation/lesson-11-linq.pptx
+++ b/Presentation/lesson-11-linq.pptx
@@ -226,7 +226,7 @@
       </p14:sectionLst>
     </p:ext>
     <p:ext uri="{EFAFB233-063F-42B5-8137-9DF3F51BA10A}">
-      <p15:sldGuideLst xmlns:p15="http://schemas.microsoft.com/office/powerpoint/2012/main">
+      <p15:sldGuideLst xmlns:p15="http://schemas.microsoft.com/office/powerpoint/2012/main" xmlns="">
         <p15:guide id="1" orient="horz" pos="2160">
           <p15:clr>
             <a:srgbClr val="A4A3A4"/>
@@ -326,7 +326,7 @@
             <a:fld id="{B24A7054-7FFB-49F4-A126-5DF6E687FF53}" type="datetimeFigureOut">
               <a:rPr lang="ru-RU" smtClean="0"/>
               <a:pPr/>
-              <a:t>20.09.2018</a:t>
+              <a:t>22.02.2019</a:t>
             </a:fld>
             <a:endParaRPr lang="ru-RU"/>
           </a:p>
@@ -596,8 +596,8 @@
 </file>
 
 <file path=ppt/slideLayouts/slideLayout1.xml><?xml version="1.0" encoding="utf-8"?>
-<p:sldLayout xmlns:a="http://schemas.openxmlformats.org/drawingml/2006/main" xmlns:r="http://schemas.openxmlformats.org/officeDocument/2006/relationships" xmlns:p="http://schemas.openxmlformats.org/presentationml/2006/main" preserve="1" userDrawn="1">
-  <p:cSld name="Title Slide">
+<p:sldLayout xmlns:a="http://schemas.openxmlformats.org/drawingml/2006/main" xmlns:r="http://schemas.openxmlformats.org/officeDocument/2006/relationships" xmlns:p="http://schemas.openxmlformats.org/presentationml/2006/main" type="obj" preserve="1">
+  <p:cSld name="Title and Content">
     <p:spTree>
       <p:nvGrpSpPr>
         <p:cNvPr id="1" name=""/>
@@ -614,172 +614,83 @@
       </p:grpSpPr>
       <p:sp>
         <p:nvSpPr>
-          <p:cNvPr id="7" name="Rectangle 6"/>
-          <p:cNvSpPr/>
-          <p:nvPr userDrawn="1"/>
+          <p:cNvPr id="2" name="Title 1"/>
+          <p:cNvSpPr>
+            <a:spLocks noGrp="1"/>
+          </p:cNvSpPr>
+          <p:nvPr>
+            <p:ph type="title"/>
+          </p:nvPr>
         </p:nvSpPr>
-        <p:spPr>
-          <a:xfrm>
-            <a:off x="143508" y="1304764"/>
-            <a:ext cx="8856984" cy="646331"/>
-          </a:xfrm>
-          <a:prstGeom prst="rect">
-            <a:avLst/>
-          </a:prstGeom>
-        </p:spPr>
+        <p:spPr/>
         <p:txBody>
-          <a:bodyPr wrap="square">
-            <a:spAutoFit/>
-          </a:bodyPr>
+          <a:bodyPr/>
           <a:lstStyle/>
           <a:p>
-            <a:pPr algn="ctr"/>
-            <a:r>
-              <a:rPr lang="ru-RU" sz="3600" b="1" i="1" dirty="0">
-                <a:solidFill>
-                  <a:schemeClr val="bg1"/>
-                </a:solidFill>
-              </a:rPr>
-              <a:t>Основы программирования на </a:t>
-            </a:r>
-            <a:r>
-              <a:rPr lang="en-US" sz="3600" b="1" i="1" dirty="0">
-                <a:solidFill>
-                  <a:schemeClr val="bg1"/>
-                </a:solidFill>
-              </a:rPr>
-              <a:t>C#</a:t>
-            </a:r>
-            <a:endParaRPr lang="ru-RU" sz="3600" b="1" i="1" dirty="0">
-              <a:solidFill>
-                <a:schemeClr val="bg1"/>
-              </a:solidFill>
-            </a:endParaRPr>
+            <a:r>
+              <a:rPr lang="en-US"/>
+              <a:t>Click to edit Master title style</a:t>
+            </a:r>
+            <a:endParaRPr lang="ru-RU" dirty="0"/>
           </a:p>
         </p:txBody>
       </p:sp>
-      <p:pic>
-        <p:nvPicPr>
-          <p:cNvPr id="8" name="Picture 5"/>
-          <p:cNvPicPr>
-            <a:picLocks noChangeAspect="1" noChangeArrowheads="1"/>
-          </p:cNvPicPr>
-          <p:nvPr userDrawn="1"/>
-        </p:nvPicPr>
-        <p:blipFill>
-          <a:blip r:embed="rId2" cstate="print">
-            <a:extLst>
-              <a:ext uri="{28A0092B-C50C-407E-A947-70E740481C1C}">
-                <a14:useLocalDpi xmlns:a14="http://schemas.microsoft.com/office/drawing/2010/main" val="0"/>
-              </a:ext>
-            </a:extLst>
-          </a:blip>
-          <a:srcRect/>
-          <a:stretch>
-            <a:fillRect/>
-          </a:stretch>
-        </p:blipFill>
-        <p:spPr bwMode="auto">
-          <a:xfrm>
-            <a:off x="1638300" y="3829211"/>
-            <a:ext cx="5867400" cy="1724025"/>
-          </a:xfrm>
-          <a:prstGeom prst="rect">
-            <a:avLst/>
-          </a:prstGeom>
-          <a:noFill/>
-          <a:ln>
-            <a:noFill/>
-          </a:ln>
-          <a:effectLst/>
-          <a:extLst>
-            <a:ext uri="{909E8E84-426E-40DD-AFC4-6F175D3DCCD1}">
-              <a14:hiddenFill xmlns:a14="http://schemas.microsoft.com/office/drawing/2010/main">
-                <a:solidFill>
-                  <a:schemeClr val="accent1"/>
-                </a:solidFill>
-              </a14:hiddenFill>
-            </a:ext>
-            <a:ext uri="{91240B29-F687-4F45-9708-019B960494DF}">
-              <a14:hiddenLine xmlns:a14="http://schemas.microsoft.com/office/drawing/2010/main" w="9525">
-                <a:solidFill>
-                  <a:schemeClr val="tx1"/>
-                </a:solidFill>
-                <a:miter lim="800000"/>
-                <a:headEnd/>
-                <a:tailEnd/>
-              </a14:hiddenLine>
-            </a:ext>
-            <a:ext uri="{AF507438-7753-43E0-B8FC-AC1667EBCBE1}">
-              <a14:hiddenEffects xmlns:a14="http://schemas.microsoft.com/office/drawing/2010/main">
-                <a:effectLst>
-                  <a:outerShdw dist="35921" dir="2700000" algn="ctr" rotWithShape="0">
-                    <a:schemeClr val="bg2"/>
-                  </a:outerShdw>
-                </a:effectLst>
-              </a14:hiddenEffects>
-            </a:ext>
-          </a:extLst>
-        </p:spPr>
-      </p:pic>
       <p:sp>
         <p:nvSpPr>
-          <p:cNvPr id="9" name="TextBox 8"/>
-          <p:cNvSpPr txBox="1"/>
-          <p:nvPr userDrawn="1"/>
+          <p:cNvPr id="3" name="Content Placeholder 2"/>
+          <p:cNvSpPr>
+            <a:spLocks noGrp="1"/>
+          </p:cNvSpPr>
+          <p:nvPr>
+            <p:ph idx="1"/>
+          </p:nvPr>
         </p:nvSpPr>
-        <p:spPr>
-          <a:xfrm>
-            <a:off x="2774873" y="2528900"/>
-            <a:ext cx="4240263" cy="461665"/>
-          </a:xfrm>
-          <a:prstGeom prst="rect">
-            <a:avLst/>
-          </a:prstGeom>
-          <a:noFill/>
-        </p:spPr>
+        <p:spPr/>
         <p:txBody>
-          <a:bodyPr wrap="none" rtlCol="0">
-            <a:spAutoFit/>
-          </a:bodyPr>
+          <a:bodyPr/>
           <a:lstStyle/>
           <a:p>
-            <a:r>
-              <a:rPr lang="ru-RU" sz="2400" dirty="0">
-                <a:solidFill>
-                  <a:schemeClr val="bg1"/>
-                </a:solidFill>
-              </a:rPr>
-              <a:t>Занятие №</a:t>
-            </a:r>
-            <a:r>
-              <a:rPr lang="en-US" sz="2400" dirty="0">
-                <a:solidFill>
-                  <a:schemeClr val="bg1"/>
-                </a:solidFill>
-              </a:rPr>
-              <a:t>1</a:t>
-            </a:r>
-            <a:r>
-              <a:rPr lang="ru-RU" sz="2400" dirty="0">
-                <a:solidFill>
-                  <a:schemeClr val="bg1"/>
-                </a:solidFill>
-              </a:rPr>
-              <a:t>. Название занятия</a:t>
-            </a:r>
-            <a:endParaRPr lang="en-US" sz="2400" dirty="0">
-              <a:solidFill>
-                <a:schemeClr val="bg1"/>
-              </a:solidFill>
-            </a:endParaRPr>
+            <a:pPr lvl="0"/>
+            <a:r>
+              <a:rPr lang="en-US"/>
+              <a:t>Click to edit Master text styles</a:t>
+            </a:r>
+          </a:p>
+          <a:p>
+            <a:pPr lvl="1"/>
+            <a:r>
+              <a:rPr lang="en-US"/>
+              <a:t>Second level</a:t>
+            </a:r>
+          </a:p>
+          <a:p>
+            <a:pPr lvl="2"/>
+            <a:r>
+              <a:rPr lang="en-US"/>
+              <a:t>Third level</a:t>
+            </a:r>
+          </a:p>
+          <a:p>
+            <a:pPr lvl="3"/>
+            <a:r>
+              <a:rPr lang="en-US"/>
+              <a:t>Fourth level</a:t>
+            </a:r>
+          </a:p>
+          <a:p>
+            <a:pPr lvl="4"/>
+            <a:r>
+              <a:rPr lang="en-US"/>
+              <a:t>Fifth level</a:t>
+            </a:r>
+            <a:endParaRPr lang="ru-RU" dirty="0"/>
           </a:p>
         </p:txBody>
       </p:sp>
     </p:spTree>
     <p:extLst>
       <p:ext uri="{BB962C8B-B14F-4D97-AF65-F5344CB8AC3E}">
-        <p14:creationId xmlns:p14="http://schemas.microsoft.com/office/powerpoint/2010/main" val="2062725571"/>
+        <p14:creationId xmlns:p14="http://schemas.microsoft.com/office/powerpoint/2010/main" val="3363467697"/>
       </p:ext>
     </p:extLst>
   </p:cSld>
@@ -790,6 +701,1379 @@
 </file>
 
 <file path=ppt/slideLayouts/slideLayout10.xml><?xml version="1.0" encoding="utf-8"?>
+<p:sldLayout xmlns:a="http://schemas.openxmlformats.org/drawingml/2006/main" xmlns:r="http://schemas.openxmlformats.org/officeDocument/2006/relationships" xmlns:p="http://schemas.openxmlformats.org/presentationml/2006/main" type="vertTx" preserve="1">
+  <p:cSld name="Title and Vertical Text">
+    <p:spTree>
+      <p:nvGrpSpPr>
+        <p:cNvPr id="1" name=""/>
+        <p:cNvGrpSpPr/>
+        <p:nvPr/>
+      </p:nvGrpSpPr>
+      <p:grpSpPr>
+        <a:xfrm>
+          <a:off x="0" y="0"/>
+          <a:ext cx="0" cy="0"/>
+          <a:chOff x="0" y="0"/>
+          <a:chExt cx="0" cy="0"/>
+        </a:xfrm>
+      </p:grpSpPr>
+      <p:sp>
+        <p:nvSpPr>
+          <p:cNvPr id="2" name="Title 1"/>
+          <p:cNvSpPr>
+            <a:spLocks noGrp="1"/>
+          </p:cNvSpPr>
+          <p:nvPr>
+            <p:ph type="title"/>
+          </p:nvPr>
+        </p:nvSpPr>
+        <p:spPr/>
+        <p:txBody>
+          <a:bodyPr/>
+          <a:lstStyle/>
+          <a:p>
+            <a:r>
+              <a:rPr lang="en-US"/>
+              <a:t>Click to edit Master title style</a:t>
+            </a:r>
+            <a:endParaRPr lang="ru-RU" dirty="0"/>
+          </a:p>
+        </p:txBody>
+      </p:sp>
+      <p:sp>
+        <p:nvSpPr>
+          <p:cNvPr id="3" name="Vertical Text Placeholder 2"/>
+          <p:cNvSpPr>
+            <a:spLocks noGrp="1"/>
+          </p:cNvSpPr>
+          <p:nvPr>
+            <p:ph type="body" orient="vert" idx="1"/>
+          </p:nvPr>
+        </p:nvSpPr>
+        <p:spPr/>
+        <p:txBody>
+          <a:bodyPr vert="eaVert"/>
+          <a:lstStyle/>
+          <a:p>
+            <a:pPr lvl="0"/>
+            <a:r>
+              <a:rPr lang="en-US"/>
+              <a:t>Click to edit Master text styles</a:t>
+            </a:r>
+          </a:p>
+          <a:p>
+            <a:pPr lvl="1"/>
+            <a:r>
+              <a:rPr lang="en-US"/>
+              <a:t>Second level</a:t>
+            </a:r>
+          </a:p>
+          <a:p>
+            <a:pPr lvl="2"/>
+            <a:r>
+              <a:rPr lang="en-US"/>
+              <a:t>Third level</a:t>
+            </a:r>
+          </a:p>
+          <a:p>
+            <a:pPr lvl="3"/>
+            <a:r>
+              <a:rPr lang="en-US"/>
+              <a:t>Fourth level</a:t>
+            </a:r>
+          </a:p>
+          <a:p>
+            <a:pPr lvl="4"/>
+            <a:r>
+              <a:rPr lang="en-US"/>
+              <a:t>Fifth level</a:t>
+            </a:r>
+            <a:endParaRPr lang="ru-RU" dirty="0"/>
+          </a:p>
+        </p:txBody>
+      </p:sp>
+    </p:spTree>
+    <p:extLst>
+      <p:ext uri="{BB962C8B-B14F-4D97-AF65-F5344CB8AC3E}">
+        <p14:creationId xmlns:p14="http://schemas.microsoft.com/office/powerpoint/2010/main" val="2015559697"/>
+      </p:ext>
+    </p:extLst>
+  </p:cSld>
+  <p:clrMapOvr>
+    <a:masterClrMapping/>
+  </p:clrMapOvr>
+</p:sldLayout>
+</file>
+
+<file path=ppt/slideLayouts/slideLayout11.xml><?xml version="1.0" encoding="utf-8"?>
+<p:sldLayout xmlns:a="http://schemas.openxmlformats.org/drawingml/2006/main" xmlns:r="http://schemas.openxmlformats.org/officeDocument/2006/relationships" xmlns:p="http://schemas.openxmlformats.org/presentationml/2006/main" type="vertTitleAndTx" preserve="1">
+  <p:cSld name="Vertical Title and Text">
+    <p:spTree>
+      <p:nvGrpSpPr>
+        <p:cNvPr id="1" name=""/>
+        <p:cNvGrpSpPr/>
+        <p:nvPr/>
+      </p:nvGrpSpPr>
+      <p:grpSpPr>
+        <a:xfrm>
+          <a:off x="0" y="0"/>
+          <a:ext cx="0" cy="0"/>
+          <a:chOff x="0" y="0"/>
+          <a:chExt cx="0" cy="0"/>
+        </a:xfrm>
+      </p:grpSpPr>
+      <p:sp>
+        <p:nvSpPr>
+          <p:cNvPr id="2" name="Vertical Title 1"/>
+          <p:cNvSpPr>
+            <a:spLocks noGrp="1"/>
+          </p:cNvSpPr>
+          <p:nvPr>
+            <p:ph type="title" orient="vert"/>
+          </p:nvPr>
+        </p:nvSpPr>
+        <p:spPr>
+          <a:xfrm>
+            <a:off x="6629400" y="274638"/>
+            <a:ext cx="2057400" cy="5851525"/>
+          </a:xfrm>
+        </p:spPr>
+        <p:txBody>
+          <a:bodyPr vert="eaVert"/>
+          <a:lstStyle/>
+          <a:p>
+            <a:r>
+              <a:rPr lang="en-US"/>
+              <a:t>Click to edit Master title style</a:t>
+            </a:r>
+            <a:endParaRPr lang="ru-RU" dirty="0"/>
+          </a:p>
+        </p:txBody>
+      </p:sp>
+      <p:sp>
+        <p:nvSpPr>
+          <p:cNvPr id="3" name="Vertical Text Placeholder 2"/>
+          <p:cNvSpPr>
+            <a:spLocks noGrp="1"/>
+          </p:cNvSpPr>
+          <p:nvPr>
+            <p:ph type="body" orient="vert" idx="1"/>
+          </p:nvPr>
+        </p:nvSpPr>
+        <p:spPr>
+          <a:xfrm>
+            <a:off x="457200" y="274638"/>
+            <a:ext cx="6019800" cy="5851525"/>
+          </a:xfrm>
+        </p:spPr>
+        <p:txBody>
+          <a:bodyPr vert="eaVert"/>
+          <a:lstStyle/>
+          <a:p>
+            <a:pPr lvl="0"/>
+            <a:r>
+              <a:rPr lang="en-US"/>
+              <a:t>Click to edit Master text styles</a:t>
+            </a:r>
+          </a:p>
+          <a:p>
+            <a:pPr lvl="1"/>
+            <a:r>
+              <a:rPr lang="en-US"/>
+              <a:t>Second level</a:t>
+            </a:r>
+          </a:p>
+          <a:p>
+            <a:pPr lvl="2"/>
+            <a:r>
+              <a:rPr lang="en-US"/>
+              <a:t>Third level</a:t>
+            </a:r>
+          </a:p>
+          <a:p>
+            <a:pPr lvl="3"/>
+            <a:r>
+              <a:rPr lang="en-US"/>
+              <a:t>Fourth level</a:t>
+            </a:r>
+          </a:p>
+          <a:p>
+            <a:pPr lvl="4"/>
+            <a:r>
+              <a:rPr lang="en-US"/>
+              <a:t>Fifth level</a:t>
+            </a:r>
+            <a:endParaRPr lang="ru-RU" dirty="0"/>
+          </a:p>
+        </p:txBody>
+      </p:sp>
+    </p:spTree>
+    <p:extLst>
+      <p:ext uri="{BB962C8B-B14F-4D97-AF65-F5344CB8AC3E}">
+        <p14:creationId xmlns:p14="http://schemas.microsoft.com/office/powerpoint/2010/main" val="370514854"/>
+      </p:ext>
+    </p:extLst>
+  </p:cSld>
+  <p:clrMapOvr>
+    <a:masterClrMapping/>
+  </p:clrMapOvr>
+</p:sldLayout>
+</file>
+
+<file path=ppt/slideLayouts/slideLayout12.xml><?xml version="1.0" encoding="utf-8"?>
+<p:sldLayout xmlns:a="http://schemas.openxmlformats.org/drawingml/2006/main" xmlns:r="http://schemas.openxmlformats.org/officeDocument/2006/relationships" xmlns:p="http://schemas.openxmlformats.org/presentationml/2006/main" type="title">
+  <p:cSld name="2_Title Slide">
+    <p:spTree>
+      <p:nvGrpSpPr>
+        <p:cNvPr id="1" name=""/>
+        <p:cNvGrpSpPr/>
+        <p:nvPr/>
+      </p:nvGrpSpPr>
+      <p:grpSpPr>
+        <a:xfrm>
+          <a:off x="0" y="0"/>
+          <a:ext cx="0" cy="0"/>
+          <a:chOff x="0" y="0"/>
+          <a:chExt cx="0" cy="0"/>
+        </a:xfrm>
+      </p:grpSpPr>
+      <p:sp>
+        <p:nvSpPr>
+          <p:cNvPr id="2" name="Title 1"/>
+          <p:cNvSpPr>
+            <a:spLocks noGrp="1"/>
+          </p:cNvSpPr>
+          <p:nvPr>
+            <p:ph type="ctrTitle"/>
+          </p:nvPr>
+        </p:nvSpPr>
+        <p:spPr>
+          <a:xfrm>
+            <a:off x="685800" y="2130425"/>
+            <a:ext cx="7772400" cy="1470025"/>
+          </a:xfrm>
+        </p:spPr>
+        <p:txBody>
+          <a:bodyPr/>
+          <a:lstStyle/>
+          <a:p>
+            <a:r>
+              <a:rPr lang="en-US"/>
+              <a:t>Click to edit Master title style</a:t>
+            </a:r>
+            <a:endParaRPr lang="ru-RU"/>
+          </a:p>
+        </p:txBody>
+      </p:sp>
+      <p:sp>
+        <p:nvSpPr>
+          <p:cNvPr id="3" name="Subtitle 2"/>
+          <p:cNvSpPr>
+            <a:spLocks noGrp="1"/>
+          </p:cNvSpPr>
+          <p:nvPr>
+            <p:ph type="subTitle" idx="1"/>
+          </p:nvPr>
+        </p:nvSpPr>
+        <p:spPr>
+          <a:xfrm>
+            <a:off x="1371600" y="3886200"/>
+            <a:ext cx="6400800" cy="1752600"/>
+          </a:xfrm>
+        </p:spPr>
+        <p:txBody>
+          <a:bodyPr/>
+          <a:lstStyle>
+            <a:lvl1pPr marL="0" indent="0" algn="ctr">
+              <a:buNone/>
+              <a:defRPr>
+                <a:solidFill>
+                  <a:schemeClr val="tx1">
+                    <a:tint val="75000"/>
+                  </a:schemeClr>
+                </a:solidFill>
+              </a:defRPr>
+            </a:lvl1pPr>
+            <a:lvl2pPr marL="457200" indent="0" algn="ctr">
+              <a:buNone/>
+              <a:defRPr>
+                <a:solidFill>
+                  <a:schemeClr val="tx1">
+                    <a:tint val="75000"/>
+                  </a:schemeClr>
+                </a:solidFill>
+              </a:defRPr>
+            </a:lvl2pPr>
+            <a:lvl3pPr marL="914400" indent="0" algn="ctr">
+              <a:buNone/>
+              <a:defRPr>
+                <a:solidFill>
+                  <a:schemeClr val="tx1">
+                    <a:tint val="75000"/>
+                  </a:schemeClr>
+                </a:solidFill>
+              </a:defRPr>
+            </a:lvl3pPr>
+            <a:lvl4pPr marL="1371600" indent="0" algn="ctr">
+              <a:buNone/>
+              <a:defRPr>
+                <a:solidFill>
+                  <a:schemeClr val="tx1">
+                    <a:tint val="75000"/>
+                  </a:schemeClr>
+                </a:solidFill>
+              </a:defRPr>
+            </a:lvl4pPr>
+            <a:lvl5pPr marL="1828800" indent="0" algn="ctr">
+              <a:buNone/>
+              <a:defRPr>
+                <a:solidFill>
+                  <a:schemeClr val="tx1">
+                    <a:tint val="75000"/>
+                  </a:schemeClr>
+                </a:solidFill>
+              </a:defRPr>
+            </a:lvl5pPr>
+            <a:lvl6pPr marL="2286000" indent="0" algn="ctr">
+              <a:buNone/>
+              <a:defRPr>
+                <a:solidFill>
+                  <a:schemeClr val="tx1">
+                    <a:tint val="75000"/>
+                  </a:schemeClr>
+                </a:solidFill>
+              </a:defRPr>
+            </a:lvl6pPr>
+            <a:lvl7pPr marL="2743200" indent="0" algn="ctr">
+              <a:buNone/>
+              <a:defRPr>
+                <a:solidFill>
+                  <a:schemeClr val="tx1">
+                    <a:tint val="75000"/>
+                  </a:schemeClr>
+                </a:solidFill>
+              </a:defRPr>
+            </a:lvl7pPr>
+            <a:lvl8pPr marL="3200400" indent="0" algn="ctr">
+              <a:buNone/>
+              <a:defRPr>
+                <a:solidFill>
+                  <a:schemeClr val="tx1">
+                    <a:tint val="75000"/>
+                  </a:schemeClr>
+                </a:solidFill>
+              </a:defRPr>
+            </a:lvl8pPr>
+            <a:lvl9pPr marL="3657600" indent="0" algn="ctr">
+              <a:buNone/>
+              <a:defRPr>
+                <a:solidFill>
+                  <a:schemeClr val="tx1">
+                    <a:tint val="75000"/>
+                  </a:schemeClr>
+                </a:solidFill>
+              </a:defRPr>
+            </a:lvl9pPr>
+          </a:lstStyle>
+          <a:p>
+            <a:r>
+              <a:rPr lang="en-US"/>
+              <a:t>Click to edit Master subtitle style</a:t>
+            </a:r>
+            <a:endParaRPr lang="ru-RU"/>
+          </a:p>
+        </p:txBody>
+      </p:sp>
+      <p:sp>
+        <p:nvSpPr>
+          <p:cNvPr id="4" name="Date Placeholder 3"/>
+          <p:cNvSpPr>
+            <a:spLocks noGrp="1"/>
+          </p:cNvSpPr>
+          <p:nvPr>
+            <p:ph type="dt" sz="half" idx="10"/>
+          </p:nvPr>
+        </p:nvSpPr>
+        <p:spPr/>
+        <p:txBody>
+          <a:bodyPr/>
+          <a:lstStyle/>
+          <a:p>
+            <a:fld id="{8E6E6A2A-E9D3-4A0D-B04A-ABDD367A1E08}" type="datetimeFigureOut">
+              <a:rPr lang="ru-RU" smtClean="0"/>
+              <a:pPr/>
+              <a:t>22.02.2019</a:t>
+            </a:fld>
+            <a:endParaRPr lang="ru-RU"/>
+          </a:p>
+        </p:txBody>
+      </p:sp>
+      <p:sp>
+        <p:nvSpPr>
+          <p:cNvPr id="5" name="Footer Placeholder 4"/>
+          <p:cNvSpPr>
+            <a:spLocks noGrp="1"/>
+          </p:cNvSpPr>
+          <p:nvPr>
+            <p:ph type="ftr" sz="quarter" idx="11"/>
+          </p:nvPr>
+        </p:nvSpPr>
+        <p:spPr/>
+        <p:txBody>
+          <a:bodyPr/>
+          <a:lstStyle/>
+          <a:p>
+            <a:endParaRPr lang="ru-RU"/>
+          </a:p>
+        </p:txBody>
+      </p:sp>
+      <p:sp>
+        <p:nvSpPr>
+          <p:cNvPr id="6" name="Slide Number Placeholder 5"/>
+          <p:cNvSpPr>
+            <a:spLocks noGrp="1"/>
+          </p:cNvSpPr>
+          <p:nvPr>
+            <p:ph type="sldNum" sz="quarter" idx="12"/>
+          </p:nvPr>
+        </p:nvSpPr>
+        <p:spPr/>
+        <p:txBody>
+          <a:bodyPr/>
+          <a:lstStyle/>
+          <a:p>
+            <a:fld id="{BC0D3D34-2E8A-4A38-B864-C677BA056495}" type="slidenum">
+              <a:rPr lang="ru-RU" smtClean="0"/>
+              <a:pPr/>
+              <a:t>‹#›</a:t>
+            </a:fld>
+            <a:endParaRPr lang="ru-RU"/>
+          </a:p>
+        </p:txBody>
+      </p:sp>
+    </p:spTree>
+    <p:extLst>
+      <p:ext uri="{BB962C8B-B14F-4D97-AF65-F5344CB8AC3E}">
+        <p14:creationId xmlns:p14="http://schemas.microsoft.com/office/powerpoint/2010/main" val="1104335692"/>
+      </p:ext>
+    </p:extLst>
+  </p:cSld>
+  <p:clrMapOvr>
+    <a:masterClrMapping/>
+  </p:clrMapOvr>
+</p:sldLayout>
+</file>
+
+<file path=ppt/slideLayouts/slideLayout2.xml><?xml version="1.0" encoding="utf-8"?>
+<p:sldLayout xmlns:a="http://schemas.openxmlformats.org/drawingml/2006/main" xmlns:r="http://schemas.openxmlformats.org/officeDocument/2006/relationships" xmlns:p="http://schemas.openxmlformats.org/presentationml/2006/main" type="secHead" preserve="1">
+  <p:cSld name="Section Header">
+    <p:spTree>
+      <p:nvGrpSpPr>
+        <p:cNvPr id="1" name=""/>
+        <p:cNvGrpSpPr/>
+        <p:nvPr/>
+      </p:nvGrpSpPr>
+      <p:grpSpPr>
+        <a:xfrm>
+          <a:off x="0" y="0"/>
+          <a:ext cx="0" cy="0"/>
+          <a:chOff x="0" y="0"/>
+          <a:chExt cx="0" cy="0"/>
+        </a:xfrm>
+      </p:grpSpPr>
+      <p:sp>
+        <p:nvSpPr>
+          <p:cNvPr id="2" name="Title 1"/>
+          <p:cNvSpPr>
+            <a:spLocks noGrp="1"/>
+          </p:cNvSpPr>
+          <p:nvPr>
+            <p:ph type="title"/>
+          </p:nvPr>
+        </p:nvSpPr>
+        <p:spPr>
+          <a:xfrm>
+            <a:off x="722313" y="4406900"/>
+            <a:ext cx="7772400" cy="1362075"/>
+          </a:xfrm>
+        </p:spPr>
+        <p:txBody>
+          <a:bodyPr anchor="t"/>
+          <a:lstStyle>
+            <a:lvl1pPr algn="l">
+              <a:defRPr sz="4000" b="1" cap="all"/>
+            </a:lvl1pPr>
+          </a:lstStyle>
+          <a:p>
+            <a:r>
+              <a:rPr lang="en-US"/>
+              <a:t>Click to edit Master title style</a:t>
+            </a:r>
+            <a:endParaRPr lang="ru-RU" dirty="0"/>
+          </a:p>
+        </p:txBody>
+      </p:sp>
+      <p:sp>
+        <p:nvSpPr>
+          <p:cNvPr id="3" name="Text Placeholder 2"/>
+          <p:cNvSpPr>
+            <a:spLocks noGrp="1"/>
+          </p:cNvSpPr>
+          <p:nvPr>
+            <p:ph type="body" idx="1"/>
+          </p:nvPr>
+        </p:nvSpPr>
+        <p:spPr>
+          <a:xfrm>
+            <a:off x="722313" y="2906713"/>
+            <a:ext cx="7772400" cy="1500187"/>
+          </a:xfrm>
+        </p:spPr>
+        <p:txBody>
+          <a:bodyPr anchor="b"/>
+          <a:lstStyle>
+            <a:lvl1pPr marL="0" indent="0">
+              <a:buNone/>
+              <a:defRPr sz="2000">
+                <a:solidFill>
+                  <a:schemeClr val="tx1">
+                    <a:tint val="75000"/>
+                  </a:schemeClr>
+                </a:solidFill>
+              </a:defRPr>
+            </a:lvl1pPr>
+            <a:lvl2pPr marL="457200" indent="0">
+              <a:buNone/>
+              <a:defRPr sz="1800">
+                <a:solidFill>
+                  <a:schemeClr val="tx1">
+                    <a:tint val="75000"/>
+                  </a:schemeClr>
+                </a:solidFill>
+              </a:defRPr>
+            </a:lvl2pPr>
+            <a:lvl3pPr marL="914400" indent="0">
+              <a:buNone/>
+              <a:defRPr sz="1600">
+                <a:solidFill>
+                  <a:schemeClr val="tx1">
+                    <a:tint val="75000"/>
+                  </a:schemeClr>
+                </a:solidFill>
+              </a:defRPr>
+            </a:lvl3pPr>
+            <a:lvl4pPr marL="1371600" indent="0">
+              <a:buNone/>
+              <a:defRPr sz="1400">
+                <a:solidFill>
+                  <a:schemeClr val="tx1">
+                    <a:tint val="75000"/>
+                  </a:schemeClr>
+                </a:solidFill>
+              </a:defRPr>
+            </a:lvl4pPr>
+            <a:lvl5pPr marL="1828800" indent="0">
+              <a:buNone/>
+              <a:defRPr sz="1400">
+                <a:solidFill>
+                  <a:schemeClr val="tx1">
+                    <a:tint val="75000"/>
+                  </a:schemeClr>
+                </a:solidFill>
+              </a:defRPr>
+            </a:lvl5pPr>
+            <a:lvl6pPr marL="2286000" indent="0">
+              <a:buNone/>
+              <a:defRPr sz="1400">
+                <a:solidFill>
+                  <a:schemeClr val="tx1">
+                    <a:tint val="75000"/>
+                  </a:schemeClr>
+                </a:solidFill>
+              </a:defRPr>
+            </a:lvl6pPr>
+            <a:lvl7pPr marL="2743200" indent="0">
+              <a:buNone/>
+              <a:defRPr sz="1400">
+                <a:solidFill>
+                  <a:schemeClr val="tx1">
+                    <a:tint val="75000"/>
+                  </a:schemeClr>
+                </a:solidFill>
+              </a:defRPr>
+            </a:lvl7pPr>
+            <a:lvl8pPr marL="3200400" indent="0">
+              <a:buNone/>
+              <a:defRPr sz="1400">
+                <a:solidFill>
+                  <a:schemeClr val="tx1">
+                    <a:tint val="75000"/>
+                  </a:schemeClr>
+                </a:solidFill>
+              </a:defRPr>
+            </a:lvl8pPr>
+            <a:lvl9pPr marL="3657600" indent="0">
+              <a:buNone/>
+              <a:defRPr sz="1400">
+                <a:solidFill>
+                  <a:schemeClr val="tx1">
+                    <a:tint val="75000"/>
+                  </a:schemeClr>
+                </a:solidFill>
+              </a:defRPr>
+            </a:lvl9pPr>
+          </a:lstStyle>
+          <a:p>
+            <a:pPr lvl="0"/>
+            <a:r>
+              <a:rPr lang="en-US"/>
+              <a:t>Click to edit Master text styles</a:t>
+            </a:r>
+          </a:p>
+        </p:txBody>
+      </p:sp>
+    </p:spTree>
+    <p:extLst>
+      <p:ext uri="{BB962C8B-B14F-4D97-AF65-F5344CB8AC3E}">
+        <p14:creationId xmlns:p14="http://schemas.microsoft.com/office/powerpoint/2010/main" val="1627150216"/>
+      </p:ext>
+    </p:extLst>
+  </p:cSld>
+  <p:clrMapOvr>
+    <a:masterClrMapping/>
+  </p:clrMapOvr>
+</p:sldLayout>
+</file>
+
+<file path=ppt/slideLayouts/slideLayout3.xml><?xml version="1.0" encoding="utf-8"?>
+<p:sldLayout xmlns:a="http://schemas.openxmlformats.org/drawingml/2006/main" xmlns:r="http://schemas.openxmlformats.org/officeDocument/2006/relationships" xmlns:p="http://schemas.openxmlformats.org/presentationml/2006/main" type="twoObj" preserve="1">
+  <p:cSld name="Two Content">
+    <p:spTree>
+      <p:nvGrpSpPr>
+        <p:cNvPr id="1" name=""/>
+        <p:cNvGrpSpPr/>
+        <p:nvPr/>
+      </p:nvGrpSpPr>
+      <p:grpSpPr>
+        <a:xfrm>
+          <a:off x="0" y="0"/>
+          <a:ext cx="0" cy="0"/>
+          <a:chOff x="0" y="0"/>
+          <a:chExt cx="0" cy="0"/>
+        </a:xfrm>
+      </p:grpSpPr>
+      <p:sp>
+        <p:nvSpPr>
+          <p:cNvPr id="2" name="Title 1"/>
+          <p:cNvSpPr>
+            <a:spLocks noGrp="1"/>
+          </p:cNvSpPr>
+          <p:nvPr>
+            <p:ph type="title"/>
+          </p:nvPr>
+        </p:nvSpPr>
+        <p:spPr/>
+        <p:txBody>
+          <a:bodyPr/>
+          <a:lstStyle/>
+          <a:p>
+            <a:r>
+              <a:rPr lang="en-US"/>
+              <a:t>Click to edit Master title style</a:t>
+            </a:r>
+            <a:endParaRPr lang="ru-RU" dirty="0"/>
+          </a:p>
+        </p:txBody>
+      </p:sp>
+      <p:sp>
+        <p:nvSpPr>
+          <p:cNvPr id="3" name="Content Placeholder 2"/>
+          <p:cNvSpPr>
+            <a:spLocks noGrp="1"/>
+          </p:cNvSpPr>
+          <p:nvPr>
+            <p:ph sz="half" idx="1"/>
+          </p:nvPr>
+        </p:nvSpPr>
+        <p:spPr>
+          <a:xfrm>
+            <a:off x="457200" y="1600200"/>
+            <a:ext cx="4038600" cy="4525963"/>
+          </a:xfrm>
+        </p:spPr>
+        <p:txBody>
+          <a:bodyPr/>
+          <a:lstStyle>
+            <a:lvl1pPr>
+              <a:defRPr sz="2800"/>
+            </a:lvl1pPr>
+            <a:lvl2pPr>
+              <a:defRPr sz="2400"/>
+            </a:lvl2pPr>
+            <a:lvl3pPr>
+              <a:defRPr sz="2000"/>
+            </a:lvl3pPr>
+            <a:lvl4pPr>
+              <a:defRPr sz="1800"/>
+            </a:lvl4pPr>
+            <a:lvl5pPr>
+              <a:defRPr sz="1800"/>
+            </a:lvl5pPr>
+            <a:lvl6pPr>
+              <a:defRPr sz="1800"/>
+            </a:lvl6pPr>
+            <a:lvl7pPr>
+              <a:defRPr sz="1800"/>
+            </a:lvl7pPr>
+            <a:lvl8pPr>
+              <a:defRPr sz="1800"/>
+            </a:lvl8pPr>
+            <a:lvl9pPr>
+              <a:defRPr sz="1800"/>
+            </a:lvl9pPr>
+          </a:lstStyle>
+          <a:p>
+            <a:pPr lvl="0"/>
+            <a:r>
+              <a:rPr lang="en-US"/>
+              <a:t>Click to edit Master text styles</a:t>
+            </a:r>
+          </a:p>
+          <a:p>
+            <a:pPr lvl="1"/>
+            <a:r>
+              <a:rPr lang="en-US"/>
+              <a:t>Second level</a:t>
+            </a:r>
+          </a:p>
+          <a:p>
+            <a:pPr lvl="2"/>
+            <a:r>
+              <a:rPr lang="en-US"/>
+              <a:t>Third level</a:t>
+            </a:r>
+          </a:p>
+          <a:p>
+            <a:pPr lvl="3"/>
+            <a:r>
+              <a:rPr lang="en-US"/>
+              <a:t>Fourth level</a:t>
+            </a:r>
+          </a:p>
+          <a:p>
+            <a:pPr lvl="4"/>
+            <a:r>
+              <a:rPr lang="en-US"/>
+              <a:t>Fifth level</a:t>
+            </a:r>
+            <a:endParaRPr lang="ru-RU" dirty="0"/>
+          </a:p>
+        </p:txBody>
+      </p:sp>
+      <p:sp>
+        <p:nvSpPr>
+          <p:cNvPr id="4" name="Content Placeholder 3"/>
+          <p:cNvSpPr>
+            <a:spLocks noGrp="1"/>
+          </p:cNvSpPr>
+          <p:nvPr>
+            <p:ph sz="half" idx="2"/>
+          </p:nvPr>
+        </p:nvSpPr>
+        <p:spPr>
+          <a:xfrm>
+            <a:off x="4648200" y="1600200"/>
+            <a:ext cx="4038600" cy="4525963"/>
+          </a:xfrm>
+        </p:spPr>
+        <p:txBody>
+          <a:bodyPr/>
+          <a:lstStyle>
+            <a:lvl1pPr>
+              <a:defRPr sz="2800"/>
+            </a:lvl1pPr>
+            <a:lvl2pPr>
+              <a:defRPr sz="2400"/>
+            </a:lvl2pPr>
+            <a:lvl3pPr>
+              <a:defRPr sz="2000"/>
+            </a:lvl3pPr>
+            <a:lvl4pPr>
+              <a:defRPr sz="1800"/>
+            </a:lvl4pPr>
+            <a:lvl5pPr>
+              <a:defRPr sz="1800"/>
+            </a:lvl5pPr>
+            <a:lvl6pPr>
+              <a:defRPr sz="1800"/>
+            </a:lvl6pPr>
+            <a:lvl7pPr>
+              <a:defRPr sz="1800"/>
+            </a:lvl7pPr>
+            <a:lvl8pPr>
+              <a:defRPr sz="1800"/>
+            </a:lvl8pPr>
+            <a:lvl9pPr>
+              <a:defRPr sz="1800"/>
+            </a:lvl9pPr>
+          </a:lstStyle>
+          <a:p>
+            <a:pPr lvl="0"/>
+            <a:r>
+              <a:rPr lang="en-US"/>
+              <a:t>Click to edit Master text styles</a:t>
+            </a:r>
+          </a:p>
+          <a:p>
+            <a:pPr lvl="1"/>
+            <a:r>
+              <a:rPr lang="en-US"/>
+              <a:t>Second level</a:t>
+            </a:r>
+          </a:p>
+          <a:p>
+            <a:pPr lvl="2"/>
+            <a:r>
+              <a:rPr lang="en-US"/>
+              <a:t>Third level</a:t>
+            </a:r>
+          </a:p>
+          <a:p>
+            <a:pPr lvl="3"/>
+            <a:r>
+              <a:rPr lang="en-US"/>
+              <a:t>Fourth level</a:t>
+            </a:r>
+          </a:p>
+          <a:p>
+            <a:pPr lvl="4"/>
+            <a:r>
+              <a:rPr lang="en-US"/>
+              <a:t>Fifth level</a:t>
+            </a:r>
+            <a:endParaRPr lang="ru-RU" dirty="0"/>
+          </a:p>
+        </p:txBody>
+      </p:sp>
+    </p:spTree>
+    <p:extLst>
+      <p:ext uri="{BB962C8B-B14F-4D97-AF65-F5344CB8AC3E}">
+        <p14:creationId xmlns:p14="http://schemas.microsoft.com/office/powerpoint/2010/main" val="1026234569"/>
+      </p:ext>
+    </p:extLst>
+  </p:cSld>
+  <p:clrMapOvr>
+    <a:masterClrMapping/>
+  </p:clrMapOvr>
+</p:sldLayout>
+</file>
+
+<file path=ppt/slideLayouts/slideLayout4.xml><?xml version="1.0" encoding="utf-8"?>
+<p:sldLayout xmlns:a="http://schemas.openxmlformats.org/drawingml/2006/main" xmlns:r="http://schemas.openxmlformats.org/officeDocument/2006/relationships" xmlns:p="http://schemas.openxmlformats.org/presentationml/2006/main" type="twoTxTwoObj" preserve="1">
+  <p:cSld name="Comparison">
+    <p:spTree>
+      <p:nvGrpSpPr>
+        <p:cNvPr id="1" name=""/>
+        <p:cNvGrpSpPr/>
+        <p:nvPr/>
+      </p:nvGrpSpPr>
+      <p:grpSpPr>
+        <a:xfrm>
+          <a:off x="0" y="0"/>
+          <a:ext cx="0" cy="0"/>
+          <a:chOff x="0" y="0"/>
+          <a:chExt cx="0" cy="0"/>
+        </a:xfrm>
+      </p:grpSpPr>
+      <p:sp>
+        <p:nvSpPr>
+          <p:cNvPr id="2" name="Title 1"/>
+          <p:cNvSpPr>
+            <a:spLocks noGrp="1"/>
+          </p:cNvSpPr>
+          <p:nvPr>
+            <p:ph type="title"/>
+          </p:nvPr>
+        </p:nvSpPr>
+        <p:spPr/>
+        <p:txBody>
+          <a:bodyPr/>
+          <a:lstStyle>
+            <a:lvl1pPr>
+              <a:defRPr/>
+            </a:lvl1pPr>
+          </a:lstStyle>
+          <a:p>
+            <a:r>
+              <a:rPr lang="en-US"/>
+              <a:t>Click to edit Master title style</a:t>
+            </a:r>
+            <a:endParaRPr lang="ru-RU" dirty="0"/>
+          </a:p>
+        </p:txBody>
+      </p:sp>
+      <p:sp>
+        <p:nvSpPr>
+          <p:cNvPr id="3" name="Text Placeholder 2"/>
+          <p:cNvSpPr>
+            <a:spLocks noGrp="1"/>
+          </p:cNvSpPr>
+          <p:nvPr>
+            <p:ph type="body" idx="1"/>
+          </p:nvPr>
+        </p:nvSpPr>
+        <p:spPr>
+          <a:xfrm>
+            <a:off x="457200" y="1535113"/>
+            <a:ext cx="4040188" cy="639762"/>
+          </a:xfrm>
+        </p:spPr>
+        <p:txBody>
+          <a:bodyPr anchor="b"/>
+          <a:lstStyle>
+            <a:lvl1pPr marL="0" indent="0">
+              <a:buNone/>
+              <a:defRPr sz="2400" b="1"/>
+            </a:lvl1pPr>
+            <a:lvl2pPr marL="457200" indent="0">
+              <a:buNone/>
+              <a:defRPr sz="2000" b="1"/>
+            </a:lvl2pPr>
+            <a:lvl3pPr marL="914400" indent="0">
+              <a:buNone/>
+              <a:defRPr sz="1800" b="1"/>
+            </a:lvl3pPr>
+            <a:lvl4pPr marL="1371600" indent="0">
+              <a:buNone/>
+              <a:defRPr sz="1600" b="1"/>
+            </a:lvl4pPr>
+            <a:lvl5pPr marL="1828800" indent="0">
+              <a:buNone/>
+              <a:defRPr sz="1600" b="1"/>
+            </a:lvl5pPr>
+            <a:lvl6pPr marL="2286000" indent="0">
+              <a:buNone/>
+              <a:defRPr sz="1600" b="1"/>
+            </a:lvl6pPr>
+            <a:lvl7pPr marL="2743200" indent="0">
+              <a:buNone/>
+              <a:defRPr sz="1600" b="1"/>
+            </a:lvl7pPr>
+            <a:lvl8pPr marL="3200400" indent="0">
+              <a:buNone/>
+              <a:defRPr sz="1600" b="1"/>
+            </a:lvl8pPr>
+            <a:lvl9pPr marL="3657600" indent="0">
+              <a:buNone/>
+              <a:defRPr sz="1600" b="1"/>
+            </a:lvl9pPr>
+          </a:lstStyle>
+          <a:p>
+            <a:pPr lvl="0"/>
+            <a:r>
+              <a:rPr lang="en-US"/>
+              <a:t>Click to edit Master text styles</a:t>
+            </a:r>
+          </a:p>
+        </p:txBody>
+      </p:sp>
+      <p:sp>
+        <p:nvSpPr>
+          <p:cNvPr id="4" name="Content Placeholder 3"/>
+          <p:cNvSpPr>
+            <a:spLocks noGrp="1"/>
+          </p:cNvSpPr>
+          <p:nvPr>
+            <p:ph sz="half" idx="2"/>
+          </p:nvPr>
+        </p:nvSpPr>
+        <p:spPr>
+          <a:xfrm>
+            <a:off x="457200" y="2174875"/>
+            <a:ext cx="4040188" cy="3951288"/>
+          </a:xfrm>
+        </p:spPr>
+        <p:txBody>
+          <a:bodyPr/>
+          <a:lstStyle>
+            <a:lvl1pPr>
+              <a:defRPr sz="2400"/>
+            </a:lvl1pPr>
+            <a:lvl2pPr>
+              <a:defRPr sz="2000"/>
+            </a:lvl2pPr>
+            <a:lvl3pPr>
+              <a:defRPr sz="1800"/>
+            </a:lvl3pPr>
+            <a:lvl4pPr>
+              <a:defRPr sz="1600"/>
+            </a:lvl4pPr>
+            <a:lvl5pPr>
+              <a:defRPr sz="1600"/>
+            </a:lvl5pPr>
+            <a:lvl6pPr>
+              <a:defRPr sz="1600"/>
+            </a:lvl6pPr>
+            <a:lvl7pPr>
+              <a:defRPr sz="1600"/>
+            </a:lvl7pPr>
+            <a:lvl8pPr>
+              <a:defRPr sz="1600"/>
+            </a:lvl8pPr>
+            <a:lvl9pPr>
+              <a:defRPr sz="1600"/>
+            </a:lvl9pPr>
+          </a:lstStyle>
+          <a:p>
+            <a:pPr lvl="0"/>
+            <a:r>
+              <a:rPr lang="en-US"/>
+              <a:t>Click to edit Master text styles</a:t>
+            </a:r>
+          </a:p>
+          <a:p>
+            <a:pPr lvl="1"/>
+            <a:r>
+              <a:rPr lang="en-US"/>
+              <a:t>Second level</a:t>
+            </a:r>
+          </a:p>
+          <a:p>
+            <a:pPr lvl="2"/>
+            <a:r>
+              <a:rPr lang="en-US"/>
+              <a:t>Third level</a:t>
+            </a:r>
+          </a:p>
+          <a:p>
+            <a:pPr lvl="3"/>
+            <a:r>
+              <a:rPr lang="en-US"/>
+              <a:t>Fourth level</a:t>
+            </a:r>
+          </a:p>
+          <a:p>
+            <a:pPr lvl="4"/>
+            <a:r>
+              <a:rPr lang="en-US"/>
+              <a:t>Fifth level</a:t>
+            </a:r>
+            <a:endParaRPr lang="ru-RU" dirty="0"/>
+          </a:p>
+        </p:txBody>
+      </p:sp>
+      <p:sp>
+        <p:nvSpPr>
+          <p:cNvPr id="5" name="Text Placeholder 4"/>
+          <p:cNvSpPr>
+            <a:spLocks noGrp="1"/>
+          </p:cNvSpPr>
+          <p:nvPr>
+            <p:ph type="body" sz="quarter" idx="3"/>
+          </p:nvPr>
+        </p:nvSpPr>
+        <p:spPr>
+          <a:xfrm>
+            <a:off x="4645025" y="1535113"/>
+            <a:ext cx="4041775" cy="639762"/>
+          </a:xfrm>
+        </p:spPr>
+        <p:txBody>
+          <a:bodyPr anchor="b"/>
+          <a:lstStyle>
+            <a:lvl1pPr marL="0" indent="0">
+              <a:buNone/>
+              <a:defRPr sz="2400" b="1"/>
+            </a:lvl1pPr>
+            <a:lvl2pPr marL="457200" indent="0">
+              <a:buNone/>
+              <a:defRPr sz="2000" b="1"/>
+            </a:lvl2pPr>
+            <a:lvl3pPr marL="914400" indent="0">
+              <a:buNone/>
+              <a:defRPr sz="1800" b="1"/>
+            </a:lvl3pPr>
+            <a:lvl4pPr marL="1371600" indent="0">
+              <a:buNone/>
+              <a:defRPr sz="1600" b="1"/>
+            </a:lvl4pPr>
+            <a:lvl5pPr marL="1828800" indent="0">
+              <a:buNone/>
+              <a:defRPr sz="1600" b="1"/>
+            </a:lvl5pPr>
+            <a:lvl6pPr marL="2286000" indent="0">
+              <a:buNone/>
+              <a:defRPr sz="1600" b="1"/>
+            </a:lvl6pPr>
+            <a:lvl7pPr marL="2743200" indent="0">
+              <a:buNone/>
+              <a:defRPr sz="1600" b="1"/>
+            </a:lvl7pPr>
+            <a:lvl8pPr marL="3200400" indent="0">
+              <a:buNone/>
+              <a:defRPr sz="1600" b="1"/>
+            </a:lvl8pPr>
+            <a:lvl9pPr marL="3657600" indent="0">
+              <a:buNone/>
+              <a:defRPr sz="1600" b="1"/>
+            </a:lvl9pPr>
+          </a:lstStyle>
+          <a:p>
+            <a:pPr lvl="0"/>
+            <a:r>
+              <a:rPr lang="en-US"/>
+              <a:t>Click to edit Master text styles</a:t>
+            </a:r>
+          </a:p>
+        </p:txBody>
+      </p:sp>
+      <p:sp>
+        <p:nvSpPr>
+          <p:cNvPr id="6" name="Content Placeholder 5"/>
+          <p:cNvSpPr>
+            <a:spLocks noGrp="1"/>
+          </p:cNvSpPr>
+          <p:nvPr>
+            <p:ph sz="quarter" idx="4"/>
+          </p:nvPr>
+        </p:nvSpPr>
+        <p:spPr>
+          <a:xfrm>
+            <a:off x="4645025" y="2174875"/>
+            <a:ext cx="4041775" cy="3951288"/>
+          </a:xfrm>
+        </p:spPr>
+        <p:txBody>
+          <a:bodyPr/>
+          <a:lstStyle>
+            <a:lvl1pPr>
+              <a:defRPr sz="2400"/>
+            </a:lvl1pPr>
+            <a:lvl2pPr>
+              <a:defRPr sz="2000"/>
+            </a:lvl2pPr>
+            <a:lvl3pPr>
+              <a:defRPr sz="1800"/>
+            </a:lvl3pPr>
+            <a:lvl4pPr>
+              <a:defRPr sz="1600"/>
+            </a:lvl4pPr>
+            <a:lvl5pPr>
+              <a:defRPr sz="1600"/>
+            </a:lvl5pPr>
+            <a:lvl6pPr>
+              <a:defRPr sz="1600"/>
+            </a:lvl6pPr>
+            <a:lvl7pPr>
+              <a:defRPr sz="1600"/>
+            </a:lvl7pPr>
+            <a:lvl8pPr>
+              <a:defRPr sz="1600"/>
+            </a:lvl8pPr>
+            <a:lvl9pPr>
+              <a:defRPr sz="1600"/>
+            </a:lvl9pPr>
+          </a:lstStyle>
+          <a:p>
+            <a:pPr lvl="0"/>
+            <a:r>
+              <a:rPr lang="en-US"/>
+              <a:t>Click to edit Master text styles</a:t>
+            </a:r>
+          </a:p>
+          <a:p>
+            <a:pPr lvl="1"/>
+            <a:r>
+              <a:rPr lang="en-US"/>
+              <a:t>Second level</a:t>
+            </a:r>
+          </a:p>
+          <a:p>
+            <a:pPr lvl="2"/>
+            <a:r>
+              <a:rPr lang="en-US"/>
+              <a:t>Third level</a:t>
+            </a:r>
+          </a:p>
+          <a:p>
+            <a:pPr lvl="3"/>
+            <a:r>
+              <a:rPr lang="en-US"/>
+              <a:t>Fourth level</a:t>
+            </a:r>
+          </a:p>
+          <a:p>
+            <a:pPr lvl="4"/>
+            <a:r>
+              <a:rPr lang="en-US"/>
+              <a:t>Fifth level</a:t>
+            </a:r>
+            <a:endParaRPr lang="ru-RU" dirty="0"/>
+          </a:p>
+        </p:txBody>
+      </p:sp>
+    </p:spTree>
+    <p:extLst>
+      <p:ext uri="{BB962C8B-B14F-4D97-AF65-F5344CB8AC3E}">
+        <p14:creationId xmlns:p14="http://schemas.microsoft.com/office/powerpoint/2010/main" val="4044979405"/>
+      </p:ext>
+    </p:extLst>
+  </p:cSld>
+  <p:clrMapOvr>
+    <a:masterClrMapping/>
+  </p:clrMapOvr>
+</p:sldLayout>
+</file>
+
+<file path=ppt/slideLayouts/slideLayout5.xml><?xml version="1.0" encoding="utf-8"?>
+<p:sldLayout xmlns:a="http://schemas.openxmlformats.org/drawingml/2006/main" xmlns:r="http://schemas.openxmlformats.org/officeDocument/2006/relationships" xmlns:p="http://schemas.openxmlformats.org/presentationml/2006/main" type="titleOnly" preserve="1">
+  <p:cSld name="Title Only">
+    <p:spTree>
+      <p:nvGrpSpPr>
+        <p:cNvPr id="1" name=""/>
+        <p:cNvGrpSpPr/>
+        <p:nvPr/>
+      </p:nvGrpSpPr>
+      <p:grpSpPr>
+        <a:xfrm>
+          <a:off x="0" y="0"/>
+          <a:ext cx="0" cy="0"/>
+          <a:chOff x="0" y="0"/>
+          <a:chExt cx="0" cy="0"/>
+        </a:xfrm>
+      </p:grpSpPr>
+      <p:sp>
+        <p:nvSpPr>
+          <p:cNvPr id="2" name="Title 1"/>
+          <p:cNvSpPr>
+            <a:spLocks noGrp="1"/>
+          </p:cNvSpPr>
+          <p:nvPr>
+            <p:ph type="title"/>
+          </p:nvPr>
+        </p:nvSpPr>
+        <p:spPr/>
+        <p:txBody>
+          <a:bodyPr/>
+          <a:lstStyle/>
+          <a:p>
+            <a:r>
+              <a:rPr lang="en-US"/>
+              <a:t>Click to edit Master title style</a:t>
+            </a:r>
+            <a:endParaRPr lang="ru-RU" dirty="0"/>
+          </a:p>
+        </p:txBody>
+      </p:sp>
+    </p:spTree>
+    <p:extLst>
+      <p:ext uri="{BB962C8B-B14F-4D97-AF65-F5344CB8AC3E}">
+        <p14:creationId xmlns:p14="http://schemas.microsoft.com/office/powerpoint/2010/main" val="125202666"/>
+      </p:ext>
+    </p:extLst>
+  </p:cSld>
+  <p:clrMapOvr>
+    <a:masterClrMapping/>
+  </p:clrMapOvr>
+</p:sldLayout>
+</file>
+
+<file path=ppt/slideLayouts/slideLayout6.xml><?xml version="1.0" encoding="utf-8"?>
+<p:sldLayout xmlns:a="http://schemas.openxmlformats.org/drawingml/2006/main" xmlns:r="http://schemas.openxmlformats.org/officeDocument/2006/relationships" xmlns:p="http://schemas.openxmlformats.org/presentationml/2006/main" preserve="1" userDrawn="1">
+  <p:cSld name="Demo">
+    <p:spTree>
+      <p:nvGrpSpPr>
+        <p:cNvPr id="1" name=""/>
+        <p:cNvGrpSpPr/>
+        <p:nvPr/>
+      </p:nvGrpSpPr>
+      <p:grpSpPr>
+        <a:xfrm>
+          <a:off x="0" y="0"/>
+          <a:ext cx="0" cy="0"/>
+          <a:chOff x="0" y="0"/>
+          <a:chExt cx="0" cy="0"/>
+        </a:xfrm>
+      </p:grpSpPr>
+      <p:sp>
+        <p:nvSpPr>
+          <p:cNvPr id="10" name="TextBox 9"/>
+          <p:cNvSpPr txBox="1"/>
+          <p:nvPr userDrawn="1"/>
+        </p:nvSpPr>
+        <p:spPr>
+          <a:xfrm>
+            <a:off x="359532" y="3136613"/>
+            <a:ext cx="8424936" cy="584775"/>
+          </a:xfrm>
+          <a:prstGeom prst="rect">
+            <a:avLst/>
+          </a:prstGeom>
+          <a:noFill/>
+        </p:spPr>
+        <p:txBody>
+          <a:bodyPr wrap="square" rtlCol="0" anchor="ctr">
+            <a:spAutoFit/>
+          </a:bodyPr>
+          <a:lstStyle/>
+          <a:p>
+            <a:pPr algn="ctr"/>
+            <a:r>
+              <a:rPr lang="ru-RU" sz="3200" dirty="0"/>
+              <a:t>Название.</a:t>
+            </a:r>
+            <a:r>
+              <a:rPr lang="ru-RU" sz="3200" baseline="0" dirty="0"/>
+              <a:t> Демонстрация.</a:t>
+            </a:r>
+            <a:endParaRPr lang="ru-RU" sz="3200" dirty="0"/>
+          </a:p>
+        </p:txBody>
+      </p:sp>
+    </p:spTree>
+    <p:extLst>
+      <p:ext uri="{BB962C8B-B14F-4D97-AF65-F5344CB8AC3E}">
+        <p14:creationId xmlns:p14="http://schemas.microsoft.com/office/powerpoint/2010/main" val="3308008441"/>
+      </p:ext>
+    </p:extLst>
+  </p:cSld>
+  <p:clrMapOvr>
+    <a:masterClrMapping/>
+  </p:clrMapOvr>
+</p:sldLayout>
+</file>
+
+<file path=ppt/slideLayouts/slideLayout7.xml><?xml version="1.0" encoding="utf-8"?>
+<p:sldLayout xmlns:a="http://schemas.openxmlformats.org/drawingml/2006/main" xmlns:r="http://schemas.openxmlformats.org/officeDocument/2006/relationships" xmlns:p="http://schemas.openxmlformats.org/presentationml/2006/main" type="blank" preserve="1">
+  <p:cSld name="1_Blank">
+    <p:spTree>
+      <p:nvGrpSpPr>
+        <p:cNvPr id="1" name=""/>
+        <p:cNvGrpSpPr/>
+        <p:nvPr/>
+      </p:nvGrpSpPr>
+      <p:grpSpPr>
+        <a:xfrm>
+          <a:off x="0" y="0"/>
+          <a:ext cx="0" cy="0"/>
+          <a:chOff x="0" y="0"/>
+          <a:chExt cx="0" cy="0"/>
+        </a:xfrm>
+      </p:grpSpPr>
+    </p:spTree>
+    <p:extLst>
+      <p:ext uri="{BB962C8B-B14F-4D97-AF65-F5344CB8AC3E}">
+        <p14:creationId xmlns:p14="http://schemas.microsoft.com/office/powerpoint/2010/main" val="2618453949"/>
+      </p:ext>
+    </p:extLst>
+  </p:cSld>
+  <p:clrMapOvr>
+    <a:masterClrMapping/>
+  </p:clrMapOvr>
+</p:sldLayout>
+</file>
+
+<file path=ppt/slideLayouts/slideLayout8.xml><?xml version="1.0" encoding="utf-8"?>
 <p:sldLayout xmlns:a="http://schemas.openxmlformats.org/drawingml/2006/main" xmlns:r="http://schemas.openxmlformats.org/officeDocument/2006/relationships" xmlns:p="http://schemas.openxmlformats.org/presentationml/2006/main" type="objTx" preserve="1">
   <p:cSld name="Content with Caption">
     <p:spTree>
@@ -1001,7 +2285,7 @@
 </p:sldLayout>
 </file>
 
-<file path=ppt/slideLayouts/slideLayout11.xml><?xml version="1.0" encoding="utf-8"?>
+<file path=ppt/slideLayouts/slideLayout9.xml><?xml version="1.0" encoding="utf-8"?>
 <p:sldLayout xmlns:a="http://schemas.openxmlformats.org/drawingml/2006/main" xmlns:r="http://schemas.openxmlformats.org/officeDocument/2006/relationships" xmlns:p="http://schemas.openxmlformats.org/presentationml/2006/main" type="picTx" preserve="1">
   <p:cSld name="Picture with Caption">
     <p:spTree>
@@ -1193,1685 +2477,13 @@
 </p:sldLayout>
 </file>
 
-<file path=ppt/slideLayouts/slideLayout12.xml><?xml version="1.0" encoding="utf-8"?>
-<p:sldLayout xmlns:a="http://schemas.openxmlformats.org/drawingml/2006/main" xmlns:r="http://schemas.openxmlformats.org/officeDocument/2006/relationships" xmlns:p="http://schemas.openxmlformats.org/presentationml/2006/main" type="vertTx" preserve="1">
-  <p:cSld name="Title and Vertical Text">
-    <p:spTree>
-      <p:nvGrpSpPr>
-        <p:cNvPr id="1" name=""/>
-        <p:cNvGrpSpPr/>
-        <p:nvPr/>
-      </p:nvGrpSpPr>
-      <p:grpSpPr>
-        <a:xfrm>
-          <a:off x="0" y="0"/>
-          <a:ext cx="0" cy="0"/>
-          <a:chOff x="0" y="0"/>
-          <a:chExt cx="0" cy="0"/>
-        </a:xfrm>
-      </p:grpSpPr>
-      <p:sp>
-        <p:nvSpPr>
-          <p:cNvPr id="2" name="Title 1"/>
-          <p:cNvSpPr>
-            <a:spLocks noGrp="1"/>
-          </p:cNvSpPr>
-          <p:nvPr>
-            <p:ph type="title"/>
-          </p:nvPr>
-        </p:nvSpPr>
-        <p:spPr/>
-        <p:txBody>
-          <a:bodyPr/>
-          <a:lstStyle/>
-          <a:p>
-            <a:r>
-              <a:rPr lang="en-US"/>
-              <a:t>Click to edit Master title style</a:t>
-            </a:r>
-            <a:endParaRPr lang="ru-RU" dirty="0"/>
-          </a:p>
-        </p:txBody>
-      </p:sp>
-      <p:sp>
-        <p:nvSpPr>
-          <p:cNvPr id="3" name="Vertical Text Placeholder 2"/>
-          <p:cNvSpPr>
-            <a:spLocks noGrp="1"/>
-          </p:cNvSpPr>
-          <p:nvPr>
-            <p:ph type="body" orient="vert" idx="1"/>
-          </p:nvPr>
-        </p:nvSpPr>
-        <p:spPr/>
-        <p:txBody>
-          <a:bodyPr vert="eaVert"/>
-          <a:lstStyle/>
-          <a:p>
-            <a:pPr lvl="0"/>
-            <a:r>
-              <a:rPr lang="en-US"/>
-              <a:t>Click to edit Master text styles</a:t>
-            </a:r>
-          </a:p>
-          <a:p>
-            <a:pPr lvl="1"/>
-            <a:r>
-              <a:rPr lang="en-US"/>
-              <a:t>Second level</a:t>
-            </a:r>
-          </a:p>
-          <a:p>
-            <a:pPr lvl="2"/>
-            <a:r>
-              <a:rPr lang="en-US"/>
-              <a:t>Third level</a:t>
-            </a:r>
-          </a:p>
-          <a:p>
-            <a:pPr lvl="3"/>
-            <a:r>
-              <a:rPr lang="en-US"/>
-              <a:t>Fourth level</a:t>
-            </a:r>
-          </a:p>
-          <a:p>
-            <a:pPr lvl="4"/>
-            <a:r>
-              <a:rPr lang="en-US"/>
-              <a:t>Fifth level</a:t>
-            </a:r>
-            <a:endParaRPr lang="ru-RU" dirty="0"/>
-          </a:p>
-        </p:txBody>
-      </p:sp>
-    </p:spTree>
-    <p:extLst>
-      <p:ext uri="{BB962C8B-B14F-4D97-AF65-F5344CB8AC3E}">
-        <p14:creationId xmlns:p14="http://schemas.microsoft.com/office/powerpoint/2010/main" val="2015559697"/>
-      </p:ext>
-    </p:extLst>
-  </p:cSld>
-  <p:clrMapOvr>
-    <a:masterClrMapping/>
-  </p:clrMapOvr>
-</p:sldLayout>
-</file>
-
-<file path=ppt/slideLayouts/slideLayout13.xml><?xml version="1.0" encoding="utf-8"?>
-<p:sldLayout xmlns:a="http://schemas.openxmlformats.org/drawingml/2006/main" xmlns:r="http://schemas.openxmlformats.org/officeDocument/2006/relationships" xmlns:p="http://schemas.openxmlformats.org/presentationml/2006/main" type="vertTitleAndTx" preserve="1">
-  <p:cSld name="Vertical Title and Text">
-    <p:spTree>
-      <p:nvGrpSpPr>
-        <p:cNvPr id="1" name=""/>
-        <p:cNvGrpSpPr/>
-        <p:nvPr/>
-      </p:nvGrpSpPr>
-      <p:grpSpPr>
-        <a:xfrm>
-          <a:off x="0" y="0"/>
-          <a:ext cx="0" cy="0"/>
-          <a:chOff x="0" y="0"/>
-          <a:chExt cx="0" cy="0"/>
-        </a:xfrm>
-      </p:grpSpPr>
-      <p:sp>
-        <p:nvSpPr>
-          <p:cNvPr id="2" name="Vertical Title 1"/>
-          <p:cNvSpPr>
-            <a:spLocks noGrp="1"/>
-          </p:cNvSpPr>
-          <p:nvPr>
-            <p:ph type="title" orient="vert"/>
-          </p:nvPr>
-        </p:nvSpPr>
-        <p:spPr>
-          <a:xfrm>
-            <a:off x="6629400" y="274638"/>
-            <a:ext cx="2057400" cy="5851525"/>
-          </a:xfrm>
-        </p:spPr>
-        <p:txBody>
-          <a:bodyPr vert="eaVert"/>
-          <a:lstStyle/>
-          <a:p>
-            <a:r>
-              <a:rPr lang="en-US"/>
-              <a:t>Click to edit Master title style</a:t>
-            </a:r>
-            <a:endParaRPr lang="ru-RU" dirty="0"/>
-          </a:p>
-        </p:txBody>
-      </p:sp>
-      <p:sp>
-        <p:nvSpPr>
-          <p:cNvPr id="3" name="Vertical Text Placeholder 2"/>
-          <p:cNvSpPr>
-            <a:spLocks noGrp="1"/>
-          </p:cNvSpPr>
-          <p:nvPr>
-            <p:ph type="body" orient="vert" idx="1"/>
-          </p:nvPr>
-        </p:nvSpPr>
-        <p:spPr>
-          <a:xfrm>
-            <a:off x="457200" y="274638"/>
-            <a:ext cx="6019800" cy="5851525"/>
-          </a:xfrm>
-        </p:spPr>
-        <p:txBody>
-          <a:bodyPr vert="eaVert"/>
-          <a:lstStyle/>
-          <a:p>
-            <a:pPr lvl="0"/>
-            <a:r>
-              <a:rPr lang="en-US"/>
-              <a:t>Click to edit Master text styles</a:t>
-            </a:r>
-          </a:p>
-          <a:p>
-            <a:pPr lvl="1"/>
-            <a:r>
-              <a:rPr lang="en-US"/>
-              <a:t>Second level</a:t>
-            </a:r>
-          </a:p>
-          <a:p>
-            <a:pPr lvl="2"/>
-            <a:r>
-              <a:rPr lang="en-US"/>
-              <a:t>Third level</a:t>
-            </a:r>
-          </a:p>
-          <a:p>
-            <a:pPr lvl="3"/>
-            <a:r>
-              <a:rPr lang="en-US"/>
-              <a:t>Fourth level</a:t>
-            </a:r>
-          </a:p>
-          <a:p>
-            <a:pPr lvl="4"/>
-            <a:r>
-              <a:rPr lang="en-US"/>
-              <a:t>Fifth level</a:t>
-            </a:r>
-            <a:endParaRPr lang="ru-RU" dirty="0"/>
-          </a:p>
-        </p:txBody>
-      </p:sp>
-    </p:spTree>
-    <p:extLst>
-      <p:ext uri="{BB962C8B-B14F-4D97-AF65-F5344CB8AC3E}">
-        <p14:creationId xmlns:p14="http://schemas.microsoft.com/office/powerpoint/2010/main" val="370514854"/>
-      </p:ext>
-    </p:extLst>
-  </p:cSld>
-  <p:clrMapOvr>
-    <a:masterClrMapping/>
-  </p:clrMapOvr>
-</p:sldLayout>
-</file>
-
-<file path=ppt/slideLayouts/slideLayout14.xml><?xml version="1.0" encoding="utf-8"?>
-<p:sldLayout xmlns:a="http://schemas.openxmlformats.org/drawingml/2006/main" xmlns:r="http://schemas.openxmlformats.org/officeDocument/2006/relationships" xmlns:p="http://schemas.openxmlformats.org/presentationml/2006/main" type="title">
-  <p:cSld name="2_Title Slide">
-    <p:spTree>
-      <p:nvGrpSpPr>
-        <p:cNvPr id="1" name=""/>
-        <p:cNvGrpSpPr/>
-        <p:nvPr/>
-      </p:nvGrpSpPr>
-      <p:grpSpPr>
-        <a:xfrm>
-          <a:off x="0" y="0"/>
-          <a:ext cx="0" cy="0"/>
-          <a:chOff x="0" y="0"/>
-          <a:chExt cx="0" cy="0"/>
-        </a:xfrm>
-      </p:grpSpPr>
-      <p:sp>
-        <p:nvSpPr>
-          <p:cNvPr id="2" name="Title 1"/>
-          <p:cNvSpPr>
-            <a:spLocks noGrp="1"/>
-          </p:cNvSpPr>
-          <p:nvPr>
-            <p:ph type="ctrTitle"/>
-          </p:nvPr>
-        </p:nvSpPr>
-        <p:spPr>
-          <a:xfrm>
-            <a:off x="685800" y="2130425"/>
-            <a:ext cx="7772400" cy="1470025"/>
-          </a:xfrm>
-        </p:spPr>
-        <p:txBody>
-          <a:bodyPr/>
-          <a:lstStyle/>
-          <a:p>
-            <a:r>
-              <a:rPr lang="en-US"/>
-              <a:t>Click to edit Master title style</a:t>
-            </a:r>
-            <a:endParaRPr lang="ru-RU"/>
-          </a:p>
-        </p:txBody>
-      </p:sp>
-      <p:sp>
-        <p:nvSpPr>
-          <p:cNvPr id="3" name="Subtitle 2"/>
-          <p:cNvSpPr>
-            <a:spLocks noGrp="1"/>
-          </p:cNvSpPr>
-          <p:nvPr>
-            <p:ph type="subTitle" idx="1"/>
-          </p:nvPr>
-        </p:nvSpPr>
-        <p:spPr>
-          <a:xfrm>
-            <a:off x="1371600" y="3886200"/>
-            <a:ext cx="6400800" cy="1752600"/>
-          </a:xfrm>
-        </p:spPr>
-        <p:txBody>
-          <a:bodyPr/>
-          <a:lstStyle>
-            <a:lvl1pPr marL="0" indent="0" algn="ctr">
-              <a:buNone/>
-              <a:defRPr>
-                <a:solidFill>
-                  <a:schemeClr val="tx1">
-                    <a:tint val="75000"/>
-                  </a:schemeClr>
-                </a:solidFill>
-              </a:defRPr>
-            </a:lvl1pPr>
-            <a:lvl2pPr marL="457200" indent="0" algn="ctr">
-              <a:buNone/>
-              <a:defRPr>
-                <a:solidFill>
-                  <a:schemeClr val="tx1">
-                    <a:tint val="75000"/>
-                  </a:schemeClr>
-                </a:solidFill>
-              </a:defRPr>
-            </a:lvl2pPr>
-            <a:lvl3pPr marL="914400" indent="0" algn="ctr">
-              <a:buNone/>
-              <a:defRPr>
-                <a:solidFill>
-                  <a:schemeClr val="tx1">
-                    <a:tint val="75000"/>
-                  </a:schemeClr>
-                </a:solidFill>
-              </a:defRPr>
-            </a:lvl3pPr>
-            <a:lvl4pPr marL="1371600" indent="0" algn="ctr">
-              <a:buNone/>
-              <a:defRPr>
-                <a:solidFill>
-                  <a:schemeClr val="tx1">
-                    <a:tint val="75000"/>
-                  </a:schemeClr>
-                </a:solidFill>
-              </a:defRPr>
-            </a:lvl4pPr>
-            <a:lvl5pPr marL="1828800" indent="0" algn="ctr">
-              <a:buNone/>
-              <a:defRPr>
-                <a:solidFill>
-                  <a:schemeClr val="tx1">
-                    <a:tint val="75000"/>
-                  </a:schemeClr>
-                </a:solidFill>
-              </a:defRPr>
-            </a:lvl5pPr>
-            <a:lvl6pPr marL="2286000" indent="0" algn="ctr">
-              <a:buNone/>
-              <a:defRPr>
-                <a:solidFill>
-                  <a:schemeClr val="tx1">
-                    <a:tint val="75000"/>
-                  </a:schemeClr>
-                </a:solidFill>
-              </a:defRPr>
-            </a:lvl6pPr>
-            <a:lvl7pPr marL="2743200" indent="0" algn="ctr">
-              <a:buNone/>
-              <a:defRPr>
-                <a:solidFill>
-                  <a:schemeClr val="tx1">
-                    <a:tint val="75000"/>
-                  </a:schemeClr>
-                </a:solidFill>
-              </a:defRPr>
-            </a:lvl7pPr>
-            <a:lvl8pPr marL="3200400" indent="0" algn="ctr">
-              <a:buNone/>
-              <a:defRPr>
-                <a:solidFill>
-                  <a:schemeClr val="tx1">
-                    <a:tint val="75000"/>
-                  </a:schemeClr>
-                </a:solidFill>
-              </a:defRPr>
-            </a:lvl8pPr>
-            <a:lvl9pPr marL="3657600" indent="0" algn="ctr">
-              <a:buNone/>
-              <a:defRPr>
-                <a:solidFill>
-                  <a:schemeClr val="tx1">
-                    <a:tint val="75000"/>
-                  </a:schemeClr>
-                </a:solidFill>
-              </a:defRPr>
-            </a:lvl9pPr>
-          </a:lstStyle>
-          <a:p>
-            <a:r>
-              <a:rPr lang="en-US"/>
-              <a:t>Click to edit Master subtitle style</a:t>
-            </a:r>
-            <a:endParaRPr lang="ru-RU"/>
-          </a:p>
-        </p:txBody>
-      </p:sp>
-      <p:sp>
-        <p:nvSpPr>
-          <p:cNvPr id="4" name="Date Placeholder 3"/>
-          <p:cNvSpPr>
-            <a:spLocks noGrp="1"/>
-          </p:cNvSpPr>
-          <p:nvPr>
-            <p:ph type="dt" sz="half" idx="10"/>
-          </p:nvPr>
-        </p:nvSpPr>
-        <p:spPr/>
-        <p:txBody>
-          <a:bodyPr/>
-          <a:lstStyle/>
-          <a:p>
-            <a:fld id="{8E6E6A2A-E9D3-4A0D-B04A-ABDD367A1E08}" type="datetimeFigureOut">
-              <a:rPr lang="ru-RU" smtClean="0"/>
-              <a:pPr/>
-              <a:t>20.09.2018</a:t>
-            </a:fld>
-            <a:endParaRPr lang="ru-RU"/>
-          </a:p>
-        </p:txBody>
-      </p:sp>
-      <p:sp>
-        <p:nvSpPr>
-          <p:cNvPr id="5" name="Footer Placeholder 4"/>
-          <p:cNvSpPr>
-            <a:spLocks noGrp="1"/>
-          </p:cNvSpPr>
-          <p:nvPr>
-            <p:ph type="ftr" sz="quarter" idx="11"/>
-          </p:nvPr>
-        </p:nvSpPr>
-        <p:spPr/>
-        <p:txBody>
-          <a:bodyPr/>
-          <a:lstStyle/>
-          <a:p>
-            <a:endParaRPr lang="ru-RU"/>
-          </a:p>
-        </p:txBody>
-      </p:sp>
-      <p:sp>
-        <p:nvSpPr>
-          <p:cNvPr id="6" name="Slide Number Placeholder 5"/>
-          <p:cNvSpPr>
-            <a:spLocks noGrp="1"/>
-          </p:cNvSpPr>
-          <p:nvPr>
-            <p:ph type="sldNum" sz="quarter" idx="12"/>
-          </p:nvPr>
-        </p:nvSpPr>
-        <p:spPr/>
-        <p:txBody>
-          <a:bodyPr/>
-          <a:lstStyle/>
-          <a:p>
-            <a:fld id="{BC0D3D34-2E8A-4A38-B864-C677BA056495}" type="slidenum">
-              <a:rPr lang="ru-RU" smtClean="0"/>
-              <a:pPr/>
-              <a:t>‹#›</a:t>
-            </a:fld>
-            <a:endParaRPr lang="ru-RU"/>
-          </a:p>
-        </p:txBody>
-      </p:sp>
-    </p:spTree>
-    <p:extLst>
-      <p:ext uri="{BB962C8B-B14F-4D97-AF65-F5344CB8AC3E}">
-        <p14:creationId xmlns:p14="http://schemas.microsoft.com/office/powerpoint/2010/main" val="1104335692"/>
-      </p:ext>
-    </p:extLst>
-  </p:cSld>
-  <p:clrMapOvr>
-    <a:masterClrMapping/>
-  </p:clrMapOvr>
-</p:sldLayout>
-</file>
-
-<file path=ppt/slideLayouts/slideLayout2.xml><?xml version="1.0" encoding="utf-8"?>
-<p:sldLayout xmlns:a="http://schemas.openxmlformats.org/drawingml/2006/main" xmlns:r="http://schemas.openxmlformats.org/officeDocument/2006/relationships" xmlns:p="http://schemas.openxmlformats.org/presentationml/2006/main" preserve="1" userDrawn="1">
-  <p:cSld name="1_Title Slide">
-    <p:spTree>
-      <p:nvGrpSpPr>
-        <p:cNvPr id="1" name=""/>
-        <p:cNvGrpSpPr/>
-        <p:nvPr/>
-      </p:nvGrpSpPr>
-      <p:grpSpPr>
-        <a:xfrm>
-          <a:off x="0" y="0"/>
-          <a:ext cx="0" cy="0"/>
-          <a:chOff x="0" y="0"/>
-          <a:chExt cx="0" cy="0"/>
-        </a:xfrm>
-      </p:grpSpPr>
-      <p:sp>
-        <p:nvSpPr>
-          <p:cNvPr id="9" name="TextBox 8"/>
-          <p:cNvSpPr txBox="1"/>
-          <p:nvPr userDrawn="1"/>
-        </p:nvSpPr>
-        <p:spPr>
-          <a:xfrm>
-            <a:off x="2774873" y="2528900"/>
-            <a:ext cx="4240263" cy="461665"/>
-          </a:xfrm>
-          <a:prstGeom prst="rect">
-            <a:avLst/>
-          </a:prstGeom>
-          <a:noFill/>
-        </p:spPr>
-        <p:txBody>
-          <a:bodyPr wrap="none" rtlCol="0">
-            <a:spAutoFit/>
-          </a:bodyPr>
-          <a:lstStyle/>
-          <a:p>
-            <a:r>
-              <a:rPr lang="ru-RU" sz="2400" dirty="0">
-                <a:solidFill>
-                  <a:schemeClr val="bg1"/>
-                </a:solidFill>
-              </a:rPr>
-              <a:t>Занятие №</a:t>
-            </a:r>
-            <a:r>
-              <a:rPr lang="en-US" sz="2400" dirty="0">
-                <a:solidFill>
-                  <a:schemeClr val="bg1"/>
-                </a:solidFill>
-              </a:rPr>
-              <a:t>2</a:t>
-            </a:r>
-            <a:r>
-              <a:rPr lang="ru-RU" sz="2400" dirty="0">
-                <a:solidFill>
-                  <a:schemeClr val="bg1"/>
-                </a:solidFill>
-              </a:rPr>
-              <a:t>. Название занятия</a:t>
-            </a:r>
-            <a:endParaRPr lang="en-US" sz="2400" dirty="0">
-              <a:solidFill>
-                <a:schemeClr val="bg1"/>
-              </a:solidFill>
-            </a:endParaRPr>
-          </a:p>
-        </p:txBody>
-      </p:sp>
-      <p:sp>
-        <p:nvSpPr>
-          <p:cNvPr id="7" name="Rectangle 6"/>
-          <p:cNvSpPr/>
-          <p:nvPr userDrawn="1"/>
-        </p:nvSpPr>
-        <p:spPr>
-          <a:xfrm>
-            <a:off x="143508" y="1304764"/>
-            <a:ext cx="8856984" cy="646331"/>
-          </a:xfrm>
-          <a:prstGeom prst="rect">
-            <a:avLst/>
-          </a:prstGeom>
-        </p:spPr>
-        <p:txBody>
-          <a:bodyPr wrap="square">
-            <a:spAutoFit/>
-          </a:bodyPr>
-          <a:lstStyle/>
-          <a:p>
-            <a:pPr algn="ctr"/>
-            <a:r>
-              <a:rPr lang="ru-RU" sz="3600" b="1" i="1" dirty="0">
-                <a:solidFill>
-                  <a:schemeClr val="bg1"/>
-                </a:solidFill>
-              </a:rPr>
-              <a:t>Основы программирования на </a:t>
-            </a:r>
-            <a:r>
-              <a:rPr lang="en-US" sz="3600" b="1" i="1" dirty="0">
-                <a:solidFill>
-                  <a:schemeClr val="bg1"/>
-                </a:solidFill>
-              </a:rPr>
-              <a:t>C#</a:t>
-            </a:r>
-            <a:endParaRPr lang="ru-RU" sz="3600" b="1" i="1" dirty="0">
-              <a:solidFill>
-                <a:schemeClr val="bg1"/>
-              </a:solidFill>
-            </a:endParaRPr>
-          </a:p>
-        </p:txBody>
-      </p:sp>
-      <p:pic>
-        <p:nvPicPr>
-          <p:cNvPr id="8" name="Picture 5"/>
-          <p:cNvPicPr>
-            <a:picLocks noChangeAspect="1" noChangeArrowheads="1"/>
-          </p:cNvPicPr>
-          <p:nvPr userDrawn="1"/>
-        </p:nvPicPr>
-        <p:blipFill>
-          <a:blip r:embed="rId2" cstate="print">
-            <a:extLst>
-              <a:ext uri="{28A0092B-C50C-407E-A947-70E740481C1C}">
-                <a14:useLocalDpi xmlns:a14="http://schemas.microsoft.com/office/drawing/2010/main" val="0"/>
-              </a:ext>
-            </a:extLst>
-          </a:blip>
-          <a:srcRect/>
-          <a:stretch>
-            <a:fillRect/>
-          </a:stretch>
-        </p:blipFill>
-        <p:spPr bwMode="auto">
-          <a:xfrm>
-            <a:off x="1638300" y="3829211"/>
-            <a:ext cx="5867400" cy="1724025"/>
-          </a:xfrm>
-          <a:prstGeom prst="rect">
-            <a:avLst/>
-          </a:prstGeom>
-          <a:noFill/>
-          <a:ln>
-            <a:noFill/>
-          </a:ln>
-          <a:effectLst/>
-          <a:extLst>
-            <a:ext uri="{909E8E84-426E-40DD-AFC4-6F175D3DCCD1}">
-              <a14:hiddenFill xmlns:a14="http://schemas.microsoft.com/office/drawing/2010/main">
-                <a:solidFill>
-                  <a:schemeClr val="accent1"/>
-                </a:solidFill>
-              </a14:hiddenFill>
-            </a:ext>
-            <a:ext uri="{91240B29-F687-4F45-9708-019B960494DF}">
-              <a14:hiddenLine xmlns:a14="http://schemas.microsoft.com/office/drawing/2010/main" w="9525">
-                <a:solidFill>
-                  <a:schemeClr val="tx1"/>
-                </a:solidFill>
-                <a:miter lim="800000"/>
-                <a:headEnd/>
-                <a:tailEnd/>
-              </a14:hiddenLine>
-            </a:ext>
-            <a:ext uri="{AF507438-7753-43E0-B8FC-AC1667EBCBE1}">
-              <a14:hiddenEffects xmlns:a14="http://schemas.microsoft.com/office/drawing/2010/main">
-                <a:effectLst>
-                  <a:outerShdw dist="35921" dir="2700000" algn="ctr" rotWithShape="0">
-                    <a:schemeClr val="bg2"/>
-                  </a:outerShdw>
-                </a:effectLst>
-              </a14:hiddenEffects>
-            </a:ext>
-          </a:extLst>
-        </p:spPr>
-      </p:pic>
-    </p:spTree>
-    <p:extLst>
-      <p:ext uri="{BB962C8B-B14F-4D97-AF65-F5344CB8AC3E}">
-        <p14:creationId xmlns:p14="http://schemas.microsoft.com/office/powerpoint/2010/main" val="3296324981"/>
-      </p:ext>
-    </p:extLst>
-  </p:cSld>
-  <p:clrMapOvr>
-    <a:masterClrMapping/>
-  </p:clrMapOvr>
-</p:sldLayout>
-</file>
-
-<file path=ppt/slideLayouts/slideLayout3.xml><?xml version="1.0" encoding="utf-8"?>
-<p:sldLayout xmlns:a="http://schemas.openxmlformats.org/drawingml/2006/main" xmlns:r="http://schemas.openxmlformats.org/officeDocument/2006/relationships" xmlns:p="http://schemas.openxmlformats.org/presentationml/2006/main" type="obj" preserve="1">
-  <p:cSld name="Title and Content">
-    <p:spTree>
-      <p:nvGrpSpPr>
-        <p:cNvPr id="1" name=""/>
-        <p:cNvGrpSpPr/>
-        <p:nvPr/>
-      </p:nvGrpSpPr>
-      <p:grpSpPr>
-        <a:xfrm>
-          <a:off x="0" y="0"/>
-          <a:ext cx="0" cy="0"/>
-          <a:chOff x="0" y="0"/>
-          <a:chExt cx="0" cy="0"/>
-        </a:xfrm>
-      </p:grpSpPr>
-      <p:sp>
-        <p:nvSpPr>
-          <p:cNvPr id="2" name="Title 1"/>
-          <p:cNvSpPr>
-            <a:spLocks noGrp="1"/>
-          </p:cNvSpPr>
-          <p:nvPr>
-            <p:ph type="title"/>
-          </p:nvPr>
-        </p:nvSpPr>
-        <p:spPr/>
-        <p:txBody>
-          <a:bodyPr/>
-          <a:lstStyle/>
-          <a:p>
-            <a:r>
-              <a:rPr lang="en-US"/>
-              <a:t>Click to edit Master title style</a:t>
-            </a:r>
-            <a:endParaRPr lang="ru-RU" dirty="0"/>
-          </a:p>
-        </p:txBody>
-      </p:sp>
-      <p:sp>
-        <p:nvSpPr>
-          <p:cNvPr id="3" name="Content Placeholder 2"/>
-          <p:cNvSpPr>
-            <a:spLocks noGrp="1"/>
-          </p:cNvSpPr>
-          <p:nvPr>
-            <p:ph idx="1"/>
-          </p:nvPr>
-        </p:nvSpPr>
-        <p:spPr/>
-        <p:txBody>
-          <a:bodyPr/>
-          <a:lstStyle/>
-          <a:p>
-            <a:pPr lvl="0"/>
-            <a:r>
-              <a:rPr lang="en-US"/>
-              <a:t>Click to edit Master text styles</a:t>
-            </a:r>
-          </a:p>
-          <a:p>
-            <a:pPr lvl="1"/>
-            <a:r>
-              <a:rPr lang="en-US"/>
-              <a:t>Second level</a:t>
-            </a:r>
-          </a:p>
-          <a:p>
-            <a:pPr lvl="2"/>
-            <a:r>
-              <a:rPr lang="en-US"/>
-              <a:t>Third level</a:t>
-            </a:r>
-          </a:p>
-          <a:p>
-            <a:pPr lvl="3"/>
-            <a:r>
-              <a:rPr lang="en-US"/>
-              <a:t>Fourth level</a:t>
-            </a:r>
-          </a:p>
-          <a:p>
-            <a:pPr lvl="4"/>
-            <a:r>
-              <a:rPr lang="en-US"/>
-              <a:t>Fifth level</a:t>
-            </a:r>
-            <a:endParaRPr lang="ru-RU" dirty="0"/>
-          </a:p>
-        </p:txBody>
-      </p:sp>
-    </p:spTree>
-    <p:extLst>
-      <p:ext uri="{BB962C8B-B14F-4D97-AF65-F5344CB8AC3E}">
-        <p14:creationId xmlns:p14="http://schemas.microsoft.com/office/powerpoint/2010/main" val="3363467697"/>
-      </p:ext>
-    </p:extLst>
-  </p:cSld>
-  <p:clrMapOvr>
-    <a:masterClrMapping/>
-  </p:clrMapOvr>
-</p:sldLayout>
-</file>
-
-<file path=ppt/slideLayouts/slideLayout4.xml><?xml version="1.0" encoding="utf-8"?>
-<p:sldLayout xmlns:a="http://schemas.openxmlformats.org/drawingml/2006/main" xmlns:r="http://schemas.openxmlformats.org/officeDocument/2006/relationships" xmlns:p="http://schemas.openxmlformats.org/presentationml/2006/main" type="secHead" preserve="1">
-  <p:cSld name="Section Header">
-    <p:spTree>
-      <p:nvGrpSpPr>
-        <p:cNvPr id="1" name=""/>
-        <p:cNvGrpSpPr/>
-        <p:nvPr/>
-      </p:nvGrpSpPr>
-      <p:grpSpPr>
-        <a:xfrm>
-          <a:off x="0" y="0"/>
-          <a:ext cx="0" cy="0"/>
-          <a:chOff x="0" y="0"/>
-          <a:chExt cx="0" cy="0"/>
-        </a:xfrm>
-      </p:grpSpPr>
-      <p:sp>
-        <p:nvSpPr>
-          <p:cNvPr id="2" name="Title 1"/>
-          <p:cNvSpPr>
-            <a:spLocks noGrp="1"/>
-          </p:cNvSpPr>
-          <p:nvPr>
-            <p:ph type="title"/>
-          </p:nvPr>
-        </p:nvSpPr>
-        <p:spPr>
-          <a:xfrm>
-            <a:off x="722313" y="4406900"/>
-            <a:ext cx="7772400" cy="1362075"/>
-          </a:xfrm>
-        </p:spPr>
-        <p:txBody>
-          <a:bodyPr anchor="t"/>
-          <a:lstStyle>
-            <a:lvl1pPr algn="l">
-              <a:defRPr sz="4000" b="1" cap="all"/>
-            </a:lvl1pPr>
-          </a:lstStyle>
-          <a:p>
-            <a:r>
-              <a:rPr lang="en-US"/>
-              <a:t>Click to edit Master title style</a:t>
-            </a:r>
-            <a:endParaRPr lang="ru-RU" dirty="0"/>
-          </a:p>
-        </p:txBody>
-      </p:sp>
-      <p:sp>
-        <p:nvSpPr>
-          <p:cNvPr id="3" name="Text Placeholder 2"/>
-          <p:cNvSpPr>
-            <a:spLocks noGrp="1"/>
-          </p:cNvSpPr>
-          <p:nvPr>
-            <p:ph type="body" idx="1"/>
-          </p:nvPr>
-        </p:nvSpPr>
-        <p:spPr>
-          <a:xfrm>
-            <a:off x="722313" y="2906713"/>
-            <a:ext cx="7772400" cy="1500187"/>
-          </a:xfrm>
-        </p:spPr>
-        <p:txBody>
-          <a:bodyPr anchor="b"/>
-          <a:lstStyle>
-            <a:lvl1pPr marL="0" indent="0">
-              <a:buNone/>
-              <a:defRPr sz="2000">
-                <a:solidFill>
-                  <a:schemeClr val="tx1">
-                    <a:tint val="75000"/>
-                  </a:schemeClr>
-                </a:solidFill>
-              </a:defRPr>
-            </a:lvl1pPr>
-            <a:lvl2pPr marL="457200" indent="0">
-              <a:buNone/>
-              <a:defRPr sz="1800">
-                <a:solidFill>
-                  <a:schemeClr val="tx1">
-                    <a:tint val="75000"/>
-                  </a:schemeClr>
-                </a:solidFill>
-              </a:defRPr>
-            </a:lvl2pPr>
-            <a:lvl3pPr marL="914400" indent="0">
-              <a:buNone/>
-              <a:defRPr sz="1600">
-                <a:solidFill>
-                  <a:schemeClr val="tx1">
-                    <a:tint val="75000"/>
-                  </a:schemeClr>
-                </a:solidFill>
-              </a:defRPr>
-            </a:lvl3pPr>
-            <a:lvl4pPr marL="1371600" indent="0">
-              <a:buNone/>
-              <a:defRPr sz="1400">
-                <a:solidFill>
-                  <a:schemeClr val="tx1">
-                    <a:tint val="75000"/>
-                  </a:schemeClr>
-                </a:solidFill>
-              </a:defRPr>
-            </a:lvl4pPr>
-            <a:lvl5pPr marL="1828800" indent="0">
-              <a:buNone/>
-              <a:defRPr sz="1400">
-                <a:solidFill>
-                  <a:schemeClr val="tx1">
-                    <a:tint val="75000"/>
-                  </a:schemeClr>
-                </a:solidFill>
-              </a:defRPr>
-            </a:lvl5pPr>
-            <a:lvl6pPr marL="2286000" indent="0">
-              <a:buNone/>
-              <a:defRPr sz="1400">
-                <a:solidFill>
-                  <a:schemeClr val="tx1">
-                    <a:tint val="75000"/>
-                  </a:schemeClr>
-                </a:solidFill>
-              </a:defRPr>
-            </a:lvl6pPr>
-            <a:lvl7pPr marL="2743200" indent="0">
-              <a:buNone/>
-              <a:defRPr sz="1400">
-                <a:solidFill>
-                  <a:schemeClr val="tx1">
-                    <a:tint val="75000"/>
-                  </a:schemeClr>
-                </a:solidFill>
-              </a:defRPr>
-            </a:lvl7pPr>
-            <a:lvl8pPr marL="3200400" indent="0">
-              <a:buNone/>
-              <a:defRPr sz="1400">
-                <a:solidFill>
-                  <a:schemeClr val="tx1">
-                    <a:tint val="75000"/>
-                  </a:schemeClr>
-                </a:solidFill>
-              </a:defRPr>
-            </a:lvl8pPr>
-            <a:lvl9pPr marL="3657600" indent="0">
-              <a:buNone/>
-              <a:defRPr sz="1400">
-                <a:solidFill>
-                  <a:schemeClr val="tx1">
-                    <a:tint val="75000"/>
-                  </a:schemeClr>
-                </a:solidFill>
-              </a:defRPr>
-            </a:lvl9pPr>
-          </a:lstStyle>
-          <a:p>
-            <a:pPr lvl="0"/>
-            <a:r>
-              <a:rPr lang="en-US"/>
-              <a:t>Click to edit Master text styles</a:t>
-            </a:r>
-          </a:p>
-        </p:txBody>
-      </p:sp>
-    </p:spTree>
-    <p:extLst>
-      <p:ext uri="{BB962C8B-B14F-4D97-AF65-F5344CB8AC3E}">
-        <p14:creationId xmlns:p14="http://schemas.microsoft.com/office/powerpoint/2010/main" val="1627150216"/>
-      </p:ext>
-    </p:extLst>
-  </p:cSld>
-  <p:clrMapOvr>
-    <a:masterClrMapping/>
-  </p:clrMapOvr>
-</p:sldLayout>
-</file>
-
-<file path=ppt/slideLayouts/slideLayout5.xml><?xml version="1.0" encoding="utf-8"?>
-<p:sldLayout xmlns:a="http://schemas.openxmlformats.org/drawingml/2006/main" xmlns:r="http://schemas.openxmlformats.org/officeDocument/2006/relationships" xmlns:p="http://schemas.openxmlformats.org/presentationml/2006/main" type="twoObj" preserve="1">
-  <p:cSld name="Two Content">
-    <p:spTree>
-      <p:nvGrpSpPr>
-        <p:cNvPr id="1" name=""/>
-        <p:cNvGrpSpPr/>
-        <p:nvPr/>
-      </p:nvGrpSpPr>
-      <p:grpSpPr>
-        <a:xfrm>
-          <a:off x="0" y="0"/>
-          <a:ext cx="0" cy="0"/>
-          <a:chOff x="0" y="0"/>
-          <a:chExt cx="0" cy="0"/>
-        </a:xfrm>
-      </p:grpSpPr>
-      <p:sp>
-        <p:nvSpPr>
-          <p:cNvPr id="2" name="Title 1"/>
-          <p:cNvSpPr>
-            <a:spLocks noGrp="1"/>
-          </p:cNvSpPr>
-          <p:nvPr>
-            <p:ph type="title"/>
-          </p:nvPr>
-        </p:nvSpPr>
-        <p:spPr/>
-        <p:txBody>
-          <a:bodyPr/>
-          <a:lstStyle/>
-          <a:p>
-            <a:r>
-              <a:rPr lang="en-US"/>
-              <a:t>Click to edit Master title style</a:t>
-            </a:r>
-            <a:endParaRPr lang="ru-RU" dirty="0"/>
-          </a:p>
-        </p:txBody>
-      </p:sp>
-      <p:sp>
-        <p:nvSpPr>
-          <p:cNvPr id="3" name="Content Placeholder 2"/>
-          <p:cNvSpPr>
-            <a:spLocks noGrp="1"/>
-          </p:cNvSpPr>
-          <p:nvPr>
-            <p:ph sz="half" idx="1"/>
-          </p:nvPr>
-        </p:nvSpPr>
-        <p:spPr>
-          <a:xfrm>
-            <a:off x="457200" y="1600200"/>
-            <a:ext cx="4038600" cy="4525963"/>
-          </a:xfrm>
-        </p:spPr>
-        <p:txBody>
-          <a:bodyPr/>
-          <a:lstStyle>
-            <a:lvl1pPr>
-              <a:defRPr sz="2800"/>
-            </a:lvl1pPr>
-            <a:lvl2pPr>
-              <a:defRPr sz="2400"/>
-            </a:lvl2pPr>
-            <a:lvl3pPr>
-              <a:defRPr sz="2000"/>
-            </a:lvl3pPr>
-            <a:lvl4pPr>
-              <a:defRPr sz="1800"/>
-            </a:lvl4pPr>
-            <a:lvl5pPr>
-              <a:defRPr sz="1800"/>
-            </a:lvl5pPr>
-            <a:lvl6pPr>
-              <a:defRPr sz="1800"/>
-            </a:lvl6pPr>
-            <a:lvl7pPr>
-              <a:defRPr sz="1800"/>
-            </a:lvl7pPr>
-            <a:lvl8pPr>
-              <a:defRPr sz="1800"/>
-            </a:lvl8pPr>
-            <a:lvl9pPr>
-              <a:defRPr sz="1800"/>
-            </a:lvl9pPr>
-          </a:lstStyle>
-          <a:p>
-            <a:pPr lvl="0"/>
-            <a:r>
-              <a:rPr lang="en-US"/>
-              <a:t>Click to edit Master text styles</a:t>
-            </a:r>
-          </a:p>
-          <a:p>
-            <a:pPr lvl="1"/>
-            <a:r>
-              <a:rPr lang="en-US"/>
-              <a:t>Second level</a:t>
-            </a:r>
-          </a:p>
-          <a:p>
-            <a:pPr lvl="2"/>
-            <a:r>
-              <a:rPr lang="en-US"/>
-              <a:t>Third level</a:t>
-            </a:r>
-          </a:p>
-          <a:p>
-            <a:pPr lvl="3"/>
-            <a:r>
-              <a:rPr lang="en-US"/>
-              <a:t>Fourth level</a:t>
-            </a:r>
-          </a:p>
-          <a:p>
-            <a:pPr lvl="4"/>
-            <a:r>
-              <a:rPr lang="en-US"/>
-              <a:t>Fifth level</a:t>
-            </a:r>
-            <a:endParaRPr lang="ru-RU" dirty="0"/>
-          </a:p>
-        </p:txBody>
-      </p:sp>
-      <p:sp>
-        <p:nvSpPr>
-          <p:cNvPr id="4" name="Content Placeholder 3"/>
-          <p:cNvSpPr>
-            <a:spLocks noGrp="1"/>
-          </p:cNvSpPr>
-          <p:nvPr>
-            <p:ph sz="half" idx="2"/>
-          </p:nvPr>
-        </p:nvSpPr>
-        <p:spPr>
-          <a:xfrm>
-            <a:off x="4648200" y="1600200"/>
-            <a:ext cx="4038600" cy="4525963"/>
-          </a:xfrm>
-        </p:spPr>
-        <p:txBody>
-          <a:bodyPr/>
-          <a:lstStyle>
-            <a:lvl1pPr>
-              <a:defRPr sz="2800"/>
-            </a:lvl1pPr>
-            <a:lvl2pPr>
-              <a:defRPr sz="2400"/>
-            </a:lvl2pPr>
-            <a:lvl3pPr>
-              <a:defRPr sz="2000"/>
-            </a:lvl3pPr>
-            <a:lvl4pPr>
-              <a:defRPr sz="1800"/>
-            </a:lvl4pPr>
-            <a:lvl5pPr>
-              <a:defRPr sz="1800"/>
-            </a:lvl5pPr>
-            <a:lvl6pPr>
-              <a:defRPr sz="1800"/>
-            </a:lvl6pPr>
-            <a:lvl7pPr>
-              <a:defRPr sz="1800"/>
-            </a:lvl7pPr>
-            <a:lvl8pPr>
-              <a:defRPr sz="1800"/>
-            </a:lvl8pPr>
-            <a:lvl9pPr>
-              <a:defRPr sz="1800"/>
-            </a:lvl9pPr>
-          </a:lstStyle>
-          <a:p>
-            <a:pPr lvl="0"/>
-            <a:r>
-              <a:rPr lang="en-US"/>
-              <a:t>Click to edit Master text styles</a:t>
-            </a:r>
-          </a:p>
-          <a:p>
-            <a:pPr lvl="1"/>
-            <a:r>
-              <a:rPr lang="en-US"/>
-              <a:t>Second level</a:t>
-            </a:r>
-          </a:p>
-          <a:p>
-            <a:pPr lvl="2"/>
-            <a:r>
-              <a:rPr lang="en-US"/>
-              <a:t>Third level</a:t>
-            </a:r>
-          </a:p>
-          <a:p>
-            <a:pPr lvl="3"/>
-            <a:r>
-              <a:rPr lang="en-US"/>
-              <a:t>Fourth level</a:t>
-            </a:r>
-          </a:p>
-          <a:p>
-            <a:pPr lvl="4"/>
-            <a:r>
-              <a:rPr lang="en-US"/>
-              <a:t>Fifth level</a:t>
-            </a:r>
-            <a:endParaRPr lang="ru-RU" dirty="0"/>
-          </a:p>
-        </p:txBody>
-      </p:sp>
-    </p:spTree>
-    <p:extLst>
-      <p:ext uri="{BB962C8B-B14F-4D97-AF65-F5344CB8AC3E}">
-        <p14:creationId xmlns:p14="http://schemas.microsoft.com/office/powerpoint/2010/main" val="1026234569"/>
-      </p:ext>
-    </p:extLst>
-  </p:cSld>
-  <p:clrMapOvr>
-    <a:masterClrMapping/>
-  </p:clrMapOvr>
-</p:sldLayout>
-</file>
-
-<file path=ppt/slideLayouts/slideLayout6.xml><?xml version="1.0" encoding="utf-8"?>
-<p:sldLayout xmlns:a="http://schemas.openxmlformats.org/drawingml/2006/main" xmlns:r="http://schemas.openxmlformats.org/officeDocument/2006/relationships" xmlns:p="http://schemas.openxmlformats.org/presentationml/2006/main" type="twoTxTwoObj" preserve="1">
-  <p:cSld name="Comparison">
-    <p:spTree>
-      <p:nvGrpSpPr>
-        <p:cNvPr id="1" name=""/>
-        <p:cNvGrpSpPr/>
-        <p:nvPr/>
-      </p:nvGrpSpPr>
-      <p:grpSpPr>
-        <a:xfrm>
-          <a:off x="0" y="0"/>
-          <a:ext cx="0" cy="0"/>
-          <a:chOff x="0" y="0"/>
-          <a:chExt cx="0" cy="0"/>
-        </a:xfrm>
-      </p:grpSpPr>
-      <p:sp>
-        <p:nvSpPr>
-          <p:cNvPr id="2" name="Title 1"/>
-          <p:cNvSpPr>
-            <a:spLocks noGrp="1"/>
-          </p:cNvSpPr>
-          <p:nvPr>
-            <p:ph type="title"/>
-          </p:nvPr>
-        </p:nvSpPr>
-        <p:spPr/>
-        <p:txBody>
-          <a:bodyPr/>
-          <a:lstStyle>
-            <a:lvl1pPr>
-              <a:defRPr/>
-            </a:lvl1pPr>
-          </a:lstStyle>
-          <a:p>
-            <a:r>
-              <a:rPr lang="en-US"/>
-              <a:t>Click to edit Master title style</a:t>
-            </a:r>
-            <a:endParaRPr lang="ru-RU" dirty="0"/>
-          </a:p>
-        </p:txBody>
-      </p:sp>
-      <p:sp>
-        <p:nvSpPr>
-          <p:cNvPr id="3" name="Text Placeholder 2"/>
-          <p:cNvSpPr>
-            <a:spLocks noGrp="1"/>
-          </p:cNvSpPr>
-          <p:nvPr>
-            <p:ph type="body" idx="1"/>
-          </p:nvPr>
-        </p:nvSpPr>
-        <p:spPr>
-          <a:xfrm>
-            <a:off x="457200" y="1535113"/>
-            <a:ext cx="4040188" cy="639762"/>
-          </a:xfrm>
-        </p:spPr>
-        <p:txBody>
-          <a:bodyPr anchor="b"/>
-          <a:lstStyle>
-            <a:lvl1pPr marL="0" indent="0">
-              <a:buNone/>
-              <a:defRPr sz="2400" b="1"/>
-            </a:lvl1pPr>
-            <a:lvl2pPr marL="457200" indent="0">
-              <a:buNone/>
-              <a:defRPr sz="2000" b="1"/>
-            </a:lvl2pPr>
-            <a:lvl3pPr marL="914400" indent="0">
-              <a:buNone/>
-              <a:defRPr sz="1800" b="1"/>
-            </a:lvl3pPr>
-            <a:lvl4pPr marL="1371600" indent="0">
-              <a:buNone/>
-              <a:defRPr sz="1600" b="1"/>
-            </a:lvl4pPr>
-            <a:lvl5pPr marL="1828800" indent="0">
-              <a:buNone/>
-              <a:defRPr sz="1600" b="1"/>
-            </a:lvl5pPr>
-            <a:lvl6pPr marL="2286000" indent="0">
-              <a:buNone/>
-              <a:defRPr sz="1600" b="1"/>
-            </a:lvl6pPr>
-            <a:lvl7pPr marL="2743200" indent="0">
-              <a:buNone/>
-              <a:defRPr sz="1600" b="1"/>
-            </a:lvl7pPr>
-            <a:lvl8pPr marL="3200400" indent="0">
-              <a:buNone/>
-              <a:defRPr sz="1600" b="1"/>
-            </a:lvl8pPr>
-            <a:lvl9pPr marL="3657600" indent="0">
-              <a:buNone/>
-              <a:defRPr sz="1600" b="1"/>
-            </a:lvl9pPr>
-          </a:lstStyle>
-          <a:p>
-            <a:pPr lvl="0"/>
-            <a:r>
-              <a:rPr lang="en-US"/>
-              <a:t>Click to edit Master text styles</a:t>
-            </a:r>
-          </a:p>
-        </p:txBody>
-      </p:sp>
-      <p:sp>
-        <p:nvSpPr>
-          <p:cNvPr id="4" name="Content Placeholder 3"/>
-          <p:cNvSpPr>
-            <a:spLocks noGrp="1"/>
-          </p:cNvSpPr>
-          <p:nvPr>
-            <p:ph sz="half" idx="2"/>
-          </p:nvPr>
-        </p:nvSpPr>
-        <p:spPr>
-          <a:xfrm>
-            <a:off x="457200" y="2174875"/>
-            <a:ext cx="4040188" cy="3951288"/>
-          </a:xfrm>
-        </p:spPr>
-        <p:txBody>
-          <a:bodyPr/>
-          <a:lstStyle>
-            <a:lvl1pPr>
-              <a:defRPr sz="2400"/>
-            </a:lvl1pPr>
-            <a:lvl2pPr>
-              <a:defRPr sz="2000"/>
-            </a:lvl2pPr>
-            <a:lvl3pPr>
-              <a:defRPr sz="1800"/>
-            </a:lvl3pPr>
-            <a:lvl4pPr>
-              <a:defRPr sz="1600"/>
-            </a:lvl4pPr>
-            <a:lvl5pPr>
-              <a:defRPr sz="1600"/>
-            </a:lvl5pPr>
-            <a:lvl6pPr>
-              <a:defRPr sz="1600"/>
-            </a:lvl6pPr>
-            <a:lvl7pPr>
-              <a:defRPr sz="1600"/>
-            </a:lvl7pPr>
-            <a:lvl8pPr>
-              <a:defRPr sz="1600"/>
-            </a:lvl8pPr>
-            <a:lvl9pPr>
-              <a:defRPr sz="1600"/>
-            </a:lvl9pPr>
-          </a:lstStyle>
-          <a:p>
-            <a:pPr lvl="0"/>
-            <a:r>
-              <a:rPr lang="en-US"/>
-              <a:t>Click to edit Master text styles</a:t>
-            </a:r>
-          </a:p>
-          <a:p>
-            <a:pPr lvl="1"/>
-            <a:r>
-              <a:rPr lang="en-US"/>
-              <a:t>Second level</a:t>
-            </a:r>
-          </a:p>
-          <a:p>
-            <a:pPr lvl="2"/>
-            <a:r>
-              <a:rPr lang="en-US"/>
-              <a:t>Third level</a:t>
-            </a:r>
-          </a:p>
-          <a:p>
-            <a:pPr lvl="3"/>
-            <a:r>
-              <a:rPr lang="en-US"/>
-              <a:t>Fourth level</a:t>
-            </a:r>
-          </a:p>
-          <a:p>
-            <a:pPr lvl="4"/>
-            <a:r>
-              <a:rPr lang="en-US"/>
-              <a:t>Fifth level</a:t>
-            </a:r>
-            <a:endParaRPr lang="ru-RU" dirty="0"/>
-          </a:p>
-        </p:txBody>
-      </p:sp>
-      <p:sp>
-        <p:nvSpPr>
-          <p:cNvPr id="5" name="Text Placeholder 4"/>
-          <p:cNvSpPr>
-            <a:spLocks noGrp="1"/>
-          </p:cNvSpPr>
-          <p:nvPr>
-            <p:ph type="body" sz="quarter" idx="3"/>
-          </p:nvPr>
-        </p:nvSpPr>
-        <p:spPr>
-          <a:xfrm>
-            <a:off x="4645025" y="1535113"/>
-            <a:ext cx="4041775" cy="639762"/>
-          </a:xfrm>
-        </p:spPr>
-        <p:txBody>
-          <a:bodyPr anchor="b"/>
-          <a:lstStyle>
-            <a:lvl1pPr marL="0" indent="0">
-              <a:buNone/>
-              <a:defRPr sz="2400" b="1"/>
-            </a:lvl1pPr>
-            <a:lvl2pPr marL="457200" indent="0">
-              <a:buNone/>
-              <a:defRPr sz="2000" b="1"/>
-            </a:lvl2pPr>
-            <a:lvl3pPr marL="914400" indent="0">
-              <a:buNone/>
-              <a:defRPr sz="1800" b="1"/>
-            </a:lvl3pPr>
-            <a:lvl4pPr marL="1371600" indent="0">
-              <a:buNone/>
-              <a:defRPr sz="1600" b="1"/>
-            </a:lvl4pPr>
-            <a:lvl5pPr marL="1828800" indent="0">
-              <a:buNone/>
-              <a:defRPr sz="1600" b="1"/>
-            </a:lvl5pPr>
-            <a:lvl6pPr marL="2286000" indent="0">
-              <a:buNone/>
-              <a:defRPr sz="1600" b="1"/>
-            </a:lvl6pPr>
-            <a:lvl7pPr marL="2743200" indent="0">
-              <a:buNone/>
-              <a:defRPr sz="1600" b="1"/>
-            </a:lvl7pPr>
-            <a:lvl8pPr marL="3200400" indent="0">
-              <a:buNone/>
-              <a:defRPr sz="1600" b="1"/>
-            </a:lvl8pPr>
-            <a:lvl9pPr marL="3657600" indent="0">
-              <a:buNone/>
-              <a:defRPr sz="1600" b="1"/>
-            </a:lvl9pPr>
-          </a:lstStyle>
-          <a:p>
-            <a:pPr lvl="0"/>
-            <a:r>
-              <a:rPr lang="en-US"/>
-              <a:t>Click to edit Master text styles</a:t>
-            </a:r>
-          </a:p>
-        </p:txBody>
-      </p:sp>
-      <p:sp>
-        <p:nvSpPr>
-          <p:cNvPr id="6" name="Content Placeholder 5"/>
-          <p:cNvSpPr>
-            <a:spLocks noGrp="1"/>
-          </p:cNvSpPr>
-          <p:nvPr>
-            <p:ph sz="quarter" idx="4"/>
-          </p:nvPr>
-        </p:nvSpPr>
-        <p:spPr>
-          <a:xfrm>
-            <a:off x="4645025" y="2174875"/>
-            <a:ext cx="4041775" cy="3951288"/>
-          </a:xfrm>
-        </p:spPr>
-        <p:txBody>
-          <a:bodyPr/>
-          <a:lstStyle>
-            <a:lvl1pPr>
-              <a:defRPr sz="2400"/>
-            </a:lvl1pPr>
-            <a:lvl2pPr>
-              <a:defRPr sz="2000"/>
-            </a:lvl2pPr>
-            <a:lvl3pPr>
-              <a:defRPr sz="1800"/>
-            </a:lvl3pPr>
-            <a:lvl4pPr>
-              <a:defRPr sz="1600"/>
-            </a:lvl4pPr>
-            <a:lvl5pPr>
-              <a:defRPr sz="1600"/>
-            </a:lvl5pPr>
-            <a:lvl6pPr>
-              <a:defRPr sz="1600"/>
-            </a:lvl6pPr>
-            <a:lvl7pPr>
-              <a:defRPr sz="1600"/>
-            </a:lvl7pPr>
-            <a:lvl8pPr>
-              <a:defRPr sz="1600"/>
-            </a:lvl8pPr>
-            <a:lvl9pPr>
-              <a:defRPr sz="1600"/>
-            </a:lvl9pPr>
-          </a:lstStyle>
-          <a:p>
-            <a:pPr lvl="0"/>
-            <a:r>
-              <a:rPr lang="en-US"/>
-              <a:t>Click to edit Master text styles</a:t>
-            </a:r>
-          </a:p>
-          <a:p>
-            <a:pPr lvl="1"/>
-            <a:r>
-              <a:rPr lang="en-US"/>
-              <a:t>Second level</a:t>
-            </a:r>
-          </a:p>
-          <a:p>
-            <a:pPr lvl="2"/>
-            <a:r>
-              <a:rPr lang="en-US"/>
-              <a:t>Third level</a:t>
-            </a:r>
-          </a:p>
-          <a:p>
-            <a:pPr lvl="3"/>
-            <a:r>
-              <a:rPr lang="en-US"/>
-              <a:t>Fourth level</a:t>
-            </a:r>
-          </a:p>
-          <a:p>
-            <a:pPr lvl="4"/>
-            <a:r>
-              <a:rPr lang="en-US"/>
-              <a:t>Fifth level</a:t>
-            </a:r>
-            <a:endParaRPr lang="ru-RU" dirty="0"/>
-          </a:p>
-        </p:txBody>
-      </p:sp>
-    </p:spTree>
-    <p:extLst>
-      <p:ext uri="{BB962C8B-B14F-4D97-AF65-F5344CB8AC3E}">
-        <p14:creationId xmlns:p14="http://schemas.microsoft.com/office/powerpoint/2010/main" val="4044979405"/>
-      </p:ext>
-    </p:extLst>
-  </p:cSld>
-  <p:clrMapOvr>
-    <a:masterClrMapping/>
-  </p:clrMapOvr>
-</p:sldLayout>
-</file>
-
-<file path=ppt/slideLayouts/slideLayout7.xml><?xml version="1.0" encoding="utf-8"?>
-<p:sldLayout xmlns:a="http://schemas.openxmlformats.org/drawingml/2006/main" xmlns:r="http://schemas.openxmlformats.org/officeDocument/2006/relationships" xmlns:p="http://schemas.openxmlformats.org/presentationml/2006/main" type="titleOnly" preserve="1">
-  <p:cSld name="Title Only">
-    <p:spTree>
-      <p:nvGrpSpPr>
-        <p:cNvPr id="1" name=""/>
-        <p:cNvGrpSpPr/>
-        <p:nvPr/>
-      </p:nvGrpSpPr>
-      <p:grpSpPr>
-        <a:xfrm>
-          <a:off x="0" y="0"/>
-          <a:ext cx="0" cy="0"/>
-          <a:chOff x="0" y="0"/>
-          <a:chExt cx="0" cy="0"/>
-        </a:xfrm>
-      </p:grpSpPr>
-      <p:sp>
-        <p:nvSpPr>
-          <p:cNvPr id="2" name="Title 1"/>
-          <p:cNvSpPr>
-            <a:spLocks noGrp="1"/>
-          </p:cNvSpPr>
-          <p:nvPr>
-            <p:ph type="title"/>
-          </p:nvPr>
-        </p:nvSpPr>
-        <p:spPr/>
-        <p:txBody>
-          <a:bodyPr/>
-          <a:lstStyle/>
-          <a:p>
-            <a:r>
-              <a:rPr lang="en-US"/>
-              <a:t>Click to edit Master title style</a:t>
-            </a:r>
-            <a:endParaRPr lang="ru-RU" dirty="0"/>
-          </a:p>
-        </p:txBody>
-      </p:sp>
-    </p:spTree>
-    <p:extLst>
-      <p:ext uri="{BB962C8B-B14F-4D97-AF65-F5344CB8AC3E}">
-        <p14:creationId xmlns:p14="http://schemas.microsoft.com/office/powerpoint/2010/main" val="125202666"/>
-      </p:ext>
-    </p:extLst>
-  </p:cSld>
-  <p:clrMapOvr>
-    <a:masterClrMapping/>
-  </p:clrMapOvr>
-</p:sldLayout>
-</file>
-
-<file path=ppt/slideLayouts/slideLayout8.xml><?xml version="1.0" encoding="utf-8"?>
-<p:sldLayout xmlns:a="http://schemas.openxmlformats.org/drawingml/2006/main" xmlns:r="http://schemas.openxmlformats.org/officeDocument/2006/relationships" xmlns:p="http://schemas.openxmlformats.org/presentationml/2006/main" preserve="1" userDrawn="1">
-  <p:cSld name="Demo">
-    <p:spTree>
-      <p:nvGrpSpPr>
-        <p:cNvPr id="1" name=""/>
-        <p:cNvGrpSpPr/>
-        <p:nvPr/>
-      </p:nvGrpSpPr>
-      <p:grpSpPr>
-        <a:xfrm>
-          <a:off x="0" y="0"/>
-          <a:ext cx="0" cy="0"/>
-          <a:chOff x="0" y="0"/>
-          <a:chExt cx="0" cy="0"/>
-        </a:xfrm>
-      </p:grpSpPr>
-      <p:sp>
-        <p:nvSpPr>
-          <p:cNvPr id="10" name="TextBox 9"/>
-          <p:cNvSpPr txBox="1"/>
-          <p:nvPr userDrawn="1"/>
-        </p:nvSpPr>
-        <p:spPr>
-          <a:xfrm>
-            <a:off x="359532" y="3136613"/>
-            <a:ext cx="8424936" cy="584775"/>
-          </a:xfrm>
-          <a:prstGeom prst="rect">
-            <a:avLst/>
-          </a:prstGeom>
-          <a:noFill/>
-        </p:spPr>
-        <p:txBody>
-          <a:bodyPr wrap="square" rtlCol="0" anchor="ctr">
-            <a:spAutoFit/>
-          </a:bodyPr>
-          <a:lstStyle/>
-          <a:p>
-            <a:pPr algn="ctr"/>
-            <a:r>
-              <a:rPr lang="ru-RU" sz="3200" dirty="0"/>
-              <a:t>Название.</a:t>
-            </a:r>
-            <a:r>
-              <a:rPr lang="ru-RU" sz="3200" baseline="0" dirty="0"/>
-              <a:t> Демонстрация.</a:t>
-            </a:r>
-            <a:endParaRPr lang="ru-RU" sz="3200" dirty="0"/>
-          </a:p>
-        </p:txBody>
-      </p:sp>
-    </p:spTree>
-    <p:extLst>
-      <p:ext uri="{BB962C8B-B14F-4D97-AF65-F5344CB8AC3E}">
-        <p14:creationId xmlns:p14="http://schemas.microsoft.com/office/powerpoint/2010/main" val="3308008441"/>
-      </p:ext>
-    </p:extLst>
-  </p:cSld>
-  <p:clrMapOvr>
-    <a:masterClrMapping/>
-  </p:clrMapOvr>
-</p:sldLayout>
-</file>
-
-<file path=ppt/slideLayouts/slideLayout9.xml><?xml version="1.0" encoding="utf-8"?>
-<p:sldLayout xmlns:a="http://schemas.openxmlformats.org/drawingml/2006/main" xmlns:r="http://schemas.openxmlformats.org/officeDocument/2006/relationships" xmlns:p="http://schemas.openxmlformats.org/presentationml/2006/main" type="blank" preserve="1">
-  <p:cSld name="1_Blank">
-    <p:spTree>
-      <p:nvGrpSpPr>
-        <p:cNvPr id="1" name=""/>
-        <p:cNvGrpSpPr/>
-        <p:nvPr/>
-      </p:nvGrpSpPr>
-      <p:grpSpPr>
-        <a:xfrm>
-          <a:off x="0" y="0"/>
-          <a:ext cx="0" cy="0"/>
-          <a:chOff x="0" y="0"/>
-          <a:chExt cx="0" cy="0"/>
-        </a:xfrm>
-      </p:grpSpPr>
-    </p:spTree>
-    <p:extLst>
-      <p:ext uri="{BB962C8B-B14F-4D97-AF65-F5344CB8AC3E}">
-        <p14:creationId xmlns:p14="http://schemas.microsoft.com/office/powerpoint/2010/main" val="2618453949"/>
-      </p:ext>
-    </p:extLst>
-  </p:cSld>
-  <p:clrMapOvr>
-    <a:masterClrMapping/>
-  </p:clrMapOvr>
-</p:sldLayout>
-</file>
-
 <file path=ppt/slideMasters/slideMaster1.xml><?xml version="1.0" encoding="utf-8"?>
 <p:sldMaster xmlns:a="http://schemas.openxmlformats.org/drawingml/2006/main" xmlns:r="http://schemas.openxmlformats.org/officeDocument/2006/relationships" xmlns:p="http://schemas.openxmlformats.org/presentationml/2006/main">
   <p:cSld>
     <p:bg>
       <p:bgPr>
         <a:blipFill dpi="0" rotWithShape="1">
-          <a:blip r:embed="rId16" cstate="print">
+          <a:blip r:embed="rId14" cstate="print">
             <a:lum/>
           </a:blip>
           <a:srcRect/>
@@ -3027,7 +2639,7 @@
             <a:fld id="{AC3D3127-B7C4-45E3-9797-C527EC9FDD78}" type="datetimeFigureOut">
               <a:rPr lang="ru-RU" smtClean="0"/>
               <a:pPr/>
-              <a:t>20.09.2018</a:t>
+              <a:t>22.02.2019</a:t>
             </a:fld>
             <a:endParaRPr lang="ru-RU"/>
           </a:p>
@@ -3121,20 +2733,18 @@
   </p:cSld>
   <p:clrMap bg1="lt1" tx1="dk1" bg2="lt2" tx2="dk2" accent1="accent1" accent2="accent2" accent3="accent3" accent4="accent4" accent5="accent5" accent6="accent6" hlink="hlink" folHlink="folHlink"/>
   <p:sldLayoutIdLst>
-    <p:sldLayoutId id="2147483649" r:id="rId1"/>
-    <p:sldLayoutId id="2147483661" r:id="rId2"/>
-    <p:sldLayoutId id="2147483650" r:id="rId3"/>
-    <p:sldLayoutId id="2147483651" r:id="rId4"/>
-    <p:sldLayoutId id="2147483652" r:id="rId5"/>
-    <p:sldLayoutId id="2147483653" r:id="rId6"/>
-    <p:sldLayoutId id="2147483654" r:id="rId7"/>
-    <p:sldLayoutId id="2147483655" r:id="rId8"/>
-    <p:sldLayoutId id="2147483660" r:id="rId9"/>
-    <p:sldLayoutId id="2147483656" r:id="rId10"/>
-    <p:sldLayoutId id="2147483657" r:id="rId11"/>
-    <p:sldLayoutId id="2147483658" r:id="rId12"/>
-    <p:sldLayoutId id="2147483659" r:id="rId13"/>
-    <p:sldLayoutId id="2147483662" r:id="rId14"/>
+    <p:sldLayoutId id="2147483650" r:id="rId1"/>
+    <p:sldLayoutId id="2147483651" r:id="rId2"/>
+    <p:sldLayoutId id="2147483652" r:id="rId3"/>
+    <p:sldLayoutId id="2147483653" r:id="rId4"/>
+    <p:sldLayoutId id="2147483654" r:id="rId5"/>
+    <p:sldLayoutId id="2147483655" r:id="rId6"/>
+    <p:sldLayoutId id="2147483660" r:id="rId7"/>
+    <p:sldLayoutId id="2147483656" r:id="rId8"/>
+    <p:sldLayoutId id="2147483657" r:id="rId9"/>
+    <p:sldLayoutId id="2147483658" r:id="rId10"/>
+    <p:sldLayoutId id="2147483659" r:id="rId11"/>
+    <p:sldLayoutId id="2147483662" r:id="rId12"/>
   </p:sldLayoutIdLst>
   <p:txStyles>
     <p:titleStyle>
@@ -3492,7 +3102,7 @@
           <p:cNvPr id="8" name="TextBox 7">
             <a:extLst>
               <a:ext uri="{FF2B5EF4-FFF2-40B4-BE49-F238E27FC236}">
-                <a16:creationId xmlns:a16="http://schemas.microsoft.com/office/drawing/2014/main" id="{EE547DC5-A497-3E42-88A1-79D1A1F23884}"/>
+                <a16:creationId xmlns:a16="http://schemas.microsoft.com/office/drawing/2014/main" xmlns="" id="{EE547DC5-A497-3E42-88A1-79D1A1F23884}"/>
               </a:ext>
             </a:extLst>
           </p:cNvPr>
@@ -6951,6 +6561,10 @@
             <a:r>
               <a:rPr lang="ru-RU" dirty="0"/>
               <a:t>выражения</a:t>
+            </a:r>
+            <a:r>
+              <a:rPr lang="en-US" dirty="0"/>
+              <a:t/>
             </a:r>
             <a:br>
               <a:rPr lang="en-US" dirty="0"/>
@@ -8844,6 +8458,10 @@
               <a:rPr lang="ru-RU" sz="3200" dirty="0"/>
               <a:t>Выведение тип-аргументов</a:t>
             </a:r>
+            <a:r>
+              <a:rPr lang="en-US" sz="3200" dirty="0"/>
+              <a:t/>
+            </a:r>
             <a:br>
               <a:rPr lang="en-US" sz="3200" dirty="0"/>
             </a:br>
@@ -10119,6 +9737,12 @@
             <a:r>
               <a:rPr lang="en-US" dirty="0"/>
               <a:t>C#/.NET Little Wonders:</a:t>
+            </a:r>
+            <a:r>
+              <a:rPr lang="en-US" dirty="0">
+                <a:hlinkClick r:id="rId2"/>
+              </a:rPr>
+              <a:t/>
             </a:r>
             <a:br>
               <a:rPr lang="en-US" dirty="0">
@@ -12548,7 +12172,7 @@
           <p:cNvPr id="2" name="Title 1">
             <a:extLst>
               <a:ext uri="{FF2B5EF4-FFF2-40B4-BE49-F238E27FC236}">
-                <a16:creationId xmlns:a16="http://schemas.microsoft.com/office/drawing/2014/main" id="{41A03462-EDF4-E147-9862-EB3ED9B55CDF}"/>
+                <a16:creationId xmlns:a16="http://schemas.microsoft.com/office/drawing/2014/main" xmlns="" id="{41A03462-EDF4-E147-9862-EB3ED9B55CDF}"/>
               </a:ext>
             </a:extLst>
           </p:cNvPr>
@@ -12577,7 +12201,7 @@
           <p:cNvPr id="3" name="Content Placeholder 2">
             <a:extLst>
               <a:ext uri="{FF2B5EF4-FFF2-40B4-BE49-F238E27FC236}">
-                <a16:creationId xmlns:a16="http://schemas.microsoft.com/office/drawing/2014/main" id="{1CC08D06-877D-C340-9132-B1B1AE7EAFAF}"/>
+                <a16:creationId xmlns:a16="http://schemas.microsoft.com/office/drawing/2014/main" xmlns="" id="{1CC08D06-877D-C340-9132-B1B1AE7EAFAF}"/>
               </a:ext>
             </a:extLst>
           </p:cNvPr>
@@ -12810,14 +12434,14 @@
                 <a:gridCol w="1013284">
                   <a:extLst>
                     <a:ext uri="{9D8B030D-6E8A-4147-A177-3AD203B41FA5}">
-                      <a16:colId xmlns:a16="http://schemas.microsoft.com/office/drawing/2014/main" val="20000"/>
+                      <a16:colId xmlns:a16="http://schemas.microsoft.com/office/drawing/2014/main" xmlns="" val="20000"/>
                     </a:ext>
                   </a:extLst>
                 </a:gridCol>
                 <a:gridCol w="7061956">
                   <a:extLst>
                     <a:ext uri="{9D8B030D-6E8A-4147-A177-3AD203B41FA5}">
-                      <a16:colId xmlns:a16="http://schemas.microsoft.com/office/drawing/2014/main" val="20001"/>
+                      <a16:colId xmlns:a16="http://schemas.microsoft.com/office/drawing/2014/main" xmlns="" val="20001"/>
                     </a:ext>
                   </a:extLst>
                 </a:gridCol>
@@ -12931,7 +12555,7 @@
                 </a:tc>
                 <a:extLst>
                   <a:ext uri="{0D108BD9-81ED-4DB2-BD59-A6C34878D82A}">
-                    <a16:rowId xmlns:a16="http://schemas.microsoft.com/office/drawing/2014/main" val="10000"/>
+                    <a16:rowId xmlns:a16="http://schemas.microsoft.com/office/drawing/2014/main" xmlns="" val="10000"/>
                   </a:ext>
                 </a:extLst>
               </a:tr>
@@ -13072,7 +12696,7 @@
                 </a:tc>
                 <a:extLst>
                   <a:ext uri="{0D108BD9-81ED-4DB2-BD59-A6C34878D82A}">
-                    <a16:rowId xmlns:a16="http://schemas.microsoft.com/office/drawing/2014/main" val="10001"/>
+                    <a16:rowId xmlns:a16="http://schemas.microsoft.com/office/drawing/2014/main" xmlns="" val="10001"/>
                   </a:ext>
                 </a:extLst>
               </a:tr>
@@ -13201,7 +12825,7 @@
                 </a:tc>
                 <a:extLst>
                   <a:ext uri="{0D108BD9-81ED-4DB2-BD59-A6C34878D82A}">
-                    <a16:rowId xmlns:a16="http://schemas.microsoft.com/office/drawing/2014/main" val="10002"/>
+                    <a16:rowId xmlns:a16="http://schemas.microsoft.com/office/drawing/2014/main" xmlns="" val="10002"/>
                   </a:ext>
                 </a:extLst>
               </a:tr>
@@ -13322,7 +12946,7 @@
                 </a:tc>
                 <a:extLst>
                   <a:ext uri="{0D108BD9-81ED-4DB2-BD59-A6C34878D82A}">
-                    <a16:rowId xmlns:a16="http://schemas.microsoft.com/office/drawing/2014/main" val="10003"/>
+                    <a16:rowId xmlns:a16="http://schemas.microsoft.com/office/drawing/2014/main" xmlns="" val="10003"/>
                   </a:ext>
                 </a:extLst>
               </a:tr>
@@ -13450,7 +13074,7 @@
                 </a:tc>
                 <a:extLst>
                   <a:ext uri="{0D108BD9-81ED-4DB2-BD59-A6C34878D82A}">
-                    <a16:rowId xmlns:a16="http://schemas.microsoft.com/office/drawing/2014/main" val="10004"/>
+                    <a16:rowId xmlns:a16="http://schemas.microsoft.com/office/drawing/2014/main" xmlns="" val="10004"/>
                   </a:ext>
                 </a:extLst>
               </a:tr>
@@ -13611,7 +13235,7 @@
                 </a:tc>
                 <a:extLst>
                   <a:ext uri="{0D108BD9-81ED-4DB2-BD59-A6C34878D82A}">
-                    <a16:rowId xmlns:a16="http://schemas.microsoft.com/office/drawing/2014/main" val="10005"/>
+                    <a16:rowId xmlns:a16="http://schemas.microsoft.com/office/drawing/2014/main" xmlns="" val="10005"/>
                   </a:ext>
                 </a:extLst>
               </a:tr>
@@ -13756,7 +13380,7 @@
                 </a:tc>
                 <a:extLst>
                   <a:ext uri="{0D108BD9-81ED-4DB2-BD59-A6C34878D82A}">
-                    <a16:rowId xmlns:a16="http://schemas.microsoft.com/office/drawing/2014/main" val="10006"/>
+                    <a16:rowId xmlns:a16="http://schemas.microsoft.com/office/drawing/2014/main" xmlns="" val="10006"/>
                   </a:ext>
                 </a:extLst>
               </a:tr>
@@ -13869,7 +13493,7 @@
                 </a:tc>
                 <a:extLst>
                   <a:ext uri="{0D108BD9-81ED-4DB2-BD59-A6C34878D82A}">
-                    <a16:rowId xmlns:a16="http://schemas.microsoft.com/office/drawing/2014/main" val="10007"/>
+                    <a16:rowId xmlns:a16="http://schemas.microsoft.com/office/drawing/2014/main" xmlns="" val="10007"/>
                   </a:ext>
                 </a:extLst>
               </a:tr>
@@ -13981,7 +13605,7 @@
                 </a:tc>
                 <a:extLst>
                   <a:ext uri="{0D108BD9-81ED-4DB2-BD59-A6C34878D82A}">
-                    <a16:rowId xmlns:a16="http://schemas.microsoft.com/office/drawing/2014/main" val="10008"/>
+                    <a16:rowId xmlns:a16="http://schemas.microsoft.com/office/drawing/2014/main" xmlns="" val="10008"/>
                   </a:ext>
                 </a:extLst>
               </a:tr>
@@ -14086,7 +13710,7 @@
                 </a:tc>
                 <a:extLst>
                   <a:ext uri="{0D108BD9-81ED-4DB2-BD59-A6C34878D82A}">
-                    <a16:rowId xmlns:a16="http://schemas.microsoft.com/office/drawing/2014/main" val="10009"/>
+                    <a16:rowId xmlns:a16="http://schemas.microsoft.com/office/drawing/2014/main" xmlns="" val="10009"/>
                   </a:ext>
                 </a:extLst>
               </a:tr>
@@ -14191,7 +13815,7 @@
                 </a:tc>
                 <a:extLst>
                   <a:ext uri="{0D108BD9-81ED-4DB2-BD59-A6C34878D82A}">
-                    <a16:rowId xmlns:a16="http://schemas.microsoft.com/office/drawing/2014/main" val="10010"/>
+                    <a16:rowId xmlns:a16="http://schemas.microsoft.com/office/drawing/2014/main" xmlns="" val="10010"/>
                   </a:ext>
                 </a:extLst>
               </a:tr>
@@ -14303,7 +13927,7 @@
                 </a:tc>
                 <a:extLst>
                   <a:ext uri="{0D108BD9-81ED-4DB2-BD59-A6C34878D82A}">
-                    <a16:rowId xmlns:a16="http://schemas.microsoft.com/office/drawing/2014/main" val="10011"/>
+                    <a16:rowId xmlns:a16="http://schemas.microsoft.com/office/drawing/2014/main" xmlns="" val="10011"/>
                   </a:ext>
                 </a:extLst>
               </a:tr>
@@ -14436,7 +14060,7 @@
                 </a:tc>
                 <a:extLst>
                   <a:ext uri="{0D108BD9-81ED-4DB2-BD59-A6C34878D82A}">
-                    <a16:rowId xmlns:a16="http://schemas.microsoft.com/office/drawing/2014/main" val="10012"/>
+                    <a16:rowId xmlns:a16="http://schemas.microsoft.com/office/drawing/2014/main" xmlns="" val="10012"/>
                   </a:ext>
                 </a:extLst>
               </a:tr>
@@ -14541,7 +14165,7 @@
                 </a:tc>
                 <a:extLst>
                   <a:ext uri="{0D108BD9-81ED-4DB2-BD59-A6C34878D82A}">
-                    <a16:rowId xmlns:a16="http://schemas.microsoft.com/office/drawing/2014/main" val="10013"/>
+                    <a16:rowId xmlns:a16="http://schemas.microsoft.com/office/drawing/2014/main" xmlns="" val="10013"/>
                   </a:ext>
                 </a:extLst>
               </a:tr>
@@ -14746,7 +14370,7 @@
                 <a:gridCol w="8352928">
                   <a:extLst>
                     <a:ext uri="{9D8B030D-6E8A-4147-A177-3AD203B41FA5}">
-                      <a16:colId xmlns:a16="http://schemas.microsoft.com/office/drawing/2014/main" val="20000"/>
+                      <a16:colId xmlns:a16="http://schemas.microsoft.com/office/drawing/2014/main" xmlns="" val="20000"/>
                     </a:ext>
                   </a:extLst>
                 </a:gridCol>
@@ -14835,7 +14459,7 @@
                 </a:tc>
                 <a:extLst>
                   <a:ext uri="{0D108BD9-81ED-4DB2-BD59-A6C34878D82A}">
-                    <a16:rowId xmlns:a16="http://schemas.microsoft.com/office/drawing/2014/main" val="10000"/>
+                    <a16:rowId xmlns:a16="http://schemas.microsoft.com/office/drawing/2014/main" xmlns="" val="10000"/>
                   </a:ext>
                 </a:extLst>
               </a:tr>
@@ -14932,7 +14556,7 @@
                 </a:tc>
                 <a:extLst>
                   <a:ext uri="{0D108BD9-81ED-4DB2-BD59-A6C34878D82A}">
-                    <a16:rowId xmlns:a16="http://schemas.microsoft.com/office/drawing/2014/main" val="10001"/>
+                    <a16:rowId xmlns:a16="http://schemas.microsoft.com/office/drawing/2014/main" xmlns="" val="10001"/>
                   </a:ext>
                 </a:extLst>
               </a:tr>
@@ -15000,7 +14624,7 @@
                 </a:tc>
                 <a:extLst>
                   <a:ext uri="{0D108BD9-81ED-4DB2-BD59-A6C34878D82A}">
-                    <a16:rowId xmlns:a16="http://schemas.microsoft.com/office/drawing/2014/main" val="10002"/>
+                    <a16:rowId xmlns:a16="http://schemas.microsoft.com/office/drawing/2014/main" xmlns="" val="10002"/>
                   </a:ext>
                 </a:extLst>
               </a:tr>
@@ -15088,7 +14712,7 @@
                 </a:tc>
                 <a:extLst>
                   <a:ext uri="{0D108BD9-81ED-4DB2-BD59-A6C34878D82A}">
-                    <a16:rowId xmlns:a16="http://schemas.microsoft.com/office/drawing/2014/main" val="10003"/>
+                    <a16:rowId xmlns:a16="http://schemas.microsoft.com/office/drawing/2014/main" xmlns="" val="10003"/>
                   </a:ext>
                 </a:extLst>
               </a:tr>
@@ -15185,7 +14809,7 @@
                 </a:tc>
                 <a:extLst>
                   <a:ext uri="{0D108BD9-81ED-4DB2-BD59-A6C34878D82A}">
-                    <a16:rowId xmlns:a16="http://schemas.microsoft.com/office/drawing/2014/main" val="10004"/>
+                    <a16:rowId xmlns:a16="http://schemas.microsoft.com/office/drawing/2014/main" xmlns="" val="10004"/>
                   </a:ext>
                 </a:extLst>
               </a:tr>
@@ -15262,7 +14886,7 @@
                 </a:tc>
                 <a:extLst>
                   <a:ext uri="{0D108BD9-81ED-4DB2-BD59-A6C34878D82A}">
-                    <a16:rowId xmlns:a16="http://schemas.microsoft.com/office/drawing/2014/main" val="10005"/>
+                    <a16:rowId xmlns:a16="http://schemas.microsoft.com/office/drawing/2014/main" xmlns="" val="10005"/>
                   </a:ext>
                 </a:extLst>
               </a:tr>
@@ -15458,7 +15082,7 @@
                 </a:tc>
                 <a:extLst>
                   <a:ext uri="{0D108BD9-81ED-4DB2-BD59-A6C34878D82A}">
-                    <a16:rowId xmlns:a16="http://schemas.microsoft.com/office/drawing/2014/main" val="10006"/>
+                    <a16:rowId xmlns:a16="http://schemas.microsoft.com/office/drawing/2014/main" xmlns="" val="10006"/>
                   </a:ext>
                 </a:extLst>
               </a:tr>
@@ -15537,7 +15161,7 @@
                 </a:tc>
                 <a:extLst>
                   <a:ext uri="{0D108BD9-81ED-4DB2-BD59-A6C34878D82A}">
-                    <a16:rowId xmlns:a16="http://schemas.microsoft.com/office/drawing/2014/main" val="10007"/>
+                    <a16:rowId xmlns:a16="http://schemas.microsoft.com/office/drawing/2014/main" xmlns="" val="10007"/>
                   </a:ext>
                 </a:extLst>
               </a:tr>
@@ -15605,7 +15229,7 @@
                 </a:tc>
                 <a:extLst>
                   <a:ext uri="{0D108BD9-81ED-4DB2-BD59-A6C34878D82A}">
-                    <a16:rowId xmlns:a16="http://schemas.microsoft.com/office/drawing/2014/main" val="10008"/>
+                    <a16:rowId xmlns:a16="http://schemas.microsoft.com/office/drawing/2014/main" xmlns="" val="10008"/>
                   </a:ext>
                 </a:extLst>
               </a:tr>
@@ -15711,7 +15335,7 @@
                 </a:tc>
                 <a:extLst>
                   <a:ext uri="{0D108BD9-81ED-4DB2-BD59-A6C34878D82A}">
-                    <a16:rowId xmlns:a16="http://schemas.microsoft.com/office/drawing/2014/main" val="10009"/>
+                    <a16:rowId xmlns:a16="http://schemas.microsoft.com/office/drawing/2014/main" xmlns="" val="10009"/>
                   </a:ext>
                 </a:extLst>
               </a:tr>
@@ -16168,7 +15792,7 @@
                 </a:tc>
                 <a:extLst>
                   <a:ext uri="{0D108BD9-81ED-4DB2-BD59-A6C34878D82A}">
-                    <a16:rowId xmlns:a16="http://schemas.microsoft.com/office/drawing/2014/main" val="10010"/>
+                    <a16:rowId xmlns:a16="http://schemas.microsoft.com/office/drawing/2014/main" xmlns="" val="10010"/>
                   </a:ext>
                 </a:extLst>
               </a:tr>
@@ -16245,7 +15869,7 @@
                 </a:tc>
                 <a:extLst>
                   <a:ext uri="{0D108BD9-81ED-4DB2-BD59-A6C34878D82A}">
-                    <a16:rowId xmlns:a16="http://schemas.microsoft.com/office/drawing/2014/main" val="10011"/>
+                    <a16:rowId xmlns:a16="http://schemas.microsoft.com/office/drawing/2014/main" xmlns="" val="10011"/>
                   </a:ext>
                 </a:extLst>
               </a:tr>
@@ -16360,7 +15984,7 @@
                 </a:tc>
                 <a:extLst>
                   <a:ext uri="{0D108BD9-81ED-4DB2-BD59-A6C34878D82A}">
-                    <a16:rowId xmlns:a16="http://schemas.microsoft.com/office/drawing/2014/main" val="10012"/>
+                    <a16:rowId xmlns:a16="http://schemas.microsoft.com/office/drawing/2014/main" xmlns="" val="10012"/>
                   </a:ext>
                 </a:extLst>
               </a:tr>
@@ -16457,7 +16081,7 @@
                 </a:tc>
                 <a:extLst>
                   <a:ext uri="{0D108BD9-81ED-4DB2-BD59-A6C34878D82A}">
-                    <a16:rowId xmlns:a16="http://schemas.microsoft.com/office/drawing/2014/main" val="10013"/>
+                    <a16:rowId xmlns:a16="http://schemas.microsoft.com/office/drawing/2014/main" xmlns="" val="10013"/>
                   </a:ext>
                 </a:extLst>
               </a:tr>
@@ -16516,6 +16140,10 @@
               <a:rPr lang="en-US" dirty="0"/>
               <a:t>.Where()</a:t>
             </a:r>
+            <a:r>
+              <a:rPr lang="ru-RU" dirty="0"/>
+              <a:t/>
+            </a:r>
             <a:br>
               <a:rPr lang="ru-RU" dirty="0"/>
             </a:br>
@@ -16620,6 +16248,10 @@
               <a:rPr lang="en-US" dirty="0"/>
               <a:t>.Select()</a:t>
             </a:r>
+            <a:r>
+              <a:rPr lang="ru-RU" dirty="0"/>
+              <a:t/>
+            </a:r>
             <a:br>
               <a:rPr lang="ru-RU" dirty="0"/>
             </a:br>
@@ -16746,6 +16378,14 @@
               </a:rPr>
               <a:t>https://github.com/bazile/Training</a:t>
             </a:r>
+            <a:r>
+              <a:rPr lang="en-US" dirty="0">
+                <a:solidFill>
+                  <a:schemeClr val="bg1"/>
+                </a:solidFill>
+              </a:rPr>
+              <a:t/>
+            </a:r>
             <a:br>
               <a:rPr lang="en-US" dirty="0">
                 <a:solidFill>
@@ -16778,6 +16418,14 @@
                 <a:hlinkClick r:id="rId3"/>
               </a:rPr>
               <a:t>http://belhard.nullptr.ru/</a:t>
+            </a:r>
+            <a:r>
+              <a:rPr lang="ru-RU" dirty="0">
+                <a:solidFill>
+                  <a:schemeClr val="bg1"/>
+                </a:solidFill>
+              </a:rPr>
+              <a:t/>
             </a:r>
             <a:br>
               <a:rPr lang="ru-RU" dirty="0">
@@ -16859,6 +16507,10 @@
               <a:rPr lang="en-US" dirty="0"/>
               <a:t>()</a:t>
             </a:r>
+            <a:r>
+              <a:rPr lang="ru-RU" dirty="0"/>
+              <a:t/>
+            </a:r>
             <a:br>
               <a:rPr lang="ru-RU" dirty="0"/>
             </a:br>
@@ -16910,6 +16562,14 @@
   <p:clrMapOvr>
     <a:masterClrMapping/>
   </p:clrMapOvr>
+  <mc:AlternateContent xmlns:mc="http://schemas.openxmlformats.org/markup-compatibility/2006">
+    <mc:Choice xmlns:p14="http://schemas.microsoft.com/office/powerpoint/2010/main" Requires="p14">
+      <p:transition spd="slow" p14:dur="2000"/>
+    </mc:Choice>
+    <mc:Fallback>
+      <p:transition spd="slow"/>
+    </mc:Fallback>
+  </mc:AlternateContent>
 </p:sld>
 </file>
 
@@ -17480,6 +17140,10 @@
               <a:rPr lang="en-US" dirty="0"/>
               <a:t>()</a:t>
             </a:r>
+            <a:r>
+              <a:rPr lang="ru-RU" dirty="0"/>
+              <a:t/>
+            </a:r>
             <a:br>
               <a:rPr lang="ru-RU" dirty="0"/>
             </a:br>
@@ -18814,6 +18478,10 @@
               <a:rPr lang="en-US" dirty="0"/>
               <a:t>Distinct</a:t>
             </a:r>
+            <a:r>
+              <a:rPr lang="ru-RU" dirty="0"/>
+              <a:t/>
+            </a:r>
             <a:br>
               <a:rPr lang="ru-RU" dirty="0"/>
             </a:br>
@@ -18834,7 +18502,7 @@
           <p:cNvPr id="3" name="Content Placeholder 2">
             <a:extLst>
               <a:ext uri="{FF2B5EF4-FFF2-40B4-BE49-F238E27FC236}">
-                <a16:creationId xmlns:a16="http://schemas.microsoft.com/office/drawing/2014/main" id="{01C788F6-B19F-8449-8F85-422BB61BFAB9}"/>
+                <a16:creationId xmlns:a16="http://schemas.microsoft.com/office/drawing/2014/main" xmlns="" id="{01C788F6-B19F-8449-8F85-422BB61BFAB9}"/>
               </a:ext>
             </a:extLst>
           </p:cNvPr>
@@ -20934,14 +20602,14 @@
                 <a:gridCol w="1368152">
                   <a:extLst>
                     <a:ext uri="{9D8B030D-6E8A-4147-A177-3AD203B41FA5}">
-                      <a16:colId xmlns:a16="http://schemas.microsoft.com/office/drawing/2014/main" val="20000"/>
+                      <a16:colId xmlns:a16="http://schemas.microsoft.com/office/drawing/2014/main" xmlns="" val="20000"/>
                     </a:ext>
                   </a:extLst>
                 </a:gridCol>
                 <a:gridCol w="6984776">
                   <a:extLst>
                     <a:ext uri="{9D8B030D-6E8A-4147-A177-3AD203B41FA5}">
-                      <a16:colId xmlns:a16="http://schemas.microsoft.com/office/drawing/2014/main" val="20001"/>
+                      <a16:colId xmlns:a16="http://schemas.microsoft.com/office/drawing/2014/main" xmlns="" val="20001"/>
                     </a:ext>
                   </a:extLst>
                 </a:gridCol>
@@ -21103,7 +20771,7 @@
                 </a:tc>
                 <a:extLst>
                   <a:ext uri="{0D108BD9-81ED-4DB2-BD59-A6C34878D82A}">
-                    <a16:rowId xmlns:a16="http://schemas.microsoft.com/office/drawing/2014/main" val="10000"/>
+                    <a16:rowId xmlns:a16="http://schemas.microsoft.com/office/drawing/2014/main" xmlns="" val="10000"/>
                   </a:ext>
                 </a:extLst>
               </a:tr>
@@ -21252,7 +20920,7 @@
                 </a:tc>
                 <a:extLst>
                   <a:ext uri="{0D108BD9-81ED-4DB2-BD59-A6C34878D82A}">
-                    <a16:rowId xmlns:a16="http://schemas.microsoft.com/office/drawing/2014/main" val="10001"/>
+                    <a16:rowId xmlns:a16="http://schemas.microsoft.com/office/drawing/2014/main" xmlns="" val="10001"/>
                   </a:ext>
                 </a:extLst>
               </a:tr>
@@ -21401,7 +21069,7 @@
                 </a:tc>
                 <a:extLst>
                   <a:ext uri="{0D108BD9-81ED-4DB2-BD59-A6C34878D82A}">
-                    <a16:rowId xmlns:a16="http://schemas.microsoft.com/office/drawing/2014/main" val="10002"/>
+                    <a16:rowId xmlns:a16="http://schemas.microsoft.com/office/drawing/2014/main" xmlns="" val="10002"/>
                   </a:ext>
                 </a:extLst>
               </a:tr>
@@ -21550,7 +21218,7 @@
                 </a:tc>
                 <a:extLst>
                   <a:ext uri="{0D108BD9-81ED-4DB2-BD59-A6C34878D82A}">
-                    <a16:rowId xmlns:a16="http://schemas.microsoft.com/office/drawing/2014/main" val="10003"/>
+                    <a16:rowId xmlns:a16="http://schemas.microsoft.com/office/drawing/2014/main" xmlns="" val="10003"/>
                   </a:ext>
                 </a:extLst>
               </a:tr>
@@ -21699,7 +21367,7 @@
                 </a:tc>
                 <a:extLst>
                   <a:ext uri="{0D108BD9-81ED-4DB2-BD59-A6C34878D82A}">
-                    <a16:rowId xmlns:a16="http://schemas.microsoft.com/office/drawing/2014/main" val="10004"/>
+                    <a16:rowId xmlns:a16="http://schemas.microsoft.com/office/drawing/2014/main" xmlns="" val="10004"/>
                   </a:ext>
                 </a:extLst>
               </a:tr>
@@ -21848,7 +21516,7 @@
                 </a:tc>
                 <a:extLst>
                   <a:ext uri="{0D108BD9-81ED-4DB2-BD59-A6C34878D82A}">
-                    <a16:rowId xmlns:a16="http://schemas.microsoft.com/office/drawing/2014/main" val="10005"/>
+                    <a16:rowId xmlns:a16="http://schemas.microsoft.com/office/drawing/2014/main" xmlns="" val="10005"/>
                   </a:ext>
                 </a:extLst>
               </a:tr>
@@ -21997,7 +21665,7 @@
                 </a:tc>
                 <a:extLst>
                   <a:ext uri="{0D108BD9-81ED-4DB2-BD59-A6C34878D82A}">
-                    <a16:rowId xmlns:a16="http://schemas.microsoft.com/office/drawing/2014/main" val="10006"/>
+                    <a16:rowId xmlns:a16="http://schemas.microsoft.com/office/drawing/2014/main" xmlns="" val="10006"/>
                   </a:ext>
                 </a:extLst>
               </a:tr>
@@ -22146,7 +21814,7 @@
                 </a:tc>
                 <a:extLst>
                   <a:ext uri="{0D108BD9-81ED-4DB2-BD59-A6C34878D82A}">
-                    <a16:rowId xmlns:a16="http://schemas.microsoft.com/office/drawing/2014/main" val="10007"/>
+                    <a16:rowId xmlns:a16="http://schemas.microsoft.com/office/drawing/2014/main" xmlns="" val="10007"/>
                   </a:ext>
                 </a:extLst>
               </a:tr>
@@ -22295,7 +21963,7 @@
                 </a:tc>
                 <a:extLst>
                   <a:ext uri="{0D108BD9-81ED-4DB2-BD59-A6C34878D82A}">
-                    <a16:rowId xmlns:a16="http://schemas.microsoft.com/office/drawing/2014/main" val="10008"/>
+                    <a16:rowId xmlns:a16="http://schemas.microsoft.com/office/drawing/2014/main" xmlns="" val="10008"/>
                   </a:ext>
                 </a:extLst>
               </a:tr>
@@ -22456,7 +22124,7 @@
                 </a:tc>
                 <a:extLst>
                   <a:ext uri="{0D108BD9-81ED-4DB2-BD59-A6C34878D82A}">
-                    <a16:rowId xmlns:a16="http://schemas.microsoft.com/office/drawing/2014/main" val="10009"/>
+                    <a16:rowId xmlns:a16="http://schemas.microsoft.com/office/drawing/2014/main" xmlns="" val="10009"/>
                   </a:ext>
                 </a:extLst>
               </a:tr>
@@ -22605,7 +22273,7 @@
                 </a:tc>
                 <a:extLst>
                   <a:ext uri="{0D108BD9-81ED-4DB2-BD59-A6C34878D82A}">
-                    <a16:rowId xmlns:a16="http://schemas.microsoft.com/office/drawing/2014/main" val="10010"/>
+                    <a16:rowId xmlns:a16="http://schemas.microsoft.com/office/drawing/2014/main" xmlns="" val="10010"/>
                   </a:ext>
                 </a:extLst>
               </a:tr>
@@ -22754,7 +22422,7 @@
                 </a:tc>
                 <a:extLst>
                   <a:ext uri="{0D108BD9-81ED-4DB2-BD59-A6C34878D82A}">
-                    <a16:rowId xmlns:a16="http://schemas.microsoft.com/office/drawing/2014/main" val="10011"/>
+                    <a16:rowId xmlns:a16="http://schemas.microsoft.com/office/drawing/2014/main" xmlns="" val="10011"/>
                   </a:ext>
                 </a:extLst>
               </a:tr>
@@ -22903,7 +22571,7 @@
                 </a:tc>
                 <a:extLst>
                   <a:ext uri="{0D108BD9-81ED-4DB2-BD59-A6C34878D82A}">
-                    <a16:rowId xmlns:a16="http://schemas.microsoft.com/office/drawing/2014/main" val="10012"/>
+                    <a16:rowId xmlns:a16="http://schemas.microsoft.com/office/drawing/2014/main" xmlns="" val="10012"/>
                   </a:ext>
                 </a:extLst>
               </a:tr>
@@ -23052,7 +22720,7 @@
                 </a:tc>
                 <a:extLst>
                   <a:ext uri="{0D108BD9-81ED-4DB2-BD59-A6C34878D82A}">
-                    <a16:rowId xmlns:a16="http://schemas.microsoft.com/office/drawing/2014/main" val="10013"/>
+                    <a16:rowId xmlns:a16="http://schemas.microsoft.com/office/drawing/2014/main" xmlns="" val="10013"/>
                   </a:ext>
                 </a:extLst>
               </a:tr>
@@ -23201,7 +22869,7 @@
                 </a:tc>
                 <a:extLst>
                   <a:ext uri="{0D108BD9-81ED-4DB2-BD59-A6C34878D82A}">
-                    <a16:rowId xmlns:a16="http://schemas.microsoft.com/office/drawing/2014/main" val="10014"/>
+                    <a16:rowId xmlns:a16="http://schemas.microsoft.com/office/drawing/2014/main" xmlns="" val="10014"/>
                   </a:ext>
                 </a:extLst>
               </a:tr>
@@ -23359,7 +23027,7 @@
                 </a:tc>
                 <a:extLst>
                   <a:ext uri="{0D108BD9-81ED-4DB2-BD59-A6C34878D82A}">
-                    <a16:rowId xmlns:a16="http://schemas.microsoft.com/office/drawing/2014/main" val="10015"/>
+                    <a16:rowId xmlns:a16="http://schemas.microsoft.com/office/drawing/2014/main" xmlns="" val="10015"/>
                   </a:ext>
                 </a:extLst>
               </a:tr>
@@ -23508,7 +23176,7 @@
                 </a:tc>
                 <a:extLst>
                   <a:ext uri="{0D108BD9-81ED-4DB2-BD59-A6C34878D82A}">
-                    <a16:rowId xmlns:a16="http://schemas.microsoft.com/office/drawing/2014/main" val="10016"/>
+                    <a16:rowId xmlns:a16="http://schemas.microsoft.com/office/drawing/2014/main" xmlns="" val="10016"/>
                   </a:ext>
                 </a:extLst>
               </a:tr>
@@ -23610,14 +23278,14 @@
                 <a:gridCol w="1440160">
                   <a:extLst>
                     <a:ext uri="{9D8B030D-6E8A-4147-A177-3AD203B41FA5}">
-                      <a16:colId xmlns:a16="http://schemas.microsoft.com/office/drawing/2014/main" val="20000"/>
+                      <a16:colId xmlns:a16="http://schemas.microsoft.com/office/drawing/2014/main" xmlns="" val="20000"/>
                     </a:ext>
                   </a:extLst>
                 </a:gridCol>
                 <a:gridCol w="6984776">
                   <a:extLst>
                     <a:ext uri="{9D8B030D-6E8A-4147-A177-3AD203B41FA5}">
-                      <a16:colId xmlns:a16="http://schemas.microsoft.com/office/drawing/2014/main" val="20001"/>
+                      <a16:colId xmlns:a16="http://schemas.microsoft.com/office/drawing/2014/main" xmlns="" val="20001"/>
                     </a:ext>
                   </a:extLst>
                 </a:gridCol>
@@ -23775,7 +23443,7 @@
                 </a:tc>
                 <a:extLst>
                   <a:ext uri="{0D108BD9-81ED-4DB2-BD59-A6C34878D82A}">
-                    <a16:rowId xmlns:a16="http://schemas.microsoft.com/office/drawing/2014/main" val="10000"/>
+                    <a16:rowId xmlns:a16="http://schemas.microsoft.com/office/drawing/2014/main" xmlns="" val="10000"/>
                   </a:ext>
                 </a:extLst>
               </a:tr>
@@ -23932,7 +23600,7 @@
                 </a:tc>
                 <a:extLst>
                   <a:ext uri="{0D108BD9-81ED-4DB2-BD59-A6C34878D82A}">
-                    <a16:rowId xmlns:a16="http://schemas.microsoft.com/office/drawing/2014/main" val="10001"/>
+                    <a16:rowId xmlns:a16="http://schemas.microsoft.com/office/drawing/2014/main" xmlns="" val="10001"/>
                   </a:ext>
                 </a:extLst>
               </a:tr>
@@ -24065,7 +23733,7 @@
                 </a:tc>
                 <a:extLst>
                   <a:ext uri="{0D108BD9-81ED-4DB2-BD59-A6C34878D82A}">
-                    <a16:rowId xmlns:a16="http://schemas.microsoft.com/office/drawing/2014/main" val="10002"/>
+                    <a16:rowId xmlns:a16="http://schemas.microsoft.com/office/drawing/2014/main" xmlns="" val="10002"/>
                   </a:ext>
                 </a:extLst>
               </a:tr>
@@ -24258,7 +23926,7 @@
                 </a:tc>
                 <a:extLst>
                   <a:ext uri="{0D108BD9-81ED-4DB2-BD59-A6C34878D82A}">
-                    <a16:rowId xmlns:a16="http://schemas.microsoft.com/office/drawing/2014/main" val="10003"/>
+                    <a16:rowId xmlns:a16="http://schemas.microsoft.com/office/drawing/2014/main" xmlns="" val="10003"/>
                   </a:ext>
                 </a:extLst>
               </a:tr>
@@ -24391,7 +24059,7 @@
                 </a:tc>
                 <a:extLst>
                   <a:ext uri="{0D108BD9-81ED-4DB2-BD59-A6C34878D82A}">
-                    <a16:rowId xmlns:a16="http://schemas.microsoft.com/office/drawing/2014/main" val="10004"/>
+                    <a16:rowId xmlns:a16="http://schemas.microsoft.com/office/drawing/2014/main" xmlns="" val="10004"/>
                   </a:ext>
                 </a:extLst>
               </a:tr>
@@ -24536,7 +24204,7 @@
                 </a:tc>
                 <a:extLst>
                   <a:ext uri="{0D108BD9-81ED-4DB2-BD59-A6C34878D82A}">
-                    <a16:rowId xmlns:a16="http://schemas.microsoft.com/office/drawing/2014/main" val="10005"/>
+                    <a16:rowId xmlns:a16="http://schemas.microsoft.com/office/drawing/2014/main" xmlns="" val="10005"/>
                   </a:ext>
                 </a:extLst>
               </a:tr>
@@ -24681,7 +24349,7 @@
                 </a:tc>
                 <a:extLst>
                   <a:ext uri="{0D108BD9-81ED-4DB2-BD59-A6C34878D82A}">
-                    <a16:rowId xmlns:a16="http://schemas.microsoft.com/office/drawing/2014/main" val="10006"/>
+                    <a16:rowId xmlns:a16="http://schemas.microsoft.com/office/drawing/2014/main" xmlns="" val="10006"/>
                   </a:ext>
                 </a:extLst>
               </a:tr>
@@ -24820,7 +24488,7 @@
                 </a:tc>
                 <a:extLst>
                   <a:ext uri="{0D108BD9-81ED-4DB2-BD59-A6C34878D82A}">
-                    <a16:rowId xmlns:a16="http://schemas.microsoft.com/office/drawing/2014/main" val="10007"/>
+                    <a16:rowId xmlns:a16="http://schemas.microsoft.com/office/drawing/2014/main" xmlns="" val="10007"/>
                   </a:ext>
                 </a:extLst>
               </a:tr>
@@ -24965,7 +24633,7 @@
                 </a:tc>
                 <a:extLst>
                   <a:ext uri="{0D108BD9-81ED-4DB2-BD59-A6C34878D82A}">
-                    <a16:rowId xmlns:a16="http://schemas.microsoft.com/office/drawing/2014/main" val="10008"/>
+                    <a16:rowId xmlns:a16="http://schemas.microsoft.com/office/drawing/2014/main" xmlns="" val="10008"/>
                   </a:ext>
                 </a:extLst>
               </a:tr>
@@ -25098,7 +24766,7 @@
                 </a:tc>
                 <a:extLst>
                   <a:ext uri="{0D108BD9-81ED-4DB2-BD59-A6C34878D82A}">
-                    <a16:rowId xmlns:a16="http://schemas.microsoft.com/office/drawing/2014/main" val="10009"/>
+                    <a16:rowId xmlns:a16="http://schemas.microsoft.com/office/drawing/2014/main" xmlns="" val="10009"/>
                   </a:ext>
                 </a:extLst>
               </a:tr>
@@ -25249,7 +24917,7 @@
                 </a:tc>
                 <a:extLst>
                   <a:ext uri="{0D108BD9-81ED-4DB2-BD59-A6C34878D82A}">
-                    <a16:rowId xmlns:a16="http://schemas.microsoft.com/office/drawing/2014/main" val="10010"/>
+                    <a16:rowId xmlns:a16="http://schemas.microsoft.com/office/drawing/2014/main" xmlns="" val="10010"/>
                   </a:ext>
                 </a:extLst>
               </a:tr>
@@ -25394,7 +25062,7 @@
                 </a:tc>
                 <a:extLst>
                   <a:ext uri="{0D108BD9-81ED-4DB2-BD59-A6C34878D82A}">
-                    <a16:rowId xmlns:a16="http://schemas.microsoft.com/office/drawing/2014/main" val="10011"/>
+                    <a16:rowId xmlns:a16="http://schemas.microsoft.com/office/drawing/2014/main" xmlns="" val="10011"/>
                   </a:ext>
                 </a:extLst>
               </a:tr>
@@ -25539,7 +25207,7 @@
                 </a:tc>
                 <a:extLst>
                   <a:ext uri="{0D108BD9-81ED-4DB2-BD59-A6C34878D82A}">
-                    <a16:rowId xmlns:a16="http://schemas.microsoft.com/office/drawing/2014/main" val="10012"/>
+                    <a16:rowId xmlns:a16="http://schemas.microsoft.com/office/drawing/2014/main" xmlns="" val="10012"/>
                   </a:ext>
                 </a:extLst>
               </a:tr>
@@ -25639,7 +25307,7 @@
                 <a:gridCol w="8352928">
                   <a:extLst>
                     <a:ext uri="{9D8B030D-6E8A-4147-A177-3AD203B41FA5}">
-                      <a16:colId xmlns:a16="http://schemas.microsoft.com/office/drawing/2014/main" val="20000"/>
+                      <a16:colId xmlns:a16="http://schemas.microsoft.com/office/drawing/2014/main" xmlns="" val="20000"/>
                     </a:ext>
                   </a:extLst>
                 </a:gridCol>
@@ -25728,7 +25396,7 @@
                 </a:tc>
                 <a:extLst>
                   <a:ext uri="{0D108BD9-81ED-4DB2-BD59-A6C34878D82A}">
-                    <a16:rowId xmlns:a16="http://schemas.microsoft.com/office/drawing/2014/main" val="10000"/>
+                    <a16:rowId xmlns:a16="http://schemas.microsoft.com/office/drawing/2014/main" xmlns="" val="10000"/>
                   </a:ext>
                 </a:extLst>
               </a:tr>
@@ -25816,7 +25484,7 @@
                 </a:tc>
                 <a:extLst>
                   <a:ext uri="{0D108BD9-81ED-4DB2-BD59-A6C34878D82A}">
-                    <a16:rowId xmlns:a16="http://schemas.microsoft.com/office/drawing/2014/main" val="10001"/>
+                    <a16:rowId xmlns:a16="http://schemas.microsoft.com/office/drawing/2014/main" xmlns="" val="10001"/>
                   </a:ext>
                 </a:extLst>
               </a:tr>
@@ -25884,7 +25552,7 @@
                 </a:tc>
                 <a:extLst>
                   <a:ext uri="{0D108BD9-81ED-4DB2-BD59-A6C34878D82A}">
-                    <a16:rowId xmlns:a16="http://schemas.microsoft.com/office/drawing/2014/main" val="10002"/>
+                    <a16:rowId xmlns:a16="http://schemas.microsoft.com/office/drawing/2014/main" xmlns="" val="10002"/>
                   </a:ext>
                 </a:extLst>
               </a:tr>
@@ -25972,7 +25640,7 @@
                 </a:tc>
                 <a:extLst>
                   <a:ext uri="{0D108BD9-81ED-4DB2-BD59-A6C34878D82A}">
-                    <a16:rowId xmlns:a16="http://schemas.microsoft.com/office/drawing/2014/main" val="10003"/>
+                    <a16:rowId xmlns:a16="http://schemas.microsoft.com/office/drawing/2014/main" xmlns="" val="10003"/>
                   </a:ext>
                 </a:extLst>
               </a:tr>
@@ -26051,7 +25719,7 @@
                 </a:tc>
                 <a:extLst>
                   <a:ext uri="{0D108BD9-81ED-4DB2-BD59-A6C34878D82A}">
-                    <a16:rowId xmlns:a16="http://schemas.microsoft.com/office/drawing/2014/main" val="10004"/>
+                    <a16:rowId xmlns:a16="http://schemas.microsoft.com/office/drawing/2014/main" xmlns="" val="10004"/>
                   </a:ext>
                 </a:extLst>
               </a:tr>
@@ -26128,7 +25796,7 @@
                 </a:tc>
                 <a:extLst>
                   <a:ext uri="{0D108BD9-81ED-4DB2-BD59-A6C34878D82A}">
-                    <a16:rowId xmlns:a16="http://schemas.microsoft.com/office/drawing/2014/main" val="10005"/>
+                    <a16:rowId xmlns:a16="http://schemas.microsoft.com/office/drawing/2014/main" xmlns="" val="10005"/>
                   </a:ext>
                 </a:extLst>
               </a:tr>
@@ -26234,7 +25902,7 @@
                 </a:tc>
                 <a:extLst>
                   <a:ext uri="{0D108BD9-81ED-4DB2-BD59-A6C34878D82A}">
-                    <a16:rowId xmlns:a16="http://schemas.microsoft.com/office/drawing/2014/main" val="10006"/>
+                    <a16:rowId xmlns:a16="http://schemas.microsoft.com/office/drawing/2014/main" xmlns="" val="10006"/>
                   </a:ext>
                 </a:extLst>
               </a:tr>
@@ -26664,7 +26332,7 @@
                 </a:tc>
                 <a:extLst>
                   <a:ext uri="{0D108BD9-81ED-4DB2-BD59-A6C34878D82A}">
-                    <a16:rowId xmlns:a16="http://schemas.microsoft.com/office/drawing/2014/main" val="10007"/>
+                    <a16:rowId xmlns:a16="http://schemas.microsoft.com/office/drawing/2014/main" xmlns="" val="10007"/>
                   </a:ext>
                 </a:extLst>
               </a:tr>
@@ -28739,6 +28407,10 @@
             <a:r>
               <a:rPr lang="ru-RU" dirty="0"/>
               <a:t>Интерфейсы</a:t>
+            </a:r>
+            <a:r>
+              <a:rPr lang="en-US" dirty="0"/>
+              <a:t/>
             </a:r>
             <a:br>
               <a:rPr lang="en-US" dirty="0"/>

--- a/Presentation/lesson-11-linq.pptx
+++ b/Presentation/lesson-11-linq.pptx
@@ -226,7 +226,7 @@
       </p14:sectionLst>
     </p:ext>
     <p:ext uri="{EFAFB233-063F-42B5-8137-9DF3F51BA10A}">
-      <p15:sldGuideLst xmlns:p15="http://schemas.microsoft.com/office/powerpoint/2012/main" xmlns="">
+      <p15:sldGuideLst xmlns="" xmlns:p15="http://schemas.microsoft.com/office/powerpoint/2012/main">
         <p15:guide id="1" orient="horz" pos="2160">
           <p15:clr>
             <a:srgbClr val="A4A3A4"/>
@@ -326,7 +326,7 @@
             <a:fld id="{B24A7054-7FFB-49F4-A126-5DF6E687FF53}" type="datetimeFigureOut">
               <a:rPr lang="ru-RU" smtClean="0"/>
               <a:pPr/>
-              <a:t>22.02.2019</a:t>
+              <a:t>11.07.2022</a:t>
             </a:fld>
             <a:endParaRPr lang="ru-RU"/>
           </a:p>
@@ -1102,7 +1102,7 @@
             <a:fld id="{8E6E6A2A-E9D3-4A0D-B04A-ABDD367A1E08}" type="datetimeFigureOut">
               <a:rPr lang="ru-RU" smtClean="0"/>
               <a:pPr/>
-              <a:t>22.02.2019</a:t>
+              <a:t>11.07.2022</a:t>
             </a:fld>
             <a:endParaRPr lang="ru-RU"/>
           </a:p>
@@ -2639,7 +2639,7 @@
             <a:fld id="{AC3D3127-B7C4-45E3-9797-C527EC9FDD78}" type="datetimeFigureOut">
               <a:rPr lang="ru-RU" smtClean="0"/>
               <a:pPr/>
-              <a:t>22.02.2019</a:t>
+              <a:t>11.07.2022</a:t>
             </a:fld>
             <a:endParaRPr lang="ru-RU"/>
           </a:p>
@@ -3102,7 +3102,7 @@
           <p:cNvPr id="8" name="TextBox 7">
             <a:extLst>
               <a:ext uri="{FF2B5EF4-FFF2-40B4-BE49-F238E27FC236}">
-                <a16:creationId xmlns:a16="http://schemas.microsoft.com/office/drawing/2014/main" xmlns="" id="{EE547DC5-A497-3E42-88A1-79D1A1F23884}"/>
+                <a16:creationId xmlns="" xmlns:a16="http://schemas.microsoft.com/office/drawing/2014/main" id="{EE547DC5-A497-3E42-88A1-79D1A1F23884}"/>
               </a:ext>
             </a:extLst>
           </p:cNvPr>
@@ -12172,7 +12172,7 @@
           <p:cNvPr id="2" name="Title 1">
             <a:extLst>
               <a:ext uri="{FF2B5EF4-FFF2-40B4-BE49-F238E27FC236}">
-                <a16:creationId xmlns:a16="http://schemas.microsoft.com/office/drawing/2014/main" xmlns="" id="{41A03462-EDF4-E147-9862-EB3ED9B55CDF}"/>
+                <a16:creationId xmlns="" xmlns:a16="http://schemas.microsoft.com/office/drawing/2014/main" id="{41A03462-EDF4-E147-9862-EB3ED9B55CDF}"/>
               </a:ext>
             </a:extLst>
           </p:cNvPr>
@@ -12201,7 +12201,7 @@
           <p:cNvPr id="3" name="Content Placeholder 2">
             <a:extLst>
               <a:ext uri="{FF2B5EF4-FFF2-40B4-BE49-F238E27FC236}">
-                <a16:creationId xmlns:a16="http://schemas.microsoft.com/office/drawing/2014/main" xmlns="" id="{1CC08D06-877D-C340-9132-B1B1AE7EAFAF}"/>
+                <a16:creationId xmlns="" xmlns:a16="http://schemas.microsoft.com/office/drawing/2014/main" id="{1CC08D06-877D-C340-9132-B1B1AE7EAFAF}"/>
               </a:ext>
             </a:extLst>
           </p:cNvPr>
@@ -12434,14 +12434,14 @@
                 <a:gridCol w="1013284">
                   <a:extLst>
                     <a:ext uri="{9D8B030D-6E8A-4147-A177-3AD203B41FA5}">
-                      <a16:colId xmlns:a16="http://schemas.microsoft.com/office/drawing/2014/main" xmlns="" val="20000"/>
+                      <a16:colId xmlns="" xmlns:a16="http://schemas.microsoft.com/office/drawing/2014/main" val="20000"/>
                     </a:ext>
                   </a:extLst>
                 </a:gridCol>
                 <a:gridCol w="7061956">
                   <a:extLst>
                     <a:ext uri="{9D8B030D-6E8A-4147-A177-3AD203B41FA5}">
-                      <a16:colId xmlns:a16="http://schemas.microsoft.com/office/drawing/2014/main" xmlns="" val="20001"/>
+                      <a16:colId xmlns="" xmlns:a16="http://schemas.microsoft.com/office/drawing/2014/main" val="20001"/>
                     </a:ext>
                   </a:extLst>
                 </a:gridCol>
@@ -12555,7 +12555,7 @@
                 </a:tc>
                 <a:extLst>
                   <a:ext uri="{0D108BD9-81ED-4DB2-BD59-A6C34878D82A}">
-                    <a16:rowId xmlns:a16="http://schemas.microsoft.com/office/drawing/2014/main" xmlns="" val="10000"/>
+                    <a16:rowId xmlns="" xmlns:a16="http://schemas.microsoft.com/office/drawing/2014/main" val="10000"/>
                   </a:ext>
                 </a:extLst>
               </a:tr>
@@ -12696,7 +12696,7 @@
                 </a:tc>
                 <a:extLst>
                   <a:ext uri="{0D108BD9-81ED-4DB2-BD59-A6C34878D82A}">
-                    <a16:rowId xmlns:a16="http://schemas.microsoft.com/office/drawing/2014/main" xmlns="" val="10001"/>
+                    <a16:rowId xmlns="" xmlns:a16="http://schemas.microsoft.com/office/drawing/2014/main" val="10001"/>
                   </a:ext>
                 </a:extLst>
               </a:tr>
@@ -12825,7 +12825,7 @@
                 </a:tc>
                 <a:extLst>
                   <a:ext uri="{0D108BD9-81ED-4DB2-BD59-A6C34878D82A}">
-                    <a16:rowId xmlns:a16="http://schemas.microsoft.com/office/drawing/2014/main" xmlns="" val="10002"/>
+                    <a16:rowId xmlns="" xmlns:a16="http://schemas.microsoft.com/office/drawing/2014/main" val="10002"/>
                   </a:ext>
                 </a:extLst>
               </a:tr>
@@ -12946,7 +12946,7 @@
                 </a:tc>
                 <a:extLst>
                   <a:ext uri="{0D108BD9-81ED-4DB2-BD59-A6C34878D82A}">
-                    <a16:rowId xmlns:a16="http://schemas.microsoft.com/office/drawing/2014/main" xmlns="" val="10003"/>
+                    <a16:rowId xmlns="" xmlns:a16="http://schemas.microsoft.com/office/drawing/2014/main" val="10003"/>
                   </a:ext>
                 </a:extLst>
               </a:tr>
@@ -13074,7 +13074,7 @@
                 </a:tc>
                 <a:extLst>
                   <a:ext uri="{0D108BD9-81ED-4DB2-BD59-A6C34878D82A}">
-                    <a16:rowId xmlns:a16="http://schemas.microsoft.com/office/drawing/2014/main" xmlns="" val="10004"/>
+                    <a16:rowId xmlns="" xmlns:a16="http://schemas.microsoft.com/office/drawing/2014/main" val="10004"/>
                   </a:ext>
                 </a:extLst>
               </a:tr>
@@ -13235,7 +13235,7 @@
                 </a:tc>
                 <a:extLst>
                   <a:ext uri="{0D108BD9-81ED-4DB2-BD59-A6C34878D82A}">
-                    <a16:rowId xmlns:a16="http://schemas.microsoft.com/office/drawing/2014/main" xmlns="" val="10005"/>
+                    <a16:rowId xmlns="" xmlns:a16="http://schemas.microsoft.com/office/drawing/2014/main" val="10005"/>
                   </a:ext>
                 </a:extLst>
               </a:tr>
@@ -13380,7 +13380,7 @@
                 </a:tc>
                 <a:extLst>
                   <a:ext uri="{0D108BD9-81ED-4DB2-BD59-A6C34878D82A}">
-                    <a16:rowId xmlns:a16="http://schemas.microsoft.com/office/drawing/2014/main" xmlns="" val="10006"/>
+                    <a16:rowId xmlns="" xmlns:a16="http://schemas.microsoft.com/office/drawing/2014/main" val="10006"/>
                   </a:ext>
                 </a:extLst>
               </a:tr>
@@ -13493,7 +13493,7 @@
                 </a:tc>
                 <a:extLst>
                   <a:ext uri="{0D108BD9-81ED-4DB2-BD59-A6C34878D82A}">
-                    <a16:rowId xmlns:a16="http://schemas.microsoft.com/office/drawing/2014/main" xmlns="" val="10007"/>
+                    <a16:rowId xmlns="" xmlns:a16="http://schemas.microsoft.com/office/drawing/2014/main" val="10007"/>
                   </a:ext>
                 </a:extLst>
               </a:tr>
@@ -13605,7 +13605,7 @@
                 </a:tc>
                 <a:extLst>
                   <a:ext uri="{0D108BD9-81ED-4DB2-BD59-A6C34878D82A}">
-                    <a16:rowId xmlns:a16="http://schemas.microsoft.com/office/drawing/2014/main" xmlns="" val="10008"/>
+                    <a16:rowId xmlns="" xmlns:a16="http://schemas.microsoft.com/office/drawing/2014/main" val="10008"/>
                   </a:ext>
                 </a:extLst>
               </a:tr>
@@ -13710,7 +13710,7 @@
                 </a:tc>
                 <a:extLst>
                   <a:ext uri="{0D108BD9-81ED-4DB2-BD59-A6C34878D82A}">
-                    <a16:rowId xmlns:a16="http://schemas.microsoft.com/office/drawing/2014/main" xmlns="" val="10009"/>
+                    <a16:rowId xmlns="" xmlns:a16="http://schemas.microsoft.com/office/drawing/2014/main" val="10009"/>
                   </a:ext>
                 </a:extLst>
               </a:tr>
@@ -13815,7 +13815,7 @@
                 </a:tc>
                 <a:extLst>
                   <a:ext uri="{0D108BD9-81ED-4DB2-BD59-A6C34878D82A}">
-                    <a16:rowId xmlns:a16="http://schemas.microsoft.com/office/drawing/2014/main" xmlns="" val="10010"/>
+                    <a16:rowId xmlns="" xmlns:a16="http://schemas.microsoft.com/office/drawing/2014/main" val="10010"/>
                   </a:ext>
                 </a:extLst>
               </a:tr>
@@ -13927,7 +13927,7 @@
                 </a:tc>
                 <a:extLst>
                   <a:ext uri="{0D108BD9-81ED-4DB2-BD59-A6C34878D82A}">
-                    <a16:rowId xmlns:a16="http://schemas.microsoft.com/office/drawing/2014/main" xmlns="" val="10011"/>
+                    <a16:rowId xmlns="" xmlns:a16="http://schemas.microsoft.com/office/drawing/2014/main" val="10011"/>
                   </a:ext>
                 </a:extLst>
               </a:tr>
@@ -14060,7 +14060,7 @@
                 </a:tc>
                 <a:extLst>
                   <a:ext uri="{0D108BD9-81ED-4DB2-BD59-A6C34878D82A}">
-                    <a16:rowId xmlns:a16="http://schemas.microsoft.com/office/drawing/2014/main" xmlns="" val="10012"/>
+                    <a16:rowId xmlns="" xmlns:a16="http://schemas.microsoft.com/office/drawing/2014/main" val="10012"/>
                   </a:ext>
                 </a:extLst>
               </a:tr>
@@ -14165,7 +14165,7 @@
                 </a:tc>
                 <a:extLst>
                   <a:ext uri="{0D108BD9-81ED-4DB2-BD59-A6C34878D82A}">
-                    <a16:rowId xmlns:a16="http://schemas.microsoft.com/office/drawing/2014/main" xmlns="" val="10013"/>
+                    <a16:rowId xmlns="" xmlns:a16="http://schemas.microsoft.com/office/drawing/2014/main" val="10013"/>
                   </a:ext>
                 </a:extLst>
               </a:tr>
@@ -14358,7 +14358,7 @@
         </p:nvGraphicFramePr>
         <p:xfrm>
           <a:off x="395536" y="886086"/>
-          <a:ext cx="8352928" cy="5416040"/>
+          <a:ext cx="8352928" cy="5644066"/>
         </p:xfrm>
         <a:graphic>
           <a:graphicData uri="http://schemas.openxmlformats.org/drawingml/2006/table">
@@ -14370,7 +14370,7 @@
                 <a:gridCol w="8352928">
                   <a:extLst>
                     <a:ext uri="{9D8B030D-6E8A-4147-A177-3AD203B41FA5}">
-                      <a16:colId xmlns:a16="http://schemas.microsoft.com/office/drawing/2014/main" xmlns="" val="20000"/>
+                      <a16:colId xmlns="" xmlns:a16="http://schemas.microsoft.com/office/drawing/2014/main" val="20000"/>
                     </a:ext>
                   </a:extLst>
                 </a:gridCol>
@@ -14459,7 +14459,7 @@
                 </a:tc>
                 <a:extLst>
                   <a:ext uri="{0D108BD9-81ED-4DB2-BD59-A6C34878D82A}">
-                    <a16:rowId xmlns:a16="http://schemas.microsoft.com/office/drawing/2014/main" xmlns="" val="10000"/>
+                    <a16:rowId xmlns="" xmlns:a16="http://schemas.microsoft.com/office/drawing/2014/main" val="10000"/>
                   </a:ext>
                 </a:extLst>
               </a:tr>
@@ -14556,7 +14556,7 @@
                 </a:tc>
                 <a:extLst>
                   <a:ext uri="{0D108BD9-81ED-4DB2-BD59-A6C34878D82A}">
-                    <a16:rowId xmlns:a16="http://schemas.microsoft.com/office/drawing/2014/main" xmlns="" val="10001"/>
+                    <a16:rowId xmlns="" xmlns:a16="http://schemas.microsoft.com/office/drawing/2014/main" val="10001"/>
                   </a:ext>
                 </a:extLst>
               </a:tr>
@@ -14624,7 +14624,7 @@
                 </a:tc>
                 <a:extLst>
                   <a:ext uri="{0D108BD9-81ED-4DB2-BD59-A6C34878D82A}">
-                    <a16:rowId xmlns:a16="http://schemas.microsoft.com/office/drawing/2014/main" xmlns="" val="10002"/>
+                    <a16:rowId xmlns="" xmlns:a16="http://schemas.microsoft.com/office/drawing/2014/main" val="10002"/>
                   </a:ext>
                 </a:extLst>
               </a:tr>
@@ -14712,7 +14712,7 @@
                 </a:tc>
                 <a:extLst>
                   <a:ext uri="{0D108BD9-81ED-4DB2-BD59-A6C34878D82A}">
-                    <a16:rowId xmlns:a16="http://schemas.microsoft.com/office/drawing/2014/main" xmlns="" val="10003"/>
+                    <a16:rowId xmlns="" xmlns:a16="http://schemas.microsoft.com/office/drawing/2014/main" val="10003"/>
                   </a:ext>
                 </a:extLst>
               </a:tr>
@@ -14809,7 +14809,7 @@
                 </a:tc>
                 <a:extLst>
                   <a:ext uri="{0D108BD9-81ED-4DB2-BD59-A6C34878D82A}">
-                    <a16:rowId xmlns:a16="http://schemas.microsoft.com/office/drawing/2014/main" xmlns="" val="10004"/>
+                    <a16:rowId xmlns="" xmlns:a16="http://schemas.microsoft.com/office/drawing/2014/main" val="10004"/>
                   </a:ext>
                 </a:extLst>
               </a:tr>
@@ -14886,7 +14886,7 @@
                 </a:tc>
                 <a:extLst>
                   <a:ext uri="{0D108BD9-81ED-4DB2-BD59-A6C34878D82A}">
-                    <a16:rowId xmlns:a16="http://schemas.microsoft.com/office/drawing/2014/main" xmlns="" val="10005"/>
+                    <a16:rowId xmlns="" xmlns:a16="http://schemas.microsoft.com/office/drawing/2014/main" val="10005"/>
                   </a:ext>
                 </a:extLst>
               </a:tr>
@@ -15082,7 +15082,7 @@
                 </a:tc>
                 <a:extLst>
                   <a:ext uri="{0D108BD9-81ED-4DB2-BD59-A6C34878D82A}">
-                    <a16:rowId xmlns:a16="http://schemas.microsoft.com/office/drawing/2014/main" xmlns="" val="10006"/>
+                    <a16:rowId xmlns="" xmlns:a16="http://schemas.microsoft.com/office/drawing/2014/main" val="10006"/>
                   </a:ext>
                 </a:extLst>
               </a:tr>
@@ -15161,7 +15161,7 @@
                 </a:tc>
                 <a:extLst>
                   <a:ext uri="{0D108BD9-81ED-4DB2-BD59-A6C34878D82A}">
-                    <a16:rowId xmlns:a16="http://schemas.microsoft.com/office/drawing/2014/main" xmlns="" val="10007"/>
+                    <a16:rowId xmlns="" xmlns:a16="http://schemas.microsoft.com/office/drawing/2014/main" val="10007"/>
                   </a:ext>
                 </a:extLst>
               </a:tr>
@@ -15229,7 +15229,7 @@
                 </a:tc>
                 <a:extLst>
                   <a:ext uri="{0D108BD9-81ED-4DB2-BD59-A6C34878D82A}">
-                    <a16:rowId xmlns:a16="http://schemas.microsoft.com/office/drawing/2014/main" xmlns="" val="10008"/>
+                    <a16:rowId xmlns="" xmlns:a16="http://schemas.microsoft.com/office/drawing/2014/main" val="10008"/>
                   </a:ext>
                 </a:extLst>
               </a:tr>
@@ -15335,7 +15335,7 @@
                 </a:tc>
                 <a:extLst>
                   <a:ext uri="{0D108BD9-81ED-4DB2-BD59-A6C34878D82A}">
-                    <a16:rowId xmlns:a16="http://schemas.microsoft.com/office/drawing/2014/main" xmlns="" val="10009"/>
+                    <a16:rowId xmlns="" xmlns:a16="http://schemas.microsoft.com/office/drawing/2014/main" val="10009"/>
                   </a:ext>
                 </a:extLst>
               </a:tr>
@@ -15792,7 +15792,7 @@
                 </a:tc>
                 <a:extLst>
                   <a:ext uri="{0D108BD9-81ED-4DB2-BD59-A6C34878D82A}">
-                    <a16:rowId xmlns:a16="http://schemas.microsoft.com/office/drawing/2014/main" xmlns="" val="10010"/>
+                    <a16:rowId xmlns="" xmlns:a16="http://schemas.microsoft.com/office/drawing/2014/main" val="10010"/>
                   </a:ext>
                 </a:extLst>
               </a:tr>
@@ -15869,7 +15869,7 @@
                 </a:tc>
                 <a:extLst>
                   <a:ext uri="{0D108BD9-81ED-4DB2-BD59-A6C34878D82A}">
-                    <a16:rowId xmlns:a16="http://schemas.microsoft.com/office/drawing/2014/main" xmlns="" val="10011"/>
+                    <a16:rowId xmlns="" xmlns:a16="http://schemas.microsoft.com/office/drawing/2014/main" val="10011"/>
                   </a:ext>
                 </a:extLst>
               </a:tr>
@@ -15984,7 +15984,7 @@
                 </a:tc>
                 <a:extLst>
                   <a:ext uri="{0D108BD9-81ED-4DB2-BD59-A6C34878D82A}">
-                    <a16:rowId xmlns:a16="http://schemas.microsoft.com/office/drawing/2014/main" xmlns="" val="10012"/>
+                    <a16:rowId xmlns="" xmlns:a16="http://schemas.microsoft.com/office/drawing/2014/main" val="10012"/>
                   </a:ext>
                 </a:extLst>
               </a:tr>
@@ -16081,7 +16081,7 @@
                 </a:tc>
                 <a:extLst>
                   <a:ext uri="{0D108BD9-81ED-4DB2-BD59-A6C34878D82A}">
-                    <a16:rowId xmlns:a16="http://schemas.microsoft.com/office/drawing/2014/main" xmlns="" val="10013"/>
+                    <a16:rowId xmlns="" xmlns:a16="http://schemas.microsoft.com/office/drawing/2014/main" val="10013"/>
                   </a:ext>
                 </a:extLst>
               </a:tr>
@@ -16562,11 +16562,11 @@
   <p:clrMapOvr>
     <a:masterClrMapping/>
   </p:clrMapOvr>
-  <mc:AlternateContent xmlns:mc="http://schemas.openxmlformats.org/markup-compatibility/2006">
-    <mc:Choice xmlns:p14="http://schemas.microsoft.com/office/powerpoint/2010/main" Requires="p14">
+  <mc:AlternateContent xmlns:mc="http://schemas.openxmlformats.org/markup-compatibility/2006" xmlns:p14="http://schemas.microsoft.com/office/powerpoint/2010/main">
+    <mc:Choice Requires="p14">
       <p:transition spd="slow" p14:dur="2000"/>
     </mc:Choice>
-    <mc:Fallback>
+    <mc:Fallback xmlns="">
       <p:transition spd="slow"/>
     </mc:Fallback>
   </mc:AlternateContent>
@@ -16887,7 +16887,7 @@
         <p:spPr/>
         <p:txBody>
           <a:bodyPr>
-            <a:normAutofit fontScale="92500" lnSpcReduction="10000"/>
+            <a:normAutofit fontScale="85000" lnSpcReduction="10000"/>
           </a:bodyPr>
           <a:lstStyle/>
           <a:p>
@@ -16954,8 +16954,36 @@
               <a:t>value </a:t>
             </a:r>
             <a:r>
-              <a:rPr lang="ru-RU" dirty="0"/>
-              <a:t>типов.</a:t>
+              <a:rPr lang="ru-RU" dirty="0" smtClean="0"/>
+              <a:t>типов. </a:t>
+            </a:r>
+            <a:r>
+              <a:rPr lang="ru-RU" dirty="0" smtClean="0"/>
+              <a:t>Начиная с </a:t>
+            </a:r>
+            <a:r>
+              <a:rPr lang="en-US" dirty="0" smtClean="0"/>
+              <a:t>.NET 6 </a:t>
+            </a:r>
+            <a:r>
+              <a:rPr lang="ru-RU" dirty="0" smtClean="0"/>
+              <a:t>есть возможность указать значение по умолчанию для </a:t>
+            </a:r>
+            <a:r>
+              <a:rPr lang="en-US" dirty="0" smtClean="0"/>
+              <a:t>***</a:t>
+            </a:r>
+            <a:r>
+              <a:rPr lang="en-US" dirty="0" err="1" smtClean="0"/>
+              <a:t>OrDefault</a:t>
+            </a:r>
+            <a:r>
+              <a:rPr lang="en-US" dirty="0" smtClean="0"/>
+              <a:t> </a:t>
+            </a:r>
+            <a:r>
+              <a:rPr lang="ru-RU" dirty="0" smtClean="0"/>
+              <a:t>методов.</a:t>
             </a:r>
             <a:endParaRPr lang="en-US" dirty="0"/>
           </a:p>
@@ -17032,7 +17060,7 @@
         <p:spPr/>
         <p:txBody>
           <a:bodyPr>
-            <a:normAutofit lnSpcReduction="10000"/>
+            <a:normAutofit fontScale="92500" lnSpcReduction="20000"/>
           </a:bodyPr>
           <a:lstStyle/>
           <a:p>
@@ -17044,12 +17072,8 @@
               <a:t>Метод </a:t>
             </a:r>
             <a:r>
-              <a:rPr lang="en-US"/>
-              <a:t>Single</a:t>
-            </a:r>
-            <a:r>
               <a:rPr lang="en-US" dirty="0"/>
-              <a:t>() </a:t>
+              <a:t>Single() </a:t>
             </a:r>
             <a:r>
               <a:rPr lang="ru-RU" dirty="0"/>
@@ -17079,9 +17103,38 @@
               <a:t>SingleOrDefault</a:t>
             </a:r>
             <a:r>
+              <a:rPr lang="en-US" dirty="0" smtClean="0"/>
+              <a:t>().</a:t>
+            </a:r>
+            <a:r>
+              <a:rPr lang="ru-RU" dirty="0"/>
+              <a:t> Начиная с </a:t>
+            </a:r>
+            <a:r>
               <a:rPr lang="en-US" dirty="0"/>
-              <a:t>().</a:t>
-            </a:r>
+              <a:t>.NET 6 </a:t>
+            </a:r>
+            <a:r>
+              <a:rPr lang="ru-RU" dirty="0"/>
+              <a:t>есть возможность указать значение по умолчанию для </a:t>
+            </a:r>
+            <a:r>
+              <a:rPr lang="en-US" dirty="0"/>
+              <a:t>***</a:t>
+            </a:r>
+            <a:r>
+              <a:rPr lang="en-US" dirty="0" err="1"/>
+              <a:t>OrDefault</a:t>
+            </a:r>
+            <a:r>
+              <a:rPr lang="en-US" dirty="0"/>
+              <a:t> </a:t>
+            </a:r>
+            <a:r>
+              <a:rPr lang="ru-RU" dirty="0"/>
+              <a:t>методов.</a:t>
+            </a:r>
+            <a:endParaRPr lang="en-US" dirty="0"/>
           </a:p>
         </p:txBody>
       </p:sp>
@@ -18502,7 +18555,7 @@
           <p:cNvPr id="3" name="Content Placeholder 2">
             <a:extLst>
               <a:ext uri="{FF2B5EF4-FFF2-40B4-BE49-F238E27FC236}">
-                <a16:creationId xmlns:a16="http://schemas.microsoft.com/office/drawing/2014/main" xmlns="" id="{01C788F6-B19F-8449-8F85-422BB61BFAB9}"/>
+                <a16:creationId xmlns="" xmlns:a16="http://schemas.microsoft.com/office/drawing/2014/main" id="{01C788F6-B19F-8449-8F85-422BB61BFAB9}"/>
               </a:ext>
             </a:extLst>
           </p:cNvPr>
@@ -20590,7 +20643,7 @@
         </p:nvGraphicFramePr>
         <p:xfrm>
           <a:off x="395536" y="886086"/>
-          <a:ext cx="8352928" cy="5538746"/>
+          <a:ext cx="8352928" cy="5673594"/>
         </p:xfrm>
         <a:graphic>
           <a:graphicData uri="http://schemas.openxmlformats.org/drawingml/2006/table">
@@ -20602,14 +20655,14 @@
                 <a:gridCol w="1368152">
                   <a:extLst>
                     <a:ext uri="{9D8B030D-6E8A-4147-A177-3AD203B41FA5}">
-                      <a16:colId xmlns:a16="http://schemas.microsoft.com/office/drawing/2014/main" xmlns="" val="20000"/>
+                      <a16:colId xmlns="" xmlns:a16="http://schemas.microsoft.com/office/drawing/2014/main" val="20000"/>
                     </a:ext>
                   </a:extLst>
                 </a:gridCol>
                 <a:gridCol w="6984776">
                   <a:extLst>
                     <a:ext uri="{9D8B030D-6E8A-4147-A177-3AD203B41FA5}">
-                      <a16:colId xmlns:a16="http://schemas.microsoft.com/office/drawing/2014/main" xmlns="" val="20001"/>
+                      <a16:colId xmlns="" xmlns:a16="http://schemas.microsoft.com/office/drawing/2014/main" val="20001"/>
                     </a:ext>
                   </a:extLst>
                 </a:gridCol>
@@ -20771,7 +20824,7 @@
                 </a:tc>
                 <a:extLst>
                   <a:ext uri="{0D108BD9-81ED-4DB2-BD59-A6C34878D82A}">
-                    <a16:rowId xmlns:a16="http://schemas.microsoft.com/office/drawing/2014/main" xmlns="" val="10000"/>
+                    <a16:rowId xmlns="" xmlns:a16="http://schemas.microsoft.com/office/drawing/2014/main" val="10000"/>
                   </a:ext>
                 </a:extLst>
               </a:tr>
@@ -20920,7 +20973,7 @@
                 </a:tc>
                 <a:extLst>
                   <a:ext uri="{0D108BD9-81ED-4DB2-BD59-A6C34878D82A}">
-                    <a16:rowId xmlns:a16="http://schemas.microsoft.com/office/drawing/2014/main" xmlns="" val="10001"/>
+                    <a16:rowId xmlns="" xmlns:a16="http://schemas.microsoft.com/office/drawing/2014/main" val="10001"/>
                   </a:ext>
                 </a:extLst>
               </a:tr>
@@ -21069,7 +21122,7 @@
                 </a:tc>
                 <a:extLst>
                   <a:ext uri="{0D108BD9-81ED-4DB2-BD59-A6C34878D82A}">
-                    <a16:rowId xmlns:a16="http://schemas.microsoft.com/office/drawing/2014/main" xmlns="" val="10002"/>
+                    <a16:rowId xmlns="" xmlns:a16="http://schemas.microsoft.com/office/drawing/2014/main" val="10002"/>
                   </a:ext>
                 </a:extLst>
               </a:tr>
@@ -21218,7 +21271,7 @@
                 </a:tc>
                 <a:extLst>
                   <a:ext uri="{0D108BD9-81ED-4DB2-BD59-A6C34878D82A}">
-                    <a16:rowId xmlns:a16="http://schemas.microsoft.com/office/drawing/2014/main" xmlns="" val="10003"/>
+                    <a16:rowId xmlns="" xmlns:a16="http://schemas.microsoft.com/office/drawing/2014/main" val="10003"/>
                   </a:ext>
                 </a:extLst>
               </a:tr>
@@ -21367,7 +21420,7 @@
                 </a:tc>
                 <a:extLst>
                   <a:ext uri="{0D108BD9-81ED-4DB2-BD59-A6C34878D82A}">
-                    <a16:rowId xmlns:a16="http://schemas.microsoft.com/office/drawing/2014/main" xmlns="" val="10004"/>
+                    <a16:rowId xmlns="" xmlns:a16="http://schemas.microsoft.com/office/drawing/2014/main" val="10004"/>
                   </a:ext>
                 </a:extLst>
               </a:tr>
@@ -21516,7 +21569,7 @@
                 </a:tc>
                 <a:extLst>
                   <a:ext uri="{0D108BD9-81ED-4DB2-BD59-A6C34878D82A}">
-                    <a16:rowId xmlns:a16="http://schemas.microsoft.com/office/drawing/2014/main" xmlns="" val="10005"/>
+                    <a16:rowId xmlns="" xmlns:a16="http://schemas.microsoft.com/office/drawing/2014/main" val="10005"/>
                   </a:ext>
                 </a:extLst>
               </a:tr>
@@ -21665,7 +21718,7 @@
                 </a:tc>
                 <a:extLst>
                   <a:ext uri="{0D108BD9-81ED-4DB2-BD59-A6C34878D82A}">
-                    <a16:rowId xmlns:a16="http://schemas.microsoft.com/office/drawing/2014/main" xmlns="" val="10006"/>
+                    <a16:rowId xmlns="" xmlns:a16="http://schemas.microsoft.com/office/drawing/2014/main" val="10006"/>
                   </a:ext>
                 </a:extLst>
               </a:tr>
@@ -21814,7 +21867,7 @@
                 </a:tc>
                 <a:extLst>
                   <a:ext uri="{0D108BD9-81ED-4DB2-BD59-A6C34878D82A}">
-                    <a16:rowId xmlns:a16="http://schemas.microsoft.com/office/drawing/2014/main" xmlns="" val="10007"/>
+                    <a16:rowId xmlns="" xmlns:a16="http://schemas.microsoft.com/office/drawing/2014/main" val="10007"/>
                   </a:ext>
                 </a:extLst>
               </a:tr>
@@ -21963,7 +22016,7 @@
                 </a:tc>
                 <a:extLst>
                   <a:ext uri="{0D108BD9-81ED-4DB2-BD59-A6C34878D82A}">
-                    <a16:rowId xmlns:a16="http://schemas.microsoft.com/office/drawing/2014/main" xmlns="" val="10008"/>
+                    <a16:rowId xmlns="" xmlns:a16="http://schemas.microsoft.com/office/drawing/2014/main" val="10008"/>
                   </a:ext>
                 </a:extLst>
               </a:tr>
@@ -22124,7 +22177,7 @@
                 </a:tc>
                 <a:extLst>
                   <a:ext uri="{0D108BD9-81ED-4DB2-BD59-A6C34878D82A}">
-                    <a16:rowId xmlns:a16="http://schemas.microsoft.com/office/drawing/2014/main" xmlns="" val="10009"/>
+                    <a16:rowId xmlns="" xmlns:a16="http://schemas.microsoft.com/office/drawing/2014/main" val="10009"/>
                   </a:ext>
                 </a:extLst>
               </a:tr>
@@ -22273,7 +22326,7 @@
                 </a:tc>
                 <a:extLst>
                   <a:ext uri="{0D108BD9-81ED-4DB2-BD59-A6C34878D82A}">
-                    <a16:rowId xmlns:a16="http://schemas.microsoft.com/office/drawing/2014/main" xmlns="" val="10010"/>
+                    <a16:rowId xmlns="" xmlns:a16="http://schemas.microsoft.com/office/drawing/2014/main" val="10010"/>
                   </a:ext>
                 </a:extLst>
               </a:tr>
@@ -22422,7 +22475,7 @@
                 </a:tc>
                 <a:extLst>
                   <a:ext uri="{0D108BD9-81ED-4DB2-BD59-A6C34878D82A}">
-                    <a16:rowId xmlns:a16="http://schemas.microsoft.com/office/drawing/2014/main" xmlns="" val="10011"/>
+                    <a16:rowId xmlns="" xmlns:a16="http://schemas.microsoft.com/office/drawing/2014/main" val="10011"/>
                   </a:ext>
                 </a:extLst>
               </a:tr>
@@ -22571,7 +22624,7 @@
                 </a:tc>
                 <a:extLst>
                   <a:ext uri="{0D108BD9-81ED-4DB2-BD59-A6C34878D82A}">
-                    <a16:rowId xmlns:a16="http://schemas.microsoft.com/office/drawing/2014/main" xmlns="" val="10012"/>
+                    <a16:rowId xmlns="" xmlns:a16="http://schemas.microsoft.com/office/drawing/2014/main" val="10012"/>
                   </a:ext>
                 </a:extLst>
               </a:tr>
@@ -22720,7 +22773,7 @@
                 </a:tc>
                 <a:extLst>
                   <a:ext uri="{0D108BD9-81ED-4DB2-BD59-A6C34878D82A}">
-                    <a16:rowId xmlns:a16="http://schemas.microsoft.com/office/drawing/2014/main" xmlns="" val="10013"/>
+                    <a16:rowId xmlns="" xmlns:a16="http://schemas.microsoft.com/office/drawing/2014/main" val="10013"/>
                   </a:ext>
                 </a:extLst>
               </a:tr>
@@ -22869,7 +22922,7 @@
                 </a:tc>
                 <a:extLst>
                   <a:ext uri="{0D108BD9-81ED-4DB2-BD59-A6C34878D82A}">
-                    <a16:rowId xmlns:a16="http://schemas.microsoft.com/office/drawing/2014/main" xmlns="" val="10014"/>
+                    <a16:rowId xmlns="" xmlns:a16="http://schemas.microsoft.com/office/drawing/2014/main" val="10014"/>
                   </a:ext>
                 </a:extLst>
               </a:tr>
@@ -23027,7 +23080,7 @@
                 </a:tc>
                 <a:extLst>
                   <a:ext uri="{0D108BD9-81ED-4DB2-BD59-A6C34878D82A}">
-                    <a16:rowId xmlns:a16="http://schemas.microsoft.com/office/drawing/2014/main" xmlns="" val="10015"/>
+                    <a16:rowId xmlns="" xmlns:a16="http://schemas.microsoft.com/office/drawing/2014/main" val="10015"/>
                   </a:ext>
                 </a:extLst>
               </a:tr>
@@ -23176,7 +23229,7 @@
                 </a:tc>
                 <a:extLst>
                   <a:ext uri="{0D108BD9-81ED-4DB2-BD59-A6C34878D82A}">
-                    <a16:rowId xmlns:a16="http://schemas.microsoft.com/office/drawing/2014/main" xmlns="" val="10016"/>
+                    <a16:rowId xmlns="" xmlns:a16="http://schemas.microsoft.com/office/drawing/2014/main" val="10016"/>
                   </a:ext>
                 </a:extLst>
               </a:tr>
@@ -23278,14 +23331,14 @@
                 <a:gridCol w="1440160">
                   <a:extLst>
                     <a:ext uri="{9D8B030D-6E8A-4147-A177-3AD203B41FA5}">
-                      <a16:colId xmlns:a16="http://schemas.microsoft.com/office/drawing/2014/main" xmlns="" val="20000"/>
+                      <a16:colId xmlns="" xmlns:a16="http://schemas.microsoft.com/office/drawing/2014/main" val="20000"/>
                     </a:ext>
                   </a:extLst>
                 </a:gridCol>
                 <a:gridCol w="6984776">
                   <a:extLst>
                     <a:ext uri="{9D8B030D-6E8A-4147-A177-3AD203B41FA5}">
-                      <a16:colId xmlns:a16="http://schemas.microsoft.com/office/drawing/2014/main" xmlns="" val="20001"/>
+                      <a16:colId xmlns="" xmlns:a16="http://schemas.microsoft.com/office/drawing/2014/main" val="20001"/>
                     </a:ext>
                   </a:extLst>
                 </a:gridCol>
@@ -23443,7 +23496,7 @@
                 </a:tc>
                 <a:extLst>
                   <a:ext uri="{0D108BD9-81ED-4DB2-BD59-A6C34878D82A}">
-                    <a16:rowId xmlns:a16="http://schemas.microsoft.com/office/drawing/2014/main" xmlns="" val="10000"/>
+                    <a16:rowId xmlns="" xmlns:a16="http://schemas.microsoft.com/office/drawing/2014/main" val="10000"/>
                   </a:ext>
                 </a:extLst>
               </a:tr>
@@ -23600,7 +23653,7 @@
                 </a:tc>
                 <a:extLst>
                   <a:ext uri="{0D108BD9-81ED-4DB2-BD59-A6C34878D82A}">
-                    <a16:rowId xmlns:a16="http://schemas.microsoft.com/office/drawing/2014/main" xmlns="" val="10001"/>
+                    <a16:rowId xmlns="" xmlns:a16="http://schemas.microsoft.com/office/drawing/2014/main" val="10001"/>
                   </a:ext>
                 </a:extLst>
               </a:tr>
@@ -23733,7 +23786,7 @@
                 </a:tc>
                 <a:extLst>
                   <a:ext uri="{0D108BD9-81ED-4DB2-BD59-A6C34878D82A}">
-                    <a16:rowId xmlns:a16="http://schemas.microsoft.com/office/drawing/2014/main" xmlns="" val="10002"/>
+                    <a16:rowId xmlns="" xmlns:a16="http://schemas.microsoft.com/office/drawing/2014/main" val="10002"/>
                   </a:ext>
                 </a:extLst>
               </a:tr>
@@ -23926,7 +23979,7 @@
                 </a:tc>
                 <a:extLst>
                   <a:ext uri="{0D108BD9-81ED-4DB2-BD59-A6C34878D82A}">
-                    <a16:rowId xmlns:a16="http://schemas.microsoft.com/office/drawing/2014/main" xmlns="" val="10003"/>
+                    <a16:rowId xmlns="" xmlns:a16="http://schemas.microsoft.com/office/drawing/2014/main" val="10003"/>
                   </a:ext>
                 </a:extLst>
               </a:tr>
@@ -24059,7 +24112,7 @@
                 </a:tc>
                 <a:extLst>
                   <a:ext uri="{0D108BD9-81ED-4DB2-BD59-A6C34878D82A}">
-                    <a16:rowId xmlns:a16="http://schemas.microsoft.com/office/drawing/2014/main" xmlns="" val="10004"/>
+                    <a16:rowId xmlns="" xmlns:a16="http://schemas.microsoft.com/office/drawing/2014/main" val="10004"/>
                   </a:ext>
                 </a:extLst>
               </a:tr>
@@ -24204,7 +24257,7 @@
                 </a:tc>
                 <a:extLst>
                   <a:ext uri="{0D108BD9-81ED-4DB2-BD59-A6C34878D82A}">
-                    <a16:rowId xmlns:a16="http://schemas.microsoft.com/office/drawing/2014/main" xmlns="" val="10005"/>
+                    <a16:rowId xmlns="" xmlns:a16="http://schemas.microsoft.com/office/drawing/2014/main" val="10005"/>
                   </a:ext>
                 </a:extLst>
               </a:tr>
@@ -24349,7 +24402,7 @@
                 </a:tc>
                 <a:extLst>
                   <a:ext uri="{0D108BD9-81ED-4DB2-BD59-A6C34878D82A}">
-                    <a16:rowId xmlns:a16="http://schemas.microsoft.com/office/drawing/2014/main" xmlns="" val="10006"/>
+                    <a16:rowId xmlns="" xmlns:a16="http://schemas.microsoft.com/office/drawing/2014/main" val="10006"/>
                   </a:ext>
                 </a:extLst>
               </a:tr>
@@ -24488,7 +24541,7 @@
                 </a:tc>
                 <a:extLst>
                   <a:ext uri="{0D108BD9-81ED-4DB2-BD59-A6C34878D82A}">
-                    <a16:rowId xmlns:a16="http://schemas.microsoft.com/office/drawing/2014/main" xmlns="" val="10007"/>
+                    <a16:rowId xmlns="" xmlns:a16="http://schemas.microsoft.com/office/drawing/2014/main" val="10007"/>
                   </a:ext>
                 </a:extLst>
               </a:tr>
@@ -24633,7 +24686,7 @@
                 </a:tc>
                 <a:extLst>
                   <a:ext uri="{0D108BD9-81ED-4DB2-BD59-A6C34878D82A}">
-                    <a16:rowId xmlns:a16="http://schemas.microsoft.com/office/drawing/2014/main" xmlns="" val="10008"/>
+                    <a16:rowId xmlns="" xmlns:a16="http://schemas.microsoft.com/office/drawing/2014/main" val="10008"/>
                   </a:ext>
                 </a:extLst>
               </a:tr>
@@ -24766,7 +24819,7 @@
                 </a:tc>
                 <a:extLst>
                   <a:ext uri="{0D108BD9-81ED-4DB2-BD59-A6C34878D82A}">
-                    <a16:rowId xmlns:a16="http://schemas.microsoft.com/office/drawing/2014/main" xmlns="" val="10009"/>
+                    <a16:rowId xmlns="" xmlns:a16="http://schemas.microsoft.com/office/drawing/2014/main" val="10009"/>
                   </a:ext>
                 </a:extLst>
               </a:tr>
@@ -24917,7 +24970,7 @@
                 </a:tc>
                 <a:extLst>
                   <a:ext uri="{0D108BD9-81ED-4DB2-BD59-A6C34878D82A}">
-                    <a16:rowId xmlns:a16="http://schemas.microsoft.com/office/drawing/2014/main" xmlns="" val="10010"/>
+                    <a16:rowId xmlns="" xmlns:a16="http://schemas.microsoft.com/office/drawing/2014/main" val="10010"/>
                   </a:ext>
                 </a:extLst>
               </a:tr>
@@ -25062,7 +25115,7 @@
                 </a:tc>
                 <a:extLst>
                   <a:ext uri="{0D108BD9-81ED-4DB2-BD59-A6C34878D82A}">
-                    <a16:rowId xmlns:a16="http://schemas.microsoft.com/office/drawing/2014/main" xmlns="" val="10011"/>
+                    <a16:rowId xmlns="" xmlns:a16="http://schemas.microsoft.com/office/drawing/2014/main" val="10011"/>
                   </a:ext>
                 </a:extLst>
               </a:tr>
@@ -25207,7 +25260,7 @@
                 </a:tc>
                 <a:extLst>
                   <a:ext uri="{0D108BD9-81ED-4DB2-BD59-A6C34878D82A}">
-                    <a16:rowId xmlns:a16="http://schemas.microsoft.com/office/drawing/2014/main" xmlns="" val="10012"/>
+                    <a16:rowId xmlns="" xmlns:a16="http://schemas.microsoft.com/office/drawing/2014/main" val="10012"/>
                   </a:ext>
                 </a:extLst>
               </a:tr>
@@ -25307,7 +25360,7 @@
                 <a:gridCol w="8352928">
                   <a:extLst>
                     <a:ext uri="{9D8B030D-6E8A-4147-A177-3AD203B41FA5}">
-                      <a16:colId xmlns:a16="http://schemas.microsoft.com/office/drawing/2014/main" xmlns="" val="20000"/>
+                      <a16:colId xmlns="" xmlns:a16="http://schemas.microsoft.com/office/drawing/2014/main" val="20000"/>
                     </a:ext>
                   </a:extLst>
                 </a:gridCol>
@@ -25396,7 +25449,7 @@
                 </a:tc>
                 <a:extLst>
                   <a:ext uri="{0D108BD9-81ED-4DB2-BD59-A6C34878D82A}">
-                    <a16:rowId xmlns:a16="http://schemas.microsoft.com/office/drawing/2014/main" xmlns="" val="10000"/>
+                    <a16:rowId xmlns="" xmlns:a16="http://schemas.microsoft.com/office/drawing/2014/main" val="10000"/>
                   </a:ext>
                 </a:extLst>
               </a:tr>
@@ -25484,7 +25537,7 @@
                 </a:tc>
                 <a:extLst>
                   <a:ext uri="{0D108BD9-81ED-4DB2-BD59-A6C34878D82A}">
-                    <a16:rowId xmlns:a16="http://schemas.microsoft.com/office/drawing/2014/main" xmlns="" val="10001"/>
+                    <a16:rowId xmlns="" xmlns:a16="http://schemas.microsoft.com/office/drawing/2014/main" val="10001"/>
                   </a:ext>
                 </a:extLst>
               </a:tr>
@@ -25552,7 +25605,7 @@
                 </a:tc>
                 <a:extLst>
                   <a:ext uri="{0D108BD9-81ED-4DB2-BD59-A6C34878D82A}">
-                    <a16:rowId xmlns:a16="http://schemas.microsoft.com/office/drawing/2014/main" xmlns="" val="10002"/>
+                    <a16:rowId xmlns="" xmlns:a16="http://schemas.microsoft.com/office/drawing/2014/main" val="10002"/>
                   </a:ext>
                 </a:extLst>
               </a:tr>
@@ -25640,7 +25693,7 @@
                 </a:tc>
                 <a:extLst>
                   <a:ext uri="{0D108BD9-81ED-4DB2-BD59-A6C34878D82A}">
-                    <a16:rowId xmlns:a16="http://schemas.microsoft.com/office/drawing/2014/main" xmlns="" val="10003"/>
+                    <a16:rowId xmlns="" xmlns:a16="http://schemas.microsoft.com/office/drawing/2014/main" val="10003"/>
                   </a:ext>
                 </a:extLst>
               </a:tr>
@@ -25719,7 +25772,7 @@
                 </a:tc>
                 <a:extLst>
                   <a:ext uri="{0D108BD9-81ED-4DB2-BD59-A6C34878D82A}">
-                    <a16:rowId xmlns:a16="http://schemas.microsoft.com/office/drawing/2014/main" xmlns="" val="10004"/>
+                    <a16:rowId xmlns="" xmlns:a16="http://schemas.microsoft.com/office/drawing/2014/main" val="10004"/>
                   </a:ext>
                 </a:extLst>
               </a:tr>
@@ -25796,7 +25849,7 @@
                 </a:tc>
                 <a:extLst>
                   <a:ext uri="{0D108BD9-81ED-4DB2-BD59-A6C34878D82A}">
-                    <a16:rowId xmlns:a16="http://schemas.microsoft.com/office/drawing/2014/main" xmlns="" val="10005"/>
+                    <a16:rowId xmlns="" xmlns:a16="http://schemas.microsoft.com/office/drawing/2014/main" val="10005"/>
                   </a:ext>
                 </a:extLst>
               </a:tr>
@@ -25902,7 +25955,7 @@
                 </a:tc>
                 <a:extLst>
                   <a:ext uri="{0D108BD9-81ED-4DB2-BD59-A6C34878D82A}">
-                    <a16:rowId xmlns:a16="http://schemas.microsoft.com/office/drawing/2014/main" xmlns="" val="10006"/>
+                    <a16:rowId xmlns="" xmlns:a16="http://schemas.microsoft.com/office/drawing/2014/main" val="10006"/>
                   </a:ext>
                 </a:extLst>
               </a:tr>
@@ -26332,7 +26385,7 @@
                 </a:tc>
                 <a:extLst>
                   <a:ext uri="{0D108BD9-81ED-4DB2-BD59-A6C34878D82A}">
-                    <a16:rowId xmlns:a16="http://schemas.microsoft.com/office/drawing/2014/main" xmlns="" val="10007"/>
+                    <a16:rowId xmlns="" xmlns:a16="http://schemas.microsoft.com/office/drawing/2014/main" val="10007"/>
                   </a:ext>
                 </a:extLst>
               </a:tr>

--- a/Presentation/lesson-11-linq.pptx
+++ b/Presentation/lesson-11-linq.pptx
@@ -226,7 +226,7 @@
       </p14:sectionLst>
     </p:ext>
     <p:ext uri="{EFAFB233-063F-42B5-8137-9DF3F51BA10A}">
-      <p15:sldGuideLst xmlns="" xmlns:p15="http://schemas.microsoft.com/office/powerpoint/2012/main">
+      <p15:sldGuideLst xmlns:p15="http://schemas.microsoft.com/office/powerpoint/2012/main" xmlns="">
         <p15:guide id="1" orient="horz" pos="2160">
           <p15:clr>
             <a:srgbClr val="A4A3A4"/>
@@ -326,7 +326,7 @@
             <a:fld id="{B24A7054-7FFB-49F4-A126-5DF6E687FF53}" type="datetimeFigureOut">
               <a:rPr lang="ru-RU" smtClean="0"/>
               <a:pPr/>
-              <a:t>11.07.2022</a:t>
+              <a:t>18.11.2022</a:t>
             </a:fld>
             <a:endParaRPr lang="ru-RU"/>
           </a:p>
@@ -1102,7 +1102,7 @@
             <a:fld id="{8E6E6A2A-E9D3-4A0D-B04A-ABDD367A1E08}" type="datetimeFigureOut">
               <a:rPr lang="ru-RU" smtClean="0"/>
               <a:pPr/>
-              <a:t>11.07.2022</a:t>
+              <a:t>18.11.2022</a:t>
             </a:fld>
             <a:endParaRPr lang="ru-RU"/>
           </a:p>
@@ -2639,7 +2639,7 @@
             <a:fld id="{AC3D3127-B7C4-45E3-9797-C527EC9FDD78}" type="datetimeFigureOut">
               <a:rPr lang="ru-RU" smtClean="0"/>
               <a:pPr/>
-              <a:t>11.07.2022</a:t>
+              <a:t>18.11.2022</a:t>
             </a:fld>
             <a:endParaRPr lang="ru-RU"/>
           </a:p>
@@ -3102,7 +3102,7 @@
           <p:cNvPr id="8" name="TextBox 7">
             <a:extLst>
               <a:ext uri="{FF2B5EF4-FFF2-40B4-BE49-F238E27FC236}">
-                <a16:creationId xmlns="" xmlns:a16="http://schemas.microsoft.com/office/drawing/2014/main" id="{EE547DC5-A497-3E42-88A1-79D1A1F23884}"/>
+                <a16:creationId xmlns:a16="http://schemas.microsoft.com/office/drawing/2014/main" xmlns="" id="{EE547DC5-A497-3E42-88A1-79D1A1F23884}"/>
               </a:ext>
             </a:extLst>
           </p:cNvPr>
@@ -12172,7 +12172,7 @@
           <p:cNvPr id="2" name="Title 1">
             <a:extLst>
               <a:ext uri="{FF2B5EF4-FFF2-40B4-BE49-F238E27FC236}">
-                <a16:creationId xmlns="" xmlns:a16="http://schemas.microsoft.com/office/drawing/2014/main" id="{41A03462-EDF4-E147-9862-EB3ED9B55CDF}"/>
+                <a16:creationId xmlns:a16="http://schemas.microsoft.com/office/drawing/2014/main" xmlns="" id="{41A03462-EDF4-E147-9862-EB3ED9B55CDF}"/>
               </a:ext>
             </a:extLst>
           </p:cNvPr>
@@ -12201,7 +12201,7 @@
           <p:cNvPr id="3" name="Content Placeholder 2">
             <a:extLst>
               <a:ext uri="{FF2B5EF4-FFF2-40B4-BE49-F238E27FC236}">
-                <a16:creationId xmlns="" xmlns:a16="http://schemas.microsoft.com/office/drawing/2014/main" id="{1CC08D06-877D-C340-9132-B1B1AE7EAFAF}"/>
+                <a16:creationId xmlns:a16="http://schemas.microsoft.com/office/drawing/2014/main" xmlns="" id="{1CC08D06-877D-C340-9132-B1B1AE7EAFAF}"/>
               </a:ext>
             </a:extLst>
           </p:cNvPr>
@@ -12434,14 +12434,14 @@
                 <a:gridCol w="1013284">
                   <a:extLst>
                     <a:ext uri="{9D8B030D-6E8A-4147-A177-3AD203B41FA5}">
-                      <a16:colId xmlns="" xmlns:a16="http://schemas.microsoft.com/office/drawing/2014/main" val="20000"/>
+                      <a16:colId xmlns:a16="http://schemas.microsoft.com/office/drawing/2014/main" xmlns="" val="20000"/>
                     </a:ext>
                   </a:extLst>
                 </a:gridCol>
                 <a:gridCol w="7061956">
                   <a:extLst>
                     <a:ext uri="{9D8B030D-6E8A-4147-A177-3AD203B41FA5}">
-                      <a16:colId xmlns="" xmlns:a16="http://schemas.microsoft.com/office/drawing/2014/main" val="20001"/>
+                      <a16:colId xmlns:a16="http://schemas.microsoft.com/office/drawing/2014/main" xmlns="" val="20001"/>
                     </a:ext>
                   </a:extLst>
                 </a:gridCol>
@@ -12555,7 +12555,7 @@
                 </a:tc>
                 <a:extLst>
                   <a:ext uri="{0D108BD9-81ED-4DB2-BD59-A6C34878D82A}">
-                    <a16:rowId xmlns="" xmlns:a16="http://schemas.microsoft.com/office/drawing/2014/main" val="10000"/>
+                    <a16:rowId xmlns:a16="http://schemas.microsoft.com/office/drawing/2014/main" xmlns="" val="10000"/>
                   </a:ext>
                 </a:extLst>
               </a:tr>
@@ -12696,7 +12696,7 @@
                 </a:tc>
                 <a:extLst>
                   <a:ext uri="{0D108BD9-81ED-4DB2-BD59-A6C34878D82A}">
-                    <a16:rowId xmlns="" xmlns:a16="http://schemas.microsoft.com/office/drawing/2014/main" val="10001"/>
+                    <a16:rowId xmlns:a16="http://schemas.microsoft.com/office/drawing/2014/main" xmlns="" val="10001"/>
                   </a:ext>
                 </a:extLst>
               </a:tr>
@@ -12825,7 +12825,7 @@
                 </a:tc>
                 <a:extLst>
                   <a:ext uri="{0D108BD9-81ED-4DB2-BD59-A6C34878D82A}">
-                    <a16:rowId xmlns="" xmlns:a16="http://schemas.microsoft.com/office/drawing/2014/main" val="10002"/>
+                    <a16:rowId xmlns:a16="http://schemas.microsoft.com/office/drawing/2014/main" xmlns="" val="10002"/>
                   </a:ext>
                 </a:extLst>
               </a:tr>
@@ -12946,7 +12946,7 @@
                 </a:tc>
                 <a:extLst>
                   <a:ext uri="{0D108BD9-81ED-4DB2-BD59-A6C34878D82A}">
-                    <a16:rowId xmlns="" xmlns:a16="http://schemas.microsoft.com/office/drawing/2014/main" val="10003"/>
+                    <a16:rowId xmlns:a16="http://schemas.microsoft.com/office/drawing/2014/main" xmlns="" val="10003"/>
                   </a:ext>
                 </a:extLst>
               </a:tr>
@@ -13074,7 +13074,7 @@
                 </a:tc>
                 <a:extLst>
                   <a:ext uri="{0D108BD9-81ED-4DB2-BD59-A6C34878D82A}">
-                    <a16:rowId xmlns="" xmlns:a16="http://schemas.microsoft.com/office/drawing/2014/main" val="10004"/>
+                    <a16:rowId xmlns:a16="http://schemas.microsoft.com/office/drawing/2014/main" xmlns="" val="10004"/>
                   </a:ext>
                 </a:extLst>
               </a:tr>
@@ -13235,7 +13235,7 @@
                 </a:tc>
                 <a:extLst>
                   <a:ext uri="{0D108BD9-81ED-4DB2-BD59-A6C34878D82A}">
-                    <a16:rowId xmlns="" xmlns:a16="http://schemas.microsoft.com/office/drawing/2014/main" val="10005"/>
+                    <a16:rowId xmlns:a16="http://schemas.microsoft.com/office/drawing/2014/main" xmlns="" val="10005"/>
                   </a:ext>
                 </a:extLst>
               </a:tr>
@@ -13380,7 +13380,7 @@
                 </a:tc>
                 <a:extLst>
                   <a:ext uri="{0D108BD9-81ED-4DB2-BD59-A6C34878D82A}">
-                    <a16:rowId xmlns="" xmlns:a16="http://schemas.microsoft.com/office/drawing/2014/main" val="10006"/>
+                    <a16:rowId xmlns:a16="http://schemas.microsoft.com/office/drawing/2014/main" xmlns="" val="10006"/>
                   </a:ext>
                 </a:extLst>
               </a:tr>
@@ -13493,7 +13493,7 @@
                 </a:tc>
                 <a:extLst>
                   <a:ext uri="{0D108BD9-81ED-4DB2-BD59-A6C34878D82A}">
-                    <a16:rowId xmlns="" xmlns:a16="http://schemas.microsoft.com/office/drawing/2014/main" val="10007"/>
+                    <a16:rowId xmlns:a16="http://schemas.microsoft.com/office/drawing/2014/main" xmlns="" val="10007"/>
                   </a:ext>
                 </a:extLst>
               </a:tr>
@@ -13605,7 +13605,7 @@
                 </a:tc>
                 <a:extLst>
                   <a:ext uri="{0D108BD9-81ED-4DB2-BD59-A6C34878D82A}">
-                    <a16:rowId xmlns="" xmlns:a16="http://schemas.microsoft.com/office/drawing/2014/main" val="10008"/>
+                    <a16:rowId xmlns:a16="http://schemas.microsoft.com/office/drawing/2014/main" xmlns="" val="10008"/>
                   </a:ext>
                 </a:extLst>
               </a:tr>
@@ -13710,7 +13710,7 @@
                 </a:tc>
                 <a:extLst>
                   <a:ext uri="{0D108BD9-81ED-4DB2-BD59-A6C34878D82A}">
-                    <a16:rowId xmlns="" xmlns:a16="http://schemas.microsoft.com/office/drawing/2014/main" val="10009"/>
+                    <a16:rowId xmlns:a16="http://schemas.microsoft.com/office/drawing/2014/main" xmlns="" val="10009"/>
                   </a:ext>
                 </a:extLst>
               </a:tr>
@@ -13815,7 +13815,7 @@
                 </a:tc>
                 <a:extLst>
                   <a:ext uri="{0D108BD9-81ED-4DB2-BD59-A6C34878D82A}">
-                    <a16:rowId xmlns="" xmlns:a16="http://schemas.microsoft.com/office/drawing/2014/main" val="10010"/>
+                    <a16:rowId xmlns:a16="http://schemas.microsoft.com/office/drawing/2014/main" xmlns="" val="10010"/>
                   </a:ext>
                 </a:extLst>
               </a:tr>
@@ -13927,7 +13927,7 @@
                 </a:tc>
                 <a:extLst>
                   <a:ext uri="{0D108BD9-81ED-4DB2-BD59-A6C34878D82A}">
-                    <a16:rowId xmlns="" xmlns:a16="http://schemas.microsoft.com/office/drawing/2014/main" val="10011"/>
+                    <a16:rowId xmlns:a16="http://schemas.microsoft.com/office/drawing/2014/main" xmlns="" val="10011"/>
                   </a:ext>
                 </a:extLst>
               </a:tr>
@@ -14060,7 +14060,7 @@
                 </a:tc>
                 <a:extLst>
                   <a:ext uri="{0D108BD9-81ED-4DB2-BD59-A6C34878D82A}">
-                    <a16:rowId xmlns="" xmlns:a16="http://schemas.microsoft.com/office/drawing/2014/main" val="10012"/>
+                    <a16:rowId xmlns:a16="http://schemas.microsoft.com/office/drawing/2014/main" xmlns="" val="10012"/>
                   </a:ext>
                 </a:extLst>
               </a:tr>
@@ -14165,7 +14165,7 @@
                 </a:tc>
                 <a:extLst>
                   <a:ext uri="{0D108BD9-81ED-4DB2-BD59-A6C34878D82A}">
-                    <a16:rowId xmlns="" xmlns:a16="http://schemas.microsoft.com/office/drawing/2014/main" val="10013"/>
+                    <a16:rowId xmlns:a16="http://schemas.microsoft.com/office/drawing/2014/main" xmlns="" val="10013"/>
                   </a:ext>
                 </a:extLst>
               </a:tr>
@@ -14370,7 +14370,7 @@
                 <a:gridCol w="8352928">
                   <a:extLst>
                     <a:ext uri="{9D8B030D-6E8A-4147-A177-3AD203B41FA5}">
-                      <a16:colId xmlns="" xmlns:a16="http://schemas.microsoft.com/office/drawing/2014/main" val="20000"/>
+                      <a16:colId xmlns:a16="http://schemas.microsoft.com/office/drawing/2014/main" xmlns="" val="20000"/>
                     </a:ext>
                   </a:extLst>
                 </a:gridCol>
@@ -14459,7 +14459,7 @@
                 </a:tc>
                 <a:extLst>
                   <a:ext uri="{0D108BD9-81ED-4DB2-BD59-A6C34878D82A}">
-                    <a16:rowId xmlns="" xmlns:a16="http://schemas.microsoft.com/office/drawing/2014/main" val="10000"/>
+                    <a16:rowId xmlns:a16="http://schemas.microsoft.com/office/drawing/2014/main" xmlns="" val="10000"/>
                   </a:ext>
                 </a:extLst>
               </a:tr>
@@ -14556,7 +14556,7 @@
                 </a:tc>
                 <a:extLst>
                   <a:ext uri="{0D108BD9-81ED-4DB2-BD59-A6C34878D82A}">
-                    <a16:rowId xmlns="" xmlns:a16="http://schemas.microsoft.com/office/drawing/2014/main" val="10001"/>
+                    <a16:rowId xmlns:a16="http://schemas.microsoft.com/office/drawing/2014/main" xmlns="" val="10001"/>
                   </a:ext>
                 </a:extLst>
               </a:tr>
@@ -14624,7 +14624,7 @@
                 </a:tc>
                 <a:extLst>
                   <a:ext uri="{0D108BD9-81ED-4DB2-BD59-A6C34878D82A}">
-                    <a16:rowId xmlns="" xmlns:a16="http://schemas.microsoft.com/office/drawing/2014/main" val="10002"/>
+                    <a16:rowId xmlns:a16="http://schemas.microsoft.com/office/drawing/2014/main" xmlns="" val="10002"/>
                   </a:ext>
                 </a:extLst>
               </a:tr>
@@ -14712,7 +14712,7 @@
                 </a:tc>
                 <a:extLst>
                   <a:ext uri="{0D108BD9-81ED-4DB2-BD59-A6C34878D82A}">
-                    <a16:rowId xmlns="" xmlns:a16="http://schemas.microsoft.com/office/drawing/2014/main" val="10003"/>
+                    <a16:rowId xmlns:a16="http://schemas.microsoft.com/office/drawing/2014/main" xmlns="" val="10003"/>
                   </a:ext>
                 </a:extLst>
               </a:tr>
@@ -14809,7 +14809,7 @@
                 </a:tc>
                 <a:extLst>
                   <a:ext uri="{0D108BD9-81ED-4DB2-BD59-A6C34878D82A}">
-                    <a16:rowId xmlns="" xmlns:a16="http://schemas.microsoft.com/office/drawing/2014/main" val="10004"/>
+                    <a16:rowId xmlns:a16="http://schemas.microsoft.com/office/drawing/2014/main" xmlns="" val="10004"/>
                   </a:ext>
                 </a:extLst>
               </a:tr>
@@ -14886,7 +14886,7 @@
                 </a:tc>
                 <a:extLst>
                   <a:ext uri="{0D108BD9-81ED-4DB2-BD59-A6C34878D82A}">
-                    <a16:rowId xmlns="" xmlns:a16="http://schemas.microsoft.com/office/drawing/2014/main" val="10005"/>
+                    <a16:rowId xmlns:a16="http://schemas.microsoft.com/office/drawing/2014/main" xmlns="" val="10005"/>
                   </a:ext>
                 </a:extLst>
               </a:tr>
@@ -15082,7 +15082,7 @@
                 </a:tc>
                 <a:extLst>
                   <a:ext uri="{0D108BD9-81ED-4DB2-BD59-A6C34878D82A}">
-                    <a16:rowId xmlns="" xmlns:a16="http://schemas.microsoft.com/office/drawing/2014/main" val="10006"/>
+                    <a16:rowId xmlns:a16="http://schemas.microsoft.com/office/drawing/2014/main" xmlns="" val="10006"/>
                   </a:ext>
                 </a:extLst>
               </a:tr>
@@ -15161,7 +15161,7 @@
                 </a:tc>
                 <a:extLst>
                   <a:ext uri="{0D108BD9-81ED-4DB2-BD59-A6C34878D82A}">
-                    <a16:rowId xmlns="" xmlns:a16="http://schemas.microsoft.com/office/drawing/2014/main" val="10007"/>
+                    <a16:rowId xmlns:a16="http://schemas.microsoft.com/office/drawing/2014/main" xmlns="" val="10007"/>
                   </a:ext>
                 </a:extLst>
               </a:tr>
@@ -15229,7 +15229,7 @@
                 </a:tc>
                 <a:extLst>
                   <a:ext uri="{0D108BD9-81ED-4DB2-BD59-A6C34878D82A}">
-                    <a16:rowId xmlns="" xmlns:a16="http://schemas.microsoft.com/office/drawing/2014/main" val="10008"/>
+                    <a16:rowId xmlns:a16="http://schemas.microsoft.com/office/drawing/2014/main" xmlns="" val="10008"/>
                   </a:ext>
                 </a:extLst>
               </a:tr>
@@ -15335,7 +15335,7 @@
                 </a:tc>
                 <a:extLst>
                   <a:ext uri="{0D108BD9-81ED-4DB2-BD59-A6C34878D82A}">
-                    <a16:rowId xmlns="" xmlns:a16="http://schemas.microsoft.com/office/drawing/2014/main" val="10009"/>
+                    <a16:rowId xmlns:a16="http://schemas.microsoft.com/office/drawing/2014/main" xmlns="" val="10009"/>
                   </a:ext>
                 </a:extLst>
               </a:tr>
@@ -15792,7 +15792,7 @@
                 </a:tc>
                 <a:extLst>
                   <a:ext uri="{0D108BD9-81ED-4DB2-BD59-A6C34878D82A}">
-                    <a16:rowId xmlns="" xmlns:a16="http://schemas.microsoft.com/office/drawing/2014/main" val="10010"/>
+                    <a16:rowId xmlns:a16="http://schemas.microsoft.com/office/drawing/2014/main" xmlns="" val="10010"/>
                   </a:ext>
                 </a:extLst>
               </a:tr>
@@ -15869,7 +15869,7 @@
                 </a:tc>
                 <a:extLst>
                   <a:ext uri="{0D108BD9-81ED-4DB2-BD59-A6C34878D82A}">
-                    <a16:rowId xmlns="" xmlns:a16="http://schemas.microsoft.com/office/drawing/2014/main" val="10011"/>
+                    <a16:rowId xmlns:a16="http://schemas.microsoft.com/office/drawing/2014/main" xmlns="" val="10011"/>
                   </a:ext>
                 </a:extLst>
               </a:tr>
@@ -15984,7 +15984,7 @@
                 </a:tc>
                 <a:extLst>
                   <a:ext uri="{0D108BD9-81ED-4DB2-BD59-A6C34878D82A}">
-                    <a16:rowId xmlns="" xmlns:a16="http://schemas.microsoft.com/office/drawing/2014/main" val="10012"/>
+                    <a16:rowId xmlns:a16="http://schemas.microsoft.com/office/drawing/2014/main" xmlns="" val="10012"/>
                   </a:ext>
                 </a:extLst>
               </a:tr>
@@ -16081,7 +16081,7 @@
                 </a:tc>
                 <a:extLst>
                   <a:ext uri="{0D108BD9-81ED-4DB2-BD59-A6C34878D82A}">
-                    <a16:rowId xmlns="" xmlns:a16="http://schemas.microsoft.com/office/drawing/2014/main" val="10013"/>
+                    <a16:rowId xmlns:a16="http://schemas.microsoft.com/office/drawing/2014/main" xmlns="" val="10013"/>
                   </a:ext>
                 </a:extLst>
               </a:tr>
@@ -16955,11 +16955,7 @@
             </a:r>
             <a:r>
               <a:rPr lang="ru-RU" dirty="0" smtClean="0"/>
-              <a:t>типов. </a:t>
-            </a:r>
-            <a:r>
-              <a:rPr lang="ru-RU" dirty="0" smtClean="0"/>
-              <a:t>Начиная с </a:t>
+              <a:t>типов. Начиная с </a:t>
             </a:r>
             <a:r>
               <a:rPr lang="en-US" dirty="0" smtClean="0"/>
@@ -18555,7 +18551,7 @@
           <p:cNvPr id="3" name="Content Placeholder 2">
             <a:extLst>
               <a:ext uri="{FF2B5EF4-FFF2-40B4-BE49-F238E27FC236}">
-                <a16:creationId xmlns="" xmlns:a16="http://schemas.microsoft.com/office/drawing/2014/main" id="{01C788F6-B19F-8449-8F85-422BB61BFAB9}"/>
+                <a16:creationId xmlns:a16="http://schemas.microsoft.com/office/drawing/2014/main" xmlns="" id="{01C788F6-B19F-8449-8F85-422BB61BFAB9}"/>
               </a:ext>
             </a:extLst>
           </p:cNvPr>
@@ -19340,26 +19336,32 @@
         </p:nvSpPr>
         <p:spPr/>
         <p:txBody>
-          <a:bodyPr/>
+          <a:bodyPr>
+            <a:normAutofit/>
+          </a:bodyPr>
           <a:lstStyle/>
           <a:p>
             <a:r>
-              <a:rPr lang="ru-RU" dirty="0"/>
+              <a:rPr lang="ru-RU" sz="2800" dirty="0"/>
               <a:t>Методы </a:t>
             </a:r>
             <a:r>
-              <a:rPr lang="en-US" dirty="0"/>
+              <a:rPr lang="en-US" sz="2800" dirty="0"/>
               <a:t>Count()/</a:t>
             </a:r>
             <a:r>
-              <a:rPr lang="en-US" dirty="0" err="1"/>
+              <a:rPr lang="en-US" sz="2800" dirty="0" err="1"/>
               <a:t>LongCount</a:t>
             </a:r>
             <a:r>
-              <a:rPr lang="en-US" dirty="0"/>
-              <a:t>()</a:t>
-            </a:r>
-            <a:endParaRPr lang="ru-RU" dirty="0"/>
+              <a:rPr lang="en-US" sz="2800" dirty="0" smtClean="0"/>
+              <a:t>()/</a:t>
+            </a:r>
+            <a:r>
+              <a:rPr lang="en-US" sz="2800" dirty="0" err="1" smtClean="0"/>
+              <a:t>TryGetNonEnumeratedCount</a:t>
+            </a:r>
+            <a:endParaRPr lang="ru-RU" sz="2800" dirty="0"/>
           </a:p>
         </p:txBody>
       </p:sp>
@@ -19998,7 +20000,7 @@
         </p:spPr>
         <p:txBody>
           <a:bodyPr vert="horz" lIns="91440" tIns="45720" rIns="91440" bIns="45720" rtlCol="0">
-            <a:normAutofit/>
+            <a:normAutofit fontScale="92500" lnSpcReduction="20000"/>
           </a:bodyPr>
           <a:lstStyle>
             <a:lvl1pPr marL="342900" indent="-342900" algn="l" defTabSz="914400" rtl="0" eaLnBrk="1" latinLnBrk="0" hangingPunct="1">
@@ -20139,21 +20141,48 @@
           </a:lstStyle>
           <a:p>
             <a:pPr marL="0" indent="0">
+              <a:buNone/>
+            </a:pPr>
+            <a:r>
+              <a:rPr lang="ru-RU" sz="2400" dirty="0"/>
+              <a:t>Если у коллекции есть свойство </a:t>
+            </a:r>
+            <a:r>
+              <a:rPr lang="en-US" sz="2400" dirty="0"/>
+              <a:t>Length/Count, </a:t>
+            </a:r>
+            <a:r>
+              <a:rPr lang="ru-RU" sz="2400" dirty="0"/>
+              <a:t>то лучше использовать его</a:t>
+            </a:r>
+            <a:r>
+              <a:rPr lang="ru-RU" sz="2400" dirty="0" smtClean="0"/>
+              <a:t>.</a:t>
+            </a:r>
+            <a:r>
+              <a:rPr lang="en-US" sz="2400" dirty="0" smtClean="0"/>
+              <a:t> </a:t>
+            </a:r>
+            <a:r>
+              <a:rPr lang="ru-RU" sz="2400" dirty="0" smtClean="0"/>
+              <a:t>Метод </a:t>
+            </a:r>
+            <a:r>
+              <a:rPr lang="en-US" sz="2400" dirty="0" err="1" smtClean="0"/>
+              <a:t>TryGetNonEnumeratedCount</a:t>
+            </a:r>
+            <a:r>
+              <a:rPr lang="ru-RU" sz="2400" smtClean="0"/>
+              <a:t> пробует получить количество элементов без перебора коллекции.</a:t>
+            </a:r>
+            <a:endParaRPr lang="en-US" sz="2400" dirty="0"/>
+          </a:p>
+          <a:p>
+            <a:pPr marL="0" indent="0">
               <a:buFont typeface="Arial" pitchFamily="34" charset="0"/>
               <a:buNone/>
             </a:pPr>
-            <a:r>
-              <a:rPr lang="ru-RU" sz="2400" dirty="0"/>
-              <a:t>Если у коллекции есть свойство </a:t>
-            </a:r>
-            <a:r>
-              <a:rPr lang="en-US" sz="2400" dirty="0"/>
-              <a:t>Length/Count, </a:t>
-            </a:r>
-            <a:r>
-              <a:rPr lang="ru-RU" sz="2400" dirty="0"/>
-              <a:t>то лучше использовать его.</a:t>
-            </a:r>
+            <a:endParaRPr lang="ru-RU" sz="2400" dirty="0"/>
           </a:p>
         </p:txBody>
       </p:sp>
@@ -20235,7 +20264,7 @@
         <p:spPr/>
         <p:txBody>
           <a:bodyPr>
-            <a:normAutofit/>
+            <a:normAutofit lnSpcReduction="10000"/>
           </a:bodyPr>
           <a:lstStyle/>
           <a:p>
@@ -20340,6 +20369,99 @@
               <a:t>TValue</a:t>
             </a:r>
             <a:r>
+              <a:rPr lang="en-US" sz="2800" dirty="0" smtClean="0"/>
+              <a:t>&gt;</a:t>
+            </a:r>
+          </a:p>
+          <a:p>
+            <a:r>
+              <a:rPr lang="en-US" sz="2800" dirty="0" err="1" smtClean="0"/>
+              <a:t>ToHashSet</a:t>
+            </a:r>
+            <a:r>
+              <a:rPr lang="en-US" sz="2800" dirty="0" smtClean="0"/>
+              <a:t>() -</a:t>
+            </a:r>
+            <a:r>
+              <a:rPr lang="en-US" sz="2800" dirty="0"/>
+              <a:t> </a:t>
+            </a:r>
+            <a:r>
+              <a:rPr lang="ru-RU" sz="2800" dirty="0"/>
+              <a:t>преобразование </a:t>
+            </a:r>
+            <a:r>
+              <a:rPr lang="en-US" sz="2800" dirty="0" err="1"/>
+              <a:t>IEnumerable</a:t>
+            </a:r>
+            <a:r>
+              <a:rPr lang="en-US" sz="2800" dirty="0"/>
+              <a:t>&lt;T&gt; </a:t>
+            </a:r>
+            <a:r>
+              <a:rPr lang="ru-RU" sz="2800" dirty="0"/>
+              <a:t>в </a:t>
+            </a:r>
+            <a:r>
+              <a:rPr lang="en-US" sz="2800" dirty="0" err="1" smtClean="0"/>
+              <a:t>HashSet</a:t>
+            </a:r>
+            <a:r>
+              <a:rPr lang="en-US" sz="2800" dirty="0" smtClean="0"/>
+              <a:t>&lt;T&gt;</a:t>
+            </a:r>
+            <a:endParaRPr lang="en-US" sz="2800" dirty="0"/>
+          </a:p>
+          <a:p>
+            <a:r>
+              <a:rPr lang="en-US" sz="2800" dirty="0" err="1"/>
+              <a:t>ToLookup</a:t>
+            </a:r>
+            <a:r>
+              <a:rPr lang="en-US" sz="2800" dirty="0"/>
+              <a:t>()</a:t>
+            </a:r>
+            <a:r>
+              <a:rPr lang="ru-RU" sz="2800" dirty="0"/>
+              <a:t> </a:t>
+            </a:r>
+            <a:r>
+              <a:rPr lang="en-US" sz="2800" dirty="0"/>
+              <a:t>- </a:t>
+            </a:r>
+            <a:r>
+              <a:rPr lang="ru-RU" sz="2800" dirty="0"/>
+              <a:t>преобразование </a:t>
+            </a:r>
+            <a:r>
+              <a:rPr lang="en-US" sz="2800" dirty="0" err="1"/>
+              <a:t>IEnumerable</a:t>
+            </a:r>
+            <a:r>
+              <a:rPr lang="en-US" sz="2800" dirty="0"/>
+              <a:t>&lt;T&gt; </a:t>
+            </a:r>
+            <a:r>
+              <a:rPr lang="ru-RU" sz="2800" dirty="0"/>
+              <a:t>в </a:t>
+            </a:r>
+            <a:r>
+              <a:rPr lang="en-US" sz="2800" dirty="0"/>
+              <a:t>Lookup&lt;</a:t>
+            </a:r>
+            <a:r>
+              <a:rPr lang="en-US" sz="2800" dirty="0" err="1"/>
+              <a:t>TKey</a:t>
+            </a:r>
+            <a:r>
+              <a:rPr lang="en-US" sz="2800" dirty="0"/>
+              <a:t>, </a:t>
+            </a:r>
+            <a:r>
+              <a:rPr lang="en-US" sz="2800" dirty="0" err="1"/>
+              <a:t>TElement</a:t>
+            </a:r>
+            <a:r>
               <a:rPr lang="en-US" sz="2800" dirty="0"/>
               <a:t>&gt;</a:t>
             </a:r>
@@ -20347,66 +20469,29 @@
           <a:p>
             <a:r>
               <a:rPr lang="en-US" sz="2800" dirty="0" err="1"/>
-              <a:t>ToLookup</a:t>
+              <a:t>ToEnumerable</a:t>
             </a:r>
             <a:r>
               <a:rPr lang="en-US" sz="2800" dirty="0"/>
-              <a:t>()</a:t>
-            </a:r>
-            <a:r>
-              <a:rPr lang="ru-RU" sz="2800" dirty="0"/>
-              <a:t> </a:t>
-            </a:r>
-            <a:r>
-              <a:rPr lang="en-US" sz="2800" dirty="0"/>
-              <a:t>- </a:t>
+              <a:t>() - </a:t>
             </a:r>
             <a:r>
               <a:rPr lang="ru-RU" sz="2800" dirty="0"/>
               <a:t>преобразование </a:t>
             </a:r>
             <a:r>
-              <a:rPr lang="en-US" sz="2800" dirty="0" err="1"/>
+              <a:rPr lang="ru-RU" sz="2800" dirty="0" smtClean="0"/>
+              <a:t>в тип </a:t>
+            </a:r>
+            <a:r>
+              <a:rPr lang="en-US" sz="2800" dirty="0" err="1" smtClean="0"/>
               <a:t>IEnumerable</a:t>
             </a:r>
             <a:r>
-              <a:rPr lang="en-US" sz="2800" dirty="0"/>
-              <a:t>&lt;T&gt; </a:t>
-            </a:r>
-            <a:r>
-              <a:rPr lang="ru-RU" sz="2800" dirty="0"/>
-              <a:t>в </a:t>
-            </a:r>
-            <a:r>
-              <a:rPr lang="en-US" sz="2800" dirty="0"/>
-              <a:t>Lookup&lt;</a:t>
-            </a:r>
-            <a:r>
-              <a:rPr lang="en-US" sz="2800" dirty="0" err="1"/>
-              <a:t>TKey</a:t>
-            </a:r>
-            <a:r>
-              <a:rPr lang="en-US" sz="2800" dirty="0"/>
-              <a:t>, </a:t>
-            </a:r>
-            <a:r>
-              <a:rPr lang="en-US" sz="2800" dirty="0" err="1"/>
-              <a:t>TElement</a:t>
-            </a:r>
-            <a:r>
-              <a:rPr lang="en-US" sz="2800" dirty="0"/>
-              <a:t>&gt;</a:t>
-            </a:r>
-          </a:p>
-          <a:p>
-            <a:r>
-              <a:rPr lang="en-US" sz="2800" dirty="0" err="1"/>
-              <a:t>ToEnumerable</a:t>
-            </a:r>
-            <a:r>
-              <a:rPr lang="en-US" sz="2800" dirty="0"/>
-              <a:t>()</a:t>
-            </a:r>
+              <a:rPr lang="en-US" sz="2800" dirty="0" smtClean="0"/>
+              <a:t>&lt;T&gt;</a:t>
+            </a:r>
+            <a:endParaRPr lang="en-US" sz="2800" dirty="0"/>
           </a:p>
         </p:txBody>
       </p:sp>
@@ -20655,14 +20740,14 @@
                 <a:gridCol w="1368152">
                   <a:extLst>
                     <a:ext uri="{9D8B030D-6E8A-4147-A177-3AD203B41FA5}">
-                      <a16:colId xmlns="" xmlns:a16="http://schemas.microsoft.com/office/drawing/2014/main" val="20000"/>
+                      <a16:colId xmlns:a16="http://schemas.microsoft.com/office/drawing/2014/main" xmlns="" val="20000"/>
                     </a:ext>
                   </a:extLst>
                 </a:gridCol>
                 <a:gridCol w="6984776">
                   <a:extLst>
                     <a:ext uri="{9D8B030D-6E8A-4147-A177-3AD203B41FA5}">
-                      <a16:colId xmlns="" xmlns:a16="http://schemas.microsoft.com/office/drawing/2014/main" val="20001"/>
+                      <a16:colId xmlns:a16="http://schemas.microsoft.com/office/drawing/2014/main" xmlns="" val="20001"/>
                     </a:ext>
                   </a:extLst>
                 </a:gridCol>
@@ -20824,7 +20909,7 @@
                 </a:tc>
                 <a:extLst>
                   <a:ext uri="{0D108BD9-81ED-4DB2-BD59-A6C34878D82A}">
-                    <a16:rowId xmlns="" xmlns:a16="http://schemas.microsoft.com/office/drawing/2014/main" val="10000"/>
+                    <a16:rowId xmlns:a16="http://schemas.microsoft.com/office/drawing/2014/main" xmlns="" val="10000"/>
                   </a:ext>
                 </a:extLst>
               </a:tr>
@@ -20973,7 +21058,7 @@
                 </a:tc>
                 <a:extLst>
                   <a:ext uri="{0D108BD9-81ED-4DB2-BD59-A6C34878D82A}">
-                    <a16:rowId xmlns="" xmlns:a16="http://schemas.microsoft.com/office/drawing/2014/main" val="10001"/>
+                    <a16:rowId xmlns:a16="http://schemas.microsoft.com/office/drawing/2014/main" xmlns="" val="10001"/>
                   </a:ext>
                 </a:extLst>
               </a:tr>
@@ -21122,7 +21207,7 @@
                 </a:tc>
                 <a:extLst>
                   <a:ext uri="{0D108BD9-81ED-4DB2-BD59-A6C34878D82A}">
-                    <a16:rowId xmlns="" xmlns:a16="http://schemas.microsoft.com/office/drawing/2014/main" val="10002"/>
+                    <a16:rowId xmlns:a16="http://schemas.microsoft.com/office/drawing/2014/main" xmlns="" val="10002"/>
                   </a:ext>
                 </a:extLst>
               </a:tr>
@@ -21271,7 +21356,7 @@
                 </a:tc>
                 <a:extLst>
                   <a:ext uri="{0D108BD9-81ED-4DB2-BD59-A6C34878D82A}">
-                    <a16:rowId xmlns="" xmlns:a16="http://schemas.microsoft.com/office/drawing/2014/main" val="10003"/>
+                    <a16:rowId xmlns:a16="http://schemas.microsoft.com/office/drawing/2014/main" xmlns="" val="10003"/>
                   </a:ext>
                 </a:extLst>
               </a:tr>
@@ -21420,7 +21505,7 @@
                 </a:tc>
                 <a:extLst>
                   <a:ext uri="{0D108BD9-81ED-4DB2-BD59-A6C34878D82A}">
-                    <a16:rowId xmlns="" xmlns:a16="http://schemas.microsoft.com/office/drawing/2014/main" val="10004"/>
+                    <a16:rowId xmlns:a16="http://schemas.microsoft.com/office/drawing/2014/main" xmlns="" val="10004"/>
                   </a:ext>
                 </a:extLst>
               </a:tr>
@@ -21569,7 +21654,7 @@
                 </a:tc>
                 <a:extLst>
                   <a:ext uri="{0D108BD9-81ED-4DB2-BD59-A6C34878D82A}">
-                    <a16:rowId xmlns="" xmlns:a16="http://schemas.microsoft.com/office/drawing/2014/main" val="10005"/>
+                    <a16:rowId xmlns:a16="http://schemas.microsoft.com/office/drawing/2014/main" xmlns="" val="10005"/>
                   </a:ext>
                 </a:extLst>
               </a:tr>
@@ -21718,7 +21803,7 @@
                 </a:tc>
                 <a:extLst>
                   <a:ext uri="{0D108BD9-81ED-4DB2-BD59-A6C34878D82A}">
-                    <a16:rowId xmlns="" xmlns:a16="http://schemas.microsoft.com/office/drawing/2014/main" val="10006"/>
+                    <a16:rowId xmlns:a16="http://schemas.microsoft.com/office/drawing/2014/main" xmlns="" val="10006"/>
                   </a:ext>
                 </a:extLst>
               </a:tr>
@@ -21867,7 +21952,7 @@
                 </a:tc>
                 <a:extLst>
                   <a:ext uri="{0D108BD9-81ED-4DB2-BD59-A6C34878D82A}">
-                    <a16:rowId xmlns="" xmlns:a16="http://schemas.microsoft.com/office/drawing/2014/main" val="10007"/>
+                    <a16:rowId xmlns:a16="http://schemas.microsoft.com/office/drawing/2014/main" xmlns="" val="10007"/>
                   </a:ext>
                 </a:extLst>
               </a:tr>
@@ -22016,7 +22101,7 @@
                 </a:tc>
                 <a:extLst>
                   <a:ext uri="{0D108BD9-81ED-4DB2-BD59-A6C34878D82A}">
-                    <a16:rowId xmlns="" xmlns:a16="http://schemas.microsoft.com/office/drawing/2014/main" val="10008"/>
+                    <a16:rowId xmlns:a16="http://schemas.microsoft.com/office/drawing/2014/main" xmlns="" val="10008"/>
                   </a:ext>
                 </a:extLst>
               </a:tr>
@@ -22177,7 +22262,7 @@
                 </a:tc>
                 <a:extLst>
                   <a:ext uri="{0D108BD9-81ED-4DB2-BD59-A6C34878D82A}">
-                    <a16:rowId xmlns="" xmlns:a16="http://schemas.microsoft.com/office/drawing/2014/main" val="10009"/>
+                    <a16:rowId xmlns:a16="http://schemas.microsoft.com/office/drawing/2014/main" xmlns="" val="10009"/>
                   </a:ext>
                 </a:extLst>
               </a:tr>
@@ -22326,7 +22411,7 @@
                 </a:tc>
                 <a:extLst>
                   <a:ext uri="{0D108BD9-81ED-4DB2-BD59-A6C34878D82A}">
-                    <a16:rowId xmlns="" xmlns:a16="http://schemas.microsoft.com/office/drawing/2014/main" val="10010"/>
+                    <a16:rowId xmlns:a16="http://schemas.microsoft.com/office/drawing/2014/main" xmlns="" val="10010"/>
                   </a:ext>
                 </a:extLst>
               </a:tr>
@@ -22475,7 +22560,7 @@
                 </a:tc>
                 <a:extLst>
                   <a:ext uri="{0D108BD9-81ED-4DB2-BD59-A6C34878D82A}">
-                    <a16:rowId xmlns="" xmlns:a16="http://schemas.microsoft.com/office/drawing/2014/main" val="10011"/>
+                    <a16:rowId xmlns:a16="http://schemas.microsoft.com/office/drawing/2014/main" xmlns="" val="10011"/>
                   </a:ext>
                 </a:extLst>
               </a:tr>
@@ -22624,7 +22709,7 @@
                 </a:tc>
                 <a:extLst>
                   <a:ext uri="{0D108BD9-81ED-4DB2-BD59-A6C34878D82A}">
-                    <a16:rowId xmlns="" xmlns:a16="http://schemas.microsoft.com/office/drawing/2014/main" val="10012"/>
+                    <a16:rowId xmlns:a16="http://schemas.microsoft.com/office/drawing/2014/main" xmlns="" val="10012"/>
                   </a:ext>
                 </a:extLst>
               </a:tr>
@@ -22773,7 +22858,7 @@
                 </a:tc>
                 <a:extLst>
                   <a:ext uri="{0D108BD9-81ED-4DB2-BD59-A6C34878D82A}">
-                    <a16:rowId xmlns="" xmlns:a16="http://schemas.microsoft.com/office/drawing/2014/main" val="10013"/>
+                    <a16:rowId xmlns:a16="http://schemas.microsoft.com/office/drawing/2014/main" xmlns="" val="10013"/>
                   </a:ext>
                 </a:extLst>
               </a:tr>
@@ -22922,7 +23007,7 @@
                 </a:tc>
                 <a:extLst>
                   <a:ext uri="{0D108BD9-81ED-4DB2-BD59-A6C34878D82A}">
-                    <a16:rowId xmlns="" xmlns:a16="http://schemas.microsoft.com/office/drawing/2014/main" val="10014"/>
+                    <a16:rowId xmlns:a16="http://schemas.microsoft.com/office/drawing/2014/main" xmlns="" val="10014"/>
                   </a:ext>
                 </a:extLst>
               </a:tr>
@@ -23080,7 +23165,7 @@
                 </a:tc>
                 <a:extLst>
                   <a:ext uri="{0D108BD9-81ED-4DB2-BD59-A6C34878D82A}">
-                    <a16:rowId xmlns="" xmlns:a16="http://schemas.microsoft.com/office/drawing/2014/main" val="10015"/>
+                    <a16:rowId xmlns:a16="http://schemas.microsoft.com/office/drawing/2014/main" xmlns="" val="10015"/>
                   </a:ext>
                 </a:extLst>
               </a:tr>
@@ -23229,7 +23314,7 @@
                 </a:tc>
                 <a:extLst>
                   <a:ext uri="{0D108BD9-81ED-4DB2-BD59-A6C34878D82A}">
-                    <a16:rowId xmlns="" xmlns:a16="http://schemas.microsoft.com/office/drawing/2014/main" val="10016"/>
+                    <a16:rowId xmlns:a16="http://schemas.microsoft.com/office/drawing/2014/main" xmlns="" val="10016"/>
                   </a:ext>
                 </a:extLst>
               </a:tr>
@@ -23331,14 +23416,14 @@
                 <a:gridCol w="1440160">
                   <a:extLst>
                     <a:ext uri="{9D8B030D-6E8A-4147-A177-3AD203B41FA5}">
-                      <a16:colId xmlns="" xmlns:a16="http://schemas.microsoft.com/office/drawing/2014/main" val="20000"/>
+                      <a16:colId xmlns:a16="http://schemas.microsoft.com/office/drawing/2014/main" xmlns="" val="20000"/>
                     </a:ext>
                   </a:extLst>
                 </a:gridCol>
                 <a:gridCol w="6984776">
                   <a:extLst>
                     <a:ext uri="{9D8B030D-6E8A-4147-A177-3AD203B41FA5}">
-                      <a16:colId xmlns="" xmlns:a16="http://schemas.microsoft.com/office/drawing/2014/main" val="20001"/>
+                      <a16:colId xmlns:a16="http://schemas.microsoft.com/office/drawing/2014/main" xmlns="" val="20001"/>
                     </a:ext>
                   </a:extLst>
                 </a:gridCol>
@@ -23496,7 +23581,7 @@
                 </a:tc>
                 <a:extLst>
                   <a:ext uri="{0D108BD9-81ED-4DB2-BD59-A6C34878D82A}">
-                    <a16:rowId xmlns="" xmlns:a16="http://schemas.microsoft.com/office/drawing/2014/main" val="10000"/>
+                    <a16:rowId xmlns:a16="http://schemas.microsoft.com/office/drawing/2014/main" xmlns="" val="10000"/>
                   </a:ext>
                 </a:extLst>
               </a:tr>
@@ -23653,7 +23738,7 @@
                 </a:tc>
                 <a:extLst>
                   <a:ext uri="{0D108BD9-81ED-4DB2-BD59-A6C34878D82A}">
-                    <a16:rowId xmlns="" xmlns:a16="http://schemas.microsoft.com/office/drawing/2014/main" val="10001"/>
+                    <a16:rowId xmlns:a16="http://schemas.microsoft.com/office/drawing/2014/main" xmlns="" val="10001"/>
                   </a:ext>
                 </a:extLst>
               </a:tr>
@@ -23786,7 +23871,7 @@
                 </a:tc>
                 <a:extLst>
                   <a:ext uri="{0D108BD9-81ED-4DB2-BD59-A6C34878D82A}">
-                    <a16:rowId xmlns="" xmlns:a16="http://schemas.microsoft.com/office/drawing/2014/main" val="10002"/>
+                    <a16:rowId xmlns:a16="http://schemas.microsoft.com/office/drawing/2014/main" xmlns="" val="10002"/>
                   </a:ext>
                 </a:extLst>
               </a:tr>
@@ -23979,7 +24064,7 @@
                 </a:tc>
                 <a:extLst>
                   <a:ext uri="{0D108BD9-81ED-4DB2-BD59-A6C34878D82A}">
-                    <a16:rowId xmlns="" xmlns:a16="http://schemas.microsoft.com/office/drawing/2014/main" val="10003"/>
+                    <a16:rowId xmlns:a16="http://schemas.microsoft.com/office/drawing/2014/main" xmlns="" val="10003"/>
                   </a:ext>
                 </a:extLst>
               </a:tr>
@@ -24112,7 +24197,7 @@
                 </a:tc>
                 <a:extLst>
                   <a:ext uri="{0D108BD9-81ED-4DB2-BD59-A6C34878D82A}">
-                    <a16:rowId xmlns="" xmlns:a16="http://schemas.microsoft.com/office/drawing/2014/main" val="10004"/>
+                    <a16:rowId xmlns:a16="http://schemas.microsoft.com/office/drawing/2014/main" xmlns="" val="10004"/>
                   </a:ext>
                 </a:extLst>
               </a:tr>
@@ -24257,7 +24342,7 @@
                 </a:tc>
                 <a:extLst>
                   <a:ext uri="{0D108BD9-81ED-4DB2-BD59-A6C34878D82A}">
-                    <a16:rowId xmlns="" xmlns:a16="http://schemas.microsoft.com/office/drawing/2014/main" val="10005"/>
+                    <a16:rowId xmlns:a16="http://schemas.microsoft.com/office/drawing/2014/main" xmlns="" val="10005"/>
                   </a:ext>
                 </a:extLst>
               </a:tr>
@@ -24402,7 +24487,7 @@
                 </a:tc>
                 <a:extLst>
                   <a:ext uri="{0D108BD9-81ED-4DB2-BD59-A6C34878D82A}">
-                    <a16:rowId xmlns="" xmlns:a16="http://schemas.microsoft.com/office/drawing/2014/main" val="10006"/>
+                    <a16:rowId xmlns:a16="http://schemas.microsoft.com/office/drawing/2014/main" xmlns="" val="10006"/>
                   </a:ext>
                 </a:extLst>
               </a:tr>
@@ -24541,7 +24626,7 @@
                 </a:tc>
                 <a:extLst>
                   <a:ext uri="{0D108BD9-81ED-4DB2-BD59-A6C34878D82A}">
-                    <a16:rowId xmlns="" xmlns:a16="http://schemas.microsoft.com/office/drawing/2014/main" val="10007"/>
+                    <a16:rowId xmlns:a16="http://schemas.microsoft.com/office/drawing/2014/main" xmlns="" val="10007"/>
                   </a:ext>
                 </a:extLst>
               </a:tr>
@@ -24686,7 +24771,7 @@
                 </a:tc>
                 <a:extLst>
                   <a:ext uri="{0D108BD9-81ED-4DB2-BD59-A6C34878D82A}">
-                    <a16:rowId xmlns="" xmlns:a16="http://schemas.microsoft.com/office/drawing/2014/main" val="10008"/>
+                    <a16:rowId xmlns:a16="http://schemas.microsoft.com/office/drawing/2014/main" xmlns="" val="10008"/>
                   </a:ext>
                 </a:extLst>
               </a:tr>
@@ -24819,7 +24904,7 @@
                 </a:tc>
                 <a:extLst>
                   <a:ext uri="{0D108BD9-81ED-4DB2-BD59-A6C34878D82A}">
-                    <a16:rowId xmlns="" xmlns:a16="http://schemas.microsoft.com/office/drawing/2014/main" val="10009"/>
+                    <a16:rowId xmlns:a16="http://schemas.microsoft.com/office/drawing/2014/main" xmlns="" val="10009"/>
                   </a:ext>
                 </a:extLst>
               </a:tr>
@@ -24970,7 +25055,7 @@
                 </a:tc>
                 <a:extLst>
                   <a:ext uri="{0D108BD9-81ED-4DB2-BD59-A6C34878D82A}">
-                    <a16:rowId xmlns="" xmlns:a16="http://schemas.microsoft.com/office/drawing/2014/main" val="10010"/>
+                    <a16:rowId xmlns:a16="http://schemas.microsoft.com/office/drawing/2014/main" xmlns="" val="10010"/>
                   </a:ext>
                 </a:extLst>
               </a:tr>
@@ -25115,7 +25200,7 @@
                 </a:tc>
                 <a:extLst>
                   <a:ext uri="{0D108BD9-81ED-4DB2-BD59-A6C34878D82A}">
-                    <a16:rowId xmlns="" xmlns:a16="http://schemas.microsoft.com/office/drawing/2014/main" val="10011"/>
+                    <a16:rowId xmlns:a16="http://schemas.microsoft.com/office/drawing/2014/main" xmlns="" val="10011"/>
                   </a:ext>
                 </a:extLst>
               </a:tr>
@@ -25260,7 +25345,7 @@
                 </a:tc>
                 <a:extLst>
                   <a:ext uri="{0D108BD9-81ED-4DB2-BD59-A6C34878D82A}">
-                    <a16:rowId xmlns="" xmlns:a16="http://schemas.microsoft.com/office/drawing/2014/main" val="10012"/>
+                    <a16:rowId xmlns:a16="http://schemas.microsoft.com/office/drawing/2014/main" xmlns="" val="10012"/>
                   </a:ext>
                 </a:extLst>
               </a:tr>
@@ -25348,7 +25433,7 @@
         </p:nvGraphicFramePr>
         <p:xfrm>
           <a:off x="395536" y="886086"/>
-          <a:ext cx="8352928" cy="3529819"/>
+          <a:ext cx="8352928" cy="3674026"/>
         </p:xfrm>
         <a:graphic>
           <a:graphicData uri="http://schemas.openxmlformats.org/drawingml/2006/table">
@@ -25360,7 +25445,7 @@
                 <a:gridCol w="8352928">
                   <a:extLst>
                     <a:ext uri="{9D8B030D-6E8A-4147-A177-3AD203B41FA5}">
-                      <a16:colId xmlns="" xmlns:a16="http://schemas.microsoft.com/office/drawing/2014/main" val="20000"/>
+                      <a16:colId xmlns:a16="http://schemas.microsoft.com/office/drawing/2014/main" xmlns="" val="20000"/>
                     </a:ext>
                   </a:extLst>
                 </a:gridCol>
@@ -25449,7 +25534,7 @@
                 </a:tc>
                 <a:extLst>
                   <a:ext uri="{0D108BD9-81ED-4DB2-BD59-A6C34878D82A}">
-                    <a16:rowId xmlns="" xmlns:a16="http://schemas.microsoft.com/office/drawing/2014/main" val="10000"/>
+                    <a16:rowId xmlns:a16="http://schemas.microsoft.com/office/drawing/2014/main" xmlns="" val="10000"/>
                   </a:ext>
                 </a:extLst>
               </a:tr>
@@ -25537,7 +25622,7 @@
                 </a:tc>
                 <a:extLst>
                   <a:ext uri="{0D108BD9-81ED-4DB2-BD59-A6C34878D82A}">
-                    <a16:rowId xmlns="" xmlns:a16="http://schemas.microsoft.com/office/drawing/2014/main" val="10001"/>
+                    <a16:rowId xmlns:a16="http://schemas.microsoft.com/office/drawing/2014/main" xmlns="" val="10001"/>
                   </a:ext>
                 </a:extLst>
               </a:tr>
@@ -25605,7 +25690,7 @@
                 </a:tc>
                 <a:extLst>
                   <a:ext uri="{0D108BD9-81ED-4DB2-BD59-A6C34878D82A}">
-                    <a16:rowId xmlns="" xmlns:a16="http://schemas.microsoft.com/office/drawing/2014/main" val="10002"/>
+                    <a16:rowId xmlns:a16="http://schemas.microsoft.com/office/drawing/2014/main" xmlns="" val="10002"/>
                   </a:ext>
                 </a:extLst>
               </a:tr>
@@ -25693,7 +25778,7 @@
                 </a:tc>
                 <a:extLst>
                   <a:ext uri="{0D108BD9-81ED-4DB2-BD59-A6C34878D82A}">
-                    <a16:rowId xmlns="" xmlns:a16="http://schemas.microsoft.com/office/drawing/2014/main" val="10003"/>
+                    <a16:rowId xmlns:a16="http://schemas.microsoft.com/office/drawing/2014/main" xmlns="" val="10003"/>
                   </a:ext>
                 </a:extLst>
               </a:tr>
@@ -25772,7 +25857,7 @@
                 </a:tc>
                 <a:extLst>
                   <a:ext uri="{0D108BD9-81ED-4DB2-BD59-A6C34878D82A}">
-                    <a16:rowId xmlns="" xmlns:a16="http://schemas.microsoft.com/office/drawing/2014/main" val="10004"/>
+                    <a16:rowId xmlns:a16="http://schemas.microsoft.com/office/drawing/2014/main" xmlns="" val="10004"/>
                   </a:ext>
                 </a:extLst>
               </a:tr>
@@ -25849,7 +25934,7 @@
                 </a:tc>
                 <a:extLst>
                   <a:ext uri="{0D108BD9-81ED-4DB2-BD59-A6C34878D82A}">
-                    <a16:rowId xmlns="" xmlns:a16="http://schemas.microsoft.com/office/drawing/2014/main" val="10005"/>
+                    <a16:rowId xmlns:a16="http://schemas.microsoft.com/office/drawing/2014/main" xmlns="" val="10005"/>
                   </a:ext>
                 </a:extLst>
               </a:tr>
@@ -25955,7 +26040,7 @@
                 </a:tc>
                 <a:extLst>
                   <a:ext uri="{0D108BD9-81ED-4DB2-BD59-A6C34878D82A}">
-                    <a16:rowId xmlns="" xmlns:a16="http://schemas.microsoft.com/office/drawing/2014/main" val="10006"/>
+                    <a16:rowId xmlns:a16="http://schemas.microsoft.com/office/drawing/2014/main" xmlns="" val="10006"/>
                   </a:ext>
                 </a:extLst>
               </a:tr>
@@ -26385,7 +26470,7 @@
                 </a:tc>
                 <a:extLst>
                   <a:ext uri="{0D108BD9-81ED-4DB2-BD59-A6C34878D82A}">
-                    <a16:rowId xmlns="" xmlns:a16="http://schemas.microsoft.com/office/drawing/2014/main" val="10007"/>
+                    <a16:rowId xmlns:a16="http://schemas.microsoft.com/office/drawing/2014/main" xmlns="" val="10007"/>
                   </a:ext>
                 </a:extLst>
               </a:tr>
